--- a/k224-docs/Servis_po_organizatsii_i_poisku_meropriaty_Par.pptx
+++ b/k224-docs/Servis_po_organizatsii_i_poisku_meropriaty_Par.pptx
@@ -5,10 +5,10 @@
     <p:sldMasterId id="2147483662" r:id="rId2"/>
   </p:sldMasterIdLst>
   <p:notesMasterIdLst>
-    <p:notesMasterId r:id="rId23"/>
+    <p:notesMasterId r:id="rId26"/>
   </p:notesMasterIdLst>
   <p:handoutMasterIdLst>
-    <p:handoutMasterId r:id="rId24"/>
+    <p:handoutMasterId r:id="rId27"/>
   </p:handoutMasterIdLst>
   <p:sldIdLst>
     <p:sldId id="257" r:id="rId3"/>
@@ -18,19 +18,22 @@
     <p:sldId id="272" r:id="rId7"/>
     <p:sldId id="274" r:id="rId8"/>
     <p:sldId id="264" r:id="rId9"/>
-    <p:sldId id="278" r:id="rId10"/>
-    <p:sldId id="277" r:id="rId11"/>
-    <p:sldId id="275" r:id="rId12"/>
-    <p:sldId id="276" r:id="rId13"/>
-    <p:sldId id="259" r:id="rId14"/>
-    <p:sldId id="260" r:id="rId15"/>
-    <p:sldId id="261" r:id="rId16"/>
-    <p:sldId id="270" r:id="rId17"/>
-    <p:sldId id="265" r:id="rId18"/>
-    <p:sldId id="267" r:id="rId19"/>
-    <p:sldId id="268" r:id="rId20"/>
-    <p:sldId id="269" r:id="rId21"/>
-    <p:sldId id="263" r:id="rId22"/>
+    <p:sldId id="270" r:id="rId10"/>
+    <p:sldId id="278" r:id="rId11"/>
+    <p:sldId id="279" r:id="rId12"/>
+    <p:sldId id="280" r:id="rId13"/>
+    <p:sldId id="277" r:id="rId14"/>
+    <p:sldId id="275" r:id="rId15"/>
+    <p:sldId id="276" r:id="rId16"/>
+    <p:sldId id="281" r:id="rId17"/>
+    <p:sldId id="259" r:id="rId18"/>
+    <p:sldId id="260" r:id="rId19"/>
+    <p:sldId id="261" r:id="rId20"/>
+    <p:sldId id="265" r:id="rId21"/>
+    <p:sldId id="267" r:id="rId22"/>
+    <p:sldId id="268" r:id="rId23"/>
+    <p:sldId id="269" r:id="rId24"/>
+    <p:sldId id="263" r:id="rId25"/>
   </p:sldIdLst>
   <p:sldSz cx="12192000" cy="6858000"/>
   <p:notesSz cx="6858000" cy="9144000"/>
@@ -141,6 +144,843 @@
 </file>
 
 <file path=ppt/charts/chart1.xml><?xml version="1.0" encoding="utf-8"?>
+<c:chartSpace xmlns:c="http://schemas.openxmlformats.org/drawingml/2006/chart" xmlns:a="http://schemas.openxmlformats.org/drawingml/2006/main" xmlns:r="http://schemas.openxmlformats.org/officeDocument/2006/relationships">
+  <c:date1904 val="0"/>
+  <c:lang val="ru-RU"/>
+  <c:roundedCorners val="0"/>
+  <mc:AlternateContent xmlns:mc="http://schemas.openxmlformats.org/markup-compatibility/2006">
+    <mc:Choice xmlns:c14="http://schemas.microsoft.com/office/drawing/2007/8/2/chart" Requires="c14">
+      <c14:style val="107"/>
+    </mc:Choice>
+    <mc:Fallback>
+      <c:style val="7"/>
+    </mc:Fallback>
+  </mc:AlternateContent>
+  <c:chart>
+    <c:autoTitleDeleted val="1"/>
+    <c:plotArea>
+      <c:layout/>
+      <c:lineChart>
+        <c:grouping val="standard"/>
+        <c:varyColors val="0"/>
+        <c:ser>
+          <c:idx val="0"/>
+          <c:order val="0"/>
+          <c:tx>
+            <c:v>Версии</c:v>
+          </c:tx>
+          <c:spPr>
+            <a:ln w="28575" cap="rnd">
+              <a:solidFill>
+                <a:schemeClr val="accent5"/>
+              </a:solidFill>
+              <a:round/>
+            </a:ln>
+            <a:effectLst/>
+          </c:spPr>
+          <c:marker>
+            <c:symbol val="diamond"/>
+            <c:size val="10"/>
+            <c:spPr>
+              <a:solidFill>
+                <a:schemeClr val="accent5"/>
+              </a:solidFill>
+              <a:ln w="9525">
+                <a:solidFill>
+                  <a:schemeClr val="accent5"/>
+                </a:solidFill>
+              </a:ln>
+              <a:effectLst/>
+            </c:spPr>
+          </c:marker>
+          <c:cat>
+            <c:numRef>
+              <c:f>Лист1!$B$1:$B$27</c:f>
+              <c:numCache>
+                <c:formatCode>m/d/yyyy</c:formatCode>
+                <c:ptCount val="27"/>
+                <c:pt idx="0">
+                  <c:v>41901</c:v>
+                </c:pt>
+                <c:pt idx="1">
+                  <c:v>41907</c:v>
+                </c:pt>
+                <c:pt idx="2">
+                  <c:v>41908</c:v>
+                </c:pt>
+                <c:pt idx="3">
+                  <c:v>41914</c:v>
+                </c:pt>
+                <c:pt idx="4">
+                  <c:v>41921</c:v>
+                </c:pt>
+                <c:pt idx="5">
+                  <c:v>41922</c:v>
+                </c:pt>
+                <c:pt idx="6">
+                  <c:v>41922</c:v>
+                </c:pt>
+                <c:pt idx="7">
+                  <c:v>41926</c:v>
+                </c:pt>
+                <c:pt idx="8">
+                  <c:v>41934</c:v>
+                </c:pt>
+                <c:pt idx="9">
+                  <c:v>41935</c:v>
+                </c:pt>
+                <c:pt idx="10">
+                  <c:v>41936</c:v>
+                </c:pt>
+                <c:pt idx="11">
+                  <c:v>41936</c:v>
+                </c:pt>
+                <c:pt idx="12">
+                  <c:v>41936</c:v>
+                </c:pt>
+                <c:pt idx="13">
+                  <c:v>41936</c:v>
+                </c:pt>
+                <c:pt idx="14">
+                  <c:v>41936</c:v>
+                </c:pt>
+                <c:pt idx="15">
+                  <c:v>41937</c:v>
+                </c:pt>
+                <c:pt idx="16">
+                  <c:v>41949</c:v>
+                </c:pt>
+                <c:pt idx="17">
+                  <c:v>41950</c:v>
+                </c:pt>
+                <c:pt idx="18">
+                  <c:v>41956</c:v>
+                </c:pt>
+                <c:pt idx="19">
+                  <c:v>41958</c:v>
+                </c:pt>
+                <c:pt idx="20">
+                  <c:v>41959</c:v>
+                </c:pt>
+                <c:pt idx="21">
+                  <c:v>41969</c:v>
+                </c:pt>
+                <c:pt idx="22">
+                  <c:v>41983</c:v>
+                </c:pt>
+                <c:pt idx="23">
+                  <c:v>41984</c:v>
+                </c:pt>
+                <c:pt idx="24">
+                  <c:v>41989</c:v>
+                </c:pt>
+                <c:pt idx="25">
+                  <c:v>41991</c:v>
+                </c:pt>
+                <c:pt idx="26">
+                  <c:v>41992</c:v>
+                </c:pt>
+              </c:numCache>
+            </c:numRef>
+          </c:cat>
+          <c:val>
+            <c:numRef>
+              <c:f>Лист1!$A$1:$A$27</c:f>
+              <c:numCache>
+                <c:formatCode>0.0</c:formatCode>
+                <c:ptCount val="27"/>
+                <c:pt idx="0">
+                  <c:v>1</c:v>
+                </c:pt>
+                <c:pt idx="1">
+                  <c:v>1.1000000000000001</c:v>
+                </c:pt>
+                <c:pt idx="2">
+                  <c:v>1.2</c:v>
+                </c:pt>
+                <c:pt idx="3">
+                  <c:v>2</c:v>
+                </c:pt>
+                <c:pt idx="4">
+                  <c:v>2.1</c:v>
+                </c:pt>
+                <c:pt idx="5">
+                  <c:v>2.2000000000000002</c:v>
+                </c:pt>
+                <c:pt idx="6">
+                  <c:v>2.2999999999999998</c:v>
+                </c:pt>
+                <c:pt idx="7">
+                  <c:v>2.4</c:v>
+                </c:pt>
+                <c:pt idx="8">
+                  <c:v>2.5</c:v>
+                </c:pt>
+                <c:pt idx="9">
+                  <c:v>2.6</c:v>
+                </c:pt>
+                <c:pt idx="10">
+                  <c:v>3</c:v>
+                </c:pt>
+                <c:pt idx="11">
+                  <c:v>3.1</c:v>
+                </c:pt>
+                <c:pt idx="12">
+                  <c:v>3.2</c:v>
+                </c:pt>
+                <c:pt idx="13">
+                  <c:v>3.3</c:v>
+                </c:pt>
+                <c:pt idx="14">
+                  <c:v>3.4</c:v>
+                </c:pt>
+                <c:pt idx="15">
+                  <c:v>3.5</c:v>
+                </c:pt>
+                <c:pt idx="16">
+                  <c:v>3.6</c:v>
+                </c:pt>
+                <c:pt idx="17">
+                  <c:v>3.7</c:v>
+                </c:pt>
+                <c:pt idx="18">
+                  <c:v>3.8</c:v>
+                </c:pt>
+                <c:pt idx="19">
+                  <c:v>4</c:v>
+                </c:pt>
+                <c:pt idx="20">
+                  <c:v>4.0999999999999996</c:v>
+                </c:pt>
+                <c:pt idx="21">
+                  <c:v>4.2</c:v>
+                </c:pt>
+                <c:pt idx="22">
+                  <c:v>4.3</c:v>
+                </c:pt>
+                <c:pt idx="23">
+                  <c:v>4.4000000000000004</c:v>
+                </c:pt>
+                <c:pt idx="24">
+                  <c:v>4.5</c:v>
+                </c:pt>
+                <c:pt idx="25">
+                  <c:v>4.5999999999999996</c:v>
+                </c:pt>
+                <c:pt idx="26">
+                  <c:v>5</c:v>
+                </c:pt>
+              </c:numCache>
+            </c:numRef>
+          </c:val>
+          <c:smooth val="0"/>
+        </c:ser>
+        <c:dLbls>
+          <c:showLegendKey val="0"/>
+          <c:showVal val="0"/>
+          <c:showCatName val="0"/>
+          <c:showSerName val="0"/>
+          <c:showPercent val="0"/>
+          <c:showBubbleSize val="0"/>
+        </c:dLbls>
+        <c:marker val="1"/>
+        <c:smooth val="0"/>
+        <c:axId val="583383400"/>
+        <c:axId val="583386928"/>
+      </c:lineChart>
+      <c:dateAx>
+        <c:axId val="583383400"/>
+        <c:scaling>
+          <c:orientation val="minMax"/>
+        </c:scaling>
+        <c:delete val="0"/>
+        <c:axPos val="b"/>
+        <c:numFmt formatCode="m/d/yyyy" sourceLinked="1"/>
+        <c:majorTickMark val="none"/>
+        <c:minorTickMark val="none"/>
+        <c:tickLblPos val="nextTo"/>
+        <c:spPr>
+          <a:noFill/>
+          <a:ln w="9525" cap="flat" cmpd="sng" algn="ctr">
+            <a:solidFill>
+              <a:schemeClr val="tx1">
+                <a:lumMod val="15000"/>
+                <a:lumOff val="85000"/>
+              </a:schemeClr>
+            </a:solidFill>
+            <a:round/>
+          </a:ln>
+          <a:effectLst/>
+        </c:spPr>
+        <c:txPr>
+          <a:bodyPr rot="-60000000" spcFirstLastPara="1" vertOverflow="ellipsis" vert="horz" wrap="square" anchor="ctr" anchorCtr="1"/>
+          <a:lstStyle/>
+          <a:p>
+            <a:pPr algn="ctr" rtl="0">
+              <a:defRPr lang="ru-RU" sz="1200" b="0" i="0" u="none" strike="noStrike" kern="1200" spc="0" baseline="0">
+                <a:solidFill>
+                  <a:schemeClr val="tx1"/>
+                </a:solidFill>
+                <a:latin typeface="+mn-lt"/>
+                <a:ea typeface="+mn-ea"/>
+                <a:cs typeface="+mn-cs"/>
+              </a:defRPr>
+            </a:pPr>
+            <a:endParaRPr lang="ru-RU"/>
+          </a:p>
+        </c:txPr>
+        <c:crossAx val="583386928"/>
+        <c:crosses val="autoZero"/>
+        <c:auto val="1"/>
+        <c:lblOffset val="100"/>
+        <c:baseTimeUnit val="days"/>
+      </c:dateAx>
+      <c:valAx>
+        <c:axId val="583386928"/>
+        <c:scaling>
+          <c:orientation val="minMax"/>
+        </c:scaling>
+        <c:delete val="0"/>
+        <c:axPos val="l"/>
+        <c:majorGridlines>
+          <c:spPr>
+            <a:ln w="9525" cap="flat" cmpd="sng" algn="ctr">
+              <a:solidFill>
+                <a:schemeClr val="tx1">
+                  <a:lumMod val="15000"/>
+                  <a:lumOff val="85000"/>
+                </a:schemeClr>
+              </a:solidFill>
+              <a:round/>
+            </a:ln>
+            <a:effectLst/>
+          </c:spPr>
+        </c:majorGridlines>
+        <c:title>
+          <c:layout/>
+          <c:overlay val="0"/>
+          <c:spPr>
+            <a:noFill/>
+            <a:ln>
+              <a:noFill/>
+            </a:ln>
+            <a:effectLst/>
+          </c:spPr>
+          <c:txPr>
+            <a:bodyPr rot="-5400000" spcFirstLastPara="1" vertOverflow="ellipsis" vert="horz" wrap="square" anchor="ctr" anchorCtr="1"/>
+            <a:lstStyle/>
+            <a:p>
+              <a:pPr algn="ctr" rtl="0">
+                <a:defRPr lang="ru-RU" sz="1200" b="0" i="0" u="none" strike="noStrike" kern="1200" spc="0" baseline="0">
+                  <a:solidFill>
+                    <a:schemeClr val="tx1"/>
+                  </a:solidFill>
+                  <a:latin typeface="+mn-lt"/>
+                  <a:ea typeface="+mn-ea"/>
+                  <a:cs typeface="+mn-cs"/>
+                </a:defRPr>
+              </a:pPr>
+              <a:endParaRPr lang="ru-RU"/>
+            </a:p>
+          </c:txPr>
+        </c:title>
+        <c:numFmt formatCode="0.0" sourceLinked="1"/>
+        <c:majorTickMark val="none"/>
+        <c:minorTickMark val="none"/>
+        <c:tickLblPos val="nextTo"/>
+        <c:spPr>
+          <a:noFill/>
+          <a:ln>
+            <a:noFill/>
+          </a:ln>
+          <a:effectLst/>
+        </c:spPr>
+        <c:txPr>
+          <a:bodyPr rot="-60000000" spcFirstLastPara="1" vertOverflow="ellipsis" vert="horz" wrap="square" anchor="ctr" anchorCtr="1"/>
+          <a:lstStyle/>
+          <a:p>
+            <a:pPr algn="ctr" rtl="0">
+              <a:defRPr lang="ru-RU" sz="1200" b="0" i="0" u="none" strike="noStrike" kern="1200" spc="0" baseline="0">
+                <a:solidFill>
+                  <a:schemeClr val="tx1"/>
+                </a:solidFill>
+                <a:latin typeface="+mn-lt"/>
+                <a:ea typeface="+mn-ea"/>
+                <a:cs typeface="+mn-cs"/>
+              </a:defRPr>
+            </a:pPr>
+            <a:endParaRPr lang="ru-RU"/>
+          </a:p>
+        </c:txPr>
+        <c:crossAx val="583383400"/>
+        <c:crosses val="autoZero"/>
+        <c:crossBetween val="between"/>
+      </c:valAx>
+      <c:spPr>
+        <a:solidFill>
+          <a:schemeClr val="accent1"/>
+        </a:solidFill>
+        <a:ln>
+          <a:solidFill>
+            <a:schemeClr val="accent1">
+              <a:lumMod val="90000"/>
+            </a:schemeClr>
+          </a:solidFill>
+        </a:ln>
+        <a:effectLst/>
+      </c:spPr>
+    </c:plotArea>
+    <c:legend>
+      <c:legendPos val="r"/>
+      <c:layout/>
+      <c:overlay val="0"/>
+      <c:spPr>
+        <a:noFill/>
+        <a:ln>
+          <a:noFill/>
+        </a:ln>
+        <a:effectLst/>
+      </c:spPr>
+      <c:txPr>
+        <a:bodyPr rot="0" spcFirstLastPara="1" vertOverflow="ellipsis" vert="horz" wrap="square" anchor="ctr" anchorCtr="1"/>
+        <a:lstStyle/>
+        <a:p>
+          <a:pPr rtl="0">
+            <a:defRPr sz="900" b="0" i="0" u="none" strike="noStrike" kern="1200" baseline="0">
+              <a:solidFill>
+                <a:schemeClr val="tx1">
+                  <a:lumMod val="65000"/>
+                  <a:lumOff val="35000"/>
+                </a:schemeClr>
+              </a:solidFill>
+              <a:latin typeface="+mn-lt"/>
+              <a:ea typeface="+mn-ea"/>
+              <a:cs typeface="+mn-cs"/>
+            </a:defRPr>
+          </a:pPr>
+          <a:endParaRPr lang="ru-RU"/>
+        </a:p>
+      </c:txPr>
+    </c:legend>
+    <c:plotVisOnly val="1"/>
+    <c:dispBlanksAs val="gap"/>
+    <c:showDLblsOverMax val="0"/>
+  </c:chart>
+  <c:spPr>
+    <a:noFill/>
+    <a:ln>
+      <a:noFill/>
+    </a:ln>
+    <a:effectLst/>
+  </c:spPr>
+  <c:txPr>
+    <a:bodyPr/>
+    <a:lstStyle/>
+    <a:p>
+      <a:pPr>
+        <a:defRPr/>
+      </a:pPr>
+      <a:endParaRPr lang="ru-RU"/>
+    </a:p>
+  </c:txPr>
+  <c:externalData r:id="rId3">
+    <c:autoUpdate val="0"/>
+  </c:externalData>
+</c:chartSpace>
+</file>
+
+<file path=ppt/charts/chart2.xml><?xml version="1.0" encoding="utf-8"?>
+<c:chartSpace xmlns:c="http://schemas.openxmlformats.org/drawingml/2006/chart" xmlns:a="http://schemas.openxmlformats.org/drawingml/2006/main" xmlns:r="http://schemas.openxmlformats.org/officeDocument/2006/relationships">
+  <c:date1904 val="0"/>
+  <c:lang val="ru-RU"/>
+  <c:roundedCorners val="0"/>
+  <mc:AlternateContent xmlns:mc="http://schemas.openxmlformats.org/markup-compatibility/2006">
+    <mc:Choice xmlns:c14="http://schemas.microsoft.com/office/drawing/2007/8/2/chart" Requires="c14">
+      <c14:style val="102"/>
+    </mc:Choice>
+    <mc:Fallback>
+      <c:style val="2"/>
+    </mc:Fallback>
+  </mc:AlternateContent>
+  <c:chart>
+    <c:title>
+      <c:layout/>
+      <c:overlay val="0"/>
+      <c:spPr>
+        <a:noFill/>
+        <a:ln>
+          <a:noFill/>
+        </a:ln>
+        <a:effectLst/>
+      </c:spPr>
+      <c:txPr>
+        <a:bodyPr rot="0" spcFirstLastPara="1" vertOverflow="ellipsis" vert="horz" wrap="square" anchor="ctr" anchorCtr="1"/>
+        <a:lstStyle/>
+        <a:p>
+          <a:pPr>
+            <a:defRPr sz="2200" b="1" i="0" u="none" strike="noStrike" kern="1200" cap="all" baseline="0">
+              <a:solidFill>
+                <a:schemeClr val="tx1">
+                  <a:lumMod val="65000"/>
+                  <a:lumOff val="35000"/>
+                </a:schemeClr>
+              </a:solidFill>
+              <a:latin typeface="+mn-lt"/>
+              <a:ea typeface="+mn-ea"/>
+              <a:cs typeface="+mn-cs"/>
+            </a:defRPr>
+          </a:pPr>
+          <a:endParaRPr lang="ru-RU"/>
+        </a:p>
+      </c:txPr>
+    </c:title>
+    <c:autoTitleDeleted val="0"/>
+    <c:view3D>
+      <c:rotX val="50"/>
+      <c:rotY val="0"/>
+      <c:depthPercent val="100"/>
+      <c:rAngAx val="0"/>
+    </c:view3D>
+    <c:floor>
+      <c:thickness val="0"/>
+      <c:spPr>
+        <a:noFill/>
+        <a:ln>
+          <a:noFill/>
+        </a:ln>
+        <a:effectLst/>
+        <a:sp3d/>
+      </c:spPr>
+    </c:floor>
+    <c:sideWall>
+      <c:thickness val="0"/>
+      <c:spPr>
+        <a:noFill/>
+        <a:ln>
+          <a:noFill/>
+        </a:ln>
+        <a:effectLst/>
+        <a:sp3d/>
+      </c:spPr>
+    </c:sideWall>
+    <c:backWall>
+      <c:thickness val="0"/>
+      <c:spPr>
+        <a:noFill/>
+        <a:ln>
+          <a:noFill/>
+        </a:ln>
+        <a:effectLst/>
+        <a:sp3d/>
+      </c:spPr>
+    </c:backWall>
+    <c:plotArea>
+      <c:layout>
+        <c:manualLayout>
+          <c:layoutTarget val="inner"/>
+          <c:xMode val="edge"/>
+          <c:yMode val="edge"/>
+          <c:x val="0"/>
+          <c:y val="0.18795452830004131"/>
+          <c:w val="0.94044585464568164"/>
+          <c:h val="0.81204547169995867"/>
+        </c:manualLayout>
+      </c:layout>
+      <c:pie3DChart>
+        <c:varyColors val="1"/>
+        <c:ser>
+          <c:idx val="0"/>
+          <c:order val="0"/>
+          <c:tx>
+            <c:strRef>
+              <c:f>Лист1!$B$1</c:f>
+              <c:strCache>
+                <c:ptCount val="1"/>
+                <c:pt idx="0">
+                  <c:v>Продажи</c:v>
+                </c:pt>
+              </c:strCache>
+            </c:strRef>
+          </c:tx>
+          <c:dPt>
+            <c:idx val="0"/>
+            <c:bubble3D val="0"/>
+            <c:spPr>
+              <a:solidFill>
+                <a:schemeClr val="accent1">
+                  <a:alpha val="90000"/>
+                </a:schemeClr>
+              </a:solidFill>
+              <a:ln w="19050">
+                <a:solidFill>
+                  <a:schemeClr val="accent1">
+                    <a:lumMod val="75000"/>
+                  </a:schemeClr>
+                </a:solidFill>
+              </a:ln>
+              <a:effectLst>
+                <a:innerShdw blurRad="114300">
+                  <a:schemeClr val="accent1">
+                    <a:lumMod val="75000"/>
+                  </a:schemeClr>
+                </a:innerShdw>
+              </a:effectLst>
+              <a:scene3d>
+                <a:camera prst="orthographicFront"/>
+                <a:lightRig rig="threePt" dir="t"/>
+              </a:scene3d>
+              <a:sp3d contourW="19050" prstMaterial="flat">
+                <a:contourClr>
+                  <a:schemeClr val="accent1">
+                    <a:lumMod val="75000"/>
+                  </a:schemeClr>
+                </a:contourClr>
+              </a:sp3d>
+            </c:spPr>
+          </c:dPt>
+          <c:dPt>
+            <c:idx val="1"/>
+            <c:bubble3D val="0"/>
+            <c:spPr>
+              <a:solidFill>
+                <a:schemeClr val="accent2">
+                  <a:alpha val="90000"/>
+                </a:schemeClr>
+              </a:solidFill>
+              <a:ln w="19050">
+                <a:solidFill>
+                  <a:schemeClr val="accent2">
+                    <a:lumMod val="75000"/>
+                  </a:schemeClr>
+                </a:solidFill>
+              </a:ln>
+              <a:effectLst>
+                <a:innerShdw blurRad="114300">
+                  <a:schemeClr val="accent2">
+                    <a:lumMod val="75000"/>
+                  </a:schemeClr>
+                </a:innerShdw>
+              </a:effectLst>
+              <a:scene3d>
+                <a:camera prst="orthographicFront"/>
+                <a:lightRig rig="threePt" dir="t"/>
+              </a:scene3d>
+              <a:sp3d contourW="19050" prstMaterial="flat">
+                <a:contourClr>
+                  <a:schemeClr val="accent2">
+                    <a:lumMod val="75000"/>
+                  </a:schemeClr>
+                </a:contourClr>
+              </a:sp3d>
+            </c:spPr>
+          </c:dPt>
+          <c:dLbls>
+            <c:dLbl>
+              <c:idx val="0"/>
+              <c:spPr>
+                <a:solidFill>
+                  <a:schemeClr val="lt1">
+                    <a:alpha val="90000"/>
+                  </a:schemeClr>
+                </a:solidFill>
+                <a:ln w="12700" cap="flat" cmpd="sng" algn="ctr">
+                  <a:solidFill>
+                    <a:schemeClr val="accent1"/>
+                  </a:solidFill>
+                  <a:round/>
+                </a:ln>
+                <a:effectLst>
+                  <a:outerShdw blurRad="50800" dist="38100" dir="2700000" algn="tl" rotWithShape="0">
+                    <a:schemeClr val="accent1">
+                      <a:lumMod val="75000"/>
+                      <a:alpha val="40000"/>
+                    </a:schemeClr>
+                  </a:outerShdw>
+                </a:effectLst>
+              </c:spPr>
+              <c:txPr>
+                <a:bodyPr rot="0" spcFirstLastPara="1" vertOverflow="clip" horzOverflow="clip" vert="horz" wrap="square" lIns="38100" tIns="19050" rIns="38100" bIns="19050" anchor="ctr" anchorCtr="1">
+                  <a:spAutoFit/>
+                </a:bodyPr>
+                <a:lstStyle/>
+                <a:p>
+                  <a:pPr>
+                    <a:defRPr sz="1330" b="0" i="0" u="none" strike="noStrike" kern="1200" baseline="0">
+                      <a:solidFill>
+                        <a:schemeClr val="accent1"/>
+                      </a:solidFill>
+                      <a:effectLst/>
+                      <a:latin typeface="+mn-lt"/>
+                      <a:ea typeface="+mn-ea"/>
+                      <a:cs typeface="+mn-cs"/>
+                    </a:defRPr>
+                  </a:pPr>
+                  <a:endParaRPr lang="ru-RU"/>
+                </a:p>
+              </c:txPr>
+              <c:dLblPos val="inEnd"/>
+              <c:showLegendKey val="0"/>
+              <c:showVal val="0"/>
+              <c:showCatName val="1"/>
+              <c:showSerName val="0"/>
+              <c:showPercent val="0"/>
+              <c:showBubbleSize val="0"/>
+            </c:dLbl>
+            <c:dLbl>
+              <c:idx val="1"/>
+              <c:spPr>
+                <a:solidFill>
+                  <a:schemeClr val="lt1">
+                    <a:alpha val="90000"/>
+                  </a:schemeClr>
+                </a:solidFill>
+                <a:ln w="12700" cap="flat" cmpd="sng" algn="ctr">
+                  <a:solidFill>
+                    <a:schemeClr val="accent2"/>
+                  </a:solidFill>
+                  <a:round/>
+                </a:ln>
+                <a:effectLst>
+                  <a:outerShdw blurRad="50800" dist="38100" dir="2700000" algn="tl" rotWithShape="0">
+                    <a:schemeClr val="accent2">
+                      <a:lumMod val="75000"/>
+                      <a:alpha val="40000"/>
+                    </a:schemeClr>
+                  </a:outerShdw>
+                </a:effectLst>
+              </c:spPr>
+              <c:txPr>
+                <a:bodyPr rot="0" spcFirstLastPara="1" vertOverflow="clip" horzOverflow="clip" vert="horz" wrap="square" lIns="38100" tIns="19050" rIns="38100" bIns="19050" anchor="ctr" anchorCtr="1">
+                  <a:spAutoFit/>
+                </a:bodyPr>
+                <a:lstStyle/>
+                <a:p>
+                  <a:pPr>
+                    <a:defRPr sz="1330" b="0" i="0" u="none" strike="noStrike" kern="1200" baseline="0">
+                      <a:solidFill>
+                        <a:schemeClr val="accent2"/>
+                      </a:solidFill>
+                      <a:effectLst/>
+                      <a:latin typeface="+mn-lt"/>
+                      <a:ea typeface="+mn-ea"/>
+                      <a:cs typeface="+mn-cs"/>
+                    </a:defRPr>
+                  </a:pPr>
+                  <a:endParaRPr lang="ru-RU"/>
+                </a:p>
+              </c:txPr>
+              <c:dLblPos val="inEnd"/>
+              <c:showLegendKey val="0"/>
+              <c:showVal val="0"/>
+              <c:showCatName val="1"/>
+              <c:showSerName val="0"/>
+              <c:showPercent val="0"/>
+              <c:showBubbleSize val="0"/>
+            </c:dLbl>
+            <c:dLblPos val="inEnd"/>
+            <c:showLegendKey val="0"/>
+            <c:showVal val="0"/>
+            <c:showCatName val="1"/>
+            <c:showSerName val="0"/>
+            <c:showPercent val="0"/>
+            <c:showBubbleSize val="0"/>
+            <c:showLeaderLines val="1"/>
+            <c:leaderLines>
+              <c:spPr>
+                <a:ln w="9525">
+                  <a:solidFill>
+                    <a:schemeClr val="tx1">
+                      <a:lumMod val="35000"/>
+                      <a:lumOff val="65000"/>
+                    </a:schemeClr>
+                  </a:solidFill>
+                </a:ln>
+                <a:effectLst/>
+              </c:spPr>
+            </c:leaderLines>
+            <c:extLst>
+              <c:ext xmlns:c15="http://schemas.microsoft.com/office/drawing/2012/chart" uri="{CE6537A1-D6FC-4f65-9D91-7224C49458BB}">
+                <c15:layout/>
+              </c:ext>
+            </c:extLst>
+          </c:dLbls>
+          <c:cat>
+            <c:strRef>
+              <c:f>Лист1!$A$2:$A$3</c:f>
+              <c:strCache>
+                <c:ptCount val="2"/>
+                <c:pt idx="0">
+                  <c:v>Кв. 1</c:v>
+                </c:pt>
+                <c:pt idx="1">
+                  <c:v>Кв. 4</c:v>
+                </c:pt>
+              </c:strCache>
+            </c:strRef>
+          </c:cat>
+          <c:val>
+            <c:numRef>
+              <c:f>Лист1!$B$2:$B$3</c:f>
+              <c:numCache>
+                <c:formatCode>General</c:formatCode>
+                <c:ptCount val="2"/>
+                <c:pt idx="0">
+                  <c:v>8.1999999999999993</c:v>
+                </c:pt>
+                <c:pt idx="1">
+                  <c:v>1.2</c:v>
+                </c:pt>
+              </c:numCache>
+            </c:numRef>
+          </c:val>
+        </c:ser>
+        <c:dLbls>
+          <c:dLblPos val="inEnd"/>
+          <c:showLegendKey val="0"/>
+          <c:showVal val="0"/>
+          <c:showCatName val="1"/>
+          <c:showSerName val="0"/>
+          <c:showPercent val="0"/>
+          <c:showBubbleSize val="0"/>
+          <c:showLeaderLines val="1"/>
+        </c:dLbls>
+      </c:pie3DChart>
+      <c:spPr>
+        <a:noFill/>
+        <a:ln>
+          <a:noFill/>
+        </a:ln>
+        <a:effectLst/>
+      </c:spPr>
+    </c:plotArea>
+    <c:plotVisOnly val="1"/>
+    <c:dispBlanksAs val="gap"/>
+    <c:showDLblsOverMax val="0"/>
+  </c:chart>
+  <c:spPr>
+    <a:noFill/>
+    <a:ln>
+      <a:noFill/>
+    </a:ln>
+    <a:effectLst/>
+  </c:spPr>
+  <c:txPr>
+    <a:bodyPr/>
+    <a:lstStyle/>
+    <a:p>
+      <a:pPr>
+        <a:defRPr/>
+      </a:pPr>
+      <a:endParaRPr lang="ru-RU"/>
+    </a:p>
+  </c:txPr>
+  <c:externalData r:id="rId3">
+    <c:autoUpdate val="0"/>
+  </c:externalData>
+</c:chartSpace>
+</file>
+
+<file path=ppt/charts/chart3.xml><?xml version="1.0" encoding="utf-8"?>
 <c:chartSpace xmlns:c="http://schemas.openxmlformats.org/drawingml/2006/chart" xmlns:a="http://schemas.openxmlformats.org/drawingml/2006/main" xmlns:r="http://schemas.openxmlformats.org/officeDocument/2006/relationships">
   <c:date1904 val="0"/>
   <c:lang val="ru-RU"/>
@@ -438,11 +1278,11 @@
         </c:dLbls>
         <c:gapWidth val="100"/>
         <c:overlap val="-24"/>
-        <c:axId val="581126840"/>
-        <c:axId val="581127232"/>
+        <c:axId val="582814584"/>
+        <c:axId val="582811448"/>
       </c:barChart>
       <c:catAx>
-        <c:axId val="581126840"/>
+        <c:axId val="582814584"/>
         <c:scaling>
           <c:orientation val="minMax"/>
         </c:scaling>
@@ -482,7 +1322,7 @@
             <a:endParaRPr lang="ru-RU"/>
           </a:p>
         </c:txPr>
-        <c:crossAx val="581127232"/>
+        <c:crossAx val="582811448"/>
         <c:crosses val="autoZero"/>
         <c:auto val="1"/>
         <c:lblAlgn val="ctr"/>
@@ -490,7 +1330,7 @@
         <c:noMultiLvlLbl val="0"/>
       </c:catAx>
       <c:valAx>
-        <c:axId val="581127232"/>
+        <c:axId val="582811448"/>
         <c:scaling>
           <c:orientation val="minMax"/>
         </c:scaling>
@@ -538,7 +1378,7 @@
             <a:endParaRPr lang="ru-RU"/>
           </a:p>
         </c:txPr>
-        <c:crossAx val="581126840"/>
+        <c:crossAx val="582814584"/>
         <c:crosses val="autoZero"/>
         <c:crossBetween val="between"/>
       </c:valAx>
@@ -606,546 +1446,9 @@
 </c:chartSpace>
 </file>
 
-<file path=ppt/charts/chart2.xml><?xml version="1.0" encoding="utf-8"?>
-<c:chartSpace xmlns:c="http://schemas.openxmlformats.org/drawingml/2006/chart" xmlns:a="http://schemas.openxmlformats.org/drawingml/2006/main" xmlns:r="http://schemas.openxmlformats.org/officeDocument/2006/relationships">
-  <c:date1904 val="0"/>
-  <c:lang val="ru-RU"/>
-  <c:roundedCorners val="0"/>
-  <mc:AlternateContent xmlns:mc="http://schemas.openxmlformats.org/markup-compatibility/2006">
-    <mc:Choice xmlns:c14="http://schemas.microsoft.com/office/drawing/2007/8/2/chart" Requires="c14">
-      <c14:style val="102"/>
-    </mc:Choice>
-    <mc:Fallback>
-      <c:style val="2"/>
-    </mc:Fallback>
-  </mc:AlternateContent>
-  <c:chart>
-    <c:title>
-      <c:tx>
-        <c:rich>
-          <a:bodyPr rot="0" spcFirstLastPara="1" vertOverflow="ellipsis" vert="horz" wrap="square" anchor="ctr" anchorCtr="1"/>
-          <a:lstStyle/>
-          <a:p>
-            <a:pPr>
-              <a:defRPr sz="1400" b="0" i="0" u="none" strike="noStrike" kern="1200" spc="0" baseline="0">
-                <a:solidFill>
-                  <a:schemeClr val="tx1">
-                    <a:lumMod val="65000"/>
-                    <a:lumOff val="35000"/>
-                  </a:schemeClr>
-                </a:solidFill>
-                <a:latin typeface="+mn-lt"/>
-                <a:ea typeface="+mn-ea"/>
-                <a:cs typeface="+mn-cs"/>
-              </a:defRPr>
-            </a:pPr>
-            <a:r>
-              <a:rPr lang="ru-RU" sz="2600" b="0" kern="1200" dirty="0">
-                <a:solidFill>
-                  <a:schemeClr val="tx1"/>
-                </a:solidFill>
-                <a:latin typeface="+mn-lt"/>
-                <a:ea typeface="+mn-ea"/>
-                <a:cs typeface="+mn-cs"/>
-              </a:rPr>
-              <a:t>Версии</a:t>
-            </a:r>
-          </a:p>
-        </c:rich>
-      </c:tx>
-      <c:layout/>
-      <c:overlay val="0"/>
-      <c:spPr>
-        <a:noFill/>
-        <a:ln>
-          <a:noFill/>
-        </a:ln>
-        <a:effectLst/>
-      </c:spPr>
-      <c:txPr>
-        <a:bodyPr rot="0" spcFirstLastPara="1" vertOverflow="ellipsis" vert="horz" wrap="square" anchor="ctr" anchorCtr="1"/>
-        <a:lstStyle/>
-        <a:p>
-          <a:pPr>
-            <a:defRPr sz="1400" b="0" i="0" u="none" strike="noStrike" kern="1200" spc="0" baseline="0">
-              <a:solidFill>
-                <a:schemeClr val="tx1">
-                  <a:lumMod val="65000"/>
-                  <a:lumOff val="35000"/>
-                </a:schemeClr>
-              </a:solidFill>
-              <a:latin typeface="+mn-lt"/>
-              <a:ea typeface="+mn-ea"/>
-              <a:cs typeface="+mn-cs"/>
-            </a:defRPr>
-          </a:pPr>
-          <a:endParaRPr lang="ru-RU"/>
-        </a:p>
-      </c:txPr>
-    </c:title>
-    <c:autoTitleDeleted val="0"/>
-    <c:plotArea>
-      <c:layout/>
-      <c:lineChart>
-        <c:grouping val="standard"/>
-        <c:varyColors val="0"/>
-        <c:ser>
-          <c:idx val="0"/>
-          <c:order val="0"/>
-          <c:tx>
-            <c:v>Версии</c:v>
-          </c:tx>
-          <c:spPr>
-            <a:ln w="25400" cap="rnd">
-              <a:solidFill>
-                <a:schemeClr val="accent1"/>
-              </a:solidFill>
-              <a:round/>
-            </a:ln>
-            <a:effectLst/>
-          </c:spPr>
-          <c:marker>
-            <c:symbol val="diamond"/>
-            <c:size val="10"/>
-            <c:spPr>
-              <a:solidFill>
-                <a:schemeClr val="accent1"/>
-              </a:solidFill>
-              <a:ln w="9525">
-                <a:solidFill>
-                  <a:schemeClr val="accent1"/>
-                </a:solidFill>
-              </a:ln>
-              <a:effectLst/>
-            </c:spPr>
-          </c:marker>
-          <c:cat>
-            <c:numRef>
-              <c:f>Лист1!$B$1:$B$27</c:f>
-              <c:numCache>
-                <c:formatCode>m/d/yyyy</c:formatCode>
-                <c:ptCount val="27"/>
-                <c:pt idx="0">
-                  <c:v>41901</c:v>
-                </c:pt>
-                <c:pt idx="1">
-                  <c:v>41907</c:v>
-                </c:pt>
-                <c:pt idx="2">
-                  <c:v>41908</c:v>
-                </c:pt>
-                <c:pt idx="3">
-                  <c:v>41914</c:v>
-                </c:pt>
-                <c:pt idx="4">
-                  <c:v>41921</c:v>
-                </c:pt>
-                <c:pt idx="5">
-                  <c:v>41922</c:v>
-                </c:pt>
-                <c:pt idx="6">
-                  <c:v>41922</c:v>
-                </c:pt>
-                <c:pt idx="7">
-                  <c:v>41926</c:v>
-                </c:pt>
-                <c:pt idx="8">
-                  <c:v>41934</c:v>
-                </c:pt>
-                <c:pt idx="9">
-                  <c:v>41935</c:v>
-                </c:pt>
-                <c:pt idx="10">
-                  <c:v>41936</c:v>
-                </c:pt>
-                <c:pt idx="11">
-                  <c:v>41936</c:v>
-                </c:pt>
-                <c:pt idx="12">
-                  <c:v>41936</c:v>
-                </c:pt>
-                <c:pt idx="13">
-                  <c:v>41936</c:v>
-                </c:pt>
-                <c:pt idx="14">
-                  <c:v>41936</c:v>
-                </c:pt>
-                <c:pt idx="15">
-                  <c:v>41937</c:v>
-                </c:pt>
-                <c:pt idx="16">
-                  <c:v>41949</c:v>
-                </c:pt>
-                <c:pt idx="17">
-                  <c:v>41950</c:v>
-                </c:pt>
-                <c:pt idx="18">
-                  <c:v>41956</c:v>
-                </c:pt>
-                <c:pt idx="19">
-                  <c:v>41958</c:v>
-                </c:pt>
-                <c:pt idx="20">
-                  <c:v>41959</c:v>
-                </c:pt>
-                <c:pt idx="21">
-                  <c:v>41969</c:v>
-                </c:pt>
-                <c:pt idx="22">
-                  <c:v>41983</c:v>
-                </c:pt>
-                <c:pt idx="23">
-                  <c:v>41984</c:v>
-                </c:pt>
-                <c:pt idx="24">
-                  <c:v>41989</c:v>
-                </c:pt>
-                <c:pt idx="25">
-                  <c:v>41991</c:v>
-                </c:pt>
-                <c:pt idx="26">
-                  <c:v>41992</c:v>
-                </c:pt>
-              </c:numCache>
-            </c:numRef>
-          </c:cat>
-          <c:val>
-            <c:numRef>
-              <c:f>Лист1!$A$1:$A$27</c:f>
-              <c:numCache>
-                <c:formatCode>0.0</c:formatCode>
-                <c:ptCount val="27"/>
-                <c:pt idx="0">
-                  <c:v>1</c:v>
-                </c:pt>
-                <c:pt idx="1">
-                  <c:v>1.1000000000000001</c:v>
-                </c:pt>
-                <c:pt idx="2">
-                  <c:v>1.2</c:v>
-                </c:pt>
-                <c:pt idx="3">
-                  <c:v>2</c:v>
-                </c:pt>
-                <c:pt idx="4">
-                  <c:v>2.1</c:v>
-                </c:pt>
-                <c:pt idx="5">
-                  <c:v>2.2000000000000002</c:v>
-                </c:pt>
-                <c:pt idx="6">
-                  <c:v>2.2999999999999998</c:v>
-                </c:pt>
-                <c:pt idx="7">
-                  <c:v>2.4</c:v>
-                </c:pt>
-                <c:pt idx="8">
-                  <c:v>2.5</c:v>
-                </c:pt>
-                <c:pt idx="9">
-                  <c:v>2.6</c:v>
-                </c:pt>
-                <c:pt idx="10">
-                  <c:v>3</c:v>
-                </c:pt>
-                <c:pt idx="11">
-                  <c:v>3.1</c:v>
-                </c:pt>
-                <c:pt idx="12">
-                  <c:v>3.2</c:v>
-                </c:pt>
-                <c:pt idx="13">
-                  <c:v>3.3</c:v>
-                </c:pt>
-                <c:pt idx="14">
-                  <c:v>3.4</c:v>
-                </c:pt>
-                <c:pt idx="15">
-                  <c:v>3.5</c:v>
-                </c:pt>
-                <c:pt idx="16">
-                  <c:v>3.6</c:v>
-                </c:pt>
-                <c:pt idx="17">
-                  <c:v>3.7</c:v>
-                </c:pt>
-                <c:pt idx="18">
-                  <c:v>3.8</c:v>
-                </c:pt>
-                <c:pt idx="19">
-                  <c:v>4</c:v>
-                </c:pt>
-                <c:pt idx="20">
-                  <c:v>4.0999999999999996</c:v>
-                </c:pt>
-                <c:pt idx="21">
-                  <c:v>4.2</c:v>
-                </c:pt>
-                <c:pt idx="22">
-                  <c:v>4.3</c:v>
-                </c:pt>
-                <c:pt idx="23">
-                  <c:v>4.4000000000000004</c:v>
-                </c:pt>
-                <c:pt idx="24">
-                  <c:v>4.5</c:v>
-                </c:pt>
-                <c:pt idx="25">
-                  <c:v>4.5999999999999996</c:v>
-                </c:pt>
-                <c:pt idx="26">
-                  <c:v>5</c:v>
-                </c:pt>
-              </c:numCache>
-            </c:numRef>
-          </c:val>
-          <c:smooth val="0"/>
-        </c:ser>
-        <c:dLbls>
-          <c:showLegendKey val="0"/>
-          <c:showVal val="0"/>
-          <c:showCatName val="0"/>
-          <c:showSerName val="0"/>
-          <c:showPercent val="0"/>
-          <c:showBubbleSize val="0"/>
-        </c:dLbls>
-        <c:marker val="1"/>
-        <c:smooth val="0"/>
-        <c:axId val="1108627976"/>
-        <c:axId val="1108629544"/>
-      </c:lineChart>
-      <c:dateAx>
-        <c:axId val="1108627976"/>
-        <c:scaling>
-          <c:orientation val="minMax"/>
-        </c:scaling>
-        <c:delete val="0"/>
-        <c:axPos val="b"/>
-        <c:numFmt formatCode="m/d/yyyy" sourceLinked="1"/>
-        <c:majorTickMark val="none"/>
-        <c:minorTickMark val="none"/>
-        <c:tickLblPos val="nextTo"/>
-        <c:spPr>
-          <a:noFill/>
-          <a:ln w="9525" cap="flat" cmpd="sng" algn="ctr">
-            <a:solidFill>
-              <a:schemeClr val="tx1">
-                <a:lumMod val="15000"/>
-                <a:lumOff val="85000"/>
-              </a:schemeClr>
-            </a:solidFill>
-            <a:round/>
-          </a:ln>
-          <a:effectLst/>
-        </c:spPr>
-        <c:txPr>
-          <a:bodyPr rot="-60000000" spcFirstLastPara="1" vertOverflow="ellipsis" vert="horz" wrap="square" anchor="ctr" anchorCtr="1"/>
-          <a:lstStyle/>
-          <a:p>
-            <a:pPr algn="ctr" rtl="0">
-              <a:defRPr lang="ru-RU" sz="1200" b="0" i="0" u="none" strike="noStrike" kern="1200" spc="0" baseline="0">
-                <a:solidFill>
-                  <a:schemeClr val="tx1"/>
-                </a:solidFill>
-                <a:latin typeface="+mn-lt"/>
-                <a:ea typeface="+mn-ea"/>
-                <a:cs typeface="+mn-cs"/>
-              </a:defRPr>
-            </a:pPr>
-            <a:endParaRPr lang="ru-RU"/>
-          </a:p>
-        </c:txPr>
-        <c:crossAx val="1108629544"/>
-        <c:crosses val="autoZero"/>
-        <c:auto val="1"/>
-        <c:lblOffset val="100"/>
-        <c:baseTimeUnit val="days"/>
-      </c:dateAx>
-      <c:valAx>
-        <c:axId val="1108629544"/>
-        <c:scaling>
-          <c:orientation val="minMax"/>
-        </c:scaling>
-        <c:delete val="0"/>
-        <c:axPos val="l"/>
-        <c:majorGridlines>
-          <c:spPr>
-            <a:ln w="9525" cap="flat" cmpd="sng" algn="ctr">
-              <a:solidFill>
-                <a:schemeClr val="tx1">
-                  <a:lumMod val="15000"/>
-                  <a:lumOff val="85000"/>
-                </a:schemeClr>
-              </a:solidFill>
-              <a:round/>
-            </a:ln>
-            <a:effectLst/>
-          </c:spPr>
-        </c:majorGridlines>
-        <c:title>
-          <c:layout/>
-          <c:overlay val="0"/>
-          <c:spPr>
-            <a:noFill/>
-            <a:ln>
-              <a:noFill/>
-            </a:ln>
-            <a:effectLst/>
-          </c:spPr>
-          <c:txPr>
-            <a:bodyPr rot="-5400000" spcFirstLastPara="1" vertOverflow="ellipsis" vert="horz" wrap="square" anchor="ctr" anchorCtr="1"/>
-            <a:lstStyle/>
-            <a:p>
-              <a:pPr algn="ctr" rtl="0">
-                <a:defRPr lang="ru-RU" sz="1200" b="0" i="0" u="none" strike="noStrike" kern="1200" spc="0" baseline="0">
-                  <a:solidFill>
-                    <a:schemeClr val="tx1"/>
-                  </a:solidFill>
-                  <a:latin typeface="+mn-lt"/>
-                  <a:ea typeface="+mn-ea"/>
-                  <a:cs typeface="+mn-cs"/>
-                </a:defRPr>
-              </a:pPr>
-              <a:endParaRPr lang="ru-RU"/>
-            </a:p>
-          </c:txPr>
-        </c:title>
-        <c:numFmt formatCode="0.0" sourceLinked="1"/>
-        <c:majorTickMark val="none"/>
-        <c:minorTickMark val="none"/>
-        <c:tickLblPos val="nextTo"/>
-        <c:spPr>
-          <a:noFill/>
-          <a:ln>
-            <a:noFill/>
-          </a:ln>
-          <a:effectLst/>
-        </c:spPr>
-        <c:txPr>
-          <a:bodyPr rot="-60000000" spcFirstLastPara="1" vertOverflow="ellipsis" vert="horz" wrap="square" anchor="ctr" anchorCtr="1"/>
-          <a:lstStyle/>
-          <a:p>
-            <a:pPr algn="ctr" rtl="0">
-              <a:defRPr lang="ru-RU" sz="1200" b="0" i="0" u="none" strike="noStrike" kern="1200" spc="0" baseline="0">
-                <a:solidFill>
-                  <a:schemeClr val="tx1"/>
-                </a:solidFill>
-                <a:latin typeface="+mn-lt"/>
-                <a:ea typeface="+mn-ea"/>
-                <a:cs typeface="+mn-cs"/>
-              </a:defRPr>
-            </a:pPr>
-            <a:endParaRPr lang="ru-RU"/>
-          </a:p>
-        </c:txPr>
-        <c:crossAx val="1108627976"/>
-        <c:crosses val="autoZero"/>
-        <c:crossBetween val="between"/>
-      </c:valAx>
-      <c:spPr>
-        <a:noFill/>
-        <a:ln>
-          <a:noFill/>
-        </a:ln>
-        <a:effectLst/>
-      </c:spPr>
-    </c:plotArea>
-    <c:legend>
-      <c:legendPos val="r"/>
-      <c:layout/>
-      <c:overlay val="0"/>
-      <c:spPr>
-        <a:noFill/>
-        <a:ln>
-          <a:noFill/>
-        </a:ln>
-        <a:effectLst/>
-      </c:spPr>
-      <c:txPr>
-        <a:bodyPr rot="0" spcFirstLastPara="1" vertOverflow="ellipsis" vert="horz" wrap="square" anchor="ctr" anchorCtr="1"/>
-        <a:lstStyle/>
-        <a:p>
-          <a:pPr rtl="0">
-            <a:defRPr sz="900" b="0" i="0" u="none" strike="noStrike" kern="1200" baseline="0">
-              <a:solidFill>
-                <a:schemeClr val="tx1">
-                  <a:lumMod val="65000"/>
-                  <a:lumOff val="35000"/>
-                </a:schemeClr>
-              </a:solidFill>
-              <a:latin typeface="+mn-lt"/>
-              <a:ea typeface="+mn-ea"/>
-              <a:cs typeface="+mn-cs"/>
-            </a:defRPr>
-          </a:pPr>
-          <a:endParaRPr lang="ru-RU"/>
-        </a:p>
-      </c:txPr>
-    </c:legend>
-    <c:plotVisOnly val="1"/>
-    <c:dispBlanksAs val="gap"/>
-    <c:showDLblsOverMax val="0"/>
-  </c:chart>
-  <c:spPr>
-    <a:noFill/>
-    <a:ln>
-      <a:noFill/>
-    </a:ln>
-    <a:effectLst/>
-  </c:spPr>
-  <c:txPr>
-    <a:bodyPr/>
-    <a:lstStyle/>
-    <a:p>
-      <a:pPr>
-        <a:defRPr/>
-      </a:pPr>
-      <a:endParaRPr lang="ru-RU"/>
-    </a:p>
-  </c:txPr>
-  <c:externalData r:id="rId3">
-    <c:autoUpdate val="0"/>
-  </c:externalData>
-</c:chartSpace>
-</file>
-
 <file path=ppt/charts/colors1.xml><?xml version="1.0" encoding="utf-8"?>
-<cs:colorStyle xmlns:cs="http://schemas.microsoft.com/office/drawing/2012/chartStyle" xmlns:a="http://schemas.openxmlformats.org/drawingml/2006/main" meth="cycle" id="10">
-  <a:schemeClr val="accent1"/>
-  <a:schemeClr val="accent2"/>
-  <a:schemeClr val="accent3"/>
-  <a:schemeClr val="accent4"/>
+<cs:colorStyle xmlns:cs="http://schemas.microsoft.com/office/drawing/2012/chartStyle" xmlns:a="http://schemas.openxmlformats.org/drawingml/2006/main" meth="withinLinear" id="18">
   <a:schemeClr val="accent5"/>
-  <a:schemeClr val="accent6"/>
-  <cs:variation/>
-  <cs:variation>
-    <a:lumMod val="60000"/>
-  </cs:variation>
-  <cs:variation>
-    <a:lumMod val="80000"/>
-    <a:lumOff val="20000"/>
-  </cs:variation>
-  <cs:variation>
-    <a:lumMod val="80000"/>
-  </cs:variation>
-  <cs:variation>
-    <a:lumMod val="60000"/>
-    <a:lumOff val="40000"/>
-  </cs:variation>
-  <cs:variation>
-    <a:lumMod val="50000"/>
-  </cs:variation>
-  <cs:variation>
-    <a:lumMod val="70000"/>
-    <a:lumOff val="30000"/>
-  </cs:variation>
-  <cs:variation>
-    <a:lumMod val="70000"/>
-  </cs:variation>
-  <cs:variation>
-    <a:lumMod val="50000"/>
-    <a:lumOff val="50000"/>
-  </cs:variation>
 </cs:colorStyle>
 </file>
 
@@ -1189,476 +1492,47 @@
 </cs:colorStyle>
 </file>
 
-<file path=ppt/charts/style1.xml><?xml version="1.0" encoding="utf-8"?>
-<cs:chartStyle xmlns:cs="http://schemas.microsoft.com/office/drawing/2012/chartStyle" xmlns:a="http://schemas.openxmlformats.org/drawingml/2006/main" id="207">
-  <cs:axisTitle>
-    <cs:lnRef idx="0"/>
-    <cs:fillRef idx="0"/>
-    <cs:effectRef idx="0"/>
-    <cs:fontRef idx="minor">
-      <a:schemeClr val="tx2"/>
-    </cs:fontRef>
-    <cs:defRPr sz="1197" b="1" kern="1200"/>
-  </cs:axisTitle>
-  <cs:categoryAxis>
-    <cs:lnRef idx="0"/>
-    <cs:fillRef idx="0"/>
-    <cs:effectRef idx="0"/>
-    <cs:fontRef idx="minor">
-      <a:schemeClr val="tx2"/>
-    </cs:fontRef>
-    <cs:spPr>
-      <a:ln w="9525" cap="flat" cmpd="sng" algn="ctr">
-        <a:solidFill>
-          <a:schemeClr val="tx2">
-            <a:lumMod val="15000"/>
-            <a:lumOff val="85000"/>
-          </a:schemeClr>
-        </a:solidFill>
-        <a:round/>
-      </a:ln>
-    </cs:spPr>
-    <cs:defRPr sz="1197" kern="1200"/>
-  </cs:categoryAxis>
-  <cs:chartArea mods="allowNoFillOverride allowNoLineOverride">
-    <cs:lnRef idx="0"/>
-    <cs:fillRef idx="0"/>
-    <cs:effectRef idx="0"/>
-    <cs:fontRef idx="minor">
-      <a:schemeClr val="tx2"/>
-    </cs:fontRef>
-    <cs:spPr>
-      <a:solidFill>
-        <a:schemeClr val="bg1"/>
-      </a:solidFill>
-      <a:ln w="9525" cap="flat" cmpd="sng" algn="ctr">
-        <a:solidFill>
-          <a:schemeClr val="tx2">
-            <a:lumMod val="15000"/>
-            <a:lumOff val="85000"/>
-          </a:schemeClr>
-        </a:solidFill>
-        <a:round/>
-      </a:ln>
-    </cs:spPr>
-    <cs:defRPr sz="1197" kern="1200"/>
-  </cs:chartArea>
-  <cs:dataLabel>
-    <cs:lnRef idx="0"/>
-    <cs:fillRef idx="0"/>
-    <cs:effectRef idx="0"/>
-    <cs:fontRef idx="minor">
-      <a:schemeClr val="tx2"/>
-    </cs:fontRef>
-    <cs:defRPr sz="1197" kern="1200"/>
-  </cs:dataLabel>
-  <cs:dataLabelCallout>
-    <cs:lnRef idx="0"/>
-    <cs:fillRef idx="0"/>
-    <cs:effectRef idx="0"/>
-    <cs:fontRef idx="minor">
-      <a:schemeClr val="dk2">
-        <a:lumMod val="75000"/>
-      </a:schemeClr>
-    </cs:fontRef>
-    <cs:spPr>
-      <a:solidFill>
-        <a:schemeClr val="lt1"/>
-      </a:solidFill>
-      <a:ln>
-        <a:solidFill>
-          <a:schemeClr val="dk1">
-            <a:lumMod val="25000"/>
-            <a:lumOff val="75000"/>
-          </a:schemeClr>
-        </a:solidFill>
-      </a:ln>
-    </cs:spPr>
-    <cs:defRPr sz="1197" kern="1200"/>
-    <cs:bodyPr rot="0" spcFirstLastPara="1" vertOverflow="clip" horzOverflow="clip" vert="horz" wrap="square" lIns="36576" tIns="18288" rIns="36576" bIns="18288" anchor="ctr" anchorCtr="1">
-      <a:spAutoFit/>
-    </cs:bodyPr>
-  </cs:dataLabelCallout>
-  <cs:dataPoint>
-    <cs:lnRef idx="0"/>
-    <cs:fillRef idx="3">
-      <cs:styleClr val="auto"/>
-    </cs:fillRef>
-    <cs:effectRef idx="2"/>
-    <cs:fontRef idx="minor">
-      <a:schemeClr val="tx2"/>
-    </cs:fontRef>
-  </cs:dataPoint>
-  <cs:dataPoint3D>
-    <cs:lnRef idx="0"/>
-    <cs:fillRef idx="3">
-      <cs:styleClr val="auto"/>
-    </cs:fillRef>
-    <cs:effectRef idx="2"/>
-    <cs:fontRef idx="minor">
-      <a:schemeClr val="tx2"/>
-    </cs:fontRef>
-  </cs:dataPoint3D>
-  <cs:dataPointLine>
-    <cs:lnRef idx="0">
-      <cs:styleClr val="auto"/>
-    </cs:lnRef>
-    <cs:fillRef idx="3"/>
-    <cs:effectRef idx="2"/>
-    <cs:fontRef idx="minor">
-      <a:schemeClr val="tx2"/>
-    </cs:fontRef>
-    <cs:spPr>
-      <a:ln w="31750" cap="rnd">
-        <a:solidFill>
-          <a:schemeClr val="phClr"/>
-        </a:solidFill>
-        <a:round/>
-      </a:ln>
-    </cs:spPr>
-  </cs:dataPointLine>
-  <cs:dataPointMarker>
-    <cs:lnRef idx="0"/>
-    <cs:fillRef idx="3">
-      <cs:styleClr val="auto"/>
-    </cs:fillRef>
-    <cs:effectRef idx="2"/>
-    <cs:fontRef idx="minor">
-      <a:schemeClr val="tx2"/>
-    </cs:fontRef>
-    <cs:spPr>
-      <a:ln w="12700">
-        <a:solidFill>
-          <a:schemeClr val="lt2"/>
-        </a:solidFill>
-        <a:round/>
-      </a:ln>
-    </cs:spPr>
-  </cs:dataPointMarker>
-  <cs:dataPointMarkerLayout symbol="circle" size="6"/>
-  <cs:dataPointWireframe>
-    <cs:lnRef idx="0">
-      <cs:styleClr val="auto"/>
-    </cs:lnRef>
-    <cs:fillRef idx="3"/>
-    <cs:effectRef idx="2"/>
-    <cs:fontRef idx="minor">
-      <a:schemeClr val="tx2"/>
-    </cs:fontRef>
-    <cs:spPr>
-      <a:ln w="9525" cap="rnd">
-        <a:solidFill>
-          <a:schemeClr val="phClr"/>
-        </a:solidFill>
-        <a:round/>
-      </a:ln>
-    </cs:spPr>
-  </cs:dataPointWireframe>
-  <cs:dataTable>
-    <cs:lnRef idx="0"/>
-    <cs:fillRef idx="0"/>
-    <cs:effectRef idx="0"/>
-    <cs:fontRef idx="minor">
-      <a:schemeClr val="tx2"/>
-    </cs:fontRef>
-    <cs:spPr>
-      <a:ln w="9525">
-        <a:solidFill>
-          <a:schemeClr val="tx2">
-            <a:lumMod val="15000"/>
-            <a:lumOff val="85000"/>
-          </a:schemeClr>
-        </a:solidFill>
-      </a:ln>
-    </cs:spPr>
-    <cs:defRPr sz="1197" kern="1200"/>
-  </cs:dataTable>
-  <cs:downBar>
-    <cs:lnRef idx="0"/>
-    <cs:fillRef idx="0"/>
-    <cs:effectRef idx="0"/>
-    <cs:fontRef idx="minor">
-      <a:schemeClr val="dk1"/>
-    </cs:fontRef>
-    <cs:spPr>
-      <a:solidFill>
-        <a:schemeClr val="dk1">
-          <a:lumMod val="65000"/>
-          <a:lumOff val="35000"/>
-        </a:schemeClr>
-      </a:solidFill>
-      <a:ln w="9525">
-        <a:solidFill>
-          <a:schemeClr val="tx1">
-            <a:lumMod val="65000"/>
-            <a:lumOff val="35000"/>
-          </a:schemeClr>
-        </a:solidFill>
-      </a:ln>
-    </cs:spPr>
-  </cs:downBar>
-  <cs:dropLine>
-    <cs:lnRef idx="0"/>
-    <cs:fillRef idx="0"/>
-    <cs:effectRef idx="0"/>
-    <cs:fontRef idx="minor">
-      <a:schemeClr val="tx2"/>
-    </cs:fontRef>
-    <cs:spPr>
-      <a:ln w="9525">
-        <a:solidFill>
-          <a:schemeClr val="tx2">
-            <a:lumMod val="60000"/>
-            <a:lumOff val="40000"/>
-          </a:schemeClr>
-        </a:solidFill>
-        <a:prstDash val="dash"/>
-      </a:ln>
-    </cs:spPr>
-  </cs:dropLine>
-  <cs:errorBar>
-    <cs:lnRef idx="0"/>
-    <cs:fillRef idx="0"/>
-    <cs:effectRef idx="0"/>
-    <cs:fontRef idx="minor">
-      <a:schemeClr val="tx2"/>
-    </cs:fontRef>
-    <cs:spPr>
-      <a:ln w="9525">
-        <a:solidFill>
-          <a:schemeClr val="tx2">
-            <a:lumMod val="75000"/>
-            <a:lumOff val="25000"/>
-          </a:schemeClr>
-        </a:solidFill>
-        <a:round/>
-      </a:ln>
-    </cs:spPr>
-  </cs:errorBar>
-  <cs:floor>
-    <cs:lnRef idx="0"/>
-    <cs:fillRef idx="0"/>
-    <cs:effectRef idx="0"/>
-    <cs:fontRef idx="minor">
-      <a:schemeClr val="tx2"/>
-    </cs:fontRef>
-  </cs:floor>
-  <cs:gridlineMajor>
-    <cs:lnRef idx="0"/>
-    <cs:fillRef idx="0"/>
-    <cs:effectRef idx="0"/>
-    <cs:fontRef idx="minor">
-      <a:schemeClr val="tx2"/>
-    </cs:fontRef>
-    <cs:spPr>
-      <a:ln w="9525" cap="flat" cmpd="sng" algn="ctr">
-        <a:solidFill>
-          <a:schemeClr val="tx2">
-            <a:lumMod val="15000"/>
-            <a:lumOff val="85000"/>
-          </a:schemeClr>
-        </a:solidFill>
-        <a:round/>
-      </a:ln>
-    </cs:spPr>
-  </cs:gridlineMajor>
-  <cs:gridlineMinor>
-    <cs:lnRef idx="0"/>
-    <cs:fillRef idx="0"/>
-    <cs:effectRef idx="0"/>
-    <cs:fontRef idx="minor">
-      <a:schemeClr val="tx2"/>
-    </cs:fontRef>
-    <cs:spPr>
-      <a:ln>
-        <a:solidFill>
-          <a:schemeClr val="tx2">
-            <a:lumMod val="5000"/>
-            <a:lumOff val="95000"/>
-          </a:schemeClr>
-        </a:solidFill>
-      </a:ln>
-    </cs:spPr>
-  </cs:gridlineMinor>
-  <cs:hiLoLine>
-    <cs:lnRef idx="0"/>
-    <cs:fillRef idx="0"/>
-    <cs:effectRef idx="0"/>
-    <cs:fontRef idx="minor">
-      <a:schemeClr val="tx2"/>
-    </cs:fontRef>
-    <cs:spPr>
-      <a:ln w="9525">
-        <a:solidFill>
-          <a:schemeClr val="tx2">
-            <a:lumMod val="60000"/>
-            <a:lumOff val="40000"/>
-          </a:schemeClr>
-        </a:solidFill>
-        <a:prstDash val="dash"/>
-      </a:ln>
-    </cs:spPr>
-  </cs:hiLoLine>
-  <cs:leaderLine>
-    <cs:lnRef idx="0"/>
-    <cs:fillRef idx="0"/>
-    <cs:effectRef idx="0"/>
-    <cs:fontRef idx="minor">
-      <a:schemeClr val="tx2"/>
-    </cs:fontRef>
-    <cs:spPr>
-      <a:ln w="9525">
-        <a:solidFill>
-          <a:schemeClr val="tx2">
-            <a:lumMod val="35000"/>
-            <a:lumOff val="65000"/>
-          </a:schemeClr>
-        </a:solidFill>
-      </a:ln>
-    </cs:spPr>
-  </cs:leaderLine>
-  <cs:legend>
-    <cs:lnRef idx="0"/>
-    <cs:fillRef idx="0"/>
-    <cs:effectRef idx="0"/>
-    <cs:fontRef idx="minor">
-      <a:schemeClr val="tx2"/>
-    </cs:fontRef>
-    <cs:defRPr sz="1197" kern="1200"/>
-  </cs:legend>
-  <cs:plotArea>
-    <cs:lnRef idx="0"/>
-    <cs:fillRef idx="0"/>
-    <cs:effectRef idx="0"/>
-    <cs:fontRef idx="minor">
-      <a:schemeClr val="tx2"/>
-    </cs:fontRef>
-  </cs:plotArea>
-  <cs:plotArea3D>
-    <cs:lnRef idx="0"/>
-    <cs:fillRef idx="0"/>
-    <cs:effectRef idx="0"/>
-    <cs:fontRef idx="minor">
-      <a:schemeClr val="tx2"/>
-    </cs:fontRef>
-  </cs:plotArea3D>
-  <cs:seriesAxis>
-    <cs:lnRef idx="0"/>
-    <cs:fillRef idx="0"/>
-    <cs:effectRef idx="0"/>
-    <cs:fontRef idx="minor">
-      <a:schemeClr val="tx2"/>
-    </cs:fontRef>
-    <cs:spPr>
-      <a:ln w="9525" cap="flat" cmpd="sng" algn="ctr">
-        <a:solidFill>
-          <a:schemeClr val="tx2">
-            <a:lumMod val="15000"/>
-            <a:lumOff val="85000"/>
-          </a:schemeClr>
-        </a:solidFill>
-        <a:round/>
-      </a:ln>
-    </cs:spPr>
-    <cs:defRPr sz="1197" kern="1200"/>
-  </cs:seriesAxis>
-  <cs:seriesLine>
-    <cs:lnRef idx="0"/>
-    <cs:fillRef idx="0"/>
-    <cs:effectRef idx="0"/>
-    <cs:fontRef idx="minor">
-      <a:schemeClr val="tx2"/>
-    </cs:fontRef>
-    <cs:spPr>
-      <a:ln w="9525">
-        <a:solidFill>
-          <a:schemeClr val="tx2">
-            <a:lumMod val="60000"/>
-            <a:lumOff val="40000"/>
-          </a:schemeClr>
-        </a:solidFill>
-        <a:prstDash val="dash"/>
-      </a:ln>
-    </cs:spPr>
-  </cs:seriesLine>
-  <cs:title>
-    <cs:lnRef idx="0"/>
-    <cs:fillRef idx="0"/>
-    <cs:effectRef idx="0"/>
-    <cs:fontRef idx="minor">
-      <a:schemeClr val="tx2"/>
-    </cs:fontRef>
-    <cs:defRPr sz="2128" b="1" kern="1200"/>
-  </cs:title>
-  <cs:trendline>
-    <cs:lnRef idx="0">
-      <cs:styleClr val="auto"/>
-    </cs:lnRef>
-    <cs:fillRef idx="0"/>
-    <cs:effectRef idx="0"/>
-    <cs:fontRef idx="minor">
-      <a:schemeClr val="tx2"/>
-    </cs:fontRef>
-    <cs:spPr>
-      <a:ln w="19050" cap="rnd">
-        <a:solidFill>
-          <a:schemeClr val="phClr"/>
-        </a:solidFill>
-        <a:prstDash val="sysDash"/>
-      </a:ln>
-    </cs:spPr>
-  </cs:trendline>
-  <cs:trendlineLabel>
-    <cs:lnRef idx="0"/>
-    <cs:fillRef idx="0"/>
-    <cs:effectRef idx="0"/>
-    <cs:fontRef idx="minor">
-      <a:schemeClr val="tx2"/>
-    </cs:fontRef>
-    <cs:defRPr sz="1197" kern="1200"/>
-  </cs:trendlineLabel>
-  <cs:upBar>
-    <cs:lnRef idx="0"/>
-    <cs:fillRef idx="0"/>
-    <cs:effectRef idx="0"/>
-    <cs:fontRef idx="minor">
-      <a:schemeClr val="tx2"/>
-    </cs:fontRef>
-    <cs:spPr>
-      <a:solidFill>
-        <a:schemeClr val="lt1"/>
-      </a:solidFill>
-      <a:ln w="9525">
-        <a:solidFill>
-          <a:schemeClr val="tx1">
-            <a:lumMod val="15000"/>
-            <a:lumOff val="85000"/>
-          </a:schemeClr>
-        </a:solidFill>
-      </a:ln>
-    </cs:spPr>
-  </cs:upBar>
-  <cs:valueAxis>
-    <cs:lnRef idx="0"/>
-    <cs:fillRef idx="0"/>
-    <cs:effectRef idx="0"/>
-    <cs:fontRef idx="minor">
-      <a:schemeClr val="tx2"/>
-    </cs:fontRef>
-    <cs:defRPr sz="1197" kern="1200"/>
-  </cs:valueAxis>
-  <cs:wall>
-    <cs:lnRef idx="0"/>
-    <cs:fillRef idx="0"/>
-    <cs:effectRef idx="0"/>
-    <cs:fontRef idx="minor">
-      <a:schemeClr val="tx2"/>
-    </cs:fontRef>
-  </cs:wall>
-</cs:chartStyle>
+<file path=ppt/charts/colors3.xml><?xml version="1.0" encoding="utf-8"?>
+<cs:colorStyle xmlns:cs="http://schemas.microsoft.com/office/drawing/2012/chartStyle" xmlns:a="http://schemas.openxmlformats.org/drawingml/2006/main" meth="cycle" id="10">
+  <a:schemeClr val="accent1"/>
+  <a:schemeClr val="accent2"/>
+  <a:schemeClr val="accent3"/>
+  <a:schemeClr val="accent4"/>
+  <a:schemeClr val="accent5"/>
+  <a:schemeClr val="accent6"/>
+  <cs:variation/>
+  <cs:variation>
+    <a:lumMod val="60000"/>
+  </cs:variation>
+  <cs:variation>
+    <a:lumMod val="80000"/>
+    <a:lumOff val="20000"/>
+  </cs:variation>
+  <cs:variation>
+    <a:lumMod val="80000"/>
+  </cs:variation>
+  <cs:variation>
+    <a:lumMod val="60000"/>
+    <a:lumOff val="40000"/>
+  </cs:variation>
+  <cs:variation>
+    <a:lumMod val="50000"/>
+  </cs:variation>
+  <cs:variation>
+    <a:lumMod val="70000"/>
+    <a:lumOff val="30000"/>
+  </cs:variation>
+  <cs:variation>
+    <a:lumMod val="70000"/>
+  </cs:variation>
+  <cs:variation>
+    <a:lumMod val="50000"/>
+    <a:lumOff val="50000"/>
+  </cs:variation>
+</cs:colorStyle>
 </file>
 
-<file path=ppt/charts/style2.xml><?xml version="1.0" encoding="utf-8"?>
+<file path=ppt/charts/style1.xml><?xml version="1.0" encoding="utf-8"?>
 <cs:chartStyle xmlns:cs="http://schemas.microsoft.com/office/drawing/2012/chartStyle" xmlns:a="http://schemas.openxmlformats.org/drawingml/2006/main" id="332">
   <cs:axisTitle>
     <cs:lnRef idx="0"/>
@@ -2157,6 +2031,1043 @@
         <a:noFill/>
       </a:ln>
     </cs:spPr>
+  </cs:wall>
+</cs:chartStyle>
+</file>
+
+<file path=ppt/charts/style2.xml><?xml version="1.0" encoding="utf-8"?>
+<cs:chartStyle xmlns:cs="http://schemas.microsoft.com/office/drawing/2012/chartStyle" xmlns:a="http://schemas.openxmlformats.org/drawingml/2006/main" id="263">
+  <cs:axisTitle>
+    <cs:lnRef idx="0"/>
+    <cs:fillRef idx="0"/>
+    <cs:effectRef idx="0"/>
+    <cs:fontRef idx="minor">
+      <a:schemeClr val="tx1">
+        <a:lumMod val="50000"/>
+        <a:lumOff val="50000"/>
+      </a:schemeClr>
+    </cs:fontRef>
+    <cs:defRPr sz="1197" kern="1200"/>
+  </cs:axisTitle>
+  <cs:categoryAxis>
+    <cs:lnRef idx="0"/>
+    <cs:fillRef idx="0"/>
+    <cs:effectRef idx="0"/>
+    <cs:fontRef idx="minor">
+      <a:schemeClr val="tx1">
+        <a:lumMod val="65000"/>
+        <a:lumOff val="35000"/>
+      </a:schemeClr>
+    </cs:fontRef>
+    <cs:spPr>
+      <a:ln w="15875" cap="flat" cmpd="sng" algn="ctr">
+        <a:solidFill>
+          <a:schemeClr val="tx1">
+            <a:lumMod val="25000"/>
+            <a:lumOff val="75000"/>
+          </a:schemeClr>
+        </a:solidFill>
+        <a:round/>
+      </a:ln>
+    </cs:spPr>
+    <cs:defRPr sz="1197" kern="1200"/>
+  </cs:categoryAxis>
+  <cs:chartArea mods="allowNoFillOverride allowNoLineOverride">
+    <cs:lnRef idx="0"/>
+    <cs:fillRef idx="0"/>
+    <cs:effectRef idx="0"/>
+    <cs:fontRef idx="minor">
+      <a:schemeClr val="tx1"/>
+    </cs:fontRef>
+    <cs:spPr>
+      <a:solidFill>
+        <a:schemeClr val="bg1"/>
+      </a:solidFill>
+      <a:ln w="9525" cap="flat" cmpd="sng" algn="ctr">
+        <a:solidFill>
+          <a:schemeClr val="tx1">
+            <a:lumMod val="15000"/>
+            <a:lumOff val="85000"/>
+          </a:schemeClr>
+        </a:solidFill>
+        <a:round/>
+      </a:ln>
+    </cs:spPr>
+    <cs:defRPr sz="1330" kern="1200"/>
+  </cs:chartArea>
+  <cs:dataLabel>
+    <cs:lnRef idx="0">
+      <cs:styleClr val="auto"/>
+    </cs:lnRef>
+    <cs:fillRef idx="0"/>
+    <cs:effectRef idx="0">
+      <cs:styleClr val="auto"/>
+    </cs:effectRef>
+    <cs:fontRef idx="minor">
+      <cs:styleClr val="auto"/>
+    </cs:fontRef>
+    <cs:spPr>
+      <a:solidFill>
+        <a:schemeClr val="lt1">
+          <a:alpha val="90000"/>
+        </a:schemeClr>
+      </a:solidFill>
+      <a:ln w="12700" cap="flat" cmpd="sng" algn="ctr">
+        <a:solidFill>
+          <a:schemeClr val="phClr"/>
+        </a:solidFill>
+        <a:round/>
+      </a:ln>
+      <a:effectLst>
+        <a:outerShdw blurRad="50800" dist="38100" dir="2700000" algn="tl" rotWithShape="0">
+          <a:schemeClr val="phClr">
+            <a:lumMod val="75000"/>
+            <a:alpha val="40000"/>
+          </a:schemeClr>
+        </a:outerShdw>
+      </a:effectLst>
+    </cs:spPr>
+    <cs:defRPr sz="1330" b="0" i="0" u="none" strike="noStrike" kern="1200" baseline="0">
+      <a:effectLst/>
+    </cs:defRPr>
+    <cs:bodyPr rot="0" spcFirstLastPara="1" vertOverflow="clip" horzOverflow="clip" vert="horz" wrap="square" lIns="38100" tIns="19050" rIns="38100" bIns="19050" anchor="ctr" anchorCtr="1">
+      <a:spAutoFit/>
+    </cs:bodyPr>
+  </cs:dataLabel>
+  <cs:dataLabelCallout>
+    <cs:lnRef idx="0">
+      <cs:styleClr val="auto"/>
+    </cs:lnRef>
+    <cs:fillRef idx="0"/>
+    <cs:effectRef idx="0">
+      <cs:styleClr val="auto"/>
+    </cs:effectRef>
+    <cs:fontRef idx="minor">
+      <cs:styleClr val="auto"/>
+    </cs:fontRef>
+    <cs:spPr>
+      <a:solidFill>
+        <a:schemeClr val="lt1">
+          <a:alpha val="90000"/>
+        </a:schemeClr>
+      </a:solidFill>
+      <a:ln w="12700" cap="flat" cmpd="sng" algn="ctr">
+        <a:solidFill>
+          <a:schemeClr val="phClr"/>
+        </a:solidFill>
+        <a:round/>
+      </a:ln>
+      <a:effectLst>
+        <a:outerShdw blurRad="50800" dist="38100" dir="2700000" algn="tl" rotWithShape="0">
+          <a:schemeClr val="phClr">
+            <a:lumMod val="75000"/>
+            <a:alpha val="40000"/>
+          </a:schemeClr>
+        </a:outerShdw>
+      </a:effectLst>
+    </cs:spPr>
+    <cs:defRPr sz="1330" b="0" i="0" u="none" strike="noStrike" kern="1200" baseline="0">
+      <a:effectLst/>
+    </cs:defRPr>
+    <cs:bodyPr rot="0" spcFirstLastPara="1" vertOverflow="clip" horzOverflow="clip" vert="horz" wrap="square" lIns="36576" tIns="18288" rIns="36576" bIns="18288" anchor="ctr" anchorCtr="1">
+      <a:spAutoFit/>
+    </cs:bodyPr>
+  </cs:dataLabelCallout>
+  <cs:dataPoint>
+    <cs:lnRef idx="0"/>
+    <cs:fillRef idx="0">
+      <cs:styleClr val="auto"/>
+    </cs:fillRef>
+    <cs:effectRef idx="0"/>
+    <cs:fontRef idx="minor">
+      <a:schemeClr val="tx1"/>
+    </cs:fontRef>
+    <cs:spPr>
+      <a:solidFill>
+        <a:schemeClr val="phClr">
+          <a:alpha val="70000"/>
+        </a:schemeClr>
+      </a:solidFill>
+    </cs:spPr>
+  </cs:dataPoint>
+  <cs:dataPoint3D>
+    <cs:lnRef idx="0">
+      <cs:styleClr val="auto"/>
+    </cs:lnRef>
+    <cs:fillRef idx="0">
+      <cs:styleClr val="auto"/>
+    </cs:fillRef>
+    <cs:effectRef idx="0">
+      <cs:styleClr val="auto"/>
+    </cs:effectRef>
+    <cs:fontRef idx="minor">
+      <a:schemeClr val="tx1"/>
+    </cs:fontRef>
+    <cs:spPr>
+      <a:solidFill>
+        <a:schemeClr val="phClr">
+          <a:alpha val="90000"/>
+        </a:schemeClr>
+      </a:solidFill>
+      <a:ln w="19050">
+        <a:solidFill>
+          <a:schemeClr val="phClr">
+            <a:lumMod val="75000"/>
+          </a:schemeClr>
+        </a:solidFill>
+      </a:ln>
+      <a:effectLst>
+        <a:innerShdw blurRad="114300">
+          <a:schemeClr val="phClr">
+            <a:lumMod val="75000"/>
+          </a:schemeClr>
+        </a:innerShdw>
+      </a:effectLst>
+      <a:scene3d>
+        <a:camera prst="orthographicFront"/>
+        <a:lightRig rig="threePt" dir="t"/>
+      </a:scene3d>
+      <a:sp3d contourW="19050" prstMaterial="flat">
+        <a:contourClr>
+          <a:schemeClr val="accent4">
+            <a:lumMod val="75000"/>
+          </a:schemeClr>
+        </a:contourClr>
+      </a:sp3d>
+    </cs:spPr>
+  </cs:dataPoint3D>
+  <cs:dataPointLine>
+    <cs:lnRef idx="0">
+      <cs:styleClr val="auto"/>
+    </cs:lnRef>
+    <cs:fillRef idx="0"/>
+    <cs:effectRef idx="0"/>
+    <cs:fontRef idx="minor">
+      <a:schemeClr val="tx1"/>
+    </cs:fontRef>
+    <cs:spPr>
+      <a:ln w="28575" cap="rnd">
+        <a:solidFill>
+          <a:schemeClr val="phClr"/>
+        </a:solidFill>
+        <a:round/>
+      </a:ln>
+    </cs:spPr>
+  </cs:dataPointLine>
+  <cs:dataPointMarker>
+    <cs:lnRef idx="0"/>
+    <cs:fillRef idx="0">
+      <cs:styleClr val="auto"/>
+    </cs:fillRef>
+    <cs:effectRef idx="0"/>
+    <cs:fontRef idx="minor">
+      <a:schemeClr val="tx1"/>
+    </cs:fontRef>
+    <cs:spPr>
+      <a:solidFill>
+        <a:schemeClr val="phClr"/>
+      </a:solidFill>
+      <a:ln w="9525">
+        <a:solidFill>
+          <a:schemeClr val="lt1"/>
+        </a:solidFill>
+      </a:ln>
+    </cs:spPr>
+  </cs:dataPointMarker>
+  <cs:dataPointMarkerLayout symbol="circle" size="6"/>
+  <cs:dataPointWireframe>
+    <cs:lnRef idx="0">
+      <cs:styleClr val="auto"/>
+    </cs:lnRef>
+    <cs:fillRef idx="0"/>
+    <cs:effectRef idx="0"/>
+    <cs:fontRef idx="minor">
+      <a:schemeClr val="tx1"/>
+    </cs:fontRef>
+    <cs:spPr>
+      <a:ln w="9525" cap="rnd">
+        <a:solidFill>
+          <a:schemeClr val="phClr"/>
+        </a:solidFill>
+        <a:round/>
+      </a:ln>
+    </cs:spPr>
+  </cs:dataPointWireframe>
+  <cs:dataTable>
+    <cs:lnRef idx="0"/>
+    <cs:fillRef idx="0"/>
+    <cs:effectRef idx="0"/>
+    <cs:fontRef idx="minor">
+      <a:schemeClr val="tx1">
+        <a:lumMod val="65000"/>
+        <a:lumOff val="35000"/>
+      </a:schemeClr>
+    </cs:fontRef>
+    <cs:spPr>
+      <a:ln w="9525">
+        <a:solidFill>
+          <a:schemeClr val="tx1">
+            <a:lumMod val="15000"/>
+            <a:lumOff val="85000"/>
+          </a:schemeClr>
+        </a:solidFill>
+      </a:ln>
+    </cs:spPr>
+    <cs:defRPr sz="1197" kern="1200"/>
+  </cs:dataTable>
+  <cs:downBar>
+    <cs:lnRef idx="0"/>
+    <cs:fillRef idx="0"/>
+    <cs:effectRef idx="0"/>
+    <cs:fontRef idx="minor">
+      <a:schemeClr val="dk1"/>
+    </cs:fontRef>
+    <cs:spPr>
+      <a:solidFill>
+        <a:schemeClr val="dk1">
+          <a:lumMod val="75000"/>
+          <a:lumOff val="25000"/>
+        </a:schemeClr>
+      </a:solidFill>
+      <a:ln w="9525">
+        <a:solidFill>
+          <a:schemeClr val="tx1">
+            <a:lumMod val="65000"/>
+            <a:lumOff val="35000"/>
+          </a:schemeClr>
+        </a:solidFill>
+      </a:ln>
+    </cs:spPr>
+  </cs:downBar>
+  <cs:dropLine>
+    <cs:lnRef idx="0"/>
+    <cs:fillRef idx="0"/>
+    <cs:effectRef idx="0"/>
+    <cs:fontRef idx="minor">
+      <a:schemeClr val="dk1"/>
+    </cs:fontRef>
+    <cs:spPr>
+      <a:ln w="9525">
+        <a:solidFill>
+          <a:schemeClr val="tx1">
+            <a:lumMod val="35000"/>
+            <a:lumOff val="65000"/>
+          </a:schemeClr>
+        </a:solidFill>
+        <a:round/>
+      </a:ln>
+    </cs:spPr>
+  </cs:dropLine>
+  <cs:errorBar>
+    <cs:lnRef idx="0"/>
+    <cs:fillRef idx="0"/>
+    <cs:effectRef idx="0"/>
+    <cs:fontRef idx="minor">
+      <a:schemeClr val="dk1"/>
+    </cs:fontRef>
+    <cs:spPr>
+      <a:ln w="9525">
+        <a:solidFill>
+          <a:schemeClr val="tx1">
+            <a:lumMod val="65000"/>
+            <a:lumOff val="35000"/>
+          </a:schemeClr>
+        </a:solidFill>
+        <a:round/>
+      </a:ln>
+    </cs:spPr>
+  </cs:errorBar>
+  <cs:floor>
+    <cs:lnRef idx="0"/>
+    <cs:fillRef idx="0"/>
+    <cs:effectRef idx="0"/>
+    <cs:fontRef idx="minor">
+      <a:schemeClr val="dk1"/>
+    </cs:fontRef>
+  </cs:floor>
+  <cs:gridlineMajor>
+    <cs:lnRef idx="0"/>
+    <cs:fillRef idx="0"/>
+    <cs:effectRef idx="0"/>
+    <cs:fontRef idx="minor">
+      <a:schemeClr val="dk1"/>
+    </cs:fontRef>
+    <cs:spPr>
+      <a:ln w="9525" cap="flat" cmpd="sng" algn="ctr">
+        <a:solidFill>
+          <a:schemeClr val="tx1">
+            <a:lumMod val="5000"/>
+            <a:lumOff val="95000"/>
+          </a:schemeClr>
+        </a:solidFill>
+        <a:round/>
+      </a:ln>
+    </cs:spPr>
+  </cs:gridlineMajor>
+  <cs:gridlineMinor>
+    <cs:lnRef idx="0"/>
+    <cs:fillRef idx="0"/>
+    <cs:effectRef idx="0"/>
+    <cs:fontRef idx="minor">
+      <a:schemeClr val="dk1"/>
+    </cs:fontRef>
+    <cs:spPr>
+      <a:ln>
+        <a:solidFill>
+          <a:schemeClr val="tx1">
+            <a:lumMod val="5000"/>
+            <a:lumOff val="95000"/>
+          </a:schemeClr>
+        </a:solidFill>
+      </a:ln>
+    </cs:spPr>
+  </cs:gridlineMinor>
+  <cs:hiLoLine>
+    <cs:lnRef idx="0"/>
+    <cs:fillRef idx="0"/>
+    <cs:effectRef idx="0"/>
+    <cs:fontRef idx="minor">
+      <a:schemeClr val="dk1"/>
+    </cs:fontRef>
+    <cs:spPr>
+      <a:ln w="9525">
+        <a:solidFill>
+          <a:schemeClr val="tx1">
+            <a:lumMod val="35000"/>
+            <a:lumOff val="65000"/>
+          </a:schemeClr>
+        </a:solidFill>
+        <a:round/>
+      </a:ln>
+    </cs:spPr>
+  </cs:hiLoLine>
+  <cs:leaderLine>
+    <cs:lnRef idx="0"/>
+    <cs:fillRef idx="0"/>
+    <cs:effectRef idx="0"/>
+    <cs:fontRef idx="minor">
+      <a:schemeClr val="dk1"/>
+    </cs:fontRef>
+    <cs:spPr>
+      <a:ln w="9525">
+        <a:solidFill>
+          <a:schemeClr val="tx1">
+            <a:lumMod val="35000"/>
+            <a:lumOff val="65000"/>
+          </a:schemeClr>
+        </a:solidFill>
+      </a:ln>
+    </cs:spPr>
+  </cs:leaderLine>
+  <cs:legend>
+    <cs:lnRef idx="0"/>
+    <cs:fillRef idx="0"/>
+    <cs:effectRef idx="0"/>
+    <cs:fontRef idx="minor">
+      <a:schemeClr val="tx1">
+        <a:lumMod val="50000"/>
+        <a:lumOff val="50000"/>
+      </a:schemeClr>
+    </cs:fontRef>
+    <cs:defRPr sz="1197" kern="1200"/>
+  </cs:legend>
+  <cs:plotArea mods="allowNoFillOverride allowNoLineOverride">
+    <cs:lnRef idx="0"/>
+    <cs:fillRef idx="0"/>
+    <cs:effectRef idx="0"/>
+    <cs:fontRef idx="minor">
+      <a:schemeClr val="tx1"/>
+    </cs:fontRef>
+  </cs:plotArea>
+  <cs:plotArea3D mods="allowNoFillOverride allowNoLineOverride">
+    <cs:lnRef idx="0"/>
+    <cs:fillRef idx="0"/>
+    <cs:effectRef idx="0"/>
+    <cs:fontRef idx="minor">
+      <a:schemeClr val="tx1"/>
+    </cs:fontRef>
+  </cs:plotArea3D>
+  <cs:seriesAxis>
+    <cs:lnRef idx="0"/>
+    <cs:fillRef idx="0"/>
+    <cs:effectRef idx="0"/>
+    <cs:fontRef idx="minor">
+      <a:schemeClr val="tx1">
+        <a:lumMod val="65000"/>
+        <a:lumOff val="35000"/>
+      </a:schemeClr>
+    </cs:fontRef>
+    <cs:defRPr sz="1197" kern="1200"/>
+  </cs:seriesAxis>
+  <cs:seriesLine>
+    <cs:lnRef idx="0"/>
+    <cs:fillRef idx="0"/>
+    <cs:effectRef idx="0"/>
+    <cs:fontRef idx="minor">
+      <a:schemeClr val="dk1"/>
+    </cs:fontRef>
+    <cs:spPr>
+      <a:ln w="9525">
+        <a:solidFill>
+          <a:schemeClr val="tx1">
+            <a:lumMod val="35000"/>
+            <a:lumOff val="65000"/>
+          </a:schemeClr>
+        </a:solidFill>
+        <a:round/>
+      </a:ln>
+    </cs:spPr>
+  </cs:seriesLine>
+  <cs:title>
+    <cs:lnRef idx="0"/>
+    <cs:fillRef idx="0"/>
+    <cs:effectRef idx="0"/>
+    <cs:fontRef idx="minor">
+      <a:schemeClr val="tx1">
+        <a:lumMod val="65000"/>
+        <a:lumOff val="35000"/>
+      </a:schemeClr>
+    </cs:fontRef>
+    <cs:defRPr sz="2200" b="1" kern="1200" cap="all" baseline="0"/>
+  </cs:title>
+  <cs:trendline>
+    <cs:lnRef idx="0">
+      <cs:styleClr val="auto"/>
+    </cs:lnRef>
+    <cs:fillRef idx="0"/>
+    <cs:effectRef idx="0"/>
+    <cs:fontRef idx="minor">
+      <a:schemeClr val="dk1"/>
+    </cs:fontRef>
+    <cs:spPr>
+      <a:ln w="15875" cap="rnd">
+        <a:solidFill>
+          <a:schemeClr val="phClr"/>
+        </a:solidFill>
+      </a:ln>
+    </cs:spPr>
+  </cs:trendline>
+  <cs:trendlineLabel>
+    <cs:lnRef idx="0"/>
+    <cs:fillRef idx="0"/>
+    <cs:effectRef idx="0"/>
+    <cs:fontRef idx="minor">
+      <a:schemeClr val="tx1">
+        <a:lumMod val="65000"/>
+        <a:lumOff val="35000"/>
+      </a:schemeClr>
+    </cs:fontRef>
+    <cs:defRPr sz="1197" kern="1200"/>
+  </cs:trendlineLabel>
+  <cs:upBar>
+    <cs:lnRef idx="0"/>
+    <cs:fillRef idx="0"/>
+    <cs:effectRef idx="0"/>
+    <cs:fontRef idx="minor">
+      <a:schemeClr val="dk1"/>
+    </cs:fontRef>
+    <cs:spPr>
+      <a:solidFill>
+        <a:schemeClr val="lt1"/>
+      </a:solidFill>
+      <a:ln w="9525">
+        <a:solidFill>
+          <a:schemeClr val="tx1">
+            <a:lumMod val="65000"/>
+            <a:lumOff val="35000"/>
+          </a:schemeClr>
+        </a:solidFill>
+      </a:ln>
+    </cs:spPr>
+  </cs:upBar>
+  <cs:valueAxis>
+    <cs:lnRef idx="0"/>
+    <cs:fillRef idx="0"/>
+    <cs:effectRef idx="0"/>
+    <cs:fontRef idx="minor">
+      <a:schemeClr val="tx1">
+        <a:lumMod val="65000"/>
+        <a:lumOff val="35000"/>
+      </a:schemeClr>
+    </cs:fontRef>
+    <cs:defRPr sz="1197" kern="1200" spc="20" baseline="0"/>
+  </cs:valueAxis>
+  <cs:wall>
+    <cs:lnRef idx="0"/>
+    <cs:fillRef idx="0"/>
+    <cs:effectRef idx="0"/>
+    <cs:fontRef idx="minor">
+      <a:schemeClr val="dk1"/>
+    </cs:fontRef>
+  </cs:wall>
+</cs:chartStyle>
+</file>
+
+<file path=ppt/charts/style3.xml><?xml version="1.0" encoding="utf-8"?>
+<cs:chartStyle xmlns:cs="http://schemas.microsoft.com/office/drawing/2012/chartStyle" xmlns:a="http://schemas.openxmlformats.org/drawingml/2006/main" id="207">
+  <cs:axisTitle>
+    <cs:lnRef idx="0"/>
+    <cs:fillRef idx="0"/>
+    <cs:effectRef idx="0"/>
+    <cs:fontRef idx="minor">
+      <a:schemeClr val="tx2"/>
+    </cs:fontRef>
+    <cs:defRPr sz="1197" b="1" kern="1200"/>
+  </cs:axisTitle>
+  <cs:categoryAxis>
+    <cs:lnRef idx="0"/>
+    <cs:fillRef idx="0"/>
+    <cs:effectRef idx="0"/>
+    <cs:fontRef idx="minor">
+      <a:schemeClr val="tx2"/>
+    </cs:fontRef>
+    <cs:spPr>
+      <a:ln w="9525" cap="flat" cmpd="sng" algn="ctr">
+        <a:solidFill>
+          <a:schemeClr val="tx2">
+            <a:lumMod val="15000"/>
+            <a:lumOff val="85000"/>
+          </a:schemeClr>
+        </a:solidFill>
+        <a:round/>
+      </a:ln>
+    </cs:spPr>
+    <cs:defRPr sz="1197" kern="1200"/>
+  </cs:categoryAxis>
+  <cs:chartArea mods="allowNoFillOverride allowNoLineOverride">
+    <cs:lnRef idx="0"/>
+    <cs:fillRef idx="0"/>
+    <cs:effectRef idx="0"/>
+    <cs:fontRef idx="minor">
+      <a:schemeClr val="tx2"/>
+    </cs:fontRef>
+    <cs:spPr>
+      <a:solidFill>
+        <a:schemeClr val="bg1"/>
+      </a:solidFill>
+      <a:ln w="9525" cap="flat" cmpd="sng" algn="ctr">
+        <a:solidFill>
+          <a:schemeClr val="tx2">
+            <a:lumMod val="15000"/>
+            <a:lumOff val="85000"/>
+          </a:schemeClr>
+        </a:solidFill>
+        <a:round/>
+      </a:ln>
+    </cs:spPr>
+    <cs:defRPr sz="1197" kern="1200"/>
+  </cs:chartArea>
+  <cs:dataLabel>
+    <cs:lnRef idx="0"/>
+    <cs:fillRef idx="0"/>
+    <cs:effectRef idx="0"/>
+    <cs:fontRef idx="minor">
+      <a:schemeClr val="tx2"/>
+    </cs:fontRef>
+    <cs:defRPr sz="1197" kern="1200"/>
+  </cs:dataLabel>
+  <cs:dataLabelCallout>
+    <cs:lnRef idx="0"/>
+    <cs:fillRef idx="0"/>
+    <cs:effectRef idx="0"/>
+    <cs:fontRef idx="minor">
+      <a:schemeClr val="dk2">
+        <a:lumMod val="75000"/>
+      </a:schemeClr>
+    </cs:fontRef>
+    <cs:spPr>
+      <a:solidFill>
+        <a:schemeClr val="lt1"/>
+      </a:solidFill>
+      <a:ln>
+        <a:solidFill>
+          <a:schemeClr val="dk1">
+            <a:lumMod val="25000"/>
+            <a:lumOff val="75000"/>
+          </a:schemeClr>
+        </a:solidFill>
+      </a:ln>
+    </cs:spPr>
+    <cs:defRPr sz="1197" kern="1200"/>
+    <cs:bodyPr rot="0" spcFirstLastPara="1" vertOverflow="clip" horzOverflow="clip" vert="horz" wrap="square" lIns="36576" tIns="18288" rIns="36576" bIns="18288" anchor="ctr" anchorCtr="1">
+      <a:spAutoFit/>
+    </cs:bodyPr>
+  </cs:dataLabelCallout>
+  <cs:dataPoint>
+    <cs:lnRef idx="0"/>
+    <cs:fillRef idx="3">
+      <cs:styleClr val="auto"/>
+    </cs:fillRef>
+    <cs:effectRef idx="2"/>
+    <cs:fontRef idx="minor">
+      <a:schemeClr val="tx2"/>
+    </cs:fontRef>
+  </cs:dataPoint>
+  <cs:dataPoint3D>
+    <cs:lnRef idx="0"/>
+    <cs:fillRef idx="3">
+      <cs:styleClr val="auto"/>
+    </cs:fillRef>
+    <cs:effectRef idx="2"/>
+    <cs:fontRef idx="minor">
+      <a:schemeClr val="tx2"/>
+    </cs:fontRef>
+  </cs:dataPoint3D>
+  <cs:dataPointLine>
+    <cs:lnRef idx="0">
+      <cs:styleClr val="auto"/>
+    </cs:lnRef>
+    <cs:fillRef idx="3"/>
+    <cs:effectRef idx="2"/>
+    <cs:fontRef idx="minor">
+      <a:schemeClr val="tx2"/>
+    </cs:fontRef>
+    <cs:spPr>
+      <a:ln w="31750" cap="rnd">
+        <a:solidFill>
+          <a:schemeClr val="phClr"/>
+        </a:solidFill>
+        <a:round/>
+      </a:ln>
+    </cs:spPr>
+  </cs:dataPointLine>
+  <cs:dataPointMarker>
+    <cs:lnRef idx="0"/>
+    <cs:fillRef idx="3">
+      <cs:styleClr val="auto"/>
+    </cs:fillRef>
+    <cs:effectRef idx="2"/>
+    <cs:fontRef idx="minor">
+      <a:schemeClr val="tx2"/>
+    </cs:fontRef>
+    <cs:spPr>
+      <a:ln w="12700">
+        <a:solidFill>
+          <a:schemeClr val="lt2"/>
+        </a:solidFill>
+        <a:round/>
+      </a:ln>
+    </cs:spPr>
+  </cs:dataPointMarker>
+  <cs:dataPointMarkerLayout symbol="circle" size="6"/>
+  <cs:dataPointWireframe>
+    <cs:lnRef idx="0">
+      <cs:styleClr val="auto"/>
+    </cs:lnRef>
+    <cs:fillRef idx="3"/>
+    <cs:effectRef idx="2"/>
+    <cs:fontRef idx="minor">
+      <a:schemeClr val="tx2"/>
+    </cs:fontRef>
+    <cs:spPr>
+      <a:ln w="9525" cap="rnd">
+        <a:solidFill>
+          <a:schemeClr val="phClr"/>
+        </a:solidFill>
+        <a:round/>
+      </a:ln>
+    </cs:spPr>
+  </cs:dataPointWireframe>
+  <cs:dataTable>
+    <cs:lnRef idx="0"/>
+    <cs:fillRef idx="0"/>
+    <cs:effectRef idx="0"/>
+    <cs:fontRef idx="minor">
+      <a:schemeClr val="tx2"/>
+    </cs:fontRef>
+    <cs:spPr>
+      <a:ln w="9525">
+        <a:solidFill>
+          <a:schemeClr val="tx2">
+            <a:lumMod val="15000"/>
+            <a:lumOff val="85000"/>
+          </a:schemeClr>
+        </a:solidFill>
+      </a:ln>
+    </cs:spPr>
+    <cs:defRPr sz="1197" kern="1200"/>
+  </cs:dataTable>
+  <cs:downBar>
+    <cs:lnRef idx="0"/>
+    <cs:fillRef idx="0"/>
+    <cs:effectRef idx="0"/>
+    <cs:fontRef idx="minor">
+      <a:schemeClr val="dk1"/>
+    </cs:fontRef>
+    <cs:spPr>
+      <a:solidFill>
+        <a:schemeClr val="dk1">
+          <a:lumMod val="65000"/>
+          <a:lumOff val="35000"/>
+        </a:schemeClr>
+      </a:solidFill>
+      <a:ln w="9525">
+        <a:solidFill>
+          <a:schemeClr val="tx1">
+            <a:lumMod val="65000"/>
+            <a:lumOff val="35000"/>
+          </a:schemeClr>
+        </a:solidFill>
+      </a:ln>
+    </cs:spPr>
+  </cs:downBar>
+  <cs:dropLine>
+    <cs:lnRef idx="0"/>
+    <cs:fillRef idx="0"/>
+    <cs:effectRef idx="0"/>
+    <cs:fontRef idx="minor">
+      <a:schemeClr val="tx2"/>
+    </cs:fontRef>
+    <cs:spPr>
+      <a:ln w="9525">
+        <a:solidFill>
+          <a:schemeClr val="tx2">
+            <a:lumMod val="60000"/>
+            <a:lumOff val="40000"/>
+          </a:schemeClr>
+        </a:solidFill>
+        <a:prstDash val="dash"/>
+      </a:ln>
+    </cs:spPr>
+  </cs:dropLine>
+  <cs:errorBar>
+    <cs:lnRef idx="0"/>
+    <cs:fillRef idx="0"/>
+    <cs:effectRef idx="0"/>
+    <cs:fontRef idx="minor">
+      <a:schemeClr val="tx2"/>
+    </cs:fontRef>
+    <cs:spPr>
+      <a:ln w="9525">
+        <a:solidFill>
+          <a:schemeClr val="tx2">
+            <a:lumMod val="75000"/>
+            <a:lumOff val="25000"/>
+          </a:schemeClr>
+        </a:solidFill>
+        <a:round/>
+      </a:ln>
+    </cs:spPr>
+  </cs:errorBar>
+  <cs:floor>
+    <cs:lnRef idx="0"/>
+    <cs:fillRef idx="0"/>
+    <cs:effectRef idx="0"/>
+    <cs:fontRef idx="minor">
+      <a:schemeClr val="tx2"/>
+    </cs:fontRef>
+  </cs:floor>
+  <cs:gridlineMajor>
+    <cs:lnRef idx="0"/>
+    <cs:fillRef idx="0"/>
+    <cs:effectRef idx="0"/>
+    <cs:fontRef idx="minor">
+      <a:schemeClr val="tx2"/>
+    </cs:fontRef>
+    <cs:spPr>
+      <a:ln w="9525" cap="flat" cmpd="sng" algn="ctr">
+        <a:solidFill>
+          <a:schemeClr val="tx2">
+            <a:lumMod val="15000"/>
+            <a:lumOff val="85000"/>
+          </a:schemeClr>
+        </a:solidFill>
+        <a:round/>
+      </a:ln>
+    </cs:spPr>
+  </cs:gridlineMajor>
+  <cs:gridlineMinor>
+    <cs:lnRef idx="0"/>
+    <cs:fillRef idx="0"/>
+    <cs:effectRef idx="0"/>
+    <cs:fontRef idx="minor">
+      <a:schemeClr val="tx2"/>
+    </cs:fontRef>
+    <cs:spPr>
+      <a:ln>
+        <a:solidFill>
+          <a:schemeClr val="tx2">
+            <a:lumMod val="5000"/>
+            <a:lumOff val="95000"/>
+          </a:schemeClr>
+        </a:solidFill>
+      </a:ln>
+    </cs:spPr>
+  </cs:gridlineMinor>
+  <cs:hiLoLine>
+    <cs:lnRef idx="0"/>
+    <cs:fillRef idx="0"/>
+    <cs:effectRef idx="0"/>
+    <cs:fontRef idx="minor">
+      <a:schemeClr val="tx2"/>
+    </cs:fontRef>
+    <cs:spPr>
+      <a:ln w="9525">
+        <a:solidFill>
+          <a:schemeClr val="tx2">
+            <a:lumMod val="60000"/>
+            <a:lumOff val="40000"/>
+          </a:schemeClr>
+        </a:solidFill>
+        <a:prstDash val="dash"/>
+      </a:ln>
+    </cs:spPr>
+  </cs:hiLoLine>
+  <cs:leaderLine>
+    <cs:lnRef idx="0"/>
+    <cs:fillRef idx="0"/>
+    <cs:effectRef idx="0"/>
+    <cs:fontRef idx="minor">
+      <a:schemeClr val="tx2"/>
+    </cs:fontRef>
+    <cs:spPr>
+      <a:ln w="9525">
+        <a:solidFill>
+          <a:schemeClr val="tx2">
+            <a:lumMod val="35000"/>
+            <a:lumOff val="65000"/>
+          </a:schemeClr>
+        </a:solidFill>
+      </a:ln>
+    </cs:spPr>
+  </cs:leaderLine>
+  <cs:legend>
+    <cs:lnRef idx="0"/>
+    <cs:fillRef idx="0"/>
+    <cs:effectRef idx="0"/>
+    <cs:fontRef idx="minor">
+      <a:schemeClr val="tx2"/>
+    </cs:fontRef>
+    <cs:defRPr sz="1197" kern="1200"/>
+  </cs:legend>
+  <cs:plotArea>
+    <cs:lnRef idx="0"/>
+    <cs:fillRef idx="0"/>
+    <cs:effectRef idx="0"/>
+    <cs:fontRef idx="minor">
+      <a:schemeClr val="tx2"/>
+    </cs:fontRef>
+  </cs:plotArea>
+  <cs:plotArea3D>
+    <cs:lnRef idx="0"/>
+    <cs:fillRef idx="0"/>
+    <cs:effectRef idx="0"/>
+    <cs:fontRef idx="minor">
+      <a:schemeClr val="tx2"/>
+    </cs:fontRef>
+  </cs:plotArea3D>
+  <cs:seriesAxis>
+    <cs:lnRef idx="0"/>
+    <cs:fillRef idx="0"/>
+    <cs:effectRef idx="0"/>
+    <cs:fontRef idx="minor">
+      <a:schemeClr val="tx2"/>
+    </cs:fontRef>
+    <cs:spPr>
+      <a:ln w="9525" cap="flat" cmpd="sng" algn="ctr">
+        <a:solidFill>
+          <a:schemeClr val="tx2">
+            <a:lumMod val="15000"/>
+            <a:lumOff val="85000"/>
+          </a:schemeClr>
+        </a:solidFill>
+        <a:round/>
+      </a:ln>
+    </cs:spPr>
+    <cs:defRPr sz="1197" kern="1200"/>
+  </cs:seriesAxis>
+  <cs:seriesLine>
+    <cs:lnRef idx="0"/>
+    <cs:fillRef idx="0"/>
+    <cs:effectRef idx="0"/>
+    <cs:fontRef idx="minor">
+      <a:schemeClr val="tx2"/>
+    </cs:fontRef>
+    <cs:spPr>
+      <a:ln w="9525">
+        <a:solidFill>
+          <a:schemeClr val="tx2">
+            <a:lumMod val="60000"/>
+            <a:lumOff val="40000"/>
+          </a:schemeClr>
+        </a:solidFill>
+        <a:prstDash val="dash"/>
+      </a:ln>
+    </cs:spPr>
+  </cs:seriesLine>
+  <cs:title>
+    <cs:lnRef idx="0"/>
+    <cs:fillRef idx="0"/>
+    <cs:effectRef idx="0"/>
+    <cs:fontRef idx="minor">
+      <a:schemeClr val="tx2"/>
+    </cs:fontRef>
+    <cs:defRPr sz="2128" b="1" kern="1200"/>
+  </cs:title>
+  <cs:trendline>
+    <cs:lnRef idx="0">
+      <cs:styleClr val="auto"/>
+    </cs:lnRef>
+    <cs:fillRef idx="0"/>
+    <cs:effectRef idx="0"/>
+    <cs:fontRef idx="minor">
+      <a:schemeClr val="tx2"/>
+    </cs:fontRef>
+    <cs:spPr>
+      <a:ln w="19050" cap="rnd">
+        <a:solidFill>
+          <a:schemeClr val="phClr"/>
+        </a:solidFill>
+        <a:prstDash val="sysDash"/>
+      </a:ln>
+    </cs:spPr>
+  </cs:trendline>
+  <cs:trendlineLabel>
+    <cs:lnRef idx="0"/>
+    <cs:fillRef idx="0"/>
+    <cs:effectRef idx="0"/>
+    <cs:fontRef idx="minor">
+      <a:schemeClr val="tx2"/>
+    </cs:fontRef>
+    <cs:defRPr sz="1197" kern="1200"/>
+  </cs:trendlineLabel>
+  <cs:upBar>
+    <cs:lnRef idx="0"/>
+    <cs:fillRef idx="0"/>
+    <cs:effectRef idx="0"/>
+    <cs:fontRef idx="minor">
+      <a:schemeClr val="tx2"/>
+    </cs:fontRef>
+    <cs:spPr>
+      <a:solidFill>
+        <a:schemeClr val="lt1"/>
+      </a:solidFill>
+      <a:ln w="9525">
+        <a:solidFill>
+          <a:schemeClr val="tx1">
+            <a:lumMod val="15000"/>
+            <a:lumOff val="85000"/>
+          </a:schemeClr>
+        </a:solidFill>
+      </a:ln>
+    </cs:spPr>
+  </cs:upBar>
+  <cs:valueAxis>
+    <cs:lnRef idx="0"/>
+    <cs:fillRef idx="0"/>
+    <cs:effectRef idx="0"/>
+    <cs:fontRef idx="minor">
+      <a:schemeClr val="tx2"/>
+    </cs:fontRef>
+    <cs:defRPr sz="1197" kern="1200"/>
+  </cs:valueAxis>
+  <cs:wall>
+    <cs:lnRef idx="0"/>
+    <cs:fillRef idx="0"/>
+    <cs:effectRef idx="0"/>
+    <cs:fontRef idx="minor">
+      <a:schemeClr val="tx2"/>
+    </cs:fontRef>
   </cs:wall>
 </cs:chartStyle>
 </file>
@@ -5687,45 +6598,45 @@
     </dgm:pt>
   </dgm:ptLst>
   <dgm:cxnLst>
+    <dgm:cxn modelId="{32D9F149-C2A1-4DD8-A69C-877BCA8D5EDD}" type="presOf" srcId="{FAAD98B4-2CE9-4214-8BB6-F03CEEE572FF}" destId="{38CD6BD6-D3E2-4B97-8665-48065905F491}" srcOrd="1" destOrd="2" presId="urn:microsoft.com/office/officeart/2005/8/layout/cycle4"/>
+    <dgm:cxn modelId="{32486DDC-2E79-4178-8461-4BC45C795BB2}" srcId="{01A583E1-6537-45F8-AE09-C85491C9FC1D}" destId="{F9BE74C9-EC7E-4268-8C5A-882B3EFFF8FD}" srcOrd="3" destOrd="0" parTransId="{EA0E44FE-C617-463A-B76E-A9DC58753A03}" sibTransId="{0967E1B8-BCB6-4EBC-AE86-D9382359FC3F}"/>
+    <dgm:cxn modelId="{CB0B1B1A-10F9-41F1-A66F-C247C25FE7E2}" type="presOf" srcId="{618CC25E-9050-4FB6-9F11-CAFC660578FC}" destId="{382DE9F5-C159-437A-AA3E-CE93A76C5FDC}" srcOrd="0" destOrd="0" presId="urn:microsoft.com/office/officeart/2005/8/layout/cycle4"/>
+    <dgm:cxn modelId="{6F2C1348-DD44-4E86-9478-89C1CF069569}" srcId="{01A583E1-6537-45F8-AE09-C85491C9FC1D}" destId="{2BBE2155-4658-4D02-8319-6DF4106EA8CC}" srcOrd="1" destOrd="0" parTransId="{3724DD7C-05CC-4DEB-8DAD-8B592C981C96}" sibTransId="{632890C8-ECA2-44D8-9A94-863A64665BBC}"/>
+    <dgm:cxn modelId="{00B4959F-898B-4380-9C95-B6E29A75A95C}" type="presOf" srcId="{618CC25E-9050-4FB6-9F11-CAFC660578FC}" destId="{7BE406E3-09FD-43B4-AAF9-51FAB58146A3}" srcOrd="1" destOrd="0" presId="urn:microsoft.com/office/officeart/2005/8/layout/cycle4"/>
+    <dgm:cxn modelId="{02D76481-2E62-4BA9-9F42-AE33CB3B6F3E}" type="presOf" srcId="{E5ACC793-F455-4177-B2A7-6FC33C9C1025}" destId="{C05EAFFC-2644-44E2-967D-B53235C71A38}" srcOrd="1" destOrd="3" presId="urn:microsoft.com/office/officeart/2005/8/layout/cycle4"/>
+    <dgm:cxn modelId="{5900A8BD-7DF5-411F-BDC8-2899BCECAF71}" type="presOf" srcId="{2BFBAB07-2C4C-4FAB-9052-FFD3F4A28A9E}" destId="{C05EAFFC-2644-44E2-967D-B53235C71A38}" srcOrd="1" destOrd="1" presId="urn:microsoft.com/office/officeart/2005/8/layout/cycle4"/>
+    <dgm:cxn modelId="{EDA00CFB-CF50-47D2-9DB9-9D5DE58CAD7E}" srcId="{2D6962E4-72B9-4B1E-B258-246893A88E0D}" destId="{989E09AB-A343-466C-BC14-C765FC9A1DD7}" srcOrd="1" destOrd="0" parTransId="{288B4C8E-3DA7-4373-926B-0E2EBA929F32}" sibTransId="{FB5D77EC-83C1-4323-ACE4-4842959B2E06}"/>
+    <dgm:cxn modelId="{F41F6067-9583-4D97-9E45-7AAACB397DC1}" srcId="{01A583E1-6537-45F8-AE09-C85491C9FC1D}" destId="{5BCD62D5-23CD-4A5A-A476-269CE76914DC}" srcOrd="2" destOrd="0" parTransId="{C274F423-C9C0-423A-80FB-84C18F1C3BA8}" sibTransId="{6CCF063A-E379-49B3-9CC0-57BB9F2B8432}"/>
+    <dgm:cxn modelId="{67308CEA-9FD1-426E-BDAA-B330570BC27C}" type="presOf" srcId="{23580231-228D-4259-948C-ECAED9FB6BBD}" destId="{22A0A0BC-6367-462E-93A8-CA8C46FCDCA0}" srcOrd="0" destOrd="0" presId="urn:microsoft.com/office/officeart/2005/8/layout/cycle4"/>
+    <dgm:cxn modelId="{DE7E25E1-0419-411E-8CE9-67B65CD394AF}" type="presOf" srcId="{7095E70B-7EFB-4733-BA44-C4BB0599979F}" destId="{38CD6BD6-D3E2-4B97-8665-48065905F491}" srcOrd="1" destOrd="3" presId="urn:microsoft.com/office/officeart/2005/8/layout/cycle4"/>
+    <dgm:cxn modelId="{C729B709-07FE-42F4-AAEB-B07A501F7CBF}" type="presOf" srcId="{2BBE2155-4658-4D02-8319-6DF4106EA8CC}" destId="{147178AE-0CD4-4FA3-A352-95F7DEF02040}" srcOrd="0" destOrd="0" presId="urn:microsoft.com/office/officeart/2005/8/layout/cycle4"/>
+    <dgm:cxn modelId="{25B6265F-DE51-4D72-88A4-F99F10356E86}" srcId="{F9BE74C9-EC7E-4268-8C5A-882B3EFFF8FD}" destId="{2BFBAB07-2C4C-4FAB-9052-FFD3F4A28A9E}" srcOrd="1" destOrd="0" parTransId="{40C55B56-8FA6-4369-9144-9E433D309CBB}" sibTransId="{7A024E95-77FA-4074-8271-31A91DA4713B}"/>
+    <dgm:cxn modelId="{7647034C-6B12-4E3A-BEA0-6005F318DA9E}" type="presOf" srcId="{490168AD-E14E-4940-8CC2-7C35F66AB41B}" destId="{BD656469-D70B-4710-B138-3ED38F1BD8E1}" srcOrd="1" destOrd="0" presId="urn:microsoft.com/office/officeart/2005/8/layout/cycle4"/>
+    <dgm:cxn modelId="{4EB1F7F9-51B7-4A9C-B2E8-B495495CB616}" type="presOf" srcId="{2BFBAB07-2C4C-4FAB-9052-FFD3F4A28A9E}" destId="{22A0A0BC-6367-462E-93A8-CA8C46FCDCA0}" srcOrd="0" destOrd="1" presId="urn:microsoft.com/office/officeart/2005/8/layout/cycle4"/>
+    <dgm:cxn modelId="{5B1285C2-C638-4E1D-9B5F-9E11AB797450}" type="presOf" srcId="{E5ACC793-F455-4177-B2A7-6FC33C9C1025}" destId="{22A0A0BC-6367-462E-93A8-CA8C46FCDCA0}" srcOrd="0" destOrd="3" presId="urn:microsoft.com/office/officeart/2005/8/layout/cycle4"/>
     <dgm:cxn modelId="{5474BC8E-7785-4D13-A4F3-61EF990ED269}" type="presOf" srcId="{F8507812-6291-4C9B-AA0B-B8AF3A68427D}" destId="{22A0A0BC-6367-462E-93A8-CA8C46FCDCA0}" srcOrd="0" destOrd="2" presId="urn:microsoft.com/office/officeart/2005/8/layout/cycle4"/>
-    <dgm:cxn modelId="{F41F6067-9583-4D97-9E45-7AAACB397DC1}" srcId="{01A583E1-6537-45F8-AE09-C85491C9FC1D}" destId="{5BCD62D5-23CD-4A5A-A476-269CE76914DC}" srcOrd="2" destOrd="0" parTransId="{C274F423-C9C0-423A-80FB-84C18F1C3BA8}" sibTransId="{6CCF063A-E379-49B3-9CC0-57BB9F2B8432}"/>
+    <dgm:cxn modelId="{C1CC8C5E-8C3B-4002-B283-DDF651B9C2DF}" srcId="{2D6962E4-72B9-4B1E-B258-246893A88E0D}" destId="{7095E70B-7EFB-4733-BA44-C4BB0599979F}" srcOrd="3" destOrd="0" parTransId="{64A1E298-33AE-4CD3-B3E0-AF77857653AE}" sibTransId="{BBF2356D-3C61-41D3-A629-D15BD788173A}"/>
+    <dgm:cxn modelId="{3C16332A-B919-432D-BF91-AC79BAB354ED}" type="presOf" srcId="{01A583E1-6537-45F8-AE09-C85491C9FC1D}" destId="{9D4C7C9D-7ED1-464F-941B-21AB88CE8789}" srcOrd="0" destOrd="0" presId="urn:microsoft.com/office/officeart/2005/8/layout/cycle4"/>
+    <dgm:cxn modelId="{5BB7FEFC-FF0F-40F9-85B4-B338B4BD98A3}" srcId="{F9BE74C9-EC7E-4268-8C5A-882B3EFFF8FD}" destId="{23580231-228D-4259-948C-ECAED9FB6BBD}" srcOrd="0" destOrd="0" parTransId="{CB1BEA55-1E25-49B4-8245-B386B1EBDAB7}" sibTransId="{EF2DA803-88D8-4CC3-A191-D63C166FB7FF}"/>
+    <dgm:cxn modelId="{959C0A07-B487-44FF-9CEB-B0B891D005B6}" type="presOf" srcId="{5BCD62D5-23CD-4A5A-A476-269CE76914DC}" destId="{43A2BA3D-20D2-4E5D-9CD2-B6EE3F312A3B}" srcOrd="0" destOrd="0" presId="urn:microsoft.com/office/officeart/2005/8/layout/cycle4"/>
+    <dgm:cxn modelId="{9BAD8EFF-9B32-4433-B605-9BFDB094AF74}" type="presOf" srcId="{989E09AB-A343-466C-BC14-C765FC9A1DD7}" destId="{38CD6BD6-D3E2-4B97-8665-48065905F491}" srcOrd="1" destOrd="1" presId="urn:microsoft.com/office/officeart/2005/8/layout/cycle4"/>
+    <dgm:cxn modelId="{EDDAA38D-6E30-4543-B0F1-EAA9A6A477C7}" srcId="{01A583E1-6537-45F8-AE09-C85491C9FC1D}" destId="{2D6962E4-72B9-4B1E-B258-246893A88E0D}" srcOrd="0" destOrd="0" parTransId="{5502C073-0884-4CFE-A849-62990833CEE5}" sibTransId="{0E9043AA-3D92-4FE3-8FA8-E174F20EB8FF}"/>
+    <dgm:cxn modelId="{4E151F0E-C99E-4BF4-81BC-837B231CBF92}" type="presOf" srcId="{2B41BF75-F5C8-4255-892F-6328E5A9E688}" destId="{4D58B8E3-ABF3-466F-BE72-A1334046C3F4}" srcOrd="0" destOrd="0" presId="urn:microsoft.com/office/officeart/2005/8/layout/cycle4"/>
+    <dgm:cxn modelId="{41218EDB-BD90-4410-89D0-F42795B77442}" type="presOf" srcId="{F9BE74C9-EC7E-4268-8C5A-882B3EFFF8FD}" destId="{809A40DB-630A-4CA0-804D-1A67767C019F}" srcOrd="0" destOrd="0" presId="urn:microsoft.com/office/officeart/2005/8/layout/cycle4"/>
+    <dgm:cxn modelId="{9BF38558-2481-46D5-AB3E-FC48BBE62666}" srcId="{F9BE74C9-EC7E-4268-8C5A-882B3EFFF8FD}" destId="{E5ACC793-F455-4177-B2A7-6FC33C9C1025}" srcOrd="3" destOrd="0" parTransId="{F3D91DD1-F12E-4C5D-82CF-86CF95B338AA}" sibTransId="{0E3913D7-3C7B-49AF-9134-A90315714B9E}"/>
+    <dgm:cxn modelId="{1695E917-4CB0-460A-9E6B-4DF46E74DE66}" type="presOf" srcId="{490168AD-E14E-4940-8CC2-7C35F66AB41B}" destId="{53094224-E102-4C09-9604-A3E90CFD0EB5}" srcOrd="0" destOrd="0" presId="urn:microsoft.com/office/officeart/2005/8/layout/cycle4"/>
+    <dgm:cxn modelId="{E4D73487-C5B1-4EB2-AF38-71DF0EBFDB67}" type="presOf" srcId="{7095E70B-7EFB-4733-BA44-C4BB0599979F}" destId="{4D58B8E3-ABF3-466F-BE72-A1334046C3F4}" srcOrd="0" destOrd="3" presId="urn:microsoft.com/office/officeart/2005/8/layout/cycle4"/>
+    <dgm:cxn modelId="{9991E351-28AB-47A6-8963-A9D299DB8675}" type="presOf" srcId="{989E09AB-A343-466C-BC14-C765FC9A1DD7}" destId="{4D58B8E3-ABF3-466F-BE72-A1334046C3F4}" srcOrd="0" destOrd="1" presId="urn:microsoft.com/office/officeart/2005/8/layout/cycle4"/>
+    <dgm:cxn modelId="{B55F96D7-8D63-46D6-833C-7BB32A8BF044}" type="presOf" srcId="{F8507812-6291-4C9B-AA0B-B8AF3A68427D}" destId="{C05EAFFC-2644-44E2-967D-B53235C71A38}" srcOrd="1" destOrd="2" presId="urn:microsoft.com/office/officeart/2005/8/layout/cycle4"/>
+    <dgm:cxn modelId="{4665B531-CE39-4D8D-9C92-1B0A97DBEF06}" srcId="{2BBE2155-4658-4D02-8319-6DF4106EA8CC}" destId="{490168AD-E14E-4940-8CC2-7C35F66AB41B}" srcOrd="0" destOrd="0" parTransId="{F8E86141-CA5C-4FD7-B090-BDC097EE9ED9}" sibTransId="{409F351B-3747-4E3C-89C6-F2C76F7C931A}"/>
+    <dgm:cxn modelId="{2D68FBB9-2A3F-4DFB-9547-97148AD147B2}" srcId="{2D6962E4-72B9-4B1E-B258-246893A88E0D}" destId="{2B41BF75-F5C8-4255-892F-6328E5A9E688}" srcOrd="0" destOrd="0" parTransId="{36024776-6205-43C6-9331-B14C4C951E90}" sibTransId="{30E8B699-48A6-4778-A200-BCC2B91FEAE2}"/>
+    <dgm:cxn modelId="{6380C4C7-4EBB-43A2-9301-54A5C9841434}" type="presOf" srcId="{FAAD98B4-2CE9-4214-8BB6-F03CEEE572FF}" destId="{4D58B8E3-ABF3-466F-BE72-A1334046C3F4}" srcOrd="0" destOrd="2" presId="urn:microsoft.com/office/officeart/2005/8/layout/cycle4"/>
+    <dgm:cxn modelId="{DCB35549-6653-457E-A1A3-3F1DB9F48EB2}" srcId="{F9BE74C9-EC7E-4268-8C5A-882B3EFFF8FD}" destId="{F8507812-6291-4C9B-AA0B-B8AF3A68427D}" srcOrd="2" destOrd="0" parTransId="{4F2F02B6-C766-433A-873A-91091688269D}" sibTransId="{380A3AC5-BB38-4979-8AA3-011E077F4CA2}"/>
+    <dgm:cxn modelId="{1C4B7B5B-5A26-4FB7-B7A4-76D489C60865}" srcId="{2D6962E4-72B9-4B1E-B258-246893A88E0D}" destId="{FAAD98B4-2CE9-4214-8BB6-F03CEEE572FF}" srcOrd="2" destOrd="0" parTransId="{54D2E552-AFA4-449B-855C-8D07B27E44E2}" sibTransId="{CBB1F48E-041C-465A-B96F-A59A0B7362A5}"/>
+    <dgm:cxn modelId="{7F659E51-2E2F-40FF-9479-2FD7E732DF62}" type="presOf" srcId="{2D6962E4-72B9-4B1E-B258-246893A88E0D}" destId="{60DA8870-9857-4057-BC91-DD9B798F041F}" srcOrd="0" destOrd="0" presId="urn:microsoft.com/office/officeart/2005/8/layout/cycle4"/>
+    <dgm:cxn modelId="{0867E0A3-B749-4FC7-AFD8-611582642A56}" srcId="{5BCD62D5-23CD-4A5A-A476-269CE76914DC}" destId="{618CC25E-9050-4FB6-9F11-CAFC660578FC}" srcOrd="0" destOrd="0" parTransId="{892FDF72-278A-4E94-A52C-C9A43137F613}" sibTransId="{E48127D6-89B0-4F87-A1F9-517011A96A5B}"/>
     <dgm:cxn modelId="{06428E54-26A5-4289-B287-166FC667611C}" type="presOf" srcId="{23580231-228D-4259-948C-ECAED9FB6BBD}" destId="{C05EAFFC-2644-44E2-967D-B53235C71A38}" srcOrd="1" destOrd="0" presId="urn:microsoft.com/office/officeart/2005/8/layout/cycle4"/>
-    <dgm:cxn modelId="{959C0A07-B487-44FF-9CEB-B0B891D005B6}" type="presOf" srcId="{5BCD62D5-23CD-4A5A-A476-269CE76914DC}" destId="{43A2BA3D-20D2-4E5D-9CD2-B6EE3F312A3B}" srcOrd="0" destOrd="0" presId="urn:microsoft.com/office/officeart/2005/8/layout/cycle4"/>
-    <dgm:cxn modelId="{7F659E51-2E2F-40FF-9479-2FD7E732DF62}" type="presOf" srcId="{2D6962E4-72B9-4B1E-B258-246893A88E0D}" destId="{60DA8870-9857-4057-BC91-DD9B798F041F}" srcOrd="0" destOrd="0" presId="urn:microsoft.com/office/officeart/2005/8/layout/cycle4"/>
-    <dgm:cxn modelId="{1C4B7B5B-5A26-4FB7-B7A4-76D489C60865}" srcId="{2D6962E4-72B9-4B1E-B258-246893A88E0D}" destId="{FAAD98B4-2CE9-4214-8BB6-F03CEEE572FF}" srcOrd="2" destOrd="0" parTransId="{54D2E552-AFA4-449B-855C-8D07B27E44E2}" sibTransId="{CBB1F48E-041C-465A-B96F-A59A0B7362A5}"/>
-    <dgm:cxn modelId="{1695E917-4CB0-460A-9E6B-4DF46E74DE66}" type="presOf" srcId="{490168AD-E14E-4940-8CC2-7C35F66AB41B}" destId="{53094224-E102-4C09-9604-A3E90CFD0EB5}" srcOrd="0" destOrd="0" presId="urn:microsoft.com/office/officeart/2005/8/layout/cycle4"/>
-    <dgm:cxn modelId="{DE7E25E1-0419-411E-8CE9-67B65CD394AF}" type="presOf" srcId="{7095E70B-7EFB-4733-BA44-C4BB0599979F}" destId="{38CD6BD6-D3E2-4B97-8665-48065905F491}" srcOrd="1" destOrd="3" presId="urn:microsoft.com/office/officeart/2005/8/layout/cycle4"/>
-    <dgm:cxn modelId="{6F2C1348-DD44-4E86-9478-89C1CF069569}" srcId="{01A583E1-6537-45F8-AE09-C85491C9FC1D}" destId="{2BBE2155-4658-4D02-8319-6DF4106EA8CC}" srcOrd="1" destOrd="0" parTransId="{3724DD7C-05CC-4DEB-8DAD-8B592C981C96}" sibTransId="{632890C8-ECA2-44D8-9A94-863A64665BBC}"/>
-    <dgm:cxn modelId="{5B1285C2-C638-4E1D-9B5F-9E11AB797450}" type="presOf" srcId="{E5ACC793-F455-4177-B2A7-6FC33C9C1025}" destId="{22A0A0BC-6367-462E-93A8-CA8C46FCDCA0}" srcOrd="0" destOrd="3" presId="urn:microsoft.com/office/officeart/2005/8/layout/cycle4"/>
     <dgm:cxn modelId="{784002D3-341F-4DF0-9345-0B1634589798}" type="presOf" srcId="{2B41BF75-F5C8-4255-892F-6328E5A9E688}" destId="{38CD6BD6-D3E2-4B97-8665-48065905F491}" srcOrd="1" destOrd="0" presId="urn:microsoft.com/office/officeart/2005/8/layout/cycle4"/>
-    <dgm:cxn modelId="{9991E351-28AB-47A6-8963-A9D299DB8675}" type="presOf" srcId="{989E09AB-A343-466C-BC14-C765FC9A1DD7}" destId="{4D58B8E3-ABF3-466F-BE72-A1334046C3F4}" srcOrd="0" destOrd="1" presId="urn:microsoft.com/office/officeart/2005/8/layout/cycle4"/>
-    <dgm:cxn modelId="{EDA00CFB-CF50-47D2-9DB9-9D5DE58CAD7E}" srcId="{2D6962E4-72B9-4B1E-B258-246893A88E0D}" destId="{989E09AB-A343-466C-BC14-C765FC9A1DD7}" srcOrd="1" destOrd="0" parTransId="{288B4C8E-3DA7-4373-926B-0E2EBA929F32}" sibTransId="{FB5D77EC-83C1-4323-ACE4-4842959B2E06}"/>
-    <dgm:cxn modelId="{32D9F149-C2A1-4DD8-A69C-877BCA8D5EDD}" type="presOf" srcId="{FAAD98B4-2CE9-4214-8BB6-F03CEEE572FF}" destId="{38CD6BD6-D3E2-4B97-8665-48065905F491}" srcOrd="1" destOrd="2" presId="urn:microsoft.com/office/officeart/2005/8/layout/cycle4"/>
-    <dgm:cxn modelId="{2D68FBB9-2A3F-4DFB-9547-97148AD147B2}" srcId="{2D6962E4-72B9-4B1E-B258-246893A88E0D}" destId="{2B41BF75-F5C8-4255-892F-6328E5A9E688}" srcOrd="0" destOrd="0" parTransId="{36024776-6205-43C6-9331-B14C4C951E90}" sibTransId="{30E8B699-48A6-4778-A200-BCC2B91FEAE2}"/>
-    <dgm:cxn modelId="{5900A8BD-7DF5-411F-BDC8-2899BCECAF71}" type="presOf" srcId="{2BFBAB07-2C4C-4FAB-9052-FFD3F4A28A9E}" destId="{C05EAFFC-2644-44E2-967D-B53235C71A38}" srcOrd="1" destOrd="1" presId="urn:microsoft.com/office/officeart/2005/8/layout/cycle4"/>
-    <dgm:cxn modelId="{C1CC8C5E-8C3B-4002-B283-DDF651B9C2DF}" srcId="{2D6962E4-72B9-4B1E-B258-246893A88E0D}" destId="{7095E70B-7EFB-4733-BA44-C4BB0599979F}" srcOrd="3" destOrd="0" parTransId="{64A1E298-33AE-4CD3-B3E0-AF77857653AE}" sibTransId="{BBF2356D-3C61-41D3-A629-D15BD788173A}"/>
-    <dgm:cxn modelId="{4665B531-CE39-4D8D-9C92-1B0A97DBEF06}" srcId="{2BBE2155-4658-4D02-8319-6DF4106EA8CC}" destId="{490168AD-E14E-4940-8CC2-7C35F66AB41B}" srcOrd="0" destOrd="0" parTransId="{F8E86141-CA5C-4FD7-B090-BDC097EE9ED9}" sibTransId="{409F351B-3747-4E3C-89C6-F2C76F7C931A}"/>
-    <dgm:cxn modelId="{4EB1F7F9-51B7-4A9C-B2E8-B495495CB616}" type="presOf" srcId="{2BFBAB07-2C4C-4FAB-9052-FFD3F4A28A9E}" destId="{22A0A0BC-6367-462E-93A8-CA8C46FCDCA0}" srcOrd="0" destOrd="1" presId="urn:microsoft.com/office/officeart/2005/8/layout/cycle4"/>
-    <dgm:cxn modelId="{32486DDC-2E79-4178-8461-4BC45C795BB2}" srcId="{01A583E1-6537-45F8-AE09-C85491C9FC1D}" destId="{F9BE74C9-EC7E-4268-8C5A-882B3EFFF8FD}" srcOrd="3" destOrd="0" parTransId="{EA0E44FE-C617-463A-B76E-A9DC58753A03}" sibTransId="{0967E1B8-BCB6-4EBC-AE86-D9382359FC3F}"/>
-    <dgm:cxn modelId="{5BB7FEFC-FF0F-40F9-85B4-B338B4BD98A3}" srcId="{F9BE74C9-EC7E-4268-8C5A-882B3EFFF8FD}" destId="{23580231-228D-4259-948C-ECAED9FB6BBD}" srcOrd="0" destOrd="0" parTransId="{CB1BEA55-1E25-49B4-8245-B386B1EBDAB7}" sibTransId="{EF2DA803-88D8-4CC3-A191-D63C166FB7FF}"/>
-    <dgm:cxn modelId="{00B4959F-898B-4380-9C95-B6E29A75A95C}" type="presOf" srcId="{618CC25E-9050-4FB6-9F11-CAFC660578FC}" destId="{7BE406E3-09FD-43B4-AAF9-51FAB58146A3}" srcOrd="1" destOrd="0" presId="urn:microsoft.com/office/officeart/2005/8/layout/cycle4"/>
-    <dgm:cxn modelId="{25B6265F-DE51-4D72-88A4-F99F10356E86}" srcId="{F9BE74C9-EC7E-4268-8C5A-882B3EFFF8FD}" destId="{2BFBAB07-2C4C-4FAB-9052-FFD3F4A28A9E}" srcOrd="1" destOrd="0" parTransId="{40C55B56-8FA6-4369-9144-9E433D309CBB}" sibTransId="{7A024E95-77FA-4074-8271-31A91DA4713B}"/>
-    <dgm:cxn modelId="{B55F96D7-8D63-46D6-833C-7BB32A8BF044}" type="presOf" srcId="{F8507812-6291-4C9B-AA0B-B8AF3A68427D}" destId="{C05EAFFC-2644-44E2-967D-B53235C71A38}" srcOrd="1" destOrd="2" presId="urn:microsoft.com/office/officeart/2005/8/layout/cycle4"/>
-    <dgm:cxn modelId="{DCB35549-6653-457E-A1A3-3F1DB9F48EB2}" srcId="{F9BE74C9-EC7E-4268-8C5A-882B3EFFF8FD}" destId="{F8507812-6291-4C9B-AA0B-B8AF3A68427D}" srcOrd="2" destOrd="0" parTransId="{4F2F02B6-C766-433A-873A-91091688269D}" sibTransId="{380A3AC5-BB38-4979-8AA3-011E077F4CA2}"/>
-    <dgm:cxn modelId="{41218EDB-BD90-4410-89D0-F42795B77442}" type="presOf" srcId="{F9BE74C9-EC7E-4268-8C5A-882B3EFFF8FD}" destId="{809A40DB-630A-4CA0-804D-1A67767C019F}" srcOrd="0" destOrd="0" presId="urn:microsoft.com/office/officeart/2005/8/layout/cycle4"/>
-    <dgm:cxn modelId="{4E151F0E-C99E-4BF4-81BC-837B231CBF92}" type="presOf" srcId="{2B41BF75-F5C8-4255-892F-6328E5A9E688}" destId="{4D58B8E3-ABF3-466F-BE72-A1334046C3F4}" srcOrd="0" destOrd="0" presId="urn:microsoft.com/office/officeart/2005/8/layout/cycle4"/>
-    <dgm:cxn modelId="{CB0B1B1A-10F9-41F1-A66F-C247C25FE7E2}" type="presOf" srcId="{618CC25E-9050-4FB6-9F11-CAFC660578FC}" destId="{382DE9F5-C159-437A-AA3E-CE93A76C5FDC}" srcOrd="0" destOrd="0" presId="urn:microsoft.com/office/officeart/2005/8/layout/cycle4"/>
-    <dgm:cxn modelId="{C729B709-07FE-42F4-AAEB-B07A501F7CBF}" type="presOf" srcId="{2BBE2155-4658-4D02-8319-6DF4106EA8CC}" destId="{147178AE-0CD4-4FA3-A352-95F7DEF02040}" srcOrd="0" destOrd="0" presId="urn:microsoft.com/office/officeart/2005/8/layout/cycle4"/>
-    <dgm:cxn modelId="{EDDAA38D-6E30-4543-B0F1-EAA9A6A477C7}" srcId="{01A583E1-6537-45F8-AE09-C85491C9FC1D}" destId="{2D6962E4-72B9-4B1E-B258-246893A88E0D}" srcOrd="0" destOrd="0" parTransId="{5502C073-0884-4CFE-A849-62990833CEE5}" sibTransId="{0E9043AA-3D92-4FE3-8FA8-E174F20EB8FF}"/>
-    <dgm:cxn modelId="{6380C4C7-4EBB-43A2-9301-54A5C9841434}" type="presOf" srcId="{FAAD98B4-2CE9-4214-8BB6-F03CEEE572FF}" destId="{4D58B8E3-ABF3-466F-BE72-A1334046C3F4}" srcOrd="0" destOrd="2" presId="urn:microsoft.com/office/officeart/2005/8/layout/cycle4"/>
-    <dgm:cxn modelId="{02D76481-2E62-4BA9-9F42-AE33CB3B6F3E}" type="presOf" srcId="{E5ACC793-F455-4177-B2A7-6FC33C9C1025}" destId="{C05EAFFC-2644-44E2-967D-B53235C71A38}" srcOrd="1" destOrd="3" presId="urn:microsoft.com/office/officeart/2005/8/layout/cycle4"/>
-    <dgm:cxn modelId="{3C16332A-B919-432D-BF91-AC79BAB354ED}" type="presOf" srcId="{01A583E1-6537-45F8-AE09-C85491C9FC1D}" destId="{9D4C7C9D-7ED1-464F-941B-21AB88CE8789}" srcOrd="0" destOrd="0" presId="urn:microsoft.com/office/officeart/2005/8/layout/cycle4"/>
-    <dgm:cxn modelId="{0867E0A3-B749-4FC7-AFD8-611582642A56}" srcId="{5BCD62D5-23CD-4A5A-A476-269CE76914DC}" destId="{618CC25E-9050-4FB6-9F11-CAFC660578FC}" srcOrd="0" destOrd="0" parTransId="{892FDF72-278A-4E94-A52C-C9A43137F613}" sibTransId="{E48127D6-89B0-4F87-A1F9-517011A96A5B}"/>
-    <dgm:cxn modelId="{67308CEA-9FD1-426E-BDAA-B330570BC27C}" type="presOf" srcId="{23580231-228D-4259-948C-ECAED9FB6BBD}" destId="{22A0A0BC-6367-462E-93A8-CA8C46FCDCA0}" srcOrd="0" destOrd="0" presId="urn:microsoft.com/office/officeart/2005/8/layout/cycle4"/>
-    <dgm:cxn modelId="{9BF38558-2481-46D5-AB3E-FC48BBE62666}" srcId="{F9BE74C9-EC7E-4268-8C5A-882B3EFFF8FD}" destId="{E5ACC793-F455-4177-B2A7-6FC33C9C1025}" srcOrd="3" destOrd="0" parTransId="{F3D91DD1-F12E-4C5D-82CF-86CF95B338AA}" sibTransId="{0E3913D7-3C7B-49AF-9134-A90315714B9E}"/>
-    <dgm:cxn modelId="{7647034C-6B12-4E3A-BEA0-6005F318DA9E}" type="presOf" srcId="{490168AD-E14E-4940-8CC2-7C35F66AB41B}" destId="{BD656469-D70B-4710-B138-3ED38F1BD8E1}" srcOrd="1" destOrd="0" presId="urn:microsoft.com/office/officeart/2005/8/layout/cycle4"/>
-    <dgm:cxn modelId="{E4D73487-C5B1-4EB2-AF38-71DF0EBFDB67}" type="presOf" srcId="{7095E70B-7EFB-4733-BA44-C4BB0599979F}" destId="{4D58B8E3-ABF3-466F-BE72-A1334046C3F4}" srcOrd="0" destOrd="3" presId="urn:microsoft.com/office/officeart/2005/8/layout/cycle4"/>
-    <dgm:cxn modelId="{9BAD8EFF-9B32-4433-B605-9BFDB094AF74}" type="presOf" srcId="{989E09AB-A343-466C-BC14-C765FC9A1DD7}" destId="{38CD6BD6-D3E2-4B97-8665-48065905F491}" srcOrd="1" destOrd="1" presId="urn:microsoft.com/office/officeart/2005/8/layout/cycle4"/>
     <dgm:cxn modelId="{6CB06391-8FCA-448A-8A60-52478AAD6079}" type="presParOf" srcId="{9D4C7C9D-7ED1-464F-941B-21AB88CE8789}" destId="{498B1DD5-D2B2-4A70-BAF8-2672572231DA}" srcOrd="0" destOrd="0" presId="urn:microsoft.com/office/officeart/2005/8/layout/cycle4"/>
     <dgm:cxn modelId="{679C53C4-692C-4A8B-8F09-403299CC720A}" type="presParOf" srcId="{498B1DD5-D2B2-4A70-BAF8-2672572231DA}" destId="{D2CA330A-D99A-4389-8F73-7FE17A382E6E}" srcOrd="0" destOrd="0" presId="urn:microsoft.com/office/officeart/2005/8/layout/cycle4"/>
     <dgm:cxn modelId="{0B328022-04B0-4938-A986-5A44F6E51B41}" type="presParOf" srcId="{D2CA330A-D99A-4389-8F73-7FE17A382E6E}" destId="{4D58B8E3-ABF3-466F-BE72-A1334046C3F4}" srcOrd="0" destOrd="0" presId="urn:microsoft.com/office/officeart/2005/8/layout/cycle4"/>
@@ -13353,13 +14264,13 @@
   <p:clrMapOvr>
     <a:masterClrMapping/>
   </p:clrMapOvr>
-  <mc:AlternateContent xmlns:mc="http://schemas.openxmlformats.org/markup-compatibility/2006">
-    <mc:Choice xmlns:p14="http://schemas.microsoft.com/office/powerpoint/2010/main" Requires="p14">
+  <mc:AlternateContent xmlns:mc="http://schemas.openxmlformats.org/markup-compatibility/2006" xmlns:p14="http://schemas.microsoft.com/office/powerpoint/2010/main">
+    <mc:Choice Requires="p14">
       <p:transition spd="med" p14:dur="700">
         <p:fade/>
       </p:transition>
     </mc:Choice>
-    <mc:Fallback>
+    <mc:Fallback xmlns="">
       <p:transition spd="med">
         <p:fade/>
       </p:transition>
@@ -13774,13 +14685,13 @@
   <p:clrMapOvr>
     <a:masterClrMapping/>
   </p:clrMapOvr>
-  <mc:AlternateContent xmlns:mc="http://schemas.openxmlformats.org/markup-compatibility/2006">
-    <mc:Choice xmlns:p14="http://schemas.microsoft.com/office/powerpoint/2010/main" Requires="p14">
+  <mc:AlternateContent xmlns:mc="http://schemas.openxmlformats.org/markup-compatibility/2006" xmlns:p14="http://schemas.microsoft.com/office/powerpoint/2010/main">
+    <mc:Choice Requires="p14">
       <p:transition spd="med" p14:dur="700">
         <p:fade/>
       </p:transition>
     </mc:Choice>
-    <mc:Fallback>
+    <mc:Fallback xmlns="">
       <p:transition spd="med">
         <p:fade/>
       </p:transition>
@@ -16670,7 +17581,12 @@
             <p:ph type="title"/>
           </p:nvPr>
         </p:nvSpPr>
-        <p:spPr/>
+        <p:spPr>
+          <a:xfrm>
+            <a:off x="838200" y="365125"/>
+            <a:ext cx="10515600" cy="909493"/>
+          </a:xfrm>
+        </p:spPr>
         <p:txBody>
           <a:bodyPr/>
           <a:lstStyle/>
@@ -16682,7 +17598,23 @@
                   <a:srgbClr val="FFFFFF"/>
                 </a:solidFill>
               </a:rPr>
-              <a:t>Распределение ролей</a:t>
+              <a:t>Архитектура </a:t>
+            </a:r>
+            <a:r>
+              <a:rPr lang="en-US" b="1" dirty="0" smtClean="0">
+                <a:solidFill>
+                  <a:srgbClr val="FFFFFF"/>
+                </a:solidFill>
+              </a:rPr>
+              <a:t>web-</a:t>
+            </a:r>
+            <a:r>
+              <a:rPr lang="ru-RU" b="1" dirty="0" smtClean="0">
+                <a:solidFill>
+                  <a:srgbClr val="FFFFFF"/>
+                </a:solidFill>
+              </a:rPr>
+              <a:t>приложения</a:t>
             </a:r>
             <a:endParaRPr lang="ru-RU" b="1" dirty="0">
               <a:solidFill>
@@ -16702,19 +17634,152 @@
             <p:ph idx="1"/>
           </p:nvPr>
         </p:nvSpPr>
-        <p:spPr/>
+        <p:spPr>
+          <a:xfrm>
+            <a:off x="711202" y="3020921"/>
+            <a:ext cx="4058022" cy="1736350"/>
+          </a:xfrm>
+          <a:prstGeom prst="roundRect">
+            <a:avLst/>
+          </a:prstGeom>
+          <a:ln>
+            <a:solidFill>
+              <a:schemeClr val="tx1"/>
+            </a:solidFill>
+          </a:ln>
+        </p:spPr>
+        <p:style>
+          <a:lnRef idx="3">
+            <a:schemeClr val="lt1"/>
+          </a:lnRef>
+          <a:fillRef idx="1">
+            <a:schemeClr val="accent5"/>
+          </a:fillRef>
+          <a:effectRef idx="1">
+            <a:schemeClr val="accent5"/>
+          </a:effectRef>
+          <a:fontRef idx="minor">
+            <a:schemeClr val="lt1"/>
+          </a:fontRef>
+        </p:style>
         <p:txBody>
-          <a:bodyPr/>
+          <a:bodyPr>
+            <a:normAutofit lnSpcReduction="10000"/>
+          </a:bodyPr>
           <a:lstStyle/>
           <a:p>
-            <a:endParaRPr lang="ru-RU"/>
+            <a:pPr marL="0" indent="0" algn="just">
+              <a:buNone/>
+            </a:pPr>
+            <a:r>
+              <a:rPr lang="ru-RU" dirty="0" smtClean="0">
+                <a:solidFill>
+                  <a:schemeClr val="tx1"/>
+                </a:solidFill>
+              </a:rPr>
+              <a:t>При разработке сервиса был выбран паттерн </a:t>
+            </a:r>
+            <a:r>
+              <a:rPr lang="en-US" dirty="0" smtClean="0">
+                <a:solidFill>
+                  <a:schemeClr val="tx1"/>
+                </a:solidFill>
+              </a:rPr>
+              <a:t>MVC</a:t>
+            </a:r>
+            <a:r>
+              <a:rPr lang="ru-RU" dirty="0" smtClean="0">
+                <a:solidFill>
+                  <a:schemeClr val="tx1"/>
+                </a:solidFill>
+              </a:rPr>
+              <a:t>, так как он удобен для </a:t>
+            </a:r>
+            <a:r>
+              <a:rPr lang="en-US" dirty="0" smtClean="0">
+                <a:solidFill>
+                  <a:schemeClr val="tx1"/>
+                </a:solidFill>
+              </a:rPr>
+              <a:t>web</a:t>
+            </a:r>
+            <a:r>
+              <a:rPr lang="ru-RU" dirty="0">
+                <a:solidFill>
+                  <a:schemeClr val="tx1"/>
+                </a:solidFill>
+              </a:rPr>
+              <a:t>-</a:t>
+            </a:r>
+            <a:r>
+              <a:rPr lang="ru-RU" dirty="0" smtClean="0">
+                <a:solidFill>
+                  <a:schemeClr val="tx1"/>
+                </a:solidFill>
+              </a:rPr>
+              <a:t>разработки</a:t>
+            </a:r>
+            <a:r>
+              <a:rPr lang="en-US" dirty="0" smtClean="0">
+                <a:solidFill>
+                  <a:schemeClr val="tx1"/>
+                </a:solidFill>
+              </a:rPr>
+              <a:t> </a:t>
+            </a:r>
+            <a:r>
+              <a:rPr lang="ru-RU" dirty="0" smtClean="0"/>
+              <a:t>	</a:t>
+            </a:r>
+            <a:endParaRPr lang="ru-RU" dirty="0"/>
           </a:p>
         </p:txBody>
       </p:sp>
+      <p:pic>
+        <p:nvPicPr>
+          <p:cNvPr id="1026" name="Picture 2" descr="http://cs423028.vk.me/u11886539/docs/28de3cbd3ad5/Layers.png?extra=O0u5FIMGlTXaxvHmbKxf0yIAE8GrTTmxwn_qRsPqmFW18-MKwZkLwKObnqzDcu5PVng6L9gGpmJW9OO7WOLM8jBxp8y2hfIG"/>
+          <p:cNvPicPr>
+            <a:picLocks noChangeAspect="1" noChangeArrowheads="1"/>
+          </p:cNvPicPr>
+          <p:nvPr/>
+        </p:nvPicPr>
+        <p:blipFill>
+          <a:blip r:embed="rId2">
+            <a:extLst>
+              <a:ext uri="{28A0092B-C50C-407E-A947-70E740481C1C}">
+                <a14:useLocalDpi xmlns:a14="http://schemas.microsoft.com/office/drawing/2010/main" val="0"/>
+              </a:ext>
+            </a:extLst>
+          </a:blip>
+          <a:srcRect/>
+          <a:stretch>
+            <a:fillRect/>
+          </a:stretch>
+        </p:blipFill>
+        <p:spPr bwMode="auto">
+          <a:xfrm>
+            <a:off x="5353800" y="1690253"/>
+            <a:ext cx="5543542" cy="4943129"/>
+          </a:xfrm>
+          <a:prstGeom prst="rect">
+            <a:avLst/>
+          </a:prstGeom>
+          <a:noFill/>
+          <a:extLst>
+            <a:ext uri="{909E8E84-426E-40DD-AFC4-6F175D3DCCD1}">
+              <a14:hiddenFill xmlns:a14="http://schemas.microsoft.com/office/drawing/2010/main">
+                <a:solidFill>
+                  <a:srgbClr val="FFFFFF"/>
+                </a:solidFill>
+              </a14:hiddenFill>
+            </a:ext>
+          </a:extLst>
+        </p:spPr>
+      </p:pic>
     </p:spTree>
     <p:extLst>
       <p:ext uri="{BB962C8B-B14F-4D97-AF65-F5344CB8AC3E}">
-        <p14:creationId xmlns:p14="http://schemas.microsoft.com/office/powerpoint/2010/main" val="2890433972"/>
+        <p14:creationId xmlns:p14="http://schemas.microsoft.com/office/powerpoint/2010/main" val="46821324"/>
       </p:ext>
     </p:extLst>
   </p:cSld>
@@ -16772,8 +17837,8 @@
         </p:nvSpPr>
         <p:spPr>
           <a:xfrm>
-            <a:off x="839788" y="365126"/>
-            <a:ext cx="10515600" cy="880668"/>
+            <a:off x="838200" y="365126"/>
+            <a:ext cx="10515600" cy="740522"/>
           </a:xfrm>
         </p:spPr>
         <p:txBody>
@@ -16782,12 +17847,20 @@
           <a:p>
             <a:pPr algn="ctr"/>
             <a:r>
+              <a:rPr lang="en-US" b="1" dirty="0" smtClean="0">
+                <a:solidFill>
+                  <a:srgbClr val="FFFFFF"/>
+                </a:solidFill>
+              </a:rPr>
+              <a:t>Deployment </a:t>
+            </a:r>
+            <a:r>
               <a:rPr lang="ru-RU" b="1" dirty="0" smtClean="0">
                 <a:solidFill>
                   <a:srgbClr val="FFFFFF"/>
                 </a:solidFill>
               </a:rPr>
-              <a:t>Новые задачи</a:t>
+              <a:t>диаграмма</a:t>
             </a:r>
             <a:endParaRPr lang="ru-RU" b="1" dirty="0">
               <a:solidFill>
@@ -16797,86 +17870,58 @@
           </a:p>
         </p:txBody>
       </p:sp>
-      <p:sp>
-        <p:nvSpPr>
-          <p:cNvPr id="3" name="Текст 2"/>
-          <p:cNvSpPr>
-            <a:spLocks noGrp="1"/>
-          </p:cNvSpPr>
-          <p:nvPr>
-            <p:ph type="body" idx="1"/>
-          </p:nvPr>
-        </p:nvSpPr>
-        <p:spPr/>
-        <p:txBody>
-          <a:bodyPr/>
-          <a:lstStyle/>
-          <a:p>
-            <a:endParaRPr lang="ru-RU"/>
-          </a:p>
-        </p:txBody>
-      </p:sp>
-      <p:sp>
-        <p:nvSpPr>
-          <p:cNvPr id="4" name="Объект 3"/>
-          <p:cNvSpPr>
-            <a:spLocks noGrp="1"/>
-          </p:cNvSpPr>
-          <p:nvPr>
-            <p:ph sz="half" idx="2"/>
-          </p:nvPr>
-        </p:nvSpPr>
-        <p:spPr/>
-        <p:txBody>
-          <a:bodyPr/>
-          <a:lstStyle/>
-          <a:p>
-            <a:endParaRPr lang="ru-RU"/>
-          </a:p>
-        </p:txBody>
-      </p:sp>
-      <p:sp>
-        <p:nvSpPr>
-          <p:cNvPr id="5" name="Текст 4"/>
-          <p:cNvSpPr>
-            <a:spLocks noGrp="1"/>
-          </p:cNvSpPr>
-          <p:nvPr>
-            <p:ph type="body" sz="quarter" idx="3"/>
-          </p:nvPr>
-        </p:nvSpPr>
-        <p:spPr/>
-        <p:txBody>
-          <a:bodyPr/>
-          <a:lstStyle/>
-          <a:p>
-            <a:endParaRPr lang="ru-RU"/>
-          </a:p>
-        </p:txBody>
-      </p:sp>
-      <p:sp>
-        <p:nvSpPr>
-          <p:cNvPr id="6" name="Объект 5"/>
-          <p:cNvSpPr>
-            <a:spLocks noGrp="1"/>
-          </p:cNvSpPr>
-          <p:nvPr>
-            <p:ph sz="quarter" idx="4"/>
-          </p:nvPr>
-        </p:nvSpPr>
-        <p:spPr/>
-        <p:txBody>
-          <a:bodyPr/>
-          <a:lstStyle/>
-          <a:p>
-            <a:endParaRPr lang="ru-RU"/>
-          </a:p>
-        </p:txBody>
-      </p:sp>
+      <p:pic>
+        <p:nvPicPr>
+          <p:cNvPr id="3074" name="Picture 2" descr="http://cs540100.vk.me/c623420/v623420539/e3db/d0RpJ0JhGXY.jpg"/>
+          <p:cNvPicPr>
+            <a:picLocks noChangeAspect="1" noChangeArrowheads="1"/>
+          </p:cNvPicPr>
+          <p:nvPr/>
+        </p:nvPicPr>
+        <p:blipFill>
+          <a:blip r:embed="rId2">
+            <a:extLst>
+              <a:ext uri="{28A0092B-C50C-407E-A947-70E740481C1C}">
+                <a14:useLocalDpi xmlns:a14="http://schemas.microsoft.com/office/drawing/2010/main" val="0"/>
+              </a:ext>
+            </a:extLst>
+          </a:blip>
+          <a:srcRect/>
+          <a:stretch>
+            <a:fillRect/>
+          </a:stretch>
+        </p:blipFill>
+        <p:spPr bwMode="auto">
+          <a:xfrm>
+            <a:off x="2203870" y="1601486"/>
+            <a:ext cx="7784259" cy="5053687"/>
+          </a:xfrm>
+          <a:prstGeom prst="rect">
+            <a:avLst/>
+          </a:prstGeom>
+          <a:noFill/>
+          <a:ln>
+            <a:solidFill>
+              <a:schemeClr val="bg1">
+                <a:lumMod val="25000"/>
+              </a:schemeClr>
+            </a:solidFill>
+          </a:ln>
+          <a:extLst>
+            <a:ext uri="{909E8E84-426E-40DD-AFC4-6F175D3DCCD1}">
+              <a14:hiddenFill xmlns:a14="http://schemas.microsoft.com/office/drawing/2010/main">
+                <a:solidFill>
+                  <a:srgbClr val="FFFFFF"/>
+                </a:solidFill>
+              </a14:hiddenFill>
+            </a:ext>
+          </a:extLst>
+        </p:spPr>
+      </p:pic>
     </p:spTree>
     <p:extLst>
       <p:ext uri="{BB962C8B-B14F-4D97-AF65-F5344CB8AC3E}">
-        <p14:creationId xmlns:p14="http://schemas.microsoft.com/office/powerpoint/2010/main" val="2137433952"/>
+        <p14:creationId xmlns:p14="http://schemas.microsoft.com/office/powerpoint/2010/main" val="1595547860"/>
       </p:ext>
     </p:extLst>
   </p:cSld>
@@ -16906,6 +17951,633 @@
 </file>
 
 <file path=ppt/slides/slide12.xml><?xml version="1.0" encoding="utf-8"?>
+<p:sld xmlns:a="http://schemas.openxmlformats.org/drawingml/2006/main" xmlns:r="http://schemas.openxmlformats.org/officeDocument/2006/relationships" xmlns:p="http://schemas.openxmlformats.org/presentationml/2006/main">
+  <p:cSld>
+    <p:spTree>
+      <p:nvGrpSpPr>
+        <p:cNvPr id="1" name=""/>
+        <p:cNvGrpSpPr/>
+        <p:nvPr/>
+      </p:nvGrpSpPr>
+      <p:grpSpPr>
+        <a:xfrm>
+          <a:off x="0" y="0"/>
+          <a:ext cx="0" cy="0"/>
+          <a:chOff x="0" y="0"/>
+          <a:chExt cx="0" cy="0"/>
+        </a:xfrm>
+      </p:grpSpPr>
+      <p:sp>
+        <p:nvSpPr>
+          <p:cNvPr id="2" name="Заголовок 1"/>
+          <p:cNvSpPr>
+            <a:spLocks noGrp="1"/>
+          </p:cNvSpPr>
+          <p:nvPr>
+            <p:ph type="title"/>
+          </p:nvPr>
+        </p:nvSpPr>
+        <p:spPr>
+          <a:xfrm>
+            <a:off x="838200" y="365126"/>
+            <a:ext cx="10515600" cy="880668"/>
+          </a:xfrm>
+        </p:spPr>
+        <p:txBody>
+          <a:bodyPr/>
+          <a:lstStyle/>
+          <a:p>
+            <a:pPr algn="ctr"/>
+            <a:r>
+              <a:rPr lang="ru-RU" b="1" dirty="0" smtClean="0">
+                <a:solidFill>
+                  <a:srgbClr val="FFFFFF"/>
+                </a:solidFill>
+              </a:rPr>
+              <a:t>Тестирование</a:t>
+            </a:r>
+            <a:endParaRPr lang="ru-RU" b="1" dirty="0">
+              <a:solidFill>
+                <a:srgbClr val="FFFFFF"/>
+              </a:solidFill>
+            </a:endParaRPr>
+          </a:p>
+        </p:txBody>
+      </p:sp>
+      <p:graphicFrame>
+        <p:nvGraphicFramePr>
+          <p:cNvPr id="9" name="Диаграмма 8"/>
+          <p:cNvGraphicFramePr/>
+          <p:nvPr>
+            <p:extLst>
+              <p:ext uri="{D42A27DB-BD31-4B8C-83A1-F6EECF244321}">
+                <p14:modId xmlns:p14="http://schemas.microsoft.com/office/powerpoint/2010/main" val="3724552826"/>
+              </p:ext>
+            </p:extLst>
+          </p:nvPr>
+        </p:nvGraphicFramePr>
+        <p:xfrm>
+          <a:off x="412375" y="1715247"/>
+          <a:ext cx="4691529" cy="4138987"/>
+        </p:xfrm>
+        <a:graphic>
+          <a:graphicData uri="http://schemas.openxmlformats.org/drawingml/2006/chart">
+            <c:chart xmlns:c="http://schemas.openxmlformats.org/drawingml/2006/chart" xmlns:r="http://schemas.openxmlformats.org/officeDocument/2006/relationships" r:id="rId2"/>
+          </a:graphicData>
+        </a:graphic>
+      </p:graphicFrame>
+      <p:sp>
+        <p:nvSpPr>
+          <p:cNvPr id="10" name="Объект 9"/>
+          <p:cNvSpPr>
+            <a:spLocks noGrp="1"/>
+          </p:cNvSpPr>
+          <p:nvPr>
+            <p:ph idx="1"/>
+          </p:nvPr>
+        </p:nvSpPr>
+        <p:spPr>
+          <a:xfrm>
+            <a:off x="10405034" y="1825625"/>
+            <a:ext cx="948765" cy="4351338"/>
+          </a:xfrm>
+        </p:spPr>
+        <p:txBody>
+          <a:bodyPr/>
+          <a:lstStyle/>
+          <a:p>
+            <a:endParaRPr lang="ru-RU"/>
+          </a:p>
+        </p:txBody>
+      </p:sp>
+    </p:spTree>
+    <p:extLst>
+      <p:ext uri="{BB962C8B-B14F-4D97-AF65-F5344CB8AC3E}">
+        <p14:creationId xmlns:p14="http://schemas.microsoft.com/office/powerpoint/2010/main" val="2972462176"/>
+      </p:ext>
+    </p:extLst>
+  </p:cSld>
+  <p:clrMapOvr>
+    <a:masterClrMapping/>
+  </p:clrMapOvr>
+  <mc:AlternateContent xmlns:mc="http://schemas.openxmlformats.org/markup-compatibility/2006" xmlns:p14="http://schemas.microsoft.com/office/powerpoint/2010/main">
+    <mc:Choice Requires="p14">
+      <p:transition spd="med" p14:dur="700">
+        <p:fade/>
+      </p:transition>
+    </mc:Choice>
+    <mc:Fallback xmlns="">
+      <p:transition spd="med">
+        <p:fade/>
+      </p:transition>
+    </mc:Fallback>
+  </mc:AlternateContent>
+  <p:timing>
+    <p:tnLst>
+      <p:par>
+        <p:cTn id="1" dur="indefinite" restart="never" nodeType="tmRoot"/>
+      </p:par>
+    </p:tnLst>
+  </p:timing>
+</p:sld>
+</file>
+
+<file path=ppt/slides/slide13.xml><?xml version="1.0" encoding="utf-8"?>
+<p:sld xmlns:a="http://schemas.openxmlformats.org/drawingml/2006/main" xmlns:r="http://schemas.openxmlformats.org/officeDocument/2006/relationships" xmlns:p="http://schemas.openxmlformats.org/presentationml/2006/main">
+  <p:cSld>
+    <p:spTree>
+      <p:nvGrpSpPr>
+        <p:cNvPr id="1" name=""/>
+        <p:cNvGrpSpPr/>
+        <p:nvPr/>
+      </p:nvGrpSpPr>
+      <p:grpSpPr>
+        <a:xfrm>
+          <a:off x="0" y="0"/>
+          <a:ext cx="0" cy="0"/>
+          <a:chOff x="0" y="0"/>
+          <a:chExt cx="0" cy="0"/>
+        </a:xfrm>
+      </p:grpSpPr>
+      <p:sp>
+        <p:nvSpPr>
+          <p:cNvPr id="2" name="Заголовок 1"/>
+          <p:cNvSpPr>
+            <a:spLocks noGrp="1"/>
+          </p:cNvSpPr>
+          <p:nvPr>
+            <p:ph type="title"/>
+          </p:nvPr>
+        </p:nvSpPr>
+        <p:spPr>
+          <a:xfrm>
+            <a:off x="838200" y="365126"/>
+            <a:ext cx="10515600" cy="943722"/>
+          </a:xfrm>
+        </p:spPr>
+        <p:txBody>
+          <a:bodyPr>
+            <a:normAutofit fontScale="90000"/>
+          </a:bodyPr>
+          <a:lstStyle/>
+          <a:p>
+            <a:pPr algn="ctr"/>
+            <a:r>
+              <a:rPr lang="ru-RU" b="1" dirty="0" smtClean="0">
+                <a:solidFill>
+                  <a:srgbClr val="FFFFFF"/>
+                </a:solidFill>
+              </a:rPr>
+              <a:t>Распределение </a:t>
+            </a:r>
+            <a:r>
+              <a:rPr lang="ru-RU" b="1" dirty="0" smtClean="0">
+                <a:solidFill>
+                  <a:srgbClr val="FFFFFF"/>
+                </a:solidFill>
+              </a:rPr>
+              <a:t>ролей</a:t>
+            </a:r>
+            <a:r>
+              <a:rPr lang="en-US" b="1" dirty="0" smtClean="0">
+                <a:solidFill>
+                  <a:srgbClr val="FFFFFF"/>
+                </a:solidFill>
+              </a:rPr>
+              <a:t>/ </a:t>
+            </a:r>
+            <a:r>
+              <a:rPr lang="ru-RU" b="1" dirty="0" smtClean="0">
+                <a:solidFill>
+                  <a:srgbClr val="FFFFFF"/>
+                </a:solidFill>
+              </a:rPr>
+              <a:t>Организационная структура</a:t>
+            </a:r>
+            <a:endParaRPr lang="ru-RU" b="1" dirty="0">
+              <a:solidFill>
+                <a:srgbClr val="FFFFFF"/>
+              </a:solidFill>
+            </a:endParaRPr>
+          </a:p>
+        </p:txBody>
+      </p:sp>
+      <p:sp>
+        <p:nvSpPr>
+          <p:cNvPr id="3" name="Объект 2"/>
+          <p:cNvSpPr>
+            <a:spLocks noGrp="1"/>
+          </p:cNvSpPr>
+          <p:nvPr>
+            <p:ph idx="1"/>
+          </p:nvPr>
+        </p:nvSpPr>
+        <p:spPr/>
+        <p:txBody>
+          <a:bodyPr/>
+          <a:lstStyle/>
+          <a:p>
+            <a:endParaRPr lang="ru-RU" dirty="0"/>
+          </a:p>
+        </p:txBody>
+      </p:sp>
+    </p:spTree>
+    <p:extLst>
+      <p:ext uri="{BB962C8B-B14F-4D97-AF65-F5344CB8AC3E}">
+        <p14:creationId xmlns:p14="http://schemas.microsoft.com/office/powerpoint/2010/main" val="2890433972"/>
+      </p:ext>
+    </p:extLst>
+  </p:cSld>
+  <p:clrMapOvr>
+    <a:masterClrMapping/>
+  </p:clrMapOvr>
+  <mc:AlternateContent xmlns:mc="http://schemas.openxmlformats.org/markup-compatibility/2006" xmlns:p14="http://schemas.microsoft.com/office/powerpoint/2010/main">
+    <mc:Choice Requires="p14">
+      <p:transition spd="med" p14:dur="700">
+        <p:fade/>
+      </p:transition>
+    </mc:Choice>
+    <mc:Fallback xmlns="">
+      <p:transition spd="med">
+        <p:fade/>
+      </p:transition>
+    </mc:Fallback>
+  </mc:AlternateContent>
+  <p:timing>
+    <p:tnLst>
+      <p:par>
+        <p:cTn id="1" dur="indefinite" restart="never" nodeType="tmRoot"/>
+      </p:par>
+    </p:tnLst>
+  </p:timing>
+</p:sld>
+</file>
+
+<file path=ppt/slides/slide14.xml><?xml version="1.0" encoding="utf-8"?>
+<p:sld xmlns:a="http://schemas.openxmlformats.org/drawingml/2006/main" xmlns:r="http://schemas.openxmlformats.org/officeDocument/2006/relationships" xmlns:p="http://schemas.openxmlformats.org/presentationml/2006/main">
+  <p:cSld>
+    <p:spTree>
+      <p:nvGrpSpPr>
+        <p:cNvPr id="1" name=""/>
+        <p:cNvGrpSpPr/>
+        <p:nvPr/>
+      </p:nvGrpSpPr>
+      <p:grpSpPr>
+        <a:xfrm>
+          <a:off x="0" y="0"/>
+          <a:ext cx="0" cy="0"/>
+          <a:chOff x="0" y="0"/>
+          <a:chExt cx="0" cy="0"/>
+        </a:xfrm>
+      </p:grpSpPr>
+      <p:sp>
+        <p:nvSpPr>
+          <p:cNvPr id="2" name="Заголовок 1"/>
+          <p:cNvSpPr>
+            <a:spLocks noGrp="1"/>
+          </p:cNvSpPr>
+          <p:nvPr>
+            <p:ph type="title"/>
+          </p:nvPr>
+        </p:nvSpPr>
+        <p:spPr>
+          <a:xfrm>
+            <a:off x="839788" y="365126"/>
+            <a:ext cx="10515600" cy="880668"/>
+          </a:xfrm>
+        </p:spPr>
+        <p:txBody>
+          <a:bodyPr/>
+          <a:lstStyle/>
+          <a:p>
+            <a:pPr algn="ctr"/>
+            <a:r>
+              <a:rPr lang="ru-RU" b="1" dirty="0" smtClean="0">
+                <a:solidFill>
+                  <a:srgbClr val="FFFFFF"/>
+                </a:solidFill>
+              </a:rPr>
+              <a:t>Новые задачи</a:t>
+            </a:r>
+            <a:endParaRPr lang="ru-RU" b="1" dirty="0">
+              <a:solidFill>
+                <a:srgbClr val="FFFFFF"/>
+              </a:solidFill>
+            </a:endParaRPr>
+          </a:p>
+        </p:txBody>
+      </p:sp>
+      <p:sp>
+        <p:nvSpPr>
+          <p:cNvPr id="4" name="Объект 3"/>
+          <p:cNvSpPr>
+            <a:spLocks noGrp="1"/>
+          </p:cNvSpPr>
+          <p:nvPr>
+            <p:ph sz="half" idx="2"/>
+          </p:nvPr>
+        </p:nvSpPr>
+        <p:spPr>
+          <a:xfrm>
+            <a:off x="1288024" y="2427380"/>
+            <a:ext cx="5005200" cy="3684588"/>
+          </a:xfrm>
+        </p:spPr>
+        <p:txBody>
+          <a:bodyPr>
+            <a:normAutofit fontScale="92500" lnSpcReduction="20000"/>
+          </a:bodyPr>
+          <a:lstStyle/>
+          <a:p>
+            <a:r>
+              <a:rPr lang="ru-RU" dirty="0" smtClean="0">
+                <a:solidFill>
+                  <a:schemeClr val="bg1">
+                    <a:lumMod val="25000"/>
+                  </a:schemeClr>
+                </a:solidFill>
+              </a:rPr>
+              <a:t>Загрузка фотографий в альбоме</a:t>
+            </a:r>
+          </a:p>
+          <a:p>
+            <a:r>
+              <a:rPr lang="ru-RU" dirty="0" smtClean="0">
+                <a:solidFill>
+                  <a:schemeClr val="bg1">
+                    <a:lumMod val="25000"/>
+                  </a:schemeClr>
+                </a:solidFill>
+              </a:rPr>
+              <a:t>Система оценивания пользователей</a:t>
+            </a:r>
+          </a:p>
+          <a:p>
+            <a:r>
+              <a:rPr lang="ru-RU" dirty="0" smtClean="0">
+                <a:solidFill>
+                  <a:schemeClr val="bg1">
+                    <a:lumMod val="25000"/>
+                  </a:schemeClr>
+                </a:solidFill>
+              </a:rPr>
+              <a:t>Система оценивания мероприятий</a:t>
+            </a:r>
+          </a:p>
+          <a:p>
+            <a:r>
+              <a:rPr lang="ru-RU" dirty="0" smtClean="0">
+                <a:solidFill>
+                  <a:schemeClr val="bg1">
+                    <a:lumMod val="25000"/>
+                  </a:schemeClr>
+                </a:solidFill>
+              </a:rPr>
+              <a:t>Настройки приватности</a:t>
+            </a:r>
+          </a:p>
+          <a:p>
+            <a:r>
+              <a:rPr lang="ru-RU" dirty="0" smtClean="0">
+                <a:solidFill>
+                  <a:schemeClr val="bg1">
+                    <a:lumMod val="25000"/>
+                  </a:schemeClr>
+                </a:solidFill>
+              </a:rPr>
+              <a:t>Фильтры в поиске по мероприятиям</a:t>
+            </a:r>
+          </a:p>
+          <a:p>
+            <a:r>
+              <a:rPr lang="ru-RU" dirty="0" smtClean="0">
+                <a:solidFill>
+                  <a:schemeClr val="bg1">
+                    <a:lumMod val="25000"/>
+                  </a:schemeClr>
+                </a:solidFill>
+              </a:rPr>
+              <a:t>Адаптивная верстка</a:t>
+            </a:r>
+          </a:p>
+          <a:p>
+            <a:r>
+              <a:rPr lang="ru-RU" dirty="0" smtClean="0">
+                <a:solidFill>
+                  <a:schemeClr val="bg1">
+                    <a:lumMod val="25000"/>
+                  </a:schemeClr>
+                </a:solidFill>
+              </a:rPr>
+              <a:t>Мобильная версия</a:t>
+            </a:r>
+            <a:endParaRPr lang="ru-RU" dirty="0">
+              <a:solidFill>
+                <a:schemeClr val="bg1">
+                  <a:lumMod val="25000"/>
+                </a:schemeClr>
+              </a:solidFill>
+            </a:endParaRPr>
+          </a:p>
+        </p:txBody>
+      </p:sp>
+      <p:pic>
+        <p:nvPicPr>
+          <p:cNvPr id="2052" name="Picture 4" descr="http://cs609322.vk.me/u11886539/docs/93dc998c04be/mountain.png?extra=dIIz363MWemYvhFgF-uMAJzlvCLS4YSUCt9lSgO5aESOMYz1sGrZurnF_Ms8umA9GYnCY65Q3LtxbtxZLHkB6mxS_CjU-tSS"/>
+          <p:cNvPicPr>
+            <a:picLocks noChangeAspect="1" noChangeArrowheads="1"/>
+          </p:cNvPicPr>
+          <p:nvPr/>
+        </p:nvPicPr>
+        <p:blipFill>
+          <a:blip r:embed="rId2">
+            <a:extLst>
+              <a:ext uri="{28A0092B-C50C-407E-A947-70E740481C1C}">
+                <a14:useLocalDpi xmlns:a14="http://schemas.microsoft.com/office/drawing/2010/main" val="0"/>
+              </a:ext>
+            </a:extLst>
+          </a:blip>
+          <a:srcRect/>
+          <a:stretch>
+            <a:fillRect/>
+          </a:stretch>
+        </p:blipFill>
+        <p:spPr bwMode="auto">
+          <a:xfrm>
+            <a:off x="5336989" y="2306871"/>
+            <a:ext cx="5649072" cy="3703282"/>
+          </a:xfrm>
+          <a:prstGeom prst="rect">
+            <a:avLst/>
+          </a:prstGeom>
+          <a:noFill/>
+          <a:extLst>
+            <a:ext uri="{909E8E84-426E-40DD-AFC4-6F175D3DCCD1}">
+              <a14:hiddenFill xmlns:a14="http://schemas.microsoft.com/office/drawing/2010/main">
+                <a:solidFill>
+                  <a:srgbClr val="FFFFFF"/>
+                </a:solidFill>
+              </a14:hiddenFill>
+            </a:ext>
+          </a:extLst>
+        </p:spPr>
+      </p:pic>
+    </p:spTree>
+    <p:extLst>
+      <p:ext uri="{BB962C8B-B14F-4D97-AF65-F5344CB8AC3E}">
+        <p14:creationId xmlns:p14="http://schemas.microsoft.com/office/powerpoint/2010/main" val="2137433952"/>
+      </p:ext>
+    </p:extLst>
+  </p:cSld>
+  <p:clrMapOvr>
+    <a:masterClrMapping/>
+  </p:clrMapOvr>
+  <mc:AlternateContent xmlns:mc="http://schemas.openxmlformats.org/markup-compatibility/2006" xmlns:p14="http://schemas.microsoft.com/office/powerpoint/2010/main">
+    <mc:Choice Requires="p14">
+      <p:transition spd="med" p14:dur="700">
+        <p:fade/>
+      </p:transition>
+    </mc:Choice>
+    <mc:Fallback xmlns="">
+      <p:transition spd="med">
+        <p:fade/>
+      </p:transition>
+    </mc:Fallback>
+  </mc:AlternateContent>
+  <p:timing>
+    <p:tnLst>
+      <p:par>
+        <p:cTn id="1" dur="indefinite" restart="never" nodeType="tmRoot"/>
+      </p:par>
+    </p:tnLst>
+  </p:timing>
+</p:sld>
+</file>
+
+<file path=ppt/slides/slide15.xml><?xml version="1.0" encoding="utf-8"?>
+<p:sld xmlns:a="http://schemas.openxmlformats.org/drawingml/2006/main" xmlns:r="http://schemas.openxmlformats.org/officeDocument/2006/relationships" xmlns:p="http://schemas.openxmlformats.org/presentationml/2006/main">
+  <p:cSld>
+    <p:spTree>
+      <p:nvGrpSpPr>
+        <p:cNvPr id="1" name=""/>
+        <p:cNvGrpSpPr/>
+        <p:nvPr/>
+      </p:nvGrpSpPr>
+      <p:grpSpPr>
+        <a:xfrm>
+          <a:off x="0" y="0"/>
+          <a:ext cx="0" cy="0"/>
+          <a:chOff x="0" y="0"/>
+          <a:chExt cx="0" cy="0"/>
+        </a:xfrm>
+      </p:grpSpPr>
+      <p:sp>
+        <p:nvSpPr>
+          <p:cNvPr id="2" name="Заголовок 1"/>
+          <p:cNvSpPr>
+            <a:spLocks noGrp="1"/>
+          </p:cNvSpPr>
+          <p:nvPr>
+            <p:ph type="ctrTitle"/>
+          </p:nvPr>
+        </p:nvSpPr>
+        <p:spPr>
+          <a:xfrm>
+            <a:off x="1595718" y="3173506"/>
+            <a:ext cx="9144000" cy="1256834"/>
+          </a:xfrm>
+        </p:spPr>
+        <p:txBody>
+          <a:bodyPr>
+            <a:normAutofit/>
+          </a:bodyPr>
+          <a:lstStyle/>
+          <a:p>
+            <a:r>
+              <a:rPr lang="ru-RU" sz="7200" b="1" dirty="0" smtClean="0">
+                <a:ln w="9525">
+                  <a:solidFill>
+                    <a:schemeClr val="accent5">
+                      <a:lumMod val="50000"/>
+                    </a:schemeClr>
+                  </a:solidFill>
+                  <a:prstDash val="solid"/>
+                </a:ln>
+                <a:solidFill>
+                  <a:schemeClr val="accent5">
+                    <a:lumMod val="75000"/>
+                  </a:schemeClr>
+                </a:solidFill>
+                <a:effectLst>
+                  <a:outerShdw blurRad="12700" dist="38100" dir="2700000" algn="tl" rotWithShape="0">
+                    <a:schemeClr val="accent5">
+                      <a:lumMod val="60000"/>
+                      <a:lumOff val="40000"/>
+                    </a:schemeClr>
+                  </a:outerShdw>
+                </a:effectLst>
+              </a:rPr>
+              <a:t>Спасибо за внимание!</a:t>
+            </a:r>
+            <a:endParaRPr lang="ru-RU" sz="7200" b="1" dirty="0">
+              <a:ln w="9525">
+                <a:solidFill>
+                  <a:schemeClr val="accent5">
+                    <a:lumMod val="50000"/>
+                  </a:schemeClr>
+                </a:solidFill>
+                <a:prstDash val="solid"/>
+              </a:ln>
+              <a:solidFill>
+                <a:schemeClr val="accent5">
+                  <a:lumMod val="75000"/>
+                </a:schemeClr>
+              </a:solidFill>
+              <a:effectLst>
+                <a:outerShdw blurRad="12700" dist="38100" dir="2700000" algn="tl" rotWithShape="0">
+                  <a:schemeClr val="accent5">
+                    <a:lumMod val="60000"/>
+                    <a:lumOff val="40000"/>
+                  </a:schemeClr>
+                </a:outerShdw>
+              </a:effectLst>
+            </a:endParaRPr>
+          </a:p>
+        </p:txBody>
+      </p:sp>
+    </p:spTree>
+    <p:extLst>
+      <p:ext uri="{BB962C8B-B14F-4D97-AF65-F5344CB8AC3E}">
+        <p14:creationId xmlns:p14="http://schemas.microsoft.com/office/powerpoint/2010/main" val="3663504979"/>
+      </p:ext>
+    </p:extLst>
+  </p:cSld>
+  <p:clrMapOvr>
+    <a:masterClrMapping/>
+  </p:clrMapOvr>
+  <mc:AlternateContent xmlns:mc="http://schemas.openxmlformats.org/markup-compatibility/2006">
+    <mc:Choice xmlns:p14="http://schemas.microsoft.com/office/powerpoint/2010/main" Requires="p14">
+      <p:transition spd="med" p14:dur="700">
+        <p:fade/>
+      </p:transition>
+    </mc:Choice>
+    <mc:Fallback>
+      <p:transition spd="med">
+        <p:fade/>
+      </p:transition>
+    </mc:Fallback>
+  </mc:AlternateContent>
+  <p:timing>
+    <p:tnLst>
+      <p:par>
+        <p:cTn id="1" dur="indefinite" restart="never" nodeType="tmRoot"/>
+      </p:par>
+    </p:tnLst>
+  </p:timing>
+</p:sld>
+</file>
+
+<file path=ppt/slides/slide16.xml><?xml version="1.0" encoding="utf-8"?>
 <p:sld xmlns:a="http://schemas.openxmlformats.org/drawingml/2006/main" xmlns:r="http://schemas.openxmlformats.org/officeDocument/2006/relationships" xmlns:p="http://schemas.openxmlformats.org/presentationml/2006/main">
   <p:cSld>
     <p:spTree>
@@ -17025,7 +18697,7 @@
 </p:sld>
 </file>
 
-<file path=ppt/slides/slide13.xml><?xml version="1.0" encoding="utf-8"?>
+<file path=ppt/slides/slide17.xml><?xml version="1.0" encoding="utf-8"?>
 <p:sld xmlns:a="http://schemas.openxmlformats.org/drawingml/2006/main" xmlns:r="http://schemas.openxmlformats.org/officeDocument/2006/relationships" xmlns:p="http://schemas.openxmlformats.org/presentationml/2006/main">
   <p:cSld>
     <p:spTree>
@@ -17440,7 +19112,7 @@
 </p:sld>
 </file>
 
-<file path=ppt/slides/slide14.xml><?xml version="1.0" encoding="utf-8"?>
+<file path=ppt/slides/slide18.xml><?xml version="1.0" encoding="utf-8"?>
 <p:sld xmlns:a="http://schemas.openxmlformats.org/drawingml/2006/main" xmlns:r="http://schemas.openxmlformats.org/officeDocument/2006/relationships" xmlns:p="http://schemas.openxmlformats.org/presentationml/2006/main">
   <p:cSld>
     <p:spTree>
@@ -17560,80 +19232,7 @@
 </p:sld>
 </file>
 
-<file path=ppt/slides/slide15.xml><?xml version="1.0" encoding="utf-8"?>
-<p:sld xmlns:a="http://schemas.openxmlformats.org/drawingml/2006/main" xmlns:r="http://schemas.openxmlformats.org/officeDocument/2006/relationships" xmlns:p="http://schemas.openxmlformats.org/presentationml/2006/main">
-  <p:cSld>
-    <p:spTree>
-      <p:nvGrpSpPr>
-        <p:cNvPr id="1" name=""/>
-        <p:cNvGrpSpPr/>
-        <p:nvPr/>
-      </p:nvGrpSpPr>
-      <p:grpSpPr>
-        <a:xfrm>
-          <a:off x="0" y="0"/>
-          <a:ext cx="0" cy="0"/>
-          <a:chOff x="0" y="0"/>
-          <a:chExt cx="0" cy="0"/>
-        </a:xfrm>
-      </p:grpSpPr>
-      <p:graphicFrame>
-        <p:nvGraphicFramePr>
-          <p:cNvPr id="7" name="Диаграмма 6"/>
-          <p:cNvGraphicFramePr>
-            <a:graphicFrameLocks/>
-          </p:cNvGraphicFramePr>
-          <p:nvPr>
-            <p:extLst>
-              <p:ext uri="{D42A27DB-BD31-4B8C-83A1-F6EECF244321}">
-                <p14:modId xmlns:p14="http://schemas.microsoft.com/office/powerpoint/2010/main" val="2955072561"/>
-              </p:ext>
-            </p:extLst>
-          </p:nvPr>
-        </p:nvGraphicFramePr>
-        <p:xfrm>
-          <a:off x="183573" y="1797627"/>
-          <a:ext cx="11824854" cy="4769428"/>
-        </p:xfrm>
-        <a:graphic>
-          <a:graphicData uri="http://schemas.openxmlformats.org/drawingml/2006/chart">
-            <c:chart xmlns:c="http://schemas.openxmlformats.org/drawingml/2006/chart" xmlns:r="http://schemas.openxmlformats.org/officeDocument/2006/relationships" r:id="rId2"/>
-          </a:graphicData>
-        </a:graphic>
-      </p:graphicFrame>
-    </p:spTree>
-    <p:extLst>
-      <p:ext uri="{BB962C8B-B14F-4D97-AF65-F5344CB8AC3E}">
-        <p14:creationId xmlns:p14="http://schemas.microsoft.com/office/powerpoint/2010/main" val="3126535028"/>
-      </p:ext>
-    </p:extLst>
-  </p:cSld>
-  <p:clrMapOvr>
-    <a:masterClrMapping/>
-  </p:clrMapOvr>
-  <mc:AlternateContent xmlns:mc="http://schemas.openxmlformats.org/markup-compatibility/2006" xmlns:p14="http://schemas.microsoft.com/office/powerpoint/2010/main">
-    <mc:Choice Requires="p14">
-      <p:transition spd="med" p14:dur="700">
-        <p:fade/>
-      </p:transition>
-    </mc:Choice>
-    <mc:Fallback xmlns="">
-      <p:transition spd="med">
-        <p:fade/>
-      </p:transition>
-    </mc:Fallback>
-  </mc:AlternateContent>
-  <p:timing>
-    <p:tnLst>
-      <p:par>
-        <p:cTn id="1" dur="indefinite" restart="never" nodeType="tmRoot"/>
-      </p:par>
-    </p:tnLst>
-  </p:timing>
-</p:sld>
-</file>
-
-<file path=ppt/slides/slide16.xml><?xml version="1.0" encoding="utf-8"?>
+<file path=ppt/slides/slide19.xml><?xml version="1.0" encoding="utf-8"?>
 <p:sld xmlns:a="http://schemas.openxmlformats.org/drawingml/2006/main" xmlns:r="http://schemas.openxmlformats.org/officeDocument/2006/relationships" xmlns:p="http://schemas.openxmlformats.org/presentationml/2006/main">
   <p:cSld>
     <p:spTree>
@@ -17678,360 +19277,6 @@
     <p:extLst>
       <p:ext uri="{BB962C8B-B14F-4D97-AF65-F5344CB8AC3E}">
         <p14:creationId xmlns:p14="http://schemas.microsoft.com/office/powerpoint/2010/main" val="3061729273"/>
-      </p:ext>
-    </p:extLst>
-  </p:cSld>
-  <p:clrMapOvr>
-    <a:masterClrMapping/>
-  </p:clrMapOvr>
-  <mc:AlternateContent xmlns:mc="http://schemas.openxmlformats.org/markup-compatibility/2006" xmlns:p14="http://schemas.microsoft.com/office/powerpoint/2010/main">
-    <mc:Choice Requires="p14">
-      <p:transition spd="med" p14:dur="700">
-        <p:fade/>
-      </p:transition>
-    </mc:Choice>
-    <mc:Fallback xmlns="">
-      <p:transition spd="med">
-        <p:fade/>
-      </p:transition>
-    </mc:Fallback>
-  </mc:AlternateContent>
-  <p:timing>
-    <p:tnLst>
-      <p:par>
-        <p:cTn id="1" dur="indefinite" restart="never" nodeType="tmRoot"/>
-      </p:par>
-    </p:tnLst>
-  </p:timing>
-</p:sld>
-</file>
-
-<file path=ppt/slides/slide17.xml><?xml version="1.0" encoding="utf-8"?>
-<p:sld xmlns:a="http://schemas.openxmlformats.org/drawingml/2006/main" xmlns:r="http://schemas.openxmlformats.org/officeDocument/2006/relationships" xmlns:p="http://schemas.openxmlformats.org/presentationml/2006/main">
-  <p:cSld>
-    <p:spTree>
-      <p:nvGrpSpPr>
-        <p:cNvPr id="1" name=""/>
-        <p:cNvGrpSpPr/>
-        <p:nvPr/>
-      </p:nvGrpSpPr>
-      <p:grpSpPr>
-        <a:xfrm>
-          <a:off x="0" y="0"/>
-          <a:ext cx="0" cy="0"/>
-          <a:chOff x="0" y="0"/>
-          <a:chExt cx="0" cy="0"/>
-        </a:xfrm>
-      </p:grpSpPr>
-      <p:sp>
-        <p:nvSpPr>
-          <p:cNvPr id="2" name="Заголовок 1"/>
-          <p:cNvSpPr>
-            <a:spLocks noGrp="1"/>
-          </p:cNvSpPr>
-          <p:nvPr>
-            <p:ph type="title"/>
-          </p:nvPr>
-        </p:nvSpPr>
-        <p:spPr/>
-        <p:txBody>
-          <a:bodyPr/>
-          <a:lstStyle/>
-          <a:p>
-            <a:pPr algn="ctr"/>
-            <a:r>
-              <a:rPr lang="ru-RU" dirty="0"/>
-              <a:t>Р</a:t>
-            </a:r>
-            <a:r>
-              <a:rPr lang="ru-RU" dirty="0" smtClean="0"/>
-              <a:t>азработка</a:t>
-            </a:r>
-            <a:endParaRPr lang="ru-RU" dirty="0"/>
-          </a:p>
-        </p:txBody>
-      </p:sp>
-      <p:sp>
-        <p:nvSpPr>
-          <p:cNvPr id="3" name="Объект 2"/>
-          <p:cNvSpPr>
-            <a:spLocks noGrp="1"/>
-          </p:cNvSpPr>
-          <p:nvPr>
-            <p:ph idx="1"/>
-          </p:nvPr>
-        </p:nvSpPr>
-        <p:spPr/>
-        <p:txBody>
-          <a:bodyPr/>
-          <a:lstStyle/>
-          <a:p>
-            <a:endParaRPr lang="ru-RU" dirty="0"/>
-          </a:p>
-        </p:txBody>
-      </p:sp>
-      <p:sp>
-        <p:nvSpPr>
-          <p:cNvPr id="4" name="Текст 3"/>
-          <p:cNvSpPr>
-            <a:spLocks noGrp="1"/>
-          </p:cNvSpPr>
-          <p:nvPr>
-            <p:ph type="body" sz="half" idx="2"/>
-          </p:nvPr>
-        </p:nvSpPr>
-        <p:spPr/>
-        <p:txBody>
-          <a:bodyPr/>
-          <a:lstStyle/>
-          <a:p>
-            <a:endParaRPr lang="ru-RU" dirty="0"/>
-          </a:p>
-        </p:txBody>
-      </p:sp>
-    </p:spTree>
-    <p:extLst>
-      <p:ext uri="{BB962C8B-B14F-4D97-AF65-F5344CB8AC3E}">
-        <p14:creationId xmlns:p14="http://schemas.microsoft.com/office/powerpoint/2010/main" val="332843759"/>
-      </p:ext>
-    </p:extLst>
-  </p:cSld>
-  <p:clrMapOvr>
-    <a:masterClrMapping/>
-  </p:clrMapOvr>
-  <mc:AlternateContent xmlns:mc="http://schemas.openxmlformats.org/markup-compatibility/2006" xmlns:p14="http://schemas.microsoft.com/office/powerpoint/2010/main">
-    <mc:Choice Requires="p14">
-      <p:transition spd="med" p14:dur="700">
-        <p:fade/>
-      </p:transition>
-    </mc:Choice>
-    <mc:Fallback xmlns="">
-      <p:transition spd="med">
-        <p:fade/>
-      </p:transition>
-    </mc:Fallback>
-  </mc:AlternateContent>
-  <p:timing>
-    <p:tnLst>
-      <p:par>
-        <p:cTn id="1" dur="indefinite" restart="never" nodeType="tmRoot"/>
-      </p:par>
-    </p:tnLst>
-  </p:timing>
-</p:sld>
-</file>
-
-<file path=ppt/slides/slide18.xml><?xml version="1.0" encoding="utf-8"?>
-<p:sld xmlns:a="http://schemas.openxmlformats.org/drawingml/2006/main" xmlns:r="http://schemas.openxmlformats.org/officeDocument/2006/relationships" xmlns:p="http://schemas.openxmlformats.org/presentationml/2006/main">
-  <p:cSld>
-    <p:spTree>
-      <p:nvGrpSpPr>
-        <p:cNvPr id="1" name=""/>
-        <p:cNvGrpSpPr/>
-        <p:nvPr/>
-      </p:nvGrpSpPr>
-      <p:grpSpPr>
-        <a:xfrm>
-          <a:off x="0" y="0"/>
-          <a:ext cx="0" cy="0"/>
-          <a:chOff x="0" y="0"/>
-          <a:chExt cx="0" cy="0"/>
-        </a:xfrm>
-      </p:grpSpPr>
-      <p:sp>
-        <p:nvSpPr>
-          <p:cNvPr id="2" name="Заголовок 1"/>
-          <p:cNvSpPr>
-            <a:spLocks noGrp="1"/>
-          </p:cNvSpPr>
-          <p:nvPr>
-            <p:ph type="title"/>
-          </p:nvPr>
-        </p:nvSpPr>
-        <p:spPr/>
-        <p:txBody>
-          <a:bodyPr/>
-          <a:lstStyle/>
-          <a:p>
-            <a:pPr algn="ctr"/>
-            <a:r>
-              <a:rPr lang="ru-RU" dirty="0" smtClean="0"/>
-              <a:t>Тестирование</a:t>
-            </a:r>
-            <a:endParaRPr lang="ru-RU" dirty="0"/>
-          </a:p>
-        </p:txBody>
-      </p:sp>
-      <p:sp>
-        <p:nvSpPr>
-          <p:cNvPr id="3" name="Рисунок 2"/>
-          <p:cNvSpPr>
-            <a:spLocks noGrp="1"/>
-          </p:cNvSpPr>
-          <p:nvPr>
-            <p:ph type="pic" idx="1"/>
-          </p:nvPr>
-        </p:nvSpPr>
-        <p:spPr/>
-      </p:sp>
-      <p:sp>
-        <p:nvSpPr>
-          <p:cNvPr id="4" name="Текст 3"/>
-          <p:cNvSpPr>
-            <a:spLocks noGrp="1"/>
-          </p:cNvSpPr>
-          <p:nvPr>
-            <p:ph type="body" sz="half" idx="2"/>
-          </p:nvPr>
-        </p:nvSpPr>
-        <p:spPr/>
-        <p:txBody>
-          <a:bodyPr/>
-          <a:lstStyle/>
-          <a:p>
-            <a:endParaRPr lang="ru-RU" dirty="0"/>
-          </a:p>
-        </p:txBody>
-      </p:sp>
-    </p:spTree>
-    <p:extLst>
-      <p:ext uri="{BB962C8B-B14F-4D97-AF65-F5344CB8AC3E}">
-        <p14:creationId xmlns:p14="http://schemas.microsoft.com/office/powerpoint/2010/main" val="4129926194"/>
-      </p:ext>
-    </p:extLst>
-  </p:cSld>
-  <p:clrMapOvr>
-    <a:masterClrMapping/>
-  </p:clrMapOvr>
-  <mc:AlternateContent xmlns:mc="http://schemas.openxmlformats.org/markup-compatibility/2006" xmlns:p14="http://schemas.microsoft.com/office/powerpoint/2010/main">
-    <mc:Choice Requires="p14">
-      <p:transition spd="med" p14:dur="700">
-        <p:fade/>
-      </p:transition>
-    </mc:Choice>
-    <mc:Fallback xmlns="">
-      <p:transition spd="med">
-        <p:fade/>
-      </p:transition>
-    </mc:Fallback>
-  </mc:AlternateContent>
-  <p:timing>
-    <p:tnLst>
-      <p:par>
-        <p:cTn id="1" dur="indefinite" restart="never" nodeType="tmRoot"/>
-      </p:par>
-    </p:tnLst>
-  </p:timing>
-</p:sld>
-</file>
-
-<file path=ppt/slides/slide19.xml><?xml version="1.0" encoding="utf-8"?>
-<p:sld xmlns:a="http://schemas.openxmlformats.org/drawingml/2006/main" xmlns:r="http://schemas.openxmlformats.org/officeDocument/2006/relationships" xmlns:p="http://schemas.openxmlformats.org/presentationml/2006/main">
-  <p:cSld>
-    <p:spTree>
-      <p:nvGrpSpPr>
-        <p:cNvPr id="1" name=""/>
-        <p:cNvGrpSpPr/>
-        <p:nvPr/>
-      </p:nvGrpSpPr>
-      <p:grpSpPr>
-        <a:xfrm>
-          <a:off x="0" y="0"/>
-          <a:ext cx="0" cy="0"/>
-          <a:chOff x="0" y="0"/>
-          <a:chExt cx="0" cy="0"/>
-        </a:xfrm>
-      </p:grpSpPr>
-      <p:sp>
-        <p:nvSpPr>
-          <p:cNvPr id="2" name="Заголовок 1"/>
-          <p:cNvSpPr>
-            <a:spLocks noGrp="1"/>
-          </p:cNvSpPr>
-          <p:nvPr>
-            <p:ph type="title"/>
-          </p:nvPr>
-        </p:nvSpPr>
-        <p:spPr/>
-        <p:txBody>
-          <a:bodyPr/>
-          <a:lstStyle/>
-          <a:p>
-            <a:pPr algn="ctr"/>
-            <a:r>
-              <a:rPr lang="ru-RU" dirty="0" smtClean="0"/>
-              <a:t>Заключение</a:t>
-            </a:r>
-            <a:endParaRPr lang="ru-RU" dirty="0"/>
-          </a:p>
-        </p:txBody>
-      </p:sp>
-      <p:sp>
-        <p:nvSpPr>
-          <p:cNvPr id="3" name="Текст 2"/>
-          <p:cNvSpPr>
-            <a:spLocks noGrp="1"/>
-          </p:cNvSpPr>
-          <p:nvPr>
-            <p:ph type="body" sz="half" idx="2"/>
-          </p:nvPr>
-        </p:nvSpPr>
-        <p:spPr/>
-        <p:txBody>
-          <a:bodyPr/>
-          <a:lstStyle/>
-          <a:p>
-            <a:endParaRPr lang="ru-RU" dirty="0"/>
-          </a:p>
-        </p:txBody>
-      </p:sp>
-      <p:sp>
-        <p:nvSpPr>
-          <p:cNvPr id="4" name="Текст 3"/>
-          <p:cNvSpPr>
-            <a:spLocks noGrp="1"/>
-          </p:cNvSpPr>
-          <p:nvPr>
-            <p:ph type="body" sz="half" idx="14"/>
-          </p:nvPr>
-        </p:nvSpPr>
-        <p:spPr/>
-        <p:txBody>
-          <a:bodyPr/>
-          <a:lstStyle/>
-          <a:p>
-            <a:endParaRPr lang="ru-RU" dirty="0"/>
-          </a:p>
-        </p:txBody>
-      </p:sp>
-      <p:sp>
-        <p:nvSpPr>
-          <p:cNvPr id="5" name="Рисунок 4"/>
-          <p:cNvSpPr>
-            <a:spLocks noGrp="1"/>
-          </p:cNvSpPr>
-          <p:nvPr>
-            <p:ph type="pic" idx="1"/>
-          </p:nvPr>
-        </p:nvSpPr>
-        <p:spPr/>
-      </p:sp>
-      <p:sp>
-        <p:nvSpPr>
-          <p:cNvPr id="6" name="Рисунок 5"/>
-          <p:cNvSpPr>
-            <a:spLocks noGrp="1"/>
-          </p:cNvSpPr>
-          <p:nvPr>
-            <p:ph type="pic" idx="13"/>
-          </p:nvPr>
-        </p:nvSpPr>
-        <p:spPr/>
-      </p:sp>
-    </p:spTree>
-    <p:extLst>
-      <p:ext uri="{BB962C8B-B14F-4D97-AF65-F5344CB8AC3E}">
-        <p14:creationId xmlns:p14="http://schemas.microsoft.com/office/powerpoint/2010/main" val="188841400"/>
       </p:ext>
     </p:extLst>
   </p:cSld>
@@ -18502,6 +19747,360 @@
           <a:bodyPr/>
           <a:lstStyle/>
           <a:p>
+            <a:pPr algn="ctr"/>
+            <a:r>
+              <a:rPr lang="ru-RU" dirty="0"/>
+              <a:t>Р</a:t>
+            </a:r>
+            <a:r>
+              <a:rPr lang="ru-RU" dirty="0" smtClean="0"/>
+              <a:t>азработка</a:t>
+            </a:r>
+            <a:endParaRPr lang="ru-RU" dirty="0"/>
+          </a:p>
+        </p:txBody>
+      </p:sp>
+      <p:sp>
+        <p:nvSpPr>
+          <p:cNvPr id="3" name="Объект 2"/>
+          <p:cNvSpPr>
+            <a:spLocks noGrp="1"/>
+          </p:cNvSpPr>
+          <p:nvPr>
+            <p:ph idx="1"/>
+          </p:nvPr>
+        </p:nvSpPr>
+        <p:spPr/>
+        <p:txBody>
+          <a:bodyPr/>
+          <a:lstStyle/>
+          <a:p>
+            <a:endParaRPr lang="ru-RU" dirty="0"/>
+          </a:p>
+        </p:txBody>
+      </p:sp>
+      <p:sp>
+        <p:nvSpPr>
+          <p:cNvPr id="4" name="Текст 3"/>
+          <p:cNvSpPr>
+            <a:spLocks noGrp="1"/>
+          </p:cNvSpPr>
+          <p:nvPr>
+            <p:ph type="body" sz="half" idx="2"/>
+          </p:nvPr>
+        </p:nvSpPr>
+        <p:spPr/>
+        <p:txBody>
+          <a:bodyPr/>
+          <a:lstStyle/>
+          <a:p>
+            <a:endParaRPr lang="ru-RU" dirty="0"/>
+          </a:p>
+        </p:txBody>
+      </p:sp>
+    </p:spTree>
+    <p:extLst>
+      <p:ext uri="{BB962C8B-B14F-4D97-AF65-F5344CB8AC3E}">
+        <p14:creationId xmlns:p14="http://schemas.microsoft.com/office/powerpoint/2010/main" val="332843759"/>
+      </p:ext>
+    </p:extLst>
+  </p:cSld>
+  <p:clrMapOvr>
+    <a:masterClrMapping/>
+  </p:clrMapOvr>
+  <mc:AlternateContent xmlns:mc="http://schemas.openxmlformats.org/markup-compatibility/2006" xmlns:p14="http://schemas.microsoft.com/office/powerpoint/2010/main">
+    <mc:Choice Requires="p14">
+      <p:transition spd="med" p14:dur="700">
+        <p:fade/>
+      </p:transition>
+    </mc:Choice>
+    <mc:Fallback xmlns="">
+      <p:transition spd="med">
+        <p:fade/>
+      </p:transition>
+    </mc:Fallback>
+  </mc:AlternateContent>
+  <p:timing>
+    <p:tnLst>
+      <p:par>
+        <p:cTn id="1" dur="indefinite" restart="never" nodeType="tmRoot"/>
+      </p:par>
+    </p:tnLst>
+  </p:timing>
+</p:sld>
+</file>
+
+<file path=ppt/slides/slide21.xml><?xml version="1.0" encoding="utf-8"?>
+<p:sld xmlns:a="http://schemas.openxmlformats.org/drawingml/2006/main" xmlns:r="http://schemas.openxmlformats.org/officeDocument/2006/relationships" xmlns:p="http://schemas.openxmlformats.org/presentationml/2006/main">
+  <p:cSld>
+    <p:spTree>
+      <p:nvGrpSpPr>
+        <p:cNvPr id="1" name=""/>
+        <p:cNvGrpSpPr/>
+        <p:nvPr/>
+      </p:nvGrpSpPr>
+      <p:grpSpPr>
+        <a:xfrm>
+          <a:off x="0" y="0"/>
+          <a:ext cx="0" cy="0"/>
+          <a:chOff x="0" y="0"/>
+          <a:chExt cx="0" cy="0"/>
+        </a:xfrm>
+      </p:grpSpPr>
+      <p:sp>
+        <p:nvSpPr>
+          <p:cNvPr id="2" name="Заголовок 1"/>
+          <p:cNvSpPr>
+            <a:spLocks noGrp="1"/>
+          </p:cNvSpPr>
+          <p:nvPr>
+            <p:ph type="title"/>
+          </p:nvPr>
+        </p:nvSpPr>
+        <p:spPr/>
+        <p:txBody>
+          <a:bodyPr/>
+          <a:lstStyle/>
+          <a:p>
+            <a:pPr algn="ctr"/>
+            <a:r>
+              <a:rPr lang="ru-RU" dirty="0" smtClean="0"/>
+              <a:t>Тестирование</a:t>
+            </a:r>
+            <a:endParaRPr lang="ru-RU" dirty="0"/>
+          </a:p>
+        </p:txBody>
+      </p:sp>
+      <p:sp>
+        <p:nvSpPr>
+          <p:cNvPr id="3" name="Рисунок 2"/>
+          <p:cNvSpPr>
+            <a:spLocks noGrp="1"/>
+          </p:cNvSpPr>
+          <p:nvPr>
+            <p:ph type="pic" idx="1"/>
+          </p:nvPr>
+        </p:nvSpPr>
+        <p:spPr/>
+      </p:sp>
+      <p:sp>
+        <p:nvSpPr>
+          <p:cNvPr id="4" name="Текст 3"/>
+          <p:cNvSpPr>
+            <a:spLocks noGrp="1"/>
+          </p:cNvSpPr>
+          <p:nvPr>
+            <p:ph type="body" sz="half" idx="2"/>
+          </p:nvPr>
+        </p:nvSpPr>
+        <p:spPr/>
+        <p:txBody>
+          <a:bodyPr/>
+          <a:lstStyle/>
+          <a:p>
+            <a:endParaRPr lang="ru-RU" dirty="0"/>
+          </a:p>
+        </p:txBody>
+      </p:sp>
+    </p:spTree>
+    <p:extLst>
+      <p:ext uri="{BB962C8B-B14F-4D97-AF65-F5344CB8AC3E}">
+        <p14:creationId xmlns:p14="http://schemas.microsoft.com/office/powerpoint/2010/main" val="4129926194"/>
+      </p:ext>
+    </p:extLst>
+  </p:cSld>
+  <p:clrMapOvr>
+    <a:masterClrMapping/>
+  </p:clrMapOvr>
+  <mc:AlternateContent xmlns:mc="http://schemas.openxmlformats.org/markup-compatibility/2006" xmlns:p14="http://schemas.microsoft.com/office/powerpoint/2010/main">
+    <mc:Choice Requires="p14">
+      <p:transition spd="med" p14:dur="700">
+        <p:fade/>
+      </p:transition>
+    </mc:Choice>
+    <mc:Fallback xmlns="">
+      <p:transition spd="med">
+        <p:fade/>
+      </p:transition>
+    </mc:Fallback>
+  </mc:AlternateContent>
+  <p:timing>
+    <p:tnLst>
+      <p:par>
+        <p:cTn id="1" dur="indefinite" restart="never" nodeType="tmRoot"/>
+      </p:par>
+    </p:tnLst>
+  </p:timing>
+</p:sld>
+</file>
+
+<file path=ppt/slides/slide22.xml><?xml version="1.0" encoding="utf-8"?>
+<p:sld xmlns:a="http://schemas.openxmlformats.org/drawingml/2006/main" xmlns:r="http://schemas.openxmlformats.org/officeDocument/2006/relationships" xmlns:p="http://schemas.openxmlformats.org/presentationml/2006/main">
+  <p:cSld>
+    <p:spTree>
+      <p:nvGrpSpPr>
+        <p:cNvPr id="1" name=""/>
+        <p:cNvGrpSpPr/>
+        <p:nvPr/>
+      </p:nvGrpSpPr>
+      <p:grpSpPr>
+        <a:xfrm>
+          <a:off x="0" y="0"/>
+          <a:ext cx="0" cy="0"/>
+          <a:chOff x="0" y="0"/>
+          <a:chExt cx="0" cy="0"/>
+        </a:xfrm>
+      </p:grpSpPr>
+      <p:sp>
+        <p:nvSpPr>
+          <p:cNvPr id="2" name="Заголовок 1"/>
+          <p:cNvSpPr>
+            <a:spLocks noGrp="1"/>
+          </p:cNvSpPr>
+          <p:nvPr>
+            <p:ph type="title"/>
+          </p:nvPr>
+        </p:nvSpPr>
+        <p:spPr/>
+        <p:txBody>
+          <a:bodyPr/>
+          <a:lstStyle/>
+          <a:p>
+            <a:pPr algn="ctr"/>
+            <a:r>
+              <a:rPr lang="ru-RU" dirty="0" smtClean="0"/>
+              <a:t>Заключение</a:t>
+            </a:r>
+            <a:endParaRPr lang="ru-RU" dirty="0"/>
+          </a:p>
+        </p:txBody>
+      </p:sp>
+      <p:sp>
+        <p:nvSpPr>
+          <p:cNvPr id="3" name="Текст 2"/>
+          <p:cNvSpPr>
+            <a:spLocks noGrp="1"/>
+          </p:cNvSpPr>
+          <p:nvPr>
+            <p:ph type="body" sz="half" idx="2"/>
+          </p:nvPr>
+        </p:nvSpPr>
+        <p:spPr/>
+        <p:txBody>
+          <a:bodyPr/>
+          <a:lstStyle/>
+          <a:p>
+            <a:endParaRPr lang="ru-RU" dirty="0"/>
+          </a:p>
+        </p:txBody>
+      </p:sp>
+      <p:sp>
+        <p:nvSpPr>
+          <p:cNvPr id="4" name="Текст 3"/>
+          <p:cNvSpPr>
+            <a:spLocks noGrp="1"/>
+          </p:cNvSpPr>
+          <p:nvPr>
+            <p:ph type="body" sz="half" idx="14"/>
+          </p:nvPr>
+        </p:nvSpPr>
+        <p:spPr/>
+        <p:txBody>
+          <a:bodyPr/>
+          <a:lstStyle/>
+          <a:p>
+            <a:endParaRPr lang="ru-RU" dirty="0"/>
+          </a:p>
+        </p:txBody>
+      </p:sp>
+      <p:sp>
+        <p:nvSpPr>
+          <p:cNvPr id="5" name="Рисунок 4"/>
+          <p:cNvSpPr>
+            <a:spLocks noGrp="1"/>
+          </p:cNvSpPr>
+          <p:nvPr>
+            <p:ph type="pic" idx="1"/>
+          </p:nvPr>
+        </p:nvSpPr>
+        <p:spPr/>
+      </p:sp>
+      <p:sp>
+        <p:nvSpPr>
+          <p:cNvPr id="6" name="Рисунок 5"/>
+          <p:cNvSpPr>
+            <a:spLocks noGrp="1"/>
+          </p:cNvSpPr>
+          <p:nvPr>
+            <p:ph type="pic" idx="13"/>
+          </p:nvPr>
+        </p:nvSpPr>
+        <p:spPr/>
+      </p:sp>
+    </p:spTree>
+    <p:extLst>
+      <p:ext uri="{BB962C8B-B14F-4D97-AF65-F5344CB8AC3E}">
+        <p14:creationId xmlns:p14="http://schemas.microsoft.com/office/powerpoint/2010/main" val="188841400"/>
+      </p:ext>
+    </p:extLst>
+  </p:cSld>
+  <p:clrMapOvr>
+    <a:masterClrMapping/>
+  </p:clrMapOvr>
+  <mc:AlternateContent xmlns:mc="http://schemas.openxmlformats.org/markup-compatibility/2006" xmlns:p14="http://schemas.microsoft.com/office/powerpoint/2010/main">
+    <mc:Choice Requires="p14">
+      <p:transition spd="med" p14:dur="700">
+        <p:fade/>
+      </p:transition>
+    </mc:Choice>
+    <mc:Fallback xmlns="">
+      <p:transition spd="med">
+        <p:fade/>
+      </p:transition>
+    </mc:Fallback>
+  </mc:AlternateContent>
+  <p:timing>
+    <p:tnLst>
+      <p:par>
+        <p:cTn id="1" dur="indefinite" restart="never" nodeType="tmRoot"/>
+      </p:par>
+    </p:tnLst>
+  </p:timing>
+</p:sld>
+</file>
+
+<file path=ppt/slides/slide23.xml><?xml version="1.0" encoding="utf-8"?>
+<p:sld xmlns:a="http://schemas.openxmlformats.org/drawingml/2006/main" xmlns:r="http://schemas.openxmlformats.org/officeDocument/2006/relationships" xmlns:p="http://schemas.openxmlformats.org/presentationml/2006/main">
+  <p:cSld>
+    <p:spTree>
+      <p:nvGrpSpPr>
+        <p:cNvPr id="1" name=""/>
+        <p:cNvGrpSpPr/>
+        <p:nvPr/>
+      </p:nvGrpSpPr>
+      <p:grpSpPr>
+        <a:xfrm>
+          <a:off x="0" y="0"/>
+          <a:ext cx="0" cy="0"/>
+          <a:chOff x="0" y="0"/>
+          <a:chExt cx="0" cy="0"/>
+        </a:xfrm>
+      </p:grpSpPr>
+      <p:sp>
+        <p:nvSpPr>
+          <p:cNvPr id="2" name="Заголовок 1"/>
+          <p:cNvSpPr>
+            <a:spLocks noGrp="1"/>
+          </p:cNvSpPr>
+          <p:nvPr>
+            <p:ph type="title"/>
+          </p:nvPr>
+        </p:nvSpPr>
+        <p:spPr/>
+        <p:txBody>
+          <a:bodyPr/>
+          <a:lstStyle/>
+          <a:p>
             <a:endParaRPr lang="ru-RU" dirty="0"/>
           </a:p>
         </p:txBody>
@@ -18659,10 +20258,6 @@
           </a:bodyPr>
           <a:lstStyle/>
           <a:p>
-            <a:pPr marL="285750" indent="-285750">
-              <a:buFont typeface="Arial" panose="020B0604020202020204" pitchFamily="34" charset="0"/>
-              <a:buChar char="•"/>
-            </a:pPr>
             <a:r>
               <a:rPr lang="ru-RU" sz="2800" dirty="0" smtClean="0">
                 <a:solidFill>
@@ -18866,13 +20461,13 @@
   <p:clrMapOvr>
     <a:masterClrMapping/>
   </p:clrMapOvr>
-  <mc:AlternateContent xmlns:mc="http://schemas.openxmlformats.org/markup-compatibility/2006">
-    <mc:Choice xmlns:p14="http://schemas.microsoft.com/office/powerpoint/2010/main" Requires="p14">
+  <mc:AlternateContent xmlns:mc="http://schemas.openxmlformats.org/markup-compatibility/2006" xmlns:p14="http://schemas.microsoft.com/office/powerpoint/2010/main">
+    <mc:Choice Requires="p14">
       <p:transition spd="med" p14:dur="700">
         <p:fade/>
       </p:transition>
     </mc:Choice>
-    <mc:Fallback>
+    <mc:Fallback xmlns="">
       <p:transition spd="med">
         <p:fade/>
       </p:transition>
@@ -19133,13 +20728,13 @@
   <p:clrMapOvr>
     <a:masterClrMapping/>
   </p:clrMapOvr>
-  <mc:AlternateContent xmlns:mc="http://schemas.openxmlformats.org/markup-compatibility/2006">
-    <mc:Choice xmlns:p14="http://schemas.microsoft.com/office/powerpoint/2010/main" Requires="p14">
+  <mc:AlternateContent xmlns:mc="http://schemas.openxmlformats.org/markup-compatibility/2006" xmlns:p14="http://schemas.microsoft.com/office/powerpoint/2010/main">
+    <mc:Choice Requires="p14">
       <p:transition spd="med" p14:dur="700">
         <p:fade/>
       </p:transition>
     </mc:Choice>
-    <mc:Fallback>
+    <mc:Fallback xmlns="">
       <p:transition spd="med">
         <p:fade/>
       </p:transition>
@@ -19310,13 +20905,13 @@
   <p:clrMapOvr>
     <a:masterClrMapping/>
   </p:clrMapOvr>
-  <mc:AlternateContent xmlns:mc="http://schemas.openxmlformats.org/markup-compatibility/2006">
-    <mc:Choice xmlns:p14="http://schemas.microsoft.com/office/powerpoint/2010/main" Requires="p14">
+  <mc:AlternateContent xmlns:mc="http://schemas.openxmlformats.org/markup-compatibility/2006" xmlns:p14="http://schemas.microsoft.com/office/powerpoint/2010/main">
+    <mc:Choice Requires="p14">
       <p:transition spd="med" p14:dur="700">
         <p:fade/>
       </p:transition>
     </mc:Choice>
-    <mc:Fallback>
+    <mc:Fallback xmlns="">
       <p:transition spd="med">
         <p:fade/>
       </p:transition>
@@ -19557,6 +21152,23 @@
                 </a:effectLst>
               </a:rPr>
               <a:t>OAut</a:t>
+            </a:r>
+            <a:r>
+              <a:rPr lang="en-US" sz="2400" b="1" dirty="0" err="1">
+                <a:solidFill>
+                  <a:schemeClr val="accent1">
+                    <a:lumMod val="25000"/>
+                  </a:schemeClr>
+                </a:solidFill>
+                <a:effectLst>
+                  <a:outerShdw blurRad="38100" dist="38100" dir="2700000" algn="tl">
+                    <a:srgbClr val="000000">
+                      <a:alpha val="43137"/>
+                    </a:srgbClr>
+                  </a:outerShdw>
+                </a:effectLst>
+              </a:rPr>
+              <a:t>h</a:t>
             </a:r>
             <a:endParaRPr lang="en-US" sz="2400" b="1" dirty="0" smtClean="0">
               <a:solidFill>
@@ -19924,13 +21536,13 @@
   <p:clrMapOvr>
     <a:masterClrMapping/>
   </p:clrMapOvr>
-  <mc:AlternateContent xmlns:mc="http://schemas.openxmlformats.org/markup-compatibility/2006">
-    <mc:Choice xmlns:p14="http://schemas.microsoft.com/office/powerpoint/2010/main" Requires="p14">
+  <mc:AlternateContent xmlns:mc="http://schemas.openxmlformats.org/markup-compatibility/2006" xmlns:p14="http://schemas.microsoft.com/office/powerpoint/2010/main">
+    <mc:Choice Requires="p14">
       <p:transition spd="med" p14:dur="700">
         <p:fade/>
       </p:transition>
     </mc:Choice>
-    <mc:Fallback>
+    <mc:Fallback xmlns="">
       <p:transition spd="med">
         <p:fade/>
       </p:transition>
@@ -20335,6 +21947,118 @@
           <a:chExt cx="0" cy="0"/>
         </a:xfrm>
       </p:grpSpPr>
+      <p:graphicFrame>
+        <p:nvGraphicFramePr>
+          <p:cNvPr id="7" name="Диаграмма 6"/>
+          <p:cNvGraphicFramePr>
+            <a:graphicFrameLocks/>
+          </p:cNvGraphicFramePr>
+          <p:nvPr>
+            <p:extLst>
+              <p:ext uri="{D42A27DB-BD31-4B8C-83A1-F6EECF244321}">
+                <p14:modId xmlns:p14="http://schemas.microsoft.com/office/powerpoint/2010/main" val="177263144"/>
+              </p:ext>
+            </p:extLst>
+          </p:nvPr>
+        </p:nvGraphicFramePr>
+        <p:xfrm>
+          <a:off x="183573" y="1797627"/>
+          <a:ext cx="11824854" cy="4769428"/>
+        </p:xfrm>
+        <a:graphic>
+          <a:graphicData uri="http://schemas.openxmlformats.org/drawingml/2006/chart">
+            <c:chart xmlns:c="http://schemas.openxmlformats.org/drawingml/2006/chart" xmlns:r="http://schemas.openxmlformats.org/officeDocument/2006/relationships" r:id="rId2"/>
+          </a:graphicData>
+        </a:graphic>
+      </p:graphicFrame>
+      <p:sp>
+        <p:nvSpPr>
+          <p:cNvPr id="2" name="TextBox 1"/>
+          <p:cNvSpPr txBox="1"/>
+          <p:nvPr/>
+        </p:nvSpPr>
+        <p:spPr>
+          <a:xfrm>
+            <a:off x="803565" y="421178"/>
+            <a:ext cx="10230196" cy="769441"/>
+          </a:xfrm>
+          <a:prstGeom prst="rect">
+            <a:avLst/>
+          </a:prstGeom>
+          <a:noFill/>
+        </p:spPr>
+        <p:txBody>
+          <a:bodyPr wrap="square" rtlCol="0">
+            <a:spAutoFit/>
+          </a:bodyPr>
+          <a:lstStyle/>
+          <a:p>
+            <a:pPr algn="ctr"/>
+            <a:r>
+              <a:rPr lang="ru-RU" sz="4400" b="1" dirty="0" smtClean="0">
+                <a:solidFill>
+                  <a:srgbClr val="FFFFFF"/>
+                </a:solidFill>
+              </a:rPr>
+              <a:t>История изменения версий</a:t>
+            </a:r>
+            <a:endParaRPr lang="ru-RU" sz="4400" b="1" dirty="0">
+              <a:solidFill>
+                <a:srgbClr val="FFFFFF"/>
+              </a:solidFill>
+            </a:endParaRPr>
+          </a:p>
+        </p:txBody>
+      </p:sp>
+    </p:spTree>
+    <p:extLst>
+      <p:ext uri="{BB962C8B-B14F-4D97-AF65-F5344CB8AC3E}">
+        <p14:creationId xmlns:p14="http://schemas.microsoft.com/office/powerpoint/2010/main" val="3126535028"/>
+      </p:ext>
+    </p:extLst>
+  </p:cSld>
+  <p:clrMapOvr>
+    <a:masterClrMapping/>
+  </p:clrMapOvr>
+  <mc:AlternateContent xmlns:mc="http://schemas.openxmlformats.org/markup-compatibility/2006" xmlns:p14="http://schemas.microsoft.com/office/powerpoint/2010/main">
+    <mc:Choice Requires="p14">
+      <p:transition spd="med" p14:dur="700">
+        <p:fade/>
+      </p:transition>
+    </mc:Choice>
+    <mc:Fallback xmlns="">
+      <p:transition spd="med">
+        <p:fade/>
+      </p:transition>
+    </mc:Fallback>
+  </mc:AlternateContent>
+  <p:timing>
+    <p:tnLst>
+      <p:par>
+        <p:cTn id="1" dur="indefinite" restart="never" nodeType="tmRoot"/>
+      </p:par>
+    </p:tnLst>
+  </p:timing>
+</p:sld>
+</file>
+
+<file path=ppt/slides/slide9.xml><?xml version="1.0" encoding="utf-8"?>
+<p:sld xmlns:a="http://schemas.openxmlformats.org/drawingml/2006/main" xmlns:r="http://schemas.openxmlformats.org/officeDocument/2006/relationships" xmlns:p="http://schemas.openxmlformats.org/presentationml/2006/main">
+  <p:cSld>
+    <p:spTree>
+      <p:nvGrpSpPr>
+        <p:cNvPr id="1" name=""/>
+        <p:cNvGrpSpPr/>
+        <p:nvPr/>
+      </p:nvGrpSpPr>
+      <p:grpSpPr>
+        <a:xfrm>
+          <a:off x="0" y="0"/>
+          <a:ext cx="0" cy="0"/>
+          <a:chOff x="0" y="0"/>
+          <a:chExt cx="0" cy="0"/>
+        </a:xfrm>
+      </p:grpSpPr>
       <p:sp>
         <p:nvSpPr>
           <p:cNvPr id="2" name="Заголовок 1"/>
@@ -20431,118 +22155,13 @@
   <p:clrMapOvr>
     <a:masterClrMapping/>
   </p:clrMapOvr>
-  <mc:AlternateContent xmlns:mc="http://schemas.openxmlformats.org/markup-compatibility/2006">
-    <mc:Choice xmlns:p14="http://schemas.microsoft.com/office/powerpoint/2010/main" Requires="p14">
+  <mc:AlternateContent xmlns:mc="http://schemas.openxmlformats.org/markup-compatibility/2006" xmlns:p14="http://schemas.microsoft.com/office/powerpoint/2010/main">
+    <mc:Choice Requires="p14">
       <p:transition spd="med" p14:dur="700">
         <p:fade/>
       </p:transition>
     </mc:Choice>
-    <mc:Fallback>
-      <p:transition spd="med">
-        <p:fade/>
-      </p:transition>
-    </mc:Fallback>
-  </mc:AlternateContent>
-  <p:timing>
-    <p:tnLst>
-      <p:par>
-        <p:cTn id="1" dur="indefinite" restart="never" nodeType="tmRoot"/>
-      </p:par>
-    </p:tnLst>
-  </p:timing>
-</p:sld>
-</file>
-
-<file path=ppt/slides/slide9.xml><?xml version="1.0" encoding="utf-8"?>
-<p:sld xmlns:a="http://schemas.openxmlformats.org/drawingml/2006/main" xmlns:r="http://schemas.openxmlformats.org/officeDocument/2006/relationships" xmlns:p="http://schemas.openxmlformats.org/presentationml/2006/main">
-  <p:cSld>
-    <p:spTree>
-      <p:nvGrpSpPr>
-        <p:cNvPr id="1" name=""/>
-        <p:cNvGrpSpPr/>
-        <p:nvPr/>
-      </p:nvGrpSpPr>
-      <p:grpSpPr>
-        <a:xfrm>
-          <a:off x="0" y="0"/>
-          <a:ext cx="0" cy="0"/>
-          <a:chOff x="0" y="0"/>
-          <a:chExt cx="0" cy="0"/>
-        </a:xfrm>
-      </p:grpSpPr>
-      <p:sp>
-        <p:nvSpPr>
-          <p:cNvPr id="2" name="Заголовок 1"/>
-          <p:cNvSpPr>
-            <a:spLocks noGrp="1"/>
-          </p:cNvSpPr>
-          <p:nvPr>
-            <p:ph type="title"/>
-          </p:nvPr>
-        </p:nvSpPr>
-        <p:spPr>
-          <a:xfrm>
-            <a:off x="838200" y="365126"/>
-            <a:ext cx="10515600" cy="880668"/>
-          </a:xfrm>
-        </p:spPr>
-        <p:txBody>
-          <a:bodyPr/>
-          <a:lstStyle/>
-          <a:p>
-            <a:pPr algn="ctr"/>
-            <a:r>
-              <a:rPr lang="ru-RU" b="1" dirty="0" smtClean="0">
-                <a:solidFill>
-                  <a:srgbClr val="FFFFFF"/>
-                </a:solidFill>
-              </a:rPr>
-              <a:t>Тестирование</a:t>
-            </a:r>
-            <a:endParaRPr lang="ru-RU" b="1" dirty="0">
-              <a:solidFill>
-                <a:srgbClr val="FFFFFF"/>
-              </a:solidFill>
-            </a:endParaRPr>
-          </a:p>
-        </p:txBody>
-      </p:sp>
-      <p:sp>
-        <p:nvSpPr>
-          <p:cNvPr id="3" name="Объект 2"/>
-          <p:cNvSpPr>
-            <a:spLocks noGrp="1"/>
-          </p:cNvSpPr>
-          <p:nvPr>
-            <p:ph idx="1"/>
-          </p:nvPr>
-        </p:nvSpPr>
-        <p:spPr/>
-        <p:txBody>
-          <a:bodyPr/>
-          <a:lstStyle/>
-          <a:p>
-            <a:endParaRPr lang="ru-RU"/>
-          </a:p>
-        </p:txBody>
-      </p:sp>
-    </p:spTree>
-    <p:extLst>
-      <p:ext uri="{BB962C8B-B14F-4D97-AF65-F5344CB8AC3E}">
-        <p14:creationId xmlns:p14="http://schemas.microsoft.com/office/powerpoint/2010/main" val="2972462176"/>
-      </p:ext>
-    </p:extLst>
-  </p:cSld>
-  <p:clrMapOvr>
-    <a:masterClrMapping/>
-  </p:clrMapOvr>
-  <mc:AlternateContent xmlns:mc="http://schemas.openxmlformats.org/markup-compatibility/2006">
-    <mc:Choice xmlns:p14="http://schemas.microsoft.com/office/powerpoint/2010/main" Requires="p14">
-      <p:transition spd="med" p14:dur="700">
-        <p:fade/>
-      </p:transition>
-    </mc:Choice>
-    <mc:Fallback>
+    <mc:Fallback xmlns="">
       <p:transition spd="med">
         <p:fade/>
       </p:transition>

--- a/k224-docs/Servis_po_organizatsii_i_poisku_meropriaty_Par.pptx
+++ b/k224-docs/Servis_po_organizatsii_i_poisku_meropriaty_Par.pptx
@@ -385,11 +385,11 @@
         </c:dLbls>
         <c:marker val="1"/>
         <c:smooth val="0"/>
-        <c:axId val="583383400"/>
-        <c:axId val="583386928"/>
+        <c:axId val="582794592"/>
+        <c:axId val="582789104"/>
       </c:lineChart>
       <c:dateAx>
-        <c:axId val="583383400"/>
+        <c:axId val="582794592"/>
         <c:scaling>
           <c:orientation val="minMax"/>
         </c:scaling>
@@ -429,14 +429,14 @@
             <a:endParaRPr lang="ru-RU"/>
           </a:p>
         </c:txPr>
-        <c:crossAx val="583386928"/>
+        <c:crossAx val="582789104"/>
         <c:crosses val="autoZero"/>
         <c:auto val="1"/>
         <c:lblOffset val="100"/>
         <c:baseTimeUnit val="days"/>
       </c:dateAx>
       <c:valAx>
-        <c:axId val="583386928"/>
+        <c:axId val="582789104"/>
         <c:scaling>
           <c:orientation val="minMax"/>
         </c:scaling>
@@ -512,7 +512,7 @@
             <a:endParaRPr lang="ru-RU"/>
           </a:p>
         </c:txPr>
-        <c:crossAx val="583383400"/>
+        <c:crossAx val="582794592"/>
         <c:crosses val="autoZero"/>
         <c:crossBetween val="between"/>
       </c:valAx>
@@ -877,6 +877,27 @@
               <c:showPercent val="0"/>
               <c:showBubbleSize val="0"/>
             </c:dLbl>
+            <c:spPr>
+              <a:solidFill>
+                <a:srgbClr val="E5EBF2">
+                  <a:alpha val="90000"/>
+                </a:srgbClr>
+              </a:solidFill>
+              <a:ln w="12700" cap="flat" cmpd="sng" algn="ctr">
+                <a:solidFill>
+                  <a:srgbClr val="E5EBF2"/>
+                </a:solidFill>
+                <a:round/>
+              </a:ln>
+              <a:effectLst>
+                <a:outerShdw blurRad="50800" dist="38100" dir="2700000" algn="tl" rotWithShape="0">
+                  <a:srgbClr val="E5EBF2">
+                    <a:lumMod val="75000"/>
+                    <a:alpha val="40000"/>
+                  </a:srgbClr>
+                </a:outerShdw>
+              </a:effectLst>
+            </c:spPr>
             <c:dLblPos val="inEnd"/>
             <c:showLegendKey val="0"/>
             <c:showVal val="0"/>
@@ -899,9 +920,7 @@
               </c:spPr>
             </c:leaderLines>
             <c:extLst>
-              <c:ext xmlns:c15="http://schemas.microsoft.com/office/drawing/2012/chart" uri="{CE6537A1-D6FC-4f65-9D91-7224C49458BB}">
-                <c15:layout/>
-              </c:ext>
+              <c:ext xmlns:c15="http://schemas.microsoft.com/office/drawing/2012/chart" uri="{CE6537A1-D6FC-4f65-9D91-7224C49458BB}"/>
             </c:extLst>
           </c:dLbls>
           <c:cat>
@@ -1278,11 +1297,11 @@
         </c:dLbls>
         <c:gapWidth val="100"/>
         <c:overlap val="-24"/>
-        <c:axId val="582814584"/>
-        <c:axId val="582811448"/>
+        <c:axId val="582806352"/>
+        <c:axId val="582800864"/>
       </c:barChart>
       <c:catAx>
-        <c:axId val="582814584"/>
+        <c:axId val="582806352"/>
         <c:scaling>
           <c:orientation val="minMax"/>
         </c:scaling>
@@ -1322,7 +1341,7 @@
             <a:endParaRPr lang="ru-RU"/>
           </a:p>
         </c:txPr>
-        <c:crossAx val="582811448"/>
+        <c:crossAx val="582800864"/>
         <c:crosses val="autoZero"/>
         <c:auto val="1"/>
         <c:lblAlgn val="ctr"/>
@@ -1330,7 +1349,7 @@
         <c:noMultiLvlLbl val="0"/>
       </c:catAx>
       <c:valAx>
-        <c:axId val="582811448"/>
+        <c:axId val="582800864"/>
         <c:scaling>
           <c:orientation val="minMax"/>
         </c:scaling>
@@ -1378,7 +1397,7 @@
             <a:endParaRPr lang="ru-RU"/>
           </a:p>
         </c:txPr>
-        <c:crossAx val="582814584"/>
+        <c:crossAx val="582806352"/>
         <c:crosses val="autoZero"/>
         <c:crossBetween val="between"/>
       </c:valAx>
@@ -1392,7 +1411,6 @@
     </c:plotArea>
     <c:legend>
       <c:legendPos val="b"/>
-      <c:layout/>
       <c:overlay val="0"/>
       <c:spPr>
         <a:noFill/>
@@ -6598,45 +6616,45 @@
     </dgm:pt>
   </dgm:ptLst>
   <dgm:cxnLst>
-    <dgm:cxn modelId="{32D9F149-C2A1-4DD8-A69C-877BCA8D5EDD}" type="presOf" srcId="{FAAD98B4-2CE9-4214-8BB6-F03CEEE572FF}" destId="{38CD6BD6-D3E2-4B97-8665-48065905F491}" srcOrd="1" destOrd="2" presId="urn:microsoft.com/office/officeart/2005/8/layout/cycle4"/>
+    <dgm:cxn modelId="{6380C4C7-4EBB-43A2-9301-54A5C9841434}" type="presOf" srcId="{FAAD98B4-2CE9-4214-8BB6-F03CEEE572FF}" destId="{4D58B8E3-ABF3-466F-BE72-A1334046C3F4}" srcOrd="0" destOrd="2" presId="urn:microsoft.com/office/officeart/2005/8/layout/cycle4"/>
+    <dgm:cxn modelId="{5900A8BD-7DF5-411F-BDC8-2899BCECAF71}" type="presOf" srcId="{2BFBAB07-2C4C-4FAB-9052-FFD3F4A28A9E}" destId="{C05EAFFC-2644-44E2-967D-B53235C71A38}" srcOrd="1" destOrd="1" presId="urn:microsoft.com/office/officeart/2005/8/layout/cycle4"/>
+    <dgm:cxn modelId="{9BF38558-2481-46D5-AB3E-FC48BBE62666}" srcId="{F9BE74C9-EC7E-4268-8C5A-882B3EFFF8FD}" destId="{E5ACC793-F455-4177-B2A7-6FC33C9C1025}" srcOrd="3" destOrd="0" parTransId="{F3D91DD1-F12E-4C5D-82CF-86CF95B338AA}" sibTransId="{0E3913D7-3C7B-49AF-9134-A90315714B9E}"/>
+    <dgm:cxn modelId="{7F659E51-2E2F-40FF-9479-2FD7E732DF62}" type="presOf" srcId="{2D6962E4-72B9-4B1E-B258-246893A88E0D}" destId="{60DA8870-9857-4057-BC91-DD9B798F041F}" srcOrd="0" destOrd="0" presId="urn:microsoft.com/office/officeart/2005/8/layout/cycle4"/>
+    <dgm:cxn modelId="{9991E351-28AB-47A6-8963-A9D299DB8675}" type="presOf" srcId="{989E09AB-A343-466C-BC14-C765FC9A1DD7}" destId="{4D58B8E3-ABF3-466F-BE72-A1334046C3F4}" srcOrd="0" destOrd="1" presId="urn:microsoft.com/office/officeart/2005/8/layout/cycle4"/>
+    <dgm:cxn modelId="{CB0B1B1A-10F9-41F1-A66F-C247C25FE7E2}" type="presOf" srcId="{618CC25E-9050-4FB6-9F11-CAFC660578FC}" destId="{382DE9F5-C159-437A-AA3E-CE93A76C5FDC}" srcOrd="0" destOrd="0" presId="urn:microsoft.com/office/officeart/2005/8/layout/cycle4"/>
     <dgm:cxn modelId="{32486DDC-2E79-4178-8461-4BC45C795BB2}" srcId="{01A583E1-6537-45F8-AE09-C85491C9FC1D}" destId="{F9BE74C9-EC7E-4268-8C5A-882B3EFFF8FD}" srcOrd="3" destOrd="0" parTransId="{EA0E44FE-C617-463A-B76E-A9DC58753A03}" sibTransId="{0967E1B8-BCB6-4EBC-AE86-D9382359FC3F}"/>
-    <dgm:cxn modelId="{CB0B1B1A-10F9-41F1-A66F-C247C25FE7E2}" type="presOf" srcId="{618CC25E-9050-4FB6-9F11-CAFC660578FC}" destId="{382DE9F5-C159-437A-AA3E-CE93A76C5FDC}" srcOrd="0" destOrd="0" presId="urn:microsoft.com/office/officeart/2005/8/layout/cycle4"/>
-    <dgm:cxn modelId="{6F2C1348-DD44-4E86-9478-89C1CF069569}" srcId="{01A583E1-6537-45F8-AE09-C85491C9FC1D}" destId="{2BBE2155-4658-4D02-8319-6DF4106EA8CC}" srcOrd="1" destOrd="0" parTransId="{3724DD7C-05CC-4DEB-8DAD-8B592C981C96}" sibTransId="{632890C8-ECA2-44D8-9A94-863A64665BBC}"/>
+    <dgm:cxn modelId="{EDDAA38D-6E30-4543-B0F1-EAA9A6A477C7}" srcId="{01A583E1-6537-45F8-AE09-C85491C9FC1D}" destId="{2D6962E4-72B9-4B1E-B258-246893A88E0D}" srcOrd="0" destOrd="0" parTransId="{5502C073-0884-4CFE-A849-62990833CEE5}" sibTransId="{0E9043AA-3D92-4FE3-8FA8-E174F20EB8FF}"/>
+    <dgm:cxn modelId="{DE7E25E1-0419-411E-8CE9-67B65CD394AF}" type="presOf" srcId="{7095E70B-7EFB-4733-BA44-C4BB0599979F}" destId="{38CD6BD6-D3E2-4B97-8665-48065905F491}" srcOrd="1" destOrd="3" presId="urn:microsoft.com/office/officeart/2005/8/layout/cycle4"/>
+    <dgm:cxn modelId="{0867E0A3-B749-4FC7-AFD8-611582642A56}" srcId="{5BCD62D5-23CD-4A5A-A476-269CE76914DC}" destId="{618CC25E-9050-4FB6-9F11-CAFC660578FC}" srcOrd="0" destOrd="0" parTransId="{892FDF72-278A-4E94-A52C-C9A43137F613}" sibTransId="{E48127D6-89B0-4F87-A1F9-517011A96A5B}"/>
+    <dgm:cxn modelId="{EDA00CFB-CF50-47D2-9DB9-9D5DE58CAD7E}" srcId="{2D6962E4-72B9-4B1E-B258-246893A88E0D}" destId="{989E09AB-A343-466C-BC14-C765FC9A1DD7}" srcOrd="1" destOrd="0" parTransId="{288B4C8E-3DA7-4373-926B-0E2EBA929F32}" sibTransId="{FB5D77EC-83C1-4323-ACE4-4842959B2E06}"/>
+    <dgm:cxn modelId="{5474BC8E-7785-4D13-A4F3-61EF990ED269}" type="presOf" srcId="{F8507812-6291-4C9B-AA0B-B8AF3A68427D}" destId="{22A0A0BC-6367-462E-93A8-CA8C46FCDCA0}" srcOrd="0" destOrd="2" presId="urn:microsoft.com/office/officeart/2005/8/layout/cycle4"/>
+    <dgm:cxn modelId="{41218EDB-BD90-4410-89D0-F42795B77442}" type="presOf" srcId="{F9BE74C9-EC7E-4268-8C5A-882B3EFFF8FD}" destId="{809A40DB-630A-4CA0-804D-1A67767C019F}" srcOrd="0" destOrd="0" presId="urn:microsoft.com/office/officeart/2005/8/layout/cycle4"/>
+    <dgm:cxn modelId="{7647034C-6B12-4E3A-BEA0-6005F318DA9E}" type="presOf" srcId="{490168AD-E14E-4940-8CC2-7C35F66AB41B}" destId="{BD656469-D70B-4710-B138-3ED38F1BD8E1}" srcOrd="1" destOrd="0" presId="urn:microsoft.com/office/officeart/2005/8/layout/cycle4"/>
+    <dgm:cxn modelId="{C729B709-07FE-42F4-AAEB-B07A501F7CBF}" type="presOf" srcId="{2BBE2155-4658-4D02-8319-6DF4106EA8CC}" destId="{147178AE-0CD4-4FA3-A352-95F7DEF02040}" srcOrd="0" destOrd="0" presId="urn:microsoft.com/office/officeart/2005/8/layout/cycle4"/>
+    <dgm:cxn modelId="{E4D73487-C5B1-4EB2-AF38-71DF0EBFDB67}" type="presOf" srcId="{7095E70B-7EFB-4733-BA44-C4BB0599979F}" destId="{4D58B8E3-ABF3-466F-BE72-A1334046C3F4}" srcOrd="0" destOrd="3" presId="urn:microsoft.com/office/officeart/2005/8/layout/cycle4"/>
+    <dgm:cxn modelId="{4665B531-CE39-4D8D-9C92-1B0A97DBEF06}" srcId="{2BBE2155-4658-4D02-8319-6DF4106EA8CC}" destId="{490168AD-E14E-4940-8CC2-7C35F66AB41B}" srcOrd="0" destOrd="0" parTransId="{F8E86141-CA5C-4FD7-B090-BDC097EE9ED9}" sibTransId="{409F351B-3747-4E3C-89C6-F2C76F7C931A}"/>
+    <dgm:cxn modelId="{1695E917-4CB0-460A-9E6B-4DF46E74DE66}" type="presOf" srcId="{490168AD-E14E-4940-8CC2-7C35F66AB41B}" destId="{53094224-E102-4C09-9604-A3E90CFD0EB5}" srcOrd="0" destOrd="0" presId="urn:microsoft.com/office/officeart/2005/8/layout/cycle4"/>
+    <dgm:cxn modelId="{DCB35549-6653-457E-A1A3-3F1DB9F48EB2}" srcId="{F9BE74C9-EC7E-4268-8C5A-882B3EFFF8FD}" destId="{F8507812-6291-4C9B-AA0B-B8AF3A68427D}" srcOrd="2" destOrd="0" parTransId="{4F2F02B6-C766-433A-873A-91091688269D}" sibTransId="{380A3AC5-BB38-4979-8AA3-011E077F4CA2}"/>
+    <dgm:cxn modelId="{784002D3-341F-4DF0-9345-0B1634589798}" type="presOf" srcId="{2B41BF75-F5C8-4255-892F-6328E5A9E688}" destId="{38CD6BD6-D3E2-4B97-8665-48065905F491}" srcOrd="1" destOrd="0" presId="urn:microsoft.com/office/officeart/2005/8/layout/cycle4"/>
     <dgm:cxn modelId="{00B4959F-898B-4380-9C95-B6E29A75A95C}" type="presOf" srcId="{618CC25E-9050-4FB6-9F11-CAFC660578FC}" destId="{7BE406E3-09FD-43B4-AAF9-51FAB58146A3}" srcOrd="1" destOrd="0" presId="urn:microsoft.com/office/officeart/2005/8/layout/cycle4"/>
-    <dgm:cxn modelId="{02D76481-2E62-4BA9-9F42-AE33CB3B6F3E}" type="presOf" srcId="{E5ACC793-F455-4177-B2A7-6FC33C9C1025}" destId="{C05EAFFC-2644-44E2-967D-B53235C71A38}" srcOrd="1" destOrd="3" presId="urn:microsoft.com/office/officeart/2005/8/layout/cycle4"/>
-    <dgm:cxn modelId="{5900A8BD-7DF5-411F-BDC8-2899BCECAF71}" type="presOf" srcId="{2BFBAB07-2C4C-4FAB-9052-FFD3F4A28A9E}" destId="{C05EAFFC-2644-44E2-967D-B53235C71A38}" srcOrd="1" destOrd="1" presId="urn:microsoft.com/office/officeart/2005/8/layout/cycle4"/>
-    <dgm:cxn modelId="{EDA00CFB-CF50-47D2-9DB9-9D5DE58CAD7E}" srcId="{2D6962E4-72B9-4B1E-B258-246893A88E0D}" destId="{989E09AB-A343-466C-BC14-C765FC9A1DD7}" srcOrd="1" destOrd="0" parTransId="{288B4C8E-3DA7-4373-926B-0E2EBA929F32}" sibTransId="{FB5D77EC-83C1-4323-ACE4-4842959B2E06}"/>
-    <dgm:cxn modelId="{F41F6067-9583-4D97-9E45-7AAACB397DC1}" srcId="{01A583E1-6537-45F8-AE09-C85491C9FC1D}" destId="{5BCD62D5-23CD-4A5A-A476-269CE76914DC}" srcOrd="2" destOrd="0" parTransId="{C274F423-C9C0-423A-80FB-84C18F1C3BA8}" sibTransId="{6CCF063A-E379-49B3-9CC0-57BB9F2B8432}"/>
-    <dgm:cxn modelId="{67308CEA-9FD1-426E-BDAA-B330570BC27C}" type="presOf" srcId="{23580231-228D-4259-948C-ECAED9FB6BBD}" destId="{22A0A0BC-6367-462E-93A8-CA8C46FCDCA0}" srcOrd="0" destOrd="0" presId="urn:microsoft.com/office/officeart/2005/8/layout/cycle4"/>
-    <dgm:cxn modelId="{DE7E25E1-0419-411E-8CE9-67B65CD394AF}" type="presOf" srcId="{7095E70B-7EFB-4733-BA44-C4BB0599979F}" destId="{38CD6BD6-D3E2-4B97-8665-48065905F491}" srcOrd="1" destOrd="3" presId="urn:microsoft.com/office/officeart/2005/8/layout/cycle4"/>
-    <dgm:cxn modelId="{C729B709-07FE-42F4-AAEB-B07A501F7CBF}" type="presOf" srcId="{2BBE2155-4658-4D02-8319-6DF4106EA8CC}" destId="{147178AE-0CD4-4FA3-A352-95F7DEF02040}" srcOrd="0" destOrd="0" presId="urn:microsoft.com/office/officeart/2005/8/layout/cycle4"/>
+    <dgm:cxn modelId="{5BB7FEFC-FF0F-40F9-85B4-B338B4BD98A3}" srcId="{F9BE74C9-EC7E-4268-8C5A-882B3EFFF8FD}" destId="{23580231-228D-4259-948C-ECAED9FB6BBD}" srcOrd="0" destOrd="0" parTransId="{CB1BEA55-1E25-49B4-8245-B386B1EBDAB7}" sibTransId="{EF2DA803-88D8-4CC3-A191-D63C166FB7FF}"/>
+    <dgm:cxn modelId="{9BAD8EFF-9B32-4433-B605-9BFDB094AF74}" type="presOf" srcId="{989E09AB-A343-466C-BC14-C765FC9A1DD7}" destId="{38CD6BD6-D3E2-4B97-8665-48065905F491}" srcOrd="1" destOrd="1" presId="urn:microsoft.com/office/officeart/2005/8/layout/cycle4"/>
     <dgm:cxn modelId="{25B6265F-DE51-4D72-88A4-F99F10356E86}" srcId="{F9BE74C9-EC7E-4268-8C5A-882B3EFFF8FD}" destId="{2BFBAB07-2C4C-4FAB-9052-FFD3F4A28A9E}" srcOrd="1" destOrd="0" parTransId="{40C55B56-8FA6-4369-9144-9E433D309CBB}" sibTransId="{7A024E95-77FA-4074-8271-31A91DA4713B}"/>
-    <dgm:cxn modelId="{7647034C-6B12-4E3A-BEA0-6005F318DA9E}" type="presOf" srcId="{490168AD-E14E-4940-8CC2-7C35F66AB41B}" destId="{BD656469-D70B-4710-B138-3ED38F1BD8E1}" srcOrd="1" destOrd="0" presId="urn:microsoft.com/office/officeart/2005/8/layout/cycle4"/>
+    <dgm:cxn modelId="{1C4B7B5B-5A26-4FB7-B7A4-76D489C60865}" srcId="{2D6962E4-72B9-4B1E-B258-246893A88E0D}" destId="{FAAD98B4-2CE9-4214-8BB6-F03CEEE572FF}" srcOrd="2" destOrd="0" parTransId="{54D2E552-AFA4-449B-855C-8D07B27E44E2}" sibTransId="{CBB1F48E-041C-465A-B96F-A59A0B7362A5}"/>
     <dgm:cxn modelId="{4EB1F7F9-51B7-4A9C-B2E8-B495495CB616}" type="presOf" srcId="{2BFBAB07-2C4C-4FAB-9052-FFD3F4A28A9E}" destId="{22A0A0BC-6367-462E-93A8-CA8C46FCDCA0}" srcOrd="0" destOrd="1" presId="urn:microsoft.com/office/officeart/2005/8/layout/cycle4"/>
     <dgm:cxn modelId="{5B1285C2-C638-4E1D-9B5F-9E11AB797450}" type="presOf" srcId="{E5ACC793-F455-4177-B2A7-6FC33C9C1025}" destId="{22A0A0BC-6367-462E-93A8-CA8C46FCDCA0}" srcOrd="0" destOrd="3" presId="urn:microsoft.com/office/officeart/2005/8/layout/cycle4"/>
-    <dgm:cxn modelId="{5474BC8E-7785-4D13-A4F3-61EF990ED269}" type="presOf" srcId="{F8507812-6291-4C9B-AA0B-B8AF3A68427D}" destId="{22A0A0BC-6367-462E-93A8-CA8C46FCDCA0}" srcOrd="0" destOrd="2" presId="urn:microsoft.com/office/officeart/2005/8/layout/cycle4"/>
+    <dgm:cxn modelId="{32D9F149-C2A1-4DD8-A69C-877BCA8D5EDD}" type="presOf" srcId="{FAAD98B4-2CE9-4214-8BB6-F03CEEE572FF}" destId="{38CD6BD6-D3E2-4B97-8665-48065905F491}" srcOrd="1" destOrd="2" presId="urn:microsoft.com/office/officeart/2005/8/layout/cycle4"/>
+    <dgm:cxn modelId="{3C16332A-B919-432D-BF91-AC79BAB354ED}" type="presOf" srcId="{01A583E1-6537-45F8-AE09-C85491C9FC1D}" destId="{9D4C7C9D-7ED1-464F-941B-21AB88CE8789}" srcOrd="0" destOrd="0" presId="urn:microsoft.com/office/officeart/2005/8/layout/cycle4"/>
+    <dgm:cxn modelId="{67308CEA-9FD1-426E-BDAA-B330570BC27C}" type="presOf" srcId="{23580231-228D-4259-948C-ECAED9FB6BBD}" destId="{22A0A0BC-6367-462E-93A8-CA8C46FCDCA0}" srcOrd="0" destOrd="0" presId="urn:microsoft.com/office/officeart/2005/8/layout/cycle4"/>
+    <dgm:cxn modelId="{06428E54-26A5-4289-B287-166FC667611C}" type="presOf" srcId="{23580231-228D-4259-948C-ECAED9FB6BBD}" destId="{C05EAFFC-2644-44E2-967D-B53235C71A38}" srcOrd="1" destOrd="0" presId="urn:microsoft.com/office/officeart/2005/8/layout/cycle4"/>
+    <dgm:cxn modelId="{4E151F0E-C99E-4BF4-81BC-837B231CBF92}" type="presOf" srcId="{2B41BF75-F5C8-4255-892F-6328E5A9E688}" destId="{4D58B8E3-ABF3-466F-BE72-A1334046C3F4}" srcOrd="0" destOrd="0" presId="urn:microsoft.com/office/officeart/2005/8/layout/cycle4"/>
+    <dgm:cxn modelId="{02D76481-2E62-4BA9-9F42-AE33CB3B6F3E}" type="presOf" srcId="{E5ACC793-F455-4177-B2A7-6FC33C9C1025}" destId="{C05EAFFC-2644-44E2-967D-B53235C71A38}" srcOrd="1" destOrd="3" presId="urn:microsoft.com/office/officeart/2005/8/layout/cycle4"/>
+    <dgm:cxn modelId="{F41F6067-9583-4D97-9E45-7AAACB397DC1}" srcId="{01A583E1-6537-45F8-AE09-C85491C9FC1D}" destId="{5BCD62D5-23CD-4A5A-A476-269CE76914DC}" srcOrd="2" destOrd="0" parTransId="{C274F423-C9C0-423A-80FB-84C18F1C3BA8}" sibTransId="{6CCF063A-E379-49B3-9CC0-57BB9F2B8432}"/>
+    <dgm:cxn modelId="{B55F96D7-8D63-46D6-833C-7BB32A8BF044}" type="presOf" srcId="{F8507812-6291-4C9B-AA0B-B8AF3A68427D}" destId="{C05EAFFC-2644-44E2-967D-B53235C71A38}" srcOrd="1" destOrd="2" presId="urn:microsoft.com/office/officeart/2005/8/layout/cycle4"/>
     <dgm:cxn modelId="{C1CC8C5E-8C3B-4002-B283-DDF651B9C2DF}" srcId="{2D6962E4-72B9-4B1E-B258-246893A88E0D}" destId="{7095E70B-7EFB-4733-BA44-C4BB0599979F}" srcOrd="3" destOrd="0" parTransId="{64A1E298-33AE-4CD3-B3E0-AF77857653AE}" sibTransId="{BBF2356D-3C61-41D3-A629-D15BD788173A}"/>
-    <dgm:cxn modelId="{3C16332A-B919-432D-BF91-AC79BAB354ED}" type="presOf" srcId="{01A583E1-6537-45F8-AE09-C85491C9FC1D}" destId="{9D4C7C9D-7ED1-464F-941B-21AB88CE8789}" srcOrd="0" destOrd="0" presId="urn:microsoft.com/office/officeart/2005/8/layout/cycle4"/>
-    <dgm:cxn modelId="{5BB7FEFC-FF0F-40F9-85B4-B338B4BD98A3}" srcId="{F9BE74C9-EC7E-4268-8C5A-882B3EFFF8FD}" destId="{23580231-228D-4259-948C-ECAED9FB6BBD}" srcOrd="0" destOrd="0" parTransId="{CB1BEA55-1E25-49B4-8245-B386B1EBDAB7}" sibTransId="{EF2DA803-88D8-4CC3-A191-D63C166FB7FF}"/>
+    <dgm:cxn modelId="{6F2C1348-DD44-4E86-9478-89C1CF069569}" srcId="{01A583E1-6537-45F8-AE09-C85491C9FC1D}" destId="{2BBE2155-4658-4D02-8319-6DF4106EA8CC}" srcOrd="1" destOrd="0" parTransId="{3724DD7C-05CC-4DEB-8DAD-8B592C981C96}" sibTransId="{632890C8-ECA2-44D8-9A94-863A64665BBC}"/>
     <dgm:cxn modelId="{959C0A07-B487-44FF-9CEB-B0B891D005B6}" type="presOf" srcId="{5BCD62D5-23CD-4A5A-A476-269CE76914DC}" destId="{43A2BA3D-20D2-4E5D-9CD2-B6EE3F312A3B}" srcOrd="0" destOrd="0" presId="urn:microsoft.com/office/officeart/2005/8/layout/cycle4"/>
-    <dgm:cxn modelId="{9BAD8EFF-9B32-4433-B605-9BFDB094AF74}" type="presOf" srcId="{989E09AB-A343-466C-BC14-C765FC9A1DD7}" destId="{38CD6BD6-D3E2-4B97-8665-48065905F491}" srcOrd="1" destOrd="1" presId="urn:microsoft.com/office/officeart/2005/8/layout/cycle4"/>
-    <dgm:cxn modelId="{EDDAA38D-6E30-4543-B0F1-EAA9A6A477C7}" srcId="{01A583E1-6537-45F8-AE09-C85491C9FC1D}" destId="{2D6962E4-72B9-4B1E-B258-246893A88E0D}" srcOrd="0" destOrd="0" parTransId="{5502C073-0884-4CFE-A849-62990833CEE5}" sibTransId="{0E9043AA-3D92-4FE3-8FA8-E174F20EB8FF}"/>
-    <dgm:cxn modelId="{4E151F0E-C99E-4BF4-81BC-837B231CBF92}" type="presOf" srcId="{2B41BF75-F5C8-4255-892F-6328E5A9E688}" destId="{4D58B8E3-ABF3-466F-BE72-A1334046C3F4}" srcOrd="0" destOrd="0" presId="urn:microsoft.com/office/officeart/2005/8/layout/cycle4"/>
-    <dgm:cxn modelId="{41218EDB-BD90-4410-89D0-F42795B77442}" type="presOf" srcId="{F9BE74C9-EC7E-4268-8C5A-882B3EFFF8FD}" destId="{809A40DB-630A-4CA0-804D-1A67767C019F}" srcOrd="0" destOrd="0" presId="urn:microsoft.com/office/officeart/2005/8/layout/cycle4"/>
-    <dgm:cxn modelId="{9BF38558-2481-46D5-AB3E-FC48BBE62666}" srcId="{F9BE74C9-EC7E-4268-8C5A-882B3EFFF8FD}" destId="{E5ACC793-F455-4177-B2A7-6FC33C9C1025}" srcOrd="3" destOrd="0" parTransId="{F3D91DD1-F12E-4C5D-82CF-86CF95B338AA}" sibTransId="{0E3913D7-3C7B-49AF-9134-A90315714B9E}"/>
-    <dgm:cxn modelId="{1695E917-4CB0-460A-9E6B-4DF46E74DE66}" type="presOf" srcId="{490168AD-E14E-4940-8CC2-7C35F66AB41B}" destId="{53094224-E102-4C09-9604-A3E90CFD0EB5}" srcOrd="0" destOrd="0" presId="urn:microsoft.com/office/officeart/2005/8/layout/cycle4"/>
-    <dgm:cxn modelId="{E4D73487-C5B1-4EB2-AF38-71DF0EBFDB67}" type="presOf" srcId="{7095E70B-7EFB-4733-BA44-C4BB0599979F}" destId="{4D58B8E3-ABF3-466F-BE72-A1334046C3F4}" srcOrd="0" destOrd="3" presId="urn:microsoft.com/office/officeart/2005/8/layout/cycle4"/>
-    <dgm:cxn modelId="{9991E351-28AB-47A6-8963-A9D299DB8675}" type="presOf" srcId="{989E09AB-A343-466C-BC14-C765FC9A1DD7}" destId="{4D58B8E3-ABF3-466F-BE72-A1334046C3F4}" srcOrd="0" destOrd="1" presId="urn:microsoft.com/office/officeart/2005/8/layout/cycle4"/>
-    <dgm:cxn modelId="{B55F96D7-8D63-46D6-833C-7BB32A8BF044}" type="presOf" srcId="{F8507812-6291-4C9B-AA0B-B8AF3A68427D}" destId="{C05EAFFC-2644-44E2-967D-B53235C71A38}" srcOrd="1" destOrd="2" presId="urn:microsoft.com/office/officeart/2005/8/layout/cycle4"/>
-    <dgm:cxn modelId="{4665B531-CE39-4D8D-9C92-1B0A97DBEF06}" srcId="{2BBE2155-4658-4D02-8319-6DF4106EA8CC}" destId="{490168AD-E14E-4940-8CC2-7C35F66AB41B}" srcOrd="0" destOrd="0" parTransId="{F8E86141-CA5C-4FD7-B090-BDC097EE9ED9}" sibTransId="{409F351B-3747-4E3C-89C6-F2C76F7C931A}"/>
     <dgm:cxn modelId="{2D68FBB9-2A3F-4DFB-9547-97148AD147B2}" srcId="{2D6962E4-72B9-4B1E-B258-246893A88E0D}" destId="{2B41BF75-F5C8-4255-892F-6328E5A9E688}" srcOrd="0" destOrd="0" parTransId="{36024776-6205-43C6-9331-B14C4C951E90}" sibTransId="{30E8B699-48A6-4778-A200-BCC2B91FEAE2}"/>
-    <dgm:cxn modelId="{6380C4C7-4EBB-43A2-9301-54A5C9841434}" type="presOf" srcId="{FAAD98B4-2CE9-4214-8BB6-F03CEEE572FF}" destId="{4D58B8E3-ABF3-466F-BE72-A1334046C3F4}" srcOrd="0" destOrd="2" presId="urn:microsoft.com/office/officeart/2005/8/layout/cycle4"/>
-    <dgm:cxn modelId="{DCB35549-6653-457E-A1A3-3F1DB9F48EB2}" srcId="{F9BE74C9-EC7E-4268-8C5A-882B3EFFF8FD}" destId="{F8507812-6291-4C9B-AA0B-B8AF3A68427D}" srcOrd="2" destOrd="0" parTransId="{4F2F02B6-C766-433A-873A-91091688269D}" sibTransId="{380A3AC5-BB38-4979-8AA3-011E077F4CA2}"/>
-    <dgm:cxn modelId="{1C4B7B5B-5A26-4FB7-B7A4-76D489C60865}" srcId="{2D6962E4-72B9-4B1E-B258-246893A88E0D}" destId="{FAAD98B4-2CE9-4214-8BB6-F03CEEE572FF}" srcOrd="2" destOrd="0" parTransId="{54D2E552-AFA4-449B-855C-8D07B27E44E2}" sibTransId="{CBB1F48E-041C-465A-B96F-A59A0B7362A5}"/>
-    <dgm:cxn modelId="{7F659E51-2E2F-40FF-9479-2FD7E732DF62}" type="presOf" srcId="{2D6962E4-72B9-4B1E-B258-246893A88E0D}" destId="{60DA8870-9857-4057-BC91-DD9B798F041F}" srcOrd="0" destOrd="0" presId="urn:microsoft.com/office/officeart/2005/8/layout/cycle4"/>
-    <dgm:cxn modelId="{0867E0A3-B749-4FC7-AFD8-611582642A56}" srcId="{5BCD62D5-23CD-4A5A-A476-269CE76914DC}" destId="{618CC25E-9050-4FB6-9F11-CAFC660578FC}" srcOrd="0" destOrd="0" parTransId="{892FDF72-278A-4E94-A52C-C9A43137F613}" sibTransId="{E48127D6-89B0-4F87-A1F9-517011A96A5B}"/>
-    <dgm:cxn modelId="{06428E54-26A5-4289-B287-166FC667611C}" type="presOf" srcId="{23580231-228D-4259-948C-ECAED9FB6BBD}" destId="{C05EAFFC-2644-44E2-967D-B53235C71A38}" srcOrd="1" destOrd="0" presId="urn:microsoft.com/office/officeart/2005/8/layout/cycle4"/>
-    <dgm:cxn modelId="{784002D3-341F-4DF0-9345-0B1634589798}" type="presOf" srcId="{2B41BF75-F5C8-4255-892F-6328E5A9E688}" destId="{38CD6BD6-D3E2-4B97-8665-48065905F491}" srcOrd="1" destOrd="0" presId="urn:microsoft.com/office/officeart/2005/8/layout/cycle4"/>
     <dgm:cxn modelId="{6CB06391-8FCA-448A-8A60-52478AAD6079}" type="presParOf" srcId="{9D4C7C9D-7ED1-464F-941B-21AB88CE8789}" destId="{498B1DD5-D2B2-4A70-BAF8-2672572231DA}" srcOrd="0" destOrd="0" presId="urn:microsoft.com/office/officeart/2005/8/layout/cycle4"/>
     <dgm:cxn modelId="{679C53C4-692C-4A8B-8F09-403299CC720A}" type="presParOf" srcId="{498B1DD5-D2B2-4A70-BAF8-2672572231DA}" destId="{D2CA330A-D99A-4389-8F73-7FE17A382E6E}" srcOrd="0" destOrd="0" presId="urn:microsoft.com/office/officeart/2005/8/layout/cycle4"/>
     <dgm:cxn modelId="{0B328022-04B0-4938-A986-5A44F6E51B41}" type="presParOf" srcId="{D2CA330A-D99A-4389-8F73-7FE17A382E6E}" destId="{4D58B8E3-ABF3-466F-BE72-A1334046C3F4}" srcOrd="0" destOrd="0" presId="urn:microsoft.com/office/officeart/2005/8/layout/cycle4"/>
@@ -7966,406 +7984,6 @@
       <dsp:cNvGrpSpPr/>
     </dsp:nvGrpSpPr>
     <dsp:grpSpPr/>
-    <dsp:sp modelId="{881B8FEC-9D20-4669-BB2E-FA9CEA0BE5A9}">
-      <dsp:nvSpPr>
-        <dsp:cNvPr id="0" name=""/>
-        <dsp:cNvSpPr/>
-      </dsp:nvSpPr>
-      <dsp:spPr>
-        <a:xfrm>
-          <a:off x="4877" y="1607785"/>
-          <a:ext cx="2839417" cy="1135766"/>
-        </a:xfrm>
-        <a:prstGeom prst="chevron">
-          <a:avLst/>
-        </a:prstGeom>
-        <a:gradFill rotWithShape="0">
-          <a:gsLst>
-            <a:gs pos="0">
-              <a:schemeClr val="accent2">
-                <a:hueOff val="0"/>
-                <a:satOff val="0"/>
-                <a:lumOff val="0"/>
-                <a:alphaOff val="0"/>
-                <a:satMod val="103000"/>
-                <a:lumMod val="102000"/>
-                <a:tint val="94000"/>
-              </a:schemeClr>
-            </a:gs>
-            <a:gs pos="50000">
-              <a:schemeClr val="accent2">
-                <a:hueOff val="0"/>
-                <a:satOff val="0"/>
-                <a:lumOff val="0"/>
-                <a:alphaOff val="0"/>
-                <a:satMod val="110000"/>
-                <a:lumMod val="100000"/>
-                <a:shade val="100000"/>
-              </a:schemeClr>
-            </a:gs>
-            <a:gs pos="100000">
-              <a:schemeClr val="accent2">
-                <a:hueOff val="0"/>
-                <a:satOff val="0"/>
-                <a:lumOff val="0"/>
-                <a:alphaOff val="0"/>
-                <a:lumMod val="99000"/>
-                <a:satMod val="120000"/>
-                <a:shade val="78000"/>
-              </a:schemeClr>
-            </a:gs>
-          </a:gsLst>
-          <a:lin ang="5400000" scaled="0"/>
-        </a:gradFill>
-        <a:ln>
-          <a:noFill/>
-        </a:ln>
-        <a:effectLst/>
-      </dsp:spPr>
-      <dsp:style>
-        <a:lnRef idx="0">
-          <a:scrgbClr r="0" g="0" b="0"/>
-        </a:lnRef>
-        <a:fillRef idx="3">
-          <a:scrgbClr r="0" g="0" b="0"/>
-        </a:fillRef>
-        <a:effectRef idx="2">
-          <a:scrgbClr r="0" g="0" b="0"/>
-        </a:effectRef>
-        <a:fontRef idx="minor">
-          <a:schemeClr val="lt1"/>
-        </a:fontRef>
-      </dsp:style>
-      <dsp:txBody>
-        <a:bodyPr spcFirstLastPara="0" vert="horz" wrap="square" lIns="104013" tIns="34671" rIns="34671" bIns="34671" numCol="1" spcCol="1270" anchor="ctr" anchorCtr="0">
-          <a:noAutofit/>
-        </a:bodyPr>
-        <a:lstStyle/>
-        <a:p>
-          <a:pPr lvl="0" algn="ctr" defTabSz="1155700">
-            <a:lnSpc>
-              <a:spcPct val="90000"/>
-            </a:lnSpc>
-            <a:spcBef>
-              <a:spcPct val="0"/>
-            </a:spcBef>
-            <a:spcAft>
-              <a:spcPct val="35000"/>
-            </a:spcAft>
-          </a:pPr>
-          <a:r>
-            <a:rPr lang="en-US" sz="2600" b="0" i="0" kern="1200">
-              <a:latin typeface="Book Antiqua"/>
-            </a:rPr>
-            <a:t>Шаг 1. Заголовок</a:t>
-          </a:r>
-        </a:p>
-      </dsp:txBody>
-      <dsp:txXfrm>
-        <a:off x="572760" y="1607785"/>
-        <a:ext cx="1703651" cy="1135766"/>
-      </dsp:txXfrm>
-    </dsp:sp>
-    <dsp:sp modelId="{919A589F-F74A-40C3-BE88-AB8730BCAB04}">
-      <dsp:nvSpPr>
-        <dsp:cNvPr id="0" name=""/>
-        <dsp:cNvSpPr/>
-      </dsp:nvSpPr>
-      <dsp:spPr>
-        <a:xfrm>
-          <a:off x="2560353" y="1607785"/>
-          <a:ext cx="2839417" cy="1135766"/>
-        </a:xfrm>
-        <a:prstGeom prst="chevron">
-          <a:avLst/>
-        </a:prstGeom>
-        <a:gradFill rotWithShape="0">
-          <a:gsLst>
-            <a:gs pos="0">
-              <a:schemeClr val="accent3">
-                <a:hueOff val="0"/>
-                <a:satOff val="0"/>
-                <a:lumOff val="0"/>
-                <a:alphaOff val="0"/>
-                <a:satMod val="103000"/>
-                <a:lumMod val="102000"/>
-                <a:tint val="94000"/>
-              </a:schemeClr>
-            </a:gs>
-            <a:gs pos="50000">
-              <a:schemeClr val="accent3">
-                <a:hueOff val="0"/>
-                <a:satOff val="0"/>
-                <a:lumOff val="0"/>
-                <a:alphaOff val="0"/>
-                <a:satMod val="110000"/>
-                <a:lumMod val="100000"/>
-                <a:shade val="100000"/>
-              </a:schemeClr>
-            </a:gs>
-            <a:gs pos="100000">
-              <a:schemeClr val="accent3">
-                <a:hueOff val="0"/>
-                <a:satOff val="0"/>
-                <a:lumOff val="0"/>
-                <a:alphaOff val="0"/>
-                <a:lumMod val="99000"/>
-                <a:satMod val="120000"/>
-                <a:shade val="78000"/>
-              </a:schemeClr>
-            </a:gs>
-          </a:gsLst>
-          <a:lin ang="5400000" scaled="0"/>
-        </a:gradFill>
-        <a:ln>
-          <a:noFill/>
-        </a:ln>
-        <a:effectLst/>
-      </dsp:spPr>
-      <dsp:style>
-        <a:lnRef idx="0">
-          <a:scrgbClr r="0" g="0" b="0"/>
-        </a:lnRef>
-        <a:fillRef idx="3">
-          <a:scrgbClr r="0" g="0" b="0"/>
-        </a:fillRef>
-        <a:effectRef idx="2">
-          <a:scrgbClr r="0" g="0" b="0"/>
-        </a:effectRef>
-        <a:fontRef idx="minor">
-          <a:schemeClr val="lt1"/>
-        </a:fontRef>
-      </dsp:style>
-      <dsp:txBody>
-        <a:bodyPr spcFirstLastPara="0" vert="horz" wrap="square" lIns="104013" tIns="34671" rIns="34671" bIns="34671" numCol="1" spcCol="1270" anchor="ctr" anchorCtr="0">
-          <a:noAutofit/>
-        </a:bodyPr>
-        <a:lstStyle/>
-        <a:p>
-          <a:pPr lvl="0" algn="ctr" defTabSz="1155700">
-            <a:lnSpc>
-              <a:spcPct val="90000"/>
-            </a:lnSpc>
-            <a:spcBef>
-              <a:spcPct val="0"/>
-            </a:spcBef>
-            <a:spcAft>
-              <a:spcPct val="35000"/>
-            </a:spcAft>
-          </a:pPr>
-          <a:r>
-            <a:rPr lang="en-US" sz="2600" b="0" i="0" kern="1200">
-              <a:latin typeface="Book Antiqua"/>
-            </a:rPr>
-            <a:t>Шаг 2. Заголовок</a:t>
-          </a:r>
-        </a:p>
-      </dsp:txBody>
-      <dsp:txXfrm>
-        <a:off x="3128236" y="1607785"/>
-        <a:ext cx="1703651" cy="1135766"/>
-      </dsp:txXfrm>
-    </dsp:sp>
-    <dsp:sp modelId="{268F2328-4548-422B-9C65-80797E16B241}">
-      <dsp:nvSpPr>
-        <dsp:cNvPr id="0" name=""/>
-        <dsp:cNvSpPr/>
-      </dsp:nvSpPr>
-      <dsp:spPr>
-        <a:xfrm>
-          <a:off x="5115829" y="1607785"/>
-          <a:ext cx="2839417" cy="1135766"/>
-        </a:xfrm>
-        <a:prstGeom prst="chevron">
-          <a:avLst/>
-        </a:prstGeom>
-        <a:gradFill rotWithShape="0">
-          <a:gsLst>
-            <a:gs pos="0">
-              <a:schemeClr val="accent4">
-                <a:hueOff val="0"/>
-                <a:satOff val="0"/>
-                <a:lumOff val="0"/>
-                <a:alphaOff val="0"/>
-                <a:satMod val="103000"/>
-                <a:lumMod val="102000"/>
-                <a:tint val="94000"/>
-              </a:schemeClr>
-            </a:gs>
-            <a:gs pos="50000">
-              <a:schemeClr val="accent4">
-                <a:hueOff val="0"/>
-                <a:satOff val="0"/>
-                <a:lumOff val="0"/>
-                <a:alphaOff val="0"/>
-                <a:satMod val="110000"/>
-                <a:lumMod val="100000"/>
-                <a:shade val="100000"/>
-              </a:schemeClr>
-            </a:gs>
-            <a:gs pos="100000">
-              <a:schemeClr val="accent4">
-                <a:hueOff val="0"/>
-                <a:satOff val="0"/>
-                <a:lumOff val="0"/>
-                <a:alphaOff val="0"/>
-                <a:lumMod val="99000"/>
-                <a:satMod val="120000"/>
-                <a:shade val="78000"/>
-              </a:schemeClr>
-            </a:gs>
-          </a:gsLst>
-          <a:lin ang="5400000" scaled="0"/>
-        </a:gradFill>
-        <a:ln>
-          <a:noFill/>
-        </a:ln>
-        <a:effectLst/>
-      </dsp:spPr>
-      <dsp:style>
-        <a:lnRef idx="0">
-          <a:scrgbClr r="0" g="0" b="0"/>
-        </a:lnRef>
-        <a:fillRef idx="3">
-          <a:scrgbClr r="0" g="0" b="0"/>
-        </a:fillRef>
-        <a:effectRef idx="2">
-          <a:scrgbClr r="0" g="0" b="0"/>
-        </a:effectRef>
-        <a:fontRef idx="minor">
-          <a:schemeClr val="lt1"/>
-        </a:fontRef>
-      </dsp:style>
-      <dsp:txBody>
-        <a:bodyPr spcFirstLastPara="0" vert="horz" wrap="square" lIns="104013" tIns="34671" rIns="34671" bIns="34671" numCol="1" spcCol="1270" anchor="ctr" anchorCtr="0">
-          <a:noAutofit/>
-        </a:bodyPr>
-        <a:lstStyle/>
-        <a:p>
-          <a:pPr lvl="0" algn="ctr" defTabSz="1155700">
-            <a:lnSpc>
-              <a:spcPct val="90000"/>
-            </a:lnSpc>
-            <a:spcBef>
-              <a:spcPct val="0"/>
-            </a:spcBef>
-            <a:spcAft>
-              <a:spcPct val="35000"/>
-            </a:spcAft>
-          </a:pPr>
-          <a:r>
-            <a:rPr lang="en-US" sz="2600" b="0" i="0" kern="1200">
-              <a:latin typeface="Book Antiqua"/>
-            </a:rPr>
-            <a:t>Шаг 3. Заголовок</a:t>
-          </a:r>
-        </a:p>
-      </dsp:txBody>
-      <dsp:txXfrm>
-        <a:off x="5683712" y="1607785"/>
-        <a:ext cx="1703651" cy="1135766"/>
-      </dsp:txXfrm>
-    </dsp:sp>
-    <dsp:sp modelId="{BDD0B0F7-A87C-4B5B-A4C3-4E4BE6EB0FE4}">
-      <dsp:nvSpPr>
-        <dsp:cNvPr id="0" name=""/>
-        <dsp:cNvSpPr/>
-      </dsp:nvSpPr>
-      <dsp:spPr>
-        <a:xfrm>
-          <a:off x="7671304" y="1607785"/>
-          <a:ext cx="2839417" cy="1135766"/>
-        </a:xfrm>
-        <a:prstGeom prst="chevron">
-          <a:avLst/>
-        </a:prstGeom>
-        <a:gradFill rotWithShape="0">
-          <a:gsLst>
-            <a:gs pos="0">
-              <a:schemeClr val="accent5">
-                <a:hueOff val="0"/>
-                <a:satOff val="0"/>
-                <a:lumOff val="0"/>
-                <a:alphaOff val="0"/>
-                <a:satMod val="103000"/>
-                <a:lumMod val="102000"/>
-                <a:tint val="94000"/>
-              </a:schemeClr>
-            </a:gs>
-            <a:gs pos="50000">
-              <a:schemeClr val="accent5">
-                <a:hueOff val="0"/>
-                <a:satOff val="0"/>
-                <a:lumOff val="0"/>
-                <a:alphaOff val="0"/>
-                <a:satMod val="110000"/>
-                <a:lumMod val="100000"/>
-                <a:shade val="100000"/>
-              </a:schemeClr>
-            </a:gs>
-            <a:gs pos="100000">
-              <a:schemeClr val="accent5">
-                <a:hueOff val="0"/>
-                <a:satOff val="0"/>
-                <a:lumOff val="0"/>
-                <a:alphaOff val="0"/>
-                <a:lumMod val="99000"/>
-                <a:satMod val="120000"/>
-                <a:shade val="78000"/>
-              </a:schemeClr>
-            </a:gs>
-          </a:gsLst>
-          <a:lin ang="5400000" scaled="0"/>
-        </a:gradFill>
-        <a:ln>
-          <a:noFill/>
-        </a:ln>
-        <a:effectLst/>
-      </dsp:spPr>
-      <dsp:style>
-        <a:lnRef idx="0">
-          <a:scrgbClr r="0" g="0" b="0"/>
-        </a:lnRef>
-        <a:fillRef idx="3">
-          <a:scrgbClr r="0" g="0" b="0"/>
-        </a:fillRef>
-        <a:effectRef idx="2">
-          <a:scrgbClr r="0" g="0" b="0"/>
-        </a:effectRef>
-        <a:fontRef idx="minor">
-          <a:schemeClr val="lt1"/>
-        </a:fontRef>
-      </dsp:style>
-      <dsp:txBody>
-        <a:bodyPr spcFirstLastPara="0" vert="horz" wrap="square" lIns="104013" tIns="34671" rIns="34671" bIns="34671" numCol="1" spcCol="1270" anchor="ctr" anchorCtr="0">
-          <a:noAutofit/>
-        </a:bodyPr>
-        <a:lstStyle/>
-        <a:p>
-          <a:pPr lvl="0" algn="ctr" defTabSz="1155700">
-            <a:lnSpc>
-              <a:spcPct val="90000"/>
-            </a:lnSpc>
-            <a:spcBef>
-              <a:spcPct val="0"/>
-            </a:spcBef>
-            <a:spcAft>
-              <a:spcPct val="35000"/>
-            </a:spcAft>
-          </a:pPr>
-          <a:r>
-            <a:rPr lang="en-US" sz="2600" b="0" i="0" kern="1200">
-              <a:latin typeface="Book Antiqua"/>
-            </a:rPr>
-            <a:t>Шаг 4. Заголовок</a:t>
-          </a:r>
-        </a:p>
-      </dsp:txBody>
-      <dsp:txXfrm>
-        <a:off x="8239187" y="1607785"/>
-        <a:ext cx="1703651" cy="1135766"/>
-      </dsp:txXfrm>
-    </dsp:sp>
   </dsp:spTree>
 </dsp:drawing>
 </file>
@@ -13005,7 +12623,7 @@
           <a:p>
             <a:fld id="{D63D5444-F62C-42C3-A75A-D9DBA807730F}" type="datetimeFigureOut">
               <a:rPr lang="ru-RU" smtClean="0"/>
-              <a:t>19.12.2014</a:t>
+              <a:t>20.12.2014</a:t>
             </a:fld>
             <a:endParaRPr lang="ru-RU" dirty="0"/>
           </a:p>
@@ -13170,7 +12788,7 @@
           <a:p>
             <a:fld id="{12CAA1FA-7B6A-47D2-8D61-F225D71B51FF}" type="datetimeFigureOut">
               <a:rPr lang="ru-RU" smtClean="0"/>
-              <a:t>19.12.2014</a:t>
+              <a:t>20.12.2014</a:t>
             </a:fld>
             <a:endParaRPr lang="ru-RU" dirty="0"/>
           </a:p>
@@ -13569,7 +13187,7 @@
           <a:p>
             <a:fld id="{1C04B98F-D1AE-4F73-AF04-F31CDAC8B872}" type="datetimeFigureOut">
               <a:rPr lang="ru-RU" smtClean="0"/>
-              <a:t>19.12.2014</a:t>
+              <a:t>20.12.2014</a:t>
             </a:fld>
             <a:endParaRPr lang="ru-RU"/>
           </a:p>
@@ -13758,7 +13376,7 @@
           <a:p>
             <a:fld id="{A79A3335-6331-4872-A8B7-ECD55539F4D0}" type="datetimeFigureOut">
               <a:rPr lang="ru-RU" smtClean="0"/>
-              <a:t>19.12.2014</a:t>
+              <a:t>20.12.2014</a:t>
             </a:fld>
             <a:endParaRPr lang="ru-RU" dirty="0"/>
           </a:p>
@@ -13957,7 +13575,7 @@
           <a:p>
             <a:fld id="{A79A3335-6331-4872-A8B7-ECD55539F4D0}" type="datetimeFigureOut">
               <a:rPr lang="ru-RU" smtClean="0"/>
-              <a:t>19.12.2014</a:t>
+              <a:t>20.12.2014</a:t>
             </a:fld>
             <a:endParaRPr lang="ru-RU" dirty="0"/>
           </a:p>
@@ -14419,7 +14037,7 @@
           <a:p>
             <a:fld id="{A79A3335-6331-4872-A8B7-ECD55539F4D0}" type="datetimeFigureOut">
               <a:rPr lang="ru-RU" smtClean="0"/>
-              <a:t>19.12.2014</a:t>
+              <a:t>20.12.2014</a:t>
             </a:fld>
             <a:endParaRPr lang="ru-RU" dirty="0"/>
           </a:p>
@@ -14809,7 +14427,7 @@
           <a:p>
             <a:fld id="{A79A3335-6331-4872-A8B7-ECD55539F4D0}" type="datetimeFigureOut">
               <a:rPr lang="ru-RU" smtClean="0"/>
-              <a:t>19.12.2014</a:t>
+              <a:t>20.12.2014</a:t>
             </a:fld>
             <a:endParaRPr lang="ru-RU" dirty="0"/>
           </a:p>
@@ -15074,7 +14692,7 @@
           <a:p>
             <a:fld id="{1C04B98F-D1AE-4F73-AF04-F31CDAC8B872}" type="datetimeFigureOut">
               <a:rPr lang="ru-RU" smtClean="0"/>
-              <a:t>19.12.2014</a:t>
+              <a:t>20.12.2014</a:t>
             </a:fld>
             <a:endParaRPr lang="ru-RU"/>
           </a:p>
@@ -15325,7 +14943,7 @@
           <a:p>
             <a:fld id="{A79A3335-6331-4872-A8B7-ECD55539F4D0}" type="datetimeFigureOut">
               <a:rPr lang="ru-RU" smtClean="0"/>
-              <a:t>19.12.2014</a:t>
+              <a:t>20.12.2014</a:t>
             </a:fld>
             <a:endParaRPr lang="ru-RU" dirty="0"/>
           </a:p>
@@ -15711,7 +15329,7 @@
           <a:p>
             <a:fld id="{A79A3335-6331-4872-A8B7-ECD55539F4D0}" type="datetimeFigureOut">
               <a:rPr lang="ru-RU" smtClean="0"/>
-              <a:t>19.12.2014</a:t>
+              <a:t>20.12.2014</a:t>
             </a:fld>
             <a:endParaRPr lang="ru-RU" dirty="0"/>
           </a:p>
@@ -15848,7 +15466,7 @@
           <a:p>
             <a:fld id="{A79A3335-6331-4872-A8B7-ECD55539F4D0}" type="datetimeFigureOut">
               <a:rPr lang="ru-RU" smtClean="0"/>
-              <a:t>19.12.2014</a:t>
+              <a:t>20.12.2014</a:t>
             </a:fld>
             <a:endParaRPr lang="ru-RU" dirty="0"/>
           </a:p>
@@ -15962,7 +15580,7 @@
           <a:p>
             <a:fld id="{A79A3335-6331-4872-A8B7-ECD55539F4D0}" type="datetimeFigureOut">
               <a:rPr lang="ru-RU" smtClean="0"/>
-              <a:t>19.12.2014</a:t>
+              <a:t>20.12.2014</a:t>
             </a:fld>
             <a:endParaRPr lang="ru-RU" dirty="0"/>
           </a:p>
@@ -16258,7 +15876,7 @@
           <a:p>
             <a:fld id="{A79A3335-6331-4872-A8B7-ECD55539F4D0}" type="datetimeFigureOut">
               <a:rPr lang="ru-RU" smtClean="0"/>
-              <a:t>19.12.2014</a:t>
+              <a:t>20.12.2014</a:t>
             </a:fld>
             <a:endParaRPr lang="ru-RU" dirty="0"/>
           </a:p>
@@ -16530,7 +16148,7 @@
           <a:p>
             <a:fld id="{A79A3335-6331-4872-A8B7-ECD55539F4D0}" type="datetimeFigureOut">
               <a:rPr lang="ru-RU" smtClean="0"/>
-              <a:t>19.12.2014</a:t>
+              <a:t>20.12.2014</a:t>
             </a:fld>
             <a:endParaRPr lang="ru-RU" dirty="0"/>
           </a:p>
@@ -16763,7 +16381,7 @@
             <a:fld id="{A79A3335-6331-4872-A8B7-ECD55539F4D0}" type="datetimeFigureOut">
               <a:rPr lang="ru-RU" smtClean="0"/>
               <a:pPr/>
-              <a:t>19.12.2014</a:t>
+              <a:t>20.12.2014</a:t>
             </a:fld>
             <a:endParaRPr lang="ru-RU" dirty="0"/>
           </a:p>
@@ -17786,13 +17404,13 @@
   <p:clrMapOvr>
     <a:masterClrMapping/>
   </p:clrMapOvr>
-  <mc:AlternateContent xmlns:mc="http://schemas.openxmlformats.org/markup-compatibility/2006">
-    <mc:Choice xmlns:p14="http://schemas.microsoft.com/office/powerpoint/2010/main" Requires="p14">
+  <mc:AlternateContent xmlns:mc="http://schemas.openxmlformats.org/markup-compatibility/2006" xmlns:p14="http://schemas.microsoft.com/office/powerpoint/2010/main">
+    <mc:Choice Requires="p14">
       <p:transition spd="med" p14:dur="700">
         <p:fade/>
       </p:transition>
     </mc:Choice>
-    <mc:Fallback>
+    <mc:Fallback xmlns="">
       <p:transition spd="med">
         <p:fade/>
       </p:transition>
@@ -17928,13 +17546,13 @@
   <p:clrMapOvr>
     <a:masterClrMapping/>
   </p:clrMapOvr>
-  <mc:AlternateContent xmlns:mc="http://schemas.openxmlformats.org/markup-compatibility/2006">
-    <mc:Choice xmlns:p14="http://schemas.microsoft.com/office/powerpoint/2010/main" Requires="p14">
+  <mc:AlternateContent xmlns:mc="http://schemas.openxmlformats.org/markup-compatibility/2006" xmlns:p14="http://schemas.microsoft.com/office/powerpoint/2010/main">
+    <mc:Choice Requires="p14">
       <p:transition spd="med" p14:dur="700">
         <p:fade/>
       </p:transition>
     </mc:Choice>
-    <mc:Fallback>
+    <mc:Fallback xmlns="">
       <p:transition spd="med">
         <p:fade/>
       </p:transition>
@@ -18128,15 +17746,7 @@
                   <a:srgbClr val="FFFFFF"/>
                 </a:solidFill>
               </a:rPr>
-              <a:t>Распределение </a:t>
-            </a:r>
-            <a:r>
-              <a:rPr lang="ru-RU" b="1" dirty="0" smtClean="0">
-                <a:solidFill>
-                  <a:srgbClr val="FFFFFF"/>
-                </a:solidFill>
-              </a:rPr>
-              <a:t>ролей</a:t>
+              <a:t>Распределение ролей</a:t>
             </a:r>
             <a:r>
               <a:rPr lang="en-US" b="1" dirty="0" smtClean="0">
@@ -18162,22 +17772,1731 @@
           </a:p>
         </p:txBody>
       </p:sp>
+      <p:grpSp>
+        <p:nvGrpSpPr>
+          <p:cNvPr id="20" name="Группа 19"/>
+          <p:cNvGrpSpPr/>
+          <p:nvPr/>
+        </p:nvGrpSpPr>
+        <p:grpSpPr>
+          <a:xfrm>
+            <a:off x="538821" y="1590496"/>
+            <a:ext cx="11114358" cy="4943307"/>
+            <a:chOff x="1418485" y="1690249"/>
+            <a:chExt cx="9446086" cy="4444685"/>
+          </a:xfrm>
+        </p:grpSpPr>
+        <p:sp>
+          <p:nvSpPr>
+            <p:cNvPr id="21" name="Полилиния 20"/>
+            <p:cNvSpPr/>
+            <p:nvPr/>
+          </p:nvSpPr>
+          <p:spPr>
+            <a:xfrm>
+              <a:off x="8875387" y="2927778"/>
+              <a:ext cx="1989184" cy="956237"/>
+            </a:xfrm>
+            <a:custGeom>
+              <a:avLst/>
+              <a:gdLst>
+                <a:gd name="connsiteX0" fmla="*/ 0 w 1989184"/>
+                <a:gd name="connsiteY0" fmla="*/ 0 h 966032"/>
+                <a:gd name="connsiteX1" fmla="*/ 1989184 w 1989184"/>
+                <a:gd name="connsiteY1" fmla="*/ 0 h 966032"/>
+                <a:gd name="connsiteX2" fmla="*/ 1989184 w 1989184"/>
+                <a:gd name="connsiteY2" fmla="*/ 966032 h 966032"/>
+                <a:gd name="connsiteX3" fmla="*/ 0 w 1989184"/>
+                <a:gd name="connsiteY3" fmla="*/ 966032 h 966032"/>
+                <a:gd name="connsiteX4" fmla="*/ 0 w 1989184"/>
+                <a:gd name="connsiteY4" fmla="*/ 0 h 966032"/>
+              </a:gdLst>
+              <a:ahLst/>
+              <a:cxnLst>
+                <a:cxn ang="0">
+                  <a:pos x="connsiteX0" y="connsiteY0"/>
+                </a:cxn>
+                <a:cxn ang="0">
+                  <a:pos x="connsiteX1" y="connsiteY1"/>
+                </a:cxn>
+                <a:cxn ang="0">
+                  <a:pos x="connsiteX2" y="connsiteY2"/>
+                </a:cxn>
+                <a:cxn ang="0">
+                  <a:pos x="connsiteX3" y="connsiteY3"/>
+                </a:cxn>
+                <a:cxn ang="0">
+                  <a:pos x="connsiteX4" y="connsiteY4"/>
+                </a:cxn>
+              </a:cxnLst>
+              <a:rect l="l" t="t" r="r" b="b"/>
+              <a:pathLst>
+                <a:path w="1989184" h="966032">
+                  <a:moveTo>
+                    <a:pt x="0" y="0"/>
+                  </a:moveTo>
+                  <a:lnTo>
+                    <a:pt x="1989184" y="0"/>
+                  </a:lnTo>
+                  <a:lnTo>
+                    <a:pt x="1989184" y="966032"/>
+                  </a:lnTo>
+                  <a:lnTo>
+                    <a:pt x="0" y="966032"/>
+                  </a:lnTo>
+                  <a:lnTo>
+                    <a:pt x="0" y="0"/>
+                  </a:lnTo>
+                  <a:close/>
+                </a:path>
+              </a:pathLst>
+            </a:custGeom>
+            <a:solidFill>
+              <a:srgbClr val="434B85"/>
+            </a:solidFill>
+          </p:spPr>
+          <p:style>
+            <a:lnRef idx="2">
+              <a:schemeClr val="lt1">
+                <a:hueOff val="0"/>
+                <a:satOff val="0"/>
+                <a:lumOff val="0"/>
+                <a:alphaOff val="0"/>
+              </a:schemeClr>
+            </a:lnRef>
+            <a:fillRef idx="1">
+              <a:scrgbClr r="0" g="0" b="0"/>
+            </a:fillRef>
+            <a:effectRef idx="0">
+              <a:schemeClr val="accent5">
+                <a:hueOff val="0"/>
+                <a:satOff val="0"/>
+                <a:lumOff val="0"/>
+                <a:alphaOff val="0"/>
+              </a:schemeClr>
+            </a:effectRef>
+            <a:fontRef idx="minor">
+              <a:schemeClr val="lt1"/>
+            </a:fontRef>
+          </p:style>
+          <p:txBody>
+            <a:bodyPr spcFirstLastPara="0" vert="horz" wrap="square" lIns="60960" tIns="60960" rIns="60960" bIns="60960" numCol="1" spcCol="1270" anchor="ctr" anchorCtr="0">
+              <a:noAutofit/>
+            </a:bodyPr>
+            <a:lstStyle/>
+            <a:p>
+              <a:pPr lvl="0" algn="ctr" defTabSz="711200">
+                <a:lnSpc>
+                  <a:spcPct val="90000"/>
+                </a:lnSpc>
+                <a:spcBef>
+                  <a:spcPct val="0"/>
+                </a:spcBef>
+                <a:spcAft>
+                  <a:spcPct val="35000"/>
+                </a:spcAft>
+              </a:pPr>
+              <a:r>
+                <a:rPr lang="ru-RU" sz="1600" kern="1200" dirty="0" smtClean="0"/>
+                <a:t>Главный </a:t>
+              </a:r>
+              <a:r>
+                <a:rPr lang="ru-RU" sz="1600" kern="1200" dirty="0" err="1" smtClean="0"/>
+                <a:t>тестировщик</a:t>
+              </a:r>
+              <a:endParaRPr lang="ru-RU" sz="1600" kern="1200" dirty="0" smtClean="0"/>
+            </a:p>
+            <a:p>
+              <a:pPr lvl="0" algn="ctr" defTabSz="711200">
+                <a:lnSpc>
+                  <a:spcPct val="90000"/>
+                </a:lnSpc>
+                <a:spcBef>
+                  <a:spcPct val="0"/>
+                </a:spcBef>
+                <a:spcAft>
+                  <a:spcPct val="35000"/>
+                </a:spcAft>
+              </a:pPr>
+              <a:r>
+                <a:rPr lang="ru-RU" sz="1600" kern="1200" dirty="0" smtClean="0"/>
+                <a:t>Петровская Анастасия</a:t>
+              </a:r>
+              <a:endParaRPr lang="ru-RU" sz="1600" kern="1200" dirty="0"/>
+            </a:p>
+          </p:txBody>
+        </p:sp>
+        <p:sp>
+          <p:nvSpPr>
+            <p:cNvPr id="22" name="Полилиния 21"/>
+            <p:cNvSpPr/>
+            <p:nvPr/>
+          </p:nvSpPr>
+          <p:spPr>
+            <a:xfrm>
+              <a:off x="5496035" y="5532113"/>
+              <a:ext cx="1757893" cy="602820"/>
+            </a:xfrm>
+            <a:custGeom>
+              <a:avLst/>
+              <a:gdLst>
+                <a:gd name="connsiteX0" fmla="*/ 0 w 2355885"/>
+                <a:gd name="connsiteY0" fmla="*/ 0 h 602820"/>
+                <a:gd name="connsiteX1" fmla="*/ 2355885 w 2355885"/>
+                <a:gd name="connsiteY1" fmla="*/ 0 h 602820"/>
+                <a:gd name="connsiteX2" fmla="*/ 2355885 w 2355885"/>
+                <a:gd name="connsiteY2" fmla="*/ 602820 h 602820"/>
+                <a:gd name="connsiteX3" fmla="*/ 0 w 2355885"/>
+                <a:gd name="connsiteY3" fmla="*/ 602820 h 602820"/>
+                <a:gd name="connsiteX4" fmla="*/ 0 w 2355885"/>
+                <a:gd name="connsiteY4" fmla="*/ 0 h 602820"/>
+              </a:gdLst>
+              <a:ahLst/>
+              <a:cxnLst>
+                <a:cxn ang="0">
+                  <a:pos x="connsiteX0" y="connsiteY0"/>
+                </a:cxn>
+                <a:cxn ang="0">
+                  <a:pos x="connsiteX1" y="connsiteY1"/>
+                </a:cxn>
+                <a:cxn ang="0">
+                  <a:pos x="connsiteX2" y="connsiteY2"/>
+                </a:cxn>
+                <a:cxn ang="0">
+                  <a:pos x="connsiteX3" y="connsiteY3"/>
+                </a:cxn>
+                <a:cxn ang="0">
+                  <a:pos x="connsiteX4" y="connsiteY4"/>
+                </a:cxn>
+              </a:cxnLst>
+              <a:rect l="l" t="t" r="r" b="b"/>
+              <a:pathLst>
+                <a:path w="2355885" h="602820">
+                  <a:moveTo>
+                    <a:pt x="0" y="0"/>
+                  </a:moveTo>
+                  <a:lnTo>
+                    <a:pt x="2355885" y="0"/>
+                  </a:lnTo>
+                  <a:lnTo>
+                    <a:pt x="2355885" y="602820"/>
+                  </a:lnTo>
+                  <a:lnTo>
+                    <a:pt x="0" y="602820"/>
+                  </a:lnTo>
+                  <a:lnTo>
+                    <a:pt x="0" y="0"/>
+                  </a:lnTo>
+                  <a:close/>
+                </a:path>
+              </a:pathLst>
+            </a:custGeom>
+            <a:solidFill>
+              <a:srgbClr val="5652A0"/>
+            </a:solidFill>
+          </p:spPr>
+          <p:style>
+            <a:lnRef idx="2">
+              <a:schemeClr val="lt1">
+                <a:hueOff val="0"/>
+                <a:satOff val="0"/>
+                <a:lumOff val="0"/>
+                <a:alphaOff val="0"/>
+              </a:schemeClr>
+            </a:lnRef>
+            <a:fillRef idx="1">
+              <a:scrgbClr r="0" g="0" b="0"/>
+            </a:fillRef>
+            <a:effectRef idx="0">
+              <a:schemeClr val="accent5">
+                <a:hueOff val="-306504"/>
+                <a:satOff val="144"/>
+                <a:lumOff val="-4078"/>
+                <a:alphaOff val="0"/>
+              </a:schemeClr>
+            </a:effectRef>
+            <a:fontRef idx="minor">
+              <a:schemeClr val="lt1"/>
+            </a:fontRef>
+          </p:style>
+          <p:txBody>
+            <a:bodyPr spcFirstLastPara="0" vert="horz" wrap="square" lIns="68580" tIns="68580" rIns="68580" bIns="68580" numCol="1" spcCol="1270" anchor="ctr" anchorCtr="0">
+              <a:noAutofit/>
+            </a:bodyPr>
+            <a:lstStyle/>
+            <a:p>
+              <a:pPr lvl="0" algn="ctr" defTabSz="800100">
+                <a:lnSpc>
+                  <a:spcPct val="90000"/>
+                </a:lnSpc>
+                <a:spcBef>
+                  <a:spcPct val="0"/>
+                </a:spcBef>
+                <a:spcAft>
+                  <a:spcPct val="35000"/>
+                </a:spcAft>
+              </a:pPr>
+              <a:r>
+                <a:rPr lang="ru-RU" sz="1600" kern="1200" dirty="0" smtClean="0"/>
+                <a:t>Чекалин Дмитрий</a:t>
+              </a:r>
+              <a:endParaRPr lang="ru-RU" sz="1600" kern="1200" dirty="0"/>
+            </a:p>
+          </p:txBody>
+        </p:sp>
+        <p:sp>
+          <p:nvSpPr>
+            <p:cNvPr id="23" name="Полилиния 22"/>
+            <p:cNvSpPr/>
+            <p:nvPr/>
+          </p:nvSpPr>
+          <p:spPr>
+            <a:xfrm>
+              <a:off x="2569641" y="5532113"/>
+              <a:ext cx="1740981" cy="602820"/>
+            </a:xfrm>
+            <a:custGeom>
+              <a:avLst/>
+              <a:gdLst>
+                <a:gd name="connsiteX0" fmla="*/ 0 w 2215330"/>
+                <a:gd name="connsiteY0" fmla="*/ 0 h 666935"/>
+                <a:gd name="connsiteX1" fmla="*/ 2215330 w 2215330"/>
+                <a:gd name="connsiteY1" fmla="*/ 0 h 666935"/>
+                <a:gd name="connsiteX2" fmla="*/ 2215330 w 2215330"/>
+                <a:gd name="connsiteY2" fmla="*/ 666935 h 666935"/>
+                <a:gd name="connsiteX3" fmla="*/ 0 w 2215330"/>
+                <a:gd name="connsiteY3" fmla="*/ 666935 h 666935"/>
+                <a:gd name="connsiteX4" fmla="*/ 0 w 2215330"/>
+                <a:gd name="connsiteY4" fmla="*/ 0 h 666935"/>
+              </a:gdLst>
+              <a:ahLst/>
+              <a:cxnLst>
+                <a:cxn ang="0">
+                  <a:pos x="connsiteX0" y="connsiteY0"/>
+                </a:cxn>
+                <a:cxn ang="0">
+                  <a:pos x="connsiteX1" y="connsiteY1"/>
+                </a:cxn>
+                <a:cxn ang="0">
+                  <a:pos x="connsiteX2" y="connsiteY2"/>
+                </a:cxn>
+                <a:cxn ang="0">
+                  <a:pos x="connsiteX3" y="connsiteY3"/>
+                </a:cxn>
+                <a:cxn ang="0">
+                  <a:pos x="connsiteX4" y="connsiteY4"/>
+                </a:cxn>
+              </a:cxnLst>
+              <a:rect l="l" t="t" r="r" b="b"/>
+              <a:pathLst>
+                <a:path w="2215330" h="666935">
+                  <a:moveTo>
+                    <a:pt x="0" y="0"/>
+                  </a:moveTo>
+                  <a:lnTo>
+                    <a:pt x="2215330" y="0"/>
+                  </a:lnTo>
+                  <a:lnTo>
+                    <a:pt x="2215330" y="666935"/>
+                  </a:lnTo>
+                  <a:lnTo>
+                    <a:pt x="0" y="666935"/>
+                  </a:lnTo>
+                  <a:lnTo>
+                    <a:pt x="0" y="0"/>
+                  </a:lnTo>
+                  <a:close/>
+                </a:path>
+              </a:pathLst>
+            </a:custGeom>
+            <a:solidFill>
+              <a:srgbClr val="5652A0"/>
+            </a:solidFill>
+          </p:spPr>
+          <p:style>
+            <a:lnRef idx="2">
+              <a:schemeClr val="lt1">
+                <a:hueOff val="0"/>
+                <a:satOff val="0"/>
+                <a:lumOff val="0"/>
+                <a:alphaOff val="0"/>
+              </a:schemeClr>
+            </a:lnRef>
+            <a:fillRef idx="1">
+              <a:scrgbClr r="0" g="0" b="0"/>
+            </a:fillRef>
+            <a:effectRef idx="0">
+              <a:schemeClr val="accent5">
+                <a:hueOff val="-613008"/>
+                <a:satOff val="288"/>
+                <a:lumOff val="-8157"/>
+                <a:alphaOff val="0"/>
+              </a:schemeClr>
+            </a:effectRef>
+            <a:fontRef idx="minor">
+              <a:schemeClr val="lt1"/>
+            </a:fontRef>
+          </p:style>
+          <p:txBody>
+            <a:bodyPr spcFirstLastPara="0" vert="horz" wrap="square" lIns="68580" tIns="68580" rIns="68580" bIns="68580" numCol="1" spcCol="1270" anchor="ctr" anchorCtr="0">
+              <a:noAutofit/>
+            </a:bodyPr>
+            <a:lstStyle/>
+            <a:p>
+              <a:pPr lvl="0" algn="ctr" defTabSz="800100">
+                <a:lnSpc>
+                  <a:spcPct val="90000"/>
+                </a:lnSpc>
+                <a:spcBef>
+                  <a:spcPct val="0"/>
+                </a:spcBef>
+                <a:spcAft>
+                  <a:spcPct val="35000"/>
+                </a:spcAft>
+              </a:pPr>
+              <a:r>
+                <a:rPr lang="ru-RU" sz="1600" kern="1200" dirty="0" smtClean="0"/>
+                <a:t>Минаков Александр</a:t>
+              </a:r>
+              <a:endParaRPr lang="ru-RU" sz="1600" kern="1200" dirty="0"/>
+            </a:p>
+          </p:txBody>
+        </p:sp>
+        <p:sp>
+          <p:nvSpPr>
+            <p:cNvPr id="24" name="Полилиния 23"/>
+            <p:cNvSpPr/>
+            <p:nvPr/>
+          </p:nvSpPr>
+          <p:spPr>
+            <a:xfrm>
+              <a:off x="3828268" y="2927779"/>
+              <a:ext cx="1762650" cy="958708"/>
+            </a:xfrm>
+            <a:custGeom>
+              <a:avLst/>
+              <a:gdLst>
+                <a:gd name="connsiteX0" fmla="*/ 0 w 1836124"/>
+                <a:gd name="connsiteY0" fmla="*/ 0 h 958708"/>
+                <a:gd name="connsiteX1" fmla="*/ 1836124 w 1836124"/>
+                <a:gd name="connsiteY1" fmla="*/ 0 h 958708"/>
+                <a:gd name="connsiteX2" fmla="*/ 1836124 w 1836124"/>
+                <a:gd name="connsiteY2" fmla="*/ 958708 h 958708"/>
+                <a:gd name="connsiteX3" fmla="*/ 0 w 1836124"/>
+                <a:gd name="connsiteY3" fmla="*/ 958708 h 958708"/>
+                <a:gd name="connsiteX4" fmla="*/ 0 w 1836124"/>
+                <a:gd name="connsiteY4" fmla="*/ 0 h 958708"/>
+              </a:gdLst>
+              <a:ahLst/>
+              <a:cxnLst>
+                <a:cxn ang="0">
+                  <a:pos x="connsiteX0" y="connsiteY0"/>
+                </a:cxn>
+                <a:cxn ang="0">
+                  <a:pos x="connsiteX1" y="connsiteY1"/>
+                </a:cxn>
+                <a:cxn ang="0">
+                  <a:pos x="connsiteX2" y="connsiteY2"/>
+                </a:cxn>
+                <a:cxn ang="0">
+                  <a:pos x="connsiteX3" y="connsiteY3"/>
+                </a:cxn>
+                <a:cxn ang="0">
+                  <a:pos x="connsiteX4" y="connsiteY4"/>
+                </a:cxn>
+              </a:cxnLst>
+              <a:rect l="l" t="t" r="r" b="b"/>
+              <a:pathLst>
+                <a:path w="1836124" h="958708">
+                  <a:moveTo>
+                    <a:pt x="0" y="0"/>
+                  </a:moveTo>
+                  <a:lnTo>
+                    <a:pt x="1836124" y="0"/>
+                  </a:lnTo>
+                  <a:lnTo>
+                    <a:pt x="1836124" y="958708"/>
+                  </a:lnTo>
+                  <a:lnTo>
+                    <a:pt x="0" y="958708"/>
+                  </a:lnTo>
+                  <a:lnTo>
+                    <a:pt x="0" y="0"/>
+                  </a:lnTo>
+                  <a:close/>
+                </a:path>
+              </a:pathLst>
+            </a:custGeom>
+            <a:solidFill>
+              <a:srgbClr val="434B85"/>
+            </a:solidFill>
+          </p:spPr>
+          <p:style>
+            <a:lnRef idx="2">
+              <a:schemeClr val="lt1">
+                <a:hueOff val="0"/>
+                <a:satOff val="0"/>
+                <a:lumOff val="0"/>
+                <a:alphaOff val="0"/>
+              </a:schemeClr>
+            </a:lnRef>
+            <a:fillRef idx="1">
+              <a:scrgbClr r="0" g="0" b="0"/>
+            </a:fillRef>
+            <a:effectRef idx="0">
+              <a:schemeClr val="accent5">
+                <a:hueOff val="-919512"/>
+                <a:satOff val="432"/>
+                <a:lumOff val="-12235"/>
+                <a:alphaOff val="0"/>
+              </a:schemeClr>
+            </a:effectRef>
+            <a:fontRef idx="minor">
+              <a:schemeClr val="lt1"/>
+            </a:fontRef>
+          </p:style>
+          <p:txBody>
+            <a:bodyPr spcFirstLastPara="0" vert="horz" wrap="square" lIns="60960" tIns="60960" rIns="60960" bIns="60960" numCol="1" spcCol="1270" anchor="ctr" anchorCtr="0">
+              <a:noAutofit/>
+            </a:bodyPr>
+            <a:lstStyle/>
+            <a:p>
+              <a:pPr lvl="0" algn="ctr" defTabSz="711200">
+                <a:lnSpc>
+                  <a:spcPct val="90000"/>
+                </a:lnSpc>
+                <a:spcBef>
+                  <a:spcPct val="0"/>
+                </a:spcBef>
+                <a:spcAft>
+                  <a:spcPct val="35000"/>
+                </a:spcAft>
+              </a:pPr>
+              <a:r>
+                <a:rPr lang="ru-RU" sz="1600" kern="1200" dirty="0" smtClean="0"/>
+                <a:t>Ведущий аналитик</a:t>
+              </a:r>
+            </a:p>
+            <a:p>
+              <a:pPr lvl="0" algn="ctr" defTabSz="711200">
+                <a:lnSpc>
+                  <a:spcPct val="90000"/>
+                </a:lnSpc>
+                <a:spcBef>
+                  <a:spcPct val="0"/>
+                </a:spcBef>
+                <a:spcAft>
+                  <a:spcPct val="35000"/>
+                </a:spcAft>
+              </a:pPr>
+              <a:r>
+                <a:rPr lang="ru-RU" sz="1600" kern="1200" dirty="0" smtClean="0"/>
+                <a:t>Смирнов Максим</a:t>
+              </a:r>
+              <a:endParaRPr lang="ru-RU" sz="1600" kern="1200" dirty="0"/>
+            </a:p>
+          </p:txBody>
+        </p:sp>
+        <p:sp>
+          <p:nvSpPr>
+            <p:cNvPr id="25" name="Полилиния 24"/>
+            <p:cNvSpPr/>
+            <p:nvPr/>
+          </p:nvSpPr>
+          <p:spPr>
+            <a:xfrm>
+              <a:off x="4876933" y="1690249"/>
+              <a:ext cx="2264304" cy="954395"/>
+            </a:xfrm>
+            <a:custGeom>
+              <a:avLst/>
+              <a:gdLst>
+                <a:gd name="connsiteX0" fmla="*/ 0 w 2264304"/>
+                <a:gd name="connsiteY0" fmla="*/ 0 h 954395"/>
+                <a:gd name="connsiteX1" fmla="*/ 2264304 w 2264304"/>
+                <a:gd name="connsiteY1" fmla="*/ 0 h 954395"/>
+                <a:gd name="connsiteX2" fmla="*/ 2264304 w 2264304"/>
+                <a:gd name="connsiteY2" fmla="*/ 954395 h 954395"/>
+                <a:gd name="connsiteX3" fmla="*/ 0 w 2264304"/>
+                <a:gd name="connsiteY3" fmla="*/ 954395 h 954395"/>
+                <a:gd name="connsiteX4" fmla="*/ 0 w 2264304"/>
+                <a:gd name="connsiteY4" fmla="*/ 0 h 954395"/>
+              </a:gdLst>
+              <a:ahLst/>
+              <a:cxnLst>
+                <a:cxn ang="0">
+                  <a:pos x="connsiteX0" y="connsiteY0"/>
+                </a:cxn>
+                <a:cxn ang="0">
+                  <a:pos x="connsiteX1" y="connsiteY1"/>
+                </a:cxn>
+                <a:cxn ang="0">
+                  <a:pos x="connsiteX2" y="connsiteY2"/>
+                </a:cxn>
+                <a:cxn ang="0">
+                  <a:pos x="connsiteX3" y="connsiteY3"/>
+                </a:cxn>
+                <a:cxn ang="0">
+                  <a:pos x="connsiteX4" y="connsiteY4"/>
+                </a:cxn>
+              </a:cxnLst>
+              <a:rect l="l" t="t" r="r" b="b"/>
+              <a:pathLst>
+                <a:path w="2264304" h="954395">
+                  <a:moveTo>
+                    <a:pt x="0" y="0"/>
+                  </a:moveTo>
+                  <a:lnTo>
+                    <a:pt x="2264304" y="0"/>
+                  </a:lnTo>
+                  <a:lnTo>
+                    <a:pt x="2264304" y="954395"/>
+                  </a:lnTo>
+                  <a:lnTo>
+                    <a:pt x="0" y="954395"/>
+                  </a:lnTo>
+                  <a:lnTo>
+                    <a:pt x="0" y="0"/>
+                  </a:lnTo>
+                  <a:close/>
+                </a:path>
+              </a:pathLst>
+            </a:custGeom>
+            <a:solidFill>
+              <a:srgbClr val="35446A"/>
+            </a:solidFill>
+          </p:spPr>
+          <p:style>
+            <a:lnRef idx="2">
+              <a:schemeClr val="lt1">
+                <a:hueOff val="0"/>
+                <a:satOff val="0"/>
+                <a:lumOff val="0"/>
+                <a:alphaOff val="0"/>
+              </a:schemeClr>
+            </a:lnRef>
+            <a:fillRef idx="1">
+              <a:scrgbClr r="0" g="0" b="0"/>
+            </a:fillRef>
+            <a:effectRef idx="0">
+              <a:schemeClr val="accent5">
+                <a:hueOff val="-1226016"/>
+                <a:satOff val="576"/>
+                <a:lumOff val="-16314"/>
+                <a:alphaOff val="0"/>
+              </a:schemeClr>
+            </a:effectRef>
+            <a:fontRef idx="minor">
+              <a:schemeClr val="lt1"/>
+            </a:fontRef>
+          </p:style>
+          <p:txBody>
+            <a:bodyPr spcFirstLastPara="0" vert="horz" wrap="square" lIns="60960" tIns="60960" rIns="60960" bIns="60960" numCol="1" spcCol="1270" anchor="ctr" anchorCtr="0">
+              <a:noAutofit/>
+            </a:bodyPr>
+            <a:lstStyle/>
+            <a:p>
+              <a:pPr lvl="0" algn="ctr" defTabSz="711200">
+                <a:lnSpc>
+                  <a:spcPct val="90000"/>
+                </a:lnSpc>
+                <a:spcBef>
+                  <a:spcPct val="0"/>
+                </a:spcBef>
+                <a:spcAft>
+                  <a:spcPct val="35000"/>
+                </a:spcAft>
+              </a:pPr>
+              <a:r>
+                <a:rPr lang="ru-RU" sz="1600" kern="1200" dirty="0" smtClean="0"/>
+                <a:t>Менеджер</a:t>
+              </a:r>
+            </a:p>
+            <a:p>
+              <a:pPr lvl="0" algn="ctr" defTabSz="711200">
+                <a:lnSpc>
+                  <a:spcPct val="90000"/>
+                </a:lnSpc>
+                <a:spcBef>
+                  <a:spcPct val="0"/>
+                </a:spcBef>
+                <a:spcAft>
+                  <a:spcPct val="35000"/>
+                </a:spcAft>
+              </a:pPr>
+              <a:r>
+                <a:rPr lang="ru-RU" sz="1600" kern="1200" dirty="0" err="1" smtClean="0"/>
+                <a:t>Бодунков</a:t>
+              </a:r>
+              <a:r>
+                <a:rPr lang="ru-RU" sz="1600" kern="1200" dirty="0" smtClean="0"/>
+                <a:t> Денис</a:t>
+              </a:r>
+              <a:endParaRPr lang="ru-RU" sz="1600" kern="1200" dirty="0"/>
+            </a:p>
+          </p:txBody>
+        </p:sp>
+        <p:sp>
+          <p:nvSpPr>
+            <p:cNvPr id="26" name="Полилиния 25"/>
+            <p:cNvSpPr/>
+            <p:nvPr/>
+          </p:nvSpPr>
+          <p:spPr>
+            <a:xfrm>
+              <a:off x="7837123" y="4222398"/>
+              <a:ext cx="2696166" cy="940887"/>
+            </a:xfrm>
+            <a:custGeom>
+              <a:avLst/>
+              <a:gdLst>
+                <a:gd name="connsiteX0" fmla="*/ 0 w 1864505"/>
+                <a:gd name="connsiteY0" fmla="*/ 0 h 944061"/>
+                <a:gd name="connsiteX1" fmla="*/ 1864505 w 1864505"/>
+                <a:gd name="connsiteY1" fmla="*/ 0 h 944061"/>
+                <a:gd name="connsiteX2" fmla="*/ 1864505 w 1864505"/>
+                <a:gd name="connsiteY2" fmla="*/ 944061 h 944061"/>
+                <a:gd name="connsiteX3" fmla="*/ 0 w 1864505"/>
+                <a:gd name="connsiteY3" fmla="*/ 944061 h 944061"/>
+                <a:gd name="connsiteX4" fmla="*/ 0 w 1864505"/>
+                <a:gd name="connsiteY4" fmla="*/ 0 h 944061"/>
+              </a:gdLst>
+              <a:ahLst/>
+              <a:cxnLst>
+                <a:cxn ang="0">
+                  <a:pos x="connsiteX0" y="connsiteY0"/>
+                </a:cxn>
+                <a:cxn ang="0">
+                  <a:pos x="connsiteX1" y="connsiteY1"/>
+                </a:cxn>
+                <a:cxn ang="0">
+                  <a:pos x="connsiteX2" y="connsiteY2"/>
+                </a:cxn>
+                <a:cxn ang="0">
+                  <a:pos x="connsiteX3" y="connsiteY3"/>
+                </a:cxn>
+                <a:cxn ang="0">
+                  <a:pos x="connsiteX4" y="connsiteY4"/>
+                </a:cxn>
+              </a:cxnLst>
+              <a:rect l="l" t="t" r="r" b="b"/>
+              <a:pathLst>
+                <a:path w="1864505" h="944061">
+                  <a:moveTo>
+                    <a:pt x="0" y="0"/>
+                  </a:moveTo>
+                  <a:lnTo>
+                    <a:pt x="1864505" y="0"/>
+                  </a:lnTo>
+                  <a:lnTo>
+                    <a:pt x="1864505" y="944061"/>
+                  </a:lnTo>
+                  <a:lnTo>
+                    <a:pt x="0" y="944061"/>
+                  </a:lnTo>
+                  <a:lnTo>
+                    <a:pt x="0" y="0"/>
+                  </a:lnTo>
+                  <a:close/>
+                </a:path>
+              </a:pathLst>
+            </a:custGeom>
+            <a:solidFill>
+              <a:srgbClr val="434B85"/>
+            </a:solidFill>
+          </p:spPr>
+          <p:style>
+            <a:lnRef idx="2">
+              <a:schemeClr val="lt1">
+                <a:hueOff val="0"/>
+                <a:satOff val="0"/>
+                <a:lumOff val="0"/>
+                <a:alphaOff val="0"/>
+              </a:schemeClr>
+            </a:lnRef>
+            <a:fillRef idx="1">
+              <a:scrgbClr r="0" g="0" b="0"/>
+            </a:fillRef>
+            <a:effectRef idx="0">
+              <a:schemeClr val="accent5">
+                <a:hueOff val="-1532520"/>
+                <a:satOff val="720"/>
+                <a:lumOff val="-20392"/>
+                <a:alphaOff val="0"/>
+              </a:schemeClr>
+            </a:effectRef>
+            <a:fontRef idx="minor">
+              <a:schemeClr val="lt1"/>
+            </a:fontRef>
+          </p:style>
+          <p:txBody>
+            <a:bodyPr spcFirstLastPara="0" vert="horz" wrap="square" lIns="53340" tIns="53340" rIns="53340" bIns="53340" numCol="1" spcCol="1270" anchor="ctr" anchorCtr="0">
+              <a:noAutofit/>
+            </a:bodyPr>
+            <a:lstStyle/>
+            <a:p>
+              <a:pPr lvl="0" algn="ctr" defTabSz="622300">
+                <a:lnSpc>
+                  <a:spcPct val="90000"/>
+                </a:lnSpc>
+                <a:spcBef>
+                  <a:spcPct val="0"/>
+                </a:spcBef>
+                <a:spcAft>
+                  <a:spcPct val="35000"/>
+                </a:spcAft>
+              </a:pPr>
+              <a:r>
+                <a:rPr lang="ru-RU" sz="1600" kern="1200" dirty="0" smtClean="0"/>
+                <a:t>Ответственный за инфраструктуру</a:t>
+              </a:r>
+            </a:p>
+            <a:p>
+              <a:pPr lvl="0" algn="ctr" defTabSz="622300">
+                <a:lnSpc>
+                  <a:spcPct val="90000"/>
+                </a:lnSpc>
+                <a:spcBef>
+                  <a:spcPct val="0"/>
+                </a:spcBef>
+                <a:spcAft>
+                  <a:spcPct val="35000"/>
+                </a:spcAft>
+              </a:pPr>
+              <a:r>
+                <a:rPr lang="ru-RU" sz="1600" kern="1200" dirty="0" err="1" smtClean="0"/>
+                <a:t>Сиволоб</a:t>
+              </a:r>
+              <a:r>
+                <a:rPr lang="ru-RU" sz="1600" kern="1200" dirty="0" smtClean="0"/>
+                <a:t> Иван</a:t>
+              </a:r>
+              <a:endParaRPr lang="ru-RU" sz="1600" kern="1200" dirty="0"/>
+            </a:p>
+          </p:txBody>
+        </p:sp>
+        <p:sp>
+          <p:nvSpPr>
+            <p:cNvPr id="27" name="Полилиния 26"/>
+            <p:cNvSpPr/>
+            <p:nvPr/>
+          </p:nvSpPr>
+          <p:spPr>
+            <a:xfrm>
+              <a:off x="1418485" y="2963548"/>
+              <a:ext cx="1864505" cy="956237"/>
+            </a:xfrm>
+            <a:custGeom>
+              <a:avLst/>
+              <a:gdLst>
+                <a:gd name="connsiteX0" fmla="*/ 0 w 1864505"/>
+                <a:gd name="connsiteY0" fmla="*/ 0 h 956237"/>
+                <a:gd name="connsiteX1" fmla="*/ 1864505 w 1864505"/>
+                <a:gd name="connsiteY1" fmla="*/ 0 h 956237"/>
+                <a:gd name="connsiteX2" fmla="*/ 1864505 w 1864505"/>
+                <a:gd name="connsiteY2" fmla="*/ 956237 h 956237"/>
+                <a:gd name="connsiteX3" fmla="*/ 0 w 1864505"/>
+                <a:gd name="connsiteY3" fmla="*/ 956237 h 956237"/>
+                <a:gd name="connsiteX4" fmla="*/ 0 w 1864505"/>
+                <a:gd name="connsiteY4" fmla="*/ 0 h 956237"/>
+              </a:gdLst>
+              <a:ahLst/>
+              <a:cxnLst>
+                <a:cxn ang="0">
+                  <a:pos x="connsiteX0" y="connsiteY0"/>
+                </a:cxn>
+                <a:cxn ang="0">
+                  <a:pos x="connsiteX1" y="connsiteY1"/>
+                </a:cxn>
+                <a:cxn ang="0">
+                  <a:pos x="connsiteX2" y="connsiteY2"/>
+                </a:cxn>
+                <a:cxn ang="0">
+                  <a:pos x="connsiteX3" y="connsiteY3"/>
+                </a:cxn>
+                <a:cxn ang="0">
+                  <a:pos x="connsiteX4" y="connsiteY4"/>
+                </a:cxn>
+              </a:cxnLst>
+              <a:rect l="l" t="t" r="r" b="b"/>
+              <a:pathLst>
+                <a:path w="1864505" h="956237">
+                  <a:moveTo>
+                    <a:pt x="0" y="0"/>
+                  </a:moveTo>
+                  <a:lnTo>
+                    <a:pt x="1864505" y="0"/>
+                  </a:lnTo>
+                  <a:lnTo>
+                    <a:pt x="1864505" y="956237"/>
+                  </a:lnTo>
+                  <a:lnTo>
+                    <a:pt x="0" y="956237"/>
+                  </a:lnTo>
+                  <a:lnTo>
+                    <a:pt x="0" y="0"/>
+                  </a:lnTo>
+                  <a:close/>
+                </a:path>
+              </a:pathLst>
+            </a:custGeom>
+          </p:spPr>
+          <p:style>
+            <a:lnRef idx="2">
+              <a:schemeClr val="lt1">
+                <a:hueOff val="0"/>
+                <a:satOff val="0"/>
+                <a:lumOff val="0"/>
+                <a:alphaOff val="0"/>
+              </a:schemeClr>
+            </a:lnRef>
+            <a:fillRef idx="1">
+              <a:schemeClr val="accent5">
+                <a:hueOff val="-1839024"/>
+                <a:satOff val="864"/>
+                <a:lumOff val="-24470"/>
+                <a:alphaOff val="0"/>
+              </a:schemeClr>
+            </a:fillRef>
+            <a:effectRef idx="0">
+              <a:schemeClr val="accent5">
+                <a:hueOff val="-1839024"/>
+                <a:satOff val="864"/>
+                <a:lumOff val="-24470"/>
+                <a:alphaOff val="0"/>
+              </a:schemeClr>
+            </a:effectRef>
+            <a:fontRef idx="minor">
+              <a:schemeClr val="lt1"/>
+            </a:fontRef>
+          </p:style>
+          <p:txBody>
+            <a:bodyPr spcFirstLastPara="0" vert="horz" wrap="square" lIns="60960" tIns="60960" rIns="60960" bIns="60960" numCol="1" spcCol="1270" anchor="ctr" anchorCtr="0">
+              <a:noAutofit/>
+            </a:bodyPr>
+            <a:lstStyle/>
+            <a:p>
+              <a:pPr lvl="0" algn="ctr" defTabSz="711200">
+                <a:lnSpc>
+                  <a:spcPct val="90000"/>
+                </a:lnSpc>
+                <a:spcBef>
+                  <a:spcPct val="0"/>
+                </a:spcBef>
+                <a:spcAft>
+                  <a:spcPct val="35000"/>
+                </a:spcAft>
+              </a:pPr>
+              <a:r>
+                <a:rPr lang="ru-RU" sz="1600" kern="1200" dirty="0" smtClean="0"/>
+                <a:t>Архитектор проекта</a:t>
+              </a:r>
+            </a:p>
+            <a:p>
+              <a:pPr lvl="0" algn="ctr" defTabSz="711200">
+                <a:lnSpc>
+                  <a:spcPct val="90000"/>
+                </a:lnSpc>
+                <a:spcBef>
+                  <a:spcPct val="0"/>
+                </a:spcBef>
+                <a:spcAft>
+                  <a:spcPct val="35000"/>
+                </a:spcAft>
+              </a:pPr>
+              <a:r>
+                <a:rPr lang="ru-RU" sz="1600" kern="1200" dirty="0" err="1" smtClean="0"/>
+                <a:t>Таракчян</a:t>
+              </a:r>
+              <a:r>
+                <a:rPr lang="ru-RU" sz="1600" kern="1200" dirty="0" smtClean="0"/>
+                <a:t> Левон</a:t>
+              </a:r>
+              <a:endParaRPr lang="ru-RU" sz="1600" kern="1200" dirty="0"/>
+            </a:p>
+          </p:txBody>
+        </p:sp>
+        <p:sp>
+          <p:nvSpPr>
+            <p:cNvPr id="28" name="Полилиния 27"/>
+            <p:cNvSpPr/>
+            <p:nvPr/>
+          </p:nvSpPr>
+          <p:spPr>
+            <a:xfrm>
+              <a:off x="6136195" y="2927779"/>
+              <a:ext cx="2193914" cy="956237"/>
+            </a:xfrm>
+            <a:custGeom>
+              <a:avLst/>
+              <a:gdLst>
+                <a:gd name="connsiteX0" fmla="*/ 0 w 2193914"/>
+                <a:gd name="connsiteY0" fmla="*/ 0 h 963740"/>
+                <a:gd name="connsiteX1" fmla="*/ 2193914 w 2193914"/>
+                <a:gd name="connsiteY1" fmla="*/ 0 h 963740"/>
+                <a:gd name="connsiteX2" fmla="*/ 2193914 w 2193914"/>
+                <a:gd name="connsiteY2" fmla="*/ 963740 h 963740"/>
+                <a:gd name="connsiteX3" fmla="*/ 0 w 2193914"/>
+                <a:gd name="connsiteY3" fmla="*/ 963740 h 963740"/>
+                <a:gd name="connsiteX4" fmla="*/ 0 w 2193914"/>
+                <a:gd name="connsiteY4" fmla="*/ 0 h 963740"/>
+              </a:gdLst>
+              <a:ahLst/>
+              <a:cxnLst>
+                <a:cxn ang="0">
+                  <a:pos x="connsiteX0" y="connsiteY0"/>
+                </a:cxn>
+                <a:cxn ang="0">
+                  <a:pos x="connsiteX1" y="connsiteY1"/>
+                </a:cxn>
+                <a:cxn ang="0">
+                  <a:pos x="connsiteX2" y="connsiteY2"/>
+                </a:cxn>
+                <a:cxn ang="0">
+                  <a:pos x="connsiteX3" y="connsiteY3"/>
+                </a:cxn>
+                <a:cxn ang="0">
+                  <a:pos x="connsiteX4" y="connsiteY4"/>
+                </a:cxn>
+              </a:cxnLst>
+              <a:rect l="l" t="t" r="r" b="b"/>
+              <a:pathLst>
+                <a:path w="2193914" h="963740">
+                  <a:moveTo>
+                    <a:pt x="0" y="0"/>
+                  </a:moveTo>
+                  <a:lnTo>
+                    <a:pt x="2193914" y="0"/>
+                  </a:lnTo>
+                  <a:lnTo>
+                    <a:pt x="2193914" y="963740"/>
+                  </a:lnTo>
+                  <a:lnTo>
+                    <a:pt x="0" y="963740"/>
+                  </a:lnTo>
+                  <a:lnTo>
+                    <a:pt x="0" y="0"/>
+                  </a:lnTo>
+                  <a:close/>
+                </a:path>
+              </a:pathLst>
+            </a:custGeom>
+            <a:solidFill>
+              <a:srgbClr val="434B85"/>
+            </a:solidFill>
+          </p:spPr>
+          <p:style>
+            <a:lnRef idx="2">
+              <a:schemeClr val="lt1">
+                <a:hueOff val="0"/>
+                <a:satOff val="0"/>
+                <a:lumOff val="0"/>
+                <a:alphaOff val="0"/>
+              </a:schemeClr>
+            </a:lnRef>
+            <a:fillRef idx="1">
+              <a:scrgbClr r="0" g="0" b="0"/>
+            </a:fillRef>
+            <a:effectRef idx="0">
+              <a:schemeClr val="accent5">
+                <a:hueOff val="-2145527"/>
+                <a:satOff val="1008"/>
+                <a:lumOff val="-28549"/>
+                <a:alphaOff val="0"/>
+              </a:schemeClr>
+            </a:effectRef>
+            <a:fontRef idx="minor">
+              <a:schemeClr val="lt1"/>
+            </a:fontRef>
+          </p:style>
+          <p:txBody>
+            <a:bodyPr spcFirstLastPara="0" vert="horz" wrap="square" lIns="60960" tIns="60960" rIns="60960" bIns="60960" numCol="1" spcCol="1270" anchor="ctr" anchorCtr="0">
+              <a:noAutofit/>
+            </a:bodyPr>
+            <a:lstStyle/>
+            <a:p>
+              <a:pPr lvl="0" algn="ctr" defTabSz="711200">
+                <a:lnSpc>
+                  <a:spcPct val="90000"/>
+                </a:lnSpc>
+                <a:spcBef>
+                  <a:spcPct val="0"/>
+                </a:spcBef>
+                <a:spcAft>
+                  <a:spcPct val="35000"/>
+                </a:spcAft>
+              </a:pPr>
+              <a:r>
+                <a:rPr lang="ru-RU" sz="1600" kern="1200" dirty="0" smtClean="0"/>
+                <a:t>Технический писатель Македонская Евгения</a:t>
+              </a:r>
+              <a:endParaRPr lang="ru-RU" sz="1600" kern="1200" dirty="0"/>
+            </a:p>
+          </p:txBody>
+        </p:sp>
+        <p:sp>
+          <p:nvSpPr>
+            <p:cNvPr id="29" name="Полилиния 28"/>
+            <p:cNvSpPr/>
+            <p:nvPr/>
+          </p:nvSpPr>
+          <p:spPr>
+            <a:xfrm>
+              <a:off x="1859783" y="4218847"/>
+              <a:ext cx="2136830" cy="947611"/>
+            </a:xfrm>
+            <a:custGeom>
+              <a:avLst/>
+              <a:gdLst>
+                <a:gd name="connsiteX0" fmla="*/ 0 w 2559042"/>
+                <a:gd name="connsiteY0" fmla="*/ 0 h 947611"/>
+                <a:gd name="connsiteX1" fmla="*/ 2559042 w 2559042"/>
+                <a:gd name="connsiteY1" fmla="*/ 0 h 947611"/>
+                <a:gd name="connsiteX2" fmla="*/ 2559042 w 2559042"/>
+                <a:gd name="connsiteY2" fmla="*/ 947611 h 947611"/>
+                <a:gd name="connsiteX3" fmla="*/ 0 w 2559042"/>
+                <a:gd name="connsiteY3" fmla="*/ 947611 h 947611"/>
+                <a:gd name="connsiteX4" fmla="*/ 0 w 2559042"/>
+                <a:gd name="connsiteY4" fmla="*/ 0 h 947611"/>
+              </a:gdLst>
+              <a:ahLst/>
+              <a:cxnLst>
+                <a:cxn ang="0">
+                  <a:pos x="connsiteX0" y="connsiteY0"/>
+                </a:cxn>
+                <a:cxn ang="0">
+                  <a:pos x="connsiteX1" y="connsiteY1"/>
+                </a:cxn>
+                <a:cxn ang="0">
+                  <a:pos x="connsiteX2" y="connsiteY2"/>
+                </a:cxn>
+                <a:cxn ang="0">
+                  <a:pos x="connsiteX3" y="connsiteY3"/>
+                </a:cxn>
+                <a:cxn ang="0">
+                  <a:pos x="connsiteX4" y="connsiteY4"/>
+                </a:cxn>
+              </a:cxnLst>
+              <a:rect l="l" t="t" r="r" b="b"/>
+              <a:pathLst>
+                <a:path w="2559042" h="947611">
+                  <a:moveTo>
+                    <a:pt x="0" y="0"/>
+                  </a:moveTo>
+                  <a:lnTo>
+                    <a:pt x="2559042" y="0"/>
+                  </a:lnTo>
+                  <a:lnTo>
+                    <a:pt x="2559042" y="947611"/>
+                  </a:lnTo>
+                  <a:lnTo>
+                    <a:pt x="0" y="947611"/>
+                  </a:lnTo>
+                  <a:lnTo>
+                    <a:pt x="0" y="0"/>
+                  </a:lnTo>
+                  <a:close/>
+                </a:path>
+              </a:pathLst>
+            </a:custGeom>
+            <a:solidFill>
+              <a:srgbClr val="434B85"/>
+            </a:solidFill>
+          </p:spPr>
+          <p:style>
+            <a:lnRef idx="2">
+              <a:schemeClr val="lt1">
+                <a:hueOff val="0"/>
+                <a:satOff val="0"/>
+                <a:lumOff val="0"/>
+                <a:alphaOff val="0"/>
+              </a:schemeClr>
+            </a:lnRef>
+            <a:fillRef idx="1">
+              <a:scrgbClr r="0" g="0" b="0"/>
+            </a:fillRef>
+            <a:effectRef idx="0">
+              <a:schemeClr val="accent5">
+                <a:hueOff val="-2452031"/>
+                <a:satOff val="1152"/>
+                <a:lumOff val="-32627"/>
+                <a:alphaOff val="0"/>
+              </a:schemeClr>
+            </a:effectRef>
+            <a:fontRef idx="minor">
+              <a:schemeClr val="lt1"/>
+            </a:fontRef>
+          </p:style>
+          <p:txBody>
+            <a:bodyPr spcFirstLastPara="0" vert="horz" wrap="square" lIns="60960" tIns="60960" rIns="60960" bIns="60960" numCol="1" spcCol="1270" anchor="ctr" anchorCtr="0">
+              <a:noAutofit/>
+            </a:bodyPr>
+            <a:lstStyle/>
+            <a:p>
+              <a:pPr lvl="0" algn="ctr" defTabSz="711200">
+                <a:lnSpc>
+                  <a:spcPct val="90000"/>
+                </a:lnSpc>
+                <a:spcBef>
+                  <a:spcPct val="0"/>
+                </a:spcBef>
+                <a:spcAft>
+                  <a:spcPct val="35000"/>
+                </a:spcAft>
+              </a:pPr>
+              <a:r>
+                <a:rPr lang="ru-RU" sz="1600" kern="1200" dirty="0" smtClean="0"/>
+                <a:t>Ответственный</a:t>
+              </a:r>
+              <a:r>
+                <a:rPr lang="ru-RU" sz="1600" kern="1200" baseline="0" dirty="0" smtClean="0"/>
+                <a:t> за верстку</a:t>
+              </a:r>
+            </a:p>
+            <a:p>
+              <a:pPr lvl="0" algn="ctr" defTabSz="711200">
+                <a:lnSpc>
+                  <a:spcPct val="90000"/>
+                </a:lnSpc>
+                <a:spcBef>
+                  <a:spcPct val="0"/>
+                </a:spcBef>
+                <a:spcAft>
+                  <a:spcPct val="35000"/>
+                </a:spcAft>
+              </a:pPr>
+              <a:r>
+                <a:rPr lang="ru-RU" sz="1600" kern="1200" baseline="0" dirty="0" err="1" smtClean="0"/>
+                <a:t>Быконя</a:t>
+              </a:r>
+              <a:r>
+                <a:rPr lang="ru-RU" sz="1600" kern="1200" baseline="0" dirty="0" smtClean="0"/>
+                <a:t> Денис</a:t>
+              </a:r>
+              <a:endParaRPr lang="ru-RU" sz="1600" kern="1200" dirty="0"/>
+            </a:p>
+          </p:txBody>
+        </p:sp>
+        <p:sp>
+          <p:nvSpPr>
+            <p:cNvPr id="30" name="Полилиния 29"/>
+            <p:cNvSpPr/>
+            <p:nvPr/>
+          </p:nvSpPr>
+          <p:spPr>
+            <a:xfrm>
+              <a:off x="4692498" y="4218847"/>
+              <a:ext cx="2448740" cy="944437"/>
+            </a:xfrm>
+            <a:custGeom>
+              <a:avLst/>
+              <a:gdLst>
+                <a:gd name="connsiteX0" fmla="*/ 0 w 3664985"/>
+                <a:gd name="connsiteY0" fmla="*/ 0 h 970525"/>
+                <a:gd name="connsiteX1" fmla="*/ 3664985 w 3664985"/>
+                <a:gd name="connsiteY1" fmla="*/ 0 h 970525"/>
+                <a:gd name="connsiteX2" fmla="*/ 3664985 w 3664985"/>
+                <a:gd name="connsiteY2" fmla="*/ 970525 h 970525"/>
+                <a:gd name="connsiteX3" fmla="*/ 0 w 3664985"/>
+                <a:gd name="connsiteY3" fmla="*/ 970525 h 970525"/>
+                <a:gd name="connsiteX4" fmla="*/ 0 w 3664985"/>
+                <a:gd name="connsiteY4" fmla="*/ 0 h 970525"/>
+              </a:gdLst>
+              <a:ahLst/>
+              <a:cxnLst>
+                <a:cxn ang="0">
+                  <a:pos x="connsiteX0" y="connsiteY0"/>
+                </a:cxn>
+                <a:cxn ang="0">
+                  <a:pos x="connsiteX1" y="connsiteY1"/>
+                </a:cxn>
+                <a:cxn ang="0">
+                  <a:pos x="connsiteX2" y="connsiteY2"/>
+                </a:cxn>
+                <a:cxn ang="0">
+                  <a:pos x="connsiteX3" y="connsiteY3"/>
+                </a:cxn>
+                <a:cxn ang="0">
+                  <a:pos x="connsiteX4" y="connsiteY4"/>
+                </a:cxn>
+              </a:cxnLst>
+              <a:rect l="l" t="t" r="r" b="b"/>
+              <a:pathLst>
+                <a:path w="3664985" h="970525">
+                  <a:moveTo>
+                    <a:pt x="0" y="0"/>
+                  </a:moveTo>
+                  <a:lnTo>
+                    <a:pt x="3664985" y="0"/>
+                  </a:lnTo>
+                  <a:lnTo>
+                    <a:pt x="3664985" y="970525"/>
+                  </a:lnTo>
+                  <a:lnTo>
+                    <a:pt x="0" y="970525"/>
+                  </a:lnTo>
+                  <a:lnTo>
+                    <a:pt x="0" y="0"/>
+                  </a:lnTo>
+                  <a:close/>
+                </a:path>
+              </a:pathLst>
+            </a:custGeom>
+            <a:solidFill>
+              <a:srgbClr val="434B85"/>
+            </a:solidFill>
+          </p:spPr>
+          <p:style>
+            <a:lnRef idx="2">
+              <a:schemeClr val="lt1">
+                <a:hueOff val="0"/>
+                <a:satOff val="0"/>
+                <a:lumOff val="0"/>
+                <a:alphaOff val="0"/>
+              </a:schemeClr>
+            </a:lnRef>
+            <a:fillRef idx="1">
+              <a:scrgbClr r="0" g="0" b="0"/>
+            </a:fillRef>
+            <a:effectRef idx="0">
+              <a:schemeClr val="accent5">
+                <a:hueOff val="-2758535"/>
+                <a:satOff val="1296"/>
+                <a:lumOff val="-36706"/>
+                <a:alphaOff val="0"/>
+              </a:schemeClr>
+            </a:effectRef>
+            <a:fontRef idx="minor">
+              <a:schemeClr val="lt1"/>
+            </a:fontRef>
+          </p:style>
+          <p:txBody>
+            <a:bodyPr spcFirstLastPara="0" vert="horz" wrap="square" lIns="60960" tIns="60960" rIns="60960" bIns="60960" numCol="1" spcCol="1270" anchor="ctr" anchorCtr="0">
+              <a:noAutofit/>
+            </a:bodyPr>
+            <a:lstStyle/>
+            <a:p>
+              <a:pPr lvl="0" algn="ctr" defTabSz="711200">
+                <a:lnSpc>
+                  <a:spcPct val="90000"/>
+                </a:lnSpc>
+                <a:spcBef>
+                  <a:spcPct val="0"/>
+                </a:spcBef>
+                <a:spcAft>
+                  <a:spcPct val="35000"/>
+                </a:spcAft>
+              </a:pPr>
+              <a:r>
+                <a:rPr lang="ru-RU" sz="1600" kern="1200" dirty="0" smtClean="0"/>
+                <a:t>Ответственный</a:t>
+              </a:r>
+              <a:r>
+                <a:rPr lang="ru-RU" sz="1600" kern="1200" baseline="0" dirty="0" smtClean="0"/>
+                <a:t> за дизайн</a:t>
+              </a:r>
+            </a:p>
+            <a:p>
+              <a:pPr lvl="0" algn="ctr" defTabSz="711200">
+                <a:lnSpc>
+                  <a:spcPct val="90000"/>
+                </a:lnSpc>
+                <a:spcBef>
+                  <a:spcPct val="0"/>
+                </a:spcBef>
+                <a:spcAft>
+                  <a:spcPct val="35000"/>
+                </a:spcAft>
+              </a:pPr>
+              <a:r>
+                <a:rPr lang="ru-RU" sz="1600" kern="1200" baseline="0" dirty="0" err="1" smtClean="0"/>
+                <a:t>Северин</a:t>
+              </a:r>
+              <a:r>
+                <a:rPr lang="ru-RU" sz="1600" kern="1200" baseline="0" dirty="0" smtClean="0"/>
+                <a:t> </a:t>
+              </a:r>
+              <a:r>
+                <a:rPr lang="ru-RU" sz="1600" kern="1200" baseline="0" dirty="0" err="1" smtClean="0"/>
+                <a:t>Вервальд</a:t>
+              </a:r>
+              <a:endParaRPr lang="ru-RU" sz="1600" kern="1200" dirty="0"/>
+            </a:p>
+          </p:txBody>
+        </p:sp>
+        <p:sp>
+          <p:nvSpPr>
+            <p:cNvPr id="31" name="Полилиния 30"/>
+            <p:cNvSpPr/>
+            <p:nvPr/>
+          </p:nvSpPr>
+          <p:spPr>
+            <a:xfrm>
+              <a:off x="8439342" y="5532114"/>
+              <a:ext cx="1491728" cy="602820"/>
+            </a:xfrm>
+            <a:custGeom>
+              <a:avLst/>
+              <a:gdLst>
+                <a:gd name="connsiteX0" fmla="*/ 0 w 2014420"/>
+                <a:gd name="connsiteY0" fmla="*/ 0 h 553263"/>
+                <a:gd name="connsiteX1" fmla="*/ 2014420 w 2014420"/>
+                <a:gd name="connsiteY1" fmla="*/ 0 h 553263"/>
+                <a:gd name="connsiteX2" fmla="*/ 2014420 w 2014420"/>
+                <a:gd name="connsiteY2" fmla="*/ 553263 h 553263"/>
+                <a:gd name="connsiteX3" fmla="*/ 0 w 2014420"/>
+                <a:gd name="connsiteY3" fmla="*/ 553263 h 553263"/>
+                <a:gd name="connsiteX4" fmla="*/ 0 w 2014420"/>
+                <a:gd name="connsiteY4" fmla="*/ 0 h 553263"/>
+              </a:gdLst>
+              <a:ahLst/>
+              <a:cxnLst>
+                <a:cxn ang="0">
+                  <a:pos x="connsiteX0" y="connsiteY0"/>
+                </a:cxn>
+                <a:cxn ang="0">
+                  <a:pos x="connsiteX1" y="connsiteY1"/>
+                </a:cxn>
+                <a:cxn ang="0">
+                  <a:pos x="connsiteX2" y="connsiteY2"/>
+                </a:cxn>
+                <a:cxn ang="0">
+                  <a:pos x="connsiteX3" y="connsiteY3"/>
+                </a:cxn>
+                <a:cxn ang="0">
+                  <a:pos x="connsiteX4" y="connsiteY4"/>
+                </a:cxn>
+              </a:cxnLst>
+              <a:rect l="l" t="t" r="r" b="b"/>
+              <a:pathLst>
+                <a:path w="2014420" h="553263">
+                  <a:moveTo>
+                    <a:pt x="0" y="0"/>
+                  </a:moveTo>
+                  <a:lnTo>
+                    <a:pt x="2014420" y="0"/>
+                  </a:lnTo>
+                  <a:lnTo>
+                    <a:pt x="2014420" y="553263"/>
+                  </a:lnTo>
+                  <a:lnTo>
+                    <a:pt x="0" y="553263"/>
+                  </a:lnTo>
+                  <a:lnTo>
+                    <a:pt x="0" y="0"/>
+                  </a:lnTo>
+                  <a:close/>
+                </a:path>
+              </a:pathLst>
+            </a:custGeom>
+            <a:solidFill>
+              <a:srgbClr val="5652A0"/>
+            </a:solidFill>
+          </p:spPr>
+          <p:style>
+            <a:lnRef idx="2">
+              <a:schemeClr val="lt1">
+                <a:hueOff val="0"/>
+                <a:satOff val="0"/>
+                <a:lumOff val="0"/>
+                <a:alphaOff val="0"/>
+              </a:schemeClr>
+            </a:lnRef>
+            <a:fillRef idx="1">
+              <a:scrgbClr r="0" g="0" b="0"/>
+            </a:fillRef>
+            <a:effectRef idx="0">
+              <a:schemeClr val="accent5">
+                <a:hueOff val="-3065039"/>
+                <a:satOff val="1440"/>
+                <a:lumOff val="-40784"/>
+                <a:alphaOff val="0"/>
+              </a:schemeClr>
+            </a:effectRef>
+            <a:fontRef idx="minor">
+              <a:schemeClr val="lt1"/>
+            </a:fontRef>
+          </p:style>
+          <p:txBody>
+            <a:bodyPr spcFirstLastPara="0" vert="horz" wrap="square" lIns="68580" tIns="68580" rIns="68580" bIns="68580" numCol="1" spcCol="1270" anchor="ctr" anchorCtr="0">
+              <a:noAutofit/>
+            </a:bodyPr>
+            <a:lstStyle/>
+            <a:p>
+              <a:pPr lvl="0" algn="ctr" defTabSz="800100">
+                <a:lnSpc>
+                  <a:spcPct val="90000"/>
+                </a:lnSpc>
+                <a:spcBef>
+                  <a:spcPct val="0"/>
+                </a:spcBef>
+                <a:spcAft>
+                  <a:spcPct val="35000"/>
+                </a:spcAft>
+              </a:pPr>
+              <a:r>
+                <a:rPr lang="ru-RU" sz="1600" kern="1200" dirty="0" err="1" smtClean="0"/>
+                <a:t>Урташев</a:t>
+              </a:r>
+              <a:r>
+                <a:rPr lang="ru-RU" sz="1600" kern="1200" dirty="0" smtClean="0"/>
+                <a:t> </a:t>
+              </a:r>
+              <a:r>
+                <a:rPr lang="ru-RU" sz="1600" kern="1200" dirty="0" err="1" smtClean="0"/>
+                <a:t>Арслан</a:t>
+              </a:r>
+              <a:endParaRPr lang="ru-RU" sz="1600" kern="1200" dirty="0"/>
+            </a:p>
+          </p:txBody>
+        </p:sp>
+      </p:grpSp>
       <p:sp>
         <p:nvSpPr>
-          <p:cNvPr id="3" name="Объект 2"/>
-          <p:cNvSpPr>
-            <a:spLocks noGrp="1"/>
-          </p:cNvSpPr>
-          <p:nvPr>
-            <p:ph idx="1"/>
-          </p:nvPr>
+          <p:cNvPr id="34" name="Стрелка вправо 33"/>
+          <p:cNvSpPr/>
+          <p:nvPr/>
         </p:nvSpPr>
-        <p:spPr/>
+        <p:spPr>
+          <a:xfrm>
+            <a:off x="8671106" y="3419061"/>
+            <a:ext cx="641579" cy="45719"/>
+          </a:xfrm>
+          <a:prstGeom prst="rightArrow">
+            <a:avLst/>
+          </a:prstGeom>
+        </p:spPr>
+        <p:style>
+          <a:lnRef idx="2">
+            <a:schemeClr val="accent1">
+              <a:shade val="50000"/>
+            </a:schemeClr>
+          </a:lnRef>
+          <a:fillRef idx="1">
+            <a:schemeClr val="accent1"/>
+          </a:fillRef>
+          <a:effectRef idx="0">
+            <a:schemeClr val="accent1"/>
+          </a:effectRef>
+          <a:fontRef idx="minor">
+            <a:schemeClr val="lt1"/>
+          </a:fontRef>
+        </p:style>
         <p:txBody>
-          <a:bodyPr/>
+          <a:bodyPr rtlCol="0" anchor="ctr"/>
           <a:lstStyle/>
           <a:p>
-            <a:endParaRPr lang="ru-RU" dirty="0"/>
+            <a:pPr algn="ctr"/>
+            <a:endParaRPr lang="ru-RU"/>
+          </a:p>
+        </p:txBody>
+      </p:sp>
+      <p:sp>
+        <p:nvSpPr>
+          <p:cNvPr id="35" name="Стрелка вправо 34"/>
+          <p:cNvSpPr/>
+          <p:nvPr/>
+        </p:nvSpPr>
+        <p:spPr>
+          <a:xfrm rot="10800000">
+            <a:off x="8671105" y="3538394"/>
+            <a:ext cx="641579" cy="45719"/>
+          </a:xfrm>
+          <a:prstGeom prst="rightArrow">
+            <a:avLst/>
+          </a:prstGeom>
+        </p:spPr>
+        <p:style>
+          <a:lnRef idx="2">
+            <a:schemeClr val="accent1">
+              <a:shade val="50000"/>
+            </a:schemeClr>
+          </a:lnRef>
+          <a:fillRef idx="1">
+            <a:schemeClr val="accent1"/>
+          </a:fillRef>
+          <a:effectRef idx="0">
+            <a:schemeClr val="accent1"/>
+          </a:effectRef>
+          <a:fontRef idx="minor">
+            <a:schemeClr val="lt1"/>
+          </a:fontRef>
+        </p:style>
+        <p:txBody>
+          <a:bodyPr rtlCol="0" anchor="ctr"/>
+          <a:lstStyle/>
+          <a:p>
+            <a:pPr algn="ctr"/>
+            <a:endParaRPr lang="ru-RU"/>
+          </a:p>
+        </p:txBody>
+      </p:sp>
+      <p:sp>
+        <p:nvSpPr>
+          <p:cNvPr id="37" name="Стрелка вправо 36"/>
+          <p:cNvSpPr/>
+          <p:nvPr/>
+        </p:nvSpPr>
+        <p:spPr>
+          <a:xfrm>
+            <a:off x="5448146" y="3355514"/>
+            <a:ext cx="641579" cy="45719"/>
+          </a:xfrm>
+          <a:prstGeom prst="rightArrow">
+            <a:avLst/>
+          </a:prstGeom>
+        </p:spPr>
+        <p:style>
+          <a:lnRef idx="2">
+            <a:schemeClr val="accent1">
+              <a:shade val="50000"/>
+            </a:schemeClr>
+          </a:lnRef>
+          <a:fillRef idx="1">
+            <a:schemeClr val="accent1"/>
+          </a:fillRef>
+          <a:effectRef idx="0">
+            <a:schemeClr val="accent1"/>
+          </a:effectRef>
+          <a:fontRef idx="minor">
+            <a:schemeClr val="lt1"/>
+          </a:fontRef>
+        </p:style>
+        <p:txBody>
+          <a:bodyPr rtlCol="0" anchor="ctr"/>
+          <a:lstStyle/>
+          <a:p>
+            <a:pPr algn="ctr"/>
+            <a:endParaRPr lang="ru-RU"/>
+          </a:p>
+        </p:txBody>
+      </p:sp>
+      <p:sp>
+        <p:nvSpPr>
+          <p:cNvPr id="38" name="Стрелка вправо 37"/>
+          <p:cNvSpPr/>
+          <p:nvPr/>
+        </p:nvSpPr>
+        <p:spPr>
+          <a:xfrm rot="5400000">
+            <a:off x="6469288" y="2786548"/>
+            <a:ext cx="314897" cy="45719"/>
+          </a:xfrm>
+          <a:prstGeom prst="rightArrow">
+            <a:avLst/>
+          </a:prstGeom>
+        </p:spPr>
+        <p:style>
+          <a:lnRef idx="2">
+            <a:schemeClr val="accent1">
+              <a:shade val="50000"/>
+            </a:schemeClr>
+          </a:lnRef>
+          <a:fillRef idx="1">
+            <a:schemeClr val="accent1"/>
+          </a:fillRef>
+          <a:effectRef idx="0">
+            <a:schemeClr val="accent1"/>
+          </a:effectRef>
+          <a:fontRef idx="minor">
+            <a:schemeClr val="lt1"/>
+          </a:fontRef>
+        </p:style>
+        <p:txBody>
+          <a:bodyPr rtlCol="0" anchor="ctr"/>
+          <a:lstStyle/>
+          <a:p>
+            <a:pPr algn="ctr"/>
+            <a:endParaRPr lang="ru-RU"/>
+          </a:p>
+        </p:txBody>
+      </p:sp>
+      <p:sp>
+        <p:nvSpPr>
+          <p:cNvPr id="39" name="Стрелка вправо 38"/>
+          <p:cNvSpPr/>
+          <p:nvPr/>
+        </p:nvSpPr>
+        <p:spPr>
+          <a:xfrm rot="16200000">
+            <a:off x="9497921" y="4200600"/>
+            <a:ext cx="358602" cy="45719"/>
+          </a:xfrm>
+          <a:prstGeom prst="rightArrow">
+            <a:avLst/>
+          </a:prstGeom>
+        </p:spPr>
+        <p:style>
+          <a:lnRef idx="2">
+            <a:schemeClr val="accent1">
+              <a:shade val="50000"/>
+            </a:schemeClr>
+          </a:lnRef>
+          <a:fillRef idx="1">
+            <a:schemeClr val="accent1"/>
+          </a:fillRef>
+          <a:effectRef idx="0">
+            <a:schemeClr val="accent1"/>
+          </a:effectRef>
+          <a:fontRef idx="minor">
+            <a:schemeClr val="lt1"/>
+          </a:fontRef>
+        </p:style>
+        <p:txBody>
+          <a:bodyPr rtlCol="0" anchor="ctr"/>
+          <a:lstStyle/>
+          <a:p>
+            <a:pPr algn="ctr"/>
+            <a:endParaRPr lang="ru-RU"/>
+          </a:p>
+        </p:txBody>
+      </p:sp>
+      <p:sp>
+        <p:nvSpPr>
+          <p:cNvPr id="40" name="Стрелка углом 39"/>
+          <p:cNvSpPr/>
+          <p:nvPr/>
+        </p:nvSpPr>
+        <p:spPr>
+          <a:xfrm rot="5400000" flipH="1">
+            <a:off x="9897668" y="4687512"/>
+            <a:ext cx="2168211" cy="853922"/>
+          </a:xfrm>
+          <a:prstGeom prst="bentArrow">
+            <a:avLst>
+              <a:gd name="adj1" fmla="val 3053"/>
+              <a:gd name="adj2" fmla="val 3464"/>
+              <a:gd name="adj3" fmla="val 6083"/>
+              <a:gd name="adj4" fmla="val 43750"/>
+            </a:avLst>
+          </a:prstGeom>
+        </p:spPr>
+        <p:style>
+          <a:lnRef idx="2">
+            <a:schemeClr val="accent1">
+              <a:shade val="50000"/>
+            </a:schemeClr>
+          </a:lnRef>
+          <a:fillRef idx="1">
+            <a:schemeClr val="accent1"/>
+          </a:fillRef>
+          <a:effectRef idx="0">
+            <a:schemeClr val="accent1"/>
+          </a:effectRef>
+          <a:fontRef idx="minor">
+            <a:schemeClr val="lt1"/>
+          </a:fontRef>
+        </p:style>
+        <p:txBody>
+          <a:bodyPr rtlCol="0" anchor="ctr"/>
+          <a:lstStyle/>
+          <a:p>
+            <a:pPr algn="ctr"/>
+            <a:endParaRPr lang="ru-RU">
+              <a:solidFill>
+                <a:schemeClr val="tx1"/>
+              </a:solidFill>
+            </a:endParaRPr>
           </a:p>
         </p:txBody>
       </p:sp>
@@ -18555,13 +19874,13 @@
   <p:clrMapOvr>
     <a:masterClrMapping/>
   </p:clrMapOvr>
-  <mc:AlternateContent xmlns:mc="http://schemas.openxmlformats.org/markup-compatibility/2006">
-    <mc:Choice xmlns:p14="http://schemas.microsoft.com/office/powerpoint/2010/main" Requires="p14">
+  <mc:AlternateContent xmlns:mc="http://schemas.openxmlformats.org/markup-compatibility/2006" xmlns:p14="http://schemas.microsoft.com/office/powerpoint/2010/main">
+    <mc:Choice Requires="p14">
       <p:transition spd="med" p14:dur="700">
         <p:fade/>
       </p:transition>
     </mc:Choice>
-    <mc:Fallback>
+    <mc:Fallback xmlns="">
       <p:transition spd="med">
         <p:fade/>
       </p:transition>

--- a/k224-docs/Servis_po_organizatsii_i_poisku_meropriaty_Par.pptx
+++ b/k224-docs/Servis_po_organizatsii_i_poisku_meropriaty_Par.pptx
@@ -5,10 +5,10 @@
     <p:sldMasterId id="2147483662" r:id="rId2"/>
   </p:sldMasterIdLst>
   <p:notesMasterIdLst>
-    <p:notesMasterId r:id="rId26"/>
+    <p:notesMasterId r:id="rId24"/>
   </p:notesMasterIdLst>
   <p:handoutMasterIdLst>
-    <p:handoutMasterId r:id="rId27"/>
+    <p:handoutMasterId r:id="rId25"/>
   </p:handoutMasterIdLst>
   <p:sldIdLst>
     <p:sldId id="257" r:id="rId3"/>
@@ -22,18 +22,16 @@
     <p:sldId id="278" r:id="rId11"/>
     <p:sldId id="279" r:id="rId12"/>
     <p:sldId id="280" r:id="rId13"/>
-    <p:sldId id="277" r:id="rId14"/>
-    <p:sldId id="275" r:id="rId15"/>
-    <p:sldId id="276" r:id="rId16"/>
-    <p:sldId id="281" r:id="rId17"/>
-    <p:sldId id="259" r:id="rId18"/>
-    <p:sldId id="260" r:id="rId19"/>
-    <p:sldId id="261" r:id="rId20"/>
-    <p:sldId id="265" r:id="rId21"/>
-    <p:sldId id="267" r:id="rId22"/>
-    <p:sldId id="268" r:id="rId23"/>
-    <p:sldId id="269" r:id="rId24"/>
-    <p:sldId id="263" r:id="rId25"/>
+    <p:sldId id="283" r:id="rId14"/>
+    <p:sldId id="284" r:id="rId15"/>
+    <p:sldId id="277" r:id="rId16"/>
+    <p:sldId id="275" r:id="rId17"/>
+    <p:sldId id="276" r:id="rId18"/>
+    <p:sldId id="282" r:id="rId19"/>
+    <p:sldId id="281" r:id="rId20"/>
+    <p:sldId id="259" r:id="rId21"/>
+    <p:sldId id="260" r:id="rId22"/>
+    <p:sldId id="261" r:id="rId23"/>
   </p:sldIdLst>
   <p:sldSz cx="12192000" cy="6858000"/>
   <p:notesSz cx="6858000" cy="9144000"/>
@@ -385,11 +383,11 @@
         </c:dLbls>
         <c:marker val="1"/>
         <c:smooth val="0"/>
-        <c:axId val="582794592"/>
-        <c:axId val="582789104"/>
+        <c:axId val="257086888"/>
+        <c:axId val="257085712"/>
       </c:lineChart>
       <c:dateAx>
-        <c:axId val="582794592"/>
+        <c:axId val="257086888"/>
         <c:scaling>
           <c:orientation val="minMax"/>
         </c:scaling>
@@ -429,14 +427,14 @@
             <a:endParaRPr lang="ru-RU"/>
           </a:p>
         </c:txPr>
-        <c:crossAx val="582789104"/>
+        <c:crossAx val="257085712"/>
         <c:crosses val="autoZero"/>
         <c:auto val="1"/>
         <c:lblOffset val="100"/>
         <c:baseTimeUnit val="days"/>
       </c:dateAx>
       <c:valAx>
-        <c:axId val="582789104"/>
+        <c:axId val="257085712"/>
         <c:scaling>
           <c:orientation val="minMax"/>
         </c:scaling>
@@ -512,7 +510,7 @@
             <a:endParaRPr lang="ru-RU"/>
           </a:p>
         </c:txPr>
-        <c:crossAx val="582794592"/>
+        <c:crossAx val="257086888"/>
         <c:crosses val="autoZero"/>
         <c:crossBetween val="between"/>
       </c:valAx>
@@ -1297,11 +1295,11 @@
         </c:dLbls>
         <c:gapWidth val="100"/>
         <c:overlap val="-24"/>
-        <c:axId val="582806352"/>
-        <c:axId val="582800864"/>
+        <c:axId val="260081080"/>
+        <c:axId val="260079904"/>
       </c:barChart>
       <c:catAx>
-        <c:axId val="582806352"/>
+        <c:axId val="260081080"/>
         <c:scaling>
           <c:orientation val="minMax"/>
         </c:scaling>
@@ -1341,7 +1339,7 @@
             <a:endParaRPr lang="ru-RU"/>
           </a:p>
         </c:txPr>
-        <c:crossAx val="582800864"/>
+        <c:crossAx val="260079904"/>
         <c:crosses val="autoZero"/>
         <c:auto val="1"/>
         <c:lblAlgn val="ctr"/>
@@ -1349,7 +1347,7 @@
         <c:noMultiLvlLbl val="0"/>
       </c:catAx>
       <c:valAx>
-        <c:axId val="582800864"/>
+        <c:axId val="260079904"/>
         <c:scaling>
           <c:orientation val="minMax"/>
         </c:scaling>
@@ -1397,7 +1395,7 @@
             <a:endParaRPr lang="ru-RU"/>
           </a:p>
         </c:txPr>
-        <c:crossAx val="582806352"/>
+        <c:crossAx val="260081080"/>
         <c:crosses val="autoZero"/>
         <c:crossBetween val="between"/>
       </c:valAx>
@@ -1411,6 +1409,7 @@
     </c:plotArea>
     <c:legend>
       <c:legendPos val="b"/>
+      <c:layout/>
       <c:overlay val="0"/>
       <c:spPr>
         <a:noFill/>
@@ -6616,45 +6615,45 @@
     </dgm:pt>
   </dgm:ptLst>
   <dgm:cxnLst>
-    <dgm:cxn modelId="{6380C4C7-4EBB-43A2-9301-54A5C9841434}" type="presOf" srcId="{FAAD98B4-2CE9-4214-8BB6-F03CEEE572FF}" destId="{4D58B8E3-ABF3-466F-BE72-A1334046C3F4}" srcOrd="0" destOrd="2" presId="urn:microsoft.com/office/officeart/2005/8/layout/cycle4"/>
+    <dgm:cxn modelId="{32D9F149-C2A1-4DD8-A69C-877BCA8D5EDD}" type="presOf" srcId="{FAAD98B4-2CE9-4214-8BB6-F03CEEE572FF}" destId="{38CD6BD6-D3E2-4B97-8665-48065905F491}" srcOrd="1" destOrd="2" presId="urn:microsoft.com/office/officeart/2005/8/layout/cycle4"/>
+    <dgm:cxn modelId="{32486DDC-2E79-4178-8461-4BC45C795BB2}" srcId="{01A583E1-6537-45F8-AE09-C85491C9FC1D}" destId="{F9BE74C9-EC7E-4268-8C5A-882B3EFFF8FD}" srcOrd="3" destOrd="0" parTransId="{EA0E44FE-C617-463A-B76E-A9DC58753A03}" sibTransId="{0967E1B8-BCB6-4EBC-AE86-D9382359FC3F}"/>
+    <dgm:cxn modelId="{CB0B1B1A-10F9-41F1-A66F-C247C25FE7E2}" type="presOf" srcId="{618CC25E-9050-4FB6-9F11-CAFC660578FC}" destId="{382DE9F5-C159-437A-AA3E-CE93A76C5FDC}" srcOrd="0" destOrd="0" presId="urn:microsoft.com/office/officeart/2005/8/layout/cycle4"/>
+    <dgm:cxn modelId="{6F2C1348-DD44-4E86-9478-89C1CF069569}" srcId="{01A583E1-6537-45F8-AE09-C85491C9FC1D}" destId="{2BBE2155-4658-4D02-8319-6DF4106EA8CC}" srcOrd="1" destOrd="0" parTransId="{3724DD7C-05CC-4DEB-8DAD-8B592C981C96}" sibTransId="{632890C8-ECA2-44D8-9A94-863A64665BBC}"/>
+    <dgm:cxn modelId="{00B4959F-898B-4380-9C95-B6E29A75A95C}" type="presOf" srcId="{618CC25E-9050-4FB6-9F11-CAFC660578FC}" destId="{7BE406E3-09FD-43B4-AAF9-51FAB58146A3}" srcOrd="1" destOrd="0" presId="urn:microsoft.com/office/officeart/2005/8/layout/cycle4"/>
+    <dgm:cxn modelId="{02D76481-2E62-4BA9-9F42-AE33CB3B6F3E}" type="presOf" srcId="{E5ACC793-F455-4177-B2A7-6FC33C9C1025}" destId="{C05EAFFC-2644-44E2-967D-B53235C71A38}" srcOrd="1" destOrd="3" presId="urn:microsoft.com/office/officeart/2005/8/layout/cycle4"/>
     <dgm:cxn modelId="{5900A8BD-7DF5-411F-BDC8-2899BCECAF71}" type="presOf" srcId="{2BFBAB07-2C4C-4FAB-9052-FFD3F4A28A9E}" destId="{C05EAFFC-2644-44E2-967D-B53235C71A38}" srcOrd="1" destOrd="1" presId="urn:microsoft.com/office/officeart/2005/8/layout/cycle4"/>
-    <dgm:cxn modelId="{9BF38558-2481-46D5-AB3E-FC48BBE62666}" srcId="{F9BE74C9-EC7E-4268-8C5A-882B3EFFF8FD}" destId="{E5ACC793-F455-4177-B2A7-6FC33C9C1025}" srcOrd="3" destOrd="0" parTransId="{F3D91DD1-F12E-4C5D-82CF-86CF95B338AA}" sibTransId="{0E3913D7-3C7B-49AF-9134-A90315714B9E}"/>
-    <dgm:cxn modelId="{7F659E51-2E2F-40FF-9479-2FD7E732DF62}" type="presOf" srcId="{2D6962E4-72B9-4B1E-B258-246893A88E0D}" destId="{60DA8870-9857-4057-BC91-DD9B798F041F}" srcOrd="0" destOrd="0" presId="urn:microsoft.com/office/officeart/2005/8/layout/cycle4"/>
-    <dgm:cxn modelId="{9991E351-28AB-47A6-8963-A9D299DB8675}" type="presOf" srcId="{989E09AB-A343-466C-BC14-C765FC9A1DD7}" destId="{4D58B8E3-ABF3-466F-BE72-A1334046C3F4}" srcOrd="0" destOrd="1" presId="urn:microsoft.com/office/officeart/2005/8/layout/cycle4"/>
-    <dgm:cxn modelId="{CB0B1B1A-10F9-41F1-A66F-C247C25FE7E2}" type="presOf" srcId="{618CC25E-9050-4FB6-9F11-CAFC660578FC}" destId="{382DE9F5-C159-437A-AA3E-CE93A76C5FDC}" srcOrd="0" destOrd="0" presId="urn:microsoft.com/office/officeart/2005/8/layout/cycle4"/>
-    <dgm:cxn modelId="{32486DDC-2E79-4178-8461-4BC45C795BB2}" srcId="{01A583E1-6537-45F8-AE09-C85491C9FC1D}" destId="{F9BE74C9-EC7E-4268-8C5A-882B3EFFF8FD}" srcOrd="3" destOrd="0" parTransId="{EA0E44FE-C617-463A-B76E-A9DC58753A03}" sibTransId="{0967E1B8-BCB6-4EBC-AE86-D9382359FC3F}"/>
-    <dgm:cxn modelId="{EDDAA38D-6E30-4543-B0F1-EAA9A6A477C7}" srcId="{01A583E1-6537-45F8-AE09-C85491C9FC1D}" destId="{2D6962E4-72B9-4B1E-B258-246893A88E0D}" srcOrd="0" destOrd="0" parTransId="{5502C073-0884-4CFE-A849-62990833CEE5}" sibTransId="{0E9043AA-3D92-4FE3-8FA8-E174F20EB8FF}"/>
+    <dgm:cxn modelId="{EDA00CFB-CF50-47D2-9DB9-9D5DE58CAD7E}" srcId="{2D6962E4-72B9-4B1E-B258-246893A88E0D}" destId="{989E09AB-A343-466C-BC14-C765FC9A1DD7}" srcOrd="1" destOrd="0" parTransId="{288B4C8E-3DA7-4373-926B-0E2EBA929F32}" sibTransId="{FB5D77EC-83C1-4323-ACE4-4842959B2E06}"/>
+    <dgm:cxn modelId="{F41F6067-9583-4D97-9E45-7AAACB397DC1}" srcId="{01A583E1-6537-45F8-AE09-C85491C9FC1D}" destId="{5BCD62D5-23CD-4A5A-A476-269CE76914DC}" srcOrd="2" destOrd="0" parTransId="{C274F423-C9C0-423A-80FB-84C18F1C3BA8}" sibTransId="{6CCF063A-E379-49B3-9CC0-57BB9F2B8432}"/>
+    <dgm:cxn modelId="{67308CEA-9FD1-426E-BDAA-B330570BC27C}" type="presOf" srcId="{23580231-228D-4259-948C-ECAED9FB6BBD}" destId="{22A0A0BC-6367-462E-93A8-CA8C46FCDCA0}" srcOrd="0" destOrd="0" presId="urn:microsoft.com/office/officeart/2005/8/layout/cycle4"/>
     <dgm:cxn modelId="{DE7E25E1-0419-411E-8CE9-67B65CD394AF}" type="presOf" srcId="{7095E70B-7EFB-4733-BA44-C4BB0599979F}" destId="{38CD6BD6-D3E2-4B97-8665-48065905F491}" srcOrd="1" destOrd="3" presId="urn:microsoft.com/office/officeart/2005/8/layout/cycle4"/>
-    <dgm:cxn modelId="{0867E0A3-B749-4FC7-AFD8-611582642A56}" srcId="{5BCD62D5-23CD-4A5A-A476-269CE76914DC}" destId="{618CC25E-9050-4FB6-9F11-CAFC660578FC}" srcOrd="0" destOrd="0" parTransId="{892FDF72-278A-4E94-A52C-C9A43137F613}" sibTransId="{E48127D6-89B0-4F87-A1F9-517011A96A5B}"/>
-    <dgm:cxn modelId="{EDA00CFB-CF50-47D2-9DB9-9D5DE58CAD7E}" srcId="{2D6962E4-72B9-4B1E-B258-246893A88E0D}" destId="{989E09AB-A343-466C-BC14-C765FC9A1DD7}" srcOrd="1" destOrd="0" parTransId="{288B4C8E-3DA7-4373-926B-0E2EBA929F32}" sibTransId="{FB5D77EC-83C1-4323-ACE4-4842959B2E06}"/>
-    <dgm:cxn modelId="{5474BC8E-7785-4D13-A4F3-61EF990ED269}" type="presOf" srcId="{F8507812-6291-4C9B-AA0B-B8AF3A68427D}" destId="{22A0A0BC-6367-462E-93A8-CA8C46FCDCA0}" srcOrd="0" destOrd="2" presId="urn:microsoft.com/office/officeart/2005/8/layout/cycle4"/>
-    <dgm:cxn modelId="{41218EDB-BD90-4410-89D0-F42795B77442}" type="presOf" srcId="{F9BE74C9-EC7E-4268-8C5A-882B3EFFF8FD}" destId="{809A40DB-630A-4CA0-804D-1A67767C019F}" srcOrd="0" destOrd="0" presId="urn:microsoft.com/office/officeart/2005/8/layout/cycle4"/>
+    <dgm:cxn modelId="{C729B709-07FE-42F4-AAEB-B07A501F7CBF}" type="presOf" srcId="{2BBE2155-4658-4D02-8319-6DF4106EA8CC}" destId="{147178AE-0CD4-4FA3-A352-95F7DEF02040}" srcOrd="0" destOrd="0" presId="urn:microsoft.com/office/officeart/2005/8/layout/cycle4"/>
+    <dgm:cxn modelId="{25B6265F-DE51-4D72-88A4-F99F10356E86}" srcId="{F9BE74C9-EC7E-4268-8C5A-882B3EFFF8FD}" destId="{2BFBAB07-2C4C-4FAB-9052-FFD3F4A28A9E}" srcOrd="1" destOrd="0" parTransId="{40C55B56-8FA6-4369-9144-9E433D309CBB}" sibTransId="{7A024E95-77FA-4074-8271-31A91DA4713B}"/>
     <dgm:cxn modelId="{7647034C-6B12-4E3A-BEA0-6005F318DA9E}" type="presOf" srcId="{490168AD-E14E-4940-8CC2-7C35F66AB41B}" destId="{BD656469-D70B-4710-B138-3ED38F1BD8E1}" srcOrd="1" destOrd="0" presId="urn:microsoft.com/office/officeart/2005/8/layout/cycle4"/>
-    <dgm:cxn modelId="{C729B709-07FE-42F4-AAEB-B07A501F7CBF}" type="presOf" srcId="{2BBE2155-4658-4D02-8319-6DF4106EA8CC}" destId="{147178AE-0CD4-4FA3-A352-95F7DEF02040}" srcOrd="0" destOrd="0" presId="urn:microsoft.com/office/officeart/2005/8/layout/cycle4"/>
-    <dgm:cxn modelId="{E4D73487-C5B1-4EB2-AF38-71DF0EBFDB67}" type="presOf" srcId="{7095E70B-7EFB-4733-BA44-C4BB0599979F}" destId="{4D58B8E3-ABF3-466F-BE72-A1334046C3F4}" srcOrd="0" destOrd="3" presId="urn:microsoft.com/office/officeart/2005/8/layout/cycle4"/>
-    <dgm:cxn modelId="{4665B531-CE39-4D8D-9C92-1B0A97DBEF06}" srcId="{2BBE2155-4658-4D02-8319-6DF4106EA8CC}" destId="{490168AD-E14E-4940-8CC2-7C35F66AB41B}" srcOrd="0" destOrd="0" parTransId="{F8E86141-CA5C-4FD7-B090-BDC097EE9ED9}" sibTransId="{409F351B-3747-4E3C-89C6-F2C76F7C931A}"/>
-    <dgm:cxn modelId="{1695E917-4CB0-460A-9E6B-4DF46E74DE66}" type="presOf" srcId="{490168AD-E14E-4940-8CC2-7C35F66AB41B}" destId="{53094224-E102-4C09-9604-A3E90CFD0EB5}" srcOrd="0" destOrd="0" presId="urn:microsoft.com/office/officeart/2005/8/layout/cycle4"/>
-    <dgm:cxn modelId="{DCB35549-6653-457E-A1A3-3F1DB9F48EB2}" srcId="{F9BE74C9-EC7E-4268-8C5A-882B3EFFF8FD}" destId="{F8507812-6291-4C9B-AA0B-B8AF3A68427D}" srcOrd="2" destOrd="0" parTransId="{4F2F02B6-C766-433A-873A-91091688269D}" sibTransId="{380A3AC5-BB38-4979-8AA3-011E077F4CA2}"/>
-    <dgm:cxn modelId="{784002D3-341F-4DF0-9345-0B1634589798}" type="presOf" srcId="{2B41BF75-F5C8-4255-892F-6328E5A9E688}" destId="{38CD6BD6-D3E2-4B97-8665-48065905F491}" srcOrd="1" destOrd="0" presId="urn:microsoft.com/office/officeart/2005/8/layout/cycle4"/>
-    <dgm:cxn modelId="{00B4959F-898B-4380-9C95-B6E29A75A95C}" type="presOf" srcId="{618CC25E-9050-4FB6-9F11-CAFC660578FC}" destId="{7BE406E3-09FD-43B4-AAF9-51FAB58146A3}" srcOrd="1" destOrd="0" presId="urn:microsoft.com/office/officeart/2005/8/layout/cycle4"/>
-    <dgm:cxn modelId="{5BB7FEFC-FF0F-40F9-85B4-B338B4BD98A3}" srcId="{F9BE74C9-EC7E-4268-8C5A-882B3EFFF8FD}" destId="{23580231-228D-4259-948C-ECAED9FB6BBD}" srcOrd="0" destOrd="0" parTransId="{CB1BEA55-1E25-49B4-8245-B386B1EBDAB7}" sibTransId="{EF2DA803-88D8-4CC3-A191-D63C166FB7FF}"/>
-    <dgm:cxn modelId="{9BAD8EFF-9B32-4433-B605-9BFDB094AF74}" type="presOf" srcId="{989E09AB-A343-466C-BC14-C765FC9A1DD7}" destId="{38CD6BD6-D3E2-4B97-8665-48065905F491}" srcOrd="1" destOrd="1" presId="urn:microsoft.com/office/officeart/2005/8/layout/cycle4"/>
-    <dgm:cxn modelId="{25B6265F-DE51-4D72-88A4-F99F10356E86}" srcId="{F9BE74C9-EC7E-4268-8C5A-882B3EFFF8FD}" destId="{2BFBAB07-2C4C-4FAB-9052-FFD3F4A28A9E}" srcOrd="1" destOrd="0" parTransId="{40C55B56-8FA6-4369-9144-9E433D309CBB}" sibTransId="{7A024E95-77FA-4074-8271-31A91DA4713B}"/>
-    <dgm:cxn modelId="{1C4B7B5B-5A26-4FB7-B7A4-76D489C60865}" srcId="{2D6962E4-72B9-4B1E-B258-246893A88E0D}" destId="{FAAD98B4-2CE9-4214-8BB6-F03CEEE572FF}" srcOrd="2" destOrd="0" parTransId="{54D2E552-AFA4-449B-855C-8D07B27E44E2}" sibTransId="{CBB1F48E-041C-465A-B96F-A59A0B7362A5}"/>
     <dgm:cxn modelId="{4EB1F7F9-51B7-4A9C-B2E8-B495495CB616}" type="presOf" srcId="{2BFBAB07-2C4C-4FAB-9052-FFD3F4A28A9E}" destId="{22A0A0BC-6367-462E-93A8-CA8C46FCDCA0}" srcOrd="0" destOrd="1" presId="urn:microsoft.com/office/officeart/2005/8/layout/cycle4"/>
     <dgm:cxn modelId="{5B1285C2-C638-4E1D-9B5F-9E11AB797450}" type="presOf" srcId="{E5ACC793-F455-4177-B2A7-6FC33C9C1025}" destId="{22A0A0BC-6367-462E-93A8-CA8C46FCDCA0}" srcOrd="0" destOrd="3" presId="urn:microsoft.com/office/officeart/2005/8/layout/cycle4"/>
-    <dgm:cxn modelId="{32D9F149-C2A1-4DD8-A69C-877BCA8D5EDD}" type="presOf" srcId="{FAAD98B4-2CE9-4214-8BB6-F03CEEE572FF}" destId="{38CD6BD6-D3E2-4B97-8665-48065905F491}" srcOrd="1" destOrd="2" presId="urn:microsoft.com/office/officeart/2005/8/layout/cycle4"/>
+    <dgm:cxn modelId="{5474BC8E-7785-4D13-A4F3-61EF990ED269}" type="presOf" srcId="{F8507812-6291-4C9B-AA0B-B8AF3A68427D}" destId="{22A0A0BC-6367-462E-93A8-CA8C46FCDCA0}" srcOrd="0" destOrd="2" presId="urn:microsoft.com/office/officeart/2005/8/layout/cycle4"/>
+    <dgm:cxn modelId="{C1CC8C5E-8C3B-4002-B283-DDF651B9C2DF}" srcId="{2D6962E4-72B9-4B1E-B258-246893A88E0D}" destId="{7095E70B-7EFB-4733-BA44-C4BB0599979F}" srcOrd="3" destOrd="0" parTransId="{64A1E298-33AE-4CD3-B3E0-AF77857653AE}" sibTransId="{BBF2356D-3C61-41D3-A629-D15BD788173A}"/>
     <dgm:cxn modelId="{3C16332A-B919-432D-BF91-AC79BAB354ED}" type="presOf" srcId="{01A583E1-6537-45F8-AE09-C85491C9FC1D}" destId="{9D4C7C9D-7ED1-464F-941B-21AB88CE8789}" srcOrd="0" destOrd="0" presId="urn:microsoft.com/office/officeart/2005/8/layout/cycle4"/>
-    <dgm:cxn modelId="{67308CEA-9FD1-426E-BDAA-B330570BC27C}" type="presOf" srcId="{23580231-228D-4259-948C-ECAED9FB6BBD}" destId="{22A0A0BC-6367-462E-93A8-CA8C46FCDCA0}" srcOrd="0" destOrd="0" presId="urn:microsoft.com/office/officeart/2005/8/layout/cycle4"/>
+    <dgm:cxn modelId="{5BB7FEFC-FF0F-40F9-85B4-B338B4BD98A3}" srcId="{F9BE74C9-EC7E-4268-8C5A-882B3EFFF8FD}" destId="{23580231-228D-4259-948C-ECAED9FB6BBD}" srcOrd="0" destOrd="0" parTransId="{CB1BEA55-1E25-49B4-8245-B386B1EBDAB7}" sibTransId="{EF2DA803-88D8-4CC3-A191-D63C166FB7FF}"/>
+    <dgm:cxn modelId="{959C0A07-B487-44FF-9CEB-B0B891D005B6}" type="presOf" srcId="{5BCD62D5-23CD-4A5A-A476-269CE76914DC}" destId="{43A2BA3D-20D2-4E5D-9CD2-B6EE3F312A3B}" srcOrd="0" destOrd="0" presId="urn:microsoft.com/office/officeart/2005/8/layout/cycle4"/>
+    <dgm:cxn modelId="{9BAD8EFF-9B32-4433-B605-9BFDB094AF74}" type="presOf" srcId="{989E09AB-A343-466C-BC14-C765FC9A1DD7}" destId="{38CD6BD6-D3E2-4B97-8665-48065905F491}" srcOrd="1" destOrd="1" presId="urn:microsoft.com/office/officeart/2005/8/layout/cycle4"/>
+    <dgm:cxn modelId="{EDDAA38D-6E30-4543-B0F1-EAA9A6A477C7}" srcId="{01A583E1-6537-45F8-AE09-C85491C9FC1D}" destId="{2D6962E4-72B9-4B1E-B258-246893A88E0D}" srcOrd="0" destOrd="0" parTransId="{5502C073-0884-4CFE-A849-62990833CEE5}" sibTransId="{0E9043AA-3D92-4FE3-8FA8-E174F20EB8FF}"/>
+    <dgm:cxn modelId="{4E151F0E-C99E-4BF4-81BC-837B231CBF92}" type="presOf" srcId="{2B41BF75-F5C8-4255-892F-6328E5A9E688}" destId="{4D58B8E3-ABF3-466F-BE72-A1334046C3F4}" srcOrd="0" destOrd="0" presId="urn:microsoft.com/office/officeart/2005/8/layout/cycle4"/>
+    <dgm:cxn modelId="{41218EDB-BD90-4410-89D0-F42795B77442}" type="presOf" srcId="{F9BE74C9-EC7E-4268-8C5A-882B3EFFF8FD}" destId="{809A40DB-630A-4CA0-804D-1A67767C019F}" srcOrd="0" destOrd="0" presId="urn:microsoft.com/office/officeart/2005/8/layout/cycle4"/>
+    <dgm:cxn modelId="{9BF38558-2481-46D5-AB3E-FC48BBE62666}" srcId="{F9BE74C9-EC7E-4268-8C5A-882B3EFFF8FD}" destId="{E5ACC793-F455-4177-B2A7-6FC33C9C1025}" srcOrd="3" destOrd="0" parTransId="{F3D91DD1-F12E-4C5D-82CF-86CF95B338AA}" sibTransId="{0E3913D7-3C7B-49AF-9134-A90315714B9E}"/>
+    <dgm:cxn modelId="{1695E917-4CB0-460A-9E6B-4DF46E74DE66}" type="presOf" srcId="{490168AD-E14E-4940-8CC2-7C35F66AB41B}" destId="{53094224-E102-4C09-9604-A3E90CFD0EB5}" srcOrd="0" destOrd="0" presId="urn:microsoft.com/office/officeart/2005/8/layout/cycle4"/>
+    <dgm:cxn modelId="{E4D73487-C5B1-4EB2-AF38-71DF0EBFDB67}" type="presOf" srcId="{7095E70B-7EFB-4733-BA44-C4BB0599979F}" destId="{4D58B8E3-ABF3-466F-BE72-A1334046C3F4}" srcOrd="0" destOrd="3" presId="urn:microsoft.com/office/officeart/2005/8/layout/cycle4"/>
+    <dgm:cxn modelId="{9991E351-28AB-47A6-8963-A9D299DB8675}" type="presOf" srcId="{989E09AB-A343-466C-BC14-C765FC9A1DD7}" destId="{4D58B8E3-ABF3-466F-BE72-A1334046C3F4}" srcOrd="0" destOrd="1" presId="urn:microsoft.com/office/officeart/2005/8/layout/cycle4"/>
+    <dgm:cxn modelId="{B55F96D7-8D63-46D6-833C-7BB32A8BF044}" type="presOf" srcId="{F8507812-6291-4C9B-AA0B-B8AF3A68427D}" destId="{C05EAFFC-2644-44E2-967D-B53235C71A38}" srcOrd="1" destOrd="2" presId="urn:microsoft.com/office/officeart/2005/8/layout/cycle4"/>
+    <dgm:cxn modelId="{4665B531-CE39-4D8D-9C92-1B0A97DBEF06}" srcId="{2BBE2155-4658-4D02-8319-6DF4106EA8CC}" destId="{490168AD-E14E-4940-8CC2-7C35F66AB41B}" srcOrd="0" destOrd="0" parTransId="{F8E86141-CA5C-4FD7-B090-BDC097EE9ED9}" sibTransId="{409F351B-3747-4E3C-89C6-F2C76F7C931A}"/>
+    <dgm:cxn modelId="{2D68FBB9-2A3F-4DFB-9547-97148AD147B2}" srcId="{2D6962E4-72B9-4B1E-B258-246893A88E0D}" destId="{2B41BF75-F5C8-4255-892F-6328E5A9E688}" srcOrd="0" destOrd="0" parTransId="{36024776-6205-43C6-9331-B14C4C951E90}" sibTransId="{30E8B699-48A6-4778-A200-BCC2B91FEAE2}"/>
+    <dgm:cxn modelId="{6380C4C7-4EBB-43A2-9301-54A5C9841434}" type="presOf" srcId="{FAAD98B4-2CE9-4214-8BB6-F03CEEE572FF}" destId="{4D58B8E3-ABF3-466F-BE72-A1334046C3F4}" srcOrd="0" destOrd="2" presId="urn:microsoft.com/office/officeart/2005/8/layout/cycle4"/>
+    <dgm:cxn modelId="{DCB35549-6653-457E-A1A3-3F1DB9F48EB2}" srcId="{F9BE74C9-EC7E-4268-8C5A-882B3EFFF8FD}" destId="{F8507812-6291-4C9B-AA0B-B8AF3A68427D}" srcOrd="2" destOrd="0" parTransId="{4F2F02B6-C766-433A-873A-91091688269D}" sibTransId="{380A3AC5-BB38-4979-8AA3-011E077F4CA2}"/>
+    <dgm:cxn modelId="{1C4B7B5B-5A26-4FB7-B7A4-76D489C60865}" srcId="{2D6962E4-72B9-4B1E-B258-246893A88E0D}" destId="{FAAD98B4-2CE9-4214-8BB6-F03CEEE572FF}" srcOrd="2" destOrd="0" parTransId="{54D2E552-AFA4-449B-855C-8D07B27E44E2}" sibTransId="{CBB1F48E-041C-465A-B96F-A59A0B7362A5}"/>
+    <dgm:cxn modelId="{7F659E51-2E2F-40FF-9479-2FD7E732DF62}" type="presOf" srcId="{2D6962E4-72B9-4B1E-B258-246893A88E0D}" destId="{60DA8870-9857-4057-BC91-DD9B798F041F}" srcOrd="0" destOrd="0" presId="urn:microsoft.com/office/officeart/2005/8/layout/cycle4"/>
+    <dgm:cxn modelId="{0867E0A3-B749-4FC7-AFD8-611582642A56}" srcId="{5BCD62D5-23CD-4A5A-A476-269CE76914DC}" destId="{618CC25E-9050-4FB6-9F11-CAFC660578FC}" srcOrd="0" destOrd="0" parTransId="{892FDF72-278A-4E94-A52C-C9A43137F613}" sibTransId="{E48127D6-89B0-4F87-A1F9-517011A96A5B}"/>
     <dgm:cxn modelId="{06428E54-26A5-4289-B287-166FC667611C}" type="presOf" srcId="{23580231-228D-4259-948C-ECAED9FB6BBD}" destId="{C05EAFFC-2644-44E2-967D-B53235C71A38}" srcOrd="1" destOrd="0" presId="urn:microsoft.com/office/officeart/2005/8/layout/cycle4"/>
-    <dgm:cxn modelId="{4E151F0E-C99E-4BF4-81BC-837B231CBF92}" type="presOf" srcId="{2B41BF75-F5C8-4255-892F-6328E5A9E688}" destId="{4D58B8E3-ABF3-466F-BE72-A1334046C3F4}" srcOrd="0" destOrd="0" presId="urn:microsoft.com/office/officeart/2005/8/layout/cycle4"/>
-    <dgm:cxn modelId="{02D76481-2E62-4BA9-9F42-AE33CB3B6F3E}" type="presOf" srcId="{E5ACC793-F455-4177-B2A7-6FC33C9C1025}" destId="{C05EAFFC-2644-44E2-967D-B53235C71A38}" srcOrd="1" destOrd="3" presId="urn:microsoft.com/office/officeart/2005/8/layout/cycle4"/>
-    <dgm:cxn modelId="{F41F6067-9583-4D97-9E45-7AAACB397DC1}" srcId="{01A583E1-6537-45F8-AE09-C85491C9FC1D}" destId="{5BCD62D5-23CD-4A5A-A476-269CE76914DC}" srcOrd="2" destOrd="0" parTransId="{C274F423-C9C0-423A-80FB-84C18F1C3BA8}" sibTransId="{6CCF063A-E379-49B3-9CC0-57BB9F2B8432}"/>
-    <dgm:cxn modelId="{B55F96D7-8D63-46D6-833C-7BB32A8BF044}" type="presOf" srcId="{F8507812-6291-4C9B-AA0B-B8AF3A68427D}" destId="{C05EAFFC-2644-44E2-967D-B53235C71A38}" srcOrd="1" destOrd="2" presId="urn:microsoft.com/office/officeart/2005/8/layout/cycle4"/>
-    <dgm:cxn modelId="{C1CC8C5E-8C3B-4002-B283-DDF651B9C2DF}" srcId="{2D6962E4-72B9-4B1E-B258-246893A88E0D}" destId="{7095E70B-7EFB-4733-BA44-C4BB0599979F}" srcOrd="3" destOrd="0" parTransId="{64A1E298-33AE-4CD3-B3E0-AF77857653AE}" sibTransId="{BBF2356D-3C61-41D3-A629-D15BD788173A}"/>
-    <dgm:cxn modelId="{6F2C1348-DD44-4E86-9478-89C1CF069569}" srcId="{01A583E1-6537-45F8-AE09-C85491C9FC1D}" destId="{2BBE2155-4658-4D02-8319-6DF4106EA8CC}" srcOrd="1" destOrd="0" parTransId="{3724DD7C-05CC-4DEB-8DAD-8B592C981C96}" sibTransId="{632890C8-ECA2-44D8-9A94-863A64665BBC}"/>
-    <dgm:cxn modelId="{959C0A07-B487-44FF-9CEB-B0B891D005B6}" type="presOf" srcId="{5BCD62D5-23CD-4A5A-A476-269CE76914DC}" destId="{43A2BA3D-20D2-4E5D-9CD2-B6EE3F312A3B}" srcOrd="0" destOrd="0" presId="urn:microsoft.com/office/officeart/2005/8/layout/cycle4"/>
-    <dgm:cxn modelId="{2D68FBB9-2A3F-4DFB-9547-97148AD147B2}" srcId="{2D6962E4-72B9-4B1E-B258-246893A88E0D}" destId="{2B41BF75-F5C8-4255-892F-6328E5A9E688}" srcOrd="0" destOrd="0" parTransId="{36024776-6205-43C6-9331-B14C4C951E90}" sibTransId="{30E8B699-48A6-4778-A200-BCC2B91FEAE2}"/>
+    <dgm:cxn modelId="{784002D3-341F-4DF0-9345-0B1634589798}" type="presOf" srcId="{2B41BF75-F5C8-4255-892F-6328E5A9E688}" destId="{38CD6BD6-D3E2-4B97-8665-48065905F491}" srcOrd="1" destOrd="0" presId="urn:microsoft.com/office/officeart/2005/8/layout/cycle4"/>
     <dgm:cxn modelId="{6CB06391-8FCA-448A-8A60-52478AAD6079}" type="presParOf" srcId="{9D4C7C9D-7ED1-464F-941B-21AB88CE8789}" destId="{498B1DD5-D2B2-4A70-BAF8-2672572231DA}" srcOrd="0" destOrd="0" presId="urn:microsoft.com/office/officeart/2005/8/layout/cycle4"/>
     <dgm:cxn modelId="{679C53C4-692C-4A8B-8F09-403299CC720A}" type="presParOf" srcId="{498B1DD5-D2B2-4A70-BAF8-2672572231DA}" destId="{D2CA330A-D99A-4389-8F73-7FE17A382E6E}" srcOrd="0" destOrd="0" presId="urn:microsoft.com/office/officeart/2005/8/layout/cycle4"/>
     <dgm:cxn modelId="{0B328022-04B0-4938-A986-5A44F6E51B41}" type="presParOf" srcId="{D2CA330A-D99A-4389-8F73-7FE17A382E6E}" destId="{4D58B8E3-ABF3-466F-BE72-A1334046C3F4}" srcOrd="0" destOrd="0" presId="urn:microsoft.com/office/officeart/2005/8/layout/cycle4"/>
@@ -7984,6 +7983,406 @@
       <dsp:cNvGrpSpPr/>
     </dsp:nvGrpSpPr>
     <dsp:grpSpPr/>
+    <dsp:sp modelId="{881B8FEC-9D20-4669-BB2E-FA9CEA0BE5A9}">
+      <dsp:nvSpPr>
+        <dsp:cNvPr id="0" name=""/>
+        <dsp:cNvSpPr/>
+      </dsp:nvSpPr>
+      <dsp:spPr>
+        <a:xfrm>
+          <a:off x="4877" y="1607785"/>
+          <a:ext cx="2839417" cy="1135766"/>
+        </a:xfrm>
+        <a:prstGeom prst="chevron">
+          <a:avLst/>
+        </a:prstGeom>
+        <a:gradFill rotWithShape="0">
+          <a:gsLst>
+            <a:gs pos="0">
+              <a:schemeClr val="accent2">
+                <a:hueOff val="0"/>
+                <a:satOff val="0"/>
+                <a:lumOff val="0"/>
+                <a:alphaOff val="0"/>
+                <a:satMod val="103000"/>
+                <a:lumMod val="102000"/>
+                <a:tint val="94000"/>
+              </a:schemeClr>
+            </a:gs>
+            <a:gs pos="50000">
+              <a:schemeClr val="accent2">
+                <a:hueOff val="0"/>
+                <a:satOff val="0"/>
+                <a:lumOff val="0"/>
+                <a:alphaOff val="0"/>
+                <a:satMod val="110000"/>
+                <a:lumMod val="100000"/>
+                <a:shade val="100000"/>
+              </a:schemeClr>
+            </a:gs>
+            <a:gs pos="100000">
+              <a:schemeClr val="accent2">
+                <a:hueOff val="0"/>
+                <a:satOff val="0"/>
+                <a:lumOff val="0"/>
+                <a:alphaOff val="0"/>
+                <a:lumMod val="99000"/>
+                <a:satMod val="120000"/>
+                <a:shade val="78000"/>
+              </a:schemeClr>
+            </a:gs>
+          </a:gsLst>
+          <a:lin ang="5400000" scaled="0"/>
+        </a:gradFill>
+        <a:ln>
+          <a:noFill/>
+        </a:ln>
+        <a:effectLst/>
+      </dsp:spPr>
+      <dsp:style>
+        <a:lnRef idx="0">
+          <a:scrgbClr r="0" g="0" b="0"/>
+        </a:lnRef>
+        <a:fillRef idx="3">
+          <a:scrgbClr r="0" g="0" b="0"/>
+        </a:fillRef>
+        <a:effectRef idx="2">
+          <a:scrgbClr r="0" g="0" b="0"/>
+        </a:effectRef>
+        <a:fontRef idx="minor">
+          <a:schemeClr val="lt1"/>
+        </a:fontRef>
+      </dsp:style>
+      <dsp:txBody>
+        <a:bodyPr spcFirstLastPara="0" vert="horz" wrap="square" lIns="104013" tIns="34671" rIns="34671" bIns="34671" numCol="1" spcCol="1270" anchor="ctr" anchorCtr="0">
+          <a:noAutofit/>
+        </a:bodyPr>
+        <a:lstStyle/>
+        <a:p>
+          <a:pPr lvl="0" algn="ctr" defTabSz="1155700">
+            <a:lnSpc>
+              <a:spcPct val="90000"/>
+            </a:lnSpc>
+            <a:spcBef>
+              <a:spcPct val="0"/>
+            </a:spcBef>
+            <a:spcAft>
+              <a:spcPct val="35000"/>
+            </a:spcAft>
+          </a:pPr>
+          <a:r>
+            <a:rPr lang="en-US" sz="2600" b="0" i="0" kern="1200">
+              <a:latin typeface="Book Antiqua"/>
+            </a:rPr>
+            <a:t>Шаг 1. Заголовок</a:t>
+          </a:r>
+        </a:p>
+      </dsp:txBody>
+      <dsp:txXfrm>
+        <a:off x="572760" y="1607785"/>
+        <a:ext cx="1703651" cy="1135766"/>
+      </dsp:txXfrm>
+    </dsp:sp>
+    <dsp:sp modelId="{919A589F-F74A-40C3-BE88-AB8730BCAB04}">
+      <dsp:nvSpPr>
+        <dsp:cNvPr id="0" name=""/>
+        <dsp:cNvSpPr/>
+      </dsp:nvSpPr>
+      <dsp:spPr>
+        <a:xfrm>
+          <a:off x="2560353" y="1607785"/>
+          <a:ext cx="2839417" cy="1135766"/>
+        </a:xfrm>
+        <a:prstGeom prst="chevron">
+          <a:avLst/>
+        </a:prstGeom>
+        <a:gradFill rotWithShape="0">
+          <a:gsLst>
+            <a:gs pos="0">
+              <a:schemeClr val="accent3">
+                <a:hueOff val="0"/>
+                <a:satOff val="0"/>
+                <a:lumOff val="0"/>
+                <a:alphaOff val="0"/>
+                <a:satMod val="103000"/>
+                <a:lumMod val="102000"/>
+                <a:tint val="94000"/>
+              </a:schemeClr>
+            </a:gs>
+            <a:gs pos="50000">
+              <a:schemeClr val="accent3">
+                <a:hueOff val="0"/>
+                <a:satOff val="0"/>
+                <a:lumOff val="0"/>
+                <a:alphaOff val="0"/>
+                <a:satMod val="110000"/>
+                <a:lumMod val="100000"/>
+                <a:shade val="100000"/>
+              </a:schemeClr>
+            </a:gs>
+            <a:gs pos="100000">
+              <a:schemeClr val="accent3">
+                <a:hueOff val="0"/>
+                <a:satOff val="0"/>
+                <a:lumOff val="0"/>
+                <a:alphaOff val="0"/>
+                <a:lumMod val="99000"/>
+                <a:satMod val="120000"/>
+                <a:shade val="78000"/>
+              </a:schemeClr>
+            </a:gs>
+          </a:gsLst>
+          <a:lin ang="5400000" scaled="0"/>
+        </a:gradFill>
+        <a:ln>
+          <a:noFill/>
+        </a:ln>
+        <a:effectLst/>
+      </dsp:spPr>
+      <dsp:style>
+        <a:lnRef idx="0">
+          <a:scrgbClr r="0" g="0" b="0"/>
+        </a:lnRef>
+        <a:fillRef idx="3">
+          <a:scrgbClr r="0" g="0" b="0"/>
+        </a:fillRef>
+        <a:effectRef idx="2">
+          <a:scrgbClr r="0" g="0" b="0"/>
+        </a:effectRef>
+        <a:fontRef idx="minor">
+          <a:schemeClr val="lt1"/>
+        </a:fontRef>
+      </dsp:style>
+      <dsp:txBody>
+        <a:bodyPr spcFirstLastPara="0" vert="horz" wrap="square" lIns="104013" tIns="34671" rIns="34671" bIns="34671" numCol="1" spcCol="1270" anchor="ctr" anchorCtr="0">
+          <a:noAutofit/>
+        </a:bodyPr>
+        <a:lstStyle/>
+        <a:p>
+          <a:pPr lvl="0" algn="ctr" defTabSz="1155700">
+            <a:lnSpc>
+              <a:spcPct val="90000"/>
+            </a:lnSpc>
+            <a:spcBef>
+              <a:spcPct val="0"/>
+            </a:spcBef>
+            <a:spcAft>
+              <a:spcPct val="35000"/>
+            </a:spcAft>
+          </a:pPr>
+          <a:r>
+            <a:rPr lang="en-US" sz="2600" b="0" i="0" kern="1200">
+              <a:latin typeface="Book Antiqua"/>
+            </a:rPr>
+            <a:t>Шаг 2. Заголовок</a:t>
+          </a:r>
+        </a:p>
+      </dsp:txBody>
+      <dsp:txXfrm>
+        <a:off x="3128236" y="1607785"/>
+        <a:ext cx="1703651" cy="1135766"/>
+      </dsp:txXfrm>
+    </dsp:sp>
+    <dsp:sp modelId="{268F2328-4548-422B-9C65-80797E16B241}">
+      <dsp:nvSpPr>
+        <dsp:cNvPr id="0" name=""/>
+        <dsp:cNvSpPr/>
+      </dsp:nvSpPr>
+      <dsp:spPr>
+        <a:xfrm>
+          <a:off x="5115829" y="1607785"/>
+          <a:ext cx="2839417" cy="1135766"/>
+        </a:xfrm>
+        <a:prstGeom prst="chevron">
+          <a:avLst/>
+        </a:prstGeom>
+        <a:gradFill rotWithShape="0">
+          <a:gsLst>
+            <a:gs pos="0">
+              <a:schemeClr val="accent4">
+                <a:hueOff val="0"/>
+                <a:satOff val="0"/>
+                <a:lumOff val="0"/>
+                <a:alphaOff val="0"/>
+                <a:satMod val="103000"/>
+                <a:lumMod val="102000"/>
+                <a:tint val="94000"/>
+              </a:schemeClr>
+            </a:gs>
+            <a:gs pos="50000">
+              <a:schemeClr val="accent4">
+                <a:hueOff val="0"/>
+                <a:satOff val="0"/>
+                <a:lumOff val="0"/>
+                <a:alphaOff val="0"/>
+                <a:satMod val="110000"/>
+                <a:lumMod val="100000"/>
+                <a:shade val="100000"/>
+              </a:schemeClr>
+            </a:gs>
+            <a:gs pos="100000">
+              <a:schemeClr val="accent4">
+                <a:hueOff val="0"/>
+                <a:satOff val="0"/>
+                <a:lumOff val="0"/>
+                <a:alphaOff val="0"/>
+                <a:lumMod val="99000"/>
+                <a:satMod val="120000"/>
+                <a:shade val="78000"/>
+              </a:schemeClr>
+            </a:gs>
+          </a:gsLst>
+          <a:lin ang="5400000" scaled="0"/>
+        </a:gradFill>
+        <a:ln>
+          <a:noFill/>
+        </a:ln>
+        <a:effectLst/>
+      </dsp:spPr>
+      <dsp:style>
+        <a:lnRef idx="0">
+          <a:scrgbClr r="0" g="0" b="0"/>
+        </a:lnRef>
+        <a:fillRef idx="3">
+          <a:scrgbClr r="0" g="0" b="0"/>
+        </a:fillRef>
+        <a:effectRef idx="2">
+          <a:scrgbClr r="0" g="0" b="0"/>
+        </a:effectRef>
+        <a:fontRef idx="minor">
+          <a:schemeClr val="lt1"/>
+        </a:fontRef>
+      </dsp:style>
+      <dsp:txBody>
+        <a:bodyPr spcFirstLastPara="0" vert="horz" wrap="square" lIns="104013" tIns="34671" rIns="34671" bIns="34671" numCol="1" spcCol="1270" anchor="ctr" anchorCtr="0">
+          <a:noAutofit/>
+        </a:bodyPr>
+        <a:lstStyle/>
+        <a:p>
+          <a:pPr lvl="0" algn="ctr" defTabSz="1155700">
+            <a:lnSpc>
+              <a:spcPct val="90000"/>
+            </a:lnSpc>
+            <a:spcBef>
+              <a:spcPct val="0"/>
+            </a:spcBef>
+            <a:spcAft>
+              <a:spcPct val="35000"/>
+            </a:spcAft>
+          </a:pPr>
+          <a:r>
+            <a:rPr lang="en-US" sz="2600" b="0" i="0" kern="1200">
+              <a:latin typeface="Book Antiqua"/>
+            </a:rPr>
+            <a:t>Шаг 3. Заголовок</a:t>
+          </a:r>
+        </a:p>
+      </dsp:txBody>
+      <dsp:txXfrm>
+        <a:off x="5683712" y="1607785"/>
+        <a:ext cx="1703651" cy="1135766"/>
+      </dsp:txXfrm>
+    </dsp:sp>
+    <dsp:sp modelId="{BDD0B0F7-A87C-4B5B-A4C3-4E4BE6EB0FE4}">
+      <dsp:nvSpPr>
+        <dsp:cNvPr id="0" name=""/>
+        <dsp:cNvSpPr/>
+      </dsp:nvSpPr>
+      <dsp:spPr>
+        <a:xfrm>
+          <a:off x="7671304" y="1607785"/>
+          <a:ext cx="2839417" cy="1135766"/>
+        </a:xfrm>
+        <a:prstGeom prst="chevron">
+          <a:avLst/>
+        </a:prstGeom>
+        <a:gradFill rotWithShape="0">
+          <a:gsLst>
+            <a:gs pos="0">
+              <a:schemeClr val="accent5">
+                <a:hueOff val="0"/>
+                <a:satOff val="0"/>
+                <a:lumOff val="0"/>
+                <a:alphaOff val="0"/>
+                <a:satMod val="103000"/>
+                <a:lumMod val="102000"/>
+                <a:tint val="94000"/>
+              </a:schemeClr>
+            </a:gs>
+            <a:gs pos="50000">
+              <a:schemeClr val="accent5">
+                <a:hueOff val="0"/>
+                <a:satOff val="0"/>
+                <a:lumOff val="0"/>
+                <a:alphaOff val="0"/>
+                <a:satMod val="110000"/>
+                <a:lumMod val="100000"/>
+                <a:shade val="100000"/>
+              </a:schemeClr>
+            </a:gs>
+            <a:gs pos="100000">
+              <a:schemeClr val="accent5">
+                <a:hueOff val="0"/>
+                <a:satOff val="0"/>
+                <a:lumOff val="0"/>
+                <a:alphaOff val="0"/>
+                <a:lumMod val="99000"/>
+                <a:satMod val="120000"/>
+                <a:shade val="78000"/>
+              </a:schemeClr>
+            </a:gs>
+          </a:gsLst>
+          <a:lin ang="5400000" scaled="0"/>
+        </a:gradFill>
+        <a:ln>
+          <a:noFill/>
+        </a:ln>
+        <a:effectLst/>
+      </dsp:spPr>
+      <dsp:style>
+        <a:lnRef idx="0">
+          <a:scrgbClr r="0" g="0" b="0"/>
+        </a:lnRef>
+        <a:fillRef idx="3">
+          <a:scrgbClr r="0" g="0" b="0"/>
+        </a:fillRef>
+        <a:effectRef idx="2">
+          <a:scrgbClr r="0" g="0" b="0"/>
+        </a:effectRef>
+        <a:fontRef idx="minor">
+          <a:schemeClr val="lt1"/>
+        </a:fontRef>
+      </dsp:style>
+      <dsp:txBody>
+        <a:bodyPr spcFirstLastPara="0" vert="horz" wrap="square" lIns="104013" tIns="34671" rIns="34671" bIns="34671" numCol="1" spcCol="1270" anchor="ctr" anchorCtr="0">
+          <a:noAutofit/>
+        </a:bodyPr>
+        <a:lstStyle/>
+        <a:p>
+          <a:pPr lvl="0" algn="ctr" defTabSz="1155700">
+            <a:lnSpc>
+              <a:spcPct val="90000"/>
+            </a:lnSpc>
+            <a:spcBef>
+              <a:spcPct val="0"/>
+            </a:spcBef>
+            <a:spcAft>
+              <a:spcPct val="35000"/>
+            </a:spcAft>
+          </a:pPr>
+          <a:r>
+            <a:rPr lang="en-US" sz="2600" b="0" i="0" kern="1200">
+              <a:latin typeface="Book Antiqua"/>
+            </a:rPr>
+            <a:t>Шаг 4. Заголовок</a:t>
+          </a:r>
+        </a:p>
+      </dsp:txBody>
+      <dsp:txXfrm>
+        <a:off x="8239187" y="1607785"/>
+        <a:ext cx="1703651" cy="1135766"/>
+      </dsp:txXfrm>
+    </dsp:sp>
   </dsp:spTree>
 </dsp:drawing>
 </file>
@@ -13876,427 +14275,6 @@
     <p:extLst>
       <p:ext uri="{BB962C8B-B14F-4D97-AF65-F5344CB8AC3E}">
         <p14:creationId xmlns:p14="http://schemas.microsoft.com/office/powerpoint/2010/main" val="160493747"/>
-      </p:ext>
-    </p:extLst>
-  </p:cSld>
-  <p:clrMapOvr>
-    <a:masterClrMapping/>
-  </p:clrMapOvr>
-  <mc:AlternateContent xmlns:mc="http://schemas.openxmlformats.org/markup-compatibility/2006" xmlns:p14="http://schemas.microsoft.com/office/powerpoint/2010/main">
-    <mc:Choice Requires="p14">
-      <p:transition spd="med" p14:dur="700">
-        <p:fade/>
-      </p:transition>
-    </mc:Choice>
-    <mc:Fallback xmlns="">
-      <p:transition spd="med">
-        <p:fade/>
-      </p:transition>
-    </mc:Fallback>
-  </mc:AlternateContent>
-</p:sldLayout>
-</file>
-
-<file path=ppt/slideLayouts/slideLayout13.xml><?xml version="1.0" encoding="utf-8"?>
-<p:sldLayout xmlns:a="http://schemas.openxmlformats.org/drawingml/2006/main" xmlns:r="http://schemas.openxmlformats.org/officeDocument/2006/relationships" xmlns:p="http://schemas.openxmlformats.org/presentationml/2006/main" type="picTx">
-  <p:cSld name="Две картинки с подписями">
-    <p:spTree>
-      <p:nvGrpSpPr>
-        <p:cNvPr id="1" name=""/>
-        <p:cNvGrpSpPr/>
-        <p:nvPr/>
-      </p:nvGrpSpPr>
-      <p:grpSpPr>
-        <a:xfrm>
-          <a:off x="0" y="0"/>
-          <a:ext cx="0" cy="0"/>
-          <a:chOff x="0" y="0"/>
-          <a:chExt cx="0" cy="0"/>
-        </a:xfrm>
-      </p:grpSpPr>
-      <p:sp>
-        <p:nvSpPr>
-          <p:cNvPr id="2" name="Заголовок 1"/>
-          <p:cNvSpPr>
-            <a:spLocks noGrp="1"/>
-          </p:cNvSpPr>
-          <p:nvPr>
-            <p:ph type="title"/>
-          </p:nvPr>
-        </p:nvSpPr>
-        <p:spPr>
-          <a:xfrm>
-            <a:off x="1295400" y="255134"/>
-            <a:ext cx="9601200" cy="1036850"/>
-          </a:xfrm>
-        </p:spPr>
-        <p:txBody>
-          <a:bodyPr anchor="b"/>
-          <a:lstStyle>
-            <a:lvl1pPr>
-              <a:defRPr sz="3200"/>
-            </a:lvl1pPr>
-          </a:lstStyle>
-          <a:p>
-            <a:r>
-              <a:rPr lang="ru-RU" smtClean="0"/>
-              <a:t>Образец заголовка</a:t>
-            </a:r>
-            <a:endParaRPr lang="ru-RU" dirty="0"/>
-          </a:p>
-        </p:txBody>
-      </p:sp>
-      <p:sp>
-        <p:nvSpPr>
-          <p:cNvPr id="4" name="Текст 3"/>
-          <p:cNvSpPr>
-            <a:spLocks noGrp="1"/>
-          </p:cNvSpPr>
-          <p:nvPr>
-            <p:ph type="body" sz="half" idx="2"/>
-          </p:nvPr>
-        </p:nvSpPr>
-        <p:spPr>
-          <a:xfrm>
-            <a:off x="1371273" y="5333098"/>
-            <a:ext cx="4420252" cy="839102"/>
-          </a:xfrm>
-        </p:spPr>
-        <p:txBody>
-          <a:bodyPr anchor="t">
-            <a:normAutofit/>
-          </a:bodyPr>
-          <a:lstStyle>
-            <a:lvl1pPr marL="0" indent="0">
-              <a:spcBef>
-                <a:spcPts val="0"/>
-              </a:spcBef>
-              <a:buNone/>
-              <a:defRPr sz="1800">
-                <a:solidFill>
-                  <a:schemeClr val="bg1"/>
-                </a:solidFill>
-              </a:defRPr>
-            </a:lvl1pPr>
-            <a:lvl2pPr marL="457200" indent="0">
-              <a:buNone/>
-              <a:defRPr sz="1400"/>
-            </a:lvl2pPr>
-            <a:lvl3pPr marL="914400" indent="0">
-              <a:buNone/>
-              <a:defRPr sz="1200"/>
-            </a:lvl3pPr>
-            <a:lvl4pPr marL="1371600" indent="0">
-              <a:buNone/>
-              <a:defRPr sz="1000"/>
-            </a:lvl4pPr>
-            <a:lvl5pPr marL="1828800" indent="0">
-              <a:buNone/>
-              <a:defRPr sz="1000"/>
-            </a:lvl5pPr>
-            <a:lvl6pPr marL="2286000" indent="0">
-              <a:buNone/>
-              <a:defRPr sz="1000"/>
-            </a:lvl6pPr>
-            <a:lvl7pPr marL="2743200" indent="0">
-              <a:buNone/>
-              <a:defRPr sz="1000"/>
-            </a:lvl7pPr>
-            <a:lvl8pPr marL="3200400" indent="0">
-              <a:buNone/>
-              <a:defRPr sz="1000"/>
-            </a:lvl8pPr>
-            <a:lvl9pPr marL="3657600" indent="0">
-              <a:buNone/>
-              <a:defRPr sz="1000"/>
-            </a:lvl9pPr>
-          </a:lstStyle>
-          <a:p>
-            <a:pPr lvl="0"/>
-            <a:r>
-              <a:rPr lang="ru-RU" smtClean="0"/>
-              <a:t>Образец текста</a:t>
-            </a:r>
-          </a:p>
-        </p:txBody>
-      </p:sp>
-      <p:sp>
-        <p:nvSpPr>
-          <p:cNvPr id="5" name="Дата 4"/>
-          <p:cNvSpPr>
-            <a:spLocks noGrp="1"/>
-          </p:cNvSpPr>
-          <p:nvPr>
-            <p:ph type="dt" sz="half" idx="10"/>
-          </p:nvPr>
-        </p:nvSpPr>
-        <p:spPr/>
-        <p:txBody>
-          <a:bodyPr/>
-          <a:lstStyle/>
-          <a:p>
-            <a:fld id="{A79A3335-6331-4872-A8B7-ECD55539F4D0}" type="datetimeFigureOut">
-              <a:rPr lang="ru-RU" smtClean="0"/>
-              <a:t>20.12.2014</a:t>
-            </a:fld>
-            <a:endParaRPr lang="ru-RU" dirty="0"/>
-          </a:p>
-        </p:txBody>
-      </p:sp>
-      <p:sp>
-        <p:nvSpPr>
-          <p:cNvPr id="6" name="Нижний колонтитул 5"/>
-          <p:cNvSpPr>
-            <a:spLocks noGrp="1"/>
-          </p:cNvSpPr>
-          <p:nvPr>
-            <p:ph type="ftr" sz="quarter" idx="11"/>
-          </p:nvPr>
-        </p:nvSpPr>
-        <p:spPr/>
-        <p:txBody>
-          <a:bodyPr/>
-          <a:lstStyle/>
-          <a:p>
-            <a:endParaRPr lang="ru-RU" dirty="0"/>
-          </a:p>
-        </p:txBody>
-      </p:sp>
-      <p:sp>
-        <p:nvSpPr>
-          <p:cNvPr id="7" name="Номер слайда 6"/>
-          <p:cNvSpPr>
-            <a:spLocks noGrp="1"/>
-          </p:cNvSpPr>
-          <p:nvPr>
-            <p:ph type="sldNum" sz="quarter" idx="12"/>
-          </p:nvPr>
-        </p:nvSpPr>
-        <p:spPr/>
-        <p:txBody>
-          <a:bodyPr/>
-          <a:lstStyle/>
-          <a:p>
-            <a:fld id="{A7F8E3F6-DE14-48B2-B2BC-6FABA9630FB8}" type="slidenum">
-              <a:rPr lang="ru-RU" smtClean="0"/>
-              <a:t>‹#›</a:t>
-            </a:fld>
-            <a:endParaRPr lang="ru-RU" dirty="0"/>
-          </a:p>
-        </p:txBody>
-      </p:sp>
-      <p:sp>
-        <p:nvSpPr>
-          <p:cNvPr id="13" name="Текст 3"/>
-          <p:cNvSpPr>
-            <a:spLocks noGrp="1"/>
-          </p:cNvSpPr>
-          <p:nvPr>
-            <p:ph type="body" sz="half" idx="14"/>
-          </p:nvPr>
-        </p:nvSpPr>
-        <p:spPr>
-          <a:xfrm>
-            <a:off x="6412954" y="5333098"/>
-            <a:ext cx="4420252" cy="839102"/>
-          </a:xfrm>
-        </p:spPr>
-        <p:txBody>
-          <a:bodyPr anchor="t">
-            <a:normAutofit/>
-          </a:bodyPr>
-          <a:lstStyle>
-            <a:lvl1pPr marL="0" indent="0">
-              <a:spcBef>
-                <a:spcPts val="0"/>
-              </a:spcBef>
-              <a:buNone/>
-              <a:defRPr sz="1800">
-                <a:solidFill>
-                  <a:schemeClr val="bg1"/>
-                </a:solidFill>
-              </a:defRPr>
-            </a:lvl1pPr>
-            <a:lvl2pPr marL="457200" indent="0">
-              <a:buNone/>
-              <a:defRPr sz="1400"/>
-            </a:lvl2pPr>
-            <a:lvl3pPr marL="914400" indent="0">
-              <a:buNone/>
-              <a:defRPr sz="1200"/>
-            </a:lvl3pPr>
-            <a:lvl4pPr marL="1371600" indent="0">
-              <a:buNone/>
-              <a:defRPr sz="1000"/>
-            </a:lvl4pPr>
-            <a:lvl5pPr marL="1828800" indent="0">
-              <a:buNone/>
-              <a:defRPr sz="1000"/>
-            </a:lvl5pPr>
-            <a:lvl6pPr marL="2286000" indent="0">
-              <a:buNone/>
-              <a:defRPr sz="1000"/>
-            </a:lvl6pPr>
-            <a:lvl7pPr marL="2743200" indent="0">
-              <a:buNone/>
-              <a:defRPr sz="1000"/>
-            </a:lvl7pPr>
-            <a:lvl8pPr marL="3200400" indent="0">
-              <a:buNone/>
-              <a:defRPr sz="1000"/>
-            </a:lvl8pPr>
-            <a:lvl9pPr marL="3657600" indent="0">
-              <a:buNone/>
-              <a:defRPr sz="1000"/>
-            </a:lvl9pPr>
-          </a:lstStyle>
-          <a:p>
-            <a:pPr lvl="0"/>
-            <a:r>
-              <a:rPr lang="ru-RU" smtClean="0"/>
-              <a:t>Образец текста</a:t>
-            </a:r>
-          </a:p>
-        </p:txBody>
-      </p:sp>
-      <p:sp>
-        <p:nvSpPr>
-          <p:cNvPr id="3" name="Рисунок 2"/>
-          <p:cNvSpPr>
-            <a:spLocks noGrp="1"/>
-          </p:cNvSpPr>
-          <p:nvPr>
-            <p:ph type="pic" idx="1"/>
-          </p:nvPr>
-        </p:nvSpPr>
-        <p:spPr>
-          <a:xfrm>
-            <a:off x="1295400" y="1828801"/>
-            <a:ext cx="4572000" cy="3428999"/>
-          </a:xfrm>
-        </p:spPr>
-        <p:txBody>
-          <a:bodyPr tIns="274320">
-            <a:normAutofit/>
-          </a:bodyPr>
-          <a:lstStyle>
-            <a:lvl1pPr marL="0" indent="0" algn="ctr">
-              <a:buNone/>
-              <a:defRPr sz="2400"/>
-            </a:lvl1pPr>
-            <a:lvl2pPr marL="457200" indent="0">
-              <a:buNone/>
-              <a:defRPr sz="2800"/>
-            </a:lvl2pPr>
-            <a:lvl3pPr marL="914400" indent="0">
-              <a:buNone/>
-              <a:defRPr sz="2400"/>
-            </a:lvl3pPr>
-            <a:lvl4pPr marL="1371600" indent="0">
-              <a:buNone/>
-              <a:defRPr sz="2000"/>
-            </a:lvl4pPr>
-            <a:lvl5pPr marL="1828800" indent="0">
-              <a:buNone/>
-              <a:defRPr sz="2000"/>
-            </a:lvl5pPr>
-            <a:lvl6pPr marL="2286000" indent="0">
-              <a:buNone/>
-              <a:defRPr sz="2000"/>
-            </a:lvl6pPr>
-            <a:lvl7pPr marL="2743200" indent="0">
-              <a:buNone/>
-              <a:defRPr sz="2000"/>
-            </a:lvl7pPr>
-            <a:lvl8pPr marL="3200400" indent="0">
-              <a:buNone/>
-              <a:defRPr sz="2000"/>
-            </a:lvl8pPr>
-            <a:lvl9pPr marL="3657600" indent="0">
-              <a:buNone/>
-              <a:defRPr sz="2000"/>
-            </a:lvl9pPr>
-          </a:lstStyle>
-          <a:p>
-            <a:r>
-              <a:rPr lang="ru-RU" smtClean="0"/>
-              <a:t>Вставка рисунка</a:t>
-            </a:r>
-            <a:endParaRPr lang="ru-RU" dirty="0"/>
-          </a:p>
-        </p:txBody>
-      </p:sp>
-      <p:sp>
-        <p:nvSpPr>
-          <p:cNvPr id="8" name="Рисунок 2"/>
-          <p:cNvSpPr>
-            <a:spLocks noGrp="1"/>
-          </p:cNvSpPr>
-          <p:nvPr>
-            <p:ph type="pic" idx="13"/>
-          </p:nvPr>
-        </p:nvSpPr>
-        <p:spPr>
-          <a:xfrm>
-            <a:off x="6324600" y="1828801"/>
-            <a:ext cx="4572000" cy="3428999"/>
-          </a:xfrm>
-        </p:spPr>
-        <p:txBody>
-          <a:bodyPr tIns="274320">
-            <a:normAutofit/>
-          </a:bodyPr>
-          <a:lstStyle>
-            <a:lvl1pPr marL="0" indent="0" algn="ctr">
-              <a:buNone/>
-              <a:defRPr sz="2400"/>
-            </a:lvl1pPr>
-            <a:lvl2pPr marL="457200" indent="0">
-              <a:buNone/>
-              <a:defRPr sz="2800"/>
-            </a:lvl2pPr>
-            <a:lvl3pPr marL="914400" indent="0">
-              <a:buNone/>
-              <a:defRPr sz="2400"/>
-            </a:lvl3pPr>
-            <a:lvl4pPr marL="1371600" indent="0">
-              <a:buNone/>
-              <a:defRPr sz="2000"/>
-            </a:lvl4pPr>
-            <a:lvl5pPr marL="1828800" indent="0">
-              <a:buNone/>
-              <a:defRPr sz="2000"/>
-            </a:lvl5pPr>
-            <a:lvl6pPr marL="2286000" indent="0">
-              <a:buNone/>
-              <a:defRPr sz="2000"/>
-            </a:lvl6pPr>
-            <a:lvl7pPr marL="2743200" indent="0">
-              <a:buNone/>
-              <a:defRPr sz="2000"/>
-            </a:lvl7pPr>
-            <a:lvl8pPr marL="3200400" indent="0">
-              <a:buNone/>
-              <a:defRPr sz="2000"/>
-            </a:lvl8pPr>
-            <a:lvl9pPr marL="3657600" indent="0">
-              <a:buNone/>
-              <a:defRPr sz="2000"/>
-            </a:lvl9pPr>
-          </a:lstStyle>
-          <a:p>
-            <a:r>
-              <a:rPr lang="ru-RU" smtClean="0"/>
-              <a:t>Вставка рисунка</a:t>
-            </a:r>
-            <a:endParaRPr lang="ru-RU" dirty="0"/>
-          </a:p>
-        </p:txBody>
-      </p:sp>
-    </p:spTree>
-    <p:extLst>
-      <p:ext uri="{BB962C8B-B14F-4D97-AF65-F5344CB8AC3E}">
-        <p14:creationId xmlns:p14="http://schemas.microsoft.com/office/powerpoint/2010/main" val="3536606028"/>
       </p:ext>
     </p:extLst>
   </p:cSld>
@@ -16627,7 +16605,6 @@
     <p:sldLayoutId id="2147483672" r:id="rId10"/>
     <p:sldLayoutId id="2147483673" r:id="rId11"/>
     <p:sldLayoutId id="2147483674" r:id="rId12"/>
-    <p:sldLayoutId id="2147483675" r:id="rId13"/>
   </p:sldLayoutIdLst>
   <mc:AlternateContent xmlns:mc="http://schemas.openxmlformats.org/markup-compatibility/2006" xmlns:p14="http://schemas.microsoft.com/office/powerpoint/2010/main">
     <mc:Choice Requires="p14">
@@ -17597,6 +17574,545 @@
         </p:nvSpPr>
         <p:spPr>
           <a:xfrm>
+            <a:off x="838200" y="365125"/>
+            <a:ext cx="10515600" cy="841105"/>
+          </a:xfrm>
+        </p:spPr>
+        <p:txBody>
+          <a:bodyPr/>
+          <a:lstStyle/>
+          <a:p>
+            <a:pPr algn="ctr"/>
+            <a:r>
+              <a:rPr lang="en-US" b="1" dirty="0" err="1" smtClean="0">
+                <a:solidFill>
+                  <a:srgbClr val="FFFFFF"/>
+                </a:solidFill>
+              </a:rPr>
+              <a:t>Heroku</a:t>
+            </a:r>
+            <a:endParaRPr lang="ru-RU" b="1" dirty="0">
+              <a:solidFill>
+                <a:srgbClr val="FFFFFF"/>
+              </a:solidFill>
+            </a:endParaRPr>
+          </a:p>
+        </p:txBody>
+      </p:sp>
+      <p:sp>
+        <p:nvSpPr>
+          <p:cNvPr id="3" name="Объект 2"/>
+          <p:cNvSpPr>
+            <a:spLocks noGrp="1"/>
+          </p:cNvSpPr>
+          <p:nvPr>
+            <p:ph idx="1"/>
+          </p:nvPr>
+        </p:nvSpPr>
+        <p:spPr/>
+        <p:txBody>
+          <a:bodyPr>
+            <a:normAutofit fontScale="92500" lnSpcReduction="10000"/>
+          </a:bodyPr>
+          <a:lstStyle/>
+          <a:p>
+            <a:pPr marL="0" indent="0">
+              <a:buNone/>
+            </a:pPr>
+            <a:r>
+              <a:rPr lang="ru-RU" dirty="0" smtClean="0"/>
+              <a:t>		     Почему для развертывания приложения мы используем 	                 облачный хостинг </a:t>
+            </a:r>
+            <a:r>
+              <a:rPr lang="en-US" dirty="0" err="1" smtClean="0"/>
+              <a:t>heroku</a:t>
+            </a:r>
+            <a:r>
+              <a:rPr lang="en-US" dirty="0" smtClean="0"/>
+              <a:t>?</a:t>
+            </a:r>
+          </a:p>
+          <a:p>
+            <a:r>
+              <a:rPr lang="ru-RU" dirty="0" smtClean="0"/>
+              <a:t>Вся информационно-технологическая инфраструктура, включая вычислительные сет, серверы, системы хранения, целиком управляется провайдером</a:t>
+            </a:r>
+          </a:p>
+          <a:p>
+            <a:r>
+              <a:rPr lang="ru-RU" dirty="0" smtClean="0"/>
+              <a:t>Удобная развертка приложения</a:t>
+            </a:r>
+          </a:p>
+          <a:p>
+            <a:r>
+              <a:rPr lang="ru-RU" dirty="0" smtClean="0"/>
+              <a:t>Стоимость использования начинается от бесплатного</a:t>
+            </a:r>
+          </a:p>
+          <a:p>
+            <a:r>
+              <a:rPr lang="ru-RU" dirty="0" smtClean="0"/>
+              <a:t>Гибкая настройка тарифного плана</a:t>
+            </a:r>
+          </a:p>
+          <a:p>
+            <a:r>
+              <a:rPr lang="ru-RU" dirty="0" smtClean="0"/>
+              <a:t>Поддержка различных языков программирования: </a:t>
+            </a:r>
+            <a:r>
+              <a:rPr lang="en-US" dirty="0" smtClean="0"/>
+              <a:t>Ruby, Java, Node.js, Scala, </a:t>
+            </a:r>
+            <a:r>
+              <a:rPr lang="en-US" dirty="0" err="1" smtClean="0"/>
+              <a:t>Clojure</a:t>
+            </a:r>
+            <a:r>
+              <a:rPr lang="en-US" dirty="0" smtClean="0"/>
+              <a:t>, Python </a:t>
+            </a:r>
+            <a:r>
+              <a:rPr lang="ru-RU" dirty="0" smtClean="0"/>
+              <a:t>и </a:t>
+            </a:r>
+            <a:r>
+              <a:rPr lang="en-US" dirty="0" smtClean="0"/>
+              <a:t>PHP</a:t>
+            </a:r>
+          </a:p>
+          <a:p>
+            <a:r>
+              <a:rPr lang="ru-RU" dirty="0" smtClean="0"/>
+              <a:t>Обширное сообщество участников и разработчиков</a:t>
+            </a:r>
+            <a:endParaRPr lang="ru-RU" dirty="0"/>
+          </a:p>
+        </p:txBody>
+      </p:sp>
+      <p:pic>
+        <p:nvPicPr>
+          <p:cNvPr id="4" name="Рисунок 3" descr="heroku-logo.png"/>
+          <p:cNvPicPr>
+            <a:picLocks noChangeAspect="1"/>
+          </p:cNvPicPr>
+          <p:nvPr/>
+        </p:nvPicPr>
+        <p:blipFill>
+          <a:blip r:embed="rId2"/>
+          <a:stretch>
+            <a:fillRect/>
+          </a:stretch>
+        </p:blipFill>
+        <p:spPr>
+          <a:xfrm>
+            <a:off x="838200" y="1825625"/>
+            <a:ext cx="2214565" cy="698440"/>
+          </a:xfrm>
+          <a:prstGeom prst="rect">
+            <a:avLst/>
+          </a:prstGeom>
+          <a:ln>
+            <a:solidFill>
+              <a:schemeClr val="bg1">
+                <a:lumMod val="25000"/>
+              </a:schemeClr>
+            </a:solidFill>
+          </a:ln>
+          <a:effectLst>
+            <a:outerShdw blurRad="50800" dist="38100" dir="2700000" algn="tl" rotWithShape="0">
+              <a:prstClr val="black">
+                <a:alpha val="40000"/>
+              </a:prstClr>
+            </a:outerShdw>
+          </a:effectLst>
+        </p:spPr>
+      </p:pic>
+      <p:pic>
+        <p:nvPicPr>
+          <p:cNvPr id="5" name="Рисунок 4" descr="matz.png"/>
+          <p:cNvPicPr>
+            <a:picLocks noChangeAspect="1"/>
+          </p:cNvPicPr>
+          <p:nvPr/>
+        </p:nvPicPr>
+        <p:blipFill>
+          <a:blip r:embed="rId3" cstate="print"/>
+          <a:stretch>
+            <a:fillRect/>
+          </a:stretch>
+        </p:blipFill>
+        <p:spPr>
+          <a:xfrm>
+            <a:off x="9630332" y="5547751"/>
+            <a:ext cx="1643074" cy="629212"/>
+          </a:xfrm>
+          <a:prstGeom prst="rect">
+            <a:avLst/>
+          </a:prstGeom>
+          <a:ln>
+            <a:solidFill>
+              <a:schemeClr val="bg1">
+                <a:lumMod val="25000"/>
+              </a:schemeClr>
+            </a:solidFill>
+          </a:ln>
+          <a:effectLst>
+            <a:outerShdw blurRad="50800" dist="38100" dir="2700000" algn="tl" rotWithShape="0">
+              <a:prstClr val="black">
+                <a:alpha val="40000"/>
+              </a:prstClr>
+            </a:outerShdw>
+          </a:effectLst>
+        </p:spPr>
+      </p:pic>
+    </p:spTree>
+    <p:extLst>
+      <p:ext uri="{BB962C8B-B14F-4D97-AF65-F5344CB8AC3E}">
+        <p14:creationId xmlns:p14="http://schemas.microsoft.com/office/powerpoint/2010/main" val="1938243422"/>
+      </p:ext>
+    </p:extLst>
+  </p:cSld>
+  <p:clrMapOvr>
+    <a:masterClrMapping/>
+  </p:clrMapOvr>
+  <mc:AlternateContent xmlns:mc="http://schemas.openxmlformats.org/markup-compatibility/2006">
+    <mc:Choice xmlns:p14="http://schemas.microsoft.com/office/powerpoint/2010/main" Requires="p14">
+      <p:transition spd="med" p14:dur="700">
+        <p:fade/>
+      </p:transition>
+    </mc:Choice>
+    <mc:Fallback>
+      <p:transition spd="med">
+        <p:fade/>
+      </p:transition>
+    </mc:Fallback>
+  </mc:AlternateContent>
+  <p:timing>
+    <p:tnLst>
+      <p:par>
+        <p:cTn id="1" dur="indefinite" restart="never" nodeType="tmRoot"/>
+      </p:par>
+    </p:tnLst>
+  </p:timing>
+</p:sld>
+</file>
+
+<file path=ppt/slides/slide13.xml><?xml version="1.0" encoding="utf-8"?>
+<p:sld xmlns:a="http://schemas.openxmlformats.org/drawingml/2006/main" xmlns:r="http://schemas.openxmlformats.org/officeDocument/2006/relationships" xmlns:p="http://schemas.openxmlformats.org/presentationml/2006/main">
+  <p:cSld>
+    <p:spTree>
+      <p:nvGrpSpPr>
+        <p:cNvPr id="1" name=""/>
+        <p:cNvGrpSpPr/>
+        <p:nvPr/>
+      </p:nvGrpSpPr>
+      <p:grpSpPr>
+        <a:xfrm>
+          <a:off x="0" y="0"/>
+          <a:ext cx="0" cy="0"/>
+          <a:chOff x="0" y="0"/>
+          <a:chExt cx="0" cy="0"/>
+        </a:xfrm>
+      </p:grpSpPr>
+      <p:pic>
+        <p:nvPicPr>
+          <p:cNvPr id="1026" name="Picture 2" descr="http://android.hdblog.it/wp-content/uploads/2010/07/Dropbox-APK-instaler.jpg"/>
+          <p:cNvPicPr>
+            <a:picLocks noChangeAspect="1" noChangeArrowheads="1"/>
+          </p:cNvPicPr>
+          <p:nvPr/>
+        </p:nvPicPr>
+        <p:blipFill>
+          <a:blip r:embed="rId2" cstate="print">
+            <a:extLst>
+              <a:ext uri="{28A0092B-C50C-407E-A947-70E740481C1C}">
+                <a14:useLocalDpi xmlns:a14="http://schemas.microsoft.com/office/drawing/2010/main" val="0"/>
+              </a:ext>
+            </a:extLst>
+          </a:blip>
+          <a:srcRect/>
+          <a:stretch>
+            <a:fillRect/>
+          </a:stretch>
+        </p:blipFill>
+        <p:spPr bwMode="auto">
+          <a:xfrm>
+            <a:off x="1208433" y="1894914"/>
+            <a:ext cx="2100033" cy="1882371"/>
+          </a:xfrm>
+          <a:prstGeom prst="rect">
+            <a:avLst/>
+          </a:prstGeom>
+          <a:noFill/>
+          <a:ln>
+            <a:solidFill>
+              <a:schemeClr val="bg1">
+                <a:lumMod val="25000"/>
+              </a:schemeClr>
+            </a:solidFill>
+          </a:ln>
+          <a:effectLst>
+            <a:outerShdw blurRad="50800" dist="38100" dir="2700000" algn="tl" rotWithShape="0">
+              <a:prstClr val="black">
+                <a:alpha val="40000"/>
+              </a:prstClr>
+            </a:outerShdw>
+          </a:effectLst>
+          <a:extLst>
+            <a:ext uri="{909E8E84-426E-40DD-AFC4-6F175D3DCCD1}">
+              <a14:hiddenFill xmlns:a14="http://schemas.microsoft.com/office/drawing/2010/main">
+                <a:solidFill>
+                  <a:srgbClr val="FFFFFF"/>
+                </a:solidFill>
+              </a14:hiddenFill>
+            </a:ext>
+          </a:extLst>
+        </p:spPr>
+      </p:pic>
+      <p:sp>
+        <p:nvSpPr>
+          <p:cNvPr id="2" name="Заголовок 1"/>
+          <p:cNvSpPr>
+            <a:spLocks noGrp="1"/>
+          </p:cNvSpPr>
+          <p:nvPr>
+            <p:ph type="title"/>
+          </p:nvPr>
+        </p:nvSpPr>
+        <p:spPr>
+          <a:xfrm>
+            <a:off x="838200" y="365126"/>
+            <a:ext cx="10515600" cy="870288"/>
+          </a:xfrm>
+        </p:spPr>
+        <p:txBody>
+          <a:bodyPr/>
+          <a:lstStyle/>
+          <a:p>
+            <a:pPr algn="ctr"/>
+            <a:r>
+              <a:rPr lang="en-US" b="1" dirty="0" smtClean="0">
+                <a:solidFill>
+                  <a:srgbClr val="FFFFFF"/>
+                </a:solidFill>
+              </a:rPr>
+              <a:t>Dropbox</a:t>
+            </a:r>
+            <a:endParaRPr lang="ru-RU" b="1" dirty="0">
+              <a:solidFill>
+                <a:srgbClr val="FFFFFF"/>
+              </a:solidFill>
+            </a:endParaRPr>
+          </a:p>
+        </p:txBody>
+      </p:sp>
+      <p:sp>
+        <p:nvSpPr>
+          <p:cNvPr id="3" name="Объект 2"/>
+          <p:cNvSpPr>
+            <a:spLocks noGrp="1"/>
+          </p:cNvSpPr>
+          <p:nvPr>
+            <p:ph idx="1"/>
+          </p:nvPr>
+        </p:nvSpPr>
+        <p:spPr>
+          <a:xfrm>
+            <a:off x="2144683" y="2446307"/>
+            <a:ext cx="7841673" cy="3483438"/>
+          </a:xfrm>
+        </p:spPr>
+        <p:txBody>
+          <a:bodyPr>
+            <a:normAutofit fontScale="92500" lnSpcReduction="20000"/>
+          </a:bodyPr>
+          <a:lstStyle/>
+          <a:p>
+            <a:pPr marL="0" indent="0">
+              <a:buNone/>
+            </a:pPr>
+            <a:r>
+              <a:rPr lang="ru-RU" dirty="0" smtClean="0"/>
+              <a:t>	    </a:t>
+            </a:r>
+            <a:endParaRPr lang="en-US" dirty="0" smtClean="0"/>
+          </a:p>
+          <a:p>
+            <a:pPr marL="0" indent="0">
+              <a:buNone/>
+            </a:pPr>
+            <a:r>
+              <a:rPr lang="en-US" dirty="0"/>
+              <a:t> </a:t>
+            </a:r>
+            <a:r>
+              <a:rPr lang="en-US" dirty="0" smtClean="0"/>
+              <a:t>      	    </a:t>
+            </a:r>
+            <a:r>
+              <a:rPr lang="ru-RU" dirty="0" smtClean="0"/>
+              <a:t>Почему для хранения файлов сервиса мы 	   	    используем облачное хранилище данных </a:t>
+            </a:r>
+            <a:r>
+              <a:rPr lang="en-US" dirty="0" smtClean="0"/>
+              <a:t>     	    Dropbox?</a:t>
+            </a:r>
+          </a:p>
+          <a:p>
+            <a:r>
+              <a:rPr lang="ru-RU" dirty="0" smtClean="0"/>
+              <a:t>Улучшенная поддержка веб –приложений, включающая документации и пакеты </a:t>
+            </a:r>
+            <a:r>
+              <a:rPr lang="en-US" dirty="0" smtClean="0"/>
+              <a:t>SDK</a:t>
+            </a:r>
+            <a:r>
+              <a:rPr lang="ru-RU" dirty="0" smtClean="0"/>
+              <a:t> </a:t>
+            </a:r>
+            <a:r>
+              <a:rPr lang="en-US" dirty="0" smtClean="0"/>
+              <a:t>              </a:t>
+            </a:r>
+            <a:r>
+              <a:rPr lang="ru-RU" dirty="0" smtClean="0"/>
+              <a:t>для </a:t>
+            </a:r>
+            <a:r>
+              <a:rPr lang="en-US" dirty="0" smtClean="0"/>
+              <a:t>Ruby</a:t>
+            </a:r>
+          </a:p>
+          <a:p>
+            <a:r>
+              <a:rPr lang="ru-RU" dirty="0" smtClean="0"/>
+              <a:t>Удобно отслеживать движение файлов в </a:t>
+            </a:r>
+            <a:r>
+              <a:rPr lang="en-US" dirty="0" smtClean="0"/>
+              <a:t>          </a:t>
+            </a:r>
+            <a:r>
+              <a:rPr lang="ru-RU" dirty="0" smtClean="0"/>
+              <a:t>папках и просматривать их содержание</a:t>
+            </a:r>
+            <a:r>
+              <a:rPr lang="en-US" dirty="0" smtClean="0"/>
+              <a:t>	</a:t>
+            </a:r>
+            <a:endParaRPr lang="ru-RU" dirty="0" smtClean="0"/>
+          </a:p>
+          <a:p>
+            <a:r>
+              <a:rPr lang="ru-RU" dirty="0" smtClean="0"/>
+              <a:t>Безопасность </a:t>
+            </a:r>
+            <a:endParaRPr lang="ru-RU" dirty="0"/>
+          </a:p>
+        </p:txBody>
+      </p:sp>
+      <p:pic>
+        <p:nvPicPr>
+          <p:cNvPr id="6" name="Рисунок 5" descr="dropbox-141217.jpg"/>
+          <p:cNvPicPr>
+            <a:picLocks noChangeAspect="1"/>
+          </p:cNvPicPr>
+          <p:nvPr/>
+        </p:nvPicPr>
+        <p:blipFill>
+          <a:blip r:embed="rId3"/>
+          <a:stretch>
+            <a:fillRect/>
+          </a:stretch>
+        </p:blipFill>
+        <p:spPr>
+          <a:xfrm>
+            <a:off x="8494007" y="4528554"/>
+            <a:ext cx="2356874" cy="1871358"/>
+          </a:xfrm>
+          <a:prstGeom prst="rect">
+            <a:avLst/>
+          </a:prstGeom>
+          <a:ln>
+            <a:solidFill>
+              <a:schemeClr val="bg1">
+                <a:lumMod val="25000"/>
+              </a:schemeClr>
+            </a:solidFill>
+          </a:ln>
+          <a:effectLst>
+            <a:outerShdw blurRad="50800" dist="38100" dir="2700000" algn="tl" rotWithShape="0">
+              <a:prstClr val="black">
+                <a:alpha val="40000"/>
+              </a:prstClr>
+            </a:outerShdw>
+          </a:effectLst>
+        </p:spPr>
+      </p:pic>
+    </p:spTree>
+    <p:extLst>
+      <p:ext uri="{BB962C8B-B14F-4D97-AF65-F5344CB8AC3E}">
+        <p14:creationId xmlns:p14="http://schemas.microsoft.com/office/powerpoint/2010/main" val="3807705199"/>
+      </p:ext>
+    </p:extLst>
+  </p:cSld>
+  <p:clrMapOvr>
+    <a:masterClrMapping/>
+  </p:clrMapOvr>
+  <mc:AlternateContent xmlns:mc="http://schemas.openxmlformats.org/markup-compatibility/2006">
+    <mc:Choice xmlns:p14="http://schemas.microsoft.com/office/powerpoint/2010/main" Requires="p14">
+      <p:transition spd="med" p14:dur="700">
+        <p:fade/>
+      </p:transition>
+    </mc:Choice>
+    <mc:Fallback>
+      <p:transition spd="med">
+        <p:fade/>
+      </p:transition>
+    </mc:Fallback>
+  </mc:AlternateContent>
+  <p:timing>
+    <p:tnLst>
+      <p:par>
+        <p:cTn id="1" dur="indefinite" restart="never" nodeType="tmRoot"/>
+      </p:par>
+    </p:tnLst>
+  </p:timing>
+</p:sld>
+</file>
+
+<file path=ppt/slides/slide14.xml><?xml version="1.0" encoding="utf-8"?>
+<p:sld xmlns:a="http://schemas.openxmlformats.org/drawingml/2006/main" xmlns:r="http://schemas.openxmlformats.org/officeDocument/2006/relationships" xmlns:p="http://schemas.openxmlformats.org/presentationml/2006/main">
+  <p:cSld>
+    <p:spTree>
+      <p:nvGrpSpPr>
+        <p:cNvPr id="1" name=""/>
+        <p:cNvGrpSpPr/>
+        <p:nvPr/>
+      </p:nvGrpSpPr>
+      <p:grpSpPr>
+        <a:xfrm>
+          <a:off x="0" y="0"/>
+          <a:ext cx="0" cy="0"/>
+          <a:chOff x="0" y="0"/>
+          <a:chExt cx="0" cy="0"/>
+        </a:xfrm>
+      </p:grpSpPr>
+      <p:sp>
+        <p:nvSpPr>
+          <p:cNvPr id="2" name="Заголовок 1"/>
+          <p:cNvSpPr>
+            <a:spLocks noGrp="1"/>
+          </p:cNvSpPr>
+          <p:nvPr>
+            <p:ph type="title"/>
+          </p:nvPr>
+        </p:nvSpPr>
+        <p:spPr>
+          <a:xfrm>
             <a:off x="838200" y="365126"/>
             <a:ext cx="10515600" cy="880668"/>
           </a:xfrm>
@@ -17700,7 +18216,7 @@
 </p:sld>
 </file>
 
-<file path=ppt/slides/slide13.xml><?xml version="1.0" encoding="utf-8"?>
+<file path=ppt/slides/slide15.xml><?xml version="1.0" encoding="utf-8"?>
 <p:sld xmlns:a="http://schemas.openxmlformats.org/drawingml/2006/main" xmlns:r="http://schemas.openxmlformats.org/officeDocument/2006/relationships" xmlns:p="http://schemas.openxmlformats.org/presentationml/2006/main">
   <p:cSld>
     <p:spTree>
@@ -19532,7 +20048,7 @@
 </p:sld>
 </file>
 
-<file path=ppt/slides/slide14.xml><?xml version="1.0" encoding="utf-8"?>
+<file path=ppt/slides/slide16.xml><?xml version="1.0" encoding="utf-8"?>
 <p:sld xmlns:a="http://schemas.openxmlformats.org/drawingml/2006/main" xmlns:r="http://schemas.openxmlformats.org/officeDocument/2006/relationships" xmlns:p="http://schemas.openxmlformats.org/presentationml/2006/main">
   <p:cSld>
     <p:spTree>
@@ -19773,7 +20289,112 @@
 </p:sld>
 </file>
 
-<file path=ppt/slides/slide15.xml><?xml version="1.0" encoding="utf-8"?>
+<file path=ppt/slides/slide17.xml><?xml version="1.0" encoding="utf-8"?>
+<p:sld xmlns:a="http://schemas.openxmlformats.org/drawingml/2006/main" xmlns:r="http://schemas.openxmlformats.org/officeDocument/2006/relationships" xmlns:p="http://schemas.openxmlformats.org/presentationml/2006/main">
+  <p:cSld>
+    <p:spTree>
+      <p:nvGrpSpPr>
+        <p:cNvPr id="1" name=""/>
+        <p:cNvGrpSpPr/>
+        <p:nvPr/>
+      </p:nvGrpSpPr>
+      <p:grpSpPr>
+        <a:xfrm>
+          <a:off x="0" y="0"/>
+          <a:ext cx="0" cy="0"/>
+          <a:chOff x="0" y="0"/>
+          <a:chExt cx="0" cy="0"/>
+        </a:xfrm>
+      </p:grpSpPr>
+      <p:sp>
+        <p:nvSpPr>
+          <p:cNvPr id="2" name="Заголовок 1"/>
+          <p:cNvSpPr>
+            <a:spLocks noGrp="1"/>
+          </p:cNvSpPr>
+          <p:nvPr>
+            <p:ph type="title"/>
+          </p:nvPr>
+        </p:nvSpPr>
+        <p:spPr>
+          <a:xfrm>
+            <a:off x="838200" y="365125"/>
+            <a:ext cx="10515600" cy="859617"/>
+          </a:xfrm>
+        </p:spPr>
+        <p:txBody>
+          <a:bodyPr/>
+          <a:lstStyle/>
+          <a:p>
+            <a:pPr algn="ctr"/>
+            <a:r>
+              <a:rPr lang="ru-RU" b="1" dirty="0" smtClean="0">
+                <a:solidFill>
+                  <a:srgbClr val="FFFFFF"/>
+                </a:solidFill>
+              </a:rPr>
+              <a:t>Статистика</a:t>
+            </a:r>
+            <a:endParaRPr lang="ru-RU" b="1" dirty="0">
+              <a:solidFill>
+                <a:srgbClr val="FFFFFF"/>
+              </a:solidFill>
+            </a:endParaRPr>
+          </a:p>
+        </p:txBody>
+      </p:sp>
+      <p:sp>
+        <p:nvSpPr>
+          <p:cNvPr id="3" name="Объект 2"/>
+          <p:cNvSpPr>
+            <a:spLocks noGrp="1"/>
+          </p:cNvSpPr>
+          <p:nvPr>
+            <p:ph idx="1"/>
+          </p:nvPr>
+        </p:nvSpPr>
+        <p:spPr/>
+        <p:txBody>
+          <a:bodyPr/>
+          <a:lstStyle/>
+          <a:p>
+            <a:endParaRPr lang="ru-RU" dirty="0"/>
+          </a:p>
+        </p:txBody>
+      </p:sp>
+    </p:spTree>
+    <p:extLst>
+      <p:ext uri="{BB962C8B-B14F-4D97-AF65-F5344CB8AC3E}">
+        <p14:creationId xmlns:p14="http://schemas.microsoft.com/office/powerpoint/2010/main" val="2265040254"/>
+      </p:ext>
+    </p:extLst>
+  </p:cSld>
+  <p:clrMapOvr>
+    <a:masterClrMapping/>
+  </p:clrMapOvr>
+  <mc:AlternateContent xmlns:mc="http://schemas.openxmlformats.org/markup-compatibility/2006">
+    <mc:Choice xmlns:p14="http://schemas.microsoft.com/office/powerpoint/2010/main" Requires="p14">
+      <p:transition spd="med" p14:dur="700">
+        <p:fade/>
+      </p:transition>
+    </mc:Choice>
+    <mc:Fallback>
+      <p:transition spd="med">
+        <p:fade/>
+      </p:transition>
+    </mc:Fallback>
+  </mc:AlternateContent>
+  <p:timing>
+    <p:tnLst>
+      <p:par>
+        <p:cTn id="1" dur="indefinite" restart="never" nodeType="tmRoot"/>
+      </p:par>
+    </p:tnLst>
+  </p:timing>
+</p:sld>
+</file>
+
+<file path=ppt/slides/slide18.xml><?xml version="1.0" encoding="utf-8"?>
 <p:sld xmlns:a="http://schemas.openxmlformats.org/drawingml/2006/main" xmlns:r="http://schemas.openxmlformats.org/officeDocument/2006/relationships" xmlns:p="http://schemas.openxmlformats.org/presentationml/2006/main">
   <p:cSld>
     <p:spTree>
@@ -19896,7 +20517,7 @@
 </p:sld>
 </file>
 
-<file path=ppt/slides/slide16.xml><?xml version="1.0" encoding="utf-8"?>
+<file path=ppt/slides/slide19.xml><?xml version="1.0" encoding="utf-8"?>
 <p:sld xmlns:a="http://schemas.openxmlformats.org/drawingml/2006/main" xmlns:r="http://schemas.openxmlformats.org/officeDocument/2006/relationships" xmlns:p="http://schemas.openxmlformats.org/presentationml/2006/main">
   <p:cSld>
     <p:spTree>
@@ -19988,614 +20609,6 @@
     <p:extLst>
       <p:ext uri="{BB962C8B-B14F-4D97-AF65-F5344CB8AC3E}">
         <p14:creationId xmlns:p14="http://schemas.microsoft.com/office/powerpoint/2010/main" val="3574231650"/>
-      </p:ext>
-    </p:extLst>
-  </p:cSld>
-  <p:clrMapOvr>
-    <a:masterClrMapping/>
-  </p:clrMapOvr>
-  <mc:AlternateContent xmlns:mc="http://schemas.openxmlformats.org/markup-compatibility/2006" xmlns:p14="http://schemas.microsoft.com/office/powerpoint/2010/main">
-    <mc:Choice Requires="p14">
-      <p:transition spd="med" p14:dur="700">
-        <p:fade/>
-      </p:transition>
-    </mc:Choice>
-    <mc:Fallback xmlns="">
-      <p:transition spd="med">
-        <p:fade/>
-      </p:transition>
-    </mc:Fallback>
-  </mc:AlternateContent>
-  <p:timing>
-    <p:tnLst>
-      <p:par>
-        <p:cTn id="1" dur="indefinite" restart="never" nodeType="tmRoot"/>
-      </p:par>
-    </p:tnLst>
-  </p:timing>
-</p:sld>
-</file>
-
-<file path=ppt/slides/slide17.xml><?xml version="1.0" encoding="utf-8"?>
-<p:sld xmlns:a="http://schemas.openxmlformats.org/drawingml/2006/main" xmlns:r="http://schemas.openxmlformats.org/officeDocument/2006/relationships" xmlns:p="http://schemas.openxmlformats.org/presentationml/2006/main">
-  <p:cSld>
-    <p:spTree>
-      <p:nvGrpSpPr>
-        <p:cNvPr id="1" name=""/>
-        <p:cNvGrpSpPr/>
-        <p:nvPr/>
-      </p:nvGrpSpPr>
-      <p:grpSpPr>
-        <a:xfrm>
-          <a:off x="0" y="0"/>
-          <a:ext cx="0" cy="0"/>
-          <a:chOff x="0" y="0"/>
-          <a:chExt cx="0" cy="0"/>
-        </a:xfrm>
-      </p:grpSpPr>
-      <p:sp>
-        <p:nvSpPr>
-          <p:cNvPr id="2" name="Заголовок 1"/>
-          <p:cNvSpPr>
-            <a:spLocks noGrp="1"/>
-          </p:cNvSpPr>
-          <p:nvPr>
-            <p:ph type="title"/>
-          </p:nvPr>
-        </p:nvSpPr>
-        <p:spPr/>
-        <p:txBody>
-          <a:bodyPr/>
-          <a:lstStyle/>
-          <a:p>
-            <a:pPr algn="ctr" defTabSz="914400">
-              <a:lnSpc>
-                <a:spcPct val="90000"/>
-              </a:lnSpc>
-              <a:spcBef>
-                <a:spcPts val="1"/>
-              </a:spcBef>
-              <a:buNone/>
-            </a:pPr>
-            <a:r>
-              <a:rPr lang="ru-RU" sz="3200" b="0" i="0" dirty="0" smtClean="0">
-                <a:solidFill>
-                  <a:schemeClr val="bg1"/>
-                </a:solidFill>
-                <a:latin typeface="Book Antiqua"/>
-                <a:ea typeface="+mj-ea"/>
-                <a:cs typeface="+mj-cs"/>
-              </a:rPr>
-              <a:t>Проектный план, методология</a:t>
-            </a:r>
-            <a:endParaRPr lang="ru-RU" sz="3200" b="0" i="0" dirty="0">
-              <a:solidFill>
-                <a:schemeClr val="bg1"/>
-              </a:solidFill>
-              <a:latin typeface="Book Antiqua"/>
-              <a:ea typeface="+mj-ea"/>
-              <a:cs typeface="+mj-cs"/>
-            </a:endParaRPr>
-          </a:p>
-        </p:txBody>
-      </p:sp>
-      <p:sp>
-        <p:nvSpPr>
-          <p:cNvPr id="3" name="Объект 2"/>
-          <p:cNvSpPr>
-            <a:spLocks noGrp="1"/>
-          </p:cNvSpPr>
-          <p:nvPr>
-            <p:ph sz="half" idx="1"/>
-          </p:nvPr>
-        </p:nvSpPr>
-        <p:spPr/>
-        <p:txBody>
-          <a:bodyPr/>
-          <a:lstStyle/>
-          <a:p>
-            <a:pPr marL="274320" indent="-274320" algn="l" defTabSz="914400">
-              <a:lnSpc>
-                <a:spcPct val="90000"/>
-              </a:lnSpc>
-              <a:spcBef>
-                <a:spcPts val="1800"/>
-              </a:spcBef>
-              <a:buClr>
-                <a:srgbClr val="595959"/>
-              </a:buClr>
-              <a:buFont typeface="Arial"/>
-              <a:buChar char="•"/>
-            </a:pPr>
-            <a:r>
-              <a:rPr lang="ru-RU" sz="2400" b="0" i="0" dirty="0" smtClean="0">
-                <a:solidFill>
-                  <a:srgbClr val="595959"/>
-                </a:solidFill>
-                <a:latin typeface="Book Antiqua"/>
-                <a:ea typeface="+mn-ea"/>
-                <a:cs typeface="+mn-cs"/>
-              </a:rPr>
-              <a:t>Первый пункт маркированного списка.</a:t>
-            </a:r>
-          </a:p>
-          <a:p>
-            <a:pPr marL="274320" indent="-274320" algn="l" defTabSz="914400">
-              <a:lnSpc>
-                <a:spcPct val="90000"/>
-              </a:lnSpc>
-              <a:spcBef>
-                <a:spcPts val="1800"/>
-              </a:spcBef>
-              <a:buClr>
-                <a:srgbClr val="595959"/>
-              </a:buClr>
-              <a:buFont typeface="Arial"/>
-              <a:buChar char="•"/>
-            </a:pPr>
-            <a:r>
-              <a:rPr lang="ru-RU" sz="2400" b="0" i="0" dirty="0" smtClean="0">
-                <a:solidFill>
-                  <a:srgbClr val="595959"/>
-                </a:solidFill>
-                <a:latin typeface="Book Antiqua"/>
-                <a:ea typeface="+mn-ea"/>
-                <a:cs typeface="+mn-cs"/>
-              </a:rPr>
-              <a:t>Второй пункт маркированного списка.</a:t>
-            </a:r>
-          </a:p>
-          <a:p>
-            <a:pPr marL="274320" indent="-274320" algn="l" defTabSz="914400">
-              <a:lnSpc>
-                <a:spcPct val="90000"/>
-              </a:lnSpc>
-              <a:spcBef>
-                <a:spcPts val="1800"/>
-              </a:spcBef>
-              <a:buClr>
-                <a:srgbClr val="595959"/>
-              </a:buClr>
-              <a:buFont typeface="Arial"/>
-              <a:buChar char="•"/>
-            </a:pPr>
-            <a:r>
-              <a:rPr lang="ru-RU" sz="2400" b="0" i="0" dirty="0" smtClean="0">
-                <a:solidFill>
-                  <a:srgbClr val="595959"/>
-                </a:solidFill>
-                <a:latin typeface="Book Antiqua"/>
-                <a:ea typeface="+mn-ea"/>
-                <a:cs typeface="+mn-cs"/>
-              </a:rPr>
-              <a:t>Третий пункт маркированного списка.</a:t>
-            </a:r>
-            <a:endParaRPr lang="ru-RU" sz="2400" b="0" i="0" dirty="0">
-              <a:solidFill>
-                <a:srgbClr val="595959"/>
-              </a:solidFill>
-              <a:latin typeface="Book Antiqua"/>
-              <a:ea typeface="+mn-ea"/>
-              <a:cs typeface="+mn-cs"/>
-            </a:endParaRPr>
-          </a:p>
-        </p:txBody>
-      </p:sp>
-      <p:graphicFrame>
-        <p:nvGraphicFramePr>
-          <p:cNvPr id="5" name="Объект 4" descr="Sample table with 3 columns, 4 rows" title="Table"/>
-          <p:cNvGraphicFramePr>
-            <a:graphicFrameLocks noGrp="1"/>
-          </p:cNvGraphicFramePr>
-          <p:nvPr>
-            <p:ph sz="half" idx="2"/>
-            <p:extLst>
-              <p:ext uri="{D42A27DB-BD31-4B8C-83A1-F6EECF244321}">
-                <p14:modId xmlns:p14="http://schemas.microsoft.com/office/powerpoint/2010/main" val="169284093"/>
-              </p:ext>
-            </p:extLst>
-          </p:nvPr>
-        </p:nvGraphicFramePr>
-        <p:xfrm>
-          <a:off x="7510273" y="1738086"/>
-          <a:ext cx="4414419" cy="2298700"/>
-        </p:xfrm>
-        <a:graphic>
-          <a:graphicData uri="http://schemas.openxmlformats.org/drawingml/2006/table">
-            <a:tbl>
-              <a:tblPr firstRow="1" bandRow="1">
-                <a:tableStyleId>{5C22544A-7EE6-4342-B048-85BDC9FD1C3A}</a:tableStyleId>
-              </a:tblPr>
-              <a:tblGrid>
-                <a:gridCol w="1471473"/>
-                <a:gridCol w="1471473"/>
-                <a:gridCol w="1471473"/>
-              </a:tblGrid>
-              <a:tr h="574675">
-                <a:tc>
-                  <a:txBody>
-                    <a:bodyPr/>
-                    <a:lstStyle/>
-                    <a:p>
-                      <a:pPr algn="ctr"/>
-                      <a:endParaRPr lang="ru-RU" dirty="0"/>
-                    </a:p>
-                  </a:txBody>
-                  <a:tcPr anchor="ctr"/>
-                </a:tc>
-                <a:tc>
-                  <a:txBody>
-                    <a:bodyPr/>
-                    <a:lstStyle/>
-                    <a:p>
-                      <a:pPr algn="ctr"/>
-                      <a:r>
-                        <a:rPr lang="ru-RU" dirty="0" smtClean="0"/>
-                        <a:t>Группа A</a:t>
-                      </a:r>
-                      <a:endParaRPr lang="ru-RU" dirty="0"/>
-                    </a:p>
-                  </a:txBody>
-                  <a:tcPr anchor="ctr"/>
-                </a:tc>
-                <a:tc>
-                  <a:txBody>
-                    <a:bodyPr/>
-                    <a:lstStyle/>
-                    <a:p>
-                      <a:pPr algn="ctr"/>
-                      <a:r>
-                        <a:rPr lang="ru-RU" dirty="0" smtClean="0"/>
-                        <a:t>Группа B</a:t>
-                      </a:r>
-                      <a:endParaRPr lang="ru-RU" dirty="0"/>
-                    </a:p>
-                  </a:txBody>
-                  <a:tcPr anchor="ctr"/>
-                </a:tc>
-              </a:tr>
-              <a:tr h="574675">
-                <a:tc>
-                  <a:txBody>
-                    <a:bodyPr/>
-                    <a:lstStyle/>
-                    <a:p>
-                      <a:pPr algn="ctr"/>
-                      <a:r>
-                        <a:rPr lang="ru-RU" dirty="0" smtClean="0"/>
-                        <a:t>Класс 1</a:t>
-                      </a:r>
-                      <a:endParaRPr lang="ru-RU" dirty="0"/>
-                    </a:p>
-                  </a:txBody>
-                  <a:tcPr anchor="ctr"/>
-                </a:tc>
-                <a:tc>
-                  <a:txBody>
-                    <a:bodyPr/>
-                    <a:lstStyle/>
-                    <a:p>
-                      <a:pPr algn="ctr"/>
-                      <a:r>
-                        <a:rPr lang="ru-RU" dirty="0" smtClean="0"/>
-                        <a:t>82</a:t>
-                      </a:r>
-                      <a:endParaRPr lang="ru-RU" dirty="0"/>
-                    </a:p>
-                  </a:txBody>
-                  <a:tcPr anchor="ctr"/>
-                </a:tc>
-                <a:tc>
-                  <a:txBody>
-                    <a:bodyPr/>
-                    <a:lstStyle/>
-                    <a:p>
-                      <a:pPr algn="ctr"/>
-                      <a:r>
-                        <a:rPr lang="ru-RU" dirty="0" smtClean="0"/>
-                        <a:t>95</a:t>
-                      </a:r>
-                      <a:endParaRPr lang="ru-RU" dirty="0"/>
-                    </a:p>
-                  </a:txBody>
-                  <a:tcPr anchor="ctr"/>
-                </a:tc>
-              </a:tr>
-              <a:tr h="574675">
-                <a:tc>
-                  <a:txBody>
-                    <a:bodyPr/>
-                    <a:lstStyle/>
-                    <a:p>
-                      <a:pPr algn="ctr"/>
-                      <a:r>
-                        <a:rPr lang="ru-RU" dirty="0" smtClean="0"/>
-                        <a:t>Класс 2</a:t>
-                      </a:r>
-                      <a:endParaRPr lang="ru-RU" dirty="0"/>
-                    </a:p>
-                  </a:txBody>
-                  <a:tcPr anchor="ctr"/>
-                </a:tc>
-                <a:tc>
-                  <a:txBody>
-                    <a:bodyPr/>
-                    <a:lstStyle/>
-                    <a:p>
-                      <a:pPr algn="ctr"/>
-                      <a:r>
-                        <a:rPr lang="ru-RU" dirty="0" smtClean="0"/>
-                        <a:t>76</a:t>
-                      </a:r>
-                      <a:endParaRPr lang="ru-RU" dirty="0"/>
-                    </a:p>
-                  </a:txBody>
-                  <a:tcPr anchor="ctr"/>
-                </a:tc>
-                <a:tc>
-                  <a:txBody>
-                    <a:bodyPr/>
-                    <a:lstStyle/>
-                    <a:p>
-                      <a:pPr algn="ctr"/>
-                      <a:r>
-                        <a:rPr lang="ru-RU" dirty="0" smtClean="0"/>
-                        <a:t>88</a:t>
-                      </a:r>
-                      <a:endParaRPr lang="ru-RU" dirty="0"/>
-                    </a:p>
-                  </a:txBody>
-                  <a:tcPr anchor="ctr"/>
-                </a:tc>
-              </a:tr>
-              <a:tr h="574675">
-                <a:tc>
-                  <a:txBody>
-                    <a:bodyPr/>
-                    <a:lstStyle/>
-                    <a:p>
-                      <a:pPr algn="ctr"/>
-                      <a:r>
-                        <a:rPr lang="ru-RU" dirty="0" smtClean="0"/>
-                        <a:t>Класс 3</a:t>
-                      </a:r>
-                      <a:endParaRPr lang="ru-RU" dirty="0"/>
-                    </a:p>
-                  </a:txBody>
-                  <a:tcPr anchor="ctr"/>
-                </a:tc>
-                <a:tc>
-                  <a:txBody>
-                    <a:bodyPr/>
-                    <a:lstStyle/>
-                    <a:p>
-                      <a:pPr algn="ctr"/>
-                      <a:r>
-                        <a:rPr lang="ru-RU" dirty="0" smtClean="0"/>
-                        <a:t>84</a:t>
-                      </a:r>
-                      <a:endParaRPr lang="ru-RU" dirty="0"/>
-                    </a:p>
-                  </a:txBody>
-                  <a:tcPr anchor="ctr"/>
-                </a:tc>
-                <a:tc>
-                  <a:txBody>
-                    <a:bodyPr/>
-                    <a:lstStyle/>
-                    <a:p>
-                      <a:pPr algn="ctr"/>
-                      <a:r>
-                        <a:rPr lang="ru-RU" dirty="0" smtClean="0"/>
-                        <a:t>90</a:t>
-                      </a:r>
-                      <a:endParaRPr lang="ru-RU" dirty="0"/>
-                    </a:p>
-                  </a:txBody>
-                  <a:tcPr anchor="ctr"/>
-                </a:tc>
-              </a:tr>
-            </a:tbl>
-          </a:graphicData>
-        </a:graphic>
-      </p:graphicFrame>
-    </p:spTree>
-    <p:extLst>
-      <p:ext uri="{BB962C8B-B14F-4D97-AF65-F5344CB8AC3E}">
-        <p14:creationId xmlns:p14="http://schemas.microsoft.com/office/powerpoint/2010/main" val="4213855386"/>
-      </p:ext>
-    </p:extLst>
-  </p:cSld>
-  <p:clrMapOvr>
-    <a:masterClrMapping/>
-  </p:clrMapOvr>
-  <mc:AlternateContent xmlns:mc="http://schemas.openxmlformats.org/markup-compatibility/2006" xmlns:p14="http://schemas.microsoft.com/office/powerpoint/2010/main">
-    <mc:Choice Requires="p14">
-      <p:transition spd="med" p14:dur="700">
-        <p:fade/>
-      </p:transition>
-    </mc:Choice>
-    <mc:Fallback xmlns="">
-      <p:transition spd="med">
-        <p:fade/>
-      </p:transition>
-    </mc:Fallback>
-  </mc:AlternateContent>
-  <p:timing>
-    <p:tnLst>
-      <p:par>
-        <p:cTn id="1" dur="indefinite" restart="never" nodeType="tmRoot"/>
-      </p:par>
-    </p:tnLst>
-  </p:timing>
-</p:sld>
-</file>
-
-<file path=ppt/slides/slide18.xml><?xml version="1.0" encoding="utf-8"?>
-<p:sld xmlns:a="http://schemas.openxmlformats.org/drawingml/2006/main" xmlns:r="http://schemas.openxmlformats.org/officeDocument/2006/relationships" xmlns:p="http://schemas.openxmlformats.org/presentationml/2006/main">
-  <p:cSld>
-    <p:spTree>
-      <p:nvGrpSpPr>
-        <p:cNvPr id="1" name=""/>
-        <p:cNvGrpSpPr/>
-        <p:nvPr/>
-      </p:nvGrpSpPr>
-      <p:grpSpPr>
-        <a:xfrm>
-          <a:off x="0" y="0"/>
-          <a:ext cx="0" cy="0"/>
-          <a:chOff x="0" y="0"/>
-          <a:chExt cx="0" cy="0"/>
-        </a:xfrm>
-      </p:grpSpPr>
-      <p:sp>
-        <p:nvSpPr>
-          <p:cNvPr id="2" name="Заголовок 1"/>
-          <p:cNvSpPr>
-            <a:spLocks noGrp="1"/>
-          </p:cNvSpPr>
-          <p:nvPr>
-            <p:ph type="title"/>
-          </p:nvPr>
-        </p:nvSpPr>
-        <p:spPr/>
-        <p:txBody>
-          <a:bodyPr/>
-          <a:lstStyle/>
-          <a:p>
-            <a:pPr algn="ctr" defTabSz="914400">
-              <a:lnSpc>
-                <a:spcPct val="90000"/>
-              </a:lnSpc>
-              <a:spcBef>
-                <a:spcPts val="1"/>
-              </a:spcBef>
-              <a:buNone/>
-            </a:pPr>
-            <a:r>
-              <a:rPr lang="ru-RU" sz="3200" b="0" i="0" dirty="0" smtClean="0">
-                <a:solidFill>
-                  <a:schemeClr val="bg1"/>
-                </a:solidFill>
-                <a:latin typeface="Book Antiqua"/>
-                <a:ea typeface="+mj-ea"/>
-                <a:cs typeface="+mj-cs"/>
-              </a:rPr>
-              <a:t>Информационное окружение, инфраструктура, средства командной разработки</a:t>
-            </a:r>
-            <a:endParaRPr lang="ru-RU" sz="3200" b="0" i="0" dirty="0">
-              <a:solidFill>
-                <a:schemeClr val="bg1"/>
-              </a:solidFill>
-              <a:latin typeface="Book Antiqua"/>
-              <a:ea typeface="+mj-ea"/>
-              <a:cs typeface="+mj-cs"/>
-            </a:endParaRPr>
-          </a:p>
-        </p:txBody>
-      </p:sp>
-      <p:graphicFrame>
-        <p:nvGraphicFramePr>
-          <p:cNvPr id="6" name="Объект 5" descr="Простой уголковый процесс" title="SmartArt"/>
-          <p:cNvGraphicFramePr>
-            <a:graphicFrameLocks noGrp="1"/>
-          </p:cNvGraphicFramePr>
-          <p:nvPr>
-            <p:ph idx="1"/>
-            <p:extLst>
-              <p:ext uri="{D42A27DB-BD31-4B8C-83A1-F6EECF244321}">
-                <p14:modId xmlns:p14="http://schemas.microsoft.com/office/powerpoint/2010/main" val="2398150307"/>
-              </p:ext>
-            </p:extLst>
-          </p:nvPr>
-        </p:nvGraphicFramePr>
-        <p:xfrm>
-          <a:off x="838200" y="1825625"/>
-          <a:ext cx="10515600" cy="4351338"/>
-        </p:xfrm>
-        <a:graphic>
-          <a:graphicData uri="http://schemas.openxmlformats.org/drawingml/2006/diagram">
-            <dgm:relIds xmlns:dgm="http://schemas.openxmlformats.org/drawingml/2006/diagram" xmlns:r="http://schemas.openxmlformats.org/officeDocument/2006/relationships" r:dm="rId2" r:lo="rId3" r:qs="rId4" r:cs="rId5"/>
-          </a:graphicData>
-        </a:graphic>
-      </p:graphicFrame>
-    </p:spTree>
-    <p:extLst>
-      <p:ext uri="{BB962C8B-B14F-4D97-AF65-F5344CB8AC3E}">
-        <p14:creationId xmlns:p14="http://schemas.microsoft.com/office/powerpoint/2010/main" val="3112142608"/>
-      </p:ext>
-    </p:extLst>
-  </p:cSld>
-  <p:clrMapOvr>
-    <a:masterClrMapping/>
-  </p:clrMapOvr>
-  <mc:AlternateContent xmlns:mc="http://schemas.openxmlformats.org/markup-compatibility/2006" xmlns:p14="http://schemas.microsoft.com/office/powerpoint/2010/main">
-    <mc:Choice Requires="p14">
-      <p:transition spd="med" p14:dur="700">
-        <p:fade/>
-      </p:transition>
-    </mc:Choice>
-    <mc:Fallback xmlns="">
-      <p:transition spd="med">
-        <p:fade/>
-      </p:transition>
-    </mc:Fallback>
-  </mc:AlternateContent>
-  <p:timing>
-    <p:tnLst>
-      <p:par>
-        <p:cTn id="1" dur="indefinite" restart="never" nodeType="tmRoot"/>
-      </p:par>
-    </p:tnLst>
-  </p:timing>
-</p:sld>
-</file>
-
-<file path=ppt/slides/slide19.xml><?xml version="1.0" encoding="utf-8"?>
-<p:sld xmlns:a="http://schemas.openxmlformats.org/drawingml/2006/main" xmlns:r="http://schemas.openxmlformats.org/officeDocument/2006/relationships" xmlns:p="http://schemas.openxmlformats.org/presentationml/2006/main">
-  <p:cSld>
-    <p:spTree>
-      <p:nvGrpSpPr>
-        <p:cNvPr id="1" name=""/>
-        <p:cNvGrpSpPr/>
-        <p:nvPr/>
-      </p:nvGrpSpPr>
-      <p:grpSpPr>
-        <a:xfrm>
-          <a:off x="0" y="0"/>
-          <a:ext cx="0" cy="0"/>
-          <a:chOff x="0" y="0"/>
-          <a:chExt cx="0" cy="0"/>
-        </a:xfrm>
-      </p:grpSpPr>
-      <p:sp>
-        <p:nvSpPr>
-          <p:cNvPr id="2" name="Заголовок 1"/>
-          <p:cNvSpPr>
-            <a:spLocks noGrp="1"/>
-          </p:cNvSpPr>
-          <p:nvPr>
-            <p:ph type="title"/>
-          </p:nvPr>
-        </p:nvSpPr>
-        <p:spPr/>
-        <p:txBody>
-          <a:bodyPr/>
-          <a:lstStyle/>
-          <a:p>
-            <a:pPr algn="ctr"/>
-            <a:r>
-              <a:rPr lang="ru-RU" dirty="0" smtClean="0"/>
-              <a:t>Архитектурные решения и технические</a:t>
-            </a:r>
-            <a:endParaRPr lang="ru-RU" dirty="0"/>
-          </a:p>
-        </p:txBody>
-      </p:sp>
-    </p:spTree>
-    <p:extLst>
-      <p:ext uri="{BB962C8B-B14F-4D97-AF65-F5344CB8AC3E}">
-        <p14:creationId xmlns:p14="http://schemas.microsoft.com/office/powerpoint/2010/main" val="3061729273"/>
       </p:ext>
     </p:extLst>
   </p:cSld>
@@ -21066,16 +21079,34 @@
           <a:bodyPr/>
           <a:lstStyle/>
           <a:p>
-            <a:pPr algn="ctr"/>
+            <a:pPr algn="ctr" defTabSz="914400">
+              <a:lnSpc>
+                <a:spcPct val="90000"/>
+              </a:lnSpc>
+              <a:spcBef>
+                <a:spcPts val="1"/>
+              </a:spcBef>
+              <a:buNone/>
+            </a:pPr>
             <a:r>
-              <a:rPr lang="ru-RU" dirty="0"/>
-              <a:t>Р</a:t>
+              <a:rPr lang="ru-RU" sz="3200" b="0" i="0" dirty="0" smtClean="0">
+                <a:solidFill>
+                  <a:schemeClr val="bg1"/>
+                </a:solidFill>
+                <a:latin typeface="Book Antiqua"/>
+                <a:ea typeface="+mj-ea"/>
+                <a:cs typeface="+mj-cs"/>
+              </a:rPr>
+              <a:t>Проектный план, методология</a:t>
             </a:r>
-            <a:r>
-              <a:rPr lang="ru-RU" dirty="0" smtClean="0"/>
-              <a:t>азработка</a:t>
-            </a:r>
-            <a:endParaRPr lang="ru-RU" dirty="0"/>
+            <a:endParaRPr lang="ru-RU" sz="3200" b="0" i="0" dirty="0">
+              <a:solidFill>
+                <a:schemeClr val="bg1"/>
+              </a:solidFill>
+              <a:latin typeface="Book Antiqua"/>
+              <a:ea typeface="+mj-ea"/>
+              <a:cs typeface="+mj-cs"/>
+            </a:endParaRPr>
           </a:p>
         </p:txBody>
       </p:sp>
@@ -21086,7 +21117,7 @@
             <a:spLocks noGrp="1"/>
           </p:cNvSpPr>
           <p:nvPr>
-            <p:ph idx="1"/>
+            <p:ph sz="half" idx="1"/>
           </p:nvPr>
         </p:nvSpPr>
         <p:spPr/>
@@ -21094,33 +21125,315 @@
           <a:bodyPr/>
           <a:lstStyle/>
           <a:p>
-            <a:endParaRPr lang="ru-RU" dirty="0"/>
+            <a:pPr marL="274320" indent="-274320" algn="l" defTabSz="914400">
+              <a:lnSpc>
+                <a:spcPct val="90000"/>
+              </a:lnSpc>
+              <a:spcBef>
+                <a:spcPts val="1800"/>
+              </a:spcBef>
+              <a:buClr>
+                <a:srgbClr val="595959"/>
+              </a:buClr>
+              <a:buFont typeface="Arial"/>
+              <a:buChar char="•"/>
+            </a:pPr>
+            <a:r>
+              <a:rPr lang="ru-RU" sz="2400" b="0" i="0" dirty="0" smtClean="0">
+                <a:solidFill>
+                  <a:srgbClr val="595959"/>
+                </a:solidFill>
+                <a:latin typeface="Book Antiqua"/>
+                <a:ea typeface="+mn-ea"/>
+                <a:cs typeface="+mn-cs"/>
+              </a:rPr>
+              <a:t>Первый пункт маркированного списка.</a:t>
+            </a:r>
+          </a:p>
+          <a:p>
+            <a:pPr marL="274320" indent="-274320" algn="l" defTabSz="914400">
+              <a:lnSpc>
+                <a:spcPct val="90000"/>
+              </a:lnSpc>
+              <a:spcBef>
+                <a:spcPts val="1800"/>
+              </a:spcBef>
+              <a:buClr>
+                <a:srgbClr val="595959"/>
+              </a:buClr>
+              <a:buFont typeface="Arial"/>
+              <a:buChar char="•"/>
+            </a:pPr>
+            <a:r>
+              <a:rPr lang="ru-RU" sz="2400" b="0" i="0" dirty="0" smtClean="0">
+                <a:solidFill>
+                  <a:srgbClr val="595959"/>
+                </a:solidFill>
+                <a:latin typeface="Book Antiqua"/>
+                <a:ea typeface="+mn-ea"/>
+                <a:cs typeface="+mn-cs"/>
+              </a:rPr>
+              <a:t>Второй пункт маркированного списка.</a:t>
+            </a:r>
+          </a:p>
+          <a:p>
+            <a:pPr marL="274320" indent="-274320" algn="l" defTabSz="914400">
+              <a:lnSpc>
+                <a:spcPct val="90000"/>
+              </a:lnSpc>
+              <a:spcBef>
+                <a:spcPts val="1800"/>
+              </a:spcBef>
+              <a:buClr>
+                <a:srgbClr val="595959"/>
+              </a:buClr>
+              <a:buFont typeface="Arial"/>
+              <a:buChar char="•"/>
+            </a:pPr>
+            <a:r>
+              <a:rPr lang="ru-RU" sz="2400" b="0" i="0" dirty="0" smtClean="0">
+                <a:solidFill>
+                  <a:srgbClr val="595959"/>
+                </a:solidFill>
+                <a:latin typeface="Book Antiqua"/>
+                <a:ea typeface="+mn-ea"/>
+                <a:cs typeface="+mn-cs"/>
+              </a:rPr>
+              <a:t>Третий пункт маркированного списка.</a:t>
+            </a:r>
+            <a:endParaRPr lang="ru-RU" sz="2400" b="0" i="0" dirty="0">
+              <a:solidFill>
+                <a:srgbClr val="595959"/>
+              </a:solidFill>
+              <a:latin typeface="Book Antiqua"/>
+              <a:ea typeface="+mn-ea"/>
+              <a:cs typeface="+mn-cs"/>
+            </a:endParaRPr>
           </a:p>
         </p:txBody>
       </p:sp>
-      <p:sp>
-        <p:nvSpPr>
-          <p:cNvPr id="4" name="Текст 3"/>
-          <p:cNvSpPr>
-            <a:spLocks noGrp="1"/>
-          </p:cNvSpPr>
+      <p:graphicFrame>
+        <p:nvGraphicFramePr>
+          <p:cNvPr id="5" name="Объект 4" descr="Sample table with 3 columns, 4 rows" title="Table"/>
+          <p:cNvGraphicFramePr>
+            <a:graphicFrameLocks noGrp="1"/>
+          </p:cNvGraphicFramePr>
           <p:nvPr>
-            <p:ph type="body" sz="half" idx="2"/>
+            <p:ph sz="half" idx="2"/>
+            <p:extLst>
+              <p:ext uri="{D42A27DB-BD31-4B8C-83A1-F6EECF244321}">
+                <p14:modId xmlns:p14="http://schemas.microsoft.com/office/powerpoint/2010/main" val="169284093"/>
+              </p:ext>
+            </p:extLst>
           </p:nvPr>
-        </p:nvSpPr>
-        <p:spPr/>
-        <p:txBody>
-          <a:bodyPr/>
-          <a:lstStyle/>
-          <a:p>
-            <a:endParaRPr lang="ru-RU" dirty="0"/>
-          </a:p>
-        </p:txBody>
-      </p:sp>
+        </p:nvGraphicFramePr>
+        <p:xfrm>
+          <a:off x="7510273" y="1738086"/>
+          <a:ext cx="4414419" cy="2298700"/>
+        </p:xfrm>
+        <a:graphic>
+          <a:graphicData uri="http://schemas.openxmlformats.org/drawingml/2006/table">
+            <a:tbl>
+              <a:tblPr firstRow="1" bandRow="1">
+                <a:tableStyleId>{5C22544A-7EE6-4342-B048-85BDC9FD1C3A}</a:tableStyleId>
+              </a:tblPr>
+              <a:tblGrid>
+                <a:gridCol w="1471473"/>
+                <a:gridCol w="1471473"/>
+                <a:gridCol w="1471473"/>
+              </a:tblGrid>
+              <a:tr h="574675">
+                <a:tc>
+                  <a:txBody>
+                    <a:bodyPr/>
+                    <a:lstStyle/>
+                    <a:p>
+                      <a:pPr algn="ctr"/>
+                      <a:endParaRPr lang="ru-RU" dirty="0"/>
+                    </a:p>
+                  </a:txBody>
+                  <a:tcPr anchor="ctr"/>
+                </a:tc>
+                <a:tc>
+                  <a:txBody>
+                    <a:bodyPr/>
+                    <a:lstStyle/>
+                    <a:p>
+                      <a:pPr algn="ctr"/>
+                      <a:r>
+                        <a:rPr lang="ru-RU" dirty="0" smtClean="0"/>
+                        <a:t>Группа A</a:t>
+                      </a:r>
+                      <a:endParaRPr lang="ru-RU" dirty="0"/>
+                    </a:p>
+                  </a:txBody>
+                  <a:tcPr anchor="ctr"/>
+                </a:tc>
+                <a:tc>
+                  <a:txBody>
+                    <a:bodyPr/>
+                    <a:lstStyle/>
+                    <a:p>
+                      <a:pPr algn="ctr"/>
+                      <a:r>
+                        <a:rPr lang="ru-RU" dirty="0" smtClean="0"/>
+                        <a:t>Группа B</a:t>
+                      </a:r>
+                      <a:endParaRPr lang="ru-RU" dirty="0"/>
+                    </a:p>
+                  </a:txBody>
+                  <a:tcPr anchor="ctr"/>
+                </a:tc>
+              </a:tr>
+              <a:tr h="574675">
+                <a:tc>
+                  <a:txBody>
+                    <a:bodyPr/>
+                    <a:lstStyle/>
+                    <a:p>
+                      <a:pPr algn="ctr"/>
+                      <a:r>
+                        <a:rPr lang="ru-RU" dirty="0" smtClean="0"/>
+                        <a:t>Класс 1</a:t>
+                      </a:r>
+                      <a:endParaRPr lang="ru-RU" dirty="0"/>
+                    </a:p>
+                  </a:txBody>
+                  <a:tcPr anchor="ctr"/>
+                </a:tc>
+                <a:tc>
+                  <a:txBody>
+                    <a:bodyPr/>
+                    <a:lstStyle/>
+                    <a:p>
+                      <a:pPr algn="ctr"/>
+                      <a:r>
+                        <a:rPr lang="ru-RU" dirty="0" smtClean="0"/>
+                        <a:t>82</a:t>
+                      </a:r>
+                      <a:endParaRPr lang="ru-RU" dirty="0"/>
+                    </a:p>
+                  </a:txBody>
+                  <a:tcPr anchor="ctr"/>
+                </a:tc>
+                <a:tc>
+                  <a:txBody>
+                    <a:bodyPr/>
+                    <a:lstStyle/>
+                    <a:p>
+                      <a:pPr algn="ctr"/>
+                      <a:r>
+                        <a:rPr lang="ru-RU" dirty="0" smtClean="0"/>
+                        <a:t>95</a:t>
+                      </a:r>
+                      <a:endParaRPr lang="ru-RU" dirty="0"/>
+                    </a:p>
+                  </a:txBody>
+                  <a:tcPr anchor="ctr"/>
+                </a:tc>
+              </a:tr>
+              <a:tr h="574675">
+                <a:tc>
+                  <a:txBody>
+                    <a:bodyPr/>
+                    <a:lstStyle/>
+                    <a:p>
+                      <a:pPr algn="ctr"/>
+                      <a:r>
+                        <a:rPr lang="ru-RU" dirty="0" smtClean="0"/>
+                        <a:t>Класс 2</a:t>
+                      </a:r>
+                      <a:endParaRPr lang="ru-RU" dirty="0"/>
+                    </a:p>
+                  </a:txBody>
+                  <a:tcPr anchor="ctr"/>
+                </a:tc>
+                <a:tc>
+                  <a:txBody>
+                    <a:bodyPr/>
+                    <a:lstStyle/>
+                    <a:p>
+                      <a:pPr algn="ctr"/>
+                      <a:r>
+                        <a:rPr lang="ru-RU" dirty="0" smtClean="0"/>
+                        <a:t>76</a:t>
+                      </a:r>
+                      <a:endParaRPr lang="ru-RU" dirty="0"/>
+                    </a:p>
+                  </a:txBody>
+                  <a:tcPr anchor="ctr"/>
+                </a:tc>
+                <a:tc>
+                  <a:txBody>
+                    <a:bodyPr/>
+                    <a:lstStyle/>
+                    <a:p>
+                      <a:pPr algn="ctr"/>
+                      <a:r>
+                        <a:rPr lang="ru-RU" dirty="0" smtClean="0"/>
+                        <a:t>88</a:t>
+                      </a:r>
+                      <a:endParaRPr lang="ru-RU" dirty="0"/>
+                    </a:p>
+                  </a:txBody>
+                  <a:tcPr anchor="ctr"/>
+                </a:tc>
+              </a:tr>
+              <a:tr h="574675">
+                <a:tc>
+                  <a:txBody>
+                    <a:bodyPr/>
+                    <a:lstStyle/>
+                    <a:p>
+                      <a:pPr algn="ctr"/>
+                      <a:r>
+                        <a:rPr lang="ru-RU" dirty="0" smtClean="0"/>
+                        <a:t>Класс 3</a:t>
+                      </a:r>
+                      <a:endParaRPr lang="ru-RU" dirty="0"/>
+                    </a:p>
+                  </a:txBody>
+                  <a:tcPr anchor="ctr"/>
+                </a:tc>
+                <a:tc>
+                  <a:txBody>
+                    <a:bodyPr/>
+                    <a:lstStyle/>
+                    <a:p>
+                      <a:pPr algn="ctr"/>
+                      <a:r>
+                        <a:rPr lang="ru-RU" dirty="0" smtClean="0"/>
+                        <a:t>84</a:t>
+                      </a:r>
+                      <a:endParaRPr lang="ru-RU" dirty="0"/>
+                    </a:p>
+                  </a:txBody>
+                  <a:tcPr anchor="ctr"/>
+                </a:tc>
+                <a:tc>
+                  <a:txBody>
+                    <a:bodyPr/>
+                    <a:lstStyle/>
+                    <a:p>
+                      <a:pPr algn="ctr"/>
+                      <a:r>
+                        <a:rPr lang="ru-RU" dirty="0" smtClean="0"/>
+                        <a:t>90</a:t>
+                      </a:r>
+                      <a:endParaRPr lang="ru-RU" dirty="0"/>
+                    </a:p>
+                  </a:txBody>
+                  <a:tcPr anchor="ctr"/>
+                </a:tc>
+              </a:tr>
+            </a:tbl>
+          </a:graphicData>
+        </a:graphic>
+      </p:graphicFrame>
     </p:spTree>
     <p:extLst>
       <p:ext uri="{BB962C8B-B14F-4D97-AF65-F5344CB8AC3E}">
-        <p14:creationId xmlns:p14="http://schemas.microsoft.com/office/powerpoint/2010/main" val="332843759"/>
+        <p14:creationId xmlns:p14="http://schemas.microsoft.com/office/powerpoint/2010/main" val="4213855386"/>
       </p:ext>
     </p:extLst>
   </p:cSld>
@@ -21181,272 +21494,66 @@
           <a:bodyPr/>
           <a:lstStyle/>
           <a:p>
-            <a:pPr algn="ctr"/>
+            <a:pPr algn="ctr" defTabSz="914400">
+              <a:lnSpc>
+                <a:spcPct val="90000"/>
+              </a:lnSpc>
+              <a:spcBef>
+                <a:spcPts val="1"/>
+              </a:spcBef>
+              <a:buNone/>
+            </a:pPr>
             <a:r>
-              <a:rPr lang="ru-RU" dirty="0" smtClean="0"/>
-              <a:t>Тестирование</a:t>
+              <a:rPr lang="ru-RU" sz="3200" b="0" i="0" dirty="0" smtClean="0">
+                <a:solidFill>
+                  <a:schemeClr val="bg1"/>
+                </a:solidFill>
+                <a:latin typeface="Book Antiqua"/>
+                <a:ea typeface="+mj-ea"/>
+                <a:cs typeface="+mj-cs"/>
+              </a:rPr>
+              <a:t>Информационное окружение, инфраструктура, средства командной разработки</a:t>
             </a:r>
-            <a:endParaRPr lang="ru-RU" dirty="0"/>
+            <a:endParaRPr lang="ru-RU" sz="3200" b="0" i="0" dirty="0">
+              <a:solidFill>
+                <a:schemeClr val="bg1"/>
+              </a:solidFill>
+              <a:latin typeface="Book Antiqua"/>
+              <a:ea typeface="+mj-ea"/>
+              <a:cs typeface="+mj-cs"/>
+            </a:endParaRPr>
           </a:p>
         </p:txBody>
       </p:sp>
-      <p:sp>
-        <p:nvSpPr>
-          <p:cNvPr id="3" name="Рисунок 2"/>
-          <p:cNvSpPr>
-            <a:spLocks noGrp="1"/>
-          </p:cNvSpPr>
+      <p:graphicFrame>
+        <p:nvGraphicFramePr>
+          <p:cNvPr id="6" name="Объект 5" descr="Простой уголковый процесс" title="SmartArt"/>
+          <p:cNvGraphicFramePr>
+            <a:graphicFrameLocks noGrp="1"/>
+          </p:cNvGraphicFramePr>
           <p:nvPr>
-            <p:ph type="pic" idx="1"/>
+            <p:ph idx="1"/>
+            <p:extLst>
+              <p:ext uri="{D42A27DB-BD31-4B8C-83A1-F6EECF244321}">
+                <p14:modId xmlns:p14="http://schemas.microsoft.com/office/powerpoint/2010/main" val="2398150307"/>
+              </p:ext>
+            </p:extLst>
           </p:nvPr>
-        </p:nvSpPr>
-        <p:spPr/>
-      </p:sp>
-      <p:sp>
-        <p:nvSpPr>
-          <p:cNvPr id="4" name="Текст 3"/>
-          <p:cNvSpPr>
-            <a:spLocks noGrp="1"/>
-          </p:cNvSpPr>
-          <p:nvPr>
-            <p:ph type="body" sz="half" idx="2"/>
-          </p:nvPr>
-        </p:nvSpPr>
-        <p:spPr/>
-        <p:txBody>
-          <a:bodyPr/>
-          <a:lstStyle/>
-          <a:p>
-            <a:endParaRPr lang="ru-RU" dirty="0"/>
-          </a:p>
-        </p:txBody>
-      </p:sp>
+        </p:nvGraphicFramePr>
+        <p:xfrm>
+          <a:off x="838200" y="1825625"/>
+          <a:ext cx="10515600" cy="4351338"/>
+        </p:xfrm>
+        <a:graphic>
+          <a:graphicData uri="http://schemas.openxmlformats.org/drawingml/2006/diagram">
+            <dgm:relIds xmlns:dgm="http://schemas.openxmlformats.org/drawingml/2006/diagram" xmlns:r="http://schemas.openxmlformats.org/officeDocument/2006/relationships" r:dm="rId2" r:lo="rId3" r:qs="rId4" r:cs="rId5"/>
+          </a:graphicData>
+        </a:graphic>
+      </p:graphicFrame>
     </p:spTree>
     <p:extLst>
       <p:ext uri="{BB962C8B-B14F-4D97-AF65-F5344CB8AC3E}">
-        <p14:creationId xmlns:p14="http://schemas.microsoft.com/office/powerpoint/2010/main" val="4129926194"/>
-      </p:ext>
-    </p:extLst>
-  </p:cSld>
-  <p:clrMapOvr>
-    <a:masterClrMapping/>
-  </p:clrMapOvr>
-  <mc:AlternateContent xmlns:mc="http://schemas.openxmlformats.org/markup-compatibility/2006" xmlns:p14="http://schemas.microsoft.com/office/powerpoint/2010/main">
-    <mc:Choice Requires="p14">
-      <p:transition spd="med" p14:dur="700">
-        <p:fade/>
-      </p:transition>
-    </mc:Choice>
-    <mc:Fallback xmlns="">
-      <p:transition spd="med">
-        <p:fade/>
-      </p:transition>
-    </mc:Fallback>
-  </mc:AlternateContent>
-  <p:timing>
-    <p:tnLst>
-      <p:par>
-        <p:cTn id="1" dur="indefinite" restart="never" nodeType="tmRoot"/>
-      </p:par>
-    </p:tnLst>
-  </p:timing>
-</p:sld>
-</file>
-
-<file path=ppt/slides/slide22.xml><?xml version="1.0" encoding="utf-8"?>
-<p:sld xmlns:a="http://schemas.openxmlformats.org/drawingml/2006/main" xmlns:r="http://schemas.openxmlformats.org/officeDocument/2006/relationships" xmlns:p="http://schemas.openxmlformats.org/presentationml/2006/main">
-  <p:cSld>
-    <p:spTree>
-      <p:nvGrpSpPr>
-        <p:cNvPr id="1" name=""/>
-        <p:cNvGrpSpPr/>
-        <p:nvPr/>
-      </p:nvGrpSpPr>
-      <p:grpSpPr>
-        <a:xfrm>
-          <a:off x="0" y="0"/>
-          <a:ext cx="0" cy="0"/>
-          <a:chOff x="0" y="0"/>
-          <a:chExt cx="0" cy="0"/>
-        </a:xfrm>
-      </p:grpSpPr>
-      <p:sp>
-        <p:nvSpPr>
-          <p:cNvPr id="2" name="Заголовок 1"/>
-          <p:cNvSpPr>
-            <a:spLocks noGrp="1"/>
-          </p:cNvSpPr>
-          <p:nvPr>
-            <p:ph type="title"/>
-          </p:nvPr>
-        </p:nvSpPr>
-        <p:spPr/>
-        <p:txBody>
-          <a:bodyPr/>
-          <a:lstStyle/>
-          <a:p>
-            <a:pPr algn="ctr"/>
-            <a:r>
-              <a:rPr lang="ru-RU" dirty="0" smtClean="0"/>
-              <a:t>Заключение</a:t>
-            </a:r>
-            <a:endParaRPr lang="ru-RU" dirty="0"/>
-          </a:p>
-        </p:txBody>
-      </p:sp>
-      <p:sp>
-        <p:nvSpPr>
-          <p:cNvPr id="3" name="Текст 2"/>
-          <p:cNvSpPr>
-            <a:spLocks noGrp="1"/>
-          </p:cNvSpPr>
-          <p:nvPr>
-            <p:ph type="body" sz="half" idx="2"/>
-          </p:nvPr>
-        </p:nvSpPr>
-        <p:spPr/>
-        <p:txBody>
-          <a:bodyPr/>
-          <a:lstStyle/>
-          <a:p>
-            <a:endParaRPr lang="ru-RU" dirty="0"/>
-          </a:p>
-        </p:txBody>
-      </p:sp>
-      <p:sp>
-        <p:nvSpPr>
-          <p:cNvPr id="4" name="Текст 3"/>
-          <p:cNvSpPr>
-            <a:spLocks noGrp="1"/>
-          </p:cNvSpPr>
-          <p:nvPr>
-            <p:ph type="body" sz="half" idx="14"/>
-          </p:nvPr>
-        </p:nvSpPr>
-        <p:spPr/>
-        <p:txBody>
-          <a:bodyPr/>
-          <a:lstStyle/>
-          <a:p>
-            <a:endParaRPr lang="ru-RU" dirty="0"/>
-          </a:p>
-        </p:txBody>
-      </p:sp>
-      <p:sp>
-        <p:nvSpPr>
-          <p:cNvPr id="5" name="Рисунок 4"/>
-          <p:cNvSpPr>
-            <a:spLocks noGrp="1"/>
-          </p:cNvSpPr>
-          <p:nvPr>
-            <p:ph type="pic" idx="1"/>
-          </p:nvPr>
-        </p:nvSpPr>
-        <p:spPr/>
-      </p:sp>
-      <p:sp>
-        <p:nvSpPr>
-          <p:cNvPr id="6" name="Рисунок 5"/>
-          <p:cNvSpPr>
-            <a:spLocks noGrp="1"/>
-          </p:cNvSpPr>
-          <p:nvPr>
-            <p:ph type="pic" idx="13"/>
-          </p:nvPr>
-        </p:nvSpPr>
-        <p:spPr/>
-      </p:sp>
-    </p:spTree>
-    <p:extLst>
-      <p:ext uri="{BB962C8B-B14F-4D97-AF65-F5344CB8AC3E}">
-        <p14:creationId xmlns:p14="http://schemas.microsoft.com/office/powerpoint/2010/main" val="188841400"/>
-      </p:ext>
-    </p:extLst>
-  </p:cSld>
-  <p:clrMapOvr>
-    <a:masterClrMapping/>
-  </p:clrMapOvr>
-  <mc:AlternateContent xmlns:mc="http://schemas.openxmlformats.org/markup-compatibility/2006" xmlns:p14="http://schemas.microsoft.com/office/powerpoint/2010/main">
-    <mc:Choice Requires="p14">
-      <p:transition spd="med" p14:dur="700">
-        <p:fade/>
-      </p:transition>
-    </mc:Choice>
-    <mc:Fallback xmlns="">
-      <p:transition spd="med">
-        <p:fade/>
-      </p:transition>
-    </mc:Fallback>
-  </mc:AlternateContent>
-  <p:timing>
-    <p:tnLst>
-      <p:par>
-        <p:cTn id="1" dur="indefinite" restart="never" nodeType="tmRoot"/>
-      </p:par>
-    </p:tnLst>
-  </p:timing>
-</p:sld>
-</file>
-
-<file path=ppt/slides/slide23.xml><?xml version="1.0" encoding="utf-8"?>
-<p:sld xmlns:a="http://schemas.openxmlformats.org/drawingml/2006/main" xmlns:r="http://schemas.openxmlformats.org/officeDocument/2006/relationships" xmlns:p="http://schemas.openxmlformats.org/presentationml/2006/main">
-  <p:cSld>
-    <p:spTree>
-      <p:nvGrpSpPr>
-        <p:cNvPr id="1" name=""/>
-        <p:cNvGrpSpPr/>
-        <p:nvPr/>
-      </p:nvGrpSpPr>
-      <p:grpSpPr>
-        <a:xfrm>
-          <a:off x="0" y="0"/>
-          <a:ext cx="0" cy="0"/>
-          <a:chOff x="0" y="0"/>
-          <a:chExt cx="0" cy="0"/>
-        </a:xfrm>
-      </p:grpSpPr>
-      <p:sp>
-        <p:nvSpPr>
-          <p:cNvPr id="2" name="Заголовок 1"/>
-          <p:cNvSpPr>
-            <a:spLocks noGrp="1"/>
-          </p:cNvSpPr>
-          <p:nvPr>
-            <p:ph type="title"/>
-          </p:nvPr>
-        </p:nvSpPr>
-        <p:spPr/>
-        <p:txBody>
-          <a:bodyPr/>
-          <a:lstStyle/>
-          <a:p>
-            <a:endParaRPr lang="ru-RU" dirty="0"/>
-          </a:p>
-        </p:txBody>
-      </p:sp>
-      <p:sp>
-        <p:nvSpPr>
-          <p:cNvPr id="3" name="Текст 2"/>
-          <p:cNvSpPr>
-            <a:spLocks noGrp="1"/>
-          </p:cNvSpPr>
-          <p:nvPr>
-            <p:ph type="body" idx="1"/>
-          </p:nvPr>
-        </p:nvSpPr>
-        <p:spPr/>
-        <p:txBody>
-          <a:bodyPr/>
-          <a:lstStyle/>
-          <a:p>
-            <a:endParaRPr lang="ru-RU" dirty="0"/>
-          </a:p>
-        </p:txBody>
-      </p:sp>
-    </p:spTree>
-    <p:extLst>
-      <p:ext uri="{BB962C8B-B14F-4D97-AF65-F5344CB8AC3E}">
-        <p14:creationId xmlns:p14="http://schemas.microsoft.com/office/powerpoint/2010/main" val="3374778722"/>
+        <p14:creationId xmlns:p14="http://schemas.microsoft.com/office/powerpoint/2010/main" val="3112142608"/>
       </p:ext>
     </p:extLst>
   </p:cSld>

--- a/k224-docs/Servis_po_organizatsii_i_poisku_meropriaty_Par.pptx
+++ b/k224-docs/Servis_po_organizatsii_i_poisku_meropriaty_Par.pptx
@@ -26,8 +26,8 @@
     <p:sldId id="284" r:id="rId15"/>
     <p:sldId id="277" r:id="rId16"/>
     <p:sldId id="275" r:id="rId17"/>
-    <p:sldId id="276" r:id="rId18"/>
-    <p:sldId id="282" r:id="rId19"/>
+    <p:sldId id="282" r:id="rId18"/>
+    <p:sldId id="276" r:id="rId19"/>
     <p:sldId id="281" r:id="rId20"/>
     <p:sldId id="259" r:id="rId21"/>
     <p:sldId id="260" r:id="rId22"/>
@@ -383,11 +383,11 @@
         </c:dLbls>
         <c:marker val="1"/>
         <c:smooth val="0"/>
-        <c:axId val="257086888"/>
-        <c:axId val="257085712"/>
+        <c:axId val="252846784"/>
+        <c:axId val="252851880"/>
       </c:lineChart>
       <c:dateAx>
-        <c:axId val="257086888"/>
+        <c:axId val="252846784"/>
         <c:scaling>
           <c:orientation val="minMax"/>
         </c:scaling>
@@ -427,14 +427,14 @@
             <a:endParaRPr lang="ru-RU"/>
           </a:p>
         </c:txPr>
-        <c:crossAx val="257085712"/>
+        <c:crossAx val="252851880"/>
         <c:crosses val="autoZero"/>
         <c:auto val="1"/>
         <c:lblOffset val="100"/>
         <c:baseTimeUnit val="days"/>
       </c:dateAx>
       <c:valAx>
-        <c:axId val="257085712"/>
+        <c:axId val="252851880"/>
         <c:scaling>
           <c:orientation val="minMax"/>
         </c:scaling>
@@ -455,6 +455,29 @@
           </c:spPr>
         </c:majorGridlines>
         <c:title>
+          <c:tx>
+            <c:rich>
+              <a:bodyPr rot="-5400000" spcFirstLastPara="1" vertOverflow="ellipsis" vert="horz" wrap="square" anchor="ctr" anchorCtr="1"/>
+              <a:lstStyle/>
+              <a:p>
+                <a:pPr algn="ctr" rtl="0">
+                  <a:defRPr lang="ru-RU" sz="1200" b="0" i="0" u="none" strike="noStrike" kern="1200" spc="0" baseline="0">
+                    <a:solidFill>
+                      <a:schemeClr val="tx1"/>
+                    </a:solidFill>
+                    <a:latin typeface="+mn-lt"/>
+                    <a:ea typeface="+mn-ea"/>
+                    <a:cs typeface="+mn-cs"/>
+                  </a:defRPr>
+                </a:pPr>
+                <a:r>
+                  <a:rPr lang="ru-RU" dirty="0" smtClean="0"/>
+                  <a:t>Номер версии</a:t>
+                </a:r>
+                <a:endParaRPr lang="ru-RU" dirty="0"/>
+              </a:p>
+            </c:rich>
+          </c:tx>
           <c:layout/>
           <c:overlay val="0"/>
           <c:spPr>
@@ -510,7 +533,7 @@
             <a:endParaRPr lang="ru-RU"/>
           </a:p>
         </c:txPr>
-        <c:crossAx val="257086888"/>
+        <c:crossAx val="252846784"/>
         <c:crosses val="autoZero"/>
         <c:crossBetween val="between"/>
       </c:valAx>
@@ -602,7 +625,6 @@
   </mc:AlternateContent>
   <c:chart>
     <c:title>
-      <c:layout/>
       <c:overlay val="0"/>
       <c:spPr>
         <a:noFill/>
@@ -1295,11 +1317,11 @@
         </c:dLbls>
         <c:gapWidth val="100"/>
         <c:overlap val="-24"/>
-        <c:axId val="260081080"/>
-        <c:axId val="260079904"/>
+        <c:axId val="295858528"/>
+        <c:axId val="295859704"/>
       </c:barChart>
       <c:catAx>
-        <c:axId val="260081080"/>
+        <c:axId val="295858528"/>
         <c:scaling>
           <c:orientation val="minMax"/>
         </c:scaling>
@@ -1339,7 +1361,7 @@
             <a:endParaRPr lang="ru-RU"/>
           </a:p>
         </c:txPr>
-        <c:crossAx val="260079904"/>
+        <c:crossAx val="295859704"/>
         <c:crosses val="autoZero"/>
         <c:auto val="1"/>
         <c:lblAlgn val="ctr"/>
@@ -1347,7 +1369,7 @@
         <c:noMultiLvlLbl val="0"/>
       </c:catAx>
       <c:valAx>
-        <c:axId val="260079904"/>
+        <c:axId val="295859704"/>
         <c:scaling>
           <c:orientation val="minMax"/>
         </c:scaling>
@@ -1395,7 +1417,7 @@
             <a:endParaRPr lang="ru-RU"/>
           </a:p>
         </c:txPr>
-        <c:crossAx val="260081080"/>
+        <c:crossAx val="295858528"/>
         <c:crosses val="autoZero"/>
         <c:crossBetween val="between"/>
       </c:valAx>
@@ -6615,45 +6637,45 @@
     </dgm:pt>
   </dgm:ptLst>
   <dgm:cxnLst>
-    <dgm:cxn modelId="{32D9F149-C2A1-4DD8-A69C-877BCA8D5EDD}" type="presOf" srcId="{FAAD98B4-2CE9-4214-8BB6-F03CEEE572FF}" destId="{38CD6BD6-D3E2-4B97-8665-48065905F491}" srcOrd="1" destOrd="2" presId="urn:microsoft.com/office/officeart/2005/8/layout/cycle4"/>
+    <dgm:cxn modelId="{6380C4C7-4EBB-43A2-9301-54A5C9841434}" type="presOf" srcId="{FAAD98B4-2CE9-4214-8BB6-F03CEEE572FF}" destId="{4D58B8E3-ABF3-466F-BE72-A1334046C3F4}" srcOrd="0" destOrd="2" presId="urn:microsoft.com/office/officeart/2005/8/layout/cycle4"/>
+    <dgm:cxn modelId="{5900A8BD-7DF5-411F-BDC8-2899BCECAF71}" type="presOf" srcId="{2BFBAB07-2C4C-4FAB-9052-FFD3F4A28A9E}" destId="{C05EAFFC-2644-44E2-967D-B53235C71A38}" srcOrd="1" destOrd="1" presId="urn:microsoft.com/office/officeart/2005/8/layout/cycle4"/>
+    <dgm:cxn modelId="{9BF38558-2481-46D5-AB3E-FC48BBE62666}" srcId="{F9BE74C9-EC7E-4268-8C5A-882B3EFFF8FD}" destId="{E5ACC793-F455-4177-B2A7-6FC33C9C1025}" srcOrd="3" destOrd="0" parTransId="{F3D91DD1-F12E-4C5D-82CF-86CF95B338AA}" sibTransId="{0E3913D7-3C7B-49AF-9134-A90315714B9E}"/>
+    <dgm:cxn modelId="{7F659E51-2E2F-40FF-9479-2FD7E732DF62}" type="presOf" srcId="{2D6962E4-72B9-4B1E-B258-246893A88E0D}" destId="{60DA8870-9857-4057-BC91-DD9B798F041F}" srcOrd="0" destOrd="0" presId="urn:microsoft.com/office/officeart/2005/8/layout/cycle4"/>
+    <dgm:cxn modelId="{9991E351-28AB-47A6-8963-A9D299DB8675}" type="presOf" srcId="{989E09AB-A343-466C-BC14-C765FC9A1DD7}" destId="{4D58B8E3-ABF3-466F-BE72-A1334046C3F4}" srcOrd="0" destOrd="1" presId="urn:microsoft.com/office/officeart/2005/8/layout/cycle4"/>
+    <dgm:cxn modelId="{CB0B1B1A-10F9-41F1-A66F-C247C25FE7E2}" type="presOf" srcId="{618CC25E-9050-4FB6-9F11-CAFC660578FC}" destId="{382DE9F5-C159-437A-AA3E-CE93A76C5FDC}" srcOrd="0" destOrd="0" presId="urn:microsoft.com/office/officeart/2005/8/layout/cycle4"/>
     <dgm:cxn modelId="{32486DDC-2E79-4178-8461-4BC45C795BB2}" srcId="{01A583E1-6537-45F8-AE09-C85491C9FC1D}" destId="{F9BE74C9-EC7E-4268-8C5A-882B3EFFF8FD}" srcOrd="3" destOrd="0" parTransId="{EA0E44FE-C617-463A-B76E-A9DC58753A03}" sibTransId="{0967E1B8-BCB6-4EBC-AE86-D9382359FC3F}"/>
-    <dgm:cxn modelId="{CB0B1B1A-10F9-41F1-A66F-C247C25FE7E2}" type="presOf" srcId="{618CC25E-9050-4FB6-9F11-CAFC660578FC}" destId="{382DE9F5-C159-437A-AA3E-CE93A76C5FDC}" srcOrd="0" destOrd="0" presId="urn:microsoft.com/office/officeart/2005/8/layout/cycle4"/>
-    <dgm:cxn modelId="{6F2C1348-DD44-4E86-9478-89C1CF069569}" srcId="{01A583E1-6537-45F8-AE09-C85491C9FC1D}" destId="{2BBE2155-4658-4D02-8319-6DF4106EA8CC}" srcOrd="1" destOrd="0" parTransId="{3724DD7C-05CC-4DEB-8DAD-8B592C981C96}" sibTransId="{632890C8-ECA2-44D8-9A94-863A64665BBC}"/>
+    <dgm:cxn modelId="{EDDAA38D-6E30-4543-B0F1-EAA9A6A477C7}" srcId="{01A583E1-6537-45F8-AE09-C85491C9FC1D}" destId="{2D6962E4-72B9-4B1E-B258-246893A88E0D}" srcOrd="0" destOrd="0" parTransId="{5502C073-0884-4CFE-A849-62990833CEE5}" sibTransId="{0E9043AA-3D92-4FE3-8FA8-E174F20EB8FF}"/>
+    <dgm:cxn modelId="{DE7E25E1-0419-411E-8CE9-67B65CD394AF}" type="presOf" srcId="{7095E70B-7EFB-4733-BA44-C4BB0599979F}" destId="{38CD6BD6-D3E2-4B97-8665-48065905F491}" srcOrd="1" destOrd="3" presId="urn:microsoft.com/office/officeart/2005/8/layout/cycle4"/>
+    <dgm:cxn modelId="{0867E0A3-B749-4FC7-AFD8-611582642A56}" srcId="{5BCD62D5-23CD-4A5A-A476-269CE76914DC}" destId="{618CC25E-9050-4FB6-9F11-CAFC660578FC}" srcOrd="0" destOrd="0" parTransId="{892FDF72-278A-4E94-A52C-C9A43137F613}" sibTransId="{E48127D6-89B0-4F87-A1F9-517011A96A5B}"/>
+    <dgm:cxn modelId="{EDA00CFB-CF50-47D2-9DB9-9D5DE58CAD7E}" srcId="{2D6962E4-72B9-4B1E-B258-246893A88E0D}" destId="{989E09AB-A343-466C-BC14-C765FC9A1DD7}" srcOrd="1" destOrd="0" parTransId="{288B4C8E-3DA7-4373-926B-0E2EBA929F32}" sibTransId="{FB5D77EC-83C1-4323-ACE4-4842959B2E06}"/>
+    <dgm:cxn modelId="{5474BC8E-7785-4D13-A4F3-61EF990ED269}" type="presOf" srcId="{F8507812-6291-4C9B-AA0B-B8AF3A68427D}" destId="{22A0A0BC-6367-462E-93A8-CA8C46FCDCA0}" srcOrd="0" destOrd="2" presId="urn:microsoft.com/office/officeart/2005/8/layout/cycle4"/>
+    <dgm:cxn modelId="{41218EDB-BD90-4410-89D0-F42795B77442}" type="presOf" srcId="{F9BE74C9-EC7E-4268-8C5A-882B3EFFF8FD}" destId="{809A40DB-630A-4CA0-804D-1A67767C019F}" srcOrd="0" destOrd="0" presId="urn:microsoft.com/office/officeart/2005/8/layout/cycle4"/>
+    <dgm:cxn modelId="{7647034C-6B12-4E3A-BEA0-6005F318DA9E}" type="presOf" srcId="{490168AD-E14E-4940-8CC2-7C35F66AB41B}" destId="{BD656469-D70B-4710-B138-3ED38F1BD8E1}" srcOrd="1" destOrd="0" presId="urn:microsoft.com/office/officeart/2005/8/layout/cycle4"/>
+    <dgm:cxn modelId="{C729B709-07FE-42F4-AAEB-B07A501F7CBF}" type="presOf" srcId="{2BBE2155-4658-4D02-8319-6DF4106EA8CC}" destId="{147178AE-0CD4-4FA3-A352-95F7DEF02040}" srcOrd="0" destOrd="0" presId="urn:microsoft.com/office/officeart/2005/8/layout/cycle4"/>
+    <dgm:cxn modelId="{E4D73487-C5B1-4EB2-AF38-71DF0EBFDB67}" type="presOf" srcId="{7095E70B-7EFB-4733-BA44-C4BB0599979F}" destId="{4D58B8E3-ABF3-466F-BE72-A1334046C3F4}" srcOrd="0" destOrd="3" presId="urn:microsoft.com/office/officeart/2005/8/layout/cycle4"/>
+    <dgm:cxn modelId="{4665B531-CE39-4D8D-9C92-1B0A97DBEF06}" srcId="{2BBE2155-4658-4D02-8319-6DF4106EA8CC}" destId="{490168AD-E14E-4940-8CC2-7C35F66AB41B}" srcOrd="0" destOrd="0" parTransId="{F8E86141-CA5C-4FD7-B090-BDC097EE9ED9}" sibTransId="{409F351B-3747-4E3C-89C6-F2C76F7C931A}"/>
+    <dgm:cxn modelId="{1695E917-4CB0-460A-9E6B-4DF46E74DE66}" type="presOf" srcId="{490168AD-E14E-4940-8CC2-7C35F66AB41B}" destId="{53094224-E102-4C09-9604-A3E90CFD0EB5}" srcOrd="0" destOrd="0" presId="urn:microsoft.com/office/officeart/2005/8/layout/cycle4"/>
+    <dgm:cxn modelId="{DCB35549-6653-457E-A1A3-3F1DB9F48EB2}" srcId="{F9BE74C9-EC7E-4268-8C5A-882B3EFFF8FD}" destId="{F8507812-6291-4C9B-AA0B-B8AF3A68427D}" srcOrd="2" destOrd="0" parTransId="{4F2F02B6-C766-433A-873A-91091688269D}" sibTransId="{380A3AC5-BB38-4979-8AA3-011E077F4CA2}"/>
+    <dgm:cxn modelId="{784002D3-341F-4DF0-9345-0B1634589798}" type="presOf" srcId="{2B41BF75-F5C8-4255-892F-6328E5A9E688}" destId="{38CD6BD6-D3E2-4B97-8665-48065905F491}" srcOrd="1" destOrd="0" presId="urn:microsoft.com/office/officeart/2005/8/layout/cycle4"/>
     <dgm:cxn modelId="{00B4959F-898B-4380-9C95-B6E29A75A95C}" type="presOf" srcId="{618CC25E-9050-4FB6-9F11-CAFC660578FC}" destId="{7BE406E3-09FD-43B4-AAF9-51FAB58146A3}" srcOrd="1" destOrd="0" presId="urn:microsoft.com/office/officeart/2005/8/layout/cycle4"/>
-    <dgm:cxn modelId="{02D76481-2E62-4BA9-9F42-AE33CB3B6F3E}" type="presOf" srcId="{E5ACC793-F455-4177-B2A7-6FC33C9C1025}" destId="{C05EAFFC-2644-44E2-967D-B53235C71A38}" srcOrd="1" destOrd="3" presId="urn:microsoft.com/office/officeart/2005/8/layout/cycle4"/>
-    <dgm:cxn modelId="{5900A8BD-7DF5-411F-BDC8-2899BCECAF71}" type="presOf" srcId="{2BFBAB07-2C4C-4FAB-9052-FFD3F4A28A9E}" destId="{C05EAFFC-2644-44E2-967D-B53235C71A38}" srcOrd="1" destOrd="1" presId="urn:microsoft.com/office/officeart/2005/8/layout/cycle4"/>
-    <dgm:cxn modelId="{EDA00CFB-CF50-47D2-9DB9-9D5DE58CAD7E}" srcId="{2D6962E4-72B9-4B1E-B258-246893A88E0D}" destId="{989E09AB-A343-466C-BC14-C765FC9A1DD7}" srcOrd="1" destOrd="0" parTransId="{288B4C8E-3DA7-4373-926B-0E2EBA929F32}" sibTransId="{FB5D77EC-83C1-4323-ACE4-4842959B2E06}"/>
-    <dgm:cxn modelId="{F41F6067-9583-4D97-9E45-7AAACB397DC1}" srcId="{01A583E1-6537-45F8-AE09-C85491C9FC1D}" destId="{5BCD62D5-23CD-4A5A-A476-269CE76914DC}" srcOrd="2" destOrd="0" parTransId="{C274F423-C9C0-423A-80FB-84C18F1C3BA8}" sibTransId="{6CCF063A-E379-49B3-9CC0-57BB9F2B8432}"/>
-    <dgm:cxn modelId="{67308CEA-9FD1-426E-BDAA-B330570BC27C}" type="presOf" srcId="{23580231-228D-4259-948C-ECAED9FB6BBD}" destId="{22A0A0BC-6367-462E-93A8-CA8C46FCDCA0}" srcOrd="0" destOrd="0" presId="urn:microsoft.com/office/officeart/2005/8/layout/cycle4"/>
-    <dgm:cxn modelId="{DE7E25E1-0419-411E-8CE9-67B65CD394AF}" type="presOf" srcId="{7095E70B-7EFB-4733-BA44-C4BB0599979F}" destId="{38CD6BD6-D3E2-4B97-8665-48065905F491}" srcOrd="1" destOrd="3" presId="urn:microsoft.com/office/officeart/2005/8/layout/cycle4"/>
-    <dgm:cxn modelId="{C729B709-07FE-42F4-AAEB-B07A501F7CBF}" type="presOf" srcId="{2BBE2155-4658-4D02-8319-6DF4106EA8CC}" destId="{147178AE-0CD4-4FA3-A352-95F7DEF02040}" srcOrd="0" destOrd="0" presId="urn:microsoft.com/office/officeart/2005/8/layout/cycle4"/>
+    <dgm:cxn modelId="{5BB7FEFC-FF0F-40F9-85B4-B338B4BD98A3}" srcId="{F9BE74C9-EC7E-4268-8C5A-882B3EFFF8FD}" destId="{23580231-228D-4259-948C-ECAED9FB6BBD}" srcOrd="0" destOrd="0" parTransId="{CB1BEA55-1E25-49B4-8245-B386B1EBDAB7}" sibTransId="{EF2DA803-88D8-4CC3-A191-D63C166FB7FF}"/>
+    <dgm:cxn modelId="{9BAD8EFF-9B32-4433-B605-9BFDB094AF74}" type="presOf" srcId="{989E09AB-A343-466C-BC14-C765FC9A1DD7}" destId="{38CD6BD6-D3E2-4B97-8665-48065905F491}" srcOrd="1" destOrd="1" presId="urn:microsoft.com/office/officeart/2005/8/layout/cycle4"/>
     <dgm:cxn modelId="{25B6265F-DE51-4D72-88A4-F99F10356E86}" srcId="{F9BE74C9-EC7E-4268-8C5A-882B3EFFF8FD}" destId="{2BFBAB07-2C4C-4FAB-9052-FFD3F4A28A9E}" srcOrd="1" destOrd="0" parTransId="{40C55B56-8FA6-4369-9144-9E433D309CBB}" sibTransId="{7A024E95-77FA-4074-8271-31A91DA4713B}"/>
-    <dgm:cxn modelId="{7647034C-6B12-4E3A-BEA0-6005F318DA9E}" type="presOf" srcId="{490168AD-E14E-4940-8CC2-7C35F66AB41B}" destId="{BD656469-D70B-4710-B138-3ED38F1BD8E1}" srcOrd="1" destOrd="0" presId="urn:microsoft.com/office/officeart/2005/8/layout/cycle4"/>
+    <dgm:cxn modelId="{1C4B7B5B-5A26-4FB7-B7A4-76D489C60865}" srcId="{2D6962E4-72B9-4B1E-B258-246893A88E0D}" destId="{FAAD98B4-2CE9-4214-8BB6-F03CEEE572FF}" srcOrd="2" destOrd="0" parTransId="{54D2E552-AFA4-449B-855C-8D07B27E44E2}" sibTransId="{CBB1F48E-041C-465A-B96F-A59A0B7362A5}"/>
     <dgm:cxn modelId="{4EB1F7F9-51B7-4A9C-B2E8-B495495CB616}" type="presOf" srcId="{2BFBAB07-2C4C-4FAB-9052-FFD3F4A28A9E}" destId="{22A0A0BC-6367-462E-93A8-CA8C46FCDCA0}" srcOrd="0" destOrd="1" presId="urn:microsoft.com/office/officeart/2005/8/layout/cycle4"/>
     <dgm:cxn modelId="{5B1285C2-C638-4E1D-9B5F-9E11AB797450}" type="presOf" srcId="{E5ACC793-F455-4177-B2A7-6FC33C9C1025}" destId="{22A0A0BC-6367-462E-93A8-CA8C46FCDCA0}" srcOrd="0" destOrd="3" presId="urn:microsoft.com/office/officeart/2005/8/layout/cycle4"/>
-    <dgm:cxn modelId="{5474BC8E-7785-4D13-A4F3-61EF990ED269}" type="presOf" srcId="{F8507812-6291-4C9B-AA0B-B8AF3A68427D}" destId="{22A0A0BC-6367-462E-93A8-CA8C46FCDCA0}" srcOrd="0" destOrd="2" presId="urn:microsoft.com/office/officeart/2005/8/layout/cycle4"/>
+    <dgm:cxn modelId="{32D9F149-C2A1-4DD8-A69C-877BCA8D5EDD}" type="presOf" srcId="{FAAD98B4-2CE9-4214-8BB6-F03CEEE572FF}" destId="{38CD6BD6-D3E2-4B97-8665-48065905F491}" srcOrd="1" destOrd="2" presId="urn:microsoft.com/office/officeart/2005/8/layout/cycle4"/>
+    <dgm:cxn modelId="{3C16332A-B919-432D-BF91-AC79BAB354ED}" type="presOf" srcId="{01A583E1-6537-45F8-AE09-C85491C9FC1D}" destId="{9D4C7C9D-7ED1-464F-941B-21AB88CE8789}" srcOrd="0" destOrd="0" presId="urn:microsoft.com/office/officeart/2005/8/layout/cycle4"/>
+    <dgm:cxn modelId="{67308CEA-9FD1-426E-BDAA-B330570BC27C}" type="presOf" srcId="{23580231-228D-4259-948C-ECAED9FB6BBD}" destId="{22A0A0BC-6367-462E-93A8-CA8C46FCDCA0}" srcOrd="0" destOrd="0" presId="urn:microsoft.com/office/officeart/2005/8/layout/cycle4"/>
+    <dgm:cxn modelId="{06428E54-26A5-4289-B287-166FC667611C}" type="presOf" srcId="{23580231-228D-4259-948C-ECAED9FB6BBD}" destId="{C05EAFFC-2644-44E2-967D-B53235C71A38}" srcOrd="1" destOrd="0" presId="urn:microsoft.com/office/officeart/2005/8/layout/cycle4"/>
+    <dgm:cxn modelId="{4E151F0E-C99E-4BF4-81BC-837B231CBF92}" type="presOf" srcId="{2B41BF75-F5C8-4255-892F-6328E5A9E688}" destId="{4D58B8E3-ABF3-466F-BE72-A1334046C3F4}" srcOrd="0" destOrd="0" presId="urn:microsoft.com/office/officeart/2005/8/layout/cycle4"/>
+    <dgm:cxn modelId="{02D76481-2E62-4BA9-9F42-AE33CB3B6F3E}" type="presOf" srcId="{E5ACC793-F455-4177-B2A7-6FC33C9C1025}" destId="{C05EAFFC-2644-44E2-967D-B53235C71A38}" srcOrd="1" destOrd="3" presId="urn:microsoft.com/office/officeart/2005/8/layout/cycle4"/>
+    <dgm:cxn modelId="{F41F6067-9583-4D97-9E45-7AAACB397DC1}" srcId="{01A583E1-6537-45F8-AE09-C85491C9FC1D}" destId="{5BCD62D5-23CD-4A5A-A476-269CE76914DC}" srcOrd="2" destOrd="0" parTransId="{C274F423-C9C0-423A-80FB-84C18F1C3BA8}" sibTransId="{6CCF063A-E379-49B3-9CC0-57BB9F2B8432}"/>
+    <dgm:cxn modelId="{B55F96D7-8D63-46D6-833C-7BB32A8BF044}" type="presOf" srcId="{F8507812-6291-4C9B-AA0B-B8AF3A68427D}" destId="{C05EAFFC-2644-44E2-967D-B53235C71A38}" srcOrd="1" destOrd="2" presId="urn:microsoft.com/office/officeart/2005/8/layout/cycle4"/>
     <dgm:cxn modelId="{C1CC8C5E-8C3B-4002-B283-DDF651B9C2DF}" srcId="{2D6962E4-72B9-4B1E-B258-246893A88E0D}" destId="{7095E70B-7EFB-4733-BA44-C4BB0599979F}" srcOrd="3" destOrd="0" parTransId="{64A1E298-33AE-4CD3-B3E0-AF77857653AE}" sibTransId="{BBF2356D-3C61-41D3-A629-D15BD788173A}"/>
-    <dgm:cxn modelId="{3C16332A-B919-432D-BF91-AC79BAB354ED}" type="presOf" srcId="{01A583E1-6537-45F8-AE09-C85491C9FC1D}" destId="{9D4C7C9D-7ED1-464F-941B-21AB88CE8789}" srcOrd="0" destOrd="0" presId="urn:microsoft.com/office/officeart/2005/8/layout/cycle4"/>
-    <dgm:cxn modelId="{5BB7FEFC-FF0F-40F9-85B4-B338B4BD98A3}" srcId="{F9BE74C9-EC7E-4268-8C5A-882B3EFFF8FD}" destId="{23580231-228D-4259-948C-ECAED9FB6BBD}" srcOrd="0" destOrd="0" parTransId="{CB1BEA55-1E25-49B4-8245-B386B1EBDAB7}" sibTransId="{EF2DA803-88D8-4CC3-A191-D63C166FB7FF}"/>
+    <dgm:cxn modelId="{6F2C1348-DD44-4E86-9478-89C1CF069569}" srcId="{01A583E1-6537-45F8-AE09-C85491C9FC1D}" destId="{2BBE2155-4658-4D02-8319-6DF4106EA8CC}" srcOrd="1" destOrd="0" parTransId="{3724DD7C-05CC-4DEB-8DAD-8B592C981C96}" sibTransId="{632890C8-ECA2-44D8-9A94-863A64665BBC}"/>
     <dgm:cxn modelId="{959C0A07-B487-44FF-9CEB-B0B891D005B6}" type="presOf" srcId="{5BCD62D5-23CD-4A5A-A476-269CE76914DC}" destId="{43A2BA3D-20D2-4E5D-9CD2-B6EE3F312A3B}" srcOrd="0" destOrd="0" presId="urn:microsoft.com/office/officeart/2005/8/layout/cycle4"/>
-    <dgm:cxn modelId="{9BAD8EFF-9B32-4433-B605-9BFDB094AF74}" type="presOf" srcId="{989E09AB-A343-466C-BC14-C765FC9A1DD7}" destId="{38CD6BD6-D3E2-4B97-8665-48065905F491}" srcOrd="1" destOrd="1" presId="urn:microsoft.com/office/officeart/2005/8/layout/cycle4"/>
-    <dgm:cxn modelId="{EDDAA38D-6E30-4543-B0F1-EAA9A6A477C7}" srcId="{01A583E1-6537-45F8-AE09-C85491C9FC1D}" destId="{2D6962E4-72B9-4B1E-B258-246893A88E0D}" srcOrd="0" destOrd="0" parTransId="{5502C073-0884-4CFE-A849-62990833CEE5}" sibTransId="{0E9043AA-3D92-4FE3-8FA8-E174F20EB8FF}"/>
-    <dgm:cxn modelId="{4E151F0E-C99E-4BF4-81BC-837B231CBF92}" type="presOf" srcId="{2B41BF75-F5C8-4255-892F-6328E5A9E688}" destId="{4D58B8E3-ABF3-466F-BE72-A1334046C3F4}" srcOrd="0" destOrd="0" presId="urn:microsoft.com/office/officeart/2005/8/layout/cycle4"/>
-    <dgm:cxn modelId="{41218EDB-BD90-4410-89D0-F42795B77442}" type="presOf" srcId="{F9BE74C9-EC7E-4268-8C5A-882B3EFFF8FD}" destId="{809A40DB-630A-4CA0-804D-1A67767C019F}" srcOrd="0" destOrd="0" presId="urn:microsoft.com/office/officeart/2005/8/layout/cycle4"/>
-    <dgm:cxn modelId="{9BF38558-2481-46D5-AB3E-FC48BBE62666}" srcId="{F9BE74C9-EC7E-4268-8C5A-882B3EFFF8FD}" destId="{E5ACC793-F455-4177-B2A7-6FC33C9C1025}" srcOrd="3" destOrd="0" parTransId="{F3D91DD1-F12E-4C5D-82CF-86CF95B338AA}" sibTransId="{0E3913D7-3C7B-49AF-9134-A90315714B9E}"/>
-    <dgm:cxn modelId="{1695E917-4CB0-460A-9E6B-4DF46E74DE66}" type="presOf" srcId="{490168AD-E14E-4940-8CC2-7C35F66AB41B}" destId="{53094224-E102-4C09-9604-A3E90CFD0EB5}" srcOrd="0" destOrd="0" presId="urn:microsoft.com/office/officeart/2005/8/layout/cycle4"/>
-    <dgm:cxn modelId="{E4D73487-C5B1-4EB2-AF38-71DF0EBFDB67}" type="presOf" srcId="{7095E70B-7EFB-4733-BA44-C4BB0599979F}" destId="{4D58B8E3-ABF3-466F-BE72-A1334046C3F4}" srcOrd="0" destOrd="3" presId="urn:microsoft.com/office/officeart/2005/8/layout/cycle4"/>
-    <dgm:cxn modelId="{9991E351-28AB-47A6-8963-A9D299DB8675}" type="presOf" srcId="{989E09AB-A343-466C-BC14-C765FC9A1DD7}" destId="{4D58B8E3-ABF3-466F-BE72-A1334046C3F4}" srcOrd="0" destOrd="1" presId="urn:microsoft.com/office/officeart/2005/8/layout/cycle4"/>
-    <dgm:cxn modelId="{B55F96D7-8D63-46D6-833C-7BB32A8BF044}" type="presOf" srcId="{F8507812-6291-4C9B-AA0B-B8AF3A68427D}" destId="{C05EAFFC-2644-44E2-967D-B53235C71A38}" srcOrd="1" destOrd="2" presId="urn:microsoft.com/office/officeart/2005/8/layout/cycle4"/>
-    <dgm:cxn modelId="{4665B531-CE39-4D8D-9C92-1B0A97DBEF06}" srcId="{2BBE2155-4658-4D02-8319-6DF4106EA8CC}" destId="{490168AD-E14E-4940-8CC2-7C35F66AB41B}" srcOrd="0" destOrd="0" parTransId="{F8E86141-CA5C-4FD7-B090-BDC097EE9ED9}" sibTransId="{409F351B-3747-4E3C-89C6-F2C76F7C931A}"/>
     <dgm:cxn modelId="{2D68FBB9-2A3F-4DFB-9547-97148AD147B2}" srcId="{2D6962E4-72B9-4B1E-B258-246893A88E0D}" destId="{2B41BF75-F5C8-4255-892F-6328E5A9E688}" srcOrd="0" destOrd="0" parTransId="{36024776-6205-43C6-9331-B14C4C951E90}" sibTransId="{30E8B699-48A6-4778-A200-BCC2B91FEAE2}"/>
-    <dgm:cxn modelId="{6380C4C7-4EBB-43A2-9301-54A5C9841434}" type="presOf" srcId="{FAAD98B4-2CE9-4214-8BB6-F03CEEE572FF}" destId="{4D58B8E3-ABF3-466F-BE72-A1334046C3F4}" srcOrd="0" destOrd="2" presId="urn:microsoft.com/office/officeart/2005/8/layout/cycle4"/>
-    <dgm:cxn modelId="{DCB35549-6653-457E-A1A3-3F1DB9F48EB2}" srcId="{F9BE74C9-EC7E-4268-8C5A-882B3EFFF8FD}" destId="{F8507812-6291-4C9B-AA0B-B8AF3A68427D}" srcOrd="2" destOrd="0" parTransId="{4F2F02B6-C766-433A-873A-91091688269D}" sibTransId="{380A3AC5-BB38-4979-8AA3-011E077F4CA2}"/>
-    <dgm:cxn modelId="{1C4B7B5B-5A26-4FB7-B7A4-76D489C60865}" srcId="{2D6962E4-72B9-4B1E-B258-246893A88E0D}" destId="{FAAD98B4-2CE9-4214-8BB6-F03CEEE572FF}" srcOrd="2" destOrd="0" parTransId="{54D2E552-AFA4-449B-855C-8D07B27E44E2}" sibTransId="{CBB1F48E-041C-465A-B96F-A59A0B7362A5}"/>
-    <dgm:cxn modelId="{7F659E51-2E2F-40FF-9479-2FD7E732DF62}" type="presOf" srcId="{2D6962E4-72B9-4B1E-B258-246893A88E0D}" destId="{60DA8870-9857-4057-BC91-DD9B798F041F}" srcOrd="0" destOrd="0" presId="urn:microsoft.com/office/officeart/2005/8/layout/cycle4"/>
-    <dgm:cxn modelId="{0867E0A3-B749-4FC7-AFD8-611582642A56}" srcId="{5BCD62D5-23CD-4A5A-A476-269CE76914DC}" destId="{618CC25E-9050-4FB6-9F11-CAFC660578FC}" srcOrd="0" destOrd="0" parTransId="{892FDF72-278A-4E94-A52C-C9A43137F613}" sibTransId="{E48127D6-89B0-4F87-A1F9-517011A96A5B}"/>
-    <dgm:cxn modelId="{06428E54-26A5-4289-B287-166FC667611C}" type="presOf" srcId="{23580231-228D-4259-948C-ECAED9FB6BBD}" destId="{C05EAFFC-2644-44E2-967D-B53235C71A38}" srcOrd="1" destOrd="0" presId="urn:microsoft.com/office/officeart/2005/8/layout/cycle4"/>
-    <dgm:cxn modelId="{784002D3-341F-4DF0-9345-0B1634589798}" type="presOf" srcId="{2B41BF75-F5C8-4255-892F-6328E5A9E688}" destId="{38CD6BD6-D3E2-4B97-8665-48065905F491}" srcOrd="1" destOrd="0" presId="urn:microsoft.com/office/officeart/2005/8/layout/cycle4"/>
     <dgm:cxn modelId="{6CB06391-8FCA-448A-8A60-52478AAD6079}" type="presParOf" srcId="{9D4C7C9D-7ED1-464F-941B-21AB88CE8789}" destId="{498B1DD5-D2B2-4A70-BAF8-2672572231DA}" srcOrd="0" destOrd="0" presId="urn:microsoft.com/office/officeart/2005/8/layout/cycle4"/>
     <dgm:cxn modelId="{679C53C4-692C-4A8B-8F09-403299CC720A}" type="presParOf" srcId="{498B1DD5-D2B2-4A70-BAF8-2672572231DA}" destId="{D2CA330A-D99A-4389-8F73-7FE17A382E6E}" srcOrd="0" destOrd="0" presId="urn:microsoft.com/office/officeart/2005/8/layout/cycle4"/>
     <dgm:cxn modelId="{0B328022-04B0-4938-A986-5A44F6E51B41}" type="presParOf" srcId="{D2CA330A-D99A-4389-8F73-7FE17A382E6E}" destId="{4D58B8E3-ABF3-466F-BE72-A1334046C3F4}" srcOrd="0" destOrd="0" presId="urn:microsoft.com/office/officeart/2005/8/layout/cycle4"/>
@@ -17777,13 +17799,13 @@
   <p:clrMapOvr>
     <a:masterClrMapping/>
   </p:clrMapOvr>
-  <mc:AlternateContent xmlns:mc="http://schemas.openxmlformats.org/markup-compatibility/2006">
-    <mc:Choice xmlns:p14="http://schemas.microsoft.com/office/powerpoint/2010/main" Requires="p14">
+  <mc:AlternateContent xmlns:mc="http://schemas.openxmlformats.org/markup-compatibility/2006" xmlns:p14="http://schemas.microsoft.com/office/powerpoint/2010/main">
+    <mc:Choice Requires="p14">
       <p:transition spd="med" p14:dur="700">
         <p:fade/>
       </p:transition>
     </mc:Choice>
-    <mc:Fallback>
+    <mc:Fallback xmlns="">
       <p:transition spd="med">
         <p:fade/>
       </p:transition>
@@ -18062,13 +18084,13 @@
   <p:clrMapOvr>
     <a:masterClrMapping/>
   </p:clrMapOvr>
-  <mc:AlternateContent xmlns:mc="http://schemas.openxmlformats.org/markup-compatibility/2006">
-    <mc:Choice xmlns:p14="http://schemas.microsoft.com/office/powerpoint/2010/main" Requires="p14">
+  <mc:AlternateContent xmlns:mc="http://schemas.openxmlformats.org/markup-compatibility/2006" xmlns:p14="http://schemas.microsoft.com/office/powerpoint/2010/main">
+    <mc:Choice Requires="p14">
       <p:transition spd="med" p14:dur="700">
         <p:fade/>
       </p:transition>
     </mc:Choice>
-    <mc:Fallback>
+    <mc:Fallback xmlns="">
       <p:transition spd="med">
         <p:fade/>
       </p:transition>
@@ -20077,6 +20099,111 @@
         </p:nvSpPr>
         <p:spPr>
           <a:xfrm>
+            <a:off x="838200" y="365125"/>
+            <a:ext cx="10515600" cy="859617"/>
+          </a:xfrm>
+        </p:spPr>
+        <p:txBody>
+          <a:bodyPr/>
+          <a:lstStyle/>
+          <a:p>
+            <a:pPr algn="ctr"/>
+            <a:r>
+              <a:rPr lang="ru-RU" b="1" dirty="0" smtClean="0">
+                <a:solidFill>
+                  <a:srgbClr val="FFFFFF"/>
+                </a:solidFill>
+              </a:rPr>
+              <a:t>Статистика</a:t>
+            </a:r>
+            <a:endParaRPr lang="ru-RU" b="1" dirty="0">
+              <a:solidFill>
+                <a:srgbClr val="FFFFFF"/>
+              </a:solidFill>
+            </a:endParaRPr>
+          </a:p>
+        </p:txBody>
+      </p:sp>
+      <p:sp>
+        <p:nvSpPr>
+          <p:cNvPr id="3" name="Объект 2"/>
+          <p:cNvSpPr>
+            <a:spLocks noGrp="1"/>
+          </p:cNvSpPr>
+          <p:nvPr>
+            <p:ph idx="1"/>
+          </p:nvPr>
+        </p:nvSpPr>
+        <p:spPr/>
+        <p:txBody>
+          <a:bodyPr/>
+          <a:lstStyle/>
+          <a:p>
+            <a:endParaRPr lang="ru-RU" dirty="0"/>
+          </a:p>
+        </p:txBody>
+      </p:sp>
+    </p:spTree>
+    <p:extLst>
+      <p:ext uri="{BB962C8B-B14F-4D97-AF65-F5344CB8AC3E}">
+        <p14:creationId xmlns:p14="http://schemas.microsoft.com/office/powerpoint/2010/main" val="2265040254"/>
+      </p:ext>
+    </p:extLst>
+  </p:cSld>
+  <p:clrMapOvr>
+    <a:masterClrMapping/>
+  </p:clrMapOvr>
+  <mc:AlternateContent xmlns:mc="http://schemas.openxmlformats.org/markup-compatibility/2006" xmlns:p14="http://schemas.microsoft.com/office/powerpoint/2010/main">
+    <mc:Choice Requires="p14">
+      <p:transition spd="med" p14:dur="700">
+        <p:fade/>
+      </p:transition>
+    </mc:Choice>
+    <mc:Fallback xmlns="">
+      <p:transition spd="med">
+        <p:fade/>
+      </p:transition>
+    </mc:Fallback>
+  </mc:AlternateContent>
+  <p:timing>
+    <p:tnLst>
+      <p:par>
+        <p:cTn id="1" dur="indefinite" restart="never" nodeType="tmRoot"/>
+      </p:par>
+    </p:tnLst>
+  </p:timing>
+</p:sld>
+</file>
+
+<file path=ppt/slides/slide17.xml><?xml version="1.0" encoding="utf-8"?>
+<p:sld xmlns:a="http://schemas.openxmlformats.org/drawingml/2006/main" xmlns:r="http://schemas.openxmlformats.org/officeDocument/2006/relationships" xmlns:p="http://schemas.openxmlformats.org/presentationml/2006/main">
+  <p:cSld>
+    <p:spTree>
+      <p:nvGrpSpPr>
+        <p:cNvPr id="1" name=""/>
+        <p:cNvGrpSpPr/>
+        <p:nvPr/>
+      </p:nvGrpSpPr>
+      <p:grpSpPr>
+        <a:xfrm>
+          <a:off x="0" y="0"/>
+          <a:ext cx="0" cy="0"/>
+          <a:chOff x="0" y="0"/>
+          <a:chExt cx="0" cy="0"/>
+        </a:xfrm>
+      </p:grpSpPr>
+      <p:sp>
+        <p:nvSpPr>
+          <p:cNvPr id="2" name="Заголовок 1"/>
+          <p:cNvSpPr>
+            <a:spLocks noGrp="1"/>
+          </p:cNvSpPr>
+          <p:nvPr>
+            <p:ph type="title"/>
+          </p:nvPr>
+        </p:nvSpPr>
+        <p:spPr>
+          <a:xfrm>
             <a:off x="839788" y="365126"/>
             <a:ext cx="10515600" cy="880668"/>
           </a:xfrm>
@@ -20274,111 +20401,6 @@
       </p:transition>
     </mc:Choice>
     <mc:Fallback xmlns="">
-      <p:transition spd="med">
-        <p:fade/>
-      </p:transition>
-    </mc:Fallback>
-  </mc:AlternateContent>
-  <p:timing>
-    <p:tnLst>
-      <p:par>
-        <p:cTn id="1" dur="indefinite" restart="never" nodeType="tmRoot"/>
-      </p:par>
-    </p:tnLst>
-  </p:timing>
-</p:sld>
-</file>
-
-<file path=ppt/slides/slide17.xml><?xml version="1.0" encoding="utf-8"?>
-<p:sld xmlns:a="http://schemas.openxmlformats.org/drawingml/2006/main" xmlns:r="http://schemas.openxmlformats.org/officeDocument/2006/relationships" xmlns:p="http://schemas.openxmlformats.org/presentationml/2006/main">
-  <p:cSld>
-    <p:spTree>
-      <p:nvGrpSpPr>
-        <p:cNvPr id="1" name=""/>
-        <p:cNvGrpSpPr/>
-        <p:nvPr/>
-      </p:nvGrpSpPr>
-      <p:grpSpPr>
-        <a:xfrm>
-          <a:off x="0" y="0"/>
-          <a:ext cx="0" cy="0"/>
-          <a:chOff x="0" y="0"/>
-          <a:chExt cx="0" cy="0"/>
-        </a:xfrm>
-      </p:grpSpPr>
-      <p:sp>
-        <p:nvSpPr>
-          <p:cNvPr id="2" name="Заголовок 1"/>
-          <p:cNvSpPr>
-            <a:spLocks noGrp="1"/>
-          </p:cNvSpPr>
-          <p:nvPr>
-            <p:ph type="title"/>
-          </p:nvPr>
-        </p:nvSpPr>
-        <p:spPr>
-          <a:xfrm>
-            <a:off x="838200" y="365125"/>
-            <a:ext cx="10515600" cy="859617"/>
-          </a:xfrm>
-        </p:spPr>
-        <p:txBody>
-          <a:bodyPr/>
-          <a:lstStyle/>
-          <a:p>
-            <a:pPr algn="ctr"/>
-            <a:r>
-              <a:rPr lang="ru-RU" b="1" dirty="0" smtClean="0">
-                <a:solidFill>
-                  <a:srgbClr val="FFFFFF"/>
-                </a:solidFill>
-              </a:rPr>
-              <a:t>Статистика</a:t>
-            </a:r>
-            <a:endParaRPr lang="ru-RU" b="1" dirty="0">
-              <a:solidFill>
-                <a:srgbClr val="FFFFFF"/>
-              </a:solidFill>
-            </a:endParaRPr>
-          </a:p>
-        </p:txBody>
-      </p:sp>
-      <p:sp>
-        <p:nvSpPr>
-          <p:cNvPr id="3" name="Объект 2"/>
-          <p:cNvSpPr>
-            <a:spLocks noGrp="1"/>
-          </p:cNvSpPr>
-          <p:nvPr>
-            <p:ph idx="1"/>
-          </p:nvPr>
-        </p:nvSpPr>
-        <p:spPr/>
-        <p:txBody>
-          <a:bodyPr/>
-          <a:lstStyle/>
-          <a:p>
-            <a:endParaRPr lang="ru-RU" dirty="0"/>
-          </a:p>
-        </p:txBody>
-      </p:sp>
-    </p:spTree>
-    <p:extLst>
-      <p:ext uri="{BB962C8B-B14F-4D97-AF65-F5344CB8AC3E}">
-        <p14:creationId xmlns:p14="http://schemas.microsoft.com/office/powerpoint/2010/main" val="2265040254"/>
-      </p:ext>
-    </p:extLst>
-  </p:cSld>
-  <p:clrMapOvr>
-    <a:masterClrMapping/>
-  </p:clrMapOvr>
-  <mc:AlternateContent xmlns:mc="http://schemas.openxmlformats.org/markup-compatibility/2006">
-    <mc:Choice xmlns:p14="http://schemas.microsoft.com/office/powerpoint/2010/main" Requires="p14">
-      <p:transition spd="med" p14:dur="700">
-        <p:fade/>
-      </p:transition>
-    </mc:Choice>
-    <mc:Fallback>
       <p:transition spd="med">
         <p:fade/>
       </p:transition>
@@ -23382,7 +23404,7 @@
           <p:nvPr>
             <p:extLst>
               <p:ext uri="{D42A27DB-BD31-4B8C-83A1-F6EECF244321}">
-                <p14:modId xmlns:p14="http://schemas.microsoft.com/office/powerpoint/2010/main" val="177263144"/>
+                <p14:modId xmlns:p14="http://schemas.microsoft.com/office/powerpoint/2010/main" val="253131001"/>
               </p:ext>
             </p:extLst>
           </p:nvPr>

--- a/k224-docs/Servis_po_organizatsii_i_poisku_meropriaty_Par.pptx
+++ b/k224-docs/Servis_po_organizatsii_i_poisku_meropriaty_Par.pptx
@@ -14,24 +14,24 @@
     <p:sldId id="257" r:id="rId3"/>
     <p:sldId id="258" r:id="rId4"/>
     <p:sldId id="271" r:id="rId5"/>
-    <p:sldId id="273" r:id="rId6"/>
-    <p:sldId id="272" r:id="rId7"/>
-    <p:sldId id="274" r:id="rId8"/>
-    <p:sldId id="264" r:id="rId9"/>
-    <p:sldId id="270" r:id="rId10"/>
-    <p:sldId id="278" r:id="rId11"/>
-    <p:sldId id="279" r:id="rId12"/>
-    <p:sldId id="280" r:id="rId13"/>
-    <p:sldId id="283" r:id="rId14"/>
-    <p:sldId id="284" r:id="rId15"/>
-    <p:sldId id="277" r:id="rId16"/>
-    <p:sldId id="275" r:id="rId17"/>
+    <p:sldId id="275" r:id="rId6"/>
+    <p:sldId id="273" r:id="rId7"/>
+    <p:sldId id="272" r:id="rId8"/>
+    <p:sldId id="274" r:id="rId9"/>
+    <p:sldId id="264" r:id="rId10"/>
+    <p:sldId id="270" r:id="rId11"/>
+    <p:sldId id="278" r:id="rId12"/>
+    <p:sldId id="279" r:id="rId13"/>
+    <p:sldId id="280" r:id="rId14"/>
+    <p:sldId id="283" r:id="rId15"/>
+    <p:sldId id="284" r:id="rId16"/>
+    <p:sldId id="277" r:id="rId17"/>
     <p:sldId id="282" r:id="rId18"/>
-    <p:sldId id="276" r:id="rId19"/>
-    <p:sldId id="281" r:id="rId20"/>
-    <p:sldId id="259" r:id="rId21"/>
-    <p:sldId id="260" r:id="rId22"/>
-    <p:sldId id="261" r:id="rId23"/>
+    <p:sldId id="285" r:id="rId19"/>
+    <p:sldId id="286" r:id="rId20"/>
+    <p:sldId id="287" r:id="rId21"/>
+    <p:sldId id="276" r:id="rId22"/>
+    <p:sldId id="281" r:id="rId23"/>
   </p:sldIdLst>
   <p:sldSz cx="12192000" cy="6858000"/>
   <p:notesSz cx="6858000" cy="9144000"/>
@@ -383,11 +383,11 @@
         </c:dLbls>
         <c:marker val="1"/>
         <c:smooth val="0"/>
-        <c:axId val="252846784"/>
-        <c:axId val="252851880"/>
+        <c:axId val="258493968"/>
+        <c:axId val="258495928"/>
       </c:lineChart>
       <c:dateAx>
-        <c:axId val="252846784"/>
+        <c:axId val="258493968"/>
         <c:scaling>
           <c:orientation val="minMax"/>
         </c:scaling>
@@ -427,14 +427,14 @@
             <a:endParaRPr lang="ru-RU"/>
           </a:p>
         </c:txPr>
-        <c:crossAx val="252851880"/>
+        <c:crossAx val="258495928"/>
         <c:crosses val="autoZero"/>
         <c:auto val="1"/>
         <c:lblOffset val="100"/>
         <c:baseTimeUnit val="days"/>
       </c:dateAx>
       <c:valAx>
-        <c:axId val="252851880"/>
+        <c:axId val="258495928"/>
         <c:scaling>
           <c:orientation val="minMax"/>
         </c:scaling>
@@ -478,7 +478,6 @@
               </a:p>
             </c:rich>
           </c:tx>
-          <c:layout/>
           <c:overlay val="0"/>
           <c:spPr>
             <a:noFill/>
@@ -533,7 +532,7 @@
             <a:endParaRPr lang="ru-RU"/>
           </a:p>
         </c:txPr>
-        <c:crossAx val="252846784"/>
+        <c:crossAx val="258493968"/>
         <c:crosses val="autoZero"/>
         <c:crossBetween val="between"/>
       </c:valAx>
@@ -553,7 +552,6 @@
     </c:plotArea>
     <c:legend>
       <c:legendPos val="r"/>
-      <c:layout/>
       <c:overlay val="0"/>
       <c:spPr>
         <a:noFill/>
@@ -1019,472 +1017,6 @@
 </c:chartSpace>
 </file>
 
-<file path=ppt/charts/chart3.xml><?xml version="1.0" encoding="utf-8"?>
-<c:chartSpace xmlns:c="http://schemas.openxmlformats.org/drawingml/2006/chart" xmlns:a="http://schemas.openxmlformats.org/drawingml/2006/main" xmlns:r="http://schemas.openxmlformats.org/officeDocument/2006/relationships">
-  <c:date1904 val="0"/>
-  <c:lang val="ru-RU"/>
-  <c:roundedCorners val="0"/>
-  <mc:AlternateContent xmlns:mc="http://schemas.openxmlformats.org/markup-compatibility/2006">
-    <mc:Choice xmlns:c14="http://schemas.microsoft.com/office/drawing/2007/8/2/chart" Requires="c14">
-      <c14:style val="102"/>
-    </mc:Choice>
-    <mc:Fallback>
-      <c:style val="2"/>
-    </mc:Fallback>
-  </mc:AlternateContent>
-  <c:chart>
-    <c:autoTitleDeleted val="1"/>
-    <c:plotArea>
-      <c:layout/>
-      <c:barChart>
-        <c:barDir val="col"/>
-        <c:grouping val="clustered"/>
-        <c:varyColors val="0"/>
-        <c:ser>
-          <c:idx val="0"/>
-          <c:order val="0"/>
-          <c:tx>
-            <c:strRef>
-              <c:f>Лист1!$B$1</c:f>
-              <c:strCache>
-                <c:ptCount val="1"/>
-                <c:pt idx="0">
-                  <c:v>Ряд 1</c:v>
-                </c:pt>
-              </c:strCache>
-            </c:strRef>
-          </c:tx>
-          <c:spPr>
-            <a:gradFill rotWithShape="1">
-              <a:gsLst>
-                <a:gs pos="0">
-                  <a:schemeClr val="accent1">
-                    <a:satMod val="103000"/>
-                    <a:lumMod val="102000"/>
-                    <a:tint val="94000"/>
-                  </a:schemeClr>
-                </a:gs>
-                <a:gs pos="50000">
-                  <a:schemeClr val="accent1">
-                    <a:satMod val="110000"/>
-                    <a:lumMod val="100000"/>
-                    <a:shade val="100000"/>
-                  </a:schemeClr>
-                </a:gs>
-                <a:gs pos="100000">
-                  <a:schemeClr val="accent1">
-                    <a:lumMod val="99000"/>
-                    <a:satMod val="120000"/>
-                    <a:shade val="78000"/>
-                  </a:schemeClr>
-                </a:gs>
-              </a:gsLst>
-              <a:lin ang="5400000" scaled="0"/>
-            </a:gradFill>
-            <a:ln>
-              <a:noFill/>
-            </a:ln>
-            <a:effectLst/>
-          </c:spPr>
-          <c:invertIfNegative val="0"/>
-          <c:cat>
-            <c:strRef>
-              <c:f>Лист1!$A$2:$A$5</c:f>
-              <c:strCache>
-                <c:ptCount val="4"/>
-                <c:pt idx="0">
-                  <c:v>Категория 1</c:v>
-                </c:pt>
-                <c:pt idx="1">
-                  <c:v>Категория 2</c:v>
-                </c:pt>
-                <c:pt idx="2">
-                  <c:v>Категория 3</c:v>
-                </c:pt>
-                <c:pt idx="3">
-                  <c:v>Категория 4</c:v>
-                </c:pt>
-              </c:strCache>
-            </c:strRef>
-          </c:cat>
-          <c:val>
-            <c:numRef>
-              <c:f>Лист1!$B$2:$B$5</c:f>
-              <c:numCache>
-                <c:formatCode>General</c:formatCode>
-                <c:ptCount val="4"/>
-                <c:pt idx="0">
-                  <c:v>4.3</c:v>
-                </c:pt>
-                <c:pt idx="1">
-                  <c:v>2.5</c:v>
-                </c:pt>
-                <c:pt idx="2">
-                  <c:v>3.5</c:v>
-                </c:pt>
-                <c:pt idx="3">
-                  <c:v>4.5</c:v>
-                </c:pt>
-              </c:numCache>
-            </c:numRef>
-          </c:val>
-        </c:ser>
-        <c:ser>
-          <c:idx val="1"/>
-          <c:order val="1"/>
-          <c:tx>
-            <c:strRef>
-              <c:f>Лист1!$C$1</c:f>
-              <c:strCache>
-                <c:ptCount val="1"/>
-                <c:pt idx="0">
-                  <c:v>Ряд 2</c:v>
-                </c:pt>
-              </c:strCache>
-            </c:strRef>
-          </c:tx>
-          <c:spPr>
-            <a:gradFill rotWithShape="1">
-              <a:gsLst>
-                <a:gs pos="0">
-                  <a:schemeClr val="accent2">
-                    <a:satMod val="103000"/>
-                    <a:lumMod val="102000"/>
-                    <a:tint val="94000"/>
-                  </a:schemeClr>
-                </a:gs>
-                <a:gs pos="50000">
-                  <a:schemeClr val="accent2">
-                    <a:satMod val="110000"/>
-                    <a:lumMod val="100000"/>
-                    <a:shade val="100000"/>
-                  </a:schemeClr>
-                </a:gs>
-                <a:gs pos="100000">
-                  <a:schemeClr val="accent2">
-                    <a:lumMod val="99000"/>
-                    <a:satMod val="120000"/>
-                    <a:shade val="78000"/>
-                  </a:schemeClr>
-                </a:gs>
-              </a:gsLst>
-              <a:lin ang="5400000" scaled="0"/>
-            </a:gradFill>
-            <a:ln>
-              <a:noFill/>
-            </a:ln>
-            <a:effectLst/>
-          </c:spPr>
-          <c:invertIfNegative val="0"/>
-          <c:cat>
-            <c:strRef>
-              <c:f>Лист1!$A$2:$A$5</c:f>
-              <c:strCache>
-                <c:ptCount val="4"/>
-                <c:pt idx="0">
-                  <c:v>Категория 1</c:v>
-                </c:pt>
-                <c:pt idx="1">
-                  <c:v>Категория 2</c:v>
-                </c:pt>
-                <c:pt idx="2">
-                  <c:v>Категория 3</c:v>
-                </c:pt>
-                <c:pt idx="3">
-                  <c:v>Категория 4</c:v>
-                </c:pt>
-              </c:strCache>
-            </c:strRef>
-          </c:cat>
-          <c:val>
-            <c:numRef>
-              <c:f>Лист1!$C$2:$C$5</c:f>
-              <c:numCache>
-                <c:formatCode>General</c:formatCode>
-                <c:ptCount val="4"/>
-                <c:pt idx="0">
-                  <c:v>2.4</c:v>
-                </c:pt>
-                <c:pt idx="1">
-                  <c:v>4.4000000000000004</c:v>
-                </c:pt>
-                <c:pt idx="2">
-                  <c:v>1.8</c:v>
-                </c:pt>
-                <c:pt idx="3">
-                  <c:v>2.8</c:v>
-                </c:pt>
-              </c:numCache>
-            </c:numRef>
-          </c:val>
-        </c:ser>
-        <c:ser>
-          <c:idx val="2"/>
-          <c:order val="2"/>
-          <c:tx>
-            <c:strRef>
-              <c:f>Лист1!$D$1</c:f>
-              <c:strCache>
-                <c:ptCount val="1"/>
-                <c:pt idx="0">
-                  <c:v>Ряд 3</c:v>
-                </c:pt>
-              </c:strCache>
-            </c:strRef>
-          </c:tx>
-          <c:spPr>
-            <a:gradFill rotWithShape="1">
-              <a:gsLst>
-                <a:gs pos="0">
-                  <a:schemeClr val="accent3">
-                    <a:satMod val="103000"/>
-                    <a:lumMod val="102000"/>
-                    <a:tint val="94000"/>
-                  </a:schemeClr>
-                </a:gs>
-                <a:gs pos="50000">
-                  <a:schemeClr val="accent3">
-                    <a:satMod val="110000"/>
-                    <a:lumMod val="100000"/>
-                    <a:shade val="100000"/>
-                  </a:schemeClr>
-                </a:gs>
-                <a:gs pos="100000">
-                  <a:schemeClr val="accent3">
-                    <a:lumMod val="99000"/>
-                    <a:satMod val="120000"/>
-                    <a:shade val="78000"/>
-                  </a:schemeClr>
-                </a:gs>
-              </a:gsLst>
-              <a:lin ang="5400000" scaled="0"/>
-            </a:gradFill>
-            <a:ln>
-              <a:noFill/>
-            </a:ln>
-            <a:effectLst/>
-          </c:spPr>
-          <c:invertIfNegative val="0"/>
-          <c:cat>
-            <c:strRef>
-              <c:f>Лист1!$A$2:$A$5</c:f>
-              <c:strCache>
-                <c:ptCount val="4"/>
-                <c:pt idx="0">
-                  <c:v>Категория 1</c:v>
-                </c:pt>
-                <c:pt idx="1">
-                  <c:v>Категория 2</c:v>
-                </c:pt>
-                <c:pt idx="2">
-                  <c:v>Категория 3</c:v>
-                </c:pt>
-                <c:pt idx="3">
-                  <c:v>Категория 4</c:v>
-                </c:pt>
-              </c:strCache>
-            </c:strRef>
-          </c:cat>
-          <c:val>
-            <c:numRef>
-              <c:f>Лист1!$D$2:$D$5</c:f>
-              <c:numCache>
-                <c:formatCode>General</c:formatCode>
-                <c:ptCount val="4"/>
-                <c:pt idx="0">
-                  <c:v>2</c:v>
-                </c:pt>
-                <c:pt idx="1">
-                  <c:v>2</c:v>
-                </c:pt>
-                <c:pt idx="2">
-                  <c:v>3</c:v>
-                </c:pt>
-                <c:pt idx="3">
-                  <c:v>5</c:v>
-                </c:pt>
-              </c:numCache>
-            </c:numRef>
-          </c:val>
-        </c:ser>
-        <c:dLbls>
-          <c:showLegendKey val="0"/>
-          <c:showVal val="0"/>
-          <c:showCatName val="0"/>
-          <c:showSerName val="0"/>
-          <c:showPercent val="0"/>
-          <c:showBubbleSize val="0"/>
-        </c:dLbls>
-        <c:gapWidth val="100"/>
-        <c:overlap val="-24"/>
-        <c:axId val="295858528"/>
-        <c:axId val="295859704"/>
-      </c:barChart>
-      <c:catAx>
-        <c:axId val="295858528"/>
-        <c:scaling>
-          <c:orientation val="minMax"/>
-        </c:scaling>
-        <c:delete val="0"/>
-        <c:axPos val="b"/>
-        <c:numFmt formatCode="General" sourceLinked="1"/>
-        <c:majorTickMark val="none"/>
-        <c:minorTickMark val="none"/>
-        <c:tickLblPos val="nextTo"/>
-        <c:spPr>
-          <a:noFill/>
-          <a:ln w="9525" cap="flat" cmpd="sng" algn="ctr">
-            <a:solidFill>
-              <a:schemeClr val="tx2">
-                <a:lumMod val="15000"/>
-                <a:lumOff val="85000"/>
-              </a:schemeClr>
-            </a:solidFill>
-            <a:round/>
-          </a:ln>
-          <a:effectLst/>
-        </c:spPr>
-        <c:txPr>
-          <a:bodyPr rot="-60000000" spcFirstLastPara="1" vertOverflow="ellipsis" vert="horz" wrap="square" anchor="ctr" anchorCtr="1"/>
-          <a:lstStyle/>
-          <a:p>
-            <a:pPr>
-              <a:defRPr sz="1197" b="0" i="0" u="none" strike="noStrike" kern="1200" baseline="0">
-                <a:solidFill>
-                  <a:schemeClr val="tx2"/>
-                </a:solidFill>
-                <a:latin typeface="+mn-lt"/>
-                <a:ea typeface="+mn-ea"/>
-                <a:cs typeface="+mn-cs"/>
-              </a:defRPr>
-            </a:pPr>
-            <a:endParaRPr lang="ru-RU"/>
-          </a:p>
-        </c:txPr>
-        <c:crossAx val="295859704"/>
-        <c:crosses val="autoZero"/>
-        <c:auto val="1"/>
-        <c:lblAlgn val="ctr"/>
-        <c:lblOffset val="100"/>
-        <c:noMultiLvlLbl val="0"/>
-      </c:catAx>
-      <c:valAx>
-        <c:axId val="295859704"/>
-        <c:scaling>
-          <c:orientation val="minMax"/>
-        </c:scaling>
-        <c:delete val="0"/>
-        <c:axPos val="l"/>
-        <c:majorGridlines>
-          <c:spPr>
-            <a:ln w="9525" cap="flat" cmpd="sng" algn="ctr">
-              <a:solidFill>
-                <a:schemeClr val="tx2">
-                  <a:lumMod val="15000"/>
-                  <a:lumOff val="85000"/>
-                </a:schemeClr>
-              </a:solidFill>
-              <a:round/>
-            </a:ln>
-            <a:effectLst/>
-          </c:spPr>
-        </c:majorGridlines>
-        <c:numFmt formatCode="General" sourceLinked="1"/>
-        <c:majorTickMark val="none"/>
-        <c:minorTickMark val="none"/>
-        <c:tickLblPos val="nextTo"/>
-        <c:spPr>
-          <a:noFill/>
-          <a:ln>
-            <a:noFill/>
-          </a:ln>
-          <a:effectLst/>
-        </c:spPr>
-        <c:txPr>
-          <a:bodyPr rot="-60000000" spcFirstLastPara="1" vertOverflow="ellipsis" vert="horz" wrap="square" anchor="ctr" anchorCtr="1"/>
-          <a:lstStyle/>
-          <a:p>
-            <a:pPr>
-              <a:defRPr sz="1197" b="0" i="0" u="none" strike="noStrike" kern="1200" baseline="0">
-                <a:solidFill>
-                  <a:schemeClr val="tx2"/>
-                </a:solidFill>
-                <a:latin typeface="+mn-lt"/>
-                <a:ea typeface="+mn-ea"/>
-                <a:cs typeface="+mn-cs"/>
-              </a:defRPr>
-            </a:pPr>
-            <a:endParaRPr lang="ru-RU"/>
-          </a:p>
-        </c:txPr>
-        <c:crossAx val="295858528"/>
-        <c:crosses val="autoZero"/>
-        <c:crossBetween val="between"/>
-      </c:valAx>
-      <c:spPr>
-        <a:noFill/>
-        <a:ln>
-          <a:noFill/>
-        </a:ln>
-        <a:effectLst/>
-      </c:spPr>
-    </c:plotArea>
-    <c:legend>
-      <c:legendPos val="b"/>
-      <c:layout/>
-      <c:overlay val="0"/>
-      <c:spPr>
-        <a:noFill/>
-        <a:ln>
-          <a:noFill/>
-        </a:ln>
-        <a:effectLst/>
-      </c:spPr>
-      <c:txPr>
-        <a:bodyPr rot="0" spcFirstLastPara="1" vertOverflow="ellipsis" vert="horz" wrap="square" anchor="ctr" anchorCtr="1"/>
-        <a:lstStyle/>
-        <a:p>
-          <a:pPr>
-            <a:defRPr sz="1197" b="0" i="0" u="none" strike="noStrike" kern="1200" baseline="0">
-              <a:solidFill>
-                <a:schemeClr val="tx2"/>
-              </a:solidFill>
-              <a:latin typeface="+mn-lt"/>
-              <a:ea typeface="+mn-ea"/>
-              <a:cs typeface="+mn-cs"/>
-            </a:defRPr>
-          </a:pPr>
-          <a:endParaRPr lang="ru-RU"/>
-        </a:p>
-      </c:txPr>
-    </c:legend>
-    <c:plotVisOnly val="1"/>
-    <c:dispBlanksAs val="gap"/>
-    <c:showDLblsOverMax val="0"/>
-  </c:chart>
-  <c:spPr>
-    <a:noFill/>
-    <a:ln>
-      <a:noFill/>
-    </a:ln>
-    <a:effectLst/>
-  </c:spPr>
-  <c:txPr>
-    <a:bodyPr/>
-    <a:lstStyle/>
-    <a:p>
-      <a:pPr>
-        <a:defRPr/>
-      </a:pPr>
-      <a:endParaRPr lang="ru-RU"/>
-    </a:p>
-  </c:txPr>
-  <c:externalData r:id="rId3">
-    <c:autoUpdate val="0"/>
-  </c:externalData>
-</c:chartSpace>
-</file>
-
 <file path=ppt/charts/colors1.xml><?xml version="1.0" encoding="utf-8"?>
 <cs:colorStyle xmlns:cs="http://schemas.microsoft.com/office/drawing/2012/chartStyle" xmlns:a="http://schemas.openxmlformats.org/drawingml/2006/main" meth="withinLinear" id="18">
   <a:schemeClr val="accent5"/>
@@ -1492,46 +1024,6 @@
 </file>
 
 <file path=ppt/charts/colors2.xml><?xml version="1.0" encoding="utf-8"?>
-<cs:colorStyle xmlns:cs="http://schemas.microsoft.com/office/drawing/2012/chartStyle" xmlns:a="http://schemas.openxmlformats.org/drawingml/2006/main" meth="cycle" id="10">
-  <a:schemeClr val="accent1"/>
-  <a:schemeClr val="accent2"/>
-  <a:schemeClr val="accent3"/>
-  <a:schemeClr val="accent4"/>
-  <a:schemeClr val="accent5"/>
-  <a:schemeClr val="accent6"/>
-  <cs:variation/>
-  <cs:variation>
-    <a:lumMod val="60000"/>
-  </cs:variation>
-  <cs:variation>
-    <a:lumMod val="80000"/>
-    <a:lumOff val="20000"/>
-  </cs:variation>
-  <cs:variation>
-    <a:lumMod val="80000"/>
-  </cs:variation>
-  <cs:variation>
-    <a:lumMod val="60000"/>
-    <a:lumOff val="40000"/>
-  </cs:variation>
-  <cs:variation>
-    <a:lumMod val="50000"/>
-  </cs:variation>
-  <cs:variation>
-    <a:lumMod val="70000"/>
-    <a:lumOff val="30000"/>
-  </cs:variation>
-  <cs:variation>
-    <a:lumMod val="70000"/>
-  </cs:variation>
-  <cs:variation>
-    <a:lumMod val="50000"/>
-    <a:lumOff val="50000"/>
-  </cs:variation>
-</cs:colorStyle>
-</file>
-
-<file path=ppt/charts/colors3.xml><?xml version="1.0" encoding="utf-8"?>
 <cs:colorStyle xmlns:cs="http://schemas.microsoft.com/office/drawing/2012/chartStyle" xmlns:a="http://schemas.openxmlformats.org/drawingml/2006/main" meth="cycle" id="10">
   <a:schemeClr val="accent1"/>
   <a:schemeClr val="accent2"/>
@@ -2642,475 +2134,6 @@
 </cs:chartStyle>
 </file>
 
-<file path=ppt/charts/style3.xml><?xml version="1.0" encoding="utf-8"?>
-<cs:chartStyle xmlns:cs="http://schemas.microsoft.com/office/drawing/2012/chartStyle" xmlns:a="http://schemas.openxmlformats.org/drawingml/2006/main" id="207">
-  <cs:axisTitle>
-    <cs:lnRef idx="0"/>
-    <cs:fillRef idx="0"/>
-    <cs:effectRef idx="0"/>
-    <cs:fontRef idx="minor">
-      <a:schemeClr val="tx2"/>
-    </cs:fontRef>
-    <cs:defRPr sz="1197" b="1" kern="1200"/>
-  </cs:axisTitle>
-  <cs:categoryAxis>
-    <cs:lnRef idx="0"/>
-    <cs:fillRef idx="0"/>
-    <cs:effectRef idx="0"/>
-    <cs:fontRef idx="minor">
-      <a:schemeClr val="tx2"/>
-    </cs:fontRef>
-    <cs:spPr>
-      <a:ln w="9525" cap="flat" cmpd="sng" algn="ctr">
-        <a:solidFill>
-          <a:schemeClr val="tx2">
-            <a:lumMod val="15000"/>
-            <a:lumOff val="85000"/>
-          </a:schemeClr>
-        </a:solidFill>
-        <a:round/>
-      </a:ln>
-    </cs:spPr>
-    <cs:defRPr sz="1197" kern="1200"/>
-  </cs:categoryAxis>
-  <cs:chartArea mods="allowNoFillOverride allowNoLineOverride">
-    <cs:lnRef idx="0"/>
-    <cs:fillRef idx="0"/>
-    <cs:effectRef idx="0"/>
-    <cs:fontRef idx="minor">
-      <a:schemeClr val="tx2"/>
-    </cs:fontRef>
-    <cs:spPr>
-      <a:solidFill>
-        <a:schemeClr val="bg1"/>
-      </a:solidFill>
-      <a:ln w="9525" cap="flat" cmpd="sng" algn="ctr">
-        <a:solidFill>
-          <a:schemeClr val="tx2">
-            <a:lumMod val="15000"/>
-            <a:lumOff val="85000"/>
-          </a:schemeClr>
-        </a:solidFill>
-        <a:round/>
-      </a:ln>
-    </cs:spPr>
-    <cs:defRPr sz="1197" kern="1200"/>
-  </cs:chartArea>
-  <cs:dataLabel>
-    <cs:lnRef idx="0"/>
-    <cs:fillRef idx="0"/>
-    <cs:effectRef idx="0"/>
-    <cs:fontRef idx="minor">
-      <a:schemeClr val="tx2"/>
-    </cs:fontRef>
-    <cs:defRPr sz="1197" kern="1200"/>
-  </cs:dataLabel>
-  <cs:dataLabelCallout>
-    <cs:lnRef idx="0"/>
-    <cs:fillRef idx="0"/>
-    <cs:effectRef idx="0"/>
-    <cs:fontRef idx="minor">
-      <a:schemeClr val="dk2">
-        <a:lumMod val="75000"/>
-      </a:schemeClr>
-    </cs:fontRef>
-    <cs:spPr>
-      <a:solidFill>
-        <a:schemeClr val="lt1"/>
-      </a:solidFill>
-      <a:ln>
-        <a:solidFill>
-          <a:schemeClr val="dk1">
-            <a:lumMod val="25000"/>
-            <a:lumOff val="75000"/>
-          </a:schemeClr>
-        </a:solidFill>
-      </a:ln>
-    </cs:spPr>
-    <cs:defRPr sz="1197" kern="1200"/>
-    <cs:bodyPr rot="0" spcFirstLastPara="1" vertOverflow="clip" horzOverflow="clip" vert="horz" wrap="square" lIns="36576" tIns="18288" rIns="36576" bIns="18288" anchor="ctr" anchorCtr="1">
-      <a:spAutoFit/>
-    </cs:bodyPr>
-  </cs:dataLabelCallout>
-  <cs:dataPoint>
-    <cs:lnRef idx="0"/>
-    <cs:fillRef idx="3">
-      <cs:styleClr val="auto"/>
-    </cs:fillRef>
-    <cs:effectRef idx="2"/>
-    <cs:fontRef idx="minor">
-      <a:schemeClr val="tx2"/>
-    </cs:fontRef>
-  </cs:dataPoint>
-  <cs:dataPoint3D>
-    <cs:lnRef idx="0"/>
-    <cs:fillRef idx="3">
-      <cs:styleClr val="auto"/>
-    </cs:fillRef>
-    <cs:effectRef idx="2"/>
-    <cs:fontRef idx="minor">
-      <a:schemeClr val="tx2"/>
-    </cs:fontRef>
-  </cs:dataPoint3D>
-  <cs:dataPointLine>
-    <cs:lnRef idx="0">
-      <cs:styleClr val="auto"/>
-    </cs:lnRef>
-    <cs:fillRef idx="3"/>
-    <cs:effectRef idx="2"/>
-    <cs:fontRef idx="minor">
-      <a:schemeClr val="tx2"/>
-    </cs:fontRef>
-    <cs:spPr>
-      <a:ln w="31750" cap="rnd">
-        <a:solidFill>
-          <a:schemeClr val="phClr"/>
-        </a:solidFill>
-        <a:round/>
-      </a:ln>
-    </cs:spPr>
-  </cs:dataPointLine>
-  <cs:dataPointMarker>
-    <cs:lnRef idx="0"/>
-    <cs:fillRef idx="3">
-      <cs:styleClr val="auto"/>
-    </cs:fillRef>
-    <cs:effectRef idx="2"/>
-    <cs:fontRef idx="minor">
-      <a:schemeClr val="tx2"/>
-    </cs:fontRef>
-    <cs:spPr>
-      <a:ln w="12700">
-        <a:solidFill>
-          <a:schemeClr val="lt2"/>
-        </a:solidFill>
-        <a:round/>
-      </a:ln>
-    </cs:spPr>
-  </cs:dataPointMarker>
-  <cs:dataPointMarkerLayout symbol="circle" size="6"/>
-  <cs:dataPointWireframe>
-    <cs:lnRef idx="0">
-      <cs:styleClr val="auto"/>
-    </cs:lnRef>
-    <cs:fillRef idx="3"/>
-    <cs:effectRef idx="2"/>
-    <cs:fontRef idx="minor">
-      <a:schemeClr val="tx2"/>
-    </cs:fontRef>
-    <cs:spPr>
-      <a:ln w="9525" cap="rnd">
-        <a:solidFill>
-          <a:schemeClr val="phClr"/>
-        </a:solidFill>
-        <a:round/>
-      </a:ln>
-    </cs:spPr>
-  </cs:dataPointWireframe>
-  <cs:dataTable>
-    <cs:lnRef idx="0"/>
-    <cs:fillRef idx="0"/>
-    <cs:effectRef idx="0"/>
-    <cs:fontRef idx="minor">
-      <a:schemeClr val="tx2"/>
-    </cs:fontRef>
-    <cs:spPr>
-      <a:ln w="9525">
-        <a:solidFill>
-          <a:schemeClr val="tx2">
-            <a:lumMod val="15000"/>
-            <a:lumOff val="85000"/>
-          </a:schemeClr>
-        </a:solidFill>
-      </a:ln>
-    </cs:spPr>
-    <cs:defRPr sz="1197" kern="1200"/>
-  </cs:dataTable>
-  <cs:downBar>
-    <cs:lnRef idx="0"/>
-    <cs:fillRef idx="0"/>
-    <cs:effectRef idx="0"/>
-    <cs:fontRef idx="minor">
-      <a:schemeClr val="dk1"/>
-    </cs:fontRef>
-    <cs:spPr>
-      <a:solidFill>
-        <a:schemeClr val="dk1">
-          <a:lumMod val="65000"/>
-          <a:lumOff val="35000"/>
-        </a:schemeClr>
-      </a:solidFill>
-      <a:ln w="9525">
-        <a:solidFill>
-          <a:schemeClr val="tx1">
-            <a:lumMod val="65000"/>
-            <a:lumOff val="35000"/>
-          </a:schemeClr>
-        </a:solidFill>
-      </a:ln>
-    </cs:spPr>
-  </cs:downBar>
-  <cs:dropLine>
-    <cs:lnRef idx="0"/>
-    <cs:fillRef idx="0"/>
-    <cs:effectRef idx="0"/>
-    <cs:fontRef idx="minor">
-      <a:schemeClr val="tx2"/>
-    </cs:fontRef>
-    <cs:spPr>
-      <a:ln w="9525">
-        <a:solidFill>
-          <a:schemeClr val="tx2">
-            <a:lumMod val="60000"/>
-            <a:lumOff val="40000"/>
-          </a:schemeClr>
-        </a:solidFill>
-        <a:prstDash val="dash"/>
-      </a:ln>
-    </cs:spPr>
-  </cs:dropLine>
-  <cs:errorBar>
-    <cs:lnRef idx="0"/>
-    <cs:fillRef idx="0"/>
-    <cs:effectRef idx="0"/>
-    <cs:fontRef idx="minor">
-      <a:schemeClr val="tx2"/>
-    </cs:fontRef>
-    <cs:spPr>
-      <a:ln w="9525">
-        <a:solidFill>
-          <a:schemeClr val="tx2">
-            <a:lumMod val="75000"/>
-            <a:lumOff val="25000"/>
-          </a:schemeClr>
-        </a:solidFill>
-        <a:round/>
-      </a:ln>
-    </cs:spPr>
-  </cs:errorBar>
-  <cs:floor>
-    <cs:lnRef idx="0"/>
-    <cs:fillRef idx="0"/>
-    <cs:effectRef idx="0"/>
-    <cs:fontRef idx="minor">
-      <a:schemeClr val="tx2"/>
-    </cs:fontRef>
-  </cs:floor>
-  <cs:gridlineMajor>
-    <cs:lnRef idx="0"/>
-    <cs:fillRef idx="0"/>
-    <cs:effectRef idx="0"/>
-    <cs:fontRef idx="minor">
-      <a:schemeClr val="tx2"/>
-    </cs:fontRef>
-    <cs:spPr>
-      <a:ln w="9525" cap="flat" cmpd="sng" algn="ctr">
-        <a:solidFill>
-          <a:schemeClr val="tx2">
-            <a:lumMod val="15000"/>
-            <a:lumOff val="85000"/>
-          </a:schemeClr>
-        </a:solidFill>
-        <a:round/>
-      </a:ln>
-    </cs:spPr>
-  </cs:gridlineMajor>
-  <cs:gridlineMinor>
-    <cs:lnRef idx="0"/>
-    <cs:fillRef idx="0"/>
-    <cs:effectRef idx="0"/>
-    <cs:fontRef idx="minor">
-      <a:schemeClr val="tx2"/>
-    </cs:fontRef>
-    <cs:spPr>
-      <a:ln>
-        <a:solidFill>
-          <a:schemeClr val="tx2">
-            <a:lumMod val="5000"/>
-            <a:lumOff val="95000"/>
-          </a:schemeClr>
-        </a:solidFill>
-      </a:ln>
-    </cs:spPr>
-  </cs:gridlineMinor>
-  <cs:hiLoLine>
-    <cs:lnRef idx="0"/>
-    <cs:fillRef idx="0"/>
-    <cs:effectRef idx="0"/>
-    <cs:fontRef idx="minor">
-      <a:schemeClr val="tx2"/>
-    </cs:fontRef>
-    <cs:spPr>
-      <a:ln w="9525">
-        <a:solidFill>
-          <a:schemeClr val="tx2">
-            <a:lumMod val="60000"/>
-            <a:lumOff val="40000"/>
-          </a:schemeClr>
-        </a:solidFill>
-        <a:prstDash val="dash"/>
-      </a:ln>
-    </cs:spPr>
-  </cs:hiLoLine>
-  <cs:leaderLine>
-    <cs:lnRef idx="0"/>
-    <cs:fillRef idx="0"/>
-    <cs:effectRef idx="0"/>
-    <cs:fontRef idx="minor">
-      <a:schemeClr val="tx2"/>
-    </cs:fontRef>
-    <cs:spPr>
-      <a:ln w="9525">
-        <a:solidFill>
-          <a:schemeClr val="tx2">
-            <a:lumMod val="35000"/>
-            <a:lumOff val="65000"/>
-          </a:schemeClr>
-        </a:solidFill>
-      </a:ln>
-    </cs:spPr>
-  </cs:leaderLine>
-  <cs:legend>
-    <cs:lnRef idx="0"/>
-    <cs:fillRef idx="0"/>
-    <cs:effectRef idx="0"/>
-    <cs:fontRef idx="minor">
-      <a:schemeClr val="tx2"/>
-    </cs:fontRef>
-    <cs:defRPr sz="1197" kern="1200"/>
-  </cs:legend>
-  <cs:plotArea>
-    <cs:lnRef idx="0"/>
-    <cs:fillRef idx="0"/>
-    <cs:effectRef idx="0"/>
-    <cs:fontRef idx="minor">
-      <a:schemeClr val="tx2"/>
-    </cs:fontRef>
-  </cs:plotArea>
-  <cs:plotArea3D>
-    <cs:lnRef idx="0"/>
-    <cs:fillRef idx="0"/>
-    <cs:effectRef idx="0"/>
-    <cs:fontRef idx="minor">
-      <a:schemeClr val="tx2"/>
-    </cs:fontRef>
-  </cs:plotArea3D>
-  <cs:seriesAxis>
-    <cs:lnRef idx="0"/>
-    <cs:fillRef idx="0"/>
-    <cs:effectRef idx="0"/>
-    <cs:fontRef idx="minor">
-      <a:schemeClr val="tx2"/>
-    </cs:fontRef>
-    <cs:spPr>
-      <a:ln w="9525" cap="flat" cmpd="sng" algn="ctr">
-        <a:solidFill>
-          <a:schemeClr val="tx2">
-            <a:lumMod val="15000"/>
-            <a:lumOff val="85000"/>
-          </a:schemeClr>
-        </a:solidFill>
-        <a:round/>
-      </a:ln>
-    </cs:spPr>
-    <cs:defRPr sz="1197" kern="1200"/>
-  </cs:seriesAxis>
-  <cs:seriesLine>
-    <cs:lnRef idx="0"/>
-    <cs:fillRef idx="0"/>
-    <cs:effectRef idx="0"/>
-    <cs:fontRef idx="minor">
-      <a:schemeClr val="tx2"/>
-    </cs:fontRef>
-    <cs:spPr>
-      <a:ln w="9525">
-        <a:solidFill>
-          <a:schemeClr val="tx2">
-            <a:lumMod val="60000"/>
-            <a:lumOff val="40000"/>
-          </a:schemeClr>
-        </a:solidFill>
-        <a:prstDash val="dash"/>
-      </a:ln>
-    </cs:spPr>
-  </cs:seriesLine>
-  <cs:title>
-    <cs:lnRef idx="0"/>
-    <cs:fillRef idx="0"/>
-    <cs:effectRef idx="0"/>
-    <cs:fontRef idx="minor">
-      <a:schemeClr val="tx2"/>
-    </cs:fontRef>
-    <cs:defRPr sz="2128" b="1" kern="1200"/>
-  </cs:title>
-  <cs:trendline>
-    <cs:lnRef idx="0">
-      <cs:styleClr val="auto"/>
-    </cs:lnRef>
-    <cs:fillRef idx="0"/>
-    <cs:effectRef idx="0"/>
-    <cs:fontRef idx="minor">
-      <a:schemeClr val="tx2"/>
-    </cs:fontRef>
-    <cs:spPr>
-      <a:ln w="19050" cap="rnd">
-        <a:solidFill>
-          <a:schemeClr val="phClr"/>
-        </a:solidFill>
-        <a:prstDash val="sysDash"/>
-      </a:ln>
-    </cs:spPr>
-  </cs:trendline>
-  <cs:trendlineLabel>
-    <cs:lnRef idx="0"/>
-    <cs:fillRef idx="0"/>
-    <cs:effectRef idx="0"/>
-    <cs:fontRef idx="minor">
-      <a:schemeClr val="tx2"/>
-    </cs:fontRef>
-    <cs:defRPr sz="1197" kern="1200"/>
-  </cs:trendlineLabel>
-  <cs:upBar>
-    <cs:lnRef idx="0"/>
-    <cs:fillRef idx="0"/>
-    <cs:effectRef idx="0"/>
-    <cs:fontRef idx="minor">
-      <a:schemeClr val="tx2"/>
-    </cs:fontRef>
-    <cs:spPr>
-      <a:solidFill>
-        <a:schemeClr val="lt1"/>
-      </a:solidFill>
-      <a:ln w="9525">
-        <a:solidFill>
-          <a:schemeClr val="tx1">
-            <a:lumMod val="15000"/>
-            <a:lumOff val="85000"/>
-          </a:schemeClr>
-        </a:solidFill>
-      </a:ln>
-    </cs:spPr>
-  </cs:upBar>
-  <cs:valueAxis>
-    <cs:lnRef idx="0"/>
-    <cs:fillRef idx="0"/>
-    <cs:effectRef idx="0"/>
-    <cs:fontRef idx="minor">
-      <a:schemeClr val="tx2"/>
-    </cs:fontRef>
-    <cs:defRPr sz="1197" kern="1200"/>
-  </cs:valueAxis>
-  <cs:wall>
-    <cs:lnRef idx="0"/>
-    <cs:fillRef idx="0"/>
-    <cs:effectRef idx="0"/>
-    <cs:fontRef idx="minor">
-      <a:schemeClr val="tx2"/>
-    </cs:fontRef>
-  </cs:wall>
-</cs:chartStyle>
-</file>
-
 <file path=ppt/diagrams/colors1.xml><?xml version="1.0" encoding="utf-8"?>
 <dgm:colorsDef xmlns:dgm="http://schemas.openxmlformats.org/drawingml/2006/diagram" xmlns:a="http://schemas.openxmlformats.org/drawingml/2006/main" uniqueId="urn:microsoft.com/office/officeart/2005/8/colors/accent1_2">
   <dgm:title val=""/>
@@ -3859,925 +2882,6 @@
 </file>
 
 <file path=ppt/diagrams/colors2.xml><?xml version="1.0" encoding="utf-8"?>
-<dgm:colorsDef xmlns:dgm="http://schemas.openxmlformats.org/drawingml/2006/diagram" xmlns:a="http://schemas.openxmlformats.org/drawingml/2006/main" uniqueId="urn:microsoft.com/office/officeart/2005/8/colors/colorful1">
-  <dgm:title val=""/>
-  <dgm:desc val=""/>
-  <dgm:catLst>
-    <dgm:cat type="colorful" pri="10100"/>
-  </dgm:catLst>
-  <dgm:styleLbl name="node0">
-    <dgm:fillClrLst meth="repeat">
-      <a:schemeClr val="accent1"/>
-    </dgm:fillClrLst>
-    <dgm:linClrLst meth="repeat">
-      <a:schemeClr val="lt1"/>
-    </dgm:linClrLst>
-    <dgm:effectClrLst/>
-    <dgm:txLinClrLst/>
-    <dgm:txFillClrLst/>
-    <dgm:txEffectClrLst/>
-  </dgm:styleLbl>
-  <dgm:styleLbl name="node1">
-    <dgm:fillClrLst meth="repeat">
-      <a:schemeClr val="accent2"/>
-      <a:schemeClr val="accent3"/>
-      <a:schemeClr val="accent4"/>
-      <a:schemeClr val="accent5"/>
-      <a:schemeClr val="accent6"/>
-    </dgm:fillClrLst>
-    <dgm:linClrLst meth="repeat">
-      <a:schemeClr val="lt1"/>
-    </dgm:linClrLst>
-    <dgm:effectClrLst/>
-    <dgm:txLinClrLst/>
-    <dgm:txFillClrLst/>
-    <dgm:txEffectClrLst/>
-  </dgm:styleLbl>
-  <dgm:styleLbl name="alignNode1">
-    <dgm:fillClrLst meth="repeat">
-      <a:schemeClr val="accent2"/>
-      <a:schemeClr val="accent3"/>
-      <a:schemeClr val="accent4"/>
-      <a:schemeClr val="accent5"/>
-      <a:schemeClr val="accent6"/>
-    </dgm:fillClrLst>
-    <dgm:linClrLst meth="repeat">
-      <a:schemeClr val="accent2"/>
-      <a:schemeClr val="accent3"/>
-      <a:schemeClr val="accent4"/>
-      <a:schemeClr val="accent5"/>
-      <a:schemeClr val="accent6"/>
-    </dgm:linClrLst>
-    <dgm:effectClrLst/>
-    <dgm:txLinClrLst/>
-    <dgm:txFillClrLst/>
-    <dgm:txEffectClrLst/>
-  </dgm:styleLbl>
-  <dgm:styleLbl name="lnNode1">
-    <dgm:fillClrLst meth="repeat">
-      <a:schemeClr val="accent2"/>
-      <a:schemeClr val="accent3"/>
-      <a:schemeClr val="accent4"/>
-      <a:schemeClr val="accent5"/>
-      <a:schemeClr val="accent6"/>
-    </dgm:fillClrLst>
-    <dgm:linClrLst meth="repeat">
-      <a:schemeClr val="lt1"/>
-    </dgm:linClrLst>
-    <dgm:effectClrLst/>
-    <dgm:txLinClrLst/>
-    <dgm:txFillClrLst/>
-    <dgm:txEffectClrLst/>
-  </dgm:styleLbl>
-  <dgm:styleLbl name="vennNode1">
-    <dgm:fillClrLst meth="repeat">
-      <a:schemeClr val="accent2">
-        <a:alpha val="50000"/>
-      </a:schemeClr>
-      <a:schemeClr val="accent3">
-        <a:alpha val="50000"/>
-      </a:schemeClr>
-      <a:schemeClr val="accent4">
-        <a:alpha val="50000"/>
-      </a:schemeClr>
-      <a:schemeClr val="accent5">
-        <a:alpha val="50000"/>
-      </a:schemeClr>
-      <a:schemeClr val="accent6">
-        <a:alpha val="50000"/>
-      </a:schemeClr>
-    </dgm:fillClrLst>
-    <dgm:linClrLst meth="repeat">
-      <a:schemeClr val="lt1"/>
-    </dgm:linClrLst>
-    <dgm:effectClrLst/>
-    <dgm:txLinClrLst/>
-    <dgm:txFillClrLst/>
-    <dgm:txEffectClrLst/>
-  </dgm:styleLbl>
-  <dgm:styleLbl name="node2">
-    <dgm:fillClrLst>
-      <a:schemeClr val="accent2"/>
-    </dgm:fillClrLst>
-    <dgm:linClrLst meth="repeat">
-      <a:schemeClr val="lt1"/>
-    </dgm:linClrLst>
-    <dgm:effectClrLst/>
-    <dgm:txLinClrLst/>
-    <dgm:txFillClrLst/>
-    <dgm:txEffectClrLst/>
-  </dgm:styleLbl>
-  <dgm:styleLbl name="node3">
-    <dgm:fillClrLst>
-      <a:schemeClr val="accent3"/>
-    </dgm:fillClrLst>
-    <dgm:linClrLst meth="repeat">
-      <a:schemeClr val="lt1"/>
-    </dgm:linClrLst>
-    <dgm:effectClrLst/>
-    <dgm:txLinClrLst/>
-    <dgm:txFillClrLst/>
-    <dgm:txEffectClrLst/>
-  </dgm:styleLbl>
-  <dgm:styleLbl name="node4">
-    <dgm:fillClrLst>
-      <a:schemeClr val="accent4"/>
-    </dgm:fillClrLst>
-    <dgm:linClrLst meth="repeat">
-      <a:schemeClr val="lt1"/>
-    </dgm:linClrLst>
-    <dgm:effectClrLst/>
-    <dgm:txLinClrLst/>
-    <dgm:txFillClrLst/>
-    <dgm:txEffectClrLst/>
-  </dgm:styleLbl>
-  <dgm:styleLbl name="fgImgPlace1">
-    <dgm:fillClrLst meth="repeat">
-      <a:schemeClr val="accent2">
-        <a:tint val="50000"/>
-      </a:schemeClr>
-      <a:schemeClr val="accent3">
-        <a:tint val="50000"/>
-      </a:schemeClr>
-      <a:schemeClr val="accent4">
-        <a:tint val="50000"/>
-      </a:schemeClr>
-      <a:schemeClr val="accent5">
-        <a:tint val="50000"/>
-      </a:schemeClr>
-      <a:schemeClr val="accent6">
-        <a:tint val="50000"/>
-      </a:schemeClr>
-    </dgm:fillClrLst>
-    <dgm:linClrLst meth="repeat">
-      <a:schemeClr val="lt1"/>
-    </dgm:linClrLst>
-    <dgm:effectClrLst/>
-    <dgm:txLinClrLst/>
-    <dgm:txFillClrLst meth="repeat">
-      <a:schemeClr val="lt1"/>
-    </dgm:txFillClrLst>
-    <dgm:txEffectClrLst/>
-  </dgm:styleLbl>
-  <dgm:styleLbl name="alignImgPlace1">
-    <dgm:fillClrLst>
-      <a:schemeClr val="accent1">
-        <a:tint val="50000"/>
-      </a:schemeClr>
-      <a:schemeClr val="accent2">
-        <a:tint val="20000"/>
-      </a:schemeClr>
-    </dgm:fillClrLst>
-    <dgm:linClrLst meth="repeat">
-      <a:schemeClr val="lt1"/>
-    </dgm:linClrLst>
-    <dgm:effectClrLst/>
-    <dgm:txLinClrLst/>
-    <dgm:txFillClrLst meth="repeat">
-      <a:schemeClr val="lt1"/>
-    </dgm:txFillClrLst>
-    <dgm:txEffectClrLst/>
-  </dgm:styleLbl>
-  <dgm:styleLbl name="bgImgPlace1">
-    <dgm:fillClrLst>
-      <a:schemeClr val="accent1">
-        <a:tint val="50000"/>
-      </a:schemeClr>
-      <a:schemeClr val="accent2">
-        <a:tint val="20000"/>
-      </a:schemeClr>
-    </dgm:fillClrLst>
-    <dgm:linClrLst meth="repeat">
-      <a:schemeClr val="lt1"/>
-    </dgm:linClrLst>
-    <dgm:effectClrLst/>
-    <dgm:txLinClrLst/>
-    <dgm:txFillClrLst meth="repeat">
-      <a:schemeClr val="lt1"/>
-    </dgm:txFillClrLst>
-    <dgm:txEffectClrLst/>
-  </dgm:styleLbl>
-  <dgm:styleLbl name="sibTrans2D1">
-    <dgm:fillClrLst meth="repeat">
-      <a:schemeClr val="accent2"/>
-      <a:schemeClr val="accent3"/>
-      <a:schemeClr val="accent4"/>
-      <a:schemeClr val="accent5"/>
-      <a:schemeClr val="accent6"/>
-    </dgm:fillClrLst>
-    <dgm:linClrLst meth="cycle">
-      <a:schemeClr val="lt1"/>
-    </dgm:linClrLst>
-    <dgm:effectClrLst/>
-    <dgm:txLinClrLst/>
-    <dgm:txFillClrLst/>
-    <dgm:txEffectClrLst/>
-  </dgm:styleLbl>
-  <dgm:styleLbl name="fgSibTrans2D1">
-    <dgm:fillClrLst meth="repeat">
-      <a:schemeClr val="accent2"/>
-      <a:schemeClr val="accent3"/>
-      <a:schemeClr val="accent4"/>
-      <a:schemeClr val="accent5"/>
-      <a:schemeClr val="accent6"/>
-    </dgm:fillClrLst>
-    <dgm:linClrLst meth="cycle">
-      <a:schemeClr val="lt1"/>
-    </dgm:linClrLst>
-    <dgm:effectClrLst/>
-    <dgm:txLinClrLst/>
-    <dgm:txFillClrLst meth="repeat">
-      <a:schemeClr val="lt1"/>
-    </dgm:txFillClrLst>
-    <dgm:txEffectClrLst/>
-  </dgm:styleLbl>
-  <dgm:styleLbl name="bgSibTrans2D1">
-    <dgm:fillClrLst meth="repeat">
-      <a:schemeClr val="accent2"/>
-      <a:schemeClr val="accent3"/>
-      <a:schemeClr val="accent4"/>
-      <a:schemeClr val="accent5"/>
-      <a:schemeClr val="accent6"/>
-    </dgm:fillClrLst>
-    <dgm:linClrLst meth="cycle">
-      <a:schemeClr val="lt1"/>
-    </dgm:linClrLst>
-    <dgm:effectClrLst/>
-    <dgm:txLinClrLst/>
-    <dgm:txFillClrLst meth="repeat">
-      <a:schemeClr val="lt1"/>
-    </dgm:txFillClrLst>
-    <dgm:txEffectClrLst/>
-  </dgm:styleLbl>
-  <dgm:styleLbl name="sibTrans1D1">
-    <dgm:fillClrLst meth="repeat">
-      <a:schemeClr val="accent2"/>
-      <a:schemeClr val="accent3"/>
-      <a:schemeClr val="accent4"/>
-      <a:schemeClr val="accent5"/>
-      <a:schemeClr val="accent6"/>
-    </dgm:fillClrLst>
-    <dgm:linClrLst meth="repeat">
-      <a:schemeClr val="accent2"/>
-      <a:schemeClr val="accent3"/>
-      <a:schemeClr val="accent4"/>
-      <a:schemeClr val="accent5"/>
-      <a:schemeClr val="accent6"/>
-    </dgm:linClrLst>
-    <dgm:effectClrLst/>
-    <dgm:txLinClrLst/>
-    <dgm:txFillClrLst meth="repeat">
-      <a:schemeClr val="tx1"/>
-    </dgm:txFillClrLst>
-    <dgm:txEffectClrLst/>
-  </dgm:styleLbl>
-  <dgm:styleLbl name="callout">
-    <dgm:fillClrLst meth="repeat">
-      <a:schemeClr val="accent2"/>
-    </dgm:fillClrLst>
-    <dgm:linClrLst meth="repeat">
-      <a:schemeClr val="accent2">
-        <a:tint val="50000"/>
-      </a:schemeClr>
-    </dgm:linClrLst>
-    <dgm:effectClrLst/>
-    <dgm:txLinClrLst/>
-    <dgm:txFillClrLst meth="repeat">
-      <a:schemeClr val="tx1"/>
-    </dgm:txFillClrLst>
-    <dgm:txEffectClrLst/>
-  </dgm:styleLbl>
-  <dgm:styleLbl name="asst0">
-    <dgm:fillClrLst meth="repeat">
-      <a:schemeClr val="accent1"/>
-    </dgm:fillClrLst>
-    <dgm:linClrLst meth="repeat">
-      <a:schemeClr val="lt1"/>
-    </dgm:linClrLst>
-    <dgm:effectClrLst/>
-    <dgm:txLinClrLst/>
-    <dgm:txFillClrLst/>
-    <dgm:txEffectClrLst/>
-  </dgm:styleLbl>
-  <dgm:styleLbl name="asst1">
-    <dgm:fillClrLst meth="repeat">
-      <a:schemeClr val="accent2"/>
-    </dgm:fillClrLst>
-    <dgm:linClrLst meth="repeat">
-      <a:schemeClr val="lt1"/>
-    </dgm:linClrLst>
-    <dgm:effectClrLst/>
-    <dgm:txLinClrLst/>
-    <dgm:txFillClrLst/>
-    <dgm:txEffectClrLst/>
-  </dgm:styleLbl>
-  <dgm:styleLbl name="asst2">
-    <dgm:fillClrLst>
-      <a:schemeClr val="accent3"/>
-    </dgm:fillClrLst>
-    <dgm:linClrLst meth="repeat">
-      <a:schemeClr val="lt1"/>
-    </dgm:linClrLst>
-    <dgm:effectClrLst/>
-    <dgm:txLinClrLst/>
-    <dgm:txFillClrLst/>
-    <dgm:txEffectClrLst/>
-  </dgm:styleLbl>
-  <dgm:styleLbl name="asst3">
-    <dgm:fillClrLst>
-      <a:schemeClr val="accent4"/>
-    </dgm:fillClrLst>
-    <dgm:linClrLst meth="repeat">
-      <a:schemeClr val="lt1"/>
-    </dgm:linClrLst>
-    <dgm:effectClrLst/>
-    <dgm:txLinClrLst/>
-    <dgm:txFillClrLst/>
-    <dgm:txEffectClrLst/>
-  </dgm:styleLbl>
-  <dgm:styleLbl name="asst4">
-    <dgm:fillClrLst>
-      <a:schemeClr val="accent5"/>
-    </dgm:fillClrLst>
-    <dgm:linClrLst meth="repeat">
-      <a:schemeClr val="lt1"/>
-    </dgm:linClrLst>
-    <dgm:effectClrLst/>
-    <dgm:txLinClrLst/>
-    <dgm:txFillClrLst/>
-    <dgm:txEffectClrLst/>
-  </dgm:styleLbl>
-  <dgm:styleLbl name="parChTrans2D1">
-    <dgm:fillClrLst meth="repeat">
-      <a:schemeClr val="accent2"/>
-    </dgm:fillClrLst>
-    <dgm:linClrLst meth="repeat">
-      <a:schemeClr val="lt1"/>
-    </dgm:linClrLst>
-    <dgm:effectClrLst/>
-    <dgm:txLinClrLst/>
-    <dgm:txFillClrLst meth="repeat">
-      <a:schemeClr val="lt1"/>
-    </dgm:txFillClrLst>
-    <dgm:txEffectClrLst/>
-  </dgm:styleLbl>
-  <dgm:styleLbl name="parChTrans2D2">
-    <dgm:fillClrLst meth="repeat">
-      <a:schemeClr val="accent3"/>
-    </dgm:fillClrLst>
-    <dgm:linClrLst meth="repeat">
-      <a:schemeClr val="lt1"/>
-    </dgm:linClrLst>
-    <dgm:effectClrLst/>
-    <dgm:txLinClrLst/>
-    <dgm:txFillClrLst/>
-    <dgm:txEffectClrLst/>
-  </dgm:styleLbl>
-  <dgm:styleLbl name="parChTrans2D3">
-    <dgm:fillClrLst meth="repeat">
-      <a:schemeClr val="accent4"/>
-    </dgm:fillClrLst>
-    <dgm:linClrLst meth="repeat">
-      <a:schemeClr val="lt1"/>
-    </dgm:linClrLst>
-    <dgm:effectClrLst/>
-    <dgm:txLinClrLst/>
-    <dgm:txFillClrLst/>
-    <dgm:txEffectClrLst/>
-  </dgm:styleLbl>
-  <dgm:styleLbl name="parChTrans2D4">
-    <dgm:fillClrLst meth="repeat">
-      <a:schemeClr val="accent5"/>
-    </dgm:fillClrLst>
-    <dgm:linClrLst meth="repeat">
-      <a:schemeClr val="lt1"/>
-    </dgm:linClrLst>
-    <dgm:effectClrLst/>
-    <dgm:txLinClrLst/>
-    <dgm:txFillClrLst meth="repeat">
-      <a:schemeClr val="lt1"/>
-    </dgm:txFillClrLst>
-    <dgm:txEffectClrLst/>
-  </dgm:styleLbl>
-  <dgm:styleLbl name="parChTrans1D1">
-    <dgm:fillClrLst meth="repeat">
-      <a:schemeClr val="accent2"/>
-    </dgm:fillClrLst>
-    <dgm:linClrLst meth="repeat">
-      <a:schemeClr val="accent1"/>
-    </dgm:linClrLst>
-    <dgm:effectClrLst/>
-    <dgm:txLinClrLst/>
-    <dgm:txFillClrLst meth="repeat">
-      <a:schemeClr val="tx1"/>
-    </dgm:txFillClrLst>
-    <dgm:txEffectClrLst/>
-  </dgm:styleLbl>
-  <dgm:styleLbl name="parChTrans1D2">
-    <dgm:fillClrLst meth="repeat">
-      <a:schemeClr val="accent3">
-        <a:tint val="90000"/>
-      </a:schemeClr>
-    </dgm:fillClrLst>
-    <dgm:linClrLst meth="repeat">
-      <a:schemeClr val="accent2"/>
-    </dgm:linClrLst>
-    <dgm:effectClrLst/>
-    <dgm:txLinClrLst/>
-    <dgm:txFillClrLst meth="repeat">
-      <a:schemeClr val="tx1"/>
-    </dgm:txFillClrLst>
-    <dgm:txEffectClrLst/>
-  </dgm:styleLbl>
-  <dgm:styleLbl name="parChTrans1D3">
-    <dgm:fillClrLst meth="repeat">
-      <a:schemeClr val="accent4">
-        <a:tint val="70000"/>
-      </a:schemeClr>
-    </dgm:fillClrLst>
-    <dgm:linClrLst meth="repeat">
-      <a:schemeClr val="accent3"/>
-    </dgm:linClrLst>
-    <dgm:effectClrLst/>
-    <dgm:txLinClrLst/>
-    <dgm:txFillClrLst meth="repeat">
-      <a:schemeClr val="tx1"/>
-    </dgm:txFillClrLst>
-    <dgm:txEffectClrLst/>
-  </dgm:styleLbl>
-  <dgm:styleLbl name="parChTrans1D4">
-    <dgm:fillClrLst meth="repeat">
-      <a:schemeClr val="accent5">
-        <a:tint val="50000"/>
-      </a:schemeClr>
-    </dgm:fillClrLst>
-    <dgm:linClrLst meth="repeat">
-      <a:schemeClr val="accent4"/>
-    </dgm:linClrLst>
-    <dgm:effectClrLst/>
-    <dgm:txLinClrLst/>
-    <dgm:txFillClrLst meth="repeat">
-      <a:schemeClr val="tx1"/>
-    </dgm:txFillClrLst>
-    <dgm:txEffectClrLst/>
-  </dgm:styleLbl>
-  <dgm:styleLbl name="fgAcc1">
-    <dgm:fillClrLst meth="repeat">
-      <a:schemeClr val="lt1">
-        <a:alpha val="90000"/>
-      </a:schemeClr>
-    </dgm:fillClrLst>
-    <dgm:linClrLst meth="repeat">
-      <a:schemeClr val="accent2"/>
-      <a:schemeClr val="accent3"/>
-      <a:schemeClr val="accent4"/>
-      <a:schemeClr val="accent5"/>
-      <a:schemeClr val="accent6"/>
-    </dgm:linClrLst>
-    <dgm:effectClrLst/>
-    <dgm:txLinClrLst/>
-    <dgm:txFillClrLst meth="repeat">
-      <a:schemeClr val="dk1"/>
-    </dgm:txFillClrLst>
-    <dgm:txEffectClrLst/>
-  </dgm:styleLbl>
-  <dgm:styleLbl name="conFgAcc1">
-    <dgm:fillClrLst meth="repeat">
-      <a:schemeClr val="lt1">
-        <a:alpha val="90000"/>
-      </a:schemeClr>
-    </dgm:fillClrLst>
-    <dgm:linClrLst meth="repeat">
-      <a:schemeClr val="accent2"/>
-      <a:schemeClr val="accent3"/>
-      <a:schemeClr val="accent4"/>
-      <a:schemeClr val="accent5"/>
-      <a:schemeClr val="accent6"/>
-    </dgm:linClrLst>
-    <dgm:effectClrLst/>
-    <dgm:txLinClrLst/>
-    <dgm:txFillClrLst meth="repeat">
-      <a:schemeClr val="dk1"/>
-    </dgm:txFillClrLst>
-    <dgm:txEffectClrLst/>
-  </dgm:styleLbl>
-  <dgm:styleLbl name="alignAcc1">
-    <dgm:fillClrLst meth="repeat">
-      <a:schemeClr val="lt1">
-        <a:alpha val="90000"/>
-      </a:schemeClr>
-    </dgm:fillClrLst>
-    <dgm:linClrLst meth="repeat">
-      <a:schemeClr val="accent2"/>
-      <a:schemeClr val="accent3"/>
-      <a:schemeClr val="accent4"/>
-      <a:schemeClr val="accent5"/>
-      <a:schemeClr val="accent6"/>
-    </dgm:linClrLst>
-    <dgm:effectClrLst/>
-    <dgm:txLinClrLst/>
-    <dgm:txFillClrLst meth="repeat">
-      <a:schemeClr val="dk1"/>
-    </dgm:txFillClrLst>
-    <dgm:txEffectClrLst/>
-  </dgm:styleLbl>
-  <dgm:styleLbl name="trAlignAcc1">
-    <dgm:fillClrLst meth="repeat">
-      <a:schemeClr val="lt1">
-        <a:alpha val="40000"/>
-      </a:schemeClr>
-    </dgm:fillClrLst>
-    <dgm:linClrLst meth="repeat">
-      <a:schemeClr val="accent1"/>
-    </dgm:linClrLst>
-    <dgm:effectClrLst/>
-    <dgm:txLinClrLst/>
-    <dgm:txFillClrLst meth="repeat">
-      <a:schemeClr val="dk1"/>
-    </dgm:txFillClrLst>
-    <dgm:txEffectClrLst/>
-  </dgm:styleLbl>
-  <dgm:styleLbl name="bgAcc1">
-    <dgm:fillClrLst meth="repeat">
-      <a:schemeClr val="lt1">
-        <a:alpha val="90000"/>
-      </a:schemeClr>
-    </dgm:fillClrLst>
-    <dgm:linClrLst meth="repeat">
-      <a:schemeClr val="accent2"/>
-      <a:schemeClr val="accent3"/>
-      <a:schemeClr val="accent4"/>
-      <a:schemeClr val="accent5"/>
-      <a:schemeClr val="accent6"/>
-    </dgm:linClrLst>
-    <dgm:effectClrLst/>
-    <dgm:txLinClrLst/>
-    <dgm:txFillClrLst meth="repeat">
-      <a:schemeClr val="dk1"/>
-    </dgm:txFillClrLst>
-    <dgm:txEffectClrLst/>
-  </dgm:styleLbl>
-  <dgm:styleLbl name="solidFgAcc1">
-    <dgm:fillClrLst meth="repeat">
-      <a:schemeClr val="lt1"/>
-    </dgm:fillClrLst>
-    <dgm:linClrLst meth="repeat">
-      <a:schemeClr val="accent2"/>
-      <a:schemeClr val="accent3"/>
-      <a:schemeClr val="accent4"/>
-      <a:schemeClr val="accent5"/>
-      <a:schemeClr val="accent6"/>
-    </dgm:linClrLst>
-    <dgm:effectClrLst/>
-    <dgm:txLinClrLst/>
-    <dgm:txFillClrLst meth="repeat">
-      <a:schemeClr val="dk1"/>
-    </dgm:txFillClrLst>
-    <dgm:txEffectClrLst/>
-  </dgm:styleLbl>
-  <dgm:styleLbl name="solidAlignAcc1">
-    <dgm:fillClrLst meth="repeat">
-      <a:schemeClr val="lt1"/>
-    </dgm:fillClrLst>
-    <dgm:linClrLst meth="repeat">
-      <a:schemeClr val="accent2"/>
-      <a:schemeClr val="accent3"/>
-      <a:schemeClr val="accent4"/>
-      <a:schemeClr val="accent5"/>
-      <a:schemeClr val="accent6"/>
-    </dgm:linClrLst>
-    <dgm:effectClrLst/>
-    <dgm:txLinClrLst/>
-    <dgm:txFillClrLst meth="repeat">
-      <a:schemeClr val="dk1"/>
-    </dgm:txFillClrLst>
-    <dgm:txEffectClrLst/>
-  </dgm:styleLbl>
-  <dgm:styleLbl name="solidBgAcc1">
-    <dgm:fillClrLst meth="repeat">
-      <a:schemeClr val="lt1"/>
-    </dgm:fillClrLst>
-    <dgm:linClrLst meth="repeat">
-      <a:schemeClr val="accent2"/>
-      <a:schemeClr val="accent3"/>
-      <a:schemeClr val="accent4"/>
-      <a:schemeClr val="accent5"/>
-      <a:schemeClr val="accent6"/>
-    </dgm:linClrLst>
-    <dgm:effectClrLst/>
-    <dgm:txLinClrLst/>
-    <dgm:txFillClrLst meth="repeat">
-      <a:schemeClr val="dk1"/>
-    </dgm:txFillClrLst>
-    <dgm:txEffectClrLst/>
-  </dgm:styleLbl>
-  <dgm:styleLbl name="fgAccFollowNode1">
-    <dgm:fillClrLst meth="repeat">
-      <a:schemeClr val="accent2">
-        <a:tint val="40000"/>
-        <a:alpha val="90000"/>
-      </a:schemeClr>
-      <a:schemeClr val="accent3">
-        <a:tint val="40000"/>
-        <a:alpha val="90000"/>
-      </a:schemeClr>
-      <a:schemeClr val="accent4">
-        <a:tint val="40000"/>
-        <a:alpha val="90000"/>
-      </a:schemeClr>
-      <a:schemeClr val="accent5">
-        <a:tint val="40000"/>
-        <a:alpha val="90000"/>
-      </a:schemeClr>
-      <a:schemeClr val="accent6">
-        <a:tint val="40000"/>
-        <a:alpha val="90000"/>
-      </a:schemeClr>
-    </dgm:fillClrLst>
-    <dgm:linClrLst meth="repeat">
-      <a:schemeClr val="accent2">
-        <a:tint val="40000"/>
-        <a:alpha val="90000"/>
-      </a:schemeClr>
-      <a:schemeClr val="accent3">
-        <a:tint val="40000"/>
-        <a:alpha val="90000"/>
-      </a:schemeClr>
-      <a:schemeClr val="accent4">
-        <a:tint val="40000"/>
-        <a:alpha val="90000"/>
-      </a:schemeClr>
-      <a:schemeClr val="accent5">
-        <a:tint val="40000"/>
-        <a:alpha val="90000"/>
-      </a:schemeClr>
-      <a:schemeClr val="accent6">
-        <a:tint val="40000"/>
-        <a:alpha val="90000"/>
-      </a:schemeClr>
-    </dgm:linClrLst>
-    <dgm:effectClrLst/>
-    <dgm:txLinClrLst/>
-    <dgm:txFillClrLst meth="repeat">
-      <a:schemeClr val="dk1"/>
-    </dgm:txFillClrLst>
-    <dgm:txEffectClrLst/>
-  </dgm:styleLbl>
-  <dgm:styleLbl name="alignAccFollowNode1">
-    <dgm:fillClrLst meth="repeat">
-      <a:schemeClr val="accent2">
-        <a:tint val="40000"/>
-        <a:alpha val="90000"/>
-      </a:schemeClr>
-      <a:schemeClr val="accent3">
-        <a:tint val="40000"/>
-        <a:alpha val="90000"/>
-      </a:schemeClr>
-      <a:schemeClr val="accent4">
-        <a:tint val="40000"/>
-        <a:alpha val="90000"/>
-      </a:schemeClr>
-      <a:schemeClr val="accent5">
-        <a:tint val="40000"/>
-        <a:alpha val="90000"/>
-      </a:schemeClr>
-      <a:schemeClr val="accent6">
-        <a:tint val="40000"/>
-        <a:alpha val="90000"/>
-      </a:schemeClr>
-    </dgm:fillClrLst>
-    <dgm:linClrLst meth="repeat">
-      <a:schemeClr val="accent2">
-        <a:tint val="40000"/>
-        <a:alpha val="90000"/>
-      </a:schemeClr>
-      <a:schemeClr val="accent3">
-        <a:tint val="40000"/>
-        <a:alpha val="90000"/>
-      </a:schemeClr>
-      <a:schemeClr val="accent4">
-        <a:tint val="40000"/>
-        <a:alpha val="90000"/>
-      </a:schemeClr>
-      <a:schemeClr val="accent5">
-        <a:tint val="40000"/>
-        <a:alpha val="90000"/>
-      </a:schemeClr>
-      <a:schemeClr val="accent6">
-        <a:tint val="40000"/>
-        <a:alpha val="90000"/>
-      </a:schemeClr>
-    </dgm:linClrLst>
-    <dgm:effectClrLst/>
-    <dgm:txLinClrLst/>
-    <dgm:txFillClrLst meth="repeat">
-      <a:schemeClr val="dk1"/>
-    </dgm:txFillClrLst>
-    <dgm:txEffectClrLst/>
-  </dgm:styleLbl>
-  <dgm:styleLbl name="bgAccFollowNode1">
-    <dgm:fillClrLst meth="repeat">
-      <a:schemeClr val="accent2">
-        <a:tint val="40000"/>
-        <a:alpha val="90000"/>
-      </a:schemeClr>
-      <a:schemeClr val="accent3">
-        <a:tint val="40000"/>
-        <a:alpha val="90000"/>
-      </a:schemeClr>
-      <a:schemeClr val="accent4">
-        <a:tint val="40000"/>
-        <a:alpha val="90000"/>
-      </a:schemeClr>
-      <a:schemeClr val="accent5">
-        <a:tint val="40000"/>
-        <a:alpha val="90000"/>
-      </a:schemeClr>
-      <a:schemeClr val="accent6">
-        <a:tint val="40000"/>
-        <a:alpha val="90000"/>
-      </a:schemeClr>
-    </dgm:fillClrLst>
-    <dgm:linClrLst meth="repeat">
-      <a:schemeClr val="accent2">
-        <a:tint val="40000"/>
-        <a:alpha val="90000"/>
-      </a:schemeClr>
-      <a:schemeClr val="accent3">
-        <a:tint val="40000"/>
-        <a:alpha val="90000"/>
-      </a:schemeClr>
-      <a:schemeClr val="accent4">
-        <a:tint val="40000"/>
-        <a:alpha val="90000"/>
-      </a:schemeClr>
-      <a:schemeClr val="accent5">
-        <a:tint val="40000"/>
-        <a:alpha val="90000"/>
-      </a:schemeClr>
-      <a:schemeClr val="accent6">
-        <a:tint val="40000"/>
-        <a:alpha val="90000"/>
-      </a:schemeClr>
-    </dgm:linClrLst>
-    <dgm:effectClrLst/>
-    <dgm:txLinClrLst/>
-    <dgm:txFillClrLst meth="repeat">
-      <a:schemeClr val="dk1"/>
-    </dgm:txFillClrLst>
-    <dgm:txEffectClrLst/>
-  </dgm:styleLbl>
-  <dgm:styleLbl name="fgAcc0">
-    <dgm:fillClrLst meth="repeat">
-      <a:schemeClr val="lt1">
-        <a:alpha val="90000"/>
-      </a:schemeClr>
-    </dgm:fillClrLst>
-    <dgm:linClrLst>
-      <a:schemeClr val="accent1"/>
-    </dgm:linClrLst>
-    <dgm:effectClrLst/>
-    <dgm:txLinClrLst/>
-    <dgm:txFillClrLst meth="repeat">
-      <a:schemeClr val="dk1"/>
-    </dgm:txFillClrLst>
-    <dgm:txEffectClrLst/>
-  </dgm:styleLbl>
-  <dgm:styleLbl name="fgAcc2">
-    <dgm:fillClrLst meth="repeat">
-      <a:schemeClr val="lt1">
-        <a:alpha val="90000"/>
-      </a:schemeClr>
-    </dgm:fillClrLst>
-    <dgm:linClrLst>
-      <a:schemeClr val="accent2"/>
-    </dgm:linClrLst>
-    <dgm:effectClrLst/>
-    <dgm:txLinClrLst/>
-    <dgm:txFillClrLst meth="repeat">
-      <a:schemeClr val="dk1"/>
-    </dgm:txFillClrLst>
-    <dgm:txEffectClrLst/>
-  </dgm:styleLbl>
-  <dgm:styleLbl name="fgAcc3">
-    <dgm:fillClrLst meth="repeat">
-      <a:schemeClr val="lt1">
-        <a:alpha val="90000"/>
-      </a:schemeClr>
-    </dgm:fillClrLst>
-    <dgm:linClrLst>
-      <a:schemeClr val="accent3"/>
-    </dgm:linClrLst>
-    <dgm:effectClrLst/>
-    <dgm:txLinClrLst/>
-    <dgm:txFillClrLst meth="repeat">
-      <a:schemeClr val="dk1"/>
-    </dgm:txFillClrLst>
-    <dgm:txEffectClrLst/>
-  </dgm:styleLbl>
-  <dgm:styleLbl name="fgAcc4">
-    <dgm:fillClrLst meth="repeat">
-      <a:schemeClr val="lt1">
-        <a:alpha val="90000"/>
-      </a:schemeClr>
-    </dgm:fillClrLst>
-    <dgm:linClrLst>
-      <a:schemeClr val="accent4"/>
-    </dgm:linClrLst>
-    <dgm:effectClrLst/>
-    <dgm:txLinClrLst/>
-    <dgm:txFillClrLst meth="repeat">
-      <a:schemeClr val="dk1"/>
-    </dgm:txFillClrLst>
-    <dgm:txEffectClrLst/>
-  </dgm:styleLbl>
-  <dgm:styleLbl name="bgShp">
-    <dgm:fillClrLst meth="repeat">
-      <a:schemeClr val="accent2">
-        <a:tint val="40000"/>
-      </a:schemeClr>
-    </dgm:fillClrLst>
-    <dgm:linClrLst meth="repeat">
-      <a:schemeClr val="dk1"/>
-    </dgm:linClrLst>
-    <dgm:effectClrLst/>
-    <dgm:txLinClrLst/>
-    <dgm:txFillClrLst meth="repeat">
-      <a:schemeClr val="dk1"/>
-    </dgm:txFillClrLst>
-    <dgm:txEffectClrLst/>
-  </dgm:styleLbl>
-  <dgm:styleLbl name="dkBgShp">
-    <dgm:fillClrLst meth="repeat">
-      <a:schemeClr val="accent2">
-        <a:shade val="90000"/>
-      </a:schemeClr>
-    </dgm:fillClrLst>
-    <dgm:linClrLst meth="repeat">
-      <a:schemeClr val="dk1"/>
-    </dgm:linClrLst>
-    <dgm:effectClrLst/>
-    <dgm:txLinClrLst/>
-    <dgm:txFillClrLst meth="repeat">
-      <a:schemeClr val="lt1"/>
-    </dgm:txFillClrLst>
-    <dgm:txEffectClrLst/>
-  </dgm:styleLbl>
-  <dgm:styleLbl name="trBgShp">
-    <dgm:fillClrLst meth="repeat">
-      <a:schemeClr val="accent1">
-        <a:tint val="50000"/>
-        <a:alpha val="40000"/>
-      </a:schemeClr>
-    </dgm:fillClrLst>
-    <dgm:linClrLst meth="repeat">
-      <a:schemeClr val="accent2"/>
-    </dgm:linClrLst>
-    <dgm:effectClrLst/>
-    <dgm:txLinClrLst/>
-    <dgm:txFillClrLst meth="repeat">
-      <a:schemeClr val="lt1"/>
-    </dgm:txFillClrLst>
-    <dgm:txEffectClrLst/>
-  </dgm:styleLbl>
-  <dgm:styleLbl name="fgShp">
-    <dgm:fillClrLst meth="repeat">
-      <a:schemeClr val="accent2">
-        <a:tint val="40000"/>
-      </a:schemeClr>
-    </dgm:fillClrLst>
-    <dgm:linClrLst meth="repeat">
-      <a:schemeClr val="lt1"/>
-    </dgm:linClrLst>
-    <dgm:effectClrLst/>
-    <dgm:txLinClrLst/>
-    <dgm:txFillClrLst meth="repeat">
-      <a:schemeClr val="dk1"/>
-    </dgm:txFillClrLst>
-    <dgm:txEffectClrLst/>
-  </dgm:styleLbl>
-  <dgm:styleLbl name="revTx">
-    <dgm:fillClrLst meth="repeat">
-      <a:schemeClr val="lt1">
-        <a:alpha val="0"/>
-      </a:schemeClr>
-    </dgm:fillClrLst>
-    <dgm:linClrLst meth="repeat">
-      <a:schemeClr val="dk1">
-        <a:alpha val="0"/>
-      </a:schemeClr>
-    </dgm:linClrLst>
-    <dgm:effectClrLst/>
-    <dgm:txLinClrLst/>
-    <dgm:txFillClrLst meth="repeat">
-      <a:schemeClr val="tx1"/>
-    </dgm:txFillClrLst>
-    <dgm:txEffectClrLst/>
-  </dgm:styleLbl>
-</dgm:colorsDef>
-</file>
-
-<file path=ppt/diagrams/colors3.xml><?xml version="1.0" encoding="utf-8"?>
 <dgm:colorsDef xmlns:dgm="http://schemas.openxmlformats.org/drawingml/2006/diagram" xmlns:a="http://schemas.openxmlformats.org/drawingml/2006/main" uniqueId="urn:microsoft.com/office/officeart/2005/8/colors/colorful1">
   <dgm:title val=""/>
   <dgm:desc val=""/>
@@ -6637,45 +4741,45 @@
     </dgm:pt>
   </dgm:ptLst>
   <dgm:cxnLst>
-    <dgm:cxn modelId="{6380C4C7-4EBB-43A2-9301-54A5C9841434}" type="presOf" srcId="{FAAD98B4-2CE9-4214-8BB6-F03CEEE572FF}" destId="{4D58B8E3-ABF3-466F-BE72-A1334046C3F4}" srcOrd="0" destOrd="2" presId="urn:microsoft.com/office/officeart/2005/8/layout/cycle4"/>
+    <dgm:cxn modelId="{32D9F149-C2A1-4DD8-A69C-877BCA8D5EDD}" type="presOf" srcId="{FAAD98B4-2CE9-4214-8BB6-F03CEEE572FF}" destId="{38CD6BD6-D3E2-4B97-8665-48065905F491}" srcOrd="1" destOrd="2" presId="urn:microsoft.com/office/officeart/2005/8/layout/cycle4"/>
+    <dgm:cxn modelId="{32486DDC-2E79-4178-8461-4BC45C795BB2}" srcId="{01A583E1-6537-45F8-AE09-C85491C9FC1D}" destId="{F9BE74C9-EC7E-4268-8C5A-882B3EFFF8FD}" srcOrd="3" destOrd="0" parTransId="{EA0E44FE-C617-463A-B76E-A9DC58753A03}" sibTransId="{0967E1B8-BCB6-4EBC-AE86-D9382359FC3F}"/>
+    <dgm:cxn modelId="{CB0B1B1A-10F9-41F1-A66F-C247C25FE7E2}" type="presOf" srcId="{618CC25E-9050-4FB6-9F11-CAFC660578FC}" destId="{382DE9F5-C159-437A-AA3E-CE93A76C5FDC}" srcOrd="0" destOrd="0" presId="urn:microsoft.com/office/officeart/2005/8/layout/cycle4"/>
+    <dgm:cxn modelId="{6F2C1348-DD44-4E86-9478-89C1CF069569}" srcId="{01A583E1-6537-45F8-AE09-C85491C9FC1D}" destId="{2BBE2155-4658-4D02-8319-6DF4106EA8CC}" srcOrd="1" destOrd="0" parTransId="{3724DD7C-05CC-4DEB-8DAD-8B592C981C96}" sibTransId="{632890C8-ECA2-44D8-9A94-863A64665BBC}"/>
+    <dgm:cxn modelId="{00B4959F-898B-4380-9C95-B6E29A75A95C}" type="presOf" srcId="{618CC25E-9050-4FB6-9F11-CAFC660578FC}" destId="{7BE406E3-09FD-43B4-AAF9-51FAB58146A3}" srcOrd="1" destOrd="0" presId="urn:microsoft.com/office/officeart/2005/8/layout/cycle4"/>
+    <dgm:cxn modelId="{02D76481-2E62-4BA9-9F42-AE33CB3B6F3E}" type="presOf" srcId="{E5ACC793-F455-4177-B2A7-6FC33C9C1025}" destId="{C05EAFFC-2644-44E2-967D-B53235C71A38}" srcOrd="1" destOrd="3" presId="urn:microsoft.com/office/officeart/2005/8/layout/cycle4"/>
     <dgm:cxn modelId="{5900A8BD-7DF5-411F-BDC8-2899BCECAF71}" type="presOf" srcId="{2BFBAB07-2C4C-4FAB-9052-FFD3F4A28A9E}" destId="{C05EAFFC-2644-44E2-967D-B53235C71A38}" srcOrd="1" destOrd="1" presId="urn:microsoft.com/office/officeart/2005/8/layout/cycle4"/>
-    <dgm:cxn modelId="{9BF38558-2481-46D5-AB3E-FC48BBE62666}" srcId="{F9BE74C9-EC7E-4268-8C5A-882B3EFFF8FD}" destId="{E5ACC793-F455-4177-B2A7-6FC33C9C1025}" srcOrd="3" destOrd="0" parTransId="{F3D91DD1-F12E-4C5D-82CF-86CF95B338AA}" sibTransId="{0E3913D7-3C7B-49AF-9134-A90315714B9E}"/>
-    <dgm:cxn modelId="{7F659E51-2E2F-40FF-9479-2FD7E732DF62}" type="presOf" srcId="{2D6962E4-72B9-4B1E-B258-246893A88E0D}" destId="{60DA8870-9857-4057-BC91-DD9B798F041F}" srcOrd="0" destOrd="0" presId="urn:microsoft.com/office/officeart/2005/8/layout/cycle4"/>
-    <dgm:cxn modelId="{9991E351-28AB-47A6-8963-A9D299DB8675}" type="presOf" srcId="{989E09AB-A343-466C-BC14-C765FC9A1DD7}" destId="{4D58B8E3-ABF3-466F-BE72-A1334046C3F4}" srcOrd="0" destOrd="1" presId="urn:microsoft.com/office/officeart/2005/8/layout/cycle4"/>
-    <dgm:cxn modelId="{CB0B1B1A-10F9-41F1-A66F-C247C25FE7E2}" type="presOf" srcId="{618CC25E-9050-4FB6-9F11-CAFC660578FC}" destId="{382DE9F5-C159-437A-AA3E-CE93A76C5FDC}" srcOrd="0" destOrd="0" presId="urn:microsoft.com/office/officeart/2005/8/layout/cycle4"/>
-    <dgm:cxn modelId="{32486DDC-2E79-4178-8461-4BC45C795BB2}" srcId="{01A583E1-6537-45F8-AE09-C85491C9FC1D}" destId="{F9BE74C9-EC7E-4268-8C5A-882B3EFFF8FD}" srcOrd="3" destOrd="0" parTransId="{EA0E44FE-C617-463A-B76E-A9DC58753A03}" sibTransId="{0967E1B8-BCB6-4EBC-AE86-D9382359FC3F}"/>
-    <dgm:cxn modelId="{EDDAA38D-6E30-4543-B0F1-EAA9A6A477C7}" srcId="{01A583E1-6537-45F8-AE09-C85491C9FC1D}" destId="{2D6962E4-72B9-4B1E-B258-246893A88E0D}" srcOrd="0" destOrd="0" parTransId="{5502C073-0884-4CFE-A849-62990833CEE5}" sibTransId="{0E9043AA-3D92-4FE3-8FA8-E174F20EB8FF}"/>
+    <dgm:cxn modelId="{EDA00CFB-CF50-47D2-9DB9-9D5DE58CAD7E}" srcId="{2D6962E4-72B9-4B1E-B258-246893A88E0D}" destId="{989E09AB-A343-466C-BC14-C765FC9A1DD7}" srcOrd="1" destOrd="0" parTransId="{288B4C8E-3DA7-4373-926B-0E2EBA929F32}" sibTransId="{FB5D77EC-83C1-4323-ACE4-4842959B2E06}"/>
+    <dgm:cxn modelId="{F41F6067-9583-4D97-9E45-7AAACB397DC1}" srcId="{01A583E1-6537-45F8-AE09-C85491C9FC1D}" destId="{5BCD62D5-23CD-4A5A-A476-269CE76914DC}" srcOrd="2" destOrd="0" parTransId="{C274F423-C9C0-423A-80FB-84C18F1C3BA8}" sibTransId="{6CCF063A-E379-49B3-9CC0-57BB9F2B8432}"/>
+    <dgm:cxn modelId="{67308CEA-9FD1-426E-BDAA-B330570BC27C}" type="presOf" srcId="{23580231-228D-4259-948C-ECAED9FB6BBD}" destId="{22A0A0BC-6367-462E-93A8-CA8C46FCDCA0}" srcOrd="0" destOrd="0" presId="urn:microsoft.com/office/officeart/2005/8/layout/cycle4"/>
     <dgm:cxn modelId="{DE7E25E1-0419-411E-8CE9-67B65CD394AF}" type="presOf" srcId="{7095E70B-7EFB-4733-BA44-C4BB0599979F}" destId="{38CD6BD6-D3E2-4B97-8665-48065905F491}" srcOrd="1" destOrd="3" presId="urn:microsoft.com/office/officeart/2005/8/layout/cycle4"/>
-    <dgm:cxn modelId="{0867E0A3-B749-4FC7-AFD8-611582642A56}" srcId="{5BCD62D5-23CD-4A5A-A476-269CE76914DC}" destId="{618CC25E-9050-4FB6-9F11-CAFC660578FC}" srcOrd="0" destOrd="0" parTransId="{892FDF72-278A-4E94-A52C-C9A43137F613}" sibTransId="{E48127D6-89B0-4F87-A1F9-517011A96A5B}"/>
-    <dgm:cxn modelId="{EDA00CFB-CF50-47D2-9DB9-9D5DE58CAD7E}" srcId="{2D6962E4-72B9-4B1E-B258-246893A88E0D}" destId="{989E09AB-A343-466C-BC14-C765FC9A1DD7}" srcOrd="1" destOrd="0" parTransId="{288B4C8E-3DA7-4373-926B-0E2EBA929F32}" sibTransId="{FB5D77EC-83C1-4323-ACE4-4842959B2E06}"/>
-    <dgm:cxn modelId="{5474BC8E-7785-4D13-A4F3-61EF990ED269}" type="presOf" srcId="{F8507812-6291-4C9B-AA0B-B8AF3A68427D}" destId="{22A0A0BC-6367-462E-93A8-CA8C46FCDCA0}" srcOrd="0" destOrd="2" presId="urn:microsoft.com/office/officeart/2005/8/layout/cycle4"/>
-    <dgm:cxn modelId="{41218EDB-BD90-4410-89D0-F42795B77442}" type="presOf" srcId="{F9BE74C9-EC7E-4268-8C5A-882B3EFFF8FD}" destId="{809A40DB-630A-4CA0-804D-1A67767C019F}" srcOrd="0" destOrd="0" presId="urn:microsoft.com/office/officeart/2005/8/layout/cycle4"/>
+    <dgm:cxn modelId="{C729B709-07FE-42F4-AAEB-B07A501F7CBF}" type="presOf" srcId="{2BBE2155-4658-4D02-8319-6DF4106EA8CC}" destId="{147178AE-0CD4-4FA3-A352-95F7DEF02040}" srcOrd="0" destOrd="0" presId="urn:microsoft.com/office/officeart/2005/8/layout/cycle4"/>
+    <dgm:cxn modelId="{25B6265F-DE51-4D72-88A4-F99F10356E86}" srcId="{F9BE74C9-EC7E-4268-8C5A-882B3EFFF8FD}" destId="{2BFBAB07-2C4C-4FAB-9052-FFD3F4A28A9E}" srcOrd="1" destOrd="0" parTransId="{40C55B56-8FA6-4369-9144-9E433D309CBB}" sibTransId="{7A024E95-77FA-4074-8271-31A91DA4713B}"/>
     <dgm:cxn modelId="{7647034C-6B12-4E3A-BEA0-6005F318DA9E}" type="presOf" srcId="{490168AD-E14E-4940-8CC2-7C35F66AB41B}" destId="{BD656469-D70B-4710-B138-3ED38F1BD8E1}" srcOrd="1" destOrd="0" presId="urn:microsoft.com/office/officeart/2005/8/layout/cycle4"/>
-    <dgm:cxn modelId="{C729B709-07FE-42F4-AAEB-B07A501F7CBF}" type="presOf" srcId="{2BBE2155-4658-4D02-8319-6DF4106EA8CC}" destId="{147178AE-0CD4-4FA3-A352-95F7DEF02040}" srcOrd="0" destOrd="0" presId="urn:microsoft.com/office/officeart/2005/8/layout/cycle4"/>
-    <dgm:cxn modelId="{E4D73487-C5B1-4EB2-AF38-71DF0EBFDB67}" type="presOf" srcId="{7095E70B-7EFB-4733-BA44-C4BB0599979F}" destId="{4D58B8E3-ABF3-466F-BE72-A1334046C3F4}" srcOrd="0" destOrd="3" presId="urn:microsoft.com/office/officeart/2005/8/layout/cycle4"/>
-    <dgm:cxn modelId="{4665B531-CE39-4D8D-9C92-1B0A97DBEF06}" srcId="{2BBE2155-4658-4D02-8319-6DF4106EA8CC}" destId="{490168AD-E14E-4940-8CC2-7C35F66AB41B}" srcOrd="0" destOrd="0" parTransId="{F8E86141-CA5C-4FD7-B090-BDC097EE9ED9}" sibTransId="{409F351B-3747-4E3C-89C6-F2C76F7C931A}"/>
-    <dgm:cxn modelId="{1695E917-4CB0-460A-9E6B-4DF46E74DE66}" type="presOf" srcId="{490168AD-E14E-4940-8CC2-7C35F66AB41B}" destId="{53094224-E102-4C09-9604-A3E90CFD0EB5}" srcOrd="0" destOrd="0" presId="urn:microsoft.com/office/officeart/2005/8/layout/cycle4"/>
-    <dgm:cxn modelId="{DCB35549-6653-457E-A1A3-3F1DB9F48EB2}" srcId="{F9BE74C9-EC7E-4268-8C5A-882B3EFFF8FD}" destId="{F8507812-6291-4C9B-AA0B-B8AF3A68427D}" srcOrd="2" destOrd="0" parTransId="{4F2F02B6-C766-433A-873A-91091688269D}" sibTransId="{380A3AC5-BB38-4979-8AA3-011E077F4CA2}"/>
-    <dgm:cxn modelId="{784002D3-341F-4DF0-9345-0B1634589798}" type="presOf" srcId="{2B41BF75-F5C8-4255-892F-6328E5A9E688}" destId="{38CD6BD6-D3E2-4B97-8665-48065905F491}" srcOrd="1" destOrd="0" presId="urn:microsoft.com/office/officeart/2005/8/layout/cycle4"/>
-    <dgm:cxn modelId="{00B4959F-898B-4380-9C95-B6E29A75A95C}" type="presOf" srcId="{618CC25E-9050-4FB6-9F11-CAFC660578FC}" destId="{7BE406E3-09FD-43B4-AAF9-51FAB58146A3}" srcOrd="1" destOrd="0" presId="urn:microsoft.com/office/officeart/2005/8/layout/cycle4"/>
-    <dgm:cxn modelId="{5BB7FEFC-FF0F-40F9-85B4-B338B4BD98A3}" srcId="{F9BE74C9-EC7E-4268-8C5A-882B3EFFF8FD}" destId="{23580231-228D-4259-948C-ECAED9FB6BBD}" srcOrd="0" destOrd="0" parTransId="{CB1BEA55-1E25-49B4-8245-B386B1EBDAB7}" sibTransId="{EF2DA803-88D8-4CC3-A191-D63C166FB7FF}"/>
-    <dgm:cxn modelId="{9BAD8EFF-9B32-4433-B605-9BFDB094AF74}" type="presOf" srcId="{989E09AB-A343-466C-BC14-C765FC9A1DD7}" destId="{38CD6BD6-D3E2-4B97-8665-48065905F491}" srcOrd="1" destOrd="1" presId="urn:microsoft.com/office/officeart/2005/8/layout/cycle4"/>
-    <dgm:cxn modelId="{25B6265F-DE51-4D72-88A4-F99F10356E86}" srcId="{F9BE74C9-EC7E-4268-8C5A-882B3EFFF8FD}" destId="{2BFBAB07-2C4C-4FAB-9052-FFD3F4A28A9E}" srcOrd="1" destOrd="0" parTransId="{40C55B56-8FA6-4369-9144-9E433D309CBB}" sibTransId="{7A024E95-77FA-4074-8271-31A91DA4713B}"/>
-    <dgm:cxn modelId="{1C4B7B5B-5A26-4FB7-B7A4-76D489C60865}" srcId="{2D6962E4-72B9-4B1E-B258-246893A88E0D}" destId="{FAAD98B4-2CE9-4214-8BB6-F03CEEE572FF}" srcOrd="2" destOrd="0" parTransId="{54D2E552-AFA4-449B-855C-8D07B27E44E2}" sibTransId="{CBB1F48E-041C-465A-B96F-A59A0B7362A5}"/>
     <dgm:cxn modelId="{4EB1F7F9-51B7-4A9C-B2E8-B495495CB616}" type="presOf" srcId="{2BFBAB07-2C4C-4FAB-9052-FFD3F4A28A9E}" destId="{22A0A0BC-6367-462E-93A8-CA8C46FCDCA0}" srcOrd="0" destOrd="1" presId="urn:microsoft.com/office/officeart/2005/8/layout/cycle4"/>
     <dgm:cxn modelId="{5B1285C2-C638-4E1D-9B5F-9E11AB797450}" type="presOf" srcId="{E5ACC793-F455-4177-B2A7-6FC33C9C1025}" destId="{22A0A0BC-6367-462E-93A8-CA8C46FCDCA0}" srcOrd="0" destOrd="3" presId="urn:microsoft.com/office/officeart/2005/8/layout/cycle4"/>
-    <dgm:cxn modelId="{32D9F149-C2A1-4DD8-A69C-877BCA8D5EDD}" type="presOf" srcId="{FAAD98B4-2CE9-4214-8BB6-F03CEEE572FF}" destId="{38CD6BD6-D3E2-4B97-8665-48065905F491}" srcOrd="1" destOrd="2" presId="urn:microsoft.com/office/officeart/2005/8/layout/cycle4"/>
+    <dgm:cxn modelId="{5474BC8E-7785-4D13-A4F3-61EF990ED269}" type="presOf" srcId="{F8507812-6291-4C9B-AA0B-B8AF3A68427D}" destId="{22A0A0BC-6367-462E-93A8-CA8C46FCDCA0}" srcOrd="0" destOrd="2" presId="urn:microsoft.com/office/officeart/2005/8/layout/cycle4"/>
+    <dgm:cxn modelId="{C1CC8C5E-8C3B-4002-B283-DDF651B9C2DF}" srcId="{2D6962E4-72B9-4B1E-B258-246893A88E0D}" destId="{7095E70B-7EFB-4733-BA44-C4BB0599979F}" srcOrd="3" destOrd="0" parTransId="{64A1E298-33AE-4CD3-B3E0-AF77857653AE}" sibTransId="{BBF2356D-3C61-41D3-A629-D15BD788173A}"/>
     <dgm:cxn modelId="{3C16332A-B919-432D-BF91-AC79BAB354ED}" type="presOf" srcId="{01A583E1-6537-45F8-AE09-C85491C9FC1D}" destId="{9D4C7C9D-7ED1-464F-941B-21AB88CE8789}" srcOrd="0" destOrd="0" presId="urn:microsoft.com/office/officeart/2005/8/layout/cycle4"/>
-    <dgm:cxn modelId="{67308CEA-9FD1-426E-BDAA-B330570BC27C}" type="presOf" srcId="{23580231-228D-4259-948C-ECAED9FB6BBD}" destId="{22A0A0BC-6367-462E-93A8-CA8C46FCDCA0}" srcOrd="0" destOrd="0" presId="urn:microsoft.com/office/officeart/2005/8/layout/cycle4"/>
+    <dgm:cxn modelId="{5BB7FEFC-FF0F-40F9-85B4-B338B4BD98A3}" srcId="{F9BE74C9-EC7E-4268-8C5A-882B3EFFF8FD}" destId="{23580231-228D-4259-948C-ECAED9FB6BBD}" srcOrd="0" destOrd="0" parTransId="{CB1BEA55-1E25-49B4-8245-B386B1EBDAB7}" sibTransId="{EF2DA803-88D8-4CC3-A191-D63C166FB7FF}"/>
+    <dgm:cxn modelId="{959C0A07-B487-44FF-9CEB-B0B891D005B6}" type="presOf" srcId="{5BCD62D5-23CD-4A5A-A476-269CE76914DC}" destId="{43A2BA3D-20D2-4E5D-9CD2-B6EE3F312A3B}" srcOrd="0" destOrd="0" presId="urn:microsoft.com/office/officeart/2005/8/layout/cycle4"/>
+    <dgm:cxn modelId="{9BAD8EFF-9B32-4433-B605-9BFDB094AF74}" type="presOf" srcId="{989E09AB-A343-466C-BC14-C765FC9A1DD7}" destId="{38CD6BD6-D3E2-4B97-8665-48065905F491}" srcOrd="1" destOrd="1" presId="urn:microsoft.com/office/officeart/2005/8/layout/cycle4"/>
+    <dgm:cxn modelId="{EDDAA38D-6E30-4543-B0F1-EAA9A6A477C7}" srcId="{01A583E1-6537-45F8-AE09-C85491C9FC1D}" destId="{2D6962E4-72B9-4B1E-B258-246893A88E0D}" srcOrd="0" destOrd="0" parTransId="{5502C073-0884-4CFE-A849-62990833CEE5}" sibTransId="{0E9043AA-3D92-4FE3-8FA8-E174F20EB8FF}"/>
+    <dgm:cxn modelId="{4E151F0E-C99E-4BF4-81BC-837B231CBF92}" type="presOf" srcId="{2B41BF75-F5C8-4255-892F-6328E5A9E688}" destId="{4D58B8E3-ABF3-466F-BE72-A1334046C3F4}" srcOrd="0" destOrd="0" presId="urn:microsoft.com/office/officeart/2005/8/layout/cycle4"/>
+    <dgm:cxn modelId="{41218EDB-BD90-4410-89D0-F42795B77442}" type="presOf" srcId="{F9BE74C9-EC7E-4268-8C5A-882B3EFFF8FD}" destId="{809A40DB-630A-4CA0-804D-1A67767C019F}" srcOrd="0" destOrd="0" presId="urn:microsoft.com/office/officeart/2005/8/layout/cycle4"/>
+    <dgm:cxn modelId="{9BF38558-2481-46D5-AB3E-FC48BBE62666}" srcId="{F9BE74C9-EC7E-4268-8C5A-882B3EFFF8FD}" destId="{E5ACC793-F455-4177-B2A7-6FC33C9C1025}" srcOrd="3" destOrd="0" parTransId="{F3D91DD1-F12E-4C5D-82CF-86CF95B338AA}" sibTransId="{0E3913D7-3C7B-49AF-9134-A90315714B9E}"/>
+    <dgm:cxn modelId="{1695E917-4CB0-460A-9E6B-4DF46E74DE66}" type="presOf" srcId="{490168AD-E14E-4940-8CC2-7C35F66AB41B}" destId="{53094224-E102-4C09-9604-A3E90CFD0EB5}" srcOrd="0" destOrd="0" presId="urn:microsoft.com/office/officeart/2005/8/layout/cycle4"/>
+    <dgm:cxn modelId="{E4D73487-C5B1-4EB2-AF38-71DF0EBFDB67}" type="presOf" srcId="{7095E70B-7EFB-4733-BA44-C4BB0599979F}" destId="{4D58B8E3-ABF3-466F-BE72-A1334046C3F4}" srcOrd="0" destOrd="3" presId="urn:microsoft.com/office/officeart/2005/8/layout/cycle4"/>
+    <dgm:cxn modelId="{9991E351-28AB-47A6-8963-A9D299DB8675}" type="presOf" srcId="{989E09AB-A343-466C-BC14-C765FC9A1DD7}" destId="{4D58B8E3-ABF3-466F-BE72-A1334046C3F4}" srcOrd="0" destOrd="1" presId="urn:microsoft.com/office/officeart/2005/8/layout/cycle4"/>
+    <dgm:cxn modelId="{B55F96D7-8D63-46D6-833C-7BB32A8BF044}" type="presOf" srcId="{F8507812-6291-4C9B-AA0B-B8AF3A68427D}" destId="{C05EAFFC-2644-44E2-967D-B53235C71A38}" srcOrd="1" destOrd="2" presId="urn:microsoft.com/office/officeart/2005/8/layout/cycle4"/>
+    <dgm:cxn modelId="{4665B531-CE39-4D8D-9C92-1B0A97DBEF06}" srcId="{2BBE2155-4658-4D02-8319-6DF4106EA8CC}" destId="{490168AD-E14E-4940-8CC2-7C35F66AB41B}" srcOrd="0" destOrd="0" parTransId="{F8E86141-CA5C-4FD7-B090-BDC097EE9ED9}" sibTransId="{409F351B-3747-4E3C-89C6-F2C76F7C931A}"/>
+    <dgm:cxn modelId="{2D68FBB9-2A3F-4DFB-9547-97148AD147B2}" srcId="{2D6962E4-72B9-4B1E-B258-246893A88E0D}" destId="{2B41BF75-F5C8-4255-892F-6328E5A9E688}" srcOrd="0" destOrd="0" parTransId="{36024776-6205-43C6-9331-B14C4C951E90}" sibTransId="{30E8B699-48A6-4778-A200-BCC2B91FEAE2}"/>
+    <dgm:cxn modelId="{6380C4C7-4EBB-43A2-9301-54A5C9841434}" type="presOf" srcId="{FAAD98B4-2CE9-4214-8BB6-F03CEEE572FF}" destId="{4D58B8E3-ABF3-466F-BE72-A1334046C3F4}" srcOrd="0" destOrd="2" presId="urn:microsoft.com/office/officeart/2005/8/layout/cycle4"/>
+    <dgm:cxn modelId="{DCB35549-6653-457E-A1A3-3F1DB9F48EB2}" srcId="{F9BE74C9-EC7E-4268-8C5A-882B3EFFF8FD}" destId="{F8507812-6291-4C9B-AA0B-B8AF3A68427D}" srcOrd="2" destOrd="0" parTransId="{4F2F02B6-C766-433A-873A-91091688269D}" sibTransId="{380A3AC5-BB38-4979-8AA3-011E077F4CA2}"/>
+    <dgm:cxn modelId="{1C4B7B5B-5A26-4FB7-B7A4-76D489C60865}" srcId="{2D6962E4-72B9-4B1E-B258-246893A88E0D}" destId="{FAAD98B4-2CE9-4214-8BB6-F03CEEE572FF}" srcOrd="2" destOrd="0" parTransId="{54D2E552-AFA4-449B-855C-8D07B27E44E2}" sibTransId="{CBB1F48E-041C-465A-B96F-A59A0B7362A5}"/>
+    <dgm:cxn modelId="{7F659E51-2E2F-40FF-9479-2FD7E732DF62}" type="presOf" srcId="{2D6962E4-72B9-4B1E-B258-246893A88E0D}" destId="{60DA8870-9857-4057-BC91-DD9B798F041F}" srcOrd="0" destOrd="0" presId="urn:microsoft.com/office/officeart/2005/8/layout/cycle4"/>
+    <dgm:cxn modelId="{0867E0A3-B749-4FC7-AFD8-611582642A56}" srcId="{5BCD62D5-23CD-4A5A-A476-269CE76914DC}" destId="{618CC25E-9050-4FB6-9F11-CAFC660578FC}" srcOrd="0" destOrd="0" parTransId="{892FDF72-278A-4E94-A52C-C9A43137F613}" sibTransId="{E48127D6-89B0-4F87-A1F9-517011A96A5B}"/>
     <dgm:cxn modelId="{06428E54-26A5-4289-B287-166FC667611C}" type="presOf" srcId="{23580231-228D-4259-948C-ECAED9FB6BBD}" destId="{C05EAFFC-2644-44E2-967D-B53235C71A38}" srcOrd="1" destOrd="0" presId="urn:microsoft.com/office/officeart/2005/8/layout/cycle4"/>
-    <dgm:cxn modelId="{4E151F0E-C99E-4BF4-81BC-837B231CBF92}" type="presOf" srcId="{2B41BF75-F5C8-4255-892F-6328E5A9E688}" destId="{4D58B8E3-ABF3-466F-BE72-A1334046C3F4}" srcOrd="0" destOrd="0" presId="urn:microsoft.com/office/officeart/2005/8/layout/cycle4"/>
-    <dgm:cxn modelId="{02D76481-2E62-4BA9-9F42-AE33CB3B6F3E}" type="presOf" srcId="{E5ACC793-F455-4177-B2A7-6FC33C9C1025}" destId="{C05EAFFC-2644-44E2-967D-B53235C71A38}" srcOrd="1" destOrd="3" presId="urn:microsoft.com/office/officeart/2005/8/layout/cycle4"/>
-    <dgm:cxn modelId="{F41F6067-9583-4D97-9E45-7AAACB397DC1}" srcId="{01A583E1-6537-45F8-AE09-C85491C9FC1D}" destId="{5BCD62D5-23CD-4A5A-A476-269CE76914DC}" srcOrd="2" destOrd="0" parTransId="{C274F423-C9C0-423A-80FB-84C18F1C3BA8}" sibTransId="{6CCF063A-E379-49B3-9CC0-57BB9F2B8432}"/>
-    <dgm:cxn modelId="{B55F96D7-8D63-46D6-833C-7BB32A8BF044}" type="presOf" srcId="{F8507812-6291-4C9B-AA0B-B8AF3A68427D}" destId="{C05EAFFC-2644-44E2-967D-B53235C71A38}" srcOrd="1" destOrd="2" presId="urn:microsoft.com/office/officeart/2005/8/layout/cycle4"/>
-    <dgm:cxn modelId="{C1CC8C5E-8C3B-4002-B283-DDF651B9C2DF}" srcId="{2D6962E4-72B9-4B1E-B258-246893A88E0D}" destId="{7095E70B-7EFB-4733-BA44-C4BB0599979F}" srcOrd="3" destOrd="0" parTransId="{64A1E298-33AE-4CD3-B3E0-AF77857653AE}" sibTransId="{BBF2356D-3C61-41D3-A629-D15BD788173A}"/>
-    <dgm:cxn modelId="{6F2C1348-DD44-4E86-9478-89C1CF069569}" srcId="{01A583E1-6537-45F8-AE09-C85491C9FC1D}" destId="{2BBE2155-4658-4D02-8319-6DF4106EA8CC}" srcOrd="1" destOrd="0" parTransId="{3724DD7C-05CC-4DEB-8DAD-8B592C981C96}" sibTransId="{632890C8-ECA2-44D8-9A94-863A64665BBC}"/>
-    <dgm:cxn modelId="{959C0A07-B487-44FF-9CEB-B0B891D005B6}" type="presOf" srcId="{5BCD62D5-23CD-4A5A-A476-269CE76914DC}" destId="{43A2BA3D-20D2-4E5D-9CD2-B6EE3F312A3B}" srcOrd="0" destOrd="0" presId="urn:microsoft.com/office/officeart/2005/8/layout/cycle4"/>
-    <dgm:cxn modelId="{2D68FBB9-2A3F-4DFB-9547-97148AD147B2}" srcId="{2D6962E4-72B9-4B1E-B258-246893A88E0D}" destId="{2B41BF75-F5C8-4255-892F-6328E5A9E688}" srcOrd="0" destOrd="0" parTransId="{36024776-6205-43C6-9331-B14C4C951E90}" sibTransId="{30E8B699-48A6-4778-A200-BCC2B91FEAE2}"/>
+    <dgm:cxn modelId="{784002D3-341F-4DF0-9345-0B1634589798}" type="presOf" srcId="{2B41BF75-F5C8-4255-892F-6328E5A9E688}" destId="{38CD6BD6-D3E2-4B97-8665-48065905F491}" srcOrd="1" destOrd="0" presId="urn:microsoft.com/office/officeart/2005/8/layout/cycle4"/>
     <dgm:cxn modelId="{6CB06391-8FCA-448A-8A60-52478AAD6079}" type="presParOf" srcId="{9D4C7C9D-7ED1-464F-941B-21AB88CE8789}" destId="{498B1DD5-D2B2-4A70-BAF8-2672572231DA}" srcOrd="0" destOrd="0" presId="urn:microsoft.com/office/officeart/2005/8/layout/cycle4"/>
     <dgm:cxn modelId="{679C53C4-692C-4A8B-8F09-403299CC720A}" type="presParOf" srcId="{498B1DD5-D2B2-4A70-BAF8-2672572231DA}" destId="{D2CA330A-D99A-4389-8F73-7FE17A382E6E}" srcOrd="0" destOrd="0" presId="urn:microsoft.com/office/officeart/2005/8/layout/cycle4"/>
     <dgm:cxn modelId="{0B328022-04B0-4938-A986-5A44F6E51B41}" type="presParOf" srcId="{D2CA330A-D99A-4389-8F73-7FE17A382E6E}" destId="{4D58B8E3-ABF3-466F-BE72-A1334046C3F4}" srcOrd="0" destOrd="0" presId="urn:microsoft.com/office/officeart/2005/8/layout/cycle4"/>
@@ -6709,284 +4813,6 @@
 </dgm:dataModel>
 </file>
 
-<file path=ppt/diagrams/data3.xml><?xml version="1.0" encoding="utf-8"?>
-<dgm:dataModel xmlns:dgm="http://schemas.openxmlformats.org/drawingml/2006/diagram" xmlns:a="http://schemas.openxmlformats.org/drawingml/2006/main">
-  <dgm:ptLst>
-    <dgm:pt modelId="{44156040-AF98-4F2C-9909-9F2439F6F588}" type="doc">
-      <dgm:prSet loTypeId="urn:microsoft.com/office/officeart/2005/8/layout/chevron1" loCatId="process" qsTypeId="urn:microsoft.com/office/officeart/2005/8/quickstyle/simple4" qsCatId="simple" csTypeId="urn:microsoft.com/office/officeart/2005/8/colors/colorful1" csCatId="colorful" phldr="1"/>
-      <dgm:spPr/>
-    </dgm:pt>
-    <dgm:pt modelId="{74020AF3-C700-4606-8917-C6A353D7963A}">
-      <dgm:prSet phldrT="[Text]"/>
-      <dgm:spPr/>
-      <dgm:t>
-        <a:bodyPr/>
-        <a:lstStyle/>
-        <a:p>
-          <a:r>
-            <a:rPr lang="en-US" b="0" i="0">
-              <a:latin typeface="Book Antiqua"/>
-            </a:rPr>
-            <a:t>Шаг 1. Заголовок</a:t>
-          </a:r>
-        </a:p>
-      </dgm:t>
-    </dgm:pt>
-    <dgm:pt modelId="{87D99D21-0B4A-4259-89FB-0E5941CB535C}" type="parTrans" cxnId="{B0E2386F-A443-4201-8130-FB9CC25AA154}">
-      <dgm:prSet/>
-      <dgm:spPr/>
-      <dgm:t>
-        <a:bodyPr/>
-        <a:lstStyle/>
-        <a:p>
-          <a:endParaRPr lang="en-US"/>
-        </a:p>
-      </dgm:t>
-    </dgm:pt>
-    <dgm:pt modelId="{6CFF1BD9-AE1F-4488-8B72-01186EADA6FF}" type="sibTrans" cxnId="{B0E2386F-A443-4201-8130-FB9CC25AA154}">
-      <dgm:prSet/>
-      <dgm:spPr/>
-      <dgm:t>
-        <a:bodyPr/>
-        <a:lstStyle/>
-        <a:p>
-          <a:endParaRPr lang="en-US"/>
-        </a:p>
-      </dgm:t>
-    </dgm:pt>
-    <dgm:pt modelId="{12E26E22-71B0-4386-A84F-ABF2FF66A99F}">
-      <dgm:prSet phldrT="[Text]"/>
-      <dgm:spPr/>
-      <dgm:t>
-        <a:bodyPr/>
-        <a:lstStyle/>
-        <a:p>
-          <a:r>
-            <a:rPr lang="en-US" b="0" i="0">
-              <a:latin typeface="Book Antiqua"/>
-            </a:rPr>
-            <a:t>Шаг 2. Заголовок</a:t>
-          </a:r>
-        </a:p>
-      </dgm:t>
-    </dgm:pt>
-    <dgm:pt modelId="{3A6CB3CB-0F71-4CA8-93AA-0E3E3D59D313}" type="parTrans" cxnId="{937639B3-2352-48E4-A96B-F63DF2119D92}">
-      <dgm:prSet/>
-      <dgm:spPr/>
-      <dgm:t>
-        <a:bodyPr/>
-        <a:lstStyle/>
-        <a:p>
-          <a:endParaRPr lang="en-US"/>
-        </a:p>
-      </dgm:t>
-    </dgm:pt>
-    <dgm:pt modelId="{E1826C46-15A2-4345-B986-53D05F21F155}" type="sibTrans" cxnId="{937639B3-2352-48E4-A96B-F63DF2119D92}">
-      <dgm:prSet/>
-      <dgm:spPr/>
-      <dgm:t>
-        <a:bodyPr/>
-        <a:lstStyle/>
-        <a:p>
-          <a:endParaRPr lang="en-US"/>
-        </a:p>
-      </dgm:t>
-    </dgm:pt>
-    <dgm:pt modelId="{A8B05E70-CCF1-4080-8EEE-6873C9D4B630}">
-      <dgm:prSet phldrT="[Text]"/>
-      <dgm:spPr/>
-      <dgm:t>
-        <a:bodyPr/>
-        <a:lstStyle/>
-        <a:p>
-          <a:r>
-            <a:rPr lang="en-US" b="0" i="0">
-              <a:latin typeface="Book Antiqua"/>
-            </a:rPr>
-            <a:t>Шаг 3. Заголовок</a:t>
-          </a:r>
-        </a:p>
-      </dgm:t>
-    </dgm:pt>
-    <dgm:pt modelId="{11D1F3D3-0002-4131-9F84-22FBF8692DA9}" type="parTrans" cxnId="{B8B909D0-D4F6-48D4-81DA-A58F34AE3646}">
-      <dgm:prSet/>
-      <dgm:spPr/>
-      <dgm:t>
-        <a:bodyPr/>
-        <a:lstStyle/>
-        <a:p>
-          <a:endParaRPr lang="en-US"/>
-        </a:p>
-      </dgm:t>
-    </dgm:pt>
-    <dgm:pt modelId="{B6438016-7365-4FC0-A372-D90585B4B6EE}" type="sibTrans" cxnId="{B8B909D0-D4F6-48D4-81DA-A58F34AE3646}">
-      <dgm:prSet/>
-      <dgm:spPr/>
-      <dgm:t>
-        <a:bodyPr/>
-        <a:lstStyle/>
-        <a:p>
-          <a:endParaRPr lang="en-US"/>
-        </a:p>
-      </dgm:t>
-    </dgm:pt>
-    <dgm:pt modelId="{42147153-A6C2-4177-BA7D-2ACCC2C1B2F7}">
-      <dgm:prSet phldrT="[Text]"/>
-      <dgm:spPr/>
-      <dgm:t>
-        <a:bodyPr/>
-        <a:lstStyle/>
-        <a:p>
-          <a:r>
-            <a:rPr lang="en-US" b="0" i="0">
-              <a:latin typeface="Book Antiqua"/>
-            </a:rPr>
-            <a:t>Шаг 4. Заголовок</a:t>
-          </a:r>
-        </a:p>
-      </dgm:t>
-    </dgm:pt>
-    <dgm:pt modelId="{C6F68745-4C20-4204-96A6-585691399C14}" type="parTrans" cxnId="{777DC3C6-D336-4C94-A624-E5582A07ECAA}">
-      <dgm:prSet/>
-      <dgm:spPr/>
-      <dgm:t>
-        <a:bodyPr/>
-        <a:lstStyle/>
-        <a:p>
-          <a:endParaRPr lang="en-US"/>
-        </a:p>
-      </dgm:t>
-    </dgm:pt>
-    <dgm:pt modelId="{0C6B132F-0347-46BA-86A4-3FAFB6676411}" type="sibTrans" cxnId="{777DC3C6-D336-4C94-A624-E5582A07ECAA}">
-      <dgm:prSet/>
-      <dgm:spPr/>
-      <dgm:t>
-        <a:bodyPr/>
-        <a:lstStyle/>
-        <a:p>
-          <a:endParaRPr lang="en-US"/>
-        </a:p>
-      </dgm:t>
-    </dgm:pt>
-    <dgm:pt modelId="{1C61A9A2-33F2-469B-8AC4-A104A5A98D78}" type="pres">
-      <dgm:prSet presAssocID="{44156040-AF98-4F2C-9909-9F2439F6F588}" presName="Name0" presStyleCnt="0">
-        <dgm:presLayoutVars>
-          <dgm:dir/>
-          <dgm:animLvl val="lvl"/>
-          <dgm:resizeHandles val="exact"/>
-        </dgm:presLayoutVars>
-      </dgm:prSet>
-      <dgm:spPr/>
-    </dgm:pt>
-    <dgm:pt modelId="{881B8FEC-9D20-4669-BB2E-FA9CEA0BE5A9}" type="pres">
-      <dgm:prSet presAssocID="{74020AF3-C700-4606-8917-C6A353D7963A}" presName="parTxOnly" presStyleLbl="node1" presStyleIdx="0" presStyleCnt="4">
-        <dgm:presLayoutVars>
-          <dgm:chMax val="0"/>
-          <dgm:chPref val="0"/>
-          <dgm:bulletEnabled val="1"/>
-        </dgm:presLayoutVars>
-      </dgm:prSet>
-      <dgm:spPr/>
-      <dgm:t>
-        <a:bodyPr/>
-        <a:lstStyle/>
-        <a:p>
-          <a:endParaRPr lang="en-US"/>
-        </a:p>
-      </dgm:t>
-    </dgm:pt>
-    <dgm:pt modelId="{705DFC51-4C30-4A07-9F0C-6EB770961C6F}" type="pres">
-      <dgm:prSet presAssocID="{6CFF1BD9-AE1F-4488-8B72-01186EADA6FF}" presName="parTxOnlySpace" presStyleCnt="0"/>
-      <dgm:spPr/>
-    </dgm:pt>
-    <dgm:pt modelId="{919A589F-F74A-40C3-BE88-AB8730BCAB04}" type="pres">
-      <dgm:prSet presAssocID="{12E26E22-71B0-4386-A84F-ABF2FF66A99F}" presName="parTxOnly" presStyleLbl="node1" presStyleIdx="1" presStyleCnt="4">
-        <dgm:presLayoutVars>
-          <dgm:chMax val="0"/>
-          <dgm:chPref val="0"/>
-          <dgm:bulletEnabled val="1"/>
-        </dgm:presLayoutVars>
-      </dgm:prSet>
-      <dgm:spPr/>
-      <dgm:t>
-        <a:bodyPr/>
-        <a:lstStyle/>
-        <a:p>
-          <a:endParaRPr lang="en-US"/>
-        </a:p>
-      </dgm:t>
-    </dgm:pt>
-    <dgm:pt modelId="{01C6BCDE-530E-4D03-9CF5-9AB36CDC1FE1}" type="pres">
-      <dgm:prSet presAssocID="{E1826C46-15A2-4345-B986-53D05F21F155}" presName="parTxOnlySpace" presStyleCnt="0"/>
-      <dgm:spPr/>
-    </dgm:pt>
-    <dgm:pt modelId="{268F2328-4548-422B-9C65-80797E16B241}" type="pres">
-      <dgm:prSet presAssocID="{A8B05E70-CCF1-4080-8EEE-6873C9D4B630}" presName="parTxOnly" presStyleLbl="node1" presStyleIdx="2" presStyleCnt="4">
-        <dgm:presLayoutVars>
-          <dgm:chMax val="0"/>
-          <dgm:chPref val="0"/>
-          <dgm:bulletEnabled val="1"/>
-        </dgm:presLayoutVars>
-      </dgm:prSet>
-      <dgm:spPr/>
-      <dgm:t>
-        <a:bodyPr/>
-        <a:lstStyle/>
-        <a:p>
-          <a:endParaRPr lang="en-US"/>
-        </a:p>
-      </dgm:t>
-    </dgm:pt>
-    <dgm:pt modelId="{8CB78EC1-7B74-4B6E-94C6-5F808A049A1F}" type="pres">
-      <dgm:prSet presAssocID="{B6438016-7365-4FC0-A372-D90585B4B6EE}" presName="parTxOnlySpace" presStyleCnt="0"/>
-      <dgm:spPr/>
-    </dgm:pt>
-    <dgm:pt modelId="{BDD0B0F7-A87C-4B5B-A4C3-4E4BE6EB0FE4}" type="pres">
-      <dgm:prSet presAssocID="{42147153-A6C2-4177-BA7D-2ACCC2C1B2F7}" presName="parTxOnly" presStyleLbl="node1" presStyleIdx="3" presStyleCnt="4">
-        <dgm:presLayoutVars>
-          <dgm:chMax val="0"/>
-          <dgm:chPref val="0"/>
-          <dgm:bulletEnabled val="1"/>
-        </dgm:presLayoutVars>
-      </dgm:prSet>
-      <dgm:spPr/>
-      <dgm:t>
-        <a:bodyPr/>
-        <a:lstStyle/>
-        <a:p>
-          <a:endParaRPr lang="en-US"/>
-        </a:p>
-      </dgm:t>
-    </dgm:pt>
-  </dgm:ptLst>
-  <dgm:cxnLst>
-    <dgm:cxn modelId="{B8B909D0-D4F6-48D4-81DA-A58F34AE3646}" srcId="{44156040-AF98-4F2C-9909-9F2439F6F588}" destId="{A8B05E70-CCF1-4080-8EEE-6873C9D4B630}" srcOrd="2" destOrd="0" parTransId="{11D1F3D3-0002-4131-9F84-22FBF8692DA9}" sibTransId="{B6438016-7365-4FC0-A372-D90585B4B6EE}"/>
-    <dgm:cxn modelId="{777DC3C6-D336-4C94-A624-E5582A07ECAA}" srcId="{44156040-AF98-4F2C-9909-9F2439F6F588}" destId="{42147153-A6C2-4177-BA7D-2ACCC2C1B2F7}" srcOrd="3" destOrd="0" parTransId="{C6F68745-4C20-4204-96A6-585691399C14}" sibTransId="{0C6B132F-0347-46BA-86A4-3FAFB6676411}"/>
-    <dgm:cxn modelId="{BF4A375F-A05B-45C3-9731-23DBACB9FC02}" type="presOf" srcId="{12E26E22-71B0-4386-A84F-ABF2FF66A99F}" destId="{919A589F-F74A-40C3-BE88-AB8730BCAB04}" srcOrd="0" destOrd="0" presId="urn:microsoft.com/office/officeart/2005/8/layout/chevron1"/>
-    <dgm:cxn modelId="{B0E2386F-A443-4201-8130-FB9CC25AA154}" srcId="{44156040-AF98-4F2C-9909-9F2439F6F588}" destId="{74020AF3-C700-4606-8917-C6A353D7963A}" srcOrd="0" destOrd="0" parTransId="{87D99D21-0B4A-4259-89FB-0E5941CB535C}" sibTransId="{6CFF1BD9-AE1F-4488-8B72-01186EADA6FF}"/>
-    <dgm:cxn modelId="{937639B3-2352-48E4-A96B-F63DF2119D92}" srcId="{44156040-AF98-4F2C-9909-9F2439F6F588}" destId="{12E26E22-71B0-4386-A84F-ABF2FF66A99F}" srcOrd="1" destOrd="0" parTransId="{3A6CB3CB-0F71-4CA8-93AA-0E3E3D59D313}" sibTransId="{E1826C46-15A2-4345-B986-53D05F21F155}"/>
-    <dgm:cxn modelId="{BB4F9699-C9DE-46C4-A04B-CD52EF57D4C5}" type="presOf" srcId="{74020AF3-C700-4606-8917-C6A353D7963A}" destId="{881B8FEC-9D20-4669-BB2E-FA9CEA0BE5A9}" srcOrd="0" destOrd="0" presId="urn:microsoft.com/office/officeart/2005/8/layout/chevron1"/>
-    <dgm:cxn modelId="{383A5CFE-2D64-4002-A7C0-1E621409BFD6}" type="presOf" srcId="{44156040-AF98-4F2C-9909-9F2439F6F588}" destId="{1C61A9A2-33F2-469B-8AC4-A104A5A98D78}" srcOrd="0" destOrd="0" presId="urn:microsoft.com/office/officeart/2005/8/layout/chevron1"/>
-    <dgm:cxn modelId="{9E75EA9C-2122-47C1-897A-5BBDE8D78AC4}" type="presOf" srcId="{A8B05E70-CCF1-4080-8EEE-6873C9D4B630}" destId="{268F2328-4548-422B-9C65-80797E16B241}" srcOrd="0" destOrd="0" presId="urn:microsoft.com/office/officeart/2005/8/layout/chevron1"/>
-    <dgm:cxn modelId="{37A858B6-D71C-4E86-A467-E8D17167DE19}" type="presOf" srcId="{42147153-A6C2-4177-BA7D-2ACCC2C1B2F7}" destId="{BDD0B0F7-A87C-4B5B-A4C3-4E4BE6EB0FE4}" srcOrd="0" destOrd="0" presId="urn:microsoft.com/office/officeart/2005/8/layout/chevron1"/>
-    <dgm:cxn modelId="{EDA037DE-3D60-46A9-9DDB-074A05981F8D}" type="presParOf" srcId="{1C61A9A2-33F2-469B-8AC4-A104A5A98D78}" destId="{881B8FEC-9D20-4669-BB2E-FA9CEA0BE5A9}" srcOrd="0" destOrd="0" presId="urn:microsoft.com/office/officeart/2005/8/layout/chevron1"/>
-    <dgm:cxn modelId="{8F2A48B2-4519-4F7D-931D-1EB2DDCF4663}" type="presParOf" srcId="{1C61A9A2-33F2-469B-8AC4-A104A5A98D78}" destId="{705DFC51-4C30-4A07-9F0C-6EB770961C6F}" srcOrd="1" destOrd="0" presId="urn:microsoft.com/office/officeart/2005/8/layout/chevron1"/>
-    <dgm:cxn modelId="{A8C49188-74D0-46A6-A671-569711775D6B}" type="presParOf" srcId="{1C61A9A2-33F2-469B-8AC4-A104A5A98D78}" destId="{919A589F-F74A-40C3-BE88-AB8730BCAB04}" srcOrd="2" destOrd="0" presId="urn:microsoft.com/office/officeart/2005/8/layout/chevron1"/>
-    <dgm:cxn modelId="{DF828B00-7F32-4A0D-9D43-9FD5AE3C854B}" type="presParOf" srcId="{1C61A9A2-33F2-469B-8AC4-A104A5A98D78}" destId="{01C6BCDE-530E-4D03-9CF5-9AB36CDC1FE1}" srcOrd="3" destOrd="0" presId="urn:microsoft.com/office/officeart/2005/8/layout/chevron1"/>
-    <dgm:cxn modelId="{2FC0E474-8734-4209-BD6D-C297DEE76CB4}" type="presParOf" srcId="{1C61A9A2-33F2-469B-8AC4-A104A5A98D78}" destId="{268F2328-4548-422B-9C65-80797E16B241}" srcOrd="4" destOrd="0" presId="urn:microsoft.com/office/officeart/2005/8/layout/chevron1"/>
-    <dgm:cxn modelId="{30A10B48-C159-4CE5-AFE2-9908BF17AD25}" type="presParOf" srcId="{1C61A9A2-33F2-469B-8AC4-A104A5A98D78}" destId="{8CB78EC1-7B74-4B6E-94C6-5F808A049A1F}" srcOrd="5" destOrd="0" presId="urn:microsoft.com/office/officeart/2005/8/layout/chevron1"/>
-    <dgm:cxn modelId="{3065F5B9-06B1-4353-A251-703F2693DE95}" type="presParOf" srcId="{1C61A9A2-33F2-469B-8AC4-A104A5A98D78}" destId="{BDD0B0F7-A87C-4B5B-A4C3-4E4BE6EB0FE4}" srcOrd="6" destOrd="0" presId="urn:microsoft.com/office/officeart/2005/8/layout/chevron1"/>
-  </dgm:cxnLst>
-  <dgm:bg/>
-  <dgm:whole/>
-  <dgm:extLst>
-    <a:ext uri="http://schemas.microsoft.com/office/drawing/2008/diagram">
-      <dsp:dataModelExt xmlns:dsp="http://schemas.microsoft.com/office/drawing/2008/diagram" relId="rId6" minVer="http://schemas.openxmlformats.org/drawingml/2006/diagram"/>
-    </a:ext>
-  </dgm:extLst>
-</dgm:dataModel>
-</file>
-
 <file path=ppt/diagrams/drawing1.xml><?xml version="1.0" encoding="utf-8"?>
 <dsp:drawing xmlns:dgm="http://schemas.openxmlformats.org/drawingml/2006/diagram" xmlns:dsp="http://schemas.microsoft.com/office/drawing/2008/diagram" xmlns:a="http://schemas.openxmlformats.org/drawingml/2006/main">
   <dsp:spTree>
@@ -6995,84 +4821,6 @@
       <dsp:cNvGrpSpPr/>
     </dsp:nvGrpSpPr>
     <dsp:grpSpPr/>
-    <dsp:sp modelId="{57F3A36F-60A4-44FF-A8A5-F9A8D4310E6F}">
-      <dsp:nvSpPr>
-        <dsp:cNvPr id="0" name=""/>
-        <dsp:cNvSpPr/>
-      </dsp:nvSpPr>
-      <dsp:spPr>
-        <a:xfrm>
-          <a:off x="0" y="0"/>
-          <a:ext cx="2781069" cy="1668641"/>
-        </a:xfrm>
-        <a:prstGeom prst="rect">
-          <a:avLst/>
-        </a:prstGeom>
-        <a:solidFill>
-          <a:schemeClr val="accent1">
-            <a:hueOff val="0"/>
-            <a:satOff val="0"/>
-            <a:lumOff val="0"/>
-            <a:alphaOff val="0"/>
-          </a:schemeClr>
-        </a:solidFill>
-        <a:ln w="12700" cap="flat" cmpd="sng" algn="ctr">
-          <a:solidFill>
-            <a:schemeClr val="lt1">
-              <a:hueOff val="0"/>
-              <a:satOff val="0"/>
-              <a:lumOff val="0"/>
-              <a:alphaOff val="0"/>
-            </a:schemeClr>
-          </a:solidFill>
-          <a:prstDash val="solid"/>
-          <a:miter lim="800000"/>
-        </a:ln>
-        <a:effectLst/>
-      </dsp:spPr>
-      <dsp:style>
-        <a:lnRef idx="2">
-          <a:scrgbClr r="0" g="0" b="0"/>
-        </a:lnRef>
-        <a:fillRef idx="1">
-          <a:scrgbClr r="0" g="0" b="0"/>
-        </a:fillRef>
-        <a:effectRef idx="0">
-          <a:scrgbClr r="0" g="0" b="0"/>
-        </a:effectRef>
-        <a:fontRef idx="minor">
-          <a:schemeClr val="lt1"/>
-        </a:fontRef>
-      </dsp:style>
-      <dsp:txBody>
-        <a:bodyPr spcFirstLastPara="0" vert="horz" wrap="square" lIns="175260" tIns="175260" rIns="175260" bIns="175260" numCol="1" spcCol="1270" anchor="ctr" anchorCtr="0">
-          <a:noAutofit/>
-        </a:bodyPr>
-        <a:lstStyle/>
-        <a:p>
-          <a:pPr lvl="0" algn="ctr" defTabSz="2044700">
-            <a:lnSpc>
-              <a:spcPct val="90000"/>
-            </a:lnSpc>
-            <a:spcBef>
-              <a:spcPct val="0"/>
-            </a:spcBef>
-            <a:spcAft>
-              <a:spcPct val="35000"/>
-            </a:spcAft>
-          </a:pPr>
-          <a:r>
-            <a:rPr lang="ru-RU" sz="4600" kern="1200" dirty="0" smtClean="0"/>
-            <a:t>27 версий</a:t>
-          </a:r>
-          <a:endParaRPr lang="ru-RU" sz="4600" kern="1200" dirty="0"/>
-        </a:p>
-      </dsp:txBody>
-      <dsp:txXfrm>
-        <a:off x="0" y="0"/>
-        <a:ext cx="2781069" cy="1668641"/>
-      </dsp:txXfrm>
-    </dsp:sp>
   </dsp:spTree>
 </dsp:drawing>
 </file>
@@ -7085,1326 +4833,6 @@
       <dsp:cNvGrpSpPr/>
     </dsp:nvGrpSpPr>
     <dsp:grpSpPr/>
-    <dsp:sp modelId="{382DE9F5-C159-437A-AA3E-CE93A76C5FDC}">
-      <dsp:nvSpPr>
-        <dsp:cNvPr id="0" name=""/>
-        <dsp:cNvSpPr/>
-      </dsp:nvSpPr>
-      <dsp:spPr>
-        <a:xfrm>
-          <a:off x="5386072" y="3689431"/>
-          <a:ext cx="3133766" cy="667779"/>
-        </a:xfrm>
-        <a:prstGeom prst="roundRect">
-          <a:avLst>
-            <a:gd name="adj" fmla="val 10000"/>
-          </a:avLst>
-        </a:prstGeom>
-        <a:solidFill>
-          <a:schemeClr val="lt1">
-            <a:alpha val="90000"/>
-            <a:hueOff val="0"/>
-            <a:satOff val="0"/>
-            <a:lumOff val="0"/>
-            <a:alphaOff val="0"/>
-          </a:schemeClr>
-        </a:solidFill>
-        <a:ln>
-          <a:noFill/>
-        </a:ln>
-        <a:effectLst/>
-        <a:scene3d>
-          <a:camera prst="orthographicFront">
-            <a:rot lat="0" lon="0" rev="0"/>
-          </a:camera>
-          <a:lightRig rig="contrasting" dir="t">
-            <a:rot lat="0" lon="0" rev="1200000"/>
-          </a:lightRig>
-        </a:scene3d>
-        <a:sp3d z="-300000" contourW="19050" prstMaterial="metal">
-          <a:bevelT w="88900" h="203200"/>
-          <a:bevelB w="165100" h="254000"/>
-        </a:sp3d>
-      </dsp:spPr>
-      <dsp:style>
-        <a:lnRef idx="0">
-          <a:scrgbClr r="0" g="0" b="0"/>
-        </a:lnRef>
-        <a:fillRef idx="1">
-          <a:scrgbClr r="0" g="0" b="0"/>
-        </a:fillRef>
-        <a:effectRef idx="0">
-          <a:scrgbClr r="0" g="0" b="0"/>
-        </a:effectRef>
-        <a:fontRef idx="minor"/>
-      </dsp:style>
-      <dsp:txBody>
-        <a:bodyPr spcFirstLastPara="0" vert="horz" wrap="square" lIns="76200" tIns="76200" rIns="76200" bIns="76200" numCol="1" spcCol="1270" anchor="b" anchorCtr="0">
-          <a:noAutofit/>
-        </a:bodyPr>
-        <a:lstStyle/>
-        <a:p>
-          <a:pPr marL="228600" lvl="1" indent="-228600" algn="l" defTabSz="889000">
-            <a:lnSpc>
-              <a:spcPct val="90000"/>
-            </a:lnSpc>
-            <a:spcBef>
-              <a:spcPct val="0"/>
-            </a:spcBef>
-            <a:spcAft>
-              <a:spcPct val="15000"/>
-            </a:spcAft>
-            <a:buChar char="••"/>
-          </a:pPr>
-          <a:r>
-            <a:rPr lang="ru-RU" sz="2000" kern="1200" dirty="0" smtClean="0"/>
-            <a:t> </a:t>
-          </a:r>
-          <a:r>
-            <a:rPr lang="ru-RU" sz="2000" b="1" kern="1200" dirty="0" smtClean="0"/>
-            <a:t>Македонская Евгения</a:t>
-          </a:r>
-          <a:endParaRPr lang="ru-RU" sz="2000" b="1" kern="1200" dirty="0"/>
-        </a:p>
-      </dsp:txBody>
-      <dsp:txXfrm>
-        <a:off x="6340871" y="3871045"/>
-        <a:ext cx="2164298" cy="471496"/>
-      </dsp:txXfrm>
-    </dsp:sp>
-    <dsp:sp modelId="{22A0A0BC-6367-462E-93A8-CA8C46FCDCA0}">
-      <dsp:nvSpPr>
-        <dsp:cNvPr id="0" name=""/>
-        <dsp:cNvSpPr/>
-      </dsp:nvSpPr>
-      <dsp:spPr>
-        <a:xfrm>
-          <a:off x="544232" y="3400196"/>
-          <a:ext cx="3234723" cy="951725"/>
-        </a:xfrm>
-        <a:prstGeom prst="roundRect">
-          <a:avLst>
-            <a:gd name="adj" fmla="val 10000"/>
-          </a:avLst>
-        </a:prstGeom>
-        <a:solidFill>
-          <a:schemeClr val="lt1">
-            <a:alpha val="90000"/>
-            <a:hueOff val="0"/>
-            <a:satOff val="0"/>
-            <a:lumOff val="0"/>
-            <a:alphaOff val="0"/>
-          </a:schemeClr>
-        </a:solidFill>
-        <a:ln>
-          <a:noFill/>
-        </a:ln>
-        <a:effectLst/>
-        <a:scene3d>
-          <a:camera prst="orthographicFront">
-            <a:rot lat="0" lon="0" rev="0"/>
-          </a:camera>
-          <a:lightRig rig="contrasting" dir="t">
-            <a:rot lat="0" lon="0" rev="1200000"/>
-          </a:lightRig>
-        </a:scene3d>
-        <a:sp3d z="-300000" contourW="19050" prstMaterial="metal">
-          <a:bevelT w="88900" h="203200"/>
-          <a:bevelB w="165100" h="254000"/>
-        </a:sp3d>
-      </dsp:spPr>
-      <dsp:style>
-        <a:lnRef idx="0">
-          <a:scrgbClr r="0" g="0" b="0"/>
-        </a:lnRef>
-        <a:fillRef idx="1">
-          <a:scrgbClr r="0" g="0" b="0"/>
-        </a:fillRef>
-        <a:effectRef idx="0">
-          <a:scrgbClr r="0" g="0" b="0"/>
-        </a:effectRef>
-        <a:fontRef idx="minor"/>
-      </dsp:style>
-      <dsp:txBody>
-        <a:bodyPr spcFirstLastPara="0" vert="horz" wrap="square" lIns="76200" tIns="76200" rIns="76200" bIns="76200" numCol="1" spcCol="1270" anchor="b" anchorCtr="0">
-          <a:noAutofit/>
-        </a:bodyPr>
-        <a:lstStyle/>
-        <a:p>
-          <a:pPr marL="114300" lvl="1" indent="-114300" algn="l" defTabSz="577850">
-            <a:lnSpc>
-              <a:spcPct val="90000"/>
-            </a:lnSpc>
-            <a:spcBef>
-              <a:spcPct val="0"/>
-            </a:spcBef>
-            <a:spcAft>
-              <a:spcPct val="15000"/>
-            </a:spcAft>
-            <a:buChar char="••"/>
-          </a:pPr>
-          <a:endParaRPr lang="ru-RU" sz="1300" kern="1200" dirty="0"/>
-        </a:p>
-        <a:p>
-          <a:pPr marL="114300" lvl="1" indent="-114300" algn="l" defTabSz="577850">
-            <a:lnSpc>
-              <a:spcPct val="90000"/>
-            </a:lnSpc>
-            <a:spcBef>
-              <a:spcPct val="0"/>
-            </a:spcBef>
-            <a:spcAft>
-              <a:spcPct val="15000"/>
-            </a:spcAft>
-            <a:buChar char="••"/>
-          </a:pPr>
-          <a:endParaRPr lang="ru-RU" sz="1300" kern="1200" dirty="0"/>
-        </a:p>
-        <a:p>
-          <a:pPr marL="228600" lvl="1" indent="-228600" algn="l" defTabSz="889000">
-            <a:lnSpc>
-              <a:spcPct val="90000"/>
-            </a:lnSpc>
-            <a:spcBef>
-              <a:spcPct val="0"/>
-            </a:spcBef>
-            <a:spcAft>
-              <a:spcPct val="15000"/>
-            </a:spcAft>
-            <a:buChar char="••"/>
-          </a:pPr>
-          <a:r>
-            <a:rPr lang="ru-RU" sz="2000" b="1" kern="1200" dirty="0" smtClean="0"/>
-            <a:t>Петровская Анастасия</a:t>
-          </a:r>
-          <a:endParaRPr lang="ru-RU" sz="2000" b="1" kern="1200" dirty="0"/>
-        </a:p>
-        <a:p>
-          <a:pPr marL="114300" lvl="1" indent="-114300" algn="l" defTabSz="577850">
-            <a:lnSpc>
-              <a:spcPct val="90000"/>
-            </a:lnSpc>
-            <a:spcBef>
-              <a:spcPct val="0"/>
-            </a:spcBef>
-            <a:spcAft>
-              <a:spcPct val="15000"/>
-            </a:spcAft>
-            <a:buChar char="••"/>
-          </a:pPr>
-          <a:r>
-            <a:rPr lang="ru-RU" sz="1300" kern="1200" dirty="0" smtClean="0"/>
-            <a:t>Чекалин Дмитрий</a:t>
-          </a:r>
-          <a:endParaRPr lang="ru-RU" sz="1300" kern="1200" dirty="0"/>
-        </a:p>
-      </dsp:txBody>
-      <dsp:txXfrm>
-        <a:off x="565138" y="3659033"/>
-        <a:ext cx="2222494" cy="671981"/>
-      </dsp:txXfrm>
-    </dsp:sp>
-    <dsp:sp modelId="{53094224-E102-4C09-9604-A3E90CFD0EB5}">
-      <dsp:nvSpPr>
-        <dsp:cNvPr id="0" name=""/>
-        <dsp:cNvSpPr/>
-      </dsp:nvSpPr>
-      <dsp:spPr>
-        <a:xfrm>
-          <a:off x="5422356" y="698389"/>
-          <a:ext cx="2977045" cy="756063"/>
-        </a:xfrm>
-        <a:prstGeom prst="roundRect">
-          <a:avLst>
-            <a:gd name="adj" fmla="val 10000"/>
-          </a:avLst>
-        </a:prstGeom>
-        <a:solidFill>
-          <a:schemeClr val="lt1">
-            <a:alpha val="90000"/>
-            <a:hueOff val="0"/>
-            <a:satOff val="0"/>
-            <a:lumOff val="0"/>
-            <a:alphaOff val="0"/>
-          </a:schemeClr>
-        </a:solidFill>
-        <a:ln>
-          <a:noFill/>
-        </a:ln>
-        <a:effectLst/>
-        <a:scene3d>
-          <a:camera prst="orthographicFront">
-            <a:rot lat="0" lon="0" rev="0"/>
-          </a:camera>
-          <a:lightRig rig="contrasting" dir="t">
-            <a:rot lat="0" lon="0" rev="1200000"/>
-          </a:lightRig>
-        </a:scene3d>
-        <a:sp3d z="-300000" contourW="19050" prstMaterial="metal">
-          <a:bevelT w="88900" h="203200"/>
-          <a:bevelB w="165100" h="254000"/>
-        </a:sp3d>
-      </dsp:spPr>
-      <dsp:style>
-        <a:lnRef idx="0">
-          <a:scrgbClr r="0" g="0" b="0"/>
-        </a:lnRef>
-        <a:fillRef idx="1">
-          <a:scrgbClr r="0" g="0" b="0"/>
-        </a:fillRef>
-        <a:effectRef idx="0">
-          <a:scrgbClr r="0" g="0" b="0"/>
-        </a:effectRef>
-        <a:fontRef idx="minor"/>
-      </dsp:style>
-      <dsp:txBody>
-        <a:bodyPr spcFirstLastPara="0" vert="horz" wrap="square" lIns="76200" tIns="76200" rIns="76200" bIns="76200" numCol="1" spcCol="1270" anchor="t" anchorCtr="0">
-          <a:noAutofit/>
-        </a:bodyPr>
-        <a:lstStyle/>
-        <a:p>
-          <a:pPr marL="228600" lvl="1" indent="-228600" algn="l" defTabSz="889000">
-            <a:lnSpc>
-              <a:spcPct val="90000"/>
-            </a:lnSpc>
-            <a:spcBef>
-              <a:spcPct val="0"/>
-            </a:spcBef>
-            <a:spcAft>
-              <a:spcPct val="15000"/>
-            </a:spcAft>
-            <a:buChar char="••"/>
-          </a:pPr>
-          <a:r>
-            <a:rPr lang="ru-RU" sz="2000" b="1" kern="1200" dirty="0" smtClean="0"/>
-            <a:t>Македонская Евгения</a:t>
-          </a:r>
-          <a:endParaRPr lang="ru-RU" sz="2000" b="1" kern="1200" dirty="0"/>
-        </a:p>
-      </dsp:txBody>
-      <dsp:txXfrm>
-        <a:off x="6332077" y="714997"/>
-        <a:ext cx="2050715" cy="533831"/>
-      </dsp:txXfrm>
-    </dsp:sp>
-    <dsp:sp modelId="{4D58B8E3-ABF3-466F-BE72-A1334046C3F4}">
-      <dsp:nvSpPr>
-        <dsp:cNvPr id="0" name=""/>
-        <dsp:cNvSpPr/>
-      </dsp:nvSpPr>
-      <dsp:spPr>
-        <a:xfrm>
-          <a:off x="402347" y="642811"/>
-          <a:ext cx="3518492" cy="1112704"/>
-        </a:xfrm>
-        <a:prstGeom prst="roundRect">
-          <a:avLst>
-            <a:gd name="adj" fmla="val 10000"/>
-          </a:avLst>
-        </a:prstGeom>
-        <a:solidFill>
-          <a:schemeClr val="lt1">
-            <a:alpha val="90000"/>
-            <a:hueOff val="0"/>
-            <a:satOff val="0"/>
-            <a:lumOff val="0"/>
-            <a:alphaOff val="0"/>
-          </a:schemeClr>
-        </a:solidFill>
-        <a:ln>
-          <a:noFill/>
-        </a:ln>
-        <a:effectLst/>
-        <a:scene3d>
-          <a:camera prst="orthographicFront">
-            <a:rot lat="0" lon="0" rev="0"/>
-          </a:camera>
-          <a:lightRig rig="contrasting" dir="t">
-            <a:rot lat="0" lon="0" rev="1200000"/>
-          </a:lightRig>
-        </a:scene3d>
-        <a:sp3d z="-300000" contourW="19050" prstMaterial="metal">
-          <a:bevelT w="88900" h="203200"/>
-          <a:bevelB w="165100" h="254000"/>
-        </a:sp3d>
-      </dsp:spPr>
-      <dsp:style>
-        <a:lnRef idx="0">
-          <a:scrgbClr r="0" g="0" b="0"/>
-        </a:lnRef>
-        <a:fillRef idx="1">
-          <a:scrgbClr r="0" g="0" b="0"/>
-        </a:fillRef>
-        <a:effectRef idx="0">
-          <a:scrgbClr r="0" g="0" b="0"/>
-        </a:effectRef>
-        <a:fontRef idx="minor"/>
-      </dsp:style>
-      <dsp:txBody>
-        <a:bodyPr spcFirstLastPara="0" vert="horz" wrap="square" lIns="76200" tIns="76200" rIns="76200" bIns="76200" numCol="1" spcCol="1270" anchor="t" anchorCtr="0">
-          <a:noAutofit/>
-        </a:bodyPr>
-        <a:lstStyle/>
-        <a:p>
-          <a:pPr marL="228600" lvl="1" indent="-228600" algn="l" defTabSz="889000">
-            <a:lnSpc>
-              <a:spcPct val="90000"/>
-            </a:lnSpc>
-            <a:spcBef>
-              <a:spcPct val="0"/>
-            </a:spcBef>
-            <a:spcAft>
-              <a:spcPct val="15000"/>
-            </a:spcAft>
-            <a:buChar char="••"/>
-          </a:pPr>
-          <a:r>
-            <a:rPr lang="ru-RU" sz="2000" b="1" kern="1200" dirty="0" smtClean="0"/>
-            <a:t>Смирнов Максим</a:t>
-          </a:r>
-          <a:endParaRPr lang="ru-RU" sz="2000" b="1" kern="1200" dirty="0"/>
-        </a:p>
-        <a:p>
-          <a:pPr marL="114300" lvl="1" indent="-114300" algn="l" defTabSz="577850">
-            <a:lnSpc>
-              <a:spcPct val="90000"/>
-            </a:lnSpc>
-            <a:spcBef>
-              <a:spcPct val="0"/>
-            </a:spcBef>
-            <a:spcAft>
-              <a:spcPct val="15000"/>
-            </a:spcAft>
-            <a:buChar char="••"/>
-          </a:pPr>
-          <a:r>
-            <a:rPr lang="ru-RU" sz="1300" kern="1200" dirty="0" smtClean="0"/>
-            <a:t>Македонская Евгения</a:t>
-          </a:r>
-          <a:endParaRPr lang="ru-RU" sz="1300" kern="1200" dirty="0"/>
-        </a:p>
-        <a:p>
-          <a:pPr marL="114300" lvl="1" indent="-114300" algn="l" defTabSz="577850">
-            <a:lnSpc>
-              <a:spcPct val="90000"/>
-            </a:lnSpc>
-            <a:spcBef>
-              <a:spcPct val="0"/>
-            </a:spcBef>
-            <a:spcAft>
-              <a:spcPct val="15000"/>
-            </a:spcAft>
-            <a:buChar char="••"/>
-          </a:pPr>
-          <a:r>
-            <a:rPr lang="ru-RU" sz="1300" kern="1200" dirty="0" smtClean="0"/>
-            <a:t>Бодунков Денис</a:t>
-          </a:r>
-          <a:endParaRPr lang="ru-RU" sz="1300" kern="1200" dirty="0"/>
-        </a:p>
-        <a:p>
-          <a:pPr marL="114300" lvl="1" indent="-114300" algn="l" defTabSz="577850">
-            <a:lnSpc>
-              <a:spcPct val="90000"/>
-            </a:lnSpc>
-            <a:spcBef>
-              <a:spcPct val="0"/>
-            </a:spcBef>
-            <a:spcAft>
-              <a:spcPct val="15000"/>
-            </a:spcAft>
-            <a:buChar char="••"/>
-          </a:pPr>
-          <a:r>
-            <a:rPr lang="ru-RU" sz="1300" kern="1200" dirty="0" smtClean="0"/>
-            <a:t>Вервальд Северин</a:t>
-          </a:r>
-          <a:endParaRPr lang="ru-RU" sz="1300" kern="1200" dirty="0"/>
-        </a:p>
-      </dsp:txBody>
-      <dsp:txXfrm>
-        <a:off x="426789" y="667253"/>
-        <a:ext cx="2414060" cy="785644"/>
-      </dsp:txXfrm>
-    </dsp:sp>
-    <dsp:sp modelId="{60DA8870-9857-4057-BC91-DD9B798F041F}">
-      <dsp:nvSpPr>
-        <dsp:cNvPr id="0" name=""/>
-        <dsp:cNvSpPr/>
-      </dsp:nvSpPr>
-      <dsp:spPr>
-        <a:xfrm>
-          <a:off x="2239697" y="285090"/>
-          <a:ext cx="2165685" cy="2165685"/>
-        </a:xfrm>
-        <a:prstGeom prst="pieWedge">
-          <a:avLst/>
-        </a:prstGeom>
-        <a:solidFill>
-          <a:schemeClr val="accent2">
-            <a:hueOff val="0"/>
-            <a:satOff val="0"/>
-            <a:lumOff val="0"/>
-            <a:alphaOff val="0"/>
-          </a:schemeClr>
-        </a:solidFill>
-        <a:ln>
-          <a:noFill/>
-        </a:ln>
-        <a:effectLst/>
-        <a:scene3d>
-          <a:camera prst="orthographicFront">
-            <a:rot lat="0" lon="0" rev="0"/>
-          </a:camera>
-          <a:lightRig rig="contrasting" dir="t">
-            <a:rot lat="0" lon="0" rev="1200000"/>
-          </a:lightRig>
-        </a:scene3d>
-        <a:sp3d contourW="19050" prstMaterial="metal">
-          <a:bevelT w="88900" h="203200"/>
-          <a:bevelB w="165100" h="254000"/>
-        </a:sp3d>
-      </dsp:spPr>
-      <dsp:style>
-        <a:lnRef idx="0">
-          <a:scrgbClr r="0" g="0" b="0"/>
-        </a:lnRef>
-        <a:fillRef idx="1">
-          <a:scrgbClr r="0" g="0" b="0"/>
-        </a:fillRef>
-        <a:effectRef idx="2">
-          <a:scrgbClr r="0" g="0" b="0"/>
-        </a:effectRef>
-        <a:fontRef idx="minor">
-          <a:schemeClr val="lt1"/>
-        </a:fontRef>
-      </dsp:style>
-      <dsp:txBody>
-        <a:bodyPr spcFirstLastPara="0" vert="horz" wrap="square" lIns="128016" tIns="128016" rIns="128016" bIns="128016" numCol="1" spcCol="1270" anchor="ctr" anchorCtr="0">
-          <a:noAutofit/>
-        </a:bodyPr>
-        <a:lstStyle/>
-        <a:p>
-          <a:pPr lvl="0" algn="ctr" defTabSz="800100">
-            <a:lnSpc>
-              <a:spcPct val="90000"/>
-            </a:lnSpc>
-            <a:spcBef>
-              <a:spcPct val="0"/>
-            </a:spcBef>
-            <a:spcAft>
-              <a:spcPct val="35000"/>
-            </a:spcAft>
-          </a:pPr>
-          <a:r>
-            <a:rPr lang="ru-RU" sz="1800" kern="1200" dirty="0" smtClean="0"/>
-            <a:t>Анализ</a:t>
-          </a:r>
-          <a:endParaRPr lang="ru-RU" sz="1800" kern="1200" dirty="0"/>
-        </a:p>
-      </dsp:txBody>
-      <dsp:txXfrm>
-        <a:off x="2874011" y="919404"/>
-        <a:ext cx="1531371" cy="1531371"/>
-      </dsp:txXfrm>
-    </dsp:sp>
-    <dsp:sp modelId="{147178AE-0CD4-4FA3-A352-95F7DEF02040}">
-      <dsp:nvSpPr>
-        <dsp:cNvPr id="0" name=""/>
-        <dsp:cNvSpPr/>
-      </dsp:nvSpPr>
-      <dsp:spPr>
-        <a:xfrm rot="5400000">
-          <a:off x="4505414" y="285090"/>
-          <a:ext cx="2165685" cy="2165685"/>
-        </a:xfrm>
-        <a:prstGeom prst="pieWedge">
-          <a:avLst/>
-        </a:prstGeom>
-        <a:solidFill>
-          <a:schemeClr val="accent3">
-            <a:hueOff val="0"/>
-            <a:satOff val="0"/>
-            <a:lumOff val="0"/>
-            <a:alphaOff val="0"/>
-          </a:schemeClr>
-        </a:solidFill>
-        <a:ln>
-          <a:noFill/>
-        </a:ln>
-        <a:effectLst/>
-        <a:scene3d>
-          <a:camera prst="orthographicFront">
-            <a:rot lat="0" lon="0" rev="0"/>
-          </a:camera>
-          <a:lightRig rig="contrasting" dir="t">
-            <a:rot lat="0" lon="0" rev="1200000"/>
-          </a:lightRig>
-        </a:scene3d>
-        <a:sp3d contourW="19050" prstMaterial="metal">
-          <a:bevelT w="88900" h="203200"/>
-          <a:bevelB w="165100" h="254000"/>
-        </a:sp3d>
-      </dsp:spPr>
-      <dsp:style>
-        <a:lnRef idx="0">
-          <a:scrgbClr r="0" g="0" b="0"/>
-        </a:lnRef>
-        <a:fillRef idx="1">
-          <a:scrgbClr r="0" g="0" b="0"/>
-        </a:fillRef>
-        <a:effectRef idx="2">
-          <a:scrgbClr r="0" g="0" b="0"/>
-        </a:effectRef>
-        <a:fontRef idx="minor">
-          <a:schemeClr val="lt1"/>
-        </a:fontRef>
-      </dsp:style>
-      <dsp:txBody>
-        <a:bodyPr spcFirstLastPara="0" vert="horz" wrap="square" lIns="128016" tIns="128016" rIns="128016" bIns="128016" numCol="1" spcCol="1270" anchor="ctr" anchorCtr="0">
-          <a:noAutofit/>
-        </a:bodyPr>
-        <a:lstStyle/>
-        <a:p>
-          <a:pPr lvl="0" algn="ctr" defTabSz="800100">
-            <a:lnSpc>
-              <a:spcPct val="90000"/>
-            </a:lnSpc>
-            <a:spcBef>
-              <a:spcPct val="0"/>
-            </a:spcBef>
-            <a:spcAft>
-              <a:spcPct val="35000"/>
-            </a:spcAft>
-          </a:pPr>
-          <a:r>
-            <a:rPr lang="ru-RU" sz="1800" kern="1200" dirty="0" smtClean="0"/>
-            <a:t>Составление </a:t>
-          </a:r>
-        </a:p>
-        <a:p>
-          <a:pPr lvl="0" algn="ctr" defTabSz="800100">
-            <a:lnSpc>
-              <a:spcPct val="90000"/>
-            </a:lnSpc>
-            <a:spcBef>
-              <a:spcPct val="0"/>
-            </a:spcBef>
-            <a:spcAft>
-              <a:spcPct val="35000"/>
-            </a:spcAft>
-          </a:pPr>
-          <a:r>
-            <a:rPr lang="ru-RU" sz="1800" kern="1200" dirty="0" smtClean="0"/>
-            <a:t>требований</a:t>
-          </a:r>
-          <a:endParaRPr lang="ru-RU" sz="1800" kern="1200" dirty="0"/>
-        </a:p>
-      </dsp:txBody>
-      <dsp:txXfrm rot="-5400000">
-        <a:off x="4505414" y="919404"/>
-        <a:ext cx="1531371" cy="1531371"/>
-      </dsp:txXfrm>
-    </dsp:sp>
-    <dsp:sp modelId="{43A2BA3D-20D2-4E5D-9CD2-B6EE3F312A3B}">
-      <dsp:nvSpPr>
-        <dsp:cNvPr id="0" name=""/>
-        <dsp:cNvSpPr/>
-      </dsp:nvSpPr>
-      <dsp:spPr>
-        <a:xfrm rot="10800000">
-          <a:off x="4504439" y="2553406"/>
-          <a:ext cx="2165685" cy="2165685"/>
-        </a:xfrm>
-        <a:prstGeom prst="pieWedge">
-          <a:avLst/>
-        </a:prstGeom>
-        <a:solidFill>
-          <a:schemeClr val="accent4">
-            <a:hueOff val="0"/>
-            <a:satOff val="0"/>
-            <a:lumOff val="0"/>
-            <a:alphaOff val="0"/>
-          </a:schemeClr>
-        </a:solidFill>
-        <a:ln>
-          <a:noFill/>
-        </a:ln>
-        <a:effectLst/>
-        <a:scene3d>
-          <a:camera prst="orthographicFront">
-            <a:rot lat="0" lon="0" rev="0"/>
-          </a:camera>
-          <a:lightRig rig="contrasting" dir="t">
-            <a:rot lat="0" lon="0" rev="1200000"/>
-          </a:lightRig>
-        </a:scene3d>
-        <a:sp3d contourW="19050" prstMaterial="metal">
-          <a:bevelT w="88900" h="203200"/>
-          <a:bevelB w="165100" h="254000"/>
-        </a:sp3d>
-      </dsp:spPr>
-      <dsp:style>
-        <a:lnRef idx="0">
-          <a:scrgbClr r="0" g="0" b="0"/>
-        </a:lnRef>
-        <a:fillRef idx="1">
-          <a:scrgbClr r="0" g="0" b="0"/>
-        </a:fillRef>
-        <a:effectRef idx="2">
-          <a:scrgbClr r="0" g="0" b="0"/>
-        </a:effectRef>
-        <a:fontRef idx="minor">
-          <a:schemeClr val="lt1"/>
-        </a:fontRef>
-      </dsp:style>
-      <dsp:txBody>
-        <a:bodyPr spcFirstLastPara="0" vert="horz" wrap="square" lIns="128016" tIns="128016" rIns="128016" bIns="128016" numCol="1" spcCol="1270" anchor="ctr" anchorCtr="0">
-          <a:noAutofit/>
-        </a:bodyPr>
-        <a:lstStyle/>
-        <a:p>
-          <a:pPr lvl="0" algn="ctr" defTabSz="800100">
-            <a:lnSpc>
-              <a:spcPct val="90000"/>
-            </a:lnSpc>
-            <a:spcBef>
-              <a:spcPct val="0"/>
-            </a:spcBef>
-            <a:spcAft>
-              <a:spcPct val="35000"/>
-            </a:spcAft>
-          </a:pPr>
-          <a:r>
-            <a:rPr lang="ru-RU" sz="1800" kern="1200" dirty="0" smtClean="0"/>
-            <a:t>Написание ТЗ</a:t>
-          </a:r>
-          <a:endParaRPr lang="ru-RU" sz="1800" kern="1200" dirty="0"/>
-        </a:p>
-      </dsp:txBody>
-      <dsp:txXfrm rot="10800000">
-        <a:off x="4504439" y="2553406"/>
-        <a:ext cx="1531371" cy="1531371"/>
-      </dsp:txXfrm>
-    </dsp:sp>
-    <dsp:sp modelId="{809A40DB-630A-4CA0-804D-1A67767C019F}">
-      <dsp:nvSpPr>
-        <dsp:cNvPr id="0" name=""/>
-        <dsp:cNvSpPr/>
-      </dsp:nvSpPr>
-      <dsp:spPr>
-        <a:xfrm rot="16200000">
-          <a:off x="2239697" y="2550807"/>
-          <a:ext cx="2165685" cy="2165685"/>
-        </a:xfrm>
-        <a:prstGeom prst="pieWedge">
-          <a:avLst/>
-        </a:prstGeom>
-        <a:solidFill>
-          <a:schemeClr val="accent5">
-            <a:hueOff val="0"/>
-            <a:satOff val="0"/>
-            <a:lumOff val="0"/>
-            <a:alphaOff val="0"/>
-          </a:schemeClr>
-        </a:solidFill>
-        <a:ln>
-          <a:noFill/>
-        </a:ln>
-        <a:effectLst/>
-        <a:scene3d>
-          <a:camera prst="orthographicFront">
-            <a:rot lat="0" lon="0" rev="0"/>
-          </a:camera>
-          <a:lightRig rig="contrasting" dir="t">
-            <a:rot lat="0" lon="0" rev="1200000"/>
-          </a:lightRig>
-        </a:scene3d>
-        <a:sp3d contourW="19050" prstMaterial="metal">
-          <a:bevelT w="88900" h="203200"/>
-          <a:bevelB w="165100" h="254000"/>
-        </a:sp3d>
-      </dsp:spPr>
-      <dsp:style>
-        <a:lnRef idx="0">
-          <a:scrgbClr r="0" g="0" b="0"/>
-        </a:lnRef>
-        <a:fillRef idx="1">
-          <a:scrgbClr r="0" g="0" b="0"/>
-        </a:fillRef>
-        <a:effectRef idx="2">
-          <a:scrgbClr r="0" g="0" b="0"/>
-        </a:effectRef>
-        <a:fontRef idx="minor">
-          <a:schemeClr val="lt1"/>
-        </a:fontRef>
-      </dsp:style>
-      <dsp:txBody>
-        <a:bodyPr spcFirstLastPara="0" vert="horz" wrap="square" lIns="128016" tIns="128016" rIns="128016" bIns="128016" numCol="1" spcCol="1270" anchor="ctr" anchorCtr="0">
-          <a:noAutofit/>
-        </a:bodyPr>
-        <a:lstStyle/>
-        <a:p>
-          <a:pPr lvl="0" algn="ctr" defTabSz="800100">
-            <a:lnSpc>
-              <a:spcPct val="90000"/>
-            </a:lnSpc>
-            <a:spcBef>
-              <a:spcPct val="0"/>
-            </a:spcBef>
-            <a:spcAft>
-              <a:spcPct val="35000"/>
-            </a:spcAft>
-          </a:pPr>
-          <a:r>
-            <a:rPr lang="ru-RU" sz="1800" kern="1200" dirty="0" err="1" smtClean="0"/>
-            <a:t>Редакти</a:t>
-          </a:r>
-          <a:r>
-            <a:rPr lang="ru-RU" sz="1800" kern="1200" dirty="0" smtClean="0"/>
-            <a:t>-</a:t>
-          </a:r>
-        </a:p>
-        <a:p>
-          <a:pPr lvl="0" algn="ctr" defTabSz="800100">
-            <a:lnSpc>
-              <a:spcPct val="90000"/>
-            </a:lnSpc>
-            <a:spcBef>
-              <a:spcPct val="0"/>
-            </a:spcBef>
-            <a:spcAft>
-              <a:spcPct val="35000"/>
-            </a:spcAft>
-          </a:pPr>
-          <a:r>
-            <a:rPr lang="ru-RU" sz="1800" kern="1200" dirty="0" err="1" smtClean="0"/>
-            <a:t>рование</a:t>
-          </a:r>
-          <a:endParaRPr lang="ru-RU" sz="1800" kern="1200" dirty="0"/>
-        </a:p>
-      </dsp:txBody>
-      <dsp:txXfrm rot="5400000">
-        <a:off x="2874011" y="2550807"/>
-        <a:ext cx="1531371" cy="1531371"/>
-      </dsp:txXfrm>
-    </dsp:sp>
-    <dsp:sp modelId="{27CA1DAC-9186-40C1-BDB5-6C473E78AFD1}">
-      <dsp:nvSpPr>
-        <dsp:cNvPr id="0" name=""/>
-        <dsp:cNvSpPr/>
-      </dsp:nvSpPr>
-      <dsp:spPr>
-        <a:xfrm>
-          <a:off x="4081530" y="2050649"/>
-          <a:ext cx="747736" cy="650205"/>
-        </a:xfrm>
-        <a:prstGeom prst="circularArrow">
-          <a:avLst/>
-        </a:prstGeom>
-        <a:solidFill>
-          <a:schemeClr val="accent2">
-            <a:tint val="40000"/>
-            <a:hueOff val="0"/>
-            <a:satOff val="0"/>
-            <a:lumOff val="0"/>
-            <a:alphaOff val="0"/>
-          </a:schemeClr>
-        </a:solidFill>
-        <a:ln>
-          <a:noFill/>
-        </a:ln>
-        <a:effectLst/>
-        <a:scene3d>
-          <a:camera prst="orthographicFront">
-            <a:rot lat="0" lon="0" rev="0"/>
-          </a:camera>
-          <a:lightRig rig="contrasting" dir="t">
-            <a:rot lat="0" lon="0" rev="1200000"/>
-          </a:lightRig>
-        </a:scene3d>
-        <a:sp3d z="300000" contourW="19050" prstMaterial="metal">
-          <a:bevelT w="88900" h="203200"/>
-          <a:bevelB w="165100" h="254000"/>
-        </a:sp3d>
-      </dsp:spPr>
-      <dsp:style>
-        <a:lnRef idx="0">
-          <a:scrgbClr r="0" g="0" b="0"/>
-        </a:lnRef>
-        <a:fillRef idx="1">
-          <a:scrgbClr r="0" g="0" b="0"/>
-        </a:fillRef>
-        <a:effectRef idx="0">
-          <a:scrgbClr r="0" g="0" b="0"/>
-        </a:effectRef>
-        <a:fontRef idx="minor"/>
-      </dsp:style>
-    </dsp:sp>
-    <dsp:sp modelId="{A2668D5B-8EBC-4089-9D03-6E6D0652491A}">
-      <dsp:nvSpPr>
-        <dsp:cNvPr id="0" name=""/>
-        <dsp:cNvSpPr/>
-      </dsp:nvSpPr>
-      <dsp:spPr>
-        <a:xfrm rot="10800000">
-          <a:off x="4081530" y="2300728"/>
-          <a:ext cx="747736" cy="650205"/>
-        </a:xfrm>
-        <a:prstGeom prst="circularArrow">
-          <a:avLst/>
-        </a:prstGeom>
-        <a:solidFill>
-          <a:schemeClr val="accent2">
-            <a:tint val="40000"/>
-            <a:hueOff val="0"/>
-            <a:satOff val="0"/>
-            <a:lumOff val="0"/>
-            <a:alphaOff val="0"/>
-          </a:schemeClr>
-        </a:solidFill>
-        <a:ln>
-          <a:noFill/>
-        </a:ln>
-        <a:effectLst/>
-        <a:scene3d>
-          <a:camera prst="orthographicFront">
-            <a:rot lat="0" lon="0" rev="0"/>
-          </a:camera>
-          <a:lightRig rig="contrasting" dir="t">
-            <a:rot lat="0" lon="0" rev="1200000"/>
-          </a:lightRig>
-        </a:scene3d>
-        <a:sp3d z="300000" contourW="19050" prstMaterial="metal">
-          <a:bevelT w="88900" h="203200"/>
-          <a:bevelB w="165100" h="254000"/>
-        </a:sp3d>
-      </dsp:spPr>
-      <dsp:style>
-        <a:lnRef idx="0">
-          <a:scrgbClr r="0" g="0" b="0"/>
-        </a:lnRef>
-        <a:fillRef idx="1">
-          <a:scrgbClr r="0" g="0" b="0"/>
-        </a:fillRef>
-        <a:effectRef idx="0">
-          <a:scrgbClr r="0" g="0" b="0"/>
-        </a:effectRef>
-        <a:fontRef idx="minor"/>
-      </dsp:style>
-    </dsp:sp>
-  </dsp:spTree>
-</dsp:drawing>
-</file>
-
-<file path=ppt/diagrams/drawing3.xml><?xml version="1.0" encoding="utf-8"?>
-<dsp:drawing xmlns:dgm="http://schemas.openxmlformats.org/drawingml/2006/diagram" xmlns:dsp="http://schemas.microsoft.com/office/drawing/2008/diagram" xmlns:a="http://schemas.openxmlformats.org/drawingml/2006/main">
-  <dsp:spTree>
-    <dsp:nvGrpSpPr>
-      <dsp:cNvPr id="0" name=""/>
-      <dsp:cNvGrpSpPr/>
-    </dsp:nvGrpSpPr>
-    <dsp:grpSpPr/>
-    <dsp:sp modelId="{881B8FEC-9D20-4669-BB2E-FA9CEA0BE5A9}">
-      <dsp:nvSpPr>
-        <dsp:cNvPr id="0" name=""/>
-        <dsp:cNvSpPr/>
-      </dsp:nvSpPr>
-      <dsp:spPr>
-        <a:xfrm>
-          <a:off x="4877" y="1607785"/>
-          <a:ext cx="2839417" cy="1135766"/>
-        </a:xfrm>
-        <a:prstGeom prst="chevron">
-          <a:avLst/>
-        </a:prstGeom>
-        <a:gradFill rotWithShape="0">
-          <a:gsLst>
-            <a:gs pos="0">
-              <a:schemeClr val="accent2">
-                <a:hueOff val="0"/>
-                <a:satOff val="0"/>
-                <a:lumOff val="0"/>
-                <a:alphaOff val="0"/>
-                <a:satMod val="103000"/>
-                <a:lumMod val="102000"/>
-                <a:tint val="94000"/>
-              </a:schemeClr>
-            </a:gs>
-            <a:gs pos="50000">
-              <a:schemeClr val="accent2">
-                <a:hueOff val="0"/>
-                <a:satOff val="0"/>
-                <a:lumOff val="0"/>
-                <a:alphaOff val="0"/>
-                <a:satMod val="110000"/>
-                <a:lumMod val="100000"/>
-                <a:shade val="100000"/>
-              </a:schemeClr>
-            </a:gs>
-            <a:gs pos="100000">
-              <a:schemeClr val="accent2">
-                <a:hueOff val="0"/>
-                <a:satOff val="0"/>
-                <a:lumOff val="0"/>
-                <a:alphaOff val="0"/>
-                <a:lumMod val="99000"/>
-                <a:satMod val="120000"/>
-                <a:shade val="78000"/>
-              </a:schemeClr>
-            </a:gs>
-          </a:gsLst>
-          <a:lin ang="5400000" scaled="0"/>
-        </a:gradFill>
-        <a:ln>
-          <a:noFill/>
-        </a:ln>
-        <a:effectLst/>
-      </dsp:spPr>
-      <dsp:style>
-        <a:lnRef idx="0">
-          <a:scrgbClr r="0" g="0" b="0"/>
-        </a:lnRef>
-        <a:fillRef idx="3">
-          <a:scrgbClr r="0" g="0" b="0"/>
-        </a:fillRef>
-        <a:effectRef idx="2">
-          <a:scrgbClr r="0" g="0" b="0"/>
-        </a:effectRef>
-        <a:fontRef idx="minor">
-          <a:schemeClr val="lt1"/>
-        </a:fontRef>
-      </dsp:style>
-      <dsp:txBody>
-        <a:bodyPr spcFirstLastPara="0" vert="horz" wrap="square" lIns="104013" tIns="34671" rIns="34671" bIns="34671" numCol="1" spcCol="1270" anchor="ctr" anchorCtr="0">
-          <a:noAutofit/>
-        </a:bodyPr>
-        <a:lstStyle/>
-        <a:p>
-          <a:pPr lvl="0" algn="ctr" defTabSz="1155700">
-            <a:lnSpc>
-              <a:spcPct val="90000"/>
-            </a:lnSpc>
-            <a:spcBef>
-              <a:spcPct val="0"/>
-            </a:spcBef>
-            <a:spcAft>
-              <a:spcPct val="35000"/>
-            </a:spcAft>
-          </a:pPr>
-          <a:r>
-            <a:rPr lang="en-US" sz="2600" b="0" i="0" kern="1200">
-              <a:latin typeface="Book Antiqua"/>
-            </a:rPr>
-            <a:t>Шаг 1. Заголовок</a:t>
-          </a:r>
-        </a:p>
-      </dsp:txBody>
-      <dsp:txXfrm>
-        <a:off x="572760" y="1607785"/>
-        <a:ext cx="1703651" cy="1135766"/>
-      </dsp:txXfrm>
-    </dsp:sp>
-    <dsp:sp modelId="{919A589F-F74A-40C3-BE88-AB8730BCAB04}">
-      <dsp:nvSpPr>
-        <dsp:cNvPr id="0" name=""/>
-        <dsp:cNvSpPr/>
-      </dsp:nvSpPr>
-      <dsp:spPr>
-        <a:xfrm>
-          <a:off x="2560353" y="1607785"/>
-          <a:ext cx="2839417" cy="1135766"/>
-        </a:xfrm>
-        <a:prstGeom prst="chevron">
-          <a:avLst/>
-        </a:prstGeom>
-        <a:gradFill rotWithShape="0">
-          <a:gsLst>
-            <a:gs pos="0">
-              <a:schemeClr val="accent3">
-                <a:hueOff val="0"/>
-                <a:satOff val="0"/>
-                <a:lumOff val="0"/>
-                <a:alphaOff val="0"/>
-                <a:satMod val="103000"/>
-                <a:lumMod val="102000"/>
-                <a:tint val="94000"/>
-              </a:schemeClr>
-            </a:gs>
-            <a:gs pos="50000">
-              <a:schemeClr val="accent3">
-                <a:hueOff val="0"/>
-                <a:satOff val="0"/>
-                <a:lumOff val="0"/>
-                <a:alphaOff val="0"/>
-                <a:satMod val="110000"/>
-                <a:lumMod val="100000"/>
-                <a:shade val="100000"/>
-              </a:schemeClr>
-            </a:gs>
-            <a:gs pos="100000">
-              <a:schemeClr val="accent3">
-                <a:hueOff val="0"/>
-                <a:satOff val="0"/>
-                <a:lumOff val="0"/>
-                <a:alphaOff val="0"/>
-                <a:lumMod val="99000"/>
-                <a:satMod val="120000"/>
-                <a:shade val="78000"/>
-              </a:schemeClr>
-            </a:gs>
-          </a:gsLst>
-          <a:lin ang="5400000" scaled="0"/>
-        </a:gradFill>
-        <a:ln>
-          <a:noFill/>
-        </a:ln>
-        <a:effectLst/>
-      </dsp:spPr>
-      <dsp:style>
-        <a:lnRef idx="0">
-          <a:scrgbClr r="0" g="0" b="0"/>
-        </a:lnRef>
-        <a:fillRef idx="3">
-          <a:scrgbClr r="0" g="0" b="0"/>
-        </a:fillRef>
-        <a:effectRef idx="2">
-          <a:scrgbClr r="0" g="0" b="0"/>
-        </a:effectRef>
-        <a:fontRef idx="minor">
-          <a:schemeClr val="lt1"/>
-        </a:fontRef>
-      </dsp:style>
-      <dsp:txBody>
-        <a:bodyPr spcFirstLastPara="0" vert="horz" wrap="square" lIns="104013" tIns="34671" rIns="34671" bIns="34671" numCol="1" spcCol="1270" anchor="ctr" anchorCtr="0">
-          <a:noAutofit/>
-        </a:bodyPr>
-        <a:lstStyle/>
-        <a:p>
-          <a:pPr lvl="0" algn="ctr" defTabSz="1155700">
-            <a:lnSpc>
-              <a:spcPct val="90000"/>
-            </a:lnSpc>
-            <a:spcBef>
-              <a:spcPct val="0"/>
-            </a:spcBef>
-            <a:spcAft>
-              <a:spcPct val="35000"/>
-            </a:spcAft>
-          </a:pPr>
-          <a:r>
-            <a:rPr lang="en-US" sz="2600" b="0" i="0" kern="1200">
-              <a:latin typeface="Book Antiqua"/>
-            </a:rPr>
-            <a:t>Шаг 2. Заголовок</a:t>
-          </a:r>
-        </a:p>
-      </dsp:txBody>
-      <dsp:txXfrm>
-        <a:off x="3128236" y="1607785"/>
-        <a:ext cx="1703651" cy="1135766"/>
-      </dsp:txXfrm>
-    </dsp:sp>
-    <dsp:sp modelId="{268F2328-4548-422B-9C65-80797E16B241}">
-      <dsp:nvSpPr>
-        <dsp:cNvPr id="0" name=""/>
-        <dsp:cNvSpPr/>
-      </dsp:nvSpPr>
-      <dsp:spPr>
-        <a:xfrm>
-          <a:off x="5115829" y="1607785"/>
-          <a:ext cx="2839417" cy="1135766"/>
-        </a:xfrm>
-        <a:prstGeom prst="chevron">
-          <a:avLst/>
-        </a:prstGeom>
-        <a:gradFill rotWithShape="0">
-          <a:gsLst>
-            <a:gs pos="0">
-              <a:schemeClr val="accent4">
-                <a:hueOff val="0"/>
-                <a:satOff val="0"/>
-                <a:lumOff val="0"/>
-                <a:alphaOff val="0"/>
-                <a:satMod val="103000"/>
-                <a:lumMod val="102000"/>
-                <a:tint val="94000"/>
-              </a:schemeClr>
-            </a:gs>
-            <a:gs pos="50000">
-              <a:schemeClr val="accent4">
-                <a:hueOff val="0"/>
-                <a:satOff val="0"/>
-                <a:lumOff val="0"/>
-                <a:alphaOff val="0"/>
-                <a:satMod val="110000"/>
-                <a:lumMod val="100000"/>
-                <a:shade val="100000"/>
-              </a:schemeClr>
-            </a:gs>
-            <a:gs pos="100000">
-              <a:schemeClr val="accent4">
-                <a:hueOff val="0"/>
-                <a:satOff val="0"/>
-                <a:lumOff val="0"/>
-                <a:alphaOff val="0"/>
-                <a:lumMod val="99000"/>
-                <a:satMod val="120000"/>
-                <a:shade val="78000"/>
-              </a:schemeClr>
-            </a:gs>
-          </a:gsLst>
-          <a:lin ang="5400000" scaled="0"/>
-        </a:gradFill>
-        <a:ln>
-          <a:noFill/>
-        </a:ln>
-        <a:effectLst/>
-      </dsp:spPr>
-      <dsp:style>
-        <a:lnRef idx="0">
-          <a:scrgbClr r="0" g="0" b="0"/>
-        </a:lnRef>
-        <a:fillRef idx="3">
-          <a:scrgbClr r="0" g="0" b="0"/>
-        </a:fillRef>
-        <a:effectRef idx="2">
-          <a:scrgbClr r="0" g="0" b="0"/>
-        </a:effectRef>
-        <a:fontRef idx="minor">
-          <a:schemeClr val="lt1"/>
-        </a:fontRef>
-      </dsp:style>
-      <dsp:txBody>
-        <a:bodyPr spcFirstLastPara="0" vert="horz" wrap="square" lIns="104013" tIns="34671" rIns="34671" bIns="34671" numCol="1" spcCol="1270" anchor="ctr" anchorCtr="0">
-          <a:noAutofit/>
-        </a:bodyPr>
-        <a:lstStyle/>
-        <a:p>
-          <a:pPr lvl="0" algn="ctr" defTabSz="1155700">
-            <a:lnSpc>
-              <a:spcPct val="90000"/>
-            </a:lnSpc>
-            <a:spcBef>
-              <a:spcPct val="0"/>
-            </a:spcBef>
-            <a:spcAft>
-              <a:spcPct val="35000"/>
-            </a:spcAft>
-          </a:pPr>
-          <a:r>
-            <a:rPr lang="en-US" sz="2600" b="0" i="0" kern="1200">
-              <a:latin typeface="Book Antiqua"/>
-            </a:rPr>
-            <a:t>Шаг 3. Заголовок</a:t>
-          </a:r>
-        </a:p>
-      </dsp:txBody>
-      <dsp:txXfrm>
-        <a:off x="5683712" y="1607785"/>
-        <a:ext cx="1703651" cy="1135766"/>
-      </dsp:txXfrm>
-    </dsp:sp>
-    <dsp:sp modelId="{BDD0B0F7-A87C-4B5B-A4C3-4E4BE6EB0FE4}">
-      <dsp:nvSpPr>
-        <dsp:cNvPr id="0" name=""/>
-        <dsp:cNvSpPr/>
-      </dsp:nvSpPr>
-      <dsp:spPr>
-        <a:xfrm>
-          <a:off x="7671304" y="1607785"/>
-          <a:ext cx="2839417" cy="1135766"/>
-        </a:xfrm>
-        <a:prstGeom prst="chevron">
-          <a:avLst/>
-        </a:prstGeom>
-        <a:gradFill rotWithShape="0">
-          <a:gsLst>
-            <a:gs pos="0">
-              <a:schemeClr val="accent5">
-                <a:hueOff val="0"/>
-                <a:satOff val="0"/>
-                <a:lumOff val="0"/>
-                <a:alphaOff val="0"/>
-                <a:satMod val="103000"/>
-                <a:lumMod val="102000"/>
-                <a:tint val="94000"/>
-              </a:schemeClr>
-            </a:gs>
-            <a:gs pos="50000">
-              <a:schemeClr val="accent5">
-                <a:hueOff val="0"/>
-                <a:satOff val="0"/>
-                <a:lumOff val="0"/>
-                <a:alphaOff val="0"/>
-                <a:satMod val="110000"/>
-                <a:lumMod val="100000"/>
-                <a:shade val="100000"/>
-              </a:schemeClr>
-            </a:gs>
-            <a:gs pos="100000">
-              <a:schemeClr val="accent5">
-                <a:hueOff val="0"/>
-                <a:satOff val="0"/>
-                <a:lumOff val="0"/>
-                <a:alphaOff val="0"/>
-                <a:lumMod val="99000"/>
-                <a:satMod val="120000"/>
-                <a:shade val="78000"/>
-              </a:schemeClr>
-            </a:gs>
-          </a:gsLst>
-          <a:lin ang="5400000" scaled="0"/>
-        </a:gradFill>
-        <a:ln>
-          <a:noFill/>
-        </a:ln>
-        <a:effectLst/>
-      </dsp:spPr>
-      <dsp:style>
-        <a:lnRef idx="0">
-          <a:scrgbClr r="0" g="0" b="0"/>
-        </a:lnRef>
-        <a:fillRef idx="3">
-          <a:scrgbClr r="0" g="0" b="0"/>
-        </a:fillRef>
-        <a:effectRef idx="2">
-          <a:scrgbClr r="0" g="0" b="0"/>
-        </a:effectRef>
-        <a:fontRef idx="minor">
-          <a:schemeClr val="lt1"/>
-        </a:fontRef>
-      </dsp:style>
-      <dsp:txBody>
-        <a:bodyPr spcFirstLastPara="0" vert="horz" wrap="square" lIns="104013" tIns="34671" rIns="34671" bIns="34671" numCol="1" spcCol="1270" anchor="ctr" anchorCtr="0">
-          <a:noAutofit/>
-        </a:bodyPr>
-        <a:lstStyle/>
-        <a:p>
-          <a:pPr lvl="0" algn="ctr" defTabSz="1155700">
-            <a:lnSpc>
-              <a:spcPct val="90000"/>
-            </a:lnSpc>
-            <a:spcBef>
-              <a:spcPct val="0"/>
-            </a:spcBef>
-            <a:spcAft>
-              <a:spcPct val="35000"/>
-            </a:spcAft>
-          </a:pPr>
-          <a:r>
-            <a:rPr lang="en-US" sz="2600" b="0" i="0" kern="1200">
-              <a:latin typeface="Book Antiqua"/>
-            </a:rPr>
-            <a:t>Шаг 4. Заголовок</a:t>
-          </a:r>
-        </a:p>
-      </dsp:txBody>
-      <dsp:txXfrm>
-        <a:off x="8239187" y="1607785"/>
-        <a:ext cx="1703651" cy="1135766"/>
-      </dsp:txXfrm>
-    </dsp:sp>
   </dsp:spTree>
 </dsp:drawing>
 </file>
@@ -9281,289 +5709,6 @@
 </dgm:layoutDef>
 </file>
 
-<file path=ppt/diagrams/layout3.xml><?xml version="1.0" encoding="utf-8"?>
-<dgm:layoutDef xmlns:dgm="http://schemas.openxmlformats.org/drawingml/2006/diagram" xmlns:a="http://schemas.openxmlformats.org/drawingml/2006/main" uniqueId="urn:microsoft.com/office/officeart/2005/8/layout/chevron1">
-  <dgm:title val=""/>
-  <dgm:desc val=""/>
-  <dgm:catLst>
-    <dgm:cat type="process" pri="9000"/>
-  </dgm:catLst>
-  <dgm:sampData useDef="1">
-    <dgm:dataModel>
-      <dgm:ptLst/>
-      <dgm:bg/>
-      <dgm:whole/>
-    </dgm:dataModel>
-  </dgm:sampData>
-  <dgm:styleData>
-    <dgm:dataModel>
-      <dgm:ptLst>
-        <dgm:pt modelId="0" type="doc"/>
-        <dgm:pt modelId="1"/>
-        <dgm:pt modelId="2"/>
-      </dgm:ptLst>
-      <dgm:cxnLst>
-        <dgm:cxn modelId="3" srcId="0" destId="1" srcOrd="0" destOrd="0"/>
-        <dgm:cxn modelId="4" srcId="0" destId="2" srcOrd="1" destOrd="0"/>
-      </dgm:cxnLst>
-      <dgm:bg/>
-      <dgm:whole/>
-    </dgm:dataModel>
-  </dgm:styleData>
-  <dgm:clrData>
-    <dgm:dataModel>
-      <dgm:ptLst>
-        <dgm:pt modelId="0" type="doc"/>
-        <dgm:pt modelId="1"/>
-        <dgm:pt modelId="2"/>
-        <dgm:pt modelId="3"/>
-        <dgm:pt modelId="4"/>
-      </dgm:ptLst>
-      <dgm:cxnLst>
-        <dgm:cxn modelId="5" srcId="0" destId="1" srcOrd="0" destOrd="0"/>
-        <dgm:cxn modelId="6" srcId="0" destId="2" srcOrd="1" destOrd="0"/>
-        <dgm:cxn modelId="7" srcId="0" destId="3" srcOrd="2" destOrd="0"/>
-        <dgm:cxn modelId="8" srcId="0" destId="4" srcOrd="3" destOrd="0"/>
-      </dgm:cxnLst>
-      <dgm:bg/>
-      <dgm:whole/>
-    </dgm:dataModel>
-  </dgm:clrData>
-  <dgm:layoutNode name="Name0">
-    <dgm:varLst>
-      <dgm:dir/>
-      <dgm:animLvl val="lvl"/>
-      <dgm:resizeHandles val="exact"/>
-    </dgm:varLst>
-    <dgm:choose name="Name1">
-      <dgm:if name="Name2" func="var" arg="dir" op="equ" val="norm">
-        <dgm:alg type="lin"/>
-      </dgm:if>
-      <dgm:else name="Name3">
-        <dgm:alg type="lin">
-          <dgm:param type="linDir" val="fromR"/>
-        </dgm:alg>
-      </dgm:else>
-    </dgm:choose>
-    <dgm:shape xmlns:r="http://schemas.openxmlformats.org/officeDocument/2006/relationships" r:blip="">
-      <dgm:adjLst/>
-    </dgm:shape>
-    <dgm:presOf/>
-    <dgm:choose name="Name4">
-      <dgm:if name="Name5" axis="des" func="maxDepth" op="gte" val="2">
-        <dgm:constrLst>
-          <dgm:constr type="h" for="ch" forName="composite" refType="h"/>
-          <dgm:constr type="w" for="ch" forName="composite" refType="w"/>
-          <dgm:constr type="w" for="des" forName="parTx"/>
-          <dgm:constr type="h" for="des" forName="parTx" op="equ"/>
-          <dgm:constr type="w" for="des" forName="desTx"/>
-          <dgm:constr type="h" for="des" forName="desTx" op="equ"/>
-          <dgm:constr type="primFontSz" for="des" forName="parTx" val="65"/>
-          <dgm:constr type="secFontSz" for="des" forName="desTx" refType="primFontSz" refFor="des" refForName="parTx" op="equ"/>
-          <dgm:constr type="h" for="des" forName="parTx" refType="primFontSz" refFor="des" refForName="parTx" fact="1.5"/>
-          <dgm:constr type="h" for="des" forName="desTx" refType="primFontSz" refFor="des" refForName="parTx" fact="0.5"/>
-          <dgm:constr type="w" for="ch" forName="space" op="equ" val="-6"/>
-        </dgm:constrLst>
-        <dgm:ruleLst>
-          <dgm:rule type="w" for="ch" forName="composite" val="0" fact="NaN" max="NaN"/>
-          <dgm:rule type="primFontSz" for="des" forName="parTx" val="5" fact="NaN" max="NaN"/>
-        </dgm:ruleLst>
-        <dgm:forEach name="Name6" axis="ch" ptType="node">
-          <dgm:layoutNode name="composite">
-            <dgm:alg type="composite"/>
-            <dgm:shape xmlns:r="http://schemas.openxmlformats.org/officeDocument/2006/relationships" r:blip="">
-              <dgm:adjLst/>
-            </dgm:shape>
-            <dgm:presOf/>
-            <dgm:choose name="Name7">
-              <dgm:if name="Name8" func="var" arg="dir" op="equ" val="norm">
-                <dgm:constrLst>
-                  <dgm:constr type="l" for="ch" forName="parTx"/>
-                  <dgm:constr type="w" for="ch" forName="parTx" refType="w"/>
-                  <dgm:constr type="t" for="ch" forName="parTx"/>
-                  <dgm:constr type="l" for="ch" forName="desTx"/>
-                  <dgm:constr type="w" for="ch" forName="desTx" refType="w" refFor="ch" refForName="parTx" fact="0.8"/>
-                  <dgm:constr type="t" for="ch" forName="desTx" refType="h" refFor="ch" refForName="parTx" fact="1.125"/>
-                </dgm:constrLst>
-              </dgm:if>
-              <dgm:else name="Name9">
-                <dgm:constrLst>
-                  <dgm:constr type="l" for="ch" forName="parTx"/>
-                  <dgm:constr type="w" for="ch" forName="parTx" refType="w"/>
-                  <dgm:constr type="t" for="ch" forName="parTx"/>
-                  <dgm:constr type="l" for="ch" forName="desTx" refType="w" fact="0.2"/>
-                  <dgm:constr type="w" for="ch" forName="desTx" refType="w" refFor="ch" refForName="parTx" fact="0.8"/>
-                  <dgm:constr type="t" for="ch" forName="desTx" refType="h" refFor="ch" refForName="parTx" fact="1.125"/>
-                </dgm:constrLst>
-              </dgm:else>
-            </dgm:choose>
-            <dgm:ruleLst>
-              <dgm:rule type="h" val="INF" fact="NaN" max="NaN"/>
-            </dgm:ruleLst>
-            <dgm:layoutNode name="parTx">
-              <dgm:varLst>
-                <dgm:chMax val="0"/>
-                <dgm:chPref val="0"/>
-                <dgm:bulletEnabled val="1"/>
-              </dgm:varLst>
-              <dgm:alg type="tx"/>
-              <dgm:choose name="Name10">
-                <dgm:if name="Name11" func="var" arg="dir" op="equ" val="norm">
-                  <dgm:shape xmlns:r="http://schemas.openxmlformats.org/officeDocument/2006/relationships" type="chevron" r:blip="">
-                    <dgm:adjLst/>
-                  </dgm:shape>
-                </dgm:if>
-                <dgm:else name="Name12">
-                  <dgm:shape xmlns:r="http://schemas.openxmlformats.org/officeDocument/2006/relationships" rot="180" type="chevron" r:blip="">
-                    <dgm:adjLst/>
-                  </dgm:shape>
-                </dgm:else>
-              </dgm:choose>
-              <dgm:presOf axis="self" ptType="node"/>
-              <dgm:choose name="Name13">
-                <dgm:if name="Name14" func="var" arg="dir" op="equ" val="norm">
-                  <dgm:constrLst>
-                    <dgm:constr type="h" refType="w" op="lte" fact="0.4"/>
-                    <dgm:constr type="h"/>
-                    <dgm:constr type="tMarg" refType="primFontSz" fact="0.105"/>
-                    <dgm:constr type="bMarg" refType="primFontSz" fact="0.105"/>
-                    <dgm:constr type="lMarg" refType="primFontSz" fact="0.315"/>
-                    <dgm:constr type="rMarg" refType="primFontSz" fact="0.105"/>
-                  </dgm:constrLst>
-                </dgm:if>
-                <dgm:else name="Name15">
-                  <dgm:constrLst>
-                    <dgm:constr type="h" refType="w" op="lte" fact="0.4"/>
-                    <dgm:constr type="h"/>
-                    <dgm:constr type="tMarg" refType="primFontSz" fact="0.105"/>
-                    <dgm:constr type="bMarg" refType="primFontSz" fact="0.105"/>
-                    <dgm:constr type="lMarg" refType="primFontSz" fact="0.105"/>
-                    <dgm:constr type="rMarg" refType="primFontSz" fact="0.315"/>
-                  </dgm:constrLst>
-                </dgm:else>
-              </dgm:choose>
-              <dgm:ruleLst>
-                <dgm:rule type="h" val="INF" fact="NaN" max="NaN"/>
-              </dgm:ruleLst>
-            </dgm:layoutNode>
-            <dgm:layoutNode name="desTx" styleLbl="revTx">
-              <dgm:varLst>
-                <dgm:bulletEnabled val="1"/>
-              </dgm:varLst>
-              <dgm:alg type="tx">
-                <dgm:param type="stBulletLvl" val="1"/>
-              </dgm:alg>
-              <dgm:choose name="Name16">
-                <dgm:if name="Name17" axis="ch" ptType="node" func="cnt" op="gte" val="1">
-                  <dgm:shape xmlns:r="http://schemas.openxmlformats.org/officeDocument/2006/relationships" type="rect" r:blip="">
-                    <dgm:adjLst/>
-                  </dgm:shape>
-                </dgm:if>
-                <dgm:else name="Name18">
-                  <dgm:shape xmlns:r="http://schemas.openxmlformats.org/officeDocument/2006/relationships" type="rect" r:blip="" hideGeom="1">
-                    <dgm:adjLst/>
-                  </dgm:shape>
-                </dgm:else>
-              </dgm:choose>
-              <dgm:presOf axis="des" ptType="node"/>
-              <dgm:constrLst>
-                <dgm:constr type="secFontSz" val="65"/>
-                <dgm:constr type="primFontSz" refType="secFontSz"/>
-                <dgm:constr type="h"/>
-                <dgm:constr type="tMarg"/>
-                <dgm:constr type="bMarg"/>
-                <dgm:constr type="rMarg"/>
-                <dgm:constr type="lMarg"/>
-              </dgm:constrLst>
-              <dgm:ruleLst>
-                <dgm:rule type="h" val="INF" fact="NaN" max="NaN"/>
-              </dgm:ruleLst>
-            </dgm:layoutNode>
-          </dgm:layoutNode>
-          <dgm:forEach name="Name19" axis="followSib" ptType="sibTrans" cnt="1">
-            <dgm:layoutNode name="space">
-              <dgm:alg type="sp"/>
-              <dgm:shape xmlns:r="http://schemas.openxmlformats.org/officeDocument/2006/relationships" r:blip="">
-                <dgm:adjLst/>
-              </dgm:shape>
-              <dgm:presOf/>
-              <dgm:constrLst/>
-              <dgm:ruleLst/>
-            </dgm:layoutNode>
-          </dgm:forEach>
-        </dgm:forEach>
-      </dgm:if>
-      <dgm:else name="Name20">
-        <dgm:constrLst>
-          <dgm:constr type="w" for="ch" forName="parTxOnly" refType="w"/>
-          <dgm:constr type="h" for="des" forName="parTxOnly" op="equ"/>
-          <dgm:constr type="primFontSz" for="des" forName="parTxOnly" op="equ" val="65"/>
-          <dgm:constr type="w" for="ch" forName="parTxOnlySpace" refType="w" refFor="ch" refForName="parTxOnly" fact="-0.1"/>
-        </dgm:constrLst>
-        <dgm:ruleLst/>
-        <dgm:forEach name="Name21" axis="ch" ptType="node">
-          <dgm:layoutNode name="parTxOnly">
-            <dgm:varLst>
-              <dgm:chMax val="0"/>
-              <dgm:chPref val="0"/>
-              <dgm:bulletEnabled val="1"/>
-            </dgm:varLst>
-            <dgm:alg type="tx"/>
-            <dgm:choose name="Name22">
-              <dgm:if name="Name23" func="var" arg="dir" op="equ" val="norm">
-                <dgm:shape xmlns:r="http://schemas.openxmlformats.org/officeDocument/2006/relationships" type="chevron" r:blip="">
-                  <dgm:adjLst/>
-                </dgm:shape>
-              </dgm:if>
-              <dgm:else name="Name24">
-                <dgm:shape xmlns:r="http://schemas.openxmlformats.org/officeDocument/2006/relationships" rot="180" type="chevron" r:blip="">
-                  <dgm:adjLst/>
-                </dgm:shape>
-              </dgm:else>
-            </dgm:choose>
-            <dgm:presOf axis="self" ptType="node"/>
-            <dgm:choose name="Name25">
-              <dgm:if name="Name26" func="var" arg="dir" op="equ" val="norm">
-                <dgm:constrLst>
-                  <dgm:constr type="h" refType="w" op="equ" fact="0.4"/>
-                  <dgm:constr type="tMarg" refType="primFontSz" fact="0.105"/>
-                  <dgm:constr type="bMarg" refType="primFontSz" fact="0.105"/>
-                  <dgm:constr type="lMarg" refType="primFontSz" fact="0.315"/>
-                  <dgm:constr type="rMarg" refType="primFontSz" fact="0.105"/>
-                </dgm:constrLst>
-              </dgm:if>
-              <dgm:else name="Name27">
-                <dgm:constrLst>
-                  <dgm:constr type="h" refType="w" op="equ" fact="0.4"/>
-                  <dgm:constr type="tMarg" refType="primFontSz" fact="0.105"/>
-                  <dgm:constr type="bMarg" refType="primFontSz" fact="0.105"/>
-                  <dgm:constr type="lMarg" refType="primFontSz" fact="0.105"/>
-                  <dgm:constr type="rMarg" refType="primFontSz" fact="0.315"/>
-                </dgm:constrLst>
-              </dgm:else>
-            </dgm:choose>
-            <dgm:ruleLst>
-              <dgm:rule type="primFontSz" val="5" fact="NaN" max="NaN"/>
-            </dgm:ruleLst>
-          </dgm:layoutNode>
-          <dgm:forEach name="Name28" axis="followSib" ptType="sibTrans" cnt="1">
-            <dgm:layoutNode name="parTxOnlySpace">
-              <dgm:alg type="sp"/>
-              <dgm:shape xmlns:r="http://schemas.openxmlformats.org/officeDocument/2006/relationships" r:blip="">
-                <dgm:adjLst/>
-              </dgm:shape>
-              <dgm:presOf/>
-              <dgm:constrLst/>
-              <dgm:ruleLst/>
-            </dgm:layoutNode>
-          </dgm:forEach>
-        </dgm:forEach>
-      </dgm:else>
-    </dgm:choose>
-  </dgm:layoutNode>
-</dgm:layoutDef>
-</file>
-
 <file path=ppt/diagrams/quickStyle1.xml><?xml version="1.0" encoding="utf-8"?>
 <dgm:styleDef xmlns:dgm="http://schemas.openxmlformats.org/drawingml/2006/diagram" xmlns:a="http://schemas.openxmlformats.org/drawingml/2006/main" uniqueId="urn:microsoft.com/office/officeart/2005/8/quickstyle/simple1">
   <dgm:title val=""/>
@@ -11914,1040 +8059,6 @@
     <dgm:txPr/>
     <dgm:style>
       <a:lnRef idx="1">
-        <a:scrgbClr r="0" g="0" b="0"/>
-      </a:lnRef>
-      <a:fillRef idx="0">
-        <a:scrgbClr r="0" g="0" b="0"/>
-      </a:fillRef>
-      <a:effectRef idx="0">
-        <a:scrgbClr r="0" g="0" b="0"/>
-      </a:effectRef>
-      <a:fontRef idx="minor"/>
-    </dgm:style>
-  </dgm:styleLbl>
-</dgm:styleDef>
-</file>
-
-<file path=ppt/diagrams/quickStyle3.xml><?xml version="1.0" encoding="utf-8"?>
-<dgm:styleDef xmlns:dgm="http://schemas.openxmlformats.org/drawingml/2006/diagram" xmlns:a="http://schemas.openxmlformats.org/drawingml/2006/main" uniqueId="urn:microsoft.com/office/officeart/2005/8/quickstyle/simple4">
-  <dgm:title val=""/>
-  <dgm:desc val=""/>
-  <dgm:catLst>
-    <dgm:cat type="simple" pri="10400"/>
-  </dgm:catLst>
-  <dgm:scene3d>
-    <a:camera prst="orthographicFront"/>
-    <a:lightRig rig="threePt" dir="t"/>
-  </dgm:scene3d>
-  <dgm:styleLbl name="node0">
-    <dgm:scene3d>
-      <a:camera prst="orthographicFront"/>
-      <a:lightRig rig="threePt" dir="t"/>
-    </dgm:scene3d>
-    <dgm:sp3d/>
-    <dgm:txPr/>
-    <dgm:style>
-      <a:lnRef idx="0">
-        <a:scrgbClr r="0" g="0" b="0"/>
-      </a:lnRef>
-      <a:fillRef idx="3">
-        <a:scrgbClr r="0" g="0" b="0"/>
-      </a:fillRef>
-      <a:effectRef idx="2">
-        <a:scrgbClr r="0" g="0" b="0"/>
-      </a:effectRef>
-      <a:fontRef idx="minor">
-        <a:schemeClr val="lt1"/>
-      </a:fontRef>
-    </dgm:style>
-  </dgm:styleLbl>
-  <dgm:styleLbl name="lnNode1">
-    <dgm:scene3d>
-      <a:camera prst="orthographicFront"/>
-      <a:lightRig rig="threePt" dir="t"/>
-    </dgm:scene3d>
-    <dgm:sp3d/>
-    <dgm:txPr/>
-    <dgm:style>
-      <a:lnRef idx="1">
-        <a:scrgbClr r="0" g="0" b="0"/>
-      </a:lnRef>
-      <a:fillRef idx="3">
-        <a:scrgbClr r="0" g="0" b="0"/>
-      </a:fillRef>
-      <a:effectRef idx="2">
-        <a:scrgbClr r="0" g="0" b="0"/>
-      </a:effectRef>
-      <a:fontRef idx="minor">
-        <a:schemeClr val="lt1"/>
-      </a:fontRef>
-    </dgm:style>
-  </dgm:styleLbl>
-  <dgm:styleLbl name="vennNode1">
-    <dgm:scene3d>
-      <a:camera prst="orthographicFront"/>
-      <a:lightRig rig="threePt" dir="t"/>
-    </dgm:scene3d>
-    <dgm:sp3d/>
-    <dgm:txPr/>
-    <dgm:style>
-      <a:lnRef idx="0">
-        <a:scrgbClr r="0" g="0" b="0"/>
-      </a:lnRef>
-      <a:fillRef idx="3">
-        <a:scrgbClr r="0" g="0" b="0"/>
-      </a:fillRef>
-      <a:effectRef idx="0">
-        <a:scrgbClr r="0" g="0" b="0"/>
-      </a:effectRef>
-      <a:fontRef idx="minor">
-        <a:schemeClr val="tx1"/>
-      </a:fontRef>
-    </dgm:style>
-  </dgm:styleLbl>
-  <dgm:styleLbl name="alignNode1">
-    <dgm:scene3d>
-      <a:camera prst="orthographicFront"/>
-      <a:lightRig rig="threePt" dir="t"/>
-    </dgm:scene3d>
-    <dgm:sp3d/>
-    <dgm:txPr/>
-    <dgm:style>
-      <a:lnRef idx="1">
-        <a:scrgbClr r="0" g="0" b="0"/>
-      </a:lnRef>
-      <a:fillRef idx="3">
-        <a:scrgbClr r="0" g="0" b="0"/>
-      </a:fillRef>
-      <a:effectRef idx="2">
-        <a:scrgbClr r="0" g="0" b="0"/>
-      </a:effectRef>
-      <a:fontRef idx="minor">
-        <a:schemeClr val="lt1"/>
-      </a:fontRef>
-    </dgm:style>
-  </dgm:styleLbl>
-  <dgm:styleLbl name="node1">
-    <dgm:scene3d>
-      <a:camera prst="orthographicFront"/>
-      <a:lightRig rig="threePt" dir="t"/>
-    </dgm:scene3d>
-    <dgm:sp3d/>
-    <dgm:txPr/>
-    <dgm:style>
-      <a:lnRef idx="0">
-        <a:scrgbClr r="0" g="0" b="0"/>
-      </a:lnRef>
-      <a:fillRef idx="3">
-        <a:scrgbClr r="0" g="0" b="0"/>
-      </a:fillRef>
-      <a:effectRef idx="2">
-        <a:scrgbClr r="0" g="0" b="0"/>
-      </a:effectRef>
-      <a:fontRef idx="minor">
-        <a:schemeClr val="lt1"/>
-      </a:fontRef>
-    </dgm:style>
-  </dgm:styleLbl>
-  <dgm:styleLbl name="node2">
-    <dgm:scene3d>
-      <a:camera prst="orthographicFront"/>
-      <a:lightRig rig="threePt" dir="t"/>
-    </dgm:scene3d>
-    <dgm:sp3d/>
-    <dgm:txPr/>
-    <dgm:style>
-      <a:lnRef idx="0">
-        <a:scrgbClr r="0" g="0" b="0"/>
-      </a:lnRef>
-      <a:fillRef idx="3">
-        <a:scrgbClr r="0" g="0" b="0"/>
-      </a:fillRef>
-      <a:effectRef idx="2">
-        <a:scrgbClr r="0" g="0" b="0"/>
-      </a:effectRef>
-      <a:fontRef idx="minor">
-        <a:schemeClr val="lt1"/>
-      </a:fontRef>
-    </dgm:style>
-  </dgm:styleLbl>
-  <dgm:styleLbl name="node3">
-    <dgm:scene3d>
-      <a:camera prst="orthographicFront"/>
-      <a:lightRig rig="threePt" dir="t"/>
-    </dgm:scene3d>
-    <dgm:sp3d/>
-    <dgm:txPr/>
-    <dgm:style>
-      <a:lnRef idx="0">
-        <a:scrgbClr r="0" g="0" b="0"/>
-      </a:lnRef>
-      <a:fillRef idx="3">
-        <a:scrgbClr r="0" g="0" b="0"/>
-      </a:fillRef>
-      <a:effectRef idx="2">
-        <a:scrgbClr r="0" g="0" b="0"/>
-      </a:effectRef>
-      <a:fontRef idx="minor">
-        <a:schemeClr val="lt1"/>
-      </a:fontRef>
-    </dgm:style>
-  </dgm:styleLbl>
-  <dgm:styleLbl name="node4">
-    <dgm:scene3d>
-      <a:camera prst="orthographicFront"/>
-      <a:lightRig rig="threePt" dir="t"/>
-    </dgm:scene3d>
-    <dgm:sp3d/>
-    <dgm:txPr/>
-    <dgm:style>
-      <a:lnRef idx="0">
-        <a:scrgbClr r="0" g="0" b="0"/>
-      </a:lnRef>
-      <a:fillRef idx="3">
-        <a:scrgbClr r="0" g="0" b="0"/>
-      </a:fillRef>
-      <a:effectRef idx="2">
-        <a:scrgbClr r="0" g="0" b="0"/>
-      </a:effectRef>
-      <a:fontRef idx="minor">
-        <a:schemeClr val="lt1"/>
-      </a:fontRef>
-    </dgm:style>
-  </dgm:styleLbl>
-  <dgm:styleLbl name="fgImgPlace1">
-    <dgm:scene3d>
-      <a:camera prst="orthographicFront"/>
-      <a:lightRig rig="threePt" dir="t"/>
-    </dgm:scene3d>
-    <dgm:sp3d/>
-    <dgm:txPr/>
-    <dgm:style>
-      <a:lnRef idx="0">
-        <a:scrgbClr r="0" g="0" b="0"/>
-      </a:lnRef>
-      <a:fillRef idx="1">
-        <a:scrgbClr r="0" g="0" b="0"/>
-      </a:fillRef>
-      <a:effectRef idx="2">
-        <a:scrgbClr r="0" g="0" b="0"/>
-      </a:effectRef>
-      <a:fontRef idx="minor"/>
-    </dgm:style>
-  </dgm:styleLbl>
-  <dgm:styleLbl name="alignImgPlace1">
-    <dgm:scene3d>
-      <a:camera prst="orthographicFront"/>
-      <a:lightRig rig="threePt" dir="t"/>
-    </dgm:scene3d>
-    <dgm:sp3d/>
-    <dgm:txPr/>
-    <dgm:style>
-      <a:lnRef idx="0">
-        <a:scrgbClr r="0" g="0" b="0"/>
-      </a:lnRef>
-      <a:fillRef idx="1">
-        <a:scrgbClr r="0" g="0" b="0"/>
-      </a:fillRef>
-      <a:effectRef idx="2">
-        <a:scrgbClr r="0" g="0" b="0"/>
-      </a:effectRef>
-      <a:fontRef idx="minor"/>
-    </dgm:style>
-  </dgm:styleLbl>
-  <dgm:styleLbl name="bgImgPlace1">
-    <dgm:scene3d>
-      <a:camera prst="orthographicFront"/>
-      <a:lightRig rig="threePt" dir="t"/>
-    </dgm:scene3d>
-    <dgm:sp3d/>
-    <dgm:txPr/>
-    <dgm:style>
-      <a:lnRef idx="0">
-        <a:scrgbClr r="0" g="0" b="0"/>
-      </a:lnRef>
-      <a:fillRef idx="1">
-        <a:scrgbClr r="0" g="0" b="0"/>
-      </a:fillRef>
-      <a:effectRef idx="2">
-        <a:scrgbClr r="0" g="0" b="0"/>
-      </a:effectRef>
-      <a:fontRef idx="minor"/>
-    </dgm:style>
-  </dgm:styleLbl>
-  <dgm:styleLbl name="sibTrans2D1">
-    <dgm:scene3d>
-      <a:camera prst="orthographicFront"/>
-      <a:lightRig rig="threePt" dir="t"/>
-    </dgm:scene3d>
-    <dgm:sp3d/>
-    <dgm:txPr/>
-    <dgm:style>
-      <a:lnRef idx="0">
-        <a:scrgbClr r="0" g="0" b="0"/>
-      </a:lnRef>
-      <a:fillRef idx="3">
-        <a:scrgbClr r="0" g="0" b="0"/>
-      </a:fillRef>
-      <a:effectRef idx="2">
-        <a:scrgbClr r="0" g="0" b="0"/>
-      </a:effectRef>
-      <a:fontRef idx="minor">
-        <a:schemeClr val="lt1"/>
-      </a:fontRef>
-    </dgm:style>
-  </dgm:styleLbl>
-  <dgm:styleLbl name="fgSibTrans2D1">
-    <dgm:scene3d>
-      <a:camera prst="orthographicFront"/>
-      <a:lightRig rig="threePt" dir="t"/>
-    </dgm:scene3d>
-    <dgm:sp3d/>
-    <dgm:txPr/>
-    <dgm:style>
-      <a:lnRef idx="0">
-        <a:scrgbClr r="0" g="0" b="0"/>
-      </a:lnRef>
-      <a:fillRef idx="3">
-        <a:scrgbClr r="0" g="0" b="0"/>
-      </a:fillRef>
-      <a:effectRef idx="2">
-        <a:scrgbClr r="0" g="0" b="0"/>
-      </a:effectRef>
-      <a:fontRef idx="minor">
-        <a:schemeClr val="lt1"/>
-      </a:fontRef>
-    </dgm:style>
-  </dgm:styleLbl>
-  <dgm:styleLbl name="bgSibTrans2D1">
-    <dgm:scene3d>
-      <a:camera prst="orthographicFront"/>
-      <a:lightRig rig="threePt" dir="t"/>
-    </dgm:scene3d>
-    <dgm:sp3d/>
-    <dgm:txPr/>
-    <dgm:style>
-      <a:lnRef idx="0">
-        <a:scrgbClr r="0" g="0" b="0"/>
-      </a:lnRef>
-      <a:fillRef idx="3">
-        <a:scrgbClr r="0" g="0" b="0"/>
-      </a:fillRef>
-      <a:effectRef idx="2">
-        <a:scrgbClr r="0" g="0" b="0"/>
-      </a:effectRef>
-      <a:fontRef idx="minor">
-        <a:schemeClr val="lt1"/>
-      </a:fontRef>
-    </dgm:style>
-  </dgm:styleLbl>
-  <dgm:styleLbl name="sibTrans1D1">
-    <dgm:scene3d>
-      <a:camera prst="orthographicFront"/>
-      <a:lightRig rig="threePt" dir="t"/>
-    </dgm:scene3d>
-    <dgm:sp3d/>
-    <dgm:txPr/>
-    <dgm:style>
-      <a:lnRef idx="1">
-        <a:scrgbClr r="0" g="0" b="0"/>
-      </a:lnRef>
-      <a:fillRef idx="0">
-        <a:scrgbClr r="0" g="0" b="0"/>
-      </a:fillRef>
-      <a:effectRef idx="0">
-        <a:scrgbClr r="0" g="0" b="0"/>
-      </a:effectRef>
-      <a:fontRef idx="minor"/>
-    </dgm:style>
-  </dgm:styleLbl>
-  <dgm:styleLbl name="callout">
-    <dgm:scene3d>
-      <a:camera prst="orthographicFront"/>
-      <a:lightRig rig="threePt" dir="t"/>
-    </dgm:scene3d>
-    <dgm:sp3d/>
-    <dgm:txPr/>
-    <dgm:style>
-      <a:lnRef idx="2">
-        <a:scrgbClr r="0" g="0" b="0"/>
-      </a:lnRef>
-      <a:fillRef idx="1">
-        <a:scrgbClr r="0" g="0" b="0"/>
-      </a:fillRef>
-      <a:effectRef idx="1">
-        <a:scrgbClr r="0" g="0" b="0"/>
-      </a:effectRef>
-      <a:fontRef idx="minor"/>
-    </dgm:style>
-  </dgm:styleLbl>
-  <dgm:styleLbl name="asst0">
-    <dgm:scene3d>
-      <a:camera prst="orthographicFront"/>
-      <a:lightRig rig="threePt" dir="t"/>
-    </dgm:scene3d>
-    <dgm:sp3d/>
-    <dgm:txPr/>
-    <dgm:style>
-      <a:lnRef idx="0">
-        <a:scrgbClr r="0" g="0" b="0"/>
-      </a:lnRef>
-      <a:fillRef idx="3">
-        <a:scrgbClr r="0" g="0" b="0"/>
-      </a:fillRef>
-      <a:effectRef idx="2">
-        <a:scrgbClr r="0" g="0" b="0"/>
-      </a:effectRef>
-      <a:fontRef idx="minor">
-        <a:schemeClr val="lt1"/>
-      </a:fontRef>
-    </dgm:style>
-  </dgm:styleLbl>
-  <dgm:styleLbl name="asst1">
-    <dgm:scene3d>
-      <a:camera prst="orthographicFront"/>
-      <a:lightRig rig="threePt" dir="t"/>
-    </dgm:scene3d>
-    <dgm:sp3d/>
-    <dgm:txPr/>
-    <dgm:style>
-      <a:lnRef idx="0">
-        <a:scrgbClr r="0" g="0" b="0"/>
-      </a:lnRef>
-      <a:fillRef idx="3">
-        <a:scrgbClr r="0" g="0" b="0"/>
-      </a:fillRef>
-      <a:effectRef idx="2">
-        <a:scrgbClr r="0" g="0" b="0"/>
-      </a:effectRef>
-      <a:fontRef idx="minor">
-        <a:schemeClr val="lt1"/>
-      </a:fontRef>
-    </dgm:style>
-  </dgm:styleLbl>
-  <dgm:styleLbl name="asst2">
-    <dgm:scene3d>
-      <a:camera prst="orthographicFront"/>
-      <a:lightRig rig="threePt" dir="t"/>
-    </dgm:scene3d>
-    <dgm:sp3d/>
-    <dgm:txPr/>
-    <dgm:style>
-      <a:lnRef idx="0">
-        <a:scrgbClr r="0" g="0" b="0"/>
-      </a:lnRef>
-      <a:fillRef idx="3">
-        <a:scrgbClr r="0" g="0" b="0"/>
-      </a:fillRef>
-      <a:effectRef idx="2">
-        <a:scrgbClr r="0" g="0" b="0"/>
-      </a:effectRef>
-      <a:fontRef idx="minor">
-        <a:schemeClr val="lt1"/>
-      </a:fontRef>
-    </dgm:style>
-  </dgm:styleLbl>
-  <dgm:styleLbl name="asst3">
-    <dgm:scene3d>
-      <a:camera prst="orthographicFront"/>
-      <a:lightRig rig="threePt" dir="t"/>
-    </dgm:scene3d>
-    <dgm:sp3d/>
-    <dgm:txPr/>
-    <dgm:style>
-      <a:lnRef idx="0">
-        <a:scrgbClr r="0" g="0" b="0"/>
-      </a:lnRef>
-      <a:fillRef idx="3">
-        <a:scrgbClr r="0" g="0" b="0"/>
-      </a:fillRef>
-      <a:effectRef idx="2">
-        <a:scrgbClr r="0" g="0" b="0"/>
-      </a:effectRef>
-      <a:fontRef idx="minor">
-        <a:schemeClr val="lt1"/>
-      </a:fontRef>
-    </dgm:style>
-  </dgm:styleLbl>
-  <dgm:styleLbl name="asst4">
-    <dgm:scene3d>
-      <a:camera prst="orthographicFront"/>
-      <a:lightRig rig="threePt" dir="t"/>
-    </dgm:scene3d>
-    <dgm:sp3d/>
-    <dgm:txPr/>
-    <dgm:style>
-      <a:lnRef idx="0">
-        <a:scrgbClr r="0" g="0" b="0"/>
-      </a:lnRef>
-      <a:fillRef idx="3">
-        <a:scrgbClr r="0" g="0" b="0"/>
-      </a:fillRef>
-      <a:effectRef idx="2">
-        <a:scrgbClr r="0" g="0" b="0"/>
-      </a:effectRef>
-      <a:fontRef idx="minor">
-        <a:schemeClr val="lt1"/>
-      </a:fontRef>
-    </dgm:style>
-  </dgm:styleLbl>
-  <dgm:styleLbl name="parChTrans2D1">
-    <dgm:scene3d>
-      <a:camera prst="orthographicFront"/>
-      <a:lightRig rig="threePt" dir="t"/>
-    </dgm:scene3d>
-    <dgm:sp3d/>
-    <dgm:txPr/>
-    <dgm:style>
-      <a:lnRef idx="0">
-        <a:scrgbClr r="0" g="0" b="0"/>
-      </a:lnRef>
-      <a:fillRef idx="3">
-        <a:scrgbClr r="0" g="0" b="0"/>
-      </a:fillRef>
-      <a:effectRef idx="2">
-        <a:scrgbClr r="0" g="0" b="0"/>
-      </a:effectRef>
-      <a:fontRef idx="minor">
-        <a:schemeClr val="lt1"/>
-      </a:fontRef>
-    </dgm:style>
-  </dgm:styleLbl>
-  <dgm:styleLbl name="parChTrans2D2">
-    <dgm:scene3d>
-      <a:camera prst="orthographicFront"/>
-      <a:lightRig rig="threePt" dir="t"/>
-    </dgm:scene3d>
-    <dgm:sp3d/>
-    <dgm:txPr/>
-    <dgm:style>
-      <a:lnRef idx="0">
-        <a:scrgbClr r="0" g="0" b="0"/>
-      </a:lnRef>
-      <a:fillRef idx="3">
-        <a:scrgbClr r="0" g="0" b="0"/>
-      </a:fillRef>
-      <a:effectRef idx="2">
-        <a:scrgbClr r="0" g="0" b="0"/>
-      </a:effectRef>
-      <a:fontRef idx="minor">
-        <a:schemeClr val="lt1"/>
-      </a:fontRef>
-    </dgm:style>
-  </dgm:styleLbl>
-  <dgm:styleLbl name="parChTrans2D3">
-    <dgm:scene3d>
-      <a:camera prst="orthographicFront"/>
-      <a:lightRig rig="threePt" dir="t"/>
-    </dgm:scene3d>
-    <dgm:sp3d/>
-    <dgm:txPr/>
-    <dgm:style>
-      <a:lnRef idx="1">
-        <a:scrgbClr r="0" g="0" b="0"/>
-      </a:lnRef>
-      <a:fillRef idx="3">
-        <a:scrgbClr r="0" g="0" b="0"/>
-      </a:fillRef>
-      <a:effectRef idx="2">
-        <a:scrgbClr r="0" g="0" b="0"/>
-      </a:effectRef>
-      <a:fontRef idx="minor">
-        <a:schemeClr val="lt1"/>
-      </a:fontRef>
-    </dgm:style>
-  </dgm:styleLbl>
-  <dgm:styleLbl name="parChTrans2D4">
-    <dgm:scene3d>
-      <a:camera prst="orthographicFront"/>
-      <a:lightRig rig="threePt" dir="t"/>
-    </dgm:scene3d>
-    <dgm:sp3d/>
-    <dgm:txPr/>
-    <dgm:style>
-      <a:lnRef idx="1">
-        <a:scrgbClr r="0" g="0" b="0"/>
-      </a:lnRef>
-      <a:fillRef idx="3">
-        <a:scrgbClr r="0" g="0" b="0"/>
-      </a:fillRef>
-      <a:effectRef idx="2">
-        <a:scrgbClr r="0" g="0" b="0"/>
-      </a:effectRef>
-      <a:fontRef idx="minor">
-        <a:schemeClr val="lt1"/>
-      </a:fontRef>
-    </dgm:style>
-  </dgm:styleLbl>
-  <dgm:styleLbl name="parChTrans1D1">
-    <dgm:scene3d>
-      <a:camera prst="orthographicFront"/>
-      <a:lightRig rig="threePt" dir="t"/>
-    </dgm:scene3d>
-    <dgm:sp3d/>
-    <dgm:txPr/>
-    <dgm:style>
-      <a:lnRef idx="1">
-        <a:scrgbClr r="0" g="0" b="0"/>
-      </a:lnRef>
-      <a:fillRef idx="0">
-        <a:scrgbClr r="0" g="0" b="0"/>
-      </a:fillRef>
-      <a:effectRef idx="0">
-        <a:scrgbClr r="0" g="0" b="0"/>
-      </a:effectRef>
-      <a:fontRef idx="minor"/>
-    </dgm:style>
-  </dgm:styleLbl>
-  <dgm:styleLbl name="parChTrans1D2">
-    <dgm:scene3d>
-      <a:camera prst="orthographicFront"/>
-      <a:lightRig rig="threePt" dir="t"/>
-    </dgm:scene3d>
-    <dgm:sp3d/>
-    <dgm:txPr/>
-    <dgm:style>
-      <a:lnRef idx="1">
-        <a:scrgbClr r="0" g="0" b="0"/>
-      </a:lnRef>
-      <a:fillRef idx="0">
-        <a:scrgbClr r="0" g="0" b="0"/>
-      </a:fillRef>
-      <a:effectRef idx="0">
-        <a:scrgbClr r="0" g="0" b="0"/>
-      </a:effectRef>
-      <a:fontRef idx="minor"/>
-    </dgm:style>
-  </dgm:styleLbl>
-  <dgm:styleLbl name="parChTrans1D3">
-    <dgm:scene3d>
-      <a:camera prst="orthographicFront"/>
-      <a:lightRig rig="threePt" dir="t"/>
-    </dgm:scene3d>
-    <dgm:sp3d/>
-    <dgm:txPr/>
-    <dgm:style>
-      <a:lnRef idx="1">
-        <a:scrgbClr r="0" g="0" b="0"/>
-      </a:lnRef>
-      <a:fillRef idx="0">
-        <a:scrgbClr r="0" g="0" b="0"/>
-      </a:fillRef>
-      <a:effectRef idx="0">
-        <a:scrgbClr r="0" g="0" b="0"/>
-      </a:effectRef>
-      <a:fontRef idx="minor"/>
-    </dgm:style>
-  </dgm:styleLbl>
-  <dgm:styleLbl name="parChTrans1D4">
-    <dgm:scene3d>
-      <a:camera prst="orthographicFront"/>
-      <a:lightRig rig="threePt" dir="t"/>
-    </dgm:scene3d>
-    <dgm:sp3d/>
-    <dgm:txPr/>
-    <dgm:style>
-      <a:lnRef idx="1">
-        <a:scrgbClr r="0" g="0" b="0"/>
-      </a:lnRef>
-      <a:fillRef idx="0">
-        <a:scrgbClr r="0" g="0" b="0"/>
-      </a:fillRef>
-      <a:effectRef idx="0">
-        <a:scrgbClr r="0" g="0" b="0"/>
-      </a:effectRef>
-      <a:fontRef idx="minor"/>
-    </dgm:style>
-  </dgm:styleLbl>
-  <dgm:styleLbl name="fgAcc1">
-    <dgm:scene3d>
-      <a:camera prst="orthographicFront"/>
-      <a:lightRig rig="threePt" dir="t"/>
-    </dgm:scene3d>
-    <dgm:sp3d/>
-    <dgm:txPr/>
-    <dgm:style>
-      <a:lnRef idx="1">
-        <a:scrgbClr r="0" g="0" b="0"/>
-      </a:lnRef>
-      <a:fillRef idx="1">
-        <a:scrgbClr r="0" g="0" b="0"/>
-      </a:fillRef>
-      <a:effectRef idx="0">
-        <a:scrgbClr r="0" g="0" b="0"/>
-      </a:effectRef>
-      <a:fontRef idx="minor"/>
-    </dgm:style>
-  </dgm:styleLbl>
-  <dgm:styleLbl name="conFgAcc1">
-    <dgm:scene3d>
-      <a:camera prst="orthographicFront"/>
-      <a:lightRig rig="threePt" dir="t"/>
-    </dgm:scene3d>
-    <dgm:sp3d/>
-    <dgm:txPr/>
-    <dgm:style>
-      <a:lnRef idx="1">
-        <a:scrgbClr r="0" g="0" b="0"/>
-      </a:lnRef>
-      <a:fillRef idx="1">
-        <a:scrgbClr r="0" g="0" b="0"/>
-      </a:fillRef>
-      <a:effectRef idx="0">
-        <a:scrgbClr r="0" g="0" b="0"/>
-      </a:effectRef>
-      <a:fontRef idx="minor"/>
-    </dgm:style>
-  </dgm:styleLbl>
-  <dgm:styleLbl name="alignAcc1">
-    <dgm:scene3d>
-      <a:camera prst="orthographicFront"/>
-      <a:lightRig rig="threePt" dir="t"/>
-    </dgm:scene3d>
-    <dgm:sp3d/>
-    <dgm:txPr/>
-    <dgm:style>
-      <a:lnRef idx="1">
-        <a:scrgbClr r="0" g="0" b="0"/>
-      </a:lnRef>
-      <a:fillRef idx="1">
-        <a:scrgbClr r="0" g="0" b="0"/>
-      </a:fillRef>
-      <a:effectRef idx="0">
-        <a:scrgbClr r="0" g="0" b="0"/>
-      </a:effectRef>
-      <a:fontRef idx="minor"/>
-    </dgm:style>
-  </dgm:styleLbl>
-  <dgm:styleLbl name="trAlignAcc1">
-    <dgm:scene3d>
-      <a:camera prst="orthographicFront"/>
-      <a:lightRig rig="threePt" dir="t"/>
-    </dgm:scene3d>
-    <dgm:sp3d/>
-    <dgm:txPr/>
-    <dgm:style>
-      <a:lnRef idx="1">
-        <a:scrgbClr r="0" g="0" b="0"/>
-      </a:lnRef>
-      <a:fillRef idx="1">
-        <a:scrgbClr r="0" g="0" b="0"/>
-      </a:fillRef>
-      <a:effectRef idx="0">
-        <a:scrgbClr r="0" g="0" b="0"/>
-      </a:effectRef>
-      <a:fontRef idx="minor"/>
-    </dgm:style>
-  </dgm:styleLbl>
-  <dgm:styleLbl name="bgAcc1">
-    <dgm:scene3d>
-      <a:camera prst="orthographicFront"/>
-      <a:lightRig rig="threePt" dir="t"/>
-    </dgm:scene3d>
-    <dgm:sp3d/>
-    <dgm:txPr/>
-    <dgm:style>
-      <a:lnRef idx="1">
-        <a:scrgbClr r="0" g="0" b="0"/>
-      </a:lnRef>
-      <a:fillRef idx="1">
-        <a:scrgbClr r="0" g="0" b="0"/>
-      </a:fillRef>
-      <a:effectRef idx="0">
-        <a:scrgbClr r="0" g="0" b="0"/>
-      </a:effectRef>
-      <a:fontRef idx="minor"/>
-    </dgm:style>
-  </dgm:styleLbl>
-  <dgm:styleLbl name="solidFgAcc1">
-    <dgm:scene3d>
-      <a:camera prst="orthographicFront"/>
-      <a:lightRig rig="threePt" dir="t"/>
-    </dgm:scene3d>
-    <dgm:sp3d/>
-    <dgm:txPr/>
-    <dgm:style>
-      <a:lnRef idx="1">
-        <a:scrgbClr r="0" g="0" b="0"/>
-      </a:lnRef>
-      <a:fillRef idx="1">
-        <a:scrgbClr r="0" g="0" b="0"/>
-      </a:fillRef>
-      <a:effectRef idx="0">
-        <a:scrgbClr r="0" g="0" b="0"/>
-      </a:effectRef>
-      <a:fontRef idx="minor"/>
-    </dgm:style>
-  </dgm:styleLbl>
-  <dgm:styleLbl name="solidAlignAcc1">
-    <dgm:scene3d>
-      <a:camera prst="orthographicFront"/>
-      <a:lightRig rig="threePt" dir="t"/>
-    </dgm:scene3d>
-    <dgm:sp3d/>
-    <dgm:txPr/>
-    <dgm:style>
-      <a:lnRef idx="1">
-        <a:scrgbClr r="0" g="0" b="0"/>
-      </a:lnRef>
-      <a:fillRef idx="1">
-        <a:scrgbClr r="0" g="0" b="0"/>
-      </a:fillRef>
-      <a:effectRef idx="0">
-        <a:scrgbClr r="0" g="0" b="0"/>
-      </a:effectRef>
-      <a:fontRef idx="minor"/>
-    </dgm:style>
-  </dgm:styleLbl>
-  <dgm:styleLbl name="solidBgAcc1">
-    <dgm:scene3d>
-      <a:camera prst="orthographicFront"/>
-      <a:lightRig rig="threePt" dir="t"/>
-    </dgm:scene3d>
-    <dgm:sp3d/>
-    <dgm:txPr/>
-    <dgm:style>
-      <a:lnRef idx="1">
-        <a:scrgbClr r="0" g="0" b="0"/>
-      </a:lnRef>
-      <a:fillRef idx="1">
-        <a:scrgbClr r="0" g="0" b="0"/>
-      </a:fillRef>
-      <a:effectRef idx="0">
-        <a:scrgbClr r="0" g="0" b="0"/>
-      </a:effectRef>
-      <a:fontRef idx="minor"/>
-    </dgm:style>
-  </dgm:styleLbl>
-  <dgm:styleLbl name="fgAccFollowNode1">
-    <dgm:scene3d>
-      <a:camera prst="orthographicFront"/>
-      <a:lightRig rig="threePt" dir="t"/>
-    </dgm:scene3d>
-    <dgm:sp3d/>
-    <dgm:txPr/>
-    <dgm:style>
-      <a:lnRef idx="1">
-        <a:scrgbClr r="0" g="0" b="0"/>
-      </a:lnRef>
-      <a:fillRef idx="1">
-        <a:scrgbClr r="0" g="0" b="0"/>
-      </a:fillRef>
-      <a:effectRef idx="0">
-        <a:scrgbClr r="0" g="0" b="0"/>
-      </a:effectRef>
-      <a:fontRef idx="minor"/>
-    </dgm:style>
-  </dgm:styleLbl>
-  <dgm:styleLbl name="alignAccFollowNode1">
-    <dgm:scene3d>
-      <a:camera prst="orthographicFront"/>
-      <a:lightRig rig="threePt" dir="t"/>
-    </dgm:scene3d>
-    <dgm:sp3d/>
-    <dgm:txPr/>
-    <dgm:style>
-      <a:lnRef idx="1">
-        <a:scrgbClr r="0" g="0" b="0"/>
-      </a:lnRef>
-      <a:fillRef idx="1">
-        <a:scrgbClr r="0" g="0" b="0"/>
-      </a:fillRef>
-      <a:effectRef idx="0">
-        <a:scrgbClr r="0" g="0" b="0"/>
-      </a:effectRef>
-      <a:fontRef idx="minor"/>
-    </dgm:style>
-  </dgm:styleLbl>
-  <dgm:styleLbl name="bgAccFollowNode1">
-    <dgm:scene3d>
-      <a:camera prst="orthographicFront"/>
-      <a:lightRig rig="threePt" dir="t"/>
-    </dgm:scene3d>
-    <dgm:sp3d/>
-    <dgm:txPr/>
-    <dgm:style>
-      <a:lnRef idx="1">
-        <a:scrgbClr r="0" g="0" b="0"/>
-      </a:lnRef>
-      <a:fillRef idx="1">
-        <a:scrgbClr r="0" g="0" b="0"/>
-      </a:fillRef>
-      <a:effectRef idx="0">
-        <a:scrgbClr r="0" g="0" b="0"/>
-      </a:effectRef>
-      <a:fontRef idx="minor"/>
-    </dgm:style>
-  </dgm:styleLbl>
-  <dgm:styleLbl name="fgAcc0">
-    <dgm:scene3d>
-      <a:camera prst="orthographicFront"/>
-      <a:lightRig rig="threePt" dir="t"/>
-    </dgm:scene3d>
-    <dgm:sp3d/>
-    <dgm:txPr/>
-    <dgm:style>
-      <a:lnRef idx="1">
-        <a:scrgbClr r="0" g="0" b="0"/>
-      </a:lnRef>
-      <a:fillRef idx="1">
-        <a:scrgbClr r="0" g="0" b="0"/>
-      </a:fillRef>
-      <a:effectRef idx="0">
-        <a:scrgbClr r="0" g="0" b="0"/>
-      </a:effectRef>
-      <a:fontRef idx="minor"/>
-    </dgm:style>
-  </dgm:styleLbl>
-  <dgm:styleLbl name="fgAcc2">
-    <dgm:scene3d>
-      <a:camera prst="orthographicFront"/>
-      <a:lightRig rig="threePt" dir="t"/>
-    </dgm:scene3d>
-    <dgm:sp3d/>
-    <dgm:txPr/>
-    <dgm:style>
-      <a:lnRef idx="1">
-        <a:scrgbClr r="0" g="0" b="0"/>
-      </a:lnRef>
-      <a:fillRef idx="1">
-        <a:scrgbClr r="0" g="0" b="0"/>
-      </a:fillRef>
-      <a:effectRef idx="0">
-        <a:scrgbClr r="0" g="0" b="0"/>
-      </a:effectRef>
-      <a:fontRef idx="minor"/>
-    </dgm:style>
-  </dgm:styleLbl>
-  <dgm:styleLbl name="fgAcc3">
-    <dgm:scene3d>
-      <a:camera prst="orthographicFront"/>
-      <a:lightRig rig="threePt" dir="t"/>
-    </dgm:scene3d>
-    <dgm:sp3d/>
-    <dgm:txPr/>
-    <dgm:style>
-      <a:lnRef idx="1">
-        <a:scrgbClr r="0" g="0" b="0"/>
-      </a:lnRef>
-      <a:fillRef idx="1">
-        <a:scrgbClr r="0" g="0" b="0"/>
-      </a:fillRef>
-      <a:effectRef idx="0">
-        <a:scrgbClr r="0" g="0" b="0"/>
-      </a:effectRef>
-      <a:fontRef idx="minor"/>
-    </dgm:style>
-  </dgm:styleLbl>
-  <dgm:styleLbl name="fgAcc4">
-    <dgm:scene3d>
-      <a:camera prst="orthographicFront"/>
-      <a:lightRig rig="threePt" dir="t"/>
-    </dgm:scene3d>
-    <dgm:sp3d/>
-    <dgm:txPr/>
-    <dgm:style>
-      <a:lnRef idx="1">
-        <a:scrgbClr r="0" g="0" b="0"/>
-      </a:lnRef>
-      <a:fillRef idx="1">
-        <a:scrgbClr r="0" g="0" b="0"/>
-      </a:fillRef>
-      <a:effectRef idx="0">
-        <a:scrgbClr r="0" g="0" b="0"/>
-      </a:effectRef>
-      <a:fontRef idx="minor"/>
-    </dgm:style>
-  </dgm:styleLbl>
-  <dgm:styleLbl name="bgShp">
-    <dgm:scene3d>
-      <a:camera prst="orthographicFront"/>
-      <a:lightRig rig="threePt" dir="t"/>
-    </dgm:scene3d>
-    <dgm:sp3d/>
-    <dgm:txPr/>
-    <dgm:style>
-      <a:lnRef idx="0">
-        <a:scrgbClr r="0" g="0" b="0"/>
-      </a:lnRef>
-      <a:fillRef idx="1">
-        <a:scrgbClr r="0" g="0" b="0"/>
-      </a:fillRef>
-      <a:effectRef idx="2">
-        <a:scrgbClr r="0" g="0" b="0"/>
-      </a:effectRef>
-      <a:fontRef idx="minor"/>
-    </dgm:style>
-  </dgm:styleLbl>
-  <dgm:styleLbl name="dkBgShp">
-    <dgm:scene3d>
-      <a:camera prst="orthographicFront"/>
-      <a:lightRig rig="threePt" dir="t"/>
-    </dgm:scene3d>
-    <dgm:sp3d/>
-    <dgm:txPr/>
-    <dgm:style>
-      <a:lnRef idx="0">
-        <a:scrgbClr r="0" g="0" b="0"/>
-      </a:lnRef>
-      <a:fillRef idx="1">
-        <a:scrgbClr r="0" g="0" b="0"/>
-      </a:fillRef>
-      <a:effectRef idx="2">
-        <a:scrgbClr r="0" g="0" b="0"/>
-      </a:effectRef>
-      <a:fontRef idx="minor"/>
-    </dgm:style>
-  </dgm:styleLbl>
-  <dgm:styleLbl name="trBgShp">
-    <dgm:scene3d>
-      <a:camera prst="orthographicFront"/>
-      <a:lightRig rig="threePt" dir="t"/>
-    </dgm:scene3d>
-    <dgm:sp3d/>
-    <dgm:txPr/>
-    <dgm:style>
-      <a:lnRef idx="0">
-        <a:scrgbClr r="0" g="0" b="0"/>
-      </a:lnRef>
-      <a:fillRef idx="1">
-        <a:scrgbClr r="0" g="0" b="0"/>
-      </a:fillRef>
-      <a:effectRef idx="0">
-        <a:scrgbClr r="0" g="0" b="0"/>
-      </a:effectRef>
-      <a:fontRef idx="minor"/>
-    </dgm:style>
-  </dgm:styleLbl>
-  <dgm:styleLbl name="fgShp">
-    <dgm:scene3d>
-      <a:camera prst="orthographicFront"/>
-      <a:lightRig rig="threePt" dir="t"/>
-    </dgm:scene3d>
-    <dgm:sp3d/>
-    <dgm:txPr/>
-    <dgm:style>
-      <a:lnRef idx="0">
-        <a:scrgbClr r="0" g="0" b="0"/>
-      </a:lnRef>
-      <a:fillRef idx="3">
-        <a:scrgbClr r="0" g="0" b="0"/>
-      </a:fillRef>
-      <a:effectRef idx="2">
-        <a:scrgbClr r="0" g="0" b="0"/>
-      </a:effectRef>
-      <a:fontRef idx="minor"/>
-    </dgm:style>
-  </dgm:styleLbl>
-  <dgm:styleLbl name="revTx">
-    <dgm:scene3d>
-      <a:camera prst="orthographicFront"/>
-      <a:lightRig rig="threePt" dir="t"/>
-    </dgm:scene3d>
-    <dgm:sp3d/>
-    <dgm:txPr/>
-    <dgm:style>
-      <a:lnRef idx="0">
         <a:scrgbClr r="0" g="0" b="0"/>
       </a:lnRef>
       <a:fillRef idx="0">
@@ -17200,6 +12311,141 @@
         </p:nvSpPr>
         <p:spPr>
           <a:xfrm>
+            <a:off x="839788" y="365125"/>
+            <a:ext cx="10515600" cy="928837"/>
+          </a:xfrm>
+        </p:spPr>
+        <p:txBody>
+          <a:bodyPr/>
+          <a:lstStyle/>
+          <a:p>
+            <a:pPr algn="ctr"/>
+            <a:r>
+              <a:rPr lang="en-US" dirty="0" smtClean="0">
+                <a:solidFill>
+                  <a:srgbClr val="FFFFFF"/>
+                </a:solidFill>
+              </a:rPr>
+              <a:t>Use case </a:t>
+            </a:r>
+            <a:r>
+              <a:rPr lang="ru-RU" dirty="0" smtClean="0">
+                <a:solidFill>
+                  <a:srgbClr val="FFFFFF"/>
+                </a:solidFill>
+              </a:rPr>
+              <a:t>диаграмма</a:t>
+            </a:r>
+            <a:endParaRPr lang="ru-RU" dirty="0">
+              <a:solidFill>
+                <a:srgbClr val="FFFFFF"/>
+              </a:solidFill>
+            </a:endParaRPr>
+          </a:p>
+        </p:txBody>
+      </p:sp>
+      <p:pic>
+        <p:nvPicPr>
+          <p:cNvPr id="5132" name="Picture 12" descr="http://yuml.me/d8b78417"/>
+          <p:cNvPicPr>
+            <a:picLocks noChangeAspect="1" noChangeArrowheads="1"/>
+          </p:cNvPicPr>
+          <p:nvPr/>
+        </p:nvPicPr>
+        <p:blipFill>
+          <a:blip r:embed="rId2">
+            <a:extLst>
+              <a:ext uri="{28A0092B-C50C-407E-A947-70E740481C1C}">
+                <a14:useLocalDpi xmlns:a14="http://schemas.microsoft.com/office/drawing/2010/main" val="0"/>
+              </a:ext>
+            </a:extLst>
+          </a:blip>
+          <a:srcRect/>
+          <a:stretch>
+            <a:fillRect/>
+          </a:stretch>
+        </p:blipFill>
+        <p:spPr bwMode="auto">
+          <a:xfrm>
+            <a:off x="188521" y="1590198"/>
+            <a:ext cx="11818133" cy="5155660"/>
+          </a:xfrm>
+          <a:prstGeom prst="rect">
+            <a:avLst/>
+          </a:prstGeom>
+          <a:noFill/>
+          <a:extLst>
+            <a:ext uri="{909E8E84-426E-40DD-AFC4-6F175D3DCCD1}">
+              <a14:hiddenFill xmlns:a14="http://schemas.microsoft.com/office/drawing/2010/main">
+                <a:solidFill>
+                  <a:srgbClr val="FFFFFF"/>
+                </a:solidFill>
+              </a14:hiddenFill>
+            </a:ext>
+          </a:extLst>
+        </p:spPr>
+      </p:pic>
+    </p:spTree>
+    <p:extLst>
+      <p:ext uri="{BB962C8B-B14F-4D97-AF65-F5344CB8AC3E}">
+        <p14:creationId xmlns:p14="http://schemas.microsoft.com/office/powerpoint/2010/main" val="147082094"/>
+      </p:ext>
+    </p:extLst>
+  </p:cSld>
+  <p:clrMapOvr>
+    <a:masterClrMapping/>
+  </p:clrMapOvr>
+  <mc:AlternateContent xmlns:mc="http://schemas.openxmlformats.org/markup-compatibility/2006" xmlns:p14="http://schemas.microsoft.com/office/powerpoint/2010/main">
+    <mc:Choice Requires="p14">
+      <p:transition spd="med" p14:dur="700">
+        <p:fade/>
+      </p:transition>
+    </mc:Choice>
+    <mc:Fallback xmlns="">
+      <p:transition spd="med">
+        <p:fade/>
+      </p:transition>
+    </mc:Fallback>
+  </mc:AlternateContent>
+  <p:timing>
+    <p:tnLst>
+      <p:par>
+        <p:cTn id="1" dur="indefinite" restart="never" nodeType="tmRoot"/>
+      </p:par>
+    </p:tnLst>
+  </p:timing>
+</p:sld>
+</file>
+
+<file path=ppt/slides/slide11.xml><?xml version="1.0" encoding="utf-8"?>
+<p:sld xmlns:a="http://schemas.openxmlformats.org/drawingml/2006/main" xmlns:r="http://schemas.openxmlformats.org/officeDocument/2006/relationships" xmlns:p="http://schemas.openxmlformats.org/presentationml/2006/main">
+  <p:cSld>
+    <p:spTree>
+      <p:nvGrpSpPr>
+        <p:cNvPr id="1" name=""/>
+        <p:cNvGrpSpPr/>
+        <p:nvPr/>
+      </p:nvGrpSpPr>
+      <p:grpSpPr>
+        <a:xfrm>
+          <a:off x="0" y="0"/>
+          <a:ext cx="0" cy="0"/>
+          <a:chOff x="0" y="0"/>
+          <a:chExt cx="0" cy="0"/>
+        </a:xfrm>
+      </p:grpSpPr>
+      <p:sp>
+        <p:nvSpPr>
+          <p:cNvPr id="2" name="Заголовок 1"/>
+          <p:cNvSpPr>
+            <a:spLocks noGrp="1"/>
+          </p:cNvSpPr>
+          <p:nvPr>
+            <p:ph type="title"/>
+          </p:nvPr>
+        </p:nvSpPr>
+        <p:spPr>
+          <a:xfrm>
             <a:off x="838200" y="365125"/>
             <a:ext cx="10515600" cy="909493"/>
           </a:xfrm>
@@ -17425,7 +12671,7 @@
 </p:sld>
 </file>
 
-<file path=ppt/slides/slide11.xml><?xml version="1.0" encoding="utf-8"?>
+<file path=ppt/slides/slide12.xml><?xml version="1.0" encoding="utf-8"?>
 <p:sld xmlns:a="http://schemas.openxmlformats.org/drawingml/2006/main" xmlns:r="http://schemas.openxmlformats.org/officeDocument/2006/relationships" xmlns:p="http://schemas.openxmlformats.org/presentationml/2006/main">
   <p:cSld>
     <p:spTree>
@@ -17567,7 +12813,7 @@
 </p:sld>
 </file>
 
-<file path=ppt/slides/slide12.xml><?xml version="1.0" encoding="utf-8"?>
+<file path=ppt/slides/slide13.xml><?xml version="1.0" encoding="utf-8"?>
 <p:sld xmlns:a="http://schemas.openxmlformats.org/drawingml/2006/main" xmlns:r="http://schemas.openxmlformats.org/officeDocument/2006/relationships" xmlns:p="http://schemas.openxmlformats.org/presentationml/2006/main">
   <p:cSld>
     <p:spTree>
@@ -17821,7 +13067,7 @@
 </p:sld>
 </file>
 
-<file path=ppt/slides/slide13.xml><?xml version="1.0" encoding="utf-8"?>
+<file path=ppt/slides/slide14.xml><?xml version="1.0" encoding="utf-8"?>
 <p:sld xmlns:a="http://schemas.openxmlformats.org/drawingml/2006/main" xmlns:r="http://schemas.openxmlformats.org/officeDocument/2006/relationships" xmlns:p="http://schemas.openxmlformats.org/presentationml/2006/main">
   <p:cSld>
     <p:spTree>
@@ -18106,7 +13352,7 @@
 </p:sld>
 </file>
 
-<file path=ppt/slides/slide14.xml><?xml version="1.0" encoding="utf-8"?>
+<file path=ppt/slides/slide15.xml><?xml version="1.0" encoding="utf-8"?>
 <p:sld xmlns:a="http://schemas.openxmlformats.org/drawingml/2006/main" xmlns:r="http://schemas.openxmlformats.org/officeDocument/2006/relationships" xmlns:p="http://schemas.openxmlformats.org/presentationml/2006/main">
   <p:cSld>
     <p:spTree>
@@ -18238,7 +13484,2386 @@
 </p:sld>
 </file>
 
-<file path=ppt/slides/slide15.xml><?xml version="1.0" encoding="utf-8"?>
+<file path=ppt/slides/slide16.xml><?xml version="1.0" encoding="utf-8"?>
+<p:sld xmlns:a="http://schemas.openxmlformats.org/drawingml/2006/main" xmlns:r="http://schemas.openxmlformats.org/officeDocument/2006/relationships" xmlns:p="http://schemas.openxmlformats.org/presentationml/2006/main">
+  <p:cSld>
+    <p:spTree>
+      <p:nvGrpSpPr>
+        <p:cNvPr id="1" name=""/>
+        <p:cNvGrpSpPr/>
+        <p:nvPr/>
+      </p:nvGrpSpPr>
+      <p:grpSpPr>
+        <a:xfrm>
+          <a:off x="0" y="0"/>
+          <a:ext cx="0" cy="0"/>
+          <a:chOff x="0" y="0"/>
+          <a:chExt cx="0" cy="0"/>
+        </a:xfrm>
+      </p:grpSpPr>
+      <p:sp>
+        <p:nvSpPr>
+          <p:cNvPr id="2" name="Заголовок 1"/>
+          <p:cNvSpPr>
+            <a:spLocks noGrp="1"/>
+          </p:cNvSpPr>
+          <p:nvPr>
+            <p:ph type="title"/>
+          </p:nvPr>
+        </p:nvSpPr>
+        <p:spPr>
+          <a:xfrm>
+            <a:off x="838200" y="365125"/>
+            <a:ext cx="10515600" cy="859617"/>
+          </a:xfrm>
+        </p:spPr>
+        <p:txBody>
+          <a:bodyPr/>
+          <a:lstStyle/>
+          <a:p>
+            <a:pPr algn="ctr"/>
+            <a:r>
+              <a:rPr lang="ru-RU" b="1" dirty="0" smtClean="0">
+                <a:solidFill>
+                  <a:srgbClr val="FFFFFF"/>
+                </a:solidFill>
+              </a:rPr>
+              <a:t>Статистика</a:t>
+            </a:r>
+            <a:endParaRPr lang="ru-RU" b="1" dirty="0">
+              <a:solidFill>
+                <a:srgbClr val="FFFFFF"/>
+              </a:solidFill>
+            </a:endParaRPr>
+          </a:p>
+        </p:txBody>
+      </p:sp>
+      <p:sp>
+        <p:nvSpPr>
+          <p:cNvPr id="3" name="Объект 2"/>
+          <p:cNvSpPr>
+            <a:spLocks noGrp="1"/>
+          </p:cNvSpPr>
+          <p:nvPr>
+            <p:ph idx="1"/>
+          </p:nvPr>
+        </p:nvSpPr>
+        <p:spPr/>
+        <p:txBody>
+          <a:bodyPr/>
+          <a:lstStyle/>
+          <a:p>
+            <a:endParaRPr lang="ru-RU" dirty="0"/>
+          </a:p>
+        </p:txBody>
+      </p:sp>
+    </p:spTree>
+    <p:extLst>
+      <p:ext uri="{BB962C8B-B14F-4D97-AF65-F5344CB8AC3E}">
+        <p14:creationId xmlns:p14="http://schemas.microsoft.com/office/powerpoint/2010/main" val="2265040254"/>
+      </p:ext>
+    </p:extLst>
+  </p:cSld>
+  <p:clrMapOvr>
+    <a:masterClrMapping/>
+  </p:clrMapOvr>
+  <mc:AlternateContent xmlns:mc="http://schemas.openxmlformats.org/markup-compatibility/2006" xmlns:p14="http://schemas.microsoft.com/office/powerpoint/2010/main">
+    <mc:Choice Requires="p14">
+      <p:transition spd="med" p14:dur="700">
+        <p:fade/>
+      </p:transition>
+    </mc:Choice>
+    <mc:Fallback xmlns="">
+      <p:transition spd="med">
+        <p:fade/>
+      </p:transition>
+    </mc:Fallback>
+  </mc:AlternateContent>
+  <p:timing>
+    <p:tnLst>
+      <p:par>
+        <p:cTn id="1" dur="indefinite" restart="never" nodeType="tmRoot"/>
+      </p:par>
+    </p:tnLst>
+  </p:timing>
+</p:sld>
+</file>
+
+<file path=ppt/slides/slide17.xml><?xml version="1.0" encoding="utf-8"?>
+<p:sld xmlns:a="http://schemas.openxmlformats.org/drawingml/2006/main" xmlns:r="http://schemas.openxmlformats.org/officeDocument/2006/relationships" xmlns:p="http://schemas.openxmlformats.org/presentationml/2006/main">
+  <p:cSld>
+    <p:spTree>
+      <p:nvGrpSpPr>
+        <p:cNvPr id="1" name=""/>
+        <p:cNvGrpSpPr/>
+        <p:nvPr/>
+      </p:nvGrpSpPr>
+      <p:grpSpPr>
+        <a:xfrm>
+          <a:off x="0" y="0"/>
+          <a:ext cx="0" cy="0"/>
+          <a:chOff x="0" y="0"/>
+          <a:chExt cx="0" cy="0"/>
+        </a:xfrm>
+      </p:grpSpPr>
+      <p:sp>
+        <p:nvSpPr>
+          <p:cNvPr id="2" name="Заголовок 1"/>
+          <p:cNvSpPr>
+            <a:spLocks noGrp="1"/>
+          </p:cNvSpPr>
+          <p:nvPr>
+            <p:ph type="title"/>
+          </p:nvPr>
+        </p:nvSpPr>
+        <p:spPr>
+          <a:xfrm>
+            <a:off x="839788" y="365126"/>
+            <a:ext cx="10515600" cy="892868"/>
+          </a:xfrm>
+        </p:spPr>
+        <p:txBody>
+          <a:bodyPr/>
+          <a:lstStyle/>
+          <a:p>
+            <a:pPr algn="ctr"/>
+            <a:r>
+              <a:rPr lang="ru-RU" b="1" dirty="0" smtClean="0">
+                <a:solidFill>
+                  <a:srgbClr val="FFFFFF"/>
+                </a:solidFill>
+              </a:rPr>
+              <a:t>Маркетинговые исследования</a:t>
+            </a:r>
+            <a:endParaRPr lang="ru-RU" b="1" dirty="0">
+              <a:solidFill>
+                <a:srgbClr val="FFFFFF"/>
+              </a:solidFill>
+            </a:endParaRPr>
+          </a:p>
+        </p:txBody>
+      </p:sp>
+      <p:pic>
+        <p:nvPicPr>
+          <p:cNvPr id="7" name="Рисунок 6"/>
+          <p:cNvPicPr>
+            <a:picLocks noChangeAspect="1"/>
+          </p:cNvPicPr>
+          <p:nvPr/>
+        </p:nvPicPr>
+        <p:blipFill>
+          <a:blip r:embed="rId2">
+            <a:extLst>
+              <a:ext uri="{28A0092B-C50C-407E-A947-70E740481C1C}">
+                <a14:useLocalDpi xmlns:a14="http://schemas.microsoft.com/office/drawing/2010/main" val="0"/>
+              </a:ext>
+            </a:extLst>
+          </a:blip>
+          <a:stretch>
+            <a:fillRect/>
+          </a:stretch>
+        </p:blipFill>
+        <p:spPr>
+          <a:xfrm>
+            <a:off x="5203141" y="1725497"/>
+            <a:ext cx="5819535" cy="4906363"/>
+          </a:xfrm>
+          <a:prstGeom prst="rect">
+            <a:avLst/>
+          </a:prstGeom>
+        </p:spPr>
+      </p:pic>
+      <p:sp>
+        <p:nvSpPr>
+          <p:cNvPr id="8" name="Заголовок 1"/>
+          <p:cNvSpPr txBox="1">
+            <a:spLocks/>
+          </p:cNvSpPr>
+          <p:nvPr/>
+        </p:nvSpPr>
+        <p:spPr>
+          <a:xfrm>
+            <a:off x="1159503" y="1884187"/>
+            <a:ext cx="3672408" cy="720080"/>
+          </a:xfrm>
+          <a:prstGeom prst="rect">
+            <a:avLst/>
+          </a:prstGeom>
+        </p:spPr>
+        <p:txBody>
+          <a:bodyPr vert="horz" lIns="91440" tIns="45720" rIns="91440" bIns="45720" rtlCol="0" anchor="ctr">
+            <a:normAutofit/>
+          </a:bodyPr>
+          <a:lstStyle>
+            <a:lvl1pPr algn="l" defTabSz="914400" rtl="0" eaLnBrk="1" latinLnBrk="0" hangingPunct="1">
+              <a:lnSpc>
+                <a:spcPct val="90000"/>
+              </a:lnSpc>
+              <a:spcBef>
+                <a:spcPct val="0"/>
+              </a:spcBef>
+              <a:buNone/>
+              <a:defRPr sz="4400" kern="1200">
+                <a:solidFill>
+                  <a:schemeClr val="tx1"/>
+                </a:solidFill>
+                <a:latin typeface="+mj-lt"/>
+                <a:ea typeface="+mj-ea"/>
+                <a:cs typeface="+mj-cs"/>
+              </a:defRPr>
+            </a:lvl1pPr>
+          </a:lstStyle>
+          <a:p>
+            <a:r>
+              <a:rPr lang="en-US" b="1" dirty="0" smtClean="0">
+                <a:ln w="9525">
+                  <a:solidFill>
+                    <a:schemeClr val="bg1"/>
+                  </a:solidFill>
+                  <a:prstDash val="solid"/>
+                </a:ln>
+                <a:solidFill>
+                  <a:srgbClr val="F19423"/>
+                </a:solidFill>
+                <a:effectLst>
+                  <a:outerShdw blurRad="12700" dist="38100" dir="2700000" algn="tl" rotWithShape="0">
+                    <a:schemeClr val="accent5">
+                      <a:lumMod val="60000"/>
+                      <a:lumOff val="40000"/>
+                    </a:schemeClr>
+                  </a:outerShdw>
+                </a:effectLst>
+              </a:rPr>
+              <a:t>SWOT </a:t>
+            </a:r>
+            <a:r>
+              <a:rPr lang="ru-RU" b="1" dirty="0" smtClean="0">
+                <a:ln w="9525">
+                  <a:solidFill>
+                    <a:schemeClr val="bg1"/>
+                  </a:solidFill>
+                  <a:prstDash val="solid"/>
+                </a:ln>
+                <a:solidFill>
+                  <a:srgbClr val="F19423"/>
+                </a:solidFill>
+                <a:effectLst>
+                  <a:outerShdw blurRad="12700" dist="38100" dir="2700000" algn="tl" rotWithShape="0">
+                    <a:schemeClr val="accent5">
+                      <a:lumMod val="60000"/>
+                      <a:lumOff val="40000"/>
+                    </a:schemeClr>
+                  </a:outerShdw>
+                </a:effectLst>
+              </a:rPr>
+              <a:t>анализ</a:t>
+            </a:r>
+            <a:endParaRPr lang="ru-RU" b="1" dirty="0">
+              <a:ln w="9525">
+                <a:solidFill>
+                  <a:schemeClr val="bg1"/>
+                </a:solidFill>
+                <a:prstDash val="solid"/>
+              </a:ln>
+              <a:solidFill>
+                <a:srgbClr val="F19423"/>
+              </a:solidFill>
+              <a:effectLst>
+                <a:outerShdw blurRad="12700" dist="38100" dir="2700000" algn="tl" rotWithShape="0">
+                  <a:schemeClr val="accent5">
+                    <a:lumMod val="60000"/>
+                    <a:lumOff val="40000"/>
+                  </a:schemeClr>
+                </a:outerShdw>
+              </a:effectLst>
+            </a:endParaRPr>
+          </a:p>
+        </p:txBody>
+      </p:sp>
+      <p:sp>
+        <p:nvSpPr>
+          <p:cNvPr id="9" name="Объект 3"/>
+          <p:cNvSpPr>
+            <a:spLocks noGrp="1"/>
+          </p:cNvSpPr>
+          <p:nvPr>
+            <p:ph sz="half" idx="2"/>
+          </p:nvPr>
+        </p:nvSpPr>
+        <p:spPr>
+          <a:xfrm>
+            <a:off x="947651" y="2792511"/>
+            <a:ext cx="4017818" cy="3586122"/>
+          </a:xfrm>
+        </p:spPr>
+        <p:txBody>
+          <a:bodyPr>
+            <a:normAutofit fontScale="70000" lnSpcReduction="20000"/>
+          </a:bodyPr>
+          <a:lstStyle/>
+          <a:p>
+            <a:r>
+              <a:rPr lang="en-US" dirty="0">
+                <a:ln w="0"/>
+                <a:solidFill>
+                  <a:srgbClr val="F19423"/>
+                </a:solidFill>
+                <a:effectLst>
+                  <a:outerShdw blurRad="38100" dist="25400" dir="5400000" algn="ctr" rotWithShape="0">
+                    <a:srgbClr val="6E747A">
+                      <a:alpha val="43000"/>
+                    </a:srgbClr>
+                  </a:outerShdw>
+                </a:effectLst>
+              </a:rPr>
+              <a:t>S</a:t>
+            </a:r>
+            <a:r>
+              <a:rPr lang="ru-RU" dirty="0" err="1" smtClean="0"/>
+              <a:t>trengths</a:t>
+            </a:r>
+            <a:r>
+              <a:rPr lang="ru-RU" dirty="0" smtClean="0"/>
+              <a:t> </a:t>
+            </a:r>
+            <a:r>
+              <a:rPr lang="en-US" dirty="0" smtClean="0"/>
+              <a:t>- </a:t>
+            </a:r>
+            <a:r>
+              <a:rPr lang="ru-RU" dirty="0" smtClean="0"/>
+              <a:t>свойства </a:t>
+            </a:r>
+            <a:r>
+              <a:rPr lang="ru-RU" dirty="0"/>
+              <a:t>проекта или коллектива, дающие преимущества перед другими в </a:t>
+            </a:r>
+            <a:r>
+              <a:rPr lang="ru-RU" dirty="0" smtClean="0"/>
+              <a:t>отрасли</a:t>
+            </a:r>
+            <a:endParaRPr lang="en-US" dirty="0" smtClean="0"/>
+          </a:p>
+          <a:p>
+            <a:r>
+              <a:rPr lang="en-US" dirty="0">
+                <a:ln w="0"/>
+                <a:solidFill>
+                  <a:srgbClr val="F19423"/>
+                </a:solidFill>
+                <a:effectLst>
+                  <a:outerShdw blurRad="38100" dist="25400" dir="5400000" algn="ctr" rotWithShape="0">
+                    <a:srgbClr val="6E747A">
+                      <a:alpha val="43000"/>
+                    </a:srgbClr>
+                  </a:outerShdw>
+                </a:effectLst>
+              </a:rPr>
+              <a:t>W</a:t>
+            </a:r>
+            <a:r>
+              <a:rPr lang="en-US" dirty="0"/>
+              <a:t>eaknesses </a:t>
+            </a:r>
+            <a:r>
+              <a:rPr lang="en-US" dirty="0" smtClean="0"/>
+              <a:t>- </a:t>
+            </a:r>
+            <a:r>
+              <a:rPr lang="ru-RU" dirty="0" smtClean="0"/>
+              <a:t>свойства</a:t>
+            </a:r>
+            <a:r>
+              <a:rPr lang="ru-RU" dirty="0"/>
+              <a:t>, ослабляющие </a:t>
+            </a:r>
+            <a:r>
+              <a:rPr lang="ru-RU" dirty="0" smtClean="0"/>
+              <a:t>проект</a:t>
+            </a:r>
+            <a:endParaRPr lang="en-US" dirty="0" smtClean="0"/>
+          </a:p>
+          <a:p>
+            <a:r>
+              <a:rPr lang="ru-RU" dirty="0" err="1">
+                <a:ln w="0"/>
+                <a:solidFill>
+                  <a:srgbClr val="F19423"/>
+                </a:solidFill>
+                <a:effectLst>
+                  <a:outerShdw blurRad="38100" dist="25400" dir="5400000" algn="ctr" rotWithShape="0">
+                    <a:srgbClr val="6E747A">
+                      <a:alpha val="43000"/>
+                    </a:srgbClr>
+                  </a:outerShdw>
+                </a:effectLst>
+              </a:rPr>
+              <a:t>O</a:t>
+            </a:r>
+            <a:r>
+              <a:rPr lang="ru-RU" dirty="0" err="1"/>
+              <a:t>pportunities</a:t>
+            </a:r>
+            <a:r>
+              <a:rPr lang="ru-RU" dirty="0"/>
+              <a:t> </a:t>
+            </a:r>
+            <a:r>
+              <a:rPr lang="en-US" dirty="0" smtClean="0"/>
+              <a:t>- </a:t>
+            </a:r>
+            <a:r>
+              <a:rPr lang="ru-RU" dirty="0" smtClean="0"/>
+              <a:t>внешние </a:t>
+            </a:r>
+            <a:r>
+              <a:rPr lang="ru-RU" dirty="0"/>
+              <a:t>вероятные факторы, дающие дополнительные возможности по достижению </a:t>
+            </a:r>
+            <a:r>
+              <a:rPr lang="ru-RU" dirty="0" smtClean="0"/>
+              <a:t>цели</a:t>
+            </a:r>
+            <a:endParaRPr lang="en-US" dirty="0" smtClean="0"/>
+          </a:p>
+          <a:p>
+            <a:r>
+              <a:rPr lang="ru-RU" dirty="0" err="1" smtClean="0">
+                <a:ln w="0"/>
+                <a:solidFill>
+                  <a:srgbClr val="F19423"/>
+                </a:solidFill>
+                <a:effectLst>
+                  <a:outerShdw blurRad="38100" dist="25400" dir="5400000" algn="ctr" rotWithShape="0">
+                    <a:srgbClr val="6E747A">
+                      <a:alpha val="43000"/>
+                    </a:srgbClr>
+                  </a:outerShdw>
+                </a:effectLst>
+              </a:rPr>
+              <a:t>T</a:t>
+            </a:r>
+            <a:r>
+              <a:rPr lang="ru-RU" dirty="0" err="1" smtClean="0"/>
+              <a:t>hreats</a:t>
+            </a:r>
+            <a:r>
+              <a:rPr lang="en-US" dirty="0" smtClean="0"/>
+              <a:t> - </a:t>
+            </a:r>
+            <a:r>
+              <a:rPr lang="ru-RU" dirty="0" smtClean="0"/>
+              <a:t>внешние </a:t>
+            </a:r>
+            <a:r>
+              <a:rPr lang="ru-RU" dirty="0"/>
+              <a:t>вероятные факторы, которые могут осложнить достижение </a:t>
+            </a:r>
+            <a:r>
+              <a:rPr lang="ru-RU" dirty="0" smtClean="0"/>
+              <a:t>цели</a:t>
+            </a:r>
+            <a:endParaRPr lang="ru-RU" dirty="0"/>
+          </a:p>
+        </p:txBody>
+      </p:sp>
+    </p:spTree>
+    <p:extLst>
+      <p:ext uri="{BB962C8B-B14F-4D97-AF65-F5344CB8AC3E}">
+        <p14:creationId xmlns:p14="http://schemas.microsoft.com/office/powerpoint/2010/main" val="3601633751"/>
+      </p:ext>
+    </p:extLst>
+  </p:cSld>
+  <p:clrMapOvr>
+    <a:masterClrMapping/>
+  </p:clrMapOvr>
+  <mc:AlternateContent xmlns:mc="http://schemas.openxmlformats.org/markup-compatibility/2006">
+    <mc:Choice xmlns:p14="http://schemas.microsoft.com/office/powerpoint/2010/main" Requires="p14">
+      <p:transition spd="med" p14:dur="700">
+        <p:fade/>
+      </p:transition>
+    </mc:Choice>
+    <mc:Fallback>
+      <p:transition spd="med">
+        <p:fade/>
+      </p:transition>
+    </mc:Fallback>
+  </mc:AlternateContent>
+  <p:timing>
+    <p:tnLst>
+      <p:par>
+        <p:cTn id="1" dur="indefinite" restart="never" nodeType="tmRoot"/>
+      </p:par>
+    </p:tnLst>
+  </p:timing>
+</p:sld>
+</file>
+
+<file path=ppt/slides/slide18.xml><?xml version="1.0" encoding="utf-8"?>
+<p:sld xmlns:a="http://schemas.openxmlformats.org/drawingml/2006/main" xmlns:r="http://schemas.openxmlformats.org/officeDocument/2006/relationships" xmlns:p="http://schemas.openxmlformats.org/presentationml/2006/main">
+  <p:cSld>
+    <p:spTree>
+      <p:nvGrpSpPr>
+        <p:cNvPr id="1" name=""/>
+        <p:cNvGrpSpPr/>
+        <p:nvPr/>
+      </p:nvGrpSpPr>
+      <p:grpSpPr>
+        <a:xfrm>
+          <a:off x="0" y="0"/>
+          <a:ext cx="0" cy="0"/>
+          <a:chOff x="0" y="0"/>
+          <a:chExt cx="0" cy="0"/>
+        </a:xfrm>
+      </p:grpSpPr>
+      <p:sp>
+        <p:nvSpPr>
+          <p:cNvPr id="2" name="Заголовок 1"/>
+          <p:cNvSpPr>
+            <a:spLocks noGrp="1"/>
+          </p:cNvSpPr>
+          <p:nvPr>
+            <p:ph type="title"/>
+          </p:nvPr>
+        </p:nvSpPr>
+        <p:spPr>
+          <a:xfrm>
+            <a:off x="838200" y="365126"/>
+            <a:ext cx="10515600" cy="837450"/>
+          </a:xfrm>
+        </p:spPr>
+        <p:txBody>
+          <a:bodyPr/>
+          <a:lstStyle/>
+          <a:p>
+            <a:pPr algn="ctr"/>
+            <a:r>
+              <a:rPr lang="ru-RU" b="1" dirty="0" smtClean="0">
+                <a:solidFill>
+                  <a:srgbClr val="FFFFFF"/>
+                </a:solidFill>
+              </a:rPr>
+              <a:t>Риски</a:t>
+            </a:r>
+            <a:endParaRPr lang="ru-RU" b="1" dirty="0">
+              <a:solidFill>
+                <a:srgbClr val="FFFFFF"/>
+              </a:solidFill>
+            </a:endParaRPr>
+          </a:p>
+        </p:txBody>
+      </p:sp>
+      <p:graphicFrame>
+        <p:nvGraphicFramePr>
+          <p:cNvPr id="4" name="Объект 4"/>
+          <p:cNvGraphicFramePr>
+            <a:graphicFrameLocks noGrp="1"/>
+          </p:cNvGraphicFramePr>
+          <p:nvPr>
+            <p:ph idx="1"/>
+            <p:extLst>
+              <p:ext uri="{D42A27DB-BD31-4B8C-83A1-F6EECF244321}">
+                <p14:modId xmlns:p14="http://schemas.microsoft.com/office/powerpoint/2010/main" val="612826080"/>
+              </p:ext>
+            </p:extLst>
+          </p:nvPr>
+        </p:nvGraphicFramePr>
+        <p:xfrm>
+          <a:off x="1543760" y="1795550"/>
+          <a:ext cx="9104479" cy="4449016"/>
+        </p:xfrm>
+        <a:graphic>
+          <a:graphicData uri="http://schemas.openxmlformats.org/drawingml/2006/table">
+            <a:tbl>
+              <a:tblPr firstRow="1" bandRow="1">
+                <a:tableStyleId>{21E4AEA4-8DFA-4A89-87EB-49C32662AFE0}</a:tableStyleId>
+              </a:tblPr>
+              <a:tblGrid>
+                <a:gridCol w="3034826"/>
+                <a:gridCol w="3821063"/>
+                <a:gridCol w="2248590"/>
+              </a:tblGrid>
+              <a:tr h="391771">
+                <a:tc>
+                  <a:txBody>
+                    <a:bodyPr/>
+                    <a:lstStyle/>
+                    <a:p>
+                      <a:pPr algn="ctr"/>
+                      <a:r>
+                        <a:rPr lang="ru-RU" dirty="0" smtClean="0">
+                          <a:solidFill>
+                            <a:srgbClr val="FFFFFF"/>
+                          </a:solidFill>
+                        </a:rPr>
+                        <a:t>Риски</a:t>
+                      </a:r>
+                      <a:endParaRPr lang="ru-RU" dirty="0">
+                        <a:solidFill>
+                          <a:srgbClr val="FFFFFF"/>
+                        </a:solidFill>
+                      </a:endParaRPr>
+                    </a:p>
+                  </a:txBody>
+                  <a:tcPr/>
+                </a:tc>
+                <a:tc>
+                  <a:txBody>
+                    <a:bodyPr/>
+                    <a:lstStyle/>
+                    <a:p>
+                      <a:pPr algn="ctr"/>
+                      <a:r>
+                        <a:rPr lang="ru-RU" dirty="0" smtClean="0">
+                          <a:solidFill>
+                            <a:srgbClr val="FFFFFF"/>
+                          </a:solidFill>
+                        </a:rPr>
+                        <a:t>Последствия</a:t>
+                      </a:r>
+                      <a:endParaRPr lang="ru-RU" dirty="0">
+                        <a:solidFill>
+                          <a:srgbClr val="FFFFFF"/>
+                        </a:solidFill>
+                      </a:endParaRPr>
+                    </a:p>
+                  </a:txBody>
+                  <a:tcPr/>
+                </a:tc>
+                <a:tc>
+                  <a:txBody>
+                    <a:bodyPr/>
+                    <a:lstStyle/>
+                    <a:p>
+                      <a:pPr algn="ctr"/>
+                      <a:r>
+                        <a:rPr lang="ru-RU" dirty="0" smtClean="0">
+                          <a:solidFill>
+                            <a:srgbClr val="FFFFFF"/>
+                          </a:solidFill>
+                        </a:rPr>
+                        <a:t>Вероятность</a:t>
+                      </a:r>
+                      <a:endParaRPr lang="ru-RU" dirty="0">
+                        <a:solidFill>
+                          <a:srgbClr val="FFFFFF"/>
+                        </a:solidFill>
+                      </a:endParaRPr>
+                    </a:p>
+                  </a:txBody>
+                  <a:tcPr/>
+                </a:tc>
+              </a:tr>
+              <a:tr h="966011">
+                <a:tc>
+                  <a:txBody>
+                    <a:bodyPr/>
+                    <a:lstStyle/>
+                    <a:p>
+                      <a:r>
+                        <a:rPr lang="ru-RU" dirty="0" smtClean="0"/>
+                        <a:t>Малый</a:t>
+                      </a:r>
+                      <a:r>
+                        <a:rPr lang="ru-RU" baseline="0" dirty="0" smtClean="0"/>
+                        <a:t> приток клиентов(организаторов)</a:t>
+                      </a:r>
+                      <a:endParaRPr lang="ru-RU" dirty="0"/>
+                    </a:p>
+                  </a:txBody>
+                  <a:tcPr/>
+                </a:tc>
+                <a:tc>
+                  <a:txBody>
+                    <a:bodyPr/>
+                    <a:lstStyle/>
+                    <a:p>
+                      <a:r>
+                        <a:rPr lang="ru-RU" dirty="0" smtClean="0"/>
+                        <a:t>Риск</a:t>
+                      </a:r>
+                      <a:r>
+                        <a:rPr lang="ru-RU" baseline="0" dirty="0" smtClean="0"/>
+                        <a:t> не преодоления точки безубыточности. Уменьшение доходов</a:t>
+                      </a:r>
+                      <a:endParaRPr lang="ru-RU" dirty="0"/>
+                    </a:p>
+                  </a:txBody>
+                  <a:tcPr/>
+                </a:tc>
+                <a:tc>
+                  <a:txBody>
+                    <a:bodyPr/>
+                    <a:lstStyle/>
+                    <a:p>
+                      <a:r>
+                        <a:rPr lang="ru-RU" dirty="0" smtClean="0"/>
+                        <a:t>Средняя</a:t>
+                      </a:r>
+                      <a:endParaRPr lang="ru-RU" dirty="0"/>
+                    </a:p>
+                  </a:txBody>
+                  <a:tcPr/>
+                </a:tc>
+              </a:tr>
+              <a:tr h="1545617">
+                <a:tc>
+                  <a:txBody>
+                    <a:bodyPr/>
+                    <a:lstStyle/>
+                    <a:p>
+                      <a:r>
+                        <a:rPr lang="ru-RU" dirty="0" smtClean="0"/>
+                        <a:t>Малый приток</a:t>
+                      </a:r>
+                      <a:r>
+                        <a:rPr lang="ru-RU" baseline="0" dirty="0" smtClean="0"/>
+                        <a:t> пользователей(потенциальных посетителей)</a:t>
+                      </a:r>
+                      <a:endParaRPr lang="ru-RU" dirty="0"/>
+                    </a:p>
+                  </a:txBody>
+                  <a:tcPr/>
+                </a:tc>
+                <a:tc>
+                  <a:txBody>
+                    <a:bodyPr/>
+                    <a:lstStyle/>
+                    <a:p>
+                      <a:r>
+                        <a:rPr lang="ru-RU" dirty="0" smtClean="0"/>
+                        <a:t>Снижение количества заказчиков. Снижение эффективности рекламы.</a:t>
+                      </a:r>
+                      <a:r>
+                        <a:rPr lang="ru-RU" baseline="0" dirty="0" smtClean="0"/>
+                        <a:t> Невозможность предоставить обещанные заказчикам данные.</a:t>
+                      </a:r>
+                      <a:endParaRPr lang="ru-RU" dirty="0"/>
+                    </a:p>
+                  </a:txBody>
+                  <a:tcPr/>
+                </a:tc>
+                <a:tc>
+                  <a:txBody>
+                    <a:bodyPr/>
+                    <a:lstStyle/>
+                    <a:p>
+                      <a:r>
+                        <a:rPr lang="ru-RU" dirty="0" smtClean="0"/>
+                        <a:t>Средняя</a:t>
+                      </a:r>
+                      <a:endParaRPr lang="ru-RU" dirty="0"/>
+                    </a:p>
+                  </a:txBody>
+                  <a:tcPr/>
+                </a:tc>
+              </a:tr>
+              <a:tr h="1545617">
+                <a:tc>
+                  <a:txBody>
+                    <a:bodyPr/>
+                    <a:lstStyle/>
+                    <a:p>
+                      <a:r>
+                        <a:rPr lang="ru-RU" dirty="0" smtClean="0"/>
+                        <a:t>Появление недобросовестных</a:t>
+                      </a:r>
+                      <a:r>
+                        <a:rPr lang="ru-RU" baseline="0" dirty="0" smtClean="0"/>
+                        <a:t> организаторов мероприятий</a:t>
+                      </a:r>
+                      <a:endParaRPr lang="ru-RU" dirty="0"/>
+                    </a:p>
+                  </a:txBody>
+                  <a:tcPr/>
+                </a:tc>
+                <a:tc>
+                  <a:txBody>
+                    <a:bodyPr/>
+                    <a:lstStyle/>
+                    <a:p>
+                      <a:r>
+                        <a:rPr lang="ru-RU" dirty="0" smtClean="0"/>
+                        <a:t>Уменьшение количества пользователей. Потеря доверия к размещенной на сервисе информации со стороны посетителей.</a:t>
+                      </a:r>
+                      <a:endParaRPr lang="ru-RU" dirty="0"/>
+                    </a:p>
+                  </a:txBody>
+                  <a:tcPr/>
+                </a:tc>
+                <a:tc>
+                  <a:txBody>
+                    <a:bodyPr/>
+                    <a:lstStyle/>
+                    <a:p>
+                      <a:r>
+                        <a:rPr lang="ru-RU" dirty="0" smtClean="0"/>
+                        <a:t>Малая</a:t>
+                      </a:r>
+                      <a:endParaRPr lang="ru-RU" dirty="0"/>
+                    </a:p>
+                  </a:txBody>
+                  <a:tcPr/>
+                </a:tc>
+              </a:tr>
+            </a:tbl>
+          </a:graphicData>
+        </a:graphic>
+      </p:graphicFrame>
+    </p:spTree>
+    <p:extLst>
+      <p:ext uri="{BB962C8B-B14F-4D97-AF65-F5344CB8AC3E}">
+        <p14:creationId xmlns:p14="http://schemas.microsoft.com/office/powerpoint/2010/main" val="3753345218"/>
+      </p:ext>
+    </p:extLst>
+  </p:cSld>
+  <p:clrMapOvr>
+    <a:masterClrMapping/>
+  </p:clrMapOvr>
+  <mc:AlternateContent xmlns:mc="http://schemas.openxmlformats.org/markup-compatibility/2006">
+    <mc:Choice xmlns:p14="http://schemas.microsoft.com/office/powerpoint/2010/main" Requires="p14">
+      <p:transition spd="med" p14:dur="700">
+        <p:fade/>
+      </p:transition>
+    </mc:Choice>
+    <mc:Fallback>
+      <p:transition spd="med">
+        <p:fade/>
+      </p:transition>
+    </mc:Fallback>
+  </mc:AlternateContent>
+  <p:timing>
+    <p:tnLst>
+      <p:par>
+        <p:cTn id="1" dur="indefinite" restart="never" nodeType="tmRoot"/>
+      </p:par>
+    </p:tnLst>
+  </p:timing>
+</p:sld>
+</file>
+
+<file path=ppt/slides/slide19.xml><?xml version="1.0" encoding="utf-8"?>
+<p:sld xmlns:a="http://schemas.openxmlformats.org/drawingml/2006/main" xmlns:r="http://schemas.openxmlformats.org/officeDocument/2006/relationships" xmlns:p="http://schemas.openxmlformats.org/presentationml/2006/main">
+  <p:cSld>
+    <p:spTree>
+      <p:nvGrpSpPr>
+        <p:cNvPr id="1" name=""/>
+        <p:cNvGrpSpPr/>
+        <p:nvPr/>
+      </p:nvGrpSpPr>
+      <p:grpSpPr>
+        <a:xfrm>
+          <a:off x="0" y="0"/>
+          <a:ext cx="0" cy="0"/>
+          <a:chOff x="0" y="0"/>
+          <a:chExt cx="0" cy="0"/>
+        </a:xfrm>
+      </p:grpSpPr>
+      <p:sp>
+        <p:nvSpPr>
+          <p:cNvPr id="2" name="Заголовок 1"/>
+          <p:cNvSpPr>
+            <a:spLocks noGrp="1"/>
+          </p:cNvSpPr>
+          <p:nvPr>
+            <p:ph type="title"/>
+          </p:nvPr>
+        </p:nvSpPr>
+        <p:spPr>
+          <a:xfrm>
+            <a:off x="838200" y="365126"/>
+            <a:ext cx="10515600" cy="876242"/>
+          </a:xfrm>
+        </p:spPr>
+        <p:txBody>
+          <a:bodyPr>
+            <a:normAutofit fontScale="90000"/>
+          </a:bodyPr>
+          <a:lstStyle/>
+          <a:p>
+            <a:pPr algn="ctr"/>
+            <a:r>
+              <a:rPr lang="ru-RU" b="1" dirty="0" smtClean="0">
+                <a:solidFill>
+                  <a:srgbClr val="FFFFFF"/>
+                </a:solidFill>
+              </a:rPr>
+              <a:t>Матрица реагирования и упреждения рисков</a:t>
+            </a:r>
+            <a:endParaRPr lang="ru-RU" b="1" dirty="0">
+              <a:solidFill>
+                <a:srgbClr val="FFFFFF"/>
+              </a:solidFill>
+            </a:endParaRPr>
+          </a:p>
+        </p:txBody>
+      </p:sp>
+      <p:graphicFrame>
+        <p:nvGraphicFramePr>
+          <p:cNvPr id="5" name="Объект 6"/>
+          <p:cNvGraphicFramePr>
+            <a:graphicFrameLocks noGrp="1"/>
+          </p:cNvGraphicFramePr>
+          <p:nvPr>
+            <p:ph sz="half" idx="4294967295"/>
+            <p:extLst>
+              <p:ext uri="{D42A27DB-BD31-4B8C-83A1-F6EECF244321}">
+                <p14:modId xmlns:p14="http://schemas.microsoft.com/office/powerpoint/2010/main" val="279743439"/>
+              </p:ext>
+            </p:extLst>
+          </p:nvPr>
+        </p:nvGraphicFramePr>
+        <p:xfrm>
+          <a:off x="493222" y="1746601"/>
+          <a:ext cx="11044842" cy="4678120"/>
+        </p:xfrm>
+        <a:graphic>
+          <a:graphicData uri="http://schemas.openxmlformats.org/drawingml/2006/table">
+            <a:tbl>
+              <a:tblPr firstRow="1" bandRow="1">
+                <a:tableStyleId>{7DF18680-E054-41AD-8BC1-D1AEF772440D}</a:tableStyleId>
+              </a:tblPr>
+              <a:tblGrid>
+                <a:gridCol w="2082403"/>
+                <a:gridCol w="2244666"/>
+                <a:gridCol w="3956562"/>
+                <a:gridCol w="2761211"/>
+              </a:tblGrid>
+              <a:tr h="617942">
+                <a:tc>
+                  <a:txBody>
+                    <a:bodyPr/>
+                    <a:lstStyle/>
+                    <a:p>
+                      <a:pPr algn="ctr"/>
+                      <a:r>
+                        <a:rPr lang="ru-RU" dirty="0" smtClean="0">
+                          <a:solidFill>
+                            <a:srgbClr val="FFFFFF"/>
+                          </a:solidFill>
+                        </a:rPr>
+                        <a:t>Риск</a:t>
+                      </a:r>
+                      <a:endParaRPr lang="ru-RU" dirty="0">
+                        <a:solidFill>
+                          <a:srgbClr val="FFFFFF"/>
+                        </a:solidFill>
+                      </a:endParaRPr>
+                    </a:p>
+                  </a:txBody>
+                  <a:tcPr/>
+                </a:tc>
+                <a:tc>
+                  <a:txBody>
+                    <a:bodyPr/>
+                    <a:lstStyle/>
+                    <a:p>
+                      <a:pPr algn="ctr"/>
+                      <a:r>
+                        <a:rPr lang="ru-RU" dirty="0" smtClean="0">
+                          <a:solidFill>
+                            <a:srgbClr val="FFFFFF"/>
+                          </a:solidFill>
+                        </a:rPr>
+                        <a:t>Индикаторы наступления</a:t>
+                      </a:r>
+                      <a:endParaRPr lang="ru-RU" dirty="0">
+                        <a:solidFill>
+                          <a:srgbClr val="FFFFFF"/>
+                        </a:solidFill>
+                      </a:endParaRPr>
+                    </a:p>
+                  </a:txBody>
+                  <a:tcPr/>
+                </a:tc>
+                <a:tc>
+                  <a:txBody>
+                    <a:bodyPr/>
+                    <a:lstStyle/>
+                    <a:p>
+                      <a:pPr algn="ctr"/>
+                      <a:r>
+                        <a:rPr lang="ru-RU" dirty="0" smtClean="0">
+                          <a:solidFill>
+                            <a:srgbClr val="FFFFFF"/>
+                          </a:solidFill>
+                        </a:rPr>
+                        <a:t>Упреждение </a:t>
+                      </a:r>
+                      <a:endParaRPr lang="ru-RU" dirty="0">
+                        <a:solidFill>
+                          <a:srgbClr val="FFFFFF"/>
+                        </a:solidFill>
+                      </a:endParaRPr>
+                    </a:p>
+                  </a:txBody>
+                  <a:tcPr/>
+                </a:tc>
+                <a:tc>
+                  <a:txBody>
+                    <a:bodyPr/>
+                    <a:lstStyle/>
+                    <a:p>
+                      <a:pPr algn="ctr"/>
+                      <a:r>
+                        <a:rPr lang="ru-RU" dirty="0" smtClean="0">
+                          <a:solidFill>
+                            <a:srgbClr val="FFFFFF"/>
+                          </a:solidFill>
+                        </a:rPr>
+                        <a:t>Реагирование</a:t>
+                      </a:r>
+                      <a:endParaRPr lang="ru-RU" dirty="0">
+                        <a:solidFill>
+                          <a:srgbClr val="FFFFFF"/>
+                        </a:solidFill>
+                      </a:endParaRPr>
+                    </a:p>
+                  </a:txBody>
+                  <a:tcPr/>
+                </a:tc>
+              </a:tr>
+              <a:tr h="1147606">
+                <a:tc>
+                  <a:txBody>
+                    <a:bodyPr/>
+                    <a:lstStyle/>
+                    <a:p>
+                      <a:r>
+                        <a:rPr lang="ru-RU" dirty="0" smtClean="0"/>
+                        <a:t>Малый приток организаторов</a:t>
+                      </a:r>
+                      <a:endParaRPr lang="ru-RU" dirty="0"/>
+                    </a:p>
+                  </a:txBody>
+                  <a:tcPr/>
+                </a:tc>
+                <a:tc>
+                  <a:txBody>
+                    <a:bodyPr/>
+                    <a:lstStyle/>
+                    <a:p>
+                      <a:r>
+                        <a:rPr lang="ru-RU" dirty="0" smtClean="0"/>
+                        <a:t>Невыполнение плана по количеству получаемых заказов</a:t>
+                      </a:r>
+                      <a:endParaRPr lang="ru-RU" dirty="0"/>
+                    </a:p>
+                  </a:txBody>
+                  <a:tcPr/>
+                </a:tc>
+                <a:tc>
+                  <a:txBody>
+                    <a:bodyPr/>
+                    <a:lstStyle/>
+                    <a:p>
+                      <a:r>
+                        <a:rPr lang="ru-RU" dirty="0" smtClean="0"/>
+                        <a:t>Эффективная реклама в социальных сетях и на различных интернет ресурсах.</a:t>
+                      </a:r>
+                      <a:endParaRPr lang="ru-RU" dirty="0"/>
+                    </a:p>
+                  </a:txBody>
+                  <a:tcPr/>
+                </a:tc>
+                <a:tc>
+                  <a:txBody>
+                    <a:bodyPr/>
+                    <a:lstStyle/>
+                    <a:p>
+                      <a:r>
+                        <a:rPr lang="ru-RU" dirty="0" smtClean="0"/>
+                        <a:t>Размещение дополнительной</a:t>
+                      </a:r>
+                      <a:r>
+                        <a:rPr lang="ru-RU" baseline="0" dirty="0" smtClean="0"/>
+                        <a:t> рекламы. Пересмотр ценовой политики.</a:t>
+                      </a:r>
+                      <a:endParaRPr lang="ru-RU" dirty="0"/>
+                    </a:p>
+                  </a:txBody>
+                  <a:tcPr/>
+                </a:tc>
+              </a:tr>
+              <a:tr h="1147606">
+                <a:tc>
+                  <a:txBody>
+                    <a:bodyPr/>
+                    <a:lstStyle/>
+                    <a:p>
+                      <a:r>
+                        <a:rPr lang="ru-RU" dirty="0" smtClean="0"/>
+                        <a:t>Малый приток пользователей</a:t>
+                      </a:r>
+                      <a:endParaRPr lang="ru-RU" dirty="0"/>
+                    </a:p>
+                  </a:txBody>
+                  <a:tcPr/>
+                </a:tc>
+                <a:tc>
+                  <a:txBody>
+                    <a:bodyPr/>
+                    <a:lstStyle/>
+                    <a:p>
+                      <a:r>
+                        <a:rPr lang="ru-RU" dirty="0" smtClean="0"/>
+                        <a:t>Невыполнение плана</a:t>
+                      </a:r>
+                      <a:r>
+                        <a:rPr lang="ru-RU" baseline="0" dirty="0" smtClean="0"/>
+                        <a:t> по посещаемости сервиса</a:t>
+                      </a:r>
+                      <a:endParaRPr lang="ru-RU" dirty="0"/>
+                    </a:p>
+                  </a:txBody>
+                  <a:tcPr/>
+                </a:tc>
+                <a:tc>
+                  <a:txBody>
+                    <a:bodyPr/>
+                    <a:lstStyle/>
+                    <a:p>
+                      <a:pPr marL="0" marR="0" indent="0" algn="l" defTabSz="914400" rtl="0" eaLnBrk="1" fontAlgn="auto" latinLnBrk="0" hangingPunct="1">
+                        <a:lnSpc>
+                          <a:spcPct val="100000"/>
+                        </a:lnSpc>
+                        <a:spcBef>
+                          <a:spcPts val="0"/>
+                        </a:spcBef>
+                        <a:spcAft>
+                          <a:spcPts val="0"/>
+                        </a:spcAft>
+                        <a:buClrTx/>
+                        <a:buSzTx/>
+                        <a:buFontTx/>
+                        <a:buNone/>
+                        <a:tabLst/>
+                        <a:defRPr/>
+                      </a:pPr>
+                      <a:r>
+                        <a:rPr lang="ru-RU" dirty="0" smtClean="0"/>
+                        <a:t>Эффективная реклама в социальных сетях и на различных интернет ресурсах.</a:t>
+                      </a:r>
+                    </a:p>
+                  </a:txBody>
+                  <a:tcPr/>
+                </a:tc>
+                <a:tc>
+                  <a:txBody>
+                    <a:bodyPr/>
+                    <a:lstStyle/>
+                    <a:p>
+                      <a:r>
+                        <a:rPr lang="ru-RU" dirty="0" smtClean="0"/>
+                        <a:t>Размещение дополнительной</a:t>
+                      </a:r>
+                      <a:r>
+                        <a:rPr lang="ru-RU" baseline="0" dirty="0" smtClean="0"/>
+                        <a:t> рекламы, пересмотр рекламной политики.</a:t>
+                      </a:r>
+                      <a:endParaRPr lang="ru-RU" dirty="0"/>
+                    </a:p>
+                  </a:txBody>
+                  <a:tcPr/>
+                </a:tc>
+              </a:tr>
+              <a:tr h="1660600">
+                <a:tc>
+                  <a:txBody>
+                    <a:bodyPr/>
+                    <a:lstStyle/>
+                    <a:p>
+                      <a:r>
+                        <a:rPr lang="ru-RU" dirty="0" smtClean="0"/>
+                        <a:t>Появление недобросовестных организаторов мероприятий</a:t>
+                      </a:r>
+                      <a:endParaRPr lang="ru-RU" dirty="0"/>
+                    </a:p>
+                  </a:txBody>
+                  <a:tcPr/>
+                </a:tc>
+                <a:tc>
+                  <a:txBody>
+                    <a:bodyPr/>
+                    <a:lstStyle/>
+                    <a:p>
+                      <a:r>
+                        <a:rPr lang="ru-RU" dirty="0" smtClean="0"/>
+                        <a:t>Жалобы от посетителей</a:t>
+                      </a:r>
+                      <a:r>
+                        <a:rPr lang="ru-RU" baseline="0" dirty="0" smtClean="0"/>
+                        <a:t> мероприятий</a:t>
+                      </a:r>
+                      <a:endParaRPr lang="ru-RU" dirty="0"/>
+                    </a:p>
+                  </a:txBody>
+                  <a:tcPr/>
+                </a:tc>
+                <a:tc>
+                  <a:txBody>
+                    <a:bodyPr/>
+                    <a:lstStyle/>
+                    <a:p>
+                      <a:r>
+                        <a:rPr lang="ru-RU" dirty="0" smtClean="0"/>
+                        <a:t>Сбор дополнительной информации об организаторах</a:t>
+                      </a:r>
+                      <a:r>
+                        <a:rPr lang="ru-RU" baseline="0" dirty="0" smtClean="0"/>
+                        <a:t> мероприятий. Мониторинг отзывов посетителей о проведенных мероприятиях.</a:t>
+                      </a:r>
+                      <a:endParaRPr lang="ru-RU" dirty="0"/>
+                    </a:p>
+                  </a:txBody>
+                  <a:tcPr/>
+                </a:tc>
+                <a:tc>
+                  <a:txBody>
+                    <a:bodyPr/>
+                    <a:lstStyle/>
+                    <a:p>
+                      <a:r>
+                        <a:rPr lang="ru-RU" dirty="0" smtClean="0"/>
+                        <a:t>Прекращение сотрудничества с недобросовестным организатором мероприятий.</a:t>
+                      </a:r>
+                      <a:endParaRPr lang="ru-RU" dirty="0"/>
+                    </a:p>
+                  </a:txBody>
+                  <a:tcPr/>
+                </a:tc>
+              </a:tr>
+            </a:tbl>
+          </a:graphicData>
+        </a:graphic>
+      </p:graphicFrame>
+    </p:spTree>
+    <p:extLst>
+      <p:ext uri="{BB962C8B-B14F-4D97-AF65-F5344CB8AC3E}">
+        <p14:creationId xmlns:p14="http://schemas.microsoft.com/office/powerpoint/2010/main" val="1558230235"/>
+      </p:ext>
+    </p:extLst>
+  </p:cSld>
+  <p:clrMapOvr>
+    <a:masterClrMapping/>
+  </p:clrMapOvr>
+  <mc:AlternateContent xmlns:mc="http://schemas.openxmlformats.org/markup-compatibility/2006">
+    <mc:Choice xmlns:p14="http://schemas.microsoft.com/office/powerpoint/2010/main" Requires="p14">
+      <p:transition spd="med" p14:dur="700">
+        <p:fade/>
+      </p:transition>
+    </mc:Choice>
+    <mc:Fallback>
+      <p:transition spd="med">
+        <p:fade/>
+      </p:transition>
+    </mc:Fallback>
+  </mc:AlternateContent>
+</p:sld>
+</file>
+
+<file path=ppt/slides/slide2.xml><?xml version="1.0" encoding="utf-8"?>
+<p:sld xmlns:a="http://schemas.openxmlformats.org/drawingml/2006/main" xmlns:r="http://schemas.openxmlformats.org/officeDocument/2006/relationships" xmlns:p="http://schemas.openxmlformats.org/presentationml/2006/main">
+  <p:cSld>
+    <p:bg>
+      <p:bgPr>
+        <a:solidFill>
+          <a:schemeClr val="accent1">
+            <a:alpha val="57000"/>
+          </a:schemeClr>
+        </a:solidFill>
+        <a:effectLst/>
+      </p:bgPr>
+    </p:bg>
+    <p:spTree>
+      <p:nvGrpSpPr>
+        <p:cNvPr id="1" name=""/>
+        <p:cNvGrpSpPr/>
+        <p:nvPr/>
+      </p:nvGrpSpPr>
+      <p:grpSpPr>
+        <a:xfrm>
+          <a:off x="0" y="0"/>
+          <a:ext cx="0" cy="0"/>
+          <a:chOff x="0" y="0"/>
+          <a:chExt cx="0" cy="0"/>
+        </a:xfrm>
+      </p:grpSpPr>
+      <p:sp>
+        <p:nvSpPr>
+          <p:cNvPr id="2" name="Заголовок 1"/>
+          <p:cNvSpPr>
+            <a:spLocks noGrp="1"/>
+          </p:cNvSpPr>
+          <p:nvPr>
+            <p:ph type="title"/>
+          </p:nvPr>
+        </p:nvSpPr>
+        <p:spPr>
+          <a:xfrm>
+            <a:off x="684777" y="263887"/>
+            <a:ext cx="10515600" cy="1052449"/>
+          </a:xfrm>
+        </p:spPr>
+        <p:txBody>
+          <a:bodyPr/>
+          <a:lstStyle/>
+          <a:p>
+            <a:pPr algn="ctr" defTabSz="914400">
+              <a:lnSpc>
+                <a:spcPct val="90000"/>
+              </a:lnSpc>
+              <a:spcBef>
+                <a:spcPts val="1"/>
+              </a:spcBef>
+              <a:buNone/>
+            </a:pPr>
+            <a:r>
+              <a:rPr lang="ru-RU" sz="3200" b="0" i="0" dirty="0" smtClean="0">
+                <a:solidFill>
+                  <a:schemeClr val="bg1"/>
+                </a:solidFill>
+                <a:latin typeface="Arial" panose="020B0604020202020204" pitchFamily="34" charset="0"/>
+                <a:cs typeface="Arial" panose="020B0604020202020204" pitchFamily="34" charset="0"/>
+              </a:rPr>
+              <a:t>Концепция</a:t>
+            </a:r>
+            <a:endParaRPr lang="ru-RU" sz="3200" b="0" i="0" dirty="0">
+              <a:solidFill>
+                <a:schemeClr val="bg1"/>
+              </a:solidFill>
+              <a:latin typeface="Arial" panose="020B0604020202020204" pitchFamily="34" charset="0"/>
+              <a:cs typeface="Arial" panose="020B0604020202020204" pitchFamily="34" charset="0"/>
+            </a:endParaRPr>
+          </a:p>
+        </p:txBody>
+      </p:sp>
+      <p:sp>
+        <p:nvSpPr>
+          <p:cNvPr id="5" name="Скругленный прямоугольник 4"/>
+          <p:cNvSpPr/>
+          <p:nvPr/>
+        </p:nvSpPr>
+        <p:spPr>
+          <a:xfrm>
+            <a:off x="4264039" y="2354752"/>
+            <a:ext cx="3496887" cy="1147157"/>
+          </a:xfrm>
+          <a:prstGeom prst="roundRect">
+            <a:avLst/>
+          </a:prstGeom>
+          <a:solidFill>
+            <a:srgbClr val="FFC000"/>
+          </a:solidFill>
+          <a:effectLst>
+            <a:outerShdw blurRad="50800" dist="38100" dir="2700000" algn="tl" rotWithShape="0">
+              <a:prstClr val="black">
+                <a:alpha val="40000"/>
+              </a:prstClr>
+            </a:outerShdw>
+          </a:effectLst>
+        </p:spPr>
+        <p:style>
+          <a:lnRef idx="2">
+            <a:schemeClr val="accent2">
+              <a:shade val="50000"/>
+            </a:schemeClr>
+          </a:lnRef>
+          <a:fillRef idx="1">
+            <a:schemeClr val="accent2"/>
+          </a:fillRef>
+          <a:effectRef idx="0">
+            <a:schemeClr val="accent2"/>
+          </a:effectRef>
+          <a:fontRef idx="minor">
+            <a:schemeClr val="lt1"/>
+          </a:fontRef>
+        </p:style>
+        <p:txBody>
+          <a:bodyPr rtlCol="0" anchor="ctr"/>
+          <a:lstStyle/>
+          <a:p>
+            <a:pPr algn="ctr"/>
+            <a:r>
+              <a:rPr lang="en-US" sz="2400" b="1" dirty="0" smtClean="0">
+                <a:ln w="0"/>
+                <a:solidFill>
+                  <a:schemeClr val="bg1"/>
+                </a:solidFill>
+              </a:rPr>
+              <a:t>Party Surfing</a:t>
+            </a:r>
+            <a:endParaRPr lang="ru-RU" sz="2400" b="1" dirty="0">
+              <a:ln w="0"/>
+              <a:solidFill>
+                <a:schemeClr val="bg1"/>
+              </a:solidFill>
+            </a:endParaRPr>
+          </a:p>
+        </p:txBody>
+      </p:sp>
+      <p:sp>
+        <p:nvSpPr>
+          <p:cNvPr id="6" name="Овал 5"/>
+          <p:cNvSpPr/>
+          <p:nvPr/>
+        </p:nvSpPr>
+        <p:spPr>
+          <a:xfrm>
+            <a:off x="802401" y="4588376"/>
+            <a:ext cx="2870662" cy="853440"/>
+          </a:xfrm>
+          <a:prstGeom prst="ellipse">
+            <a:avLst/>
+          </a:prstGeom>
+          <a:solidFill>
+            <a:schemeClr val="accent6">
+              <a:lumMod val="60000"/>
+              <a:lumOff val="40000"/>
+            </a:schemeClr>
+          </a:solidFill>
+          <a:effectLst>
+            <a:outerShdw blurRad="50800" dist="38100" dir="2700000" algn="tl" rotWithShape="0">
+              <a:prstClr val="black">
+                <a:alpha val="40000"/>
+              </a:prstClr>
+            </a:outerShdw>
+          </a:effectLst>
+        </p:spPr>
+        <p:style>
+          <a:lnRef idx="1">
+            <a:schemeClr val="accent6"/>
+          </a:lnRef>
+          <a:fillRef idx="2">
+            <a:schemeClr val="accent6"/>
+          </a:fillRef>
+          <a:effectRef idx="1">
+            <a:schemeClr val="accent6"/>
+          </a:effectRef>
+          <a:fontRef idx="minor">
+            <a:schemeClr val="dk1"/>
+          </a:fontRef>
+        </p:style>
+        <p:txBody>
+          <a:bodyPr rtlCol="0" anchor="ctr"/>
+          <a:lstStyle/>
+          <a:p>
+            <a:pPr algn="ctr"/>
+            <a:r>
+              <a:rPr lang="ru-RU" sz="2400" b="1" dirty="0" smtClean="0">
+                <a:solidFill>
+                  <a:schemeClr val="bg1"/>
+                </a:solidFill>
+              </a:rPr>
+              <a:t>Поиск</a:t>
+            </a:r>
+            <a:endParaRPr lang="ru-RU" sz="2400" b="1" dirty="0">
+              <a:solidFill>
+                <a:schemeClr val="bg1"/>
+              </a:solidFill>
+            </a:endParaRPr>
+          </a:p>
+        </p:txBody>
+      </p:sp>
+      <p:sp>
+        <p:nvSpPr>
+          <p:cNvPr id="8" name="Овал 7"/>
+          <p:cNvSpPr/>
+          <p:nvPr/>
+        </p:nvSpPr>
+        <p:spPr>
+          <a:xfrm>
+            <a:off x="8229107" y="4631335"/>
+            <a:ext cx="2870662" cy="853440"/>
+          </a:xfrm>
+          <a:prstGeom prst="ellipse">
+            <a:avLst/>
+          </a:prstGeom>
+          <a:solidFill>
+            <a:schemeClr val="accent6">
+              <a:lumMod val="60000"/>
+              <a:lumOff val="40000"/>
+            </a:schemeClr>
+          </a:solidFill>
+          <a:effectLst>
+            <a:outerShdw blurRad="50800" dist="38100" dir="2700000" algn="tl" rotWithShape="0">
+              <a:prstClr val="black">
+                <a:alpha val="40000"/>
+              </a:prstClr>
+            </a:outerShdw>
+          </a:effectLst>
+        </p:spPr>
+        <p:style>
+          <a:lnRef idx="1">
+            <a:schemeClr val="accent6"/>
+          </a:lnRef>
+          <a:fillRef idx="2">
+            <a:schemeClr val="accent6"/>
+          </a:fillRef>
+          <a:effectRef idx="1">
+            <a:schemeClr val="accent6"/>
+          </a:effectRef>
+          <a:fontRef idx="minor">
+            <a:schemeClr val="dk1"/>
+          </a:fontRef>
+        </p:style>
+        <p:txBody>
+          <a:bodyPr rtlCol="0" anchor="ctr"/>
+          <a:lstStyle/>
+          <a:p>
+            <a:pPr algn="ctr"/>
+            <a:r>
+              <a:rPr lang="ru-RU" sz="2400" b="1" dirty="0" smtClean="0">
+                <a:solidFill>
+                  <a:schemeClr val="bg1"/>
+                </a:solidFill>
+              </a:rPr>
+              <a:t>Организация</a:t>
+            </a:r>
+            <a:endParaRPr lang="ru-RU" sz="2400" b="1" dirty="0">
+              <a:solidFill>
+                <a:schemeClr val="bg1"/>
+              </a:solidFill>
+            </a:endParaRPr>
+          </a:p>
+        </p:txBody>
+      </p:sp>
+      <p:sp>
+        <p:nvSpPr>
+          <p:cNvPr id="14" name="Стрелка углом 13"/>
+          <p:cNvSpPr/>
+          <p:nvPr/>
+        </p:nvSpPr>
+        <p:spPr>
+          <a:xfrm rot="10800000" flipH="1">
+            <a:off x="6559338" y="3682048"/>
+            <a:ext cx="1455471" cy="1714467"/>
+          </a:xfrm>
+          <a:prstGeom prst="bentArrow">
+            <a:avLst/>
+          </a:prstGeom>
+          <a:solidFill>
+            <a:schemeClr val="accent1">
+              <a:lumMod val="90000"/>
+            </a:schemeClr>
+          </a:solidFill>
+          <a:effectLst>
+            <a:outerShdw blurRad="50800" dist="38100" dir="2700000" algn="tl" rotWithShape="0">
+              <a:prstClr val="black">
+                <a:alpha val="40000"/>
+              </a:prstClr>
+            </a:outerShdw>
+          </a:effectLst>
+        </p:spPr>
+        <p:style>
+          <a:lnRef idx="2">
+            <a:schemeClr val="accent1">
+              <a:shade val="50000"/>
+            </a:schemeClr>
+          </a:lnRef>
+          <a:fillRef idx="1">
+            <a:schemeClr val="accent1"/>
+          </a:fillRef>
+          <a:effectRef idx="0">
+            <a:schemeClr val="accent1"/>
+          </a:effectRef>
+          <a:fontRef idx="minor">
+            <a:schemeClr val="lt1"/>
+          </a:fontRef>
+        </p:style>
+        <p:txBody>
+          <a:bodyPr rtlCol="0" anchor="ctr"/>
+          <a:lstStyle/>
+          <a:p>
+            <a:pPr algn="ctr"/>
+            <a:endParaRPr lang="ru-RU">
+              <a:solidFill>
+                <a:schemeClr val="tx1"/>
+              </a:solidFill>
+            </a:endParaRPr>
+          </a:p>
+        </p:txBody>
+      </p:sp>
+      <p:sp>
+        <p:nvSpPr>
+          <p:cNvPr id="17" name="Стрелка углом 16"/>
+          <p:cNvSpPr/>
+          <p:nvPr/>
+        </p:nvSpPr>
+        <p:spPr>
+          <a:xfrm rot="10800000">
+            <a:off x="3851563" y="3682048"/>
+            <a:ext cx="1491270" cy="1714467"/>
+          </a:xfrm>
+          <a:prstGeom prst="bentArrow">
+            <a:avLst/>
+          </a:prstGeom>
+          <a:solidFill>
+            <a:schemeClr val="accent1">
+              <a:lumMod val="90000"/>
+            </a:schemeClr>
+          </a:solidFill>
+          <a:effectLst>
+            <a:outerShdw blurRad="50800" dist="38100" dir="2700000" algn="tl" rotWithShape="0">
+              <a:prstClr val="black">
+                <a:alpha val="40000"/>
+              </a:prstClr>
+            </a:outerShdw>
+          </a:effectLst>
+        </p:spPr>
+        <p:style>
+          <a:lnRef idx="2">
+            <a:schemeClr val="accent1">
+              <a:shade val="50000"/>
+            </a:schemeClr>
+          </a:lnRef>
+          <a:fillRef idx="1">
+            <a:schemeClr val="accent1"/>
+          </a:fillRef>
+          <a:effectRef idx="0">
+            <a:schemeClr val="accent1"/>
+          </a:effectRef>
+          <a:fontRef idx="minor">
+            <a:schemeClr val="lt1"/>
+          </a:fontRef>
+        </p:style>
+        <p:txBody>
+          <a:bodyPr rtlCol="0" anchor="ctr"/>
+          <a:lstStyle/>
+          <a:p>
+            <a:pPr algn="ctr"/>
+            <a:endParaRPr lang="ru-RU">
+              <a:solidFill>
+                <a:schemeClr val="tx1"/>
+              </a:solidFill>
+            </a:endParaRPr>
+          </a:p>
+        </p:txBody>
+      </p:sp>
+    </p:spTree>
+    <p:extLst>
+      <p:ext uri="{BB962C8B-B14F-4D97-AF65-F5344CB8AC3E}">
+        <p14:creationId xmlns:p14="http://schemas.microsoft.com/office/powerpoint/2010/main" val="3639872359"/>
+      </p:ext>
+    </p:extLst>
+  </p:cSld>
+  <p:clrMapOvr>
+    <a:masterClrMapping/>
+  </p:clrMapOvr>
+  <mc:AlternateContent xmlns:mc="http://schemas.openxmlformats.org/markup-compatibility/2006" xmlns:p14="http://schemas.microsoft.com/office/powerpoint/2010/main">
+    <mc:Choice Requires="p14">
+      <p:transition spd="med" p14:dur="700">
+        <p:fade/>
+      </p:transition>
+    </mc:Choice>
+    <mc:Fallback xmlns="">
+      <p:transition spd="med">
+        <p:fade/>
+      </p:transition>
+    </mc:Fallback>
+  </mc:AlternateContent>
+  <p:timing>
+    <p:tnLst>
+      <p:par>
+        <p:cTn id="1" dur="indefinite" restart="never" nodeType="tmRoot"/>
+      </p:par>
+    </p:tnLst>
+  </p:timing>
+</p:sld>
+</file>
+
+<file path=ppt/slides/slide20.xml><?xml version="1.0" encoding="utf-8"?>
+<p:sld xmlns:a="http://schemas.openxmlformats.org/drawingml/2006/main" xmlns:r="http://schemas.openxmlformats.org/officeDocument/2006/relationships" xmlns:p="http://schemas.openxmlformats.org/presentationml/2006/main">
+  <p:cSld>
+    <p:spTree>
+      <p:nvGrpSpPr>
+        <p:cNvPr id="1" name=""/>
+        <p:cNvGrpSpPr/>
+        <p:nvPr/>
+      </p:nvGrpSpPr>
+      <p:grpSpPr>
+        <a:xfrm>
+          <a:off x="0" y="0"/>
+          <a:ext cx="0" cy="0"/>
+          <a:chOff x="0" y="0"/>
+          <a:chExt cx="0" cy="0"/>
+        </a:xfrm>
+      </p:grpSpPr>
+      <p:sp>
+        <p:nvSpPr>
+          <p:cNvPr id="2" name="Заголовок 1"/>
+          <p:cNvSpPr>
+            <a:spLocks noGrp="1"/>
+          </p:cNvSpPr>
+          <p:nvPr>
+            <p:ph type="title"/>
+          </p:nvPr>
+        </p:nvSpPr>
+        <p:spPr>
+          <a:xfrm>
+            <a:off x="839788" y="365126"/>
+            <a:ext cx="10515600" cy="880668"/>
+          </a:xfrm>
+        </p:spPr>
+        <p:txBody>
+          <a:bodyPr/>
+          <a:lstStyle/>
+          <a:p>
+            <a:pPr algn="ctr"/>
+            <a:r>
+              <a:rPr lang="ru-RU" b="1" dirty="0" smtClean="0">
+                <a:solidFill>
+                  <a:srgbClr val="FFFFFF"/>
+                </a:solidFill>
+              </a:rPr>
+              <a:t>Новые задачи</a:t>
+            </a:r>
+            <a:endParaRPr lang="ru-RU" b="1" dirty="0">
+              <a:solidFill>
+                <a:srgbClr val="FFFFFF"/>
+              </a:solidFill>
+            </a:endParaRPr>
+          </a:p>
+        </p:txBody>
+      </p:sp>
+      <p:sp>
+        <p:nvSpPr>
+          <p:cNvPr id="4" name="Объект 3"/>
+          <p:cNvSpPr>
+            <a:spLocks noGrp="1"/>
+          </p:cNvSpPr>
+          <p:nvPr>
+            <p:ph sz="half" idx="2"/>
+          </p:nvPr>
+        </p:nvSpPr>
+        <p:spPr>
+          <a:xfrm>
+            <a:off x="1288024" y="2427380"/>
+            <a:ext cx="5005200" cy="3684588"/>
+          </a:xfrm>
+        </p:spPr>
+        <p:txBody>
+          <a:bodyPr>
+            <a:normAutofit fontScale="92500" lnSpcReduction="20000"/>
+          </a:bodyPr>
+          <a:lstStyle/>
+          <a:p>
+            <a:r>
+              <a:rPr lang="ru-RU" dirty="0" smtClean="0">
+                <a:solidFill>
+                  <a:schemeClr val="bg1">
+                    <a:lumMod val="25000"/>
+                  </a:schemeClr>
+                </a:solidFill>
+              </a:rPr>
+              <a:t>Загрузка фотографий в альбоме</a:t>
+            </a:r>
+          </a:p>
+          <a:p>
+            <a:r>
+              <a:rPr lang="ru-RU" dirty="0" smtClean="0">
+                <a:solidFill>
+                  <a:schemeClr val="bg1">
+                    <a:lumMod val="25000"/>
+                  </a:schemeClr>
+                </a:solidFill>
+              </a:rPr>
+              <a:t>Система оценивания пользователей</a:t>
+            </a:r>
+          </a:p>
+          <a:p>
+            <a:r>
+              <a:rPr lang="ru-RU" dirty="0" smtClean="0">
+                <a:solidFill>
+                  <a:schemeClr val="bg1">
+                    <a:lumMod val="25000"/>
+                  </a:schemeClr>
+                </a:solidFill>
+              </a:rPr>
+              <a:t>Система оценивания мероприятий</a:t>
+            </a:r>
+          </a:p>
+          <a:p>
+            <a:r>
+              <a:rPr lang="ru-RU" dirty="0" smtClean="0">
+                <a:solidFill>
+                  <a:schemeClr val="bg1">
+                    <a:lumMod val="25000"/>
+                  </a:schemeClr>
+                </a:solidFill>
+              </a:rPr>
+              <a:t>Настройки приватности</a:t>
+            </a:r>
+          </a:p>
+          <a:p>
+            <a:r>
+              <a:rPr lang="ru-RU" dirty="0" smtClean="0">
+                <a:solidFill>
+                  <a:schemeClr val="bg1">
+                    <a:lumMod val="25000"/>
+                  </a:schemeClr>
+                </a:solidFill>
+              </a:rPr>
+              <a:t>Фильтры в поиске по мероприятиям</a:t>
+            </a:r>
+          </a:p>
+          <a:p>
+            <a:r>
+              <a:rPr lang="ru-RU" dirty="0" smtClean="0">
+                <a:solidFill>
+                  <a:schemeClr val="bg1">
+                    <a:lumMod val="25000"/>
+                  </a:schemeClr>
+                </a:solidFill>
+              </a:rPr>
+              <a:t>Адаптивная верстка</a:t>
+            </a:r>
+          </a:p>
+          <a:p>
+            <a:r>
+              <a:rPr lang="ru-RU" dirty="0" smtClean="0">
+                <a:solidFill>
+                  <a:schemeClr val="bg1">
+                    <a:lumMod val="25000"/>
+                  </a:schemeClr>
+                </a:solidFill>
+              </a:rPr>
+              <a:t>Мобильная версия</a:t>
+            </a:r>
+            <a:endParaRPr lang="ru-RU" dirty="0">
+              <a:solidFill>
+                <a:schemeClr val="bg1">
+                  <a:lumMod val="25000"/>
+                </a:schemeClr>
+              </a:solidFill>
+            </a:endParaRPr>
+          </a:p>
+        </p:txBody>
+      </p:sp>
+      <p:pic>
+        <p:nvPicPr>
+          <p:cNvPr id="2052" name="Picture 4" descr="http://cs609322.vk.me/u11886539/docs/93dc998c04be/mountain.png?extra=dIIz363MWemYvhFgF-uMAJzlvCLS4YSUCt9lSgO5aESOMYz1sGrZurnF_Ms8umA9GYnCY65Q3LtxbtxZLHkB6mxS_CjU-tSS"/>
+          <p:cNvPicPr>
+            <a:picLocks noChangeAspect="1" noChangeArrowheads="1"/>
+          </p:cNvPicPr>
+          <p:nvPr/>
+        </p:nvPicPr>
+        <p:blipFill>
+          <a:blip r:embed="rId2">
+            <a:extLst>
+              <a:ext uri="{28A0092B-C50C-407E-A947-70E740481C1C}">
+                <a14:useLocalDpi xmlns:a14="http://schemas.microsoft.com/office/drawing/2010/main" val="0"/>
+              </a:ext>
+            </a:extLst>
+          </a:blip>
+          <a:srcRect/>
+          <a:stretch>
+            <a:fillRect/>
+          </a:stretch>
+        </p:blipFill>
+        <p:spPr bwMode="auto">
+          <a:xfrm>
+            <a:off x="5336989" y="2306871"/>
+            <a:ext cx="5649072" cy="3703282"/>
+          </a:xfrm>
+          <a:prstGeom prst="rect">
+            <a:avLst/>
+          </a:prstGeom>
+          <a:noFill/>
+          <a:extLst>
+            <a:ext uri="{909E8E84-426E-40DD-AFC4-6F175D3DCCD1}">
+              <a14:hiddenFill xmlns:a14="http://schemas.microsoft.com/office/drawing/2010/main">
+                <a:solidFill>
+                  <a:srgbClr val="FFFFFF"/>
+                </a:solidFill>
+              </a14:hiddenFill>
+            </a:ext>
+          </a:extLst>
+        </p:spPr>
+      </p:pic>
+    </p:spTree>
+    <p:extLst>
+      <p:ext uri="{BB962C8B-B14F-4D97-AF65-F5344CB8AC3E}">
+        <p14:creationId xmlns:p14="http://schemas.microsoft.com/office/powerpoint/2010/main" val="2137433952"/>
+      </p:ext>
+    </p:extLst>
+  </p:cSld>
+  <p:clrMapOvr>
+    <a:masterClrMapping/>
+  </p:clrMapOvr>
+  <mc:AlternateContent xmlns:mc="http://schemas.openxmlformats.org/markup-compatibility/2006" xmlns:p14="http://schemas.microsoft.com/office/powerpoint/2010/main">
+    <mc:Choice Requires="p14">
+      <p:transition spd="med" p14:dur="700">
+        <p:fade/>
+      </p:transition>
+    </mc:Choice>
+    <mc:Fallback xmlns="">
+      <p:transition spd="med">
+        <p:fade/>
+      </p:transition>
+    </mc:Fallback>
+  </mc:AlternateContent>
+  <p:timing>
+    <p:tnLst>
+      <p:par>
+        <p:cTn id="1" dur="indefinite" restart="never" nodeType="tmRoot"/>
+      </p:par>
+    </p:tnLst>
+  </p:timing>
+</p:sld>
+</file>
+
+<file path=ppt/slides/slide21.xml><?xml version="1.0" encoding="utf-8"?>
+<p:sld xmlns:a="http://schemas.openxmlformats.org/drawingml/2006/main" xmlns:r="http://schemas.openxmlformats.org/officeDocument/2006/relationships" xmlns:p="http://schemas.openxmlformats.org/presentationml/2006/main">
+  <p:cSld>
+    <p:spTree>
+      <p:nvGrpSpPr>
+        <p:cNvPr id="1" name=""/>
+        <p:cNvGrpSpPr/>
+        <p:nvPr/>
+      </p:nvGrpSpPr>
+      <p:grpSpPr>
+        <a:xfrm>
+          <a:off x="0" y="0"/>
+          <a:ext cx="0" cy="0"/>
+          <a:chOff x="0" y="0"/>
+          <a:chExt cx="0" cy="0"/>
+        </a:xfrm>
+      </p:grpSpPr>
+      <p:sp>
+        <p:nvSpPr>
+          <p:cNvPr id="2" name="Заголовок 1"/>
+          <p:cNvSpPr>
+            <a:spLocks noGrp="1"/>
+          </p:cNvSpPr>
+          <p:nvPr>
+            <p:ph type="ctrTitle"/>
+          </p:nvPr>
+        </p:nvSpPr>
+        <p:spPr>
+          <a:xfrm>
+            <a:off x="1595718" y="3173506"/>
+            <a:ext cx="9144000" cy="1256834"/>
+          </a:xfrm>
+        </p:spPr>
+        <p:txBody>
+          <a:bodyPr>
+            <a:normAutofit/>
+          </a:bodyPr>
+          <a:lstStyle/>
+          <a:p>
+            <a:r>
+              <a:rPr lang="ru-RU" sz="7200" b="1" dirty="0" smtClean="0">
+                <a:ln w="9525">
+                  <a:solidFill>
+                    <a:schemeClr val="accent5">
+                      <a:lumMod val="50000"/>
+                    </a:schemeClr>
+                  </a:solidFill>
+                  <a:prstDash val="solid"/>
+                </a:ln>
+                <a:solidFill>
+                  <a:schemeClr val="accent5">
+                    <a:lumMod val="75000"/>
+                  </a:schemeClr>
+                </a:solidFill>
+                <a:effectLst>
+                  <a:outerShdw blurRad="12700" dist="38100" dir="2700000" algn="tl" rotWithShape="0">
+                    <a:schemeClr val="accent5">
+                      <a:lumMod val="60000"/>
+                      <a:lumOff val="40000"/>
+                    </a:schemeClr>
+                  </a:outerShdw>
+                </a:effectLst>
+              </a:rPr>
+              <a:t>Спасибо за внимание!</a:t>
+            </a:r>
+            <a:endParaRPr lang="ru-RU" sz="7200" b="1" dirty="0">
+              <a:ln w="9525">
+                <a:solidFill>
+                  <a:schemeClr val="accent5">
+                    <a:lumMod val="50000"/>
+                  </a:schemeClr>
+                </a:solidFill>
+                <a:prstDash val="solid"/>
+              </a:ln>
+              <a:solidFill>
+                <a:schemeClr val="accent5">
+                  <a:lumMod val="75000"/>
+                </a:schemeClr>
+              </a:solidFill>
+              <a:effectLst>
+                <a:outerShdw blurRad="12700" dist="38100" dir="2700000" algn="tl" rotWithShape="0">
+                  <a:schemeClr val="accent5">
+                    <a:lumMod val="60000"/>
+                    <a:lumOff val="40000"/>
+                  </a:schemeClr>
+                </a:outerShdw>
+              </a:effectLst>
+            </a:endParaRPr>
+          </a:p>
+        </p:txBody>
+      </p:sp>
+    </p:spTree>
+    <p:extLst>
+      <p:ext uri="{BB962C8B-B14F-4D97-AF65-F5344CB8AC3E}">
+        <p14:creationId xmlns:p14="http://schemas.microsoft.com/office/powerpoint/2010/main" val="3663504979"/>
+      </p:ext>
+    </p:extLst>
+  </p:cSld>
+  <p:clrMapOvr>
+    <a:masterClrMapping/>
+  </p:clrMapOvr>
+  <mc:AlternateContent xmlns:mc="http://schemas.openxmlformats.org/markup-compatibility/2006" xmlns:p14="http://schemas.microsoft.com/office/powerpoint/2010/main">
+    <mc:Choice Requires="p14">
+      <p:transition spd="med" p14:dur="700">
+        <p:fade/>
+      </p:transition>
+    </mc:Choice>
+    <mc:Fallback xmlns="">
+      <p:transition spd="med">
+        <p:fade/>
+      </p:transition>
+    </mc:Fallback>
+  </mc:AlternateContent>
+  <p:timing>
+    <p:tnLst>
+      <p:par>
+        <p:cTn id="1" dur="indefinite" restart="never" nodeType="tmRoot"/>
+      </p:par>
+    </p:tnLst>
+  </p:timing>
+</p:sld>
+</file>
+
+<file path=ppt/slides/slide3.xml><?xml version="1.0" encoding="utf-8"?>
+<p:sld xmlns:a="http://schemas.openxmlformats.org/drawingml/2006/main" xmlns:r="http://schemas.openxmlformats.org/officeDocument/2006/relationships" xmlns:p="http://schemas.openxmlformats.org/presentationml/2006/main">
+  <p:cSld>
+    <p:spTree>
+      <p:nvGrpSpPr>
+        <p:cNvPr id="1" name=""/>
+        <p:cNvGrpSpPr/>
+        <p:nvPr/>
+      </p:nvGrpSpPr>
+      <p:grpSpPr>
+        <a:xfrm>
+          <a:off x="0" y="0"/>
+          <a:ext cx="0" cy="0"/>
+          <a:chOff x="0" y="0"/>
+          <a:chExt cx="0" cy="0"/>
+        </a:xfrm>
+      </p:grpSpPr>
+      <p:sp>
+        <p:nvSpPr>
+          <p:cNvPr id="2" name="Заголовок 1"/>
+          <p:cNvSpPr>
+            <a:spLocks noGrp="1"/>
+          </p:cNvSpPr>
+          <p:nvPr>
+            <p:ph type="title"/>
+          </p:nvPr>
+        </p:nvSpPr>
+        <p:spPr>
+          <a:xfrm>
+            <a:off x="3429564" y="202518"/>
+            <a:ext cx="5211208" cy="984943"/>
+          </a:xfrm>
+        </p:spPr>
+        <p:txBody>
+          <a:bodyPr/>
+          <a:lstStyle/>
+          <a:p>
+            <a:r>
+              <a:rPr lang="ru-RU" dirty="0" smtClean="0">
+                <a:solidFill>
+                  <a:schemeClr val="bg1"/>
+                </a:solidFill>
+              </a:rPr>
+              <a:t>Анализ конкурентов</a:t>
+            </a:r>
+            <a:endParaRPr lang="ru-RU" dirty="0">
+              <a:solidFill>
+                <a:schemeClr val="bg1"/>
+              </a:solidFill>
+            </a:endParaRPr>
+          </a:p>
+        </p:txBody>
+      </p:sp>
+      <p:sp>
+        <p:nvSpPr>
+          <p:cNvPr id="7" name="TextBox 6"/>
+          <p:cNvSpPr txBox="1"/>
+          <p:nvPr/>
+        </p:nvSpPr>
+        <p:spPr>
+          <a:xfrm>
+            <a:off x="888883" y="2216363"/>
+            <a:ext cx="6363978" cy="2009061"/>
+          </a:xfrm>
+          <a:prstGeom prst="roundRect">
+            <a:avLst/>
+          </a:prstGeom>
+          <a:solidFill>
+            <a:schemeClr val="accent2">
+              <a:lumMod val="20000"/>
+              <a:lumOff val="80000"/>
+            </a:schemeClr>
+          </a:solidFill>
+          <a:ln w="19050"/>
+          <a:effectLst>
+            <a:outerShdw blurRad="50800" dist="38100" dir="2700000" algn="tl" rotWithShape="0">
+              <a:prstClr val="black">
+                <a:alpha val="40000"/>
+              </a:prstClr>
+            </a:outerShdw>
+          </a:effectLst>
+        </p:spPr>
+        <p:style>
+          <a:lnRef idx="2">
+            <a:schemeClr val="accent2"/>
+          </a:lnRef>
+          <a:fillRef idx="1">
+            <a:schemeClr val="lt1"/>
+          </a:fillRef>
+          <a:effectRef idx="0">
+            <a:schemeClr val="accent2"/>
+          </a:effectRef>
+          <a:fontRef idx="minor">
+            <a:schemeClr val="dk1"/>
+          </a:fontRef>
+        </p:style>
+        <p:txBody>
+          <a:bodyPr wrap="square" rtlCol="0">
+            <a:spAutoFit/>
+          </a:bodyPr>
+          <a:lstStyle/>
+          <a:p>
+            <a:r>
+              <a:rPr lang="ru-RU" sz="2800" dirty="0" smtClean="0">
+                <a:solidFill>
+                  <a:schemeClr val="accent1">
+                    <a:lumMod val="50000"/>
+                  </a:schemeClr>
+                </a:solidFill>
+              </a:rPr>
+              <a:t>Прямые конкуренты отсутствуют</a:t>
+            </a:r>
+          </a:p>
+          <a:p>
+            <a:pPr marL="285750" indent="-285750">
+              <a:buFont typeface="Arial" panose="020B0604020202020204" pitchFamily="34" charset="0"/>
+              <a:buChar char="•"/>
+            </a:pPr>
+            <a:r>
+              <a:rPr lang="en-US" sz="2800" dirty="0" smtClean="0">
+                <a:solidFill>
+                  <a:schemeClr val="accent1">
+                    <a:lumMod val="50000"/>
+                  </a:schemeClr>
+                </a:solidFill>
+              </a:rPr>
+              <a:t>Foursquare</a:t>
+            </a:r>
+          </a:p>
+          <a:p>
+            <a:pPr marL="285750" indent="-285750">
+              <a:buFont typeface="Arial" panose="020B0604020202020204" pitchFamily="34" charset="0"/>
+              <a:buChar char="•"/>
+            </a:pPr>
+            <a:r>
+              <a:rPr lang="en-US" sz="2800" dirty="0" smtClean="0">
+                <a:solidFill>
+                  <a:schemeClr val="accent1">
+                    <a:lumMod val="50000"/>
+                  </a:schemeClr>
+                </a:solidFill>
+              </a:rPr>
+              <a:t>DRYNK.ME</a:t>
+            </a:r>
+          </a:p>
+          <a:p>
+            <a:pPr marL="285750" indent="-285750">
+              <a:buFont typeface="Arial" panose="020B0604020202020204" pitchFamily="34" charset="0"/>
+              <a:buChar char="•"/>
+            </a:pPr>
+            <a:r>
+              <a:rPr lang="ru-RU" sz="2800" dirty="0" smtClean="0">
+                <a:solidFill>
+                  <a:schemeClr val="accent1">
+                    <a:lumMod val="50000"/>
+                  </a:schemeClr>
+                </a:solidFill>
+              </a:rPr>
+              <a:t>Группы в социальной сети </a:t>
+            </a:r>
+            <a:r>
+              <a:rPr lang="ru-RU" sz="2800" dirty="0" err="1" smtClean="0">
+                <a:solidFill>
+                  <a:schemeClr val="accent1">
+                    <a:lumMod val="50000"/>
+                  </a:schemeClr>
+                </a:solidFill>
+              </a:rPr>
+              <a:t>Вконтакте</a:t>
+            </a:r>
+            <a:endParaRPr lang="ru-RU" sz="2800" dirty="0" smtClean="0">
+              <a:solidFill>
+                <a:schemeClr val="accent1">
+                  <a:lumMod val="50000"/>
+                </a:schemeClr>
+              </a:solidFill>
+            </a:endParaRPr>
+          </a:p>
+        </p:txBody>
+      </p:sp>
+      <p:pic>
+        <p:nvPicPr>
+          <p:cNvPr id="8" name="Рисунок 7"/>
+          <p:cNvPicPr>
+            <a:picLocks noChangeAspect="1"/>
+          </p:cNvPicPr>
+          <p:nvPr/>
+        </p:nvPicPr>
+        <p:blipFill rotWithShape="1">
+          <a:blip r:embed="rId2"/>
+          <a:srcRect r="11387"/>
+          <a:stretch/>
+        </p:blipFill>
+        <p:spPr>
+          <a:xfrm>
+            <a:off x="8111333" y="2425018"/>
+            <a:ext cx="3008752" cy="1204897"/>
+          </a:xfrm>
+          <a:prstGeom prst="rect">
+            <a:avLst/>
+          </a:prstGeom>
+          <a:ln>
+            <a:noFill/>
+          </a:ln>
+          <a:effectLst>
+            <a:outerShdw blurRad="292100" dist="139700" dir="2700000" algn="tl" rotWithShape="0">
+              <a:srgbClr val="333333">
+                <a:alpha val="65000"/>
+              </a:srgbClr>
+            </a:outerShdw>
+          </a:effectLst>
+        </p:spPr>
+      </p:pic>
+      <p:pic>
+        <p:nvPicPr>
+          <p:cNvPr id="9" name="Рисунок 8"/>
+          <p:cNvPicPr>
+            <a:picLocks noChangeAspect="1"/>
+          </p:cNvPicPr>
+          <p:nvPr/>
+        </p:nvPicPr>
+        <p:blipFill>
+          <a:blip r:embed="rId3"/>
+          <a:stretch>
+            <a:fillRect/>
+          </a:stretch>
+        </p:blipFill>
+        <p:spPr>
+          <a:xfrm>
+            <a:off x="7729292" y="4466508"/>
+            <a:ext cx="2152753" cy="1210074"/>
+          </a:xfrm>
+          <a:prstGeom prst="rect">
+            <a:avLst/>
+          </a:prstGeom>
+          <a:ln>
+            <a:noFill/>
+          </a:ln>
+          <a:effectLst>
+            <a:outerShdw blurRad="292100" dist="139700" dir="2700000" algn="tl" rotWithShape="0">
+              <a:srgbClr val="333333">
+                <a:alpha val="65000"/>
+              </a:srgbClr>
+            </a:outerShdw>
+          </a:effectLst>
+        </p:spPr>
+      </p:pic>
+      <p:pic>
+        <p:nvPicPr>
+          <p:cNvPr id="1026" name="Picture 2" descr="http://smolmitino.ru/vk.png"/>
+          <p:cNvPicPr>
+            <a:picLocks noChangeAspect="1" noChangeArrowheads="1"/>
+          </p:cNvPicPr>
+          <p:nvPr/>
+        </p:nvPicPr>
+        <p:blipFill>
+          <a:blip r:embed="rId4">
+            <a:extLst>
+              <a:ext uri="{28A0092B-C50C-407E-A947-70E740481C1C}">
+                <a14:useLocalDpi xmlns:a14="http://schemas.microsoft.com/office/drawing/2010/main" val="0"/>
+              </a:ext>
+            </a:extLst>
+          </a:blip>
+          <a:srcRect/>
+          <a:stretch>
+            <a:fillRect/>
+          </a:stretch>
+        </p:blipFill>
+        <p:spPr bwMode="auto">
+          <a:xfrm>
+            <a:off x="2260535" y="4708867"/>
+            <a:ext cx="2857500" cy="857251"/>
+          </a:xfrm>
+          <a:prstGeom prst="rect">
+            <a:avLst/>
+          </a:prstGeom>
+          <a:noFill/>
+          <a:effectLst>
+            <a:outerShdw blurRad="50800" dist="38100" dir="2700000" algn="tl" rotWithShape="0">
+              <a:prstClr val="black">
+                <a:alpha val="40000"/>
+              </a:prstClr>
+            </a:outerShdw>
+          </a:effectLst>
+          <a:extLst>
+            <a:ext uri="{909E8E84-426E-40DD-AFC4-6F175D3DCCD1}">
+              <a14:hiddenFill xmlns:a14="http://schemas.microsoft.com/office/drawing/2010/main">
+                <a:solidFill>
+                  <a:srgbClr val="FFFFFF"/>
+                </a:solidFill>
+              </a14:hiddenFill>
+            </a:ext>
+          </a:extLst>
+        </p:spPr>
+      </p:pic>
+    </p:spTree>
+    <p:extLst>
+      <p:ext uri="{BB962C8B-B14F-4D97-AF65-F5344CB8AC3E}">
+        <p14:creationId xmlns:p14="http://schemas.microsoft.com/office/powerpoint/2010/main" val="1340526037"/>
+      </p:ext>
+    </p:extLst>
+  </p:cSld>
+  <p:clrMapOvr>
+    <a:masterClrMapping/>
+  </p:clrMapOvr>
+  <mc:AlternateContent xmlns:mc="http://schemas.openxmlformats.org/markup-compatibility/2006" xmlns:p14="http://schemas.microsoft.com/office/powerpoint/2010/main">
+    <mc:Choice Requires="p14">
+      <p:transition spd="med" p14:dur="700">
+        <p:fade/>
+      </p:transition>
+    </mc:Choice>
+    <mc:Fallback xmlns="">
+      <p:transition spd="med">
+        <p:fade/>
+      </p:transition>
+    </mc:Fallback>
+  </mc:AlternateContent>
+  <p:timing>
+    <p:tnLst>
+      <p:par>
+        <p:cTn id="1" dur="indefinite" restart="never" nodeType="tmRoot"/>
+      </p:par>
+    </p:tnLst>
+  </p:timing>
+</p:sld>
+</file>
+
+<file path=ppt/slides/slide4.xml><?xml version="1.0" encoding="utf-8"?>
 <p:sld xmlns:a="http://schemas.openxmlformats.org/drawingml/2006/main" xmlns:r="http://schemas.openxmlformats.org/officeDocument/2006/relationships" xmlns:p="http://schemas.openxmlformats.org/presentationml/2006/main">
   <p:cSld>
     <p:spTree>
@@ -20070,1868 +17695,7 @@
 </p:sld>
 </file>
 
-<file path=ppt/slides/slide16.xml><?xml version="1.0" encoding="utf-8"?>
-<p:sld xmlns:a="http://schemas.openxmlformats.org/drawingml/2006/main" xmlns:r="http://schemas.openxmlformats.org/officeDocument/2006/relationships" xmlns:p="http://schemas.openxmlformats.org/presentationml/2006/main">
-  <p:cSld>
-    <p:spTree>
-      <p:nvGrpSpPr>
-        <p:cNvPr id="1" name=""/>
-        <p:cNvGrpSpPr/>
-        <p:nvPr/>
-      </p:nvGrpSpPr>
-      <p:grpSpPr>
-        <a:xfrm>
-          <a:off x="0" y="0"/>
-          <a:ext cx="0" cy="0"/>
-          <a:chOff x="0" y="0"/>
-          <a:chExt cx="0" cy="0"/>
-        </a:xfrm>
-      </p:grpSpPr>
-      <p:sp>
-        <p:nvSpPr>
-          <p:cNvPr id="2" name="Заголовок 1"/>
-          <p:cNvSpPr>
-            <a:spLocks noGrp="1"/>
-          </p:cNvSpPr>
-          <p:nvPr>
-            <p:ph type="title"/>
-          </p:nvPr>
-        </p:nvSpPr>
-        <p:spPr>
-          <a:xfrm>
-            <a:off x="838200" y="365125"/>
-            <a:ext cx="10515600" cy="859617"/>
-          </a:xfrm>
-        </p:spPr>
-        <p:txBody>
-          <a:bodyPr/>
-          <a:lstStyle/>
-          <a:p>
-            <a:pPr algn="ctr"/>
-            <a:r>
-              <a:rPr lang="ru-RU" b="1" dirty="0" smtClean="0">
-                <a:solidFill>
-                  <a:srgbClr val="FFFFFF"/>
-                </a:solidFill>
-              </a:rPr>
-              <a:t>Статистика</a:t>
-            </a:r>
-            <a:endParaRPr lang="ru-RU" b="1" dirty="0">
-              <a:solidFill>
-                <a:srgbClr val="FFFFFF"/>
-              </a:solidFill>
-            </a:endParaRPr>
-          </a:p>
-        </p:txBody>
-      </p:sp>
-      <p:sp>
-        <p:nvSpPr>
-          <p:cNvPr id="3" name="Объект 2"/>
-          <p:cNvSpPr>
-            <a:spLocks noGrp="1"/>
-          </p:cNvSpPr>
-          <p:nvPr>
-            <p:ph idx="1"/>
-          </p:nvPr>
-        </p:nvSpPr>
-        <p:spPr/>
-        <p:txBody>
-          <a:bodyPr/>
-          <a:lstStyle/>
-          <a:p>
-            <a:endParaRPr lang="ru-RU" dirty="0"/>
-          </a:p>
-        </p:txBody>
-      </p:sp>
-    </p:spTree>
-    <p:extLst>
-      <p:ext uri="{BB962C8B-B14F-4D97-AF65-F5344CB8AC3E}">
-        <p14:creationId xmlns:p14="http://schemas.microsoft.com/office/powerpoint/2010/main" val="2265040254"/>
-      </p:ext>
-    </p:extLst>
-  </p:cSld>
-  <p:clrMapOvr>
-    <a:masterClrMapping/>
-  </p:clrMapOvr>
-  <mc:AlternateContent xmlns:mc="http://schemas.openxmlformats.org/markup-compatibility/2006" xmlns:p14="http://schemas.microsoft.com/office/powerpoint/2010/main">
-    <mc:Choice Requires="p14">
-      <p:transition spd="med" p14:dur="700">
-        <p:fade/>
-      </p:transition>
-    </mc:Choice>
-    <mc:Fallback xmlns="">
-      <p:transition spd="med">
-        <p:fade/>
-      </p:transition>
-    </mc:Fallback>
-  </mc:AlternateContent>
-  <p:timing>
-    <p:tnLst>
-      <p:par>
-        <p:cTn id="1" dur="indefinite" restart="never" nodeType="tmRoot"/>
-      </p:par>
-    </p:tnLst>
-  </p:timing>
-</p:sld>
-</file>
-
-<file path=ppt/slides/slide17.xml><?xml version="1.0" encoding="utf-8"?>
-<p:sld xmlns:a="http://schemas.openxmlformats.org/drawingml/2006/main" xmlns:r="http://schemas.openxmlformats.org/officeDocument/2006/relationships" xmlns:p="http://schemas.openxmlformats.org/presentationml/2006/main">
-  <p:cSld>
-    <p:spTree>
-      <p:nvGrpSpPr>
-        <p:cNvPr id="1" name=""/>
-        <p:cNvGrpSpPr/>
-        <p:nvPr/>
-      </p:nvGrpSpPr>
-      <p:grpSpPr>
-        <a:xfrm>
-          <a:off x="0" y="0"/>
-          <a:ext cx="0" cy="0"/>
-          <a:chOff x="0" y="0"/>
-          <a:chExt cx="0" cy="0"/>
-        </a:xfrm>
-      </p:grpSpPr>
-      <p:sp>
-        <p:nvSpPr>
-          <p:cNvPr id="2" name="Заголовок 1"/>
-          <p:cNvSpPr>
-            <a:spLocks noGrp="1"/>
-          </p:cNvSpPr>
-          <p:nvPr>
-            <p:ph type="title"/>
-          </p:nvPr>
-        </p:nvSpPr>
-        <p:spPr>
-          <a:xfrm>
-            <a:off x="839788" y="365126"/>
-            <a:ext cx="10515600" cy="880668"/>
-          </a:xfrm>
-        </p:spPr>
-        <p:txBody>
-          <a:bodyPr/>
-          <a:lstStyle/>
-          <a:p>
-            <a:pPr algn="ctr"/>
-            <a:r>
-              <a:rPr lang="ru-RU" b="1" dirty="0" smtClean="0">
-                <a:solidFill>
-                  <a:srgbClr val="FFFFFF"/>
-                </a:solidFill>
-              </a:rPr>
-              <a:t>Новые задачи</a:t>
-            </a:r>
-            <a:endParaRPr lang="ru-RU" b="1" dirty="0">
-              <a:solidFill>
-                <a:srgbClr val="FFFFFF"/>
-              </a:solidFill>
-            </a:endParaRPr>
-          </a:p>
-        </p:txBody>
-      </p:sp>
-      <p:sp>
-        <p:nvSpPr>
-          <p:cNvPr id="4" name="Объект 3"/>
-          <p:cNvSpPr>
-            <a:spLocks noGrp="1"/>
-          </p:cNvSpPr>
-          <p:nvPr>
-            <p:ph sz="half" idx="2"/>
-          </p:nvPr>
-        </p:nvSpPr>
-        <p:spPr>
-          <a:xfrm>
-            <a:off x="1288024" y="2427380"/>
-            <a:ext cx="5005200" cy="3684588"/>
-          </a:xfrm>
-        </p:spPr>
-        <p:txBody>
-          <a:bodyPr>
-            <a:normAutofit fontScale="92500" lnSpcReduction="20000"/>
-          </a:bodyPr>
-          <a:lstStyle/>
-          <a:p>
-            <a:r>
-              <a:rPr lang="ru-RU" dirty="0" smtClean="0">
-                <a:solidFill>
-                  <a:schemeClr val="bg1">
-                    <a:lumMod val="25000"/>
-                  </a:schemeClr>
-                </a:solidFill>
-              </a:rPr>
-              <a:t>Загрузка фотографий в альбоме</a:t>
-            </a:r>
-          </a:p>
-          <a:p>
-            <a:r>
-              <a:rPr lang="ru-RU" dirty="0" smtClean="0">
-                <a:solidFill>
-                  <a:schemeClr val="bg1">
-                    <a:lumMod val="25000"/>
-                  </a:schemeClr>
-                </a:solidFill>
-              </a:rPr>
-              <a:t>Система оценивания пользователей</a:t>
-            </a:r>
-          </a:p>
-          <a:p>
-            <a:r>
-              <a:rPr lang="ru-RU" dirty="0" smtClean="0">
-                <a:solidFill>
-                  <a:schemeClr val="bg1">
-                    <a:lumMod val="25000"/>
-                  </a:schemeClr>
-                </a:solidFill>
-              </a:rPr>
-              <a:t>Система оценивания мероприятий</a:t>
-            </a:r>
-          </a:p>
-          <a:p>
-            <a:r>
-              <a:rPr lang="ru-RU" dirty="0" smtClean="0">
-                <a:solidFill>
-                  <a:schemeClr val="bg1">
-                    <a:lumMod val="25000"/>
-                  </a:schemeClr>
-                </a:solidFill>
-              </a:rPr>
-              <a:t>Настройки приватности</a:t>
-            </a:r>
-          </a:p>
-          <a:p>
-            <a:r>
-              <a:rPr lang="ru-RU" dirty="0" smtClean="0">
-                <a:solidFill>
-                  <a:schemeClr val="bg1">
-                    <a:lumMod val="25000"/>
-                  </a:schemeClr>
-                </a:solidFill>
-              </a:rPr>
-              <a:t>Фильтры в поиске по мероприятиям</a:t>
-            </a:r>
-          </a:p>
-          <a:p>
-            <a:r>
-              <a:rPr lang="ru-RU" dirty="0" smtClean="0">
-                <a:solidFill>
-                  <a:schemeClr val="bg1">
-                    <a:lumMod val="25000"/>
-                  </a:schemeClr>
-                </a:solidFill>
-              </a:rPr>
-              <a:t>Адаптивная верстка</a:t>
-            </a:r>
-          </a:p>
-          <a:p>
-            <a:r>
-              <a:rPr lang="ru-RU" dirty="0" smtClean="0">
-                <a:solidFill>
-                  <a:schemeClr val="bg1">
-                    <a:lumMod val="25000"/>
-                  </a:schemeClr>
-                </a:solidFill>
-              </a:rPr>
-              <a:t>Мобильная версия</a:t>
-            </a:r>
-            <a:endParaRPr lang="ru-RU" dirty="0">
-              <a:solidFill>
-                <a:schemeClr val="bg1">
-                  <a:lumMod val="25000"/>
-                </a:schemeClr>
-              </a:solidFill>
-            </a:endParaRPr>
-          </a:p>
-        </p:txBody>
-      </p:sp>
-      <p:pic>
-        <p:nvPicPr>
-          <p:cNvPr id="2052" name="Picture 4" descr="http://cs609322.vk.me/u11886539/docs/93dc998c04be/mountain.png?extra=dIIz363MWemYvhFgF-uMAJzlvCLS4YSUCt9lSgO5aESOMYz1sGrZurnF_Ms8umA9GYnCY65Q3LtxbtxZLHkB6mxS_CjU-tSS"/>
-          <p:cNvPicPr>
-            <a:picLocks noChangeAspect="1" noChangeArrowheads="1"/>
-          </p:cNvPicPr>
-          <p:nvPr/>
-        </p:nvPicPr>
-        <p:blipFill>
-          <a:blip r:embed="rId2">
-            <a:extLst>
-              <a:ext uri="{28A0092B-C50C-407E-A947-70E740481C1C}">
-                <a14:useLocalDpi xmlns:a14="http://schemas.microsoft.com/office/drawing/2010/main" val="0"/>
-              </a:ext>
-            </a:extLst>
-          </a:blip>
-          <a:srcRect/>
-          <a:stretch>
-            <a:fillRect/>
-          </a:stretch>
-        </p:blipFill>
-        <p:spPr bwMode="auto">
-          <a:xfrm>
-            <a:off x="5336989" y="2306871"/>
-            <a:ext cx="5649072" cy="3703282"/>
-          </a:xfrm>
-          <a:prstGeom prst="rect">
-            <a:avLst/>
-          </a:prstGeom>
-          <a:noFill/>
-          <a:extLst>
-            <a:ext uri="{909E8E84-426E-40DD-AFC4-6F175D3DCCD1}">
-              <a14:hiddenFill xmlns:a14="http://schemas.microsoft.com/office/drawing/2010/main">
-                <a:solidFill>
-                  <a:srgbClr val="FFFFFF"/>
-                </a:solidFill>
-              </a14:hiddenFill>
-            </a:ext>
-          </a:extLst>
-        </p:spPr>
-      </p:pic>
-    </p:spTree>
-    <p:extLst>
-      <p:ext uri="{BB962C8B-B14F-4D97-AF65-F5344CB8AC3E}">
-        <p14:creationId xmlns:p14="http://schemas.microsoft.com/office/powerpoint/2010/main" val="2137433952"/>
-      </p:ext>
-    </p:extLst>
-  </p:cSld>
-  <p:clrMapOvr>
-    <a:masterClrMapping/>
-  </p:clrMapOvr>
-  <mc:AlternateContent xmlns:mc="http://schemas.openxmlformats.org/markup-compatibility/2006" xmlns:p14="http://schemas.microsoft.com/office/powerpoint/2010/main">
-    <mc:Choice Requires="p14">
-      <p:transition spd="med" p14:dur="700">
-        <p:fade/>
-      </p:transition>
-    </mc:Choice>
-    <mc:Fallback xmlns="">
-      <p:transition spd="med">
-        <p:fade/>
-      </p:transition>
-    </mc:Fallback>
-  </mc:AlternateContent>
-  <p:timing>
-    <p:tnLst>
-      <p:par>
-        <p:cTn id="1" dur="indefinite" restart="never" nodeType="tmRoot"/>
-      </p:par>
-    </p:tnLst>
-  </p:timing>
-</p:sld>
-</file>
-
-<file path=ppt/slides/slide18.xml><?xml version="1.0" encoding="utf-8"?>
-<p:sld xmlns:a="http://schemas.openxmlformats.org/drawingml/2006/main" xmlns:r="http://schemas.openxmlformats.org/officeDocument/2006/relationships" xmlns:p="http://schemas.openxmlformats.org/presentationml/2006/main">
-  <p:cSld>
-    <p:spTree>
-      <p:nvGrpSpPr>
-        <p:cNvPr id="1" name=""/>
-        <p:cNvGrpSpPr/>
-        <p:nvPr/>
-      </p:nvGrpSpPr>
-      <p:grpSpPr>
-        <a:xfrm>
-          <a:off x="0" y="0"/>
-          <a:ext cx="0" cy="0"/>
-          <a:chOff x="0" y="0"/>
-          <a:chExt cx="0" cy="0"/>
-        </a:xfrm>
-      </p:grpSpPr>
-      <p:sp>
-        <p:nvSpPr>
-          <p:cNvPr id="2" name="Заголовок 1"/>
-          <p:cNvSpPr>
-            <a:spLocks noGrp="1"/>
-          </p:cNvSpPr>
-          <p:nvPr>
-            <p:ph type="ctrTitle"/>
-          </p:nvPr>
-        </p:nvSpPr>
-        <p:spPr>
-          <a:xfrm>
-            <a:off x="1595718" y="3173506"/>
-            <a:ext cx="9144000" cy="1256834"/>
-          </a:xfrm>
-        </p:spPr>
-        <p:txBody>
-          <a:bodyPr>
-            <a:normAutofit/>
-          </a:bodyPr>
-          <a:lstStyle/>
-          <a:p>
-            <a:r>
-              <a:rPr lang="ru-RU" sz="7200" b="1" dirty="0" smtClean="0">
-                <a:ln w="9525">
-                  <a:solidFill>
-                    <a:schemeClr val="accent5">
-                      <a:lumMod val="50000"/>
-                    </a:schemeClr>
-                  </a:solidFill>
-                  <a:prstDash val="solid"/>
-                </a:ln>
-                <a:solidFill>
-                  <a:schemeClr val="accent5">
-                    <a:lumMod val="75000"/>
-                  </a:schemeClr>
-                </a:solidFill>
-                <a:effectLst>
-                  <a:outerShdw blurRad="12700" dist="38100" dir="2700000" algn="tl" rotWithShape="0">
-                    <a:schemeClr val="accent5">
-                      <a:lumMod val="60000"/>
-                      <a:lumOff val="40000"/>
-                    </a:schemeClr>
-                  </a:outerShdw>
-                </a:effectLst>
-              </a:rPr>
-              <a:t>Спасибо за внимание!</a:t>
-            </a:r>
-            <a:endParaRPr lang="ru-RU" sz="7200" b="1" dirty="0">
-              <a:ln w="9525">
-                <a:solidFill>
-                  <a:schemeClr val="accent5">
-                    <a:lumMod val="50000"/>
-                  </a:schemeClr>
-                </a:solidFill>
-                <a:prstDash val="solid"/>
-              </a:ln>
-              <a:solidFill>
-                <a:schemeClr val="accent5">
-                  <a:lumMod val="75000"/>
-                </a:schemeClr>
-              </a:solidFill>
-              <a:effectLst>
-                <a:outerShdw blurRad="12700" dist="38100" dir="2700000" algn="tl" rotWithShape="0">
-                  <a:schemeClr val="accent5">
-                    <a:lumMod val="60000"/>
-                    <a:lumOff val="40000"/>
-                  </a:schemeClr>
-                </a:outerShdw>
-              </a:effectLst>
-            </a:endParaRPr>
-          </a:p>
-        </p:txBody>
-      </p:sp>
-    </p:spTree>
-    <p:extLst>
-      <p:ext uri="{BB962C8B-B14F-4D97-AF65-F5344CB8AC3E}">
-        <p14:creationId xmlns:p14="http://schemas.microsoft.com/office/powerpoint/2010/main" val="3663504979"/>
-      </p:ext>
-    </p:extLst>
-  </p:cSld>
-  <p:clrMapOvr>
-    <a:masterClrMapping/>
-  </p:clrMapOvr>
-  <mc:AlternateContent xmlns:mc="http://schemas.openxmlformats.org/markup-compatibility/2006" xmlns:p14="http://schemas.microsoft.com/office/powerpoint/2010/main">
-    <mc:Choice Requires="p14">
-      <p:transition spd="med" p14:dur="700">
-        <p:fade/>
-      </p:transition>
-    </mc:Choice>
-    <mc:Fallback xmlns="">
-      <p:transition spd="med">
-        <p:fade/>
-      </p:transition>
-    </mc:Fallback>
-  </mc:AlternateContent>
-  <p:timing>
-    <p:tnLst>
-      <p:par>
-        <p:cTn id="1" dur="indefinite" restart="never" nodeType="tmRoot"/>
-      </p:par>
-    </p:tnLst>
-  </p:timing>
-</p:sld>
-</file>
-
-<file path=ppt/slides/slide19.xml><?xml version="1.0" encoding="utf-8"?>
-<p:sld xmlns:a="http://schemas.openxmlformats.org/drawingml/2006/main" xmlns:r="http://schemas.openxmlformats.org/officeDocument/2006/relationships" xmlns:p="http://schemas.openxmlformats.org/presentationml/2006/main">
-  <p:cSld>
-    <p:spTree>
-      <p:nvGrpSpPr>
-        <p:cNvPr id="1" name=""/>
-        <p:cNvGrpSpPr/>
-        <p:nvPr/>
-      </p:nvGrpSpPr>
-      <p:grpSpPr>
-        <a:xfrm>
-          <a:off x="0" y="0"/>
-          <a:ext cx="0" cy="0"/>
-          <a:chOff x="0" y="0"/>
-          <a:chExt cx="0" cy="0"/>
-        </a:xfrm>
-      </p:grpSpPr>
-      <p:sp>
-        <p:nvSpPr>
-          <p:cNvPr id="2" name="Заголовок 1"/>
-          <p:cNvSpPr>
-            <a:spLocks noGrp="1"/>
-          </p:cNvSpPr>
-          <p:nvPr>
-            <p:ph type="title"/>
-          </p:nvPr>
-        </p:nvSpPr>
-        <p:spPr/>
-        <p:txBody>
-          <a:bodyPr/>
-          <a:lstStyle/>
-          <a:p>
-            <a:pPr algn="ctr" defTabSz="914400">
-              <a:lnSpc>
-                <a:spcPct val="90000"/>
-              </a:lnSpc>
-              <a:spcBef>
-                <a:spcPts val="1"/>
-              </a:spcBef>
-              <a:buNone/>
-            </a:pPr>
-            <a:r>
-              <a:rPr lang="ru-RU" sz="3200" b="0" i="0" dirty="0" smtClean="0">
-                <a:solidFill>
-                  <a:schemeClr val="bg1"/>
-                </a:solidFill>
-                <a:latin typeface="Book Antiqua"/>
-                <a:ea typeface="+mj-ea"/>
-                <a:cs typeface="+mj-cs"/>
-              </a:rPr>
-              <a:t>Организационная структура</a:t>
-            </a:r>
-            <a:endParaRPr lang="ru-RU" sz="3200" b="0" i="0" dirty="0">
-              <a:solidFill>
-                <a:schemeClr val="bg1"/>
-              </a:solidFill>
-              <a:latin typeface="Book Antiqua"/>
-              <a:ea typeface="+mj-ea"/>
-              <a:cs typeface="+mj-cs"/>
-            </a:endParaRPr>
-          </a:p>
-        </p:txBody>
-      </p:sp>
-      <p:graphicFrame>
-        <p:nvGraphicFramePr>
-          <p:cNvPr id="7" name="Объект 6"/>
-          <p:cNvGraphicFramePr>
-            <a:graphicFrameLocks noGrp="1"/>
-          </p:cNvGraphicFramePr>
-          <p:nvPr>
-            <p:ph idx="1"/>
-            <p:extLst>
-              <p:ext uri="{D42A27DB-BD31-4B8C-83A1-F6EECF244321}">
-                <p14:modId xmlns:p14="http://schemas.microsoft.com/office/powerpoint/2010/main" val="39788173"/>
-              </p:ext>
-            </p:extLst>
-          </p:nvPr>
-        </p:nvGraphicFramePr>
-        <p:xfrm>
-          <a:off x="838200" y="1825625"/>
-          <a:ext cx="10515600" cy="4351338"/>
-        </p:xfrm>
-        <a:graphic>
-          <a:graphicData uri="http://schemas.openxmlformats.org/drawingml/2006/chart">
-            <c:chart xmlns:c="http://schemas.openxmlformats.org/drawingml/2006/chart" xmlns:r="http://schemas.openxmlformats.org/officeDocument/2006/relationships" r:id="rId2"/>
-          </a:graphicData>
-        </a:graphic>
-      </p:graphicFrame>
-    </p:spTree>
-    <p:extLst>
-      <p:ext uri="{BB962C8B-B14F-4D97-AF65-F5344CB8AC3E}">
-        <p14:creationId xmlns:p14="http://schemas.microsoft.com/office/powerpoint/2010/main" val="3574231650"/>
-      </p:ext>
-    </p:extLst>
-  </p:cSld>
-  <p:clrMapOvr>
-    <a:masterClrMapping/>
-  </p:clrMapOvr>
-  <mc:AlternateContent xmlns:mc="http://schemas.openxmlformats.org/markup-compatibility/2006" xmlns:p14="http://schemas.microsoft.com/office/powerpoint/2010/main">
-    <mc:Choice Requires="p14">
-      <p:transition spd="med" p14:dur="700">
-        <p:fade/>
-      </p:transition>
-    </mc:Choice>
-    <mc:Fallback xmlns="">
-      <p:transition spd="med">
-        <p:fade/>
-      </p:transition>
-    </mc:Fallback>
-  </mc:AlternateContent>
-  <p:timing>
-    <p:tnLst>
-      <p:par>
-        <p:cTn id="1" dur="indefinite" restart="never" nodeType="tmRoot"/>
-      </p:par>
-    </p:tnLst>
-  </p:timing>
-</p:sld>
-</file>
-
-<file path=ppt/slides/slide2.xml><?xml version="1.0" encoding="utf-8"?>
-<p:sld xmlns:a="http://schemas.openxmlformats.org/drawingml/2006/main" xmlns:r="http://schemas.openxmlformats.org/officeDocument/2006/relationships" xmlns:p="http://schemas.openxmlformats.org/presentationml/2006/main">
-  <p:cSld>
-    <p:bg>
-      <p:bgPr>
-        <a:solidFill>
-          <a:schemeClr val="accent1">
-            <a:alpha val="57000"/>
-          </a:schemeClr>
-        </a:solidFill>
-        <a:effectLst/>
-      </p:bgPr>
-    </p:bg>
-    <p:spTree>
-      <p:nvGrpSpPr>
-        <p:cNvPr id="1" name=""/>
-        <p:cNvGrpSpPr/>
-        <p:nvPr/>
-      </p:nvGrpSpPr>
-      <p:grpSpPr>
-        <a:xfrm>
-          <a:off x="0" y="0"/>
-          <a:ext cx="0" cy="0"/>
-          <a:chOff x="0" y="0"/>
-          <a:chExt cx="0" cy="0"/>
-        </a:xfrm>
-      </p:grpSpPr>
-      <p:sp>
-        <p:nvSpPr>
-          <p:cNvPr id="2" name="Заголовок 1"/>
-          <p:cNvSpPr>
-            <a:spLocks noGrp="1"/>
-          </p:cNvSpPr>
-          <p:nvPr>
-            <p:ph type="title"/>
-          </p:nvPr>
-        </p:nvSpPr>
-        <p:spPr>
-          <a:xfrm>
-            <a:off x="684777" y="263887"/>
-            <a:ext cx="10515600" cy="1052449"/>
-          </a:xfrm>
-        </p:spPr>
-        <p:txBody>
-          <a:bodyPr/>
-          <a:lstStyle/>
-          <a:p>
-            <a:pPr algn="ctr" defTabSz="914400">
-              <a:lnSpc>
-                <a:spcPct val="90000"/>
-              </a:lnSpc>
-              <a:spcBef>
-                <a:spcPts val="1"/>
-              </a:spcBef>
-              <a:buNone/>
-            </a:pPr>
-            <a:r>
-              <a:rPr lang="ru-RU" sz="3200" b="0" i="0" dirty="0" smtClean="0">
-                <a:solidFill>
-                  <a:schemeClr val="bg1"/>
-                </a:solidFill>
-                <a:latin typeface="Arial" panose="020B0604020202020204" pitchFamily="34" charset="0"/>
-                <a:cs typeface="Arial" panose="020B0604020202020204" pitchFamily="34" charset="0"/>
-              </a:rPr>
-              <a:t>Концепция</a:t>
-            </a:r>
-            <a:endParaRPr lang="ru-RU" sz="3200" b="0" i="0" dirty="0">
-              <a:solidFill>
-                <a:schemeClr val="bg1"/>
-              </a:solidFill>
-              <a:latin typeface="Arial" panose="020B0604020202020204" pitchFamily="34" charset="0"/>
-              <a:cs typeface="Arial" panose="020B0604020202020204" pitchFamily="34" charset="0"/>
-            </a:endParaRPr>
-          </a:p>
-        </p:txBody>
-      </p:sp>
-      <p:sp>
-        <p:nvSpPr>
-          <p:cNvPr id="5" name="Скругленный прямоугольник 4"/>
-          <p:cNvSpPr/>
-          <p:nvPr/>
-        </p:nvSpPr>
-        <p:spPr>
-          <a:xfrm>
-            <a:off x="4264039" y="2354752"/>
-            <a:ext cx="3496887" cy="1147157"/>
-          </a:xfrm>
-          <a:prstGeom prst="roundRect">
-            <a:avLst/>
-          </a:prstGeom>
-          <a:solidFill>
-            <a:srgbClr val="FFC000"/>
-          </a:solidFill>
-          <a:effectLst>
-            <a:outerShdw blurRad="50800" dist="38100" dir="2700000" algn="tl" rotWithShape="0">
-              <a:prstClr val="black">
-                <a:alpha val="40000"/>
-              </a:prstClr>
-            </a:outerShdw>
-          </a:effectLst>
-        </p:spPr>
-        <p:style>
-          <a:lnRef idx="2">
-            <a:schemeClr val="accent2">
-              <a:shade val="50000"/>
-            </a:schemeClr>
-          </a:lnRef>
-          <a:fillRef idx="1">
-            <a:schemeClr val="accent2"/>
-          </a:fillRef>
-          <a:effectRef idx="0">
-            <a:schemeClr val="accent2"/>
-          </a:effectRef>
-          <a:fontRef idx="minor">
-            <a:schemeClr val="lt1"/>
-          </a:fontRef>
-        </p:style>
-        <p:txBody>
-          <a:bodyPr rtlCol="0" anchor="ctr"/>
-          <a:lstStyle/>
-          <a:p>
-            <a:pPr algn="ctr"/>
-            <a:r>
-              <a:rPr lang="en-US" sz="2400" b="1" dirty="0" smtClean="0">
-                <a:ln w="0"/>
-                <a:solidFill>
-                  <a:schemeClr val="bg1"/>
-                </a:solidFill>
-              </a:rPr>
-              <a:t>Party Surfing</a:t>
-            </a:r>
-            <a:endParaRPr lang="ru-RU" sz="2400" b="1" dirty="0">
-              <a:ln w="0"/>
-              <a:solidFill>
-                <a:schemeClr val="bg1"/>
-              </a:solidFill>
-            </a:endParaRPr>
-          </a:p>
-        </p:txBody>
-      </p:sp>
-      <p:sp>
-        <p:nvSpPr>
-          <p:cNvPr id="6" name="Овал 5"/>
-          <p:cNvSpPr/>
-          <p:nvPr/>
-        </p:nvSpPr>
-        <p:spPr>
-          <a:xfrm>
-            <a:off x="802401" y="4588376"/>
-            <a:ext cx="2870662" cy="853440"/>
-          </a:xfrm>
-          <a:prstGeom prst="ellipse">
-            <a:avLst/>
-          </a:prstGeom>
-          <a:solidFill>
-            <a:schemeClr val="accent6">
-              <a:lumMod val="60000"/>
-              <a:lumOff val="40000"/>
-            </a:schemeClr>
-          </a:solidFill>
-          <a:effectLst>
-            <a:outerShdw blurRad="50800" dist="38100" dir="2700000" algn="tl" rotWithShape="0">
-              <a:prstClr val="black">
-                <a:alpha val="40000"/>
-              </a:prstClr>
-            </a:outerShdw>
-          </a:effectLst>
-        </p:spPr>
-        <p:style>
-          <a:lnRef idx="1">
-            <a:schemeClr val="accent6"/>
-          </a:lnRef>
-          <a:fillRef idx="2">
-            <a:schemeClr val="accent6"/>
-          </a:fillRef>
-          <a:effectRef idx="1">
-            <a:schemeClr val="accent6"/>
-          </a:effectRef>
-          <a:fontRef idx="minor">
-            <a:schemeClr val="dk1"/>
-          </a:fontRef>
-        </p:style>
-        <p:txBody>
-          <a:bodyPr rtlCol="0" anchor="ctr"/>
-          <a:lstStyle/>
-          <a:p>
-            <a:pPr algn="ctr"/>
-            <a:r>
-              <a:rPr lang="ru-RU" sz="2400" b="1" dirty="0" smtClean="0">
-                <a:solidFill>
-                  <a:schemeClr val="bg1"/>
-                </a:solidFill>
-              </a:rPr>
-              <a:t>Поиск</a:t>
-            </a:r>
-            <a:endParaRPr lang="ru-RU" sz="2400" b="1" dirty="0">
-              <a:solidFill>
-                <a:schemeClr val="bg1"/>
-              </a:solidFill>
-            </a:endParaRPr>
-          </a:p>
-        </p:txBody>
-      </p:sp>
-      <p:sp>
-        <p:nvSpPr>
-          <p:cNvPr id="8" name="Овал 7"/>
-          <p:cNvSpPr/>
-          <p:nvPr/>
-        </p:nvSpPr>
-        <p:spPr>
-          <a:xfrm>
-            <a:off x="8229107" y="4631335"/>
-            <a:ext cx="2870662" cy="853440"/>
-          </a:xfrm>
-          <a:prstGeom prst="ellipse">
-            <a:avLst/>
-          </a:prstGeom>
-          <a:solidFill>
-            <a:schemeClr val="accent6">
-              <a:lumMod val="60000"/>
-              <a:lumOff val="40000"/>
-            </a:schemeClr>
-          </a:solidFill>
-          <a:effectLst>
-            <a:outerShdw blurRad="50800" dist="38100" dir="2700000" algn="tl" rotWithShape="0">
-              <a:prstClr val="black">
-                <a:alpha val="40000"/>
-              </a:prstClr>
-            </a:outerShdw>
-          </a:effectLst>
-        </p:spPr>
-        <p:style>
-          <a:lnRef idx="1">
-            <a:schemeClr val="accent6"/>
-          </a:lnRef>
-          <a:fillRef idx="2">
-            <a:schemeClr val="accent6"/>
-          </a:fillRef>
-          <a:effectRef idx="1">
-            <a:schemeClr val="accent6"/>
-          </a:effectRef>
-          <a:fontRef idx="minor">
-            <a:schemeClr val="dk1"/>
-          </a:fontRef>
-        </p:style>
-        <p:txBody>
-          <a:bodyPr rtlCol="0" anchor="ctr"/>
-          <a:lstStyle/>
-          <a:p>
-            <a:pPr algn="ctr"/>
-            <a:r>
-              <a:rPr lang="ru-RU" sz="2400" b="1" dirty="0" smtClean="0">
-                <a:solidFill>
-                  <a:schemeClr val="bg1"/>
-                </a:solidFill>
-              </a:rPr>
-              <a:t>Организация</a:t>
-            </a:r>
-            <a:endParaRPr lang="ru-RU" sz="2400" b="1" dirty="0">
-              <a:solidFill>
-                <a:schemeClr val="bg1"/>
-              </a:solidFill>
-            </a:endParaRPr>
-          </a:p>
-        </p:txBody>
-      </p:sp>
-      <p:sp>
-        <p:nvSpPr>
-          <p:cNvPr id="14" name="Стрелка углом 13"/>
-          <p:cNvSpPr/>
-          <p:nvPr/>
-        </p:nvSpPr>
-        <p:spPr>
-          <a:xfrm rot="10800000" flipH="1">
-            <a:off x="6559338" y="3682048"/>
-            <a:ext cx="1455471" cy="1714467"/>
-          </a:xfrm>
-          <a:prstGeom prst="bentArrow">
-            <a:avLst/>
-          </a:prstGeom>
-          <a:solidFill>
-            <a:schemeClr val="accent1">
-              <a:lumMod val="90000"/>
-            </a:schemeClr>
-          </a:solidFill>
-          <a:effectLst>
-            <a:outerShdw blurRad="50800" dist="38100" dir="2700000" algn="tl" rotWithShape="0">
-              <a:prstClr val="black">
-                <a:alpha val="40000"/>
-              </a:prstClr>
-            </a:outerShdw>
-          </a:effectLst>
-        </p:spPr>
-        <p:style>
-          <a:lnRef idx="2">
-            <a:schemeClr val="accent1">
-              <a:shade val="50000"/>
-            </a:schemeClr>
-          </a:lnRef>
-          <a:fillRef idx="1">
-            <a:schemeClr val="accent1"/>
-          </a:fillRef>
-          <a:effectRef idx="0">
-            <a:schemeClr val="accent1"/>
-          </a:effectRef>
-          <a:fontRef idx="minor">
-            <a:schemeClr val="lt1"/>
-          </a:fontRef>
-        </p:style>
-        <p:txBody>
-          <a:bodyPr rtlCol="0" anchor="ctr"/>
-          <a:lstStyle/>
-          <a:p>
-            <a:pPr algn="ctr"/>
-            <a:endParaRPr lang="ru-RU">
-              <a:solidFill>
-                <a:schemeClr val="tx1"/>
-              </a:solidFill>
-            </a:endParaRPr>
-          </a:p>
-        </p:txBody>
-      </p:sp>
-      <p:sp>
-        <p:nvSpPr>
-          <p:cNvPr id="17" name="Стрелка углом 16"/>
-          <p:cNvSpPr/>
-          <p:nvPr/>
-        </p:nvSpPr>
-        <p:spPr>
-          <a:xfrm rot="10800000">
-            <a:off x="3851563" y="3682048"/>
-            <a:ext cx="1491270" cy="1714467"/>
-          </a:xfrm>
-          <a:prstGeom prst="bentArrow">
-            <a:avLst/>
-          </a:prstGeom>
-          <a:solidFill>
-            <a:schemeClr val="accent1">
-              <a:lumMod val="90000"/>
-            </a:schemeClr>
-          </a:solidFill>
-          <a:effectLst>
-            <a:outerShdw blurRad="50800" dist="38100" dir="2700000" algn="tl" rotWithShape="0">
-              <a:prstClr val="black">
-                <a:alpha val="40000"/>
-              </a:prstClr>
-            </a:outerShdw>
-          </a:effectLst>
-        </p:spPr>
-        <p:style>
-          <a:lnRef idx="2">
-            <a:schemeClr val="accent1">
-              <a:shade val="50000"/>
-            </a:schemeClr>
-          </a:lnRef>
-          <a:fillRef idx="1">
-            <a:schemeClr val="accent1"/>
-          </a:fillRef>
-          <a:effectRef idx="0">
-            <a:schemeClr val="accent1"/>
-          </a:effectRef>
-          <a:fontRef idx="minor">
-            <a:schemeClr val="lt1"/>
-          </a:fontRef>
-        </p:style>
-        <p:txBody>
-          <a:bodyPr rtlCol="0" anchor="ctr"/>
-          <a:lstStyle/>
-          <a:p>
-            <a:pPr algn="ctr"/>
-            <a:endParaRPr lang="ru-RU">
-              <a:solidFill>
-                <a:schemeClr val="tx1"/>
-              </a:solidFill>
-            </a:endParaRPr>
-          </a:p>
-        </p:txBody>
-      </p:sp>
-    </p:spTree>
-    <p:extLst>
-      <p:ext uri="{BB962C8B-B14F-4D97-AF65-F5344CB8AC3E}">
-        <p14:creationId xmlns:p14="http://schemas.microsoft.com/office/powerpoint/2010/main" val="3639872359"/>
-      </p:ext>
-    </p:extLst>
-  </p:cSld>
-  <p:clrMapOvr>
-    <a:masterClrMapping/>
-  </p:clrMapOvr>
-  <mc:AlternateContent xmlns:mc="http://schemas.openxmlformats.org/markup-compatibility/2006" xmlns:p14="http://schemas.microsoft.com/office/powerpoint/2010/main">
-    <mc:Choice Requires="p14">
-      <p:transition spd="med" p14:dur="700">
-        <p:fade/>
-      </p:transition>
-    </mc:Choice>
-    <mc:Fallback xmlns="">
-      <p:transition spd="med">
-        <p:fade/>
-      </p:transition>
-    </mc:Fallback>
-  </mc:AlternateContent>
-  <p:timing>
-    <p:tnLst>
-      <p:par>
-        <p:cTn id="1" dur="indefinite" restart="never" nodeType="tmRoot"/>
-      </p:par>
-    </p:tnLst>
-  </p:timing>
-</p:sld>
-</file>
-
-<file path=ppt/slides/slide20.xml><?xml version="1.0" encoding="utf-8"?>
-<p:sld xmlns:a="http://schemas.openxmlformats.org/drawingml/2006/main" xmlns:r="http://schemas.openxmlformats.org/officeDocument/2006/relationships" xmlns:p="http://schemas.openxmlformats.org/presentationml/2006/main">
-  <p:cSld>
-    <p:spTree>
-      <p:nvGrpSpPr>
-        <p:cNvPr id="1" name=""/>
-        <p:cNvGrpSpPr/>
-        <p:nvPr/>
-      </p:nvGrpSpPr>
-      <p:grpSpPr>
-        <a:xfrm>
-          <a:off x="0" y="0"/>
-          <a:ext cx="0" cy="0"/>
-          <a:chOff x="0" y="0"/>
-          <a:chExt cx="0" cy="0"/>
-        </a:xfrm>
-      </p:grpSpPr>
-      <p:sp>
-        <p:nvSpPr>
-          <p:cNvPr id="2" name="Заголовок 1"/>
-          <p:cNvSpPr>
-            <a:spLocks noGrp="1"/>
-          </p:cNvSpPr>
-          <p:nvPr>
-            <p:ph type="title"/>
-          </p:nvPr>
-        </p:nvSpPr>
-        <p:spPr/>
-        <p:txBody>
-          <a:bodyPr/>
-          <a:lstStyle/>
-          <a:p>
-            <a:pPr algn="ctr" defTabSz="914400">
-              <a:lnSpc>
-                <a:spcPct val="90000"/>
-              </a:lnSpc>
-              <a:spcBef>
-                <a:spcPts val="1"/>
-              </a:spcBef>
-              <a:buNone/>
-            </a:pPr>
-            <a:r>
-              <a:rPr lang="ru-RU" sz="3200" b="0" i="0" dirty="0" smtClean="0">
-                <a:solidFill>
-                  <a:schemeClr val="bg1"/>
-                </a:solidFill>
-                <a:latin typeface="Book Antiqua"/>
-                <a:ea typeface="+mj-ea"/>
-                <a:cs typeface="+mj-cs"/>
-              </a:rPr>
-              <a:t>Проектный план, методология</a:t>
-            </a:r>
-            <a:endParaRPr lang="ru-RU" sz="3200" b="0" i="0" dirty="0">
-              <a:solidFill>
-                <a:schemeClr val="bg1"/>
-              </a:solidFill>
-              <a:latin typeface="Book Antiqua"/>
-              <a:ea typeface="+mj-ea"/>
-              <a:cs typeface="+mj-cs"/>
-            </a:endParaRPr>
-          </a:p>
-        </p:txBody>
-      </p:sp>
-      <p:sp>
-        <p:nvSpPr>
-          <p:cNvPr id="3" name="Объект 2"/>
-          <p:cNvSpPr>
-            <a:spLocks noGrp="1"/>
-          </p:cNvSpPr>
-          <p:nvPr>
-            <p:ph sz="half" idx="1"/>
-          </p:nvPr>
-        </p:nvSpPr>
-        <p:spPr/>
-        <p:txBody>
-          <a:bodyPr/>
-          <a:lstStyle/>
-          <a:p>
-            <a:pPr marL="274320" indent="-274320" algn="l" defTabSz="914400">
-              <a:lnSpc>
-                <a:spcPct val="90000"/>
-              </a:lnSpc>
-              <a:spcBef>
-                <a:spcPts val="1800"/>
-              </a:spcBef>
-              <a:buClr>
-                <a:srgbClr val="595959"/>
-              </a:buClr>
-              <a:buFont typeface="Arial"/>
-              <a:buChar char="•"/>
-            </a:pPr>
-            <a:r>
-              <a:rPr lang="ru-RU" sz="2400" b="0" i="0" dirty="0" smtClean="0">
-                <a:solidFill>
-                  <a:srgbClr val="595959"/>
-                </a:solidFill>
-                <a:latin typeface="Book Antiqua"/>
-                <a:ea typeface="+mn-ea"/>
-                <a:cs typeface="+mn-cs"/>
-              </a:rPr>
-              <a:t>Первый пункт маркированного списка.</a:t>
-            </a:r>
-          </a:p>
-          <a:p>
-            <a:pPr marL="274320" indent="-274320" algn="l" defTabSz="914400">
-              <a:lnSpc>
-                <a:spcPct val="90000"/>
-              </a:lnSpc>
-              <a:spcBef>
-                <a:spcPts val="1800"/>
-              </a:spcBef>
-              <a:buClr>
-                <a:srgbClr val="595959"/>
-              </a:buClr>
-              <a:buFont typeface="Arial"/>
-              <a:buChar char="•"/>
-            </a:pPr>
-            <a:r>
-              <a:rPr lang="ru-RU" sz="2400" b="0" i="0" dirty="0" smtClean="0">
-                <a:solidFill>
-                  <a:srgbClr val="595959"/>
-                </a:solidFill>
-                <a:latin typeface="Book Antiqua"/>
-                <a:ea typeface="+mn-ea"/>
-                <a:cs typeface="+mn-cs"/>
-              </a:rPr>
-              <a:t>Второй пункт маркированного списка.</a:t>
-            </a:r>
-          </a:p>
-          <a:p>
-            <a:pPr marL="274320" indent="-274320" algn="l" defTabSz="914400">
-              <a:lnSpc>
-                <a:spcPct val="90000"/>
-              </a:lnSpc>
-              <a:spcBef>
-                <a:spcPts val="1800"/>
-              </a:spcBef>
-              <a:buClr>
-                <a:srgbClr val="595959"/>
-              </a:buClr>
-              <a:buFont typeface="Arial"/>
-              <a:buChar char="•"/>
-            </a:pPr>
-            <a:r>
-              <a:rPr lang="ru-RU" sz="2400" b="0" i="0" dirty="0" smtClean="0">
-                <a:solidFill>
-                  <a:srgbClr val="595959"/>
-                </a:solidFill>
-                <a:latin typeface="Book Antiqua"/>
-                <a:ea typeface="+mn-ea"/>
-                <a:cs typeface="+mn-cs"/>
-              </a:rPr>
-              <a:t>Третий пункт маркированного списка.</a:t>
-            </a:r>
-            <a:endParaRPr lang="ru-RU" sz="2400" b="0" i="0" dirty="0">
-              <a:solidFill>
-                <a:srgbClr val="595959"/>
-              </a:solidFill>
-              <a:latin typeface="Book Antiqua"/>
-              <a:ea typeface="+mn-ea"/>
-              <a:cs typeface="+mn-cs"/>
-            </a:endParaRPr>
-          </a:p>
-        </p:txBody>
-      </p:sp>
-      <p:graphicFrame>
-        <p:nvGraphicFramePr>
-          <p:cNvPr id="5" name="Объект 4" descr="Sample table with 3 columns, 4 rows" title="Table"/>
-          <p:cNvGraphicFramePr>
-            <a:graphicFrameLocks noGrp="1"/>
-          </p:cNvGraphicFramePr>
-          <p:nvPr>
-            <p:ph sz="half" idx="2"/>
-            <p:extLst>
-              <p:ext uri="{D42A27DB-BD31-4B8C-83A1-F6EECF244321}">
-                <p14:modId xmlns:p14="http://schemas.microsoft.com/office/powerpoint/2010/main" val="169284093"/>
-              </p:ext>
-            </p:extLst>
-          </p:nvPr>
-        </p:nvGraphicFramePr>
-        <p:xfrm>
-          <a:off x="7510273" y="1738086"/>
-          <a:ext cx="4414419" cy="2298700"/>
-        </p:xfrm>
-        <a:graphic>
-          <a:graphicData uri="http://schemas.openxmlformats.org/drawingml/2006/table">
-            <a:tbl>
-              <a:tblPr firstRow="1" bandRow="1">
-                <a:tableStyleId>{5C22544A-7EE6-4342-B048-85BDC9FD1C3A}</a:tableStyleId>
-              </a:tblPr>
-              <a:tblGrid>
-                <a:gridCol w="1471473"/>
-                <a:gridCol w="1471473"/>
-                <a:gridCol w="1471473"/>
-              </a:tblGrid>
-              <a:tr h="574675">
-                <a:tc>
-                  <a:txBody>
-                    <a:bodyPr/>
-                    <a:lstStyle/>
-                    <a:p>
-                      <a:pPr algn="ctr"/>
-                      <a:endParaRPr lang="ru-RU" dirty="0"/>
-                    </a:p>
-                  </a:txBody>
-                  <a:tcPr anchor="ctr"/>
-                </a:tc>
-                <a:tc>
-                  <a:txBody>
-                    <a:bodyPr/>
-                    <a:lstStyle/>
-                    <a:p>
-                      <a:pPr algn="ctr"/>
-                      <a:r>
-                        <a:rPr lang="ru-RU" dirty="0" smtClean="0"/>
-                        <a:t>Группа A</a:t>
-                      </a:r>
-                      <a:endParaRPr lang="ru-RU" dirty="0"/>
-                    </a:p>
-                  </a:txBody>
-                  <a:tcPr anchor="ctr"/>
-                </a:tc>
-                <a:tc>
-                  <a:txBody>
-                    <a:bodyPr/>
-                    <a:lstStyle/>
-                    <a:p>
-                      <a:pPr algn="ctr"/>
-                      <a:r>
-                        <a:rPr lang="ru-RU" dirty="0" smtClean="0"/>
-                        <a:t>Группа B</a:t>
-                      </a:r>
-                      <a:endParaRPr lang="ru-RU" dirty="0"/>
-                    </a:p>
-                  </a:txBody>
-                  <a:tcPr anchor="ctr"/>
-                </a:tc>
-              </a:tr>
-              <a:tr h="574675">
-                <a:tc>
-                  <a:txBody>
-                    <a:bodyPr/>
-                    <a:lstStyle/>
-                    <a:p>
-                      <a:pPr algn="ctr"/>
-                      <a:r>
-                        <a:rPr lang="ru-RU" dirty="0" smtClean="0"/>
-                        <a:t>Класс 1</a:t>
-                      </a:r>
-                      <a:endParaRPr lang="ru-RU" dirty="0"/>
-                    </a:p>
-                  </a:txBody>
-                  <a:tcPr anchor="ctr"/>
-                </a:tc>
-                <a:tc>
-                  <a:txBody>
-                    <a:bodyPr/>
-                    <a:lstStyle/>
-                    <a:p>
-                      <a:pPr algn="ctr"/>
-                      <a:r>
-                        <a:rPr lang="ru-RU" dirty="0" smtClean="0"/>
-                        <a:t>82</a:t>
-                      </a:r>
-                      <a:endParaRPr lang="ru-RU" dirty="0"/>
-                    </a:p>
-                  </a:txBody>
-                  <a:tcPr anchor="ctr"/>
-                </a:tc>
-                <a:tc>
-                  <a:txBody>
-                    <a:bodyPr/>
-                    <a:lstStyle/>
-                    <a:p>
-                      <a:pPr algn="ctr"/>
-                      <a:r>
-                        <a:rPr lang="ru-RU" dirty="0" smtClean="0"/>
-                        <a:t>95</a:t>
-                      </a:r>
-                      <a:endParaRPr lang="ru-RU" dirty="0"/>
-                    </a:p>
-                  </a:txBody>
-                  <a:tcPr anchor="ctr"/>
-                </a:tc>
-              </a:tr>
-              <a:tr h="574675">
-                <a:tc>
-                  <a:txBody>
-                    <a:bodyPr/>
-                    <a:lstStyle/>
-                    <a:p>
-                      <a:pPr algn="ctr"/>
-                      <a:r>
-                        <a:rPr lang="ru-RU" dirty="0" smtClean="0"/>
-                        <a:t>Класс 2</a:t>
-                      </a:r>
-                      <a:endParaRPr lang="ru-RU" dirty="0"/>
-                    </a:p>
-                  </a:txBody>
-                  <a:tcPr anchor="ctr"/>
-                </a:tc>
-                <a:tc>
-                  <a:txBody>
-                    <a:bodyPr/>
-                    <a:lstStyle/>
-                    <a:p>
-                      <a:pPr algn="ctr"/>
-                      <a:r>
-                        <a:rPr lang="ru-RU" dirty="0" smtClean="0"/>
-                        <a:t>76</a:t>
-                      </a:r>
-                      <a:endParaRPr lang="ru-RU" dirty="0"/>
-                    </a:p>
-                  </a:txBody>
-                  <a:tcPr anchor="ctr"/>
-                </a:tc>
-                <a:tc>
-                  <a:txBody>
-                    <a:bodyPr/>
-                    <a:lstStyle/>
-                    <a:p>
-                      <a:pPr algn="ctr"/>
-                      <a:r>
-                        <a:rPr lang="ru-RU" dirty="0" smtClean="0"/>
-                        <a:t>88</a:t>
-                      </a:r>
-                      <a:endParaRPr lang="ru-RU" dirty="0"/>
-                    </a:p>
-                  </a:txBody>
-                  <a:tcPr anchor="ctr"/>
-                </a:tc>
-              </a:tr>
-              <a:tr h="574675">
-                <a:tc>
-                  <a:txBody>
-                    <a:bodyPr/>
-                    <a:lstStyle/>
-                    <a:p>
-                      <a:pPr algn="ctr"/>
-                      <a:r>
-                        <a:rPr lang="ru-RU" dirty="0" smtClean="0"/>
-                        <a:t>Класс 3</a:t>
-                      </a:r>
-                      <a:endParaRPr lang="ru-RU" dirty="0"/>
-                    </a:p>
-                  </a:txBody>
-                  <a:tcPr anchor="ctr"/>
-                </a:tc>
-                <a:tc>
-                  <a:txBody>
-                    <a:bodyPr/>
-                    <a:lstStyle/>
-                    <a:p>
-                      <a:pPr algn="ctr"/>
-                      <a:r>
-                        <a:rPr lang="ru-RU" dirty="0" smtClean="0"/>
-                        <a:t>84</a:t>
-                      </a:r>
-                      <a:endParaRPr lang="ru-RU" dirty="0"/>
-                    </a:p>
-                  </a:txBody>
-                  <a:tcPr anchor="ctr"/>
-                </a:tc>
-                <a:tc>
-                  <a:txBody>
-                    <a:bodyPr/>
-                    <a:lstStyle/>
-                    <a:p>
-                      <a:pPr algn="ctr"/>
-                      <a:r>
-                        <a:rPr lang="ru-RU" dirty="0" smtClean="0"/>
-                        <a:t>90</a:t>
-                      </a:r>
-                      <a:endParaRPr lang="ru-RU" dirty="0"/>
-                    </a:p>
-                  </a:txBody>
-                  <a:tcPr anchor="ctr"/>
-                </a:tc>
-              </a:tr>
-            </a:tbl>
-          </a:graphicData>
-        </a:graphic>
-      </p:graphicFrame>
-    </p:spTree>
-    <p:extLst>
-      <p:ext uri="{BB962C8B-B14F-4D97-AF65-F5344CB8AC3E}">
-        <p14:creationId xmlns:p14="http://schemas.microsoft.com/office/powerpoint/2010/main" val="4213855386"/>
-      </p:ext>
-    </p:extLst>
-  </p:cSld>
-  <p:clrMapOvr>
-    <a:masterClrMapping/>
-  </p:clrMapOvr>
-  <mc:AlternateContent xmlns:mc="http://schemas.openxmlformats.org/markup-compatibility/2006" xmlns:p14="http://schemas.microsoft.com/office/powerpoint/2010/main">
-    <mc:Choice Requires="p14">
-      <p:transition spd="med" p14:dur="700">
-        <p:fade/>
-      </p:transition>
-    </mc:Choice>
-    <mc:Fallback xmlns="">
-      <p:transition spd="med">
-        <p:fade/>
-      </p:transition>
-    </mc:Fallback>
-  </mc:AlternateContent>
-  <p:timing>
-    <p:tnLst>
-      <p:par>
-        <p:cTn id="1" dur="indefinite" restart="never" nodeType="tmRoot"/>
-      </p:par>
-    </p:tnLst>
-  </p:timing>
-</p:sld>
-</file>
-
-<file path=ppt/slides/slide21.xml><?xml version="1.0" encoding="utf-8"?>
-<p:sld xmlns:a="http://schemas.openxmlformats.org/drawingml/2006/main" xmlns:r="http://schemas.openxmlformats.org/officeDocument/2006/relationships" xmlns:p="http://schemas.openxmlformats.org/presentationml/2006/main">
-  <p:cSld>
-    <p:spTree>
-      <p:nvGrpSpPr>
-        <p:cNvPr id="1" name=""/>
-        <p:cNvGrpSpPr/>
-        <p:nvPr/>
-      </p:nvGrpSpPr>
-      <p:grpSpPr>
-        <a:xfrm>
-          <a:off x="0" y="0"/>
-          <a:ext cx="0" cy="0"/>
-          <a:chOff x="0" y="0"/>
-          <a:chExt cx="0" cy="0"/>
-        </a:xfrm>
-      </p:grpSpPr>
-      <p:sp>
-        <p:nvSpPr>
-          <p:cNvPr id="2" name="Заголовок 1"/>
-          <p:cNvSpPr>
-            <a:spLocks noGrp="1"/>
-          </p:cNvSpPr>
-          <p:nvPr>
-            <p:ph type="title"/>
-          </p:nvPr>
-        </p:nvSpPr>
-        <p:spPr/>
-        <p:txBody>
-          <a:bodyPr/>
-          <a:lstStyle/>
-          <a:p>
-            <a:pPr algn="ctr" defTabSz="914400">
-              <a:lnSpc>
-                <a:spcPct val="90000"/>
-              </a:lnSpc>
-              <a:spcBef>
-                <a:spcPts val="1"/>
-              </a:spcBef>
-              <a:buNone/>
-            </a:pPr>
-            <a:r>
-              <a:rPr lang="ru-RU" sz="3200" b="0" i="0" dirty="0" smtClean="0">
-                <a:solidFill>
-                  <a:schemeClr val="bg1"/>
-                </a:solidFill>
-                <a:latin typeface="Book Antiqua"/>
-                <a:ea typeface="+mj-ea"/>
-                <a:cs typeface="+mj-cs"/>
-              </a:rPr>
-              <a:t>Информационное окружение, инфраструктура, средства командной разработки</a:t>
-            </a:r>
-            <a:endParaRPr lang="ru-RU" sz="3200" b="0" i="0" dirty="0">
-              <a:solidFill>
-                <a:schemeClr val="bg1"/>
-              </a:solidFill>
-              <a:latin typeface="Book Antiqua"/>
-              <a:ea typeface="+mj-ea"/>
-              <a:cs typeface="+mj-cs"/>
-            </a:endParaRPr>
-          </a:p>
-        </p:txBody>
-      </p:sp>
-      <p:graphicFrame>
-        <p:nvGraphicFramePr>
-          <p:cNvPr id="6" name="Объект 5" descr="Простой уголковый процесс" title="SmartArt"/>
-          <p:cNvGraphicFramePr>
-            <a:graphicFrameLocks noGrp="1"/>
-          </p:cNvGraphicFramePr>
-          <p:nvPr>
-            <p:ph idx="1"/>
-            <p:extLst>
-              <p:ext uri="{D42A27DB-BD31-4B8C-83A1-F6EECF244321}">
-                <p14:modId xmlns:p14="http://schemas.microsoft.com/office/powerpoint/2010/main" val="2398150307"/>
-              </p:ext>
-            </p:extLst>
-          </p:nvPr>
-        </p:nvGraphicFramePr>
-        <p:xfrm>
-          <a:off x="838200" y="1825625"/>
-          <a:ext cx="10515600" cy="4351338"/>
-        </p:xfrm>
-        <a:graphic>
-          <a:graphicData uri="http://schemas.openxmlformats.org/drawingml/2006/diagram">
-            <dgm:relIds xmlns:dgm="http://schemas.openxmlformats.org/drawingml/2006/diagram" xmlns:r="http://schemas.openxmlformats.org/officeDocument/2006/relationships" r:dm="rId2" r:lo="rId3" r:qs="rId4" r:cs="rId5"/>
-          </a:graphicData>
-        </a:graphic>
-      </p:graphicFrame>
-    </p:spTree>
-    <p:extLst>
-      <p:ext uri="{BB962C8B-B14F-4D97-AF65-F5344CB8AC3E}">
-        <p14:creationId xmlns:p14="http://schemas.microsoft.com/office/powerpoint/2010/main" val="3112142608"/>
-      </p:ext>
-    </p:extLst>
-  </p:cSld>
-  <p:clrMapOvr>
-    <a:masterClrMapping/>
-  </p:clrMapOvr>
-  <mc:AlternateContent xmlns:mc="http://schemas.openxmlformats.org/markup-compatibility/2006" xmlns:p14="http://schemas.microsoft.com/office/powerpoint/2010/main">
-    <mc:Choice Requires="p14">
-      <p:transition spd="med" p14:dur="700">
-        <p:fade/>
-      </p:transition>
-    </mc:Choice>
-    <mc:Fallback xmlns="">
-      <p:transition spd="med">
-        <p:fade/>
-      </p:transition>
-    </mc:Fallback>
-  </mc:AlternateContent>
-  <p:timing>
-    <p:tnLst>
-      <p:par>
-        <p:cTn id="1" dur="indefinite" restart="never" nodeType="tmRoot"/>
-      </p:par>
-    </p:tnLst>
-  </p:timing>
-</p:sld>
-</file>
-
-<file path=ppt/slides/slide3.xml><?xml version="1.0" encoding="utf-8"?>
-<p:sld xmlns:a="http://schemas.openxmlformats.org/drawingml/2006/main" xmlns:r="http://schemas.openxmlformats.org/officeDocument/2006/relationships" xmlns:p="http://schemas.openxmlformats.org/presentationml/2006/main">
-  <p:cSld>
-    <p:spTree>
-      <p:nvGrpSpPr>
-        <p:cNvPr id="1" name=""/>
-        <p:cNvGrpSpPr/>
-        <p:nvPr/>
-      </p:nvGrpSpPr>
-      <p:grpSpPr>
-        <a:xfrm>
-          <a:off x="0" y="0"/>
-          <a:ext cx="0" cy="0"/>
-          <a:chOff x="0" y="0"/>
-          <a:chExt cx="0" cy="0"/>
-        </a:xfrm>
-      </p:grpSpPr>
-      <p:sp>
-        <p:nvSpPr>
-          <p:cNvPr id="2" name="Заголовок 1"/>
-          <p:cNvSpPr>
-            <a:spLocks noGrp="1"/>
-          </p:cNvSpPr>
-          <p:nvPr>
-            <p:ph type="title"/>
-          </p:nvPr>
-        </p:nvSpPr>
-        <p:spPr>
-          <a:xfrm>
-            <a:off x="3429564" y="202518"/>
-            <a:ext cx="5211208" cy="984943"/>
-          </a:xfrm>
-        </p:spPr>
-        <p:txBody>
-          <a:bodyPr/>
-          <a:lstStyle/>
-          <a:p>
-            <a:r>
-              <a:rPr lang="ru-RU" dirty="0" smtClean="0">
-                <a:solidFill>
-                  <a:schemeClr val="bg1"/>
-                </a:solidFill>
-              </a:rPr>
-              <a:t>Анализ конкурентов</a:t>
-            </a:r>
-            <a:endParaRPr lang="ru-RU" dirty="0">
-              <a:solidFill>
-                <a:schemeClr val="bg1"/>
-              </a:solidFill>
-            </a:endParaRPr>
-          </a:p>
-        </p:txBody>
-      </p:sp>
-      <p:sp>
-        <p:nvSpPr>
-          <p:cNvPr id="7" name="TextBox 6"/>
-          <p:cNvSpPr txBox="1"/>
-          <p:nvPr/>
-        </p:nvSpPr>
-        <p:spPr>
-          <a:xfrm>
-            <a:off x="888883" y="2216363"/>
-            <a:ext cx="6363978" cy="2009061"/>
-          </a:xfrm>
-          <a:prstGeom prst="roundRect">
-            <a:avLst/>
-          </a:prstGeom>
-          <a:solidFill>
-            <a:schemeClr val="accent2">
-              <a:lumMod val="20000"/>
-              <a:lumOff val="80000"/>
-            </a:schemeClr>
-          </a:solidFill>
-          <a:ln w="19050"/>
-          <a:effectLst>
-            <a:outerShdw blurRad="50800" dist="38100" dir="2700000" algn="tl" rotWithShape="0">
-              <a:prstClr val="black">
-                <a:alpha val="40000"/>
-              </a:prstClr>
-            </a:outerShdw>
-          </a:effectLst>
-        </p:spPr>
-        <p:style>
-          <a:lnRef idx="2">
-            <a:schemeClr val="accent2"/>
-          </a:lnRef>
-          <a:fillRef idx="1">
-            <a:schemeClr val="lt1"/>
-          </a:fillRef>
-          <a:effectRef idx="0">
-            <a:schemeClr val="accent2"/>
-          </a:effectRef>
-          <a:fontRef idx="minor">
-            <a:schemeClr val="dk1"/>
-          </a:fontRef>
-        </p:style>
-        <p:txBody>
-          <a:bodyPr wrap="square" rtlCol="0">
-            <a:spAutoFit/>
-          </a:bodyPr>
-          <a:lstStyle/>
-          <a:p>
-            <a:r>
-              <a:rPr lang="ru-RU" sz="2800" dirty="0" smtClean="0">
-                <a:solidFill>
-                  <a:schemeClr val="accent1">
-                    <a:lumMod val="50000"/>
-                  </a:schemeClr>
-                </a:solidFill>
-              </a:rPr>
-              <a:t>Прямые конкуренты отсутствуют</a:t>
-            </a:r>
-          </a:p>
-          <a:p>
-            <a:pPr marL="285750" indent="-285750">
-              <a:buFont typeface="Arial" panose="020B0604020202020204" pitchFamily="34" charset="0"/>
-              <a:buChar char="•"/>
-            </a:pPr>
-            <a:r>
-              <a:rPr lang="en-US" sz="2800" dirty="0" smtClean="0">
-                <a:solidFill>
-                  <a:schemeClr val="accent1">
-                    <a:lumMod val="50000"/>
-                  </a:schemeClr>
-                </a:solidFill>
-              </a:rPr>
-              <a:t>Foursquare</a:t>
-            </a:r>
-          </a:p>
-          <a:p>
-            <a:pPr marL="285750" indent="-285750">
-              <a:buFont typeface="Arial" panose="020B0604020202020204" pitchFamily="34" charset="0"/>
-              <a:buChar char="•"/>
-            </a:pPr>
-            <a:r>
-              <a:rPr lang="en-US" sz="2800" dirty="0" smtClean="0">
-                <a:solidFill>
-                  <a:schemeClr val="accent1">
-                    <a:lumMod val="50000"/>
-                  </a:schemeClr>
-                </a:solidFill>
-              </a:rPr>
-              <a:t>DRYNK.ME</a:t>
-            </a:r>
-          </a:p>
-          <a:p>
-            <a:pPr marL="285750" indent="-285750">
-              <a:buFont typeface="Arial" panose="020B0604020202020204" pitchFamily="34" charset="0"/>
-              <a:buChar char="•"/>
-            </a:pPr>
-            <a:r>
-              <a:rPr lang="ru-RU" sz="2800" dirty="0" smtClean="0">
-                <a:solidFill>
-                  <a:schemeClr val="accent1">
-                    <a:lumMod val="50000"/>
-                  </a:schemeClr>
-                </a:solidFill>
-              </a:rPr>
-              <a:t>Группы в социальной сети </a:t>
-            </a:r>
-            <a:r>
-              <a:rPr lang="ru-RU" sz="2800" dirty="0" err="1" smtClean="0">
-                <a:solidFill>
-                  <a:schemeClr val="accent1">
-                    <a:lumMod val="50000"/>
-                  </a:schemeClr>
-                </a:solidFill>
-              </a:rPr>
-              <a:t>Вконтакте</a:t>
-            </a:r>
-            <a:endParaRPr lang="ru-RU" sz="2800" dirty="0" smtClean="0">
-              <a:solidFill>
-                <a:schemeClr val="accent1">
-                  <a:lumMod val="50000"/>
-                </a:schemeClr>
-              </a:solidFill>
-            </a:endParaRPr>
-          </a:p>
-        </p:txBody>
-      </p:sp>
-      <p:pic>
-        <p:nvPicPr>
-          <p:cNvPr id="8" name="Рисунок 7"/>
-          <p:cNvPicPr>
-            <a:picLocks noChangeAspect="1"/>
-          </p:cNvPicPr>
-          <p:nvPr/>
-        </p:nvPicPr>
-        <p:blipFill rotWithShape="1">
-          <a:blip r:embed="rId2"/>
-          <a:srcRect r="11387"/>
-          <a:stretch/>
-        </p:blipFill>
-        <p:spPr>
-          <a:xfrm>
-            <a:off x="8111333" y="2425018"/>
-            <a:ext cx="3008752" cy="1204897"/>
-          </a:xfrm>
-          <a:prstGeom prst="rect">
-            <a:avLst/>
-          </a:prstGeom>
-          <a:ln>
-            <a:noFill/>
-          </a:ln>
-          <a:effectLst>
-            <a:outerShdw blurRad="292100" dist="139700" dir="2700000" algn="tl" rotWithShape="0">
-              <a:srgbClr val="333333">
-                <a:alpha val="65000"/>
-              </a:srgbClr>
-            </a:outerShdw>
-          </a:effectLst>
-        </p:spPr>
-      </p:pic>
-      <p:pic>
-        <p:nvPicPr>
-          <p:cNvPr id="9" name="Рисунок 8"/>
-          <p:cNvPicPr>
-            <a:picLocks noChangeAspect="1"/>
-          </p:cNvPicPr>
-          <p:nvPr/>
-        </p:nvPicPr>
-        <p:blipFill>
-          <a:blip r:embed="rId3"/>
-          <a:stretch>
-            <a:fillRect/>
-          </a:stretch>
-        </p:blipFill>
-        <p:spPr>
-          <a:xfrm>
-            <a:off x="7729292" y="4466508"/>
-            <a:ext cx="2152753" cy="1210074"/>
-          </a:xfrm>
-          <a:prstGeom prst="rect">
-            <a:avLst/>
-          </a:prstGeom>
-          <a:ln>
-            <a:noFill/>
-          </a:ln>
-          <a:effectLst>
-            <a:outerShdw blurRad="292100" dist="139700" dir="2700000" algn="tl" rotWithShape="0">
-              <a:srgbClr val="333333">
-                <a:alpha val="65000"/>
-              </a:srgbClr>
-            </a:outerShdw>
-          </a:effectLst>
-        </p:spPr>
-      </p:pic>
-      <p:pic>
-        <p:nvPicPr>
-          <p:cNvPr id="1026" name="Picture 2" descr="http://smolmitino.ru/vk.png"/>
-          <p:cNvPicPr>
-            <a:picLocks noChangeAspect="1" noChangeArrowheads="1"/>
-          </p:cNvPicPr>
-          <p:nvPr/>
-        </p:nvPicPr>
-        <p:blipFill>
-          <a:blip r:embed="rId4">
-            <a:extLst>
-              <a:ext uri="{28A0092B-C50C-407E-A947-70E740481C1C}">
-                <a14:useLocalDpi xmlns:a14="http://schemas.microsoft.com/office/drawing/2010/main" val="0"/>
-              </a:ext>
-            </a:extLst>
-          </a:blip>
-          <a:srcRect/>
-          <a:stretch>
-            <a:fillRect/>
-          </a:stretch>
-        </p:blipFill>
-        <p:spPr bwMode="auto">
-          <a:xfrm>
-            <a:off x="2260535" y="4708867"/>
-            <a:ext cx="2857500" cy="857251"/>
-          </a:xfrm>
-          <a:prstGeom prst="rect">
-            <a:avLst/>
-          </a:prstGeom>
-          <a:noFill/>
-          <a:effectLst>
-            <a:outerShdw blurRad="50800" dist="38100" dir="2700000" algn="tl" rotWithShape="0">
-              <a:prstClr val="black">
-                <a:alpha val="40000"/>
-              </a:prstClr>
-            </a:outerShdw>
-          </a:effectLst>
-          <a:extLst>
-            <a:ext uri="{909E8E84-426E-40DD-AFC4-6F175D3DCCD1}">
-              <a14:hiddenFill xmlns:a14="http://schemas.microsoft.com/office/drawing/2010/main">
-                <a:solidFill>
-                  <a:srgbClr val="FFFFFF"/>
-                </a:solidFill>
-              </a14:hiddenFill>
-            </a:ext>
-          </a:extLst>
-        </p:spPr>
-      </p:pic>
-    </p:spTree>
-    <p:extLst>
-      <p:ext uri="{BB962C8B-B14F-4D97-AF65-F5344CB8AC3E}">
-        <p14:creationId xmlns:p14="http://schemas.microsoft.com/office/powerpoint/2010/main" val="1340526037"/>
-      </p:ext>
-    </p:extLst>
-  </p:cSld>
-  <p:clrMapOvr>
-    <a:masterClrMapping/>
-  </p:clrMapOvr>
-  <mc:AlternateContent xmlns:mc="http://schemas.openxmlformats.org/markup-compatibility/2006" xmlns:p14="http://schemas.microsoft.com/office/powerpoint/2010/main">
-    <mc:Choice Requires="p14">
-      <p:transition spd="med" p14:dur="700">
-        <p:fade/>
-      </p:transition>
-    </mc:Choice>
-    <mc:Fallback xmlns="">
-      <p:transition spd="med">
-        <p:fade/>
-      </p:transition>
-    </mc:Fallback>
-  </mc:AlternateContent>
-  <p:timing>
-    <p:tnLst>
-      <p:par>
-        <p:cTn id="1" dur="indefinite" restart="never" nodeType="tmRoot"/>
-      </p:par>
-    </p:tnLst>
-  </p:timing>
-</p:sld>
-</file>
-
-<file path=ppt/slides/slide4.xml><?xml version="1.0" encoding="utf-8"?>
+<file path=ppt/slides/slide5.xml><?xml version="1.0" encoding="utf-8"?>
 <p:sld xmlns:a="http://schemas.openxmlformats.org/drawingml/2006/main" xmlns:r="http://schemas.openxmlformats.org/officeDocument/2006/relationships" xmlns:p="http://schemas.openxmlformats.org/presentationml/2006/main">
   <p:cSld>
     <p:spTree>
@@ -22198,7 +17962,7 @@
 </p:sld>
 </file>
 
-<file path=ppt/slides/slide5.xml><?xml version="1.0" encoding="utf-8"?>
+<file path=ppt/slides/slide6.xml><?xml version="1.0" encoding="utf-8"?>
 <p:sld xmlns:a="http://schemas.openxmlformats.org/drawingml/2006/main" xmlns:r="http://schemas.openxmlformats.org/officeDocument/2006/relationships" xmlns:p="http://schemas.openxmlformats.org/presentationml/2006/main">
   <p:cSld>
     <p:spTree>
@@ -22375,7 +18139,7 @@
 </p:sld>
 </file>
 
-<file path=ppt/slides/slide6.xml><?xml version="1.0" encoding="utf-8"?>
+<file path=ppt/slides/slide7.xml><?xml version="1.0" encoding="utf-8"?>
 <p:sld xmlns:a="http://schemas.openxmlformats.org/drawingml/2006/main" xmlns:r="http://schemas.openxmlformats.org/officeDocument/2006/relationships" xmlns:p="http://schemas.openxmlformats.org/presentationml/2006/main">
   <p:cSld>
     <p:spTree>
@@ -23006,7 +18770,7 @@
 </p:sld>
 </file>
 
-<file path=ppt/slides/slide7.xml><?xml version="1.0" encoding="utf-8"?>
+<file path=ppt/slides/slide8.xml><?xml version="1.0" encoding="utf-8"?>
 <p:sld xmlns:a="http://schemas.openxmlformats.org/drawingml/2006/main" xmlns:r="http://schemas.openxmlformats.org/officeDocument/2006/relationships" xmlns:p="http://schemas.openxmlformats.org/presentationml/2006/main">
   <p:cSld>
     <p:spTree>
@@ -23378,7 +19142,7 @@
 </p:sld>
 </file>
 
-<file path=ppt/slides/slide8.xml><?xml version="1.0" encoding="utf-8"?>
+<file path=ppt/slides/slide9.xml><?xml version="1.0" encoding="utf-8"?>
 <p:sld xmlns:a="http://schemas.openxmlformats.org/drawingml/2006/main" xmlns:r="http://schemas.openxmlformats.org/officeDocument/2006/relationships" xmlns:p="http://schemas.openxmlformats.org/presentationml/2006/main">
   <p:cSld>
     <p:spTree>
@@ -23462,141 +19226,6 @@
     <p:extLst>
       <p:ext uri="{BB962C8B-B14F-4D97-AF65-F5344CB8AC3E}">
         <p14:creationId xmlns:p14="http://schemas.microsoft.com/office/powerpoint/2010/main" val="3126535028"/>
-      </p:ext>
-    </p:extLst>
-  </p:cSld>
-  <p:clrMapOvr>
-    <a:masterClrMapping/>
-  </p:clrMapOvr>
-  <mc:AlternateContent xmlns:mc="http://schemas.openxmlformats.org/markup-compatibility/2006" xmlns:p14="http://schemas.microsoft.com/office/powerpoint/2010/main">
-    <mc:Choice Requires="p14">
-      <p:transition spd="med" p14:dur="700">
-        <p:fade/>
-      </p:transition>
-    </mc:Choice>
-    <mc:Fallback xmlns="">
-      <p:transition spd="med">
-        <p:fade/>
-      </p:transition>
-    </mc:Fallback>
-  </mc:AlternateContent>
-  <p:timing>
-    <p:tnLst>
-      <p:par>
-        <p:cTn id="1" dur="indefinite" restart="never" nodeType="tmRoot"/>
-      </p:par>
-    </p:tnLst>
-  </p:timing>
-</p:sld>
-</file>
-
-<file path=ppt/slides/slide9.xml><?xml version="1.0" encoding="utf-8"?>
-<p:sld xmlns:a="http://schemas.openxmlformats.org/drawingml/2006/main" xmlns:r="http://schemas.openxmlformats.org/officeDocument/2006/relationships" xmlns:p="http://schemas.openxmlformats.org/presentationml/2006/main">
-  <p:cSld>
-    <p:spTree>
-      <p:nvGrpSpPr>
-        <p:cNvPr id="1" name=""/>
-        <p:cNvGrpSpPr/>
-        <p:nvPr/>
-      </p:nvGrpSpPr>
-      <p:grpSpPr>
-        <a:xfrm>
-          <a:off x="0" y="0"/>
-          <a:ext cx="0" cy="0"/>
-          <a:chOff x="0" y="0"/>
-          <a:chExt cx="0" cy="0"/>
-        </a:xfrm>
-      </p:grpSpPr>
-      <p:sp>
-        <p:nvSpPr>
-          <p:cNvPr id="2" name="Заголовок 1"/>
-          <p:cNvSpPr>
-            <a:spLocks noGrp="1"/>
-          </p:cNvSpPr>
-          <p:nvPr>
-            <p:ph type="title"/>
-          </p:nvPr>
-        </p:nvSpPr>
-        <p:spPr>
-          <a:xfrm>
-            <a:off x="839788" y="365125"/>
-            <a:ext cx="10515600" cy="928837"/>
-          </a:xfrm>
-        </p:spPr>
-        <p:txBody>
-          <a:bodyPr/>
-          <a:lstStyle/>
-          <a:p>
-            <a:pPr algn="ctr"/>
-            <a:r>
-              <a:rPr lang="en-US" dirty="0" smtClean="0">
-                <a:solidFill>
-                  <a:srgbClr val="FFFFFF"/>
-                </a:solidFill>
-              </a:rPr>
-              <a:t>Use case </a:t>
-            </a:r>
-            <a:r>
-              <a:rPr lang="ru-RU" dirty="0" smtClean="0">
-                <a:solidFill>
-                  <a:srgbClr val="FFFFFF"/>
-                </a:solidFill>
-              </a:rPr>
-              <a:t>диаграмма</a:t>
-            </a:r>
-            <a:endParaRPr lang="ru-RU" dirty="0">
-              <a:solidFill>
-                <a:srgbClr val="FFFFFF"/>
-              </a:solidFill>
-            </a:endParaRPr>
-          </a:p>
-        </p:txBody>
-      </p:sp>
-      <p:pic>
-        <p:nvPicPr>
-          <p:cNvPr id="5132" name="Picture 12" descr="http://yuml.me/d8b78417"/>
-          <p:cNvPicPr>
-            <a:picLocks noChangeAspect="1" noChangeArrowheads="1"/>
-          </p:cNvPicPr>
-          <p:nvPr/>
-        </p:nvPicPr>
-        <p:blipFill>
-          <a:blip r:embed="rId2">
-            <a:extLst>
-              <a:ext uri="{28A0092B-C50C-407E-A947-70E740481C1C}">
-                <a14:useLocalDpi xmlns:a14="http://schemas.microsoft.com/office/drawing/2010/main" val="0"/>
-              </a:ext>
-            </a:extLst>
-          </a:blip>
-          <a:srcRect/>
-          <a:stretch>
-            <a:fillRect/>
-          </a:stretch>
-        </p:blipFill>
-        <p:spPr bwMode="auto">
-          <a:xfrm>
-            <a:off x="188521" y="1590198"/>
-            <a:ext cx="11818133" cy="5155660"/>
-          </a:xfrm>
-          <a:prstGeom prst="rect">
-            <a:avLst/>
-          </a:prstGeom>
-          <a:noFill/>
-          <a:extLst>
-            <a:ext uri="{909E8E84-426E-40DD-AFC4-6F175D3DCCD1}">
-              <a14:hiddenFill xmlns:a14="http://schemas.microsoft.com/office/drawing/2010/main">
-                <a:solidFill>
-                  <a:srgbClr val="FFFFFF"/>
-                </a:solidFill>
-              </a14:hiddenFill>
-            </a:ext>
-          </a:extLst>
-        </p:spPr>
-      </p:pic>
-    </p:spTree>
-    <p:extLst>
-      <p:ext uri="{BB962C8B-B14F-4D97-AF65-F5344CB8AC3E}">
-        <p14:creationId xmlns:p14="http://schemas.microsoft.com/office/powerpoint/2010/main" val="147082094"/>
       </p:ext>
     </p:extLst>
   </p:cSld>

--- a/k224-docs/Servis_po_organizatsii_i_poisku_meropriaty_Par.pptx
+++ b/k224-docs/Servis_po_organizatsii_i_poisku_meropriaty_Par.pptx
@@ -5,10 +5,10 @@
     <p:sldMasterId id="2147483662" r:id="rId2"/>
   </p:sldMasterIdLst>
   <p:notesMasterIdLst>
-    <p:notesMasterId r:id="rId24"/>
+    <p:notesMasterId r:id="rId27"/>
   </p:notesMasterIdLst>
   <p:handoutMasterIdLst>
-    <p:handoutMasterId r:id="rId25"/>
+    <p:handoutMasterId r:id="rId28"/>
   </p:handoutMasterIdLst>
   <p:sldIdLst>
     <p:sldId id="257" r:id="rId3"/>
@@ -26,12 +26,15 @@
     <p:sldId id="283" r:id="rId15"/>
     <p:sldId id="284" r:id="rId16"/>
     <p:sldId id="277" r:id="rId17"/>
-    <p:sldId id="282" r:id="rId18"/>
-    <p:sldId id="285" r:id="rId19"/>
-    <p:sldId id="286" r:id="rId20"/>
-    <p:sldId id="287" r:id="rId21"/>
-    <p:sldId id="276" r:id="rId22"/>
-    <p:sldId id="281" r:id="rId23"/>
+    <p:sldId id="290" r:id="rId18"/>
+    <p:sldId id="282" r:id="rId19"/>
+    <p:sldId id="288" r:id="rId20"/>
+    <p:sldId id="289" r:id="rId21"/>
+    <p:sldId id="285" r:id="rId22"/>
+    <p:sldId id="286" r:id="rId23"/>
+    <p:sldId id="287" r:id="rId24"/>
+    <p:sldId id="276" r:id="rId25"/>
+    <p:sldId id="281" r:id="rId26"/>
   </p:sldIdLst>
   <p:sldSz cx="12192000" cy="6858000"/>
   <p:notesSz cx="6858000" cy="9144000"/>
@@ -383,11 +386,11 @@
         </c:dLbls>
         <c:marker val="1"/>
         <c:smooth val="0"/>
-        <c:axId val="258493968"/>
-        <c:axId val="258495928"/>
+        <c:axId val="252311696"/>
+        <c:axId val="252310912"/>
       </c:lineChart>
       <c:dateAx>
-        <c:axId val="258493968"/>
+        <c:axId val="252311696"/>
         <c:scaling>
           <c:orientation val="minMax"/>
         </c:scaling>
@@ -427,14 +430,14 @@
             <a:endParaRPr lang="ru-RU"/>
           </a:p>
         </c:txPr>
-        <c:crossAx val="258495928"/>
+        <c:crossAx val="252310912"/>
         <c:crosses val="autoZero"/>
         <c:auto val="1"/>
         <c:lblOffset val="100"/>
         <c:baseTimeUnit val="days"/>
       </c:dateAx>
       <c:valAx>
-        <c:axId val="258495928"/>
+        <c:axId val="252310912"/>
         <c:scaling>
           <c:orientation val="minMax"/>
         </c:scaling>
@@ -532,7 +535,7 @@
             <a:endParaRPr lang="ru-RU"/>
           </a:p>
         </c:txPr>
-        <c:crossAx val="258493968"/>
+        <c:crossAx val="252311696"/>
         <c:crosses val="autoZero"/>
         <c:crossBetween val="between"/>
       </c:valAx>
@@ -623,6 +626,7 @@
   </mc:AlternateContent>
   <c:chart>
     <c:title>
+      <c:layout/>
       <c:overlay val="0"/>
       <c:spPr>
         <a:noFill/>
@@ -1017,6 +1021,527 @@
 </c:chartSpace>
 </file>
 
+<file path=ppt/charts/chart3.xml><?xml version="1.0" encoding="utf-8"?>
+<c:chartSpace xmlns:c="http://schemas.openxmlformats.org/drawingml/2006/chart" xmlns:a="http://schemas.openxmlformats.org/drawingml/2006/main" xmlns:r="http://schemas.openxmlformats.org/officeDocument/2006/relationships">
+  <c:date1904 val="0"/>
+  <c:lang val="ru-RU"/>
+  <c:roundedCorners val="0"/>
+  <mc:AlternateContent xmlns:mc="http://schemas.openxmlformats.org/markup-compatibility/2006">
+    <mc:Choice xmlns:c14="http://schemas.microsoft.com/office/drawing/2007/8/2/chart" Requires="c14">
+      <c14:style val="107"/>
+    </mc:Choice>
+    <mc:Fallback>
+      <c:style val="7"/>
+    </mc:Fallback>
+  </mc:AlternateContent>
+  <c:chart>
+    <c:title>
+      <c:layout/>
+      <c:overlay val="0"/>
+      <c:spPr>
+        <a:noFill/>
+        <a:ln>
+          <a:noFill/>
+        </a:ln>
+        <a:effectLst/>
+      </c:spPr>
+      <c:txPr>
+        <a:bodyPr rot="0" spcFirstLastPara="1" vertOverflow="ellipsis" vert="horz" wrap="square" anchor="ctr" anchorCtr="1"/>
+        <a:lstStyle/>
+        <a:p>
+          <a:pPr>
+            <a:defRPr sz="1862" b="0" i="0" u="none" strike="noStrike" kern="1200" spc="0" baseline="0">
+              <a:solidFill>
+                <a:schemeClr val="tx1">
+                  <a:lumMod val="65000"/>
+                  <a:lumOff val="35000"/>
+                </a:schemeClr>
+              </a:solidFill>
+              <a:latin typeface="+mn-lt"/>
+              <a:ea typeface="+mn-ea"/>
+              <a:cs typeface="+mn-cs"/>
+            </a:defRPr>
+          </a:pPr>
+          <a:endParaRPr lang="ru-RU"/>
+        </a:p>
+      </c:txPr>
+    </c:title>
+    <c:autoTitleDeleted val="0"/>
+    <c:plotArea>
+      <c:layout/>
+      <c:barChart>
+        <c:barDir val="col"/>
+        <c:grouping val="clustered"/>
+        <c:varyColors val="0"/>
+        <c:ser>
+          <c:idx val="0"/>
+          <c:order val="0"/>
+          <c:tx>
+            <c:strRef>
+              <c:f>Лист1!$B$1</c:f>
+              <c:strCache>
+                <c:ptCount val="1"/>
+                <c:pt idx="0">
+                  <c:v>Ряд 1</c:v>
+                </c:pt>
+              </c:strCache>
+            </c:strRef>
+          </c:tx>
+          <c:spPr>
+            <a:solidFill>
+              <a:schemeClr val="accent5">
+                <a:shade val="50000"/>
+              </a:schemeClr>
+            </a:solidFill>
+            <a:ln>
+              <a:noFill/>
+            </a:ln>
+            <a:effectLst/>
+          </c:spPr>
+          <c:invertIfNegative val="0"/>
+          <c:cat>
+            <c:strRef>
+              <c:f>Лист1!$A$2</c:f>
+              <c:strCache>
+                <c:ptCount val="1"/>
+                <c:pt idx="0">
+                  <c:v>Категория 1</c:v>
+                </c:pt>
+              </c:strCache>
+            </c:strRef>
+          </c:cat>
+          <c:val>
+            <c:numRef>
+              <c:f>Лист1!$B$2</c:f>
+              <c:numCache>
+                <c:formatCode>0%</c:formatCode>
+                <c:ptCount val="1"/>
+                <c:pt idx="0">
+                  <c:v>0.9</c:v>
+                </c:pt>
+              </c:numCache>
+            </c:numRef>
+          </c:val>
+        </c:ser>
+        <c:ser>
+          <c:idx val="1"/>
+          <c:order val="1"/>
+          <c:tx>
+            <c:strRef>
+              <c:f>Лист1!$C$1</c:f>
+              <c:strCache>
+                <c:ptCount val="1"/>
+                <c:pt idx="0">
+                  <c:v>Ряд 2</c:v>
+                </c:pt>
+              </c:strCache>
+            </c:strRef>
+          </c:tx>
+          <c:spPr>
+            <a:solidFill>
+              <a:schemeClr val="accent5">
+                <a:shade val="70000"/>
+              </a:schemeClr>
+            </a:solidFill>
+            <a:ln>
+              <a:noFill/>
+            </a:ln>
+            <a:effectLst/>
+          </c:spPr>
+          <c:invertIfNegative val="0"/>
+          <c:cat>
+            <c:strRef>
+              <c:f>Лист1!$A$2</c:f>
+              <c:strCache>
+                <c:ptCount val="1"/>
+                <c:pt idx="0">
+                  <c:v>Категория 1</c:v>
+                </c:pt>
+              </c:strCache>
+            </c:strRef>
+          </c:cat>
+          <c:val>
+            <c:numRef>
+              <c:f>Лист1!$C$2</c:f>
+              <c:numCache>
+                <c:formatCode>General</c:formatCode>
+                <c:ptCount val="1"/>
+                <c:pt idx="0">
+                  <c:v>2.4</c:v>
+                </c:pt>
+              </c:numCache>
+            </c:numRef>
+          </c:val>
+        </c:ser>
+        <c:ser>
+          <c:idx val="2"/>
+          <c:order val="2"/>
+          <c:tx>
+            <c:strRef>
+              <c:f>Лист1!$D$1</c:f>
+              <c:strCache>
+                <c:ptCount val="1"/>
+                <c:pt idx="0">
+                  <c:v>Ряд 3</c:v>
+                </c:pt>
+              </c:strCache>
+            </c:strRef>
+          </c:tx>
+          <c:spPr>
+            <a:solidFill>
+              <a:schemeClr val="accent5">
+                <a:shade val="90000"/>
+              </a:schemeClr>
+            </a:solidFill>
+            <a:ln>
+              <a:noFill/>
+            </a:ln>
+            <a:effectLst/>
+          </c:spPr>
+          <c:invertIfNegative val="0"/>
+          <c:cat>
+            <c:strRef>
+              <c:f>Лист1!$A$2</c:f>
+              <c:strCache>
+                <c:ptCount val="1"/>
+                <c:pt idx="0">
+                  <c:v>Категория 1</c:v>
+                </c:pt>
+              </c:strCache>
+            </c:strRef>
+          </c:cat>
+          <c:val>
+            <c:numRef>
+              <c:f>Лист1!$D$2</c:f>
+              <c:numCache>
+                <c:formatCode>General</c:formatCode>
+                <c:ptCount val="1"/>
+                <c:pt idx="0">
+                  <c:v>2</c:v>
+                </c:pt>
+              </c:numCache>
+            </c:numRef>
+          </c:val>
+        </c:ser>
+        <c:ser>
+          <c:idx val="3"/>
+          <c:order val="3"/>
+          <c:tx>
+            <c:strRef>
+              <c:f>Лист1!$E$1</c:f>
+              <c:strCache>
+                <c:ptCount val="1"/>
+              </c:strCache>
+            </c:strRef>
+          </c:tx>
+          <c:spPr>
+            <a:solidFill>
+              <a:schemeClr val="accent5">
+                <a:tint val="90000"/>
+              </a:schemeClr>
+            </a:solidFill>
+            <a:ln>
+              <a:noFill/>
+            </a:ln>
+            <a:effectLst/>
+          </c:spPr>
+          <c:invertIfNegative val="0"/>
+          <c:cat>
+            <c:strRef>
+              <c:f>Лист1!$A$2</c:f>
+              <c:strCache>
+                <c:ptCount val="1"/>
+                <c:pt idx="0">
+                  <c:v>Категория 1</c:v>
+                </c:pt>
+              </c:strCache>
+            </c:strRef>
+          </c:cat>
+          <c:val>
+            <c:numRef>
+              <c:f>Лист1!$E$2</c:f>
+              <c:numCache>
+                <c:formatCode>General</c:formatCode>
+                <c:ptCount val="1"/>
+              </c:numCache>
+            </c:numRef>
+          </c:val>
+        </c:ser>
+        <c:ser>
+          <c:idx val="4"/>
+          <c:order val="4"/>
+          <c:tx>
+            <c:strRef>
+              <c:f>Лист1!$F$1</c:f>
+              <c:strCache>
+                <c:ptCount val="1"/>
+              </c:strCache>
+            </c:strRef>
+          </c:tx>
+          <c:spPr>
+            <a:solidFill>
+              <a:schemeClr val="accent5">
+                <a:tint val="70000"/>
+              </a:schemeClr>
+            </a:solidFill>
+            <a:ln>
+              <a:noFill/>
+            </a:ln>
+            <a:effectLst/>
+          </c:spPr>
+          <c:invertIfNegative val="0"/>
+          <c:cat>
+            <c:strRef>
+              <c:f>Лист1!$A$2</c:f>
+              <c:strCache>
+                <c:ptCount val="1"/>
+                <c:pt idx="0">
+                  <c:v>Категория 1</c:v>
+                </c:pt>
+              </c:strCache>
+            </c:strRef>
+          </c:cat>
+          <c:val>
+            <c:numRef>
+              <c:f>Лист1!$F$2</c:f>
+              <c:numCache>
+                <c:formatCode>General</c:formatCode>
+                <c:ptCount val="1"/>
+              </c:numCache>
+            </c:numRef>
+          </c:val>
+        </c:ser>
+        <c:ser>
+          <c:idx val="5"/>
+          <c:order val="5"/>
+          <c:tx>
+            <c:strRef>
+              <c:f>Лист1!$G$1</c:f>
+              <c:strCache>
+                <c:ptCount val="1"/>
+              </c:strCache>
+            </c:strRef>
+          </c:tx>
+          <c:spPr>
+            <a:solidFill>
+              <a:schemeClr val="accent5">
+                <a:tint val="50000"/>
+              </a:schemeClr>
+            </a:solidFill>
+            <a:ln>
+              <a:noFill/>
+            </a:ln>
+            <a:effectLst/>
+          </c:spPr>
+          <c:invertIfNegative val="0"/>
+          <c:cat>
+            <c:strRef>
+              <c:f>Лист1!$A$2</c:f>
+              <c:strCache>
+                <c:ptCount val="1"/>
+                <c:pt idx="0">
+                  <c:v>Категория 1</c:v>
+                </c:pt>
+              </c:strCache>
+            </c:strRef>
+          </c:cat>
+          <c:val>
+            <c:numRef>
+              <c:f>Лист1!$G$2</c:f>
+              <c:numCache>
+                <c:formatCode>General</c:formatCode>
+                <c:ptCount val="1"/>
+              </c:numCache>
+            </c:numRef>
+          </c:val>
+        </c:ser>
+        <c:dLbls>
+          <c:showLegendKey val="0"/>
+          <c:showVal val="0"/>
+          <c:showCatName val="0"/>
+          <c:showSerName val="0"/>
+          <c:showPercent val="0"/>
+          <c:showBubbleSize val="0"/>
+        </c:dLbls>
+        <c:gapWidth val="219"/>
+        <c:overlap val="-27"/>
+        <c:axId val="385103912"/>
+        <c:axId val="385104696"/>
+      </c:barChart>
+      <c:catAx>
+        <c:axId val="385103912"/>
+        <c:scaling>
+          <c:orientation val="minMax"/>
+        </c:scaling>
+        <c:delete val="0"/>
+        <c:axPos val="b"/>
+        <c:numFmt formatCode="General" sourceLinked="1"/>
+        <c:majorTickMark val="none"/>
+        <c:minorTickMark val="none"/>
+        <c:tickLblPos val="nextTo"/>
+        <c:spPr>
+          <a:noFill/>
+          <a:ln w="9525" cap="flat" cmpd="sng" algn="ctr">
+            <a:solidFill>
+              <a:schemeClr val="tx1">
+                <a:lumMod val="15000"/>
+                <a:lumOff val="85000"/>
+              </a:schemeClr>
+            </a:solidFill>
+            <a:round/>
+          </a:ln>
+          <a:effectLst/>
+        </c:spPr>
+        <c:txPr>
+          <a:bodyPr rot="-60000000" spcFirstLastPara="1" vertOverflow="ellipsis" vert="horz" wrap="square" anchor="ctr" anchorCtr="1"/>
+          <a:lstStyle/>
+          <a:p>
+            <a:pPr>
+              <a:defRPr sz="1197" b="0" i="0" u="none" strike="noStrike" kern="1200" baseline="0">
+                <a:solidFill>
+                  <a:schemeClr val="tx1">
+                    <a:lumMod val="65000"/>
+                    <a:lumOff val="35000"/>
+                  </a:schemeClr>
+                </a:solidFill>
+                <a:latin typeface="+mn-lt"/>
+                <a:ea typeface="+mn-ea"/>
+                <a:cs typeface="+mn-cs"/>
+              </a:defRPr>
+            </a:pPr>
+            <a:endParaRPr lang="ru-RU"/>
+          </a:p>
+        </c:txPr>
+        <c:crossAx val="385104696"/>
+        <c:crosses val="autoZero"/>
+        <c:auto val="1"/>
+        <c:lblAlgn val="ctr"/>
+        <c:lblOffset val="100"/>
+        <c:noMultiLvlLbl val="0"/>
+      </c:catAx>
+      <c:valAx>
+        <c:axId val="385104696"/>
+        <c:scaling>
+          <c:orientation val="minMax"/>
+        </c:scaling>
+        <c:delete val="0"/>
+        <c:axPos val="l"/>
+        <c:majorGridlines>
+          <c:spPr>
+            <a:ln w="9525" cap="flat" cmpd="sng" algn="ctr">
+              <a:solidFill>
+                <a:schemeClr val="tx1">
+                  <a:lumMod val="15000"/>
+                  <a:lumOff val="85000"/>
+                </a:schemeClr>
+              </a:solidFill>
+              <a:round/>
+            </a:ln>
+            <a:effectLst/>
+          </c:spPr>
+        </c:majorGridlines>
+        <c:numFmt formatCode="General" sourceLinked="1"/>
+        <c:majorTickMark val="none"/>
+        <c:minorTickMark val="none"/>
+        <c:tickLblPos val="nextTo"/>
+        <c:spPr>
+          <a:noFill/>
+          <a:ln>
+            <a:noFill/>
+          </a:ln>
+          <a:effectLst/>
+        </c:spPr>
+        <c:txPr>
+          <a:bodyPr rot="-60000000" spcFirstLastPara="1" vertOverflow="ellipsis" vert="horz" wrap="square" anchor="ctr" anchorCtr="1"/>
+          <a:lstStyle/>
+          <a:p>
+            <a:pPr>
+              <a:defRPr sz="1197" b="0" i="0" u="none" strike="noStrike" kern="1200" baseline="0">
+                <a:solidFill>
+                  <a:schemeClr val="tx1">
+                    <a:lumMod val="65000"/>
+                    <a:lumOff val="35000"/>
+                  </a:schemeClr>
+                </a:solidFill>
+                <a:latin typeface="+mn-lt"/>
+                <a:ea typeface="+mn-ea"/>
+                <a:cs typeface="+mn-cs"/>
+              </a:defRPr>
+            </a:pPr>
+            <a:endParaRPr lang="ru-RU"/>
+          </a:p>
+        </c:txPr>
+        <c:crossAx val="385103912"/>
+        <c:crosses val="autoZero"/>
+        <c:crossBetween val="between"/>
+      </c:valAx>
+      <c:spPr>
+        <a:noFill/>
+        <a:ln>
+          <a:noFill/>
+        </a:ln>
+        <a:effectLst/>
+      </c:spPr>
+    </c:plotArea>
+    <c:legend>
+      <c:legendPos val="b"/>
+      <c:layout/>
+      <c:overlay val="0"/>
+      <c:spPr>
+        <a:noFill/>
+        <a:ln>
+          <a:noFill/>
+        </a:ln>
+        <a:effectLst/>
+      </c:spPr>
+      <c:txPr>
+        <a:bodyPr rot="0" spcFirstLastPara="1" vertOverflow="ellipsis" vert="horz" wrap="square" anchor="ctr" anchorCtr="1"/>
+        <a:lstStyle/>
+        <a:p>
+          <a:pPr>
+            <a:defRPr sz="1197" b="0" i="0" u="none" strike="noStrike" kern="1200" baseline="0">
+              <a:solidFill>
+                <a:schemeClr val="tx1">
+                  <a:lumMod val="65000"/>
+                  <a:lumOff val="35000"/>
+                </a:schemeClr>
+              </a:solidFill>
+              <a:latin typeface="+mn-lt"/>
+              <a:ea typeface="+mn-ea"/>
+              <a:cs typeface="+mn-cs"/>
+            </a:defRPr>
+          </a:pPr>
+          <a:endParaRPr lang="ru-RU"/>
+        </a:p>
+      </c:txPr>
+    </c:legend>
+    <c:plotVisOnly val="1"/>
+    <c:dispBlanksAs val="gap"/>
+    <c:showDLblsOverMax val="0"/>
+  </c:chart>
+  <c:spPr>
+    <a:noFill/>
+    <a:ln>
+      <a:noFill/>
+    </a:ln>
+    <a:effectLst/>
+  </c:spPr>
+  <c:txPr>
+    <a:bodyPr/>
+    <a:lstStyle/>
+    <a:p>
+      <a:pPr>
+        <a:defRPr/>
+      </a:pPr>
+      <a:endParaRPr lang="ru-RU"/>
+    </a:p>
+  </c:txPr>
+  <c:externalData r:id="rId3">
+    <c:autoUpdate val="0"/>
+  </c:externalData>
+</c:chartSpace>
+</file>
+
 <file path=ppt/charts/colors1.xml><?xml version="1.0" encoding="utf-8"?>
 <cs:colorStyle xmlns:cs="http://schemas.microsoft.com/office/drawing/2012/chartStyle" xmlns:a="http://schemas.openxmlformats.org/drawingml/2006/main" meth="withinLinear" id="18">
   <a:schemeClr val="accent5"/>
@@ -1060,6 +1585,12 @@
     <a:lumMod val="50000"/>
     <a:lumOff val="50000"/>
   </cs:variation>
+</cs:colorStyle>
+</file>
+
+<file path=ppt/charts/colors3.xml><?xml version="1.0" encoding="utf-8"?>
+<cs:colorStyle xmlns:cs="http://schemas.microsoft.com/office/drawing/2012/chartStyle" xmlns:a="http://schemas.openxmlformats.org/drawingml/2006/main" meth="withinLinear" id="18">
+  <a:schemeClr val="accent5"/>
 </cs:colorStyle>
 </file>
 
@@ -2130,6 +2661,509 @@
     <cs:fontRef idx="minor">
       <a:schemeClr val="dk1"/>
     </cs:fontRef>
+  </cs:wall>
+</cs:chartStyle>
+</file>
+
+<file path=ppt/charts/style3.xml><?xml version="1.0" encoding="utf-8"?>
+<cs:chartStyle xmlns:cs="http://schemas.microsoft.com/office/drawing/2012/chartStyle" xmlns:a="http://schemas.openxmlformats.org/drawingml/2006/main" id="201">
+  <cs:axisTitle>
+    <cs:lnRef idx="0"/>
+    <cs:fillRef idx="0"/>
+    <cs:effectRef idx="0"/>
+    <cs:fontRef idx="minor">
+      <a:schemeClr val="tx1">
+        <a:lumMod val="65000"/>
+        <a:lumOff val="35000"/>
+      </a:schemeClr>
+    </cs:fontRef>
+    <cs:defRPr sz="1330" kern="1200"/>
+  </cs:axisTitle>
+  <cs:categoryAxis>
+    <cs:lnRef idx="0"/>
+    <cs:fillRef idx="0"/>
+    <cs:effectRef idx="0"/>
+    <cs:fontRef idx="minor">
+      <a:schemeClr val="tx1">
+        <a:lumMod val="65000"/>
+        <a:lumOff val="35000"/>
+      </a:schemeClr>
+    </cs:fontRef>
+    <cs:spPr>
+      <a:ln w="9525" cap="flat" cmpd="sng" algn="ctr">
+        <a:solidFill>
+          <a:schemeClr val="tx1">
+            <a:lumMod val="15000"/>
+            <a:lumOff val="85000"/>
+          </a:schemeClr>
+        </a:solidFill>
+        <a:round/>
+      </a:ln>
+    </cs:spPr>
+    <cs:defRPr sz="1197" kern="1200"/>
+  </cs:categoryAxis>
+  <cs:chartArea mods="allowNoFillOverride allowNoLineOverride">
+    <cs:lnRef idx="0"/>
+    <cs:fillRef idx="0"/>
+    <cs:effectRef idx="0"/>
+    <cs:fontRef idx="minor">
+      <a:schemeClr val="tx1"/>
+    </cs:fontRef>
+    <cs:spPr>
+      <a:solidFill>
+        <a:schemeClr val="bg1"/>
+      </a:solidFill>
+      <a:ln w="9525" cap="flat" cmpd="sng" algn="ctr">
+        <a:solidFill>
+          <a:schemeClr val="tx1">
+            <a:lumMod val="15000"/>
+            <a:lumOff val="85000"/>
+          </a:schemeClr>
+        </a:solidFill>
+        <a:round/>
+      </a:ln>
+    </cs:spPr>
+    <cs:defRPr sz="1330" kern="1200"/>
+  </cs:chartArea>
+  <cs:dataLabel>
+    <cs:lnRef idx="0"/>
+    <cs:fillRef idx="0"/>
+    <cs:effectRef idx="0"/>
+    <cs:fontRef idx="minor">
+      <a:schemeClr val="tx1">
+        <a:lumMod val="75000"/>
+        <a:lumOff val="25000"/>
+      </a:schemeClr>
+    </cs:fontRef>
+    <cs:defRPr sz="1197" kern="1200"/>
+  </cs:dataLabel>
+  <cs:dataLabelCallout>
+    <cs:lnRef idx="0"/>
+    <cs:fillRef idx="0"/>
+    <cs:effectRef idx="0"/>
+    <cs:fontRef idx="minor">
+      <a:schemeClr val="dk1">
+        <a:lumMod val="65000"/>
+        <a:lumOff val="35000"/>
+      </a:schemeClr>
+    </cs:fontRef>
+    <cs:spPr>
+      <a:solidFill>
+        <a:schemeClr val="lt1"/>
+      </a:solidFill>
+      <a:ln>
+        <a:solidFill>
+          <a:schemeClr val="dk1">
+            <a:lumMod val="25000"/>
+            <a:lumOff val="75000"/>
+          </a:schemeClr>
+        </a:solidFill>
+      </a:ln>
+    </cs:spPr>
+    <cs:defRPr sz="1197" kern="1200"/>
+    <cs:bodyPr rot="0" spcFirstLastPara="1" vertOverflow="clip" horzOverflow="clip" vert="horz" wrap="square" lIns="36576" tIns="18288" rIns="36576" bIns="18288" anchor="ctr" anchorCtr="1">
+      <a:spAutoFit/>
+    </cs:bodyPr>
+  </cs:dataLabelCallout>
+  <cs:dataPoint>
+    <cs:lnRef idx="0"/>
+    <cs:fillRef idx="1">
+      <cs:styleClr val="auto"/>
+    </cs:fillRef>
+    <cs:effectRef idx="0"/>
+    <cs:fontRef idx="minor">
+      <a:schemeClr val="tx1"/>
+    </cs:fontRef>
+  </cs:dataPoint>
+  <cs:dataPoint3D>
+    <cs:lnRef idx="0"/>
+    <cs:fillRef idx="1">
+      <cs:styleClr val="auto"/>
+    </cs:fillRef>
+    <cs:effectRef idx="0"/>
+    <cs:fontRef idx="minor">
+      <a:schemeClr val="tx1"/>
+    </cs:fontRef>
+  </cs:dataPoint3D>
+  <cs:dataPointLine>
+    <cs:lnRef idx="0">
+      <cs:styleClr val="auto"/>
+    </cs:lnRef>
+    <cs:fillRef idx="1"/>
+    <cs:effectRef idx="0"/>
+    <cs:fontRef idx="minor">
+      <a:schemeClr val="tx1"/>
+    </cs:fontRef>
+    <cs:spPr>
+      <a:ln w="28575" cap="rnd">
+        <a:solidFill>
+          <a:schemeClr val="phClr"/>
+        </a:solidFill>
+        <a:round/>
+      </a:ln>
+    </cs:spPr>
+  </cs:dataPointLine>
+  <cs:dataPointMarker>
+    <cs:lnRef idx="0">
+      <cs:styleClr val="auto"/>
+    </cs:lnRef>
+    <cs:fillRef idx="1">
+      <cs:styleClr val="auto"/>
+    </cs:fillRef>
+    <cs:effectRef idx="0"/>
+    <cs:fontRef idx="minor">
+      <a:schemeClr val="tx1"/>
+    </cs:fontRef>
+    <cs:spPr>
+      <a:ln w="9525">
+        <a:solidFill>
+          <a:schemeClr val="phClr"/>
+        </a:solidFill>
+      </a:ln>
+    </cs:spPr>
+  </cs:dataPointMarker>
+  <cs:dataPointMarkerLayout symbol="circle" size="5"/>
+  <cs:dataPointWireframe>
+    <cs:lnRef idx="0">
+      <cs:styleClr val="auto"/>
+    </cs:lnRef>
+    <cs:fillRef idx="1"/>
+    <cs:effectRef idx="0"/>
+    <cs:fontRef idx="minor">
+      <a:schemeClr val="tx1"/>
+    </cs:fontRef>
+    <cs:spPr>
+      <a:ln w="9525" cap="rnd">
+        <a:solidFill>
+          <a:schemeClr val="phClr"/>
+        </a:solidFill>
+        <a:round/>
+      </a:ln>
+    </cs:spPr>
+  </cs:dataPointWireframe>
+  <cs:dataTable>
+    <cs:lnRef idx="0"/>
+    <cs:fillRef idx="0"/>
+    <cs:effectRef idx="0"/>
+    <cs:fontRef idx="minor">
+      <a:schemeClr val="tx1">
+        <a:lumMod val="65000"/>
+        <a:lumOff val="35000"/>
+      </a:schemeClr>
+    </cs:fontRef>
+    <cs:spPr>
+      <a:noFill/>
+      <a:ln w="9525" cap="flat" cmpd="sng" algn="ctr">
+        <a:solidFill>
+          <a:schemeClr val="tx1">
+            <a:lumMod val="15000"/>
+            <a:lumOff val="85000"/>
+          </a:schemeClr>
+        </a:solidFill>
+        <a:round/>
+      </a:ln>
+    </cs:spPr>
+    <cs:defRPr sz="1197" kern="1200"/>
+  </cs:dataTable>
+  <cs:downBar>
+    <cs:lnRef idx="0"/>
+    <cs:fillRef idx="0"/>
+    <cs:effectRef idx="0"/>
+    <cs:fontRef idx="minor">
+      <a:schemeClr val="dk1"/>
+    </cs:fontRef>
+    <cs:spPr>
+      <a:solidFill>
+        <a:schemeClr val="dk1">
+          <a:lumMod val="65000"/>
+          <a:lumOff val="35000"/>
+        </a:schemeClr>
+      </a:solidFill>
+      <a:ln w="9525">
+        <a:solidFill>
+          <a:schemeClr val="tx1">
+            <a:lumMod val="65000"/>
+            <a:lumOff val="35000"/>
+          </a:schemeClr>
+        </a:solidFill>
+      </a:ln>
+    </cs:spPr>
+  </cs:downBar>
+  <cs:dropLine>
+    <cs:lnRef idx="0"/>
+    <cs:fillRef idx="0"/>
+    <cs:effectRef idx="0"/>
+    <cs:fontRef idx="minor">
+      <a:schemeClr val="tx1"/>
+    </cs:fontRef>
+    <cs:spPr>
+      <a:ln w="9525" cap="flat" cmpd="sng" algn="ctr">
+        <a:solidFill>
+          <a:schemeClr val="tx1">
+            <a:lumMod val="35000"/>
+            <a:lumOff val="65000"/>
+          </a:schemeClr>
+        </a:solidFill>
+        <a:round/>
+      </a:ln>
+    </cs:spPr>
+  </cs:dropLine>
+  <cs:errorBar>
+    <cs:lnRef idx="0"/>
+    <cs:fillRef idx="0"/>
+    <cs:effectRef idx="0"/>
+    <cs:fontRef idx="minor">
+      <a:schemeClr val="tx1"/>
+    </cs:fontRef>
+    <cs:spPr>
+      <a:ln w="9525" cap="flat" cmpd="sng" algn="ctr">
+        <a:solidFill>
+          <a:schemeClr val="tx1">
+            <a:lumMod val="65000"/>
+            <a:lumOff val="35000"/>
+          </a:schemeClr>
+        </a:solidFill>
+        <a:round/>
+      </a:ln>
+    </cs:spPr>
+  </cs:errorBar>
+  <cs:floor>
+    <cs:lnRef idx="0"/>
+    <cs:fillRef idx="0"/>
+    <cs:effectRef idx="0"/>
+    <cs:fontRef idx="minor">
+      <a:schemeClr val="tx1"/>
+    </cs:fontRef>
+    <cs:spPr>
+      <a:noFill/>
+      <a:ln>
+        <a:noFill/>
+      </a:ln>
+    </cs:spPr>
+  </cs:floor>
+  <cs:gridlineMajor>
+    <cs:lnRef idx="0"/>
+    <cs:fillRef idx="0"/>
+    <cs:effectRef idx="0"/>
+    <cs:fontRef idx="minor">
+      <a:schemeClr val="tx1"/>
+    </cs:fontRef>
+    <cs:spPr>
+      <a:ln w="9525" cap="flat" cmpd="sng" algn="ctr">
+        <a:solidFill>
+          <a:schemeClr val="tx1">
+            <a:lumMod val="15000"/>
+            <a:lumOff val="85000"/>
+          </a:schemeClr>
+        </a:solidFill>
+        <a:round/>
+      </a:ln>
+    </cs:spPr>
+  </cs:gridlineMajor>
+  <cs:gridlineMinor>
+    <cs:lnRef idx="0"/>
+    <cs:fillRef idx="0"/>
+    <cs:effectRef idx="0"/>
+    <cs:fontRef idx="minor">
+      <a:schemeClr val="tx1"/>
+    </cs:fontRef>
+    <cs:spPr>
+      <a:ln w="9525" cap="flat" cmpd="sng" algn="ctr">
+        <a:solidFill>
+          <a:schemeClr val="tx1">
+            <a:lumMod val="5000"/>
+            <a:lumOff val="95000"/>
+          </a:schemeClr>
+        </a:solidFill>
+        <a:round/>
+      </a:ln>
+    </cs:spPr>
+  </cs:gridlineMinor>
+  <cs:hiLoLine>
+    <cs:lnRef idx="0"/>
+    <cs:fillRef idx="0"/>
+    <cs:effectRef idx="0"/>
+    <cs:fontRef idx="minor">
+      <a:schemeClr val="tx1"/>
+    </cs:fontRef>
+    <cs:spPr>
+      <a:ln w="9525" cap="flat" cmpd="sng" algn="ctr">
+        <a:solidFill>
+          <a:schemeClr val="tx1">
+            <a:lumMod val="75000"/>
+            <a:lumOff val="25000"/>
+          </a:schemeClr>
+        </a:solidFill>
+        <a:round/>
+      </a:ln>
+    </cs:spPr>
+  </cs:hiLoLine>
+  <cs:leaderLine>
+    <cs:lnRef idx="0"/>
+    <cs:fillRef idx="0"/>
+    <cs:effectRef idx="0"/>
+    <cs:fontRef idx="minor">
+      <a:schemeClr val="tx1"/>
+    </cs:fontRef>
+    <cs:spPr>
+      <a:ln w="9525" cap="flat" cmpd="sng" algn="ctr">
+        <a:solidFill>
+          <a:schemeClr val="tx1">
+            <a:lumMod val="35000"/>
+            <a:lumOff val="65000"/>
+          </a:schemeClr>
+        </a:solidFill>
+        <a:round/>
+      </a:ln>
+    </cs:spPr>
+  </cs:leaderLine>
+  <cs:legend>
+    <cs:lnRef idx="0"/>
+    <cs:fillRef idx="0"/>
+    <cs:effectRef idx="0"/>
+    <cs:fontRef idx="minor">
+      <a:schemeClr val="tx1">
+        <a:lumMod val="65000"/>
+        <a:lumOff val="35000"/>
+      </a:schemeClr>
+    </cs:fontRef>
+    <cs:defRPr sz="1197" kern="1200"/>
+  </cs:legend>
+  <cs:plotArea mods="allowNoFillOverride allowNoLineOverride">
+    <cs:lnRef idx="0"/>
+    <cs:fillRef idx="0"/>
+    <cs:effectRef idx="0"/>
+    <cs:fontRef idx="minor">
+      <a:schemeClr val="tx1"/>
+    </cs:fontRef>
+  </cs:plotArea>
+  <cs:plotArea3D mods="allowNoFillOverride allowNoLineOverride">
+    <cs:lnRef idx="0"/>
+    <cs:fillRef idx="0"/>
+    <cs:effectRef idx="0"/>
+    <cs:fontRef idx="minor">
+      <a:schemeClr val="tx1"/>
+    </cs:fontRef>
+  </cs:plotArea3D>
+  <cs:seriesAxis>
+    <cs:lnRef idx="0"/>
+    <cs:fillRef idx="0"/>
+    <cs:effectRef idx="0"/>
+    <cs:fontRef idx="minor">
+      <a:schemeClr val="tx1">
+        <a:lumMod val="65000"/>
+        <a:lumOff val="35000"/>
+      </a:schemeClr>
+    </cs:fontRef>
+    <cs:defRPr sz="1197" kern="1200"/>
+  </cs:seriesAxis>
+  <cs:seriesLine>
+    <cs:lnRef idx="0"/>
+    <cs:fillRef idx="0"/>
+    <cs:effectRef idx="0"/>
+    <cs:fontRef idx="minor">
+      <a:schemeClr val="tx1"/>
+    </cs:fontRef>
+    <cs:spPr>
+      <a:ln w="9525" cap="flat" cmpd="sng" algn="ctr">
+        <a:solidFill>
+          <a:schemeClr val="tx1">
+            <a:lumMod val="35000"/>
+            <a:lumOff val="65000"/>
+          </a:schemeClr>
+        </a:solidFill>
+        <a:round/>
+      </a:ln>
+    </cs:spPr>
+  </cs:seriesLine>
+  <cs:title>
+    <cs:lnRef idx="0"/>
+    <cs:fillRef idx="0"/>
+    <cs:effectRef idx="0"/>
+    <cs:fontRef idx="minor">
+      <a:schemeClr val="tx1">
+        <a:lumMod val="65000"/>
+        <a:lumOff val="35000"/>
+      </a:schemeClr>
+    </cs:fontRef>
+    <cs:defRPr sz="1862" b="0" kern="1200" spc="0" baseline="0"/>
+  </cs:title>
+  <cs:trendline>
+    <cs:lnRef idx="0">
+      <cs:styleClr val="auto"/>
+    </cs:lnRef>
+    <cs:fillRef idx="0"/>
+    <cs:effectRef idx="0"/>
+    <cs:fontRef idx="minor">
+      <a:schemeClr val="tx1"/>
+    </cs:fontRef>
+    <cs:spPr>
+      <a:ln w="19050" cap="rnd">
+        <a:solidFill>
+          <a:schemeClr val="phClr"/>
+        </a:solidFill>
+        <a:prstDash val="sysDot"/>
+      </a:ln>
+    </cs:spPr>
+  </cs:trendline>
+  <cs:trendlineLabel>
+    <cs:lnRef idx="0"/>
+    <cs:fillRef idx="0"/>
+    <cs:effectRef idx="0"/>
+    <cs:fontRef idx="minor">
+      <a:schemeClr val="tx1">
+        <a:lumMod val="65000"/>
+        <a:lumOff val="35000"/>
+      </a:schemeClr>
+    </cs:fontRef>
+    <cs:defRPr sz="1197" kern="1200"/>
+  </cs:trendlineLabel>
+  <cs:upBar>
+    <cs:lnRef idx="0"/>
+    <cs:fillRef idx="0"/>
+    <cs:effectRef idx="0"/>
+    <cs:fontRef idx="minor">
+      <a:schemeClr val="dk1"/>
+    </cs:fontRef>
+    <cs:spPr>
+      <a:solidFill>
+        <a:schemeClr val="lt1"/>
+      </a:solidFill>
+      <a:ln w="9525">
+        <a:solidFill>
+          <a:schemeClr val="tx1">
+            <a:lumMod val="15000"/>
+            <a:lumOff val="85000"/>
+          </a:schemeClr>
+        </a:solidFill>
+      </a:ln>
+    </cs:spPr>
+  </cs:upBar>
+  <cs:valueAxis>
+    <cs:lnRef idx="0"/>
+    <cs:fillRef idx="0"/>
+    <cs:effectRef idx="0"/>
+    <cs:fontRef idx="minor">
+      <a:schemeClr val="tx1">
+        <a:lumMod val="65000"/>
+        <a:lumOff val="35000"/>
+      </a:schemeClr>
+    </cs:fontRef>
+    <cs:defRPr sz="1197" kern="1200"/>
+  </cs:valueAxis>
+  <cs:wall>
+    <cs:lnRef idx="0"/>
+    <cs:fillRef idx="0"/>
+    <cs:effectRef idx="0"/>
+    <cs:fontRef idx="minor">
+      <a:schemeClr val="tx1"/>
+    </cs:fontRef>
+    <cs:spPr>
+      <a:noFill/>
+      <a:ln>
+        <a:noFill/>
+      </a:ln>
+    </cs:spPr>
   </cs:wall>
 </cs:chartStyle>
 </file>
@@ -4741,45 +5775,45 @@
     </dgm:pt>
   </dgm:ptLst>
   <dgm:cxnLst>
-    <dgm:cxn modelId="{32D9F149-C2A1-4DD8-A69C-877BCA8D5EDD}" type="presOf" srcId="{FAAD98B4-2CE9-4214-8BB6-F03CEEE572FF}" destId="{38CD6BD6-D3E2-4B97-8665-48065905F491}" srcOrd="1" destOrd="2" presId="urn:microsoft.com/office/officeart/2005/8/layout/cycle4"/>
+    <dgm:cxn modelId="{6380C4C7-4EBB-43A2-9301-54A5C9841434}" type="presOf" srcId="{FAAD98B4-2CE9-4214-8BB6-F03CEEE572FF}" destId="{4D58B8E3-ABF3-466F-BE72-A1334046C3F4}" srcOrd="0" destOrd="2" presId="urn:microsoft.com/office/officeart/2005/8/layout/cycle4"/>
+    <dgm:cxn modelId="{5900A8BD-7DF5-411F-BDC8-2899BCECAF71}" type="presOf" srcId="{2BFBAB07-2C4C-4FAB-9052-FFD3F4A28A9E}" destId="{C05EAFFC-2644-44E2-967D-B53235C71A38}" srcOrd="1" destOrd="1" presId="urn:microsoft.com/office/officeart/2005/8/layout/cycle4"/>
+    <dgm:cxn modelId="{9BF38558-2481-46D5-AB3E-FC48BBE62666}" srcId="{F9BE74C9-EC7E-4268-8C5A-882B3EFFF8FD}" destId="{E5ACC793-F455-4177-B2A7-6FC33C9C1025}" srcOrd="3" destOrd="0" parTransId="{F3D91DD1-F12E-4C5D-82CF-86CF95B338AA}" sibTransId="{0E3913D7-3C7B-49AF-9134-A90315714B9E}"/>
+    <dgm:cxn modelId="{7F659E51-2E2F-40FF-9479-2FD7E732DF62}" type="presOf" srcId="{2D6962E4-72B9-4B1E-B258-246893A88E0D}" destId="{60DA8870-9857-4057-BC91-DD9B798F041F}" srcOrd="0" destOrd="0" presId="urn:microsoft.com/office/officeart/2005/8/layout/cycle4"/>
+    <dgm:cxn modelId="{9991E351-28AB-47A6-8963-A9D299DB8675}" type="presOf" srcId="{989E09AB-A343-466C-BC14-C765FC9A1DD7}" destId="{4D58B8E3-ABF3-466F-BE72-A1334046C3F4}" srcOrd="0" destOrd="1" presId="urn:microsoft.com/office/officeart/2005/8/layout/cycle4"/>
+    <dgm:cxn modelId="{CB0B1B1A-10F9-41F1-A66F-C247C25FE7E2}" type="presOf" srcId="{618CC25E-9050-4FB6-9F11-CAFC660578FC}" destId="{382DE9F5-C159-437A-AA3E-CE93A76C5FDC}" srcOrd="0" destOrd="0" presId="urn:microsoft.com/office/officeart/2005/8/layout/cycle4"/>
     <dgm:cxn modelId="{32486DDC-2E79-4178-8461-4BC45C795BB2}" srcId="{01A583E1-6537-45F8-AE09-C85491C9FC1D}" destId="{F9BE74C9-EC7E-4268-8C5A-882B3EFFF8FD}" srcOrd="3" destOrd="0" parTransId="{EA0E44FE-C617-463A-B76E-A9DC58753A03}" sibTransId="{0967E1B8-BCB6-4EBC-AE86-D9382359FC3F}"/>
-    <dgm:cxn modelId="{CB0B1B1A-10F9-41F1-A66F-C247C25FE7E2}" type="presOf" srcId="{618CC25E-9050-4FB6-9F11-CAFC660578FC}" destId="{382DE9F5-C159-437A-AA3E-CE93A76C5FDC}" srcOrd="0" destOrd="0" presId="urn:microsoft.com/office/officeart/2005/8/layout/cycle4"/>
-    <dgm:cxn modelId="{6F2C1348-DD44-4E86-9478-89C1CF069569}" srcId="{01A583E1-6537-45F8-AE09-C85491C9FC1D}" destId="{2BBE2155-4658-4D02-8319-6DF4106EA8CC}" srcOrd="1" destOrd="0" parTransId="{3724DD7C-05CC-4DEB-8DAD-8B592C981C96}" sibTransId="{632890C8-ECA2-44D8-9A94-863A64665BBC}"/>
+    <dgm:cxn modelId="{EDDAA38D-6E30-4543-B0F1-EAA9A6A477C7}" srcId="{01A583E1-6537-45F8-AE09-C85491C9FC1D}" destId="{2D6962E4-72B9-4B1E-B258-246893A88E0D}" srcOrd="0" destOrd="0" parTransId="{5502C073-0884-4CFE-A849-62990833CEE5}" sibTransId="{0E9043AA-3D92-4FE3-8FA8-E174F20EB8FF}"/>
+    <dgm:cxn modelId="{DE7E25E1-0419-411E-8CE9-67B65CD394AF}" type="presOf" srcId="{7095E70B-7EFB-4733-BA44-C4BB0599979F}" destId="{38CD6BD6-D3E2-4B97-8665-48065905F491}" srcOrd="1" destOrd="3" presId="urn:microsoft.com/office/officeart/2005/8/layout/cycle4"/>
+    <dgm:cxn modelId="{0867E0A3-B749-4FC7-AFD8-611582642A56}" srcId="{5BCD62D5-23CD-4A5A-A476-269CE76914DC}" destId="{618CC25E-9050-4FB6-9F11-CAFC660578FC}" srcOrd="0" destOrd="0" parTransId="{892FDF72-278A-4E94-A52C-C9A43137F613}" sibTransId="{E48127D6-89B0-4F87-A1F9-517011A96A5B}"/>
+    <dgm:cxn modelId="{EDA00CFB-CF50-47D2-9DB9-9D5DE58CAD7E}" srcId="{2D6962E4-72B9-4B1E-B258-246893A88E0D}" destId="{989E09AB-A343-466C-BC14-C765FC9A1DD7}" srcOrd="1" destOrd="0" parTransId="{288B4C8E-3DA7-4373-926B-0E2EBA929F32}" sibTransId="{FB5D77EC-83C1-4323-ACE4-4842959B2E06}"/>
+    <dgm:cxn modelId="{5474BC8E-7785-4D13-A4F3-61EF990ED269}" type="presOf" srcId="{F8507812-6291-4C9B-AA0B-B8AF3A68427D}" destId="{22A0A0BC-6367-462E-93A8-CA8C46FCDCA0}" srcOrd="0" destOrd="2" presId="urn:microsoft.com/office/officeart/2005/8/layout/cycle4"/>
+    <dgm:cxn modelId="{41218EDB-BD90-4410-89D0-F42795B77442}" type="presOf" srcId="{F9BE74C9-EC7E-4268-8C5A-882B3EFFF8FD}" destId="{809A40DB-630A-4CA0-804D-1A67767C019F}" srcOrd="0" destOrd="0" presId="urn:microsoft.com/office/officeart/2005/8/layout/cycle4"/>
+    <dgm:cxn modelId="{7647034C-6B12-4E3A-BEA0-6005F318DA9E}" type="presOf" srcId="{490168AD-E14E-4940-8CC2-7C35F66AB41B}" destId="{BD656469-D70B-4710-B138-3ED38F1BD8E1}" srcOrd="1" destOrd="0" presId="urn:microsoft.com/office/officeart/2005/8/layout/cycle4"/>
+    <dgm:cxn modelId="{C729B709-07FE-42F4-AAEB-B07A501F7CBF}" type="presOf" srcId="{2BBE2155-4658-4D02-8319-6DF4106EA8CC}" destId="{147178AE-0CD4-4FA3-A352-95F7DEF02040}" srcOrd="0" destOrd="0" presId="urn:microsoft.com/office/officeart/2005/8/layout/cycle4"/>
+    <dgm:cxn modelId="{E4D73487-C5B1-4EB2-AF38-71DF0EBFDB67}" type="presOf" srcId="{7095E70B-7EFB-4733-BA44-C4BB0599979F}" destId="{4D58B8E3-ABF3-466F-BE72-A1334046C3F4}" srcOrd="0" destOrd="3" presId="urn:microsoft.com/office/officeart/2005/8/layout/cycle4"/>
+    <dgm:cxn modelId="{4665B531-CE39-4D8D-9C92-1B0A97DBEF06}" srcId="{2BBE2155-4658-4D02-8319-6DF4106EA8CC}" destId="{490168AD-E14E-4940-8CC2-7C35F66AB41B}" srcOrd="0" destOrd="0" parTransId="{F8E86141-CA5C-4FD7-B090-BDC097EE9ED9}" sibTransId="{409F351B-3747-4E3C-89C6-F2C76F7C931A}"/>
+    <dgm:cxn modelId="{1695E917-4CB0-460A-9E6B-4DF46E74DE66}" type="presOf" srcId="{490168AD-E14E-4940-8CC2-7C35F66AB41B}" destId="{53094224-E102-4C09-9604-A3E90CFD0EB5}" srcOrd="0" destOrd="0" presId="urn:microsoft.com/office/officeart/2005/8/layout/cycle4"/>
+    <dgm:cxn modelId="{DCB35549-6653-457E-A1A3-3F1DB9F48EB2}" srcId="{F9BE74C9-EC7E-4268-8C5A-882B3EFFF8FD}" destId="{F8507812-6291-4C9B-AA0B-B8AF3A68427D}" srcOrd="2" destOrd="0" parTransId="{4F2F02B6-C766-433A-873A-91091688269D}" sibTransId="{380A3AC5-BB38-4979-8AA3-011E077F4CA2}"/>
+    <dgm:cxn modelId="{784002D3-341F-4DF0-9345-0B1634589798}" type="presOf" srcId="{2B41BF75-F5C8-4255-892F-6328E5A9E688}" destId="{38CD6BD6-D3E2-4B97-8665-48065905F491}" srcOrd="1" destOrd="0" presId="urn:microsoft.com/office/officeart/2005/8/layout/cycle4"/>
     <dgm:cxn modelId="{00B4959F-898B-4380-9C95-B6E29A75A95C}" type="presOf" srcId="{618CC25E-9050-4FB6-9F11-CAFC660578FC}" destId="{7BE406E3-09FD-43B4-AAF9-51FAB58146A3}" srcOrd="1" destOrd="0" presId="urn:microsoft.com/office/officeart/2005/8/layout/cycle4"/>
-    <dgm:cxn modelId="{02D76481-2E62-4BA9-9F42-AE33CB3B6F3E}" type="presOf" srcId="{E5ACC793-F455-4177-B2A7-6FC33C9C1025}" destId="{C05EAFFC-2644-44E2-967D-B53235C71A38}" srcOrd="1" destOrd="3" presId="urn:microsoft.com/office/officeart/2005/8/layout/cycle4"/>
-    <dgm:cxn modelId="{5900A8BD-7DF5-411F-BDC8-2899BCECAF71}" type="presOf" srcId="{2BFBAB07-2C4C-4FAB-9052-FFD3F4A28A9E}" destId="{C05EAFFC-2644-44E2-967D-B53235C71A38}" srcOrd="1" destOrd="1" presId="urn:microsoft.com/office/officeart/2005/8/layout/cycle4"/>
-    <dgm:cxn modelId="{EDA00CFB-CF50-47D2-9DB9-9D5DE58CAD7E}" srcId="{2D6962E4-72B9-4B1E-B258-246893A88E0D}" destId="{989E09AB-A343-466C-BC14-C765FC9A1DD7}" srcOrd="1" destOrd="0" parTransId="{288B4C8E-3DA7-4373-926B-0E2EBA929F32}" sibTransId="{FB5D77EC-83C1-4323-ACE4-4842959B2E06}"/>
-    <dgm:cxn modelId="{F41F6067-9583-4D97-9E45-7AAACB397DC1}" srcId="{01A583E1-6537-45F8-AE09-C85491C9FC1D}" destId="{5BCD62D5-23CD-4A5A-A476-269CE76914DC}" srcOrd="2" destOrd="0" parTransId="{C274F423-C9C0-423A-80FB-84C18F1C3BA8}" sibTransId="{6CCF063A-E379-49B3-9CC0-57BB9F2B8432}"/>
-    <dgm:cxn modelId="{67308CEA-9FD1-426E-BDAA-B330570BC27C}" type="presOf" srcId="{23580231-228D-4259-948C-ECAED9FB6BBD}" destId="{22A0A0BC-6367-462E-93A8-CA8C46FCDCA0}" srcOrd="0" destOrd="0" presId="urn:microsoft.com/office/officeart/2005/8/layout/cycle4"/>
-    <dgm:cxn modelId="{DE7E25E1-0419-411E-8CE9-67B65CD394AF}" type="presOf" srcId="{7095E70B-7EFB-4733-BA44-C4BB0599979F}" destId="{38CD6BD6-D3E2-4B97-8665-48065905F491}" srcOrd="1" destOrd="3" presId="urn:microsoft.com/office/officeart/2005/8/layout/cycle4"/>
-    <dgm:cxn modelId="{C729B709-07FE-42F4-AAEB-B07A501F7CBF}" type="presOf" srcId="{2BBE2155-4658-4D02-8319-6DF4106EA8CC}" destId="{147178AE-0CD4-4FA3-A352-95F7DEF02040}" srcOrd="0" destOrd="0" presId="urn:microsoft.com/office/officeart/2005/8/layout/cycle4"/>
+    <dgm:cxn modelId="{5BB7FEFC-FF0F-40F9-85B4-B338B4BD98A3}" srcId="{F9BE74C9-EC7E-4268-8C5A-882B3EFFF8FD}" destId="{23580231-228D-4259-948C-ECAED9FB6BBD}" srcOrd="0" destOrd="0" parTransId="{CB1BEA55-1E25-49B4-8245-B386B1EBDAB7}" sibTransId="{EF2DA803-88D8-4CC3-A191-D63C166FB7FF}"/>
+    <dgm:cxn modelId="{9BAD8EFF-9B32-4433-B605-9BFDB094AF74}" type="presOf" srcId="{989E09AB-A343-466C-BC14-C765FC9A1DD7}" destId="{38CD6BD6-D3E2-4B97-8665-48065905F491}" srcOrd="1" destOrd="1" presId="urn:microsoft.com/office/officeart/2005/8/layout/cycle4"/>
     <dgm:cxn modelId="{25B6265F-DE51-4D72-88A4-F99F10356E86}" srcId="{F9BE74C9-EC7E-4268-8C5A-882B3EFFF8FD}" destId="{2BFBAB07-2C4C-4FAB-9052-FFD3F4A28A9E}" srcOrd="1" destOrd="0" parTransId="{40C55B56-8FA6-4369-9144-9E433D309CBB}" sibTransId="{7A024E95-77FA-4074-8271-31A91DA4713B}"/>
-    <dgm:cxn modelId="{7647034C-6B12-4E3A-BEA0-6005F318DA9E}" type="presOf" srcId="{490168AD-E14E-4940-8CC2-7C35F66AB41B}" destId="{BD656469-D70B-4710-B138-3ED38F1BD8E1}" srcOrd="1" destOrd="0" presId="urn:microsoft.com/office/officeart/2005/8/layout/cycle4"/>
+    <dgm:cxn modelId="{1C4B7B5B-5A26-4FB7-B7A4-76D489C60865}" srcId="{2D6962E4-72B9-4B1E-B258-246893A88E0D}" destId="{FAAD98B4-2CE9-4214-8BB6-F03CEEE572FF}" srcOrd="2" destOrd="0" parTransId="{54D2E552-AFA4-449B-855C-8D07B27E44E2}" sibTransId="{CBB1F48E-041C-465A-B96F-A59A0B7362A5}"/>
     <dgm:cxn modelId="{4EB1F7F9-51B7-4A9C-B2E8-B495495CB616}" type="presOf" srcId="{2BFBAB07-2C4C-4FAB-9052-FFD3F4A28A9E}" destId="{22A0A0BC-6367-462E-93A8-CA8C46FCDCA0}" srcOrd="0" destOrd="1" presId="urn:microsoft.com/office/officeart/2005/8/layout/cycle4"/>
     <dgm:cxn modelId="{5B1285C2-C638-4E1D-9B5F-9E11AB797450}" type="presOf" srcId="{E5ACC793-F455-4177-B2A7-6FC33C9C1025}" destId="{22A0A0BC-6367-462E-93A8-CA8C46FCDCA0}" srcOrd="0" destOrd="3" presId="urn:microsoft.com/office/officeart/2005/8/layout/cycle4"/>
-    <dgm:cxn modelId="{5474BC8E-7785-4D13-A4F3-61EF990ED269}" type="presOf" srcId="{F8507812-6291-4C9B-AA0B-B8AF3A68427D}" destId="{22A0A0BC-6367-462E-93A8-CA8C46FCDCA0}" srcOrd="0" destOrd="2" presId="urn:microsoft.com/office/officeart/2005/8/layout/cycle4"/>
+    <dgm:cxn modelId="{32D9F149-C2A1-4DD8-A69C-877BCA8D5EDD}" type="presOf" srcId="{FAAD98B4-2CE9-4214-8BB6-F03CEEE572FF}" destId="{38CD6BD6-D3E2-4B97-8665-48065905F491}" srcOrd="1" destOrd="2" presId="urn:microsoft.com/office/officeart/2005/8/layout/cycle4"/>
+    <dgm:cxn modelId="{3C16332A-B919-432D-BF91-AC79BAB354ED}" type="presOf" srcId="{01A583E1-6537-45F8-AE09-C85491C9FC1D}" destId="{9D4C7C9D-7ED1-464F-941B-21AB88CE8789}" srcOrd="0" destOrd="0" presId="urn:microsoft.com/office/officeart/2005/8/layout/cycle4"/>
+    <dgm:cxn modelId="{67308CEA-9FD1-426E-BDAA-B330570BC27C}" type="presOf" srcId="{23580231-228D-4259-948C-ECAED9FB6BBD}" destId="{22A0A0BC-6367-462E-93A8-CA8C46FCDCA0}" srcOrd="0" destOrd="0" presId="urn:microsoft.com/office/officeart/2005/8/layout/cycle4"/>
+    <dgm:cxn modelId="{06428E54-26A5-4289-B287-166FC667611C}" type="presOf" srcId="{23580231-228D-4259-948C-ECAED9FB6BBD}" destId="{C05EAFFC-2644-44E2-967D-B53235C71A38}" srcOrd="1" destOrd="0" presId="urn:microsoft.com/office/officeart/2005/8/layout/cycle4"/>
+    <dgm:cxn modelId="{4E151F0E-C99E-4BF4-81BC-837B231CBF92}" type="presOf" srcId="{2B41BF75-F5C8-4255-892F-6328E5A9E688}" destId="{4D58B8E3-ABF3-466F-BE72-A1334046C3F4}" srcOrd="0" destOrd="0" presId="urn:microsoft.com/office/officeart/2005/8/layout/cycle4"/>
+    <dgm:cxn modelId="{02D76481-2E62-4BA9-9F42-AE33CB3B6F3E}" type="presOf" srcId="{E5ACC793-F455-4177-B2A7-6FC33C9C1025}" destId="{C05EAFFC-2644-44E2-967D-B53235C71A38}" srcOrd="1" destOrd="3" presId="urn:microsoft.com/office/officeart/2005/8/layout/cycle4"/>
+    <dgm:cxn modelId="{F41F6067-9583-4D97-9E45-7AAACB397DC1}" srcId="{01A583E1-6537-45F8-AE09-C85491C9FC1D}" destId="{5BCD62D5-23CD-4A5A-A476-269CE76914DC}" srcOrd="2" destOrd="0" parTransId="{C274F423-C9C0-423A-80FB-84C18F1C3BA8}" sibTransId="{6CCF063A-E379-49B3-9CC0-57BB9F2B8432}"/>
+    <dgm:cxn modelId="{B55F96D7-8D63-46D6-833C-7BB32A8BF044}" type="presOf" srcId="{F8507812-6291-4C9B-AA0B-B8AF3A68427D}" destId="{C05EAFFC-2644-44E2-967D-B53235C71A38}" srcOrd="1" destOrd="2" presId="urn:microsoft.com/office/officeart/2005/8/layout/cycle4"/>
     <dgm:cxn modelId="{C1CC8C5E-8C3B-4002-B283-DDF651B9C2DF}" srcId="{2D6962E4-72B9-4B1E-B258-246893A88E0D}" destId="{7095E70B-7EFB-4733-BA44-C4BB0599979F}" srcOrd="3" destOrd="0" parTransId="{64A1E298-33AE-4CD3-B3E0-AF77857653AE}" sibTransId="{BBF2356D-3C61-41D3-A629-D15BD788173A}"/>
-    <dgm:cxn modelId="{3C16332A-B919-432D-BF91-AC79BAB354ED}" type="presOf" srcId="{01A583E1-6537-45F8-AE09-C85491C9FC1D}" destId="{9D4C7C9D-7ED1-464F-941B-21AB88CE8789}" srcOrd="0" destOrd="0" presId="urn:microsoft.com/office/officeart/2005/8/layout/cycle4"/>
-    <dgm:cxn modelId="{5BB7FEFC-FF0F-40F9-85B4-B338B4BD98A3}" srcId="{F9BE74C9-EC7E-4268-8C5A-882B3EFFF8FD}" destId="{23580231-228D-4259-948C-ECAED9FB6BBD}" srcOrd="0" destOrd="0" parTransId="{CB1BEA55-1E25-49B4-8245-B386B1EBDAB7}" sibTransId="{EF2DA803-88D8-4CC3-A191-D63C166FB7FF}"/>
+    <dgm:cxn modelId="{6F2C1348-DD44-4E86-9478-89C1CF069569}" srcId="{01A583E1-6537-45F8-AE09-C85491C9FC1D}" destId="{2BBE2155-4658-4D02-8319-6DF4106EA8CC}" srcOrd="1" destOrd="0" parTransId="{3724DD7C-05CC-4DEB-8DAD-8B592C981C96}" sibTransId="{632890C8-ECA2-44D8-9A94-863A64665BBC}"/>
     <dgm:cxn modelId="{959C0A07-B487-44FF-9CEB-B0B891D005B6}" type="presOf" srcId="{5BCD62D5-23CD-4A5A-A476-269CE76914DC}" destId="{43A2BA3D-20D2-4E5D-9CD2-B6EE3F312A3B}" srcOrd="0" destOrd="0" presId="urn:microsoft.com/office/officeart/2005/8/layout/cycle4"/>
-    <dgm:cxn modelId="{9BAD8EFF-9B32-4433-B605-9BFDB094AF74}" type="presOf" srcId="{989E09AB-A343-466C-BC14-C765FC9A1DD7}" destId="{38CD6BD6-D3E2-4B97-8665-48065905F491}" srcOrd="1" destOrd="1" presId="urn:microsoft.com/office/officeart/2005/8/layout/cycle4"/>
-    <dgm:cxn modelId="{EDDAA38D-6E30-4543-B0F1-EAA9A6A477C7}" srcId="{01A583E1-6537-45F8-AE09-C85491C9FC1D}" destId="{2D6962E4-72B9-4B1E-B258-246893A88E0D}" srcOrd="0" destOrd="0" parTransId="{5502C073-0884-4CFE-A849-62990833CEE5}" sibTransId="{0E9043AA-3D92-4FE3-8FA8-E174F20EB8FF}"/>
-    <dgm:cxn modelId="{4E151F0E-C99E-4BF4-81BC-837B231CBF92}" type="presOf" srcId="{2B41BF75-F5C8-4255-892F-6328E5A9E688}" destId="{4D58B8E3-ABF3-466F-BE72-A1334046C3F4}" srcOrd="0" destOrd="0" presId="urn:microsoft.com/office/officeart/2005/8/layout/cycle4"/>
-    <dgm:cxn modelId="{41218EDB-BD90-4410-89D0-F42795B77442}" type="presOf" srcId="{F9BE74C9-EC7E-4268-8C5A-882B3EFFF8FD}" destId="{809A40DB-630A-4CA0-804D-1A67767C019F}" srcOrd="0" destOrd="0" presId="urn:microsoft.com/office/officeart/2005/8/layout/cycle4"/>
-    <dgm:cxn modelId="{9BF38558-2481-46D5-AB3E-FC48BBE62666}" srcId="{F9BE74C9-EC7E-4268-8C5A-882B3EFFF8FD}" destId="{E5ACC793-F455-4177-B2A7-6FC33C9C1025}" srcOrd="3" destOrd="0" parTransId="{F3D91DD1-F12E-4C5D-82CF-86CF95B338AA}" sibTransId="{0E3913D7-3C7B-49AF-9134-A90315714B9E}"/>
-    <dgm:cxn modelId="{1695E917-4CB0-460A-9E6B-4DF46E74DE66}" type="presOf" srcId="{490168AD-E14E-4940-8CC2-7C35F66AB41B}" destId="{53094224-E102-4C09-9604-A3E90CFD0EB5}" srcOrd="0" destOrd="0" presId="urn:microsoft.com/office/officeart/2005/8/layout/cycle4"/>
-    <dgm:cxn modelId="{E4D73487-C5B1-4EB2-AF38-71DF0EBFDB67}" type="presOf" srcId="{7095E70B-7EFB-4733-BA44-C4BB0599979F}" destId="{4D58B8E3-ABF3-466F-BE72-A1334046C3F4}" srcOrd="0" destOrd="3" presId="urn:microsoft.com/office/officeart/2005/8/layout/cycle4"/>
-    <dgm:cxn modelId="{9991E351-28AB-47A6-8963-A9D299DB8675}" type="presOf" srcId="{989E09AB-A343-466C-BC14-C765FC9A1DD7}" destId="{4D58B8E3-ABF3-466F-BE72-A1334046C3F4}" srcOrd="0" destOrd="1" presId="urn:microsoft.com/office/officeart/2005/8/layout/cycle4"/>
-    <dgm:cxn modelId="{B55F96D7-8D63-46D6-833C-7BB32A8BF044}" type="presOf" srcId="{F8507812-6291-4C9B-AA0B-B8AF3A68427D}" destId="{C05EAFFC-2644-44E2-967D-B53235C71A38}" srcOrd="1" destOrd="2" presId="urn:microsoft.com/office/officeart/2005/8/layout/cycle4"/>
-    <dgm:cxn modelId="{4665B531-CE39-4D8D-9C92-1B0A97DBEF06}" srcId="{2BBE2155-4658-4D02-8319-6DF4106EA8CC}" destId="{490168AD-E14E-4940-8CC2-7C35F66AB41B}" srcOrd="0" destOrd="0" parTransId="{F8E86141-CA5C-4FD7-B090-BDC097EE9ED9}" sibTransId="{409F351B-3747-4E3C-89C6-F2C76F7C931A}"/>
     <dgm:cxn modelId="{2D68FBB9-2A3F-4DFB-9547-97148AD147B2}" srcId="{2D6962E4-72B9-4B1E-B258-246893A88E0D}" destId="{2B41BF75-F5C8-4255-892F-6328E5A9E688}" srcOrd="0" destOrd="0" parTransId="{36024776-6205-43C6-9331-B14C4C951E90}" sibTransId="{30E8B699-48A6-4778-A200-BCC2B91FEAE2}"/>
-    <dgm:cxn modelId="{6380C4C7-4EBB-43A2-9301-54A5C9841434}" type="presOf" srcId="{FAAD98B4-2CE9-4214-8BB6-F03CEEE572FF}" destId="{4D58B8E3-ABF3-466F-BE72-A1334046C3F4}" srcOrd="0" destOrd="2" presId="urn:microsoft.com/office/officeart/2005/8/layout/cycle4"/>
-    <dgm:cxn modelId="{DCB35549-6653-457E-A1A3-3F1DB9F48EB2}" srcId="{F9BE74C9-EC7E-4268-8C5A-882B3EFFF8FD}" destId="{F8507812-6291-4C9B-AA0B-B8AF3A68427D}" srcOrd="2" destOrd="0" parTransId="{4F2F02B6-C766-433A-873A-91091688269D}" sibTransId="{380A3AC5-BB38-4979-8AA3-011E077F4CA2}"/>
-    <dgm:cxn modelId="{1C4B7B5B-5A26-4FB7-B7A4-76D489C60865}" srcId="{2D6962E4-72B9-4B1E-B258-246893A88E0D}" destId="{FAAD98B4-2CE9-4214-8BB6-F03CEEE572FF}" srcOrd="2" destOrd="0" parTransId="{54D2E552-AFA4-449B-855C-8D07B27E44E2}" sibTransId="{CBB1F48E-041C-465A-B96F-A59A0B7362A5}"/>
-    <dgm:cxn modelId="{7F659E51-2E2F-40FF-9479-2FD7E732DF62}" type="presOf" srcId="{2D6962E4-72B9-4B1E-B258-246893A88E0D}" destId="{60DA8870-9857-4057-BC91-DD9B798F041F}" srcOrd="0" destOrd="0" presId="urn:microsoft.com/office/officeart/2005/8/layout/cycle4"/>
-    <dgm:cxn modelId="{0867E0A3-B749-4FC7-AFD8-611582642A56}" srcId="{5BCD62D5-23CD-4A5A-A476-269CE76914DC}" destId="{618CC25E-9050-4FB6-9F11-CAFC660578FC}" srcOrd="0" destOrd="0" parTransId="{892FDF72-278A-4E94-A52C-C9A43137F613}" sibTransId="{E48127D6-89B0-4F87-A1F9-517011A96A5B}"/>
-    <dgm:cxn modelId="{06428E54-26A5-4289-B287-166FC667611C}" type="presOf" srcId="{23580231-228D-4259-948C-ECAED9FB6BBD}" destId="{C05EAFFC-2644-44E2-967D-B53235C71A38}" srcOrd="1" destOrd="0" presId="urn:microsoft.com/office/officeart/2005/8/layout/cycle4"/>
-    <dgm:cxn modelId="{784002D3-341F-4DF0-9345-0B1634589798}" type="presOf" srcId="{2B41BF75-F5C8-4255-892F-6328E5A9E688}" destId="{38CD6BD6-D3E2-4B97-8665-48065905F491}" srcOrd="1" destOrd="0" presId="urn:microsoft.com/office/officeart/2005/8/layout/cycle4"/>
     <dgm:cxn modelId="{6CB06391-8FCA-448A-8A60-52478AAD6079}" type="presParOf" srcId="{9D4C7C9D-7ED1-464F-941B-21AB88CE8789}" destId="{498B1DD5-D2B2-4A70-BAF8-2672572231DA}" srcOrd="0" destOrd="0" presId="urn:microsoft.com/office/officeart/2005/8/layout/cycle4"/>
     <dgm:cxn modelId="{679C53C4-692C-4A8B-8F09-403299CC720A}" type="presParOf" srcId="{498B1DD5-D2B2-4A70-BAF8-2672572231DA}" destId="{D2CA330A-D99A-4389-8F73-7FE17A382E6E}" srcOrd="0" destOrd="0" presId="urn:microsoft.com/office/officeart/2005/8/layout/cycle4"/>
     <dgm:cxn modelId="{0B328022-04B0-4938-A986-5A44F6E51B41}" type="presParOf" srcId="{D2CA330A-D99A-4389-8F73-7FE17A382E6E}" destId="{4D58B8E3-ABF3-466F-BE72-A1334046C3F4}" srcOrd="0" destOrd="0" presId="urn:microsoft.com/office/officeart/2005/8/layout/cycle4"/>
@@ -13513,6 +14547,163 @@
         </p:nvSpPr>
         <p:spPr>
           <a:xfrm>
+            <a:off x="838200" y="365126"/>
+            <a:ext cx="10515600" cy="761926"/>
+          </a:xfrm>
+        </p:spPr>
+        <p:txBody>
+          <a:bodyPr/>
+          <a:lstStyle/>
+          <a:p>
+            <a:pPr algn="ctr"/>
+            <a:r>
+              <a:rPr lang="en-US" b="1" dirty="0" smtClean="0">
+                <a:solidFill>
+                  <a:srgbClr val="FFFFFF"/>
+                </a:solidFill>
+              </a:rPr>
+              <a:t>Timeline</a:t>
+            </a:r>
+            <a:endParaRPr lang="ru-RU" b="1" dirty="0">
+              <a:solidFill>
+                <a:srgbClr val="FFFFFF"/>
+              </a:solidFill>
+            </a:endParaRPr>
+          </a:p>
+        </p:txBody>
+      </p:sp>
+      <p:pic>
+        <p:nvPicPr>
+          <p:cNvPr id="8" name="Image1"/>
+          <p:cNvPicPr>
+            <a:picLocks noGrp="1"/>
+          </p:cNvPicPr>
+          <p:nvPr>
+            <p:ph idx="1"/>
+          </p:nvPr>
+        </p:nvPicPr>
+        <p:blipFill>
+          <a:blip r:embed="rId2">
+            <a:lum bright="-50000"/>
+            <a:alphaModFix/>
+          </a:blip>
+          <a:srcRect/>
+          <a:stretch>
+            <a:fillRect/>
+          </a:stretch>
+        </p:blipFill>
+        <p:spPr>
+          <a:xfrm>
+            <a:off x="1695893" y="1525772"/>
+            <a:ext cx="8915400" cy="4726172"/>
+          </a:xfrm>
+          <a:prstGeom prst="rect">
+            <a:avLst/>
+          </a:prstGeom>
+        </p:spPr>
+      </p:pic>
+    </p:spTree>
+    <p:extLst>
+      <p:ext uri="{BB962C8B-B14F-4D97-AF65-F5344CB8AC3E}">
+        <p14:creationId xmlns:p14="http://schemas.microsoft.com/office/powerpoint/2010/main" val="2535408974"/>
+      </p:ext>
+    </p:extLst>
+  </p:cSld>
+  <p:clrMapOvr>
+    <a:masterClrMapping/>
+  </p:clrMapOvr>
+  <mc:AlternateContent xmlns:mc="http://schemas.openxmlformats.org/markup-compatibility/2006">
+    <mc:Choice xmlns:p14="http://schemas.microsoft.com/office/powerpoint/2010/main" Requires="p14">
+      <p:transition spd="med" p14:dur="700">
+        <p:fade/>
+      </p:transition>
+    </mc:Choice>
+    <mc:Fallback>
+      <p:transition spd="med">
+        <p:fade/>
+      </p:transition>
+    </mc:Fallback>
+  </mc:AlternateContent>
+  <p:timing>
+    <p:tnLst>
+      <p:par>
+        <p:cTn id="1" dur="indefinite" restart="never" nodeType="tmRoot"/>
+      </p:par>
+    </p:tnLst>
+  </p:timing>
+</p:sld>
+</file>
+
+<file path=ppt/slides/slide17.xml><?xml version="1.0" encoding="utf-8"?>
+<p:sld xmlns:a="http://schemas.openxmlformats.org/drawingml/2006/main" xmlns:r="http://schemas.openxmlformats.org/officeDocument/2006/relationships" xmlns:p="http://schemas.openxmlformats.org/presentationml/2006/main">
+  <p:cSld>
+    <p:spTree>
+      <p:nvGrpSpPr>
+        <p:cNvPr id="1" name=""/>
+        <p:cNvGrpSpPr/>
+        <p:nvPr/>
+      </p:nvGrpSpPr>
+      <p:grpSpPr>
+        <a:xfrm>
+          <a:off x="0" y="0"/>
+          <a:ext cx="0" cy="0"/>
+          <a:chOff x="0" y="0"/>
+          <a:chExt cx="0" cy="0"/>
+        </a:xfrm>
+      </p:grpSpPr>
+      <p:pic>
+        <p:nvPicPr>
+          <p:cNvPr id="11" name="Рисунок 10"/>
+          <p:cNvPicPr>
+            <a:picLocks noChangeAspect="1"/>
+          </p:cNvPicPr>
+          <p:nvPr/>
+        </p:nvPicPr>
+        <p:blipFill rotWithShape="1">
+          <a:blip r:embed="rId2"/>
+          <a:srcRect l="24795" t="29266" r="28796" b="46937"/>
+          <a:stretch/>
+        </p:blipFill>
+        <p:spPr>
+          <a:xfrm>
+            <a:off x="1006298" y="4281356"/>
+            <a:ext cx="7753872" cy="2236341"/>
+          </a:xfrm>
+          <a:prstGeom prst="rect">
+            <a:avLst/>
+          </a:prstGeom>
+          <a:ln>
+            <a:solidFill>
+              <a:schemeClr val="accent5"/>
+            </a:solidFill>
+          </a:ln>
+          <a:effectLst>
+            <a:glow rad="101600">
+              <a:schemeClr val="accent5">
+                <a:satMod val="175000"/>
+                <a:alpha val="40000"/>
+              </a:schemeClr>
+            </a:glow>
+            <a:outerShdw blurRad="50800" dist="38100" dir="2700000" algn="tl" rotWithShape="0">
+              <a:prstClr val="black">
+                <a:alpha val="40000"/>
+              </a:prstClr>
+            </a:outerShdw>
+          </a:effectLst>
+        </p:spPr>
+      </p:pic>
+      <p:sp>
+        <p:nvSpPr>
+          <p:cNvPr id="2" name="Заголовок 1"/>
+          <p:cNvSpPr>
+            <a:spLocks noGrp="1"/>
+          </p:cNvSpPr>
+          <p:nvPr>
+            <p:ph type="title"/>
+          </p:nvPr>
+        </p:nvSpPr>
+        <p:spPr>
+          <a:xfrm>
             <a:off x="838200" y="365125"/>
             <a:ext cx="10515600" cy="859617"/>
           </a:xfrm>
@@ -13528,7 +14719,244 @@
                   <a:srgbClr val="FFFFFF"/>
                 </a:solidFill>
               </a:rPr>
-              <a:t>Статистика</a:t>
+              <a:t>Общая с</a:t>
+            </a:r>
+            <a:r>
+              <a:rPr lang="ru-RU" b="1" dirty="0" smtClean="0">
+                <a:solidFill>
+                  <a:srgbClr val="FFFFFF"/>
+                </a:solidFill>
+              </a:rPr>
+              <a:t>татистика</a:t>
+            </a:r>
+            <a:endParaRPr lang="ru-RU" b="1" dirty="0">
+              <a:solidFill>
+                <a:srgbClr val="FFFFFF"/>
+              </a:solidFill>
+            </a:endParaRPr>
+          </a:p>
+        </p:txBody>
+      </p:sp>
+      <p:pic>
+        <p:nvPicPr>
+          <p:cNvPr id="4" name="Объект 3"/>
+          <p:cNvPicPr>
+            <a:picLocks noGrp="1" noChangeAspect="1"/>
+          </p:cNvPicPr>
+          <p:nvPr>
+            <p:ph idx="1"/>
+          </p:nvPr>
+        </p:nvPicPr>
+        <p:blipFill rotWithShape="1">
+          <a:blip r:embed="rId3"/>
+          <a:srcRect l="24691" t="14719" r="28796" b="61359"/>
+          <a:stretch/>
+        </p:blipFill>
+        <p:spPr>
+          <a:xfrm>
+            <a:off x="1009204" y="1819069"/>
+            <a:ext cx="7750966" cy="2242297"/>
+          </a:xfrm>
+          <a:prstGeom prst="rect">
+            <a:avLst/>
+          </a:prstGeom>
+          <a:ln>
+            <a:solidFill>
+              <a:schemeClr val="accent5"/>
+            </a:solidFill>
+          </a:ln>
+          <a:effectLst>
+            <a:glow rad="101600">
+              <a:schemeClr val="accent5">
+                <a:satMod val="175000"/>
+                <a:alpha val="40000"/>
+              </a:schemeClr>
+            </a:glow>
+            <a:outerShdw blurRad="50800" dist="38100" dir="2700000" algn="tl" rotWithShape="0">
+              <a:prstClr val="black">
+                <a:alpha val="40000"/>
+              </a:prstClr>
+            </a:outerShdw>
+          </a:effectLst>
+        </p:spPr>
+      </p:pic>
+      <p:sp>
+        <p:nvSpPr>
+          <p:cNvPr id="5" name="TextBox 4"/>
+          <p:cNvSpPr txBox="1"/>
+          <p:nvPr/>
+        </p:nvSpPr>
+        <p:spPr>
+          <a:xfrm>
+            <a:off x="4028651" y="1914183"/>
+            <a:ext cx="3286298" cy="523220"/>
+          </a:xfrm>
+          <a:prstGeom prst="rect">
+            <a:avLst/>
+          </a:prstGeom>
+          <a:noFill/>
+        </p:spPr>
+        <p:txBody>
+          <a:bodyPr wrap="square" rtlCol="0">
+            <a:spAutoFit/>
+          </a:bodyPr>
+          <a:lstStyle/>
+          <a:p>
+            <a:r>
+              <a:rPr lang="en-US" sz="2800" b="1" dirty="0" smtClean="0">
+                <a:solidFill>
+                  <a:schemeClr val="accent2">
+                    <a:lumMod val="75000"/>
+                  </a:schemeClr>
+                </a:solidFill>
+                <a:effectLst>
+                  <a:outerShdw blurRad="38100" dist="38100" dir="2700000" algn="tl">
+                    <a:srgbClr val="000000">
+                      <a:alpha val="43137"/>
+                    </a:srgbClr>
+                  </a:outerShdw>
+                </a:effectLst>
+              </a:rPr>
+              <a:t>K224/</a:t>
+            </a:r>
+            <a:r>
+              <a:rPr lang="en-US" sz="2800" b="1" dirty="0" err="1" smtClean="0">
+                <a:solidFill>
+                  <a:schemeClr val="accent2">
+                    <a:lumMod val="75000"/>
+                  </a:schemeClr>
+                </a:solidFill>
+                <a:effectLst>
+                  <a:outerShdw blurRad="38100" dist="38100" dir="2700000" algn="tl">
+                    <a:srgbClr val="000000">
+                      <a:alpha val="43137"/>
+                    </a:srgbClr>
+                  </a:outerShdw>
+                </a:effectLst>
+              </a:rPr>
+              <a:t>party_surfing</a:t>
+            </a:r>
+            <a:endParaRPr lang="ru-RU" sz="2800" b="1" dirty="0">
+              <a:solidFill>
+                <a:schemeClr val="accent2">
+                  <a:lumMod val="75000"/>
+                </a:schemeClr>
+              </a:solidFill>
+              <a:effectLst>
+                <a:outerShdw blurRad="38100" dist="38100" dir="2700000" algn="tl">
+                  <a:srgbClr val="000000">
+                    <a:alpha val="43137"/>
+                  </a:srgbClr>
+                </a:outerShdw>
+              </a:effectLst>
+            </a:endParaRPr>
+          </a:p>
+        </p:txBody>
+      </p:sp>
+      <p:sp>
+        <p:nvSpPr>
+          <p:cNvPr id="6" name="TextBox 5"/>
+          <p:cNvSpPr txBox="1"/>
+          <p:nvPr/>
+        </p:nvSpPr>
+        <p:spPr>
+          <a:xfrm>
+            <a:off x="4485851" y="4281356"/>
+            <a:ext cx="2371898" cy="523220"/>
+          </a:xfrm>
+          <a:prstGeom prst="rect">
+            <a:avLst/>
+          </a:prstGeom>
+          <a:noFill/>
+        </p:spPr>
+        <p:txBody>
+          <a:bodyPr wrap="square" rtlCol="0">
+            <a:spAutoFit/>
+          </a:bodyPr>
+          <a:lstStyle/>
+          <a:p>
+            <a:r>
+              <a:rPr lang="en-US" sz="2800" b="1" dirty="0" smtClean="0">
+                <a:solidFill>
+                  <a:schemeClr val="accent2">
+                    <a:lumMod val="75000"/>
+                  </a:schemeClr>
+                </a:solidFill>
+                <a:effectLst>
+                  <a:outerShdw blurRad="38100" dist="38100" dir="2700000" algn="tl">
+                    <a:srgbClr val="000000">
+                      <a:alpha val="43137"/>
+                    </a:srgbClr>
+                  </a:outerShdw>
+                </a:effectLst>
+              </a:rPr>
+              <a:t>K224/TPKS</a:t>
+            </a:r>
+            <a:endParaRPr lang="ru-RU" sz="2800" b="1" dirty="0">
+              <a:solidFill>
+                <a:schemeClr val="accent2">
+                  <a:lumMod val="75000"/>
+                </a:schemeClr>
+              </a:solidFill>
+              <a:effectLst>
+                <a:outerShdw blurRad="38100" dist="38100" dir="2700000" algn="tl">
+                  <a:srgbClr val="000000">
+                    <a:alpha val="43137"/>
+                  </a:srgbClr>
+                </a:outerShdw>
+              </a:effectLst>
+            </a:endParaRPr>
+          </a:p>
+        </p:txBody>
+      </p:sp>
+      <p:sp>
+        <p:nvSpPr>
+          <p:cNvPr id="14" name="Стрелка влево 13"/>
+          <p:cNvSpPr/>
+          <p:nvPr/>
+        </p:nvSpPr>
+        <p:spPr>
+          <a:xfrm>
+            <a:off x="9144001" y="2437403"/>
+            <a:ext cx="2481618" cy="860683"/>
+          </a:xfrm>
+          <a:prstGeom prst="leftArrow">
+            <a:avLst/>
+          </a:prstGeom>
+          <a:effectLst>
+            <a:outerShdw blurRad="50800" dist="38100" dir="2700000" algn="tl" rotWithShape="0">
+              <a:prstClr val="black">
+                <a:alpha val="40000"/>
+              </a:prstClr>
+            </a:outerShdw>
+          </a:effectLst>
+        </p:spPr>
+        <p:style>
+          <a:lnRef idx="1">
+            <a:schemeClr val="accent5"/>
+          </a:lnRef>
+          <a:fillRef idx="2">
+            <a:schemeClr val="accent5"/>
+          </a:fillRef>
+          <a:effectRef idx="1">
+            <a:schemeClr val="accent5"/>
+          </a:effectRef>
+          <a:fontRef idx="minor">
+            <a:schemeClr val="dk1"/>
+          </a:fontRef>
+        </p:style>
+        <p:txBody>
+          <a:bodyPr rtlCol="0" anchor="ctr"/>
+          <a:lstStyle/>
+          <a:p>
+            <a:pPr algn="ctr"/>
+            <a:r>
+              <a:rPr lang="ru-RU" b="1" dirty="0" smtClean="0">
+                <a:solidFill>
+                  <a:srgbClr val="FFFFFF"/>
+                </a:solidFill>
+              </a:rPr>
+              <a:t>Реализация</a:t>
             </a:r>
             <a:endParaRPr lang="ru-RU" b="1" dirty="0">
               <a:solidFill>
@@ -13540,20 +14968,58 @@
       </p:sp>
       <p:sp>
         <p:nvSpPr>
-          <p:cNvPr id="3" name="Объект 2"/>
-          <p:cNvSpPr>
-            <a:spLocks noGrp="1"/>
-          </p:cNvSpPr>
-          <p:nvPr>
-            <p:ph idx="1"/>
-          </p:nvPr>
+          <p:cNvPr id="15" name="Стрелка влево 14"/>
+          <p:cNvSpPr/>
+          <p:nvPr/>
         </p:nvSpPr>
-        <p:spPr/>
+        <p:spPr>
+          <a:xfrm>
+            <a:off x="9144001" y="4920582"/>
+            <a:ext cx="2481618" cy="860683"/>
+          </a:xfrm>
+          <a:prstGeom prst="leftArrow">
+            <a:avLst/>
+          </a:prstGeom>
+          <a:effectLst>
+            <a:outerShdw blurRad="50800" dist="38100" dir="2700000" algn="tl" rotWithShape="0">
+              <a:prstClr val="black">
+                <a:alpha val="40000"/>
+              </a:prstClr>
+            </a:outerShdw>
+          </a:effectLst>
+        </p:spPr>
+        <p:style>
+          <a:lnRef idx="1">
+            <a:schemeClr val="accent5"/>
+          </a:lnRef>
+          <a:fillRef idx="2">
+            <a:schemeClr val="accent5"/>
+          </a:fillRef>
+          <a:effectRef idx="1">
+            <a:schemeClr val="accent5"/>
+          </a:effectRef>
+          <a:fontRef idx="minor">
+            <a:schemeClr val="dk1"/>
+          </a:fontRef>
+        </p:style>
         <p:txBody>
-          <a:bodyPr/>
+          <a:bodyPr rtlCol="0" anchor="ctr"/>
           <a:lstStyle/>
           <a:p>
-            <a:endParaRPr lang="ru-RU" dirty="0"/>
+            <a:pPr algn="ctr"/>
+            <a:r>
+              <a:rPr lang="ru-RU" b="1" dirty="0" smtClean="0">
+                <a:solidFill>
+                  <a:srgbClr val="FFFFFF"/>
+                </a:solidFill>
+              </a:rPr>
+              <a:t>Документация</a:t>
+            </a:r>
+            <a:endParaRPr lang="ru-RU" b="1" dirty="0">
+              <a:solidFill>
+                <a:srgbClr val="FFFFFF"/>
+              </a:solidFill>
+            </a:endParaRPr>
           </a:p>
         </p:txBody>
       </p:sp>
@@ -13589,7 +15055,1457 @@
 </p:sld>
 </file>
 
-<file path=ppt/slides/slide17.xml><?xml version="1.0" encoding="utf-8"?>
+<file path=ppt/slides/slide18.xml><?xml version="1.0" encoding="utf-8"?>
+<p:sld xmlns:a="http://schemas.openxmlformats.org/drawingml/2006/main" xmlns:r="http://schemas.openxmlformats.org/officeDocument/2006/relationships" xmlns:p="http://schemas.openxmlformats.org/presentationml/2006/main">
+  <p:cSld>
+    <p:spTree>
+      <p:nvGrpSpPr>
+        <p:cNvPr id="1" name=""/>
+        <p:cNvGrpSpPr/>
+        <p:nvPr/>
+      </p:nvGrpSpPr>
+      <p:grpSpPr>
+        <a:xfrm>
+          <a:off x="0" y="0"/>
+          <a:ext cx="0" cy="0"/>
+          <a:chOff x="0" y="0"/>
+          <a:chExt cx="0" cy="0"/>
+        </a:xfrm>
+      </p:grpSpPr>
+      <p:sp>
+        <p:nvSpPr>
+          <p:cNvPr id="2" name="Заголовок 1"/>
+          <p:cNvSpPr>
+            <a:spLocks noGrp="1"/>
+          </p:cNvSpPr>
+          <p:nvPr>
+            <p:ph type="title"/>
+          </p:nvPr>
+        </p:nvSpPr>
+        <p:spPr>
+          <a:xfrm>
+            <a:off x="838200" y="365126"/>
+            <a:ext cx="10515600" cy="915988"/>
+          </a:xfrm>
+        </p:spPr>
+        <p:txBody>
+          <a:bodyPr/>
+          <a:lstStyle/>
+          <a:p>
+            <a:pPr algn="ctr"/>
+            <a:r>
+              <a:rPr lang="ru-RU" b="1" dirty="0" smtClean="0">
+                <a:solidFill>
+                  <a:srgbClr val="FFFFFF"/>
+                </a:solidFill>
+              </a:rPr>
+              <a:t>Персональная статистика</a:t>
+            </a:r>
+            <a:endParaRPr lang="ru-RU" b="1" dirty="0">
+              <a:solidFill>
+                <a:srgbClr val="FFFFFF"/>
+              </a:solidFill>
+            </a:endParaRPr>
+          </a:p>
+        </p:txBody>
+      </p:sp>
+      <p:pic>
+        <p:nvPicPr>
+          <p:cNvPr id="4" name="Рисунок 3"/>
+          <p:cNvPicPr>
+            <a:picLocks noChangeAspect="1"/>
+          </p:cNvPicPr>
+          <p:nvPr/>
+        </p:nvPicPr>
+        <p:blipFill>
+          <a:blip r:embed="rId2"/>
+          <a:stretch>
+            <a:fillRect/>
+          </a:stretch>
+        </p:blipFill>
+        <p:spPr>
+          <a:xfrm>
+            <a:off x="432168" y="2685154"/>
+            <a:ext cx="4010225" cy="3483712"/>
+          </a:xfrm>
+          <a:prstGeom prst="rect">
+            <a:avLst/>
+          </a:prstGeom>
+          <a:ln>
+            <a:solidFill>
+              <a:schemeClr val="accent2">
+                <a:lumMod val="75000"/>
+              </a:schemeClr>
+            </a:solidFill>
+          </a:ln>
+          <a:effectLst>
+            <a:outerShdw blurRad="50800" dist="38100" dir="2700000" algn="tl" rotWithShape="0">
+              <a:prstClr val="black">
+                <a:alpha val="40000"/>
+              </a:prstClr>
+            </a:outerShdw>
+          </a:effectLst>
+        </p:spPr>
+      </p:pic>
+      <p:pic>
+        <p:nvPicPr>
+          <p:cNvPr id="6" name="Рисунок 5"/>
+          <p:cNvPicPr>
+            <a:picLocks noChangeAspect="1"/>
+          </p:cNvPicPr>
+          <p:nvPr/>
+        </p:nvPicPr>
+        <p:blipFill>
+          <a:blip r:embed="rId3"/>
+          <a:stretch>
+            <a:fillRect/>
+          </a:stretch>
+        </p:blipFill>
+        <p:spPr>
+          <a:xfrm>
+            <a:off x="7317464" y="2685154"/>
+            <a:ext cx="4527761" cy="3319173"/>
+          </a:xfrm>
+          <a:prstGeom prst="rect">
+            <a:avLst/>
+          </a:prstGeom>
+          <a:ln>
+            <a:solidFill>
+              <a:schemeClr val="accent2">
+                <a:lumMod val="75000"/>
+              </a:schemeClr>
+            </a:solidFill>
+          </a:ln>
+          <a:effectLst>
+            <a:outerShdw blurRad="50800" dist="38100" dir="2700000" algn="tl" rotWithShape="0">
+              <a:prstClr val="black">
+                <a:alpha val="40000"/>
+              </a:prstClr>
+            </a:outerShdw>
+          </a:effectLst>
+        </p:spPr>
+      </p:pic>
+      <p:sp>
+        <p:nvSpPr>
+          <p:cNvPr id="7" name="TextBox 6"/>
+          <p:cNvSpPr txBox="1"/>
+          <p:nvPr/>
+        </p:nvSpPr>
+        <p:spPr>
+          <a:xfrm>
+            <a:off x="8067502" y="1832135"/>
+            <a:ext cx="3286298" cy="523220"/>
+          </a:xfrm>
+          <a:prstGeom prst="rect">
+            <a:avLst/>
+          </a:prstGeom>
+          <a:noFill/>
+        </p:spPr>
+        <p:txBody>
+          <a:bodyPr wrap="square" rtlCol="0">
+            <a:spAutoFit/>
+          </a:bodyPr>
+          <a:lstStyle/>
+          <a:p>
+            <a:r>
+              <a:rPr lang="en-US" sz="2800" b="1" dirty="0" smtClean="0">
+                <a:solidFill>
+                  <a:schemeClr val="accent2">
+                    <a:lumMod val="75000"/>
+                  </a:schemeClr>
+                </a:solidFill>
+                <a:effectLst>
+                  <a:outerShdw blurRad="38100" dist="38100" dir="2700000" algn="tl">
+                    <a:srgbClr val="000000">
+                      <a:alpha val="43137"/>
+                    </a:srgbClr>
+                  </a:outerShdw>
+                </a:effectLst>
+              </a:rPr>
+              <a:t>K224/</a:t>
+            </a:r>
+            <a:r>
+              <a:rPr lang="en-US" sz="2800" b="1" dirty="0" err="1" smtClean="0">
+                <a:solidFill>
+                  <a:schemeClr val="accent2">
+                    <a:lumMod val="75000"/>
+                  </a:schemeClr>
+                </a:solidFill>
+                <a:effectLst>
+                  <a:outerShdw blurRad="38100" dist="38100" dir="2700000" algn="tl">
+                    <a:srgbClr val="000000">
+                      <a:alpha val="43137"/>
+                    </a:srgbClr>
+                  </a:outerShdw>
+                </a:effectLst>
+              </a:rPr>
+              <a:t>party_surfing</a:t>
+            </a:r>
+            <a:endParaRPr lang="ru-RU" sz="2800" b="1" dirty="0">
+              <a:solidFill>
+                <a:schemeClr val="accent2">
+                  <a:lumMod val="75000"/>
+                </a:schemeClr>
+              </a:solidFill>
+              <a:effectLst>
+                <a:outerShdw blurRad="38100" dist="38100" dir="2700000" algn="tl">
+                  <a:srgbClr val="000000">
+                    <a:alpha val="43137"/>
+                  </a:srgbClr>
+                </a:outerShdw>
+              </a:effectLst>
+            </a:endParaRPr>
+          </a:p>
+        </p:txBody>
+      </p:sp>
+      <p:sp>
+        <p:nvSpPr>
+          <p:cNvPr id="8" name="TextBox 7"/>
+          <p:cNvSpPr txBox="1"/>
+          <p:nvPr/>
+        </p:nvSpPr>
+        <p:spPr>
+          <a:xfrm>
+            <a:off x="1503815" y="1841100"/>
+            <a:ext cx="2371898" cy="523220"/>
+          </a:xfrm>
+          <a:prstGeom prst="rect">
+            <a:avLst/>
+          </a:prstGeom>
+          <a:noFill/>
+        </p:spPr>
+        <p:txBody>
+          <a:bodyPr wrap="square" rtlCol="0">
+            <a:spAutoFit/>
+          </a:bodyPr>
+          <a:lstStyle/>
+          <a:p>
+            <a:r>
+              <a:rPr lang="en-US" sz="2800" b="1" dirty="0" smtClean="0">
+                <a:solidFill>
+                  <a:schemeClr val="accent2">
+                    <a:lumMod val="75000"/>
+                  </a:schemeClr>
+                </a:solidFill>
+                <a:effectLst>
+                  <a:outerShdw blurRad="38100" dist="38100" dir="2700000" algn="tl">
+                    <a:srgbClr val="000000">
+                      <a:alpha val="43137"/>
+                    </a:srgbClr>
+                  </a:outerShdw>
+                </a:effectLst>
+              </a:rPr>
+              <a:t>K224/TPKS</a:t>
+            </a:r>
+            <a:endParaRPr lang="ru-RU" sz="2800" b="1" dirty="0">
+              <a:solidFill>
+                <a:schemeClr val="accent2">
+                  <a:lumMod val="75000"/>
+                </a:schemeClr>
+              </a:solidFill>
+              <a:effectLst>
+                <a:outerShdw blurRad="38100" dist="38100" dir="2700000" algn="tl">
+                  <a:srgbClr val="000000">
+                    <a:alpha val="43137"/>
+                  </a:srgbClr>
+                </a:outerShdw>
+              </a:effectLst>
+            </a:endParaRPr>
+          </a:p>
+        </p:txBody>
+      </p:sp>
+      <p:sp>
+        <p:nvSpPr>
+          <p:cNvPr id="9" name="TextBox 8"/>
+          <p:cNvSpPr txBox="1"/>
+          <p:nvPr/>
+        </p:nvSpPr>
+        <p:spPr>
+          <a:xfrm>
+            <a:off x="4545420" y="2733000"/>
+            <a:ext cx="2679404" cy="3349050"/>
+          </a:xfrm>
+          <a:prstGeom prst="roundRect">
+            <a:avLst/>
+          </a:prstGeom>
+        </p:spPr>
+        <p:style>
+          <a:lnRef idx="2">
+            <a:schemeClr val="accent2"/>
+          </a:lnRef>
+          <a:fillRef idx="1">
+            <a:schemeClr val="lt1"/>
+          </a:fillRef>
+          <a:effectRef idx="0">
+            <a:schemeClr val="accent2"/>
+          </a:effectRef>
+          <a:fontRef idx="minor">
+            <a:schemeClr val="dk1"/>
+          </a:fontRef>
+        </p:style>
+        <p:txBody>
+          <a:bodyPr wrap="square" rtlCol="0">
+            <a:spAutoFit/>
+          </a:bodyPr>
+          <a:lstStyle/>
+          <a:p>
+            <a:pPr algn="ctr"/>
+            <a:r>
+              <a:rPr lang="ru-RU" sz="1400" dirty="0">
+                <a:solidFill>
+                  <a:schemeClr val="bg1">
+                    <a:lumMod val="25000"/>
+                  </a:schemeClr>
+                </a:solidFill>
+              </a:rPr>
+              <a:t>Денис </a:t>
+            </a:r>
+            <a:r>
+              <a:rPr lang="ru-RU" sz="1400" dirty="0" err="1" smtClean="0">
+                <a:solidFill>
+                  <a:schemeClr val="bg1">
+                    <a:lumMod val="25000"/>
+                  </a:schemeClr>
+                </a:solidFill>
+              </a:rPr>
+              <a:t>Бодунков</a:t>
+            </a:r>
+            <a:r>
+              <a:rPr lang="ru-RU" sz="1400" dirty="0" smtClean="0">
+                <a:solidFill>
+                  <a:schemeClr val="bg1">
+                    <a:lumMod val="25000"/>
+                  </a:schemeClr>
+                </a:solidFill>
+              </a:rPr>
+              <a:t> - </a:t>
+            </a:r>
+            <a:r>
+              <a:rPr lang="en-US" sz="1400" dirty="0" err="1" smtClean="0">
+                <a:solidFill>
+                  <a:schemeClr val="bg1">
+                    <a:lumMod val="25000"/>
+                  </a:schemeClr>
+                </a:solidFill>
+              </a:rPr>
+              <a:t>alzater</a:t>
+            </a:r>
+            <a:r>
+              <a:rPr lang="ru-RU" sz="1400" dirty="0">
+                <a:solidFill>
+                  <a:schemeClr val="bg1">
+                    <a:lumMod val="25000"/>
+                  </a:schemeClr>
+                </a:solidFill>
+              </a:rPr>
+              <a:t/>
+            </a:r>
+            <a:br>
+              <a:rPr lang="ru-RU" sz="1400" dirty="0">
+                <a:solidFill>
+                  <a:schemeClr val="bg1">
+                    <a:lumMod val="25000"/>
+                  </a:schemeClr>
+                </a:solidFill>
+              </a:rPr>
+            </a:br>
+            <a:r>
+              <a:rPr lang="ru-RU" sz="1400" dirty="0">
+                <a:solidFill>
+                  <a:schemeClr val="bg1">
+                    <a:lumMod val="25000"/>
+                  </a:schemeClr>
+                </a:solidFill>
+              </a:rPr>
+              <a:t>Денис </a:t>
+            </a:r>
+            <a:r>
+              <a:rPr lang="ru-RU" sz="1400" dirty="0" err="1">
+                <a:solidFill>
+                  <a:schemeClr val="bg1">
+                    <a:lumMod val="25000"/>
+                  </a:schemeClr>
+                </a:solidFill>
+              </a:rPr>
+              <a:t>Быконя</a:t>
+            </a:r>
+            <a:r>
+              <a:rPr lang="ru-RU" sz="1400" dirty="0">
+                <a:solidFill>
+                  <a:schemeClr val="bg1">
+                    <a:lumMod val="25000"/>
+                  </a:schemeClr>
+                </a:solidFill>
+              </a:rPr>
+              <a:t> </a:t>
+            </a:r>
+            <a:r>
+              <a:rPr lang="ru-RU" sz="1400" dirty="0" smtClean="0">
+                <a:solidFill>
+                  <a:schemeClr val="bg1">
+                    <a:lumMod val="25000"/>
+                  </a:schemeClr>
+                </a:solidFill>
+              </a:rPr>
+              <a:t>- </a:t>
+            </a:r>
+            <a:r>
+              <a:rPr lang="en-US" sz="1400" dirty="0" err="1" smtClean="0">
+                <a:solidFill>
+                  <a:schemeClr val="bg1">
+                    <a:lumMod val="25000"/>
+                  </a:schemeClr>
+                </a:solidFill>
+              </a:rPr>
+              <a:t>Siend</a:t>
+            </a:r>
+            <a:r>
+              <a:rPr lang="ru-RU" sz="1400" dirty="0">
+                <a:solidFill>
+                  <a:schemeClr val="bg1">
+                    <a:lumMod val="25000"/>
+                  </a:schemeClr>
+                </a:solidFill>
+              </a:rPr>
+              <a:t/>
+            </a:r>
+            <a:br>
+              <a:rPr lang="ru-RU" sz="1400" dirty="0">
+                <a:solidFill>
+                  <a:schemeClr val="bg1">
+                    <a:lumMod val="25000"/>
+                  </a:schemeClr>
+                </a:solidFill>
+              </a:rPr>
+            </a:br>
+            <a:r>
+              <a:rPr lang="ru-RU" sz="1400" dirty="0" smtClean="0">
+                <a:solidFill>
+                  <a:schemeClr val="bg1">
+                    <a:lumMod val="25000"/>
+                  </a:schemeClr>
+                </a:solidFill>
+              </a:rPr>
+              <a:t>Анастасия Петровская -</a:t>
+            </a:r>
+            <a:r>
+              <a:rPr lang="en-US" sz="1400" dirty="0" err="1" smtClean="0">
+                <a:solidFill>
+                  <a:schemeClr val="bg1">
+                    <a:lumMod val="25000"/>
+                  </a:schemeClr>
+                </a:solidFill>
+              </a:rPr>
+              <a:t>AnastasiaPetrovskaya</a:t>
+            </a:r>
+            <a:r>
+              <a:rPr lang="ru-RU" sz="1400" dirty="0">
+                <a:solidFill>
+                  <a:schemeClr val="bg1">
+                    <a:lumMod val="25000"/>
+                  </a:schemeClr>
+                </a:solidFill>
+              </a:rPr>
+              <a:t/>
+            </a:r>
+            <a:br>
+              <a:rPr lang="ru-RU" sz="1400" dirty="0">
+                <a:solidFill>
+                  <a:schemeClr val="bg1">
+                    <a:lumMod val="25000"/>
+                  </a:schemeClr>
+                </a:solidFill>
+              </a:rPr>
+            </a:br>
+            <a:r>
+              <a:rPr lang="ru-RU" sz="1400" dirty="0" smtClean="0">
+                <a:solidFill>
+                  <a:schemeClr val="bg1">
+                    <a:lumMod val="25000"/>
+                  </a:schemeClr>
+                </a:solidFill>
+              </a:rPr>
+              <a:t>Левон </a:t>
+            </a:r>
+            <a:r>
+              <a:rPr lang="ru-RU" sz="1400" dirty="0" err="1" smtClean="0">
+                <a:solidFill>
+                  <a:schemeClr val="bg1">
+                    <a:lumMod val="25000"/>
+                  </a:schemeClr>
+                </a:solidFill>
+              </a:rPr>
+              <a:t>Таракчян</a:t>
+            </a:r>
+            <a:r>
+              <a:rPr lang="ru-RU" sz="1400" dirty="0" smtClean="0">
+                <a:solidFill>
+                  <a:schemeClr val="bg1">
+                    <a:lumMod val="25000"/>
+                  </a:schemeClr>
+                </a:solidFill>
+              </a:rPr>
+              <a:t> - </a:t>
+            </a:r>
+            <a:r>
+              <a:rPr lang="en-US" sz="1400" dirty="0" err="1" smtClean="0">
+                <a:solidFill>
+                  <a:schemeClr val="bg1">
+                    <a:lumMod val="25000"/>
+                  </a:schemeClr>
+                </a:solidFill>
+              </a:rPr>
+              <a:t>diplay</a:t>
+            </a:r>
+            <a:r>
+              <a:rPr lang="ru-RU" sz="1400" dirty="0">
+                <a:solidFill>
+                  <a:schemeClr val="bg1">
+                    <a:lumMod val="25000"/>
+                  </a:schemeClr>
+                </a:solidFill>
+              </a:rPr>
+              <a:t/>
+            </a:r>
+            <a:br>
+              <a:rPr lang="ru-RU" sz="1400" dirty="0">
+                <a:solidFill>
+                  <a:schemeClr val="bg1">
+                    <a:lumMod val="25000"/>
+                  </a:schemeClr>
+                </a:solidFill>
+              </a:rPr>
+            </a:br>
+            <a:r>
+              <a:rPr lang="ru-RU" sz="1400" dirty="0" smtClean="0">
+                <a:solidFill>
+                  <a:schemeClr val="bg1">
+                    <a:lumMod val="25000"/>
+                  </a:schemeClr>
+                </a:solidFill>
+              </a:rPr>
+              <a:t>Евгения </a:t>
+            </a:r>
+            <a:r>
+              <a:rPr lang="ru-RU" sz="1400" dirty="0" err="1" smtClean="0">
+                <a:solidFill>
+                  <a:schemeClr val="bg1">
+                    <a:lumMod val="25000"/>
+                  </a:schemeClr>
+                </a:solidFill>
+              </a:rPr>
+              <a:t>Макендонская</a:t>
+            </a:r>
+            <a:r>
+              <a:rPr lang="ru-RU" sz="1400" dirty="0" smtClean="0">
+                <a:solidFill>
+                  <a:schemeClr val="bg1">
+                    <a:lumMod val="25000"/>
+                  </a:schemeClr>
+                </a:solidFill>
+              </a:rPr>
+              <a:t> - </a:t>
+            </a:r>
+            <a:r>
+              <a:rPr lang="en-US" sz="1400" dirty="0" err="1" smtClean="0">
+                <a:solidFill>
+                  <a:schemeClr val="bg1">
+                    <a:lumMod val="25000"/>
+                  </a:schemeClr>
+                </a:solidFill>
+              </a:rPr>
+              <a:t>janmak</a:t>
+            </a:r>
+            <a:r>
+              <a:rPr lang="ru-RU" sz="1400" dirty="0">
+                <a:solidFill>
+                  <a:schemeClr val="bg1">
+                    <a:lumMod val="25000"/>
+                  </a:schemeClr>
+                </a:solidFill>
+              </a:rPr>
+              <a:t/>
+            </a:r>
+            <a:br>
+              <a:rPr lang="ru-RU" sz="1400" dirty="0">
+                <a:solidFill>
+                  <a:schemeClr val="bg1">
+                    <a:lumMod val="25000"/>
+                  </a:schemeClr>
+                </a:solidFill>
+              </a:rPr>
+            </a:br>
+            <a:r>
+              <a:rPr lang="ru-RU" sz="1400" dirty="0" err="1" smtClean="0">
+                <a:solidFill>
+                  <a:schemeClr val="bg1">
+                    <a:lumMod val="25000"/>
+                  </a:schemeClr>
+                </a:solidFill>
+              </a:rPr>
+              <a:t>Арслан</a:t>
+            </a:r>
+            <a:r>
+              <a:rPr lang="ru-RU" sz="1400" dirty="0" smtClean="0">
+                <a:solidFill>
+                  <a:schemeClr val="bg1">
+                    <a:lumMod val="25000"/>
+                  </a:schemeClr>
+                </a:solidFill>
+              </a:rPr>
+              <a:t> </a:t>
+            </a:r>
+            <a:r>
+              <a:rPr lang="ru-RU" sz="1400" dirty="0" err="1" smtClean="0">
+                <a:solidFill>
+                  <a:schemeClr val="bg1">
+                    <a:lumMod val="25000"/>
+                  </a:schemeClr>
+                </a:solidFill>
+              </a:rPr>
+              <a:t>Урташев</a:t>
+            </a:r>
+            <a:r>
+              <a:rPr lang="ru-RU" sz="1400" dirty="0" smtClean="0">
+                <a:solidFill>
+                  <a:schemeClr val="bg1">
+                    <a:lumMod val="25000"/>
+                  </a:schemeClr>
+                </a:solidFill>
+              </a:rPr>
+              <a:t> - </a:t>
+            </a:r>
+            <a:r>
+              <a:rPr lang="en-US" sz="1400" dirty="0" err="1" smtClean="0">
+                <a:solidFill>
+                  <a:schemeClr val="bg1">
+                    <a:lumMod val="25000"/>
+                  </a:schemeClr>
+                </a:solidFill>
+              </a:rPr>
+              <a:t>avitella</a:t>
+            </a:r>
+            <a:r>
+              <a:rPr lang="ru-RU" sz="1400" dirty="0">
+                <a:solidFill>
+                  <a:schemeClr val="bg1">
+                    <a:lumMod val="25000"/>
+                  </a:schemeClr>
+                </a:solidFill>
+              </a:rPr>
+              <a:t/>
+            </a:r>
+            <a:br>
+              <a:rPr lang="ru-RU" sz="1400" dirty="0">
+                <a:solidFill>
+                  <a:schemeClr val="bg1">
+                    <a:lumMod val="25000"/>
+                  </a:schemeClr>
+                </a:solidFill>
+              </a:rPr>
+            </a:br>
+            <a:r>
+              <a:rPr lang="ru-RU" sz="1400" dirty="0" smtClean="0">
+                <a:solidFill>
+                  <a:schemeClr val="bg1">
+                    <a:lumMod val="25000"/>
+                  </a:schemeClr>
+                </a:solidFill>
+              </a:rPr>
+              <a:t>Александр Минаков - </a:t>
+            </a:r>
+            <a:r>
+              <a:rPr lang="en-US" sz="1400" dirty="0" err="1" smtClean="0">
+                <a:solidFill>
+                  <a:schemeClr val="bg1">
+                    <a:lumMod val="25000"/>
+                  </a:schemeClr>
+                </a:solidFill>
+              </a:rPr>
+              <a:t>elshiko</a:t>
+            </a:r>
+            <a:r>
+              <a:rPr lang="ru-RU" sz="1400" dirty="0">
+                <a:solidFill>
+                  <a:schemeClr val="bg1">
+                    <a:lumMod val="25000"/>
+                  </a:schemeClr>
+                </a:solidFill>
+              </a:rPr>
+              <a:t/>
+            </a:r>
+            <a:br>
+              <a:rPr lang="ru-RU" sz="1400" dirty="0">
+                <a:solidFill>
+                  <a:schemeClr val="bg1">
+                    <a:lumMod val="25000"/>
+                  </a:schemeClr>
+                </a:solidFill>
+              </a:rPr>
+            </a:br>
+            <a:r>
+              <a:rPr lang="ru-RU" sz="1400" dirty="0" smtClean="0">
+                <a:solidFill>
+                  <a:schemeClr val="bg1">
+                    <a:lumMod val="25000"/>
+                  </a:schemeClr>
+                </a:solidFill>
+              </a:rPr>
+              <a:t>Максим Смирнов  - </a:t>
+            </a:r>
+            <a:r>
+              <a:rPr lang="en-US" sz="1400" dirty="0" err="1" smtClean="0">
+                <a:solidFill>
+                  <a:schemeClr val="bg1">
+                    <a:lumMod val="25000"/>
+                  </a:schemeClr>
+                </a:solidFill>
+              </a:rPr>
+              <a:t>duran-duran</a:t>
+            </a:r>
+            <a:r>
+              <a:rPr lang="ru-RU" sz="1400" dirty="0">
+                <a:solidFill>
+                  <a:schemeClr val="bg1">
+                    <a:lumMod val="25000"/>
+                  </a:schemeClr>
+                </a:solidFill>
+              </a:rPr>
+              <a:t/>
+            </a:r>
+            <a:br>
+              <a:rPr lang="ru-RU" sz="1400" dirty="0">
+                <a:solidFill>
+                  <a:schemeClr val="bg1">
+                    <a:lumMod val="25000"/>
+                  </a:schemeClr>
+                </a:solidFill>
+              </a:rPr>
+            </a:br>
+            <a:r>
+              <a:rPr lang="ru-RU" sz="1400" dirty="0" smtClean="0">
+                <a:solidFill>
+                  <a:schemeClr val="bg1">
+                    <a:lumMod val="25000"/>
+                  </a:schemeClr>
+                </a:solidFill>
+              </a:rPr>
+              <a:t>Дмитрий Чекалин - </a:t>
+            </a:r>
+            <a:r>
+              <a:rPr lang="en-US" sz="1400" dirty="0" err="1" smtClean="0">
+                <a:solidFill>
+                  <a:schemeClr val="bg1">
+                    <a:lumMod val="25000"/>
+                  </a:schemeClr>
+                </a:solidFill>
+              </a:rPr>
+              <a:t>axelhz</a:t>
+            </a:r>
+            <a:r>
+              <a:rPr lang="en-US" sz="1400" dirty="0">
+                <a:solidFill>
+                  <a:schemeClr val="bg1">
+                    <a:lumMod val="25000"/>
+                  </a:schemeClr>
+                </a:solidFill>
+              </a:rPr>
+              <a:t/>
+            </a:r>
+            <a:br>
+              <a:rPr lang="en-US" sz="1400" dirty="0">
+                <a:solidFill>
+                  <a:schemeClr val="bg1">
+                    <a:lumMod val="25000"/>
+                  </a:schemeClr>
+                </a:solidFill>
+              </a:rPr>
+            </a:br>
+            <a:r>
+              <a:rPr lang="ru-RU" sz="1400" dirty="0" err="1" smtClean="0">
+                <a:solidFill>
+                  <a:schemeClr val="bg1">
+                    <a:lumMod val="25000"/>
+                  </a:schemeClr>
+                </a:solidFill>
+              </a:rPr>
+              <a:t>Северин</a:t>
+            </a:r>
+            <a:r>
+              <a:rPr lang="ru-RU" sz="1400" dirty="0" smtClean="0">
+                <a:solidFill>
+                  <a:schemeClr val="bg1">
+                    <a:lumMod val="25000"/>
+                  </a:schemeClr>
+                </a:solidFill>
+              </a:rPr>
+              <a:t> </a:t>
+            </a:r>
+            <a:r>
+              <a:rPr lang="ru-RU" sz="1400" dirty="0" err="1" smtClean="0">
+                <a:solidFill>
+                  <a:schemeClr val="bg1">
+                    <a:lumMod val="25000"/>
+                  </a:schemeClr>
+                </a:solidFill>
+              </a:rPr>
+              <a:t>Вервальд</a:t>
+            </a:r>
+            <a:r>
+              <a:rPr lang="ru-RU" sz="1400" dirty="0" smtClean="0">
+                <a:solidFill>
+                  <a:schemeClr val="bg1">
+                    <a:lumMod val="25000"/>
+                  </a:schemeClr>
+                </a:solidFill>
+              </a:rPr>
+              <a:t> - </a:t>
+            </a:r>
+            <a:r>
+              <a:rPr lang="en-US" sz="1400" dirty="0" err="1" smtClean="0">
+                <a:solidFill>
+                  <a:schemeClr val="bg1">
+                    <a:lumMod val="25000"/>
+                  </a:schemeClr>
+                </a:solidFill>
+              </a:rPr>
+              <a:t>velvald</a:t>
+            </a:r>
+            <a:r>
+              <a:rPr lang="ru-RU" sz="1400" dirty="0">
+                <a:solidFill>
+                  <a:schemeClr val="bg1">
+                    <a:lumMod val="25000"/>
+                  </a:schemeClr>
+                </a:solidFill>
+              </a:rPr>
+              <a:t/>
+            </a:r>
+            <a:br>
+              <a:rPr lang="ru-RU" sz="1400" dirty="0">
+                <a:solidFill>
+                  <a:schemeClr val="bg1">
+                    <a:lumMod val="25000"/>
+                  </a:schemeClr>
+                </a:solidFill>
+              </a:rPr>
+            </a:br>
+            <a:r>
+              <a:rPr lang="ru-RU" sz="1400" dirty="0" smtClean="0">
+                <a:solidFill>
+                  <a:schemeClr val="bg1">
+                    <a:lumMod val="25000"/>
+                  </a:schemeClr>
+                </a:solidFill>
+              </a:rPr>
+              <a:t>Иван </a:t>
+            </a:r>
+            <a:r>
+              <a:rPr lang="ru-RU" sz="1400" dirty="0" err="1" smtClean="0">
+                <a:solidFill>
+                  <a:schemeClr val="bg1">
+                    <a:lumMod val="25000"/>
+                  </a:schemeClr>
+                </a:solidFill>
+              </a:rPr>
+              <a:t>Сиволоб</a:t>
+            </a:r>
+            <a:r>
+              <a:rPr lang="ru-RU" sz="1400" dirty="0" smtClean="0">
+                <a:solidFill>
+                  <a:schemeClr val="bg1">
+                    <a:lumMod val="25000"/>
+                  </a:schemeClr>
+                </a:solidFill>
+              </a:rPr>
+              <a:t>- </a:t>
+            </a:r>
+            <a:r>
+              <a:rPr lang="en-US" sz="1400" dirty="0" smtClean="0">
+                <a:solidFill>
+                  <a:schemeClr val="bg1">
+                    <a:lumMod val="25000"/>
+                  </a:schemeClr>
+                </a:solidFill>
+              </a:rPr>
+              <a:t>Semen-</a:t>
+            </a:r>
+            <a:r>
+              <a:rPr lang="en-US" sz="1400" dirty="0" err="1" smtClean="0">
+                <a:solidFill>
+                  <a:schemeClr val="bg1">
+                    <a:lumMod val="25000"/>
+                  </a:schemeClr>
+                </a:solidFill>
+              </a:rPr>
+              <a:t>kisliy</a:t>
+            </a:r>
+            <a:endParaRPr lang="ru-RU" sz="1400" dirty="0">
+              <a:solidFill>
+                <a:schemeClr val="bg1">
+                  <a:lumMod val="25000"/>
+                </a:schemeClr>
+              </a:solidFill>
+            </a:endParaRPr>
+          </a:p>
+        </p:txBody>
+      </p:sp>
+    </p:spTree>
+    <p:extLst>
+      <p:ext uri="{BB962C8B-B14F-4D97-AF65-F5344CB8AC3E}">
+        <p14:creationId xmlns:p14="http://schemas.microsoft.com/office/powerpoint/2010/main" val="4084746246"/>
+      </p:ext>
+    </p:extLst>
+  </p:cSld>
+  <p:clrMapOvr>
+    <a:masterClrMapping/>
+  </p:clrMapOvr>
+  <mc:AlternateContent xmlns:mc="http://schemas.openxmlformats.org/markup-compatibility/2006">
+    <mc:Choice xmlns:p14="http://schemas.microsoft.com/office/powerpoint/2010/main" Requires="p14">
+      <p:transition spd="med" p14:dur="700">
+        <p:fade/>
+      </p:transition>
+    </mc:Choice>
+    <mc:Fallback>
+      <p:transition spd="med">
+        <p:fade/>
+      </p:transition>
+    </mc:Fallback>
+  </mc:AlternateContent>
+  <p:timing>
+    <p:tnLst>
+      <p:par>
+        <p:cTn id="1" dur="indefinite" restart="never" nodeType="tmRoot"/>
+      </p:par>
+    </p:tnLst>
+  </p:timing>
+</p:sld>
+</file>
+
+<file path=ppt/slides/slide19.xml><?xml version="1.0" encoding="utf-8"?>
+<p:sld xmlns:a="http://schemas.openxmlformats.org/drawingml/2006/main" xmlns:r="http://schemas.openxmlformats.org/officeDocument/2006/relationships" xmlns:p="http://schemas.openxmlformats.org/presentationml/2006/main">
+  <p:cSld>
+    <p:spTree>
+      <p:nvGrpSpPr>
+        <p:cNvPr id="1" name=""/>
+        <p:cNvGrpSpPr/>
+        <p:nvPr/>
+      </p:nvGrpSpPr>
+      <p:grpSpPr>
+        <a:xfrm>
+          <a:off x="0" y="0"/>
+          <a:ext cx="0" cy="0"/>
+          <a:chOff x="0" y="0"/>
+          <a:chExt cx="0" cy="0"/>
+        </a:xfrm>
+      </p:grpSpPr>
+      <p:sp>
+        <p:nvSpPr>
+          <p:cNvPr id="2" name="Заголовок 1"/>
+          <p:cNvSpPr>
+            <a:spLocks noGrp="1"/>
+          </p:cNvSpPr>
+          <p:nvPr>
+            <p:ph type="title"/>
+          </p:nvPr>
+        </p:nvSpPr>
+        <p:spPr>
+          <a:xfrm>
+            <a:off x="838200" y="249119"/>
+            <a:ext cx="10515600" cy="883645"/>
+          </a:xfrm>
+        </p:spPr>
+        <p:txBody>
+          <a:bodyPr>
+            <a:normAutofit fontScale="90000"/>
+          </a:bodyPr>
+          <a:lstStyle/>
+          <a:p>
+            <a:pPr algn="ctr"/>
+            <a:r>
+              <a:rPr lang="ru-RU" b="1" dirty="0" smtClean="0">
+                <a:solidFill>
+                  <a:srgbClr val="FFFFFF"/>
+                </a:solidFill>
+              </a:rPr>
+              <a:t>Оценка качества выполнения работы членов команды менеджером</a:t>
+            </a:r>
+            <a:endParaRPr lang="ru-RU" b="1" dirty="0">
+              <a:solidFill>
+                <a:srgbClr val="FFFFFF"/>
+              </a:solidFill>
+            </a:endParaRPr>
+          </a:p>
+        </p:txBody>
+      </p:sp>
+      <p:graphicFrame>
+        <p:nvGraphicFramePr>
+          <p:cNvPr id="8" name="Объект 7"/>
+          <p:cNvGraphicFramePr>
+            <a:graphicFrameLocks noGrp="1"/>
+          </p:cNvGraphicFramePr>
+          <p:nvPr>
+            <p:ph idx="1"/>
+            <p:extLst>
+              <p:ext uri="{D42A27DB-BD31-4B8C-83A1-F6EECF244321}">
+                <p14:modId xmlns:p14="http://schemas.microsoft.com/office/powerpoint/2010/main" val="4270037036"/>
+              </p:ext>
+            </p:extLst>
+          </p:nvPr>
+        </p:nvGraphicFramePr>
+        <p:xfrm>
+          <a:off x="838200" y="1825625"/>
+          <a:ext cx="10515600" cy="4351338"/>
+        </p:xfrm>
+        <a:graphic>
+          <a:graphicData uri="http://schemas.openxmlformats.org/drawingml/2006/chart">
+            <c:chart xmlns:c="http://schemas.openxmlformats.org/drawingml/2006/chart" xmlns:r="http://schemas.openxmlformats.org/officeDocument/2006/relationships" r:id="rId2"/>
+          </a:graphicData>
+        </a:graphic>
+      </p:graphicFrame>
+    </p:spTree>
+    <p:extLst>
+      <p:ext uri="{BB962C8B-B14F-4D97-AF65-F5344CB8AC3E}">
+        <p14:creationId xmlns:p14="http://schemas.microsoft.com/office/powerpoint/2010/main" val="4150807379"/>
+      </p:ext>
+    </p:extLst>
+  </p:cSld>
+  <p:clrMapOvr>
+    <a:masterClrMapping/>
+  </p:clrMapOvr>
+  <mc:AlternateContent xmlns:mc="http://schemas.openxmlformats.org/markup-compatibility/2006">
+    <mc:Choice xmlns:p14="http://schemas.microsoft.com/office/powerpoint/2010/main" Requires="p14">
+      <p:transition spd="med" p14:dur="700">
+        <p:fade/>
+      </p:transition>
+    </mc:Choice>
+    <mc:Fallback>
+      <p:transition spd="med">
+        <p:fade/>
+      </p:transition>
+    </mc:Fallback>
+  </mc:AlternateContent>
+  <p:timing>
+    <p:tnLst>
+      <p:par>
+        <p:cTn id="1" dur="indefinite" restart="never" nodeType="tmRoot"/>
+      </p:par>
+    </p:tnLst>
+  </p:timing>
+</p:sld>
+</file>
+
+<file path=ppt/slides/slide2.xml><?xml version="1.0" encoding="utf-8"?>
+<p:sld xmlns:a="http://schemas.openxmlformats.org/drawingml/2006/main" xmlns:r="http://schemas.openxmlformats.org/officeDocument/2006/relationships" xmlns:p="http://schemas.openxmlformats.org/presentationml/2006/main">
+  <p:cSld>
+    <p:bg>
+      <p:bgPr>
+        <a:solidFill>
+          <a:schemeClr val="accent1">
+            <a:alpha val="57000"/>
+          </a:schemeClr>
+        </a:solidFill>
+        <a:effectLst/>
+      </p:bgPr>
+    </p:bg>
+    <p:spTree>
+      <p:nvGrpSpPr>
+        <p:cNvPr id="1" name=""/>
+        <p:cNvGrpSpPr/>
+        <p:nvPr/>
+      </p:nvGrpSpPr>
+      <p:grpSpPr>
+        <a:xfrm>
+          <a:off x="0" y="0"/>
+          <a:ext cx="0" cy="0"/>
+          <a:chOff x="0" y="0"/>
+          <a:chExt cx="0" cy="0"/>
+        </a:xfrm>
+      </p:grpSpPr>
+      <p:sp>
+        <p:nvSpPr>
+          <p:cNvPr id="2" name="Заголовок 1"/>
+          <p:cNvSpPr>
+            <a:spLocks noGrp="1"/>
+          </p:cNvSpPr>
+          <p:nvPr>
+            <p:ph type="title"/>
+          </p:nvPr>
+        </p:nvSpPr>
+        <p:spPr>
+          <a:xfrm>
+            <a:off x="684777" y="263887"/>
+            <a:ext cx="10515600" cy="1052449"/>
+          </a:xfrm>
+        </p:spPr>
+        <p:txBody>
+          <a:bodyPr/>
+          <a:lstStyle/>
+          <a:p>
+            <a:pPr algn="ctr" defTabSz="914400">
+              <a:lnSpc>
+                <a:spcPct val="90000"/>
+              </a:lnSpc>
+              <a:spcBef>
+                <a:spcPts val="1"/>
+              </a:spcBef>
+              <a:buNone/>
+            </a:pPr>
+            <a:r>
+              <a:rPr lang="ru-RU" sz="3200" b="0" i="0" dirty="0" smtClean="0">
+                <a:solidFill>
+                  <a:schemeClr val="bg1"/>
+                </a:solidFill>
+                <a:latin typeface="Arial" panose="020B0604020202020204" pitchFamily="34" charset="0"/>
+                <a:cs typeface="Arial" panose="020B0604020202020204" pitchFamily="34" charset="0"/>
+              </a:rPr>
+              <a:t>Концепция</a:t>
+            </a:r>
+            <a:endParaRPr lang="ru-RU" sz="3200" b="0" i="0" dirty="0">
+              <a:solidFill>
+                <a:schemeClr val="bg1"/>
+              </a:solidFill>
+              <a:latin typeface="Arial" panose="020B0604020202020204" pitchFamily="34" charset="0"/>
+              <a:cs typeface="Arial" panose="020B0604020202020204" pitchFamily="34" charset="0"/>
+            </a:endParaRPr>
+          </a:p>
+        </p:txBody>
+      </p:sp>
+      <p:sp>
+        <p:nvSpPr>
+          <p:cNvPr id="5" name="Скругленный прямоугольник 4"/>
+          <p:cNvSpPr/>
+          <p:nvPr/>
+        </p:nvSpPr>
+        <p:spPr>
+          <a:xfrm>
+            <a:off x="4264039" y="2354752"/>
+            <a:ext cx="3496887" cy="1147157"/>
+          </a:xfrm>
+          <a:prstGeom prst="roundRect">
+            <a:avLst/>
+          </a:prstGeom>
+          <a:solidFill>
+            <a:srgbClr val="FFC000"/>
+          </a:solidFill>
+          <a:effectLst>
+            <a:outerShdw blurRad="50800" dist="38100" dir="2700000" algn="tl" rotWithShape="0">
+              <a:prstClr val="black">
+                <a:alpha val="40000"/>
+              </a:prstClr>
+            </a:outerShdw>
+          </a:effectLst>
+        </p:spPr>
+        <p:style>
+          <a:lnRef idx="2">
+            <a:schemeClr val="accent2">
+              <a:shade val="50000"/>
+            </a:schemeClr>
+          </a:lnRef>
+          <a:fillRef idx="1">
+            <a:schemeClr val="accent2"/>
+          </a:fillRef>
+          <a:effectRef idx="0">
+            <a:schemeClr val="accent2"/>
+          </a:effectRef>
+          <a:fontRef idx="minor">
+            <a:schemeClr val="lt1"/>
+          </a:fontRef>
+        </p:style>
+        <p:txBody>
+          <a:bodyPr rtlCol="0" anchor="ctr"/>
+          <a:lstStyle/>
+          <a:p>
+            <a:pPr algn="ctr"/>
+            <a:r>
+              <a:rPr lang="en-US" sz="2400" b="1" dirty="0" smtClean="0">
+                <a:ln w="0"/>
+                <a:solidFill>
+                  <a:schemeClr val="bg1"/>
+                </a:solidFill>
+              </a:rPr>
+              <a:t>Party Surfing</a:t>
+            </a:r>
+            <a:endParaRPr lang="ru-RU" sz="2400" b="1" dirty="0">
+              <a:ln w="0"/>
+              <a:solidFill>
+                <a:schemeClr val="bg1"/>
+              </a:solidFill>
+            </a:endParaRPr>
+          </a:p>
+        </p:txBody>
+      </p:sp>
+      <p:sp>
+        <p:nvSpPr>
+          <p:cNvPr id="6" name="Овал 5"/>
+          <p:cNvSpPr/>
+          <p:nvPr/>
+        </p:nvSpPr>
+        <p:spPr>
+          <a:xfrm>
+            <a:off x="802401" y="4588376"/>
+            <a:ext cx="2870662" cy="853440"/>
+          </a:xfrm>
+          <a:prstGeom prst="ellipse">
+            <a:avLst/>
+          </a:prstGeom>
+          <a:solidFill>
+            <a:schemeClr val="accent6">
+              <a:lumMod val="60000"/>
+              <a:lumOff val="40000"/>
+            </a:schemeClr>
+          </a:solidFill>
+          <a:effectLst>
+            <a:outerShdw blurRad="50800" dist="38100" dir="2700000" algn="tl" rotWithShape="0">
+              <a:prstClr val="black">
+                <a:alpha val="40000"/>
+              </a:prstClr>
+            </a:outerShdw>
+          </a:effectLst>
+        </p:spPr>
+        <p:style>
+          <a:lnRef idx="1">
+            <a:schemeClr val="accent6"/>
+          </a:lnRef>
+          <a:fillRef idx="2">
+            <a:schemeClr val="accent6"/>
+          </a:fillRef>
+          <a:effectRef idx="1">
+            <a:schemeClr val="accent6"/>
+          </a:effectRef>
+          <a:fontRef idx="minor">
+            <a:schemeClr val="dk1"/>
+          </a:fontRef>
+        </p:style>
+        <p:txBody>
+          <a:bodyPr rtlCol="0" anchor="ctr"/>
+          <a:lstStyle/>
+          <a:p>
+            <a:pPr algn="ctr"/>
+            <a:r>
+              <a:rPr lang="ru-RU" sz="2400" b="1" dirty="0" smtClean="0">
+                <a:solidFill>
+                  <a:schemeClr val="bg1"/>
+                </a:solidFill>
+              </a:rPr>
+              <a:t>Поиск</a:t>
+            </a:r>
+            <a:endParaRPr lang="ru-RU" sz="2400" b="1" dirty="0">
+              <a:solidFill>
+                <a:schemeClr val="bg1"/>
+              </a:solidFill>
+            </a:endParaRPr>
+          </a:p>
+        </p:txBody>
+      </p:sp>
+      <p:sp>
+        <p:nvSpPr>
+          <p:cNvPr id="8" name="Овал 7"/>
+          <p:cNvSpPr/>
+          <p:nvPr/>
+        </p:nvSpPr>
+        <p:spPr>
+          <a:xfrm>
+            <a:off x="8229107" y="4631335"/>
+            <a:ext cx="2870662" cy="853440"/>
+          </a:xfrm>
+          <a:prstGeom prst="ellipse">
+            <a:avLst/>
+          </a:prstGeom>
+          <a:solidFill>
+            <a:schemeClr val="accent6">
+              <a:lumMod val="60000"/>
+              <a:lumOff val="40000"/>
+            </a:schemeClr>
+          </a:solidFill>
+          <a:effectLst>
+            <a:outerShdw blurRad="50800" dist="38100" dir="2700000" algn="tl" rotWithShape="0">
+              <a:prstClr val="black">
+                <a:alpha val="40000"/>
+              </a:prstClr>
+            </a:outerShdw>
+          </a:effectLst>
+        </p:spPr>
+        <p:style>
+          <a:lnRef idx="1">
+            <a:schemeClr val="accent6"/>
+          </a:lnRef>
+          <a:fillRef idx="2">
+            <a:schemeClr val="accent6"/>
+          </a:fillRef>
+          <a:effectRef idx="1">
+            <a:schemeClr val="accent6"/>
+          </a:effectRef>
+          <a:fontRef idx="minor">
+            <a:schemeClr val="dk1"/>
+          </a:fontRef>
+        </p:style>
+        <p:txBody>
+          <a:bodyPr rtlCol="0" anchor="ctr"/>
+          <a:lstStyle/>
+          <a:p>
+            <a:pPr algn="ctr"/>
+            <a:r>
+              <a:rPr lang="ru-RU" sz="2400" b="1" dirty="0" smtClean="0">
+                <a:solidFill>
+                  <a:schemeClr val="bg1"/>
+                </a:solidFill>
+              </a:rPr>
+              <a:t>Организация</a:t>
+            </a:r>
+            <a:endParaRPr lang="ru-RU" sz="2400" b="1" dirty="0">
+              <a:solidFill>
+                <a:schemeClr val="bg1"/>
+              </a:solidFill>
+            </a:endParaRPr>
+          </a:p>
+        </p:txBody>
+      </p:sp>
+      <p:sp>
+        <p:nvSpPr>
+          <p:cNvPr id="14" name="Стрелка углом 13"/>
+          <p:cNvSpPr/>
+          <p:nvPr/>
+        </p:nvSpPr>
+        <p:spPr>
+          <a:xfrm rot="10800000" flipH="1">
+            <a:off x="6559338" y="3682048"/>
+            <a:ext cx="1455471" cy="1714467"/>
+          </a:xfrm>
+          <a:prstGeom prst="bentArrow">
+            <a:avLst/>
+          </a:prstGeom>
+          <a:solidFill>
+            <a:schemeClr val="accent1">
+              <a:lumMod val="90000"/>
+            </a:schemeClr>
+          </a:solidFill>
+          <a:effectLst>
+            <a:outerShdw blurRad="50800" dist="38100" dir="2700000" algn="tl" rotWithShape="0">
+              <a:prstClr val="black">
+                <a:alpha val="40000"/>
+              </a:prstClr>
+            </a:outerShdw>
+          </a:effectLst>
+        </p:spPr>
+        <p:style>
+          <a:lnRef idx="2">
+            <a:schemeClr val="accent1">
+              <a:shade val="50000"/>
+            </a:schemeClr>
+          </a:lnRef>
+          <a:fillRef idx="1">
+            <a:schemeClr val="accent1"/>
+          </a:fillRef>
+          <a:effectRef idx="0">
+            <a:schemeClr val="accent1"/>
+          </a:effectRef>
+          <a:fontRef idx="minor">
+            <a:schemeClr val="lt1"/>
+          </a:fontRef>
+        </p:style>
+        <p:txBody>
+          <a:bodyPr rtlCol="0" anchor="ctr"/>
+          <a:lstStyle/>
+          <a:p>
+            <a:pPr algn="ctr"/>
+            <a:endParaRPr lang="ru-RU">
+              <a:solidFill>
+                <a:schemeClr val="tx1"/>
+              </a:solidFill>
+            </a:endParaRPr>
+          </a:p>
+        </p:txBody>
+      </p:sp>
+      <p:sp>
+        <p:nvSpPr>
+          <p:cNvPr id="17" name="Стрелка углом 16"/>
+          <p:cNvSpPr/>
+          <p:nvPr/>
+        </p:nvSpPr>
+        <p:spPr>
+          <a:xfrm rot="10800000">
+            <a:off x="3851563" y="3682048"/>
+            <a:ext cx="1491270" cy="1714467"/>
+          </a:xfrm>
+          <a:prstGeom prst="bentArrow">
+            <a:avLst/>
+          </a:prstGeom>
+          <a:solidFill>
+            <a:schemeClr val="accent1">
+              <a:lumMod val="90000"/>
+            </a:schemeClr>
+          </a:solidFill>
+          <a:effectLst>
+            <a:outerShdw blurRad="50800" dist="38100" dir="2700000" algn="tl" rotWithShape="0">
+              <a:prstClr val="black">
+                <a:alpha val="40000"/>
+              </a:prstClr>
+            </a:outerShdw>
+          </a:effectLst>
+        </p:spPr>
+        <p:style>
+          <a:lnRef idx="2">
+            <a:schemeClr val="accent1">
+              <a:shade val="50000"/>
+            </a:schemeClr>
+          </a:lnRef>
+          <a:fillRef idx="1">
+            <a:schemeClr val="accent1"/>
+          </a:fillRef>
+          <a:effectRef idx="0">
+            <a:schemeClr val="accent1"/>
+          </a:effectRef>
+          <a:fontRef idx="minor">
+            <a:schemeClr val="lt1"/>
+          </a:fontRef>
+        </p:style>
+        <p:txBody>
+          <a:bodyPr rtlCol="0" anchor="ctr"/>
+          <a:lstStyle/>
+          <a:p>
+            <a:pPr algn="ctr"/>
+            <a:endParaRPr lang="ru-RU">
+              <a:solidFill>
+                <a:schemeClr val="tx1"/>
+              </a:solidFill>
+            </a:endParaRPr>
+          </a:p>
+        </p:txBody>
+      </p:sp>
+    </p:spTree>
+    <p:extLst>
+      <p:ext uri="{BB962C8B-B14F-4D97-AF65-F5344CB8AC3E}">
+        <p14:creationId xmlns:p14="http://schemas.microsoft.com/office/powerpoint/2010/main" val="3639872359"/>
+      </p:ext>
+    </p:extLst>
+  </p:cSld>
+  <p:clrMapOvr>
+    <a:masterClrMapping/>
+  </p:clrMapOvr>
+  <mc:AlternateContent xmlns:mc="http://schemas.openxmlformats.org/markup-compatibility/2006" xmlns:p14="http://schemas.microsoft.com/office/powerpoint/2010/main">
+    <mc:Choice Requires="p14">
+      <p:transition spd="med" p14:dur="700">
+        <p:fade/>
+      </p:transition>
+    </mc:Choice>
+    <mc:Fallback xmlns="">
+      <p:transition spd="med">
+        <p:fade/>
+      </p:transition>
+    </mc:Fallback>
+  </mc:AlternateContent>
+  <p:timing>
+    <p:tnLst>
+      <p:par>
+        <p:cTn id="1" dur="indefinite" restart="never" nodeType="tmRoot"/>
+      </p:par>
+    </p:tnLst>
+  </p:timing>
+</p:sld>
+</file>
+
+<file path=ppt/slides/slide20.xml><?xml version="1.0" encoding="utf-8"?>
 <p:sld xmlns:a="http://schemas.openxmlformats.org/drawingml/2006/main" xmlns:r="http://schemas.openxmlformats.org/officeDocument/2006/relationships" xmlns:p="http://schemas.openxmlformats.org/presentationml/2006/main">
   <p:cSld>
     <p:spTree>
@@ -13977,13 +16893,13 @@
   <p:clrMapOvr>
     <a:masterClrMapping/>
   </p:clrMapOvr>
-  <mc:AlternateContent xmlns:mc="http://schemas.openxmlformats.org/markup-compatibility/2006">
-    <mc:Choice xmlns:p14="http://schemas.microsoft.com/office/powerpoint/2010/main" Requires="p14">
+  <mc:AlternateContent xmlns:mc="http://schemas.openxmlformats.org/markup-compatibility/2006" xmlns:p14="http://schemas.microsoft.com/office/powerpoint/2010/main">
+    <mc:Choice Requires="p14">
       <p:transition spd="med" p14:dur="700">
         <p:fade/>
       </p:transition>
     </mc:Choice>
-    <mc:Fallback>
+    <mc:Fallback xmlns="">
       <p:transition spd="med">
         <p:fade/>
       </p:transition>
@@ -13999,7 +16915,7 @@
 </p:sld>
 </file>
 
-<file path=ppt/slides/slide18.xml><?xml version="1.0" encoding="utf-8"?>
+<file path=ppt/slides/slide21.xml><?xml version="1.0" encoding="utf-8"?>
 <p:sld xmlns:a="http://schemas.openxmlformats.org/drawingml/2006/main" xmlns:r="http://schemas.openxmlformats.org/officeDocument/2006/relationships" xmlns:p="http://schemas.openxmlformats.org/presentationml/2006/main">
   <p:cSld>
     <p:spTree>
@@ -14320,13 +17236,13 @@
   <p:clrMapOvr>
     <a:masterClrMapping/>
   </p:clrMapOvr>
-  <mc:AlternateContent xmlns:mc="http://schemas.openxmlformats.org/markup-compatibility/2006">
-    <mc:Choice xmlns:p14="http://schemas.microsoft.com/office/powerpoint/2010/main" Requires="p14">
+  <mc:AlternateContent xmlns:mc="http://schemas.openxmlformats.org/markup-compatibility/2006" xmlns:p14="http://schemas.microsoft.com/office/powerpoint/2010/main">
+    <mc:Choice Requires="p14">
       <p:transition spd="med" p14:dur="700">
         <p:fade/>
       </p:transition>
     </mc:Choice>
-    <mc:Fallback>
+    <mc:Fallback xmlns="">
       <p:transition spd="med">
         <p:fade/>
       </p:transition>
@@ -14342,7 +17258,7 @@
 </p:sld>
 </file>
 
-<file path=ppt/slides/slide19.xml><?xml version="1.0" encoding="utf-8"?>
+<file path=ppt/slides/slide22.xml><?xml version="1.0" encoding="utf-8"?>
 <p:sld xmlns:a="http://schemas.openxmlformats.org/drawingml/2006/main" xmlns:r="http://schemas.openxmlformats.org/officeDocument/2006/relationships" xmlns:p="http://schemas.openxmlformats.org/presentationml/2006/main">
   <p:cSld>
     <p:spTree>
@@ -14747,409 +17663,6 @@
   <p:clrMapOvr>
     <a:masterClrMapping/>
   </p:clrMapOvr>
-  <mc:AlternateContent xmlns:mc="http://schemas.openxmlformats.org/markup-compatibility/2006">
-    <mc:Choice xmlns:p14="http://schemas.microsoft.com/office/powerpoint/2010/main" Requires="p14">
-      <p:transition spd="med" p14:dur="700">
-        <p:fade/>
-      </p:transition>
-    </mc:Choice>
-    <mc:Fallback>
-      <p:transition spd="med">
-        <p:fade/>
-      </p:transition>
-    </mc:Fallback>
-  </mc:AlternateContent>
-</p:sld>
-</file>
-
-<file path=ppt/slides/slide2.xml><?xml version="1.0" encoding="utf-8"?>
-<p:sld xmlns:a="http://schemas.openxmlformats.org/drawingml/2006/main" xmlns:r="http://schemas.openxmlformats.org/officeDocument/2006/relationships" xmlns:p="http://schemas.openxmlformats.org/presentationml/2006/main">
-  <p:cSld>
-    <p:bg>
-      <p:bgPr>
-        <a:solidFill>
-          <a:schemeClr val="accent1">
-            <a:alpha val="57000"/>
-          </a:schemeClr>
-        </a:solidFill>
-        <a:effectLst/>
-      </p:bgPr>
-    </p:bg>
-    <p:spTree>
-      <p:nvGrpSpPr>
-        <p:cNvPr id="1" name=""/>
-        <p:cNvGrpSpPr/>
-        <p:nvPr/>
-      </p:nvGrpSpPr>
-      <p:grpSpPr>
-        <a:xfrm>
-          <a:off x="0" y="0"/>
-          <a:ext cx="0" cy="0"/>
-          <a:chOff x="0" y="0"/>
-          <a:chExt cx="0" cy="0"/>
-        </a:xfrm>
-      </p:grpSpPr>
-      <p:sp>
-        <p:nvSpPr>
-          <p:cNvPr id="2" name="Заголовок 1"/>
-          <p:cNvSpPr>
-            <a:spLocks noGrp="1"/>
-          </p:cNvSpPr>
-          <p:nvPr>
-            <p:ph type="title"/>
-          </p:nvPr>
-        </p:nvSpPr>
-        <p:spPr>
-          <a:xfrm>
-            <a:off x="684777" y="263887"/>
-            <a:ext cx="10515600" cy="1052449"/>
-          </a:xfrm>
-        </p:spPr>
-        <p:txBody>
-          <a:bodyPr/>
-          <a:lstStyle/>
-          <a:p>
-            <a:pPr algn="ctr" defTabSz="914400">
-              <a:lnSpc>
-                <a:spcPct val="90000"/>
-              </a:lnSpc>
-              <a:spcBef>
-                <a:spcPts val="1"/>
-              </a:spcBef>
-              <a:buNone/>
-            </a:pPr>
-            <a:r>
-              <a:rPr lang="ru-RU" sz="3200" b="0" i="0" dirty="0" smtClean="0">
-                <a:solidFill>
-                  <a:schemeClr val="bg1"/>
-                </a:solidFill>
-                <a:latin typeface="Arial" panose="020B0604020202020204" pitchFamily="34" charset="0"/>
-                <a:cs typeface="Arial" panose="020B0604020202020204" pitchFamily="34" charset="0"/>
-              </a:rPr>
-              <a:t>Концепция</a:t>
-            </a:r>
-            <a:endParaRPr lang="ru-RU" sz="3200" b="0" i="0" dirty="0">
-              <a:solidFill>
-                <a:schemeClr val="bg1"/>
-              </a:solidFill>
-              <a:latin typeface="Arial" panose="020B0604020202020204" pitchFamily="34" charset="0"/>
-              <a:cs typeface="Arial" panose="020B0604020202020204" pitchFamily="34" charset="0"/>
-            </a:endParaRPr>
-          </a:p>
-        </p:txBody>
-      </p:sp>
-      <p:sp>
-        <p:nvSpPr>
-          <p:cNvPr id="5" name="Скругленный прямоугольник 4"/>
-          <p:cNvSpPr/>
-          <p:nvPr/>
-        </p:nvSpPr>
-        <p:spPr>
-          <a:xfrm>
-            <a:off x="4264039" y="2354752"/>
-            <a:ext cx="3496887" cy="1147157"/>
-          </a:xfrm>
-          <a:prstGeom prst="roundRect">
-            <a:avLst/>
-          </a:prstGeom>
-          <a:solidFill>
-            <a:srgbClr val="FFC000"/>
-          </a:solidFill>
-          <a:effectLst>
-            <a:outerShdw blurRad="50800" dist="38100" dir="2700000" algn="tl" rotWithShape="0">
-              <a:prstClr val="black">
-                <a:alpha val="40000"/>
-              </a:prstClr>
-            </a:outerShdw>
-          </a:effectLst>
-        </p:spPr>
-        <p:style>
-          <a:lnRef idx="2">
-            <a:schemeClr val="accent2">
-              <a:shade val="50000"/>
-            </a:schemeClr>
-          </a:lnRef>
-          <a:fillRef idx="1">
-            <a:schemeClr val="accent2"/>
-          </a:fillRef>
-          <a:effectRef idx="0">
-            <a:schemeClr val="accent2"/>
-          </a:effectRef>
-          <a:fontRef idx="minor">
-            <a:schemeClr val="lt1"/>
-          </a:fontRef>
-        </p:style>
-        <p:txBody>
-          <a:bodyPr rtlCol="0" anchor="ctr"/>
-          <a:lstStyle/>
-          <a:p>
-            <a:pPr algn="ctr"/>
-            <a:r>
-              <a:rPr lang="en-US" sz="2400" b="1" dirty="0" smtClean="0">
-                <a:ln w="0"/>
-                <a:solidFill>
-                  <a:schemeClr val="bg1"/>
-                </a:solidFill>
-              </a:rPr>
-              <a:t>Party Surfing</a:t>
-            </a:r>
-            <a:endParaRPr lang="ru-RU" sz="2400" b="1" dirty="0">
-              <a:ln w="0"/>
-              <a:solidFill>
-                <a:schemeClr val="bg1"/>
-              </a:solidFill>
-            </a:endParaRPr>
-          </a:p>
-        </p:txBody>
-      </p:sp>
-      <p:sp>
-        <p:nvSpPr>
-          <p:cNvPr id="6" name="Овал 5"/>
-          <p:cNvSpPr/>
-          <p:nvPr/>
-        </p:nvSpPr>
-        <p:spPr>
-          <a:xfrm>
-            <a:off x="802401" y="4588376"/>
-            <a:ext cx="2870662" cy="853440"/>
-          </a:xfrm>
-          <a:prstGeom prst="ellipse">
-            <a:avLst/>
-          </a:prstGeom>
-          <a:solidFill>
-            <a:schemeClr val="accent6">
-              <a:lumMod val="60000"/>
-              <a:lumOff val="40000"/>
-            </a:schemeClr>
-          </a:solidFill>
-          <a:effectLst>
-            <a:outerShdw blurRad="50800" dist="38100" dir="2700000" algn="tl" rotWithShape="0">
-              <a:prstClr val="black">
-                <a:alpha val="40000"/>
-              </a:prstClr>
-            </a:outerShdw>
-          </a:effectLst>
-        </p:spPr>
-        <p:style>
-          <a:lnRef idx="1">
-            <a:schemeClr val="accent6"/>
-          </a:lnRef>
-          <a:fillRef idx="2">
-            <a:schemeClr val="accent6"/>
-          </a:fillRef>
-          <a:effectRef idx="1">
-            <a:schemeClr val="accent6"/>
-          </a:effectRef>
-          <a:fontRef idx="minor">
-            <a:schemeClr val="dk1"/>
-          </a:fontRef>
-        </p:style>
-        <p:txBody>
-          <a:bodyPr rtlCol="0" anchor="ctr"/>
-          <a:lstStyle/>
-          <a:p>
-            <a:pPr algn="ctr"/>
-            <a:r>
-              <a:rPr lang="ru-RU" sz="2400" b="1" dirty="0" smtClean="0">
-                <a:solidFill>
-                  <a:schemeClr val="bg1"/>
-                </a:solidFill>
-              </a:rPr>
-              <a:t>Поиск</a:t>
-            </a:r>
-            <a:endParaRPr lang="ru-RU" sz="2400" b="1" dirty="0">
-              <a:solidFill>
-                <a:schemeClr val="bg1"/>
-              </a:solidFill>
-            </a:endParaRPr>
-          </a:p>
-        </p:txBody>
-      </p:sp>
-      <p:sp>
-        <p:nvSpPr>
-          <p:cNvPr id="8" name="Овал 7"/>
-          <p:cNvSpPr/>
-          <p:nvPr/>
-        </p:nvSpPr>
-        <p:spPr>
-          <a:xfrm>
-            <a:off x="8229107" y="4631335"/>
-            <a:ext cx="2870662" cy="853440"/>
-          </a:xfrm>
-          <a:prstGeom prst="ellipse">
-            <a:avLst/>
-          </a:prstGeom>
-          <a:solidFill>
-            <a:schemeClr val="accent6">
-              <a:lumMod val="60000"/>
-              <a:lumOff val="40000"/>
-            </a:schemeClr>
-          </a:solidFill>
-          <a:effectLst>
-            <a:outerShdw blurRad="50800" dist="38100" dir="2700000" algn="tl" rotWithShape="0">
-              <a:prstClr val="black">
-                <a:alpha val="40000"/>
-              </a:prstClr>
-            </a:outerShdw>
-          </a:effectLst>
-        </p:spPr>
-        <p:style>
-          <a:lnRef idx="1">
-            <a:schemeClr val="accent6"/>
-          </a:lnRef>
-          <a:fillRef idx="2">
-            <a:schemeClr val="accent6"/>
-          </a:fillRef>
-          <a:effectRef idx="1">
-            <a:schemeClr val="accent6"/>
-          </a:effectRef>
-          <a:fontRef idx="minor">
-            <a:schemeClr val="dk1"/>
-          </a:fontRef>
-        </p:style>
-        <p:txBody>
-          <a:bodyPr rtlCol="0" anchor="ctr"/>
-          <a:lstStyle/>
-          <a:p>
-            <a:pPr algn="ctr"/>
-            <a:r>
-              <a:rPr lang="ru-RU" sz="2400" b="1" dirty="0" smtClean="0">
-                <a:solidFill>
-                  <a:schemeClr val="bg1"/>
-                </a:solidFill>
-              </a:rPr>
-              <a:t>Организация</a:t>
-            </a:r>
-            <a:endParaRPr lang="ru-RU" sz="2400" b="1" dirty="0">
-              <a:solidFill>
-                <a:schemeClr val="bg1"/>
-              </a:solidFill>
-            </a:endParaRPr>
-          </a:p>
-        </p:txBody>
-      </p:sp>
-      <p:sp>
-        <p:nvSpPr>
-          <p:cNvPr id="14" name="Стрелка углом 13"/>
-          <p:cNvSpPr/>
-          <p:nvPr/>
-        </p:nvSpPr>
-        <p:spPr>
-          <a:xfrm rot="10800000" flipH="1">
-            <a:off x="6559338" y="3682048"/>
-            <a:ext cx="1455471" cy="1714467"/>
-          </a:xfrm>
-          <a:prstGeom prst="bentArrow">
-            <a:avLst/>
-          </a:prstGeom>
-          <a:solidFill>
-            <a:schemeClr val="accent1">
-              <a:lumMod val="90000"/>
-            </a:schemeClr>
-          </a:solidFill>
-          <a:effectLst>
-            <a:outerShdw blurRad="50800" dist="38100" dir="2700000" algn="tl" rotWithShape="0">
-              <a:prstClr val="black">
-                <a:alpha val="40000"/>
-              </a:prstClr>
-            </a:outerShdw>
-          </a:effectLst>
-        </p:spPr>
-        <p:style>
-          <a:lnRef idx="2">
-            <a:schemeClr val="accent1">
-              <a:shade val="50000"/>
-            </a:schemeClr>
-          </a:lnRef>
-          <a:fillRef idx="1">
-            <a:schemeClr val="accent1"/>
-          </a:fillRef>
-          <a:effectRef idx="0">
-            <a:schemeClr val="accent1"/>
-          </a:effectRef>
-          <a:fontRef idx="minor">
-            <a:schemeClr val="lt1"/>
-          </a:fontRef>
-        </p:style>
-        <p:txBody>
-          <a:bodyPr rtlCol="0" anchor="ctr"/>
-          <a:lstStyle/>
-          <a:p>
-            <a:pPr algn="ctr"/>
-            <a:endParaRPr lang="ru-RU">
-              <a:solidFill>
-                <a:schemeClr val="tx1"/>
-              </a:solidFill>
-            </a:endParaRPr>
-          </a:p>
-        </p:txBody>
-      </p:sp>
-      <p:sp>
-        <p:nvSpPr>
-          <p:cNvPr id="17" name="Стрелка углом 16"/>
-          <p:cNvSpPr/>
-          <p:nvPr/>
-        </p:nvSpPr>
-        <p:spPr>
-          <a:xfrm rot="10800000">
-            <a:off x="3851563" y="3682048"/>
-            <a:ext cx="1491270" cy="1714467"/>
-          </a:xfrm>
-          <a:prstGeom prst="bentArrow">
-            <a:avLst/>
-          </a:prstGeom>
-          <a:solidFill>
-            <a:schemeClr val="accent1">
-              <a:lumMod val="90000"/>
-            </a:schemeClr>
-          </a:solidFill>
-          <a:effectLst>
-            <a:outerShdw blurRad="50800" dist="38100" dir="2700000" algn="tl" rotWithShape="0">
-              <a:prstClr val="black">
-                <a:alpha val="40000"/>
-              </a:prstClr>
-            </a:outerShdw>
-          </a:effectLst>
-        </p:spPr>
-        <p:style>
-          <a:lnRef idx="2">
-            <a:schemeClr val="accent1">
-              <a:shade val="50000"/>
-            </a:schemeClr>
-          </a:lnRef>
-          <a:fillRef idx="1">
-            <a:schemeClr val="accent1"/>
-          </a:fillRef>
-          <a:effectRef idx="0">
-            <a:schemeClr val="accent1"/>
-          </a:effectRef>
-          <a:fontRef idx="minor">
-            <a:schemeClr val="lt1"/>
-          </a:fontRef>
-        </p:style>
-        <p:txBody>
-          <a:bodyPr rtlCol="0" anchor="ctr"/>
-          <a:lstStyle/>
-          <a:p>
-            <a:pPr algn="ctr"/>
-            <a:endParaRPr lang="ru-RU">
-              <a:solidFill>
-                <a:schemeClr val="tx1"/>
-              </a:solidFill>
-            </a:endParaRPr>
-          </a:p>
-        </p:txBody>
-      </p:sp>
-    </p:spTree>
-    <p:extLst>
-      <p:ext uri="{BB962C8B-B14F-4D97-AF65-F5344CB8AC3E}">
-        <p14:creationId xmlns:p14="http://schemas.microsoft.com/office/powerpoint/2010/main" val="3639872359"/>
-      </p:ext>
-    </p:extLst>
-  </p:cSld>
-  <p:clrMapOvr>
-    <a:masterClrMapping/>
-  </p:clrMapOvr>
   <mc:AlternateContent xmlns:mc="http://schemas.openxmlformats.org/markup-compatibility/2006" xmlns:p14="http://schemas.microsoft.com/office/powerpoint/2010/main">
     <mc:Choice Requires="p14">
       <p:transition spd="med" p14:dur="700">
@@ -15162,17 +17675,10 @@
       </p:transition>
     </mc:Fallback>
   </mc:AlternateContent>
-  <p:timing>
-    <p:tnLst>
-      <p:par>
-        <p:cTn id="1" dur="indefinite" restart="never" nodeType="tmRoot"/>
-      </p:par>
-    </p:tnLst>
-  </p:timing>
 </p:sld>
 </file>
 
-<file path=ppt/slides/slide20.xml><?xml version="1.0" encoding="utf-8"?>
+<file path=ppt/slides/slide23.xml><?xml version="1.0" encoding="utf-8"?>
 <p:sld xmlns:a="http://schemas.openxmlformats.org/drawingml/2006/main" xmlns:r="http://schemas.openxmlformats.org/officeDocument/2006/relationships" xmlns:p="http://schemas.openxmlformats.org/presentationml/2006/main">
   <p:cSld>
     <p:spTree>
@@ -15413,7 +17919,7 @@
 </p:sld>
 </file>
 
-<file path=ppt/slides/slide21.xml><?xml version="1.0" encoding="utf-8"?>
+<file path=ppt/slides/slide24.xml><?xml version="1.0" encoding="utf-8"?>
 <p:sld xmlns:a="http://schemas.openxmlformats.org/drawingml/2006/main" xmlns:r="http://schemas.openxmlformats.org/officeDocument/2006/relationships" xmlns:p="http://schemas.openxmlformats.org/presentationml/2006/main">
   <p:cSld>
     <p:spTree>

--- a/k224-docs/Servis_po_organizatsii_i_poisku_meropriaty_Par.pptx
+++ b/k224-docs/Servis_po_organizatsii_i_poisku_meropriaty_Par.pptx
@@ -386,11 +386,11 @@
         </c:dLbls>
         <c:marker val="1"/>
         <c:smooth val="0"/>
-        <c:axId val="252311696"/>
-        <c:axId val="252310912"/>
+        <c:axId val="261472960"/>
+        <c:axId val="261470216"/>
       </c:lineChart>
       <c:dateAx>
-        <c:axId val="252311696"/>
+        <c:axId val="261472960"/>
         <c:scaling>
           <c:orientation val="minMax"/>
         </c:scaling>
@@ -430,14 +430,14 @@
             <a:endParaRPr lang="ru-RU"/>
           </a:p>
         </c:txPr>
-        <c:crossAx val="252310912"/>
+        <c:crossAx val="261470216"/>
         <c:crosses val="autoZero"/>
         <c:auto val="1"/>
         <c:lblOffset val="100"/>
         <c:baseTimeUnit val="days"/>
       </c:dateAx>
       <c:valAx>
-        <c:axId val="252310912"/>
+        <c:axId val="261470216"/>
         <c:scaling>
           <c:orientation val="minMax"/>
         </c:scaling>
@@ -535,7 +535,7 @@
             <a:endParaRPr lang="ru-RU"/>
           </a:p>
         </c:txPr>
-        <c:crossAx val="252311696"/>
+        <c:crossAx val="261472960"/>
         <c:crosses val="autoZero"/>
         <c:crossBetween val="between"/>
       </c:valAx>
@@ -626,7 +626,6 @@
   </mc:AlternateContent>
   <c:chart>
     <c:title>
-      <c:layout/>
       <c:overlay val="0"/>
       <c:spPr>
         <a:noFill/>
@@ -1035,40 +1034,19 @@
     </mc:Fallback>
   </mc:AlternateContent>
   <c:chart>
-    <c:title>
-      <c:layout/>
-      <c:overlay val="0"/>
-      <c:spPr>
-        <a:noFill/>
-        <a:ln>
-          <a:noFill/>
-        </a:ln>
-        <a:effectLst/>
-      </c:spPr>
-      <c:txPr>
-        <a:bodyPr rot="0" spcFirstLastPara="1" vertOverflow="ellipsis" vert="horz" wrap="square" anchor="ctr" anchorCtr="1"/>
-        <a:lstStyle/>
-        <a:p>
-          <a:pPr>
-            <a:defRPr sz="1862" b="0" i="0" u="none" strike="noStrike" kern="1200" spc="0" baseline="0">
-              <a:solidFill>
-                <a:schemeClr val="tx1">
-                  <a:lumMod val="65000"/>
-                  <a:lumOff val="35000"/>
-                </a:schemeClr>
-              </a:solidFill>
-              <a:latin typeface="+mn-lt"/>
-              <a:ea typeface="+mn-ea"/>
-              <a:cs typeface="+mn-cs"/>
-            </a:defRPr>
-          </a:pPr>
-          <a:endParaRPr lang="ru-RU"/>
-        </a:p>
-      </c:txPr>
-    </c:title>
-    <c:autoTitleDeleted val="0"/>
+    <c:autoTitleDeleted val="1"/>
     <c:plotArea>
-      <c:layout/>
+      <c:layout>
+        <c:manualLayout>
+          <c:layoutTarget val="inner"/>
+          <c:xMode val="edge"/>
+          <c:yMode val="edge"/>
+          <c:x val="7.2344159335156547E-2"/>
+          <c:y val="3.0784990263587393E-2"/>
+          <c:w val="0.92765584066484341"/>
+          <c:h val="0.76909819248449418"/>
+        </c:manualLayout>
+      </c:layout>
       <c:barChart>
         <c:barDir val="col"/>
         <c:grouping val="clustered"/>
@@ -1082,7 +1060,7 @@
               <c:strCache>
                 <c:ptCount val="1"/>
                 <c:pt idx="0">
-                  <c:v>Ряд 1</c:v>
+                  <c:v>Бодунков Денис</c:v>
                 </c:pt>
               </c:strCache>
             </c:strRef>
@@ -1090,7 +1068,7 @@
           <c:spPr>
             <a:solidFill>
               <a:schemeClr val="accent5">
-                <a:shade val="50000"/>
+                <a:shade val="41000"/>
               </a:schemeClr>
             </a:solidFill>
             <a:ln>
@@ -1099,16 +1077,73 @@
             <a:effectLst/>
           </c:spPr>
           <c:invertIfNegative val="0"/>
+          <c:dLbls>
+            <c:spPr>
+              <a:noFill/>
+              <a:ln>
+                <a:noFill/>
+              </a:ln>
+              <a:effectLst/>
+            </c:spPr>
+            <c:txPr>
+              <a:bodyPr rot="0" spcFirstLastPara="1" vertOverflow="ellipsis" vert="horz" wrap="square" lIns="38100" tIns="19050" rIns="38100" bIns="19050" anchor="ctr" anchorCtr="1">
+                <a:spAutoFit/>
+              </a:bodyPr>
+              <a:lstStyle/>
+              <a:p>
+                <a:pPr>
+                  <a:defRPr sz="1197" b="0" i="0" u="none" strike="noStrike" kern="1200" baseline="0">
+                    <a:solidFill>
+                      <a:schemeClr val="tx1">
+                        <a:lumMod val="75000"/>
+                        <a:lumOff val="25000"/>
+                      </a:schemeClr>
+                    </a:solidFill>
+                    <a:latin typeface="+mn-lt"/>
+                    <a:ea typeface="+mn-ea"/>
+                    <a:cs typeface="+mn-cs"/>
+                  </a:defRPr>
+                </a:pPr>
+                <a:endParaRPr lang="ru-RU"/>
+              </a:p>
+            </c:txPr>
+            <c:dLblPos val="outEnd"/>
+            <c:showLegendKey val="0"/>
+            <c:showVal val="1"/>
+            <c:showCatName val="0"/>
+            <c:showSerName val="0"/>
+            <c:showPercent val="0"/>
+            <c:showBubbleSize val="0"/>
+            <c:showLeaderLines val="0"/>
+            <c:extLst>
+              <c:ext xmlns:c15="http://schemas.microsoft.com/office/drawing/2012/chart" uri="{CE6537A1-D6FC-4f65-9D91-7224C49458BB}">
+                <c15:layout/>
+                <c15:showLeaderLines val="1"/>
+                <c15:leaderLines>
+                  <c:spPr>
+                    <a:ln w="9525" cap="flat" cmpd="sng" algn="ctr">
+                      <a:solidFill>
+                        <a:schemeClr val="tx1">
+                          <a:lumMod val="35000"/>
+                          <a:lumOff val="65000"/>
+                        </a:schemeClr>
+                      </a:solidFill>
+                      <a:round/>
+                    </a:ln>
+                    <a:effectLst/>
+                  </c:spPr>
+                </c15:leaderLines>
+              </c:ext>
+            </c:extLst>
+          </c:dLbls>
           <c:cat>
-            <c:strRef>
+            <c:numRef>
               <c:f>Лист1!$A$2</c:f>
-              <c:strCache>
+              <c:numCache>
+                <c:formatCode>General</c:formatCode>
                 <c:ptCount val="1"/>
-                <c:pt idx="0">
-                  <c:v>Категория 1</c:v>
-                </c:pt>
-              </c:strCache>
-            </c:strRef>
+              </c:numCache>
+            </c:numRef>
           </c:cat>
           <c:val>
             <c:numRef>
@@ -1132,7 +1167,7 @@
               <c:strCache>
                 <c:ptCount val="1"/>
                 <c:pt idx="0">
-                  <c:v>Ряд 2</c:v>
+                  <c:v>Быконя Денис</c:v>
                 </c:pt>
               </c:strCache>
             </c:strRef>
@@ -1140,7 +1175,7 @@
           <c:spPr>
             <a:solidFill>
               <a:schemeClr val="accent5">
-                <a:shade val="70000"/>
+                <a:shade val="53000"/>
               </a:schemeClr>
             </a:solidFill>
             <a:ln>
@@ -1149,25 +1184,82 @@
             <a:effectLst/>
           </c:spPr>
           <c:invertIfNegative val="0"/>
+          <c:dLbls>
+            <c:spPr>
+              <a:noFill/>
+              <a:ln>
+                <a:noFill/>
+              </a:ln>
+              <a:effectLst/>
+            </c:spPr>
+            <c:txPr>
+              <a:bodyPr rot="0" spcFirstLastPara="1" vertOverflow="ellipsis" vert="horz" wrap="square" lIns="38100" tIns="19050" rIns="38100" bIns="19050" anchor="ctr" anchorCtr="1">
+                <a:spAutoFit/>
+              </a:bodyPr>
+              <a:lstStyle/>
+              <a:p>
+                <a:pPr>
+                  <a:defRPr sz="1197" b="0" i="0" u="none" strike="noStrike" kern="1200" baseline="0">
+                    <a:solidFill>
+                      <a:schemeClr val="tx1">
+                        <a:lumMod val="75000"/>
+                        <a:lumOff val="25000"/>
+                      </a:schemeClr>
+                    </a:solidFill>
+                    <a:latin typeface="+mn-lt"/>
+                    <a:ea typeface="+mn-ea"/>
+                    <a:cs typeface="+mn-cs"/>
+                  </a:defRPr>
+                </a:pPr>
+                <a:endParaRPr lang="ru-RU"/>
+              </a:p>
+            </c:txPr>
+            <c:dLblPos val="outEnd"/>
+            <c:showLegendKey val="0"/>
+            <c:showVal val="1"/>
+            <c:showCatName val="0"/>
+            <c:showSerName val="0"/>
+            <c:showPercent val="0"/>
+            <c:showBubbleSize val="0"/>
+            <c:showLeaderLines val="0"/>
+            <c:extLst>
+              <c:ext xmlns:c15="http://schemas.microsoft.com/office/drawing/2012/chart" uri="{CE6537A1-D6FC-4f65-9D91-7224C49458BB}">
+                <c15:layout/>
+                <c15:showLeaderLines val="1"/>
+                <c15:leaderLines>
+                  <c:spPr>
+                    <a:ln w="9525" cap="flat" cmpd="sng" algn="ctr">
+                      <a:solidFill>
+                        <a:schemeClr val="tx1">
+                          <a:lumMod val="35000"/>
+                          <a:lumOff val="65000"/>
+                        </a:schemeClr>
+                      </a:solidFill>
+                      <a:round/>
+                    </a:ln>
+                    <a:effectLst/>
+                  </c:spPr>
+                </c15:leaderLines>
+              </c:ext>
+            </c:extLst>
+          </c:dLbls>
           <c:cat>
-            <c:strRef>
+            <c:numRef>
               <c:f>Лист1!$A$2</c:f>
-              <c:strCache>
+              <c:numCache>
+                <c:formatCode>General</c:formatCode>
                 <c:ptCount val="1"/>
-                <c:pt idx="0">
-                  <c:v>Категория 1</c:v>
-                </c:pt>
-              </c:strCache>
-            </c:strRef>
+              </c:numCache>
+            </c:numRef>
           </c:cat>
           <c:val>
             <c:numRef>
               <c:f>Лист1!$C$2</c:f>
               <c:numCache>
-                <c:formatCode>General</c:formatCode>
+                <c:formatCode>0%</c:formatCode>
                 <c:ptCount val="1"/>
                 <c:pt idx="0">
-                  <c:v>2.4</c:v>
+                  <c:v>0.9</c:v>
                 </c:pt>
               </c:numCache>
             </c:numRef>
@@ -1182,7 +1274,7 @@
               <c:strCache>
                 <c:ptCount val="1"/>
                 <c:pt idx="0">
-                  <c:v>Ряд 3</c:v>
+                  <c:v>Македонская Евгения</c:v>
                 </c:pt>
               </c:strCache>
             </c:strRef>
@@ -1190,7 +1282,7 @@
           <c:spPr>
             <a:solidFill>
               <a:schemeClr val="accent5">
-                <a:shade val="90000"/>
+                <a:shade val="65000"/>
               </a:schemeClr>
             </a:solidFill>
             <a:ln>
@@ -1199,25 +1291,82 @@
             <a:effectLst/>
           </c:spPr>
           <c:invertIfNegative val="0"/>
+          <c:dLbls>
+            <c:spPr>
+              <a:noFill/>
+              <a:ln>
+                <a:noFill/>
+              </a:ln>
+              <a:effectLst/>
+            </c:spPr>
+            <c:txPr>
+              <a:bodyPr rot="0" spcFirstLastPara="1" vertOverflow="ellipsis" vert="horz" wrap="square" lIns="38100" tIns="19050" rIns="38100" bIns="19050" anchor="ctr" anchorCtr="1">
+                <a:spAutoFit/>
+              </a:bodyPr>
+              <a:lstStyle/>
+              <a:p>
+                <a:pPr>
+                  <a:defRPr sz="1197" b="0" i="0" u="none" strike="noStrike" kern="1200" baseline="0">
+                    <a:solidFill>
+                      <a:schemeClr val="tx1">
+                        <a:lumMod val="75000"/>
+                        <a:lumOff val="25000"/>
+                      </a:schemeClr>
+                    </a:solidFill>
+                    <a:latin typeface="+mn-lt"/>
+                    <a:ea typeface="+mn-ea"/>
+                    <a:cs typeface="+mn-cs"/>
+                  </a:defRPr>
+                </a:pPr>
+                <a:endParaRPr lang="ru-RU"/>
+              </a:p>
+            </c:txPr>
+            <c:dLblPos val="outEnd"/>
+            <c:showLegendKey val="0"/>
+            <c:showVal val="1"/>
+            <c:showCatName val="0"/>
+            <c:showSerName val="0"/>
+            <c:showPercent val="0"/>
+            <c:showBubbleSize val="0"/>
+            <c:showLeaderLines val="0"/>
+            <c:extLst>
+              <c:ext xmlns:c15="http://schemas.microsoft.com/office/drawing/2012/chart" uri="{CE6537A1-D6FC-4f65-9D91-7224C49458BB}">
+                <c15:layout/>
+                <c15:showLeaderLines val="1"/>
+                <c15:leaderLines>
+                  <c:spPr>
+                    <a:ln w="9525" cap="flat" cmpd="sng" algn="ctr">
+                      <a:solidFill>
+                        <a:schemeClr val="tx1">
+                          <a:lumMod val="35000"/>
+                          <a:lumOff val="65000"/>
+                        </a:schemeClr>
+                      </a:solidFill>
+                      <a:round/>
+                    </a:ln>
+                    <a:effectLst/>
+                  </c:spPr>
+                </c15:leaderLines>
+              </c:ext>
+            </c:extLst>
+          </c:dLbls>
           <c:cat>
-            <c:strRef>
+            <c:numRef>
               <c:f>Лист1!$A$2</c:f>
-              <c:strCache>
+              <c:numCache>
+                <c:formatCode>General</c:formatCode>
                 <c:ptCount val="1"/>
-                <c:pt idx="0">
-                  <c:v>Категория 1</c:v>
-                </c:pt>
-              </c:strCache>
-            </c:strRef>
+              </c:numCache>
+            </c:numRef>
           </c:cat>
           <c:val>
             <c:numRef>
               <c:f>Лист1!$D$2</c:f>
               <c:numCache>
-                <c:formatCode>General</c:formatCode>
+                <c:formatCode>0%</c:formatCode>
                 <c:ptCount val="1"/>
                 <c:pt idx="0">
-                  <c:v>2</c:v>
+                  <c:v>0.98</c:v>
                 </c:pt>
               </c:numCache>
             </c:numRef>
@@ -1231,13 +1380,16 @@
               <c:f>Лист1!$E$1</c:f>
               <c:strCache>
                 <c:ptCount val="1"/>
+                <c:pt idx="0">
+                  <c:v>Минаков Александр</c:v>
+                </c:pt>
               </c:strCache>
             </c:strRef>
           </c:tx>
           <c:spPr>
             <a:solidFill>
               <a:schemeClr val="accent5">
-                <a:tint val="90000"/>
+                <a:shade val="76000"/>
               </a:schemeClr>
             </a:solidFill>
             <a:ln>
@@ -1246,23 +1398,83 @@
             <a:effectLst/>
           </c:spPr>
           <c:invertIfNegative val="0"/>
+          <c:dLbls>
+            <c:spPr>
+              <a:noFill/>
+              <a:ln>
+                <a:noFill/>
+              </a:ln>
+              <a:effectLst/>
+            </c:spPr>
+            <c:txPr>
+              <a:bodyPr rot="0" spcFirstLastPara="1" vertOverflow="ellipsis" vert="horz" wrap="square" lIns="38100" tIns="19050" rIns="38100" bIns="19050" anchor="ctr" anchorCtr="1">
+                <a:spAutoFit/>
+              </a:bodyPr>
+              <a:lstStyle/>
+              <a:p>
+                <a:pPr>
+                  <a:defRPr sz="1197" b="0" i="0" u="none" strike="noStrike" kern="1200" baseline="0">
+                    <a:solidFill>
+                      <a:schemeClr val="tx1">
+                        <a:lumMod val="75000"/>
+                        <a:lumOff val="25000"/>
+                      </a:schemeClr>
+                    </a:solidFill>
+                    <a:latin typeface="+mn-lt"/>
+                    <a:ea typeface="+mn-ea"/>
+                    <a:cs typeface="+mn-cs"/>
+                  </a:defRPr>
+                </a:pPr>
+                <a:endParaRPr lang="ru-RU"/>
+              </a:p>
+            </c:txPr>
+            <c:dLblPos val="outEnd"/>
+            <c:showLegendKey val="0"/>
+            <c:showVal val="1"/>
+            <c:showCatName val="0"/>
+            <c:showSerName val="0"/>
+            <c:showPercent val="0"/>
+            <c:showBubbleSize val="0"/>
+            <c:showLeaderLines val="0"/>
+            <c:extLst>
+              <c:ext xmlns:c15="http://schemas.microsoft.com/office/drawing/2012/chart" uri="{CE6537A1-D6FC-4f65-9D91-7224C49458BB}">
+                <c15:layout/>
+                <c15:showLeaderLines val="1"/>
+                <c15:leaderLines>
+                  <c:spPr>
+                    <a:ln w="9525" cap="flat" cmpd="sng" algn="ctr">
+                      <a:solidFill>
+                        <a:schemeClr val="tx1">
+                          <a:lumMod val="35000"/>
+                          <a:lumOff val="65000"/>
+                        </a:schemeClr>
+                      </a:solidFill>
+                      <a:round/>
+                    </a:ln>
+                    <a:effectLst/>
+                  </c:spPr>
+                </c15:leaderLines>
+              </c:ext>
+            </c:extLst>
+          </c:dLbls>
           <c:cat>
-            <c:strRef>
+            <c:numRef>
               <c:f>Лист1!$A$2</c:f>
-              <c:strCache>
+              <c:numCache>
+                <c:formatCode>General</c:formatCode>
                 <c:ptCount val="1"/>
-                <c:pt idx="0">
-                  <c:v>Категория 1</c:v>
-                </c:pt>
-              </c:strCache>
-            </c:strRef>
+              </c:numCache>
+            </c:numRef>
           </c:cat>
           <c:val>
             <c:numRef>
               <c:f>Лист1!$E$2</c:f>
               <c:numCache>
-                <c:formatCode>General</c:formatCode>
+                <c:formatCode>0%</c:formatCode>
                 <c:ptCount val="1"/>
+                <c:pt idx="0">
+                  <c:v>0.65</c:v>
+                </c:pt>
               </c:numCache>
             </c:numRef>
           </c:val>
@@ -1275,13 +1487,16 @@
               <c:f>Лист1!$F$1</c:f>
               <c:strCache>
                 <c:ptCount val="1"/>
+                <c:pt idx="0">
+                  <c:v>Петровская Анастасия</c:v>
+                </c:pt>
               </c:strCache>
             </c:strRef>
           </c:tx>
           <c:spPr>
             <a:solidFill>
               <a:schemeClr val="accent5">
-                <a:tint val="70000"/>
+                <a:shade val="88000"/>
               </a:schemeClr>
             </a:solidFill>
             <a:ln>
@@ -1290,23 +1505,83 @@
             <a:effectLst/>
           </c:spPr>
           <c:invertIfNegative val="0"/>
+          <c:dLbls>
+            <c:spPr>
+              <a:noFill/>
+              <a:ln>
+                <a:noFill/>
+              </a:ln>
+              <a:effectLst/>
+            </c:spPr>
+            <c:txPr>
+              <a:bodyPr rot="0" spcFirstLastPara="1" vertOverflow="ellipsis" vert="horz" wrap="square" lIns="38100" tIns="19050" rIns="38100" bIns="19050" anchor="ctr" anchorCtr="1">
+                <a:spAutoFit/>
+              </a:bodyPr>
+              <a:lstStyle/>
+              <a:p>
+                <a:pPr>
+                  <a:defRPr sz="1197" b="0" i="0" u="none" strike="noStrike" kern="1200" baseline="0">
+                    <a:solidFill>
+                      <a:schemeClr val="tx1">
+                        <a:lumMod val="75000"/>
+                        <a:lumOff val="25000"/>
+                      </a:schemeClr>
+                    </a:solidFill>
+                    <a:latin typeface="+mn-lt"/>
+                    <a:ea typeface="+mn-ea"/>
+                    <a:cs typeface="+mn-cs"/>
+                  </a:defRPr>
+                </a:pPr>
+                <a:endParaRPr lang="ru-RU"/>
+              </a:p>
+            </c:txPr>
+            <c:dLblPos val="outEnd"/>
+            <c:showLegendKey val="0"/>
+            <c:showVal val="1"/>
+            <c:showCatName val="0"/>
+            <c:showSerName val="0"/>
+            <c:showPercent val="0"/>
+            <c:showBubbleSize val="0"/>
+            <c:showLeaderLines val="0"/>
+            <c:extLst>
+              <c:ext xmlns:c15="http://schemas.microsoft.com/office/drawing/2012/chart" uri="{CE6537A1-D6FC-4f65-9D91-7224C49458BB}">
+                <c15:layout/>
+                <c15:showLeaderLines val="1"/>
+                <c15:leaderLines>
+                  <c:spPr>
+                    <a:ln w="9525" cap="flat" cmpd="sng" algn="ctr">
+                      <a:solidFill>
+                        <a:schemeClr val="tx1">
+                          <a:lumMod val="35000"/>
+                          <a:lumOff val="65000"/>
+                        </a:schemeClr>
+                      </a:solidFill>
+                      <a:round/>
+                    </a:ln>
+                    <a:effectLst/>
+                  </c:spPr>
+                </c15:leaderLines>
+              </c:ext>
+            </c:extLst>
+          </c:dLbls>
           <c:cat>
-            <c:strRef>
+            <c:numRef>
               <c:f>Лист1!$A$2</c:f>
-              <c:strCache>
+              <c:numCache>
+                <c:formatCode>General</c:formatCode>
                 <c:ptCount val="1"/>
-                <c:pt idx="0">
-                  <c:v>Категория 1</c:v>
-                </c:pt>
-              </c:strCache>
-            </c:strRef>
+              </c:numCache>
+            </c:numRef>
           </c:cat>
           <c:val>
             <c:numRef>
               <c:f>Лист1!$F$2</c:f>
               <c:numCache>
-                <c:formatCode>General</c:formatCode>
+                <c:formatCode>0%</c:formatCode>
                 <c:ptCount val="1"/>
+                <c:pt idx="0">
+                  <c:v>0.93</c:v>
+                </c:pt>
               </c:numCache>
             </c:numRef>
           </c:val>
@@ -1319,13 +1594,121 @@
               <c:f>Лист1!$G$1</c:f>
               <c:strCache>
                 <c:ptCount val="1"/>
+                <c:pt idx="0">
+                  <c:v>Северин Вервальд</c:v>
+                </c:pt>
+              </c:strCache>
+            </c:strRef>
+          </c:tx>
+          <c:spPr>
+            <a:solidFill>
+              <a:schemeClr val="accent5"/>
+            </a:solidFill>
+            <a:ln>
+              <a:noFill/>
+            </a:ln>
+            <a:effectLst/>
+          </c:spPr>
+          <c:invertIfNegative val="0"/>
+          <c:dLbls>
+            <c:spPr>
+              <a:noFill/>
+              <a:ln>
+                <a:noFill/>
+              </a:ln>
+              <a:effectLst/>
+            </c:spPr>
+            <c:txPr>
+              <a:bodyPr rot="0" spcFirstLastPara="1" vertOverflow="ellipsis" vert="horz" wrap="square" lIns="38100" tIns="19050" rIns="38100" bIns="19050" anchor="ctr" anchorCtr="1">
+                <a:spAutoFit/>
+              </a:bodyPr>
+              <a:lstStyle/>
+              <a:p>
+                <a:pPr>
+                  <a:defRPr sz="1197" b="0" i="0" u="none" strike="noStrike" kern="1200" baseline="0">
+                    <a:solidFill>
+                      <a:schemeClr val="tx1">
+                        <a:lumMod val="75000"/>
+                        <a:lumOff val="25000"/>
+                      </a:schemeClr>
+                    </a:solidFill>
+                    <a:latin typeface="+mn-lt"/>
+                    <a:ea typeface="+mn-ea"/>
+                    <a:cs typeface="+mn-cs"/>
+                  </a:defRPr>
+                </a:pPr>
+                <a:endParaRPr lang="ru-RU"/>
+              </a:p>
+            </c:txPr>
+            <c:dLblPos val="outEnd"/>
+            <c:showLegendKey val="0"/>
+            <c:showVal val="1"/>
+            <c:showCatName val="0"/>
+            <c:showSerName val="0"/>
+            <c:showPercent val="0"/>
+            <c:showBubbleSize val="0"/>
+            <c:showLeaderLines val="0"/>
+            <c:extLst>
+              <c:ext xmlns:c15="http://schemas.microsoft.com/office/drawing/2012/chart" uri="{CE6537A1-D6FC-4f65-9D91-7224C49458BB}">
+                <c15:layout/>
+                <c15:showLeaderLines val="1"/>
+                <c15:leaderLines>
+                  <c:spPr>
+                    <a:ln w="9525" cap="flat" cmpd="sng" algn="ctr">
+                      <a:solidFill>
+                        <a:schemeClr val="tx1">
+                          <a:lumMod val="35000"/>
+                          <a:lumOff val="65000"/>
+                        </a:schemeClr>
+                      </a:solidFill>
+                      <a:round/>
+                    </a:ln>
+                    <a:effectLst/>
+                  </c:spPr>
+                </c15:leaderLines>
+              </c:ext>
+            </c:extLst>
+          </c:dLbls>
+          <c:cat>
+            <c:numRef>
+              <c:f>Лист1!$A$2</c:f>
+              <c:numCache>
+                <c:formatCode>General</c:formatCode>
+                <c:ptCount val="1"/>
+              </c:numCache>
+            </c:numRef>
+          </c:cat>
+          <c:val>
+            <c:numRef>
+              <c:f>Лист1!$G$2</c:f>
+              <c:numCache>
+                <c:formatCode>0%</c:formatCode>
+                <c:ptCount val="1"/>
+                <c:pt idx="0">
+                  <c:v>0.95</c:v>
+                </c:pt>
+              </c:numCache>
+            </c:numRef>
+          </c:val>
+        </c:ser>
+        <c:ser>
+          <c:idx val="6"/>
+          <c:order val="6"/>
+          <c:tx>
+            <c:strRef>
+              <c:f>Лист1!$H$1</c:f>
+              <c:strCache>
+                <c:ptCount val="1"/>
+                <c:pt idx="0">
+                  <c:v>Сиволоб Иван</c:v>
+                </c:pt>
               </c:strCache>
             </c:strRef>
           </c:tx>
           <c:spPr>
             <a:solidFill>
               <a:schemeClr val="accent5">
-                <a:tint val="50000"/>
+                <a:tint val="89000"/>
               </a:schemeClr>
             </a:solidFill>
             <a:ln>
@@ -1334,30 +1717,519 @@
             <a:effectLst/>
           </c:spPr>
           <c:invertIfNegative val="0"/>
+          <c:dLbls>
+            <c:spPr>
+              <a:noFill/>
+              <a:ln>
+                <a:noFill/>
+              </a:ln>
+              <a:effectLst/>
+            </c:spPr>
+            <c:txPr>
+              <a:bodyPr rot="0" spcFirstLastPara="1" vertOverflow="ellipsis" vert="horz" wrap="square" lIns="38100" tIns="19050" rIns="38100" bIns="19050" anchor="ctr" anchorCtr="1">
+                <a:spAutoFit/>
+              </a:bodyPr>
+              <a:lstStyle/>
+              <a:p>
+                <a:pPr>
+                  <a:defRPr sz="1197" b="0" i="0" u="none" strike="noStrike" kern="1200" baseline="0">
+                    <a:solidFill>
+                      <a:schemeClr val="tx1">
+                        <a:lumMod val="75000"/>
+                        <a:lumOff val="25000"/>
+                      </a:schemeClr>
+                    </a:solidFill>
+                    <a:latin typeface="+mn-lt"/>
+                    <a:ea typeface="+mn-ea"/>
+                    <a:cs typeface="+mn-cs"/>
+                  </a:defRPr>
+                </a:pPr>
+                <a:endParaRPr lang="ru-RU"/>
+              </a:p>
+            </c:txPr>
+            <c:dLblPos val="outEnd"/>
+            <c:showLegendKey val="0"/>
+            <c:showVal val="1"/>
+            <c:showCatName val="0"/>
+            <c:showSerName val="0"/>
+            <c:showPercent val="0"/>
+            <c:showBubbleSize val="0"/>
+            <c:showLeaderLines val="0"/>
+            <c:extLst>
+              <c:ext xmlns:c15="http://schemas.microsoft.com/office/drawing/2012/chart" uri="{CE6537A1-D6FC-4f65-9D91-7224C49458BB}">
+                <c15:layout/>
+                <c15:showLeaderLines val="1"/>
+                <c15:leaderLines>
+                  <c:spPr>
+                    <a:ln w="9525" cap="flat" cmpd="sng" algn="ctr">
+                      <a:solidFill>
+                        <a:schemeClr val="tx1">
+                          <a:lumMod val="35000"/>
+                          <a:lumOff val="65000"/>
+                        </a:schemeClr>
+                      </a:solidFill>
+                      <a:round/>
+                    </a:ln>
+                    <a:effectLst/>
+                  </c:spPr>
+                </c15:leaderLines>
+              </c:ext>
+            </c:extLst>
+          </c:dLbls>
           <c:cat>
-            <c:strRef>
+            <c:numRef>
               <c:f>Лист1!$A$2</c:f>
-              <c:strCache>
-                <c:ptCount val="1"/>
-                <c:pt idx="0">
-                  <c:v>Категория 1</c:v>
-                </c:pt>
-              </c:strCache>
-            </c:strRef>
-          </c:cat>
-          <c:val>
-            <c:numRef>
-              <c:f>Лист1!$G$2</c:f>
               <c:numCache>
                 <c:formatCode>General</c:formatCode>
                 <c:ptCount val="1"/>
               </c:numCache>
             </c:numRef>
+          </c:cat>
+          <c:val>
+            <c:numRef>
+              <c:f>Лист1!$H$2</c:f>
+              <c:numCache>
+                <c:formatCode>0%</c:formatCode>
+                <c:ptCount val="1"/>
+                <c:pt idx="0">
+                  <c:v>0.9</c:v>
+                </c:pt>
+              </c:numCache>
+            </c:numRef>
+          </c:val>
+        </c:ser>
+        <c:ser>
+          <c:idx val="7"/>
+          <c:order val="7"/>
+          <c:tx>
+            <c:strRef>
+              <c:f>Лист1!$I$1</c:f>
+              <c:strCache>
+                <c:ptCount val="1"/>
+                <c:pt idx="0">
+                  <c:v>Смирнов Максим</c:v>
+                </c:pt>
+              </c:strCache>
+            </c:strRef>
+          </c:tx>
+          <c:spPr>
+            <a:solidFill>
+              <a:schemeClr val="accent5">
+                <a:tint val="77000"/>
+              </a:schemeClr>
+            </a:solidFill>
+            <a:ln>
+              <a:noFill/>
+            </a:ln>
+            <a:effectLst/>
+          </c:spPr>
+          <c:invertIfNegative val="0"/>
+          <c:dLbls>
+            <c:spPr>
+              <a:noFill/>
+              <a:ln>
+                <a:noFill/>
+              </a:ln>
+              <a:effectLst/>
+            </c:spPr>
+            <c:txPr>
+              <a:bodyPr rot="0" spcFirstLastPara="1" vertOverflow="ellipsis" vert="horz" wrap="square" lIns="38100" tIns="19050" rIns="38100" bIns="19050" anchor="ctr" anchorCtr="1">
+                <a:spAutoFit/>
+              </a:bodyPr>
+              <a:lstStyle/>
+              <a:p>
+                <a:pPr>
+                  <a:defRPr sz="1197" b="0" i="0" u="none" strike="noStrike" kern="1200" baseline="0">
+                    <a:solidFill>
+                      <a:schemeClr val="tx1">
+                        <a:lumMod val="75000"/>
+                        <a:lumOff val="25000"/>
+                      </a:schemeClr>
+                    </a:solidFill>
+                    <a:latin typeface="+mn-lt"/>
+                    <a:ea typeface="+mn-ea"/>
+                    <a:cs typeface="+mn-cs"/>
+                  </a:defRPr>
+                </a:pPr>
+                <a:endParaRPr lang="ru-RU"/>
+              </a:p>
+            </c:txPr>
+            <c:dLblPos val="outEnd"/>
+            <c:showLegendKey val="0"/>
+            <c:showVal val="1"/>
+            <c:showCatName val="0"/>
+            <c:showSerName val="0"/>
+            <c:showPercent val="0"/>
+            <c:showBubbleSize val="0"/>
+            <c:showLeaderLines val="0"/>
+            <c:extLst>
+              <c:ext xmlns:c15="http://schemas.microsoft.com/office/drawing/2012/chart" uri="{CE6537A1-D6FC-4f65-9D91-7224C49458BB}">
+                <c15:layout/>
+                <c15:showLeaderLines val="1"/>
+                <c15:leaderLines>
+                  <c:spPr>
+                    <a:ln w="9525" cap="flat" cmpd="sng" algn="ctr">
+                      <a:solidFill>
+                        <a:schemeClr val="tx1">
+                          <a:lumMod val="35000"/>
+                          <a:lumOff val="65000"/>
+                        </a:schemeClr>
+                      </a:solidFill>
+                      <a:round/>
+                    </a:ln>
+                    <a:effectLst/>
+                  </c:spPr>
+                </c15:leaderLines>
+              </c:ext>
+            </c:extLst>
+          </c:dLbls>
+          <c:cat>
+            <c:numRef>
+              <c:f>Лист1!$A$2</c:f>
+              <c:numCache>
+                <c:formatCode>General</c:formatCode>
+                <c:ptCount val="1"/>
+              </c:numCache>
+            </c:numRef>
+          </c:cat>
+          <c:val>
+            <c:numRef>
+              <c:f>Лист1!$I$2</c:f>
+              <c:numCache>
+                <c:formatCode>0%</c:formatCode>
+                <c:ptCount val="1"/>
+                <c:pt idx="0">
+                  <c:v>0.9</c:v>
+                </c:pt>
+              </c:numCache>
+            </c:numRef>
+          </c:val>
+        </c:ser>
+        <c:ser>
+          <c:idx val="8"/>
+          <c:order val="8"/>
+          <c:tx>
+            <c:strRef>
+              <c:f>Лист1!$J$1</c:f>
+              <c:strCache>
+                <c:ptCount val="1"/>
+                <c:pt idx="0">
+                  <c:v>Таракчян Левон</c:v>
+                </c:pt>
+              </c:strCache>
+            </c:strRef>
+          </c:tx>
+          <c:spPr>
+            <a:solidFill>
+              <a:schemeClr val="accent5">
+                <a:tint val="65000"/>
+              </a:schemeClr>
+            </a:solidFill>
+            <a:ln>
+              <a:noFill/>
+            </a:ln>
+            <a:effectLst/>
+          </c:spPr>
+          <c:invertIfNegative val="0"/>
+          <c:dLbls>
+            <c:spPr>
+              <a:noFill/>
+              <a:ln>
+                <a:noFill/>
+              </a:ln>
+              <a:effectLst/>
+            </c:spPr>
+            <c:txPr>
+              <a:bodyPr rot="0" spcFirstLastPara="1" vertOverflow="ellipsis" vert="horz" wrap="square" lIns="38100" tIns="19050" rIns="38100" bIns="19050" anchor="ctr" anchorCtr="1">
+                <a:spAutoFit/>
+              </a:bodyPr>
+              <a:lstStyle/>
+              <a:p>
+                <a:pPr>
+                  <a:defRPr sz="1197" b="0" i="0" u="none" strike="noStrike" kern="1200" baseline="0">
+                    <a:solidFill>
+                      <a:schemeClr val="tx1">
+                        <a:lumMod val="75000"/>
+                        <a:lumOff val="25000"/>
+                      </a:schemeClr>
+                    </a:solidFill>
+                    <a:latin typeface="+mn-lt"/>
+                    <a:ea typeface="+mn-ea"/>
+                    <a:cs typeface="+mn-cs"/>
+                  </a:defRPr>
+                </a:pPr>
+                <a:endParaRPr lang="ru-RU"/>
+              </a:p>
+            </c:txPr>
+            <c:dLblPos val="outEnd"/>
+            <c:showLegendKey val="0"/>
+            <c:showVal val="1"/>
+            <c:showCatName val="0"/>
+            <c:showSerName val="0"/>
+            <c:showPercent val="0"/>
+            <c:showBubbleSize val="0"/>
+            <c:showLeaderLines val="0"/>
+            <c:extLst>
+              <c:ext xmlns:c15="http://schemas.microsoft.com/office/drawing/2012/chart" uri="{CE6537A1-D6FC-4f65-9D91-7224C49458BB}">
+                <c15:layout/>
+                <c15:showLeaderLines val="1"/>
+                <c15:leaderLines>
+                  <c:spPr>
+                    <a:ln w="9525" cap="flat" cmpd="sng" algn="ctr">
+                      <a:solidFill>
+                        <a:schemeClr val="tx1">
+                          <a:lumMod val="35000"/>
+                          <a:lumOff val="65000"/>
+                        </a:schemeClr>
+                      </a:solidFill>
+                      <a:round/>
+                    </a:ln>
+                    <a:effectLst/>
+                  </c:spPr>
+                </c15:leaderLines>
+              </c:ext>
+            </c:extLst>
+          </c:dLbls>
+          <c:cat>
+            <c:numRef>
+              <c:f>Лист1!$A$2</c:f>
+              <c:numCache>
+                <c:formatCode>General</c:formatCode>
+                <c:ptCount val="1"/>
+              </c:numCache>
+            </c:numRef>
+          </c:cat>
+          <c:val>
+            <c:numRef>
+              <c:f>Лист1!$J$2</c:f>
+              <c:numCache>
+                <c:formatCode>0%</c:formatCode>
+                <c:ptCount val="1"/>
+                <c:pt idx="0">
+                  <c:v>1</c:v>
+                </c:pt>
+              </c:numCache>
+            </c:numRef>
+          </c:val>
+        </c:ser>
+        <c:ser>
+          <c:idx val="9"/>
+          <c:order val="9"/>
+          <c:tx>
+            <c:strRef>
+              <c:f>Лист1!$K$1</c:f>
+              <c:strCache>
+                <c:ptCount val="1"/>
+                <c:pt idx="0">
+                  <c:v>Урташев Арслан</c:v>
+                </c:pt>
+              </c:strCache>
+            </c:strRef>
+          </c:tx>
+          <c:spPr>
+            <a:solidFill>
+              <a:schemeClr val="accent5">
+                <a:tint val="54000"/>
+              </a:schemeClr>
+            </a:solidFill>
+            <a:ln>
+              <a:noFill/>
+            </a:ln>
+            <a:effectLst/>
+          </c:spPr>
+          <c:invertIfNegative val="0"/>
+          <c:dLbls>
+            <c:spPr>
+              <a:noFill/>
+              <a:ln>
+                <a:noFill/>
+              </a:ln>
+              <a:effectLst/>
+            </c:spPr>
+            <c:txPr>
+              <a:bodyPr rot="0" spcFirstLastPara="1" vertOverflow="ellipsis" vert="horz" wrap="square" lIns="38100" tIns="19050" rIns="38100" bIns="19050" anchor="ctr" anchorCtr="1">
+                <a:spAutoFit/>
+              </a:bodyPr>
+              <a:lstStyle/>
+              <a:p>
+                <a:pPr>
+                  <a:defRPr sz="1197" b="0" i="0" u="none" strike="noStrike" kern="1200" baseline="0">
+                    <a:solidFill>
+                      <a:schemeClr val="tx1">
+                        <a:lumMod val="75000"/>
+                        <a:lumOff val="25000"/>
+                      </a:schemeClr>
+                    </a:solidFill>
+                    <a:latin typeface="+mn-lt"/>
+                    <a:ea typeface="+mn-ea"/>
+                    <a:cs typeface="+mn-cs"/>
+                  </a:defRPr>
+                </a:pPr>
+                <a:endParaRPr lang="ru-RU"/>
+              </a:p>
+            </c:txPr>
+            <c:dLblPos val="outEnd"/>
+            <c:showLegendKey val="0"/>
+            <c:showVal val="1"/>
+            <c:showCatName val="0"/>
+            <c:showSerName val="0"/>
+            <c:showPercent val="0"/>
+            <c:showBubbleSize val="0"/>
+            <c:showLeaderLines val="0"/>
+            <c:extLst>
+              <c:ext xmlns:c15="http://schemas.microsoft.com/office/drawing/2012/chart" uri="{CE6537A1-D6FC-4f65-9D91-7224C49458BB}">
+                <c15:layout/>
+                <c15:showLeaderLines val="1"/>
+                <c15:leaderLines>
+                  <c:spPr>
+                    <a:ln w="9525" cap="flat" cmpd="sng" algn="ctr">
+                      <a:solidFill>
+                        <a:schemeClr val="tx1">
+                          <a:lumMod val="35000"/>
+                          <a:lumOff val="65000"/>
+                        </a:schemeClr>
+                      </a:solidFill>
+                      <a:round/>
+                    </a:ln>
+                    <a:effectLst/>
+                  </c:spPr>
+                </c15:leaderLines>
+              </c:ext>
+            </c:extLst>
+          </c:dLbls>
+          <c:cat>
+            <c:numRef>
+              <c:f>Лист1!$A$2</c:f>
+              <c:numCache>
+                <c:formatCode>General</c:formatCode>
+                <c:ptCount val="1"/>
+              </c:numCache>
+            </c:numRef>
+          </c:cat>
+          <c:val>
+            <c:numRef>
+              <c:f>Лист1!$K$2</c:f>
+              <c:numCache>
+                <c:formatCode>0%</c:formatCode>
+                <c:ptCount val="1"/>
+                <c:pt idx="0">
+                  <c:v>0.65</c:v>
+                </c:pt>
+              </c:numCache>
+            </c:numRef>
+          </c:val>
+        </c:ser>
+        <c:ser>
+          <c:idx val="10"/>
+          <c:order val="10"/>
+          <c:tx>
+            <c:strRef>
+              <c:f>Лист1!$L$1</c:f>
+              <c:strCache>
+                <c:ptCount val="1"/>
+                <c:pt idx="0">
+                  <c:v>Чекалин Дмитрий</c:v>
+                </c:pt>
+              </c:strCache>
+            </c:strRef>
+          </c:tx>
+          <c:spPr>
+            <a:solidFill>
+              <a:schemeClr val="accent5">
+                <a:tint val="42000"/>
+              </a:schemeClr>
+            </a:solidFill>
+            <a:ln>
+              <a:noFill/>
+            </a:ln>
+            <a:effectLst/>
+          </c:spPr>
+          <c:invertIfNegative val="0"/>
+          <c:dLbls>
+            <c:spPr>
+              <a:noFill/>
+              <a:ln>
+                <a:noFill/>
+              </a:ln>
+              <a:effectLst/>
+            </c:spPr>
+            <c:txPr>
+              <a:bodyPr rot="0" spcFirstLastPara="1" vertOverflow="ellipsis" vert="horz" wrap="square" lIns="38100" tIns="19050" rIns="38100" bIns="19050" anchor="ctr" anchorCtr="1">
+                <a:spAutoFit/>
+              </a:bodyPr>
+              <a:lstStyle/>
+              <a:p>
+                <a:pPr>
+                  <a:defRPr sz="1197" b="0" i="0" u="none" strike="noStrike" kern="1200" baseline="0">
+                    <a:solidFill>
+                      <a:schemeClr val="tx1">
+                        <a:lumMod val="75000"/>
+                        <a:lumOff val="25000"/>
+                      </a:schemeClr>
+                    </a:solidFill>
+                    <a:latin typeface="+mn-lt"/>
+                    <a:ea typeface="+mn-ea"/>
+                    <a:cs typeface="+mn-cs"/>
+                  </a:defRPr>
+                </a:pPr>
+                <a:endParaRPr lang="ru-RU"/>
+              </a:p>
+            </c:txPr>
+            <c:dLblPos val="outEnd"/>
+            <c:showLegendKey val="0"/>
+            <c:showVal val="1"/>
+            <c:showCatName val="0"/>
+            <c:showSerName val="0"/>
+            <c:showPercent val="0"/>
+            <c:showBubbleSize val="0"/>
+            <c:showLeaderLines val="0"/>
+            <c:extLst>
+              <c:ext xmlns:c15="http://schemas.microsoft.com/office/drawing/2012/chart" uri="{CE6537A1-D6FC-4f65-9D91-7224C49458BB}">
+                <c15:layout/>
+                <c15:showLeaderLines val="1"/>
+                <c15:leaderLines>
+                  <c:spPr>
+                    <a:ln w="9525" cap="flat" cmpd="sng" algn="ctr">
+                      <a:solidFill>
+                        <a:schemeClr val="tx1">
+                          <a:lumMod val="35000"/>
+                          <a:lumOff val="65000"/>
+                        </a:schemeClr>
+                      </a:solidFill>
+                      <a:round/>
+                    </a:ln>
+                    <a:effectLst/>
+                  </c:spPr>
+                </c15:leaderLines>
+              </c:ext>
+            </c:extLst>
+          </c:dLbls>
+          <c:cat>
+            <c:numRef>
+              <c:f>Лист1!$A$2</c:f>
+              <c:numCache>
+                <c:formatCode>General</c:formatCode>
+                <c:ptCount val="1"/>
+              </c:numCache>
+            </c:numRef>
+          </c:cat>
+          <c:val>
+            <c:numRef>
+              <c:f>Лист1!$L$2</c:f>
+              <c:numCache>
+                <c:formatCode>0%</c:formatCode>
+                <c:ptCount val="1"/>
+                <c:pt idx="0">
+                  <c:v>0.9</c:v>
+                </c:pt>
+              </c:numCache>
+            </c:numRef>
           </c:val>
         </c:ser>
         <c:dLbls>
+          <c:dLblPos val="outEnd"/>
           <c:showLegendKey val="0"/>
-          <c:showVal val="0"/>
+          <c:showVal val="1"/>
           <c:showCatName val="0"/>
           <c:showSerName val="0"/>
           <c:showPercent val="0"/>
@@ -1365,11 +2237,11 @@
         </c:dLbls>
         <c:gapWidth val="219"/>
         <c:overlap val="-27"/>
-        <c:axId val="385103912"/>
-        <c:axId val="385104696"/>
+        <c:axId val="261472176"/>
+        <c:axId val="157181248"/>
       </c:barChart>
       <c:catAx>
-        <c:axId val="385103912"/>
+        <c:axId val="261472176"/>
         <c:scaling>
           <c:orientation val="minMax"/>
         </c:scaling>
@@ -1412,7 +2284,7 @@
             <a:endParaRPr lang="ru-RU"/>
           </a:p>
         </c:txPr>
-        <c:crossAx val="385104696"/>
+        <c:crossAx val="157181248"/>
         <c:crosses val="autoZero"/>
         <c:auto val="1"/>
         <c:lblAlgn val="ctr"/>
@@ -1420,7 +2292,7 @@
         <c:noMultiLvlLbl val="0"/>
       </c:catAx>
       <c:valAx>
-        <c:axId val="385104696"/>
+        <c:axId val="157181248"/>
         <c:scaling>
           <c:orientation val="minMax"/>
         </c:scaling>
@@ -1440,7 +2312,7 @@
             <a:effectLst/>
           </c:spPr>
         </c:majorGridlines>
-        <c:numFmt formatCode="General" sourceLinked="1"/>
+        <c:numFmt formatCode="0%" sourceLinked="1"/>
         <c:majorTickMark val="none"/>
         <c:minorTickMark val="none"/>
         <c:tickLblPos val="nextTo"/>
@@ -1471,7 +2343,7 @@
             <a:endParaRPr lang="ru-RU"/>
           </a:p>
         </c:txPr>
-        <c:crossAx val="385103912"/>
+        <c:crossAx val="261472176"/>
         <c:crosses val="autoZero"/>
         <c:crossBetween val="between"/>
       </c:valAx>
@@ -14574,32 +15446,35 @@
       </p:sp>
       <p:pic>
         <p:nvPicPr>
-          <p:cNvPr id="8" name="Image1"/>
+          <p:cNvPr id="4" name="Объект 3"/>
           <p:cNvPicPr>
-            <a:picLocks noGrp="1"/>
+            <a:picLocks noGrp="1" noChangeAspect="1"/>
           </p:cNvPicPr>
           <p:nvPr>
             <p:ph idx="1"/>
           </p:nvPr>
         </p:nvPicPr>
         <p:blipFill>
-          <a:blip r:embed="rId2">
-            <a:lum bright="-50000"/>
-            <a:alphaModFix/>
-          </a:blip>
-          <a:srcRect/>
+          <a:blip r:embed="rId2"/>
           <a:stretch>
             <a:fillRect/>
           </a:stretch>
         </p:blipFill>
         <p:spPr>
           <a:xfrm>
-            <a:off x="1695893" y="1525772"/>
-            <a:ext cx="8915400" cy="4726172"/>
+            <a:off x="1017541" y="1532490"/>
+            <a:ext cx="10156917" cy="5173110"/>
           </a:xfrm>
           <a:prstGeom prst="rect">
             <a:avLst/>
           </a:prstGeom>
+          <a:ln>
+            <a:solidFill>
+              <a:schemeClr val="bg1">
+                <a:lumMod val="50000"/>
+              </a:schemeClr>
+            </a:solidFill>
+          </a:ln>
         </p:spPr>
       </p:pic>
     </p:spTree>
@@ -14612,13 +15487,13 @@
   <p:clrMapOvr>
     <a:masterClrMapping/>
   </p:clrMapOvr>
-  <mc:AlternateContent xmlns:mc="http://schemas.openxmlformats.org/markup-compatibility/2006">
-    <mc:Choice xmlns:p14="http://schemas.microsoft.com/office/powerpoint/2010/main" Requires="p14">
+  <mc:AlternateContent xmlns:mc="http://schemas.openxmlformats.org/markup-compatibility/2006" xmlns:p14="http://schemas.microsoft.com/office/powerpoint/2010/main">
+    <mc:Choice Requires="p14">
       <p:transition spd="med" p14:dur="700">
         <p:fade/>
       </p:transition>
     </mc:Choice>
-    <mc:Fallback>
+    <mc:Fallback xmlns="">
       <p:transition spd="med">
         <p:fade/>
       </p:transition>
@@ -14719,15 +15594,7 @@
                   <a:srgbClr val="FFFFFF"/>
                 </a:solidFill>
               </a:rPr>
-              <a:t>Общая с</a:t>
-            </a:r>
-            <a:r>
-              <a:rPr lang="ru-RU" b="1" dirty="0" smtClean="0">
-                <a:solidFill>
-                  <a:srgbClr val="FFFFFF"/>
-                </a:solidFill>
-              </a:rPr>
-              <a:t>татистика</a:t>
+              <a:t>Общая статистика</a:t>
             </a:r>
             <a:endParaRPr lang="ru-RU" b="1" dirty="0">
               <a:solidFill>
@@ -15960,13 +16827,13 @@
   <p:clrMapOvr>
     <a:masterClrMapping/>
   </p:clrMapOvr>
-  <mc:AlternateContent xmlns:mc="http://schemas.openxmlformats.org/markup-compatibility/2006">
-    <mc:Choice xmlns:p14="http://schemas.microsoft.com/office/powerpoint/2010/main" Requires="p14">
+  <mc:AlternateContent xmlns:mc="http://schemas.openxmlformats.org/markup-compatibility/2006" xmlns:p14="http://schemas.microsoft.com/office/powerpoint/2010/main">
+    <mc:Choice Requires="p14">
       <p:transition spd="med" p14:dur="700">
         <p:fade/>
       </p:transition>
     </mc:Choice>
-    <mc:Fallback>
+    <mc:Fallback xmlns="">
       <p:transition spd="med">
         <p:fade/>
       </p:transition>
@@ -16048,14 +16915,14 @@
             <p:ph idx="1"/>
             <p:extLst>
               <p:ext uri="{D42A27DB-BD31-4B8C-83A1-F6EECF244321}">
-                <p14:modId xmlns:p14="http://schemas.microsoft.com/office/powerpoint/2010/main" val="4270037036"/>
+                <p14:modId xmlns:p14="http://schemas.microsoft.com/office/powerpoint/2010/main" val="3267342661"/>
               </p:ext>
             </p:extLst>
           </p:nvPr>
         </p:nvGraphicFramePr>
         <p:xfrm>
-          <a:off x="838200" y="1825625"/>
-          <a:ext cx="10515600" cy="4351338"/>
+          <a:off x="399012" y="1584960"/>
+          <a:ext cx="11476540" cy="5076305"/>
         </p:xfrm>
         <a:graphic>
           <a:graphicData uri="http://schemas.openxmlformats.org/drawingml/2006/chart">
@@ -16073,13 +16940,13 @@
   <p:clrMapOvr>
     <a:masterClrMapping/>
   </p:clrMapOvr>
-  <mc:AlternateContent xmlns:mc="http://schemas.openxmlformats.org/markup-compatibility/2006">
-    <mc:Choice xmlns:p14="http://schemas.microsoft.com/office/powerpoint/2010/main" Requires="p14">
+  <mc:AlternateContent xmlns:mc="http://schemas.openxmlformats.org/markup-compatibility/2006" xmlns:p14="http://schemas.microsoft.com/office/powerpoint/2010/main">
+    <mc:Choice Requires="p14">
       <p:transition spd="med" p14:dur="700">
         <p:fade/>
       </p:transition>
     </mc:Choice>
-    <mc:Fallback>
+    <mc:Fallback xmlns="">
       <p:transition spd="med">
         <p:fade/>
       </p:transition>

--- a/k224-docs/Servis_po_organizatsii_i_poisku_meropriaty_Par.pptx
+++ b/k224-docs/Servis_po_organizatsii_i_poisku_meropriaty_Par.pptx
@@ -5,10 +5,10 @@
     <p:sldMasterId id="2147483662" r:id="rId2"/>
   </p:sldMasterIdLst>
   <p:notesMasterIdLst>
-    <p:notesMasterId r:id="rId27"/>
+    <p:notesMasterId r:id="rId29"/>
   </p:notesMasterIdLst>
   <p:handoutMasterIdLst>
-    <p:handoutMasterId r:id="rId28"/>
+    <p:handoutMasterId r:id="rId30"/>
   </p:handoutMasterIdLst>
   <p:sldIdLst>
     <p:sldId id="257" r:id="rId3"/>
@@ -26,15 +26,17 @@
     <p:sldId id="283" r:id="rId15"/>
     <p:sldId id="284" r:id="rId16"/>
     <p:sldId id="277" r:id="rId17"/>
-    <p:sldId id="290" r:id="rId18"/>
-    <p:sldId id="282" r:id="rId19"/>
-    <p:sldId id="288" r:id="rId20"/>
-    <p:sldId id="289" r:id="rId21"/>
-    <p:sldId id="285" r:id="rId22"/>
-    <p:sldId id="286" r:id="rId23"/>
-    <p:sldId id="287" r:id="rId24"/>
-    <p:sldId id="276" r:id="rId25"/>
-    <p:sldId id="281" r:id="rId26"/>
+    <p:sldId id="292" r:id="rId18"/>
+    <p:sldId id="291" r:id="rId19"/>
+    <p:sldId id="290" r:id="rId20"/>
+    <p:sldId id="282" r:id="rId21"/>
+    <p:sldId id="288" r:id="rId22"/>
+    <p:sldId id="289" r:id="rId23"/>
+    <p:sldId id="285" r:id="rId24"/>
+    <p:sldId id="286" r:id="rId25"/>
+    <p:sldId id="287" r:id="rId26"/>
+    <p:sldId id="276" r:id="rId27"/>
+    <p:sldId id="281" r:id="rId28"/>
   </p:sldIdLst>
   <p:sldSz cx="12192000" cy="6858000"/>
   <p:notesSz cx="6858000" cy="9144000"/>
@@ -386,11 +388,11 @@
         </c:dLbls>
         <c:marker val="1"/>
         <c:smooth val="0"/>
-        <c:axId val="261472960"/>
-        <c:axId val="261470216"/>
+        <c:axId val="274774552"/>
+        <c:axId val="274776120"/>
       </c:lineChart>
       <c:dateAx>
-        <c:axId val="261472960"/>
+        <c:axId val="274774552"/>
         <c:scaling>
           <c:orientation val="minMax"/>
         </c:scaling>
@@ -430,14 +432,14 @@
             <a:endParaRPr lang="ru-RU"/>
           </a:p>
         </c:txPr>
-        <c:crossAx val="261470216"/>
+        <c:crossAx val="274776120"/>
         <c:crosses val="autoZero"/>
         <c:auto val="1"/>
         <c:lblOffset val="100"/>
         <c:baseTimeUnit val="days"/>
       </c:dateAx>
       <c:valAx>
-        <c:axId val="261470216"/>
+        <c:axId val="274776120"/>
         <c:scaling>
           <c:orientation val="minMax"/>
         </c:scaling>
@@ -535,7 +537,7 @@
             <a:endParaRPr lang="ru-RU"/>
           </a:p>
         </c:txPr>
-        <c:crossAx val="261472960"/>
+        <c:crossAx val="274774552"/>
         <c:crosses val="autoZero"/>
         <c:crossBetween val="between"/>
       </c:valAx>
@@ -626,6 +628,52 @@
   </mc:AlternateContent>
   <c:chart>
     <c:title>
+      <c:tx>
+        <c:rich>
+          <a:bodyPr rot="0" spcFirstLastPara="1" vertOverflow="ellipsis" vert="horz" wrap="square" anchor="ctr" anchorCtr="1"/>
+          <a:lstStyle/>
+          <a:p>
+            <a:pPr>
+              <a:defRPr sz="1862" b="1" i="0" u="none" strike="noStrike" kern="1200" cap="all" spc="50" baseline="0">
+                <a:solidFill>
+                  <a:schemeClr val="tx1">
+                    <a:lumMod val="65000"/>
+                    <a:lumOff val="35000"/>
+                  </a:schemeClr>
+                </a:solidFill>
+                <a:latin typeface="+mn-lt"/>
+                <a:ea typeface="+mn-ea"/>
+                <a:cs typeface="+mn-cs"/>
+              </a:defRPr>
+            </a:pPr>
+            <a:r>
+              <a:rPr lang="ru-RU" sz="2000" dirty="0">
+                <a:solidFill>
+                  <a:schemeClr val="accent1">
+                    <a:lumMod val="25000"/>
+                  </a:schemeClr>
+                </a:solidFill>
+                <a:effectLst>
+                  <a:outerShdw blurRad="38100" dist="38100" dir="2700000" algn="tl">
+                    <a:srgbClr val="000000">
+                      <a:alpha val="43137"/>
+                    </a:srgbClr>
+                  </a:outerShdw>
+                </a:effectLst>
+              </a:rPr>
+              <a:t>Автоматизация тестирования</a:t>
+            </a:r>
+          </a:p>
+        </c:rich>
+      </c:tx>
+      <c:layout>
+        <c:manualLayout>
+          <c:xMode val="edge"/>
+          <c:yMode val="edge"/>
+          <c:x val="0.15417340365644366"/>
+          <c:y val="0"/>
+        </c:manualLayout>
+      </c:layout>
       <c:overlay val="0"/>
       <c:spPr>
         <a:noFill/>
@@ -639,7 +687,7 @@
         <a:lstStyle/>
         <a:p>
           <a:pPr>
-            <a:defRPr sz="2200" b="1" i="0" u="none" strike="noStrike" kern="1200" cap="all" baseline="0">
+            <a:defRPr sz="1862" b="1" i="0" u="none" strike="noStrike" kern="1200" cap="all" spc="50" baseline="0">
               <a:solidFill>
                 <a:schemeClr val="tx1">
                   <a:lumMod val="65000"/>
@@ -656,58 +704,9 @@
       </c:txPr>
     </c:title>
     <c:autoTitleDeleted val="0"/>
-    <c:view3D>
-      <c:rotX val="50"/>
-      <c:rotY val="0"/>
-      <c:depthPercent val="100"/>
-      <c:rAngAx val="0"/>
-    </c:view3D>
-    <c:floor>
-      <c:thickness val="0"/>
-      <c:spPr>
-        <a:noFill/>
-        <a:ln>
-          <a:noFill/>
-        </a:ln>
-        <a:effectLst/>
-        <a:sp3d/>
-      </c:spPr>
-    </c:floor>
-    <c:sideWall>
-      <c:thickness val="0"/>
-      <c:spPr>
-        <a:noFill/>
-        <a:ln>
-          <a:noFill/>
-        </a:ln>
-        <a:effectLst/>
-        <a:sp3d/>
-      </c:spPr>
-    </c:sideWall>
-    <c:backWall>
-      <c:thickness val="0"/>
-      <c:spPr>
-        <a:noFill/>
-        <a:ln>
-          <a:noFill/>
-        </a:ln>
-        <a:effectLst/>
-        <a:sp3d/>
-      </c:spPr>
-    </c:backWall>
     <c:plotArea>
-      <c:layout>
-        <c:manualLayout>
-          <c:layoutTarget val="inner"/>
-          <c:xMode val="edge"/>
-          <c:yMode val="edge"/>
-          <c:x val="0"/>
-          <c:y val="0.18795452830004131"/>
-          <c:w val="0.94044585464568164"/>
-          <c:h val="0.81204547169995867"/>
-        </c:manualLayout>
-      </c:layout>
-      <c:pie3DChart>
+      <c:layout/>
+      <c:pieChart>
         <c:varyColors val="1"/>
         <c:ser>
           <c:idx val="0"/>
@@ -718,7 +717,7 @@
               <c:strCache>
                 <c:ptCount val="1"/>
                 <c:pt idx="0">
-                  <c:v>Продажи</c:v>
+                  <c:v>Автоматизация тестирования</c:v>
                 </c:pt>
               </c:strCache>
             </c:strRef>
@@ -728,33 +727,20 @@
             <c:bubble3D val="0"/>
             <c:spPr>
               <a:solidFill>
-                <a:schemeClr val="accent1">
-                  <a:alpha val="90000"/>
-                </a:schemeClr>
+                <a:schemeClr val="accent2"/>
               </a:solidFill>
-              <a:ln w="19050">
-                <a:solidFill>
-                  <a:schemeClr val="accent1">
-                    <a:lumMod val="75000"/>
-                  </a:schemeClr>
-                </a:solidFill>
+              <a:ln>
+                <a:noFill/>
               </a:ln>
-              <a:effectLst>
-                <a:innerShdw blurRad="114300">
-                  <a:schemeClr val="accent1">
-                    <a:lumMod val="75000"/>
-                  </a:schemeClr>
-                </a:innerShdw>
-              </a:effectLst>
+              <a:effectLst/>
               <a:scene3d>
                 <a:camera prst="orthographicFront"/>
-                <a:lightRig rig="threePt" dir="t"/>
+                <a:lightRig rig="brightRoom" dir="t"/>
               </a:scene3d>
-              <a:sp3d contourW="19050" prstMaterial="flat">
+              <a:sp3d prstMaterial="flat">
+                <a:bevelT w="50800" h="101600" prst="angle"/>
                 <a:contourClr>
-                  <a:schemeClr val="accent1">
-                    <a:lumMod val="75000"/>
-                  </a:schemeClr>
+                  <a:srgbClr val="000000"/>
                 </a:contourClr>
               </a:sp3d>
             </c:spPr>
@@ -764,211 +750,133 @@
             <c:bubble3D val="0"/>
             <c:spPr>
               <a:solidFill>
-                <a:schemeClr val="accent2">
-                  <a:alpha val="90000"/>
-                </a:schemeClr>
+                <a:schemeClr val="accent4"/>
               </a:solidFill>
-              <a:ln w="19050">
-                <a:solidFill>
-                  <a:schemeClr val="accent2">
-                    <a:lumMod val="75000"/>
-                  </a:schemeClr>
-                </a:solidFill>
+              <a:ln>
+                <a:noFill/>
               </a:ln>
-              <a:effectLst>
-                <a:innerShdw blurRad="114300">
-                  <a:schemeClr val="accent2">
-                    <a:lumMod val="75000"/>
-                  </a:schemeClr>
-                </a:innerShdw>
-              </a:effectLst>
+              <a:effectLst/>
               <a:scene3d>
                 <a:camera prst="orthographicFront"/>
-                <a:lightRig rig="threePt" dir="t"/>
+                <a:lightRig rig="brightRoom" dir="t"/>
               </a:scene3d>
-              <a:sp3d contourW="19050" prstMaterial="flat">
+              <a:sp3d prstMaterial="flat">
+                <a:bevelT w="50800" h="101600" prst="angle"/>
                 <a:contourClr>
-                  <a:schemeClr val="accent2">
-                    <a:lumMod val="75000"/>
-                  </a:schemeClr>
+                  <a:srgbClr val="000000"/>
+                </a:contourClr>
+              </a:sp3d>
+            </c:spPr>
+          </c:dPt>
+          <c:dPt>
+            <c:idx val="2"/>
+            <c:bubble3D val="0"/>
+            <c:spPr>
+              <a:solidFill>
+                <a:schemeClr val="accent6"/>
+              </a:solidFill>
+              <a:ln>
+                <a:noFill/>
+              </a:ln>
+              <a:effectLst/>
+              <a:scene3d>
+                <a:camera prst="orthographicFront"/>
+                <a:lightRig rig="brightRoom" dir="t"/>
+              </a:scene3d>
+              <a:sp3d prstMaterial="flat">
+                <a:bevelT w="50800" h="101600" prst="angle"/>
+                <a:contourClr>
+                  <a:srgbClr val="000000"/>
                 </a:contourClr>
               </a:sp3d>
             </c:spPr>
           </c:dPt>
           <c:dLbls>
-            <c:dLbl>
-              <c:idx val="0"/>
-              <c:spPr>
-                <a:solidFill>
-                  <a:schemeClr val="lt1">
-                    <a:alpha val="90000"/>
-                  </a:schemeClr>
-                </a:solidFill>
-                <a:ln w="12700" cap="flat" cmpd="sng" algn="ctr">
-                  <a:solidFill>
-                    <a:schemeClr val="accent1"/>
-                  </a:solidFill>
-                  <a:round/>
-                </a:ln>
-                <a:effectLst>
-                  <a:outerShdw blurRad="50800" dist="38100" dir="2700000" algn="tl" rotWithShape="0">
-                    <a:schemeClr val="accent1">
-                      <a:lumMod val="75000"/>
-                      <a:alpha val="40000"/>
-                    </a:schemeClr>
-                  </a:outerShdw>
-                </a:effectLst>
-              </c:spPr>
-              <c:txPr>
-                <a:bodyPr rot="0" spcFirstLastPara="1" vertOverflow="clip" horzOverflow="clip" vert="horz" wrap="square" lIns="38100" tIns="19050" rIns="38100" bIns="19050" anchor="ctr" anchorCtr="1">
-                  <a:spAutoFit/>
-                </a:bodyPr>
-                <a:lstStyle/>
-                <a:p>
-                  <a:pPr>
-                    <a:defRPr sz="1330" b="0" i="0" u="none" strike="noStrike" kern="1200" baseline="0">
-                      <a:solidFill>
-                        <a:schemeClr val="accent1"/>
-                      </a:solidFill>
-                      <a:effectLst/>
-                      <a:latin typeface="+mn-lt"/>
-                      <a:ea typeface="+mn-ea"/>
-                      <a:cs typeface="+mn-cs"/>
-                    </a:defRPr>
-                  </a:pPr>
-                  <a:endParaRPr lang="ru-RU"/>
-                </a:p>
-              </c:txPr>
-              <c:dLblPos val="inEnd"/>
-              <c:showLegendKey val="0"/>
-              <c:showVal val="0"/>
-              <c:showCatName val="1"/>
-              <c:showSerName val="0"/>
-              <c:showPercent val="0"/>
-              <c:showBubbleSize val="0"/>
-            </c:dLbl>
-            <c:dLbl>
-              <c:idx val="1"/>
-              <c:spPr>
-                <a:solidFill>
-                  <a:schemeClr val="lt1">
-                    <a:alpha val="90000"/>
-                  </a:schemeClr>
-                </a:solidFill>
-                <a:ln w="12700" cap="flat" cmpd="sng" algn="ctr">
-                  <a:solidFill>
-                    <a:schemeClr val="accent2"/>
-                  </a:solidFill>
-                  <a:round/>
-                </a:ln>
-                <a:effectLst>
-                  <a:outerShdw blurRad="50800" dist="38100" dir="2700000" algn="tl" rotWithShape="0">
-                    <a:schemeClr val="accent2">
-                      <a:lumMod val="75000"/>
-                      <a:alpha val="40000"/>
-                    </a:schemeClr>
-                  </a:outerShdw>
-                </a:effectLst>
-              </c:spPr>
-              <c:txPr>
-                <a:bodyPr rot="0" spcFirstLastPara="1" vertOverflow="clip" horzOverflow="clip" vert="horz" wrap="square" lIns="38100" tIns="19050" rIns="38100" bIns="19050" anchor="ctr" anchorCtr="1">
-                  <a:spAutoFit/>
-                </a:bodyPr>
-                <a:lstStyle/>
-                <a:p>
-                  <a:pPr>
-                    <a:defRPr sz="1330" b="0" i="0" u="none" strike="noStrike" kern="1200" baseline="0">
-                      <a:solidFill>
-                        <a:schemeClr val="accent2"/>
-                      </a:solidFill>
-                      <a:effectLst/>
-                      <a:latin typeface="+mn-lt"/>
-                      <a:ea typeface="+mn-ea"/>
-                      <a:cs typeface="+mn-cs"/>
-                    </a:defRPr>
-                  </a:pPr>
-                  <a:endParaRPr lang="ru-RU"/>
-                </a:p>
-              </c:txPr>
-              <c:dLblPos val="inEnd"/>
-              <c:showLegendKey val="0"/>
-              <c:showVal val="0"/>
-              <c:showCatName val="1"/>
-              <c:showSerName val="0"/>
-              <c:showPercent val="0"/>
-              <c:showBubbleSize val="0"/>
-            </c:dLbl>
             <c:spPr>
-              <a:solidFill>
-                <a:srgbClr val="E5EBF2">
-                  <a:alpha val="90000"/>
-                </a:srgbClr>
-              </a:solidFill>
-              <a:ln w="12700" cap="flat" cmpd="sng" algn="ctr">
-                <a:solidFill>
-                  <a:srgbClr val="E5EBF2"/>
-                </a:solidFill>
-                <a:round/>
+              <a:noFill/>
+              <a:ln>
+                <a:noFill/>
               </a:ln>
-              <a:effectLst>
-                <a:outerShdw blurRad="50800" dist="38100" dir="2700000" algn="tl" rotWithShape="0">
-                  <a:srgbClr val="E5EBF2">
-                    <a:lumMod val="75000"/>
-                    <a:alpha val="40000"/>
-                  </a:srgbClr>
-                </a:outerShdw>
-              </a:effectLst>
+              <a:effectLst/>
             </c:spPr>
+            <c:txPr>
+              <a:bodyPr rot="0" spcFirstLastPara="1" vertOverflow="ellipsis" vert="horz" wrap="square" lIns="38100" tIns="19050" rIns="38100" bIns="19050" anchor="ctr" anchorCtr="1">
+                <a:spAutoFit/>
+              </a:bodyPr>
+              <a:lstStyle/>
+              <a:p>
+                <a:pPr>
+                  <a:defRPr sz="1197" b="1" i="0" u="none" strike="noStrike" kern="1200" baseline="0">
+                    <a:solidFill>
+                      <a:schemeClr val="lt1"/>
+                    </a:solidFill>
+                    <a:latin typeface="+mn-lt"/>
+                    <a:ea typeface="+mn-ea"/>
+                    <a:cs typeface="+mn-cs"/>
+                  </a:defRPr>
+                </a:pPr>
+                <a:endParaRPr lang="ru-RU"/>
+              </a:p>
+            </c:txPr>
             <c:dLblPos val="inEnd"/>
             <c:showLegendKey val="0"/>
             <c:showVal val="0"/>
-            <c:showCatName val="1"/>
+            <c:showCatName val="0"/>
             <c:showSerName val="0"/>
-            <c:showPercent val="0"/>
+            <c:showPercent val="1"/>
             <c:showBubbleSize val="0"/>
             <c:showLeaderLines val="1"/>
             <c:leaderLines>
               <c:spPr>
-                <a:ln w="9525">
+                <a:ln w="9525" cap="flat" cmpd="sng" algn="ctr">
                   <a:solidFill>
                     <a:schemeClr val="tx1">
                       <a:lumMod val="35000"/>
                       <a:lumOff val="65000"/>
                     </a:schemeClr>
                   </a:solidFill>
+                  <a:round/>
                 </a:ln>
                 <a:effectLst/>
               </c:spPr>
             </c:leaderLines>
             <c:extLst>
-              <c:ext xmlns:c15="http://schemas.microsoft.com/office/drawing/2012/chart" uri="{CE6537A1-D6FC-4f65-9D91-7224C49458BB}"/>
+              <c:ext xmlns:c15="http://schemas.microsoft.com/office/drawing/2012/chart" uri="{CE6537A1-D6FC-4f65-9D91-7224C49458BB}">
+                <c15:layout/>
+              </c:ext>
             </c:extLst>
           </c:dLbls>
           <c:cat>
             <c:strRef>
-              <c:f>Лист1!$A$2:$A$3</c:f>
+              <c:f>Лист1!$A$2:$A$4</c:f>
               <c:strCache>
-                <c:ptCount val="2"/>
+                <c:ptCount val="3"/>
                 <c:pt idx="0">
-                  <c:v>Кв. 1</c:v>
+                  <c:v>Реализована</c:v>
                 </c:pt>
                 <c:pt idx="1">
-                  <c:v>Кв. 4</c:v>
+                  <c:v>Невозможна</c:v>
+                </c:pt>
+                <c:pt idx="2">
+                  <c:v>Неоправданно сложна</c:v>
                 </c:pt>
               </c:strCache>
             </c:strRef>
           </c:cat>
           <c:val>
             <c:numRef>
-              <c:f>Лист1!$B$2:$B$3</c:f>
+              <c:f>Лист1!$B$2:$B$4</c:f>
               <c:numCache>
-                <c:formatCode>General</c:formatCode>
-                <c:ptCount val="2"/>
+                <c:formatCode>0%</c:formatCode>
+                <c:ptCount val="3"/>
                 <c:pt idx="0">
-                  <c:v>8.1999999999999993</c:v>
+                  <c:v>0.87</c:v>
                 </c:pt>
                 <c:pt idx="1">
-                  <c:v>1.2</c:v>
+                  <c:v>0.1</c:v>
+                </c:pt>
+                <c:pt idx="2">
+                  <c:v>0.03</c:v>
                 </c:pt>
               </c:numCache>
             </c:numRef>
@@ -978,13 +886,14 @@
           <c:dLblPos val="inEnd"/>
           <c:showLegendKey val="0"/>
           <c:showVal val="0"/>
-          <c:showCatName val="1"/>
+          <c:showCatName val="0"/>
           <c:showSerName val="0"/>
-          <c:showPercent val="0"/>
+          <c:showPercent val="1"/>
           <c:showBubbleSize val="0"/>
           <c:showLeaderLines val="1"/>
         </c:dLbls>
-      </c:pie3DChart>
+        <c:firstSliceAng val="0"/>
+      </c:pieChart>
       <c:spPr>
         <a:noFill/>
         <a:ln>
@@ -993,6 +902,38 @@
         <a:effectLst/>
       </c:spPr>
     </c:plotArea>
+    <c:legend>
+      <c:legendPos val="t"/>
+      <c:layout/>
+      <c:overlay val="0"/>
+      <c:spPr>
+        <a:noFill/>
+        <a:ln>
+          <a:noFill/>
+        </a:ln>
+        <a:effectLst/>
+      </c:spPr>
+      <c:txPr>
+        <a:bodyPr rot="0" spcFirstLastPara="1" vertOverflow="ellipsis" vert="horz" wrap="square" anchor="ctr" anchorCtr="1"/>
+        <a:lstStyle/>
+        <a:p>
+          <a:pPr>
+            <a:defRPr sz="1197" b="0" i="0" u="none" strike="noStrike" kern="1200" baseline="0">
+              <a:solidFill>
+                <a:schemeClr val="tx1">
+                  <a:lumMod val="65000"/>
+                  <a:lumOff val="35000"/>
+                </a:schemeClr>
+              </a:solidFill>
+              <a:latin typeface="+mn-lt"/>
+              <a:ea typeface="+mn-ea"/>
+              <a:cs typeface="+mn-cs"/>
+            </a:defRPr>
+          </a:pPr>
+          <a:endParaRPr lang="ru-RU"/>
+        </a:p>
+      </c:txPr>
+    </c:legend>
     <c:plotVisOnly val="1"/>
     <c:dispBlanksAs val="gap"/>
     <c:showDLblsOverMax val="0"/>
@@ -1021,6 +962,838 @@
 </file>
 
 <file path=ppt/charts/chart3.xml><?xml version="1.0" encoding="utf-8"?>
+<c:chartSpace xmlns:c="http://schemas.openxmlformats.org/drawingml/2006/chart" xmlns:a="http://schemas.openxmlformats.org/drawingml/2006/main" xmlns:r="http://schemas.openxmlformats.org/officeDocument/2006/relationships">
+  <c:date1904 val="0"/>
+  <c:lang val="ru-RU"/>
+  <c:roundedCorners val="0"/>
+  <mc:AlternateContent xmlns:mc="http://schemas.openxmlformats.org/markup-compatibility/2006">
+    <mc:Choice xmlns:c14="http://schemas.microsoft.com/office/drawing/2007/8/2/chart" Requires="c14">
+      <c14:style val="106"/>
+    </mc:Choice>
+    <mc:Fallback>
+      <c:style val="6"/>
+    </mc:Fallback>
+  </mc:AlternateContent>
+  <c:chart>
+    <c:title>
+      <c:tx>
+        <c:rich>
+          <a:bodyPr rot="0" spcFirstLastPara="1" vertOverflow="ellipsis" vert="horz" wrap="square" anchor="ctr" anchorCtr="1"/>
+          <a:lstStyle/>
+          <a:p>
+            <a:pPr>
+              <a:defRPr sz="1862" b="1" i="0" u="none" strike="noStrike" kern="1200" cap="all" spc="50" baseline="0">
+                <a:solidFill>
+                  <a:schemeClr val="tx1">
+                    <a:lumMod val="65000"/>
+                    <a:lumOff val="35000"/>
+                  </a:schemeClr>
+                </a:solidFill>
+                <a:latin typeface="+mn-lt"/>
+                <a:ea typeface="+mn-ea"/>
+                <a:cs typeface="+mn-cs"/>
+              </a:defRPr>
+            </a:pPr>
+            <a:r>
+              <a:rPr lang="ru-RU"/>
+              <a:t>Тест-кейсы</a:t>
+            </a:r>
+          </a:p>
+        </c:rich>
+      </c:tx>
+      <c:layout>
+        <c:manualLayout>
+          <c:xMode val="edge"/>
+          <c:yMode val="edge"/>
+          <c:x val="0.38914693105658377"/>
+          <c:y val="1.7511854974263087E-2"/>
+        </c:manualLayout>
+      </c:layout>
+      <c:overlay val="0"/>
+      <c:spPr>
+        <a:noFill/>
+        <a:ln>
+          <a:noFill/>
+        </a:ln>
+        <a:effectLst/>
+      </c:spPr>
+      <c:txPr>
+        <a:bodyPr rot="0" spcFirstLastPara="1" vertOverflow="ellipsis" vert="horz" wrap="square" anchor="ctr" anchorCtr="1"/>
+        <a:lstStyle/>
+        <a:p>
+          <a:pPr>
+            <a:defRPr sz="1862" b="1" i="0" u="none" strike="noStrike" kern="1200" cap="all" spc="50" baseline="0">
+              <a:solidFill>
+                <a:schemeClr val="tx1">
+                  <a:lumMod val="65000"/>
+                  <a:lumOff val="35000"/>
+                </a:schemeClr>
+              </a:solidFill>
+              <a:latin typeface="+mn-lt"/>
+              <a:ea typeface="+mn-ea"/>
+              <a:cs typeface="+mn-cs"/>
+            </a:defRPr>
+          </a:pPr>
+          <a:endParaRPr lang="ru-RU"/>
+        </a:p>
+      </c:txPr>
+    </c:title>
+    <c:autoTitleDeleted val="0"/>
+    <c:plotArea>
+      <c:layout/>
+      <c:pieChart>
+        <c:varyColors val="1"/>
+        <c:ser>
+          <c:idx val="0"/>
+          <c:order val="0"/>
+          <c:tx>
+            <c:strRef>
+              <c:f>Лист1!$B$1</c:f>
+              <c:strCache>
+                <c:ptCount val="1"/>
+                <c:pt idx="0">
+                  <c:v>Продажи</c:v>
+                </c:pt>
+              </c:strCache>
+            </c:strRef>
+          </c:tx>
+          <c:dPt>
+            <c:idx val="0"/>
+            <c:bubble3D val="0"/>
+            <c:spPr>
+              <a:solidFill>
+                <a:schemeClr val="accent4">
+                  <a:shade val="76000"/>
+                </a:schemeClr>
+              </a:solidFill>
+              <a:ln>
+                <a:noFill/>
+              </a:ln>
+              <a:effectLst/>
+              <a:scene3d>
+                <a:camera prst="orthographicFront"/>
+                <a:lightRig rig="brightRoom" dir="t"/>
+              </a:scene3d>
+              <a:sp3d prstMaterial="flat">
+                <a:bevelT w="50800" h="101600" prst="angle"/>
+                <a:contourClr>
+                  <a:srgbClr val="000000"/>
+                </a:contourClr>
+              </a:sp3d>
+            </c:spPr>
+          </c:dPt>
+          <c:dPt>
+            <c:idx val="1"/>
+            <c:bubble3D val="0"/>
+            <c:spPr>
+              <a:solidFill>
+                <a:schemeClr val="accent4">
+                  <a:tint val="77000"/>
+                </a:schemeClr>
+              </a:solidFill>
+              <a:ln>
+                <a:noFill/>
+              </a:ln>
+              <a:effectLst/>
+              <a:scene3d>
+                <a:camera prst="orthographicFront"/>
+                <a:lightRig rig="brightRoom" dir="t"/>
+              </a:scene3d>
+              <a:sp3d prstMaterial="flat">
+                <a:bevelT w="50800" h="101600" prst="angle"/>
+                <a:contourClr>
+                  <a:srgbClr val="000000"/>
+                </a:contourClr>
+              </a:sp3d>
+            </c:spPr>
+          </c:dPt>
+          <c:dLbls>
+            <c:spPr>
+              <a:noFill/>
+              <a:ln>
+                <a:noFill/>
+              </a:ln>
+              <a:effectLst/>
+            </c:spPr>
+            <c:txPr>
+              <a:bodyPr rot="0" spcFirstLastPara="1" vertOverflow="ellipsis" vert="horz" wrap="square" lIns="38100" tIns="19050" rIns="38100" bIns="19050" anchor="ctr" anchorCtr="1">
+                <a:spAutoFit/>
+              </a:bodyPr>
+              <a:lstStyle/>
+              <a:p>
+                <a:pPr>
+                  <a:defRPr sz="1197" b="1" i="0" u="none" strike="noStrike" kern="1200" baseline="0">
+                    <a:solidFill>
+                      <a:schemeClr val="lt1"/>
+                    </a:solidFill>
+                    <a:latin typeface="+mn-lt"/>
+                    <a:ea typeface="+mn-ea"/>
+                    <a:cs typeface="+mn-cs"/>
+                  </a:defRPr>
+                </a:pPr>
+                <a:endParaRPr lang="ru-RU"/>
+              </a:p>
+            </c:txPr>
+            <c:dLblPos val="inEnd"/>
+            <c:showLegendKey val="0"/>
+            <c:showVal val="0"/>
+            <c:showCatName val="0"/>
+            <c:showSerName val="0"/>
+            <c:showPercent val="1"/>
+            <c:showBubbleSize val="0"/>
+            <c:showLeaderLines val="1"/>
+            <c:leaderLines>
+              <c:spPr>
+                <a:ln w="9525" cap="flat" cmpd="sng" algn="ctr">
+                  <a:solidFill>
+                    <a:schemeClr val="tx1">
+                      <a:lumMod val="35000"/>
+                      <a:lumOff val="65000"/>
+                    </a:schemeClr>
+                  </a:solidFill>
+                  <a:round/>
+                </a:ln>
+                <a:effectLst/>
+              </c:spPr>
+            </c:leaderLines>
+            <c:extLst>
+              <c:ext xmlns:c15="http://schemas.microsoft.com/office/drawing/2012/chart" uri="{CE6537A1-D6FC-4f65-9D91-7224C49458BB}">
+                <c15:layout/>
+              </c:ext>
+            </c:extLst>
+          </c:dLbls>
+          <c:cat>
+            <c:strRef>
+              <c:f>Лист1!$A$2:$A$3</c:f>
+              <c:strCache>
+                <c:ptCount val="2"/>
+                <c:pt idx="0">
+                  <c:v>Pass</c:v>
+                </c:pt>
+                <c:pt idx="1">
+                  <c:v>Fail</c:v>
+                </c:pt>
+              </c:strCache>
+            </c:strRef>
+          </c:cat>
+          <c:val>
+            <c:numRef>
+              <c:f>Лист1!$B$2:$B$3</c:f>
+              <c:numCache>
+                <c:formatCode>General</c:formatCode>
+                <c:ptCount val="2"/>
+                <c:pt idx="0">
+                  <c:v>113</c:v>
+                </c:pt>
+                <c:pt idx="1">
+                  <c:v>8</c:v>
+                </c:pt>
+              </c:numCache>
+            </c:numRef>
+          </c:val>
+        </c:ser>
+        <c:dLbls>
+          <c:dLblPos val="inEnd"/>
+          <c:showLegendKey val="0"/>
+          <c:showVal val="0"/>
+          <c:showCatName val="0"/>
+          <c:showSerName val="0"/>
+          <c:showPercent val="1"/>
+          <c:showBubbleSize val="0"/>
+          <c:showLeaderLines val="1"/>
+        </c:dLbls>
+        <c:firstSliceAng val="0"/>
+      </c:pieChart>
+      <c:spPr>
+        <a:noFill/>
+        <a:ln>
+          <a:noFill/>
+        </a:ln>
+        <a:effectLst/>
+      </c:spPr>
+    </c:plotArea>
+    <c:legend>
+      <c:legendPos val="t"/>
+      <c:layout/>
+      <c:overlay val="0"/>
+      <c:spPr>
+        <a:noFill/>
+        <a:ln>
+          <a:noFill/>
+        </a:ln>
+        <a:effectLst/>
+      </c:spPr>
+      <c:txPr>
+        <a:bodyPr rot="0" spcFirstLastPara="1" vertOverflow="ellipsis" vert="horz" wrap="square" anchor="ctr" anchorCtr="1"/>
+        <a:lstStyle/>
+        <a:p>
+          <a:pPr>
+            <a:defRPr sz="1197" b="0" i="0" u="none" strike="noStrike" kern="1200" baseline="0">
+              <a:solidFill>
+                <a:schemeClr val="tx1">
+                  <a:lumMod val="65000"/>
+                  <a:lumOff val="35000"/>
+                </a:schemeClr>
+              </a:solidFill>
+              <a:latin typeface="+mn-lt"/>
+              <a:ea typeface="+mn-ea"/>
+              <a:cs typeface="+mn-cs"/>
+            </a:defRPr>
+          </a:pPr>
+          <a:endParaRPr lang="ru-RU"/>
+        </a:p>
+      </c:txPr>
+    </c:legend>
+    <c:plotVisOnly val="1"/>
+    <c:dispBlanksAs val="gap"/>
+    <c:showDLblsOverMax val="0"/>
+  </c:chart>
+  <c:spPr>
+    <a:noFill/>
+    <a:ln>
+      <a:noFill/>
+    </a:ln>
+    <a:effectLst/>
+  </c:spPr>
+  <c:txPr>
+    <a:bodyPr/>
+    <a:lstStyle/>
+    <a:p>
+      <a:pPr>
+        <a:defRPr/>
+      </a:pPr>
+      <a:endParaRPr lang="ru-RU"/>
+    </a:p>
+  </c:txPr>
+  <c:externalData r:id="rId3">
+    <c:autoUpdate val="0"/>
+  </c:externalData>
+</c:chartSpace>
+</file>
+
+<file path=ppt/charts/chart4.xml><?xml version="1.0" encoding="utf-8"?>
+<c:chartSpace xmlns:c="http://schemas.openxmlformats.org/drawingml/2006/chart" xmlns:a="http://schemas.openxmlformats.org/drawingml/2006/main" xmlns:r="http://schemas.openxmlformats.org/officeDocument/2006/relationships">
+  <c:date1904 val="0"/>
+  <c:lang val="ru-RU"/>
+  <c:roundedCorners val="0"/>
+  <mc:AlternateContent xmlns:mc="http://schemas.openxmlformats.org/markup-compatibility/2006">
+    <mc:Choice xmlns:c14="http://schemas.microsoft.com/office/drawing/2007/8/2/chart" Requires="c14">
+      <c14:style val="102"/>
+    </mc:Choice>
+    <mc:Fallback>
+      <c:style val="2"/>
+    </mc:Fallback>
+  </mc:AlternateContent>
+  <c:chart>
+    <c:title>
+      <c:layout/>
+      <c:overlay val="0"/>
+      <c:spPr>
+        <a:noFill/>
+        <a:ln>
+          <a:noFill/>
+        </a:ln>
+        <a:effectLst/>
+      </c:spPr>
+      <c:txPr>
+        <a:bodyPr rot="0" spcFirstLastPara="1" vertOverflow="ellipsis" vert="horz" wrap="square" anchor="ctr" anchorCtr="1"/>
+        <a:lstStyle/>
+        <a:p>
+          <a:pPr>
+            <a:defRPr sz="1862" b="0" i="0" u="none" strike="noStrike" kern="1200" spc="0" baseline="0">
+              <a:solidFill>
+                <a:schemeClr val="tx1">
+                  <a:lumMod val="65000"/>
+                  <a:lumOff val="35000"/>
+                </a:schemeClr>
+              </a:solidFill>
+              <a:latin typeface="+mn-lt"/>
+              <a:ea typeface="+mn-ea"/>
+              <a:cs typeface="+mn-cs"/>
+            </a:defRPr>
+          </a:pPr>
+          <a:endParaRPr lang="ru-RU"/>
+        </a:p>
+      </c:txPr>
+    </c:title>
+    <c:autoTitleDeleted val="0"/>
+    <c:plotArea>
+      <c:layout/>
+      <c:lineChart>
+        <c:grouping val="standard"/>
+        <c:varyColors val="0"/>
+        <c:ser>
+          <c:idx val="0"/>
+          <c:order val="0"/>
+          <c:tx>
+            <c:strRef>
+              <c:f>Лист1!$B$1</c:f>
+              <c:strCache>
+                <c:ptCount val="1"/>
+                <c:pt idx="0">
+                  <c:v>Тест Требования</c:v>
+                </c:pt>
+              </c:strCache>
+            </c:strRef>
+          </c:tx>
+          <c:spPr>
+            <a:ln w="28575" cap="rnd">
+              <a:solidFill>
+                <a:schemeClr val="accent6"/>
+              </a:solidFill>
+              <a:round/>
+            </a:ln>
+            <a:effectLst/>
+          </c:spPr>
+          <c:marker>
+            <c:symbol val="none"/>
+          </c:marker>
+          <c:cat>
+            <c:numRef>
+              <c:f>Лист1!$A$2:$A$11</c:f>
+              <c:numCache>
+                <c:formatCode>m/d/yyyy</c:formatCode>
+                <c:ptCount val="10"/>
+                <c:pt idx="0">
+                  <c:v>41917</c:v>
+                </c:pt>
+                <c:pt idx="1">
+                  <c:v>41918</c:v>
+                </c:pt>
+                <c:pt idx="2">
+                  <c:v>41922</c:v>
+                </c:pt>
+                <c:pt idx="3">
+                  <c:v>41926</c:v>
+                </c:pt>
+                <c:pt idx="4">
+                  <c:v>41926</c:v>
+                </c:pt>
+                <c:pt idx="5">
+                  <c:v>41933</c:v>
+                </c:pt>
+                <c:pt idx="6">
+                  <c:v>41943</c:v>
+                </c:pt>
+                <c:pt idx="7">
+                  <c:v>41978</c:v>
+                </c:pt>
+                <c:pt idx="8">
+                  <c:v>41986</c:v>
+                </c:pt>
+                <c:pt idx="9">
+                  <c:v>41992</c:v>
+                </c:pt>
+              </c:numCache>
+            </c:numRef>
+          </c:cat>
+          <c:val>
+            <c:numRef>
+              <c:f>Лист1!$B$2:$B$11</c:f>
+              <c:numCache>
+                <c:formatCode>General</c:formatCode>
+                <c:ptCount val="10"/>
+                <c:pt idx="0">
+                  <c:v>0</c:v>
+                </c:pt>
+                <c:pt idx="1">
+                  <c:v>25</c:v>
+                </c:pt>
+                <c:pt idx="2">
+                  <c:v>30</c:v>
+                </c:pt>
+                <c:pt idx="3">
+                  <c:v>30</c:v>
+                </c:pt>
+                <c:pt idx="4">
+                  <c:v>35</c:v>
+                </c:pt>
+                <c:pt idx="5">
+                  <c:v>35</c:v>
+                </c:pt>
+              </c:numCache>
+            </c:numRef>
+          </c:val>
+          <c:smooth val="0"/>
+        </c:ser>
+        <c:ser>
+          <c:idx val="1"/>
+          <c:order val="1"/>
+          <c:tx>
+            <c:strRef>
+              <c:f>Лист1!$C$1</c:f>
+              <c:strCache>
+                <c:ptCount val="1"/>
+                <c:pt idx="0">
+                  <c:v>Текущие тест требования</c:v>
+                </c:pt>
+              </c:strCache>
+            </c:strRef>
+          </c:tx>
+          <c:spPr>
+            <a:ln w="28575" cap="rnd">
+              <a:solidFill>
+                <a:schemeClr val="accent5"/>
+              </a:solidFill>
+              <a:round/>
+            </a:ln>
+            <a:effectLst/>
+          </c:spPr>
+          <c:marker>
+            <c:symbol val="none"/>
+          </c:marker>
+          <c:cat>
+            <c:numRef>
+              <c:f>Лист1!$A$2:$A$11</c:f>
+              <c:numCache>
+                <c:formatCode>m/d/yyyy</c:formatCode>
+                <c:ptCount val="10"/>
+                <c:pt idx="0">
+                  <c:v>41917</c:v>
+                </c:pt>
+                <c:pt idx="1">
+                  <c:v>41918</c:v>
+                </c:pt>
+                <c:pt idx="2">
+                  <c:v>41922</c:v>
+                </c:pt>
+                <c:pt idx="3">
+                  <c:v>41926</c:v>
+                </c:pt>
+                <c:pt idx="4">
+                  <c:v>41926</c:v>
+                </c:pt>
+                <c:pt idx="5">
+                  <c:v>41933</c:v>
+                </c:pt>
+                <c:pt idx="6">
+                  <c:v>41943</c:v>
+                </c:pt>
+                <c:pt idx="7">
+                  <c:v>41978</c:v>
+                </c:pt>
+                <c:pt idx="8">
+                  <c:v>41986</c:v>
+                </c:pt>
+                <c:pt idx="9">
+                  <c:v>41992</c:v>
+                </c:pt>
+              </c:numCache>
+            </c:numRef>
+          </c:cat>
+          <c:val>
+            <c:numRef>
+              <c:f>Лист1!$C$2:$C$11</c:f>
+              <c:numCache>
+                <c:formatCode>General</c:formatCode>
+                <c:ptCount val="10"/>
+                <c:pt idx="5">
+                  <c:v>0</c:v>
+                </c:pt>
+                <c:pt idx="6">
+                  <c:v>20</c:v>
+                </c:pt>
+                <c:pt idx="7">
+                  <c:v>40</c:v>
+                </c:pt>
+                <c:pt idx="8">
+                  <c:v>65</c:v>
+                </c:pt>
+                <c:pt idx="9">
+                  <c:v>100</c:v>
+                </c:pt>
+              </c:numCache>
+            </c:numRef>
+          </c:val>
+          <c:smooth val="0"/>
+        </c:ser>
+        <c:ser>
+          <c:idx val="2"/>
+          <c:order val="2"/>
+          <c:tx>
+            <c:strRef>
+              <c:f>Лист1!$D$1</c:f>
+              <c:strCache>
+                <c:ptCount val="1"/>
+                <c:pt idx="0">
+                  <c:v>Тест кейсы</c:v>
+                </c:pt>
+              </c:strCache>
+            </c:strRef>
+          </c:tx>
+          <c:spPr>
+            <a:ln w="28575" cap="rnd">
+              <a:solidFill>
+                <a:schemeClr val="accent4"/>
+              </a:solidFill>
+              <a:round/>
+            </a:ln>
+            <a:effectLst/>
+          </c:spPr>
+          <c:marker>
+            <c:symbol val="none"/>
+          </c:marker>
+          <c:cat>
+            <c:numRef>
+              <c:f>Лист1!$A$2:$A$11</c:f>
+              <c:numCache>
+                <c:formatCode>m/d/yyyy</c:formatCode>
+                <c:ptCount val="10"/>
+                <c:pt idx="0">
+                  <c:v>41917</c:v>
+                </c:pt>
+                <c:pt idx="1">
+                  <c:v>41918</c:v>
+                </c:pt>
+                <c:pt idx="2">
+                  <c:v>41922</c:v>
+                </c:pt>
+                <c:pt idx="3">
+                  <c:v>41926</c:v>
+                </c:pt>
+                <c:pt idx="4">
+                  <c:v>41926</c:v>
+                </c:pt>
+                <c:pt idx="5">
+                  <c:v>41933</c:v>
+                </c:pt>
+                <c:pt idx="6">
+                  <c:v>41943</c:v>
+                </c:pt>
+                <c:pt idx="7">
+                  <c:v>41978</c:v>
+                </c:pt>
+                <c:pt idx="8">
+                  <c:v>41986</c:v>
+                </c:pt>
+                <c:pt idx="9">
+                  <c:v>41992</c:v>
+                </c:pt>
+              </c:numCache>
+            </c:numRef>
+          </c:cat>
+          <c:val>
+            <c:numRef>
+              <c:f>Лист1!$D$2:$D$11</c:f>
+              <c:numCache>
+                <c:formatCode>General</c:formatCode>
+                <c:ptCount val="10"/>
+                <c:pt idx="3">
+                  <c:v>0</c:v>
+                </c:pt>
+                <c:pt idx="4">
+                  <c:v>15</c:v>
+                </c:pt>
+                <c:pt idx="5">
+                  <c:v>30</c:v>
+                </c:pt>
+                <c:pt idx="6">
+                  <c:v>44</c:v>
+                </c:pt>
+                <c:pt idx="7">
+                  <c:v>66</c:v>
+                </c:pt>
+                <c:pt idx="8">
+                  <c:v>91</c:v>
+                </c:pt>
+                <c:pt idx="9">
+                  <c:v>121</c:v>
+                </c:pt>
+              </c:numCache>
+            </c:numRef>
+          </c:val>
+          <c:smooth val="0"/>
+        </c:ser>
+        <c:dLbls>
+          <c:showLegendKey val="0"/>
+          <c:showVal val="0"/>
+          <c:showCatName val="0"/>
+          <c:showSerName val="0"/>
+          <c:showPercent val="0"/>
+          <c:showBubbleSize val="0"/>
+        </c:dLbls>
+        <c:smooth val="0"/>
+        <c:axId val="387955032"/>
+        <c:axId val="387953072"/>
+      </c:lineChart>
+      <c:dateAx>
+        <c:axId val="387955032"/>
+        <c:scaling>
+          <c:orientation val="minMax"/>
+        </c:scaling>
+        <c:delete val="0"/>
+        <c:axPos val="b"/>
+        <c:numFmt formatCode="m/d/yyyy" sourceLinked="1"/>
+        <c:majorTickMark val="none"/>
+        <c:minorTickMark val="none"/>
+        <c:tickLblPos val="nextTo"/>
+        <c:spPr>
+          <a:noFill/>
+          <a:ln w="9525" cap="flat" cmpd="sng" algn="ctr">
+            <a:solidFill>
+              <a:schemeClr val="tx1">
+                <a:lumMod val="15000"/>
+                <a:lumOff val="85000"/>
+              </a:schemeClr>
+            </a:solidFill>
+            <a:round/>
+          </a:ln>
+          <a:effectLst/>
+        </c:spPr>
+        <c:txPr>
+          <a:bodyPr rot="-60000000" spcFirstLastPara="1" vertOverflow="ellipsis" vert="horz" wrap="square" anchor="ctr" anchorCtr="1"/>
+          <a:lstStyle/>
+          <a:p>
+            <a:pPr>
+              <a:defRPr sz="1197" b="0" i="0" u="none" strike="noStrike" kern="1200" baseline="0">
+                <a:solidFill>
+                  <a:schemeClr val="tx1">
+                    <a:lumMod val="65000"/>
+                    <a:lumOff val="35000"/>
+                  </a:schemeClr>
+                </a:solidFill>
+                <a:latin typeface="+mn-lt"/>
+                <a:ea typeface="+mn-ea"/>
+                <a:cs typeface="+mn-cs"/>
+              </a:defRPr>
+            </a:pPr>
+            <a:endParaRPr lang="ru-RU"/>
+          </a:p>
+        </c:txPr>
+        <c:crossAx val="387953072"/>
+        <c:crosses val="autoZero"/>
+        <c:auto val="1"/>
+        <c:lblOffset val="100"/>
+        <c:baseTimeUnit val="days"/>
+        <c:majorUnit val="7"/>
+        <c:majorTimeUnit val="days"/>
+        <c:minorUnit val="1"/>
+        <c:minorTimeUnit val="days"/>
+      </c:dateAx>
+      <c:valAx>
+        <c:axId val="387953072"/>
+        <c:scaling>
+          <c:orientation val="minMax"/>
+        </c:scaling>
+        <c:delete val="0"/>
+        <c:axPos val="l"/>
+        <c:majorGridlines>
+          <c:spPr>
+            <a:ln w="9525" cap="flat" cmpd="sng" algn="ctr">
+              <a:solidFill>
+                <a:schemeClr val="tx1">
+                  <a:lumMod val="15000"/>
+                  <a:lumOff val="85000"/>
+                </a:schemeClr>
+              </a:solidFill>
+              <a:round/>
+            </a:ln>
+            <a:effectLst/>
+          </c:spPr>
+        </c:majorGridlines>
+        <c:numFmt formatCode="General" sourceLinked="1"/>
+        <c:majorTickMark val="none"/>
+        <c:minorTickMark val="none"/>
+        <c:tickLblPos val="nextTo"/>
+        <c:spPr>
+          <a:noFill/>
+          <a:ln>
+            <a:noFill/>
+          </a:ln>
+          <a:effectLst/>
+        </c:spPr>
+        <c:txPr>
+          <a:bodyPr rot="-60000000" spcFirstLastPara="1" vertOverflow="ellipsis" vert="horz" wrap="square" anchor="ctr" anchorCtr="1"/>
+          <a:lstStyle/>
+          <a:p>
+            <a:pPr>
+              <a:defRPr sz="1197" b="0" i="0" u="none" strike="noStrike" kern="1200" baseline="0">
+                <a:solidFill>
+                  <a:schemeClr val="tx1">
+                    <a:lumMod val="65000"/>
+                    <a:lumOff val="35000"/>
+                  </a:schemeClr>
+                </a:solidFill>
+                <a:latin typeface="+mn-lt"/>
+                <a:ea typeface="+mn-ea"/>
+                <a:cs typeface="+mn-cs"/>
+              </a:defRPr>
+            </a:pPr>
+            <a:endParaRPr lang="ru-RU"/>
+          </a:p>
+        </c:txPr>
+        <c:crossAx val="387955032"/>
+        <c:crosses val="autoZero"/>
+        <c:crossBetween val="between"/>
+      </c:valAx>
+      <c:spPr>
+        <a:noFill/>
+        <a:ln>
+          <a:noFill/>
+        </a:ln>
+        <a:effectLst/>
+      </c:spPr>
+    </c:plotArea>
+    <c:legend>
+      <c:legendPos val="b"/>
+      <c:layout/>
+      <c:overlay val="0"/>
+      <c:spPr>
+        <a:noFill/>
+        <a:ln>
+          <a:noFill/>
+        </a:ln>
+        <a:effectLst/>
+      </c:spPr>
+      <c:txPr>
+        <a:bodyPr rot="0" spcFirstLastPara="1" vertOverflow="ellipsis" vert="horz" wrap="square" anchor="ctr" anchorCtr="1"/>
+        <a:lstStyle/>
+        <a:p>
+          <a:pPr>
+            <a:defRPr sz="1197" b="0" i="0" u="none" strike="noStrike" kern="1200" baseline="0">
+              <a:solidFill>
+                <a:schemeClr val="tx1">
+                  <a:lumMod val="65000"/>
+                  <a:lumOff val="35000"/>
+                </a:schemeClr>
+              </a:solidFill>
+              <a:latin typeface="+mn-lt"/>
+              <a:ea typeface="+mn-ea"/>
+              <a:cs typeface="+mn-cs"/>
+            </a:defRPr>
+          </a:pPr>
+          <a:endParaRPr lang="ru-RU"/>
+        </a:p>
+      </c:txPr>
+    </c:legend>
+    <c:plotVisOnly val="1"/>
+    <c:dispBlanksAs val="gap"/>
+    <c:showDLblsOverMax val="0"/>
+  </c:chart>
+  <c:spPr>
+    <a:noFill/>
+    <a:ln>
+      <a:noFill/>
+    </a:ln>
+    <a:effectLst/>
+  </c:spPr>
+  <c:txPr>
+    <a:bodyPr/>
+    <a:lstStyle/>
+    <a:p>
+      <a:pPr>
+        <a:defRPr/>
+      </a:pPr>
+      <a:endParaRPr lang="ru-RU"/>
+    </a:p>
+  </c:txPr>
+  <c:externalData r:id="rId3">
+    <c:autoUpdate val="0"/>
+  </c:externalData>
+</c:chartSpace>
+</file>
+
+<file path=ppt/charts/chart5.xml><?xml version="1.0" encoding="utf-8"?>
 <c:chartSpace xmlns:c="http://schemas.openxmlformats.org/drawingml/2006/chart" xmlns:a="http://schemas.openxmlformats.org/drawingml/2006/main" xmlns:r="http://schemas.openxmlformats.org/officeDocument/2006/relationships">
   <c:date1904 val="0"/>
   <c:lang val="ru-RU"/>
@@ -1117,7 +1890,6 @@
             <c:showLeaderLines val="0"/>
             <c:extLst>
               <c:ext xmlns:c15="http://schemas.microsoft.com/office/drawing/2012/chart" uri="{CE6537A1-D6FC-4f65-9D91-7224C49458BB}">
-                <c15:layout/>
                 <c15:showLeaderLines val="1"/>
                 <c15:leaderLines>
                   <c:spPr>
@@ -1224,7 +1996,6 @@
             <c:showLeaderLines val="0"/>
             <c:extLst>
               <c:ext xmlns:c15="http://schemas.microsoft.com/office/drawing/2012/chart" uri="{CE6537A1-D6FC-4f65-9D91-7224C49458BB}">
-                <c15:layout/>
                 <c15:showLeaderLines val="1"/>
                 <c15:leaderLines>
                   <c:spPr>
@@ -1331,7 +2102,6 @@
             <c:showLeaderLines val="0"/>
             <c:extLst>
               <c:ext xmlns:c15="http://schemas.microsoft.com/office/drawing/2012/chart" uri="{CE6537A1-D6FC-4f65-9D91-7224C49458BB}">
-                <c15:layout/>
                 <c15:showLeaderLines val="1"/>
                 <c15:leaderLines>
                   <c:spPr>
@@ -1438,7 +2208,6 @@
             <c:showLeaderLines val="0"/>
             <c:extLst>
               <c:ext xmlns:c15="http://schemas.microsoft.com/office/drawing/2012/chart" uri="{CE6537A1-D6FC-4f65-9D91-7224C49458BB}">
-                <c15:layout/>
                 <c15:showLeaderLines val="1"/>
                 <c15:leaderLines>
                   <c:spPr>
@@ -1545,7 +2314,6 @@
             <c:showLeaderLines val="0"/>
             <c:extLst>
               <c:ext xmlns:c15="http://schemas.microsoft.com/office/drawing/2012/chart" uri="{CE6537A1-D6FC-4f65-9D91-7224C49458BB}">
-                <c15:layout/>
                 <c15:showLeaderLines val="1"/>
                 <c15:leaderLines>
                   <c:spPr>
@@ -1650,7 +2418,6 @@
             <c:showLeaderLines val="0"/>
             <c:extLst>
               <c:ext xmlns:c15="http://schemas.microsoft.com/office/drawing/2012/chart" uri="{CE6537A1-D6FC-4f65-9D91-7224C49458BB}">
-                <c15:layout/>
                 <c15:showLeaderLines val="1"/>
                 <c15:leaderLines>
                   <c:spPr>
@@ -1757,7 +2524,6 @@
             <c:showLeaderLines val="0"/>
             <c:extLst>
               <c:ext xmlns:c15="http://schemas.microsoft.com/office/drawing/2012/chart" uri="{CE6537A1-D6FC-4f65-9D91-7224C49458BB}">
-                <c15:layout/>
                 <c15:showLeaderLines val="1"/>
                 <c15:leaderLines>
                   <c:spPr>
@@ -1864,7 +2630,6 @@
             <c:showLeaderLines val="0"/>
             <c:extLst>
               <c:ext xmlns:c15="http://schemas.microsoft.com/office/drawing/2012/chart" uri="{CE6537A1-D6FC-4f65-9D91-7224C49458BB}">
-                <c15:layout/>
                 <c15:showLeaderLines val="1"/>
                 <c15:leaderLines>
                   <c:spPr>
@@ -1971,7 +2736,6 @@
             <c:showLeaderLines val="0"/>
             <c:extLst>
               <c:ext xmlns:c15="http://schemas.microsoft.com/office/drawing/2012/chart" uri="{CE6537A1-D6FC-4f65-9D91-7224C49458BB}">
-                <c15:layout/>
                 <c15:showLeaderLines val="1"/>
                 <c15:leaderLines>
                   <c:spPr>
@@ -2078,7 +2842,6 @@
             <c:showLeaderLines val="0"/>
             <c:extLst>
               <c:ext xmlns:c15="http://schemas.microsoft.com/office/drawing/2012/chart" uri="{CE6537A1-D6FC-4f65-9D91-7224C49458BB}">
-                <c15:layout/>
                 <c15:showLeaderLines val="1"/>
                 <c15:leaderLines>
                   <c:spPr>
@@ -2185,7 +2948,6 @@
             <c:showLeaderLines val="0"/>
             <c:extLst>
               <c:ext xmlns:c15="http://schemas.microsoft.com/office/drawing/2012/chart" uri="{CE6537A1-D6FC-4f65-9D91-7224C49458BB}">
-                <c15:layout/>
                 <c15:showLeaderLines val="1"/>
                 <c15:leaderLines>
                   <c:spPr>
@@ -2237,11 +2999,11 @@
         </c:dLbls>
         <c:gapWidth val="219"/>
         <c:overlap val="-27"/>
-        <c:axId val="261472176"/>
-        <c:axId val="157181248"/>
+        <c:axId val="274774160"/>
+        <c:axId val="274774944"/>
       </c:barChart>
       <c:catAx>
-        <c:axId val="261472176"/>
+        <c:axId val="274774160"/>
         <c:scaling>
           <c:orientation val="minMax"/>
         </c:scaling>
@@ -2284,7 +3046,7 @@
             <a:endParaRPr lang="ru-RU"/>
           </a:p>
         </c:txPr>
-        <c:crossAx val="157181248"/>
+        <c:crossAx val="274774944"/>
         <c:crosses val="autoZero"/>
         <c:auto val="1"/>
         <c:lblAlgn val="ctr"/>
@@ -2292,7 +3054,7 @@
         <c:noMultiLvlLbl val="0"/>
       </c:catAx>
       <c:valAx>
-        <c:axId val="157181248"/>
+        <c:axId val="274774944"/>
         <c:scaling>
           <c:orientation val="minMax"/>
         </c:scaling>
@@ -2343,7 +3105,7 @@
             <a:endParaRPr lang="ru-RU"/>
           </a:p>
         </c:txPr>
-        <c:crossAx val="261472176"/>
+        <c:crossAx val="274774160"/>
         <c:crosses val="autoZero"/>
         <c:crossBetween val="between"/>
       </c:valAx>
@@ -2357,7 +3119,6 @@
     </c:plotArea>
     <c:legend>
       <c:legendPos val="b"/>
-      <c:layout/>
       <c:overlay val="0"/>
       <c:spPr>
         <a:noFill/>
@@ -2421,12 +3182,9 @@
 </file>
 
 <file path=ppt/charts/colors2.xml><?xml version="1.0" encoding="utf-8"?>
-<cs:colorStyle xmlns:cs="http://schemas.microsoft.com/office/drawing/2012/chartStyle" xmlns:a="http://schemas.openxmlformats.org/drawingml/2006/main" meth="cycle" id="10">
-  <a:schemeClr val="accent1"/>
+<cs:colorStyle xmlns:cs="http://schemas.microsoft.com/office/drawing/2012/chartStyle" xmlns:a="http://schemas.openxmlformats.org/drawingml/2006/main" meth="cycle" id="12">
   <a:schemeClr val="accent2"/>
-  <a:schemeClr val="accent3"/>
   <a:schemeClr val="accent4"/>
-  <a:schemeClr val="accent5"/>
   <a:schemeClr val="accent6"/>
   <cs:variation/>
   <cs:variation>
@@ -2461,6 +3219,49 @@
 </file>
 
 <file path=ppt/charts/colors3.xml><?xml version="1.0" encoding="utf-8"?>
+<cs:colorStyle xmlns:cs="http://schemas.microsoft.com/office/drawing/2012/chartStyle" xmlns:a="http://schemas.openxmlformats.org/drawingml/2006/main" meth="withinLinear" id="17">
+  <a:schemeClr val="accent4"/>
+</cs:colorStyle>
+</file>
+
+<file path=ppt/charts/colors4.xml><?xml version="1.0" encoding="utf-8"?>
+<cs:colorStyle xmlns:cs="http://schemas.microsoft.com/office/drawing/2012/chartStyle" xmlns:a="http://schemas.openxmlformats.org/drawingml/2006/main" meth="cycle" id="13">
+  <a:schemeClr val="accent6"/>
+  <a:schemeClr val="accent5"/>
+  <a:schemeClr val="accent4"/>
+  <cs:variation/>
+  <cs:variation>
+    <a:lumMod val="60000"/>
+  </cs:variation>
+  <cs:variation>
+    <a:lumMod val="80000"/>
+    <a:lumOff val="20000"/>
+  </cs:variation>
+  <cs:variation>
+    <a:lumMod val="80000"/>
+  </cs:variation>
+  <cs:variation>
+    <a:lumMod val="60000"/>
+    <a:lumOff val="40000"/>
+  </cs:variation>
+  <cs:variation>
+    <a:lumMod val="50000"/>
+  </cs:variation>
+  <cs:variation>
+    <a:lumMod val="70000"/>
+    <a:lumOff val="30000"/>
+  </cs:variation>
+  <cs:variation>
+    <a:lumMod val="70000"/>
+  </cs:variation>
+  <cs:variation>
+    <a:lumMod val="50000"/>
+    <a:lumOff val="50000"/>
+  </cs:variation>
+</cs:colorStyle>
+</file>
+
+<file path=ppt/charts/colors5.xml><?xml version="1.0" encoding="utf-8"?>
 <cs:colorStyle xmlns:cs="http://schemas.microsoft.com/office/drawing/2012/chartStyle" xmlns:a="http://schemas.openxmlformats.org/drawingml/2006/main" meth="withinLinear" id="18">
   <a:schemeClr val="accent5"/>
 </cs:colorStyle>
@@ -2970,15 +3771,15 @@
 </file>
 
 <file path=ppt/charts/style2.xml><?xml version="1.0" encoding="utf-8"?>
-<cs:chartStyle xmlns:cs="http://schemas.microsoft.com/office/drawing/2012/chartStyle" xmlns:a="http://schemas.openxmlformats.org/drawingml/2006/main" id="263">
+<cs:chartStyle xmlns:cs="http://schemas.microsoft.com/office/drawing/2012/chartStyle" xmlns:a="http://schemas.openxmlformats.org/drawingml/2006/main" id="258">
   <cs:axisTitle>
     <cs:lnRef idx="0"/>
     <cs:fillRef idx="0"/>
     <cs:effectRef idx="0"/>
     <cs:fontRef idx="minor">
       <a:schemeClr val="tx1">
-        <a:lumMod val="50000"/>
-        <a:lumOff val="50000"/>
+        <a:lumMod val="65000"/>
+        <a:lumOff val="35000"/>
       </a:schemeClr>
     </cs:fontRef>
     <cs:defRPr sz="1197" kern="1200"/>
@@ -2993,17 +3794,6 @@
         <a:lumOff val="35000"/>
       </a:schemeClr>
     </cs:fontRef>
-    <cs:spPr>
-      <a:ln w="15875" cap="flat" cmpd="sng" algn="ctr">
-        <a:solidFill>
-          <a:schemeClr val="tx1">
-            <a:lumMod val="25000"/>
-            <a:lumOff val="75000"/>
-          </a:schemeClr>
-        </a:solidFill>
-        <a:round/>
-      </a:ln>
-    </cs:spPr>
     <cs:defRPr sz="1197" kern="1200"/>
   </cs:categoryAxis>
   <cs:chartArea mods="allowNoFillOverride allowNoLineOverride">
@@ -3027,82 +3817,41 @@
         <a:round/>
       </a:ln>
     </cs:spPr>
-    <cs:defRPr sz="1330" kern="1200"/>
+    <cs:defRPr sz="1197" kern="1200"/>
   </cs:chartArea>
   <cs:dataLabel>
-    <cs:lnRef idx="0">
-      <cs:styleClr val="auto"/>
-    </cs:lnRef>
+    <cs:lnRef idx="0"/>
     <cs:fillRef idx="0"/>
-    <cs:effectRef idx="0">
-      <cs:styleClr val="auto"/>
-    </cs:effectRef>
+    <cs:effectRef idx="0"/>
     <cs:fontRef idx="minor">
-      <cs:styleClr val="auto"/>
+      <a:schemeClr val="lt1"/>
+    </cs:fontRef>
+    <cs:defRPr sz="1197" b="1" kern="1200"/>
+  </cs:dataLabel>
+  <cs:dataLabelCallout>
+    <cs:lnRef idx="0"/>
+    <cs:fillRef idx="0"/>
+    <cs:effectRef idx="0"/>
+    <cs:fontRef idx="minor">
+      <a:schemeClr val="dk1">
+        <a:lumMod val="65000"/>
+        <a:lumOff val="35000"/>
+      </a:schemeClr>
     </cs:fontRef>
     <cs:spPr>
       <a:solidFill>
-        <a:schemeClr val="lt1">
-          <a:alpha val="90000"/>
-        </a:schemeClr>
+        <a:schemeClr val="lt1"/>
       </a:solidFill>
-      <a:ln w="12700" cap="flat" cmpd="sng" algn="ctr">
+      <a:ln>
         <a:solidFill>
-          <a:schemeClr val="phClr"/>
+          <a:schemeClr val="dk1">
+            <a:lumMod val="25000"/>
+            <a:lumOff val="75000"/>
+          </a:schemeClr>
         </a:solidFill>
-        <a:round/>
       </a:ln>
-      <a:effectLst>
-        <a:outerShdw blurRad="50800" dist="38100" dir="2700000" algn="tl" rotWithShape="0">
-          <a:schemeClr val="phClr">
-            <a:lumMod val="75000"/>
-            <a:alpha val="40000"/>
-          </a:schemeClr>
-        </a:outerShdw>
-      </a:effectLst>
     </cs:spPr>
-    <cs:defRPr sz="1330" b="0" i="0" u="none" strike="noStrike" kern="1200" baseline="0">
-      <a:effectLst/>
-    </cs:defRPr>
-    <cs:bodyPr rot="0" spcFirstLastPara="1" vertOverflow="clip" horzOverflow="clip" vert="horz" wrap="square" lIns="38100" tIns="19050" rIns="38100" bIns="19050" anchor="ctr" anchorCtr="1">
-      <a:spAutoFit/>
-    </cs:bodyPr>
-  </cs:dataLabel>
-  <cs:dataLabelCallout>
-    <cs:lnRef idx="0">
-      <cs:styleClr val="auto"/>
-    </cs:lnRef>
-    <cs:fillRef idx="0"/>
-    <cs:effectRef idx="0">
-      <cs:styleClr val="auto"/>
-    </cs:effectRef>
-    <cs:fontRef idx="minor">
-      <cs:styleClr val="auto"/>
-    </cs:fontRef>
-    <cs:spPr>
-      <a:solidFill>
-        <a:schemeClr val="lt1">
-          <a:alpha val="90000"/>
-        </a:schemeClr>
-      </a:solidFill>
-      <a:ln w="12700" cap="flat" cmpd="sng" algn="ctr">
-        <a:solidFill>
-          <a:schemeClr val="phClr"/>
-        </a:solidFill>
-        <a:round/>
-      </a:ln>
-      <a:effectLst>
-        <a:outerShdw blurRad="50800" dist="38100" dir="2700000" algn="tl" rotWithShape="0">
-          <a:schemeClr val="phClr">
-            <a:lumMod val="75000"/>
-            <a:alpha val="40000"/>
-          </a:schemeClr>
-        </a:outerShdw>
-      </a:effectLst>
-    </cs:spPr>
-    <cs:defRPr sz="1330" b="0" i="0" u="none" strike="noStrike" kern="1200" baseline="0">
-      <a:effectLst/>
-    </cs:defRPr>
+    <cs:defRPr sz="1197" kern="1200"/>
     <cs:bodyPr rot="0" spcFirstLastPara="1" vertOverflow="clip" horzOverflow="clip" vert="horz" wrap="square" lIns="36576" tIns="18288" rIns="36576" bIns="18288" anchor="ctr" anchorCtr="1">
       <a:spAutoFit/>
     </cs:bodyPr>
@@ -3118,56 +3867,38 @@
     </cs:fontRef>
     <cs:spPr>
       <a:solidFill>
-        <a:schemeClr val="phClr">
-          <a:alpha val="70000"/>
-        </a:schemeClr>
+        <a:schemeClr val="phClr"/>
       </a:solidFill>
+      <a:scene3d>
+        <a:camera prst="orthographicFront"/>
+        <a:lightRig rig="brightRoom" dir="t"/>
+      </a:scene3d>
+      <a:sp3d prstMaterial="flat">
+        <a:bevelT w="50800" h="101600" prst="angle"/>
+        <a:contourClr>
+          <a:srgbClr val="000000"/>
+        </a:contourClr>
+      </a:sp3d>
     </cs:spPr>
   </cs:dataPoint>
   <cs:dataPoint3D>
-    <cs:lnRef idx="0">
-      <cs:styleClr val="auto"/>
-    </cs:lnRef>
+    <cs:lnRef idx="0"/>
     <cs:fillRef idx="0">
       <cs:styleClr val="auto"/>
     </cs:fillRef>
-    <cs:effectRef idx="0">
-      <cs:styleClr val="auto"/>
-    </cs:effectRef>
+    <cs:effectRef idx="0"/>
     <cs:fontRef idx="minor">
       <a:schemeClr val="tx1"/>
     </cs:fontRef>
     <cs:spPr>
       <a:solidFill>
-        <a:schemeClr val="phClr">
-          <a:alpha val="90000"/>
-        </a:schemeClr>
+        <a:schemeClr val="phClr"/>
       </a:solidFill>
       <a:ln w="19050">
         <a:solidFill>
-          <a:schemeClr val="phClr">
-            <a:lumMod val="75000"/>
-          </a:schemeClr>
+          <a:schemeClr val="lt1"/>
         </a:solidFill>
       </a:ln>
-      <a:effectLst>
-        <a:innerShdw blurRad="114300">
-          <a:schemeClr val="phClr">
-            <a:lumMod val="75000"/>
-          </a:schemeClr>
-        </a:innerShdw>
-      </a:effectLst>
-      <a:scene3d>
-        <a:camera prst="orthographicFront"/>
-        <a:lightRig rig="threePt" dir="t"/>
-      </a:scene3d>
-      <a:sp3d contourW="19050" prstMaterial="flat">
-        <a:contourClr>
-          <a:schemeClr val="accent4">
-            <a:lumMod val="75000"/>
-          </a:schemeClr>
-        </a:contourClr>
-      </a:sp3d>
     </cs:spPr>
   </cs:dataPoint3D>
   <cs:dataPointLine>
@@ -3238,13 +3969,15 @@
       </a:schemeClr>
     </cs:fontRef>
     <cs:spPr>
-      <a:ln w="9525">
+      <a:noFill/>
+      <a:ln w="9525" cap="flat" cmpd="sng" algn="ctr">
         <a:solidFill>
           <a:schemeClr val="tx1">
             <a:lumMod val="15000"/>
             <a:lumOff val="85000"/>
           </a:schemeClr>
         </a:solidFill>
+        <a:round/>
       </a:ln>
     </cs:spPr>
     <cs:defRPr sz="1197" kern="1200"/>
@@ -3254,7 +3987,7 @@
     <cs:fillRef idx="0"/>
     <cs:effectRef idx="0"/>
     <cs:fontRef idx="minor">
-      <a:schemeClr val="dk1"/>
+      <a:schemeClr val="tx1"/>
     </cs:fontRef>
     <cs:spPr>
       <a:solidFill>
@@ -3263,13 +3996,14 @@
           <a:lumOff val="25000"/>
         </a:schemeClr>
       </a:solidFill>
-      <a:ln w="9525">
+      <a:ln w="9525" cap="flat" cmpd="sng" algn="ctr">
         <a:solidFill>
           <a:schemeClr val="tx1">
             <a:lumMod val="65000"/>
             <a:lumOff val="35000"/>
           </a:schemeClr>
         </a:solidFill>
+        <a:round/>
       </a:ln>
     </cs:spPr>
   </cs:downBar>
@@ -3278,10 +4012,10 @@
     <cs:fillRef idx="0"/>
     <cs:effectRef idx="0"/>
     <cs:fontRef idx="minor">
-      <a:schemeClr val="dk1"/>
+      <a:schemeClr val="tx1"/>
     </cs:fontRef>
     <cs:spPr>
-      <a:ln w="9525">
+      <a:ln w="9525" cap="flat" cmpd="sng" algn="ctr">
         <a:solidFill>
           <a:schemeClr val="tx1">
             <a:lumMod val="35000"/>
@@ -3297,10 +4031,10 @@
     <cs:fillRef idx="0"/>
     <cs:effectRef idx="0"/>
     <cs:fontRef idx="minor">
-      <a:schemeClr val="dk1"/>
+      <a:schemeClr val="tx1"/>
     </cs:fontRef>
     <cs:spPr>
-      <a:ln w="9525">
+      <a:ln w="9525" cap="flat" cmpd="sng" algn="ctr">
         <a:solidFill>
           <a:schemeClr val="tx1">
             <a:lumMod val="65000"/>
@@ -3316,15 +4050,40 @@
     <cs:fillRef idx="0"/>
     <cs:effectRef idx="0"/>
     <cs:fontRef idx="minor">
-      <a:schemeClr val="dk1"/>
+      <a:schemeClr val="tx1"/>
     </cs:fontRef>
+    <cs:spPr>
+      <a:noFill/>
+      <a:ln>
+        <a:noFill/>
+      </a:ln>
+    </cs:spPr>
   </cs:floor>
   <cs:gridlineMajor>
     <cs:lnRef idx="0"/>
     <cs:fillRef idx="0"/>
     <cs:effectRef idx="0"/>
     <cs:fontRef idx="minor">
-      <a:schemeClr val="dk1"/>
+      <a:schemeClr val="tx1"/>
+    </cs:fontRef>
+    <cs:spPr>
+      <a:ln w="9525" cap="flat" cmpd="sng" algn="ctr">
+        <a:solidFill>
+          <a:schemeClr val="tx1">
+            <a:lumMod val="15000"/>
+            <a:lumOff val="85000"/>
+          </a:schemeClr>
+        </a:solidFill>
+        <a:round/>
+      </a:ln>
+    </cs:spPr>
+  </cs:gridlineMajor>
+  <cs:gridlineMinor>
+    <cs:lnRef idx="0"/>
+    <cs:fillRef idx="0"/>
+    <cs:effectRef idx="0"/>
+    <cs:fontRef idx="minor">
+      <a:schemeClr val="tx1"/>
     </cs:fontRef>
     <cs:spPr>
       <a:ln w="9525" cap="flat" cmpd="sng" algn="ctr">
@@ -3337,38 +4096,20 @@
         <a:round/>
       </a:ln>
     </cs:spPr>
-  </cs:gridlineMajor>
-  <cs:gridlineMinor>
-    <cs:lnRef idx="0"/>
-    <cs:fillRef idx="0"/>
-    <cs:effectRef idx="0"/>
-    <cs:fontRef idx="minor">
-      <a:schemeClr val="dk1"/>
-    </cs:fontRef>
-    <cs:spPr>
-      <a:ln>
-        <a:solidFill>
-          <a:schemeClr val="tx1">
-            <a:lumMod val="5000"/>
-            <a:lumOff val="95000"/>
-          </a:schemeClr>
-        </a:solidFill>
-      </a:ln>
-    </cs:spPr>
   </cs:gridlineMinor>
   <cs:hiLoLine>
     <cs:lnRef idx="0"/>
     <cs:fillRef idx="0"/>
     <cs:effectRef idx="0"/>
     <cs:fontRef idx="minor">
-      <a:schemeClr val="dk1"/>
+      <a:schemeClr val="tx1"/>
     </cs:fontRef>
     <cs:spPr>
-      <a:ln w="9525">
+      <a:ln w="9525" cap="flat" cmpd="sng" algn="ctr">
         <a:solidFill>
           <a:schemeClr val="tx1">
-            <a:lumMod val="35000"/>
-            <a:lumOff val="65000"/>
+            <a:lumMod val="50000"/>
+            <a:lumOff val="50000"/>
           </a:schemeClr>
         </a:solidFill>
         <a:round/>
@@ -3380,16 +4121,17 @@
     <cs:fillRef idx="0"/>
     <cs:effectRef idx="0"/>
     <cs:fontRef idx="minor">
-      <a:schemeClr val="dk1"/>
+      <a:schemeClr val="tx1"/>
     </cs:fontRef>
     <cs:spPr>
-      <a:ln w="9525">
+      <a:ln w="9525" cap="flat" cmpd="sng" algn="ctr">
         <a:solidFill>
           <a:schemeClr val="tx1">
             <a:lumMod val="35000"/>
             <a:lumOff val="65000"/>
           </a:schemeClr>
         </a:solidFill>
+        <a:round/>
       </a:ln>
     </cs:spPr>
   </cs:leaderLine>
@@ -3399,8 +4141,8 @@
     <cs:effectRef idx="0"/>
     <cs:fontRef idx="minor">
       <a:schemeClr val="tx1">
-        <a:lumMod val="50000"/>
-        <a:lumOff val="50000"/>
+        <a:lumMod val="65000"/>
+        <a:lumOff val="35000"/>
       </a:schemeClr>
     </cs:fontRef>
     <cs:defRPr sz="1197" kern="1200"/>
@@ -3438,10 +4180,10 @@
     <cs:fillRef idx="0"/>
     <cs:effectRef idx="0"/>
     <cs:fontRef idx="minor">
-      <a:schemeClr val="dk1"/>
+      <a:schemeClr val="tx1"/>
     </cs:fontRef>
     <cs:spPr>
-      <a:ln w="9525">
+      <a:ln w="9525" cap="flat" cmpd="sng" algn="ctr">
         <a:solidFill>
           <a:schemeClr val="tx1">
             <a:lumMod val="35000"/>
@@ -3462,7 +4204,7 @@
         <a:lumOff val="35000"/>
       </a:schemeClr>
     </cs:fontRef>
-    <cs:defRPr sz="2200" b="1" kern="1200" cap="all" baseline="0"/>
+    <cs:defRPr sz="1862" b="1" i="0" kern="1200" cap="all" spc="50" baseline="0"/>
   </cs:title>
   <cs:trendline>
     <cs:lnRef idx="0">
@@ -3471,13 +4213,1048 @@
     <cs:fillRef idx="0"/>
     <cs:effectRef idx="0"/>
     <cs:fontRef idx="minor">
+      <a:schemeClr val="tx1"/>
+    </cs:fontRef>
+    <cs:spPr>
+      <a:ln w="19050" cap="rnd">
+        <a:solidFill>
+          <a:schemeClr val="phClr"/>
+        </a:solidFill>
+        <a:prstDash val="sysDash"/>
+      </a:ln>
+    </cs:spPr>
+  </cs:trendline>
+  <cs:trendlineLabel>
+    <cs:lnRef idx="0"/>
+    <cs:fillRef idx="0"/>
+    <cs:effectRef idx="0"/>
+    <cs:fontRef idx="minor">
+      <a:schemeClr val="tx1">
+        <a:lumMod val="65000"/>
+        <a:lumOff val="35000"/>
+      </a:schemeClr>
+    </cs:fontRef>
+    <cs:defRPr sz="1197" kern="1200"/>
+  </cs:trendlineLabel>
+  <cs:upBar>
+    <cs:lnRef idx="0"/>
+    <cs:fillRef idx="0"/>
+    <cs:effectRef idx="0"/>
+    <cs:fontRef idx="minor">
+      <a:schemeClr val="tx1"/>
+    </cs:fontRef>
+    <cs:spPr>
+      <a:solidFill>
+        <a:schemeClr val="lt1"/>
+      </a:solidFill>
+      <a:ln w="9525" cap="flat" cmpd="sng" algn="ctr">
+        <a:solidFill>
+          <a:schemeClr val="tx1">
+            <a:lumMod val="65000"/>
+            <a:lumOff val="35000"/>
+          </a:schemeClr>
+        </a:solidFill>
+        <a:round/>
+      </a:ln>
+    </cs:spPr>
+  </cs:upBar>
+  <cs:valueAxis>
+    <cs:lnRef idx="0"/>
+    <cs:fillRef idx="0"/>
+    <cs:effectRef idx="0"/>
+    <cs:fontRef idx="minor">
+      <a:schemeClr val="tx1">
+        <a:lumMod val="65000"/>
+        <a:lumOff val="35000"/>
+      </a:schemeClr>
+    </cs:fontRef>
+    <cs:defRPr sz="1197" kern="1200"/>
+  </cs:valueAxis>
+  <cs:wall>
+    <cs:lnRef idx="0"/>
+    <cs:fillRef idx="0"/>
+    <cs:effectRef idx="0"/>
+    <cs:fontRef idx="minor">
+      <a:schemeClr val="tx1"/>
+    </cs:fontRef>
+    <cs:spPr>
+      <a:noFill/>
+      <a:ln>
+        <a:noFill/>
+      </a:ln>
+    </cs:spPr>
+  </cs:wall>
+</cs:chartStyle>
+</file>
+
+<file path=ppt/charts/style3.xml><?xml version="1.0" encoding="utf-8"?>
+<cs:chartStyle xmlns:cs="http://schemas.microsoft.com/office/drawing/2012/chartStyle" xmlns:a="http://schemas.openxmlformats.org/drawingml/2006/main" id="258">
+  <cs:axisTitle>
+    <cs:lnRef idx="0"/>
+    <cs:fillRef idx="0"/>
+    <cs:effectRef idx="0"/>
+    <cs:fontRef idx="minor">
+      <a:schemeClr val="tx1">
+        <a:lumMod val="65000"/>
+        <a:lumOff val="35000"/>
+      </a:schemeClr>
+    </cs:fontRef>
+    <cs:defRPr sz="1197" kern="1200"/>
+  </cs:axisTitle>
+  <cs:categoryAxis>
+    <cs:lnRef idx="0"/>
+    <cs:fillRef idx="0"/>
+    <cs:effectRef idx="0"/>
+    <cs:fontRef idx="minor">
+      <a:schemeClr val="tx1">
+        <a:lumMod val="65000"/>
+        <a:lumOff val="35000"/>
+      </a:schemeClr>
+    </cs:fontRef>
+    <cs:defRPr sz="1197" kern="1200"/>
+  </cs:categoryAxis>
+  <cs:chartArea mods="allowNoFillOverride allowNoLineOverride">
+    <cs:lnRef idx="0"/>
+    <cs:fillRef idx="0"/>
+    <cs:effectRef idx="0"/>
+    <cs:fontRef idx="minor">
+      <a:schemeClr val="tx1"/>
+    </cs:fontRef>
+    <cs:spPr>
+      <a:solidFill>
+        <a:schemeClr val="bg1"/>
+      </a:solidFill>
+      <a:ln w="9525" cap="flat" cmpd="sng" algn="ctr">
+        <a:solidFill>
+          <a:schemeClr val="tx1">
+            <a:lumMod val="15000"/>
+            <a:lumOff val="85000"/>
+          </a:schemeClr>
+        </a:solidFill>
+        <a:round/>
+      </a:ln>
+    </cs:spPr>
+    <cs:defRPr sz="1197" kern="1200"/>
+  </cs:chartArea>
+  <cs:dataLabel>
+    <cs:lnRef idx="0"/>
+    <cs:fillRef idx="0"/>
+    <cs:effectRef idx="0"/>
+    <cs:fontRef idx="minor">
+      <a:schemeClr val="lt1"/>
+    </cs:fontRef>
+    <cs:defRPr sz="1197" b="1" kern="1200"/>
+  </cs:dataLabel>
+  <cs:dataLabelCallout>
+    <cs:lnRef idx="0"/>
+    <cs:fillRef idx="0"/>
+    <cs:effectRef idx="0"/>
+    <cs:fontRef idx="minor">
+      <a:schemeClr val="dk1">
+        <a:lumMod val="65000"/>
+        <a:lumOff val="35000"/>
+      </a:schemeClr>
+    </cs:fontRef>
+    <cs:spPr>
+      <a:solidFill>
+        <a:schemeClr val="lt1"/>
+      </a:solidFill>
+      <a:ln>
+        <a:solidFill>
+          <a:schemeClr val="dk1">
+            <a:lumMod val="25000"/>
+            <a:lumOff val="75000"/>
+          </a:schemeClr>
+        </a:solidFill>
+      </a:ln>
+    </cs:spPr>
+    <cs:defRPr sz="1197" kern="1200"/>
+    <cs:bodyPr rot="0" spcFirstLastPara="1" vertOverflow="clip" horzOverflow="clip" vert="horz" wrap="square" lIns="36576" tIns="18288" rIns="36576" bIns="18288" anchor="ctr" anchorCtr="1">
+      <a:spAutoFit/>
+    </cs:bodyPr>
+  </cs:dataLabelCallout>
+  <cs:dataPoint>
+    <cs:lnRef idx="0"/>
+    <cs:fillRef idx="0">
+      <cs:styleClr val="auto"/>
+    </cs:fillRef>
+    <cs:effectRef idx="0"/>
+    <cs:fontRef idx="minor">
+      <a:schemeClr val="tx1"/>
+    </cs:fontRef>
+    <cs:spPr>
+      <a:solidFill>
+        <a:schemeClr val="phClr"/>
+      </a:solidFill>
+      <a:scene3d>
+        <a:camera prst="orthographicFront"/>
+        <a:lightRig rig="brightRoom" dir="t"/>
+      </a:scene3d>
+      <a:sp3d prstMaterial="flat">
+        <a:bevelT w="50800" h="101600" prst="angle"/>
+        <a:contourClr>
+          <a:srgbClr val="000000"/>
+        </a:contourClr>
+      </a:sp3d>
+    </cs:spPr>
+  </cs:dataPoint>
+  <cs:dataPoint3D>
+    <cs:lnRef idx="0"/>
+    <cs:fillRef idx="0">
+      <cs:styleClr val="auto"/>
+    </cs:fillRef>
+    <cs:effectRef idx="0"/>
+    <cs:fontRef idx="minor">
+      <a:schemeClr val="tx1"/>
+    </cs:fontRef>
+    <cs:spPr>
+      <a:solidFill>
+        <a:schemeClr val="phClr"/>
+      </a:solidFill>
+      <a:ln w="19050">
+        <a:solidFill>
+          <a:schemeClr val="lt1"/>
+        </a:solidFill>
+      </a:ln>
+    </cs:spPr>
+  </cs:dataPoint3D>
+  <cs:dataPointLine>
+    <cs:lnRef idx="0">
+      <cs:styleClr val="auto"/>
+    </cs:lnRef>
+    <cs:fillRef idx="0"/>
+    <cs:effectRef idx="0"/>
+    <cs:fontRef idx="minor">
+      <a:schemeClr val="tx1"/>
+    </cs:fontRef>
+    <cs:spPr>
+      <a:ln w="28575" cap="rnd">
+        <a:solidFill>
+          <a:schemeClr val="phClr"/>
+        </a:solidFill>
+        <a:round/>
+      </a:ln>
+    </cs:spPr>
+  </cs:dataPointLine>
+  <cs:dataPointMarker>
+    <cs:lnRef idx="0"/>
+    <cs:fillRef idx="0">
+      <cs:styleClr val="auto"/>
+    </cs:fillRef>
+    <cs:effectRef idx="0"/>
+    <cs:fontRef idx="minor">
+      <a:schemeClr val="tx1"/>
+    </cs:fontRef>
+    <cs:spPr>
+      <a:solidFill>
+        <a:schemeClr val="phClr"/>
+      </a:solidFill>
+      <a:ln w="9525">
+        <a:solidFill>
+          <a:schemeClr val="lt1"/>
+        </a:solidFill>
+      </a:ln>
+    </cs:spPr>
+  </cs:dataPointMarker>
+  <cs:dataPointMarkerLayout symbol="circle" size="6"/>
+  <cs:dataPointWireframe>
+    <cs:lnRef idx="0">
+      <cs:styleClr val="auto"/>
+    </cs:lnRef>
+    <cs:fillRef idx="0"/>
+    <cs:effectRef idx="0"/>
+    <cs:fontRef idx="minor">
+      <a:schemeClr val="tx1"/>
+    </cs:fontRef>
+    <cs:spPr>
+      <a:ln w="9525" cap="rnd">
+        <a:solidFill>
+          <a:schemeClr val="phClr"/>
+        </a:solidFill>
+        <a:round/>
+      </a:ln>
+    </cs:spPr>
+  </cs:dataPointWireframe>
+  <cs:dataTable>
+    <cs:lnRef idx="0"/>
+    <cs:fillRef idx="0"/>
+    <cs:effectRef idx="0"/>
+    <cs:fontRef idx="minor">
+      <a:schemeClr val="tx1">
+        <a:lumMod val="65000"/>
+        <a:lumOff val="35000"/>
+      </a:schemeClr>
+    </cs:fontRef>
+    <cs:spPr>
+      <a:noFill/>
+      <a:ln w="9525" cap="flat" cmpd="sng" algn="ctr">
+        <a:solidFill>
+          <a:schemeClr val="tx1">
+            <a:lumMod val="15000"/>
+            <a:lumOff val="85000"/>
+          </a:schemeClr>
+        </a:solidFill>
+        <a:round/>
+      </a:ln>
+    </cs:spPr>
+    <cs:defRPr sz="1197" kern="1200"/>
+  </cs:dataTable>
+  <cs:downBar>
+    <cs:lnRef idx="0"/>
+    <cs:fillRef idx="0"/>
+    <cs:effectRef idx="0"/>
+    <cs:fontRef idx="minor">
+      <a:schemeClr val="tx1"/>
+    </cs:fontRef>
+    <cs:spPr>
+      <a:solidFill>
+        <a:schemeClr val="dk1">
+          <a:lumMod val="75000"/>
+          <a:lumOff val="25000"/>
+        </a:schemeClr>
+      </a:solidFill>
+      <a:ln w="9525" cap="flat" cmpd="sng" algn="ctr">
+        <a:solidFill>
+          <a:schemeClr val="tx1">
+            <a:lumMod val="65000"/>
+            <a:lumOff val="35000"/>
+          </a:schemeClr>
+        </a:solidFill>
+        <a:round/>
+      </a:ln>
+    </cs:spPr>
+  </cs:downBar>
+  <cs:dropLine>
+    <cs:lnRef idx="0"/>
+    <cs:fillRef idx="0"/>
+    <cs:effectRef idx="0"/>
+    <cs:fontRef idx="minor">
+      <a:schemeClr val="tx1"/>
+    </cs:fontRef>
+    <cs:spPr>
+      <a:ln w="9525" cap="flat" cmpd="sng" algn="ctr">
+        <a:solidFill>
+          <a:schemeClr val="tx1">
+            <a:lumMod val="35000"/>
+            <a:lumOff val="65000"/>
+          </a:schemeClr>
+        </a:solidFill>
+        <a:round/>
+      </a:ln>
+    </cs:spPr>
+  </cs:dropLine>
+  <cs:errorBar>
+    <cs:lnRef idx="0"/>
+    <cs:fillRef idx="0"/>
+    <cs:effectRef idx="0"/>
+    <cs:fontRef idx="minor">
+      <a:schemeClr val="tx1"/>
+    </cs:fontRef>
+    <cs:spPr>
+      <a:ln w="9525" cap="flat" cmpd="sng" algn="ctr">
+        <a:solidFill>
+          <a:schemeClr val="tx1">
+            <a:lumMod val="65000"/>
+            <a:lumOff val="35000"/>
+          </a:schemeClr>
+        </a:solidFill>
+        <a:round/>
+      </a:ln>
+    </cs:spPr>
+  </cs:errorBar>
+  <cs:floor>
+    <cs:lnRef idx="0"/>
+    <cs:fillRef idx="0"/>
+    <cs:effectRef idx="0"/>
+    <cs:fontRef idx="minor">
+      <a:schemeClr val="tx1"/>
+    </cs:fontRef>
+    <cs:spPr>
+      <a:noFill/>
+      <a:ln>
+        <a:noFill/>
+      </a:ln>
+    </cs:spPr>
+  </cs:floor>
+  <cs:gridlineMajor>
+    <cs:lnRef idx="0"/>
+    <cs:fillRef idx="0"/>
+    <cs:effectRef idx="0"/>
+    <cs:fontRef idx="minor">
+      <a:schemeClr val="tx1"/>
+    </cs:fontRef>
+    <cs:spPr>
+      <a:ln w="9525" cap="flat" cmpd="sng" algn="ctr">
+        <a:solidFill>
+          <a:schemeClr val="tx1">
+            <a:lumMod val="15000"/>
+            <a:lumOff val="85000"/>
+          </a:schemeClr>
+        </a:solidFill>
+        <a:round/>
+      </a:ln>
+    </cs:spPr>
+  </cs:gridlineMajor>
+  <cs:gridlineMinor>
+    <cs:lnRef idx="0"/>
+    <cs:fillRef idx="0"/>
+    <cs:effectRef idx="0"/>
+    <cs:fontRef idx="minor">
+      <a:schemeClr val="tx1"/>
+    </cs:fontRef>
+    <cs:spPr>
+      <a:ln w="9525" cap="flat" cmpd="sng" algn="ctr">
+        <a:solidFill>
+          <a:schemeClr val="tx1">
+            <a:lumMod val="5000"/>
+            <a:lumOff val="95000"/>
+          </a:schemeClr>
+        </a:solidFill>
+        <a:round/>
+      </a:ln>
+    </cs:spPr>
+  </cs:gridlineMinor>
+  <cs:hiLoLine>
+    <cs:lnRef idx="0"/>
+    <cs:fillRef idx="0"/>
+    <cs:effectRef idx="0"/>
+    <cs:fontRef idx="minor">
+      <a:schemeClr val="tx1"/>
+    </cs:fontRef>
+    <cs:spPr>
+      <a:ln w="9525" cap="flat" cmpd="sng" algn="ctr">
+        <a:solidFill>
+          <a:schemeClr val="tx1">
+            <a:lumMod val="50000"/>
+            <a:lumOff val="50000"/>
+          </a:schemeClr>
+        </a:solidFill>
+        <a:round/>
+      </a:ln>
+    </cs:spPr>
+  </cs:hiLoLine>
+  <cs:leaderLine>
+    <cs:lnRef idx="0"/>
+    <cs:fillRef idx="0"/>
+    <cs:effectRef idx="0"/>
+    <cs:fontRef idx="minor">
+      <a:schemeClr val="tx1"/>
+    </cs:fontRef>
+    <cs:spPr>
+      <a:ln w="9525" cap="flat" cmpd="sng" algn="ctr">
+        <a:solidFill>
+          <a:schemeClr val="tx1">
+            <a:lumMod val="35000"/>
+            <a:lumOff val="65000"/>
+          </a:schemeClr>
+        </a:solidFill>
+        <a:round/>
+      </a:ln>
+    </cs:spPr>
+  </cs:leaderLine>
+  <cs:legend>
+    <cs:lnRef idx="0"/>
+    <cs:fillRef idx="0"/>
+    <cs:effectRef idx="0"/>
+    <cs:fontRef idx="minor">
+      <a:schemeClr val="tx1">
+        <a:lumMod val="65000"/>
+        <a:lumOff val="35000"/>
+      </a:schemeClr>
+    </cs:fontRef>
+    <cs:defRPr sz="1197" kern="1200"/>
+  </cs:legend>
+  <cs:plotArea mods="allowNoFillOverride allowNoLineOverride">
+    <cs:lnRef idx="0"/>
+    <cs:fillRef idx="0"/>
+    <cs:effectRef idx="0"/>
+    <cs:fontRef idx="minor">
+      <a:schemeClr val="tx1"/>
+    </cs:fontRef>
+  </cs:plotArea>
+  <cs:plotArea3D mods="allowNoFillOverride allowNoLineOverride">
+    <cs:lnRef idx="0"/>
+    <cs:fillRef idx="0"/>
+    <cs:effectRef idx="0"/>
+    <cs:fontRef idx="minor">
+      <a:schemeClr val="tx1"/>
+    </cs:fontRef>
+  </cs:plotArea3D>
+  <cs:seriesAxis>
+    <cs:lnRef idx="0"/>
+    <cs:fillRef idx="0"/>
+    <cs:effectRef idx="0"/>
+    <cs:fontRef idx="minor">
+      <a:schemeClr val="tx1">
+        <a:lumMod val="65000"/>
+        <a:lumOff val="35000"/>
+      </a:schemeClr>
+    </cs:fontRef>
+    <cs:defRPr sz="1197" kern="1200"/>
+  </cs:seriesAxis>
+  <cs:seriesLine>
+    <cs:lnRef idx="0"/>
+    <cs:fillRef idx="0"/>
+    <cs:effectRef idx="0"/>
+    <cs:fontRef idx="minor">
+      <a:schemeClr val="tx1"/>
+    </cs:fontRef>
+    <cs:spPr>
+      <a:ln w="9525" cap="flat" cmpd="sng" algn="ctr">
+        <a:solidFill>
+          <a:schemeClr val="tx1">
+            <a:lumMod val="35000"/>
+            <a:lumOff val="65000"/>
+          </a:schemeClr>
+        </a:solidFill>
+        <a:round/>
+      </a:ln>
+    </cs:spPr>
+  </cs:seriesLine>
+  <cs:title>
+    <cs:lnRef idx="0"/>
+    <cs:fillRef idx="0"/>
+    <cs:effectRef idx="0"/>
+    <cs:fontRef idx="minor">
+      <a:schemeClr val="tx1">
+        <a:lumMod val="65000"/>
+        <a:lumOff val="35000"/>
+      </a:schemeClr>
+    </cs:fontRef>
+    <cs:defRPr sz="1862" b="1" i="0" kern="1200" cap="all" spc="50" baseline="0"/>
+  </cs:title>
+  <cs:trendline>
+    <cs:lnRef idx="0">
+      <cs:styleClr val="auto"/>
+    </cs:lnRef>
+    <cs:fillRef idx="0"/>
+    <cs:effectRef idx="0"/>
+    <cs:fontRef idx="minor">
+      <a:schemeClr val="tx1"/>
+    </cs:fontRef>
+    <cs:spPr>
+      <a:ln w="19050" cap="rnd">
+        <a:solidFill>
+          <a:schemeClr val="phClr"/>
+        </a:solidFill>
+        <a:prstDash val="sysDash"/>
+      </a:ln>
+    </cs:spPr>
+  </cs:trendline>
+  <cs:trendlineLabel>
+    <cs:lnRef idx="0"/>
+    <cs:fillRef idx="0"/>
+    <cs:effectRef idx="0"/>
+    <cs:fontRef idx="minor">
+      <a:schemeClr val="tx1">
+        <a:lumMod val="65000"/>
+        <a:lumOff val="35000"/>
+      </a:schemeClr>
+    </cs:fontRef>
+    <cs:defRPr sz="1197" kern="1200"/>
+  </cs:trendlineLabel>
+  <cs:upBar>
+    <cs:lnRef idx="0"/>
+    <cs:fillRef idx="0"/>
+    <cs:effectRef idx="0"/>
+    <cs:fontRef idx="minor">
+      <a:schemeClr val="tx1"/>
+    </cs:fontRef>
+    <cs:spPr>
+      <a:solidFill>
+        <a:schemeClr val="lt1"/>
+      </a:solidFill>
+      <a:ln w="9525" cap="flat" cmpd="sng" algn="ctr">
+        <a:solidFill>
+          <a:schemeClr val="tx1">
+            <a:lumMod val="65000"/>
+            <a:lumOff val="35000"/>
+          </a:schemeClr>
+        </a:solidFill>
+        <a:round/>
+      </a:ln>
+    </cs:spPr>
+  </cs:upBar>
+  <cs:valueAxis>
+    <cs:lnRef idx="0"/>
+    <cs:fillRef idx="0"/>
+    <cs:effectRef idx="0"/>
+    <cs:fontRef idx="minor">
+      <a:schemeClr val="tx1">
+        <a:lumMod val="65000"/>
+        <a:lumOff val="35000"/>
+      </a:schemeClr>
+    </cs:fontRef>
+    <cs:defRPr sz="1197" kern="1200"/>
+  </cs:valueAxis>
+  <cs:wall>
+    <cs:lnRef idx="0"/>
+    <cs:fillRef idx="0"/>
+    <cs:effectRef idx="0"/>
+    <cs:fontRef idx="minor">
+      <a:schemeClr val="tx1"/>
+    </cs:fontRef>
+    <cs:spPr>
+      <a:noFill/>
+      <a:ln>
+        <a:noFill/>
+      </a:ln>
+    </cs:spPr>
+  </cs:wall>
+</cs:chartStyle>
+</file>
+
+<file path=ppt/charts/style4.xml><?xml version="1.0" encoding="utf-8"?>
+<cs:chartStyle xmlns:cs="http://schemas.microsoft.com/office/drawing/2012/chartStyle" xmlns:a="http://schemas.openxmlformats.org/drawingml/2006/main" id="227">
+  <cs:axisTitle>
+    <cs:lnRef idx="0"/>
+    <cs:fillRef idx="0"/>
+    <cs:effectRef idx="0"/>
+    <cs:fontRef idx="minor">
+      <a:schemeClr val="tx1">
+        <a:lumMod val="65000"/>
+        <a:lumOff val="35000"/>
+      </a:schemeClr>
+    </cs:fontRef>
+    <cs:defRPr sz="1330" kern="1200"/>
+  </cs:axisTitle>
+  <cs:categoryAxis>
+    <cs:lnRef idx="0"/>
+    <cs:fillRef idx="0"/>
+    <cs:effectRef idx="0"/>
+    <cs:fontRef idx="minor">
+      <a:schemeClr val="tx1">
+        <a:lumMod val="65000"/>
+        <a:lumOff val="35000"/>
+      </a:schemeClr>
+    </cs:fontRef>
+    <cs:spPr>
+      <a:ln w="9525" cap="flat" cmpd="sng" algn="ctr">
+        <a:solidFill>
+          <a:schemeClr val="tx1">
+            <a:lumMod val="15000"/>
+            <a:lumOff val="85000"/>
+          </a:schemeClr>
+        </a:solidFill>
+        <a:round/>
+      </a:ln>
+    </cs:spPr>
+    <cs:defRPr sz="1197" kern="1200"/>
+  </cs:categoryAxis>
+  <cs:chartArea mods="allowNoFillOverride allowNoLineOverride">
+    <cs:lnRef idx="0"/>
+    <cs:fillRef idx="0"/>
+    <cs:effectRef idx="0"/>
+    <cs:fontRef idx="minor">
+      <a:schemeClr val="tx1"/>
+    </cs:fontRef>
+    <cs:spPr>
+      <a:solidFill>
+        <a:schemeClr val="bg1"/>
+      </a:solidFill>
+      <a:ln w="9525" cap="flat" cmpd="sng" algn="ctr">
+        <a:solidFill>
+          <a:schemeClr val="tx1">
+            <a:lumMod val="15000"/>
+            <a:lumOff val="85000"/>
+          </a:schemeClr>
+        </a:solidFill>
+        <a:round/>
+      </a:ln>
+    </cs:spPr>
+    <cs:defRPr sz="1330" kern="1200"/>
+  </cs:chartArea>
+  <cs:dataLabel>
+    <cs:lnRef idx="0"/>
+    <cs:fillRef idx="0"/>
+    <cs:effectRef idx="0"/>
+    <cs:fontRef idx="minor">
+      <a:schemeClr val="tx1">
+        <a:lumMod val="75000"/>
+        <a:lumOff val="25000"/>
+      </a:schemeClr>
+    </cs:fontRef>
+    <cs:defRPr sz="1197" kern="1200"/>
+  </cs:dataLabel>
+  <cs:dataLabelCallout>
+    <cs:lnRef idx="0"/>
+    <cs:fillRef idx="0"/>
+    <cs:effectRef idx="0"/>
+    <cs:fontRef idx="minor">
+      <a:schemeClr val="dk1">
+        <a:lumMod val="65000"/>
+        <a:lumOff val="35000"/>
+      </a:schemeClr>
+    </cs:fontRef>
+    <cs:spPr>
+      <a:solidFill>
+        <a:schemeClr val="lt1"/>
+      </a:solidFill>
+      <a:ln>
+        <a:solidFill>
+          <a:schemeClr val="dk1">
+            <a:lumMod val="25000"/>
+            <a:lumOff val="75000"/>
+          </a:schemeClr>
+        </a:solidFill>
+      </a:ln>
+    </cs:spPr>
+    <cs:defRPr sz="1197" kern="1200"/>
+    <cs:bodyPr rot="0" spcFirstLastPara="1" vertOverflow="clip" horzOverflow="clip" vert="horz" wrap="square" lIns="36576" tIns="18288" rIns="36576" bIns="18288" anchor="ctr" anchorCtr="1">
+      <a:spAutoFit/>
+    </cs:bodyPr>
+  </cs:dataLabelCallout>
+  <cs:dataPoint>
+    <cs:lnRef idx="0"/>
+    <cs:fillRef idx="1">
+      <cs:styleClr val="auto"/>
+    </cs:fillRef>
+    <cs:effectRef idx="0"/>
+    <cs:fontRef idx="minor">
+      <a:schemeClr val="tx1"/>
+    </cs:fontRef>
+    <cs:spPr>
+      <a:solidFill>
+        <a:schemeClr val="phClr"/>
+      </a:solidFill>
+    </cs:spPr>
+  </cs:dataPoint>
+  <cs:dataPoint3D>
+    <cs:lnRef idx="0"/>
+    <cs:fillRef idx="1">
+      <cs:styleClr val="auto"/>
+    </cs:fillRef>
+    <cs:effectRef idx="0"/>
+    <cs:fontRef idx="minor">
+      <a:schemeClr val="tx1"/>
+    </cs:fontRef>
+    <cs:spPr>
+      <a:solidFill>
+        <a:schemeClr val="phClr"/>
+      </a:solidFill>
+    </cs:spPr>
+  </cs:dataPoint3D>
+  <cs:dataPointLine>
+    <cs:lnRef idx="0">
+      <cs:styleClr val="auto"/>
+    </cs:lnRef>
+    <cs:fillRef idx="1"/>
+    <cs:effectRef idx="0"/>
+    <cs:fontRef idx="minor">
+      <a:schemeClr val="tx1"/>
+    </cs:fontRef>
+    <cs:spPr>
+      <a:ln w="28575" cap="rnd">
+        <a:solidFill>
+          <a:schemeClr val="phClr"/>
+        </a:solidFill>
+        <a:round/>
+      </a:ln>
+    </cs:spPr>
+  </cs:dataPointLine>
+  <cs:dataPointMarker>
+    <cs:lnRef idx="0">
+      <cs:styleClr val="auto"/>
+    </cs:lnRef>
+    <cs:fillRef idx="1">
+      <cs:styleClr val="auto"/>
+    </cs:fillRef>
+    <cs:effectRef idx="0"/>
+    <cs:fontRef idx="minor">
+      <a:schemeClr val="tx1"/>
+    </cs:fontRef>
+    <cs:spPr>
+      <a:solidFill>
+        <a:schemeClr val="phClr"/>
+      </a:solidFill>
+      <a:ln w="9525">
+        <a:solidFill>
+          <a:schemeClr val="phClr"/>
+        </a:solidFill>
+      </a:ln>
+    </cs:spPr>
+  </cs:dataPointMarker>
+  <cs:dataPointMarkerLayout symbol="circle" size="5"/>
+  <cs:dataPointWireframe>
+    <cs:lnRef idx="0">
+      <cs:styleClr val="auto"/>
+    </cs:lnRef>
+    <cs:fillRef idx="1"/>
+    <cs:effectRef idx="0"/>
+    <cs:fontRef idx="minor">
+      <a:schemeClr val="tx1"/>
+    </cs:fontRef>
+    <cs:spPr>
+      <a:ln w="9525" cap="rnd">
+        <a:solidFill>
+          <a:schemeClr val="phClr"/>
+        </a:solidFill>
+        <a:round/>
+      </a:ln>
+    </cs:spPr>
+  </cs:dataPointWireframe>
+  <cs:dataTable>
+    <cs:lnRef idx="0"/>
+    <cs:fillRef idx="0"/>
+    <cs:effectRef idx="0"/>
+    <cs:fontRef idx="minor">
+      <a:schemeClr val="tx1">
+        <a:lumMod val="65000"/>
+        <a:lumOff val="35000"/>
+      </a:schemeClr>
+    </cs:fontRef>
+    <cs:spPr>
+      <a:noFill/>
+      <a:ln w="9525" cap="flat" cmpd="sng" algn="ctr">
+        <a:solidFill>
+          <a:schemeClr val="tx1">
+            <a:lumMod val="15000"/>
+            <a:lumOff val="85000"/>
+          </a:schemeClr>
+        </a:solidFill>
+        <a:round/>
+      </a:ln>
+    </cs:spPr>
+    <cs:defRPr sz="1197" kern="1200"/>
+  </cs:dataTable>
+  <cs:downBar>
+    <cs:lnRef idx="0"/>
+    <cs:fillRef idx="0"/>
+    <cs:effectRef idx="0"/>
+    <cs:fontRef idx="minor">
       <a:schemeClr val="dk1"/>
     </cs:fontRef>
     <cs:spPr>
-      <a:ln w="15875" cap="rnd">
+      <a:solidFill>
+        <a:schemeClr val="dk1">
+          <a:lumMod val="65000"/>
+          <a:lumOff val="35000"/>
+        </a:schemeClr>
+      </a:solidFill>
+      <a:ln w="9525">
+        <a:solidFill>
+          <a:schemeClr val="tx1">
+            <a:lumMod val="65000"/>
+            <a:lumOff val="35000"/>
+          </a:schemeClr>
+        </a:solidFill>
+      </a:ln>
+    </cs:spPr>
+  </cs:downBar>
+  <cs:dropLine>
+    <cs:lnRef idx="0"/>
+    <cs:fillRef idx="0"/>
+    <cs:effectRef idx="0"/>
+    <cs:fontRef idx="minor">
+      <a:schemeClr val="tx1"/>
+    </cs:fontRef>
+    <cs:spPr>
+      <a:ln w="9525" cap="flat" cmpd="sng" algn="ctr">
+        <a:solidFill>
+          <a:schemeClr val="tx1">
+            <a:lumMod val="35000"/>
+            <a:lumOff val="65000"/>
+          </a:schemeClr>
+        </a:solidFill>
+        <a:round/>
+      </a:ln>
+    </cs:spPr>
+  </cs:dropLine>
+  <cs:errorBar>
+    <cs:lnRef idx="0"/>
+    <cs:fillRef idx="0"/>
+    <cs:effectRef idx="0"/>
+    <cs:fontRef idx="minor">
+      <a:schemeClr val="tx1"/>
+    </cs:fontRef>
+    <cs:spPr>
+      <a:ln w="9525" cap="flat" cmpd="sng" algn="ctr">
+        <a:solidFill>
+          <a:schemeClr val="tx1">
+            <a:lumMod val="65000"/>
+            <a:lumOff val="35000"/>
+          </a:schemeClr>
+        </a:solidFill>
+        <a:round/>
+      </a:ln>
+    </cs:spPr>
+  </cs:errorBar>
+  <cs:floor>
+    <cs:lnRef idx="0"/>
+    <cs:fillRef idx="0"/>
+    <cs:effectRef idx="0"/>
+    <cs:fontRef idx="minor">
+      <a:schemeClr val="tx1"/>
+    </cs:fontRef>
+    <cs:spPr>
+      <a:noFill/>
+      <a:ln>
+        <a:noFill/>
+      </a:ln>
+    </cs:spPr>
+  </cs:floor>
+  <cs:gridlineMajor>
+    <cs:lnRef idx="0"/>
+    <cs:fillRef idx="0"/>
+    <cs:effectRef idx="0"/>
+    <cs:fontRef idx="minor">
+      <a:schemeClr val="tx1"/>
+    </cs:fontRef>
+    <cs:spPr>
+      <a:ln w="9525" cap="flat" cmpd="sng" algn="ctr">
+        <a:solidFill>
+          <a:schemeClr val="tx1">
+            <a:lumMod val="15000"/>
+            <a:lumOff val="85000"/>
+          </a:schemeClr>
+        </a:solidFill>
+        <a:round/>
+      </a:ln>
+    </cs:spPr>
+  </cs:gridlineMajor>
+  <cs:gridlineMinor>
+    <cs:lnRef idx="0"/>
+    <cs:fillRef idx="0"/>
+    <cs:effectRef idx="0"/>
+    <cs:fontRef idx="minor">
+      <a:schemeClr val="tx1"/>
+    </cs:fontRef>
+    <cs:spPr>
+      <a:ln w="9525" cap="flat" cmpd="sng" algn="ctr">
+        <a:solidFill>
+          <a:schemeClr val="tx1">
+            <a:lumMod val="5000"/>
+            <a:lumOff val="95000"/>
+          </a:schemeClr>
+        </a:solidFill>
+        <a:round/>
+      </a:ln>
+    </cs:spPr>
+  </cs:gridlineMinor>
+  <cs:hiLoLine>
+    <cs:lnRef idx="0"/>
+    <cs:fillRef idx="0"/>
+    <cs:effectRef idx="0"/>
+    <cs:fontRef idx="minor">
+      <a:schemeClr val="tx1"/>
+    </cs:fontRef>
+    <cs:spPr>
+      <a:ln w="9525" cap="flat" cmpd="sng" algn="ctr">
+        <a:solidFill>
+          <a:schemeClr val="tx1">
+            <a:lumMod val="75000"/>
+            <a:lumOff val="25000"/>
+          </a:schemeClr>
+        </a:solidFill>
+        <a:round/>
+      </a:ln>
+    </cs:spPr>
+  </cs:hiLoLine>
+  <cs:leaderLine>
+    <cs:lnRef idx="0"/>
+    <cs:fillRef idx="0"/>
+    <cs:effectRef idx="0"/>
+    <cs:fontRef idx="minor">
+      <a:schemeClr val="tx1"/>
+    </cs:fontRef>
+    <cs:spPr>
+      <a:ln w="9525" cap="flat" cmpd="sng" algn="ctr">
+        <a:solidFill>
+          <a:schemeClr val="tx1">
+            <a:lumMod val="35000"/>
+            <a:lumOff val="65000"/>
+          </a:schemeClr>
+        </a:solidFill>
+        <a:round/>
+      </a:ln>
+    </cs:spPr>
+  </cs:leaderLine>
+  <cs:legend>
+    <cs:lnRef idx="0"/>
+    <cs:fillRef idx="0"/>
+    <cs:effectRef idx="0"/>
+    <cs:fontRef idx="minor">
+      <a:schemeClr val="tx1">
+        <a:lumMod val="65000"/>
+        <a:lumOff val="35000"/>
+      </a:schemeClr>
+    </cs:fontRef>
+    <cs:defRPr sz="1197" kern="1200"/>
+  </cs:legend>
+  <cs:plotArea mods="allowNoFillOverride allowNoLineOverride">
+    <cs:lnRef idx="0"/>
+    <cs:fillRef idx="0"/>
+    <cs:effectRef idx="0"/>
+    <cs:fontRef idx="minor">
+      <a:schemeClr val="tx1"/>
+    </cs:fontRef>
+  </cs:plotArea>
+  <cs:plotArea3D mods="allowNoFillOverride allowNoLineOverride">
+    <cs:lnRef idx="0"/>
+    <cs:fillRef idx="0"/>
+    <cs:effectRef idx="0"/>
+    <cs:fontRef idx="minor">
+      <a:schemeClr val="tx1"/>
+    </cs:fontRef>
+  </cs:plotArea3D>
+  <cs:seriesAxis>
+    <cs:lnRef idx="0"/>
+    <cs:fillRef idx="0"/>
+    <cs:effectRef idx="0"/>
+    <cs:fontRef idx="minor">
+      <a:schemeClr val="tx1">
+        <a:lumMod val="65000"/>
+        <a:lumOff val="35000"/>
+      </a:schemeClr>
+    </cs:fontRef>
+    <cs:defRPr sz="1197" kern="1200"/>
+  </cs:seriesAxis>
+  <cs:seriesLine>
+    <cs:lnRef idx="0"/>
+    <cs:fillRef idx="0"/>
+    <cs:effectRef idx="0"/>
+    <cs:fontRef idx="minor">
+      <a:schemeClr val="tx1"/>
+    </cs:fontRef>
+    <cs:spPr>
+      <a:ln w="9525" cap="flat" cmpd="sng" algn="ctr">
+        <a:solidFill>
+          <a:schemeClr val="tx1">
+            <a:lumMod val="35000"/>
+            <a:lumOff val="65000"/>
+          </a:schemeClr>
+        </a:solidFill>
+        <a:round/>
+      </a:ln>
+    </cs:spPr>
+  </cs:seriesLine>
+  <cs:title>
+    <cs:lnRef idx="0"/>
+    <cs:fillRef idx="0"/>
+    <cs:effectRef idx="0"/>
+    <cs:fontRef idx="minor">
+      <a:schemeClr val="tx1">
+        <a:lumMod val="65000"/>
+        <a:lumOff val="35000"/>
+      </a:schemeClr>
+    </cs:fontRef>
+    <cs:defRPr sz="1862" b="0" kern="1200" spc="0" baseline="0"/>
+  </cs:title>
+  <cs:trendline>
+    <cs:lnRef idx="0">
+      <cs:styleClr val="auto"/>
+    </cs:lnRef>
+    <cs:fillRef idx="0"/>
+    <cs:effectRef idx="0"/>
+    <cs:fontRef idx="minor">
+      <a:schemeClr val="tx1"/>
+    </cs:fontRef>
+    <cs:spPr>
+      <a:ln w="19050" cap="rnd">
         <a:solidFill>
           <a:schemeClr val="phClr"/>
         </a:solidFill>
+        <a:prstDash val="sysDot"/>
       </a:ln>
     </cs:spPr>
   </cs:trendline>
@@ -3507,8 +5284,8 @@
       <a:ln w="9525">
         <a:solidFill>
           <a:schemeClr val="tx1">
-            <a:lumMod val="65000"/>
-            <a:lumOff val="35000"/>
+            <a:lumMod val="15000"/>
+            <a:lumOff val="85000"/>
           </a:schemeClr>
         </a:solidFill>
       </a:ln>
@@ -3524,20 +5301,26 @@
         <a:lumOff val="35000"/>
       </a:schemeClr>
     </cs:fontRef>
-    <cs:defRPr sz="1197" kern="1200" spc="20" baseline="0"/>
+    <cs:defRPr sz="1197" kern="1200"/>
   </cs:valueAxis>
   <cs:wall>
     <cs:lnRef idx="0"/>
     <cs:fillRef idx="0"/>
     <cs:effectRef idx="0"/>
     <cs:fontRef idx="minor">
-      <a:schemeClr val="dk1"/>
+      <a:schemeClr val="tx1"/>
     </cs:fontRef>
+    <cs:spPr>
+      <a:noFill/>
+      <a:ln>
+        <a:noFill/>
+      </a:ln>
+    </cs:spPr>
   </cs:wall>
 </cs:chartStyle>
 </file>
 
-<file path=ppt/charts/style3.xml><?xml version="1.0" encoding="utf-8"?>
+<file path=ppt/charts/style5.xml><?xml version="1.0" encoding="utf-8"?>
 <cs:chartStyle xmlns:cs="http://schemas.microsoft.com/office/drawing/2012/chartStyle" xmlns:a="http://schemas.openxmlformats.org/drawingml/2006/main" id="201">
   <cs:axisTitle>
     <cs:lnRef idx="0"/>
@@ -5706,6 +7489,925 @@
 </dgm:colorsDef>
 </file>
 
+<file path=ppt/diagrams/colors3.xml><?xml version="1.0" encoding="utf-8"?>
+<dgm:colorsDef xmlns:dgm="http://schemas.openxmlformats.org/drawingml/2006/diagram" xmlns:a="http://schemas.openxmlformats.org/drawingml/2006/main" uniqueId="urn:microsoft.com/office/officeart/2005/8/colors/colorful1">
+  <dgm:title val=""/>
+  <dgm:desc val=""/>
+  <dgm:catLst>
+    <dgm:cat type="colorful" pri="10100"/>
+  </dgm:catLst>
+  <dgm:styleLbl name="node0">
+    <dgm:fillClrLst meth="repeat">
+      <a:schemeClr val="accent1"/>
+    </dgm:fillClrLst>
+    <dgm:linClrLst meth="repeat">
+      <a:schemeClr val="lt1"/>
+    </dgm:linClrLst>
+    <dgm:effectClrLst/>
+    <dgm:txLinClrLst/>
+    <dgm:txFillClrLst/>
+    <dgm:txEffectClrLst/>
+  </dgm:styleLbl>
+  <dgm:styleLbl name="node1">
+    <dgm:fillClrLst meth="repeat">
+      <a:schemeClr val="accent2"/>
+      <a:schemeClr val="accent3"/>
+      <a:schemeClr val="accent4"/>
+      <a:schemeClr val="accent5"/>
+      <a:schemeClr val="accent6"/>
+    </dgm:fillClrLst>
+    <dgm:linClrLst meth="repeat">
+      <a:schemeClr val="lt1"/>
+    </dgm:linClrLst>
+    <dgm:effectClrLst/>
+    <dgm:txLinClrLst/>
+    <dgm:txFillClrLst/>
+    <dgm:txEffectClrLst/>
+  </dgm:styleLbl>
+  <dgm:styleLbl name="alignNode1">
+    <dgm:fillClrLst meth="repeat">
+      <a:schemeClr val="accent2"/>
+      <a:schemeClr val="accent3"/>
+      <a:schemeClr val="accent4"/>
+      <a:schemeClr val="accent5"/>
+      <a:schemeClr val="accent6"/>
+    </dgm:fillClrLst>
+    <dgm:linClrLst meth="repeat">
+      <a:schemeClr val="accent2"/>
+      <a:schemeClr val="accent3"/>
+      <a:schemeClr val="accent4"/>
+      <a:schemeClr val="accent5"/>
+      <a:schemeClr val="accent6"/>
+    </dgm:linClrLst>
+    <dgm:effectClrLst/>
+    <dgm:txLinClrLst/>
+    <dgm:txFillClrLst/>
+    <dgm:txEffectClrLst/>
+  </dgm:styleLbl>
+  <dgm:styleLbl name="lnNode1">
+    <dgm:fillClrLst meth="repeat">
+      <a:schemeClr val="accent2"/>
+      <a:schemeClr val="accent3"/>
+      <a:schemeClr val="accent4"/>
+      <a:schemeClr val="accent5"/>
+      <a:schemeClr val="accent6"/>
+    </dgm:fillClrLst>
+    <dgm:linClrLst meth="repeat">
+      <a:schemeClr val="lt1"/>
+    </dgm:linClrLst>
+    <dgm:effectClrLst/>
+    <dgm:txLinClrLst/>
+    <dgm:txFillClrLst/>
+    <dgm:txEffectClrLst/>
+  </dgm:styleLbl>
+  <dgm:styleLbl name="vennNode1">
+    <dgm:fillClrLst meth="repeat">
+      <a:schemeClr val="accent2">
+        <a:alpha val="50000"/>
+      </a:schemeClr>
+      <a:schemeClr val="accent3">
+        <a:alpha val="50000"/>
+      </a:schemeClr>
+      <a:schemeClr val="accent4">
+        <a:alpha val="50000"/>
+      </a:schemeClr>
+      <a:schemeClr val="accent5">
+        <a:alpha val="50000"/>
+      </a:schemeClr>
+      <a:schemeClr val="accent6">
+        <a:alpha val="50000"/>
+      </a:schemeClr>
+    </dgm:fillClrLst>
+    <dgm:linClrLst meth="repeat">
+      <a:schemeClr val="lt1"/>
+    </dgm:linClrLst>
+    <dgm:effectClrLst/>
+    <dgm:txLinClrLst/>
+    <dgm:txFillClrLst/>
+    <dgm:txEffectClrLst/>
+  </dgm:styleLbl>
+  <dgm:styleLbl name="node2">
+    <dgm:fillClrLst>
+      <a:schemeClr val="accent2"/>
+    </dgm:fillClrLst>
+    <dgm:linClrLst meth="repeat">
+      <a:schemeClr val="lt1"/>
+    </dgm:linClrLst>
+    <dgm:effectClrLst/>
+    <dgm:txLinClrLst/>
+    <dgm:txFillClrLst/>
+    <dgm:txEffectClrLst/>
+  </dgm:styleLbl>
+  <dgm:styleLbl name="node3">
+    <dgm:fillClrLst>
+      <a:schemeClr val="accent3"/>
+    </dgm:fillClrLst>
+    <dgm:linClrLst meth="repeat">
+      <a:schemeClr val="lt1"/>
+    </dgm:linClrLst>
+    <dgm:effectClrLst/>
+    <dgm:txLinClrLst/>
+    <dgm:txFillClrLst/>
+    <dgm:txEffectClrLst/>
+  </dgm:styleLbl>
+  <dgm:styleLbl name="node4">
+    <dgm:fillClrLst>
+      <a:schemeClr val="accent4"/>
+    </dgm:fillClrLst>
+    <dgm:linClrLst meth="repeat">
+      <a:schemeClr val="lt1"/>
+    </dgm:linClrLst>
+    <dgm:effectClrLst/>
+    <dgm:txLinClrLst/>
+    <dgm:txFillClrLst/>
+    <dgm:txEffectClrLst/>
+  </dgm:styleLbl>
+  <dgm:styleLbl name="fgImgPlace1">
+    <dgm:fillClrLst meth="repeat">
+      <a:schemeClr val="accent2">
+        <a:tint val="50000"/>
+      </a:schemeClr>
+      <a:schemeClr val="accent3">
+        <a:tint val="50000"/>
+      </a:schemeClr>
+      <a:schemeClr val="accent4">
+        <a:tint val="50000"/>
+      </a:schemeClr>
+      <a:schemeClr val="accent5">
+        <a:tint val="50000"/>
+      </a:schemeClr>
+      <a:schemeClr val="accent6">
+        <a:tint val="50000"/>
+      </a:schemeClr>
+    </dgm:fillClrLst>
+    <dgm:linClrLst meth="repeat">
+      <a:schemeClr val="lt1"/>
+    </dgm:linClrLst>
+    <dgm:effectClrLst/>
+    <dgm:txLinClrLst/>
+    <dgm:txFillClrLst meth="repeat">
+      <a:schemeClr val="lt1"/>
+    </dgm:txFillClrLst>
+    <dgm:txEffectClrLst/>
+  </dgm:styleLbl>
+  <dgm:styleLbl name="alignImgPlace1">
+    <dgm:fillClrLst>
+      <a:schemeClr val="accent1">
+        <a:tint val="50000"/>
+      </a:schemeClr>
+      <a:schemeClr val="accent2">
+        <a:tint val="20000"/>
+      </a:schemeClr>
+    </dgm:fillClrLst>
+    <dgm:linClrLst meth="repeat">
+      <a:schemeClr val="lt1"/>
+    </dgm:linClrLst>
+    <dgm:effectClrLst/>
+    <dgm:txLinClrLst/>
+    <dgm:txFillClrLst meth="repeat">
+      <a:schemeClr val="lt1"/>
+    </dgm:txFillClrLst>
+    <dgm:txEffectClrLst/>
+  </dgm:styleLbl>
+  <dgm:styleLbl name="bgImgPlace1">
+    <dgm:fillClrLst>
+      <a:schemeClr val="accent1">
+        <a:tint val="50000"/>
+      </a:schemeClr>
+      <a:schemeClr val="accent2">
+        <a:tint val="20000"/>
+      </a:schemeClr>
+    </dgm:fillClrLst>
+    <dgm:linClrLst meth="repeat">
+      <a:schemeClr val="lt1"/>
+    </dgm:linClrLst>
+    <dgm:effectClrLst/>
+    <dgm:txLinClrLst/>
+    <dgm:txFillClrLst meth="repeat">
+      <a:schemeClr val="lt1"/>
+    </dgm:txFillClrLst>
+    <dgm:txEffectClrLst/>
+  </dgm:styleLbl>
+  <dgm:styleLbl name="sibTrans2D1">
+    <dgm:fillClrLst meth="repeat">
+      <a:schemeClr val="accent2"/>
+      <a:schemeClr val="accent3"/>
+      <a:schemeClr val="accent4"/>
+      <a:schemeClr val="accent5"/>
+      <a:schemeClr val="accent6"/>
+    </dgm:fillClrLst>
+    <dgm:linClrLst meth="cycle">
+      <a:schemeClr val="lt1"/>
+    </dgm:linClrLst>
+    <dgm:effectClrLst/>
+    <dgm:txLinClrLst/>
+    <dgm:txFillClrLst/>
+    <dgm:txEffectClrLst/>
+  </dgm:styleLbl>
+  <dgm:styleLbl name="fgSibTrans2D1">
+    <dgm:fillClrLst meth="repeat">
+      <a:schemeClr val="accent2"/>
+      <a:schemeClr val="accent3"/>
+      <a:schemeClr val="accent4"/>
+      <a:schemeClr val="accent5"/>
+      <a:schemeClr val="accent6"/>
+    </dgm:fillClrLst>
+    <dgm:linClrLst meth="cycle">
+      <a:schemeClr val="lt1"/>
+    </dgm:linClrLst>
+    <dgm:effectClrLst/>
+    <dgm:txLinClrLst/>
+    <dgm:txFillClrLst meth="repeat">
+      <a:schemeClr val="lt1"/>
+    </dgm:txFillClrLst>
+    <dgm:txEffectClrLst/>
+  </dgm:styleLbl>
+  <dgm:styleLbl name="bgSibTrans2D1">
+    <dgm:fillClrLst meth="repeat">
+      <a:schemeClr val="accent2"/>
+      <a:schemeClr val="accent3"/>
+      <a:schemeClr val="accent4"/>
+      <a:schemeClr val="accent5"/>
+      <a:schemeClr val="accent6"/>
+    </dgm:fillClrLst>
+    <dgm:linClrLst meth="cycle">
+      <a:schemeClr val="lt1"/>
+    </dgm:linClrLst>
+    <dgm:effectClrLst/>
+    <dgm:txLinClrLst/>
+    <dgm:txFillClrLst meth="repeat">
+      <a:schemeClr val="lt1"/>
+    </dgm:txFillClrLst>
+    <dgm:txEffectClrLst/>
+  </dgm:styleLbl>
+  <dgm:styleLbl name="sibTrans1D1">
+    <dgm:fillClrLst meth="repeat">
+      <a:schemeClr val="accent2"/>
+      <a:schemeClr val="accent3"/>
+      <a:schemeClr val="accent4"/>
+      <a:schemeClr val="accent5"/>
+      <a:schemeClr val="accent6"/>
+    </dgm:fillClrLst>
+    <dgm:linClrLst meth="repeat">
+      <a:schemeClr val="accent2"/>
+      <a:schemeClr val="accent3"/>
+      <a:schemeClr val="accent4"/>
+      <a:schemeClr val="accent5"/>
+      <a:schemeClr val="accent6"/>
+    </dgm:linClrLst>
+    <dgm:effectClrLst/>
+    <dgm:txLinClrLst/>
+    <dgm:txFillClrLst meth="repeat">
+      <a:schemeClr val="tx1"/>
+    </dgm:txFillClrLst>
+    <dgm:txEffectClrLst/>
+  </dgm:styleLbl>
+  <dgm:styleLbl name="callout">
+    <dgm:fillClrLst meth="repeat">
+      <a:schemeClr val="accent2"/>
+    </dgm:fillClrLst>
+    <dgm:linClrLst meth="repeat">
+      <a:schemeClr val="accent2">
+        <a:tint val="50000"/>
+      </a:schemeClr>
+    </dgm:linClrLst>
+    <dgm:effectClrLst/>
+    <dgm:txLinClrLst/>
+    <dgm:txFillClrLst meth="repeat">
+      <a:schemeClr val="tx1"/>
+    </dgm:txFillClrLst>
+    <dgm:txEffectClrLst/>
+  </dgm:styleLbl>
+  <dgm:styleLbl name="asst0">
+    <dgm:fillClrLst meth="repeat">
+      <a:schemeClr val="accent1"/>
+    </dgm:fillClrLst>
+    <dgm:linClrLst meth="repeat">
+      <a:schemeClr val="lt1"/>
+    </dgm:linClrLst>
+    <dgm:effectClrLst/>
+    <dgm:txLinClrLst/>
+    <dgm:txFillClrLst/>
+    <dgm:txEffectClrLst/>
+  </dgm:styleLbl>
+  <dgm:styleLbl name="asst1">
+    <dgm:fillClrLst meth="repeat">
+      <a:schemeClr val="accent2"/>
+    </dgm:fillClrLst>
+    <dgm:linClrLst meth="repeat">
+      <a:schemeClr val="lt1"/>
+    </dgm:linClrLst>
+    <dgm:effectClrLst/>
+    <dgm:txLinClrLst/>
+    <dgm:txFillClrLst/>
+    <dgm:txEffectClrLst/>
+  </dgm:styleLbl>
+  <dgm:styleLbl name="asst2">
+    <dgm:fillClrLst>
+      <a:schemeClr val="accent3"/>
+    </dgm:fillClrLst>
+    <dgm:linClrLst meth="repeat">
+      <a:schemeClr val="lt1"/>
+    </dgm:linClrLst>
+    <dgm:effectClrLst/>
+    <dgm:txLinClrLst/>
+    <dgm:txFillClrLst/>
+    <dgm:txEffectClrLst/>
+  </dgm:styleLbl>
+  <dgm:styleLbl name="asst3">
+    <dgm:fillClrLst>
+      <a:schemeClr val="accent4"/>
+    </dgm:fillClrLst>
+    <dgm:linClrLst meth="repeat">
+      <a:schemeClr val="lt1"/>
+    </dgm:linClrLst>
+    <dgm:effectClrLst/>
+    <dgm:txLinClrLst/>
+    <dgm:txFillClrLst/>
+    <dgm:txEffectClrLst/>
+  </dgm:styleLbl>
+  <dgm:styleLbl name="asst4">
+    <dgm:fillClrLst>
+      <a:schemeClr val="accent5"/>
+    </dgm:fillClrLst>
+    <dgm:linClrLst meth="repeat">
+      <a:schemeClr val="lt1"/>
+    </dgm:linClrLst>
+    <dgm:effectClrLst/>
+    <dgm:txLinClrLst/>
+    <dgm:txFillClrLst/>
+    <dgm:txEffectClrLst/>
+  </dgm:styleLbl>
+  <dgm:styleLbl name="parChTrans2D1">
+    <dgm:fillClrLst meth="repeat">
+      <a:schemeClr val="accent2"/>
+    </dgm:fillClrLst>
+    <dgm:linClrLst meth="repeat">
+      <a:schemeClr val="lt1"/>
+    </dgm:linClrLst>
+    <dgm:effectClrLst/>
+    <dgm:txLinClrLst/>
+    <dgm:txFillClrLst meth="repeat">
+      <a:schemeClr val="lt1"/>
+    </dgm:txFillClrLst>
+    <dgm:txEffectClrLst/>
+  </dgm:styleLbl>
+  <dgm:styleLbl name="parChTrans2D2">
+    <dgm:fillClrLst meth="repeat">
+      <a:schemeClr val="accent3"/>
+    </dgm:fillClrLst>
+    <dgm:linClrLst meth="repeat">
+      <a:schemeClr val="lt1"/>
+    </dgm:linClrLst>
+    <dgm:effectClrLst/>
+    <dgm:txLinClrLst/>
+    <dgm:txFillClrLst/>
+    <dgm:txEffectClrLst/>
+  </dgm:styleLbl>
+  <dgm:styleLbl name="parChTrans2D3">
+    <dgm:fillClrLst meth="repeat">
+      <a:schemeClr val="accent4"/>
+    </dgm:fillClrLst>
+    <dgm:linClrLst meth="repeat">
+      <a:schemeClr val="lt1"/>
+    </dgm:linClrLst>
+    <dgm:effectClrLst/>
+    <dgm:txLinClrLst/>
+    <dgm:txFillClrLst/>
+    <dgm:txEffectClrLst/>
+  </dgm:styleLbl>
+  <dgm:styleLbl name="parChTrans2D4">
+    <dgm:fillClrLst meth="repeat">
+      <a:schemeClr val="accent5"/>
+    </dgm:fillClrLst>
+    <dgm:linClrLst meth="repeat">
+      <a:schemeClr val="lt1"/>
+    </dgm:linClrLst>
+    <dgm:effectClrLst/>
+    <dgm:txLinClrLst/>
+    <dgm:txFillClrLst meth="repeat">
+      <a:schemeClr val="lt1"/>
+    </dgm:txFillClrLst>
+    <dgm:txEffectClrLst/>
+  </dgm:styleLbl>
+  <dgm:styleLbl name="parChTrans1D1">
+    <dgm:fillClrLst meth="repeat">
+      <a:schemeClr val="accent2"/>
+    </dgm:fillClrLst>
+    <dgm:linClrLst meth="repeat">
+      <a:schemeClr val="accent1"/>
+    </dgm:linClrLst>
+    <dgm:effectClrLst/>
+    <dgm:txLinClrLst/>
+    <dgm:txFillClrLst meth="repeat">
+      <a:schemeClr val="tx1"/>
+    </dgm:txFillClrLst>
+    <dgm:txEffectClrLst/>
+  </dgm:styleLbl>
+  <dgm:styleLbl name="parChTrans1D2">
+    <dgm:fillClrLst meth="repeat">
+      <a:schemeClr val="accent3">
+        <a:tint val="90000"/>
+      </a:schemeClr>
+    </dgm:fillClrLst>
+    <dgm:linClrLst meth="repeat">
+      <a:schemeClr val="accent2"/>
+    </dgm:linClrLst>
+    <dgm:effectClrLst/>
+    <dgm:txLinClrLst/>
+    <dgm:txFillClrLst meth="repeat">
+      <a:schemeClr val="tx1"/>
+    </dgm:txFillClrLst>
+    <dgm:txEffectClrLst/>
+  </dgm:styleLbl>
+  <dgm:styleLbl name="parChTrans1D3">
+    <dgm:fillClrLst meth="repeat">
+      <a:schemeClr val="accent4">
+        <a:tint val="70000"/>
+      </a:schemeClr>
+    </dgm:fillClrLst>
+    <dgm:linClrLst meth="repeat">
+      <a:schemeClr val="accent3"/>
+    </dgm:linClrLst>
+    <dgm:effectClrLst/>
+    <dgm:txLinClrLst/>
+    <dgm:txFillClrLst meth="repeat">
+      <a:schemeClr val="tx1"/>
+    </dgm:txFillClrLst>
+    <dgm:txEffectClrLst/>
+  </dgm:styleLbl>
+  <dgm:styleLbl name="parChTrans1D4">
+    <dgm:fillClrLst meth="repeat">
+      <a:schemeClr val="accent5">
+        <a:tint val="50000"/>
+      </a:schemeClr>
+    </dgm:fillClrLst>
+    <dgm:linClrLst meth="repeat">
+      <a:schemeClr val="accent4"/>
+    </dgm:linClrLst>
+    <dgm:effectClrLst/>
+    <dgm:txLinClrLst/>
+    <dgm:txFillClrLst meth="repeat">
+      <a:schemeClr val="tx1"/>
+    </dgm:txFillClrLst>
+    <dgm:txEffectClrLst/>
+  </dgm:styleLbl>
+  <dgm:styleLbl name="fgAcc1">
+    <dgm:fillClrLst meth="repeat">
+      <a:schemeClr val="lt1">
+        <a:alpha val="90000"/>
+      </a:schemeClr>
+    </dgm:fillClrLst>
+    <dgm:linClrLst meth="repeat">
+      <a:schemeClr val="accent2"/>
+      <a:schemeClr val="accent3"/>
+      <a:schemeClr val="accent4"/>
+      <a:schemeClr val="accent5"/>
+      <a:schemeClr val="accent6"/>
+    </dgm:linClrLst>
+    <dgm:effectClrLst/>
+    <dgm:txLinClrLst/>
+    <dgm:txFillClrLst meth="repeat">
+      <a:schemeClr val="dk1"/>
+    </dgm:txFillClrLst>
+    <dgm:txEffectClrLst/>
+  </dgm:styleLbl>
+  <dgm:styleLbl name="conFgAcc1">
+    <dgm:fillClrLst meth="repeat">
+      <a:schemeClr val="lt1">
+        <a:alpha val="90000"/>
+      </a:schemeClr>
+    </dgm:fillClrLst>
+    <dgm:linClrLst meth="repeat">
+      <a:schemeClr val="accent2"/>
+      <a:schemeClr val="accent3"/>
+      <a:schemeClr val="accent4"/>
+      <a:schemeClr val="accent5"/>
+      <a:schemeClr val="accent6"/>
+    </dgm:linClrLst>
+    <dgm:effectClrLst/>
+    <dgm:txLinClrLst/>
+    <dgm:txFillClrLst meth="repeat">
+      <a:schemeClr val="dk1"/>
+    </dgm:txFillClrLst>
+    <dgm:txEffectClrLst/>
+  </dgm:styleLbl>
+  <dgm:styleLbl name="alignAcc1">
+    <dgm:fillClrLst meth="repeat">
+      <a:schemeClr val="lt1">
+        <a:alpha val="90000"/>
+      </a:schemeClr>
+    </dgm:fillClrLst>
+    <dgm:linClrLst meth="repeat">
+      <a:schemeClr val="accent2"/>
+      <a:schemeClr val="accent3"/>
+      <a:schemeClr val="accent4"/>
+      <a:schemeClr val="accent5"/>
+      <a:schemeClr val="accent6"/>
+    </dgm:linClrLst>
+    <dgm:effectClrLst/>
+    <dgm:txLinClrLst/>
+    <dgm:txFillClrLst meth="repeat">
+      <a:schemeClr val="dk1"/>
+    </dgm:txFillClrLst>
+    <dgm:txEffectClrLst/>
+  </dgm:styleLbl>
+  <dgm:styleLbl name="trAlignAcc1">
+    <dgm:fillClrLst meth="repeat">
+      <a:schemeClr val="lt1">
+        <a:alpha val="40000"/>
+      </a:schemeClr>
+    </dgm:fillClrLst>
+    <dgm:linClrLst meth="repeat">
+      <a:schemeClr val="accent1"/>
+    </dgm:linClrLst>
+    <dgm:effectClrLst/>
+    <dgm:txLinClrLst/>
+    <dgm:txFillClrLst meth="repeat">
+      <a:schemeClr val="dk1"/>
+    </dgm:txFillClrLst>
+    <dgm:txEffectClrLst/>
+  </dgm:styleLbl>
+  <dgm:styleLbl name="bgAcc1">
+    <dgm:fillClrLst meth="repeat">
+      <a:schemeClr val="lt1">
+        <a:alpha val="90000"/>
+      </a:schemeClr>
+    </dgm:fillClrLst>
+    <dgm:linClrLst meth="repeat">
+      <a:schemeClr val="accent2"/>
+      <a:schemeClr val="accent3"/>
+      <a:schemeClr val="accent4"/>
+      <a:schemeClr val="accent5"/>
+      <a:schemeClr val="accent6"/>
+    </dgm:linClrLst>
+    <dgm:effectClrLst/>
+    <dgm:txLinClrLst/>
+    <dgm:txFillClrLst meth="repeat">
+      <a:schemeClr val="dk1"/>
+    </dgm:txFillClrLst>
+    <dgm:txEffectClrLst/>
+  </dgm:styleLbl>
+  <dgm:styleLbl name="solidFgAcc1">
+    <dgm:fillClrLst meth="repeat">
+      <a:schemeClr val="lt1"/>
+    </dgm:fillClrLst>
+    <dgm:linClrLst meth="repeat">
+      <a:schemeClr val="accent2"/>
+      <a:schemeClr val="accent3"/>
+      <a:schemeClr val="accent4"/>
+      <a:schemeClr val="accent5"/>
+      <a:schemeClr val="accent6"/>
+    </dgm:linClrLst>
+    <dgm:effectClrLst/>
+    <dgm:txLinClrLst/>
+    <dgm:txFillClrLst meth="repeat">
+      <a:schemeClr val="dk1"/>
+    </dgm:txFillClrLst>
+    <dgm:txEffectClrLst/>
+  </dgm:styleLbl>
+  <dgm:styleLbl name="solidAlignAcc1">
+    <dgm:fillClrLst meth="repeat">
+      <a:schemeClr val="lt1"/>
+    </dgm:fillClrLst>
+    <dgm:linClrLst meth="repeat">
+      <a:schemeClr val="accent2"/>
+      <a:schemeClr val="accent3"/>
+      <a:schemeClr val="accent4"/>
+      <a:schemeClr val="accent5"/>
+      <a:schemeClr val="accent6"/>
+    </dgm:linClrLst>
+    <dgm:effectClrLst/>
+    <dgm:txLinClrLst/>
+    <dgm:txFillClrLst meth="repeat">
+      <a:schemeClr val="dk1"/>
+    </dgm:txFillClrLst>
+    <dgm:txEffectClrLst/>
+  </dgm:styleLbl>
+  <dgm:styleLbl name="solidBgAcc1">
+    <dgm:fillClrLst meth="repeat">
+      <a:schemeClr val="lt1"/>
+    </dgm:fillClrLst>
+    <dgm:linClrLst meth="repeat">
+      <a:schemeClr val="accent2"/>
+      <a:schemeClr val="accent3"/>
+      <a:schemeClr val="accent4"/>
+      <a:schemeClr val="accent5"/>
+      <a:schemeClr val="accent6"/>
+    </dgm:linClrLst>
+    <dgm:effectClrLst/>
+    <dgm:txLinClrLst/>
+    <dgm:txFillClrLst meth="repeat">
+      <a:schemeClr val="dk1"/>
+    </dgm:txFillClrLst>
+    <dgm:txEffectClrLst/>
+  </dgm:styleLbl>
+  <dgm:styleLbl name="fgAccFollowNode1">
+    <dgm:fillClrLst meth="repeat">
+      <a:schemeClr val="accent2">
+        <a:tint val="40000"/>
+        <a:alpha val="90000"/>
+      </a:schemeClr>
+      <a:schemeClr val="accent3">
+        <a:tint val="40000"/>
+        <a:alpha val="90000"/>
+      </a:schemeClr>
+      <a:schemeClr val="accent4">
+        <a:tint val="40000"/>
+        <a:alpha val="90000"/>
+      </a:schemeClr>
+      <a:schemeClr val="accent5">
+        <a:tint val="40000"/>
+        <a:alpha val="90000"/>
+      </a:schemeClr>
+      <a:schemeClr val="accent6">
+        <a:tint val="40000"/>
+        <a:alpha val="90000"/>
+      </a:schemeClr>
+    </dgm:fillClrLst>
+    <dgm:linClrLst meth="repeat">
+      <a:schemeClr val="accent2">
+        <a:tint val="40000"/>
+        <a:alpha val="90000"/>
+      </a:schemeClr>
+      <a:schemeClr val="accent3">
+        <a:tint val="40000"/>
+        <a:alpha val="90000"/>
+      </a:schemeClr>
+      <a:schemeClr val="accent4">
+        <a:tint val="40000"/>
+        <a:alpha val="90000"/>
+      </a:schemeClr>
+      <a:schemeClr val="accent5">
+        <a:tint val="40000"/>
+        <a:alpha val="90000"/>
+      </a:schemeClr>
+      <a:schemeClr val="accent6">
+        <a:tint val="40000"/>
+        <a:alpha val="90000"/>
+      </a:schemeClr>
+    </dgm:linClrLst>
+    <dgm:effectClrLst/>
+    <dgm:txLinClrLst/>
+    <dgm:txFillClrLst meth="repeat">
+      <a:schemeClr val="dk1"/>
+    </dgm:txFillClrLst>
+    <dgm:txEffectClrLst/>
+  </dgm:styleLbl>
+  <dgm:styleLbl name="alignAccFollowNode1">
+    <dgm:fillClrLst meth="repeat">
+      <a:schemeClr val="accent2">
+        <a:tint val="40000"/>
+        <a:alpha val="90000"/>
+      </a:schemeClr>
+      <a:schemeClr val="accent3">
+        <a:tint val="40000"/>
+        <a:alpha val="90000"/>
+      </a:schemeClr>
+      <a:schemeClr val="accent4">
+        <a:tint val="40000"/>
+        <a:alpha val="90000"/>
+      </a:schemeClr>
+      <a:schemeClr val="accent5">
+        <a:tint val="40000"/>
+        <a:alpha val="90000"/>
+      </a:schemeClr>
+      <a:schemeClr val="accent6">
+        <a:tint val="40000"/>
+        <a:alpha val="90000"/>
+      </a:schemeClr>
+    </dgm:fillClrLst>
+    <dgm:linClrLst meth="repeat">
+      <a:schemeClr val="accent2">
+        <a:tint val="40000"/>
+        <a:alpha val="90000"/>
+      </a:schemeClr>
+      <a:schemeClr val="accent3">
+        <a:tint val="40000"/>
+        <a:alpha val="90000"/>
+      </a:schemeClr>
+      <a:schemeClr val="accent4">
+        <a:tint val="40000"/>
+        <a:alpha val="90000"/>
+      </a:schemeClr>
+      <a:schemeClr val="accent5">
+        <a:tint val="40000"/>
+        <a:alpha val="90000"/>
+      </a:schemeClr>
+      <a:schemeClr val="accent6">
+        <a:tint val="40000"/>
+        <a:alpha val="90000"/>
+      </a:schemeClr>
+    </dgm:linClrLst>
+    <dgm:effectClrLst/>
+    <dgm:txLinClrLst/>
+    <dgm:txFillClrLst meth="repeat">
+      <a:schemeClr val="dk1"/>
+    </dgm:txFillClrLst>
+    <dgm:txEffectClrLst/>
+  </dgm:styleLbl>
+  <dgm:styleLbl name="bgAccFollowNode1">
+    <dgm:fillClrLst meth="repeat">
+      <a:schemeClr val="accent2">
+        <a:tint val="40000"/>
+        <a:alpha val="90000"/>
+      </a:schemeClr>
+      <a:schemeClr val="accent3">
+        <a:tint val="40000"/>
+        <a:alpha val="90000"/>
+      </a:schemeClr>
+      <a:schemeClr val="accent4">
+        <a:tint val="40000"/>
+        <a:alpha val="90000"/>
+      </a:schemeClr>
+      <a:schemeClr val="accent5">
+        <a:tint val="40000"/>
+        <a:alpha val="90000"/>
+      </a:schemeClr>
+      <a:schemeClr val="accent6">
+        <a:tint val="40000"/>
+        <a:alpha val="90000"/>
+      </a:schemeClr>
+    </dgm:fillClrLst>
+    <dgm:linClrLst meth="repeat">
+      <a:schemeClr val="accent2">
+        <a:tint val="40000"/>
+        <a:alpha val="90000"/>
+      </a:schemeClr>
+      <a:schemeClr val="accent3">
+        <a:tint val="40000"/>
+        <a:alpha val="90000"/>
+      </a:schemeClr>
+      <a:schemeClr val="accent4">
+        <a:tint val="40000"/>
+        <a:alpha val="90000"/>
+      </a:schemeClr>
+      <a:schemeClr val="accent5">
+        <a:tint val="40000"/>
+        <a:alpha val="90000"/>
+      </a:schemeClr>
+      <a:schemeClr val="accent6">
+        <a:tint val="40000"/>
+        <a:alpha val="90000"/>
+      </a:schemeClr>
+    </dgm:linClrLst>
+    <dgm:effectClrLst/>
+    <dgm:txLinClrLst/>
+    <dgm:txFillClrLst meth="repeat">
+      <a:schemeClr val="dk1"/>
+    </dgm:txFillClrLst>
+    <dgm:txEffectClrLst/>
+  </dgm:styleLbl>
+  <dgm:styleLbl name="fgAcc0">
+    <dgm:fillClrLst meth="repeat">
+      <a:schemeClr val="lt1">
+        <a:alpha val="90000"/>
+      </a:schemeClr>
+    </dgm:fillClrLst>
+    <dgm:linClrLst>
+      <a:schemeClr val="accent1"/>
+    </dgm:linClrLst>
+    <dgm:effectClrLst/>
+    <dgm:txLinClrLst/>
+    <dgm:txFillClrLst meth="repeat">
+      <a:schemeClr val="dk1"/>
+    </dgm:txFillClrLst>
+    <dgm:txEffectClrLst/>
+  </dgm:styleLbl>
+  <dgm:styleLbl name="fgAcc2">
+    <dgm:fillClrLst meth="repeat">
+      <a:schemeClr val="lt1">
+        <a:alpha val="90000"/>
+      </a:schemeClr>
+    </dgm:fillClrLst>
+    <dgm:linClrLst>
+      <a:schemeClr val="accent2"/>
+    </dgm:linClrLst>
+    <dgm:effectClrLst/>
+    <dgm:txLinClrLst/>
+    <dgm:txFillClrLst meth="repeat">
+      <a:schemeClr val="dk1"/>
+    </dgm:txFillClrLst>
+    <dgm:txEffectClrLst/>
+  </dgm:styleLbl>
+  <dgm:styleLbl name="fgAcc3">
+    <dgm:fillClrLst meth="repeat">
+      <a:schemeClr val="lt1">
+        <a:alpha val="90000"/>
+      </a:schemeClr>
+    </dgm:fillClrLst>
+    <dgm:linClrLst>
+      <a:schemeClr val="accent3"/>
+    </dgm:linClrLst>
+    <dgm:effectClrLst/>
+    <dgm:txLinClrLst/>
+    <dgm:txFillClrLst meth="repeat">
+      <a:schemeClr val="dk1"/>
+    </dgm:txFillClrLst>
+    <dgm:txEffectClrLst/>
+  </dgm:styleLbl>
+  <dgm:styleLbl name="fgAcc4">
+    <dgm:fillClrLst meth="repeat">
+      <a:schemeClr val="lt1">
+        <a:alpha val="90000"/>
+      </a:schemeClr>
+    </dgm:fillClrLst>
+    <dgm:linClrLst>
+      <a:schemeClr val="accent4"/>
+    </dgm:linClrLst>
+    <dgm:effectClrLst/>
+    <dgm:txLinClrLst/>
+    <dgm:txFillClrLst meth="repeat">
+      <a:schemeClr val="dk1"/>
+    </dgm:txFillClrLst>
+    <dgm:txEffectClrLst/>
+  </dgm:styleLbl>
+  <dgm:styleLbl name="bgShp">
+    <dgm:fillClrLst meth="repeat">
+      <a:schemeClr val="accent2">
+        <a:tint val="40000"/>
+      </a:schemeClr>
+    </dgm:fillClrLst>
+    <dgm:linClrLst meth="repeat">
+      <a:schemeClr val="dk1"/>
+    </dgm:linClrLst>
+    <dgm:effectClrLst/>
+    <dgm:txLinClrLst/>
+    <dgm:txFillClrLst meth="repeat">
+      <a:schemeClr val="dk1"/>
+    </dgm:txFillClrLst>
+    <dgm:txEffectClrLst/>
+  </dgm:styleLbl>
+  <dgm:styleLbl name="dkBgShp">
+    <dgm:fillClrLst meth="repeat">
+      <a:schemeClr val="accent2">
+        <a:shade val="90000"/>
+      </a:schemeClr>
+    </dgm:fillClrLst>
+    <dgm:linClrLst meth="repeat">
+      <a:schemeClr val="dk1"/>
+    </dgm:linClrLst>
+    <dgm:effectClrLst/>
+    <dgm:txLinClrLst/>
+    <dgm:txFillClrLst meth="repeat">
+      <a:schemeClr val="lt1"/>
+    </dgm:txFillClrLst>
+    <dgm:txEffectClrLst/>
+  </dgm:styleLbl>
+  <dgm:styleLbl name="trBgShp">
+    <dgm:fillClrLst meth="repeat">
+      <a:schemeClr val="accent1">
+        <a:tint val="50000"/>
+        <a:alpha val="40000"/>
+      </a:schemeClr>
+    </dgm:fillClrLst>
+    <dgm:linClrLst meth="repeat">
+      <a:schemeClr val="accent2"/>
+    </dgm:linClrLst>
+    <dgm:effectClrLst/>
+    <dgm:txLinClrLst/>
+    <dgm:txFillClrLst meth="repeat">
+      <a:schemeClr val="lt1"/>
+    </dgm:txFillClrLst>
+    <dgm:txEffectClrLst/>
+  </dgm:styleLbl>
+  <dgm:styleLbl name="fgShp">
+    <dgm:fillClrLst meth="repeat">
+      <a:schemeClr val="accent2">
+        <a:tint val="40000"/>
+      </a:schemeClr>
+    </dgm:fillClrLst>
+    <dgm:linClrLst meth="repeat">
+      <a:schemeClr val="lt1"/>
+    </dgm:linClrLst>
+    <dgm:effectClrLst/>
+    <dgm:txLinClrLst/>
+    <dgm:txFillClrLst meth="repeat">
+      <a:schemeClr val="dk1"/>
+    </dgm:txFillClrLst>
+    <dgm:txEffectClrLst/>
+  </dgm:styleLbl>
+  <dgm:styleLbl name="revTx">
+    <dgm:fillClrLst meth="repeat">
+      <a:schemeClr val="lt1">
+        <a:alpha val="0"/>
+      </a:schemeClr>
+    </dgm:fillClrLst>
+    <dgm:linClrLst meth="repeat">
+      <a:schemeClr val="dk1">
+        <a:alpha val="0"/>
+      </a:schemeClr>
+    </dgm:linClrLst>
+    <dgm:effectClrLst/>
+    <dgm:txLinClrLst/>
+    <dgm:txFillClrLst meth="repeat">
+      <a:schemeClr val="tx1"/>
+    </dgm:txFillClrLst>
+    <dgm:txEffectClrLst/>
+  </dgm:styleLbl>
+</dgm:colorsDef>
+</file>
+
 <file path=ppt/diagrams/data1.xml><?xml version="1.0" encoding="utf-8"?>
 <dgm:dataModel xmlns:dgm="http://schemas.openxmlformats.org/drawingml/2006/diagram" xmlns:a="http://schemas.openxmlformats.org/drawingml/2006/main">
   <dgm:ptLst>
@@ -6647,45 +9349,45 @@
     </dgm:pt>
   </dgm:ptLst>
   <dgm:cxnLst>
-    <dgm:cxn modelId="{6380C4C7-4EBB-43A2-9301-54A5C9841434}" type="presOf" srcId="{FAAD98B4-2CE9-4214-8BB6-F03CEEE572FF}" destId="{4D58B8E3-ABF3-466F-BE72-A1334046C3F4}" srcOrd="0" destOrd="2" presId="urn:microsoft.com/office/officeart/2005/8/layout/cycle4"/>
+    <dgm:cxn modelId="{32D9F149-C2A1-4DD8-A69C-877BCA8D5EDD}" type="presOf" srcId="{FAAD98B4-2CE9-4214-8BB6-F03CEEE572FF}" destId="{38CD6BD6-D3E2-4B97-8665-48065905F491}" srcOrd="1" destOrd="2" presId="urn:microsoft.com/office/officeart/2005/8/layout/cycle4"/>
+    <dgm:cxn modelId="{32486DDC-2E79-4178-8461-4BC45C795BB2}" srcId="{01A583E1-6537-45F8-AE09-C85491C9FC1D}" destId="{F9BE74C9-EC7E-4268-8C5A-882B3EFFF8FD}" srcOrd="3" destOrd="0" parTransId="{EA0E44FE-C617-463A-B76E-A9DC58753A03}" sibTransId="{0967E1B8-BCB6-4EBC-AE86-D9382359FC3F}"/>
+    <dgm:cxn modelId="{CB0B1B1A-10F9-41F1-A66F-C247C25FE7E2}" type="presOf" srcId="{618CC25E-9050-4FB6-9F11-CAFC660578FC}" destId="{382DE9F5-C159-437A-AA3E-CE93A76C5FDC}" srcOrd="0" destOrd="0" presId="urn:microsoft.com/office/officeart/2005/8/layout/cycle4"/>
+    <dgm:cxn modelId="{6F2C1348-DD44-4E86-9478-89C1CF069569}" srcId="{01A583E1-6537-45F8-AE09-C85491C9FC1D}" destId="{2BBE2155-4658-4D02-8319-6DF4106EA8CC}" srcOrd="1" destOrd="0" parTransId="{3724DD7C-05CC-4DEB-8DAD-8B592C981C96}" sibTransId="{632890C8-ECA2-44D8-9A94-863A64665BBC}"/>
+    <dgm:cxn modelId="{00B4959F-898B-4380-9C95-B6E29A75A95C}" type="presOf" srcId="{618CC25E-9050-4FB6-9F11-CAFC660578FC}" destId="{7BE406E3-09FD-43B4-AAF9-51FAB58146A3}" srcOrd="1" destOrd="0" presId="urn:microsoft.com/office/officeart/2005/8/layout/cycle4"/>
+    <dgm:cxn modelId="{02D76481-2E62-4BA9-9F42-AE33CB3B6F3E}" type="presOf" srcId="{E5ACC793-F455-4177-B2A7-6FC33C9C1025}" destId="{C05EAFFC-2644-44E2-967D-B53235C71A38}" srcOrd="1" destOrd="3" presId="urn:microsoft.com/office/officeart/2005/8/layout/cycle4"/>
     <dgm:cxn modelId="{5900A8BD-7DF5-411F-BDC8-2899BCECAF71}" type="presOf" srcId="{2BFBAB07-2C4C-4FAB-9052-FFD3F4A28A9E}" destId="{C05EAFFC-2644-44E2-967D-B53235C71A38}" srcOrd="1" destOrd="1" presId="urn:microsoft.com/office/officeart/2005/8/layout/cycle4"/>
-    <dgm:cxn modelId="{9BF38558-2481-46D5-AB3E-FC48BBE62666}" srcId="{F9BE74C9-EC7E-4268-8C5A-882B3EFFF8FD}" destId="{E5ACC793-F455-4177-B2A7-6FC33C9C1025}" srcOrd="3" destOrd="0" parTransId="{F3D91DD1-F12E-4C5D-82CF-86CF95B338AA}" sibTransId="{0E3913D7-3C7B-49AF-9134-A90315714B9E}"/>
-    <dgm:cxn modelId="{7F659E51-2E2F-40FF-9479-2FD7E732DF62}" type="presOf" srcId="{2D6962E4-72B9-4B1E-B258-246893A88E0D}" destId="{60DA8870-9857-4057-BC91-DD9B798F041F}" srcOrd="0" destOrd="0" presId="urn:microsoft.com/office/officeart/2005/8/layout/cycle4"/>
-    <dgm:cxn modelId="{9991E351-28AB-47A6-8963-A9D299DB8675}" type="presOf" srcId="{989E09AB-A343-466C-BC14-C765FC9A1DD7}" destId="{4D58B8E3-ABF3-466F-BE72-A1334046C3F4}" srcOrd="0" destOrd="1" presId="urn:microsoft.com/office/officeart/2005/8/layout/cycle4"/>
-    <dgm:cxn modelId="{CB0B1B1A-10F9-41F1-A66F-C247C25FE7E2}" type="presOf" srcId="{618CC25E-9050-4FB6-9F11-CAFC660578FC}" destId="{382DE9F5-C159-437A-AA3E-CE93A76C5FDC}" srcOrd="0" destOrd="0" presId="urn:microsoft.com/office/officeart/2005/8/layout/cycle4"/>
-    <dgm:cxn modelId="{32486DDC-2E79-4178-8461-4BC45C795BB2}" srcId="{01A583E1-6537-45F8-AE09-C85491C9FC1D}" destId="{F9BE74C9-EC7E-4268-8C5A-882B3EFFF8FD}" srcOrd="3" destOrd="0" parTransId="{EA0E44FE-C617-463A-B76E-A9DC58753A03}" sibTransId="{0967E1B8-BCB6-4EBC-AE86-D9382359FC3F}"/>
-    <dgm:cxn modelId="{EDDAA38D-6E30-4543-B0F1-EAA9A6A477C7}" srcId="{01A583E1-6537-45F8-AE09-C85491C9FC1D}" destId="{2D6962E4-72B9-4B1E-B258-246893A88E0D}" srcOrd="0" destOrd="0" parTransId="{5502C073-0884-4CFE-A849-62990833CEE5}" sibTransId="{0E9043AA-3D92-4FE3-8FA8-E174F20EB8FF}"/>
+    <dgm:cxn modelId="{EDA00CFB-CF50-47D2-9DB9-9D5DE58CAD7E}" srcId="{2D6962E4-72B9-4B1E-B258-246893A88E0D}" destId="{989E09AB-A343-466C-BC14-C765FC9A1DD7}" srcOrd="1" destOrd="0" parTransId="{288B4C8E-3DA7-4373-926B-0E2EBA929F32}" sibTransId="{FB5D77EC-83C1-4323-ACE4-4842959B2E06}"/>
+    <dgm:cxn modelId="{F41F6067-9583-4D97-9E45-7AAACB397DC1}" srcId="{01A583E1-6537-45F8-AE09-C85491C9FC1D}" destId="{5BCD62D5-23CD-4A5A-A476-269CE76914DC}" srcOrd="2" destOrd="0" parTransId="{C274F423-C9C0-423A-80FB-84C18F1C3BA8}" sibTransId="{6CCF063A-E379-49B3-9CC0-57BB9F2B8432}"/>
+    <dgm:cxn modelId="{67308CEA-9FD1-426E-BDAA-B330570BC27C}" type="presOf" srcId="{23580231-228D-4259-948C-ECAED9FB6BBD}" destId="{22A0A0BC-6367-462E-93A8-CA8C46FCDCA0}" srcOrd="0" destOrd="0" presId="urn:microsoft.com/office/officeart/2005/8/layout/cycle4"/>
     <dgm:cxn modelId="{DE7E25E1-0419-411E-8CE9-67B65CD394AF}" type="presOf" srcId="{7095E70B-7EFB-4733-BA44-C4BB0599979F}" destId="{38CD6BD6-D3E2-4B97-8665-48065905F491}" srcOrd="1" destOrd="3" presId="urn:microsoft.com/office/officeart/2005/8/layout/cycle4"/>
-    <dgm:cxn modelId="{0867E0A3-B749-4FC7-AFD8-611582642A56}" srcId="{5BCD62D5-23CD-4A5A-A476-269CE76914DC}" destId="{618CC25E-9050-4FB6-9F11-CAFC660578FC}" srcOrd="0" destOrd="0" parTransId="{892FDF72-278A-4E94-A52C-C9A43137F613}" sibTransId="{E48127D6-89B0-4F87-A1F9-517011A96A5B}"/>
-    <dgm:cxn modelId="{EDA00CFB-CF50-47D2-9DB9-9D5DE58CAD7E}" srcId="{2D6962E4-72B9-4B1E-B258-246893A88E0D}" destId="{989E09AB-A343-466C-BC14-C765FC9A1DD7}" srcOrd="1" destOrd="0" parTransId="{288B4C8E-3DA7-4373-926B-0E2EBA929F32}" sibTransId="{FB5D77EC-83C1-4323-ACE4-4842959B2E06}"/>
-    <dgm:cxn modelId="{5474BC8E-7785-4D13-A4F3-61EF990ED269}" type="presOf" srcId="{F8507812-6291-4C9B-AA0B-B8AF3A68427D}" destId="{22A0A0BC-6367-462E-93A8-CA8C46FCDCA0}" srcOrd="0" destOrd="2" presId="urn:microsoft.com/office/officeart/2005/8/layout/cycle4"/>
-    <dgm:cxn modelId="{41218EDB-BD90-4410-89D0-F42795B77442}" type="presOf" srcId="{F9BE74C9-EC7E-4268-8C5A-882B3EFFF8FD}" destId="{809A40DB-630A-4CA0-804D-1A67767C019F}" srcOrd="0" destOrd="0" presId="urn:microsoft.com/office/officeart/2005/8/layout/cycle4"/>
+    <dgm:cxn modelId="{C729B709-07FE-42F4-AAEB-B07A501F7CBF}" type="presOf" srcId="{2BBE2155-4658-4D02-8319-6DF4106EA8CC}" destId="{147178AE-0CD4-4FA3-A352-95F7DEF02040}" srcOrd="0" destOrd="0" presId="urn:microsoft.com/office/officeart/2005/8/layout/cycle4"/>
+    <dgm:cxn modelId="{25B6265F-DE51-4D72-88A4-F99F10356E86}" srcId="{F9BE74C9-EC7E-4268-8C5A-882B3EFFF8FD}" destId="{2BFBAB07-2C4C-4FAB-9052-FFD3F4A28A9E}" srcOrd="1" destOrd="0" parTransId="{40C55B56-8FA6-4369-9144-9E433D309CBB}" sibTransId="{7A024E95-77FA-4074-8271-31A91DA4713B}"/>
     <dgm:cxn modelId="{7647034C-6B12-4E3A-BEA0-6005F318DA9E}" type="presOf" srcId="{490168AD-E14E-4940-8CC2-7C35F66AB41B}" destId="{BD656469-D70B-4710-B138-3ED38F1BD8E1}" srcOrd="1" destOrd="0" presId="urn:microsoft.com/office/officeart/2005/8/layout/cycle4"/>
-    <dgm:cxn modelId="{C729B709-07FE-42F4-AAEB-B07A501F7CBF}" type="presOf" srcId="{2BBE2155-4658-4D02-8319-6DF4106EA8CC}" destId="{147178AE-0CD4-4FA3-A352-95F7DEF02040}" srcOrd="0" destOrd="0" presId="urn:microsoft.com/office/officeart/2005/8/layout/cycle4"/>
-    <dgm:cxn modelId="{E4D73487-C5B1-4EB2-AF38-71DF0EBFDB67}" type="presOf" srcId="{7095E70B-7EFB-4733-BA44-C4BB0599979F}" destId="{4D58B8E3-ABF3-466F-BE72-A1334046C3F4}" srcOrd="0" destOrd="3" presId="urn:microsoft.com/office/officeart/2005/8/layout/cycle4"/>
-    <dgm:cxn modelId="{4665B531-CE39-4D8D-9C92-1B0A97DBEF06}" srcId="{2BBE2155-4658-4D02-8319-6DF4106EA8CC}" destId="{490168AD-E14E-4940-8CC2-7C35F66AB41B}" srcOrd="0" destOrd="0" parTransId="{F8E86141-CA5C-4FD7-B090-BDC097EE9ED9}" sibTransId="{409F351B-3747-4E3C-89C6-F2C76F7C931A}"/>
-    <dgm:cxn modelId="{1695E917-4CB0-460A-9E6B-4DF46E74DE66}" type="presOf" srcId="{490168AD-E14E-4940-8CC2-7C35F66AB41B}" destId="{53094224-E102-4C09-9604-A3E90CFD0EB5}" srcOrd="0" destOrd="0" presId="urn:microsoft.com/office/officeart/2005/8/layout/cycle4"/>
-    <dgm:cxn modelId="{DCB35549-6653-457E-A1A3-3F1DB9F48EB2}" srcId="{F9BE74C9-EC7E-4268-8C5A-882B3EFFF8FD}" destId="{F8507812-6291-4C9B-AA0B-B8AF3A68427D}" srcOrd="2" destOrd="0" parTransId="{4F2F02B6-C766-433A-873A-91091688269D}" sibTransId="{380A3AC5-BB38-4979-8AA3-011E077F4CA2}"/>
-    <dgm:cxn modelId="{784002D3-341F-4DF0-9345-0B1634589798}" type="presOf" srcId="{2B41BF75-F5C8-4255-892F-6328E5A9E688}" destId="{38CD6BD6-D3E2-4B97-8665-48065905F491}" srcOrd="1" destOrd="0" presId="urn:microsoft.com/office/officeart/2005/8/layout/cycle4"/>
-    <dgm:cxn modelId="{00B4959F-898B-4380-9C95-B6E29A75A95C}" type="presOf" srcId="{618CC25E-9050-4FB6-9F11-CAFC660578FC}" destId="{7BE406E3-09FD-43B4-AAF9-51FAB58146A3}" srcOrd="1" destOrd="0" presId="urn:microsoft.com/office/officeart/2005/8/layout/cycle4"/>
-    <dgm:cxn modelId="{5BB7FEFC-FF0F-40F9-85B4-B338B4BD98A3}" srcId="{F9BE74C9-EC7E-4268-8C5A-882B3EFFF8FD}" destId="{23580231-228D-4259-948C-ECAED9FB6BBD}" srcOrd="0" destOrd="0" parTransId="{CB1BEA55-1E25-49B4-8245-B386B1EBDAB7}" sibTransId="{EF2DA803-88D8-4CC3-A191-D63C166FB7FF}"/>
-    <dgm:cxn modelId="{9BAD8EFF-9B32-4433-B605-9BFDB094AF74}" type="presOf" srcId="{989E09AB-A343-466C-BC14-C765FC9A1DD7}" destId="{38CD6BD6-D3E2-4B97-8665-48065905F491}" srcOrd="1" destOrd="1" presId="urn:microsoft.com/office/officeart/2005/8/layout/cycle4"/>
-    <dgm:cxn modelId="{25B6265F-DE51-4D72-88A4-F99F10356E86}" srcId="{F9BE74C9-EC7E-4268-8C5A-882B3EFFF8FD}" destId="{2BFBAB07-2C4C-4FAB-9052-FFD3F4A28A9E}" srcOrd="1" destOrd="0" parTransId="{40C55B56-8FA6-4369-9144-9E433D309CBB}" sibTransId="{7A024E95-77FA-4074-8271-31A91DA4713B}"/>
-    <dgm:cxn modelId="{1C4B7B5B-5A26-4FB7-B7A4-76D489C60865}" srcId="{2D6962E4-72B9-4B1E-B258-246893A88E0D}" destId="{FAAD98B4-2CE9-4214-8BB6-F03CEEE572FF}" srcOrd="2" destOrd="0" parTransId="{54D2E552-AFA4-449B-855C-8D07B27E44E2}" sibTransId="{CBB1F48E-041C-465A-B96F-A59A0B7362A5}"/>
     <dgm:cxn modelId="{4EB1F7F9-51B7-4A9C-B2E8-B495495CB616}" type="presOf" srcId="{2BFBAB07-2C4C-4FAB-9052-FFD3F4A28A9E}" destId="{22A0A0BC-6367-462E-93A8-CA8C46FCDCA0}" srcOrd="0" destOrd="1" presId="urn:microsoft.com/office/officeart/2005/8/layout/cycle4"/>
     <dgm:cxn modelId="{5B1285C2-C638-4E1D-9B5F-9E11AB797450}" type="presOf" srcId="{E5ACC793-F455-4177-B2A7-6FC33C9C1025}" destId="{22A0A0BC-6367-462E-93A8-CA8C46FCDCA0}" srcOrd="0" destOrd="3" presId="urn:microsoft.com/office/officeart/2005/8/layout/cycle4"/>
-    <dgm:cxn modelId="{32D9F149-C2A1-4DD8-A69C-877BCA8D5EDD}" type="presOf" srcId="{FAAD98B4-2CE9-4214-8BB6-F03CEEE572FF}" destId="{38CD6BD6-D3E2-4B97-8665-48065905F491}" srcOrd="1" destOrd="2" presId="urn:microsoft.com/office/officeart/2005/8/layout/cycle4"/>
+    <dgm:cxn modelId="{5474BC8E-7785-4D13-A4F3-61EF990ED269}" type="presOf" srcId="{F8507812-6291-4C9B-AA0B-B8AF3A68427D}" destId="{22A0A0BC-6367-462E-93A8-CA8C46FCDCA0}" srcOrd="0" destOrd="2" presId="urn:microsoft.com/office/officeart/2005/8/layout/cycle4"/>
+    <dgm:cxn modelId="{C1CC8C5E-8C3B-4002-B283-DDF651B9C2DF}" srcId="{2D6962E4-72B9-4B1E-B258-246893A88E0D}" destId="{7095E70B-7EFB-4733-BA44-C4BB0599979F}" srcOrd="3" destOrd="0" parTransId="{64A1E298-33AE-4CD3-B3E0-AF77857653AE}" sibTransId="{BBF2356D-3C61-41D3-A629-D15BD788173A}"/>
     <dgm:cxn modelId="{3C16332A-B919-432D-BF91-AC79BAB354ED}" type="presOf" srcId="{01A583E1-6537-45F8-AE09-C85491C9FC1D}" destId="{9D4C7C9D-7ED1-464F-941B-21AB88CE8789}" srcOrd="0" destOrd="0" presId="urn:microsoft.com/office/officeart/2005/8/layout/cycle4"/>
-    <dgm:cxn modelId="{67308CEA-9FD1-426E-BDAA-B330570BC27C}" type="presOf" srcId="{23580231-228D-4259-948C-ECAED9FB6BBD}" destId="{22A0A0BC-6367-462E-93A8-CA8C46FCDCA0}" srcOrd="0" destOrd="0" presId="urn:microsoft.com/office/officeart/2005/8/layout/cycle4"/>
+    <dgm:cxn modelId="{5BB7FEFC-FF0F-40F9-85B4-B338B4BD98A3}" srcId="{F9BE74C9-EC7E-4268-8C5A-882B3EFFF8FD}" destId="{23580231-228D-4259-948C-ECAED9FB6BBD}" srcOrd="0" destOrd="0" parTransId="{CB1BEA55-1E25-49B4-8245-B386B1EBDAB7}" sibTransId="{EF2DA803-88D8-4CC3-A191-D63C166FB7FF}"/>
+    <dgm:cxn modelId="{959C0A07-B487-44FF-9CEB-B0B891D005B6}" type="presOf" srcId="{5BCD62D5-23CD-4A5A-A476-269CE76914DC}" destId="{43A2BA3D-20D2-4E5D-9CD2-B6EE3F312A3B}" srcOrd="0" destOrd="0" presId="urn:microsoft.com/office/officeart/2005/8/layout/cycle4"/>
+    <dgm:cxn modelId="{9BAD8EFF-9B32-4433-B605-9BFDB094AF74}" type="presOf" srcId="{989E09AB-A343-466C-BC14-C765FC9A1DD7}" destId="{38CD6BD6-D3E2-4B97-8665-48065905F491}" srcOrd="1" destOrd="1" presId="urn:microsoft.com/office/officeart/2005/8/layout/cycle4"/>
+    <dgm:cxn modelId="{EDDAA38D-6E30-4543-B0F1-EAA9A6A477C7}" srcId="{01A583E1-6537-45F8-AE09-C85491C9FC1D}" destId="{2D6962E4-72B9-4B1E-B258-246893A88E0D}" srcOrd="0" destOrd="0" parTransId="{5502C073-0884-4CFE-A849-62990833CEE5}" sibTransId="{0E9043AA-3D92-4FE3-8FA8-E174F20EB8FF}"/>
+    <dgm:cxn modelId="{4E151F0E-C99E-4BF4-81BC-837B231CBF92}" type="presOf" srcId="{2B41BF75-F5C8-4255-892F-6328E5A9E688}" destId="{4D58B8E3-ABF3-466F-BE72-A1334046C3F4}" srcOrd="0" destOrd="0" presId="urn:microsoft.com/office/officeart/2005/8/layout/cycle4"/>
+    <dgm:cxn modelId="{41218EDB-BD90-4410-89D0-F42795B77442}" type="presOf" srcId="{F9BE74C9-EC7E-4268-8C5A-882B3EFFF8FD}" destId="{809A40DB-630A-4CA0-804D-1A67767C019F}" srcOrd="0" destOrd="0" presId="urn:microsoft.com/office/officeart/2005/8/layout/cycle4"/>
+    <dgm:cxn modelId="{9BF38558-2481-46D5-AB3E-FC48BBE62666}" srcId="{F9BE74C9-EC7E-4268-8C5A-882B3EFFF8FD}" destId="{E5ACC793-F455-4177-B2A7-6FC33C9C1025}" srcOrd="3" destOrd="0" parTransId="{F3D91DD1-F12E-4C5D-82CF-86CF95B338AA}" sibTransId="{0E3913D7-3C7B-49AF-9134-A90315714B9E}"/>
+    <dgm:cxn modelId="{1695E917-4CB0-460A-9E6B-4DF46E74DE66}" type="presOf" srcId="{490168AD-E14E-4940-8CC2-7C35F66AB41B}" destId="{53094224-E102-4C09-9604-A3E90CFD0EB5}" srcOrd="0" destOrd="0" presId="urn:microsoft.com/office/officeart/2005/8/layout/cycle4"/>
+    <dgm:cxn modelId="{E4D73487-C5B1-4EB2-AF38-71DF0EBFDB67}" type="presOf" srcId="{7095E70B-7EFB-4733-BA44-C4BB0599979F}" destId="{4D58B8E3-ABF3-466F-BE72-A1334046C3F4}" srcOrd="0" destOrd="3" presId="urn:microsoft.com/office/officeart/2005/8/layout/cycle4"/>
+    <dgm:cxn modelId="{9991E351-28AB-47A6-8963-A9D299DB8675}" type="presOf" srcId="{989E09AB-A343-466C-BC14-C765FC9A1DD7}" destId="{4D58B8E3-ABF3-466F-BE72-A1334046C3F4}" srcOrd="0" destOrd="1" presId="urn:microsoft.com/office/officeart/2005/8/layout/cycle4"/>
+    <dgm:cxn modelId="{B55F96D7-8D63-46D6-833C-7BB32A8BF044}" type="presOf" srcId="{F8507812-6291-4C9B-AA0B-B8AF3A68427D}" destId="{C05EAFFC-2644-44E2-967D-B53235C71A38}" srcOrd="1" destOrd="2" presId="urn:microsoft.com/office/officeart/2005/8/layout/cycle4"/>
+    <dgm:cxn modelId="{4665B531-CE39-4D8D-9C92-1B0A97DBEF06}" srcId="{2BBE2155-4658-4D02-8319-6DF4106EA8CC}" destId="{490168AD-E14E-4940-8CC2-7C35F66AB41B}" srcOrd="0" destOrd="0" parTransId="{F8E86141-CA5C-4FD7-B090-BDC097EE9ED9}" sibTransId="{409F351B-3747-4E3C-89C6-F2C76F7C931A}"/>
+    <dgm:cxn modelId="{2D68FBB9-2A3F-4DFB-9547-97148AD147B2}" srcId="{2D6962E4-72B9-4B1E-B258-246893A88E0D}" destId="{2B41BF75-F5C8-4255-892F-6328E5A9E688}" srcOrd="0" destOrd="0" parTransId="{36024776-6205-43C6-9331-B14C4C951E90}" sibTransId="{30E8B699-48A6-4778-A200-BCC2B91FEAE2}"/>
+    <dgm:cxn modelId="{6380C4C7-4EBB-43A2-9301-54A5C9841434}" type="presOf" srcId="{FAAD98B4-2CE9-4214-8BB6-F03CEEE572FF}" destId="{4D58B8E3-ABF3-466F-BE72-A1334046C3F4}" srcOrd="0" destOrd="2" presId="urn:microsoft.com/office/officeart/2005/8/layout/cycle4"/>
+    <dgm:cxn modelId="{DCB35549-6653-457E-A1A3-3F1DB9F48EB2}" srcId="{F9BE74C9-EC7E-4268-8C5A-882B3EFFF8FD}" destId="{F8507812-6291-4C9B-AA0B-B8AF3A68427D}" srcOrd="2" destOrd="0" parTransId="{4F2F02B6-C766-433A-873A-91091688269D}" sibTransId="{380A3AC5-BB38-4979-8AA3-011E077F4CA2}"/>
+    <dgm:cxn modelId="{1C4B7B5B-5A26-4FB7-B7A4-76D489C60865}" srcId="{2D6962E4-72B9-4B1E-B258-246893A88E0D}" destId="{FAAD98B4-2CE9-4214-8BB6-F03CEEE572FF}" srcOrd="2" destOrd="0" parTransId="{54D2E552-AFA4-449B-855C-8D07B27E44E2}" sibTransId="{CBB1F48E-041C-465A-B96F-A59A0B7362A5}"/>
+    <dgm:cxn modelId="{7F659E51-2E2F-40FF-9479-2FD7E732DF62}" type="presOf" srcId="{2D6962E4-72B9-4B1E-B258-246893A88E0D}" destId="{60DA8870-9857-4057-BC91-DD9B798F041F}" srcOrd="0" destOrd="0" presId="urn:microsoft.com/office/officeart/2005/8/layout/cycle4"/>
+    <dgm:cxn modelId="{0867E0A3-B749-4FC7-AFD8-611582642A56}" srcId="{5BCD62D5-23CD-4A5A-A476-269CE76914DC}" destId="{618CC25E-9050-4FB6-9F11-CAFC660578FC}" srcOrd="0" destOrd="0" parTransId="{892FDF72-278A-4E94-A52C-C9A43137F613}" sibTransId="{E48127D6-89B0-4F87-A1F9-517011A96A5B}"/>
     <dgm:cxn modelId="{06428E54-26A5-4289-B287-166FC667611C}" type="presOf" srcId="{23580231-228D-4259-948C-ECAED9FB6BBD}" destId="{C05EAFFC-2644-44E2-967D-B53235C71A38}" srcOrd="1" destOrd="0" presId="urn:microsoft.com/office/officeart/2005/8/layout/cycle4"/>
-    <dgm:cxn modelId="{4E151F0E-C99E-4BF4-81BC-837B231CBF92}" type="presOf" srcId="{2B41BF75-F5C8-4255-892F-6328E5A9E688}" destId="{4D58B8E3-ABF3-466F-BE72-A1334046C3F4}" srcOrd="0" destOrd="0" presId="urn:microsoft.com/office/officeart/2005/8/layout/cycle4"/>
-    <dgm:cxn modelId="{02D76481-2E62-4BA9-9F42-AE33CB3B6F3E}" type="presOf" srcId="{E5ACC793-F455-4177-B2A7-6FC33C9C1025}" destId="{C05EAFFC-2644-44E2-967D-B53235C71A38}" srcOrd="1" destOrd="3" presId="urn:microsoft.com/office/officeart/2005/8/layout/cycle4"/>
-    <dgm:cxn modelId="{F41F6067-9583-4D97-9E45-7AAACB397DC1}" srcId="{01A583E1-6537-45F8-AE09-C85491C9FC1D}" destId="{5BCD62D5-23CD-4A5A-A476-269CE76914DC}" srcOrd="2" destOrd="0" parTransId="{C274F423-C9C0-423A-80FB-84C18F1C3BA8}" sibTransId="{6CCF063A-E379-49B3-9CC0-57BB9F2B8432}"/>
-    <dgm:cxn modelId="{B55F96D7-8D63-46D6-833C-7BB32A8BF044}" type="presOf" srcId="{F8507812-6291-4C9B-AA0B-B8AF3A68427D}" destId="{C05EAFFC-2644-44E2-967D-B53235C71A38}" srcOrd="1" destOrd="2" presId="urn:microsoft.com/office/officeart/2005/8/layout/cycle4"/>
-    <dgm:cxn modelId="{C1CC8C5E-8C3B-4002-B283-DDF651B9C2DF}" srcId="{2D6962E4-72B9-4B1E-B258-246893A88E0D}" destId="{7095E70B-7EFB-4733-BA44-C4BB0599979F}" srcOrd="3" destOrd="0" parTransId="{64A1E298-33AE-4CD3-B3E0-AF77857653AE}" sibTransId="{BBF2356D-3C61-41D3-A629-D15BD788173A}"/>
-    <dgm:cxn modelId="{6F2C1348-DD44-4E86-9478-89C1CF069569}" srcId="{01A583E1-6537-45F8-AE09-C85491C9FC1D}" destId="{2BBE2155-4658-4D02-8319-6DF4106EA8CC}" srcOrd="1" destOrd="0" parTransId="{3724DD7C-05CC-4DEB-8DAD-8B592C981C96}" sibTransId="{632890C8-ECA2-44D8-9A94-863A64665BBC}"/>
-    <dgm:cxn modelId="{959C0A07-B487-44FF-9CEB-B0B891D005B6}" type="presOf" srcId="{5BCD62D5-23CD-4A5A-A476-269CE76914DC}" destId="{43A2BA3D-20D2-4E5D-9CD2-B6EE3F312A3B}" srcOrd="0" destOrd="0" presId="urn:microsoft.com/office/officeart/2005/8/layout/cycle4"/>
-    <dgm:cxn modelId="{2D68FBB9-2A3F-4DFB-9547-97148AD147B2}" srcId="{2D6962E4-72B9-4B1E-B258-246893A88E0D}" destId="{2B41BF75-F5C8-4255-892F-6328E5A9E688}" srcOrd="0" destOrd="0" parTransId="{36024776-6205-43C6-9331-B14C4C951E90}" sibTransId="{30E8B699-48A6-4778-A200-BCC2B91FEAE2}"/>
+    <dgm:cxn modelId="{784002D3-341F-4DF0-9345-0B1634589798}" type="presOf" srcId="{2B41BF75-F5C8-4255-892F-6328E5A9E688}" destId="{38CD6BD6-D3E2-4B97-8665-48065905F491}" srcOrd="1" destOrd="0" presId="urn:microsoft.com/office/officeart/2005/8/layout/cycle4"/>
     <dgm:cxn modelId="{6CB06391-8FCA-448A-8A60-52478AAD6079}" type="presParOf" srcId="{9D4C7C9D-7ED1-464F-941B-21AB88CE8789}" destId="{498B1DD5-D2B2-4A70-BAF8-2672572231DA}" srcOrd="0" destOrd="0" presId="urn:microsoft.com/office/officeart/2005/8/layout/cycle4"/>
     <dgm:cxn modelId="{679C53C4-692C-4A8B-8F09-403299CC720A}" type="presParOf" srcId="{498B1DD5-D2B2-4A70-BAF8-2672572231DA}" destId="{D2CA330A-D99A-4389-8F73-7FE17A382E6E}" srcOrd="0" destOrd="0" presId="urn:microsoft.com/office/officeart/2005/8/layout/cycle4"/>
     <dgm:cxn modelId="{0B328022-04B0-4938-A986-5A44F6E51B41}" type="presParOf" srcId="{D2CA330A-D99A-4389-8F73-7FE17A382E6E}" destId="{4D58B8E3-ABF3-466F-BE72-A1334046C3F4}" srcOrd="0" destOrd="0" presId="urn:microsoft.com/office/officeart/2005/8/layout/cycle4"/>
@@ -6719,6 +9421,233 @@
 </dgm:dataModel>
 </file>
 
+<file path=ppt/diagrams/data3.xml><?xml version="1.0" encoding="utf-8"?>
+<dgm:dataModel xmlns:dgm="http://schemas.openxmlformats.org/drawingml/2006/diagram" xmlns:a="http://schemas.openxmlformats.org/drawingml/2006/main">
+  <dgm:ptLst>
+    <dgm:pt modelId="{64BBD8F8-A143-451E-B6AD-28AB732D8023}" type="doc">
+      <dgm:prSet loTypeId="urn:microsoft.com/office/officeart/2005/8/layout/chart3" loCatId="cycle" qsTypeId="urn:microsoft.com/office/officeart/2005/8/quickstyle/simple5" qsCatId="simple" csTypeId="urn:microsoft.com/office/officeart/2005/8/colors/colorful1" csCatId="colorful" phldr="1"/>
+      <dgm:spPr/>
+    </dgm:pt>
+    <dgm:pt modelId="{B7126CCD-672D-496B-96E6-A61650893364}">
+      <dgm:prSet phldrT="[Текст]"/>
+      <dgm:spPr/>
+      <dgm:t>
+        <a:bodyPr/>
+        <a:lstStyle/>
+        <a:p>
+          <a:r>
+            <a:rPr lang="ru-RU" dirty="0" smtClean="0"/>
+            <a:t>Тест-кейсы</a:t>
+          </a:r>
+          <a:endParaRPr lang="ru-RU" dirty="0"/>
+        </a:p>
+      </dgm:t>
+    </dgm:pt>
+    <dgm:pt modelId="{3701FBBB-7896-445C-9A5D-103ECFC7CF9B}" type="parTrans" cxnId="{BA65A7D1-7874-412E-956C-67A1DE53C140}">
+      <dgm:prSet/>
+      <dgm:spPr/>
+      <dgm:t>
+        <a:bodyPr/>
+        <a:lstStyle/>
+        <a:p>
+          <a:endParaRPr lang="ru-RU"/>
+        </a:p>
+      </dgm:t>
+    </dgm:pt>
+    <dgm:pt modelId="{E9A6FF77-E00C-458F-9991-C5BA13FD9172}" type="sibTrans" cxnId="{BA65A7D1-7874-412E-956C-67A1DE53C140}">
+      <dgm:prSet/>
+      <dgm:spPr/>
+      <dgm:t>
+        <a:bodyPr/>
+        <a:lstStyle/>
+        <a:p>
+          <a:endParaRPr lang="ru-RU"/>
+        </a:p>
+      </dgm:t>
+    </dgm:pt>
+    <dgm:pt modelId="{63FEABA0-206B-444A-9175-81BD75C4481E}">
+      <dgm:prSet phldrT="[Текст]"/>
+      <dgm:spPr/>
+      <dgm:t>
+        <a:bodyPr/>
+        <a:lstStyle/>
+        <a:p>
+          <a:r>
+            <a:rPr lang="ru-RU" dirty="0" smtClean="0"/>
+            <a:t>Результаты тестирования</a:t>
+          </a:r>
+          <a:endParaRPr lang="ru-RU" dirty="0"/>
+        </a:p>
+      </dgm:t>
+    </dgm:pt>
+    <dgm:pt modelId="{32905AC7-26AE-4236-8907-EE36CB3E964B}" type="parTrans" cxnId="{1B97DAD6-F2B9-4846-B514-B3EC201E456B}">
+      <dgm:prSet/>
+      <dgm:spPr/>
+      <dgm:t>
+        <a:bodyPr/>
+        <a:lstStyle/>
+        <a:p>
+          <a:endParaRPr lang="ru-RU"/>
+        </a:p>
+      </dgm:t>
+    </dgm:pt>
+    <dgm:pt modelId="{240536A7-B185-4CB1-9AC7-4B7EDAA7A415}" type="sibTrans" cxnId="{1B97DAD6-F2B9-4846-B514-B3EC201E456B}">
+      <dgm:prSet/>
+      <dgm:spPr/>
+      <dgm:t>
+        <a:bodyPr/>
+        <a:lstStyle/>
+        <a:p>
+          <a:endParaRPr lang="ru-RU"/>
+        </a:p>
+      </dgm:t>
+    </dgm:pt>
+    <dgm:pt modelId="{5E551AC3-C103-41AE-B5B0-0DAEDB33EF87}">
+      <dgm:prSet phldrT="[Текст]"/>
+      <dgm:spPr/>
+      <dgm:t>
+        <a:bodyPr/>
+        <a:lstStyle/>
+        <a:p>
+          <a:r>
+            <a:rPr lang="ru-RU" dirty="0" smtClean="0"/>
+            <a:t>Тест требования</a:t>
+          </a:r>
+          <a:endParaRPr lang="ru-RU" dirty="0"/>
+        </a:p>
+      </dgm:t>
+    </dgm:pt>
+    <dgm:pt modelId="{5C55885D-7560-4363-9248-18AB307D79D0}" type="parTrans" cxnId="{6F10E033-7011-4B35-81CA-B73273187534}">
+      <dgm:prSet/>
+      <dgm:spPr/>
+      <dgm:t>
+        <a:bodyPr/>
+        <a:lstStyle/>
+        <a:p>
+          <a:endParaRPr lang="ru-RU"/>
+        </a:p>
+      </dgm:t>
+    </dgm:pt>
+    <dgm:pt modelId="{7DDF6E7A-D061-4071-99E0-B5F1E810C24F}" type="sibTrans" cxnId="{6F10E033-7011-4B35-81CA-B73273187534}">
+      <dgm:prSet/>
+      <dgm:spPr/>
+      <dgm:t>
+        <a:bodyPr/>
+        <a:lstStyle/>
+        <a:p>
+          <a:endParaRPr lang="ru-RU"/>
+        </a:p>
+      </dgm:t>
+    </dgm:pt>
+    <dgm:pt modelId="{36307608-D5FD-4F91-81A3-6B0922AB7CEC}" type="pres">
+      <dgm:prSet presAssocID="{64BBD8F8-A143-451E-B6AD-28AB732D8023}" presName="compositeShape" presStyleCnt="0">
+        <dgm:presLayoutVars>
+          <dgm:chMax val="7"/>
+          <dgm:dir/>
+          <dgm:resizeHandles val="exact"/>
+        </dgm:presLayoutVars>
+      </dgm:prSet>
+      <dgm:spPr/>
+    </dgm:pt>
+    <dgm:pt modelId="{B7B124A7-A5F3-4DEF-A4C4-15F7B6F83CA4}" type="pres">
+      <dgm:prSet presAssocID="{64BBD8F8-A143-451E-B6AD-28AB732D8023}" presName="wedge1" presStyleLbl="node1" presStyleIdx="0" presStyleCnt="3" custLinFactNeighborX="-5192" custLinFactNeighborY="2975"/>
+      <dgm:spPr/>
+      <dgm:t>
+        <a:bodyPr/>
+        <a:lstStyle/>
+        <a:p>
+          <a:endParaRPr lang="ru-RU"/>
+        </a:p>
+      </dgm:t>
+    </dgm:pt>
+    <dgm:pt modelId="{C11B07DC-359F-4FEC-8A7B-C03ED7433120}" type="pres">
+      <dgm:prSet presAssocID="{64BBD8F8-A143-451E-B6AD-28AB732D8023}" presName="wedge1Tx" presStyleLbl="node1" presStyleIdx="0" presStyleCnt="3">
+        <dgm:presLayoutVars>
+          <dgm:chMax val="0"/>
+          <dgm:chPref val="0"/>
+          <dgm:bulletEnabled val="1"/>
+        </dgm:presLayoutVars>
+      </dgm:prSet>
+      <dgm:spPr/>
+      <dgm:t>
+        <a:bodyPr/>
+        <a:lstStyle/>
+        <a:p>
+          <a:endParaRPr lang="ru-RU"/>
+        </a:p>
+      </dgm:t>
+    </dgm:pt>
+    <dgm:pt modelId="{000CC315-531C-4BFA-A8AA-0B0479AAD9FF}" type="pres">
+      <dgm:prSet presAssocID="{64BBD8F8-A143-451E-B6AD-28AB732D8023}" presName="wedge2" presStyleLbl="node1" presStyleIdx="1" presStyleCnt="3"/>
+      <dgm:spPr/>
+    </dgm:pt>
+    <dgm:pt modelId="{28FE0003-30A9-4C92-86A6-01600FDEA130}" type="pres">
+      <dgm:prSet presAssocID="{64BBD8F8-A143-451E-B6AD-28AB732D8023}" presName="wedge2Tx" presStyleLbl="node1" presStyleIdx="1" presStyleCnt="3">
+        <dgm:presLayoutVars>
+          <dgm:chMax val="0"/>
+          <dgm:chPref val="0"/>
+          <dgm:bulletEnabled val="1"/>
+        </dgm:presLayoutVars>
+      </dgm:prSet>
+      <dgm:spPr/>
+    </dgm:pt>
+    <dgm:pt modelId="{4ACAFB12-125B-4407-8730-03696C63C350}" type="pres">
+      <dgm:prSet presAssocID="{64BBD8F8-A143-451E-B6AD-28AB732D8023}" presName="wedge3" presStyleLbl="node1" presStyleIdx="2" presStyleCnt="3"/>
+      <dgm:spPr/>
+      <dgm:t>
+        <a:bodyPr/>
+        <a:lstStyle/>
+        <a:p>
+          <a:endParaRPr lang="ru-RU"/>
+        </a:p>
+      </dgm:t>
+    </dgm:pt>
+    <dgm:pt modelId="{EA313AFC-CD0A-4314-9E27-D1663E799016}" type="pres">
+      <dgm:prSet presAssocID="{64BBD8F8-A143-451E-B6AD-28AB732D8023}" presName="wedge3Tx" presStyleLbl="node1" presStyleIdx="2" presStyleCnt="3">
+        <dgm:presLayoutVars>
+          <dgm:chMax val="0"/>
+          <dgm:chPref val="0"/>
+          <dgm:bulletEnabled val="1"/>
+        </dgm:presLayoutVars>
+      </dgm:prSet>
+      <dgm:spPr/>
+      <dgm:t>
+        <a:bodyPr/>
+        <a:lstStyle/>
+        <a:p>
+          <a:endParaRPr lang="ru-RU"/>
+        </a:p>
+      </dgm:t>
+    </dgm:pt>
+  </dgm:ptLst>
+  <dgm:cxnLst>
+    <dgm:cxn modelId="{AD963244-78CA-47A2-8479-61CEB4A54041}" type="presOf" srcId="{5E551AC3-C103-41AE-B5B0-0DAEDB33EF87}" destId="{4ACAFB12-125B-4407-8730-03696C63C350}" srcOrd="0" destOrd="0" presId="urn:microsoft.com/office/officeart/2005/8/layout/chart3"/>
+    <dgm:cxn modelId="{1EDFE8F6-1347-4776-B95B-24C712EE42F9}" type="presOf" srcId="{63FEABA0-206B-444A-9175-81BD75C4481E}" destId="{000CC315-531C-4BFA-A8AA-0B0479AAD9FF}" srcOrd="0" destOrd="0" presId="urn:microsoft.com/office/officeart/2005/8/layout/chart3"/>
+    <dgm:cxn modelId="{D8B5FDE6-BBD8-4B90-BFA6-895A96A50FD4}" type="presOf" srcId="{5E551AC3-C103-41AE-B5B0-0DAEDB33EF87}" destId="{EA313AFC-CD0A-4314-9E27-D1663E799016}" srcOrd="1" destOrd="0" presId="urn:microsoft.com/office/officeart/2005/8/layout/chart3"/>
+    <dgm:cxn modelId="{9A1F935B-0AF9-4B91-BD4D-C020CDD6E9D7}" type="presOf" srcId="{B7126CCD-672D-496B-96E6-A61650893364}" destId="{B7B124A7-A5F3-4DEF-A4C4-15F7B6F83CA4}" srcOrd="0" destOrd="0" presId="urn:microsoft.com/office/officeart/2005/8/layout/chart3"/>
+    <dgm:cxn modelId="{6F10E033-7011-4B35-81CA-B73273187534}" srcId="{64BBD8F8-A143-451E-B6AD-28AB732D8023}" destId="{5E551AC3-C103-41AE-B5B0-0DAEDB33EF87}" srcOrd="2" destOrd="0" parTransId="{5C55885D-7560-4363-9248-18AB307D79D0}" sibTransId="{7DDF6E7A-D061-4071-99E0-B5F1E810C24F}"/>
+    <dgm:cxn modelId="{1B97DAD6-F2B9-4846-B514-B3EC201E456B}" srcId="{64BBD8F8-A143-451E-B6AD-28AB732D8023}" destId="{63FEABA0-206B-444A-9175-81BD75C4481E}" srcOrd="1" destOrd="0" parTransId="{32905AC7-26AE-4236-8907-EE36CB3E964B}" sibTransId="{240536A7-B185-4CB1-9AC7-4B7EDAA7A415}"/>
+    <dgm:cxn modelId="{BA65A7D1-7874-412E-956C-67A1DE53C140}" srcId="{64BBD8F8-A143-451E-B6AD-28AB732D8023}" destId="{B7126CCD-672D-496B-96E6-A61650893364}" srcOrd="0" destOrd="0" parTransId="{3701FBBB-7896-445C-9A5D-103ECFC7CF9B}" sibTransId="{E9A6FF77-E00C-458F-9991-C5BA13FD9172}"/>
+    <dgm:cxn modelId="{72195017-DD58-4D05-A84F-A673DD714AE5}" type="presOf" srcId="{B7126CCD-672D-496B-96E6-A61650893364}" destId="{C11B07DC-359F-4FEC-8A7B-C03ED7433120}" srcOrd="1" destOrd="0" presId="urn:microsoft.com/office/officeart/2005/8/layout/chart3"/>
+    <dgm:cxn modelId="{E89180EF-890C-42DD-AF70-CD03EB766A11}" type="presOf" srcId="{63FEABA0-206B-444A-9175-81BD75C4481E}" destId="{28FE0003-30A9-4C92-86A6-01600FDEA130}" srcOrd="1" destOrd="0" presId="urn:microsoft.com/office/officeart/2005/8/layout/chart3"/>
+    <dgm:cxn modelId="{F8873CBA-6099-406C-8654-24A126B981CB}" type="presOf" srcId="{64BBD8F8-A143-451E-B6AD-28AB732D8023}" destId="{36307608-D5FD-4F91-81A3-6B0922AB7CEC}" srcOrd="0" destOrd="0" presId="urn:microsoft.com/office/officeart/2005/8/layout/chart3"/>
+    <dgm:cxn modelId="{B13FF072-28A9-454F-9001-6CC87D60380A}" type="presParOf" srcId="{36307608-D5FD-4F91-81A3-6B0922AB7CEC}" destId="{B7B124A7-A5F3-4DEF-A4C4-15F7B6F83CA4}" srcOrd="0" destOrd="0" presId="urn:microsoft.com/office/officeart/2005/8/layout/chart3"/>
+    <dgm:cxn modelId="{BBD92204-C709-46CE-A186-3233219C4B04}" type="presParOf" srcId="{36307608-D5FD-4F91-81A3-6B0922AB7CEC}" destId="{C11B07DC-359F-4FEC-8A7B-C03ED7433120}" srcOrd="1" destOrd="0" presId="urn:microsoft.com/office/officeart/2005/8/layout/chart3"/>
+    <dgm:cxn modelId="{B156DC13-0CC1-4329-980B-FFAFF549F7C2}" type="presParOf" srcId="{36307608-D5FD-4F91-81A3-6B0922AB7CEC}" destId="{000CC315-531C-4BFA-A8AA-0B0479AAD9FF}" srcOrd="2" destOrd="0" presId="urn:microsoft.com/office/officeart/2005/8/layout/chart3"/>
+    <dgm:cxn modelId="{CE53386D-25BE-48FF-86DF-BE6E72CC76FD}" type="presParOf" srcId="{36307608-D5FD-4F91-81A3-6B0922AB7CEC}" destId="{28FE0003-30A9-4C92-86A6-01600FDEA130}" srcOrd="3" destOrd="0" presId="urn:microsoft.com/office/officeart/2005/8/layout/chart3"/>
+    <dgm:cxn modelId="{AFFE93CC-621B-4B52-94CD-1596A11A3ABF}" type="presParOf" srcId="{36307608-D5FD-4F91-81A3-6B0922AB7CEC}" destId="{4ACAFB12-125B-4407-8730-03696C63C350}" srcOrd="4" destOrd="0" presId="urn:microsoft.com/office/officeart/2005/8/layout/chart3"/>
+    <dgm:cxn modelId="{033AA52D-3F56-4182-9E07-18025CFA9240}" type="presParOf" srcId="{36307608-D5FD-4F91-81A3-6B0922AB7CEC}" destId="{EA313AFC-CD0A-4314-9E27-D1663E799016}" srcOrd="5" destOrd="0" presId="urn:microsoft.com/office/officeart/2005/8/layout/chart3"/>
+  </dgm:cxnLst>
+  <dgm:bg/>
+  <dgm:whole/>
+  <dgm:extLst>
+    <a:ext uri="http://schemas.microsoft.com/office/drawing/2008/diagram">
+      <dsp:dataModelExt xmlns:dsp="http://schemas.microsoft.com/office/drawing/2008/diagram" relId="rId7" minVer="http://schemas.openxmlformats.org/drawingml/2006/diagram"/>
+    </a:ext>
+  </dgm:extLst>
+</dgm:dataModel>
+</file>
+
 <file path=ppt/diagrams/drawing1.xml><?xml version="1.0" encoding="utf-8"?>
 <dsp:drawing xmlns:dgm="http://schemas.openxmlformats.org/drawingml/2006/diagram" xmlns:dsp="http://schemas.microsoft.com/office/drawing/2008/diagram" xmlns:a="http://schemas.openxmlformats.org/drawingml/2006/main">
   <dsp:spTree>
@@ -6727,6 +9656,84 @@
       <dsp:cNvGrpSpPr/>
     </dsp:nvGrpSpPr>
     <dsp:grpSpPr/>
+    <dsp:sp modelId="{57F3A36F-60A4-44FF-A8A5-F9A8D4310E6F}">
+      <dsp:nvSpPr>
+        <dsp:cNvPr id="0" name=""/>
+        <dsp:cNvSpPr/>
+      </dsp:nvSpPr>
+      <dsp:spPr>
+        <a:xfrm>
+          <a:off x="0" y="0"/>
+          <a:ext cx="2781069" cy="1668641"/>
+        </a:xfrm>
+        <a:prstGeom prst="rect">
+          <a:avLst/>
+        </a:prstGeom>
+        <a:solidFill>
+          <a:schemeClr val="accent1">
+            <a:hueOff val="0"/>
+            <a:satOff val="0"/>
+            <a:lumOff val="0"/>
+            <a:alphaOff val="0"/>
+          </a:schemeClr>
+        </a:solidFill>
+        <a:ln w="12700" cap="flat" cmpd="sng" algn="ctr">
+          <a:solidFill>
+            <a:schemeClr val="lt1">
+              <a:hueOff val="0"/>
+              <a:satOff val="0"/>
+              <a:lumOff val="0"/>
+              <a:alphaOff val="0"/>
+            </a:schemeClr>
+          </a:solidFill>
+          <a:prstDash val="solid"/>
+          <a:miter lim="800000"/>
+        </a:ln>
+        <a:effectLst/>
+      </dsp:spPr>
+      <dsp:style>
+        <a:lnRef idx="2">
+          <a:scrgbClr r="0" g="0" b="0"/>
+        </a:lnRef>
+        <a:fillRef idx="1">
+          <a:scrgbClr r="0" g="0" b="0"/>
+        </a:fillRef>
+        <a:effectRef idx="0">
+          <a:scrgbClr r="0" g="0" b="0"/>
+        </a:effectRef>
+        <a:fontRef idx="minor">
+          <a:schemeClr val="lt1"/>
+        </a:fontRef>
+      </dsp:style>
+      <dsp:txBody>
+        <a:bodyPr spcFirstLastPara="0" vert="horz" wrap="square" lIns="175260" tIns="175260" rIns="175260" bIns="175260" numCol="1" spcCol="1270" anchor="ctr" anchorCtr="0">
+          <a:noAutofit/>
+        </a:bodyPr>
+        <a:lstStyle/>
+        <a:p>
+          <a:pPr lvl="0" algn="ctr" defTabSz="2044700">
+            <a:lnSpc>
+              <a:spcPct val="90000"/>
+            </a:lnSpc>
+            <a:spcBef>
+              <a:spcPct val="0"/>
+            </a:spcBef>
+            <a:spcAft>
+              <a:spcPct val="35000"/>
+            </a:spcAft>
+          </a:pPr>
+          <a:r>
+            <a:rPr lang="ru-RU" sz="4600" kern="1200" dirty="0" smtClean="0"/>
+            <a:t>27 версий</a:t>
+          </a:r>
+          <a:endParaRPr lang="ru-RU" sz="4600" kern="1200" dirty="0"/>
+        </a:p>
+      </dsp:txBody>
+      <dsp:txXfrm>
+        <a:off x="0" y="0"/>
+        <a:ext cx="2781069" cy="1668641"/>
+      </dsp:txXfrm>
+    </dsp:sp>
   </dsp:spTree>
 </dsp:drawing>
 </file>
@@ -6739,6 +9746,1250 @@
       <dsp:cNvGrpSpPr/>
     </dsp:nvGrpSpPr>
     <dsp:grpSpPr/>
+    <dsp:sp modelId="{382DE9F5-C159-437A-AA3E-CE93A76C5FDC}">
+      <dsp:nvSpPr>
+        <dsp:cNvPr id="0" name=""/>
+        <dsp:cNvSpPr/>
+      </dsp:nvSpPr>
+      <dsp:spPr>
+        <a:xfrm>
+          <a:off x="5386072" y="3689431"/>
+          <a:ext cx="3133766" cy="667779"/>
+        </a:xfrm>
+        <a:prstGeom prst="roundRect">
+          <a:avLst>
+            <a:gd name="adj" fmla="val 10000"/>
+          </a:avLst>
+        </a:prstGeom>
+        <a:solidFill>
+          <a:schemeClr val="lt1">
+            <a:alpha val="90000"/>
+            <a:hueOff val="0"/>
+            <a:satOff val="0"/>
+            <a:lumOff val="0"/>
+            <a:alphaOff val="0"/>
+          </a:schemeClr>
+        </a:solidFill>
+        <a:ln>
+          <a:noFill/>
+        </a:ln>
+        <a:effectLst/>
+        <a:scene3d>
+          <a:camera prst="orthographicFront">
+            <a:rot lat="0" lon="0" rev="0"/>
+          </a:camera>
+          <a:lightRig rig="contrasting" dir="t">
+            <a:rot lat="0" lon="0" rev="1200000"/>
+          </a:lightRig>
+        </a:scene3d>
+        <a:sp3d z="-300000" contourW="19050" prstMaterial="metal">
+          <a:bevelT w="88900" h="203200"/>
+          <a:bevelB w="165100" h="254000"/>
+        </a:sp3d>
+      </dsp:spPr>
+      <dsp:style>
+        <a:lnRef idx="0">
+          <a:scrgbClr r="0" g="0" b="0"/>
+        </a:lnRef>
+        <a:fillRef idx="1">
+          <a:scrgbClr r="0" g="0" b="0"/>
+        </a:fillRef>
+        <a:effectRef idx="0">
+          <a:scrgbClr r="0" g="0" b="0"/>
+        </a:effectRef>
+        <a:fontRef idx="minor"/>
+      </dsp:style>
+      <dsp:txBody>
+        <a:bodyPr spcFirstLastPara="0" vert="horz" wrap="square" lIns="76200" tIns="76200" rIns="76200" bIns="76200" numCol="1" spcCol="1270" anchor="b" anchorCtr="0">
+          <a:noAutofit/>
+        </a:bodyPr>
+        <a:lstStyle/>
+        <a:p>
+          <a:pPr marL="228600" lvl="1" indent="-228600" algn="l" defTabSz="889000">
+            <a:lnSpc>
+              <a:spcPct val="90000"/>
+            </a:lnSpc>
+            <a:spcBef>
+              <a:spcPct val="0"/>
+            </a:spcBef>
+            <a:spcAft>
+              <a:spcPct val="15000"/>
+            </a:spcAft>
+            <a:buChar char="••"/>
+          </a:pPr>
+          <a:r>
+            <a:rPr lang="ru-RU" sz="2000" kern="1200" dirty="0" smtClean="0"/>
+            <a:t> </a:t>
+          </a:r>
+          <a:r>
+            <a:rPr lang="ru-RU" sz="2000" b="1" kern="1200" dirty="0" smtClean="0"/>
+            <a:t>Македонская Евгения</a:t>
+          </a:r>
+          <a:endParaRPr lang="ru-RU" sz="2000" b="1" kern="1200" dirty="0"/>
+        </a:p>
+      </dsp:txBody>
+      <dsp:txXfrm>
+        <a:off x="6340871" y="3871045"/>
+        <a:ext cx="2164298" cy="471496"/>
+      </dsp:txXfrm>
+    </dsp:sp>
+    <dsp:sp modelId="{22A0A0BC-6367-462E-93A8-CA8C46FCDCA0}">
+      <dsp:nvSpPr>
+        <dsp:cNvPr id="0" name=""/>
+        <dsp:cNvSpPr/>
+      </dsp:nvSpPr>
+      <dsp:spPr>
+        <a:xfrm>
+          <a:off x="544232" y="3400196"/>
+          <a:ext cx="3234723" cy="951725"/>
+        </a:xfrm>
+        <a:prstGeom prst="roundRect">
+          <a:avLst>
+            <a:gd name="adj" fmla="val 10000"/>
+          </a:avLst>
+        </a:prstGeom>
+        <a:solidFill>
+          <a:schemeClr val="lt1">
+            <a:alpha val="90000"/>
+            <a:hueOff val="0"/>
+            <a:satOff val="0"/>
+            <a:lumOff val="0"/>
+            <a:alphaOff val="0"/>
+          </a:schemeClr>
+        </a:solidFill>
+        <a:ln>
+          <a:noFill/>
+        </a:ln>
+        <a:effectLst/>
+        <a:scene3d>
+          <a:camera prst="orthographicFront">
+            <a:rot lat="0" lon="0" rev="0"/>
+          </a:camera>
+          <a:lightRig rig="contrasting" dir="t">
+            <a:rot lat="0" lon="0" rev="1200000"/>
+          </a:lightRig>
+        </a:scene3d>
+        <a:sp3d z="-300000" contourW="19050" prstMaterial="metal">
+          <a:bevelT w="88900" h="203200"/>
+          <a:bevelB w="165100" h="254000"/>
+        </a:sp3d>
+      </dsp:spPr>
+      <dsp:style>
+        <a:lnRef idx="0">
+          <a:scrgbClr r="0" g="0" b="0"/>
+        </a:lnRef>
+        <a:fillRef idx="1">
+          <a:scrgbClr r="0" g="0" b="0"/>
+        </a:fillRef>
+        <a:effectRef idx="0">
+          <a:scrgbClr r="0" g="0" b="0"/>
+        </a:effectRef>
+        <a:fontRef idx="minor"/>
+      </dsp:style>
+      <dsp:txBody>
+        <a:bodyPr spcFirstLastPara="0" vert="horz" wrap="square" lIns="76200" tIns="76200" rIns="76200" bIns="76200" numCol="1" spcCol="1270" anchor="b" anchorCtr="0">
+          <a:noAutofit/>
+        </a:bodyPr>
+        <a:lstStyle/>
+        <a:p>
+          <a:pPr marL="114300" lvl="1" indent="-114300" algn="l" defTabSz="577850">
+            <a:lnSpc>
+              <a:spcPct val="90000"/>
+            </a:lnSpc>
+            <a:spcBef>
+              <a:spcPct val="0"/>
+            </a:spcBef>
+            <a:spcAft>
+              <a:spcPct val="15000"/>
+            </a:spcAft>
+            <a:buChar char="••"/>
+          </a:pPr>
+          <a:endParaRPr lang="ru-RU" sz="1300" kern="1200" dirty="0"/>
+        </a:p>
+        <a:p>
+          <a:pPr marL="114300" lvl="1" indent="-114300" algn="l" defTabSz="577850">
+            <a:lnSpc>
+              <a:spcPct val="90000"/>
+            </a:lnSpc>
+            <a:spcBef>
+              <a:spcPct val="0"/>
+            </a:spcBef>
+            <a:spcAft>
+              <a:spcPct val="15000"/>
+            </a:spcAft>
+            <a:buChar char="••"/>
+          </a:pPr>
+          <a:endParaRPr lang="ru-RU" sz="1300" kern="1200" dirty="0"/>
+        </a:p>
+        <a:p>
+          <a:pPr marL="228600" lvl="1" indent="-228600" algn="l" defTabSz="889000">
+            <a:lnSpc>
+              <a:spcPct val="90000"/>
+            </a:lnSpc>
+            <a:spcBef>
+              <a:spcPct val="0"/>
+            </a:spcBef>
+            <a:spcAft>
+              <a:spcPct val="15000"/>
+            </a:spcAft>
+            <a:buChar char="••"/>
+          </a:pPr>
+          <a:r>
+            <a:rPr lang="ru-RU" sz="2000" b="1" kern="1200" dirty="0" smtClean="0"/>
+            <a:t>Петровская Анастасия</a:t>
+          </a:r>
+          <a:endParaRPr lang="ru-RU" sz="2000" b="1" kern="1200" dirty="0"/>
+        </a:p>
+        <a:p>
+          <a:pPr marL="114300" lvl="1" indent="-114300" algn="l" defTabSz="577850">
+            <a:lnSpc>
+              <a:spcPct val="90000"/>
+            </a:lnSpc>
+            <a:spcBef>
+              <a:spcPct val="0"/>
+            </a:spcBef>
+            <a:spcAft>
+              <a:spcPct val="15000"/>
+            </a:spcAft>
+            <a:buChar char="••"/>
+          </a:pPr>
+          <a:r>
+            <a:rPr lang="ru-RU" sz="1300" kern="1200" dirty="0" smtClean="0"/>
+            <a:t>Чекалин Дмитрий</a:t>
+          </a:r>
+          <a:endParaRPr lang="ru-RU" sz="1300" kern="1200" dirty="0"/>
+        </a:p>
+      </dsp:txBody>
+      <dsp:txXfrm>
+        <a:off x="565138" y="3659033"/>
+        <a:ext cx="2222494" cy="671981"/>
+      </dsp:txXfrm>
+    </dsp:sp>
+    <dsp:sp modelId="{53094224-E102-4C09-9604-A3E90CFD0EB5}">
+      <dsp:nvSpPr>
+        <dsp:cNvPr id="0" name=""/>
+        <dsp:cNvSpPr/>
+      </dsp:nvSpPr>
+      <dsp:spPr>
+        <a:xfrm>
+          <a:off x="5422356" y="698389"/>
+          <a:ext cx="2977045" cy="756063"/>
+        </a:xfrm>
+        <a:prstGeom prst="roundRect">
+          <a:avLst>
+            <a:gd name="adj" fmla="val 10000"/>
+          </a:avLst>
+        </a:prstGeom>
+        <a:solidFill>
+          <a:schemeClr val="lt1">
+            <a:alpha val="90000"/>
+            <a:hueOff val="0"/>
+            <a:satOff val="0"/>
+            <a:lumOff val="0"/>
+            <a:alphaOff val="0"/>
+          </a:schemeClr>
+        </a:solidFill>
+        <a:ln>
+          <a:noFill/>
+        </a:ln>
+        <a:effectLst/>
+        <a:scene3d>
+          <a:camera prst="orthographicFront">
+            <a:rot lat="0" lon="0" rev="0"/>
+          </a:camera>
+          <a:lightRig rig="contrasting" dir="t">
+            <a:rot lat="0" lon="0" rev="1200000"/>
+          </a:lightRig>
+        </a:scene3d>
+        <a:sp3d z="-300000" contourW="19050" prstMaterial="metal">
+          <a:bevelT w="88900" h="203200"/>
+          <a:bevelB w="165100" h="254000"/>
+        </a:sp3d>
+      </dsp:spPr>
+      <dsp:style>
+        <a:lnRef idx="0">
+          <a:scrgbClr r="0" g="0" b="0"/>
+        </a:lnRef>
+        <a:fillRef idx="1">
+          <a:scrgbClr r="0" g="0" b="0"/>
+        </a:fillRef>
+        <a:effectRef idx="0">
+          <a:scrgbClr r="0" g="0" b="0"/>
+        </a:effectRef>
+        <a:fontRef idx="minor"/>
+      </dsp:style>
+      <dsp:txBody>
+        <a:bodyPr spcFirstLastPara="0" vert="horz" wrap="square" lIns="76200" tIns="76200" rIns="76200" bIns="76200" numCol="1" spcCol="1270" anchor="t" anchorCtr="0">
+          <a:noAutofit/>
+        </a:bodyPr>
+        <a:lstStyle/>
+        <a:p>
+          <a:pPr marL="228600" lvl="1" indent="-228600" algn="l" defTabSz="889000">
+            <a:lnSpc>
+              <a:spcPct val="90000"/>
+            </a:lnSpc>
+            <a:spcBef>
+              <a:spcPct val="0"/>
+            </a:spcBef>
+            <a:spcAft>
+              <a:spcPct val="15000"/>
+            </a:spcAft>
+            <a:buChar char="••"/>
+          </a:pPr>
+          <a:r>
+            <a:rPr lang="ru-RU" sz="2000" b="1" kern="1200" dirty="0" smtClean="0"/>
+            <a:t>Македонская Евгения</a:t>
+          </a:r>
+          <a:endParaRPr lang="ru-RU" sz="2000" b="1" kern="1200" dirty="0"/>
+        </a:p>
+      </dsp:txBody>
+      <dsp:txXfrm>
+        <a:off x="6332077" y="714997"/>
+        <a:ext cx="2050715" cy="533831"/>
+      </dsp:txXfrm>
+    </dsp:sp>
+    <dsp:sp modelId="{4D58B8E3-ABF3-466F-BE72-A1334046C3F4}">
+      <dsp:nvSpPr>
+        <dsp:cNvPr id="0" name=""/>
+        <dsp:cNvSpPr/>
+      </dsp:nvSpPr>
+      <dsp:spPr>
+        <a:xfrm>
+          <a:off x="402347" y="642811"/>
+          <a:ext cx="3518492" cy="1112704"/>
+        </a:xfrm>
+        <a:prstGeom prst="roundRect">
+          <a:avLst>
+            <a:gd name="adj" fmla="val 10000"/>
+          </a:avLst>
+        </a:prstGeom>
+        <a:solidFill>
+          <a:schemeClr val="lt1">
+            <a:alpha val="90000"/>
+            <a:hueOff val="0"/>
+            <a:satOff val="0"/>
+            <a:lumOff val="0"/>
+            <a:alphaOff val="0"/>
+          </a:schemeClr>
+        </a:solidFill>
+        <a:ln>
+          <a:noFill/>
+        </a:ln>
+        <a:effectLst/>
+        <a:scene3d>
+          <a:camera prst="orthographicFront">
+            <a:rot lat="0" lon="0" rev="0"/>
+          </a:camera>
+          <a:lightRig rig="contrasting" dir="t">
+            <a:rot lat="0" lon="0" rev="1200000"/>
+          </a:lightRig>
+        </a:scene3d>
+        <a:sp3d z="-300000" contourW="19050" prstMaterial="metal">
+          <a:bevelT w="88900" h="203200"/>
+          <a:bevelB w="165100" h="254000"/>
+        </a:sp3d>
+      </dsp:spPr>
+      <dsp:style>
+        <a:lnRef idx="0">
+          <a:scrgbClr r="0" g="0" b="0"/>
+        </a:lnRef>
+        <a:fillRef idx="1">
+          <a:scrgbClr r="0" g="0" b="0"/>
+        </a:fillRef>
+        <a:effectRef idx="0">
+          <a:scrgbClr r="0" g="0" b="0"/>
+        </a:effectRef>
+        <a:fontRef idx="minor"/>
+      </dsp:style>
+      <dsp:txBody>
+        <a:bodyPr spcFirstLastPara="0" vert="horz" wrap="square" lIns="76200" tIns="76200" rIns="76200" bIns="76200" numCol="1" spcCol="1270" anchor="t" anchorCtr="0">
+          <a:noAutofit/>
+        </a:bodyPr>
+        <a:lstStyle/>
+        <a:p>
+          <a:pPr marL="228600" lvl="1" indent="-228600" algn="l" defTabSz="889000">
+            <a:lnSpc>
+              <a:spcPct val="90000"/>
+            </a:lnSpc>
+            <a:spcBef>
+              <a:spcPct val="0"/>
+            </a:spcBef>
+            <a:spcAft>
+              <a:spcPct val="15000"/>
+            </a:spcAft>
+            <a:buChar char="••"/>
+          </a:pPr>
+          <a:r>
+            <a:rPr lang="ru-RU" sz="2000" b="1" kern="1200" dirty="0" smtClean="0"/>
+            <a:t>Смирнов Максим</a:t>
+          </a:r>
+          <a:endParaRPr lang="ru-RU" sz="2000" b="1" kern="1200" dirty="0"/>
+        </a:p>
+        <a:p>
+          <a:pPr marL="114300" lvl="1" indent="-114300" algn="l" defTabSz="577850">
+            <a:lnSpc>
+              <a:spcPct val="90000"/>
+            </a:lnSpc>
+            <a:spcBef>
+              <a:spcPct val="0"/>
+            </a:spcBef>
+            <a:spcAft>
+              <a:spcPct val="15000"/>
+            </a:spcAft>
+            <a:buChar char="••"/>
+          </a:pPr>
+          <a:r>
+            <a:rPr lang="ru-RU" sz="1300" kern="1200" dirty="0" smtClean="0"/>
+            <a:t>Македонская Евгения</a:t>
+          </a:r>
+          <a:endParaRPr lang="ru-RU" sz="1300" kern="1200" dirty="0"/>
+        </a:p>
+        <a:p>
+          <a:pPr marL="114300" lvl="1" indent="-114300" algn="l" defTabSz="577850">
+            <a:lnSpc>
+              <a:spcPct val="90000"/>
+            </a:lnSpc>
+            <a:spcBef>
+              <a:spcPct val="0"/>
+            </a:spcBef>
+            <a:spcAft>
+              <a:spcPct val="15000"/>
+            </a:spcAft>
+            <a:buChar char="••"/>
+          </a:pPr>
+          <a:r>
+            <a:rPr lang="ru-RU" sz="1300" kern="1200" dirty="0" smtClean="0"/>
+            <a:t>Бодунков Денис</a:t>
+          </a:r>
+          <a:endParaRPr lang="ru-RU" sz="1300" kern="1200" dirty="0"/>
+        </a:p>
+        <a:p>
+          <a:pPr marL="114300" lvl="1" indent="-114300" algn="l" defTabSz="577850">
+            <a:lnSpc>
+              <a:spcPct val="90000"/>
+            </a:lnSpc>
+            <a:spcBef>
+              <a:spcPct val="0"/>
+            </a:spcBef>
+            <a:spcAft>
+              <a:spcPct val="15000"/>
+            </a:spcAft>
+            <a:buChar char="••"/>
+          </a:pPr>
+          <a:r>
+            <a:rPr lang="ru-RU" sz="1300" kern="1200" dirty="0" smtClean="0"/>
+            <a:t>Вервальд Северин</a:t>
+          </a:r>
+          <a:endParaRPr lang="ru-RU" sz="1300" kern="1200" dirty="0"/>
+        </a:p>
+      </dsp:txBody>
+      <dsp:txXfrm>
+        <a:off x="426789" y="667253"/>
+        <a:ext cx="2414060" cy="785644"/>
+      </dsp:txXfrm>
+    </dsp:sp>
+    <dsp:sp modelId="{60DA8870-9857-4057-BC91-DD9B798F041F}">
+      <dsp:nvSpPr>
+        <dsp:cNvPr id="0" name=""/>
+        <dsp:cNvSpPr/>
+      </dsp:nvSpPr>
+      <dsp:spPr>
+        <a:xfrm>
+          <a:off x="2239697" y="285090"/>
+          <a:ext cx="2165685" cy="2165685"/>
+        </a:xfrm>
+        <a:prstGeom prst="pieWedge">
+          <a:avLst/>
+        </a:prstGeom>
+        <a:solidFill>
+          <a:schemeClr val="accent2">
+            <a:hueOff val="0"/>
+            <a:satOff val="0"/>
+            <a:lumOff val="0"/>
+            <a:alphaOff val="0"/>
+          </a:schemeClr>
+        </a:solidFill>
+        <a:ln>
+          <a:noFill/>
+        </a:ln>
+        <a:effectLst/>
+        <a:scene3d>
+          <a:camera prst="orthographicFront">
+            <a:rot lat="0" lon="0" rev="0"/>
+          </a:camera>
+          <a:lightRig rig="contrasting" dir="t">
+            <a:rot lat="0" lon="0" rev="1200000"/>
+          </a:lightRig>
+        </a:scene3d>
+        <a:sp3d contourW="19050" prstMaterial="metal">
+          <a:bevelT w="88900" h="203200"/>
+          <a:bevelB w="165100" h="254000"/>
+        </a:sp3d>
+      </dsp:spPr>
+      <dsp:style>
+        <a:lnRef idx="0">
+          <a:scrgbClr r="0" g="0" b="0"/>
+        </a:lnRef>
+        <a:fillRef idx="1">
+          <a:scrgbClr r="0" g="0" b="0"/>
+        </a:fillRef>
+        <a:effectRef idx="2">
+          <a:scrgbClr r="0" g="0" b="0"/>
+        </a:effectRef>
+        <a:fontRef idx="minor">
+          <a:schemeClr val="lt1"/>
+        </a:fontRef>
+      </dsp:style>
+      <dsp:txBody>
+        <a:bodyPr spcFirstLastPara="0" vert="horz" wrap="square" lIns="128016" tIns="128016" rIns="128016" bIns="128016" numCol="1" spcCol="1270" anchor="ctr" anchorCtr="0">
+          <a:noAutofit/>
+        </a:bodyPr>
+        <a:lstStyle/>
+        <a:p>
+          <a:pPr lvl="0" algn="ctr" defTabSz="800100">
+            <a:lnSpc>
+              <a:spcPct val="90000"/>
+            </a:lnSpc>
+            <a:spcBef>
+              <a:spcPct val="0"/>
+            </a:spcBef>
+            <a:spcAft>
+              <a:spcPct val="35000"/>
+            </a:spcAft>
+          </a:pPr>
+          <a:r>
+            <a:rPr lang="ru-RU" sz="1800" kern="1200" dirty="0" smtClean="0"/>
+            <a:t>Анализ</a:t>
+          </a:r>
+          <a:endParaRPr lang="ru-RU" sz="1800" kern="1200" dirty="0"/>
+        </a:p>
+      </dsp:txBody>
+      <dsp:txXfrm>
+        <a:off x="2874011" y="919404"/>
+        <a:ext cx="1531371" cy="1531371"/>
+      </dsp:txXfrm>
+    </dsp:sp>
+    <dsp:sp modelId="{147178AE-0CD4-4FA3-A352-95F7DEF02040}">
+      <dsp:nvSpPr>
+        <dsp:cNvPr id="0" name=""/>
+        <dsp:cNvSpPr/>
+      </dsp:nvSpPr>
+      <dsp:spPr>
+        <a:xfrm rot="5400000">
+          <a:off x="4505414" y="285090"/>
+          <a:ext cx="2165685" cy="2165685"/>
+        </a:xfrm>
+        <a:prstGeom prst="pieWedge">
+          <a:avLst/>
+        </a:prstGeom>
+        <a:solidFill>
+          <a:schemeClr val="accent3">
+            <a:hueOff val="0"/>
+            <a:satOff val="0"/>
+            <a:lumOff val="0"/>
+            <a:alphaOff val="0"/>
+          </a:schemeClr>
+        </a:solidFill>
+        <a:ln>
+          <a:noFill/>
+        </a:ln>
+        <a:effectLst/>
+        <a:scene3d>
+          <a:camera prst="orthographicFront">
+            <a:rot lat="0" lon="0" rev="0"/>
+          </a:camera>
+          <a:lightRig rig="contrasting" dir="t">
+            <a:rot lat="0" lon="0" rev="1200000"/>
+          </a:lightRig>
+        </a:scene3d>
+        <a:sp3d contourW="19050" prstMaterial="metal">
+          <a:bevelT w="88900" h="203200"/>
+          <a:bevelB w="165100" h="254000"/>
+        </a:sp3d>
+      </dsp:spPr>
+      <dsp:style>
+        <a:lnRef idx="0">
+          <a:scrgbClr r="0" g="0" b="0"/>
+        </a:lnRef>
+        <a:fillRef idx="1">
+          <a:scrgbClr r="0" g="0" b="0"/>
+        </a:fillRef>
+        <a:effectRef idx="2">
+          <a:scrgbClr r="0" g="0" b="0"/>
+        </a:effectRef>
+        <a:fontRef idx="minor">
+          <a:schemeClr val="lt1"/>
+        </a:fontRef>
+      </dsp:style>
+      <dsp:txBody>
+        <a:bodyPr spcFirstLastPara="0" vert="horz" wrap="square" lIns="128016" tIns="128016" rIns="128016" bIns="128016" numCol="1" spcCol="1270" anchor="ctr" anchorCtr="0">
+          <a:noAutofit/>
+        </a:bodyPr>
+        <a:lstStyle/>
+        <a:p>
+          <a:pPr lvl="0" algn="ctr" defTabSz="800100">
+            <a:lnSpc>
+              <a:spcPct val="90000"/>
+            </a:lnSpc>
+            <a:spcBef>
+              <a:spcPct val="0"/>
+            </a:spcBef>
+            <a:spcAft>
+              <a:spcPct val="35000"/>
+            </a:spcAft>
+          </a:pPr>
+          <a:r>
+            <a:rPr lang="ru-RU" sz="1800" kern="1200" dirty="0" smtClean="0"/>
+            <a:t>Составление </a:t>
+          </a:r>
+        </a:p>
+        <a:p>
+          <a:pPr lvl="0" algn="ctr" defTabSz="800100">
+            <a:lnSpc>
+              <a:spcPct val="90000"/>
+            </a:lnSpc>
+            <a:spcBef>
+              <a:spcPct val="0"/>
+            </a:spcBef>
+            <a:spcAft>
+              <a:spcPct val="35000"/>
+            </a:spcAft>
+          </a:pPr>
+          <a:r>
+            <a:rPr lang="ru-RU" sz="1800" kern="1200" dirty="0" smtClean="0"/>
+            <a:t>требований</a:t>
+          </a:r>
+          <a:endParaRPr lang="ru-RU" sz="1800" kern="1200" dirty="0"/>
+        </a:p>
+      </dsp:txBody>
+      <dsp:txXfrm rot="-5400000">
+        <a:off x="4505414" y="919404"/>
+        <a:ext cx="1531371" cy="1531371"/>
+      </dsp:txXfrm>
+    </dsp:sp>
+    <dsp:sp modelId="{43A2BA3D-20D2-4E5D-9CD2-B6EE3F312A3B}">
+      <dsp:nvSpPr>
+        <dsp:cNvPr id="0" name=""/>
+        <dsp:cNvSpPr/>
+      </dsp:nvSpPr>
+      <dsp:spPr>
+        <a:xfrm rot="10800000">
+          <a:off x="4504439" y="2553406"/>
+          <a:ext cx="2165685" cy="2165685"/>
+        </a:xfrm>
+        <a:prstGeom prst="pieWedge">
+          <a:avLst/>
+        </a:prstGeom>
+        <a:solidFill>
+          <a:schemeClr val="accent4">
+            <a:hueOff val="0"/>
+            <a:satOff val="0"/>
+            <a:lumOff val="0"/>
+            <a:alphaOff val="0"/>
+          </a:schemeClr>
+        </a:solidFill>
+        <a:ln>
+          <a:noFill/>
+        </a:ln>
+        <a:effectLst/>
+        <a:scene3d>
+          <a:camera prst="orthographicFront">
+            <a:rot lat="0" lon="0" rev="0"/>
+          </a:camera>
+          <a:lightRig rig="contrasting" dir="t">
+            <a:rot lat="0" lon="0" rev="1200000"/>
+          </a:lightRig>
+        </a:scene3d>
+        <a:sp3d contourW="19050" prstMaterial="metal">
+          <a:bevelT w="88900" h="203200"/>
+          <a:bevelB w="165100" h="254000"/>
+        </a:sp3d>
+      </dsp:spPr>
+      <dsp:style>
+        <a:lnRef idx="0">
+          <a:scrgbClr r="0" g="0" b="0"/>
+        </a:lnRef>
+        <a:fillRef idx="1">
+          <a:scrgbClr r="0" g="0" b="0"/>
+        </a:fillRef>
+        <a:effectRef idx="2">
+          <a:scrgbClr r="0" g="0" b="0"/>
+        </a:effectRef>
+        <a:fontRef idx="minor">
+          <a:schemeClr val="lt1"/>
+        </a:fontRef>
+      </dsp:style>
+      <dsp:txBody>
+        <a:bodyPr spcFirstLastPara="0" vert="horz" wrap="square" lIns="128016" tIns="128016" rIns="128016" bIns="128016" numCol="1" spcCol="1270" anchor="ctr" anchorCtr="0">
+          <a:noAutofit/>
+        </a:bodyPr>
+        <a:lstStyle/>
+        <a:p>
+          <a:pPr lvl="0" algn="ctr" defTabSz="800100">
+            <a:lnSpc>
+              <a:spcPct val="90000"/>
+            </a:lnSpc>
+            <a:spcBef>
+              <a:spcPct val="0"/>
+            </a:spcBef>
+            <a:spcAft>
+              <a:spcPct val="35000"/>
+            </a:spcAft>
+          </a:pPr>
+          <a:r>
+            <a:rPr lang="ru-RU" sz="1800" kern="1200" dirty="0" smtClean="0"/>
+            <a:t>Написание ТЗ</a:t>
+          </a:r>
+          <a:endParaRPr lang="ru-RU" sz="1800" kern="1200" dirty="0"/>
+        </a:p>
+      </dsp:txBody>
+      <dsp:txXfrm rot="10800000">
+        <a:off x="4504439" y="2553406"/>
+        <a:ext cx="1531371" cy="1531371"/>
+      </dsp:txXfrm>
+    </dsp:sp>
+    <dsp:sp modelId="{809A40DB-630A-4CA0-804D-1A67767C019F}">
+      <dsp:nvSpPr>
+        <dsp:cNvPr id="0" name=""/>
+        <dsp:cNvSpPr/>
+      </dsp:nvSpPr>
+      <dsp:spPr>
+        <a:xfrm rot="16200000">
+          <a:off x="2239697" y="2550807"/>
+          <a:ext cx="2165685" cy="2165685"/>
+        </a:xfrm>
+        <a:prstGeom prst="pieWedge">
+          <a:avLst/>
+        </a:prstGeom>
+        <a:solidFill>
+          <a:schemeClr val="accent5">
+            <a:hueOff val="0"/>
+            <a:satOff val="0"/>
+            <a:lumOff val="0"/>
+            <a:alphaOff val="0"/>
+          </a:schemeClr>
+        </a:solidFill>
+        <a:ln>
+          <a:noFill/>
+        </a:ln>
+        <a:effectLst/>
+        <a:scene3d>
+          <a:camera prst="orthographicFront">
+            <a:rot lat="0" lon="0" rev="0"/>
+          </a:camera>
+          <a:lightRig rig="contrasting" dir="t">
+            <a:rot lat="0" lon="0" rev="1200000"/>
+          </a:lightRig>
+        </a:scene3d>
+        <a:sp3d contourW="19050" prstMaterial="metal">
+          <a:bevelT w="88900" h="203200"/>
+          <a:bevelB w="165100" h="254000"/>
+        </a:sp3d>
+      </dsp:spPr>
+      <dsp:style>
+        <a:lnRef idx="0">
+          <a:scrgbClr r="0" g="0" b="0"/>
+        </a:lnRef>
+        <a:fillRef idx="1">
+          <a:scrgbClr r="0" g="0" b="0"/>
+        </a:fillRef>
+        <a:effectRef idx="2">
+          <a:scrgbClr r="0" g="0" b="0"/>
+        </a:effectRef>
+        <a:fontRef idx="minor">
+          <a:schemeClr val="lt1"/>
+        </a:fontRef>
+      </dsp:style>
+      <dsp:txBody>
+        <a:bodyPr spcFirstLastPara="0" vert="horz" wrap="square" lIns="128016" tIns="128016" rIns="128016" bIns="128016" numCol="1" spcCol="1270" anchor="ctr" anchorCtr="0">
+          <a:noAutofit/>
+        </a:bodyPr>
+        <a:lstStyle/>
+        <a:p>
+          <a:pPr lvl="0" algn="ctr" defTabSz="800100">
+            <a:lnSpc>
+              <a:spcPct val="90000"/>
+            </a:lnSpc>
+            <a:spcBef>
+              <a:spcPct val="0"/>
+            </a:spcBef>
+            <a:spcAft>
+              <a:spcPct val="35000"/>
+            </a:spcAft>
+          </a:pPr>
+          <a:r>
+            <a:rPr lang="ru-RU" sz="1800" kern="1200" dirty="0" err="1" smtClean="0"/>
+            <a:t>Редакти</a:t>
+          </a:r>
+          <a:r>
+            <a:rPr lang="ru-RU" sz="1800" kern="1200" dirty="0" smtClean="0"/>
+            <a:t>-</a:t>
+          </a:r>
+        </a:p>
+        <a:p>
+          <a:pPr lvl="0" algn="ctr" defTabSz="800100">
+            <a:lnSpc>
+              <a:spcPct val="90000"/>
+            </a:lnSpc>
+            <a:spcBef>
+              <a:spcPct val="0"/>
+            </a:spcBef>
+            <a:spcAft>
+              <a:spcPct val="35000"/>
+            </a:spcAft>
+          </a:pPr>
+          <a:r>
+            <a:rPr lang="ru-RU" sz="1800" kern="1200" dirty="0" err="1" smtClean="0"/>
+            <a:t>рование</a:t>
+          </a:r>
+          <a:endParaRPr lang="ru-RU" sz="1800" kern="1200" dirty="0"/>
+        </a:p>
+      </dsp:txBody>
+      <dsp:txXfrm rot="5400000">
+        <a:off x="2874011" y="2550807"/>
+        <a:ext cx="1531371" cy="1531371"/>
+      </dsp:txXfrm>
+    </dsp:sp>
+    <dsp:sp modelId="{27CA1DAC-9186-40C1-BDB5-6C473E78AFD1}">
+      <dsp:nvSpPr>
+        <dsp:cNvPr id="0" name=""/>
+        <dsp:cNvSpPr/>
+      </dsp:nvSpPr>
+      <dsp:spPr>
+        <a:xfrm>
+          <a:off x="4081530" y="2050649"/>
+          <a:ext cx="747736" cy="650205"/>
+        </a:xfrm>
+        <a:prstGeom prst="circularArrow">
+          <a:avLst/>
+        </a:prstGeom>
+        <a:solidFill>
+          <a:schemeClr val="accent2">
+            <a:tint val="40000"/>
+            <a:hueOff val="0"/>
+            <a:satOff val="0"/>
+            <a:lumOff val="0"/>
+            <a:alphaOff val="0"/>
+          </a:schemeClr>
+        </a:solidFill>
+        <a:ln>
+          <a:noFill/>
+        </a:ln>
+        <a:effectLst/>
+        <a:scene3d>
+          <a:camera prst="orthographicFront">
+            <a:rot lat="0" lon="0" rev="0"/>
+          </a:camera>
+          <a:lightRig rig="contrasting" dir="t">
+            <a:rot lat="0" lon="0" rev="1200000"/>
+          </a:lightRig>
+        </a:scene3d>
+        <a:sp3d z="300000" contourW="19050" prstMaterial="metal">
+          <a:bevelT w="88900" h="203200"/>
+          <a:bevelB w="165100" h="254000"/>
+        </a:sp3d>
+      </dsp:spPr>
+      <dsp:style>
+        <a:lnRef idx="0">
+          <a:scrgbClr r="0" g="0" b="0"/>
+        </a:lnRef>
+        <a:fillRef idx="1">
+          <a:scrgbClr r="0" g="0" b="0"/>
+        </a:fillRef>
+        <a:effectRef idx="0">
+          <a:scrgbClr r="0" g="0" b="0"/>
+        </a:effectRef>
+        <a:fontRef idx="minor"/>
+      </dsp:style>
+    </dsp:sp>
+    <dsp:sp modelId="{A2668D5B-8EBC-4089-9D03-6E6D0652491A}">
+      <dsp:nvSpPr>
+        <dsp:cNvPr id="0" name=""/>
+        <dsp:cNvSpPr/>
+      </dsp:nvSpPr>
+      <dsp:spPr>
+        <a:xfrm rot="10800000">
+          <a:off x="4081530" y="2300728"/>
+          <a:ext cx="747736" cy="650205"/>
+        </a:xfrm>
+        <a:prstGeom prst="circularArrow">
+          <a:avLst/>
+        </a:prstGeom>
+        <a:solidFill>
+          <a:schemeClr val="accent2">
+            <a:tint val="40000"/>
+            <a:hueOff val="0"/>
+            <a:satOff val="0"/>
+            <a:lumOff val="0"/>
+            <a:alphaOff val="0"/>
+          </a:schemeClr>
+        </a:solidFill>
+        <a:ln>
+          <a:noFill/>
+        </a:ln>
+        <a:effectLst/>
+        <a:scene3d>
+          <a:camera prst="orthographicFront">
+            <a:rot lat="0" lon="0" rev="0"/>
+          </a:camera>
+          <a:lightRig rig="contrasting" dir="t">
+            <a:rot lat="0" lon="0" rev="1200000"/>
+          </a:lightRig>
+        </a:scene3d>
+        <a:sp3d z="300000" contourW="19050" prstMaterial="metal">
+          <a:bevelT w="88900" h="203200"/>
+          <a:bevelB w="165100" h="254000"/>
+        </a:sp3d>
+      </dsp:spPr>
+      <dsp:style>
+        <a:lnRef idx="0">
+          <a:scrgbClr r="0" g="0" b="0"/>
+        </a:lnRef>
+        <a:fillRef idx="1">
+          <a:scrgbClr r="0" g="0" b="0"/>
+        </a:fillRef>
+        <a:effectRef idx="0">
+          <a:scrgbClr r="0" g="0" b="0"/>
+        </a:effectRef>
+        <a:fontRef idx="minor"/>
+      </dsp:style>
+    </dsp:sp>
+  </dsp:spTree>
+</dsp:drawing>
+</file>
+
+<file path=ppt/diagrams/drawing3.xml><?xml version="1.0" encoding="utf-8"?>
+<dsp:drawing xmlns:dgm="http://schemas.openxmlformats.org/drawingml/2006/diagram" xmlns:dsp="http://schemas.microsoft.com/office/drawing/2008/diagram" xmlns:a="http://schemas.openxmlformats.org/drawingml/2006/main">
+  <dsp:spTree>
+    <dsp:nvGrpSpPr>
+      <dsp:cNvPr id="0" name=""/>
+      <dsp:cNvGrpSpPr/>
+    </dsp:nvGrpSpPr>
+    <dsp:grpSpPr/>
+    <dsp:sp modelId="{B7B124A7-A5F3-4DEF-A4C4-15F7B6F83CA4}">
+      <dsp:nvSpPr>
+        <dsp:cNvPr id="0" name=""/>
+        <dsp:cNvSpPr/>
+      </dsp:nvSpPr>
+      <dsp:spPr>
+        <a:xfrm>
+          <a:off x="1493570" y="405029"/>
+          <a:ext cx="3678501" cy="3678501"/>
+        </a:xfrm>
+        <a:prstGeom prst="pie">
+          <a:avLst>
+            <a:gd name="adj1" fmla="val 16200000"/>
+            <a:gd name="adj2" fmla="val 1800000"/>
+          </a:avLst>
+        </a:prstGeom>
+        <a:gradFill rotWithShape="0">
+          <a:gsLst>
+            <a:gs pos="0">
+              <a:schemeClr val="accent2">
+                <a:hueOff val="0"/>
+                <a:satOff val="0"/>
+                <a:lumOff val="0"/>
+                <a:alphaOff val="0"/>
+                <a:satMod val="103000"/>
+                <a:lumMod val="102000"/>
+                <a:tint val="94000"/>
+              </a:schemeClr>
+            </a:gs>
+            <a:gs pos="50000">
+              <a:schemeClr val="accent2">
+                <a:hueOff val="0"/>
+                <a:satOff val="0"/>
+                <a:lumOff val="0"/>
+                <a:alphaOff val="0"/>
+                <a:satMod val="110000"/>
+                <a:lumMod val="100000"/>
+                <a:shade val="100000"/>
+              </a:schemeClr>
+            </a:gs>
+            <a:gs pos="100000">
+              <a:schemeClr val="accent2">
+                <a:hueOff val="0"/>
+                <a:satOff val="0"/>
+                <a:lumOff val="0"/>
+                <a:alphaOff val="0"/>
+                <a:lumMod val="99000"/>
+                <a:satMod val="120000"/>
+                <a:shade val="78000"/>
+              </a:schemeClr>
+            </a:gs>
+          </a:gsLst>
+          <a:lin ang="5400000" scaled="0"/>
+        </a:gradFill>
+        <a:ln>
+          <a:noFill/>
+        </a:ln>
+        <a:effectLst>
+          <a:outerShdw blurRad="57150" dist="19050" dir="5400000" algn="ctr" rotWithShape="0">
+            <a:srgbClr val="000000">
+              <a:alpha val="63000"/>
+            </a:srgbClr>
+          </a:outerShdw>
+        </a:effectLst>
+      </dsp:spPr>
+      <dsp:style>
+        <a:lnRef idx="0">
+          <a:scrgbClr r="0" g="0" b="0"/>
+        </a:lnRef>
+        <a:fillRef idx="3">
+          <a:scrgbClr r="0" g="0" b="0"/>
+        </a:fillRef>
+        <a:effectRef idx="3">
+          <a:scrgbClr r="0" g="0" b="0"/>
+        </a:effectRef>
+        <a:fontRef idx="minor">
+          <a:schemeClr val="lt1"/>
+        </a:fontRef>
+      </dsp:style>
+      <dsp:txBody>
+        <a:bodyPr spcFirstLastPara="0" vert="horz" wrap="square" lIns="22860" tIns="22860" rIns="22860" bIns="22860" numCol="1" spcCol="1270" anchor="ctr" anchorCtr="0">
+          <a:noAutofit/>
+        </a:bodyPr>
+        <a:lstStyle/>
+        <a:p>
+          <a:pPr lvl="0" algn="ctr" defTabSz="800100">
+            <a:lnSpc>
+              <a:spcPct val="90000"/>
+            </a:lnSpc>
+            <a:spcBef>
+              <a:spcPct val="0"/>
+            </a:spcBef>
+            <a:spcAft>
+              <a:spcPct val="35000"/>
+            </a:spcAft>
+          </a:pPr>
+          <a:r>
+            <a:rPr lang="ru-RU" sz="1800" kern="1200" dirty="0" smtClean="0"/>
+            <a:t>Тест-кейсы</a:t>
+          </a:r>
+          <a:endParaRPr lang="ru-RU" sz="1800" kern="1200" dirty="0"/>
+        </a:p>
+      </dsp:txBody>
+      <dsp:txXfrm>
+        <a:off x="3493536" y="1083800"/>
+        <a:ext cx="1248062" cy="1226167"/>
+      </dsp:txXfrm>
+    </dsp:sp>
+    <dsp:sp modelId="{000CC315-531C-4BFA-A8AA-0B0479AAD9FF}">
+      <dsp:nvSpPr>
+        <dsp:cNvPr id="0" name=""/>
+        <dsp:cNvSpPr/>
+      </dsp:nvSpPr>
+      <dsp:spPr>
+        <a:xfrm>
+          <a:off x="1494940" y="405073"/>
+          <a:ext cx="3678501" cy="3678501"/>
+        </a:xfrm>
+        <a:prstGeom prst="pie">
+          <a:avLst>
+            <a:gd name="adj1" fmla="val 1800000"/>
+            <a:gd name="adj2" fmla="val 9000000"/>
+          </a:avLst>
+        </a:prstGeom>
+        <a:gradFill rotWithShape="0">
+          <a:gsLst>
+            <a:gs pos="0">
+              <a:schemeClr val="accent3">
+                <a:hueOff val="0"/>
+                <a:satOff val="0"/>
+                <a:lumOff val="0"/>
+                <a:alphaOff val="0"/>
+                <a:satMod val="103000"/>
+                <a:lumMod val="102000"/>
+                <a:tint val="94000"/>
+              </a:schemeClr>
+            </a:gs>
+            <a:gs pos="50000">
+              <a:schemeClr val="accent3">
+                <a:hueOff val="0"/>
+                <a:satOff val="0"/>
+                <a:lumOff val="0"/>
+                <a:alphaOff val="0"/>
+                <a:satMod val="110000"/>
+                <a:lumMod val="100000"/>
+                <a:shade val="100000"/>
+              </a:schemeClr>
+            </a:gs>
+            <a:gs pos="100000">
+              <a:schemeClr val="accent3">
+                <a:hueOff val="0"/>
+                <a:satOff val="0"/>
+                <a:lumOff val="0"/>
+                <a:alphaOff val="0"/>
+                <a:lumMod val="99000"/>
+                <a:satMod val="120000"/>
+                <a:shade val="78000"/>
+              </a:schemeClr>
+            </a:gs>
+          </a:gsLst>
+          <a:lin ang="5400000" scaled="0"/>
+        </a:gradFill>
+        <a:ln>
+          <a:noFill/>
+        </a:ln>
+        <a:effectLst>
+          <a:outerShdw blurRad="57150" dist="19050" dir="5400000" algn="ctr" rotWithShape="0">
+            <a:srgbClr val="000000">
+              <a:alpha val="63000"/>
+            </a:srgbClr>
+          </a:outerShdw>
+        </a:effectLst>
+      </dsp:spPr>
+      <dsp:style>
+        <a:lnRef idx="0">
+          <a:scrgbClr r="0" g="0" b="0"/>
+        </a:lnRef>
+        <a:fillRef idx="3">
+          <a:scrgbClr r="0" g="0" b="0"/>
+        </a:fillRef>
+        <a:effectRef idx="3">
+          <a:scrgbClr r="0" g="0" b="0"/>
+        </a:effectRef>
+        <a:fontRef idx="minor">
+          <a:schemeClr val="lt1"/>
+        </a:fontRef>
+      </dsp:style>
+      <dsp:txBody>
+        <a:bodyPr spcFirstLastPara="0" vert="horz" wrap="square" lIns="22860" tIns="22860" rIns="22860" bIns="22860" numCol="1" spcCol="1270" anchor="ctr" anchorCtr="0">
+          <a:noAutofit/>
+        </a:bodyPr>
+        <a:lstStyle/>
+        <a:p>
+          <a:pPr lvl="0" algn="ctr" defTabSz="800100">
+            <a:lnSpc>
+              <a:spcPct val="90000"/>
+            </a:lnSpc>
+            <a:spcBef>
+              <a:spcPct val="0"/>
+            </a:spcBef>
+            <a:spcAft>
+              <a:spcPct val="35000"/>
+            </a:spcAft>
+          </a:pPr>
+          <a:r>
+            <a:rPr lang="ru-RU" sz="1800" kern="1200" dirty="0" smtClean="0"/>
+            <a:t>Результаты тестирования</a:t>
+          </a:r>
+          <a:endParaRPr lang="ru-RU" sz="1800" kern="1200" dirty="0"/>
+        </a:p>
+      </dsp:txBody>
+      <dsp:txXfrm>
+        <a:off x="2502149" y="2726032"/>
+        <a:ext cx="1664083" cy="1138583"/>
+      </dsp:txXfrm>
+    </dsp:sp>
+    <dsp:sp modelId="{4ACAFB12-125B-4407-8730-03696C63C350}">
+      <dsp:nvSpPr>
+        <dsp:cNvPr id="0" name=""/>
+        <dsp:cNvSpPr/>
+      </dsp:nvSpPr>
+      <dsp:spPr>
+        <a:xfrm>
+          <a:off x="1494940" y="405073"/>
+          <a:ext cx="3678501" cy="3678501"/>
+        </a:xfrm>
+        <a:prstGeom prst="pie">
+          <a:avLst>
+            <a:gd name="adj1" fmla="val 9000000"/>
+            <a:gd name="adj2" fmla="val 16200000"/>
+          </a:avLst>
+        </a:prstGeom>
+        <a:gradFill rotWithShape="0">
+          <a:gsLst>
+            <a:gs pos="0">
+              <a:schemeClr val="accent4">
+                <a:hueOff val="0"/>
+                <a:satOff val="0"/>
+                <a:lumOff val="0"/>
+                <a:alphaOff val="0"/>
+                <a:satMod val="103000"/>
+                <a:lumMod val="102000"/>
+                <a:tint val="94000"/>
+              </a:schemeClr>
+            </a:gs>
+            <a:gs pos="50000">
+              <a:schemeClr val="accent4">
+                <a:hueOff val="0"/>
+                <a:satOff val="0"/>
+                <a:lumOff val="0"/>
+                <a:alphaOff val="0"/>
+                <a:satMod val="110000"/>
+                <a:lumMod val="100000"/>
+                <a:shade val="100000"/>
+              </a:schemeClr>
+            </a:gs>
+            <a:gs pos="100000">
+              <a:schemeClr val="accent4">
+                <a:hueOff val="0"/>
+                <a:satOff val="0"/>
+                <a:lumOff val="0"/>
+                <a:alphaOff val="0"/>
+                <a:lumMod val="99000"/>
+                <a:satMod val="120000"/>
+                <a:shade val="78000"/>
+              </a:schemeClr>
+            </a:gs>
+          </a:gsLst>
+          <a:lin ang="5400000" scaled="0"/>
+        </a:gradFill>
+        <a:ln>
+          <a:noFill/>
+        </a:ln>
+        <a:effectLst>
+          <a:outerShdw blurRad="57150" dist="19050" dir="5400000" algn="ctr" rotWithShape="0">
+            <a:srgbClr val="000000">
+              <a:alpha val="63000"/>
+            </a:srgbClr>
+          </a:outerShdw>
+        </a:effectLst>
+      </dsp:spPr>
+      <dsp:style>
+        <a:lnRef idx="0">
+          <a:scrgbClr r="0" g="0" b="0"/>
+        </a:lnRef>
+        <a:fillRef idx="3">
+          <a:scrgbClr r="0" g="0" b="0"/>
+        </a:fillRef>
+        <a:effectRef idx="3">
+          <a:scrgbClr r="0" g="0" b="0"/>
+        </a:effectRef>
+        <a:fontRef idx="minor">
+          <a:schemeClr val="lt1"/>
+        </a:fontRef>
+      </dsp:style>
+      <dsp:txBody>
+        <a:bodyPr spcFirstLastPara="0" vert="horz" wrap="square" lIns="22860" tIns="22860" rIns="22860" bIns="22860" numCol="1" spcCol="1270" anchor="ctr" anchorCtr="0">
+          <a:noAutofit/>
+        </a:bodyPr>
+        <a:lstStyle/>
+        <a:p>
+          <a:pPr lvl="0" algn="ctr" defTabSz="800100">
+            <a:lnSpc>
+              <a:spcPct val="90000"/>
+            </a:lnSpc>
+            <a:spcBef>
+              <a:spcPct val="0"/>
+            </a:spcBef>
+            <a:spcAft>
+              <a:spcPct val="35000"/>
+            </a:spcAft>
+          </a:pPr>
+          <a:r>
+            <a:rPr lang="ru-RU" sz="1800" kern="1200" dirty="0" smtClean="0"/>
+            <a:t>Тест требования</a:t>
+          </a:r>
+          <a:endParaRPr lang="ru-RU" sz="1800" kern="1200" dirty="0"/>
+        </a:p>
+      </dsp:txBody>
+      <dsp:txXfrm>
+        <a:off x="1889065" y="1127635"/>
+        <a:ext cx="1248062" cy="1226167"/>
+      </dsp:txXfrm>
+    </dsp:sp>
   </dsp:spTree>
 </dsp:drawing>
 </file>
@@ -7615,6 +11866,1311 @@
 </dgm:layoutDef>
 </file>
 
+<file path=ppt/diagrams/layout3.xml><?xml version="1.0" encoding="utf-8"?>
+<dgm:layoutDef xmlns:dgm="http://schemas.openxmlformats.org/drawingml/2006/diagram" xmlns:a="http://schemas.openxmlformats.org/drawingml/2006/main" uniqueId="urn:microsoft.com/office/officeart/2005/8/layout/chart3">
+  <dgm:title val=""/>
+  <dgm:desc val=""/>
+  <dgm:catLst>
+    <dgm:cat type="relationship" pri="27000"/>
+    <dgm:cat type="cycle" pri="8000"/>
+  </dgm:catLst>
+  <dgm:sampData useDef="1">
+    <dgm:dataModel>
+      <dgm:ptLst/>
+      <dgm:bg/>
+      <dgm:whole/>
+    </dgm:dataModel>
+  </dgm:sampData>
+  <dgm:styleData useDef="1">
+    <dgm:dataModel>
+      <dgm:ptLst/>
+      <dgm:bg/>
+      <dgm:whole/>
+    </dgm:dataModel>
+  </dgm:styleData>
+  <dgm:clrData>
+    <dgm:dataModel>
+      <dgm:ptLst>
+        <dgm:pt modelId="0" type="doc"/>
+        <dgm:pt modelId="1"/>
+        <dgm:pt modelId="2"/>
+        <dgm:pt modelId="3"/>
+        <dgm:pt modelId="4"/>
+        <dgm:pt modelId="5"/>
+        <dgm:pt modelId="6"/>
+      </dgm:ptLst>
+      <dgm:cxnLst>
+        <dgm:cxn modelId="7" srcId="0" destId="1" srcOrd="0" destOrd="0"/>
+        <dgm:cxn modelId="8" srcId="0" destId="2" srcOrd="1" destOrd="0"/>
+        <dgm:cxn modelId="9" srcId="0" destId="3" srcOrd="2" destOrd="0"/>
+        <dgm:cxn modelId="10" srcId="0" destId="4" srcOrd="3" destOrd="0"/>
+        <dgm:cxn modelId="11" srcId="0" destId="5" srcOrd="4" destOrd="0"/>
+        <dgm:cxn modelId="12" srcId="0" destId="6" srcOrd="5" destOrd="0"/>
+      </dgm:cxnLst>
+      <dgm:bg/>
+      <dgm:whole/>
+    </dgm:dataModel>
+  </dgm:clrData>
+  <dgm:layoutNode name="compositeShape">
+    <dgm:varLst>
+      <dgm:chMax val="7"/>
+      <dgm:dir/>
+      <dgm:resizeHandles val="exact"/>
+    </dgm:varLst>
+    <dgm:alg type="composite">
+      <dgm:param type="horzAlign" val="ctr"/>
+      <dgm:param type="vertAlign" val="mid"/>
+      <dgm:param type="ar" val="1"/>
+    </dgm:alg>
+    <dgm:presOf/>
+    <dgm:shape xmlns:r="http://schemas.openxmlformats.org/officeDocument/2006/relationships" r:blip="">
+      <dgm:adjLst/>
+    </dgm:shape>
+    <dgm:choose name="Name0">
+      <dgm:if name="Name1" axis="ch" ptType="node" func="cnt" op="equ" val="1">
+        <dgm:constrLst>
+          <dgm:constr type="l" for="ch" forName="wedge1" refType="w" fact="0.08"/>
+          <dgm:constr type="t" for="ch" forName="wedge1" refType="w" fact="0.08"/>
+          <dgm:constr type="w" for="ch" forName="wedge1" refType="w" fact="0.84"/>
+          <dgm:constr type="h" for="ch" forName="wedge1" refType="h" fact="0.84"/>
+          <dgm:constr type="l" for="ch" forName="wedge1Tx" refType="w" fact="0.205"/>
+          <dgm:constr type="t" for="ch" forName="wedge1Tx" refType="h" fact="0.205"/>
+          <dgm:constr type="w" for="ch" forName="wedge1Tx" refType="w" fact="0.59"/>
+          <dgm:constr type="h" for="ch" forName="wedge1Tx" refType="h" fact="0.59"/>
+          <dgm:constr type="primFontSz" for="ch" ptType="node" op="equ"/>
+        </dgm:constrLst>
+      </dgm:if>
+      <dgm:if name="Name2" axis="ch" ptType="node" func="cnt" op="equ" val="2">
+        <dgm:constrLst>
+          <dgm:constr type="l" for="ch" forName="wedge1" refType="w" fact="0.1"/>
+          <dgm:constr type="t" for="ch" forName="wedge1" refType="w" fact="0.08"/>
+          <dgm:constr type="w" for="ch" forName="wedge1" refType="w" fact="0.84"/>
+          <dgm:constr type="h" for="ch" forName="wedge1" refType="h" fact="0.84"/>
+          <dgm:constr type="l" for="ch" forName="wedge1Tx" refType="w" fact="0.52"/>
+          <dgm:constr type="t" for="ch" forName="wedge1Tx" refType="h" fact="0.205"/>
+          <dgm:constr type="w" for="ch" forName="wedge1Tx" refType="w" fact="0.295"/>
+          <dgm:constr type="h" for="ch" forName="wedge1Tx" refType="h" fact="0.59"/>
+          <dgm:constr type="l" for="ch" forName="wedge2" refType="w" fact="0.08"/>
+          <dgm:constr type="t" for="ch" forName="wedge2" refType="w" fact="0.08"/>
+          <dgm:constr type="w" for="ch" forName="wedge2" refType="w" fact="0.84"/>
+          <dgm:constr type="h" for="ch" forName="wedge2" refType="h" fact="0.84"/>
+          <dgm:constr type="l" for="ch" forName="wedge2Tx" refType="w" fact="0.2"/>
+          <dgm:constr type="t" for="ch" forName="wedge2Tx" refType="h" fact="0.205"/>
+          <dgm:constr type="w" for="ch" forName="wedge2Tx" refType="w" fact="0.295"/>
+          <dgm:constr type="h" for="ch" forName="wedge2Tx" refType="h" fact="0.59"/>
+          <dgm:constr type="primFontSz" for="ch" ptType="node" op="equ"/>
+        </dgm:constrLst>
+      </dgm:if>
+      <dgm:if name="Name3" axis="ch" ptType="node" func="cnt" op="equ" val="3">
+        <dgm:choose name="Name4">
+          <dgm:if name="Name5" func="var" arg="dir" op="equ" val="norm">
+            <dgm:constrLst>
+              <dgm:constr type="l" for="ch" forName="wedge1" refType="w" fact="0.1233"/>
+              <dgm:constr type="t" for="ch" forName="wedge1" refType="w" fact="0.055"/>
+              <dgm:constr type="w" for="ch" forName="wedge1" refType="w" fact="0.84"/>
+              <dgm:constr type="h" for="ch" forName="wedge1" refType="h" fact="0.84"/>
+              <dgm:constr type="l" for="ch" forName="wedge1Tx" refType="w" fact="0.58"/>
+              <dgm:constr type="t" for="ch" forName="wedge1Tx" refType="h" fact="0.21"/>
+              <dgm:constr type="w" for="ch" forName="wedge1Tx" refType="w" fact="0.285"/>
+              <dgm:constr type="h" for="ch" forName="wedge1Tx" refType="h" fact="0.28"/>
+              <dgm:constr type="l" for="ch" forName="wedge2" refType="w" fact="0.08"/>
+              <dgm:constr type="t" for="ch" forName="wedge2" refType="w" fact="0.08"/>
+              <dgm:constr type="w" for="ch" forName="wedge2" refType="w" fact="0.84"/>
+              <dgm:constr type="h" for="ch" forName="wedge2" refType="h" fact="0.84"/>
+              <dgm:constr type="l" for="ch" forName="wedge2Tx" refType="w" fact="0.31"/>
+              <dgm:constr type="t" for="ch" forName="wedge2Tx" refType="h" fact="0.61"/>
+              <dgm:constr type="w" for="ch" forName="wedge2Tx" refType="w" fact="0.38"/>
+              <dgm:constr type="h" for="ch" forName="wedge2Tx" refType="h" fact="0.26"/>
+              <dgm:constr type="l" for="ch" forName="wedge3" refType="w" fact="0.08"/>
+              <dgm:constr type="t" for="ch" forName="wedge3" refType="w" fact="0.08"/>
+              <dgm:constr type="w" for="ch" forName="wedge3" refType="w" fact="0.84"/>
+              <dgm:constr type="h" for="ch" forName="wedge3" refType="h" fact="0.84"/>
+              <dgm:constr type="l" for="ch" forName="wedge3Tx" refType="w" fact="0.17"/>
+              <dgm:constr type="t" for="ch" forName="wedge3Tx" refType="h" fact="0.245"/>
+              <dgm:constr type="w" for="ch" forName="wedge3Tx" refType="w" fact="0.285"/>
+              <dgm:constr type="h" for="ch" forName="wedge3Tx" refType="h" fact="0.28"/>
+              <dgm:constr type="primFontSz" for="ch" ptType="node" op="equ"/>
+            </dgm:constrLst>
+          </dgm:if>
+          <dgm:else name="Name6">
+            <dgm:constrLst>
+              <dgm:constr type="l" for="ch" forName="wedge1" refType="w" fact="0.08"/>
+              <dgm:constr type="t" for="ch" forName="wedge1" refType="w" fact="0.08"/>
+              <dgm:constr type="w" for="ch" forName="wedge1" refType="w" fact="0.84"/>
+              <dgm:constr type="h" for="ch" forName="wedge1" refType="h" fact="0.84"/>
+              <dgm:constr type="l" for="ch" forName="wedge1Tx" refType="w" fact="0.545"/>
+              <dgm:constr type="t" for="ch" forName="wedge1Tx" refType="h" fact="0.245"/>
+              <dgm:constr type="w" for="ch" forName="wedge1Tx" refType="w" fact="0.285"/>
+              <dgm:constr type="h" for="ch" forName="wedge1Tx" refType="h" fact="0.28"/>
+              <dgm:constr type="l" for="ch" forName="wedge2" refType="w" fact="0.08"/>
+              <dgm:constr type="t" for="ch" forName="wedge2" refType="w" fact="0.08"/>
+              <dgm:constr type="w" for="ch" forName="wedge2" refType="w" fact="0.84"/>
+              <dgm:constr type="h" for="ch" forName="wedge2" refType="h" fact="0.84"/>
+              <dgm:constr type="l" for="ch" forName="wedge2Tx" refType="w" fact="0.31"/>
+              <dgm:constr type="t" for="ch" forName="wedge2Tx" refType="h" fact="0.61"/>
+              <dgm:constr type="w" for="ch" forName="wedge2Tx" refType="w" fact="0.38"/>
+              <dgm:constr type="h" for="ch" forName="wedge2Tx" refType="h" fact="0.26"/>
+              <dgm:constr type="l" for="ch" forName="wedge3" refType="w" fact="0.0367"/>
+              <dgm:constr type="t" for="ch" forName="wedge3" refType="w" fact="0.055"/>
+              <dgm:constr type="w" for="ch" forName="wedge3" refType="w" fact="0.84"/>
+              <dgm:constr type="h" for="ch" forName="wedge3" refType="h" fact="0.84"/>
+              <dgm:constr type="l" for="ch" forName="wedge3Tx" refType="w" fact="0.14"/>
+              <dgm:constr type="t" for="ch" forName="wedge3Tx" refType="h" fact="0.21"/>
+              <dgm:constr type="w" for="ch" forName="wedge3Tx" refType="w" fact="0.285"/>
+              <dgm:constr type="h" for="ch" forName="wedge3Tx" refType="h" fact="0.28"/>
+              <dgm:constr type="primFontSz" for="ch" ptType="node" op="equ"/>
+            </dgm:constrLst>
+          </dgm:else>
+        </dgm:choose>
+      </dgm:if>
+      <dgm:if name="Name7" axis="ch" ptType="node" func="cnt" op="equ" val="4">
+        <dgm:choose name="Name8">
+          <dgm:if name="Name9" func="var" arg="dir" op="equ" val="norm">
+            <dgm:constrLst>
+              <dgm:constr type="l" for="ch" forName="wedge1" refType="w" fact="0.1154"/>
+              <dgm:constr type="t" for="ch" forName="wedge1" refType="w" fact="0.0446"/>
+              <dgm:constr type="w" for="ch" forName="wedge1" refType="w" fact="0.84"/>
+              <dgm:constr type="h" for="ch" forName="wedge1" refType="h" fact="0.84"/>
+              <dgm:constr type="l" for="ch" forName="wedge1Tx" refType="w" fact="0.545"/>
+              <dgm:constr type="t" for="ch" forName="wedge1Tx" refType="h" fact="0.2"/>
+              <dgm:constr type="w" for="ch" forName="wedge1Tx" refType="w" fact="0.31"/>
+              <dgm:constr type="h" for="ch" forName="wedge1Tx" refType="h" fact="0.25"/>
+              <dgm:constr type="l" for="ch" forName="wedge2" refType="w" fact="0.08"/>
+              <dgm:constr type="t" for="ch" forName="wedge2" refType="w" fact="0.08"/>
+              <dgm:constr type="w" for="ch" forName="wedge2" refType="w" fact="0.84"/>
+              <dgm:constr type="h" for="ch" forName="wedge2" refType="h" fact="0.84"/>
+              <dgm:constr type="l" for="ch" forName="wedge2Tx" refType="w" fact="0.515"/>
+              <dgm:constr type="t" for="ch" forName="wedge2Tx" refType="h" fact="0.515"/>
+              <dgm:constr type="w" for="ch" forName="wedge2Tx" refType="w" fact="0.31"/>
+              <dgm:constr type="h" for="ch" forName="wedge2Tx" refType="h" fact="0.25"/>
+              <dgm:constr type="l" for="ch" forName="wedge3" refType="w" fact="0.08"/>
+              <dgm:constr type="t" for="ch" forName="wedge3" refType="w" fact="0.08"/>
+              <dgm:constr type="w" for="ch" forName="wedge3" refType="w" fact="0.84"/>
+              <dgm:constr type="h" for="ch" forName="wedge3" refType="h" fact="0.84"/>
+              <dgm:constr type="l" for="ch" forName="wedge3Tx" refType="w" fact="0.175"/>
+              <dgm:constr type="t" for="ch" forName="wedge3Tx" refType="h" fact="0.515"/>
+              <dgm:constr type="w" for="ch" forName="wedge3Tx" refType="w" fact="0.31"/>
+              <dgm:constr type="h" for="ch" forName="wedge3Tx" refType="h" fact="0.25"/>
+              <dgm:constr type="l" for="ch" forName="wedge4" refType="w" fact="0.08"/>
+              <dgm:constr type="t" for="ch" forName="wedge4" refType="h" fact="0.08"/>
+              <dgm:constr type="w" for="ch" forName="wedge4" refType="w" fact="0.84"/>
+              <dgm:constr type="h" for="ch" forName="wedge4" refType="h" fact="0.84"/>
+              <dgm:constr type="l" for="ch" forName="wedge4Tx" refType="w" fact="0.175"/>
+              <dgm:constr type="t" for="ch" forName="wedge4Tx" refType="h" fact="0.235"/>
+              <dgm:constr type="w" for="ch" forName="wedge4Tx" refType="w" fact="0.31"/>
+              <dgm:constr type="h" for="ch" forName="wedge4Tx" refType="h" fact="0.25"/>
+              <dgm:constr type="primFontSz" for="ch" ptType="node" op="equ"/>
+            </dgm:constrLst>
+          </dgm:if>
+          <dgm:else name="Name10">
+            <dgm:constrLst>
+              <dgm:constr type="l" for="ch" forName="wedge1" refType="w" fact="0.08"/>
+              <dgm:constr type="t" for="ch" forName="wedge1" refType="w" fact="0.08"/>
+              <dgm:constr type="w" for="ch" forName="wedge1" refType="w" fact="0.84"/>
+              <dgm:constr type="h" for="ch" forName="wedge1" refType="h" fact="0.84"/>
+              <dgm:constr type="l" for="ch" forName="wedge1Tx" refType="w" fact="0.515"/>
+              <dgm:constr type="t" for="ch" forName="wedge1Tx" refType="h" fact="0.235"/>
+              <dgm:constr type="w" for="ch" forName="wedge1Tx" refType="w" fact="0.31"/>
+              <dgm:constr type="h" for="ch" forName="wedge1Tx" refType="h" fact="0.25"/>
+              <dgm:constr type="l" for="ch" forName="wedge2" refType="w" fact="0.08"/>
+              <dgm:constr type="t" for="ch" forName="wedge2" refType="w" fact="0.08"/>
+              <dgm:constr type="w" for="ch" forName="wedge2" refType="w" fact="0.84"/>
+              <dgm:constr type="h" for="ch" forName="wedge2" refType="h" fact="0.84"/>
+              <dgm:constr type="l" for="ch" forName="wedge2Tx" refType="w" fact="0.515"/>
+              <dgm:constr type="t" for="ch" forName="wedge2Tx" refType="h" fact="0.515"/>
+              <dgm:constr type="w" for="ch" forName="wedge2Tx" refType="w" fact="0.31"/>
+              <dgm:constr type="h" for="ch" forName="wedge2Tx" refType="h" fact="0.25"/>
+              <dgm:constr type="l" for="ch" forName="wedge3" refType="w" fact="0.08"/>
+              <dgm:constr type="t" for="ch" forName="wedge3" refType="w" fact="0.08"/>
+              <dgm:constr type="w" for="ch" forName="wedge3" refType="w" fact="0.84"/>
+              <dgm:constr type="h" for="ch" forName="wedge3" refType="h" fact="0.84"/>
+              <dgm:constr type="l" for="ch" forName="wedge3Tx" refType="w" fact="0.175"/>
+              <dgm:constr type="t" for="ch" forName="wedge3Tx" refType="h" fact="0.515"/>
+              <dgm:constr type="w" for="ch" forName="wedge3Tx" refType="w" fact="0.31"/>
+              <dgm:constr type="h" for="ch" forName="wedge3Tx" refType="h" fact="0.25"/>
+              <dgm:constr type="l" for="ch" forName="wedge4" refType="w" fact="0.0446"/>
+              <dgm:constr type="t" for="ch" forName="wedge4" refType="h" fact="0.0446"/>
+              <dgm:constr type="w" for="ch" forName="wedge4" refType="w" fact="0.84"/>
+              <dgm:constr type="h" for="ch" forName="wedge4" refType="h" fact="0.84"/>
+              <dgm:constr type="l" for="ch" forName="wedge4Tx" refType="w" fact="0.145"/>
+              <dgm:constr type="t" for="ch" forName="wedge4Tx" refType="h" fact="0.2"/>
+              <dgm:constr type="w" for="ch" forName="wedge4Tx" refType="w" fact="0.31"/>
+              <dgm:constr type="h" for="ch" forName="wedge4Tx" refType="h" fact="0.25"/>
+              <dgm:constr type="primFontSz" for="ch" ptType="node" op="equ"/>
+            </dgm:constrLst>
+          </dgm:else>
+        </dgm:choose>
+      </dgm:if>
+      <dgm:if name="Name11" axis="ch" ptType="node" func="cnt" op="equ" val="5">
+        <dgm:choose name="Name12">
+          <dgm:if name="Name13" func="var" arg="dir" op="equ" val="norm">
+            <dgm:constrLst>
+              <dgm:constr type="l" for="ch" forName="wedge1" refType="w" fact="0.1094"/>
+              <dgm:constr type="t" for="ch" forName="wedge1" refType="w" fact="0.0395"/>
+              <dgm:constr type="w" for="ch" forName="wedge1" refType="w" fact="0.84"/>
+              <dgm:constr type="h" for="ch" forName="wedge1" refType="h" fact="0.84"/>
+              <dgm:constr type="l" for="ch" forName="wedge1Tx" refType="w" fact="0.54"/>
+              <dgm:constr type="t" for="ch" forName="wedge1Tx" refType="h" fact="0.165"/>
+              <dgm:constr type="w" for="ch" forName="wedge1Tx" refType="w" fact="0.285"/>
+              <dgm:constr type="h" for="ch" forName="wedge1Tx" refType="h" fact="0.195"/>
+              <dgm:constr type="l" for="ch" forName="wedge2" refType="w" fact="0.08"/>
+              <dgm:constr type="t" for="ch" forName="wedge2" refType="w" fact="0.08"/>
+              <dgm:constr type="w" for="ch" forName="wedge2" refType="w" fact="0.84"/>
+              <dgm:constr type="h" for="ch" forName="wedge2" refType="h" fact="0.84"/>
+              <dgm:constr type="l" for="ch" forName="wedge2Tx" refType="w" fact="0.629"/>
+              <dgm:constr type="t" for="ch" forName="wedge2Tx" refType="h" fact="0.46"/>
+              <dgm:constr type="w" for="ch" forName="wedge2Tx" refType="w" fact="0.25"/>
+              <dgm:constr type="h" for="ch" forName="wedge2Tx" refType="h" fact="0.211"/>
+              <dgm:constr type="l" for="ch" forName="wedge3" refType="w" fact="0.08"/>
+              <dgm:constr type="t" for="ch" forName="wedge3" refType="w" fact="0.08"/>
+              <dgm:constr type="w" for="ch" forName="wedge3" refType="w" fact="0.84"/>
+              <dgm:constr type="h" for="ch" forName="wedge3" refType="h" fact="0.84"/>
+              <dgm:constr type="l" for="ch" forName="wedge3Tx" refType="w" fact="0.35"/>
+              <dgm:constr type="t" for="ch" forName="wedge3Tx" refType="h" fact="0.71"/>
+              <dgm:constr type="w" for="ch" forName="wedge3Tx" refType="w" fact="0.3"/>
+              <dgm:constr type="h" for="ch" forName="wedge3Tx" refType="h" fact="0.18"/>
+              <dgm:constr type="l" for="ch" forName="wedge4" refType="w" fact="0.08"/>
+              <dgm:constr type="t" for="ch" forName="wedge4" refType="h" fact="0.08"/>
+              <dgm:constr type="w" for="ch" forName="wedge4" refType="w" fact="0.84"/>
+              <dgm:constr type="h" for="ch" forName="wedge4" refType="h" fact="0.84"/>
+              <dgm:constr type="l" for="ch" forName="wedge4Tx" refType="w" fact="0.12"/>
+              <dgm:constr type="t" for="ch" forName="wedge4Tx" refType="h" fact="0.46"/>
+              <dgm:constr type="w" for="ch" forName="wedge4Tx" refType="w" fact="0.25"/>
+              <dgm:constr type="h" for="ch" forName="wedge4Tx" refType="h" fact="0.211"/>
+              <dgm:constr type="l" for="ch" forName="wedge5" refType="w" fact="0.08"/>
+              <dgm:constr type="t" for="ch" forName="wedge5" refType="h" fact="0.08"/>
+              <dgm:constr type="w" for="ch" forName="wedge5" refType="w" fact="0.84"/>
+              <dgm:constr type="h" for="ch" forName="wedge5" refType="h" fact="0.84"/>
+              <dgm:constr type="l" for="ch" forName="wedge5Tx" refType="w" fact="0.2025"/>
+              <dgm:constr type="t" for="ch" forName="wedge5Tx" refType="h" fact="0.208"/>
+              <dgm:constr type="w" for="ch" forName="wedge5Tx" refType="w" fact="0.285"/>
+              <dgm:constr type="h" for="ch" forName="wedge5Tx" refType="h" fact="0.195"/>
+              <dgm:constr type="primFontSz" for="ch" ptType="node" op="equ"/>
+            </dgm:constrLst>
+          </dgm:if>
+          <dgm:else name="Name14">
+            <dgm:constrLst>
+              <dgm:constr type="l" for="ch" forName="wedge1" refType="w" fact="0.08"/>
+              <dgm:constr type="t" for="ch" forName="wedge1" refType="w" fact="0.08"/>
+              <dgm:constr type="w" for="ch" forName="wedge1" refType="w" fact="0.84"/>
+              <dgm:constr type="h" for="ch" forName="wedge1" refType="h" fact="0.84"/>
+              <dgm:constr type="l" for="ch" forName="wedge1Tx" refType="w" fact="0.51"/>
+              <dgm:constr type="t" for="ch" forName="wedge1Tx" refType="h" fact="0.208"/>
+              <dgm:constr type="w" for="ch" forName="wedge1Tx" refType="w" fact="0.285"/>
+              <dgm:constr type="h" for="ch" forName="wedge1Tx" refType="h" fact="0.195"/>
+              <dgm:constr type="l" for="ch" forName="wedge2" refType="w" fact="0.08"/>
+              <dgm:constr type="t" for="ch" forName="wedge2" refType="w" fact="0.08"/>
+              <dgm:constr type="w" for="ch" forName="wedge2" refType="w" fact="0.84"/>
+              <dgm:constr type="h" for="ch" forName="wedge2" refType="h" fact="0.84"/>
+              <dgm:constr type="l" for="ch" forName="wedge2Tx" refType="w" fact="0.629"/>
+              <dgm:constr type="t" for="ch" forName="wedge2Tx" refType="h" fact="0.46"/>
+              <dgm:constr type="w" for="ch" forName="wedge2Tx" refType="w" fact="0.25"/>
+              <dgm:constr type="h" for="ch" forName="wedge2Tx" refType="h" fact="0.211"/>
+              <dgm:constr type="l" for="ch" forName="wedge3" refType="w" fact="0.08"/>
+              <dgm:constr type="t" for="ch" forName="wedge3" refType="w" fact="0.08"/>
+              <dgm:constr type="w" for="ch" forName="wedge3" refType="w" fact="0.84"/>
+              <dgm:constr type="h" for="ch" forName="wedge3" refType="h" fact="0.84"/>
+              <dgm:constr type="l" for="ch" forName="wedge3Tx" refType="w" fact="0.35"/>
+              <dgm:constr type="t" for="ch" forName="wedge3Tx" refType="h" fact="0.71"/>
+              <dgm:constr type="w" for="ch" forName="wedge3Tx" refType="w" fact="0.3"/>
+              <dgm:constr type="h" for="ch" forName="wedge3Tx" refType="h" fact="0.18"/>
+              <dgm:constr type="l" for="ch" forName="wedge4" refType="w" fact="0.08"/>
+              <dgm:constr type="t" for="ch" forName="wedge4" refType="h" fact="0.08"/>
+              <dgm:constr type="w" for="ch" forName="wedge4" refType="w" fact="0.84"/>
+              <dgm:constr type="h" for="ch" forName="wedge4" refType="h" fact="0.84"/>
+              <dgm:constr type="l" for="ch" forName="wedge4Tx" refType="w" fact="0.12"/>
+              <dgm:constr type="t" for="ch" forName="wedge4Tx" refType="h" fact="0.46"/>
+              <dgm:constr type="w" for="ch" forName="wedge4Tx" refType="w" fact="0.25"/>
+              <dgm:constr type="h" for="ch" forName="wedge4Tx" refType="h" fact="0.211"/>
+              <dgm:constr type="l" for="ch" forName="wedge5" refType="w" fact="0.0506"/>
+              <dgm:constr type="t" for="ch" forName="wedge5" refType="h" fact="0.0395"/>
+              <dgm:constr type="w" for="ch" forName="wedge5" refType="w" fact="0.84"/>
+              <dgm:constr type="h" for="ch" forName="wedge5" refType="h" fact="0.84"/>
+              <dgm:constr type="l" for="ch" forName="wedge5Tx" refType="w" fact="0.18"/>
+              <dgm:constr type="t" for="ch" forName="wedge5Tx" refType="h" fact="0.165"/>
+              <dgm:constr type="w" for="ch" forName="wedge5Tx" refType="w" fact="0.285"/>
+              <dgm:constr type="h" for="ch" forName="wedge5Tx" refType="h" fact="0.195"/>
+              <dgm:constr type="primFontSz" for="ch" ptType="node" op="equ"/>
+            </dgm:constrLst>
+          </dgm:else>
+        </dgm:choose>
+      </dgm:if>
+      <dgm:if name="Name15" axis="ch" ptType="node" func="cnt" op="equ" val="6">
+        <dgm:choose name="Name16">
+          <dgm:if name="Name17" func="var" arg="dir" op="equ" val="norm">
+            <dgm:constrLst>
+              <dgm:constr type="l" for="ch" forName="wedge1" refType="w" fact="0.105"/>
+              <dgm:constr type="t" for="ch" forName="wedge1" refType="w" fact="0.0367"/>
+              <dgm:constr type="w" for="ch" forName="wedge1" refType="w" fact="0.84"/>
+              <dgm:constr type="h" for="ch" forName="wedge1" refType="h" fact="0.84"/>
+              <dgm:constr type="l" for="ch" forName="wedge1Tx" refType="w" fact="0.534"/>
+              <dgm:constr type="t" for="ch" forName="wedge1Tx" refType="h" fact="0.1267"/>
+              <dgm:constr type="w" for="ch" forName="wedge1Tx" refType="w" fact="0.245"/>
+              <dgm:constr type="h" for="ch" forName="wedge1Tx" refType="h" fact="0.18"/>
+              <dgm:constr type="l" for="ch" forName="wedge2" refType="w" fact="0.08"/>
+              <dgm:constr type="t" for="ch" forName="wedge2" refType="w" fact="0.08"/>
+              <dgm:constr type="w" for="ch" forName="wedge2" refType="w" fact="0.84"/>
+              <dgm:constr type="h" for="ch" forName="wedge2" refType="h" fact="0.84"/>
+              <dgm:constr type="l" for="ch" forName="wedge2Tx" refType="w" fact="0.655"/>
+              <dgm:constr type="t" for="ch" forName="wedge2Tx" refType="h" fact="0.415"/>
+              <dgm:constr type="w" for="ch" forName="wedge2Tx" refType="w" fact="0.254"/>
+              <dgm:constr type="h" for="ch" forName="wedge2Tx" refType="h" fact="0.17"/>
+              <dgm:constr type="l" for="ch" forName="wedge3" refType="w" fact="0.08"/>
+              <dgm:constr type="t" for="ch" forName="wedge3" refType="w" fact="0.08"/>
+              <dgm:constr type="w" for="ch" forName="wedge3" refType="w" fact="0.84"/>
+              <dgm:constr type="h" for="ch" forName="wedge3" refType="h" fact="0.84"/>
+              <dgm:constr type="l" for="ch" forName="wedge3Tx" refType="w" fact="0.509"/>
+              <dgm:constr type="t" for="ch" forName="wedge3Tx" refType="h" fact="0.65"/>
+              <dgm:constr type="w" for="ch" forName="wedge3Tx" refType="w" fact="0.245"/>
+              <dgm:constr type="h" for="ch" forName="wedge3Tx" refType="h" fact="0.18"/>
+              <dgm:constr type="l" for="ch" forName="wedge4" refType="w" fact="0.08"/>
+              <dgm:constr type="t" for="ch" forName="wedge4" refType="h" fact="0.08"/>
+              <dgm:constr type="w" for="ch" forName="wedge4" refType="w" fact="0.84"/>
+              <dgm:constr type="h" for="ch" forName="wedge4" refType="h" fact="0.84"/>
+              <dgm:constr type="l" for="ch" forName="wedge4Tx" refType="w" fact="0.246"/>
+              <dgm:constr type="t" for="ch" forName="wedge4Tx" refType="h" fact="0.65"/>
+              <dgm:constr type="w" for="ch" forName="wedge4Tx" refType="w" fact="0.245"/>
+              <dgm:constr type="h" for="ch" forName="wedge4Tx" refType="h" fact="0.18"/>
+              <dgm:constr type="l" for="ch" forName="wedge5" refType="w" fact="0.08"/>
+              <dgm:constr type="t" for="ch" forName="wedge5" refType="h" fact="0.08"/>
+              <dgm:constr type="w" for="ch" forName="wedge5" refType="w" fact="0.84"/>
+              <dgm:constr type="h" for="ch" forName="wedge5" refType="h" fact="0.84"/>
+              <dgm:constr type="l" for="ch" forName="wedge5Tx" refType="w" fact="0.093"/>
+              <dgm:constr type="t" for="ch" forName="wedge5Tx" refType="h" fact="0.415"/>
+              <dgm:constr type="w" for="ch" forName="wedge5Tx" refType="w" fact="0.254"/>
+              <dgm:constr type="h" for="ch" forName="wedge5Tx" refType="h" fact="0.17"/>
+              <dgm:constr type="l" for="ch" forName="wedge6" refType="w" fact="0.08"/>
+              <dgm:constr type="t" for="ch" forName="wedge6" refType="h" fact="0.08"/>
+              <dgm:constr type="w" for="ch" forName="wedge6" refType="w" fact="0.84"/>
+              <dgm:constr type="h" for="ch" forName="wedge6" refType="h" fact="0.84"/>
+              <dgm:constr type="l" for="ch" forName="wedge6Tx" refType="w" fact="0.246"/>
+              <dgm:constr type="t" for="ch" forName="wedge6Tx" refType="h" fact="0.17"/>
+              <dgm:constr type="w" for="ch" forName="wedge6Tx" refType="w" fact="0.245"/>
+              <dgm:constr type="h" for="ch" forName="wedge6Tx" refType="h" fact="0.18"/>
+              <dgm:constr type="primFontSz" for="ch" ptType="node" op="equ"/>
+            </dgm:constrLst>
+          </dgm:if>
+          <dgm:else name="Name18">
+            <dgm:constrLst>
+              <dgm:constr type="l" for="ch" forName="wedge1" refType="w" fact="0.08"/>
+              <dgm:constr type="t" for="ch" forName="wedge1" refType="w" fact="0.08"/>
+              <dgm:constr type="w" for="ch" forName="wedge1" refType="w" fact="0.84"/>
+              <dgm:constr type="h" for="ch" forName="wedge1" refType="h" fact="0.84"/>
+              <dgm:constr type="l" for="ch" forName="wedge1Tx" refType="w" fact="0.509"/>
+              <dgm:constr type="t" for="ch" forName="wedge1Tx" refType="h" fact="0.17"/>
+              <dgm:constr type="w" for="ch" forName="wedge1Tx" refType="w" fact="0.245"/>
+              <dgm:constr type="h" for="ch" forName="wedge1Tx" refType="h" fact="0.18"/>
+              <dgm:constr type="l" for="ch" forName="wedge2" refType="w" fact="0.08"/>
+              <dgm:constr type="t" for="ch" forName="wedge2" refType="w" fact="0.08"/>
+              <dgm:constr type="w" for="ch" forName="wedge2" refType="w" fact="0.84"/>
+              <dgm:constr type="h" for="ch" forName="wedge2" refType="h" fact="0.84"/>
+              <dgm:constr type="l" for="ch" forName="wedge2Tx" refType="w" fact="0.655"/>
+              <dgm:constr type="t" for="ch" forName="wedge2Tx" refType="h" fact="0.415"/>
+              <dgm:constr type="w" for="ch" forName="wedge2Tx" refType="w" fact="0.254"/>
+              <dgm:constr type="h" for="ch" forName="wedge2Tx" refType="h" fact="0.17"/>
+              <dgm:constr type="l" for="ch" forName="wedge3" refType="w" fact="0.08"/>
+              <dgm:constr type="t" for="ch" forName="wedge3" refType="w" fact="0.08"/>
+              <dgm:constr type="w" for="ch" forName="wedge3" refType="w" fact="0.84"/>
+              <dgm:constr type="h" for="ch" forName="wedge3" refType="h" fact="0.84"/>
+              <dgm:constr type="l" for="ch" forName="wedge3Tx" refType="w" fact="0.509"/>
+              <dgm:constr type="t" for="ch" forName="wedge3Tx" refType="h" fact="0.65"/>
+              <dgm:constr type="w" for="ch" forName="wedge3Tx" refType="w" fact="0.245"/>
+              <dgm:constr type="h" for="ch" forName="wedge3Tx" refType="h" fact="0.18"/>
+              <dgm:constr type="l" for="ch" forName="wedge4" refType="w" fact="0.08"/>
+              <dgm:constr type="t" for="ch" forName="wedge4" refType="h" fact="0.08"/>
+              <dgm:constr type="w" for="ch" forName="wedge4" refType="w" fact="0.84"/>
+              <dgm:constr type="h" for="ch" forName="wedge4" refType="h" fact="0.84"/>
+              <dgm:constr type="l" for="ch" forName="wedge4Tx" refType="w" fact="0.246"/>
+              <dgm:constr type="t" for="ch" forName="wedge4Tx" refType="h" fact="0.65"/>
+              <dgm:constr type="w" for="ch" forName="wedge4Tx" refType="w" fact="0.245"/>
+              <dgm:constr type="h" for="ch" forName="wedge4Tx" refType="h" fact="0.18"/>
+              <dgm:constr type="l" for="ch" forName="wedge5" refType="w" fact="0.08"/>
+              <dgm:constr type="t" for="ch" forName="wedge5" refType="h" fact="0.08"/>
+              <dgm:constr type="w" for="ch" forName="wedge5" refType="w" fact="0.84"/>
+              <dgm:constr type="h" for="ch" forName="wedge5" refType="h" fact="0.84"/>
+              <dgm:constr type="l" for="ch" forName="wedge5Tx" refType="w" fact="0.093"/>
+              <dgm:constr type="t" for="ch" forName="wedge5Tx" refType="h" fact="0.415"/>
+              <dgm:constr type="w" for="ch" forName="wedge5Tx" refType="w" fact="0.254"/>
+              <dgm:constr type="h" for="ch" forName="wedge5Tx" refType="h" fact="0.17"/>
+              <dgm:constr type="l" for="ch" forName="wedge6" refType="w" fact="0.055"/>
+              <dgm:constr type="t" for="ch" forName="wedge6" refType="h" fact="0.0367"/>
+              <dgm:constr type="w" for="ch" forName="wedge6" refType="w" fact="0.84"/>
+              <dgm:constr type="h" for="ch" forName="wedge6" refType="h" fact="0.84"/>
+              <dgm:constr type="l" for="ch" forName="wedge6Tx" refType="w" fact="0.221"/>
+              <dgm:constr type="t" for="ch" forName="wedge6Tx" refType="h" fact="0.1267"/>
+              <dgm:constr type="w" for="ch" forName="wedge6Tx" refType="w" fact="0.245"/>
+              <dgm:constr type="h" for="ch" forName="wedge6Tx" refType="h" fact="0.18"/>
+              <dgm:constr type="primFontSz" for="ch" ptType="node" op="equ"/>
+            </dgm:constrLst>
+          </dgm:else>
+        </dgm:choose>
+      </dgm:if>
+      <dgm:else name="Name19">
+        <dgm:choose name="Name20">
+          <dgm:if name="Name21" func="var" arg="dir" op="equ" val="norm">
+            <dgm:constrLst>
+              <dgm:constr type="l" for="ch" forName="wedge1" refType="w" fact="0.1017"/>
+              <dgm:constr type="t" for="ch" forName="wedge1" refType="w" fact="0.035"/>
+              <dgm:constr type="w" for="ch" forName="wedge1" refType="w" fact="0.84"/>
+              <dgm:constr type="h" for="ch" forName="wedge1" refType="h" fact="0.84"/>
+              <dgm:constr type="l" for="ch" forName="wedge1Tx" refType="w" fact="0.53"/>
+              <dgm:constr type="t" for="ch" forName="wedge1Tx" refType="h" fact="0.115"/>
+              <dgm:constr type="w" for="ch" forName="wedge1Tx" refType="w" fact="0.23"/>
+              <dgm:constr type="h" for="ch" forName="wedge1Tx" refType="h" fact="0.145"/>
+              <dgm:constr type="l" for="ch" forName="wedge2" refType="w" fact="0.08"/>
+              <dgm:constr type="t" for="ch" forName="wedge2" refType="w" fact="0.08"/>
+              <dgm:constr type="w" for="ch" forName="wedge2" refType="w" fact="0.84"/>
+              <dgm:constr type="h" for="ch" forName="wedge2" refType="h" fact="0.84"/>
+              <dgm:constr type="l" for="ch" forName="wedge2Tx" refType="w" fact="0.655"/>
+              <dgm:constr type="t" for="ch" forName="wedge2Tx" refType="h" fact="0.38"/>
+              <dgm:constr type="w" for="ch" forName="wedge2Tx" refType="w" fact="0.244"/>
+              <dgm:constr type="h" for="ch" forName="wedge2Tx" refType="h" fact="0.155"/>
+              <dgm:constr type="l" for="ch" forName="wedge3" refType="w" fact="0.08"/>
+              <dgm:constr type="t" for="ch" forName="wedge3" refType="w" fact="0.08"/>
+              <dgm:constr type="w" for="ch" forName="wedge3" refType="w" fact="0.84"/>
+              <dgm:constr type="h" for="ch" forName="wedge3" refType="h" fact="0.84"/>
+              <dgm:constr type="l" for="ch" forName="wedge3Tx" refType="w" fact="0.62"/>
+              <dgm:constr type="t" for="ch" forName="wedge3Tx" refType="h" fact="0.58"/>
+              <dgm:constr type="w" for="ch" forName="wedge3Tx" refType="w" fact="0.22"/>
+              <dgm:constr type="h" for="ch" forName="wedge3Tx" refType="h" fact="0.16"/>
+              <dgm:constr type="l" for="ch" forName="wedge4" refType="w" fact="0.08"/>
+              <dgm:constr type="t" for="ch" forName="wedge4" refType="h" fact="0.08"/>
+              <dgm:constr type="w" for="ch" forName="wedge4" refType="w" fact="0.84"/>
+              <dgm:constr type="h" for="ch" forName="wedge4" refType="h" fact="0.84"/>
+              <dgm:constr type="l" for="ch" forName="wedge4Tx" refType="w" fact="0.3875"/>
+              <dgm:constr type="t" for="ch" forName="wedge4Tx" refType="h" fact="0.74"/>
+              <dgm:constr type="w" for="ch" forName="wedge4Tx" refType="w" fact="0.225"/>
+              <dgm:constr type="h" for="ch" forName="wedge4Tx" refType="h" fact="0.16"/>
+              <dgm:constr type="l" for="ch" forName="wedge5" refType="w" fact="0.08"/>
+              <dgm:constr type="t" for="ch" forName="wedge5" refType="h" fact="0.08"/>
+              <dgm:constr type="w" for="ch" forName="wedge5" refType="w" fact="0.84"/>
+              <dgm:constr type="h" for="ch" forName="wedge5" refType="h" fact="0.84"/>
+              <dgm:constr type="l" for="ch" forName="wedge5Tx" refType="w" fact="0.16"/>
+              <dgm:constr type="t" for="ch" forName="wedge5Tx" refType="h" fact="0.58"/>
+              <dgm:constr type="w" for="ch" forName="wedge5Tx" refType="w" fact="0.22"/>
+              <dgm:constr type="h" for="ch" forName="wedge5Tx" refType="h" fact="0.16"/>
+              <dgm:constr type="l" for="ch" forName="wedge6" refType="w" fact="0.08"/>
+              <dgm:constr type="t" for="ch" forName="wedge6" refType="h" fact="0.08"/>
+              <dgm:constr type="w" for="ch" forName="wedge6" refType="w" fact="0.84"/>
+              <dgm:constr type="h" for="ch" forName="wedge6" refType="h" fact="0.84"/>
+              <dgm:constr type="l" for="ch" forName="wedge6Tx" refType="w" fact="0.101"/>
+              <dgm:constr type="t" for="ch" forName="wedge6Tx" refType="h" fact="0.38"/>
+              <dgm:constr type="w" for="ch" forName="wedge6Tx" refType="w" fact="0.244"/>
+              <dgm:constr type="h" for="ch" forName="wedge6Tx" refType="h" fact="0.155"/>
+              <dgm:constr type="l" for="ch" forName="wedge7" refType="w" fact="0.08"/>
+              <dgm:constr type="t" for="ch" forName="wedge7" refType="h" fact="0.08"/>
+              <dgm:constr type="w" for="ch" forName="wedge7" refType="w" fact="0.84"/>
+              <dgm:constr type="h" for="ch" forName="wedge7" refType="h" fact="0.84"/>
+              <dgm:constr type="l" for="ch" forName="wedge7Tx" refType="w" fact="0.262"/>
+              <dgm:constr type="t" for="ch" forName="wedge7Tx" refType="h" fact="0.16"/>
+              <dgm:constr type="w" for="ch" forName="wedge7Tx" refType="w" fact="0.23"/>
+              <dgm:constr type="h" for="ch" forName="wedge7Tx" refType="h" fact="0.145"/>
+              <dgm:constr type="primFontSz" for="ch" ptType="node" op="equ"/>
+            </dgm:constrLst>
+          </dgm:if>
+          <dgm:else name="Name22">
+            <dgm:constrLst>
+              <dgm:constr type="l" for="ch" forName="wedge1" refType="w" fact="0.08"/>
+              <dgm:constr type="t" for="ch" forName="wedge1" refType="w" fact="0.08"/>
+              <dgm:constr type="w" for="ch" forName="wedge1" refType="w" fact="0.84"/>
+              <dgm:constr type="h" for="ch" forName="wedge1" refType="h" fact="0.84"/>
+              <dgm:constr type="l" for="ch" forName="wedge1Tx" refType="w" fact="0.508"/>
+              <dgm:constr type="t" for="ch" forName="wedge1Tx" refType="h" fact="0.16"/>
+              <dgm:constr type="w" for="ch" forName="wedge1Tx" refType="w" fact="0.23"/>
+              <dgm:constr type="h" for="ch" forName="wedge1Tx" refType="h" fact="0.145"/>
+              <dgm:constr type="l" for="ch" forName="wedge2" refType="w" fact="0.08"/>
+              <dgm:constr type="t" for="ch" forName="wedge2" refType="w" fact="0.08"/>
+              <dgm:constr type="w" for="ch" forName="wedge2" refType="w" fact="0.84"/>
+              <dgm:constr type="h" for="ch" forName="wedge2" refType="h" fact="0.84"/>
+              <dgm:constr type="l" for="ch" forName="wedge2Tx" refType="w" fact="0.655"/>
+              <dgm:constr type="t" for="ch" forName="wedge2Tx" refType="h" fact="0.38"/>
+              <dgm:constr type="w" for="ch" forName="wedge2Tx" refType="w" fact="0.244"/>
+              <dgm:constr type="h" for="ch" forName="wedge2Tx" refType="h" fact="0.155"/>
+              <dgm:constr type="l" for="ch" forName="wedge3" refType="w" fact="0.08"/>
+              <dgm:constr type="t" for="ch" forName="wedge3" refType="w" fact="0.08"/>
+              <dgm:constr type="w" for="ch" forName="wedge3" refType="w" fact="0.84"/>
+              <dgm:constr type="h" for="ch" forName="wedge3" refType="h" fact="0.84"/>
+              <dgm:constr type="l" for="ch" forName="wedge3Tx" refType="w" fact="0.62"/>
+              <dgm:constr type="t" for="ch" forName="wedge3Tx" refType="h" fact="0.58"/>
+              <dgm:constr type="w" for="ch" forName="wedge3Tx" refType="w" fact="0.22"/>
+              <dgm:constr type="h" for="ch" forName="wedge3Tx" refType="h" fact="0.16"/>
+              <dgm:constr type="l" for="ch" forName="wedge4" refType="w" fact="0.08"/>
+              <dgm:constr type="t" for="ch" forName="wedge4" refType="h" fact="0.08"/>
+              <dgm:constr type="w" for="ch" forName="wedge4" refType="w" fact="0.84"/>
+              <dgm:constr type="h" for="ch" forName="wedge4" refType="h" fact="0.84"/>
+              <dgm:constr type="l" for="ch" forName="wedge4Tx" refType="w" fact="0.3875"/>
+              <dgm:constr type="t" for="ch" forName="wedge4Tx" refType="h" fact="0.74"/>
+              <dgm:constr type="w" for="ch" forName="wedge4Tx" refType="w" fact="0.225"/>
+              <dgm:constr type="h" for="ch" forName="wedge4Tx" refType="h" fact="0.16"/>
+              <dgm:constr type="l" for="ch" forName="wedge5" refType="w" fact="0.08"/>
+              <dgm:constr type="t" for="ch" forName="wedge5" refType="h" fact="0.08"/>
+              <dgm:constr type="w" for="ch" forName="wedge5" refType="w" fact="0.84"/>
+              <dgm:constr type="h" for="ch" forName="wedge5" refType="h" fact="0.84"/>
+              <dgm:constr type="l" for="ch" forName="wedge5Tx" refType="w" fact="0.16"/>
+              <dgm:constr type="t" for="ch" forName="wedge5Tx" refType="h" fact="0.58"/>
+              <dgm:constr type="w" for="ch" forName="wedge5Tx" refType="w" fact="0.22"/>
+              <dgm:constr type="h" for="ch" forName="wedge5Tx" refType="h" fact="0.16"/>
+              <dgm:constr type="l" for="ch" forName="wedge6" refType="w" fact="0.08"/>
+              <dgm:constr type="t" for="ch" forName="wedge6" refType="h" fact="0.08"/>
+              <dgm:constr type="w" for="ch" forName="wedge6" refType="w" fact="0.84"/>
+              <dgm:constr type="h" for="ch" forName="wedge6" refType="h" fact="0.84"/>
+              <dgm:constr type="l" for="ch" forName="wedge6Tx" refType="w" fact="0.101"/>
+              <dgm:constr type="t" for="ch" forName="wedge6Tx" refType="h" fact="0.38"/>
+              <dgm:constr type="w" for="ch" forName="wedge6Tx" refType="w" fact="0.244"/>
+              <dgm:constr type="h" for="ch" forName="wedge6Tx" refType="h" fact="0.155"/>
+              <dgm:constr type="l" for="ch" forName="wedge7" refType="w" fact="0.0583"/>
+              <dgm:constr type="t" for="ch" forName="wedge7" refType="h" fact="0.035"/>
+              <dgm:constr type="w" for="ch" forName="wedge7" refType="w" fact="0.84"/>
+              <dgm:constr type="h" for="ch" forName="wedge7" refType="h" fact="0.84"/>
+              <dgm:constr type="l" for="ch" forName="wedge7Tx" refType="w" fact="0.2403"/>
+              <dgm:constr type="t" for="ch" forName="wedge7Tx" refType="h" fact="0.115"/>
+              <dgm:constr type="w" for="ch" forName="wedge7Tx" refType="w" fact="0.23"/>
+              <dgm:constr type="h" for="ch" forName="wedge7Tx" refType="h" fact="0.145"/>
+              <dgm:constr type="primFontSz" for="ch" ptType="node" op="equ"/>
+            </dgm:constrLst>
+          </dgm:else>
+        </dgm:choose>
+      </dgm:else>
+    </dgm:choose>
+    <dgm:ruleLst/>
+    <dgm:choose name="Name23">
+      <dgm:if name="Name24" axis="ch" ptType="node" func="cnt" op="gte" val="1">
+        <dgm:layoutNode name="wedge1">
+          <dgm:alg type="sp"/>
+          <dgm:choose name="Name25">
+            <dgm:if name="Name26" axis="ch" ptType="node" func="cnt" op="equ" val="1">
+              <dgm:shape xmlns:r="http://schemas.openxmlformats.org/officeDocument/2006/relationships" type="ellipse" r:blip="">
+                <dgm:adjLst/>
+              </dgm:shape>
+            </dgm:if>
+            <dgm:if name="Name27" axis="ch" ptType="node" func="cnt" op="equ" val="2">
+              <dgm:shape xmlns:r="http://schemas.openxmlformats.org/officeDocument/2006/relationships" type="pie" r:blip="">
+                <dgm:adjLst>
+                  <dgm:adj idx="1" val="270"/>
+                  <dgm:adj idx="2" val="90"/>
+                </dgm:adjLst>
+              </dgm:shape>
+            </dgm:if>
+            <dgm:if name="Name28" axis="ch" ptType="node" func="cnt" op="equ" val="3">
+              <dgm:shape xmlns:r="http://schemas.openxmlformats.org/officeDocument/2006/relationships" type="pie" r:blip="">
+                <dgm:adjLst>
+                  <dgm:adj idx="1" val="270"/>
+                  <dgm:adj idx="2" val="30"/>
+                </dgm:adjLst>
+              </dgm:shape>
+            </dgm:if>
+            <dgm:if name="Name29" axis="ch" ptType="node" func="cnt" op="equ" val="4">
+              <dgm:shape xmlns:r="http://schemas.openxmlformats.org/officeDocument/2006/relationships" type="pie" r:blip="">
+                <dgm:adjLst>
+                  <dgm:adj idx="1" val="270"/>
+                  <dgm:adj idx="2" val="0"/>
+                </dgm:adjLst>
+              </dgm:shape>
+            </dgm:if>
+            <dgm:if name="Name30" axis="ch" ptType="node" func="cnt" op="equ" val="5">
+              <dgm:shape xmlns:r="http://schemas.openxmlformats.org/officeDocument/2006/relationships" type="pie" r:blip="">
+                <dgm:adjLst>
+                  <dgm:adj idx="1" val="270"/>
+                  <dgm:adj idx="2" val="342"/>
+                </dgm:adjLst>
+              </dgm:shape>
+            </dgm:if>
+            <dgm:if name="Name31" axis="ch" ptType="node" func="cnt" op="equ" val="6">
+              <dgm:shape xmlns:r="http://schemas.openxmlformats.org/officeDocument/2006/relationships" type="pie" r:blip="">
+                <dgm:adjLst>
+                  <dgm:adj idx="1" val="270"/>
+                  <dgm:adj idx="2" val="330"/>
+                </dgm:adjLst>
+              </dgm:shape>
+            </dgm:if>
+            <dgm:else name="Name32">
+              <dgm:shape xmlns:r="http://schemas.openxmlformats.org/officeDocument/2006/relationships" type="pie" r:blip="">
+                <dgm:adjLst>
+                  <dgm:adj idx="1" val="270"/>
+                  <dgm:adj idx="2" val="321.4286"/>
+                </dgm:adjLst>
+              </dgm:shape>
+            </dgm:else>
+          </dgm:choose>
+          <dgm:choose name="Name33">
+            <dgm:if name="Name34" func="var" arg="dir" op="equ" val="norm">
+              <dgm:presOf axis="ch desOrSelf" ptType="node node" st="1 1" cnt="1 0"/>
+            </dgm:if>
+            <dgm:else name="Name35">
+              <dgm:choose name="Name36">
+                <dgm:if name="Name37" axis="ch" ptType="node" func="cnt" op="equ" val="1">
+                  <dgm:presOf axis="ch desOrSelf" ptType="node node" st="1 1" cnt="1 0"/>
+                </dgm:if>
+                <dgm:if name="Name38" axis="ch" ptType="node" func="cnt" op="equ" val="2">
+                  <dgm:presOf axis="ch desOrSelf" ptType="node node" st="2 1" cnt="1 0"/>
+                </dgm:if>
+                <dgm:if name="Name39" axis="ch" ptType="node" func="cnt" op="equ" val="3">
+                  <dgm:presOf axis="ch desOrSelf" ptType="node node" st="3 1" cnt="1 0"/>
+                </dgm:if>
+                <dgm:if name="Name40" axis="ch" ptType="node" func="cnt" op="equ" val="4">
+                  <dgm:presOf axis="ch desOrSelf" ptType="node node" st="4 1" cnt="1 0"/>
+                </dgm:if>
+                <dgm:if name="Name41" axis="ch" ptType="node" func="cnt" op="equ" val="5">
+                  <dgm:presOf axis="ch desOrSelf" ptType="node node" st="5 1" cnt="1 0"/>
+                </dgm:if>
+                <dgm:if name="Name42" axis="ch" ptType="node" func="cnt" op="equ" val="6">
+                  <dgm:presOf axis="ch desOrSelf" ptType="node node" st="6 1" cnt="1 0"/>
+                </dgm:if>
+                <dgm:else name="Name43">
+                  <dgm:presOf axis="ch desOrSelf" ptType="node node" st="7 1" cnt="1 0"/>
+                </dgm:else>
+              </dgm:choose>
+            </dgm:else>
+          </dgm:choose>
+          <dgm:constrLst/>
+          <dgm:ruleLst/>
+        </dgm:layoutNode>
+        <dgm:layoutNode name="wedge1Tx" moveWith="wedge1">
+          <dgm:varLst>
+            <dgm:chMax val="0"/>
+            <dgm:chPref val="0"/>
+            <dgm:bulletEnabled val="1"/>
+          </dgm:varLst>
+          <dgm:alg type="tx"/>
+          <dgm:shape xmlns:r="http://schemas.openxmlformats.org/officeDocument/2006/relationships" type="rect" r:blip="" hideGeom="1">
+            <dgm:adjLst/>
+          </dgm:shape>
+          <dgm:choose name="Name44">
+            <dgm:if name="Name45" func="var" arg="dir" op="equ" val="norm">
+              <dgm:presOf axis="ch desOrSelf" ptType="node node" st="1 1" cnt="1 0"/>
+            </dgm:if>
+            <dgm:else name="Name46">
+              <dgm:choose name="Name47">
+                <dgm:if name="Name48" axis="ch" ptType="node" func="cnt" op="equ" val="1">
+                  <dgm:presOf axis="ch desOrSelf" ptType="node node" st="1 1" cnt="1 0"/>
+                </dgm:if>
+                <dgm:if name="Name49" axis="ch" ptType="node" func="cnt" op="equ" val="2">
+                  <dgm:presOf axis="ch desOrSelf" ptType="node node" st="2 1" cnt="1 0"/>
+                </dgm:if>
+                <dgm:if name="Name50" axis="ch" ptType="node" func="cnt" op="equ" val="3">
+                  <dgm:presOf axis="ch desOrSelf" ptType="node node" st="3 1" cnt="1 0"/>
+                </dgm:if>
+                <dgm:if name="Name51" axis="ch" ptType="node" func="cnt" op="equ" val="4">
+                  <dgm:presOf axis="ch desOrSelf" ptType="node node" st="4 1" cnt="1 0"/>
+                </dgm:if>
+                <dgm:if name="Name52" axis="ch" ptType="node" func="cnt" op="equ" val="5">
+                  <dgm:presOf axis="ch desOrSelf" ptType="node node" st="5 1" cnt="1 0"/>
+                </dgm:if>
+                <dgm:if name="Name53" axis="ch" ptType="node" func="cnt" op="equ" val="6">
+                  <dgm:presOf axis="ch desOrSelf" ptType="node node" st="6 1" cnt="1 0"/>
+                </dgm:if>
+                <dgm:else name="Name54">
+                  <dgm:presOf axis="ch desOrSelf" ptType="node node" st="7 1" cnt="1 0"/>
+                </dgm:else>
+              </dgm:choose>
+            </dgm:else>
+          </dgm:choose>
+          <dgm:constrLst>
+            <dgm:constr type="tMarg" refType="primFontSz" fact="0.1"/>
+            <dgm:constr type="bMarg" refType="primFontSz" fact="0.1"/>
+            <dgm:constr type="lMarg" refType="primFontSz" fact="0.1"/>
+            <dgm:constr type="rMarg" refType="primFontSz" fact="0.1"/>
+            <dgm:constr type="primFontSz" val="65"/>
+          </dgm:constrLst>
+          <dgm:ruleLst>
+            <dgm:rule type="primFontSz" val="5" fact="NaN" max="NaN"/>
+          </dgm:ruleLst>
+        </dgm:layoutNode>
+      </dgm:if>
+      <dgm:else name="Name55"/>
+    </dgm:choose>
+    <dgm:choose name="Name56">
+      <dgm:if name="Name57" axis="ch" ptType="node" func="cnt" op="gte" val="2">
+        <dgm:layoutNode name="wedge2">
+          <dgm:alg type="sp"/>
+          <dgm:choose name="Name58">
+            <dgm:if name="Name59" axis="ch" ptType="node" func="cnt" op="equ" val="2">
+              <dgm:shape xmlns:r="http://schemas.openxmlformats.org/officeDocument/2006/relationships" type="pie" r:blip="">
+                <dgm:adjLst>
+                  <dgm:adj idx="1" val="90"/>
+                  <dgm:adj idx="2" val="270"/>
+                </dgm:adjLst>
+              </dgm:shape>
+            </dgm:if>
+            <dgm:if name="Name60" axis="ch" ptType="node" func="cnt" op="equ" val="3">
+              <dgm:shape xmlns:r="http://schemas.openxmlformats.org/officeDocument/2006/relationships" type="pie" r:blip="">
+                <dgm:adjLst>
+                  <dgm:adj idx="1" val="30"/>
+                  <dgm:adj idx="2" val="150"/>
+                </dgm:adjLst>
+              </dgm:shape>
+            </dgm:if>
+            <dgm:if name="Name61" axis="ch" ptType="node" func="cnt" op="equ" val="4">
+              <dgm:shape xmlns:r="http://schemas.openxmlformats.org/officeDocument/2006/relationships" type="pie" r:blip="">
+                <dgm:adjLst>
+                  <dgm:adj idx="1" val="0"/>
+                  <dgm:adj idx="2" val="90"/>
+                </dgm:adjLst>
+              </dgm:shape>
+            </dgm:if>
+            <dgm:if name="Name62" axis="ch" ptType="node" func="cnt" op="equ" val="5">
+              <dgm:shape xmlns:r="http://schemas.openxmlformats.org/officeDocument/2006/relationships" type="pie" r:blip="">
+                <dgm:adjLst>
+                  <dgm:adj idx="1" val="342"/>
+                  <dgm:adj idx="2" val="54"/>
+                </dgm:adjLst>
+              </dgm:shape>
+            </dgm:if>
+            <dgm:if name="Name63" axis="ch" ptType="node" func="cnt" op="equ" val="6">
+              <dgm:shape xmlns:r="http://schemas.openxmlformats.org/officeDocument/2006/relationships" type="pie" r:blip="">
+                <dgm:adjLst>
+                  <dgm:adj idx="1" val="330"/>
+                  <dgm:adj idx="2" val="30"/>
+                </dgm:adjLst>
+              </dgm:shape>
+            </dgm:if>
+            <dgm:else name="Name64">
+              <dgm:shape xmlns:r="http://schemas.openxmlformats.org/officeDocument/2006/relationships" type="pie" r:blip="">
+                <dgm:adjLst>
+                  <dgm:adj idx="1" val="321.4286"/>
+                  <dgm:adj idx="2" val="12.85714"/>
+                </dgm:adjLst>
+              </dgm:shape>
+            </dgm:else>
+          </dgm:choose>
+          <dgm:choose name="Name65">
+            <dgm:if name="Name66" func="var" arg="dir" op="equ" val="norm">
+              <dgm:presOf axis="ch desOrSelf" ptType="node node" st="2 1" cnt="1 0"/>
+            </dgm:if>
+            <dgm:else name="Name67">
+              <dgm:choose name="Name68">
+                <dgm:if name="Name69" axis="ch" ptType="node" func="cnt" op="equ" val="2">
+                  <dgm:presOf axis="ch desOrSelf" ptType="node node" st="1 1" cnt="1 0"/>
+                </dgm:if>
+                <dgm:if name="Name70" axis="ch" ptType="node" func="cnt" op="equ" val="3">
+                  <dgm:presOf axis="ch desOrSelf" ptType="node node" st="2 1" cnt="1 0"/>
+                </dgm:if>
+                <dgm:if name="Name71" axis="ch" ptType="node" func="cnt" op="equ" val="4">
+                  <dgm:presOf axis="ch desOrSelf" ptType="node node" st="3 1" cnt="1 0"/>
+                </dgm:if>
+                <dgm:if name="Name72" axis="ch" ptType="node" func="cnt" op="equ" val="5">
+                  <dgm:presOf axis="ch desOrSelf" ptType="node node" st="4 1" cnt="1 0"/>
+                </dgm:if>
+                <dgm:if name="Name73" axis="ch" ptType="node" func="cnt" op="equ" val="6">
+                  <dgm:presOf axis="ch desOrSelf" ptType="node node" st="5 1" cnt="1 0"/>
+                </dgm:if>
+                <dgm:else name="Name74">
+                  <dgm:presOf axis="ch desOrSelf" ptType="node node" st="6 1" cnt="1 0"/>
+                </dgm:else>
+              </dgm:choose>
+            </dgm:else>
+          </dgm:choose>
+          <dgm:constrLst/>
+          <dgm:ruleLst/>
+        </dgm:layoutNode>
+        <dgm:layoutNode name="wedge2Tx" moveWith="wedge2">
+          <dgm:varLst>
+            <dgm:chMax val="0"/>
+            <dgm:chPref val="0"/>
+            <dgm:bulletEnabled val="1"/>
+          </dgm:varLst>
+          <dgm:alg type="tx"/>
+          <dgm:shape xmlns:r="http://schemas.openxmlformats.org/officeDocument/2006/relationships" type="rect" r:blip="" hideGeom="1">
+            <dgm:adjLst/>
+          </dgm:shape>
+          <dgm:choose name="Name75">
+            <dgm:if name="Name76" func="var" arg="dir" op="equ" val="norm">
+              <dgm:presOf axis="ch desOrSelf" ptType="node node" st="2 1" cnt="1 0"/>
+            </dgm:if>
+            <dgm:else name="Name77">
+              <dgm:choose name="Name78">
+                <dgm:if name="Name79" axis="ch" ptType="node" func="cnt" op="equ" val="2">
+                  <dgm:presOf axis="ch desOrSelf" ptType="node node" st="1 1" cnt="1 0"/>
+                </dgm:if>
+                <dgm:if name="Name80" axis="ch" ptType="node" func="cnt" op="equ" val="3">
+                  <dgm:presOf axis="ch desOrSelf" ptType="node node" st="2 1" cnt="1 0"/>
+                </dgm:if>
+                <dgm:if name="Name81" axis="ch" ptType="node" func="cnt" op="equ" val="4">
+                  <dgm:presOf axis="ch desOrSelf" ptType="node node" st="3 1" cnt="1 0"/>
+                </dgm:if>
+                <dgm:if name="Name82" axis="ch" ptType="node" func="cnt" op="equ" val="5">
+                  <dgm:presOf axis="ch desOrSelf" ptType="node node" st="4 1" cnt="1 0"/>
+                </dgm:if>
+                <dgm:if name="Name83" axis="ch" ptType="node" func="cnt" op="equ" val="6">
+                  <dgm:presOf axis="ch desOrSelf" ptType="node node" st="5 1" cnt="1 0"/>
+                </dgm:if>
+                <dgm:else name="Name84">
+                  <dgm:presOf axis="ch desOrSelf" ptType="node node" st="6 1" cnt="1 0"/>
+                </dgm:else>
+              </dgm:choose>
+            </dgm:else>
+          </dgm:choose>
+          <dgm:constrLst>
+            <dgm:constr type="tMarg" refType="primFontSz" fact="0.1"/>
+            <dgm:constr type="bMarg" refType="primFontSz" fact="0.1"/>
+            <dgm:constr type="lMarg" refType="primFontSz" fact="0.1"/>
+            <dgm:constr type="rMarg" refType="primFontSz" fact="0.1"/>
+            <dgm:constr type="primFontSz" val="65"/>
+          </dgm:constrLst>
+          <dgm:ruleLst>
+            <dgm:rule type="primFontSz" val="5" fact="NaN" max="NaN"/>
+          </dgm:ruleLst>
+        </dgm:layoutNode>
+      </dgm:if>
+      <dgm:else name="Name85"/>
+    </dgm:choose>
+    <dgm:choose name="Name86">
+      <dgm:if name="Name87" axis="ch" ptType="node" func="cnt" op="gte" val="3">
+        <dgm:layoutNode name="wedge3">
+          <dgm:alg type="sp"/>
+          <dgm:choose name="Name88">
+            <dgm:if name="Name89" axis="ch" ptType="node" func="cnt" op="equ" val="3">
+              <dgm:shape xmlns:r="http://schemas.openxmlformats.org/officeDocument/2006/relationships" type="pie" r:blip="">
+                <dgm:adjLst>
+                  <dgm:adj idx="1" val="150"/>
+                  <dgm:adj idx="2" val="270"/>
+                </dgm:adjLst>
+              </dgm:shape>
+            </dgm:if>
+            <dgm:if name="Name90" axis="ch" ptType="node" func="cnt" op="equ" val="4">
+              <dgm:shape xmlns:r="http://schemas.openxmlformats.org/officeDocument/2006/relationships" type="pie" r:blip="">
+                <dgm:adjLst>
+                  <dgm:adj idx="1" val="90"/>
+                  <dgm:adj idx="2" val="180"/>
+                </dgm:adjLst>
+              </dgm:shape>
+            </dgm:if>
+            <dgm:if name="Name91" axis="ch" ptType="node" func="cnt" op="equ" val="5">
+              <dgm:shape xmlns:r="http://schemas.openxmlformats.org/officeDocument/2006/relationships" type="pie" r:blip="">
+                <dgm:adjLst>
+                  <dgm:adj idx="1" val="54"/>
+                  <dgm:adj idx="2" val="126"/>
+                </dgm:adjLst>
+              </dgm:shape>
+            </dgm:if>
+            <dgm:if name="Name92" axis="ch" ptType="node" func="cnt" op="equ" val="6">
+              <dgm:shape xmlns:r="http://schemas.openxmlformats.org/officeDocument/2006/relationships" type="pie" r:blip="">
+                <dgm:adjLst>
+                  <dgm:adj idx="1" val="30"/>
+                  <dgm:adj idx="2" val="90"/>
+                </dgm:adjLst>
+              </dgm:shape>
+            </dgm:if>
+            <dgm:else name="Name93">
+              <dgm:shape xmlns:r="http://schemas.openxmlformats.org/officeDocument/2006/relationships" type="pie" r:blip="">
+                <dgm:adjLst>
+                  <dgm:adj idx="1" val="12.85714"/>
+                  <dgm:adj idx="2" val="64.28571"/>
+                </dgm:adjLst>
+              </dgm:shape>
+            </dgm:else>
+          </dgm:choose>
+          <dgm:choose name="Name94">
+            <dgm:if name="Name95" func="var" arg="dir" op="equ" val="norm">
+              <dgm:presOf axis="ch desOrSelf" ptType="node node" st="3 1" cnt="1 0"/>
+            </dgm:if>
+            <dgm:else name="Name96">
+              <dgm:choose name="Name97">
+                <dgm:if name="Name98" axis="ch" ptType="node" func="cnt" op="equ" val="3">
+                  <dgm:presOf axis="ch desOrSelf" ptType="node node" st="1 1" cnt="1 0"/>
+                </dgm:if>
+                <dgm:if name="Name99" axis="ch" ptType="node" func="cnt" op="equ" val="4">
+                  <dgm:presOf axis="ch desOrSelf" ptType="node node" st="2 1" cnt="1 0"/>
+                </dgm:if>
+                <dgm:if name="Name100" axis="ch" ptType="node" func="cnt" op="equ" val="5">
+                  <dgm:presOf axis="ch desOrSelf" ptType="node node" st="3 1" cnt="1 0"/>
+                </dgm:if>
+                <dgm:if name="Name101" axis="ch" ptType="node" func="cnt" op="equ" val="6">
+                  <dgm:presOf axis="ch desOrSelf" ptType="node node" st="4 1" cnt="1 0"/>
+                </dgm:if>
+                <dgm:else name="Name102">
+                  <dgm:presOf axis="ch desOrSelf" ptType="node node" st="5 1" cnt="1 0"/>
+                </dgm:else>
+              </dgm:choose>
+            </dgm:else>
+          </dgm:choose>
+          <dgm:constrLst/>
+          <dgm:ruleLst/>
+        </dgm:layoutNode>
+        <dgm:layoutNode name="wedge3Tx" moveWith="wedge3">
+          <dgm:varLst>
+            <dgm:chMax val="0"/>
+            <dgm:chPref val="0"/>
+            <dgm:bulletEnabled val="1"/>
+          </dgm:varLst>
+          <dgm:alg type="tx"/>
+          <dgm:shape xmlns:r="http://schemas.openxmlformats.org/officeDocument/2006/relationships" type="rect" r:blip="" hideGeom="1">
+            <dgm:adjLst/>
+          </dgm:shape>
+          <dgm:choose name="Name103">
+            <dgm:if name="Name104" func="var" arg="dir" op="equ" val="norm">
+              <dgm:presOf axis="ch desOrSelf" ptType="node node" st="3 1" cnt="1 0"/>
+            </dgm:if>
+            <dgm:else name="Name105">
+              <dgm:choose name="Name106">
+                <dgm:if name="Name107" axis="ch" ptType="node" func="cnt" op="equ" val="3">
+                  <dgm:presOf axis="ch desOrSelf" ptType="node node" st="1 1" cnt="1 0"/>
+                </dgm:if>
+                <dgm:if name="Name108" axis="ch" ptType="node" func="cnt" op="equ" val="4">
+                  <dgm:presOf axis="ch desOrSelf" ptType="node node" st="2 1" cnt="1 0"/>
+                </dgm:if>
+                <dgm:if name="Name109" axis="ch" ptType="node" func="cnt" op="equ" val="5">
+                  <dgm:presOf axis="ch desOrSelf" ptType="node node" st="3 1" cnt="1 0"/>
+                </dgm:if>
+                <dgm:if name="Name110" axis="ch" ptType="node" func="cnt" op="equ" val="6">
+                  <dgm:presOf axis="ch desOrSelf" ptType="node node" st="4 1" cnt="1 0"/>
+                </dgm:if>
+                <dgm:else name="Name111">
+                  <dgm:presOf axis="ch desOrSelf" ptType="node node" st="5 1" cnt="1 0"/>
+                </dgm:else>
+              </dgm:choose>
+            </dgm:else>
+          </dgm:choose>
+          <dgm:constrLst>
+            <dgm:constr type="tMarg" refType="primFontSz" fact="0.1"/>
+            <dgm:constr type="bMarg" refType="primFontSz" fact="0.1"/>
+            <dgm:constr type="lMarg" refType="primFontSz" fact="0.1"/>
+            <dgm:constr type="rMarg" refType="primFontSz" fact="0.1"/>
+            <dgm:constr type="primFontSz" val="65"/>
+          </dgm:constrLst>
+          <dgm:ruleLst>
+            <dgm:rule type="primFontSz" val="5" fact="NaN" max="NaN"/>
+          </dgm:ruleLst>
+        </dgm:layoutNode>
+      </dgm:if>
+      <dgm:else name="Name112"/>
+    </dgm:choose>
+    <dgm:choose name="Name113">
+      <dgm:if name="Name114" axis="ch" ptType="node" func="cnt" op="gte" val="4">
+        <dgm:layoutNode name="wedge4">
+          <dgm:alg type="sp"/>
+          <dgm:choose name="Name115">
+            <dgm:if name="Name116" axis="ch" ptType="node" func="cnt" op="equ" val="4">
+              <dgm:shape xmlns:r="http://schemas.openxmlformats.org/officeDocument/2006/relationships" type="pie" r:blip="">
+                <dgm:adjLst>
+                  <dgm:adj idx="1" val="180"/>
+                  <dgm:adj idx="2" val="270"/>
+                </dgm:adjLst>
+              </dgm:shape>
+            </dgm:if>
+            <dgm:if name="Name117" axis="ch" ptType="node" func="cnt" op="equ" val="5">
+              <dgm:shape xmlns:r="http://schemas.openxmlformats.org/officeDocument/2006/relationships" type="pie" r:blip="">
+                <dgm:adjLst>
+                  <dgm:adj idx="1" val="126"/>
+                  <dgm:adj idx="2" val="198"/>
+                </dgm:adjLst>
+              </dgm:shape>
+            </dgm:if>
+            <dgm:if name="Name118" axis="ch" ptType="node" func="cnt" op="equ" val="6">
+              <dgm:shape xmlns:r="http://schemas.openxmlformats.org/officeDocument/2006/relationships" type="pie" r:blip="">
+                <dgm:adjLst>
+                  <dgm:adj idx="1" val="90"/>
+                  <dgm:adj idx="2" val="150"/>
+                </dgm:adjLst>
+              </dgm:shape>
+            </dgm:if>
+            <dgm:else name="Name119">
+              <dgm:shape xmlns:r="http://schemas.openxmlformats.org/officeDocument/2006/relationships" type="pie" r:blip="">
+                <dgm:adjLst>
+                  <dgm:adj idx="1" val="64.2871"/>
+                  <dgm:adj idx="2" val="115.7143"/>
+                </dgm:adjLst>
+              </dgm:shape>
+            </dgm:else>
+          </dgm:choose>
+          <dgm:choose name="Name120">
+            <dgm:if name="Name121" func="var" arg="dir" op="equ" val="norm">
+              <dgm:presOf axis="ch desOrSelf" ptType="node node" st="4 1" cnt="1 0"/>
+            </dgm:if>
+            <dgm:else name="Name122">
+              <dgm:choose name="Name123">
+                <dgm:if name="Name124" axis="ch" ptType="node" func="cnt" op="equ" val="4">
+                  <dgm:presOf axis="ch desOrSelf" ptType="node node" st="1 1" cnt="1 0"/>
+                </dgm:if>
+                <dgm:if name="Name125" axis="ch" ptType="node" func="cnt" op="equ" val="5">
+                  <dgm:presOf axis="ch desOrSelf" ptType="node node" st="2 1" cnt="1 0"/>
+                </dgm:if>
+                <dgm:if name="Name126" axis="ch" ptType="node" func="cnt" op="equ" val="6">
+                  <dgm:presOf axis="ch desOrSelf" ptType="node node" st="3 1" cnt="1 0"/>
+                </dgm:if>
+                <dgm:else name="Name127">
+                  <dgm:presOf axis="ch desOrSelf" ptType="node node" st="4 1" cnt="1 0"/>
+                </dgm:else>
+              </dgm:choose>
+            </dgm:else>
+          </dgm:choose>
+          <dgm:constrLst/>
+          <dgm:ruleLst/>
+        </dgm:layoutNode>
+        <dgm:layoutNode name="wedge4Tx" moveWith="wedge4">
+          <dgm:varLst>
+            <dgm:chMax val="0"/>
+            <dgm:chPref val="0"/>
+            <dgm:bulletEnabled val="1"/>
+          </dgm:varLst>
+          <dgm:alg type="tx"/>
+          <dgm:shape xmlns:r="http://schemas.openxmlformats.org/officeDocument/2006/relationships" type="rect" r:blip="" hideGeom="1">
+            <dgm:adjLst/>
+          </dgm:shape>
+          <dgm:choose name="Name128">
+            <dgm:if name="Name129" func="var" arg="dir" op="equ" val="norm">
+              <dgm:presOf axis="ch desOrSelf" ptType="node node" st="4 1" cnt="1 0"/>
+            </dgm:if>
+            <dgm:else name="Name130">
+              <dgm:choose name="Name131">
+                <dgm:if name="Name132" axis="ch" ptType="node" func="cnt" op="equ" val="4">
+                  <dgm:presOf axis="ch desOrSelf" ptType="node node" st="1 1" cnt="1 0"/>
+                </dgm:if>
+                <dgm:if name="Name133" axis="ch" ptType="node" func="cnt" op="equ" val="5">
+                  <dgm:presOf axis="ch desOrSelf" ptType="node node" st="2 1" cnt="1 0"/>
+                </dgm:if>
+                <dgm:if name="Name134" axis="ch" ptType="node" func="cnt" op="equ" val="6">
+                  <dgm:presOf axis="ch desOrSelf" ptType="node node" st="3 1" cnt="1 0"/>
+                </dgm:if>
+                <dgm:else name="Name135">
+                  <dgm:presOf axis="ch desOrSelf" ptType="node node" st="4 1" cnt="1 0"/>
+                </dgm:else>
+              </dgm:choose>
+            </dgm:else>
+          </dgm:choose>
+          <dgm:constrLst>
+            <dgm:constr type="tMarg" refType="primFontSz" fact="0.1"/>
+            <dgm:constr type="bMarg" refType="primFontSz" fact="0.1"/>
+            <dgm:constr type="lMarg" refType="primFontSz" fact="0.1"/>
+            <dgm:constr type="rMarg" refType="primFontSz" fact="0.1"/>
+            <dgm:constr type="primFontSz" val="65"/>
+          </dgm:constrLst>
+          <dgm:ruleLst>
+            <dgm:rule type="primFontSz" val="5" fact="NaN" max="NaN"/>
+          </dgm:ruleLst>
+        </dgm:layoutNode>
+      </dgm:if>
+      <dgm:else name="Name136"/>
+    </dgm:choose>
+    <dgm:choose name="Name137">
+      <dgm:if name="Name138" axis="ch" ptType="node" func="cnt" op="gte" val="5">
+        <dgm:layoutNode name="wedge5">
+          <dgm:alg type="sp"/>
+          <dgm:choose name="Name139">
+            <dgm:if name="Name140" axis="ch" ptType="node" func="cnt" op="equ" val="5">
+              <dgm:shape xmlns:r="http://schemas.openxmlformats.org/officeDocument/2006/relationships" type="pie" r:blip="">
+                <dgm:adjLst>
+                  <dgm:adj idx="1" val="198"/>
+                  <dgm:adj idx="2" val="270"/>
+                </dgm:adjLst>
+              </dgm:shape>
+            </dgm:if>
+            <dgm:if name="Name141" axis="ch" ptType="node" func="cnt" op="equ" val="6">
+              <dgm:shape xmlns:r="http://schemas.openxmlformats.org/officeDocument/2006/relationships" type="pie" r:blip="">
+                <dgm:adjLst>
+                  <dgm:adj idx="1" val="150"/>
+                  <dgm:adj idx="2" val="210"/>
+                </dgm:adjLst>
+              </dgm:shape>
+            </dgm:if>
+            <dgm:else name="Name142">
+              <dgm:shape xmlns:r="http://schemas.openxmlformats.org/officeDocument/2006/relationships" type="pie" r:blip="">
+                <dgm:adjLst>
+                  <dgm:adj idx="1" val="115.7143"/>
+                  <dgm:adj idx="2" val="167.1429"/>
+                </dgm:adjLst>
+              </dgm:shape>
+            </dgm:else>
+          </dgm:choose>
+          <dgm:choose name="Name143">
+            <dgm:if name="Name144" func="var" arg="dir" op="equ" val="norm">
+              <dgm:presOf axis="ch desOrSelf" ptType="node node" st="5 1" cnt="1 0"/>
+            </dgm:if>
+            <dgm:else name="Name145">
+              <dgm:choose name="Name146">
+                <dgm:if name="Name147" axis="ch" ptType="node" func="cnt" op="equ" val="5">
+                  <dgm:presOf axis="ch desOrSelf" ptType="node node" st="1 1" cnt="1 0"/>
+                </dgm:if>
+                <dgm:if name="Name148" axis="ch" ptType="node" func="cnt" op="equ" val="6">
+                  <dgm:presOf axis="ch desOrSelf" ptType="node node" st="2 1" cnt="1 0"/>
+                </dgm:if>
+                <dgm:else name="Name149">
+                  <dgm:presOf axis="ch desOrSelf" ptType="node node" st="3 1" cnt="1 0"/>
+                </dgm:else>
+              </dgm:choose>
+            </dgm:else>
+          </dgm:choose>
+          <dgm:constrLst/>
+          <dgm:ruleLst/>
+        </dgm:layoutNode>
+        <dgm:layoutNode name="wedge5Tx" moveWith="wedge5">
+          <dgm:varLst>
+            <dgm:chMax val="0"/>
+            <dgm:chPref val="0"/>
+            <dgm:bulletEnabled val="1"/>
+          </dgm:varLst>
+          <dgm:alg type="tx"/>
+          <dgm:shape xmlns:r="http://schemas.openxmlformats.org/officeDocument/2006/relationships" type="rect" r:blip="" hideGeom="1">
+            <dgm:adjLst/>
+          </dgm:shape>
+          <dgm:choose name="Name150">
+            <dgm:if name="Name151" func="var" arg="dir" op="equ" val="norm">
+              <dgm:presOf axis="ch desOrSelf" ptType="node node" st="5 1" cnt="1 0"/>
+            </dgm:if>
+            <dgm:else name="Name152">
+              <dgm:choose name="Name153">
+                <dgm:if name="Name154" axis="ch" ptType="node" func="cnt" op="equ" val="5">
+                  <dgm:presOf axis="ch desOrSelf" ptType="node node" st="1 1" cnt="1 0"/>
+                </dgm:if>
+                <dgm:if name="Name155" axis="ch" ptType="node" func="cnt" op="equ" val="6">
+                  <dgm:presOf axis="ch desOrSelf" ptType="node node" st="2 1" cnt="1 0"/>
+                </dgm:if>
+                <dgm:else name="Name156">
+                  <dgm:presOf axis="ch desOrSelf" ptType="node node" st="3 1" cnt="1 0"/>
+                </dgm:else>
+              </dgm:choose>
+            </dgm:else>
+          </dgm:choose>
+          <dgm:constrLst>
+            <dgm:constr type="tMarg" refType="primFontSz" fact="0.1"/>
+            <dgm:constr type="bMarg" refType="primFontSz" fact="0.1"/>
+            <dgm:constr type="lMarg" refType="primFontSz" fact="0.1"/>
+            <dgm:constr type="rMarg" refType="primFontSz" fact="0.1"/>
+            <dgm:constr type="primFontSz" val="65"/>
+          </dgm:constrLst>
+          <dgm:ruleLst>
+            <dgm:rule type="primFontSz" val="5" fact="NaN" max="NaN"/>
+          </dgm:ruleLst>
+        </dgm:layoutNode>
+      </dgm:if>
+      <dgm:else name="Name157"/>
+    </dgm:choose>
+    <dgm:choose name="Name158">
+      <dgm:if name="Name159" axis="ch" ptType="node" func="cnt" op="gte" val="6">
+        <dgm:layoutNode name="wedge6">
+          <dgm:alg type="sp"/>
+          <dgm:choose name="Name160">
+            <dgm:if name="Name161" axis="ch" ptType="node" func="cnt" op="equ" val="6">
+              <dgm:shape xmlns:r="http://schemas.openxmlformats.org/officeDocument/2006/relationships" type="pie" r:blip="">
+                <dgm:adjLst>
+                  <dgm:adj idx="1" val="210"/>
+                  <dgm:adj idx="2" val="270"/>
+                </dgm:adjLst>
+              </dgm:shape>
+            </dgm:if>
+            <dgm:else name="Name162">
+              <dgm:shape xmlns:r="http://schemas.openxmlformats.org/officeDocument/2006/relationships" type="pie" r:blip="">
+                <dgm:adjLst>
+                  <dgm:adj idx="1" val="167.1429"/>
+                  <dgm:adj idx="2" val="218.5714"/>
+                </dgm:adjLst>
+              </dgm:shape>
+            </dgm:else>
+          </dgm:choose>
+          <dgm:choose name="Name163">
+            <dgm:if name="Name164" func="var" arg="dir" op="equ" val="norm">
+              <dgm:presOf axis="ch desOrSelf" ptType="node node" st="6 1" cnt="1 0"/>
+            </dgm:if>
+            <dgm:else name="Name165">
+              <dgm:choose name="Name166">
+                <dgm:if name="Name167" axis="ch" ptType="node" func="cnt" op="equ" val="6">
+                  <dgm:presOf axis="ch desOrSelf" ptType="node node" st="1 1" cnt="1 0"/>
+                </dgm:if>
+                <dgm:else name="Name168">
+                  <dgm:presOf axis="ch desOrSelf" ptType="node node" st="2 1" cnt="1 0"/>
+                </dgm:else>
+              </dgm:choose>
+            </dgm:else>
+          </dgm:choose>
+          <dgm:constrLst/>
+          <dgm:ruleLst/>
+        </dgm:layoutNode>
+        <dgm:layoutNode name="wedge6Tx" moveWith="wedge6">
+          <dgm:varLst>
+            <dgm:chMax val="0"/>
+            <dgm:chPref val="0"/>
+            <dgm:bulletEnabled val="1"/>
+          </dgm:varLst>
+          <dgm:alg type="tx"/>
+          <dgm:shape xmlns:r="http://schemas.openxmlformats.org/officeDocument/2006/relationships" type="rect" r:blip="" hideGeom="1">
+            <dgm:adjLst/>
+          </dgm:shape>
+          <dgm:choose name="Name169">
+            <dgm:if name="Name170" func="var" arg="dir" op="equ" val="norm">
+              <dgm:presOf axis="ch desOrSelf" ptType="node node" st="6 1" cnt="1 0"/>
+            </dgm:if>
+            <dgm:else name="Name171">
+              <dgm:choose name="Name172">
+                <dgm:if name="Name173" axis="ch" ptType="node" func="cnt" op="equ" val="6">
+                  <dgm:presOf axis="ch desOrSelf" ptType="node node" st="1 1" cnt="1 0"/>
+                </dgm:if>
+                <dgm:else name="Name174">
+                  <dgm:presOf axis="ch desOrSelf" ptType="node node" st="2 1" cnt="1 0"/>
+                </dgm:else>
+              </dgm:choose>
+            </dgm:else>
+          </dgm:choose>
+          <dgm:constrLst>
+            <dgm:constr type="tMarg" refType="primFontSz" fact="0.1"/>
+            <dgm:constr type="bMarg" refType="primFontSz" fact="0.1"/>
+            <dgm:constr type="lMarg" refType="primFontSz" fact="0.1"/>
+            <dgm:constr type="rMarg" refType="primFontSz" fact="0.1"/>
+            <dgm:constr type="primFontSz" val="65"/>
+          </dgm:constrLst>
+          <dgm:ruleLst>
+            <dgm:rule type="primFontSz" val="5" fact="NaN" max="NaN"/>
+          </dgm:ruleLst>
+        </dgm:layoutNode>
+      </dgm:if>
+      <dgm:else name="Name175"/>
+    </dgm:choose>
+    <dgm:choose name="Name176">
+      <dgm:if name="Name177" axis="ch" ptType="node" func="cnt" op="gte" val="7">
+        <dgm:layoutNode name="wedge7">
+          <dgm:alg type="sp"/>
+          <dgm:shape xmlns:r="http://schemas.openxmlformats.org/officeDocument/2006/relationships" type="pie" r:blip="">
+            <dgm:adjLst>
+              <dgm:adj idx="1" val="218.5714"/>
+              <dgm:adj idx="2" val="270"/>
+            </dgm:adjLst>
+          </dgm:shape>
+          <dgm:choose name="Name178">
+            <dgm:if name="Name179" func="var" arg="dir" op="equ" val="norm">
+              <dgm:presOf axis="ch desOrSelf" ptType="node node" st="7 1" cnt="1 0"/>
+            </dgm:if>
+            <dgm:else name="Name180">
+              <dgm:presOf axis="ch desOrSelf" ptType="node node" st="1 1" cnt="1 0"/>
+            </dgm:else>
+          </dgm:choose>
+          <dgm:constrLst/>
+          <dgm:ruleLst/>
+        </dgm:layoutNode>
+        <dgm:layoutNode name="wedge7Tx" moveWith="wedge7">
+          <dgm:varLst>
+            <dgm:chMax val="0"/>
+            <dgm:chPref val="0"/>
+            <dgm:bulletEnabled val="1"/>
+          </dgm:varLst>
+          <dgm:alg type="tx"/>
+          <dgm:shape xmlns:r="http://schemas.openxmlformats.org/officeDocument/2006/relationships" type="rect" r:blip="" hideGeom="1">
+            <dgm:adjLst/>
+          </dgm:shape>
+          <dgm:choose name="Name181">
+            <dgm:if name="Name182" func="var" arg="dir" op="equ" val="norm">
+              <dgm:presOf axis="ch desOrSelf" ptType="node node" st="7 1" cnt="1 0"/>
+            </dgm:if>
+            <dgm:else name="Name183">
+              <dgm:presOf axis="ch desOrSelf" ptType="node node" st="1 1" cnt="1 0"/>
+            </dgm:else>
+          </dgm:choose>
+          <dgm:constrLst>
+            <dgm:constr type="tMarg" refType="primFontSz" fact="0.1"/>
+            <dgm:constr type="bMarg" refType="primFontSz" fact="0.1"/>
+            <dgm:constr type="lMarg" refType="primFontSz" fact="0.1"/>
+            <dgm:constr type="rMarg" refType="primFontSz" fact="0.1"/>
+            <dgm:constr type="primFontSz" val="65"/>
+          </dgm:constrLst>
+          <dgm:ruleLst>
+            <dgm:rule type="primFontSz" val="5" fact="NaN" max="NaN"/>
+          </dgm:ruleLst>
+        </dgm:layoutNode>
+      </dgm:if>
+      <dgm:else name="Name184"/>
+    </dgm:choose>
+  </dgm:layoutNode>
+</dgm:layoutDef>
+</file>
+
 <file path=ppt/diagrams/quickStyle1.xml><?xml version="1.0" encoding="utf-8"?>
 <dgm:styleDef xmlns:dgm="http://schemas.openxmlformats.org/drawingml/2006/diagram" xmlns:a="http://schemas.openxmlformats.org/drawingml/2006/main" uniqueId="urn:microsoft.com/office/officeart/2005/8/quickstyle/simple1">
   <dgm:title val=""/>
@@ -9965,6 +15521,1040 @@
     <dgm:txPr/>
     <dgm:style>
       <a:lnRef idx="1">
+        <a:scrgbClr r="0" g="0" b="0"/>
+      </a:lnRef>
+      <a:fillRef idx="0">
+        <a:scrgbClr r="0" g="0" b="0"/>
+      </a:fillRef>
+      <a:effectRef idx="0">
+        <a:scrgbClr r="0" g="0" b="0"/>
+      </a:effectRef>
+      <a:fontRef idx="minor"/>
+    </dgm:style>
+  </dgm:styleLbl>
+</dgm:styleDef>
+</file>
+
+<file path=ppt/diagrams/quickStyle3.xml><?xml version="1.0" encoding="utf-8"?>
+<dgm:styleDef xmlns:dgm="http://schemas.openxmlformats.org/drawingml/2006/diagram" xmlns:a="http://schemas.openxmlformats.org/drawingml/2006/main" uniqueId="urn:microsoft.com/office/officeart/2005/8/quickstyle/simple5">
+  <dgm:title val=""/>
+  <dgm:desc val=""/>
+  <dgm:catLst>
+    <dgm:cat type="simple" pri="10500"/>
+  </dgm:catLst>
+  <dgm:scene3d>
+    <a:camera prst="orthographicFront"/>
+    <a:lightRig rig="threePt" dir="t"/>
+  </dgm:scene3d>
+  <dgm:styleLbl name="node0">
+    <dgm:scene3d>
+      <a:camera prst="orthographicFront"/>
+      <a:lightRig rig="threePt" dir="t"/>
+    </dgm:scene3d>
+    <dgm:sp3d/>
+    <dgm:txPr/>
+    <dgm:style>
+      <a:lnRef idx="0">
+        <a:scrgbClr r="0" g="0" b="0"/>
+      </a:lnRef>
+      <a:fillRef idx="3">
+        <a:scrgbClr r="0" g="0" b="0"/>
+      </a:fillRef>
+      <a:effectRef idx="3">
+        <a:scrgbClr r="0" g="0" b="0"/>
+      </a:effectRef>
+      <a:fontRef idx="minor">
+        <a:schemeClr val="lt1"/>
+      </a:fontRef>
+    </dgm:style>
+  </dgm:styleLbl>
+  <dgm:styleLbl name="lnNode1">
+    <dgm:scene3d>
+      <a:camera prst="orthographicFront"/>
+      <a:lightRig rig="threePt" dir="t"/>
+    </dgm:scene3d>
+    <dgm:sp3d/>
+    <dgm:txPr/>
+    <dgm:style>
+      <a:lnRef idx="0">
+        <a:scrgbClr r="0" g="0" b="0"/>
+      </a:lnRef>
+      <a:fillRef idx="3">
+        <a:scrgbClr r="0" g="0" b="0"/>
+      </a:fillRef>
+      <a:effectRef idx="3">
+        <a:scrgbClr r="0" g="0" b="0"/>
+      </a:effectRef>
+      <a:fontRef idx="minor">
+        <a:schemeClr val="lt1"/>
+      </a:fontRef>
+    </dgm:style>
+  </dgm:styleLbl>
+  <dgm:styleLbl name="vennNode1">
+    <dgm:scene3d>
+      <a:camera prst="orthographicFront"/>
+      <a:lightRig rig="threePt" dir="t"/>
+    </dgm:scene3d>
+    <dgm:sp3d/>
+    <dgm:txPr/>
+    <dgm:style>
+      <a:lnRef idx="0">
+        <a:scrgbClr r="0" g="0" b="0"/>
+      </a:lnRef>
+      <a:fillRef idx="3">
+        <a:scrgbClr r="0" g="0" b="0"/>
+      </a:fillRef>
+      <a:effectRef idx="3">
+        <a:scrgbClr r="0" g="0" b="0"/>
+      </a:effectRef>
+      <a:fontRef idx="minor">
+        <a:schemeClr val="tx1"/>
+      </a:fontRef>
+    </dgm:style>
+  </dgm:styleLbl>
+  <dgm:styleLbl name="alignNode1">
+    <dgm:scene3d>
+      <a:camera prst="orthographicFront"/>
+      <a:lightRig rig="threePt" dir="t"/>
+    </dgm:scene3d>
+    <dgm:sp3d/>
+    <dgm:txPr/>
+    <dgm:style>
+      <a:lnRef idx="1">
+        <a:scrgbClr r="0" g="0" b="0"/>
+      </a:lnRef>
+      <a:fillRef idx="3">
+        <a:scrgbClr r="0" g="0" b="0"/>
+      </a:fillRef>
+      <a:effectRef idx="3">
+        <a:scrgbClr r="0" g="0" b="0"/>
+      </a:effectRef>
+      <a:fontRef idx="minor">
+        <a:schemeClr val="lt1"/>
+      </a:fontRef>
+    </dgm:style>
+  </dgm:styleLbl>
+  <dgm:styleLbl name="node1">
+    <dgm:scene3d>
+      <a:camera prst="orthographicFront"/>
+      <a:lightRig rig="threePt" dir="t"/>
+    </dgm:scene3d>
+    <dgm:sp3d/>
+    <dgm:txPr/>
+    <dgm:style>
+      <a:lnRef idx="0">
+        <a:scrgbClr r="0" g="0" b="0"/>
+      </a:lnRef>
+      <a:fillRef idx="3">
+        <a:scrgbClr r="0" g="0" b="0"/>
+      </a:fillRef>
+      <a:effectRef idx="3">
+        <a:scrgbClr r="0" g="0" b="0"/>
+      </a:effectRef>
+      <a:fontRef idx="minor">
+        <a:schemeClr val="lt1"/>
+      </a:fontRef>
+    </dgm:style>
+  </dgm:styleLbl>
+  <dgm:styleLbl name="node2">
+    <dgm:scene3d>
+      <a:camera prst="orthographicFront"/>
+      <a:lightRig rig="threePt" dir="t"/>
+    </dgm:scene3d>
+    <dgm:sp3d/>
+    <dgm:txPr/>
+    <dgm:style>
+      <a:lnRef idx="0">
+        <a:scrgbClr r="0" g="0" b="0"/>
+      </a:lnRef>
+      <a:fillRef idx="3">
+        <a:scrgbClr r="0" g="0" b="0"/>
+      </a:fillRef>
+      <a:effectRef idx="3">
+        <a:scrgbClr r="0" g="0" b="0"/>
+      </a:effectRef>
+      <a:fontRef idx="minor">
+        <a:schemeClr val="lt1"/>
+      </a:fontRef>
+    </dgm:style>
+  </dgm:styleLbl>
+  <dgm:styleLbl name="node3">
+    <dgm:scene3d>
+      <a:camera prst="orthographicFront"/>
+      <a:lightRig rig="threePt" dir="t"/>
+    </dgm:scene3d>
+    <dgm:sp3d/>
+    <dgm:txPr/>
+    <dgm:style>
+      <a:lnRef idx="0">
+        <a:scrgbClr r="0" g="0" b="0"/>
+      </a:lnRef>
+      <a:fillRef idx="3">
+        <a:scrgbClr r="0" g="0" b="0"/>
+      </a:fillRef>
+      <a:effectRef idx="3">
+        <a:scrgbClr r="0" g="0" b="0"/>
+      </a:effectRef>
+      <a:fontRef idx="minor">
+        <a:schemeClr val="lt1"/>
+      </a:fontRef>
+    </dgm:style>
+  </dgm:styleLbl>
+  <dgm:styleLbl name="node4">
+    <dgm:scene3d>
+      <a:camera prst="orthographicFront"/>
+      <a:lightRig rig="threePt" dir="t"/>
+    </dgm:scene3d>
+    <dgm:sp3d/>
+    <dgm:txPr/>
+    <dgm:style>
+      <a:lnRef idx="0">
+        <a:scrgbClr r="0" g="0" b="0"/>
+      </a:lnRef>
+      <a:fillRef idx="3">
+        <a:scrgbClr r="0" g="0" b="0"/>
+      </a:fillRef>
+      <a:effectRef idx="3">
+        <a:scrgbClr r="0" g="0" b="0"/>
+      </a:effectRef>
+      <a:fontRef idx="minor">
+        <a:schemeClr val="lt1"/>
+      </a:fontRef>
+    </dgm:style>
+  </dgm:styleLbl>
+  <dgm:styleLbl name="fgImgPlace1">
+    <dgm:scene3d>
+      <a:camera prst="orthographicFront"/>
+      <a:lightRig rig="threePt" dir="t"/>
+    </dgm:scene3d>
+    <dgm:sp3d/>
+    <dgm:txPr/>
+    <dgm:style>
+      <a:lnRef idx="0">
+        <a:scrgbClr r="0" g="0" b="0"/>
+      </a:lnRef>
+      <a:fillRef idx="1">
+        <a:scrgbClr r="0" g="0" b="0"/>
+      </a:fillRef>
+      <a:effectRef idx="3">
+        <a:scrgbClr r="0" g="0" b="0"/>
+      </a:effectRef>
+      <a:fontRef idx="minor"/>
+    </dgm:style>
+  </dgm:styleLbl>
+  <dgm:styleLbl name="alignImgPlace1">
+    <dgm:scene3d>
+      <a:camera prst="orthographicFront"/>
+      <a:lightRig rig="threePt" dir="t"/>
+    </dgm:scene3d>
+    <dgm:sp3d/>
+    <dgm:txPr/>
+    <dgm:style>
+      <a:lnRef idx="0">
+        <a:scrgbClr r="0" g="0" b="0"/>
+      </a:lnRef>
+      <a:fillRef idx="1">
+        <a:scrgbClr r="0" g="0" b="0"/>
+      </a:fillRef>
+      <a:effectRef idx="3">
+        <a:scrgbClr r="0" g="0" b="0"/>
+      </a:effectRef>
+      <a:fontRef idx="minor"/>
+    </dgm:style>
+  </dgm:styleLbl>
+  <dgm:styleLbl name="bgImgPlace1">
+    <dgm:scene3d>
+      <a:camera prst="orthographicFront"/>
+      <a:lightRig rig="threePt" dir="t"/>
+    </dgm:scene3d>
+    <dgm:sp3d/>
+    <dgm:txPr/>
+    <dgm:style>
+      <a:lnRef idx="0">
+        <a:scrgbClr r="0" g="0" b="0"/>
+      </a:lnRef>
+      <a:fillRef idx="1">
+        <a:scrgbClr r="0" g="0" b="0"/>
+      </a:fillRef>
+      <a:effectRef idx="3">
+        <a:scrgbClr r="0" g="0" b="0"/>
+      </a:effectRef>
+      <a:fontRef idx="minor"/>
+    </dgm:style>
+  </dgm:styleLbl>
+  <dgm:styleLbl name="sibTrans2D1">
+    <dgm:scene3d>
+      <a:camera prst="orthographicFront"/>
+      <a:lightRig rig="threePt" dir="t"/>
+    </dgm:scene3d>
+    <dgm:sp3d/>
+    <dgm:txPr/>
+    <dgm:style>
+      <a:lnRef idx="0">
+        <a:scrgbClr r="0" g="0" b="0"/>
+      </a:lnRef>
+      <a:fillRef idx="3">
+        <a:scrgbClr r="0" g="0" b="0"/>
+      </a:fillRef>
+      <a:effectRef idx="3">
+        <a:scrgbClr r="0" g="0" b="0"/>
+      </a:effectRef>
+      <a:fontRef idx="minor">
+        <a:schemeClr val="lt1"/>
+      </a:fontRef>
+    </dgm:style>
+  </dgm:styleLbl>
+  <dgm:styleLbl name="fgSibTrans2D1">
+    <dgm:scene3d>
+      <a:camera prst="orthographicFront"/>
+      <a:lightRig rig="threePt" dir="t"/>
+    </dgm:scene3d>
+    <dgm:sp3d/>
+    <dgm:txPr/>
+    <dgm:style>
+      <a:lnRef idx="0">
+        <a:scrgbClr r="0" g="0" b="0"/>
+      </a:lnRef>
+      <a:fillRef idx="3">
+        <a:scrgbClr r="0" g="0" b="0"/>
+      </a:fillRef>
+      <a:effectRef idx="3">
+        <a:scrgbClr r="0" g="0" b="0"/>
+      </a:effectRef>
+      <a:fontRef idx="minor">
+        <a:schemeClr val="lt1"/>
+      </a:fontRef>
+    </dgm:style>
+  </dgm:styleLbl>
+  <dgm:styleLbl name="bgSibTrans2D1">
+    <dgm:scene3d>
+      <a:camera prst="orthographicFront"/>
+      <a:lightRig rig="threePt" dir="t"/>
+    </dgm:scene3d>
+    <dgm:sp3d/>
+    <dgm:txPr/>
+    <dgm:style>
+      <a:lnRef idx="0">
+        <a:scrgbClr r="0" g="0" b="0"/>
+      </a:lnRef>
+      <a:fillRef idx="3">
+        <a:scrgbClr r="0" g="0" b="0"/>
+      </a:fillRef>
+      <a:effectRef idx="3">
+        <a:scrgbClr r="0" g="0" b="0"/>
+      </a:effectRef>
+      <a:fontRef idx="minor">
+        <a:schemeClr val="lt1"/>
+      </a:fontRef>
+    </dgm:style>
+  </dgm:styleLbl>
+  <dgm:styleLbl name="sibTrans1D1">
+    <dgm:scene3d>
+      <a:camera prst="orthographicFront"/>
+      <a:lightRig rig="threePt" dir="t"/>
+    </dgm:scene3d>
+    <dgm:sp3d/>
+    <dgm:txPr/>
+    <dgm:style>
+      <a:lnRef idx="1">
+        <a:scrgbClr r="0" g="0" b="0"/>
+      </a:lnRef>
+      <a:fillRef idx="0">
+        <a:scrgbClr r="0" g="0" b="0"/>
+      </a:fillRef>
+      <a:effectRef idx="0">
+        <a:scrgbClr r="0" g="0" b="0"/>
+      </a:effectRef>
+      <a:fontRef idx="minor"/>
+    </dgm:style>
+  </dgm:styleLbl>
+  <dgm:styleLbl name="callout">
+    <dgm:scene3d>
+      <a:camera prst="orthographicFront"/>
+      <a:lightRig rig="threePt" dir="t"/>
+    </dgm:scene3d>
+    <dgm:sp3d/>
+    <dgm:txPr/>
+    <dgm:style>
+      <a:lnRef idx="1">
+        <a:scrgbClr r="0" g="0" b="0"/>
+      </a:lnRef>
+      <a:fillRef idx="0">
+        <a:scrgbClr r="0" g="0" b="0"/>
+      </a:fillRef>
+      <a:effectRef idx="1">
+        <a:scrgbClr r="0" g="0" b="0"/>
+      </a:effectRef>
+      <a:fontRef idx="minor"/>
+    </dgm:style>
+  </dgm:styleLbl>
+  <dgm:styleLbl name="asst0">
+    <dgm:scene3d>
+      <a:camera prst="orthographicFront"/>
+      <a:lightRig rig="threePt" dir="t"/>
+    </dgm:scene3d>
+    <dgm:sp3d/>
+    <dgm:txPr/>
+    <dgm:style>
+      <a:lnRef idx="0">
+        <a:scrgbClr r="0" g="0" b="0"/>
+      </a:lnRef>
+      <a:fillRef idx="3">
+        <a:scrgbClr r="0" g="0" b="0"/>
+      </a:fillRef>
+      <a:effectRef idx="3">
+        <a:scrgbClr r="0" g="0" b="0"/>
+      </a:effectRef>
+      <a:fontRef idx="minor">
+        <a:schemeClr val="lt1"/>
+      </a:fontRef>
+    </dgm:style>
+  </dgm:styleLbl>
+  <dgm:styleLbl name="asst1">
+    <dgm:scene3d>
+      <a:camera prst="orthographicFront"/>
+      <a:lightRig rig="threePt" dir="t"/>
+    </dgm:scene3d>
+    <dgm:sp3d/>
+    <dgm:txPr/>
+    <dgm:style>
+      <a:lnRef idx="0">
+        <a:scrgbClr r="0" g="0" b="0"/>
+      </a:lnRef>
+      <a:fillRef idx="3">
+        <a:scrgbClr r="0" g="0" b="0"/>
+      </a:fillRef>
+      <a:effectRef idx="3">
+        <a:scrgbClr r="0" g="0" b="0"/>
+      </a:effectRef>
+      <a:fontRef idx="minor">
+        <a:schemeClr val="lt1"/>
+      </a:fontRef>
+    </dgm:style>
+  </dgm:styleLbl>
+  <dgm:styleLbl name="asst2">
+    <dgm:scene3d>
+      <a:camera prst="orthographicFront"/>
+      <a:lightRig rig="threePt" dir="t"/>
+    </dgm:scene3d>
+    <dgm:sp3d/>
+    <dgm:txPr/>
+    <dgm:style>
+      <a:lnRef idx="0">
+        <a:scrgbClr r="0" g="0" b="0"/>
+      </a:lnRef>
+      <a:fillRef idx="3">
+        <a:scrgbClr r="0" g="0" b="0"/>
+      </a:fillRef>
+      <a:effectRef idx="3">
+        <a:scrgbClr r="0" g="0" b="0"/>
+      </a:effectRef>
+      <a:fontRef idx="minor">
+        <a:schemeClr val="lt1"/>
+      </a:fontRef>
+    </dgm:style>
+  </dgm:styleLbl>
+  <dgm:styleLbl name="asst3">
+    <dgm:scene3d>
+      <a:camera prst="orthographicFront"/>
+      <a:lightRig rig="threePt" dir="t"/>
+    </dgm:scene3d>
+    <dgm:sp3d/>
+    <dgm:txPr/>
+    <dgm:style>
+      <a:lnRef idx="0">
+        <a:scrgbClr r="0" g="0" b="0"/>
+      </a:lnRef>
+      <a:fillRef idx="3">
+        <a:scrgbClr r="0" g="0" b="0"/>
+      </a:fillRef>
+      <a:effectRef idx="3">
+        <a:scrgbClr r="0" g="0" b="0"/>
+      </a:effectRef>
+      <a:fontRef idx="minor">
+        <a:schemeClr val="lt1"/>
+      </a:fontRef>
+    </dgm:style>
+  </dgm:styleLbl>
+  <dgm:styleLbl name="asst4">
+    <dgm:scene3d>
+      <a:camera prst="orthographicFront"/>
+      <a:lightRig rig="threePt" dir="t"/>
+    </dgm:scene3d>
+    <dgm:sp3d/>
+    <dgm:txPr/>
+    <dgm:style>
+      <a:lnRef idx="0">
+        <a:scrgbClr r="0" g="0" b="0"/>
+      </a:lnRef>
+      <a:fillRef idx="3">
+        <a:scrgbClr r="0" g="0" b="0"/>
+      </a:fillRef>
+      <a:effectRef idx="3">
+        <a:scrgbClr r="0" g="0" b="0"/>
+      </a:effectRef>
+      <a:fontRef idx="minor">
+        <a:schemeClr val="lt1"/>
+      </a:fontRef>
+    </dgm:style>
+  </dgm:styleLbl>
+  <dgm:styleLbl name="parChTrans2D1">
+    <dgm:scene3d>
+      <a:camera prst="orthographicFront"/>
+      <a:lightRig rig="threePt" dir="t"/>
+    </dgm:scene3d>
+    <dgm:sp3d/>
+    <dgm:txPr/>
+    <dgm:style>
+      <a:lnRef idx="0">
+        <a:scrgbClr r="0" g="0" b="0"/>
+      </a:lnRef>
+      <a:fillRef idx="3">
+        <a:scrgbClr r="0" g="0" b="0"/>
+      </a:fillRef>
+      <a:effectRef idx="3">
+        <a:scrgbClr r="0" g="0" b="0"/>
+      </a:effectRef>
+      <a:fontRef idx="minor">
+        <a:schemeClr val="lt1"/>
+      </a:fontRef>
+    </dgm:style>
+  </dgm:styleLbl>
+  <dgm:styleLbl name="parChTrans2D2">
+    <dgm:scene3d>
+      <a:camera prst="orthographicFront"/>
+      <a:lightRig rig="threePt" dir="t"/>
+    </dgm:scene3d>
+    <dgm:sp3d/>
+    <dgm:txPr/>
+    <dgm:style>
+      <a:lnRef idx="0">
+        <a:scrgbClr r="0" g="0" b="0"/>
+      </a:lnRef>
+      <a:fillRef idx="3">
+        <a:scrgbClr r="0" g="0" b="0"/>
+      </a:fillRef>
+      <a:effectRef idx="3">
+        <a:scrgbClr r="0" g="0" b="0"/>
+      </a:effectRef>
+      <a:fontRef idx="minor">
+        <a:schemeClr val="lt1"/>
+      </a:fontRef>
+    </dgm:style>
+  </dgm:styleLbl>
+  <dgm:styleLbl name="parChTrans2D3">
+    <dgm:scene3d>
+      <a:camera prst="orthographicFront"/>
+      <a:lightRig rig="threePt" dir="t"/>
+    </dgm:scene3d>
+    <dgm:sp3d/>
+    <dgm:txPr/>
+    <dgm:style>
+      <a:lnRef idx="0">
+        <a:scrgbClr r="0" g="0" b="0"/>
+      </a:lnRef>
+      <a:fillRef idx="3">
+        <a:scrgbClr r="0" g="0" b="0"/>
+      </a:fillRef>
+      <a:effectRef idx="3">
+        <a:scrgbClr r="0" g="0" b="0"/>
+      </a:effectRef>
+      <a:fontRef idx="minor">
+        <a:schemeClr val="lt1"/>
+      </a:fontRef>
+    </dgm:style>
+  </dgm:styleLbl>
+  <dgm:styleLbl name="parChTrans2D4">
+    <dgm:scene3d>
+      <a:camera prst="orthographicFront"/>
+      <a:lightRig rig="threePt" dir="t"/>
+    </dgm:scene3d>
+    <dgm:sp3d/>
+    <dgm:txPr/>
+    <dgm:style>
+      <a:lnRef idx="0">
+        <a:scrgbClr r="0" g="0" b="0"/>
+      </a:lnRef>
+      <a:fillRef idx="3">
+        <a:scrgbClr r="0" g="0" b="0"/>
+      </a:fillRef>
+      <a:effectRef idx="3">
+        <a:scrgbClr r="0" g="0" b="0"/>
+      </a:effectRef>
+      <a:fontRef idx="minor">
+        <a:schemeClr val="lt1"/>
+      </a:fontRef>
+    </dgm:style>
+  </dgm:styleLbl>
+  <dgm:styleLbl name="parChTrans1D1">
+    <dgm:scene3d>
+      <a:camera prst="orthographicFront"/>
+      <a:lightRig rig="threePt" dir="t"/>
+    </dgm:scene3d>
+    <dgm:sp3d/>
+    <dgm:txPr/>
+    <dgm:style>
+      <a:lnRef idx="2">
+        <a:scrgbClr r="0" g="0" b="0"/>
+      </a:lnRef>
+      <a:fillRef idx="0">
+        <a:scrgbClr r="0" g="0" b="0"/>
+      </a:fillRef>
+      <a:effectRef idx="0">
+        <a:scrgbClr r="0" g="0" b="0"/>
+      </a:effectRef>
+      <a:fontRef idx="minor"/>
+    </dgm:style>
+  </dgm:styleLbl>
+  <dgm:styleLbl name="parChTrans1D2">
+    <dgm:scene3d>
+      <a:camera prst="orthographicFront"/>
+      <a:lightRig rig="threePt" dir="t"/>
+    </dgm:scene3d>
+    <dgm:sp3d/>
+    <dgm:txPr/>
+    <dgm:style>
+      <a:lnRef idx="2">
+        <a:scrgbClr r="0" g="0" b="0"/>
+      </a:lnRef>
+      <a:fillRef idx="0">
+        <a:scrgbClr r="0" g="0" b="0"/>
+      </a:fillRef>
+      <a:effectRef idx="0">
+        <a:scrgbClr r="0" g="0" b="0"/>
+      </a:effectRef>
+      <a:fontRef idx="minor"/>
+    </dgm:style>
+  </dgm:styleLbl>
+  <dgm:styleLbl name="parChTrans1D3">
+    <dgm:scene3d>
+      <a:camera prst="orthographicFront"/>
+      <a:lightRig rig="threePt" dir="t"/>
+    </dgm:scene3d>
+    <dgm:sp3d/>
+    <dgm:txPr/>
+    <dgm:style>
+      <a:lnRef idx="2">
+        <a:scrgbClr r="0" g="0" b="0"/>
+      </a:lnRef>
+      <a:fillRef idx="0">
+        <a:scrgbClr r="0" g="0" b="0"/>
+      </a:fillRef>
+      <a:effectRef idx="0">
+        <a:scrgbClr r="0" g="0" b="0"/>
+      </a:effectRef>
+      <a:fontRef idx="minor"/>
+    </dgm:style>
+  </dgm:styleLbl>
+  <dgm:styleLbl name="parChTrans1D4">
+    <dgm:scene3d>
+      <a:camera prst="orthographicFront"/>
+      <a:lightRig rig="threePt" dir="t"/>
+    </dgm:scene3d>
+    <dgm:sp3d/>
+    <dgm:txPr/>
+    <dgm:style>
+      <a:lnRef idx="2">
+        <a:scrgbClr r="0" g="0" b="0"/>
+      </a:lnRef>
+      <a:fillRef idx="0">
+        <a:scrgbClr r="0" g="0" b="0"/>
+      </a:fillRef>
+      <a:effectRef idx="0">
+        <a:scrgbClr r="0" g="0" b="0"/>
+      </a:effectRef>
+      <a:fontRef idx="minor"/>
+    </dgm:style>
+  </dgm:styleLbl>
+  <dgm:styleLbl name="fgAcc1">
+    <dgm:scene3d>
+      <a:camera prst="orthographicFront"/>
+      <a:lightRig rig="threePt" dir="t"/>
+    </dgm:scene3d>
+    <dgm:sp3d/>
+    <dgm:txPr/>
+    <dgm:style>
+      <a:lnRef idx="1">
+        <a:scrgbClr r="0" g="0" b="0"/>
+      </a:lnRef>
+      <a:fillRef idx="1">
+        <a:scrgbClr r="0" g="0" b="0"/>
+      </a:fillRef>
+      <a:effectRef idx="2">
+        <a:scrgbClr r="0" g="0" b="0"/>
+      </a:effectRef>
+      <a:fontRef idx="minor"/>
+    </dgm:style>
+  </dgm:styleLbl>
+  <dgm:styleLbl name="conFgAcc1">
+    <dgm:scene3d>
+      <a:camera prst="orthographicFront"/>
+      <a:lightRig rig="threePt" dir="t"/>
+    </dgm:scene3d>
+    <dgm:sp3d/>
+    <dgm:txPr/>
+    <dgm:style>
+      <a:lnRef idx="1">
+        <a:scrgbClr r="0" g="0" b="0"/>
+      </a:lnRef>
+      <a:fillRef idx="1">
+        <a:scrgbClr r="0" g="0" b="0"/>
+      </a:fillRef>
+      <a:effectRef idx="2">
+        <a:scrgbClr r="0" g="0" b="0"/>
+      </a:effectRef>
+      <a:fontRef idx="minor"/>
+    </dgm:style>
+  </dgm:styleLbl>
+  <dgm:styleLbl name="alignAcc1">
+    <dgm:scene3d>
+      <a:camera prst="orthographicFront"/>
+      <a:lightRig rig="threePt" dir="t"/>
+    </dgm:scene3d>
+    <dgm:sp3d/>
+    <dgm:txPr/>
+    <dgm:style>
+      <a:lnRef idx="1">
+        <a:scrgbClr r="0" g="0" b="0"/>
+      </a:lnRef>
+      <a:fillRef idx="1">
+        <a:scrgbClr r="0" g="0" b="0"/>
+      </a:fillRef>
+      <a:effectRef idx="2">
+        <a:scrgbClr r="0" g="0" b="0"/>
+      </a:effectRef>
+      <a:fontRef idx="minor"/>
+    </dgm:style>
+  </dgm:styleLbl>
+  <dgm:styleLbl name="trAlignAcc1">
+    <dgm:scene3d>
+      <a:camera prst="orthographicFront"/>
+      <a:lightRig rig="threePt" dir="t"/>
+    </dgm:scene3d>
+    <dgm:sp3d/>
+    <dgm:txPr/>
+    <dgm:style>
+      <a:lnRef idx="1">
+        <a:scrgbClr r="0" g="0" b="0"/>
+      </a:lnRef>
+      <a:fillRef idx="1">
+        <a:scrgbClr r="0" g="0" b="0"/>
+      </a:fillRef>
+      <a:effectRef idx="0">
+        <a:scrgbClr r="0" g="0" b="0"/>
+      </a:effectRef>
+      <a:fontRef idx="minor"/>
+    </dgm:style>
+  </dgm:styleLbl>
+  <dgm:styleLbl name="bgAcc1">
+    <dgm:scene3d>
+      <a:camera prst="orthographicFront"/>
+      <a:lightRig rig="threePt" dir="t"/>
+    </dgm:scene3d>
+    <dgm:sp3d/>
+    <dgm:txPr/>
+    <dgm:style>
+      <a:lnRef idx="1">
+        <a:scrgbClr r="0" g="0" b="0"/>
+      </a:lnRef>
+      <a:fillRef idx="1">
+        <a:scrgbClr r="0" g="0" b="0"/>
+      </a:fillRef>
+      <a:effectRef idx="2">
+        <a:scrgbClr r="0" g="0" b="0"/>
+      </a:effectRef>
+      <a:fontRef idx="minor"/>
+    </dgm:style>
+  </dgm:styleLbl>
+  <dgm:styleLbl name="solidFgAcc1">
+    <dgm:scene3d>
+      <a:camera prst="orthographicFront"/>
+      <a:lightRig rig="threePt" dir="t"/>
+    </dgm:scene3d>
+    <dgm:sp3d/>
+    <dgm:txPr/>
+    <dgm:style>
+      <a:lnRef idx="1">
+        <a:scrgbClr r="0" g="0" b="0"/>
+      </a:lnRef>
+      <a:fillRef idx="1">
+        <a:scrgbClr r="0" g="0" b="0"/>
+      </a:fillRef>
+      <a:effectRef idx="2">
+        <a:scrgbClr r="0" g="0" b="0"/>
+      </a:effectRef>
+      <a:fontRef idx="minor"/>
+    </dgm:style>
+  </dgm:styleLbl>
+  <dgm:styleLbl name="solidAlignAcc1">
+    <dgm:scene3d>
+      <a:camera prst="orthographicFront"/>
+      <a:lightRig rig="threePt" dir="t"/>
+    </dgm:scene3d>
+    <dgm:sp3d/>
+    <dgm:txPr/>
+    <dgm:style>
+      <a:lnRef idx="1">
+        <a:scrgbClr r="0" g="0" b="0"/>
+      </a:lnRef>
+      <a:fillRef idx="1">
+        <a:scrgbClr r="0" g="0" b="0"/>
+      </a:fillRef>
+      <a:effectRef idx="3">
+        <a:scrgbClr r="0" g="0" b="0"/>
+      </a:effectRef>
+      <a:fontRef idx="minor"/>
+    </dgm:style>
+  </dgm:styleLbl>
+  <dgm:styleLbl name="solidBgAcc1">
+    <dgm:scene3d>
+      <a:camera prst="orthographicFront"/>
+      <a:lightRig rig="threePt" dir="t"/>
+    </dgm:scene3d>
+    <dgm:sp3d/>
+    <dgm:txPr/>
+    <dgm:style>
+      <a:lnRef idx="1">
+        <a:scrgbClr r="0" g="0" b="0"/>
+      </a:lnRef>
+      <a:fillRef idx="1">
+        <a:scrgbClr r="0" g="0" b="0"/>
+      </a:fillRef>
+      <a:effectRef idx="3">
+        <a:scrgbClr r="0" g="0" b="0"/>
+      </a:effectRef>
+      <a:fontRef idx="minor"/>
+    </dgm:style>
+  </dgm:styleLbl>
+  <dgm:styleLbl name="fgAccFollowNode1">
+    <dgm:scene3d>
+      <a:camera prst="orthographicFront"/>
+      <a:lightRig rig="threePt" dir="t"/>
+    </dgm:scene3d>
+    <dgm:sp3d/>
+    <dgm:txPr/>
+    <dgm:style>
+      <a:lnRef idx="1">
+        <a:scrgbClr r="0" g="0" b="0"/>
+      </a:lnRef>
+      <a:fillRef idx="1">
+        <a:scrgbClr r="0" g="0" b="0"/>
+      </a:fillRef>
+      <a:effectRef idx="2">
+        <a:scrgbClr r="0" g="0" b="0"/>
+      </a:effectRef>
+      <a:fontRef idx="minor"/>
+    </dgm:style>
+  </dgm:styleLbl>
+  <dgm:styleLbl name="alignAccFollowNode1">
+    <dgm:scene3d>
+      <a:camera prst="orthographicFront"/>
+      <a:lightRig rig="threePt" dir="t"/>
+    </dgm:scene3d>
+    <dgm:sp3d/>
+    <dgm:txPr/>
+    <dgm:style>
+      <a:lnRef idx="1">
+        <a:scrgbClr r="0" g="0" b="0"/>
+      </a:lnRef>
+      <a:fillRef idx="1">
+        <a:scrgbClr r="0" g="0" b="0"/>
+      </a:fillRef>
+      <a:effectRef idx="2">
+        <a:scrgbClr r="0" g="0" b="0"/>
+      </a:effectRef>
+      <a:fontRef idx="minor"/>
+    </dgm:style>
+  </dgm:styleLbl>
+  <dgm:styleLbl name="bgAccFollowNode1">
+    <dgm:scene3d>
+      <a:camera prst="orthographicFront"/>
+      <a:lightRig rig="threePt" dir="t"/>
+    </dgm:scene3d>
+    <dgm:sp3d/>
+    <dgm:txPr/>
+    <dgm:style>
+      <a:lnRef idx="1">
+        <a:scrgbClr r="0" g="0" b="0"/>
+      </a:lnRef>
+      <a:fillRef idx="1">
+        <a:scrgbClr r="0" g="0" b="0"/>
+      </a:fillRef>
+      <a:effectRef idx="2">
+        <a:scrgbClr r="0" g="0" b="0"/>
+      </a:effectRef>
+      <a:fontRef idx="minor"/>
+    </dgm:style>
+  </dgm:styleLbl>
+  <dgm:styleLbl name="fgAcc0">
+    <dgm:scene3d>
+      <a:camera prst="orthographicFront"/>
+      <a:lightRig rig="threePt" dir="t"/>
+    </dgm:scene3d>
+    <dgm:sp3d/>
+    <dgm:txPr/>
+    <dgm:style>
+      <a:lnRef idx="1">
+        <a:scrgbClr r="0" g="0" b="0"/>
+      </a:lnRef>
+      <a:fillRef idx="1">
+        <a:scrgbClr r="0" g="0" b="0"/>
+      </a:fillRef>
+      <a:effectRef idx="2">
+        <a:scrgbClr r="0" g="0" b="0"/>
+      </a:effectRef>
+      <a:fontRef idx="minor"/>
+    </dgm:style>
+  </dgm:styleLbl>
+  <dgm:styleLbl name="fgAcc2">
+    <dgm:scene3d>
+      <a:camera prst="orthographicFront"/>
+      <a:lightRig rig="threePt" dir="t"/>
+    </dgm:scene3d>
+    <dgm:sp3d/>
+    <dgm:txPr/>
+    <dgm:style>
+      <a:lnRef idx="1">
+        <a:scrgbClr r="0" g="0" b="0"/>
+      </a:lnRef>
+      <a:fillRef idx="1">
+        <a:scrgbClr r="0" g="0" b="0"/>
+      </a:fillRef>
+      <a:effectRef idx="2">
+        <a:scrgbClr r="0" g="0" b="0"/>
+      </a:effectRef>
+      <a:fontRef idx="minor"/>
+    </dgm:style>
+  </dgm:styleLbl>
+  <dgm:styleLbl name="fgAcc3">
+    <dgm:scene3d>
+      <a:camera prst="orthographicFront"/>
+      <a:lightRig rig="threePt" dir="t"/>
+    </dgm:scene3d>
+    <dgm:sp3d/>
+    <dgm:txPr/>
+    <dgm:style>
+      <a:lnRef idx="1">
+        <a:scrgbClr r="0" g="0" b="0"/>
+      </a:lnRef>
+      <a:fillRef idx="1">
+        <a:scrgbClr r="0" g="0" b="0"/>
+      </a:fillRef>
+      <a:effectRef idx="2">
+        <a:scrgbClr r="0" g="0" b="0"/>
+      </a:effectRef>
+      <a:fontRef idx="minor"/>
+    </dgm:style>
+  </dgm:styleLbl>
+  <dgm:styleLbl name="fgAcc4">
+    <dgm:scene3d>
+      <a:camera prst="orthographicFront"/>
+      <a:lightRig rig="threePt" dir="t"/>
+    </dgm:scene3d>
+    <dgm:sp3d/>
+    <dgm:txPr/>
+    <dgm:style>
+      <a:lnRef idx="1">
+        <a:scrgbClr r="0" g="0" b="0"/>
+      </a:lnRef>
+      <a:fillRef idx="1">
+        <a:scrgbClr r="0" g="0" b="0"/>
+      </a:fillRef>
+      <a:effectRef idx="2">
+        <a:scrgbClr r="0" g="0" b="0"/>
+      </a:effectRef>
+      <a:fontRef idx="minor"/>
+    </dgm:style>
+  </dgm:styleLbl>
+  <dgm:styleLbl name="bgShp">
+    <dgm:scene3d>
+      <a:camera prst="orthographicFront"/>
+      <a:lightRig rig="threePt" dir="t"/>
+    </dgm:scene3d>
+    <dgm:sp3d/>
+    <dgm:txPr/>
+    <dgm:style>
+      <a:lnRef idx="0">
+        <a:scrgbClr r="0" g="0" b="0"/>
+      </a:lnRef>
+      <a:fillRef idx="1">
+        <a:scrgbClr r="0" g="0" b="0"/>
+      </a:fillRef>
+      <a:effectRef idx="2">
+        <a:scrgbClr r="0" g="0" b="0"/>
+      </a:effectRef>
+      <a:fontRef idx="minor"/>
+    </dgm:style>
+  </dgm:styleLbl>
+  <dgm:styleLbl name="dkBgShp">
+    <dgm:scene3d>
+      <a:camera prst="orthographicFront"/>
+      <a:lightRig rig="threePt" dir="t"/>
+    </dgm:scene3d>
+    <dgm:sp3d/>
+    <dgm:txPr/>
+    <dgm:style>
+      <a:lnRef idx="0">
+        <a:scrgbClr r="0" g="0" b="0"/>
+      </a:lnRef>
+      <a:fillRef idx="1">
+        <a:scrgbClr r="0" g="0" b="0"/>
+      </a:fillRef>
+      <a:effectRef idx="3">
+        <a:scrgbClr r="0" g="0" b="0"/>
+      </a:effectRef>
+      <a:fontRef idx="minor"/>
+    </dgm:style>
+  </dgm:styleLbl>
+  <dgm:styleLbl name="trBgShp">
+    <dgm:scene3d>
+      <a:camera prst="orthographicFront"/>
+      <a:lightRig rig="threePt" dir="t"/>
+    </dgm:scene3d>
+    <dgm:sp3d/>
+    <dgm:txPr/>
+    <dgm:style>
+      <a:lnRef idx="0">
+        <a:scrgbClr r="0" g="0" b="0"/>
+      </a:lnRef>
+      <a:fillRef idx="1">
+        <a:scrgbClr r="0" g="0" b="0"/>
+      </a:fillRef>
+      <a:effectRef idx="0">
+        <a:scrgbClr r="0" g="0" b="0"/>
+      </a:effectRef>
+      <a:fontRef idx="minor"/>
+    </dgm:style>
+  </dgm:styleLbl>
+  <dgm:styleLbl name="fgShp">
+    <dgm:scene3d>
+      <a:camera prst="orthographicFront"/>
+      <a:lightRig rig="threePt" dir="t"/>
+    </dgm:scene3d>
+    <dgm:sp3d/>
+    <dgm:txPr/>
+    <dgm:style>
+      <a:lnRef idx="0">
+        <a:scrgbClr r="0" g="0" b="0"/>
+      </a:lnRef>
+      <a:fillRef idx="3">
+        <a:scrgbClr r="0" g="0" b="0"/>
+      </a:fillRef>
+      <a:effectRef idx="3">
+        <a:scrgbClr r="0" g="0" b="0"/>
+      </a:effectRef>
+      <a:fontRef idx="minor"/>
+    </dgm:style>
+  </dgm:styleLbl>
+  <dgm:styleLbl name="revTx">
+    <dgm:scene3d>
+      <a:camera prst="orthographicFront"/>
+      <a:lightRig rig="threePt" dir="t"/>
+    </dgm:scene3d>
+    <dgm:sp3d/>
+    <dgm:txPr/>
+    <dgm:style>
+      <a:lnRef idx="0">
         <a:scrgbClr r="0" g="0" b="0"/>
       </a:lnRef>
       <a:fillRef idx="0">
@@ -15277,6 +21867,192 @@
       </p:grpSpPr>
       <p:sp>
         <p:nvSpPr>
+          <p:cNvPr id="17" name="TextBox 16"/>
+          <p:cNvSpPr txBox="1"/>
+          <p:nvPr/>
+        </p:nvSpPr>
+        <p:spPr>
+          <a:xfrm>
+            <a:off x="7388286" y="6310604"/>
+            <a:ext cx="2410409" cy="340519"/>
+          </a:xfrm>
+          <a:prstGeom prst="roundRect">
+            <a:avLst/>
+          </a:prstGeom>
+        </p:spPr>
+        <p:style>
+          <a:lnRef idx="2">
+            <a:schemeClr val="accent3"/>
+          </a:lnRef>
+          <a:fillRef idx="1">
+            <a:schemeClr val="lt1"/>
+          </a:fillRef>
+          <a:effectRef idx="0">
+            <a:schemeClr val="accent3"/>
+          </a:effectRef>
+          <a:fontRef idx="minor">
+            <a:schemeClr val="dk1"/>
+          </a:fontRef>
+        </p:style>
+        <p:txBody>
+          <a:bodyPr wrap="square" rtlCol="0">
+            <a:spAutoFit/>
+          </a:bodyPr>
+          <a:lstStyle/>
+          <a:p>
+            <a:pPr marL="285750" indent="-285750">
+              <a:buFont typeface="Arial" panose="020B0604020202020204" pitchFamily="34" charset="0"/>
+              <a:buChar char="•"/>
+            </a:pPr>
+            <a:r>
+              <a:rPr lang="ru-RU" sz="1400" dirty="0" smtClean="0"/>
+              <a:t>Петровская Анастасия</a:t>
+            </a:r>
+          </a:p>
+        </p:txBody>
+      </p:sp>
+      <p:sp>
+        <p:nvSpPr>
+          <p:cNvPr id="18" name="TextBox 17"/>
+          <p:cNvSpPr txBox="1"/>
+          <p:nvPr/>
+        </p:nvSpPr>
+        <p:spPr>
+          <a:xfrm>
+            <a:off x="9927770" y="2675526"/>
+            <a:ext cx="2114939" cy="1293971"/>
+          </a:xfrm>
+          <a:prstGeom prst="roundRect">
+            <a:avLst/>
+          </a:prstGeom>
+        </p:spPr>
+        <p:style>
+          <a:lnRef idx="2">
+            <a:schemeClr val="accent2"/>
+          </a:lnRef>
+          <a:fillRef idx="1">
+            <a:schemeClr val="lt1"/>
+          </a:fillRef>
+          <a:effectRef idx="0">
+            <a:schemeClr val="accent2"/>
+          </a:effectRef>
+          <a:fontRef idx="minor">
+            <a:schemeClr val="dk1"/>
+          </a:fontRef>
+        </p:style>
+        <p:txBody>
+          <a:bodyPr wrap="square" rtlCol="0">
+            <a:spAutoFit/>
+          </a:bodyPr>
+          <a:lstStyle/>
+          <a:p>
+            <a:pPr marL="285750" indent="-285750">
+              <a:buFont typeface="Arial" panose="020B0604020202020204" pitchFamily="34" charset="0"/>
+              <a:buChar char="•"/>
+            </a:pPr>
+            <a:r>
+              <a:rPr lang="ru-RU" sz="1400" dirty="0" smtClean="0"/>
+              <a:t>Петровская    Анастасия</a:t>
+            </a:r>
+          </a:p>
+          <a:p>
+            <a:pPr marL="285750" indent="-285750" algn="ctr">
+              <a:buFont typeface="Arial" panose="020B0604020202020204" pitchFamily="34" charset="0"/>
+              <a:buChar char="•"/>
+            </a:pPr>
+            <a:r>
+              <a:rPr lang="ru-RU" sz="1400" dirty="0" err="1" smtClean="0"/>
+              <a:t>Сиволоб</a:t>
+            </a:r>
+            <a:r>
+              <a:rPr lang="ru-RU" sz="1400" dirty="0" smtClean="0"/>
+              <a:t> Иван</a:t>
+            </a:r>
+          </a:p>
+          <a:p>
+            <a:pPr marL="285750" indent="-285750" algn="ctr">
+              <a:buFont typeface="Arial" panose="020B0604020202020204" pitchFamily="34" charset="0"/>
+              <a:buChar char="•"/>
+            </a:pPr>
+            <a:r>
+              <a:rPr lang="ru-RU" sz="1400" dirty="0" smtClean="0"/>
+              <a:t>Македонская Евгения</a:t>
+            </a:r>
+          </a:p>
+        </p:txBody>
+      </p:sp>
+      <p:sp>
+        <p:nvSpPr>
+          <p:cNvPr id="16" name="TextBox 15"/>
+          <p:cNvSpPr txBox="1"/>
+          <p:nvPr/>
+        </p:nvSpPr>
+        <p:spPr>
+          <a:xfrm>
+            <a:off x="5439746" y="2675525"/>
+            <a:ext cx="2114939" cy="1293971"/>
+          </a:xfrm>
+          <a:prstGeom prst="roundRect">
+            <a:avLst/>
+          </a:prstGeom>
+        </p:spPr>
+        <p:style>
+          <a:lnRef idx="2">
+            <a:schemeClr val="accent4"/>
+          </a:lnRef>
+          <a:fillRef idx="1">
+            <a:schemeClr val="lt1"/>
+          </a:fillRef>
+          <a:effectRef idx="0">
+            <a:schemeClr val="accent4"/>
+          </a:effectRef>
+          <a:fontRef idx="minor">
+            <a:schemeClr val="dk1"/>
+          </a:fontRef>
+        </p:style>
+        <p:txBody>
+          <a:bodyPr wrap="square" rtlCol="0">
+            <a:spAutoFit/>
+          </a:bodyPr>
+          <a:lstStyle/>
+          <a:p>
+            <a:pPr marL="285750" indent="-285750">
+              <a:buFont typeface="Arial" panose="020B0604020202020204" pitchFamily="34" charset="0"/>
+              <a:buChar char="•"/>
+            </a:pPr>
+            <a:r>
+              <a:rPr lang="ru-RU" sz="1400" dirty="0" smtClean="0"/>
+              <a:t>Петровская Анастасия</a:t>
+            </a:r>
+          </a:p>
+          <a:p>
+            <a:pPr marL="285750" indent="-285750">
+              <a:buFont typeface="Arial" panose="020B0604020202020204" pitchFamily="34" charset="0"/>
+              <a:buChar char="•"/>
+            </a:pPr>
+            <a:r>
+              <a:rPr lang="ru-RU" sz="1400" dirty="0" err="1" smtClean="0"/>
+              <a:t>Сиволоб</a:t>
+            </a:r>
+            <a:r>
+              <a:rPr lang="ru-RU" sz="1400" dirty="0" smtClean="0"/>
+              <a:t> Иван</a:t>
+            </a:r>
+          </a:p>
+          <a:p>
+            <a:pPr marL="285750" indent="-285750">
+              <a:buFont typeface="Arial" panose="020B0604020202020204" pitchFamily="34" charset="0"/>
+              <a:buChar char="•"/>
+            </a:pPr>
+            <a:r>
+              <a:rPr lang="ru-RU" sz="1400" dirty="0" smtClean="0"/>
+              <a:t>Македонская Евгения</a:t>
+            </a:r>
+          </a:p>
+        </p:txBody>
+      </p:sp>
+      <p:sp>
+        <p:nvSpPr>
           <p:cNvPr id="2" name="Заголовок 1"/>
           <p:cNvSpPr>
             <a:spLocks noGrp="1"/>
@@ -15314,19 +22090,22 @@
       </p:sp>
       <p:graphicFrame>
         <p:nvGraphicFramePr>
-          <p:cNvPr id="9" name="Диаграмма 8"/>
-          <p:cNvGraphicFramePr/>
+          <p:cNvPr id="6" name="Объект 5"/>
+          <p:cNvGraphicFramePr>
+            <a:graphicFrameLocks noGrp="1"/>
+          </p:cNvGraphicFramePr>
           <p:nvPr>
+            <p:ph idx="1"/>
             <p:extLst>
               <p:ext uri="{D42A27DB-BD31-4B8C-83A1-F6EECF244321}">
-                <p14:modId xmlns:p14="http://schemas.microsoft.com/office/powerpoint/2010/main" val="3724552826"/>
+                <p14:modId xmlns:p14="http://schemas.microsoft.com/office/powerpoint/2010/main" val="3416355223"/>
               </p:ext>
             </p:extLst>
           </p:nvPr>
         </p:nvGraphicFramePr>
         <p:xfrm>
-          <a:off x="412375" y="1715247"/>
-          <a:ext cx="4691529" cy="4138987"/>
+          <a:off x="199053" y="1803918"/>
+          <a:ext cx="5293568" cy="4578221"/>
         </p:xfrm>
         <a:graphic>
           <a:graphicData uri="http://schemas.openxmlformats.org/drawingml/2006/chart">
@@ -15334,27 +22113,82 @@
           </a:graphicData>
         </a:graphic>
       </p:graphicFrame>
+      <p:graphicFrame>
+        <p:nvGraphicFramePr>
+          <p:cNvPr id="15" name="Схема 14"/>
+          <p:cNvGraphicFramePr/>
+          <p:nvPr>
+            <p:extLst>
+              <p:ext uri="{D42A27DB-BD31-4B8C-83A1-F6EECF244321}">
+                <p14:modId xmlns:p14="http://schemas.microsoft.com/office/powerpoint/2010/main" val="3735721195"/>
+              </p:ext>
+            </p:extLst>
+          </p:nvPr>
+        </p:nvGraphicFramePr>
+        <p:xfrm>
+          <a:off x="5334000" y="2276669"/>
+          <a:ext cx="6858000" cy="4379168"/>
+        </p:xfrm>
+        <a:graphic>
+          <a:graphicData uri="http://schemas.openxmlformats.org/drawingml/2006/diagram">
+            <dgm:relIds xmlns:dgm="http://schemas.openxmlformats.org/drawingml/2006/diagram" xmlns:r="http://schemas.openxmlformats.org/officeDocument/2006/relationships" r:dm="rId3" r:lo="rId4" r:qs="rId5" r:cs="rId6"/>
+          </a:graphicData>
+        </a:graphic>
+      </p:graphicFrame>
       <p:sp>
         <p:nvSpPr>
-          <p:cNvPr id="10" name="Объект 9"/>
-          <p:cNvSpPr>
-            <a:spLocks noGrp="1"/>
-          </p:cNvSpPr>
-          <p:nvPr>
-            <p:ph idx="1"/>
-          </p:nvPr>
+          <p:cNvPr id="19" name="TextBox 18"/>
+          <p:cNvSpPr txBox="1"/>
+          <p:nvPr/>
         </p:nvSpPr>
         <p:spPr>
           <a:xfrm>
-            <a:off x="10405034" y="1825625"/>
-            <a:ext cx="948765" cy="4351338"/>
+            <a:off x="7047718" y="1720173"/>
+            <a:ext cx="3091543" cy="400110"/>
           </a:xfrm>
+          <a:prstGeom prst="rect">
+            <a:avLst/>
+          </a:prstGeom>
+          <a:noFill/>
         </p:spPr>
         <p:txBody>
-          <a:bodyPr/>
+          <a:bodyPr wrap="square" rtlCol="0">
+            <a:spAutoFit/>
+          </a:bodyPr>
           <a:lstStyle/>
           <a:p>
-            <a:endParaRPr lang="ru-RU"/>
+            <a:pPr algn="ctr"/>
+            <a:r>
+              <a:rPr lang="ru-RU" sz="2000" b="1" dirty="0" smtClean="0">
+                <a:solidFill>
+                  <a:schemeClr val="accent1">
+                    <a:lumMod val="25000"/>
+                  </a:schemeClr>
+                </a:solidFill>
+                <a:effectLst>
+                  <a:outerShdw blurRad="38100" dist="38100" dir="2700000" algn="tl">
+                    <a:srgbClr val="000000">
+                      <a:alpha val="43137"/>
+                    </a:srgbClr>
+                  </a:outerShdw>
+                </a:effectLst>
+              </a:rPr>
+              <a:t>ДОКУМЕНТАЦИЯ</a:t>
+            </a:r>
+            <a:endParaRPr lang="ru-RU" sz="2000" b="1" dirty="0">
+              <a:solidFill>
+                <a:schemeClr val="accent1">
+                  <a:lumMod val="25000"/>
+                </a:schemeClr>
+              </a:solidFill>
+              <a:effectLst>
+                <a:outerShdw blurRad="38100" dist="38100" dir="2700000" algn="tl">
+                  <a:srgbClr val="000000">
+                    <a:alpha val="43137"/>
+                  </a:srgbClr>
+                </a:outerShdw>
+              </a:effectLst>
+            </a:endParaRPr>
           </a:p>
         </p:txBody>
       </p:sp>
@@ -15391,6 +22225,422 @@
 </file>
 
 <file path=ppt/slides/slide16.xml><?xml version="1.0" encoding="utf-8"?>
+<p:sld xmlns:a="http://schemas.openxmlformats.org/drawingml/2006/main" xmlns:r="http://schemas.openxmlformats.org/officeDocument/2006/relationships" xmlns:p="http://schemas.openxmlformats.org/presentationml/2006/main">
+  <p:cSld>
+    <p:spTree>
+      <p:nvGrpSpPr>
+        <p:cNvPr id="1" name=""/>
+        <p:cNvGrpSpPr/>
+        <p:nvPr/>
+      </p:nvGrpSpPr>
+      <p:grpSpPr>
+        <a:xfrm>
+          <a:off x="0" y="0"/>
+          <a:ext cx="0" cy="0"/>
+          <a:chOff x="0" y="0"/>
+          <a:chExt cx="0" cy="0"/>
+        </a:xfrm>
+      </p:grpSpPr>
+      <p:sp>
+        <p:nvSpPr>
+          <p:cNvPr id="2" name="Заголовок 1"/>
+          <p:cNvSpPr>
+            <a:spLocks noGrp="1"/>
+          </p:cNvSpPr>
+          <p:nvPr>
+            <p:ph type="title"/>
+          </p:nvPr>
+        </p:nvSpPr>
+        <p:spPr>
+          <a:xfrm>
+            <a:off x="838200" y="365125"/>
+            <a:ext cx="10515600" cy="891397"/>
+          </a:xfrm>
+        </p:spPr>
+        <p:txBody>
+          <a:bodyPr/>
+          <a:lstStyle/>
+          <a:p>
+            <a:pPr algn="ctr"/>
+            <a:r>
+              <a:rPr lang="ru-RU" b="1" dirty="0" smtClean="0">
+                <a:solidFill>
+                  <a:srgbClr val="FFFFFF"/>
+                </a:solidFill>
+              </a:rPr>
+              <a:t>Результаты тестирования</a:t>
+            </a:r>
+            <a:endParaRPr lang="ru-RU" b="1" dirty="0">
+              <a:solidFill>
+                <a:srgbClr val="FFFFFF"/>
+              </a:solidFill>
+            </a:endParaRPr>
+          </a:p>
+        </p:txBody>
+      </p:sp>
+      <p:graphicFrame>
+        <p:nvGraphicFramePr>
+          <p:cNvPr id="8" name="Объект 7"/>
+          <p:cNvGraphicFramePr>
+            <a:graphicFrameLocks noGrp="1"/>
+          </p:cNvGraphicFramePr>
+          <p:nvPr>
+            <p:ph idx="1"/>
+            <p:extLst>
+              <p:ext uri="{D42A27DB-BD31-4B8C-83A1-F6EECF244321}">
+                <p14:modId xmlns:p14="http://schemas.microsoft.com/office/powerpoint/2010/main" val="4219199528"/>
+              </p:ext>
+            </p:extLst>
+          </p:nvPr>
+        </p:nvGraphicFramePr>
+        <p:xfrm>
+          <a:off x="7277879" y="2043338"/>
+          <a:ext cx="4549644" cy="4351338"/>
+        </p:xfrm>
+        <a:graphic>
+          <a:graphicData uri="http://schemas.openxmlformats.org/drawingml/2006/chart">
+            <c:chart xmlns:c="http://schemas.openxmlformats.org/drawingml/2006/chart" xmlns:r="http://schemas.openxmlformats.org/officeDocument/2006/relationships" r:id="rId2"/>
+          </a:graphicData>
+        </a:graphic>
+      </p:graphicFrame>
+      <p:sp>
+        <p:nvSpPr>
+          <p:cNvPr id="4" name="Овал 3"/>
+          <p:cNvSpPr/>
+          <p:nvPr/>
+        </p:nvSpPr>
+        <p:spPr>
+          <a:xfrm>
+            <a:off x="838200" y="2212909"/>
+            <a:ext cx="2177143" cy="1359159"/>
+          </a:xfrm>
+          <a:prstGeom prst="ellipse">
+            <a:avLst/>
+          </a:prstGeom>
+          <a:solidFill>
+            <a:schemeClr val="bg1">
+              <a:lumMod val="50000"/>
+            </a:schemeClr>
+          </a:solidFill>
+          <a:ln>
+            <a:solidFill>
+              <a:schemeClr val="bg1">
+                <a:lumMod val="10000"/>
+              </a:schemeClr>
+            </a:solidFill>
+          </a:ln>
+        </p:spPr>
+        <p:style>
+          <a:lnRef idx="2">
+            <a:schemeClr val="accent6"/>
+          </a:lnRef>
+          <a:fillRef idx="1">
+            <a:schemeClr val="lt1"/>
+          </a:fillRef>
+          <a:effectRef idx="0">
+            <a:schemeClr val="accent6"/>
+          </a:effectRef>
+          <a:fontRef idx="minor">
+            <a:schemeClr val="dk1"/>
+          </a:fontRef>
+        </p:style>
+        <p:txBody>
+          <a:bodyPr rtlCol="0" anchor="ctr"/>
+          <a:lstStyle/>
+          <a:p>
+            <a:pPr algn="ctr"/>
+            <a:r>
+              <a:rPr lang="ru-RU" sz="2000" b="1" dirty="0" smtClean="0">
+                <a:solidFill>
+                  <a:srgbClr val="FFFFFF"/>
+                </a:solidFill>
+              </a:rPr>
+              <a:t>121</a:t>
+            </a:r>
+          </a:p>
+          <a:p>
+            <a:pPr algn="ctr"/>
+            <a:r>
+              <a:rPr lang="ru-RU" sz="2000" b="1" dirty="0" smtClean="0">
+                <a:solidFill>
+                  <a:srgbClr val="FFFFFF"/>
+                </a:solidFill>
+              </a:rPr>
+              <a:t>Тест-кейс</a:t>
+            </a:r>
+            <a:endParaRPr lang="ru-RU" sz="2000" b="1" dirty="0">
+              <a:solidFill>
+                <a:srgbClr val="FFFFFF"/>
+              </a:solidFill>
+            </a:endParaRPr>
+          </a:p>
+        </p:txBody>
+      </p:sp>
+      <p:pic>
+        <p:nvPicPr>
+          <p:cNvPr id="1026" name="Picture 2" descr="http://ultravires.ca/wp/wp-content/uploads/2013/01/PassFail-Small.jpg"/>
+          <p:cNvPicPr>
+            <a:picLocks noChangeAspect="1" noChangeArrowheads="1"/>
+          </p:cNvPicPr>
+          <p:nvPr/>
+        </p:nvPicPr>
+        <p:blipFill>
+          <a:blip r:embed="rId3">
+            <a:extLst>
+              <a:ext uri="{28A0092B-C50C-407E-A947-70E740481C1C}">
+                <a14:useLocalDpi xmlns:a14="http://schemas.microsoft.com/office/drawing/2010/main" val="0"/>
+              </a:ext>
+            </a:extLst>
+          </a:blip>
+          <a:srcRect/>
+          <a:stretch>
+            <a:fillRect/>
+          </a:stretch>
+        </p:blipFill>
+        <p:spPr bwMode="auto">
+          <a:xfrm>
+            <a:off x="1398069" y="4180986"/>
+            <a:ext cx="2649829" cy="1758240"/>
+          </a:xfrm>
+          <a:prstGeom prst="rect">
+            <a:avLst/>
+          </a:prstGeom>
+          <a:noFill/>
+          <a:extLst>
+            <a:ext uri="{909E8E84-426E-40DD-AFC4-6F175D3DCCD1}">
+              <a14:hiddenFill xmlns:a14="http://schemas.microsoft.com/office/drawing/2010/main">
+                <a:solidFill>
+                  <a:srgbClr val="FFFFFF"/>
+                </a:solidFill>
+              </a14:hiddenFill>
+            </a:ext>
+          </a:extLst>
+        </p:spPr>
+      </p:pic>
+      <p:sp>
+        <p:nvSpPr>
+          <p:cNvPr id="9" name="Стрелка вправо 8"/>
+          <p:cNvSpPr/>
+          <p:nvPr/>
+        </p:nvSpPr>
+        <p:spPr>
+          <a:xfrm>
+            <a:off x="4683967" y="2550368"/>
+            <a:ext cx="2245567" cy="1163216"/>
+          </a:xfrm>
+          <a:prstGeom prst="rightArrow">
+            <a:avLst/>
+          </a:prstGeom>
+          <a:ln>
+            <a:solidFill>
+              <a:schemeClr val="accent2">
+                <a:lumMod val="50000"/>
+              </a:schemeClr>
+            </a:solidFill>
+          </a:ln>
+        </p:spPr>
+        <p:style>
+          <a:lnRef idx="1">
+            <a:schemeClr val="accent2"/>
+          </a:lnRef>
+          <a:fillRef idx="2">
+            <a:schemeClr val="accent2"/>
+          </a:fillRef>
+          <a:effectRef idx="1">
+            <a:schemeClr val="accent2"/>
+          </a:effectRef>
+          <a:fontRef idx="minor">
+            <a:schemeClr val="dk1"/>
+          </a:fontRef>
+        </p:style>
+        <p:txBody>
+          <a:bodyPr rtlCol="0" anchor="ctr"/>
+          <a:lstStyle/>
+          <a:p>
+            <a:pPr algn="ctr"/>
+            <a:r>
+              <a:rPr lang="ru-RU" sz="1400" dirty="0" smtClean="0"/>
+              <a:t>50% - несоответствие реализации и ТЗ</a:t>
+            </a:r>
+            <a:endParaRPr lang="ru-RU" sz="1400" dirty="0"/>
+          </a:p>
+        </p:txBody>
+      </p:sp>
+      <p:sp>
+        <p:nvSpPr>
+          <p:cNvPr id="12" name="Стрелка вправо 11"/>
+          <p:cNvSpPr/>
+          <p:nvPr/>
+        </p:nvSpPr>
+        <p:spPr>
+          <a:xfrm>
+            <a:off x="4683967" y="3896890"/>
+            <a:ext cx="2245567" cy="1163216"/>
+          </a:xfrm>
+          <a:prstGeom prst="rightArrow">
+            <a:avLst/>
+          </a:prstGeom>
+          <a:ln>
+            <a:solidFill>
+              <a:schemeClr val="accent2">
+                <a:lumMod val="50000"/>
+              </a:schemeClr>
+            </a:solidFill>
+          </a:ln>
+        </p:spPr>
+        <p:style>
+          <a:lnRef idx="1">
+            <a:schemeClr val="accent2"/>
+          </a:lnRef>
+          <a:fillRef idx="2">
+            <a:schemeClr val="accent2"/>
+          </a:fillRef>
+          <a:effectRef idx="1">
+            <a:schemeClr val="accent2"/>
+          </a:effectRef>
+          <a:fontRef idx="minor">
+            <a:schemeClr val="dk1"/>
+          </a:fontRef>
+        </p:style>
+        <p:txBody>
+          <a:bodyPr rtlCol="0" anchor="ctr"/>
+          <a:lstStyle/>
+          <a:p>
+            <a:pPr algn="ctr"/>
+            <a:r>
+              <a:rPr lang="ru-RU" sz="1400" dirty="0" smtClean="0"/>
+              <a:t>50% -вылетает сервис</a:t>
+            </a:r>
+            <a:endParaRPr lang="ru-RU" sz="1400" dirty="0"/>
+          </a:p>
+        </p:txBody>
+      </p:sp>
+    </p:spTree>
+    <p:extLst>
+      <p:ext uri="{BB962C8B-B14F-4D97-AF65-F5344CB8AC3E}">
+        <p14:creationId xmlns:p14="http://schemas.microsoft.com/office/powerpoint/2010/main" val="1590001618"/>
+      </p:ext>
+    </p:extLst>
+  </p:cSld>
+  <p:clrMapOvr>
+    <a:masterClrMapping/>
+  </p:clrMapOvr>
+  <mc:AlternateContent xmlns:mc="http://schemas.openxmlformats.org/markup-compatibility/2006">
+    <mc:Choice xmlns:p14="http://schemas.microsoft.com/office/powerpoint/2010/main" Requires="p14">
+      <p:transition spd="med" p14:dur="700">
+        <p:fade/>
+      </p:transition>
+    </mc:Choice>
+    <mc:Fallback>
+      <p:transition spd="med">
+        <p:fade/>
+      </p:transition>
+    </mc:Fallback>
+  </mc:AlternateContent>
+  <p:timing>
+    <p:tnLst>
+      <p:par>
+        <p:cTn id="1" dur="indefinite" restart="never" nodeType="tmRoot"/>
+      </p:par>
+    </p:tnLst>
+  </p:timing>
+</p:sld>
+</file>
+
+<file path=ppt/slides/slide17.xml><?xml version="1.0" encoding="utf-8"?>
+<p:sld xmlns:a="http://schemas.openxmlformats.org/drawingml/2006/main" xmlns:r="http://schemas.openxmlformats.org/officeDocument/2006/relationships" xmlns:p="http://schemas.openxmlformats.org/presentationml/2006/main">
+  <p:cSld>
+    <p:spTree>
+      <p:nvGrpSpPr>
+        <p:cNvPr id="1" name=""/>
+        <p:cNvGrpSpPr/>
+        <p:nvPr/>
+      </p:nvGrpSpPr>
+      <p:grpSpPr>
+        <a:xfrm>
+          <a:off x="0" y="0"/>
+          <a:ext cx="0" cy="0"/>
+          <a:chOff x="0" y="0"/>
+          <a:chExt cx="0" cy="0"/>
+        </a:xfrm>
+      </p:grpSpPr>
+      <p:sp>
+        <p:nvSpPr>
+          <p:cNvPr id="2" name="Заголовок 1"/>
+          <p:cNvSpPr>
+            <a:spLocks noGrp="1"/>
+          </p:cNvSpPr>
+          <p:nvPr>
+            <p:ph type="title"/>
+          </p:nvPr>
+        </p:nvSpPr>
+        <p:spPr/>
+        <p:txBody>
+          <a:bodyPr/>
+          <a:lstStyle/>
+          <a:p>
+            <a:endParaRPr lang="ru-RU"/>
+          </a:p>
+        </p:txBody>
+      </p:sp>
+      <p:graphicFrame>
+        <p:nvGraphicFramePr>
+          <p:cNvPr id="12" name="Объект 11"/>
+          <p:cNvGraphicFramePr>
+            <a:graphicFrameLocks noGrp="1"/>
+          </p:cNvGraphicFramePr>
+          <p:nvPr>
+            <p:ph idx="1"/>
+            <p:extLst>
+              <p:ext uri="{D42A27DB-BD31-4B8C-83A1-F6EECF244321}">
+                <p14:modId xmlns:p14="http://schemas.microsoft.com/office/powerpoint/2010/main" val="4228072786"/>
+              </p:ext>
+            </p:extLst>
+          </p:nvPr>
+        </p:nvGraphicFramePr>
+        <p:xfrm>
+          <a:off x="838200" y="1825625"/>
+          <a:ext cx="10515600" cy="4351338"/>
+        </p:xfrm>
+        <a:graphic>
+          <a:graphicData uri="http://schemas.openxmlformats.org/drawingml/2006/chart">
+            <c:chart xmlns:c="http://schemas.openxmlformats.org/drawingml/2006/chart" xmlns:r="http://schemas.openxmlformats.org/officeDocument/2006/relationships" r:id="rId2"/>
+          </a:graphicData>
+        </a:graphic>
+      </p:graphicFrame>
+    </p:spTree>
+    <p:extLst>
+      <p:ext uri="{BB962C8B-B14F-4D97-AF65-F5344CB8AC3E}">
+        <p14:creationId xmlns:p14="http://schemas.microsoft.com/office/powerpoint/2010/main" val="4054681045"/>
+      </p:ext>
+    </p:extLst>
+  </p:cSld>
+  <p:clrMapOvr>
+    <a:masterClrMapping/>
+  </p:clrMapOvr>
+  <mc:AlternateContent xmlns:mc="http://schemas.openxmlformats.org/markup-compatibility/2006">
+    <mc:Choice xmlns:p14="http://schemas.microsoft.com/office/powerpoint/2010/main" Requires="p14">
+      <p:transition spd="med" p14:dur="700">
+        <p:fade/>
+      </p:transition>
+    </mc:Choice>
+    <mc:Fallback>
+      <p:transition spd="med">
+        <p:fade/>
+      </p:transition>
+    </mc:Fallback>
+  </mc:AlternateContent>
+  <p:timing>
+    <p:tnLst>
+      <p:par>
+        <p:cTn id="1" dur="indefinite" restart="never" nodeType="tmRoot"/>
+      </p:par>
+    </p:tnLst>
+  </p:timing>
+</p:sld>
+</file>
+
+<file path=ppt/slides/slide18.xml><?xml version="1.0" encoding="utf-8"?>
 <p:sld xmlns:a="http://schemas.openxmlformats.org/drawingml/2006/main" xmlns:r="http://schemas.openxmlformats.org/officeDocument/2006/relationships" xmlns:p="http://schemas.openxmlformats.org/presentationml/2006/main">
   <p:cSld>
     <p:spTree>
@@ -15509,7 +22759,7 @@
 </p:sld>
 </file>
 
-<file path=ppt/slides/slide17.xml><?xml version="1.0" encoding="utf-8"?>
+<file path=ppt/slides/slide19.xml><?xml version="1.0" encoding="utf-8"?>
 <p:sld xmlns:a="http://schemas.openxmlformats.org/drawingml/2006/main" xmlns:r="http://schemas.openxmlformats.org/officeDocument/2006/relationships" xmlns:p="http://schemas.openxmlformats.org/presentationml/2006/main">
   <p:cSld>
     <p:spTree>
@@ -15922,7 +23172,417 @@
 </p:sld>
 </file>
 
-<file path=ppt/slides/slide18.xml><?xml version="1.0" encoding="utf-8"?>
+<file path=ppt/slides/slide2.xml><?xml version="1.0" encoding="utf-8"?>
+<p:sld xmlns:a="http://schemas.openxmlformats.org/drawingml/2006/main" xmlns:r="http://schemas.openxmlformats.org/officeDocument/2006/relationships" xmlns:p="http://schemas.openxmlformats.org/presentationml/2006/main">
+  <p:cSld>
+    <p:bg>
+      <p:bgPr>
+        <a:solidFill>
+          <a:schemeClr val="accent1">
+            <a:alpha val="57000"/>
+          </a:schemeClr>
+        </a:solidFill>
+        <a:effectLst/>
+      </p:bgPr>
+    </p:bg>
+    <p:spTree>
+      <p:nvGrpSpPr>
+        <p:cNvPr id="1" name=""/>
+        <p:cNvGrpSpPr/>
+        <p:nvPr/>
+      </p:nvGrpSpPr>
+      <p:grpSpPr>
+        <a:xfrm>
+          <a:off x="0" y="0"/>
+          <a:ext cx="0" cy="0"/>
+          <a:chOff x="0" y="0"/>
+          <a:chExt cx="0" cy="0"/>
+        </a:xfrm>
+      </p:grpSpPr>
+      <p:sp>
+        <p:nvSpPr>
+          <p:cNvPr id="2" name="Заголовок 1"/>
+          <p:cNvSpPr>
+            <a:spLocks noGrp="1"/>
+          </p:cNvSpPr>
+          <p:nvPr>
+            <p:ph type="title"/>
+          </p:nvPr>
+        </p:nvSpPr>
+        <p:spPr>
+          <a:xfrm>
+            <a:off x="684777" y="263887"/>
+            <a:ext cx="10515600" cy="1052449"/>
+          </a:xfrm>
+        </p:spPr>
+        <p:txBody>
+          <a:bodyPr/>
+          <a:lstStyle/>
+          <a:p>
+            <a:pPr algn="ctr" defTabSz="914400">
+              <a:lnSpc>
+                <a:spcPct val="90000"/>
+              </a:lnSpc>
+              <a:spcBef>
+                <a:spcPts val="1"/>
+              </a:spcBef>
+              <a:buNone/>
+            </a:pPr>
+            <a:r>
+              <a:rPr lang="ru-RU" sz="3200" b="0" i="0" dirty="0" smtClean="0">
+                <a:solidFill>
+                  <a:schemeClr val="bg1"/>
+                </a:solidFill>
+                <a:latin typeface="Arial" panose="020B0604020202020204" pitchFamily="34" charset="0"/>
+                <a:cs typeface="Arial" panose="020B0604020202020204" pitchFamily="34" charset="0"/>
+              </a:rPr>
+              <a:t>Концепция</a:t>
+            </a:r>
+            <a:endParaRPr lang="ru-RU" sz="3200" b="0" i="0" dirty="0">
+              <a:solidFill>
+                <a:schemeClr val="bg1"/>
+              </a:solidFill>
+              <a:latin typeface="Arial" panose="020B0604020202020204" pitchFamily="34" charset="0"/>
+              <a:cs typeface="Arial" panose="020B0604020202020204" pitchFamily="34" charset="0"/>
+            </a:endParaRPr>
+          </a:p>
+        </p:txBody>
+      </p:sp>
+      <p:sp>
+        <p:nvSpPr>
+          <p:cNvPr id="5" name="Скругленный прямоугольник 4"/>
+          <p:cNvSpPr/>
+          <p:nvPr/>
+        </p:nvSpPr>
+        <p:spPr>
+          <a:xfrm>
+            <a:off x="4264039" y="2354752"/>
+            <a:ext cx="3496887" cy="1147157"/>
+          </a:xfrm>
+          <a:prstGeom prst="roundRect">
+            <a:avLst/>
+          </a:prstGeom>
+          <a:solidFill>
+            <a:srgbClr val="FFC000"/>
+          </a:solidFill>
+          <a:effectLst>
+            <a:outerShdw blurRad="50800" dist="38100" dir="2700000" algn="tl" rotWithShape="0">
+              <a:prstClr val="black">
+                <a:alpha val="40000"/>
+              </a:prstClr>
+            </a:outerShdw>
+          </a:effectLst>
+        </p:spPr>
+        <p:style>
+          <a:lnRef idx="2">
+            <a:schemeClr val="accent2">
+              <a:shade val="50000"/>
+            </a:schemeClr>
+          </a:lnRef>
+          <a:fillRef idx="1">
+            <a:schemeClr val="accent2"/>
+          </a:fillRef>
+          <a:effectRef idx="0">
+            <a:schemeClr val="accent2"/>
+          </a:effectRef>
+          <a:fontRef idx="minor">
+            <a:schemeClr val="lt1"/>
+          </a:fontRef>
+        </p:style>
+        <p:txBody>
+          <a:bodyPr rtlCol="0" anchor="ctr"/>
+          <a:lstStyle/>
+          <a:p>
+            <a:pPr algn="ctr"/>
+            <a:r>
+              <a:rPr lang="en-US" sz="2400" b="1" dirty="0" smtClean="0">
+                <a:ln w="0"/>
+                <a:solidFill>
+                  <a:schemeClr val="bg1"/>
+                </a:solidFill>
+              </a:rPr>
+              <a:t>Party Surfing</a:t>
+            </a:r>
+            <a:endParaRPr lang="ru-RU" sz="2400" b="1" dirty="0">
+              <a:ln w="0"/>
+              <a:solidFill>
+                <a:schemeClr val="bg1"/>
+              </a:solidFill>
+            </a:endParaRPr>
+          </a:p>
+        </p:txBody>
+      </p:sp>
+      <p:sp>
+        <p:nvSpPr>
+          <p:cNvPr id="6" name="Овал 5"/>
+          <p:cNvSpPr/>
+          <p:nvPr/>
+        </p:nvSpPr>
+        <p:spPr>
+          <a:xfrm>
+            <a:off x="802401" y="4588376"/>
+            <a:ext cx="2870662" cy="853440"/>
+          </a:xfrm>
+          <a:prstGeom prst="ellipse">
+            <a:avLst/>
+          </a:prstGeom>
+          <a:solidFill>
+            <a:schemeClr val="accent6">
+              <a:lumMod val="60000"/>
+              <a:lumOff val="40000"/>
+            </a:schemeClr>
+          </a:solidFill>
+          <a:effectLst>
+            <a:outerShdw blurRad="50800" dist="38100" dir="2700000" algn="tl" rotWithShape="0">
+              <a:prstClr val="black">
+                <a:alpha val="40000"/>
+              </a:prstClr>
+            </a:outerShdw>
+          </a:effectLst>
+        </p:spPr>
+        <p:style>
+          <a:lnRef idx="1">
+            <a:schemeClr val="accent6"/>
+          </a:lnRef>
+          <a:fillRef idx="2">
+            <a:schemeClr val="accent6"/>
+          </a:fillRef>
+          <a:effectRef idx="1">
+            <a:schemeClr val="accent6"/>
+          </a:effectRef>
+          <a:fontRef idx="minor">
+            <a:schemeClr val="dk1"/>
+          </a:fontRef>
+        </p:style>
+        <p:txBody>
+          <a:bodyPr rtlCol="0" anchor="ctr"/>
+          <a:lstStyle/>
+          <a:p>
+            <a:pPr algn="ctr"/>
+            <a:r>
+              <a:rPr lang="ru-RU" sz="2400" b="1" dirty="0" smtClean="0">
+                <a:solidFill>
+                  <a:schemeClr val="bg1"/>
+                </a:solidFill>
+              </a:rPr>
+              <a:t>Поиск</a:t>
+            </a:r>
+            <a:endParaRPr lang="ru-RU" sz="2400" b="1" dirty="0">
+              <a:solidFill>
+                <a:schemeClr val="bg1"/>
+              </a:solidFill>
+            </a:endParaRPr>
+          </a:p>
+        </p:txBody>
+      </p:sp>
+      <p:sp>
+        <p:nvSpPr>
+          <p:cNvPr id="8" name="Овал 7"/>
+          <p:cNvSpPr/>
+          <p:nvPr/>
+        </p:nvSpPr>
+        <p:spPr>
+          <a:xfrm>
+            <a:off x="8229107" y="4631335"/>
+            <a:ext cx="2870662" cy="853440"/>
+          </a:xfrm>
+          <a:prstGeom prst="ellipse">
+            <a:avLst/>
+          </a:prstGeom>
+          <a:solidFill>
+            <a:schemeClr val="accent6">
+              <a:lumMod val="60000"/>
+              <a:lumOff val="40000"/>
+            </a:schemeClr>
+          </a:solidFill>
+          <a:effectLst>
+            <a:outerShdw blurRad="50800" dist="38100" dir="2700000" algn="tl" rotWithShape="0">
+              <a:prstClr val="black">
+                <a:alpha val="40000"/>
+              </a:prstClr>
+            </a:outerShdw>
+          </a:effectLst>
+        </p:spPr>
+        <p:style>
+          <a:lnRef idx="1">
+            <a:schemeClr val="accent6"/>
+          </a:lnRef>
+          <a:fillRef idx="2">
+            <a:schemeClr val="accent6"/>
+          </a:fillRef>
+          <a:effectRef idx="1">
+            <a:schemeClr val="accent6"/>
+          </a:effectRef>
+          <a:fontRef idx="minor">
+            <a:schemeClr val="dk1"/>
+          </a:fontRef>
+        </p:style>
+        <p:txBody>
+          <a:bodyPr rtlCol="0" anchor="ctr"/>
+          <a:lstStyle/>
+          <a:p>
+            <a:pPr algn="ctr"/>
+            <a:r>
+              <a:rPr lang="ru-RU" sz="2400" b="1" dirty="0" smtClean="0">
+                <a:solidFill>
+                  <a:schemeClr val="bg1"/>
+                </a:solidFill>
+              </a:rPr>
+              <a:t>Организация</a:t>
+            </a:r>
+            <a:endParaRPr lang="ru-RU" sz="2400" b="1" dirty="0">
+              <a:solidFill>
+                <a:schemeClr val="bg1"/>
+              </a:solidFill>
+            </a:endParaRPr>
+          </a:p>
+        </p:txBody>
+      </p:sp>
+      <p:sp>
+        <p:nvSpPr>
+          <p:cNvPr id="14" name="Стрелка углом 13"/>
+          <p:cNvSpPr/>
+          <p:nvPr/>
+        </p:nvSpPr>
+        <p:spPr>
+          <a:xfrm rot="10800000" flipH="1">
+            <a:off x="6559338" y="3682048"/>
+            <a:ext cx="1455471" cy="1714467"/>
+          </a:xfrm>
+          <a:prstGeom prst="bentArrow">
+            <a:avLst/>
+          </a:prstGeom>
+          <a:solidFill>
+            <a:schemeClr val="accent1">
+              <a:lumMod val="90000"/>
+            </a:schemeClr>
+          </a:solidFill>
+          <a:effectLst>
+            <a:outerShdw blurRad="50800" dist="38100" dir="2700000" algn="tl" rotWithShape="0">
+              <a:prstClr val="black">
+                <a:alpha val="40000"/>
+              </a:prstClr>
+            </a:outerShdw>
+          </a:effectLst>
+        </p:spPr>
+        <p:style>
+          <a:lnRef idx="2">
+            <a:schemeClr val="accent1">
+              <a:shade val="50000"/>
+            </a:schemeClr>
+          </a:lnRef>
+          <a:fillRef idx="1">
+            <a:schemeClr val="accent1"/>
+          </a:fillRef>
+          <a:effectRef idx="0">
+            <a:schemeClr val="accent1"/>
+          </a:effectRef>
+          <a:fontRef idx="minor">
+            <a:schemeClr val="lt1"/>
+          </a:fontRef>
+        </p:style>
+        <p:txBody>
+          <a:bodyPr rtlCol="0" anchor="ctr"/>
+          <a:lstStyle/>
+          <a:p>
+            <a:pPr algn="ctr"/>
+            <a:endParaRPr lang="ru-RU">
+              <a:solidFill>
+                <a:schemeClr val="tx1"/>
+              </a:solidFill>
+            </a:endParaRPr>
+          </a:p>
+        </p:txBody>
+      </p:sp>
+      <p:sp>
+        <p:nvSpPr>
+          <p:cNvPr id="17" name="Стрелка углом 16"/>
+          <p:cNvSpPr/>
+          <p:nvPr/>
+        </p:nvSpPr>
+        <p:spPr>
+          <a:xfrm rot="10800000">
+            <a:off x="3851563" y="3682048"/>
+            <a:ext cx="1491270" cy="1714467"/>
+          </a:xfrm>
+          <a:prstGeom prst="bentArrow">
+            <a:avLst/>
+          </a:prstGeom>
+          <a:solidFill>
+            <a:schemeClr val="accent1">
+              <a:lumMod val="90000"/>
+            </a:schemeClr>
+          </a:solidFill>
+          <a:effectLst>
+            <a:outerShdw blurRad="50800" dist="38100" dir="2700000" algn="tl" rotWithShape="0">
+              <a:prstClr val="black">
+                <a:alpha val="40000"/>
+              </a:prstClr>
+            </a:outerShdw>
+          </a:effectLst>
+        </p:spPr>
+        <p:style>
+          <a:lnRef idx="2">
+            <a:schemeClr val="accent1">
+              <a:shade val="50000"/>
+            </a:schemeClr>
+          </a:lnRef>
+          <a:fillRef idx="1">
+            <a:schemeClr val="accent1"/>
+          </a:fillRef>
+          <a:effectRef idx="0">
+            <a:schemeClr val="accent1"/>
+          </a:effectRef>
+          <a:fontRef idx="minor">
+            <a:schemeClr val="lt1"/>
+          </a:fontRef>
+        </p:style>
+        <p:txBody>
+          <a:bodyPr rtlCol="0" anchor="ctr"/>
+          <a:lstStyle/>
+          <a:p>
+            <a:pPr algn="ctr"/>
+            <a:endParaRPr lang="ru-RU">
+              <a:solidFill>
+                <a:schemeClr val="tx1"/>
+              </a:solidFill>
+            </a:endParaRPr>
+          </a:p>
+        </p:txBody>
+      </p:sp>
+    </p:spTree>
+    <p:extLst>
+      <p:ext uri="{BB962C8B-B14F-4D97-AF65-F5344CB8AC3E}">
+        <p14:creationId xmlns:p14="http://schemas.microsoft.com/office/powerpoint/2010/main" val="3639872359"/>
+      </p:ext>
+    </p:extLst>
+  </p:cSld>
+  <p:clrMapOvr>
+    <a:masterClrMapping/>
+  </p:clrMapOvr>
+  <mc:AlternateContent xmlns:mc="http://schemas.openxmlformats.org/markup-compatibility/2006" xmlns:p14="http://schemas.microsoft.com/office/powerpoint/2010/main">
+    <mc:Choice Requires="p14">
+      <p:transition spd="med" p14:dur="700">
+        <p:fade/>
+      </p:transition>
+    </mc:Choice>
+    <mc:Fallback xmlns="">
+      <p:transition spd="med">
+        <p:fade/>
+      </p:transition>
+    </mc:Fallback>
+  </mc:AlternateContent>
+  <p:timing>
+    <p:tnLst>
+      <p:par>
+        <p:cTn id="1" dur="indefinite" restart="never" nodeType="tmRoot"/>
+      </p:par>
+    </p:tnLst>
+  </p:timing>
+</p:sld>
+</file>
+
+<file path=ppt/slides/slide20.xml><?xml version="1.0" encoding="utf-8"?>
 <p:sld xmlns:a="http://schemas.openxmlformats.org/drawingml/2006/main" xmlns:r="http://schemas.openxmlformats.org/officeDocument/2006/relationships" xmlns:p="http://schemas.openxmlformats.org/presentationml/2006/main">
   <p:cSld>
     <p:spTree>
@@ -16849,7 +24509,7 @@
 </p:sld>
 </file>
 
-<file path=ppt/slides/slide19.xml><?xml version="1.0" encoding="utf-8"?>
+<file path=ppt/slides/slide21.xml><?xml version="1.0" encoding="utf-8"?>
 <p:sld xmlns:a="http://schemas.openxmlformats.org/drawingml/2006/main" xmlns:r="http://schemas.openxmlformats.org/officeDocument/2006/relationships" xmlns:p="http://schemas.openxmlformats.org/presentationml/2006/main">
   <p:cSld>
     <p:spTree>
@@ -16962,417 +24622,7 @@
 </p:sld>
 </file>
 
-<file path=ppt/slides/slide2.xml><?xml version="1.0" encoding="utf-8"?>
-<p:sld xmlns:a="http://schemas.openxmlformats.org/drawingml/2006/main" xmlns:r="http://schemas.openxmlformats.org/officeDocument/2006/relationships" xmlns:p="http://schemas.openxmlformats.org/presentationml/2006/main">
-  <p:cSld>
-    <p:bg>
-      <p:bgPr>
-        <a:solidFill>
-          <a:schemeClr val="accent1">
-            <a:alpha val="57000"/>
-          </a:schemeClr>
-        </a:solidFill>
-        <a:effectLst/>
-      </p:bgPr>
-    </p:bg>
-    <p:spTree>
-      <p:nvGrpSpPr>
-        <p:cNvPr id="1" name=""/>
-        <p:cNvGrpSpPr/>
-        <p:nvPr/>
-      </p:nvGrpSpPr>
-      <p:grpSpPr>
-        <a:xfrm>
-          <a:off x="0" y="0"/>
-          <a:ext cx="0" cy="0"/>
-          <a:chOff x="0" y="0"/>
-          <a:chExt cx="0" cy="0"/>
-        </a:xfrm>
-      </p:grpSpPr>
-      <p:sp>
-        <p:nvSpPr>
-          <p:cNvPr id="2" name="Заголовок 1"/>
-          <p:cNvSpPr>
-            <a:spLocks noGrp="1"/>
-          </p:cNvSpPr>
-          <p:nvPr>
-            <p:ph type="title"/>
-          </p:nvPr>
-        </p:nvSpPr>
-        <p:spPr>
-          <a:xfrm>
-            <a:off x="684777" y="263887"/>
-            <a:ext cx="10515600" cy="1052449"/>
-          </a:xfrm>
-        </p:spPr>
-        <p:txBody>
-          <a:bodyPr/>
-          <a:lstStyle/>
-          <a:p>
-            <a:pPr algn="ctr" defTabSz="914400">
-              <a:lnSpc>
-                <a:spcPct val="90000"/>
-              </a:lnSpc>
-              <a:spcBef>
-                <a:spcPts val="1"/>
-              </a:spcBef>
-              <a:buNone/>
-            </a:pPr>
-            <a:r>
-              <a:rPr lang="ru-RU" sz="3200" b="0" i="0" dirty="0" smtClean="0">
-                <a:solidFill>
-                  <a:schemeClr val="bg1"/>
-                </a:solidFill>
-                <a:latin typeface="Arial" panose="020B0604020202020204" pitchFamily="34" charset="0"/>
-                <a:cs typeface="Arial" panose="020B0604020202020204" pitchFamily="34" charset="0"/>
-              </a:rPr>
-              <a:t>Концепция</a:t>
-            </a:r>
-            <a:endParaRPr lang="ru-RU" sz="3200" b="0" i="0" dirty="0">
-              <a:solidFill>
-                <a:schemeClr val="bg1"/>
-              </a:solidFill>
-              <a:latin typeface="Arial" panose="020B0604020202020204" pitchFamily="34" charset="0"/>
-              <a:cs typeface="Arial" panose="020B0604020202020204" pitchFamily="34" charset="0"/>
-            </a:endParaRPr>
-          </a:p>
-        </p:txBody>
-      </p:sp>
-      <p:sp>
-        <p:nvSpPr>
-          <p:cNvPr id="5" name="Скругленный прямоугольник 4"/>
-          <p:cNvSpPr/>
-          <p:nvPr/>
-        </p:nvSpPr>
-        <p:spPr>
-          <a:xfrm>
-            <a:off x="4264039" y="2354752"/>
-            <a:ext cx="3496887" cy="1147157"/>
-          </a:xfrm>
-          <a:prstGeom prst="roundRect">
-            <a:avLst/>
-          </a:prstGeom>
-          <a:solidFill>
-            <a:srgbClr val="FFC000"/>
-          </a:solidFill>
-          <a:effectLst>
-            <a:outerShdw blurRad="50800" dist="38100" dir="2700000" algn="tl" rotWithShape="0">
-              <a:prstClr val="black">
-                <a:alpha val="40000"/>
-              </a:prstClr>
-            </a:outerShdw>
-          </a:effectLst>
-        </p:spPr>
-        <p:style>
-          <a:lnRef idx="2">
-            <a:schemeClr val="accent2">
-              <a:shade val="50000"/>
-            </a:schemeClr>
-          </a:lnRef>
-          <a:fillRef idx="1">
-            <a:schemeClr val="accent2"/>
-          </a:fillRef>
-          <a:effectRef idx="0">
-            <a:schemeClr val="accent2"/>
-          </a:effectRef>
-          <a:fontRef idx="minor">
-            <a:schemeClr val="lt1"/>
-          </a:fontRef>
-        </p:style>
-        <p:txBody>
-          <a:bodyPr rtlCol="0" anchor="ctr"/>
-          <a:lstStyle/>
-          <a:p>
-            <a:pPr algn="ctr"/>
-            <a:r>
-              <a:rPr lang="en-US" sz="2400" b="1" dirty="0" smtClean="0">
-                <a:ln w="0"/>
-                <a:solidFill>
-                  <a:schemeClr val="bg1"/>
-                </a:solidFill>
-              </a:rPr>
-              <a:t>Party Surfing</a:t>
-            </a:r>
-            <a:endParaRPr lang="ru-RU" sz="2400" b="1" dirty="0">
-              <a:ln w="0"/>
-              <a:solidFill>
-                <a:schemeClr val="bg1"/>
-              </a:solidFill>
-            </a:endParaRPr>
-          </a:p>
-        </p:txBody>
-      </p:sp>
-      <p:sp>
-        <p:nvSpPr>
-          <p:cNvPr id="6" name="Овал 5"/>
-          <p:cNvSpPr/>
-          <p:nvPr/>
-        </p:nvSpPr>
-        <p:spPr>
-          <a:xfrm>
-            <a:off x="802401" y="4588376"/>
-            <a:ext cx="2870662" cy="853440"/>
-          </a:xfrm>
-          <a:prstGeom prst="ellipse">
-            <a:avLst/>
-          </a:prstGeom>
-          <a:solidFill>
-            <a:schemeClr val="accent6">
-              <a:lumMod val="60000"/>
-              <a:lumOff val="40000"/>
-            </a:schemeClr>
-          </a:solidFill>
-          <a:effectLst>
-            <a:outerShdw blurRad="50800" dist="38100" dir="2700000" algn="tl" rotWithShape="0">
-              <a:prstClr val="black">
-                <a:alpha val="40000"/>
-              </a:prstClr>
-            </a:outerShdw>
-          </a:effectLst>
-        </p:spPr>
-        <p:style>
-          <a:lnRef idx="1">
-            <a:schemeClr val="accent6"/>
-          </a:lnRef>
-          <a:fillRef idx="2">
-            <a:schemeClr val="accent6"/>
-          </a:fillRef>
-          <a:effectRef idx="1">
-            <a:schemeClr val="accent6"/>
-          </a:effectRef>
-          <a:fontRef idx="minor">
-            <a:schemeClr val="dk1"/>
-          </a:fontRef>
-        </p:style>
-        <p:txBody>
-          <a:bodyPr rtlCol="0" anchor="ctr"/>
-          <a:lstStyle/>
-          <a:p>
-            <a:pPr algn="ctr"/>
-            <a:r>
-              <a:rPr lang="ru-RU" sz="2400" b="1" dirty="0" smtClean="0">
-                <a:solidFill>
-                  <a:schemeClr val="bg1"/>
-                </a:solidFill>
-              </a:rPr>
-              <a:t>Поиск</a:t>
-            </a:r>
-            <a:endParaRPr lang="ru-RU" sz="2400" b="1" dirty="0">
-              <a:solidFill>
-                <a:schemeClr val="bg1"/>
-              </a:solidFill>
-            </a:endParaRPr>
-          </a:p>
-        </p:txBody>
-      </p:sp>
-      <p:sp>
-        <p:nvSpPr>
-          <p:cNvPr id="8" name="Овал 7"/>
-          <p:cNvSpPr/>
-          <p:nvPr/>
-        </p:nvSpPr>
-        <p:spPr>
-          <a:xfrm>
-            <a:off x="8229107" y="4631335"/>
-            <a:ext cx="2870662" cy="853440"/>
-          </a:xfrm>
-          <a:prstGeom prst="ellipse">
-            <a:avLst/>
-          </a:prstGeom>
-          <a:solidFill>
-            <a:schemeClr val="accent6">
-              <a:lumMod val="60000"/>
-              <a:lumOff val="40000"/>
-            </a:schemeClr>
-          </a:solidFill>
-          <a:effectLst>
-            <a:outerShdw blurRad="50800" dist="38100" dir="2700000" algn="tl" rotWithShape="0">
-              <a:prstClr val="black">
-                <a:alpha val="40000"/>
-              </a:prstClr>
-            </a:outerShdw>
-          </a:effectLst>
-        </p:spPr>
-        <p:style>
-          <a:lnRef idx="1">
-            <a:schemeClr val="accent6"/>
-          </a:lnRef>
-          <a:fillRef idx="2">
-            <a:schemeClr val="accent6"/>
-          </a:fillRef>
-          <a:effectRef idx="1">
-            <a:schemeClr val="accent6"/>
-          </a:effectRef>
-          <a:fontRef idx="minor">
-            <a:schemeClr val="dk1"/>
-          </a:fontRef>
-        </p:style>
-        <p:txBody>
-          <a:bodyPr rtlCol="0" anchor="ctr"/>
-          <a:lstStyle/>
-          <a:p>
-            <a:pPr algn="ctr"/>
-            <a:r>
-              <a:rPr lang="ru-RU" sz="2400" b="1" dirty="0" smtClean="0">
-                <a:solidFill>
-                  <a:schemeClr val="bg1"/>
-                </a:solidFill>
-              </a:rPr>
-              <a:t>Организация</a:t>
-            </a:r>
-            <a:endParaRPr lang="ru-RU" sz="2400" b="1" dirty="0">
-              <a:solidFill>
-                <a:schemeClr val="bg1"/>
-              </a:solidFill>
-            </a:endParaRPr>
-          </a:p>
-        </p:txBody>
-      </p:sp>
-      <p:sp>
-        <p:nvSpPr>
-          <p:cNvPr id="14" name="Стрелка углом 13"/>
-          <p:cNvSpPr/>
-          <p:nvPr/>
-        </p:nvSpPr>
-        <p:spPr>
-          <a:xfrm rot="10800000" flipH="1">
-            <a:off x="6559338" y="3682048"/>
-            <a:ext cx="1455471" cy="1714467"/>
-          </a:xfrm>
-          <a:prstGeom prst="bentArrow">
-            <a:avLst/>
-          </a:prstGeom>
-          <a:solidFill>
-            <a:schemeClr val="accent1">
-              <a:lumMod val="90000"/>
-            </a:schemeClr>
-          </a:solidFill>
-          <a:effectLst>
-            <a:outerShdw blurRad="50800" dist="38100" dir="2700000" algn="tl" rotWithShape="0">
-              <a:prstClr val="black">
-                <a:alpha val="40000"/>
-              </a:prstClr>
-            </a:outerShdw>
-          </a:effectLst>
-        </p:spPr>
-        <p:style>
-          <a:lnRef idx="2">
-            <a:schemeClr val="accent1">
-              <a:shade val="50000"/>
-            </a:schemeClr>
-          </a:lnRef>
-          <a:fillRef idx="1">
-            <a:schemeClr val="accent1"/>
-          </a:fillRef>
-          <a:effectRef idx="0">
-            <a:schemeClr val="accent1"/>
-          </a:effectRef>
-          <a:fontRef idx="minor">
-            <a:schemeClr val="lt1"/>
-          </a:fontRef>
-        </p:style>
-        <p:txBody>
-          <a:bodyPr rtlCol="0" anchor="ctr"/>
-          <a:lstStyle/>
-          <a:p>
-            <a:pPr algn="ctr"/>
-            <a:endParaRPr lang="ru-RU">
-              <a:solidFill>
-                <a:schemeClr val="tx1"/>
-              </a:solidFill>
-            </a:endParaRPr>
-          </a:p>
-        </p:txBody>
-      </p:sp>
-      <p:sp>
-        <p:nvSpPr>
-          <p:cNvPr id="17" name="Стрелка углом 16"/>
-          <p:cNvSpPr/>
-          <p:nvPr/>
-        </p:nvSpPr>
-        <p:spPr>
-          <a:xfrm rot="10800000">
-            <a:off x="3851563" y="3682048"/>
-            <a:ext cx="1491270" cy="1714467"/>
-          </a:xfrm>
-          <a:prstGeom prst="bentArrow">
-            <a:avLst/>
-          </a:prstGeom>
-          <a:solidFill>
-            <a:schemeClr val="accent1">
-              <a:lumMod val="90000"/>
-            </a:schemeClr>
-          </a:solidFill>
-          <a:effectLst>
-            <a:outerShdw blurRad="50800" dist="38100" dir="2700000" algn="tl" rotWithShape="0">
-              <a:prstClr val="black">
-                <a:alpha val="40000"/>
-              </a:prstClr>
-            </a:outerShdw>
-          </a:effectLst>
-        </p:spPr>
-        <p:style>
-          <a:lnRef idx="2">
-            <a:schemeClr val="accent1">
-              <a:shade val="50000"/>
-            </a:schemeClr>
-          </a:lnRef>
-          <a:fillRef idx="1">
-            <a:schemeClr val="accent1"/>
-          </a:fillRef>
-          <a:effectRef idx="0">
-            <a:schemeClr val="accent1"/>
-          </a:effectRef>
-          <a:fontRef idx="minor">
-            <a:schemeClr val="lt1"/>
-          </a:fontRef>
-        </p:style>
-        <p:txBody>
-          <a:bodyPr rtlCol="0" anchor="ctr"/>
-          <a:lstStyle/>
-          <a:p>
-            <a:pPr algn="ctr"/>
-            <a:endParaRPr lang="ru-RU">
-              <a:solidFill>
-                <a:schemeClr val="tx1"/>
-              </a:solidFill>
-            </a:endParaRPr>
-          </a:p>
-        </p:txBody>
-      </p:sp>
-    </p:spTree>
-    <p:extLst>
-      <p:ext uri="{BB962C8B-B14F-4D97-AF65-F5344CB8AC3E}">
-        <p14:creationId xmlns:p14="http://schemas.microsoft.com/office/powerpoint/2010/main" val="3639872359"/>
-      </p:ext>
-    </p:extLst>
-  </p:cSld>
-  <p:clrMapOvr>
-    <a:masterClrMapping/>
-  </p:clrMapOvr>
-  <mc:AlternateContent xmlns:mc="http://schemas.openxmlformats.org/markup-compatibility/2006" xmlns:p14="http://schemas.microsoft.com/office/powerpoint/2010/main">
-    <mc:Choice Requires="p14">
-      <p:transition spd="med" p14:dur="700">
-        <p:fade/>
-      </p:transition>
-    </mc:Choice>
-    <mc:Fallback xmlns="">
-      <p:transition spd="med">
-        <p:fade/>
-      </p:transition>
-    </mc:Fallback>
-  </mc:AlternateContent>
-  <p:timing>
-    <p:tnLst>
-      <p:par>
-        <p:cTn id="1" dur="indefinite" restart="never" nodeType="tmRoot"/>
-      </p:par>
-    </p:tnLst>
-  </p:timing>
-</p:sld>
-</file>
-
-<file path=ppt/slides/slide20.xml><?xml version="1.0" encoding="utf-8"?>
+<file path=ppt/slides/slide22.xml><?xml version="1.0" encoding="utf-8"?>
 <p:sld xmlns:a="http://schemas.openxmlformats.org/drawingml/2006/main" xmlns:r="http://schemas.openxmlformats.org/officeDocument/2006/relationships" xmlns:p="http://schemas.openxmlformats.org/presentationml/2006/main">
   <p:cSld>
     <p:spTree>
@@ -17782,7 +25032,7 @@
 </p:sld>
 </file>
 
-<file path=ppt/slides/slide21.xml><?xml version="1.0" encoding="utf-8"?>
+<file path=ppt/slides/slide23.xml><?xml version="1.0" encoding="utf-8"?>
 <p:sld xmlns:a="http://schemas.openxmlformats.org/drawingml/2006/main" xmlns:r="http://schemas.openxmlformats.org/officeDocument/2006/relationships" xmlns:p="http://schemas.openxmlformats.org/presentationml/2006/main">
   <p:cSld>
     <p:spTree>
@@ -18125,7 +25375,7 @@
 </p:sld>
 </file>
 
-<file path=ppt/slides/slide22.xml><?xml version="1.0" encoding="utf-8"?>
+<file path=ppt/slides/slide24.xml><?xml version="1.0" encoding="utf-8"?>
 <p:sld xmlns:a="http://schemas.openxmlformats.org/drawingml/2006/main" xmlns:r="http://schemas.openxmlformats.org/officeDocument/2006/relationships" xmlns:p="http://schemas.openxmlformats.org/presentationml/2006/main">
   <p:cSld>
     <p:spTree>
@@ -18545,7 +25795,7 @@
 </p:sld>
 </file>
 
-<file path=ppt/slides/slide23.xml><?xml version="1.0" encoding="utf-8"?>
+<file path=ppt/slides/slide25.xml><?xml version="1.0" encoding="utf-8"?>
 <p:sld xmlns:a="http://schemas.openxmlformats.org/drawingml/2006/main" xmlns:r="http://schemas.openxmlformats.org/officeDocument/2006/relationships" xmlns:p="http://schemas.openxmlformats.org/presentationml/2006/main">
   <p:cSld>
     <p:spTree>
@@ -18786,7 +26036,7 @@
 </p:sld>
 </file>
 
-<file path=ppt/slides/slide24.xml><?xml version="1.0" encoding="utf-8"?>
+<file path=ppt/slides/slide26.xml><?xml version="1.0" encoding="utf-8"?>
 <p:sld xmlns:a="http://schemas.openxmlformats.org/drawingml/2006/main" xmlns:r="http://schemas.openxmlformats.org/officeDocument/2006/relationships" xmlns:p="http://schemas.openxmlformats.org/presentationml/2006/main">
   <p:cSld>
     <p:spTree>
